--- a/modules/CIAO/docs/Connectors.pptx
+++ b/modules/CIAO/docs/Connectors.pptx
@@ -6,10 +6,10 @@
     <p:sldMasterId id="2147483725" r:id="rId2"/>
   </p:sldMasterIdLst>
   <p:notesMasterIdLst>
-    <p:notesMasterId r:id="rId38"/>
+    <p:notesMasterId r:id="rId43"/>
   </p:notesMasterIdLst>
   <p:handoutMasterIdLst>
-    <p:handoutMasterId r:id="rId39"/>
+    <p:handoutMasterId r:id="rId44"/>
   </p:handoutMasterIdLst>
   <p:sldIdLst>
     <p:sldId id="1034" r:id="rId3"/>
@@ -25,28 +25,33 @@
     <p:sldId id="1067" r:id="rId13"/>
     <p:sldId id="1048" r:id="rId14"/>
     <p:sldId id="1049" r:id="rId15"/>
-    <p:sldId id="1035" r:id="rId16"/>
-    <p:sldId id="1040" r:id="rId17"/>
-    <p:sldId id="1051" r:id="rId18"/>
-    <p:sldId id="1052" r:id="rId19"/>
-    <p:sldId id="1054" r:id="rId20"/>
-    <p:sldId id="1058" r:id="rId21"/>
-    <p:sldId id="1053" r:id="rId22"/>
-    <p:sldId id="1055" r:id="rId23"/>
-    <p:sldId id="1057" r:id="rId24"/>
-    <p:sldId id="1056" r:id="rId25"/>
-    <p:sldId id="1059" r:id="rId26"/>
-    <p:sldId id="1060" r:id="rId27"/>
-    <p:sldId id="1068" r:id="rId28"/>
-    <p:sldId id="1069" r:id="rId29"/>
-    <p:sldId id="1070" r:id="rId30"/>
-    <p:sldId id="1071" r:id="rId31"/>
-    <p:sldId id="1072" r:id="rId32"/>
-    <p:sldId id="1073" r:id="rId33"/>
-    <p:sldId id="1074" r:id="rId34"/>
-    <p:sldId id="1075" r:id="rId35"/>
-    <p:sldId id="1076" r:id="rId36"/>
-    <p:sldId id="1077" r:id="rId37"/>
+    <p:sldId id="1081" r:id="rId16"/>
+    <p:sldId id="1035" r:id="rId17"/>
+    <p:sldId id="1078" r:id="rId18"/>
+    <p:sldId id="1079" r:id="rId19"/>
+    <p:sldId id="1080" r:id="rId20"/>
+    <p:sldId id="1082" r:id="rId21"/>
+    <p:sldId id="1083" r:id="rId22"/>
+    <p:sldId id="1051" r:id="rId23"/>
+    <p:sldId id="1052" r:id="rId24"/>
+    <p:sldId id="1054" r:id="rId25"/>
+    <p:sldId id="1058" r:id="rId26"/>
+    <p:sldId id="1053" r:id="rId27"/>
+    <p:sldId id="1055" r:id="rId28"/>
+    <p:sldId id="1057" r:id="rId29"/>
+    <p:sldId id="1056" r:id="rId30"/>
+    <p:sldId id="1059" r:id="rId31"/>
+    <p:sldId id="1060" r:id="rId32"/>
+    <p:sldId id="1068" r:id="rId33"/>
+    <p:sldId id="1069" r:id="rId34"/>
+    <p:sldId id="1070" r:id="rId35"/>
+    <p:sldId id="1071" r:id="rId36"/>
+    <p:sldId id="1072" r:id="rId37"/>
+    <p:sldId id="1073" r:id="rId38"/>
+    <p:sldId id="1074" r:id="rId39"/>
+    <p:sldId id="1075" r:id="rId40"/>
+    <p:sldId id="1076" r:id="rId41"/>
+    <p:sldId id="1077" r:id="rId42"/>
   </p:sldIdLst>
   <p:sldSz cx="9144000" cy="6858000" type="screen4x3"/>
   <p:notesSz cx="6997700" cy="9283700"/>
@@ -6653,53 +6658,6 @@
       </p:sp>
       <p:sp>
         <p:nvSpPr>
-          <p:cNvPr id="1373190" name="Text Box 6"/>
-          <p:cNvSpPr txBox="1">
-            <a:spLocks noChangeArrowheads="1"/>
-          </p:cNvSpPr>
-          <p:nvPr/>
-        </p:nvSpPr>
-        <p:spPr bwMode="auto">
-          <a:xfrm>
-            <a:off x="152400" y="57150"/>
-            <a:ext cx="5410200" cy="366713"/>
-          </a:xfrm>
-          <a:prstGeom prst="rect">
-            <a:avLst/>
-          </a:prstGeom>
-          <a:noFill/>
-          <a:ln w="9525">
-            <a:noFill/>
-            <a:miter lim="800000"/>
-            <a:headEnd/>
-            <a:tailEnd/>
-          </a:ln>
-          <a:effectLst/>
-        </p:spPr>
-        <p:txBody>
-          <a:bodyPr lIns="0" rIns="0">
-            <a:spAutoFit/>
-          </a:bodyPr>
-          <a:lstStyle/>
-          <a:p>
-            <a:pPr>
-              <a:defRPr/>
-            </a:pPr>
-            <a:r>
-              <a:rPr lang="en-US" altLang="zh-CN" i="0">
-                <a:solidFill>
-                  <a:schemeClr val="accent2"/>
-                </a:solidFill>
-                <a:latin typeface="Arial Unicode MS" pitchFamily="-65" charset="0"/>
-                <a:ea typeface="宋体" pitchFamily="-65" charset="-122"/>
-              </a:rPr>
-              <a:t>Tutorial on CCM</a:t>
-            </a:r>
-          </a:p>
-        </p:txBody>
-      </p:sp>
-      <p:sp>
-        <p:nvSpPr>
           <p:cNvPr id="1373191" name="Line 7"/>
           <p:cNvSpPr>
             <a:spLocks noChangeShapeType="1"/>
@@ -6842,52 +6800,6 @@
           </a:ln>
         </p:spPr>
       </p:pic>
-      <p:sp>
-        <p:nvSpPr>
-          <p:cNvPr id="1373196" name="Rectangle 12"/>
-          <p:cNvSpPr>
-            <a:spLocks noChangeArrowheads="1"/>
-          </p:cNvSpPr>
-          <p:nvPr/>
-        </p:nvSpPr>
-        <p:spPr bwMode="auto">
-          <a:xfrm>
-            <a:off x="6705600" y="57150"/>
-            <a:ext cx="2297113" cy="366713"/>
-          </a:xfrm>
-          <a:prstGeom prst="rect">
-            <a:avLst/>
-          </a:prstGeom>
-          <a:noFill/>
-          <a:ln w="9525">
-            <a:noFill/>
-            <a:miter lim="800000"/>
-            <a:headEnd/>
-            <a:tailEnd/>
-          </a:ln>
-          <a:effectLst/>
-        </p:spPr>
-        <p:txBody>
-          <a:bodyPr>
-            <a:spAutoFit/>
-          </a:bodyPr>
-          <a:lstStyle/>
-          <a:p>
-            <a:pPr algn="ctr">
-              <a:defRPr/>
-            </a:pPr>
-            <a:r>
-              <a:rPr lang="en-US" altLang="zh-CN" i="0">
-                <a:solidFill>
-                  <a:schemeClr val="accent2"/>
-                </a:solidFill>
-                <a:ea typeface="宋体" pitchFamily="-65" charset="-122"/>
-              </a:rPr>
-              <a:t>Douglas C. Schmidt</a:t>
-            </a:r>
-          </a:p>
-        </p:txBody>
-      </p:sp>
       <p:sp>
         <p:nvSpPr>
           <p:cNvPr id="1373201" name="Rectangle 17"/>
@@ -8694,6 +8606,13 @@
   <p:clrMapOvr>
     <a:masterClrMapping/>
   </p:clrMapOvr>
+  <p:timing>
+    <p:tnLst>
+      <p:par>
+        <p:cTn id="1" dur="indefinite" restart="never" nodeType="tmRoot"/>
+      </p:par>
+    </p:tnLst>
+  </p:timing>
 </p:sld>
 </file>
 
@@ -8780,11 +8699,7 @@
             <a:pPr lvl="1"/>
             <a:r>
               <a:rPr lang="en-US" dirty="0" smtClean="0"/>
-              <a:t>Allows D&amp;C infrastructure to coordinate </a:t>
-            </a:r>
-            <a:r>
-              <a:rPr lang="en-US" dirty="0" smtClean="0"/>
-              <a:t>configuration</a:t>
+              <a:t>Allows D&amp;C infrastructure to coordinate configuration</a:t>
             </a:r>
           </a:p>
           <a:p>
@@ -9595,11 +9510,6 @@
               </a:rPr>
               <a:t>;</a:t>
             </a:r>
-            <a:endParaRPr lang="nl-NL" sz="1600" i="0" dirty="0" smtClean="0">
-              <a:latin typeface="Courier New" charset="0"/>
-              <a:ea typeface="Courier New" charset="0"/>
-              <a:cs typeface="Courier New" charset="0"/>
-            </a:endParaRPr>
           </a:p>
           <a:p>
             <a:pPr marL="169863" indent="-169863"/>
@@ -9674,7 +9584,7 @@
       </p:grpSpPr>
       <p:pic>
         <p:nvPicPr>
-          <p:cNvPr id="5" name="Picture 4" descr="Untitled.pdf"/>
+          <p:cNvPr id="6" name="Picture 5" descr="Connectors.pdf"/>
           <p:cNvPicPr>
             <a:picLocks noChangeAspect="1"/>
           </p:cNvPicPr>
@@ -9700,8 +9610,8 @@
         </mc:AlternateContent>
         <p:spPr>
           <a:xfrm>
-            <a:off x="6234022" y="2219536"/>
-            <a:ext cx="3175000" cy="2311400"/>
+            <a:off x="5853011" y="1900813"/>
+            <a:ext cx="3467100" cy="2527300"/>
           </a:xfrm>
           <a:prstGeom prst="rect">
             <a:avLst/>
@@ -9822,7 +9732,7 @@
         <p:spPr bwMode="auto">
           <a:xfrm>
             <a:off x="0" y="1242766"/>
-            <a:ext cx="6406092" cy="4876800"/>
+            <a:ext cx="6250118" cy="4876800"/>
           </a:xfrm>
           <a:prstGeom prst="rect">
             <a:avLst/>
@@ -9855,14 +9765,7 @@
                 <a:ea typeface="宋体" pitchFamily="-65" charset="-128"/>
                 <a:cs typeface="Times New Roman" charset="0"/>
               </a:rPr>
-              <a:t>Connector</a:t>
-            </a:r>
-            <a:r>
-              <a:rPr lang="en-US" altLang="zh-CN" sz="2000" i="0" dirty="0" smtClean="0">
-                <a:ea typeface="宋体" pitchFamily="-65" charset="-128"/>
-                <a:cs typeface="Times New Roman" charset="0"/>
-              </a:rPr>
-              <a:t>s may be divided into </a:t>
+              <a:t>Connectors may be divided into </a:t>
             </a:r>
             <a:r>
               <a:rPr lang="en-US" altLang="zh-CN" sz="2000" dirty="0" smtClean="0">
@@ -9889,30 +9792,37 @@
                 <a:ea typeface="宋体" pitchFamily="-65" charset="-128"/>
                 <a:cs typeface="Times New Roman" charset="0"/>
               </a:rPr>
-              <a:t>Each </a:t>
-            </a:r>
+              <a:t>Each fragment is co-located with the component  instance is connected to</a:t>
+            </a:r>
+          </a:p>
+          <a:p>
+            <a:pPr marL="627063" lvl="1" indent="-169863">
+              <a:spcBef>
+                <a:spcPct val="40000"/>
+              </a:spcBef>
+              <a:buFontTx/>
+              <a:buChar char="•"/>
+            </a:pPr>
             <a:r>
               <a:rPr lang="en-US" altLang="zh-CN" sz="2000" i="0" dirty="0" smtClean="0">
                 <a:ea typeface="宋体" pitchFamily="-65" charset="-128"/>
                 <a:cs typeface="Times New Roman" charset="0"/>
               </a:rPr>
-              <a:t>fragment is co-located with the component  instance is connected to</a:t>
-            </a:r>
-          </a:p>
-          <a:p>
-            <a:pPr marL="627063" lvl="1" indent="-169863">
-              <a:spcBef>
-                <a:spcPct val="40000"/>
-              </a:spcBef>
-              <a:buFontTx/>
-              <a:buChar char="•"/>
-            </a:pPr>
+              <a:t>One or more fragments may be associated with</a:t>
+            </a:r>
             <a:r>
               <a:rPr lang="en-US" altLang="zh-CN" sz="2000" i="0" dirty="0" smtClean="0">
                 <a:ea typeface="宋体" pitchFamily="-65" charset="-128"/>
                 <a:cs typeface="Times New Roman" charset="0"/>
               </a:rPr>
-              <a:t>One or more fragments may be associated with a particular component</a:t>
+              <a:t> a </a:t>
+            </a:r>
+            <a:r>
+              <a:rPr lang="en-US" altLang="zh-CN" sz="2000" i="0" dirty="0" smtClean="0">
+                <a:ea typeface="宋体" pitchFamily="-65" charset="-128"/>
+                <a:cs typeface="Times New Roman" charset="0"/>
+              </a:rPr>
+              <a:t>particular component</a:t>
             </a:r>
           </a:p>
           <a:p>
@@ -9973,10 +9883,6 @@
               </a:rPr>
               <a:t>Configuration takes place via standard attributes defined in the interface</a:t>
             </a:r>
-            <a:endParaRPr lang="en-US" altLang="zh-CN" sz="2000" i="0" dirty="0" smtClean="0">
-              <a:ea typeface="宋体" pitchFamily="-65" charset="-128"/>
-              <a:cs typeface="Times New Roman" charset="0"/>
-            </a:endParaRPr>
           </a:p>
           <a:p>
             <a:pPr marL="627063" lvl="1" indent="-169863">
@@ -10055,88 +9961,95 @@
       </p:grpSpPr>
       <p:sp>
         <p:nvSpPr>
-          <p:cNvPr id="273410" name="Slide Number Placeholder 4"/>
+          <p:cNvPr id="2" name="Content Placeholder 1"/>
           <p:cNvSpPr>
             <a:spLocks noGrp="1"/>
           </p:cNvSpPr>
           <p:nvPr>
-            <p:ph type="sldNum" sz="quarter" idx="10"/>
+            <p:ph/>
           </p:nvPr>
         </p:nvSpPr>
-        <p:spPr>
-          <a:noFill/>
-        </p:spPr>
+        <p:spPr/>
         <p:txBody>
           <a:bodyPr/>
           <a:lstStyle/>
           <a:p>
-            <a:fld id="{ECDF9960-93E6-2342-923E-9E815A1270E5}" type="slidenum">
-              <a:rPr lang="zh-CN" altLang="en-US"/>
-              <a:pPr/>
-              <a:t>14</a:t>
-            </a:fld>
-            <a:endParaRPr lang="en-US" altLang="zh-CN"/>
+            <a:endParaRPr lang="en-US" dirty="0"/>
           </a:p>
         </p:txBody>
       </p:sp>
-      <p:sp>
-        <p:nvSpPr>
-          <p:cNvPr id="273411" name="Rectangle 2"/>
-          <p:cNvSpPr>
-            <a:spLocks noGrp="1" noChangeArrowheads="1"/>
-          </p:cNvSpPr>
-          <p:nvPr>
-            <p:ph type="body" idx="1"/>
-          </p:nvPr>
-        </p:nvSpPr>
+      <p:pic>
+        <p:nvPicPr>
+          <p:cNvPr id="3" name="Picture 2"/>
+          <p:cNvPicPr>
+            <a:picLocks noChangeAspect="1"/>
+          </p:cNvPicPr>
+          <p:nvPr/>
+        </p:nvPicPr>
+        <mc:AlternateContent>
+          <mc:Choice xmlns:ma="http://schemas.microsoft.com/office/mac/drawingml/2008/main" Requires="ma">
+            <p:blipFill>
+              <a:blip r:embed="rId2"/>
+              <a:stretch>
+                <a:fillRect/>
+              </a:stretch>
+            </p:blipFill>
+          </mc:Choice>
+          <mc:Fallback>
+            <p:blipFill>
+              <a:blip r:embed="rId3"/>
+              <a:stretch>
+                <a:fillRect/>
+              </a:stretch>
+            </p:blipFill>
+          </mc:Fallback>
+        </mc:AlternateContent>
         <p:spPr>
           <a:xfrm>
-            <a:off x="1311275" y="1066800"/>
-            <a:ext cx="7213600" cy="5019675"/>
+            <a:off x="1523254" y="981999"/>
+            <a:ext cx="6172200" cy="1930400"/>
           </a:xfrm>
-          <a:noFill/>
+          <a:prstGeom prst="rect">
+            <a:avLst/>
+          </a:prstGeom>
         </p:spPr>
-        <p:txBody>
-          <a:bodyPr anchor="ctr" anchorCtr="1"/>
-          <a:lstStyle/>
-          <a:p>
-            <a:pPr algn="ctr" eaLnBrk="1" hangingPunct="1">
-              <a:buFont typeface="Wingdings" charset="2"/>
-              <a:buNone/>
-            </a:pPr>
-            <a:endParaRPr lang="zh-CN" altLang="en-US" sz="5400">
-              <a:solidFill>
-                <a:srgbClr val="FF3300"/>
-              </a:solidFill>
-            </a:endParaRPr>
-          </a:p>
-          <a:p>
-            <a:pPr algn="ctr" eaLnBrk="1" hangingPunct="1">
-              <a:buFont typeface="Wingdings" charset="2"/>
-              <a:buNone/>
-            </a:pPr>
-            <a:r>
-              <a:rPr lang="en-US" altLang="zh-CN" sz="5400">
-                <a:solidFill>
-                  <a:srgbClr val="FF3300"/>
-                </a:solidFill>
-              </a:rPr>
-              <a:t>DDS4CCM</a:t>
-            </a:r>
-          </a:p>
-          <a:p>
-            <a:pPr algn="ctr" eaLnBrk="1" hangingPunct="1">
-              <a:buFont typeface="Wingdings" charset="2"/>
-              <a:buNone/>
-            </a:pPr>
-            <a:endParaRPr lang="zh-CN" altLang="en-US" sz="5400">
-              <a:solidFill>
-                <a:srgbClr val="FF3300"/>
-              </a:solidFill>
-            </a:endParaRPr>
-          </a:p>
-        </p:txBody>
-      </p:sp>
+      </p:pic>
+      <p:pic>
+        <p:nvPicPr>
+          <p:cNvPr id="4" name="Picture 3"/>
+          <p:cNvPicPr>
+            <a:picLocks noChangeAspect="1"/>
+          </p:cNvPicPr>
+          <p:nvPr/>
+        </p:nvPicPr>
+        <mc:AlternateContent>
+          <mc:Choice xmlns:ma="http://schemas.microsoft.com/office/mac/drawingml/2008/main" Requires="ma">
+            <p:blipFill>
+              <a:blip r:embed="rId4"/>
+              <a:stretch>
+                <a:fillRect/>
+              </a:stretch>
+            </p:blipFill>
+          </mc:Choice>
+          <mc:Fallback>
+            <p:blipFill>
+              <a:blip r:embed="rId5"/>
+              <a:stretch>
+                <a:fillRect/>
+              </a:stretch>
+            </p:blipFill>
+          </mc:Fallback>
+        </mc:AlternateContent>
+        <p:spPr>
+          <a:xfrm>
+            <a:off x="1535705" y="3279442"/>
+            <a:ext cx="6172200" cy="2565400"/>
+          </a:xfrm>
+          <a:prstGeom prst="rect">
+            <a:avLst/>
+          </a:prstGeom>
+        </p:spPr>
+      </p:pic>
     </p:spTree>
   </p:cSld>
   <p:clrMapOvr>
@@ -10171,291 +10084,97 @@
       </p:grpSpPr>
       <p:sp>
         <p:nvSpPr>
-          <p:cNvPr id="274434" name="Title 4"/>
+          <p:cNvPr id="273410" name="Slide Number Placeholder 4"/>
           <p:cNvSpPr>
             <a:spLocks noGrp="1"/>
           </p:cNvSpPr>
           <p:nvPr>
-            <p:ph type="title"/>
+            <p:ph type="sldNum" sz="quarter" idx="10"/>
           </p:nvPr>
         </p:nvSpPr>
-        <p:spPr/>
+        <p:spPr>
+          <a:noFill/>
+        </p:spPr>
         <p:txBody>
           <a:bodyPr/>
           <a:lstStyle/>
           <a:p>
-            <a:r>
-              <a:rPr lang="en-US"/>
-              <a:t>DDS4CCM</a:t>
-            </a:r>
-            <a:endParaRPr lang="nl-NL"/>
+            <a:fld id="{ECDF9960-93E6-2342-923E-9E815A1270E5}" type="slidenum">
+              <a:rPr lang="zh-CN" altLang="en-US"/>
+              <a:pPr/>
+              <a:t>15</a:t>
+            </a:fld>
+            <a:endParaRPr lang="en-US" altLang="zh-CN"/>
           </a:p>
         </p:txBody>
       </p:sp>
       <p:sp>
         <p:nvSpPr>
-          <p:cNvPr id="274435" name="Rectangle 3"/>
+          <p:cNvPr id="273411" name="Rectangle 2"/>
           <p:cNvSpPr>
-            <a:spLocks noChangeArrowheads="1"/>
+            <a:spLocks noGrp="1" noChangeArrowheads="1"/>
           </p:cNvSpPr>
-          <p:nvPr/>
+          <p:nvPr>
+            <p:ph type="body" idx="1"/>
+          </p:nvPr>
         </p:nvSpPr>
-        <p:spPr bwMode="auto">
+        <p:spPr>
           <a:xfrm>
-            <a:off x="228600" y="1190625"/>
-            <a:ext cx="8763000" cy="4876800"/>
+            <a:off x="969270" y="1077939"/>
+            <a:ext cx="8174730" cy="5019675"/>
           </a:xfrm>
-          <a:prstGeom prst="rect">
-            <a:avLst/>
-          </a:prstGeom>
           <a:noFill/>
-          <a:ln w="9525">
-            <a:noFill/>
-            <a:miter lim="800000"/>
-            <a:headEnd/>
-            <a:tailEnd/>
-          </a:ln>
         </p:spPr>
         <p:txBody>
-          <a:bodyPr>
-            <a:prstTxWarp prst="textNoShape">
-              <a:avLst/>
-            </a:prstTxWarp>
-          </a:bodyPr>
+          <a:bodyPr anchor="ctr" anchorCtr="1"/>
           <a:lstStyle/>
           <a:p>
-            <a:pPr marL="169863" indent="-169863">
-              <a:spcBef>
-                <a:spcPct val="40000"/>
-              </a:spcBef>
-              <a:buFontTx/>
-              <a:buChar char="•"/>
-            </a:pPr>
-            <a:endParaRPr lang="en-US" altLang="zh-CN" sz="2000" i="0">
-              <a:ea typeface="宋体" pitchFamily="-65" charset="-128"/>
-              <a:cs typeface="Times New Roman" charset="0"/>
+            <a:pPr algn="ctr" eaLnBrk="1" hangingPunct="1">
+              <a:buFont typeface="Wingdings" charset="2"/>
+              <a:buNone/>
+            </a:pPr>
+            <a:endParaRPr lang="en-US" altLang="zh-CN" sz="5400" dirty="0" smtClean="0">
+              <a:solidFill>
+                <a:srgbClr val="FF3300"/>
+              </a:solidFill>
             </a:endParaRPr>
           </a:p>
-        </p:txBody>
-      </p:sp>
-      <p:sp>
-        <p:nvSpPr>
-          <p:cNvPr id="274436" name="Rectangle 3"/>
-          <p:cNvSpPr>
-            <a:spLocks noChangeArrowheads="1"/>
-          </p:cNvSpPr>
-          <p:nvPr/>
-        </p:nvSpPr>
-        <p:spPr bwMode="auto">
-          <a:xfrm>
-            <a:off x="381000" y="1343025"/>
-            <a:ext cx="8763000" cy="4876800"/>
-          </a:xfrm>
-          <a:prstGeom prst="rect">
-            <a:avLst/>
-          </a:prstGeom>
-          <a:noFill/>
-          <a:ln w="9525">
-            <a:noFill/>
-            <a:miter lim="800000"/>
-            <a:headEnd/>
-            <a:tailEnd/>
-          </a:ln>
-        </p:spPr>
-        <p:txBody>
-          <a:bodyPr>
-            <a:prstTxWarp prst="textNoShape">
-              <a:avLst/>
-            </a:prstTxWarp>
-          </a:bodyPr>
-          <a:lstStyle/>
-          <a:p>
-            <a:pPr marL="169863" indent="-169863">
-              <a:spcBef>
-                <a:spcPct val="40000"/>
-              </a:spcBef>
-              <a:buFontTx/>
-              <a:buChar char="•"/>
-            </a:pPr>
-            <a:r>
-              <a:rPr lang="en-US" altLang="zh-CN" sz="2000" i="0">
-                <a:ea typeface="宋体" pitchFamily="-65" charset="-128"/>
-                <a:cs typeface="Times New Roman" charset="0"/>
-              </a:rPr>
-              <a:t>Integrates DDS into CCM</a:t>
-            </a:r>
-          </a:p>
-          <a:p>
-            <a:pPr marL="169863" indent="-169863">
-              <a:spcBef>
-                <a:spcPct val="40000"/>
-              </a:spcBef>
-              <a:buFontTx/>
-              <a:buChar char="•"/>
-            </a:pPr>
-            <a:r>
-              <a:rPr lang="en-US" altLang="zh-CN" sz="2000" i="0">
-                <a:ea typeface="宋体" pitchFamily="-65" charset="-128"/>
-                <a:cs typeface="Times New Roman" charset="0"/>
-              </a:rPr>
-              <a:t>Defines a set of standardized ports (currently being discussed)</a:t>
-            </a:r>
-          </a:p>
-          <a:p>
-            <a:pPr marL="627063" lvl="1" indent="-169863">
-              <a:spcBef>
-                <a:spcPct val="40000"/>
-              </a:spcBef>
-              <a:buFontTx/>
-              <a:buChar char="•"/>
-            </a:pPr>
-            <a:r>
-              <a:rPr lang="en-US" altLang="zh-CN" sz="2000" i="0">
-                <a:ea typeface="宋体" pitchFamily="-65" charset="-128"/>
-                <a:cs typeface="Times New Roman" charset="0"/>
-              </a:rPr>
-              <a:t>DDS_Write</a:t>
-            </a:r>
-          </a:p>
-          <a:p>
-            <a:pPr marL="627063" lvl="1" indent="-169863">
-              <a:spcBef>
-                <a:spcPct val="40000"/>
-              </a:spcBef>
-              <a:buFontTx/>
-              <a:buChar char="•"/>
-            </a:pPr>
-            <a:r>
-              <a:rPr lang="en-US" altLang="zh-CN" sz="2000" i="0">
-                <a:ea typeface="宋体" pitchFamily="-65" charset="-128"/>
-                <a:cs typeface="Times New Roman" charset="0"/>
-              </a:rPr>
-              <a:t>DDS_Update</a:t>
-            </a:r>
-          </a:p>
-          <a:p>
-            <a:pPr marL="627063" lvl="1" indent="-169863">
-              <a:spcBef>
-                <a:spcPct val="40000"/>
-              </a:spcBef>
-              <a:buFontTx/>
-              <a:buChar char="•"/>
-            </a:pPr>
-            <a:r>
-              <a:rPr lang="en-US" altLang="zh-CN" sz="2000" i="0">
-                <a:ea typeface="宋体" pitchFamily="-65" charset="-128"/>
-                <a:cs typeface="Times New Roman" charset="0"/>
-              </a:rPr>
-              <a:t>DDS_MultieWrite</a:t>
-            </a:r>
-          </a:p>
-          <a:p>
-            <a:pPr marL="627063" lvl="1" indent="-169863">
-              <a:spcBef>
-                <a:spcPct val="40000"/>
-              </a:spcBef>
-              <a:buFontTx/>
-              <a:buChar char="•"/>
-            </a:pPr>
-            <a:r>
-              <a:rPr lang="en-US" altLang="zh-CN" sz="2000" i="0">
-                <a:ea typeface="宋体" pitchFamily="-65" charset="-128"/>
-                <a:cs typeface="Times New Roman" charset="0"/>
-              </a:rPr>
-              <a:t>DDS_MultiUpdate</a:t>
-            </a:r>
-          </a:p>
-          <a:p>
-            <a:pPr marL="627063" lvl="1" indent="-169863">
-              <a:spcBef>
-                <a:spcPct val="40000"/>
-              </a:spcBef>
-              <a:buFontTx/>
-              <a:buChar char="•"/>
-            </a:pPr>
-            <a:r>
-              <a:rPr lang="en-US" altLang="zh-CN" sz="2000" i="0">
-                <a:ea typeface="宋体" pitchFamily="-65" charset="-128"/>
-                <a:cs typeface="Times New Roman" charset="0"/>
-              </a:rPr>
-              <a:t>DDS_Read</a:t>
-            </a:r>
-          </a:p>
-          <a:p>
-            <a:pPr marL="627063" lvl="1" indent="-169863">
-              <a:spcBef>
-                <a:spcPct val="40000"/>
-              </a:spcBef>
-              <a:buFontTx/>
-              <a:buChar char="•"/>
-            </a:pPr>
-            <a:r>
-              <a:rPr lang="en-US" altLang="zh-CN" sz="2000" i="0">
-                <a:ea typeface="宋体" pitchFamily="-65" charset="-128"/>
-                <a:cs typeface="Times New Roman" charset="0"/>
-              </a:rPr>
-              <a:t>DDS_Gett</a:t>
-            </a:r>
-          </a:p>
-          <a:p>
-            <a:pPr marL="627063" lvl="1" indent="-169863">
-              <a:spcBef>
-                <a:spcPct val="40000"/>
-              </a:spcBef>
-              <a:buFontTx/>
-              <a:buChar char="•"/>
-            </a:pPr>
-            <a:r>
-              <a:rPr lang="en-US" altLang="zh-CN" sz="2000" i="0">
-                <a:ea typeface="宋体" pitchFamily="-65" charset="-128"/>
-                <a:cs typeface="Times New Roman" charset="0"/>
-              </a:rPr>
-              <a:t>DDS_RawListen</a:t>
-            </a:r>
-          </a:p>
-          <a:p>
-            <a:pPr marL="627063" lvl="1" indent="-169863">
-              <a:spcBef>
-                <a:spcPct val="40000"/>
-              </a:spcBef>
-              <a:buFontTx/>
-              <a:buChar char="•"/>
-            </a:pPr>
-            <a:r>
-              <a:rPr lang="en-US" altLang="zh-CN" sz="2000" i="0">
-                <a:ea typeface="宋体" pitchFamily="-65" charset="-128"/>
-                <a:cs typeface="Times New Roman" charset="0"/>
-              </a:rPr>
-              <a:t>DDS_StateListen</a:t>
-            </a:r>
-          </a:p>
-          <a:p>
-            <a:pPr marL="627063" lvl="1" indent="-169863">
-              <a:spcBef>
-                <a:spcPct val="40000"/>
-              </a:spcBef>
-              <a:buFontTx/>
-              <a:buChar char="•"/>
-            </a:pPr>
-            <a:r>
-              <a:rPr lang="en-US" altLang="zh-CN" sz="2000" i="0">
-                <a:ea typeface="宋体" pitchFamily="-65" charset="-128"/>
-                <a:cs typeface="Times New Roman" charset="0"/>
-              </a:rPr>
-              <a:t>DDS_MultiListen</a:t>
-            </a:r>
-          </a:p>
-          <a:p>
-            <a:pPr marL="627063" lvl="1" indent="-169863">
-              <a:spcBef>
-                <a:spcPct val="40000"/>
-              </a:spcBef>
-              <a:buFontTx/>
-              <a:buChar char="•"/>
-            </a:pPr>
-            <a:endParaRPr lang="en-US" altLang="zh-CN" sz="2000" i="0">
-              <a:ea typeface="宋体" pitchFamily="-65" charset="-128"/>
-              <a:cs typeface="Times New Roman" charset="0"/>
+          <a:p>
+            <a:pPr algn="ctr" eaLnBrk="1" hangingPunct="1">
+              <a:buFont typeface="Wingdings" charset="2"/>
+              <a:buNone/>
+            </a:pPr>
+            <a:r>
+              <a:rPr lang="en-US" altLang="zh-CN" sz="5400" dirty="0" smtClean="0">
+                <a:solidFill>
+                  <a:srgbClr val="FF3300"/>
+                </a:solidFill>
+              </a:rPr>
+              <a:t>DDS for Lightweight </a:t>
+            </a:r>
+            <a:r>
+              <a:rPr lang="en-US" altLang="zh-CN" sz="5400" dirty="0" smtClean="0">
+                <a:solidFill>
+                  <a:srgbClr val="FF3300"/>
+                </a:solidFill>
+              </a:rPr>
+              <a:t>CCM</a:t>
+            </a:r>
+            <a:endParaRPr lang="en-US" altLang="zh-CN" sz="5400" dirty="0" smtClean="0">
+              <a:solidFill>
+                <a:srgbClr val="FF3300"/>
+              </a:solidFill>
+            </a:endParaRPr>
+          </a:p>
+          <a:p>
+            <a:pPr algn="ctr" eaLnBrk="1" hangingPunct="1">
+              <a:buFont typeface="Wingdings" charset="2"/>
+              <a:buNone/>
+            </a:pPr>
+            <a:endParaRPr lang="zh-CN" altLang="en-US" sz="5400" dirty="0">
+              <a:solidFill>
+                <a:srgbClr val="FF3300"/>
+              </a:solidFill>
             </a:endParaRPr>
           </a:p>
         </p:txBody>
@@ -10494,7 +10213,7 @@
       </p:grpSpPr>
       <p:sp>
         <p:nvSpPr>
-          <p:cNvPr id="275458" name="Title 4"/>
+          <p:cNvPr id="5" name="Title 4"/>
           <p:cNvSpPr>
             <a:spLocks noGrp="1"/>
           </p:cNvSpPr>
@@ -10508,121 +10227,129 @@
           <a:lstStyle/>
           <a:p>
             <a:r>
-              <a:rPr lang="en-US"/>
-              <a:t>Example</a:t>
-            </a:r>
-            <a:endParaRPr lang="nl-NL"/>
+              <a:rPr lang="en-US" dirty="0" smtClean="0"/>
+              <a:t>DDS for Lightweight CCM (1/3)</a:t>
+            </a:r>
+            <a:endParaRPr lang="en-US" dirty="0"/>
           </a:p>
         </p:txBody>
       </p:sp>
       <p:sp>
         <p:nvSpPr>
-          <p:cNvPr id="275459" name="Rectangle 3"/>
+          <p:cNvPr id="6" name="Content Placeholder 5"/>
           <p:cNvSpPr>
-            <a:spLocks noChangeArrowheads="1"/>
+            <a:spLocks noGrp="1"/>
           </p:cNvSpPr>
-          <p:nvPr/>
+          <p:nvPr>
+            <p:ph idx="1"/>
+          </p:nvPr>
         </p:nvSpPr>
-        <p:spPr bwMode="auto">
+        <p:spPr>
           <a:xfrm>
-            <a:off x="228600" y="1190625"/>
-            <a:ext cx="8763000" cy="4876800"/>
+            <a:off x="152400" y="990600"/>
+            <a:ext cx="8825062" cy="5181600"/>
+          </a:xfrm>
+        </p:spPr>
+        <p:txBody>
+          <a:bodyPr/>
+          <a:lstStyle/>
+          <a:p>
+            <a:r>
+              <a:rPr lang="en-US" dirty="0" smtClean="0"/>
+              <a:t>The Data Distribution Service (DDS) provides robust and high performance communication</a:t>
+            </a:r>
+          </a:p>
+          <a:p>
+            <a:pPr lvl="1"/>
+            <a:r>
+              <a:rPr lang="en-US" dirty="0" smtClean="0"/>
+              <a:t>Accommodates any flavor of pub/sub communication</a:t>
+            </a:r>
+          </a:p>
+          <a:p>
+            <a:pPr lvl="1"/>
+            <a:r>
+              <a:rPr lang="en-US" dirty="0" smtClean="0"/>
+              <a:t>Rich API for configuring behavior and Quality of Service (</a:t>
+            </a:r>
+            <a:r>
+              <a:rPr lang="en-US" dirty="0" err="1" smtClean="0"/>
+              <a:t>QoS</a:t>
+            </a:r>
+            <a:r>
+              <a:rPr lang="en-US" dirty="0" smtClean="0"/>
+              <a:t>)</a:t>
+            </a:r>
+          </a:p>
+          <a:p>
+            <a:r>
+              <a:rPr lang="en-US" dirty="0" smtClean="0"/>
+              <a:t>Flexibility and robustness comes at the price of increased complexity</a:t>
+            </a:r>
+          </a:p>
+          <a:p>
+            <a:pPr lvl="1"/>
+            <a:r>
+              <a:rPr lang="en-US" dirty="0" smtClean="0"/>
+              <a:t>Configuration can be tedious and error-prone</a:t>
+            </a:r>
+          </a:p>
+          <a:p>
+            <a:pPr lvl="1"/>
+            <a:r>
+              <a:rPr lang="en-US" dirty="0" smtClean="0"/>
+              <a:t>Developers must write boilerplate code to bootstrap and configure their application</a:t>
+            </a:r>
+          </a:p>
+          <a:p>
+            <a:pPr lvl="1"/>
+            <a:r>
+              <a:rPr lang="en-US" dirty="0" smtClean="0"/>
+              <a:t>Must develop ad-hoc and proprietary ways to store and apply configuration data</a:t>
+            </a:r>
+          </a:p>
+          <a:p>
+            <a:r>
+              <a:rPr lang="en-US" dirty="0" smtClean="0"/>
+              <a:t>The DDS for Lightweight CCM (DDS4CCM) attempts to resolve these </a:t>
+            </a:r>
+            <a:r>
+              <a:rPr lang="en-US" dirty="0" smtClean="0"/>
+              <a:t>challenges</a:t>
+            </a:r>
+            <a:endParaRPr lang="en-US" dirty="0" smtClean="0"/>
+          </a:p>
+        </p:txBody>
+      </p:sp>
+      <p:sp>
+        <p:nvSpPr>
+          <p:cNvPr id="4" name="Slide Number Placeholder 3"/>
+          <p:cNvSpPr>
+            <a:spLocks noGrp="1"/>
+          </p:cNvSpPr>
+          <p:nvPr>
+            <p:ph type="sldNum" sz="quarter" idx="4294967295"/>
+          </p:nvPr>
+        </p:nvSpPr>
+        <p:spPr>
+          <a:xfrm>
+            <a:off x="0" y="6242050"/>
+            <a:ext cx="700088" cy="488950"/>
           </a:xfrm>
           <a:prstGeom prst="rect">
             <a:avLst/>
           </a:prstGeom>
-          <a:noFill/>
-          <a:ln w="9525">
-            <a:noFill/>
-            <a:miter lim="800000"/>
-            <a:headEnd/>
-            <a:tailEnd/>
-          </a:ln>
         </p:spPr>
         <p:txBody>
-          <a:bodyPr>
-            <a:prstTxWarp prst="textNoShape">
-              <a:avLst/>
-            </a:prstTxWarp>
-          </a:bodyPr>
+          <a:bodyPr/>
           <a:lstStyle/>
           <a:p>
-            <a:pPr marL="169863" indent="-169863">
-              <a:spcBef>
-                <a:spcPct val="40000"/>
-              </a:spcBef>
-              <a:buFontTx/>
-              <a:buChar char="•"/>
-            </a:pPr>
-            <a:endParaRPr lang="en-US" altLang="zh-CN" sz="2000" i="0">
-              <a:ea typeface="宋体" pitchFamily="-65" charset="-128"/>
-              <a:cs typeface="Times New Roman" charset="0"/>
-            </a:endParaRPr>
-          </a:p>
-        </p:txBody>
-      </p:sp>
-      <p:sp>
-        <p:nvSpPr>
-          <p:cNvPr id="275460" name="Rectangle 3"/>
-          <p:cNvSpPr>
-            <a:spLocks noChangeArrowheads="1"/>
-          </p:cNvSpPr>
-          <p:nvPr/>
-        </p:nvSpPr>
-        <p:spPr bwMode="auto">
-          <a:xfrm>
-            <a:off x="381000" y="1343025"/>
-            <a:ext cx="8763000" cy="4876800"/>
-          </a:xfrm>
-          <a:prstGeom prst="rect">
-            <a:avLst/>
-          </a:prstGeom>
-          <a:noFill/>
-          <a:ln w="9525">
-            <a:noFill/>
-            <a:miter lim="800000"/>
-            <a:headEnd/>
-            <a:tailEnd/>
-          </a:ln>
-        </p:spPr>
-        <p:txBody>
-          <a:bodyPr>
-            <a:prstTxWarp prst="textNoShape">
-              <a:avLst/>
-            </a:prstTxWarp>
-          </a:bodyPr>
-          <a:lstStyle/>
-          <a:p>
-            <a:pPr marL="169863" indent="-169863">
-              <a:spcBef>
-                <a:spcPct val="40000"/>
-              </a:spcBef>
-              <a:buFontTx/>
-              <a:buChar char="•"/>
-            </a:pPr>
-            <a:r>
-              <a:rPr lang="en-US" altLang="zh-CN" sz="2000" i="0">
-                <a:ea typeface="宋体" pitchFamily="-65" charset="-128"/>
-                <a:cs typeface="Times New Roman" charset="0"/>
-              </a:rPr>
-              <a:t>Sender and Receiver component that exchange a string</a:t>
-            </a:r>
-          </a:p>
-          <a:p>
-            <a:pPr marL="169863" indent="-169863">
-              <a:spcBef>
-                <a:spcPct val="40000"/>
-              </a:spcBef>
-              <a:buFontTx/>
-              <a:buChar char="•"/>
-            </a:pPr>
-            <a:r>
-              <a:rPr lang="en-US" altLang="zh-CN" sz="2000" i="0">
-                <a:ea typeface="宋体" pitchFamily="-65" charset="-128"/>
-                <a:cs typeface="Times New Roman" charset="0"/>
-              </a:rPr>
-              <a:t>Components communicate through a DDS connector</a:t>
-            </a:r>
+            <a:fld id="{7271AB0F-A3E3-C64A-86C6-4A98DD05B5AF}" type="slidenum">
+              <a:rPr lang="zh-CN" altLang="en-US" smtClean="0"/>
+              <a:pPr/>
+              <a:t>16</a:t>
+            </a:fld>
+            <a:endParaRPr lang="en-US" altLang="zh-CN"/>
           </a:p>
         </p:txBody>
       </p:sp>
@@ -10660,7 +10387,7 @@
       </p:grpSpPr>
       <p:sp>
         <p:nvSpPr>
-          <p:cNvPr id="276482" name="Title 4"/>
+          <p:cNvPr id="2" name="Title 1"/>
           <p:cNvSpPr>
             <a:spLocks noGrp="1"/>
           </p:cNvSpPr>
@@ -10674,222 +10401,93 @@
           <a:lstStyle/>
           <a:p>
             <a:r>
-              <a:rPr lang="en-US"/>
-              <a:t>Sender IDL3+</a:t>
-            </a:r>
-            <a:endParaRPr lang="nl-NL"/>
+              <a:rPr lang="en-US" dirty="0" smtClean="0"/>
+              <a:t>DDS for Lightweight CCM (2/3)</a:t>
+            </a:r>
+            <a:endParaRPr lang="en-US" dirty="0"/>
           </a:p>
         </p:txBody>
       </p:sp>
       <p:sp>
         <p:nvSpPr>
-          <p:cNvPr id="276483" name="Rectangle 3"/>
+          <p:cNvPr id="3" name="Content Placeholder 2"/>
           <p:cNvSpPr>
-            <a:spLocks noChangeArrowheads="1"/>
+            <a:spLocks noGrp="1"/>
           </p:cNvSpPr>
-          <p:nvPr/>
+          <p:nvPr>
+            <p:ph idx="1"/>
+          </p:nvPr>
         </p:nvSpPr>
-        <p:spPr bwMode="auto">
-          <a:xfrm>
-            <a:off x="228600" y="1190625"/>
-            <a:ext cx="8763000" cy="4876800"/>
-          </a:xfrm>
-          <a:prstGeom prst="rect">
-            <a:avLst/>
-          </a:prstGeom>
-          <a:noFill/>
-          <a:ln w="9525">
-            <a:noFill/>
-            <a:miter lim="800000"/>
-            <a:headEnd/>
-            <a:tailEnd/>
-          </a:ln>
-        </p:spPr>
+        <p:spPr/>
         <p:txBody>
-          <a:bodyPr>
-            <a:prstTxWarp prst="textNoShape">
-              <a:avLst/>
-            </a:prstTxWarp>
-          </a:bodyPr>
+          <a:bodyPr/>
           <a:lstStyle/>
           <a:p>
-            <a:pPr marL="169863" indent="-169863">
-              <a:spcBef>
-                <a:spcPct val="40000"/>
-              </a:spcBef>
-              <a:buFontTx/>
-              <a:buChar char="•"/>
-            </a:pPr>
-            <a:endParaRPr lang="en-US" altLang="zh-CN" sz="2000" i="0">
-              <a:ea typeface="宋体" pitchFamily="-65" charset="-128"/>
-              <a:cs typeface="Times New Roman" charset="0"/>
-            </a:endParaRPr>
-          </a:p>
-        </p:txBody>
-      </p:sp>
-      <p:sp>
-        <p:nvSpPr>
-          <p:cNvPr id="4" name="Rectangle 3"/>
-          <p:cNvSpPr>
-            <a:spLocks noChangeArrowheads="1"/>
-          </p:cNvSpPr>
-          <p:nvPr/>
-        </p:nvSpPr>
-        <p:spPr bwMode="auto">
-          <a:xfrm>
-            <a:off x="381000" y="1343025"/>
-            <a:ext cx="8763000" cy="4876800"/>
-          </a:xfrm>
-          <a:prstGeom prst="rect">
-            <a:avLst/>
-          </a:prstGeom>
-          <a:noFill/>
-          <a:ln w="9525">
-            <a:noFill/>
-            <a:miter lim="800000"/>
-            <a:headEnd/>
-            <a:tailEnd/>
-          </a:ln>
-        </p:spPr>
-        <p:txBody>
-          <a:bodyPr>
-            <a:prstTxWarp prst="textNoShape">
-              <a:avLst/>
-            </a:prstTxWarp>
-          </a:bodyPr>
-          <a:lstStyle/>
-          <a:p>
-            <a:pPr marL="169863" indent="-169863">
-              <a:spcBef>
-                <a:spcPct val="40000"/>
-              </a:spcBef>
-              <a:buFont typeface="Arial" charset="0"/>
-              <a:buChar char="•"/>
-            </a:pPr>
-            <a:r>
-              <a:rPr lang="en-US" altLang="zh-CN" sz="2000" i="0">
-                <a:ea typeface="宋体" pitchFamily="-65" charset="-128"/>
-                <a:cs typeface="Courier New" charset="0"/>
-              </a:rPr>
-              <a:t>Uses the standardized DDS_Write port</a:t>
-            </a:r>
-          </a:p>
-          <a:p>
-            <a:pPr marL="169863" indent="-169863">
-              <a:spcBef>
-                <a:spcPct val="40000"/>
-              </a:spcBef>
-            </a:pPr>
-            <a:r>
-              <a:rPr lang="en-US" altLang="zh-CN" sz="1400" i="0">
-                <a:latin typeface="Courier New" charset="0"/>
-                <a:ea typeface="宋体" pitchFamily="-65" charset="-128"/>
-                <a:cs typeface="Courier New" charset="0"/>
-              </a:rPr>
-              <a:t>module Hello_DDS</a:t>
-            </a:r>
-          </a:p>
-          <a:p>
-            <a:pPr marL="169863" indent="-169863">
-              <a:spcBef>
-                <a:spcPct val="40000"/>
-              </a:spcBef>
-            </a:pPr>
-            <a:r>
-              <a:rPr lang="en-US" altLang="zh-CN" sz="1400" i="0">
-                <a:latin typeface="Courier New" charset="0"/>
-                <a:ea typeface="宋体" pitchFamily="-65" charset="-128"/>
-                <a:cs typeface="Courier New" charset="0"/>
-              </a:rPr>
-              <a:t>{</a:t>
-            </a:r>
-          </a:p>
-          <a:p>
-            <a:pPr marL="169863" indent="-169863">
-              <a:spcBef>
-                <a:spcPct val="40000"/>
-              </a:spcBef>
-            </a:pPr>
-            <a:r>
-              <a:rPr lang="en-US" altLang="zh-CN" sz="1400" i="0">
-                <a:latin typeface="Courier New" charset="0"/>
-                <a:ea typeface="宋体" pitchFamily="-65" charset="-128"/>
-                <a:cs typeface="Courier New" charset="0"/>
-              </a:rPr>
-              <a:t>  component Sender</a:t>
-            </a:r>
-          </a:p>
-          <a:p>
-            <a:pPr marL="169863" indent="-169863">
-              <a:spcBef>
-                <a:spcPct val="40000"/>
-              </a:spcBef>
-            </a:pPr>
-            <a:r>
-              <a:rPr lang="en-US" altLang="zh-CN" sz="1400" i="0">
-                <a:latin typeface="Courier New" charset="0"/>
-                <a:ea typeface="宋体" pitchFamily="-65" charset="-128"/>
-                <a:cs typeface="Courier New" charset="0"/>
-              </a:rPr>
-              <a:t>  {</a:t>
-            </a:r>
-          </a:p>
-          <a:p>
-            <a:pPr marL="169863" indent="-169863">
-              <a:spcBef>
-                <a:spcPct val="40000"/>
-              </a:spcBef>
-            </a:pPr>
-            <a:r>
-              <a:rPr lang="en-US" altLang="zh-CN" sz="1400" i="0">
-                <a:latin typeface="Courier New" charset="0"/>
-                <a:ea typeface="宋体" pitchFamily="-65" charset="-128"/>
-                <a:cs typeface="Courier New" charset="0"/>
-              </a:rPr>
-              <a:t>    port DDS_Write&lt;string&gt; push_message;</a:t>
-            </a:r>
-          </a:p>
-          <a:p>
-            <a:pPr marL="169863" indent="-169863">
-              <a:spcBef>
-                <a:spcPct val="40000"/>
-              </a:spcBef>
-            </a:pPr>
-            <a:r>
-              <a:rPr lang="en-US" altLang="zh-CN" sz="1400" i="0">
-                <a:latin typeface="Courier New" charset="0"/>
-                <a:ea typeface="宋体" pitchFamily="-65" charset="-128"/>
-                <a:cs typeface="Courier New" charset="0"/>
-              </a:rPr>
-              <a:t>  };</a:t>
-            </a:r>
-          </a:p>
-          <a:p>
-            <a:pPr marL="169863" indent="-169863">
-              <a:spcBef>
-                <a:spcPct val="40000"/>
-              </a:spcBef>
-            </a:pPr>
-            <a:r>
-              <a:rPr lang="en-US" altLang="zh-CN" sz="1400" i="0">
-                <a:latin typeface="Courier New" charset="0"/>
-                <a:ea typeface="宋体" pitchFamily="-65" charset="-128"/>
-                <a:cs typeface="Courier New" charset="0"/>
-              </a:rPr>
-              <a:t>};</a:t>
-            </a:r>
-          </a:p>
-          <a:p>
-            <a:pPr marL="169863" indent="-169863">
-              <a:spcBef>
-                <a:spcPct val="40000"/>
-              </a:spcBef>
-            </a:pPr>
-            <a:endParaRPr lang="en-US" altLang="zh-CN" sz="1400" i="0">
-              <a:latin typeface="Courier New" charset="0"/>
-              <a:ea typeface="宋体" pitchFamily="-65" charset="-128"/>
-              <a:cs typeface="Courier New" charset="0"/>
-            </a:endParaRPr>
+            <a:r>
+              <a:rPr lang="en-US" dirty="0" smtClean="0"/>
+              <a:t>Provides a simpler API to the application developer</a:t>
+            </a:r>
+          </a:p>
+          <a:p>
+            <a:pPr lvl="1"/>
+            <a:r>
+              <a:rPr lang="en-US" dirty="0" smtClean="0"/>
+              <a:t>Completely removes configuration from the scope of the application developer</a:t>
+            </a:r>
+          </a:p>
+          <a:p>
+            <a:pPr lvl="1"/>
+            <a:r>
+              <a:rPr lang="en-US" dirty="0" smtClean="0"/>
+              <a:t>Defines ready-to-use ports intended to hide complexity</a:t>
+            </a:r>
+          </a:p>
+          <a:p>
+            <a:pPr lvl="1"/>
+            <a:r>
+              <a:rPr lang="en-US" dirty="0" smtClean="0"/>
+              <a:t>Well-defined DDS patterns are codified in connectors with associated </a:t>
+            </a:r>
+            <a:r>
+              <a:rPr lang="en-US" dirty="0" err="1" smtClean="0"/>
+              <a:t>QoS</a:t>
+            </a:r>
+            <a:r>
+              <a:rPr lang="en-US" dirty="0" smtClean="0"/>
+              <a:t> settings</a:t>
+            </a:r>
+          </a:p>
+          <a:p>
+            <a:r>
+              <a:rPr lang="en-US" dirty="0" smtClean="0"/>
+              <a:t>Provides robust deployment and configuration support to DDS</a:t>
+            </a:r>
+          </a:p>
+          <a:p>
+            <a:pPr lvl="1"/>
+            <a:r>
+              <a:rPr lang="en-US" dirty="0" smtClean="0"/>
+              <a:t>Provides a container (via CCM) to perform application bootstrapping and configuration</a:t>
+            </a:r>
+            <a:endParaRPr lang="en-US" dirty="0" smtClean="0"/>
+          </a:p>
+          <a:p>
+            <a:pPr lvl="1"/>
+            <a:r>
+              <a:rPr lang="en-US" dirty="0" smtClean="0"/>
+              <a:t>Application binary distribution to distributed, heterogeneous domains</a:t>
+            </a:r>
+          </a:p>
+          <a:p>
+            <a:pPr lvl="1"/>
+            <a:r>
+              <a:rPr lang="en-US" dirty="0" smtClean="0"/>
+              <a:t>Coordinated application startup and teardown across distributed </a:t>
+            </a:r>
+            <a:r>
+              <a:rPr lang="en-US" dirty="0" smtClean="0"/>
+              <a:t>nodes</a:t>
+            </a:r>
           </a:p>
         </p:txBody>
       </p:sp>
@@ -10927,7 +10525,7 @@
       </p:grpSpPr>
       <p:sp>
         <p:nvSpPr>
-          <p:cNvPr id="277506" name="Title 4"/>
+          <p:cNvPr id="2" name="Title 1"/>
           <p:cNvSpPr>
             <a:spLocks noGrp="1"/>
           </p:cNvSpPr>
@@ -10941,368 +10539,33 @@
           <a:lstStyle/>
           <a:p>
             <a:r>
-              <a:rPr lang="en-US"/>
-              <a:t>Sender IDL3</a:t>
-            </a:r>
-            <a:endParaRPr lang="nl-NL"/>
+              <a:rPr lang="en-US" dirty="0" smtClean="0"/>
+              <a:t>DDS for Lightweight CCM (3/3)</a:t>
+            </a:r>
+            <a:endParaRPr lang="en-US" dirty="0"/>
           </a:p>
         </p:txBody>
       </p:sp>
       <p:sp>
         <p:nvSpPr>
-          <p:cNvPr id="277507" name="Rectangle 3"/>
+          <p:cNvPr id="3" name="Content Placeholder 2"/>
           <p:cNvSpPr>
-            <a:spLocks noChangeArrowheads="1"/>
+            <a:spLocks noGrp="1"/>
           </p:cNvSpPr>
-          <p:nvPr/>
+          <p:nvPr>
+            <p:ph idx="1"/>
+          </p:nvPr>
         </p:nvSpPr>
-        <p:spPr bwMode="auto">
-          <a:xfrm>
-            <a:off x="228600" y="1190625"/>
-            <a:ext cx="8763000" cy="4876800"/>
-          </a:xfrm>
-          <a:prstGeom prst="rect">
-            <a:avLst/>
-          </a:prstGeom>
-          <a:noFill/>
-          <a:ln w="9525">
-            <a:noFill/>
-            <a:miter lim="800000"/>
-            <a:headEnd/>
-            <a:tailEnd/>
-          </a:ln>
-        </p:spPr>
+        <p:spPr/>
         <p:txBody>
-          <a:bodyPr>
-            <a:prstTxWarp prst="textNoShape">
-              <a:avLst/>
-            </a:prstTxWarp>
-          </a:bodyPr>
+          <a:bodyPr/>
           <a:lstStyle/>
           <a:p>
-            <a:pPr marL="169863" indent="-169863">
-              <a:spcBef>
-                <a:spcPct val="40000"/>
-              </a:spcBef>
-              <a:buFontTx/>
-              <a:buChar char="•"/>
-            </a:pPr>
-            <a:endParaRPr lang="en-US" altLang="zh-CN" sz="2000" i="0">
-              <a:ea typeface="宋体" pitchFamily="-65" charset="-128"/>
-              <a:cs typeface="Times New Roman" charset="0"/>
-            </a:endParaRPr>
-          </a:p>
-        </p:txBody>
-      </p:sp>
-      <p:sp>
-        <p:nvSpPr>
-          <p:cNvPr id="277508" name="Rectangle 3"/>
-          <p:cNvSpPr>
-            <a:spLocks noChangeArrowheads="1"/>
-          </p:cNvSpPr>
-          <p:nvPr/>
-        </p:nvSpPr>
-        <p:spPr bwMode="auto">
-          <a:xfrm>
-            <a:off x="381000" y="1343025"/>
-            <a:ext cx="8763000" cy="4876800"/>
-          </a:xfrm>
-          <a:prstGeom prst="rect">
-            <a:avLst/>
-          </a:prstGeom>
-          <a:noFill/>
-          <a:ln w="9525">
-            <a:noFill/>
-            <a:miter lim="800000"/>
-            <a:headEnd/>
-            <a:tailEnd/>
-          </a:ln>
-        </p:spPr>
-        <p:txBody>
-          <a:bodyPr>
-            <a:prstTxWarp prst="textNoShape">
-              <a:avLst/>
-            </a:prstTxWarp>
-          </a:bodyPr>
-          <a:lstStyle/>
-          <a:p>
-            <a:pPr marL="169863" indent="-169863">
-              <a:spcBef>
-                <a:spcPct val="40000"/>
-              </a:spcBef>
-            </a:pPr>
-            <a:r>
-              <a:rPr lang="en-US" altLang="zh-CN" sz="1200" i="0">
-                <a:latin typeface="Courier New" charset="0"/>
-                <a:ea typeface="宋体" pitchFamily="-65" charset="-128"/>
-                <a:cs typeface="Courier New" charset="0"/>
-              </a:rPr>
-              <a:t>module CCM_DDS</a:t>
-            </a:r>
-          </a:p>
-          <a:p>
-            <a:pPr marL="169863" indent="-169863">
-              <a:spcBef>
-                <a:spcPct val="40000"/>
-              </a:spcBef>
-            </a:pPr>
-            <a:r>
-              <a:rPr lang="en-US" altLang="zh-CN" sz="1200" i="0">
-                <a:latin typeface="Courier New" charset="0"/>
-                <a:ea typeface="宋体" pitchFamily="-65" charset="-128"/>
-                <a:cs typeface="Courier New" charset="0"/>
-              </a:rPr>
-              <a:t>{</a:t>
-            </a:r>
-          </a:p>
-          <a:p>
-            <a:pPr marL="169863" indent="-169863">
-              <a:spcBef>
-                <a:spcPct val="40000"/>
-              </a:spcBef>
-            </a:pPr>
-            <a:r>
-              <a:rPr lang="en-US" altLang="zh-CN" sz="1200" i="0">
-                <a:latin typeface="Courier New" charset="0"/>
-                <a:ea typeface="宋体" pitchFamily="-65" charset="-128"/>
-                <a:cs typeface="Courier New" charset="0"/>
-              </a:rPr>
-              <a:t>  interface string_Writer</a:t>
-            </a:r>
-          </a:p>
-          <a:p>
-            <a:pPr marL="169863" indent="-169863">
-              <a:spcBef>
-                <a:spcPct val="40000"/>
-              </a:spcBef>
-            </a:pPr>
-            <a:r>
-              <a:rPr lang="en-US" altLang="zh-CN" sz="1200" i="0">
-                <a:latin typeface="Courier New" charset="0"/>
-                <a:ea typeface="宋体" pitchFamily="-65" charset="-128"/>
-                <a:cs typeface="Courier New" charset="0"/>
-              </a:rPr>
-              <a:t>  {</a:t>
-            </a:r>
-          </a:p>
-          <a:p>
-            <a:pPr marL="169863" indent="-169863">
-              <a:spcBef>
-                <a:spcPct val="40000"/>
-              </a:spcBef>
-            </a:pPr>
-            <a:r>
-              <a:rPr lang="en-US" altLang="zh-CN" sz="1200" i="0">
-                <a:latin typeface="Courier New" charset="0"/>
-                <a:ea typeface="宋体" pitchFamily="-65" charset="-128"/>
-                <a:cs typeface="Courier New" charset="0"/>
-              </a:rPr>
-              <a:t>    typedef sequence&lt;string&gt; stringSeq;</a:t>
-            </a:r>
-          </a:p>
-          <a:p>
-            <a:pPr marL="169863" indent="-169863">
-              <a:spcBef>
-                <a:spcPct val="40000"/>
-              </a:spcBef>
-            </a:pPr>
-            <a:endParaRPr lang="en-US" altLang="zh-CN" sz="1200" i="0">
-              <a:latin typeface="Courier New" charset="0"/>
-              <a:ea typeface="宋体" pitchFamily="-65" charset="-128"/>
-              <a:cs typeface="Courier New" charset="0"/>
-            </a:endParaRPr>
-          </a:p>
-          <a:p>
-            <a:pPr marL="169863" indent="-169863">
-              <a:spcBef>
-                <a:spcPct val="40000"/>
-              </a:spcBef>
-            </a:pPr>
-            <a:r>
-              <a:rPr lang="en-US" altLang="zh-CN" sz="1200" i="0">
-                <a:latin typeface="Courier New" charset="0"/>
-                <a:ea typeface="宋体" pitchFamily="-65" charset="-128"/>
-                <a:cs typeface="Courier New" charset="0"/>
-              </a:rPr>
-              <a:t>    void write (in string an_instance)</a:t>
-            </a:r>
-          </a:p>
-          <a:p>
-            <a:pPr marL="169863" indent="-169863">
-              <a:spcBef>
-                <a:spcPct val="40000"/>
-              </a:spcBef>
-            </a:pPr>
-            <a:r>
-              <a:rPr lang="en-US" altLang="zh-CN" sz="1200" i="0">
-                <a:latin typeface="Courier New" charset="0"/>
-                <a:ea typeface="宋体" pitchFamily="-65" charset="-128"/>
-                <a:cs typeface="Courier New" charset="0"/>
-              </a:rPr>
-              <a:t>      raises (InternalError);</a:t>
-            </a:r>
-          </a:p>
-          <a:p>
-            <a:pPr marL="169863" indent="-169863">
-              <a:spcBef>
-                <a:spcPct val="40000"/>
-              </a:spcBef>
-            </a:pPr>
-            <a:r>
-              <a:rPr lang="en-US" altLang="zh-CN" sz="1200" i="0">
-                <a:latin typeface="Courier New" charset="0"/>
-                <a:ea typeface="宋体" pitchFamily="-65" charset="-128"/>
-                <a:cs typeface="Courier New" charset="0"/>
-              </a:rPr>
-              <a:t>  };</a:t>
-            </a:r>
-          </a:p>
-          <a:p>
-            <a:pPr marL="169863" indent="-169863">
-              <a:spcBef>
-                <a:spcPct val="40000"/>
-              </a:spcBef>
-            </a:pPr>
-            <a:r>
-              <a:rPr lang="en-US" altLang="zh-CN" sz="1200" i="0">
-                <a:latin typeface="Courier New" charset="0"/>
-                <a:ea typeface="宋体" pitchFamily="-65" charset="-128"/>
-                <a:cs typeface="Courier New" charset="0"/>
-              </a:rPr>
-              <a:t>};</a:t>
-            </a:r>
-          </a:p>
-          <a:p>
-            <a:pPr marL="169863" indent="-169863">
-              <a:spcBef>
-                <a:spcPct val="40000"/>
-              </a:spcBef>
-            </a:pPr>
-            <a:endParaRPr lang="en-US" altLang="zh-CN" sz="1200" i="0">
-              <a:latin typeface="Courier New" charset="0"/>
-              <a:ea typeface="宋体" pitchFamily="-65" charset="-128"/>
-              <a:cs typeface="Courier New" charset="0"/>
-            </a:endParaRPr>
-          </a:p>
-          <a:p>
-            <a:pPr marL="169863" indent="-169863">
-              <a:spcBef>
-                <a:spcPct val="40000"/>
-              </a:spcBef>
-            </a:pPr>
-            <a:r>
-              <a:rPr lang="en-US" altLang="zh-CN" sz="1200" i="0">
-                <a:latin typeface="Courier New" charset="0"/>
-                <a:ea typeface="宋体" pitchFamily="-65" charset="-128"/>
-                <a:cs typeface="Courier New" charset="0"/>
-              </a:rPr>
-              <a:t>module Hello_DDS</a:t>
-            </a:r>
-          </a:p>
-          <a:p>
-            <a:pPr marL="169863" indent="-169863">
-              <a:spcBef>
-                <a:spcPct val="40000"/>
-              </a:spcBef>
-            </a:pPr>
-            <a:r>
-              <a:rPr lang="en-US" altLang="zh-CN" sz="1200" i="0">
-                <a:latin typeface="Courier New" charset="0"/>
-                <a:ea typeface="宋体" pitchFamily="-65" charset="-128"/>
-                <a:cs typeface="Courier New" charset="0"/>
-              </a:rPr>
-              <a:t>{</a:t>
-            </a:r>
-          </a:p>
-          <a:p>
-            <a:pPr marL="169863" indent="-169863">
-              <a:spcBef>
-                <a:spcPct val="40000"/>
-              </a:spcBef>
-            </a:pPr>
-            <a:r>
-              <a:rPr lang="en-US" altLang="zh-CN" sz="1200" i="0">
-                <a:latin typeface="Courier New" charset="0"/>
-                <a:ea typeface="宋体" pitchFamily="-65" charset="-128"/>
-                <a:cs typeface="Courier New" charset="0"/>
-              </a:rPr>
-              <a:t>  component Sender</a:t>
-            </a:r>
-          </a:p>
-          <a:p>
-            <a:pPr marL="169863" indent="-169863">
-              <a:spcBef>
-                <a:spcPct val="40000"/>
-              </a:spcBef>
-            </a:pPr>
-            <a:r>
-              <a:rPr lang="en-US" altLang="zh-CN" sz="1200" i="0">
-                <a:latin typeface="Courier New" charset="0"/>
-                <a:ea typeface="宋体" pitchFamily="-65" charset="-128"/>
-                <a:cs typeface="Courier New" charset="0"/>
-              </a:rPr>
-              <a:t>  {</a:t>
-            </a:r>
-          </a:p>
-          <a:p>
-            <a:pPr marL="169863" indent="-169863">
-              <a:spcBef>
-                <a:spcPct val="40000"/>
-              </a:spcBef>
-            </a:pPr>
-            <a:r>
-              <a:rPr lang="en-US" altLang="zh-CN" sz="1200" i="0">
-                <a:latin typeface="Courier New" charset="0"/>
-                <a:ea typeface="宋体" pitchFamily="-65" charset="-128"/>
-                <a:cs typeface="Courier New" charset="0"/>
-              </a:rPr>
-              <a:t>    uses CCM_DDS::string_Writer push_data_data;</a:t>
-            </a:r>
-          </a:p>
-          <a:p>
-            <a:pPr marL="169863" indent="-169863">
-              <a:spcBef>
-                <a:spcPct val="40000"/>
-              </a:spcBef>
-            </a:pPr>
-            <a:r>
-              <a:rPr lang="en-US" altLang="zh-CN" sz="1200" i="0">
-                <a:latin typeface="Courier New" charset="0"/>
-                <a:ea typeface="宋体" pitchFamily="-65" charset="-128"/>
-                <a:cs typeface="Courier New" charset="0"/>
-              </a:rPr>
-              <a:t>    uses DDS::DataWriter push_data_dds_entity;</a:t>
-            </a:r>
-          </a:p>
-          <a:p>
-            <a:pPr marL="169863" indent="-169863">
-              <a:spcBef>
-                <a:spcPct val="40000"/>
-              </a:spcBef>
-            </a:pPr>
-            <a:r>
-              <a:rPr lang="en-US" altLang="zh-CN" sz="1200" i="0">
-                <a:latin typeface="Courier New" charset="0"/>
-                <a:ea typeface="宋体" pitchFamily="-65" charset="-128"/>
-                <a:cs typeface="Courier New" charset="0"/>
-              </a:rPr>
-              <a:t>  };</a:t>
-            </a:r>
-          </a:p>
-          <a:p>
-            <a:pPr marL="169863" indent="-169863">
-              <a:spcBef>
-                <a:spcPct val="40000"/>
-              </a:spcBef>
-            </a:pPr>
-            <a:r>
-              <a:rPr lang="en-US" altLang="zh-CN" sz="1200" i="0">
-                <a:latin typeface="Courier New" charset="0"/>
-                <a:ea typeface="宋体" pitchFamily="-65" charset="-128"/>
-                <a:cs typeface="Courier New" charset="0"/>
-              </a:rPr>
-              <a:t>};</a:t>
-            </a:r>
+            <a:r>
+              <a:rPr lang="en-US" dirty="0" smtClean="0"/>
+              <a:t>Additional design info here</a:t>
+            </a:r>
+            <a:endParaRPr lang="en-US" dirty="0"/>
           </a:p>
         </p:txBody>
       </p:sp>
@@ -11340,7 +10603,7 @@
       </p:grpSpPr>
       <p:sp>
         <p:nvSpPr>
-          <p:cNvPr id="278530" name="Title 4"/>
+          <p:cNvPr id="2" name="Title 1"/>
           <p:cNvSpPr>
             <a:spLocks noGrp="1"/>
           </p:cNvSpPr>
@@ -11354,206 +10617,105 @@
           <a:lstStyle/>
           <a:p>
             <a:r>
-              <a:rPr lang="en-US"/>
-              <a:t>Write a string to DDS</a:t>
-            </a:r>
-            <a:endParaRPr lang="nl-NL"/>
+              <a:rPr lang="en-US" dirty="0" smtClean="0"/>
+              <a:t>DDS4CCM Basic Ports (1/)</a:t>
+            </a:r>
+            <a:endParaRPr lang="en-US" dirty="0"/>
           </a:p>
         </p:txBody>
       </p:sp>
       <p:sp>
         <p:nvSpPr>
-          <p:cNvPr id="278531" name="Rectangle 3"/>
+          <p:cNvPr id="3" name="Content Placeholder 2"/>
           <p:cNvSpPr>
-            <a:spLocks noChangeArrowheads="1"/>
+            <a:spLocks noGrp="1"/>
           </p:cNvSpPr>
-          <p:nvPr/>
+          <p:nvPr>
+            <p:ph idx="1"/>
+          </p:nvPr>
         </p:nvSpPr>
-        <p:spPr bwMode="auto">
-          <a:xfrm>
-            <a:off x="228600" y="1190625"/>
-            <a:ext cx="8763000" cy="4876800"/>
-          </a:xfrm>
-          <a:prstGeom prst="rect">
-            <a:avLst/>
-          </a:prstGeom>
-          <a:noFill/>
-          <a:ln w="9525">
-            <a:noFill/>
-            <a:miter lim="800000"/>
-            <a:headEnd/>
-            <a:tailEnd/>
-          </a:ln>
-        </p:spPr>
-        <p:txBody>
-          <a:bodyPr>
-            <a:prstTxWarp prst="textNoShape">
-              <a:avLst/>
-            </a:prstTxWarp>
-          </a:bodyPr>
-          <a:lstStyle/>
-          <a:p>
-            <a:pPr marL="169863" indent="-169863">
-              <a:spcBef>
-                <a:spcPct val="40000"/>
-              </a:spcBef>
-              <a:buFontTx/>
-              <a:buChar char="•"/>
-            </a:pPr>
-            <a:endParaRPr lang="en-US" altLang="zh-CN" sz="2000" i="0">
-              <a:ea typeface="宋体" pitchFamily="-65" charset="-128"/>
-              <a:cs typeface="Times New Roman" charset="0"/>
-            </a:endParaRPr>
-          </a:p>
-        </p:txBody>
-      </p:sp>
-      <p:sp>
-        <p:nvSpPr>
-          <p:cNvPr id="4" name="Rectangle 3"/>
-          <p:cNvSpPr>
-            <a:spLocks noChangeArrowheads="1"/>
-          </p:cNvSpPr>
-          <p:nvPr/>
-        </p:nvSpPr>
-        <p:spPr bwMode="auto">
-          <a:xfrm>
-            <a:off x="381000" y="1343025"/>
-            <a:ext cx="8763000" cy="4876800"/>
-          </a:xfrm>
-          <a:prstGeom prst="rect">
-            <a:avLst/>
-          </a:prstGeom>
-          <a:noFill/>
-          <a:ln w="9525">
-            <a:noFill/>
-            <a:miter lim="800000"/>
-            <a:headEnd/>
-            <a:tailEnd/>
-          </a:ln>
-        </p:spPr>
-        <p:txBody>
-          <a:bodyPr>
-            <a:prstTxWarp prst="textNoShape">
-              <a:avLst/>
-            </a:prstTxWarp>
-          </a:bodyPr>
-          <a:lstStyle/>
-          <a:p>
-            <a:pPr marL="169863" indent="-169863">
-              <a:buFontTx/>
-              <a:buChar char="•"/>
-            </a:pPr>
-            <a:r>
-              <a:rPr lang="en-US" altLang="zh-CN" sz="1200" i="0">
-                <a:ea typeface="宋体" pitchFamily="-65" charset="-128"/>
-                <a:cs typeface="宋体" pitchFamily="-65" charset="-128"/>
-              </a:rPr>
-              <a:t>Component-specific context manages receptacle connections</a:t>
-            </a:r>
-          </a:p>
-          <a:p>
-            <a:pPr marL="169863" indent="-169863">
-              <a:buFontTx/>
-              <a:buChar char="•"/>
-            </a:pPr>
-            <a:r>
-              <a:rPr lang="en-US" altLang="zh-CN" sz="1200" i="0">
-                <a:ea typeface="宋体" pitchFamily="-65" charset="-128"/>
-                <a:cs typeface="宋体" pitchFamily="-65" charset="-128"/>
-              </a:rPr>
-              <a:t>Executor acquires its connected receptacle reference from its component-specific context</a:t>
-            </a:r>
-          </a:p>
-          <a:p>
-            <a:pPr marL="169863" indent="-169863">
-              <a:spcBef>
-                <a:spcPct val="40000"/>
-              </a:spcBef>
-            </a:pPr>
-            <a:r>
-              <a:rPr lang="en-US" altLang="zh-CN" sz="1200" i="0">
-                <a:latin typeface="Courier New" charset="0"/>
-                <a:ea typeface="宋体" pitchFamily="-65" charset="-128"/>
-                <a:cs typeface="Courier New" charset="0"/>
-              </a:rPr>
-              <a:t> ::CCM_DDS::string_Writer_var writer =</a:t>
-            </a:r>
-          </a:p>
-          <a:p>
-            <a:pPr marL="169863" indent="-169863">
-              <a:spcBef>
-                <a:spcPct val="40000"/>
-              </a:spcBef>
-            </a:pPr>
-            <a:r>
-              <a:rPr lang="en-US" altLang="zh-CN" sz="1200" i="0">
-                <a:latin typeface="Courier New" charset="0"/>
-                <a:ea typeface="宋体" pitchFamily="-65" charset="-128"/>
-                <a:cs typeface="Courier New" charset="0"/>
-              </a:rPr>
-              <a:t>      this-&gt;context_-&gt;get_connection_push_data_data ();</a:t>
-            </a:r>
-          </a:p>
-          <a:p>
-            <a:pPr marL="169863" indent="-169863">
-              <a:buFontTx/>
-              <a:buChar char="•"/>
-            </a:pPr>
-            <a:r>
-              <a:rPr lang="en-US" altLang="zh-CN" sz="1200" i="0">
-                <a:ea typeface="宋体" pitchFamily="-65" charset="-128"/>
-                <a:cs typeface="宋体" pitchFamily="-65" charset="-128"/>
-              </a:rPr>
-              <a:t>Executor executes on the receptable to write a string to DDS</a:t>
-            </a:r>
-          </a:p>
-          <a:p>
-            <a:pPr marL="169863" indent="-169863">
-              <a:spcBef>
-                <a:spcPct val="40000"/>
-              </a:spcBef>
-            </a:pPr>
-            <a:r>
-              <a:rPr lang="en-US" altLang="zh-CN" sz="1200" i="0">
-                <a:latin typeface="Courier New" charset="0"/>
-                <a:ea typeface="宋体" pitchFamily="-65" charset="-128"/>
-                <a:cs typeface="宋体" pitchFamily="-65" charset="-128"/>
-              </a:rPr>
-              <a:t>writer-&gt;write (“Hello world”);</a:t>
-            </a:r>
-          </a:p>
-        </p:txBody>
-      </p:sp>
-      <p:sp>
-        <p:nvSpPr>
-          <p:cNvPr id="6" name="Rectangle 3"/>
-          <p:cNvSpPr txBox="1">
-            <a:spLocks noChangeArrowheads="1"/>
-          </p:cNvSpPr>
-          <p:nvPr/>
-        </p:nvSpPr>
-        <p:spPr>
-          <a:xfrm>
-            <a:off x="3433763" y="947738"/>
-            <a:ext cx="5595937" cy="1752600"/>
-          </a:xfrm>
-          <a:prstGeom prst="rect">
-            <a:avLst/>
-          </a:prstGeom>
-        </p:spPr>
+        <p:spPr/>
         <p:txBody>
           <a:bodyPr/>
           <a:lstStyle/>
           <a:p>
-            <a:pPr marL="169863" indent="-169863">
-              <a:buFontTx/>
-              <a:buChar char="•"/>
-              <a:defRPr/>
-            </a:pPr>
-            <a:endParaRPr lang="en-US" altLang="zh-CN" sz="2000" i="0" kern="0" dirty="0">
-              <a:latin typeface="+mn-lt"/>
-              <a:ea typeface="宋体" pitchFamily="-65" charset="-122"/>
-            </a:endParaRPr>
+            <a:r>
+              <a:rPr lang="en-US" dirty="0" smtClean="0"/>
+              <a:t>The basic ports are grouped into three categories:  </a:t>
+            </a:r>
+            <a:r>
+              <a:rPr lang="en-US" i="1" dirty="0" smtClean="0"/>
+              <a:t>Data Access – Publishing, Data Access – Subscribing, </a:t>
+            </a:r>
+            <a:r>
+              <a:rPr lang="en-US" dirty="0" smtClean="0"/>
+              <a:t>and </a:t>
+            </a:r>
+            <a:r>
+              <a:rPr lang="en-US" i="1" dirty="0" smtClean="0"/>
+              <a:t>Status Access</a:t>
+            </a:r>
+            <a:endParaRPr lang="en-US" dirty="0" smtClean="0"/>
+          </a:p>
+          <a:p>
+            <a:r>
+              <a:rPr lang="en-US" b="1" dirty="0" smtClean="0"/>
+              <a:t>Data Access – Publishing</a:t>
+            </a:r>
+            <a:endParaRPr lang="en-US" dirty="0" smtClean="0"/>
+          </a:p>
+          <a:p>
+            <a:pPr lvl="1"/>
+            <a:r>
+              <a:rPr lang="en-US" b="1" dirty="0" smtClean="0"/>
+              <a:t>Writer</a:t>
+            </a:r>
+            <a:r>
+              <a:rPr lang="en-US" dirty="0" smtClean="0"/>
+              <a:t> – Allows publication of data on a topic without regard to instance lifecycle.</a:t>
+            </a:r>
+          </a:p>
+          <a:p>
+            <a:pPr lvl="1"/>
+            <a:r>
+              <a:rPr lang="en-US" b="1" dirty="0" smtClean="0"/>
+              <a:t>Updater</a:t>
+            </a:r>
+            <a:r>
+              <a:rPr lang="en-US" dirty="0" smtClean="0"/>
+              <a:t>– Allows publication of data with management of instance lifecycle.  Allows creation, update, and deletion of instances.</a:t>
+            </a:r>
+          </a:p>
+          <a:p>
+            <a:pPr lvl="1"/>
+            <a:r>
+              <a:rPr lang="en-US" b="1" dirty="0" err="1" smtClean="0"/>
+              <a:t>MultiWriter</a:t>
+            </a:r>
+            <a:r>
+              <a:rPr lang="en-US" dirty="0" smtClean="0"/>
+              <a:t> – Like </a:t>
+            </a:r>
+            <a:r>
+              <a:rPr lang="en-US" i="1" dirty="0" smtClean="0"/>
+              <a:t>Writer</a:t>
+            </a:r>
+            <a:r>
+              <a:rPr lang="en-US" dirty="0" smtClean="0"/>
+              <a:t>, but acts on groups of instances instead of individually.  Supports coherent writes.</a:t>
+            </a:r>
+          </a:p>
+          <a:p>
+            <a:pPr lvl="1"/>
+            <a:r>
+              <a:rPr lang="en-US" b="1" dirty="0" err="1" smtClean="0"/>
+              <a:t>MultiUpdater</a:t>
+            </a:r>
+            <a:r>
+              <a:rPr lang="en-US" dirty="0" smtClean="0"/>
+              <a:t> – Like updater, but acts on groups of instances.  Supports coherent updates. </a:t>
+            </a:r>
+            <a:endParaRPr lang="en-US" b="1" dirty="0"/>
           </a:p>
         </p:txBody>
       </p:sp>
@@ -11909,7 +11071,7 @@
       </p:grpSpPr>
       <p:sp>
         <p:nvSpPr>
-          <p:cNvPr id="279554" name="Title 4"/>
+          <p:cNvPr id="2" name="Title 1"/>
           <p:cNvSpPr>
             <a:spLocks noGrp="1"/>
           </p:cNvSpPr>
@@ -11923,289 +11085,97 @@
           <a:lstStyle/>
           <a:p>
             <a:r>
-              <a:rPr lang="en-US"/>
-              <a:t>Receiver IDL3+</a:t>
-            </a:r>
-            <a:endParaRPr lang="nl-NL"/>
+              <a:rPr lang="en-US" dirty="0" smtClean="0"/>
+              <a:t>DDS4CCM Basic Ports (2/)</a:t>
+            </a:r>
+            <a:endParaRPr lang="en-US" dirty="0"/>
           </a:p>
         </p:txBody>
       </p:sp>
       <p:sp>
         <p:nvSpPr>
-          <p:cNvPr id="279555" name="Rectangle 3"/>
+          <p:cNvPr id="3" name="Content Placeholder 2"/>
           <p:cNvSpPr>
-            <a:spLocks noChangeArrowheads="1"/>
+            <a:spLocks noGrp="1"/>
           </p:cNvSpPr>
-          <p:nvPr/>
+          <p:nvPr>
+            <p:ph idx="1"/>
+          </p:nvPr>
         </p:nvSpPr>
-        <p:spPr bwMode="auto">
-          <a:xfrm>
-            <a:off x="228600" y="1190625"/>
-            <a:ext cx="8763000" cy="4876800"/>
-          </a:xfrm>
-          <a:prstGeom prst="rect">
-            <a:avLst/>
-          </a:prstGeom>
-          <a:noFill/>
-          <a:ln w="9525">
-            <a:noFill/>
-            <a:miter lim="800000"/>
-            <a:headEnd/>
-            <a:tailEnd/>
-          </a:ln>
-        </p:spPr>
-        <p:txBody>
-          <a:bodyPr>
-            <a:prstTxWarp prst="textNoShape">
-              <a:avLst/>
-            </a:prstTxWarp>
-          </a:bodyPr>
-          <a:lstStyle/>
-          <a:p>
-            <a:pPr marL="169863" indent="-169863">
-              <a:spcBef>
-                <a:spcPct val="40000"/>
-              </a:spcBef>
-              <a:buFontTx/>
-              <a:buChar char="•"/>
-            </a:pPr>
-            <a:endParaRPr lang="en-US" altLang="zh-CN" sz="2000" i="0">
-              <a:ea typeface="宋体" pitchFamily="-65" charset="-128"/>
-              <a:cs typeface="Times New Roman" charset="0"/>
-            </a:endParaRPr>
-          </a:p>
-        </p:txBody>
-      </p:sp>
-      <p:sp>
-        <p:nvSpPr>
-          <p:cNvPr id="4" name="Rectangle 3"/>
-          <p:cNvSpPr>
-            <a:spLocks noChangeArrowheads="1"/>
-          </p:cNvSpPr>
-          <p:nvPr/>
-        </p:nvSpPr>
-        <p:spPr bwMode="auto">
-          <a:xfrm>
-            <a:off x="381000" y="1343025"/>
-            <a:ext cx="8763000" cy="4876800"/>
-          </a:xfrm>
-          <a:prstGeom prst="rect">
-            <a:avLst/>
-          </a:prstGeom>
-          <a:noFill/>
-          <a:ln w="9525">
-            <a:noFill/>
-            <a:miter lim="800000"/>
-            <a:headEnd/>
-            <a:tailEnd/>
-          </a:ln>
-        </p:spPr>
+        <p:spPr/>
         <p:txBody>
           <a:bodyPr/>
           <a:lstStyle/>
           <a:p>
-            <a:pPr marL="169863" indent="-169863">
-              <a:spcBef>
-                <a:spcPct val="40000"/>
-              </a:spcBef>
-              <a:buFont typeface="Arial" pitchFamily="34" charset="0"/>
-              <a:buChar char="•"/>
-              <a:defRPr/>
-            </a:pPr>
-            <a:r>
-              <a:rPr lang="en-US" altLang="zh-CN" sz="2000" i="0" dirty="0">
-                <a:latin typeface="+mn-lt"/>
-                <a:ea typeface="宋体" pitchFamily="-65" charset="-122"/>
-                <a:cs typeface="Courier New" pitchFamily="49" charset="0"/>
-              </a:rPr>
-              <a:t>Uses the standardized </a:t>
-            </a:r>
-            <a:r>
-              <a:rPr lang="en-US" altLang="zh-CN" sz="2000" i="0" dirty="0" err="1">
-                <a:latin typeface="+mn-lt"/>
-                <a:ea typeface="宋体" pitchFamily="-65" charset="-122"/>
-                <a:cs typeface="Courier New" pitchFamily="49" charset="0"/>
-              </a:rPr>
-              <a:t>DDS_RawListen</a:t>
-            </a:r>
-            <a:r>
-              <a:rPr lang="en-US" altLang="zh-CN" sz="2000" i="0" dirty="0">
-                <a:latin typeface="+mn-lt"/>
-                <a:ea typeface="宋体" pitchFamily="-65" charset="-122"/>
-                <a:cs typeface="Courier New" pitchFamily="49" charset="0"/>
-              </a:rPr>
-              <a:t> port</a:t>
-            </a:r>
-          </a:p>
-          <a:p>
-            <a:pPr marL="169863" indent="-169863">
-              <a:spcBef>
-                <a:spcPct val="40000"/>
-              </a:spcBef>
-              <a:defRPr/>
-            </a:pPr>
-            <a:endParaRPr lang="en-US" altLang="zh-CN" sz="1400" i="0" dirty="0">
-              <a:latin typeface="Courier New" pitchFamily="49" charset="0"/>
-              <a:ea typeface="宋体" pitchFamily="-65" charset="-122"/>
-              <a:cs typeface="Courier New" pitchFamily="49" charset="0"/>
-            </a:endParaRPr>
-          </a:p>
-          <a:p>
-            <a:pPr marL="169863" indent="-169863">
-              <a:spcBef>
-                <a:spcPct val="40000"/>
-              </a:spcBef>
-              <a:defRPr/>
-            </a:pPr>
-            <a:r>
-              <a:rPr lang="en-US" altLang="zh-CN" sz="1400" i="0" dirty="0">
-                <a:latin typeface="Courier New" pitchFamily="49" charset="0"/>
-                <a:ea typeface="宋体" pitchFamily="-65" charset="-122"/>
-                <a:cs typeface="Courier New" pitchFamily="49" charset="0"/>
-              </a:rPr>
-              <a:t>module </a:t>
-            </a:r>
-            <a:r>
-              <a:rPr lang="en-US" altLang="zh-CN" sz="1400" i="0" dirty="0" err="1">
-                <a:latin typeface="Courier New" pitchFamily="49" charset="0"/>
-                <a:ea typeface="宋体" pitchFamily="-65" charset="-122"/>
-                <a:cs typeface="Courier New" pitchFamily="49" charset="0"/>
-              </a:rPr>
-              <a:t>Hello_DDS</a:t>
-            </a:r>
-            <a:endParaRPr lang="en-US" altLang="zh-CN" sz="1400" i="0" dirty="0">
-              <a:latin typeface="Courier New" pitchFamily="49" charset="0"/>
-              <a:ea typeface="宋体" pitchFamily="-65" charset="-122"/>
-              <a:cs typeface="Courier New" pitchFamily="49" charset="0"/>
-            </a:endParaRPr>
-          </a:p>
-          <a:p>
-            <a:pPr marL="169863" indent="-169863">
-              <a:spcBef>
-                <a:spcPct val="40000"/>
-              </a:spcBef>
-              <a:defRPr/>
-            </a:pPr>
-            <a:r>
-              <a:rPr lang="en-US" altLang="zh-CN" sz="1400" i="0" dirty="0">
-                <a:latin typeface="Courier New" pitchFamily="49" charset="0"/>
-                <a:ea typeface="宋体" pitchFamily="-65" charset="-122"/>
-                <a:cs typeface="Courier New" pitchFamily="49" charset="0"/>
-              </a:rPr>
-              <a:t>{</a:t>
-            </a:r>
-          </a:p>
-          <a:p>
-            <a:pPr marL="169863" indent="-169863">
-              <a:spcBef>
-                <a:spcPct val="40000"/>
-              </a:spcBef>
-              <a:defRPr/>
-            </a:pPr>
-            <a:r>
-              <a:rPr lang="en-US" altLang="zh-CN" sz="1400" i="0" dirty="0">
-                <a:latin typeface="Courier New" pitchFamily="49" charset="0"/>
-                <a:ea typeface="宋体" pitchFamily="-65" charset="-122"/>
-                <a:cs typeface="Courier New" pitchFamily="49" charset="0"/>
-              </a:rPr>
-              <a:t>  component Receiver</a:t>
-            </a:r>
-          </a:p>
-          <a:p>
-            <a:pPr marL="169863" indent="-169863">
-              <a:spcBef>
-                <a:spcPct val="40000"/>
-              </a:spcBef>
-              <a:defRPr/>
-            </a:pPr>
-            <a:r>
-              <a:rPr lang="en-US" altLang="zh-CN" sz="1400" i="0" dirty="0">
-                <a:latin typeface="Courier New" pitchFamily="49" charset="0"/>
-                <a:ea typeface="宋体" pitchFamily="-65" charset="-122"/>
-                <a:cs typeface="Courier New" pitchFamily="49" charset="0"/>
-              </a:rPr>
-              <a:t>  {</a:t>
-            </a:r>
-          </a:p>
-          <a:p>
-            <a:pPr marL="169863" indent="-169863">
-              <a:spcBef>
-                <a:spcPct val="40000"/>
-              </a:spcBef>
-              <a:defRPr/>
-            </a:pPr>
-            <a:r>
-              <a:rPr lang="en-US" altLang="zh-CN" sz="1400" i="0" dirty="0">
-                <a:latin typeface="Courier New" pitchFamily="49" charset="0"/>
-                <a:ea typeface="宋体" pitchFamily="-65" charset="-122"/>
-                <a:cs typeface="Courier New" pitchFamily="49" charset="0"/>
-              </a:rPr>
-              <a:t>    port </a:t>
-            </a:r>
-            <a:r>
-              <a:rPr lang="en-US" altLang="zh-CN" sz="1400" i="0" dirty="0" err="1">
-                <a:latin typeface="Courier New" pitchFamily="49" charset="0"/>
-                <a:ea typeface="宋体" pitchFamily="-65" charset="-122"/>
-                <a:cs typeface="Courier New" pitchFamily="49" charset="0"/>
-              </a:rPr>
-              <a:t>DDS_RawListen</a:t>
-            </a:r>
-            <a:r>
-              <a:rPr lang="en-US" altLang="zh-CN" sz="1400" i="0" dirty="0">
-                <a:latin typeface="Courier New" pitchFamily="49" charset="0"/>
-                <a:ea typeface="宋体" pitchFamily="-65" charset="-122"/>
-                <a:cs typeface="Courier New" pitchFamily="49" charset="0"/>
-              </a:rPr>
-              <a:t>&lt;string&gt; </a:t>
-            </a:r>
-            <a:r>
-              <a:rPr lang="en-US" altLang="zh-CN" sz="1400" i="0" dirty="0" err="1">
-                <a:latin typeface="Courier New" pitchFamily="49" charset="0"/>
-                <a:ea typeface="宋体" pitchFamily="-65" charset="-122"/>
-                <a:cs typeface="Courier New" pitchFamily="49" charset="0"/>
-              </a:rPr>
-              <a:t>read_message</a:t>
-            </a:r>
-            <a:r>
-              <a:rPr lang="en-US" altLang="zh-CN" sz="1400" i="0" dirty="0">
-                <a:latin typeface="Courier New" pitchFamily="49" charset="0"/>
-                <a:ea typeface="宋体" pitchFamily="-65" charset="-122"/>
-                <a:cs typeface="Courier New" pitchFamily="49" charset="0"/>
-              </a:rPr>
-              <a:t>;</a:t>
-            </a:r>
-          </a:p>
-          <a:p>
-            <a:pPr marL="169863" indent="-169863">
-              <a:spcBef>
-                <a:spcPct val="40000"/>
-              </a:spcBef>
-              <a:defRPr/>
-            </a:pPr>
-            <a:r>
-              <a:rPr lang="en-US" altLang="zh-CN" sz="1400" i="0" dirty="0">
-                <a:latin typeface="Courier New" pitchFamily="49" charset="0"/>
-                <a:ea typeface="宋体" pitchFamily="-65" charset="-122"/>
-                <a:cs typeface="Courier New" pitchFamily="49" charset="0"/>
-              </a:rPr>
-              <a:t>  };</a:t>
-            </a:r>
-          </a:p>
-          <a:p>
-            <a:pPr marL="169863" indent="-169863">
-              <a:spcBef>
-                <a:spcPct val="40000"/>
-              </a:spcBef>
-              <a:defRPr/>
-            </a:pPr>
-            <a:r>
-              <a:rPr lang="en-US" altLang="zh-CN" sz="1400" i="0" dirty="0">
-                <a:latin typeface="Courier New" pitchFamily="49" charset="0"/>
-                <a:ea typeface="宋体" pitchFamily="-65" charset="-122"/>
-                <a:cs typeface="Courier New" pitchFamily="49" charset="0"/>
-              </a:rPr>
-              <a:t>};</a:t>
-            </a:r>
+            <a:r>
+              <a:rPr lang="en-US" b="1" dirty="0" smtClean="0"/>
+              <a:t>Data Access – Subscribing</a:t>
+            </a:r>
+            <a:endParaRPr lang="en-US" dirty="0" smtClean="0"/>
+          </a:p>
+          <a:p>
+            <a:pPr lvl="1"/>
+            <a:r>
+              <a:rPr lang="en-US" b="1" dirty="0" smtClean="0"/>
+              <a:t>Reader</a:t>
+            </a:r>
+            <a:r>
+              <a:rPr lang="en-US" dirty="0" smtClean="0"/>
+              <a:t> – Allows access of one or more instances with non-blocking semantics.</a:t>
+            </a:r>
+          </a:p>
+          <a:p>
+            <a:pPr lvl="1"/>
+            <a:r>
+              <a:rPr lang="en-US" b="1" dirty="0" smtClean="0"/>
+              <a:t>Getter</a:t>
+            </a:r>
+            <a:r>
+              <a:rPr lang="en-US" dirty="0" smtClean="0"/>
+              <a:t> – Allows access of one or more instances with blocking semantics.</a:t>
+            </a:r>
+          </a:p>
+          <a:p>
+            <a:pPr lvl="1"/>
+            <a:r>
+              <a:rPr lang="en-US" b="1" dirty="0" err="1" smtClean="0"/>
+              <a:t>RawListener</a:t>
+            </a:r>
+            <a:r>
+              <a:rPr lang="en-US" dirty="0" smtClean="0"/>
+              <a:t> – Provides a callback mechanism to the application when new data arrives, regardless of instance state</a:t>
+            </a:r>
+          </a:p>
+          <a:p>
+            <a:pPr lvl="1"/>
+            <a:r>
+              <a:rPr lang="en-US" b="1" dirty="0" err="1" smtClean="0"/>
+              <a:t>StateListener</a:t>
+            </a:r>
+            <a:r>
+              <a:rPr lang="en-US" dirty="0" smtClean="0"/>
+              <a:t> – Provides a callback mechanism to the application when new data arrives, with different operations depending on state</a:t>
+            </a:r>
+          </a:p>
+          <a:p>
+            <a:pPr lvl="1"/>
+            <a:r>
+              <a:rPr lang="en-US" b="1" dirty="0" err="1" smtClean="0"/>
+              <a:t>MultiListener</a:t>
+            </a:r>
+            <a:r>
+              <a:rPr lang="en-US" dirty="0" smtClean="0"/>
+              <a:t> – Provides a callback like </a:t>
+            </a:r>
+            <a:r>
+              <a:rPr lang="en-US" dirty="0" err="1" smtClean="0"/>
+              <a:t>RawListener</a:t>
+            </a:r>
+            <a:r>
+              <a:rPr lang="en-US" dirty="0" smtClean="0"/>
+              <a:t>, except a sequence of instances may be provided</a:t>
+            </a:r>
+            <a:endParaRPr lang="en-US" b="1" dirty="0"/>
           </a:p>
         </p:txBody>
       </p:sp>
@@ -12243,7 +11213,7 @@
       </p:grpSpPr>
       <p:sp>
         <p:nvSpPr>
-          <p:cNvPr id="280578" name="Title 4"/>
+          <p:cNvPr id="275458" name="Title 4"/>
           <p:cNvSpPr>
             <a:spLocks noGrp="1"/>
           </p:cNvSpPr>
@@ -12258,7 +11228,7 @@
           <a:p>
             <a:r>
               <a:rPr lang="en-US"/>
-              <a:t>Receiver IDL3</a:t>
+              <a:t>Example</a:t>
             </a:r>
             <a:endParaRPr lang="nl-NL"/>
           </a:p>
@@ -12266,7 +11236,7 @@
       </p:sp>
       <p:sp>
         <p:nvSpPr>
-          <p:cNvPr id="280579" name="Rectangle 3"/>
+          <p:cNvPr id="275459" name="Rectangle 3"/>
           <p:cNvSpPr>
             <a:spLocks noChangeArrowheads="1"/>
           </p:cNvSpPr>
@@ -12312,7 +11282,7 @@
       </p:sp>
       <p:sp>
         <p:nvSpPr>
-          <p:cNvPr id="4" name="Rectangle 3"/>
+          <p:cNvPr id="275460" name="Rectangle 3"/>
           <p:cNvSpPr>
             <a:spLocks noChangeArrowheads="1"/>
           </p:cNvSpPr>
@@ -12320,7 +11290,7 @@
         </p:nvSpPr>
         <p:spPr bwMode="auto">
           <a:xfrm>
-            <a:off x="381000" y="1133475"/>
+            <a:off x="381000" y="1343025"/>
             <a:ext cx="8763000" cy="4876800"/>
           </a:xfrm>
           <a:prstGeom prst="rect">
@@ -12335,24 +11305,26 @@
           </a:ln>
         </p:spPr>
         <p:txBody>
-          <a:bodyPr/>
+          <a:bodyPr>
+            <a:prstTxWarp prst="textNoShape">
+              <a:avLst/>
+            </a:prstTxWarp>
+          </a:bodyPr>
           <a:lstStyle/>
           <a:p>
             <a:pPr marL="169863" indent="-169863">
               <a:spcBef>
                 <a:spcPct val="40000"/>
               </a:spcBef>
-              <a:buFont typeface="Arial" pitchFamily="34" charset="0"/>
+              <a:buFontTx/>
               <a:buChar char="•"/>
-              <a:defRPr/>
-            </a:pPr>
-            <a:r>
-              <a:rPr lang="en-US" altLang="zh-CN" sz="2000" i="0" dirty="0">
-                <a:latin typeface="+mn-lt"/>
-                <a:ea typeface="宋体" pitchFamily="-65" charset="-122"/>
-                <a:cs typeface="Courier New" pitchFamily="49" charset="0"/>
-              </a:rPr>
-              <a:t>Type specific reader interface</a:t>
+            </a:pPr>
+            <a:r>
+              <a:rPr lang="en-US" altLang="zh-CN" sz="2000" i="0">
+                <a:ea typeface="宋体" pitchFamily="-65" charset="-128"/>
+                <a:cs typeface="Times New Roman" charset="0"/>
+              </a:rPr>
+              <a:t>Sender and Receiver component that exchange a string</a:t>
             </a:r>
           </a:p>
           <a:p>
@@ -12360,780 +11332,15 @@
               <a:spcBef>
                 <a:spcPct val="40000"/>
               </a:spcBef>
-              <a:defRPr/>
-            </a:pPr>
-            <a:r>
-              <a:rPr lang="en-US" altLang="zh-CN" sz="1100" i="0" dirty="0">
-                <a:latin typeface="Courier New" pitchFamily="49" charset="0"/>
-                <a:ea typeface="宋体" pitchFamily="-65" charset="-122"/>
-                <a:cs typeface="Courier New" pitchFamily="49" charset="0"/>
-              </a:rPr>
-              <a:t>module CCM_DDS</a:t>
-            </a:r>
-          </a:p>
-          <a:p>
-            <a:pPr marL="169863" indent="-169863">
-              <a:spcBef>
-                <a:spcPct val="40000"/>
-              </a:spcBef>
-              <a:defRPr/>
-            </a:pPr>
-            <a:r>
-              <a:rPr lang="en-US" altLang="zh-CN" sz="1100" i="0" dirty="0">
-                <a:latin typeface="Courier New" pitchFamily="49" charset="0"/>
-                <a:ea typeface="宋体" pitchFamily="-65" charset="-122"/>
-                <a:cs typeface="Courier New" pitchFamily="49" charset="0"/>
-              </a:rPr>
-              <a:t>{</a:t>
-            </a:r>
-          </a:p>
-          <a:p>
-            <a:pPr marL="169863" indent="-169863">
-              <a:spcBef>
-                <a:spcPct val="40000"/>
-              </a:spcBef>
-              <a:defRPr/>
-            </a:pPr>
-            <a:r>
-              <a:rPr lang="en-US" altLang="zh-CN" sz="1100" i="0" dirty="0">
-                <a:latin typeface="Courier New" pitchFamily="49" charset="0"/>
-                <a:ea typeface="宋体" pitchFamily="-65" charset="-122"/>
-                <a:cs typeface="Courier New" pitchFamily="49" charset="0"/>
-              </a:rPr>
-              <a:t>    interface </a:t>
-            </a:r>
-            <a:r>
-              <a:rPr lang="en-US" altLang="zh-CN" sz="1100" i="0" dirty="0" err="1">
-                <a:latin typeface="Courier New" pitchFamily="49" charset="0"/>
-                <a:ea typeface="宋体" pitchFamily="-65" charset="-122"/>
-                <a:cs typeface="Courier New" pitchFamily="49" charset="0"/>
-              </a:rPr>
-              <a:t>string_Reader</a:t>
-            </a:r>
-            <a:endParaRPr lang="en-US" altLang="zh-CN" sz="1100" i="0" dirty="0">
-              <a:latin typeface="Courier New" pitchFamily="49" charset="0"/>
-              <a:ea typeface="宋体" pitchFamily="-65" charset="-122"/>
-              <a:cs typeface="Courier New" pitchFamily="49" charset="0"/>
-            </a:endParaRPr>
-          </a:p>
-          <a:p>
-            <a:pPr marL="169863" indent="-169863">
-              <a:spcBef>
-                <a:spcPct val="40000"/>
-              </a:spcBef>
-              <a:defRPr/>
-            </a:pPr>
-            <a:r>
-              <a:rPr lang="en-US" altLang="zh-CN" sz="1100" i="0" dirty="0">
-                <a:latin typeface="Courier New" pitchFamily="49" charset="0"/>
-                <a:ea typeface="宋体" pitchFamily="-65" charset="-122"/>
-                <a:cs typeface="Courier New" pitchFamily="49" charset="0"/>
-              </a:rPr>
-              <a:t>    {</a:t>
-            </a:r>
-          </a:p>
-          <a:p>
-            <a:pPr marL="169863" indent="-169863">
-              <a:spcBef>
-                <a:spcPct val="40000"/>
-              </a:spcBef>
-              <a:defRPr/>
-            </a:pPr>
-            <a:r>
-              <a:rPr lang="en-US" altLang="zh-CN" sz="1100" i="0" dirty="0">
-                <a:latin typeface="Courier New" pitchFamily="49" charset="0"/>
-                <a:ea typeface="宋体" pitchFamily="-65" charset="-122"/>
-                <a:cs typeface="Courier New" pitchFamily="49" charset="0"/>
-              </a:rPr>
-              <a:t>      </a:t>
-            </a:r>
-            <a:r>
-              <a:rPr lang="en-US" altLang="zh-CN" sz="1100" i="0" dirty="0" err="1">
-                <a:latin typeface="Courier New" pitchFamily="49" charset="0"/>
-                <a:ea typeface="宋体" pitchFamily="-65" charset="-122"/>
-                <a:cs typeface="Courier New" pitchFamily="49" charset="0"/>
-              </a:rPr>
-              <a:t>typedef</a:t>
-            </a:r>
-            <a:r>
-              <a:rPr lang="en-US" altLang="zh-CN" sz="1100" i="0" dirty="0">
-                <a:latin typeface="Courier New" pitchFamily="49" charset="0"/>
-                <a:ea typeface="宋体" pitchFamily="-65" charset="-122"/>
-                <a:cs typeface="Courier New" pitchFamily="49" charset="0"/>
-              </a:rPr>
-              <a:t> sequence&lt;string&gt; </a:t>
-            </a:r>
-            <a:r>
-              <a:rPr lang="en-US" altLang="zh-CN" sz="1100" i="0" dirty="0" err="1">
-                <a:latin typeface="Courier New" pitchFamily="49" charset="0"/>
-                <a:ea typeface="宋体" pitchFamily="-65" charset="-122"/>
-                <a:cs typeface="Courier New" pitchFamily="49" charset="0"/>
-              </a:rPr>
-              <a:t>stringSeq</a:t>
-            </a:r>
-            <a:r>
-              <a:rPr lang="en-US" altLang="zh-CN" sz="1100" i="0" dirty="0">
-                <a:latin typeface="Courier New" pitchFamily="49" charset="0"/>
-                <a:ea typeface="宋体" pitchFamily="-65" charset="-122"/>
-                <a:cs typeface="Courier New" pitchFamily="49" charset="0"/>
-              </a:rPr>
-              <a:t>;</a:t>
-            </a:r>
-          </a:p>
-          <a:p>
-            <a:pPr marL="169863" indent="-169863">
-              <a:spcBef>
-                <a:spcPct val="40000"/>
-              </a:spcBef>
-              <a:defRPr/>
-            </a:pPr>
-            <a:r>
-              <a:rPr lang="en-US" altLang="zh-CN" sz="1100" i="0" dirty="0">
-                <a:latin typeface="Courier New" pitchFamily="49" charset="0"/>
-                <a:ea typeface="宋体" pitchFamily="-65" charset="-122"/>
-                <a:cs typeface="Courier New" pitchFamily="49" charset="0"/>
-              </a:rPr>
-              <a:t>      void </a:t>
-            </a:r>
-            <a:r>
-              <a:rPr lang="en-US" altLang="zh-CN" sz="1100" i="0" dirty="0" err="1">
-                <a:latin typeface="Courier New" pitchFamily="49" charset="0"/>
-                <a:ea typeface="宋体" pitchFamily="-65" charset="-122"/>
-                <a:cs typeface="Courier New" pitchFamily="49" charset="0"/>
-              </a:rPr>
-              <a:t>read_all</a:t>
-            </a:r>
-            <a:r>
-              <a:rPr lang="en-US" altLang="zh-CN" sz="1100" i="0" dirty="0">
-                <a:latin typeface="Courier New" pitchFamily="49" charset="0"/>
-                <a:ea typeface="宋体" pitchFamily="-65" charset="-122"/>
-                <a:cs typeface="Courier New" pitchFamily="49" charset="0"/>
-              </a:rPr>
-              <a:t> (out </a:t>
-            </a:r>
-            <a:r>
-              <a:rPr lang="en-US" altLang="zh-CN" sz="1100" i="0" dirty="0" err="1">
-                <a:latin typeface="Courier New" pitchFamily="49" charset="0"/>
-                <a:ea typeface="宋体" pitchFamily="-65" charset="-122"/>
-                <a:cs typeface="Courier New" pitchFamily="49" charset="0"/>
-              </a:rPr>
-              <a:t>stringSeq</a:t>
-            </a:r>
-            <a:r>
-              <a:rPr lang="en-US" altLang="zh-CN" sz="1100" i="0" dirty="0">
-                <a:latin typeface="Courier New" pitchFamily="49" charset="0"/>
-                <a:ea typeface="宋体" pitchFamily="-65" charset="-122"/>
-                <a:cs typeface="Courier New" pitchFamily="49" charset="0"/>
-              </a:rPr>
-              <a:t> instances, out </a:t>
-            </a:r>
-            <a:r>
-              <a:rPr lang="en-US" altLang="zh-CN" sz="1100" i="0" dirty="0" err="1">
-                <a:latin typeface="Courier New" pitchFamily="49" charset="0"/>
-                <a:ea typeface="宋体" pitchFamily="-65" charset="-122"/>
-                <a:cs typeface="Courier New" pitchFamily="49" charset="0"/>
-              </a:rPr>
-              <a:t>ReadInfoSeq</a:t>
-            </a:r>
-            <a:r>
-              <a:rPr lang="en-US" altLang="zh-CN" sz="1100" i="0" dirty="0">
-                <a:latin typeface="Courier New" pitchFamily="49" charset="0"/>
-                <a:ea typeface="宋体" pitchFamily="-65" charset="-122"/>
-                <a:cs typeface="Courier New" pitchFamily="49" charset="0"/>
-              </a:rPr>
-              <a:t> </a:t>
-            </a:r>
-            <a:r>
-              <a:rPr lang="en-US" altLang="zh-CN" sz="1100" i="0" dirty="0" err="1">
-                <a:latin typeface="Courier New" pitchFamily="49" charset="0"/>
-                <a:ea typeface="宋体" pitchFamily="-65" charset="-122"/>
-                <a:cs typeface="Courier New" pitchFamily="49" charset="0"/>
-              </a:rPr>
-              <a:t>infos</a:t>
-            </a:r>
-            <a:r>
-              <a:rPr lang="en-US" altLang="zh-CN" sz="1100" i="0" dirty="0">
-                <a:latin typeface="Courier New" pitchFamily="49" charset="0"/>
-                <a:ea typeface="宋体" pitchFamily="-65" charset="-122"/>
-                <a:cs typeface="Courier New" pitchFamily="49" charset="0"/>
-              </a:rPr>
-              <a:t>)</a:t>
-            </a:r>
-          </a:p>
-          <a:p>
-            <a:pPr marL="169863" indent="-169863">
-              <a:spcBef>
-                <a:spcPct val="40000"/>
-              </a:spcBef>
-              <a:defRPr/>
-            </a:pPr>
-            <a:r>
-              <a:rPr lang="en-US" altLang="zh-CN" sz="1100" i="0" dirty="0">
-                <a:latin typeface="Courier New" pitchFamily="49" charset="0"/>
-                <a:ea typeface="宋体" pitchFamily="-65" charset="-122"/>
-                <a:cs typeface="Courier New" pitchFamily="49" charset="0"/>
-              </a:rPr>
-              <a:t>        raises (</a:t>
-            </a:r>
-            <a:r>
-              <a:rPr lang="en-US" altLang="zh-CN" sz="1100" i="0" dirty="0" err="1">
-                <a:latin typeface="Courier New" pitchFamily="49" charset="0"/>
-                <a:ea typeface="宋体" pitchFamily="-65" charset="-122"/>
-                <a:cs typeface="Courier New" pitchFamily="49" charset="0"/>
-              </a:rPr>
-              <a:t>InternalError</a:t>
-            </a:r>
-            <a:r>
-              <a:rPr lang="en-US" altLang="zh-CN" sz="1100" i="0" dirty="0">
-                <a:latin typeface="Courier New" pitchFamily="49" charset="0"/>
-                <a:ea typeface="宋体" pitchFamily="-65" charset="-122"/>
-                <a:cs typeface="Courier New" pitchFamily="49" charset="0"/>
-              </a:rPr>
-              <a:t>);</a:t>
-            </a:r>
-          </a:p>
-          <a:p>
-            <a:pPr marL="169863" indent="-169863">
-              <a:spcBef>
-                <a:spcPct val="40000"/>
-              </a:spcBef>
-              <a:defRPr/>
-            </a:pPr>
-            <a:r>
-              <a:rPr lang="en-US" altLang="zh-CN" sz="1100" i="0" dirty="0">
-                <a:latin typeface="Courier New" pitchFamily="49" charset="0"/>
-                <a:ea typeface="宋体" pitchFamily="-65" charset="-122"/>
-                <a:cs typeface="Courier New" pitchFamily="49" charset="0"/>
-              </a:rPr>
-              <a:t>      void </a:t>
-            </a:r>
-            <a:r>
-              <a:rPr lang="en-US" altLang="zh-CN" sz="1100" i="0" dirty="0" err="1">
-                <a:latin typeface="Courier New" pitchFamily="49" charset="0"/>
-                <a:ea typeface="宋体" pitchFamily="-65" charset="-122"/>
-                <a:cs typeface="Courier New" pitchFamily="49" charset="0"/>
-              </a:rPr>
-              <a:t>read_all_history</a:t>
-            </a:r>
-            <a:r>
-              <a:rPr lang="en-US" altLang="zh-CN" sz="1100" i="0" dirty="0">
-                <a:latin typeface="Courier New" pitchFamily="49" charset="0"/>
-                <a:ea typeface="宋体" pitchFamily="-65" charset="-122"/>
-                <a:cs typeface="Courier New" pitchFamily="49" charset="0"/>
-              </a:rPr>
-              <a:t> (out </a:t>
-            </a:r>
-            <a:r>
-              <a:rPr lang="en-US" altLang="zh-CN" sz="1100" i="0" dirty="0" err="1">
-                <a:latin typeface="Courier New" pitchFamily="49" charset="0"/>
-                <a:ea typeface="宋体" pitchFamily="-65" charset="-122"/>
-                <a:cs typeface="Courier New" pitchFamily="49" charset="0"/>
-              </a:rPr>
-              <a:t>stringSeq</a:t>
-            </a:r>
-            <a:r>
-              <a:rPr lang="en-US" altLang="zh-CN" sz="1100" i="0" dirty="0">
-                <a:latin typeface="Courier New" pitchFamily="49" charset="0"/>
-                <a:ea typeface="宋体" pitchFamily="-65" charset="-122"/>
-                <a:cs typeface="Courier New" pitchFamily="49" charset="0"/>
-              </a:rPr>
-              <a:t> instances, out </a:t>
-            </a:r>
-            <a:r>
-              <a:rPr lang="en-US" altLang="zh-CN" sz="1100" i="0" dirty="0" err="1">
-                <a:latin typeface="Courier New" pitchFamily="49" charset="0"/>
-                <a:ea typeface="宋体" pitchFamily="-65" charset="-122"/>
-                <a:cs typeface="Courier New" pitchFamily="49" charset="0"/>
-              </a:rPr>
-              <a:t>ReadInfoSeq</a:t>
-            </a:r>
-            <a:r>
-              <a:rPr lang="en-US" altLang="zh-CN" sz="1100" i="0" dirty="0">
-                <a:latin typeface="Courier New" pitchFamily="49" charset="0"/>
-                <a:ea typeface="宋体" pitchFamily="-65" charset="-122"/>
-                <a:cs typeface="Courier New" pitchFamily="49" charset="0"/>
-              </a:rPr>
-              <a:t> </a:t>
-            </a:r>
-            <a:r>
-              <a:rPr lang="en-US" altLang="zh-CN" sz="1100" i="0" dirty="0" err="1">
-                <a:latin typeface="Courier New" pitchFamily="49" charset="0"/>
-                <a:ea typeface="宋体" pitchFamily="-65" charset="-122"/>
-                <a:cs typeface="Courier New" pitchFamily="49" charset="0"/>
-              </a:rPr>
-              <a:t>infos</a:t>
-            </a:r>
-            <a:r>
-              <a:rPr lang="en-US" altLang="zh-CN" sz="1100" i="0" dirty="0">
-                <a:latin typeface="Courier New" pitchFamily="49" charset="0"/>
-                <a:ea typeface="宋体" pitchFamily="-65" charset="-122"/>
-                <a:cs typeface="Courier New" pitchFamily="49" charset="0"/>
-              </a:rPr>
-              <a:t>)</a:t>
-            </a:r>
-          </a:p>
-          <a:p>
-            <a:pPr marL="169863" indent="-169863">
-              <a:spcBef>
-                <a:spcPct val="40000"/>
-              </a:spcBef>
-              <a:defRPr/>
-            </a:pPr>
-            <a:r>
-              <a:rPr lang="en-US" altLang="zh-CN" sz="1100" i="0" dirty="0">
-                <a:latin typeface="Courier New" pitchFamily="49" charset="0"/>
-                <a:ea typeface="宋体" pitchFamily="-65" charset="-122"/>
-                <a:cs typeface="Courier New" pitchFamily="49" charset="0"/>
-              </a:rPr>
-              <a:t>        raises (</a:t>
-            </a:r>
-            <a:r>
-              <a:rPr lang="en-US" altLang="zh-CN" sz="1100" i="0" dirty="0" err="1">
-                <a:latin typeface="Courier New" pitchFamily="49" charset="0"/>
-                <a:ea typeface="宋体" pitchFamily="-65" charset="-122"/>
-                <a:cs typeface="Courier New" pitchFamily="49" charset="0"/>
-              </a:rPr>
-              <a:t>InternalError</a:t>
-            </a:r>
-            <a:r>
-              <a:rPr lang="en-US" altLang="zh-CN" sz="1100" i="0" dirty="0">
-                <a:latin typeface="Courier New" pitchFamily="49" charset="0"/>
-                <a:ea typeface="宋体" pitchFamily="-65" charset="-122"/>
-                <a:cs typeface="Courier New" pitchFamily="49" charset="0"/>
-              </a:rPr>
-              <a:t>);</a:t>
-            </a:r>
-          </a:p>
-          <a:p>
-            <a:pPr marL="169863" indent="-169863">
-              <a:spcBef>
-                <a:spcPct val="40000"/>
-              </a:spcBef>
-              <a:defRPr/>
-            </a:pPr>
-            <a:r>
-              <a:rPr lang="en-US" altLang="zh-CN" sz="1100" i="0" dirty="0">
-                <a:latin typeface="Courier New" pitchFamily="49" charset="0"/>
-                <a:ea typeface="宋体" pitchFamily="-65" charset="-122"/>
-                <a:cs typeface="Courier New" pitchFamily="49" charset="0"/>
-              </a:rPr>
-              <a:t>      void </a:t>
-            </a:r>
-            <a:r>
-              <a:rPr lang="en-US" altLang="zh-CN" sz="1100" i="0" dirty="0" err="1">
-                <a:latin typeface="Courier New" pitchFamily="49" charset="0"/>
-                <a:ea typeface="宋体" pitchFamily="-65" charset="-122"/>
-                <a:cs typeface="Courier New" pitchFamily="49" charset="0"/>
-              </a:rPr>
-              <a:t>read_one</a:t>
-            </a:r>
-            <a:r>
-              <a:rPr lang="en-US" altLang="zh-CN" sz="1100" i="0" dirty="0">
-                <a:latin typeface="Courier New" pitchFamily="49" charset="0"/>
-                <a:ea typeface="宋体" pitchFamily="-65" charset="-122"/>
-                <a:cs typeface="Courier New" pitchFamily="49" charset="0"/>
-              </a:rPr>
-              <a:t> (</a:t>
-            </a:r>
-            <a:r>
-              <a:rPr lang="en-US" altLang="zh-CN" sz="1100" i="0" dirty="0" err="1">
-                <a:latin typeface="Courier New" pitchFamily="49" charset="0"/>
-                <a:ea typeface="宋体" pitchFamily="-65" charset="-122"/>
-                <a:cs typeface="Courier New" pitchFamily="49" charset="0"/>
-              </a:rPr>
-              <a:t>inout</a:t>
-            </a:r>
-            <a:r>
-              <a:rPr lang="en-US" altLang="zh-CN" sz="1100" i="0" dirty="0">
-                <a:latin typeface="Courier New" pitchFamily="49" charset="0"/>
-                <a:ea typeface="宋体" pitchFamily="-65" charset="-122"/>
-                <a:cs typeface="Courier New" pitchFamily="49" charset="0"/>
-              </a:rPr>
-              <a:t> string </a:t>
-            </a:r>
-            <a:r>
-              <a:rPr lang="en-US" altLang="zh-CN" sz="1100" i="0" dirty="0" err="1">
-                <a:latin typeface="Courier New" pitchFamily="49" charset="0"/>
-                <a:ea typeface="宋体" pitchFamily="-65" charset="-122"/>
-                <a:cs typeface="Courier New" pitchFamily="49" charset="0"/>
-              </a:rPr>
-              <a:t>an_instance</a:t>
-            </a:r>
-            <a:r>
-              <a:rPr lang="en-US" altLang="zh-CN" sz="1100" i="0" dirty="0">
-                <a:latin typeface="Courier New" pitchFamily="49" charset="0"/>
-                <a:ea typeface="宋体" pitchFamily="-65" charset="-122"/>
-                <a:cs typeface="Courier New" pitchFamily="49" charset="0"/>
-              </a:rPr>
-              <a:t>, out </a:t>
-            </a:r>
-            <a:r>
-              <a:rPr lang="en-US" altLang="zh-CN" sz="1100" i="0" dirty="0" err="1">
-                <a:latin typeface="Courier New" pitchFamily="49" charset="0"/>
-                <a:ea typeface="宋体" pitchFamily="-65" charset="-122"/>
-                <a:cs typeface="Courier New" pitchFamily="49" charset="0"/>
-              </a:rPr>
-              <a:t>ReadInfo</a:t>
-            </a:r>
-            <a:r>
-              <a:rPr lang="en-US" altLang="zh-CN" sz="1100" i="0" dirty="0">
-                <a:latin typeface="Courier New" pitchFamily="49" charset="0"/>
-                <a:ea typeface="宋体" pitchFamily="-65" charset="-122"/>
-                <a:cs typeface="Courier New" pitchFamily="49" charset="0"/>
-              </a:rPr>
-              <a:t> info)</a:t>
-            </a:r>
-          </a:p>
-          <a:p>
-            <a:pPr marL="169863" indent="-169863">
-              <a:spcBef>
-                <a:spcPct val="40000"/>
-              </a:spcBef>
-              <a:defRPr/>
-            </a:pPr>
-            <a:r>
-              <a:rPr lang="en-US" altLang="zh-CN" sz="1100" i="0" dirty="0">
-                <a:latin typeface="Courier New" pitchFamily="49" charset="0"/>
-                <a:ea typeface="宋体" pitchFamily="-65" charset="-122"/>
-                <a:cs typeface="Courier New" pitchFamily="49" charset="0"/>
-              </a:rPr>
-              <a:t>        raises (</a:t>
-            </a:r>
-            <a:r>
-              <a:rPr lang="en-US" altLang="zh-CN" sz="1100" i="0" dirty="0" err="1">
-                <a:latin typeface="Courier New" pitchFamily="49" charset="0"/>
-                <a:ea typeface="宋体" pitchFamily="-65" charset="-122"/>
-                <a:cs typeface="Courier New" pitchFamily="49" charset="0"/>
-              </a:rPr>
-              <a:t>NonExistent</a:t>
-            </a:r>
-            <a:r>
-              <a:rPr lang="en-US" altLang="zh-CN" sz="1100" i="0" dirty="0">
-                <a:latin typeface="Courier New" pitchFamily="49" charset="0"/>
-                <a:ea typeface="宋体" pitchFamily="-65" charset="-122"/>
-                <a:cs typeface="Courier New" pitchFamily="49" charset="0"/>
-              </a:rPr>
-              <a:t>,</a:t>
-            </a:r>
-          </a:p>
-          <a:p>
-            <a:pPr marL="169863" indent="-169863">
-              <a:spcBef>
-                <a:spcPct val="40000"/>
-              </a:spcBef>
-              <a:defRPr/>
-            </a:pPr>
-            <a:r>
-              <a:rPr lang="en-US" altLang="zh-CN" sz="1100" i="0" dirty="0">
-                <a:latin typeface="Courier New" pitchFamily="49" charset="0"/>
-                <a:ea typeface="宋体" pitchFamily="-65" charset="-122"/>
-                <a:cs typeface="Courier New" pitchFamily="49" charset="0"/>
-              </a:rPr>
-              <a:t>                </a:t>
-            </a:r>
-            <a:r>
-              <a:rPr lang="en-US" altLang="zh-CN" sz="1100" i="0" dirty="0" err="1">
-                <a:latin typeface="Courier New" pitchFamily="49" charset="0"/>
-                <a:ea typeface="宋体" pitchFamily="-65" charset="-122"/>
-                <a:cs typeface="Courier New" pitchFamily="49" charset="0"/>
-              </a:rPr>
-              <a:t>InternalError</a:t>
-            </a:r>
-            <a:r>
-              <a:rPr lang="en-US" altLang="zh-CN" sz="1100" i="0" dirty="0">
-                <a:latin typeface="Courier New" pitchFamily="49" charset="0"/>
-                <a:ea typeface="宋体" pitchFamily="-65" charset="-122"/>
-                <a:cs typeface="Courier New" pitchFamily="49" charset="0"/>
-              </a:rPr>
-              <a:t>);</a:t>
-            </a:r>
-          </a:p>
-          <a:p>
-            <a:pPr marL="169863" indent="-169863">
-              <a:spcBef>
-                <a:spcPct val="40000"/>
-              </a:spcBef>
-              <a:defRPr/>
-            </a:pPr>
-            <a:r>
-              <a:rPr lang="en-US" altLang="zh-CN" sz="1100" i="0" dirty="0">
-                <a:latin typeface="Courier New" pitchFamily="49" charset="0"/>
-                <a:ea typeface="宋体" pitchFamily="-65" charset="-122"/>
-                <a:cs typeface="Courier New" pitchFamily="49" charset="0"/>
-              </a:rPr>
-              <a:t>      void </a:t>
-            </a:r>
-            <a:r>
-              <a:rPr lang="en-US" altLang="zh-CN" sz="1100" i="0" dirty="0" err="1">
-                <a:latin typeface="Courier New" pitchFamily="49" charset="0"/>
-                <a:ea typeface="宋体" pitchFamily="-65" charset="-122"/>
-                <a:cs typeface="Courier New" pitchFamily="49" charset="0"/>
-              </a:rPr>
-              <a:t>read_one_history</a:t>
-            </a:r>
-            <a:r>
-              <a:rPr lang="en-US" altLang="zh-CN" sz="1100" i="0" dirty="0">
-                <a:latin typeface="Courier New" pitchFamily="49" charset="0"/>
-                <a:ea typeface="宋体" pitchFamily="-65" charset="-122"/>
-                <a:cs typeface="Courier New" pitchFamily="49" charset="0"/>
-              </a:rPr>
-              <a:t> (in string </a:t>
-            </a:r>
-            <a:r>
-              <a:rPr lang="en-US" altLang="zh-CN" sz="1100" i="0" dirty="0" err="1">
-                <a:latin typeface="Courier New" pitchFamily="49" charset="0"/>
-                <a:ea typeface="宋体" pitchFamily="-65" charset="-122"/>
-                <a:cs typeface="Courier New" pitchFamily="49" charset="0"/>
-              </a:rPr>
-              <a:t>an_instance</a:t>
-            </a:r>
-            <a:r>
-              <a:rPr lang="en-US" altLang="zh-CN" sz="1100" i="0" dirty="0">
-                <a:latin typeface="Courier New" pitchFamily="49" charset="0"/>
-                <a:ea typeface="宋体" pitchFamily="-65" charset="-122"/>
-                <a:cs typeface="Courier New" pitchFamily="49" charset="0"/>
-              </a:rPr>
-              <a:t>,</a:t>
-            </a:r>
-          </a:p>
-          <a:p>
-            <a:pPr marL="169863" indent="-169863">
-              <a:spcBef>
-                <a:spcPct val="40000"/>
-              </a:spcBef>
-              <a:defRPr/>
-            </a:pPr>
-            <a:r>
-              <a:rPr lang="en-US" altLang="zh-CN" sz="1100" i="0" dirty="0">
-                <a:latin typeface="Courier New" pitchFamily="49" charset="0"/>
-                <a:ea typeface="宋体" pitchFamily="-65" charset="-122"/>
-                <a:cs typeface="Courier New" pitchFamily="49" charset="0"/>
-              </a:rPr>
-              <a:t>                             out </a:t>
-            </a:r>
-            <a:r>
-              <a:rPr lang="en-US" altLang="zh-CN" sz="1100" i="0" dirty="0" err="1">
-                <a:latin typeface="Courier New" pitchFamily="49" charset="0"/>
-                <a:ea typeface="宋体" pitchFamily="-65" charset="-122"/>
-                <a:cs typeface="Courier New" pitchFamily="49" charset="0"/>
-              </a:rPr>
-              <a:t>stringSeq</a:t>
-            </a:r>
-            <a:r>
-              <a:rPr lang="en-US" altLang="zh-CN" sz="1100" i="0" dirty="0">
-                <a:latin typeface="Courier New" pitchFamily="49" charset="0"/>
-                <a:ea typeface="宋体" pitchFamily="-65" charset="-122"/>
-                <a:cs typeface="Courier New" pitchFamily="49" charset="0"/>
-              </a:rPr>
-              <a:t> instances, out </a:t>
-            </a:r>
-            <a:r>
-              <a:rPr lang="en-US" altLang="zh-CN" sz="1100" i="0" dirty="0" err="1">
-                <a:latin typeface="Courier New" pitchFamily="49" charset="0"/>
-                <a:ea typeface="宋体" pitchFamily="-65" charset="-122"/>
-                <a:cs typeface="Courier New" pitchFamily="49" charset="0"/>
-              </a:rPr>
-              <a:t>ReadInfoSeq</a:t>
-            </a:r>
-            <a:r>
-              <a:rPr lang="en-US" altLang="zh-CN" sz="1100" i="0" dirty="0">
-                <a:latin typeface="Courier New" pitchFamily="49" charset="0"/>
-                <a:ea typeface="宋体" pitchFamily="-65" charset="-122"/>
-                <a:cs typeface="Courier New" pitchFamily="49" charset="0"/>
-              </a:rPr>
-              <a:t> </a:t>
-            </a:r>
-            <a:r>
-              <a:rPr lang="en-US" altLang="zh-CN" sz="1100" i="0" dirty="0" err="1">
-                <a:latin typeface="Courier New" pitchFamily="49" charset="0"/>
-                <a:ea typeface="宋体" pitchFamily="-65" charset="-122"/>
-                <a:cs typeface="Courier New" pitchFamily="49" charset="0"/>
-              </a:rPr>
-              <a:t>infos</a:t>
-            </a:r>
-            <a:r>
-              <a:rPr lang="en-US" altLang="zh-CN" sz="1100" i="0" dirty="0">
-                <a:latin typeface="Courier New" pitchFamily="49" charset="0"/>
-                <a:ea typeface="宋体" pitchFamily="-65" charset="-122"/>
-                <a:cs typeface="Courier New" pitchFamily="49" charset="0"/>
-              </a:rPr>
-              <a:t>)</a:t>
-            </a:r>
-          </a:p>
-          <a:p>
-            <a:pPr marL="169863" indent="-169863">
-              <a:spcBef>
-                <a:spcPct val="40000"/>
-              </a:spcBef>
-              <a:defRPr/>
-            </a:pPr>
-            <a:r>
-              <a:rPr lang="en-US" altLang="zh-CN" sz="1100" i="0" dirty="0">
-                <a:latin typeface="Courier New" pitchFamily="49" charset="0"/>
-                <a:ea typeface="宋体" pitchFamily="-65" charset="-122"/>
-                <a:cs typeface="Courier New" pitchFamily="49" charset="0"/>
-              </a:rPr>
-              <a:t>        raises (</a:t>
-            </a:r>
-            <a:r>
-              <a:rPr lang="en-US" altLang="zh-CN" sz="1100" i="0" dirty="0" err="1">
-                <a:latin typeface="Courier New" pitchFamily="49" charset="0"/>
-                <a:ea typeface="宋体" pitchFamily="-65" charset="-122"/>
-                <a:cs typeface="Courier New" pitchFamily="49" charset="0"/>
-              </a:rPr>
-              <a:t>NonExistent</a:t>
-            </a:r>
-            <a:r>
-              <a:rPr lang="en-US" altLang="zh-CN" sz="1100" i="0" dirty="0">
-                <a:latin typeface="Courier New" pitchFamily="49" charset="0"/>
-                <a:ea typeface="宋体" pitchFamily="-65" charset="-122"/>
-                <a:cs typeface="Courier New" pitchFamily="49" charset="0"/>
-              </a:rPr>
-              <a:t>,</a:t>
-            </a:r>
-          </a:p>
-          <a:p>
-            <a:pPr marL="169863" indent="-169863">
-              <a:spcBef>
-                <a:spcPct val="40000"/>
-              </a:spcBef>
-              <a:defRPr/>
-            </a:pPr>
-            <a:r>
-              <a:rPr lang="en-US" altLang="zh-CN" sz="1100" i="0" dirty="0">
-                <a:latin typeface="Courier New" pitchFamily="49" charset="0"/>
-                <a:ea typeface="宋体" pitchFamily="-65" charset="-122"/>
-                <a:cs typeface="Courier New" pitchFamily="49" charset="0"/>
-              </a:rPr>
-              <a:t>                </a:t>
-            </a:r>
-            <a:r>
-              <a:rPr lang="en-US" altLang="zh-CN" sz="1100" i="0" dirty="0" err="1">
-                <a:latin typeface="Courier New" pitchFamily="49" charset="0"/>
-                <a:ea typeface="宋体" pitchFamily="-65" charset="-122"/>
-                <a:cs typeface="Courier New" pitchFamily="49" charset="0"/>
-              </a:rPr>
-              <a:t>InternalError</a:t>
-            </a:r>
-            <a:r>
-              <a:rPr lang="en-US" altLang="zh-CN" sz="1100" i="0" dirty="0">
-                <a:latin typeface="Courier New" pitchFamily="49" charset="0"/>
-                <a:ea typeface="宋体" pitchFamily="-65" charset="-122"/>
-                <a:cs typeface="Courier New" pitchFamily="49" charset="0"/>
-              </a:rPr>
-              <a:t>);</a:t>
-            </a:r>
-          </a:p>
-          <a:p>
-            <a:pPr marL="169863" indent="-169863">
-              <a:spcBef>
-                <a:spcPct val="40000"/>
-              </a:spcBef>
-              <a:defRPr/>
-            </a:pPr>
-            <a:r>
-              <a:rPr lang="en-US" altLang="zh-CN" sz="1100" i="0" dirty="0">
-                <a:latin typeface="Courier New" pitchFamily="49" charset="0"/>
-                <a:ea typeface="宋体" pitchFamily="-65" charset="-122"/>
-                <a:cs typeface="Courier New" pitchFamily="49" charset="0"/>
-              </a:rPr>
-              <a:t>      attribute </a:t>
-            </a:r>
-            <a:r>
-              <a:rPr lang="en-US" altLang="zh-CN" sz="1100" i="0" dirty="0" err="1">
-                <a:latin typeface="Courier New" pitchFamily="49" charset="0"/>
-                <a:ea typeface="宋体" pitchFamily="-65" charset="-122"/>
-                <a:cs typeface="Courier New" pitchFamily="49" charset="0"/>
-              </a:rPr>
-              <a:t>QueryFilter</a:t>
-            </a:r>
-            <a:r>
-              <a:rPr lang="en-US" altLang="zh-CN" sz="1100" i="0" dirty="0">
-                <a:latin typeface="Courier New" pitchFamily="49" charset="0"/>
-                <a:ea typeface="宋体" pitchFamily="-65" charset="-122"/>
-                <a:cs typeface="Courier New" pitchFamily="49" charset="0"/>
-              </a:rPr>
-              <a:t> filter</a:t>
-            </a:r>
-          </a:p>
-          <a:p>
-            <a:pPr marL="169863" indent="-169863">
-              <a:spcBef>
-                <a:spcPct val="40000"/>
-              </a:spcBef>
-              <a:defRPr/>
-            </a:pPr>
-            <a:r>
-              <a:rPr lang="en-US" altLang="zh-CN" sz="1100" i="0" dirty="0">
-                <a:latin typeface="Courier New" pitchFamily="49" charset="0"/>
-                <a:ea typeface="宋体" pitchFamily="-65" charset="-122"/>
-                <a:cs typeface="Courier New" pitchFamily="49" charset="0"/>
-              </a:rPr>
-              <a:t>        </a:t>
-            </a:r>
-            <a:r>
-              <a:rPr lang="en-US" altLang="zh-CN" sz="1100" i="0" dirty="0" err="1">
-                <a:latin typeface="Courier New" pitchFamily="49" charset="0"/>
-                <a:ea typeface="宋体" pitchFamily="-65" charset="-122"/>
-                <a:cs typeface="Courier New" pitchFamily="49" charset="0"/>
-              </a:rPr>
-              <a:t>setraises</a:t>
-            </a:r>
-            <a:r>
-              <a:rPr lang="en-US" altLang="zh-CN" sz="1100" i="0" dirty="0">
-                <a:latin typeface="Courier New" pitchFamily="49" charset="0"/>
-                <a:ea typeface="宋体" pitchFamily="-65" charset="-122"/>
-                <a:cs typeface="Courier New" pitchFamily="49" charset="0"/>
-              </a:rPr>
-              <a:t> (</a:t>
-            </a:r>
-            <a:r>
-              <a:rPr lang="en-US" altLang="zh-CN" sz="1100" i="0" dirty="0" err="1">
-                <a:latin typeface="Courier New" pitchFamily="49" charset="0"/>
-                <a:ea typeface="宋体" pitchFamily="-65" charset="-122"/>
-                <a:cs typeface="Courier New" pitchFamily="49" charset="0"/>
-              </a:rPr>
-              <a:t>BadParameter</a:t>
-            </a:r>
-            <a:r>
-              <a:rPr lang="en-US" altLang="zh-CN" sz="1100" i="0" dirty="0">
-                <a:latin typeface="Courier New" pitchFamily="49" charset="0"/>
-                <a:ea typeface="宋体" pitchFamily="-65" charset="-122"/>
-                <a:cs typeface="Courier New" pitchFamily="49" charset="0"/>
-              </a:rPr>
-              <a:t>);      </a:t>
-            </a:r>
-          </a:p>
-          <a:p>
-            <a:pPr marL="169863" indent="-169863">
-              <a:spcBef>
-                <a:spcPct val="40000"/>
-              </a:spcBef>
-              <a:defRPr/>
-            </a:pPr>
-            <a:r>
-              <a:rPr lang="en-US" altLang="zh-CN" sz="1100" i="0" dirty="0">
-                <a:latin typeface="Courier New" pitchFamily="49" charset="0"/>
-                <a:ea typeface="宋体" pitchFamily="-65" charset="-122"/>
-                <a:cs typeface="Courier New" pitchFamily="49" charset="0"/>
-              </a:rPr>
-              <a:t>    };</a:t>
-            </a:r>
-          </a:p>
-          <a:p>
-            <a:pPr marL="169863" indent="-169863">
-              <a:spcBef>
-                <a:spcPct val="40000"/>
-              </a:spcBef>
-              <a:defRPr/>
-            </a:pPr>
-            <a:r>
-              <a:rPr lang="en-US" altLang="zh-CN" sz="1100" i="0" dirty="0">
-                <a:latin typeface="Courier New" pitchFamily="49" charset="0"/>
-                <a:ea typeface="宋体" pitchFamily="-65" charset="-122"/>
-                <a:cs typeface="Courier New" pitchFamily="49" charset="0"/>
-              </a:rPr>
-              <a:t>};</a:t>
+              <a:buFontTx/>
+              <a:buChar char="•"/>
+            </a:pPr>
+            <a:r>
+              <a:rPr lang="en-US" altLang="zh-CN" sz="2000" i="0">
+                <a:ea typeface="宋体" pitchFamily="-65" charset="-128"/>
+                <a:cs typeface="Times New Roman" charset="0"/>
+              </a:rPr>
+              <a:t>Components communicate through a DDS connector</a:t>
             </a:r>
           </a:p>
         </p:txBody>
@@ -13172,7 +11379,7 @@
       </p:grpSpPr>
       <p:sp>
         <p:nvSpPr>
-          <p:cNvPr id="281602" name="Title 4"/>
+          <p:cNvPr id="276482" name="Title 4"/>
           <p:cNvSpPr>
             <a:spLocks noGrp="1"/>
           </p:cNvSpPr>
@@ -13187,7 +11394,7 @@
           <a:p>
             <a:r>
               <a:rPr lang="en-US"/>
-              <a:t>Receiver IDL3</a:t>
+              <a:t>Sender IDL3+</a:t>
             </a:r>
             <a:endParaRPr lang="nl-NL"/>
           </a:p>
@@ -13195,7 +11402,7 @@
       </p:sp>
       <p:sp>
         <p:nvSpPr>
-          <p:cNvPr id="281603" name="Rectangle 3"/>
+          <p:cNvPr id="276483" name="Rectangle 3"/>
           <p:cNvSpPr>
             <a:spLocks noChangeArrowheads="1"/>
           </p:cNvSpPr>
@@ -13241,7 +11448,7 @@
       </p:sp>
       <p:sp>
         <p:nvSpPr>
-          <p:cNvPr id="281604" name="Rectangle 3"/>
+          <p:cNvPr id="4" name="Rectangle 3"/>
           <p:cNvSpPr>
             <a:spLocks noChangeArrowheads="1"/>
           </p:cNvSpPr>
@@ -13249,7 +11456,7 @@
         </p:nvSpPr>
         <p:spPr bwMode="auto">
           <a:xfrm>
-            <a:off x="381000" y="1387475"/>
+            <a:off x="381000" y="1343025"/>
             <a:ext cx="8763000" cy="4876800"/>
           </a:xfrm>
           <a:prstGeom prst="rect">
@@ -13275,133 +11482,133 @@
               <a:spcBef>
                 <a:spcPct val="40000"/>
               </a:spcBef>
-            </a:pPr>
-            <a:endParaRPr lang="en-US" altLang="zh-CN" sz="1100" i="0">
+              <a:buFont typeface="Arial" charset="0"/>
+              <a:buChar char="•"/>
+            </a:pPr>
+            <a:r>
+              <a:rPr lang="en-US" altLang="zh-CN" sz="2000" i="0">
+                <a:ea typeface="宋体" pitchFamily="-65" charset="-128"/>
+                <a:cs typeface="Courier New" charset="0"/>
+              </a:rPr>
+              <a:t>Uses the standardized DDS_Write port</a:t>
+            </a:r>
+          </a:p>
+          <a:p>
+            <a:pPr marL="169863" indent="-169863">
+              <a:spcBef>
+                <a:spcPct val="40000"/>
+              </a:spcBef>
+            </a:pPr>
+            <a:r>
+              <a:rPr lang="en-US" altLang="zh-CN" sz="1400" i="0">
+                <a:latin typeface="Courier New" charset="0"/>
+                <a:ea typeface="宋体" pitchFamily="-65" charset="-128"/>
+                <a:cs typeface="Courier New" charset="0"/>
+              </a:rPr>
+              <a:t>module Hello_DDS</a:t>
+            </a:r>
+          </a:p>
+          <a:p>
+            <a:pPr marL="169863" indent="-169863">
+              <a:spcBef>
+                <a:spcPct val="40000"/>
+              </a:spcBef>
+            </a:pPr>
+            <a:r>
+              <a:rPr lang="en-US" altLang="zh-CN" sz="1400" i="0">
+                <a:latin typeface="Courier New" charset="0"/>
+                <a:ea typeface="宋体" pitchFamily="-65" charset="-128"/>
+                <a:cs typeface="Courier New" charset="0"/>
+              </a:rPr>
+              <a:t>{</a:t>
+            </a:r>
+          </a:p>
+          <a:p>
+            <a:pPr marL="169863" indent="-169863">
+              <a:spcBef>
+                <a:spcPct val="40000"/>
+              </a:spcBef>
+            </a:pPr>
+            <a:r>
+              <a:rPr lang="en-US" altLang="zh-CN" sz="1400" i="0">
+                <a:latin typeface="Courier New" charset="0"/>
+                <a:ea typeface="宋体" pitchFamily="-65" charset="-128"/>
+                <a:cs typeface="Courier New" charset="0"/>
+              </a:rPr>
+              <a:t>  component Sender</a:t>
+            </a:r>
+          </a:p>
+          <a:p>
+            <a:pPr marL="169863" indent="-169863">
+              <a:spcBef>
+                <a:spcPct val="40000"/>
+              </a:spcBef>
+            </a:pPr>
+            <a:r>
+              <a:rPr lang="en-US" altLang="zh-CN" sz="1400" i="0">
+                <a:latin typeface="Courier New" charset="0"/>
+                <a:ea typeface="宋体" pitchFamily="-65" charset="-128"/>
+                <a:cs typeface="Courier New" charset="0"/>
+              </a:rPr>
+              <a:t>  {</a:t>
+            </a:r>
+          </a:p>
+          <a:p>
+            <a:pPr marL="169863" indent="-169863">
+              <a:spcBef>
+                <a:spcPct val="40000"/>
+              </a:spcBef>
+            </a:pPr>
+            <a:r>
+              <a:rPr lang="en-US" altLang="zh-CN" sz="1400" i="0">
+                <a:latin typeface="Courier New" charset="0"/>
+                <a:ea typeface="宋体" pitchFamily="-65" charset="-128"/>
+                <a:cs typeface="Courier New" charset="0"/>
+              </a:rPr>
+              <a:t>    port DDS_Write&lt;string&gt; push_message;</a:t>
+            </a:r>
+          </a:p>
+          <a:p>
+            <a:pPr marL="169863" indent="-169863">
+              <a:spcBef>
+                <a:spcPct val="40000"/>
+              </a:spcBef>
+            </a:pPr>
+            <a:r>
+              <a:rPr lang="en-US" altLang="zh-CN" sz="1400" i="0">
+                <a:latin typeface="Courier New" charset="0"/>
+                <a:ea typeface="宋体" pitchFamily="-65" charset="-128"/>
+                <a:cs typeface="Courier New" charset="0"/>
+              </a:rPr>
+              <a:t>  };</a:t>
+            </a:r>
+          </a:p>
+          <a:p>
+            <a:pPr marL="169863" indent="-169863">
+              <a:spcBef>
+                <a:spcPct val="40000"/>
+              </a:spcBef>
+            </a:pPr>
+            <a:r>
+              <a:rPr lang="en-US" altLang="zh-CN" sz="1400" i="0">
+                <a:latin typeface="Courier New" charset="0"/>
+                <a:ea typeface="宋体" pitchFamily="-65" charset="-128"/>
+                <a:cs typeface="Courier New" charset="0"/>
+              </a:rPr>
+              <a:t>};</a:t>
+            </a:r>
+          </a:p>
+          <a:p>
+            <a:pPr marL="169863" indent="-169863">
+              <a:spcBef>
+                <a:spcPct val="40000"/>
+              </a:spcBef>
+            </a:pPr>
+            <a:endParaRPr lang="en-US" altLang="zh-CN" sz="1400" i="0">
               <a:latin typeface="Courier New" charset="0"/>
               <a:ea typeface="宋体" pitchFamily="-65" charset="-128"/>
               <a:cs typeface="Courier New" charset="0"/>
             </a:endParaRPr>
-          </a:p>
-          <a:p>
-            <a:pPr marL="169863" indent="-169863">
-              <a:spcBef>
-                <a:spcPct val="40000"/>
-              </a:spcBef>
-              <a:buFont typeface="Arial" charset="0"/>
-              <a:buChar char="•"/>
-            </a:pPr>
-            <a:r>
-              <a:rPr lang="en-US" altLang="zh-CN" sz="2000" i="0">
-                <a:ea typeface="宋体" pitchFamily="-65" charset="-128"/>
-                <a:cs typeface="Courier New" charset="0"/>
-              </a:rPr>
-              <a:t>Type specific RawListener interface</a:t>
-            </a:r>
-          </a:p>
-          <a:p>
-            <a:pPr marL="169863" indent="-169863">
-              <a:spcBef>
-                <a:spcPct val="40000"/>
-              </a:spcBef>
-            </a:pPr>
-            <a:r>
-              <a:rPr lang="en-US" altLang="zh-CN" sz="1100" i="0">
-                <a:latin typeface="Courier New" charset="0"/>
-                <a:ea typeface="宋体" pitchFamily="-65" charset="-128"/>
-                <a:cs typeface="Courier New" charset="0"/>
-              </a:rPr>
-              <a:t>module CCM_DDS</a:t>
-            </a:r>
-          </a:p>
-          <a:p>
-            <a:pPr marL="169863" indent="-169863">
-              <a:spcBef>
-                <a:spcPct val="40000"/>
-              </a:spcBef>
-            </a:pPr>
-            <a:r>
-              <a:rPr lang="en-US" altLang="zh-CN" sz="1100" i="0">
-                <a:latin typeface="Courier New" charset="0"/>
-                <a:ea typeface="宋体" pitchFamily="-65" charset="-128"/>
-                <a:cs typeface="Courier New" charset="0"/>
-              </a:rPr>
-              <a:t>{</a:t>
-            </a:r>
-          </a:p>
-          <a:p>
-            <a:pPr marL="169863" indent="-169863">
-              <a:spcBef>
-                <a:spcPct val="40000"/>
-              </a:spcBef>
-            </a:pPr>
-            <a:r>
-              <a:rPr lang="en-US" altLang="zh-CN" sz="1100" i="0">
-                <a:latin typeface="Courier New" charset="0"/>
-                <a:ea typeface="宋体" pitchFamily="-65" charset="-128"/>
-                <a:cs typeface="Courier New" charset="0"/>
-              </a:rPr>
-              <a:t>  interface string_RawListener</a:t>
-            </a:r>
-          </a:p>
-          <a:p>
-            <a:pPr marL="169863" indent="-169863">
-              <a:spcBef>
-                <a:spcPct val="40000"/>
-              </a:spcBef>
-            </a:pPr>
-            <a:r>
-              <a:rPr lang="en-US" altLang="zh-CN" sz="1100" i="0">
-                <a:latin typeface="Courier New" charset="0"/>
-                <a:ea typeface="宋体" pitchFamily="-65" charset="-128"/>
-                <a:cs typeface="Courier New" charset="0"/>
-              </a:rPr>
-              <a:t>  {</a:t>
-            </a:r>
-          </a:p>
-          <a:p>
-            <a:pPr marL="169863" indent="-169863">
-              <a:spcBef>
-                <a:spcPct val="40000"/>
-              </a:spcBef>
-            </a:pPr>
-            <a:r>
-              <a:rPr lang="en-US" altLang="zh-CN" sz="1100" i="0">
-                <a:latin typeface="Courier New" charset="0"/>
-                <a:ea typeface="宋体" pitchFamily="-65" charset="-128"/>
-                <a:cs typeface="Courier New" charset="0"/>
-              </a:rPr>
-              <a:t>    void on_data (in string an_instance, in ReadInfo info);</a:t>
-            </a:r>
-          </a:p>
-          <a:p>
-            <a:pPr marL="169863" indent="-169863">
-              <a:spcBef>
-                <a:spcPct val="40000"/>
-              </a:spcBef>
-            </a:pPr>
-            <a:r>
-              <a:rPr lang="en-US" altLang="zh-CN" sz="1100" i="0">
-                <a:latin typeface="Courier New" charset="0"/>
-                <a:ea typeface="宋体" pitchFamily="-65" charset="-128"/>
-                <a:cs typeface="Courier New" charset="0"/>
-              </a:rPr>
-              <a:t>  };</a:t>
-            </a:r>
-          </a:p>
-          <a:p>
-            <a:pPr marL="169863" indent="-169863">
-              <a:spcBef>
-                <a:spcPct val="40000"/>
-              </a:spcBef>
-            </a:pPr>
-            <a:r>
-              <a:rPr lang="en-US" altLang="zh-CN" sz="1100" i="0">
-                <a:latin typeface="Courier New" charset="0"/>
-                <a:ea typeface="宋体" pitchFamily="-65" charset="-128"/>
-                <a:cs typeface="Courier New" charset="0"/>
-              </a:rPr>
-              <a:t>};</a:t>
-            </a:r>
           </a:p>
         </p:txBody>
       </p:sp>
@@ -13439,7 +11646,7 @@
       </p:grpSpPr>
       <p:sp>
         <p:nvSpPr>
-          <p:cNvPr id="282626" name="Title 4"/>
+          <p:cNvPr id="277506" name="Title 4"/>
           <p:cNvSpPr>
             <a:spLocks noGrp="1"/>
           </p:cNvSpPr>
@@ -13454,7 +11661,7 @@
           <a:p>
             <a:r>
               <a:rPr lang="en-US"/>
-              <a:t>Receiver IDL3</a:t>
+              <a:t>Sender IDL3</a:t>
             </a:r>
             <a:endParaRPr lang="nl-NL"/>
           </a:p>
@@ -13462,7 +11669,7 @@
       </p:sp>
       <p:sp>
         <p:nvSpPr>
-          <p:cNvPr id="282627" name="Rectangle 3"/>
+          <p:cNvPr id="277507" name="Rectangle 3"/>
           <p:cNvSpPr>
             <a:spLocks noChangeArrowheads="1"/>
           </p:cNvSpPr>
@@ -13508,7 +11715,7 @@
       </p:sp>
       <p:sp>
         <p:nvSpPr>
-          <p:cNvPr id="282628" name="Rectangle 3"/>
+          <p:cNvPr id="277508" name="Rectangle 3"/>
           <p:cNvSpPr>
             <a:spLocks noChangeArrowheads="1"/>
           </p:cNvSpPr>
@@ -13544,11 +11751,170 @@
               </a:spcBef>
             </a:pPr>
             <a:r>
-              <a:rPr lang="en-US" altLang="zh-CN" sz="1400" i="0">
+              <a:rPr lang="en-US" altLang="zh-CN" sz="1200" i="0">
                 <a:latin typeface="Courier New" charset="0"/>
                 <a:ea typeface="宋体" pitchFamily="-65" charset="-128"/>
                 <a:cs typeface="Courier New" charset="0"/>
               </a:rPr>
+              <a:t>module CCM_DDS</a:t>
+            </a:r>
+          </a:p>
+          <a:p>
+            <a:pPr marL="169863" indent="-169863">
+              <a:spcBef>
+                <a:spcPct val="40000"/>
+              </a:spcBef>
+            </a:pPr>
+            <a:r>
+              <a:rPr lang="en-US" altLang="zh-CN" sz="1200" i="0">
+                <a:latin typeface="Courier New" charset="0"/>
+                <a:ea typeface="宋体" pitchFamily="-65" charset="-128"/>
+                <a:cs typeface="Courier New" charset="0"/>
+              </a:rPr>
+              <a:t>{</a:t>
+            </a:r>
+          </a:p>
+          <a:p>
+            <a:pPr marL="169863" indent="-169863">
+              <a:spcBef>
+                <a:spcPct val="40000"/>
+              </a:spcBef>
+            </a:pPr>
+            <a:r>
+              <a:rPr lang="en-US" altLang="zh-CN" sz="1200" i="0">
+                <a:latin typeface="Courier New" charset="0"/>
+                <a:ea typeface="宋体" pitchFamily="-65" charset="-128"/>
+                <a:cs typeface="Courier New" charset="0"/>
+              </a:rPr>
+              <a:t>  interface string_Writer</a:t>
+            </a:r>
+          </a:p>
+          <a:p>
+            <a:pPr marL="169863" indent="-169863">
+              <a:spcBef>
+                <a:spcPct val="40000"/>
+              </a:spcBef>
+            </a:pPr>
+            <a:r>
+              <a:rPr lang="en-US" altLang="zh-CN" sz="1200" i="0">
+                <a:latin typeface="Courier New" charset="0"/>
+                <a:ea typeface="宋体" pitchFamily="-65" charset="-128"/>
+                <a:cs typeface="Courier New" charset="0"/>
+              </a:rPr>
+              <a:t>  {</a:t>
+            </a:r>
+          </a:p>
+          <a:p>
+            <a:pPr marL="169863" indent="-169863">
+              <a:spcBef>
+                <a:spcPct val="40000"/>
+              </a:spcBef>
+            </a:pPr>
+            <a:r>
+              <a:rPr lang="en-US" altLang="zh-CN" sz="1200" i="0">
+                <a:latin typeface="Courier New" charset="0"/>
+                <a:ea typeface="宋体" pitchFamily="-65" charset="-128"/>
+                <a:cs typeface="Courier New" charset="0"/>
+              </a:rPr>
+              <a:t>    typedef sequence&lt;string&gt; stringSeq;</a:t>
+            </a:r>
+          </a:p>
+          <a:p>
+            <a:pPr marL="169863" indent="-169863">
+              <a:spcBef>
+                <a:spcPct val="40000"/>
+              </a:spcBef>
+            </a:pPr>
+            <a:endParaRPr lang="en-US" altLang="zh-CN" sz="1200" i="0">
+              <a:latin typeface="Courier New" charset="0"/>
+              <a:ea typeface="宋体" pitchFamily="-65" charset="-128"/>
+              <a:cs typeface="Courier New" charset="0"/>
+            </a:endParaRPr>
+          </a:p>
+          <a:p>
+            <a:pPr marL="169863" indent="-169863">
+              <a:spcBef>
+                <a:spcPct val="40000"/>
+              </a:spcBef>
+            </a:pPr>
+            <a:r>
+              <a:rPr lang="en-US" altLang="zh-CN" sz="1200" i="0">
+                <a:latin typeface="Courier New" charset="0"/>
+                <a:ea typeface="宋体" pitchFamily="-65" charset="-128"/>
+                <a:cs typeface="Courier New" charset="0"/>
+              </a:rPr>
+              <a:t>    void write (in string an_instance)</a:t>
+            </a:r>
+          </a:p>
+          <a:p>
+            <a:pPr marL="169863" indent="-169863">
+              <a:spcBef>
+                <a:spcPct val="40000"/>
+              </a:spcBef>
+            </a:pPr>
+            <a:r>
+              <a:rPr lang="en-US" altLang="zh-CN" sz="1200" i="0">
+                <a:latin typeface="Courier New" charset="0"/>
+                <a:ea typeface="宋体" pitchFamily="-65" charset="-128"/>
+                <a:cs typeface="Courier New" charset="0"/>
+              </a:rPr>
+              <a:t>      raises (InternalError);</a:t>
+            </a:r>
+          </a:p>
+          <a:p>
+            <a:pPr marL="169863" indent="-169863">
+              <a:spcBef>
+                <a:spcPct val="40000"/>
+              </a:spcBef>
+            </a:pPr>
+            <a:r>
+              <a:rPr lang="en-US" altLang="zh-CN" sz="1200" i="0">
+                <a:latin typeface="Courier New" charset="0"/>
+                <a:ea typeface="宋体" pitchFamily="-65" charset="-128"/>
+                <a:cs typeface="Courier New" charset="0"/>
+              </a:rPr>
+              <a:t>  };</a:t>
+            </a:r>
+          </a:p>
+          <a:p>
+            <a:pPr marL="169863" indent="-169863">
+              <a:spcBef>
+                <a:spcPct val="40000"/>
+              </a:spcBef>
+            </a:pPr>
+            <a:r>
+              <a:rPr lang="en-US" altLang="zh-CN" sz="1200" i="0">
+                <a:latin typeface="Courier New" charset="0"/>
+                <a:ea typeface="宋体" pitchFamily="-65" charset="-128"/>
+                <a:cs typeface="Courier New" charset="0"/>
+              </a:rPr>
+              <a:t>};</a:t>
+            </a:r>
+          </a:p>
+          <a:p>
+            <a:pPr marL="169863" indent="-169863">
+              <a:spcBef>
+                <a:spcPct val="40000"/>
+              </a:spcBef>
+            </a:pPr>
+            <a:endParaRPr lang="en-US" altLang="zh-CN" sz="1200" i="0">
+              <a:latin typeface="Courier New" charset="0"/>
+              <a:ea typeface="宋体" pitchFamily="-65" charset="-128"/>
+              <a:cs typeface="Courier New" charset="0"/>
+            </a:endParaRPr>
+          </a:p>
+          <a:p>
+            <a:pPr marL="169863" indent="-169863">
+              <a:spcBef>
+                <a:spcPct val="40000"/>
+              </a:spcBef>
+            </a:pPr>
+            <a:r>
+              <a:rPr lang="en-US" altLang="zh-CN" sz="1200" i="0">
+                <a:latin typeface="Courier New" charset="0"/>
+                <a:ea typeface="宋体" pitchFamily="-65" charset="-128"/>
+                <a:cs typeface="Courier New" charset="0"/>
+              </a:rPr>
               <a:t>module Hello_DDS</a:t>
             </a:r>
           </a:p>
@@ -13559,7 +11925,7 @@
               </a:spcBef>
             </a:pPr>
             <a:r>
-              <a:rPr lang="en-US" altLang="zh-CN" sz="1400" i="0">
+              <a:rPr lang="en-US" altLang="zh-CN" sz="1200" i="0">
                 <a:latin typeface="Courier New" charset="0"/>
                 <a:ea typeface="宋体" pitchFamily="-65" charset="-128"/>
                 <a:cs typeface="Courier New" charset="0"/>
@@ -13574,12 +11940,12 @@
               </a:spcBef>
             </a:pPr>
             <a:r>
-              <a:rPr lang="en-US" altLang="zh-CN" sz="1400" i="0">
+              <a:rPr lang="en-US" altLang="zh-CN" sz="1200" i="0">
                 <a:latin typeface="Courier New" charset="0"/>
                 <a:ea typeface="宋体" pitchFamily="-65" charset="-128"/>
                 <a:cs typeface="Courier New" charset="0"/>
               </a:rPr>
-              <a:t>  component Receiver</a:t>
+              <a:t>  component Sender</a:t>
             </a:r>
           </a:p>
           <a:p>
@@ -13589,7 +11955,7 @@
               </a:spcBef>
             </a:pPr>
             <a:r>
-              <a:rPr lang="en-US" altLang="zh-CN" sz="1400" i="0">
+              <a:rPr lang="en-US" altLang="zh-CN" sz="1200" i="0">
                 <a:latin typeface="Courier New" charset="0"/>
                 <a:ea typeface="宋体" pitchFamily="-65" charset="-128"/>
                 <a:cs typeface="Courier New" charset="0"/>
@@ -13604,12 +11970,12 @@
               </a:spcBef>
             </a:pPr>
             <a:r>
-              <a:rPr lang="en-US" altLang="zh-CN" sz="1400" i="0">
+              <a:rPr lang="en-US" altLang="zh-CN" sz="1200" i="0">
                 <a:latin typeface="Courier New" charset="0"/>
                 <a:ea typeface="宋体" pitchFamily="-65" charset="-128"/>
                 <a:cs typeface="Courier New" charset="0"/>
               </a:rPr>
-              <a:t>    uses CCM_DDS::string_Reader read_message_data;</a:t>
+              <a:t>    uses CCM_DDS::string_Writer push_data_data;</a:t>
             </a:r>
           </a:p>
           <a:p>
@@ -13619,12 +11985,12 @@
               </a:spcBef>
             </a:pPr>
             <a:r>
-              <a:rPr lang="en-US" altLang="zh-CN" sz="1400" i="0">
+              <a:rPr lang="en-US" altLang="zh-CN" sz="1200" i="0">
                 <a:latin typeface="Courier New" charset="0"/>
                 <a:ea typeface="宋体" pitchFamily="-65" charset="-128"/>
                 <a:cs typeface="Courier New" charset="0"/>
               </a:rPr>
-              <a:t>    uses CCM_DDS::ListenerControl read_message_control;</a:t>
+              <a:t>    uses DDS::DataWriter push_data_dds_entity;</a:t>
             </a:r>
           </a:p>
           <a:p>
@@ -13634,12 +12000,12 @@
               </a:spcBef>
             </a:pPr>
             <a:r>
-              <a:rPr lang="en-US" altLang="zh-CN" sz="1400" i="0">
+              <a:rPr lang="en-US" altLang="zh-CN" sz="1200" i="0">
                 <a:latin typeface="Courier New" charset="0"/>
                 <a:ea typeface="宋体" pitchFamily="-65" charset="-128"/>
                 <a:cs typeface="Courier New" charset="0"/>
               </a:rPr>
-              <a:t>    provides CCM_DDS::string_RawListener read_message_listener;</a:t>
+              <a:t>  };</a:t>
             </a:r>
           </a:p>
           <a:p>
@@ -13649,37 +12015,7 @@
               </a:spcBef>
             </a:pPr>
             <a:r>
-              <a:rPr lang="en-US" altLang="zh-CN" sz="1400" i="0">
-                <a:latin typeface="Courier New" charset="0"/>
-                <a:ea typeface="宋体" pitchFamily="-65" charset="-128"/>
-                <a:cs typeface="Courier New" charset="0"/>
-              </a:rPr>
-              <a:t>    uses DDS::DataReader read_message_dds_entity;</a:t>
-            </a:r>
-          </a:p>
-          <a:p>
-            <a:pPr marL="169863" indent="-169863">
-              <a:spcBef>
-                <a:spcPct val="40000"/>
-              </a:spcBef>
-            </a:pPr>
-            <a:r>
-              <a:rPr lang="en-US" altLang="zh-CN" sz="1400" i="0">
-                <a:latin typeface="Courier New" charset="0"/>
-                <a:ea typeface="宋体" pitchFamily="-65" charset="-128"/>
-                <a:cs typeface="Courier New" charset="0"/>
-              </a:rPr>
-              <a:t>    provides CCM_DDS::PortStatusListener read_message_status;</a:t>
-            </a:r>
-          </a:p>
-          <a:p>
-            <a:pPr marL="169863" indent="-169863">
-              <a:spcBef>
-                <a:spcPct val="40000"/>
-              </a:spcBef>
-            </a:pPr>
-            <a:r>
-              <a:rPr lang="en-US" altLang="zh-CN" sz="1400" i="0">
+              <a:rPr lang="en-US" altLang="zh-CN" sz="1200" i="0">
                 <a:latin typeface="Courier New" charset="0"/>
                 <a:ea typeface="宋体" pitchFamily="-65" charset="-128"/>
                 <a:cs typeface="Courier New" charset="0"/>
@@ -13723,7 +12059,7 @@
       </p:grpSpPr>
       <p:sp>
         <p:nvSpPr>
-          <p:cNvPr id="283650" name="Title 4"/>
+          <p:cNvPr id="278530" name="Title 4"/>
           <p:cNvSpPr>
             <a:spLocks noGrp="1"/>
           </p:cNvSpPr>
@@ -13738,7 +12074,7 @@
           <a:p>
             <a:r>
               <a:rPr lang="en-US"/>
-              <a:t>Implement the RawListener</a:t>
+              <a:t>Write a string to DDS</a:t>
             </a:r>
             <a:endParaRPr lang="nl-NL"/>
           </a:p>
@@ -13746,7 +12082,7 @@
       </p:sp>
       <p:sp>
         <p:nvSpPr>
-          <p:cNvPr id="283651" name="Rectangle 3"/>
+          <p:cNvPr id="278531" name="Rectangle 3"/>
           <p:cNvSpPr>
             <a:spLocks noChangeArrowheads="1"/>
           </p:cNvSpPr>
@@ -13792,7 +12128,7 @@
       </p:sp>
       <p:sp>
         <p:nvSpPr>
-          <p:cNvPr id="283652" name="Rectangle 3"/>
+          <p:cNvPr id="4" name="Rectangle 3"/>
           <p:cNvSpPr>
             <a:spLocks noChangeArrowheads="1"/>
           </p:cNvSpPr>
@@ -13823,17 +12159,43 @@
           <a:lstStyle/>
           <a:p>
             <a:pPr marL="169863" indent="-169863">
+              <a:buFontTx/>
+              <a:buChar char="•"/>
+            </a:pPr>
+            <a:r>
+              <a:rPr lang="en-US" altLang="zh-CN" sz="1200" i="0">
+                <a:ea typeface="宋体" pitchFamily="-65" charset="-128"/>
+                <a:cs typeface="宋体" pitchFamily="-65" charset="-128"/>
+              </a:rPr>
+              <a:t>Component-specific context manages receptacle connections</a:t>
+            </a:r>
+          </a:p>
+          <a:p>
+            <a:pPr marL="169863" indent="-169863">
+              <a:buFontTx/>
+              <a:buChar char="•"/>
+            </a:pPr>
+            <a:r>
+              <a:rPr lang="en-US" altLang="zh-CN" sz="1200" i="0">
+                <a:ea typeface="宋体" pitchFamily="-65" charset="-128"/>
+                <a:cs typeface="宋体" pitchFamily="-65" charset="-128"/>
+              </a:rPr>
+              <a:t>Executor acquires its connected receptacle reference from its component-specific context</a:t>
+            </a:r>
+          </a:p>
+          <a:p>
+            <a:pPr marL="169863" indent="-169863">
               <a:spcBef>
                 <a:spcPct val="40000"/>
               </a:spcBef>
             </a:pPr>
             <a:r>
-              <a:rPr lang="en-US" altLang="zh-CN" sz="800" i="0">
+              <a:rPr lang="en-US" altLang="zh-CN" sz="1200" i="0">
                 <a:latin typeface="Courier New" charset="0"/>
                 <a:ea typeface="宋体" pitchFamily="-65" charset="-128"/>
                 <a:cs typeface="Courier New" charset="0"/>
               </a:rPr>
-              <a:t> class HELLO_RECEIVER_EXEC_Export string_RawListener_exec_i</a:t>
+              <a:t> ::CCM_DDS::string_Writer_var writer =</a:t>
             </a:r>
           </a:p>
           <a:p>
@@ -13843,433 +12205,74 @@
               </a:spcBef>
             </a:pPr>
             <a:r>
-              <a:rPr lang="en-US" altLang="zh-CN" sz="800" i="0">
+              <a:rPr lang="en-US" altLang="zh-CN" sz="1200" i="0">
                 <a:latin typeface="Courier New" charset="0"/>
                 <a:ea typeface="宋体" pitchFamily="-65" charset="-128"/>
                 <a:cs typeface="Courier New" charset="0"/>
               </a:rPr>
-              <a:t>    : public virtual ::CCM_DDS::CCM_string_RawListener,</a:t>
+              <a:t>      this-&gt;context_-&gt;get_connection_push_data_data ();</a:t>
             </a:r>
           </a:p>
           <a:p>
             <a:pPr marL="169863" indent="-169863">
+              <a:buFontTx/>
+              <a:buChar char="•"/>
+            </a:pPr>
+            <a:r>
+              <a:rPr lang="en-US" altLang="zh-CN" sz="1200" i="0">
+                <a:ea typeface="宋体" pitchFamily="-65" charset="-128"/>
+                <a:cs typeface="宋体" pitchFamily="-65" charset="-128"/>
+              </a:rPr>
+              <a:t>Executor executes on the receptable to write a string to DDS</a:t>
+            </a:r>
+          </a:p>
+          <a:p>
+            <a:pPr marL="169863" indent="-169863">
               <a:spcBef>
                 <a:spcPct val="40000"/>
               </a:spcBef>
             </a:pPr>
             <a:r>
-              <a:rPr lang="en-US" altLang="zh-CN" sz="800" i="0">
+              <a:rPr lang="en-US" altLang="zh-CN" sz="1200" i="0">
                 <a:latin typeface="Courier New" charset="0"/>
                 <a:ea typeface="宋体" pitchFamily="-65" charset="-128"/>
-                <a:cs typeface="Courier New" charset="0"/>
-              </a:rPr>
-              <a:t>      public virtual ::CORBA::LocalObject</a:t>
-            </a:r>
-          </a:p>
+                <a:cs typeface="宋体" pitchFamily="-65" charset="-128"/>
+              </a:rPr>
+              <a:t>writer-&gt;write (“Hello world”);</a:t>
+            </a:r>
+          </a:p>
+        </p:txBody>
+      </p:sp>
+      <p:sp>
+        <p:nvSpPr>
+          <p:cNvPr id="6" name="Rectangle 3"/>
+          <p:cNvSpPr txBox="1">
+            <a:spLocks noChangeArrowheads="1"/>
+          </p:cNvSpPr>
+          <p:nvPr/>
+        </p:nvSpPr>
+        <p:spPr>
+          <a:xfrm>
+            <a:off x="3433763" y="947738"/>
+            <a:ext cx="5595937" cy="1752600"/>
+          </a:xfrm>
+          <a:prstGeom prst="rect">
+            <a:avLst/>
+          </a:prstGeom>
+        </p:spPr>
+        <p:txBody>
+          <a:bodyPr/>
+          <a:lstStyle/>
           <a:p>
             <a:pPr marL="169863" indent="-169863">
-              <a:spcBef>
-                <a:spcPct val="40000"/>
-              </a:spcBef>
-            </a:pPr>
-            <a:r>
-              <a:rPr lang="en-US" altLang="zh-CN" sz="800" i="0">
-                <a:latin typeface="Courier New" charset="0"/>
-                <a:ea typeface="宋体" pitchFamily="-65" charset="-128"/>
-                <a:cs typeface="Courier New" charset="0"/>
-              </a:rPr>
-              <a:t>  {</a:t>
-            </a:r>
-          </a:p>
-          <a:p>
-            <a:pPr marL="169863" indent="-169863">
-              <a:spcBef>
-                <a:spcPct val="40000"/>
-              </a:spcBef>
-            </a:pPr>
-            <a:r>
-              <a:rPr lang="en-US" altLang="zh-CN" sz="800" i="0">
-                <a:latin typeface="Courier New" charset="0"/>
-                <a:ea typeface="宋体" pitchFamily="-65" charset="-128"/>
-                <a:cs typeface="Courier New" charset="0"/>
-              </a:rPr>
-              <a:t>  public:</a:t>
-            </a:r>
-          </a:p>
-          <a:p>
-            <a:pPr marL="169863" indent="-169863">
-              <a:spcBef>
-                <a:spcPct val="40000"/>
-              </a:spcBef>
-            </a:pPr>
-            <a:r>
-              <a:rPr lang="en-US" altLang="zh-CN" sz="800" i="0">
-                <a:latin typeface="Courier New" charset="0"/>
-                <a:ea typeface="宋体" pitchFamily="-65" charset="-128"/>
-                <a:cs typeface="Courier New" charset="0"/>
-              </a:rPr>
-              <a:t>    string_RawListener_exec_i (Atomic_ULong &amp;,</a:t>
-            </a:r>
-          </a:p>
-          <a:p>
-            <a:pPr marL="169863" indent="-169863">
-              <a:spcBef>
-                <a:spcPct val="40000"/>
-              </a:spcBef>
-            </a:pPr>
-            <a:r>
-              <a:rPr lang="en-US" altLang="zh-CN" sz="800" i="0">
-                <a:latin typeface="Courier New" charset="0"/>
-                <a:ea typeface="宋体" pitchFamily="-65" charset="-128"/>
-                <a:cs typeface="Courier New" charset="0"/>
-              </a:rPr>
-              <a:t>                               const ACE_CString &amp;);</a:t>
-            </a:r>
-          </a:p>
-          <a:p>
-            <a:pPr marL="169863" indent="-169863">
-              <a:spcBef>
-                <a:spcPct val="40000"/>
-              </a:spcBef>
-            </a:pPr>
-            <a:r>
-              <a:rPr lang="en-US" altLang="zh-CN" sz="800" i="0">
-                <a:latin typeface="Courier New" charset="0"/>
-                <a:ea typeface="宋体" pitchFamily="-65" charset="-128"/>
-                <a:cs typeface="Courier New" charset="0"/>
-              </a:rPr>
-              <a:t>    virtual ~string_RawListener_exec_i (void);</a:t>
-            </a:r>
-          </a:p>
-          <a:p>
-            <a:pPr marL="169863" indent="-169863">
-              <a:spcBef>
-                <a:spcPct val="40000"/>
-              </a:spcBef>
-            </a:pPr>
-            <a:endParaRPr lang="en-US" altLang="zh-CN" sz="800" i="0">
-              <a:latin typeface="Courier New" charset="0"/>
-              <a:ea typeface="宋体" pitchFamily="-65" charset="-128"/>
-              <a:cs typeface="Courier New" charset="0"/>
+              <a:buFontTx/>
+              <a:buChar char="•"/>
+              <a:defRPr/>
+            </a:pPr>
+            <a:endParaRPr lang="en-US" altLang="zh-CN" sz="2000" i="0" kern="0" dirty="0">
+              <a:latin typeface="+mn-lt"/>
+              <a:ea typeface="宋体" pitchFamily="-65" charset="-122"/>
             </a:endParaRPr>
-          </a:p>
-          <a:p>
-            <a:pPr marL="169863" indent="-169863">
-              <a:spcBef>
-                <a:spcPct val="40000"/>
-              </a:spcBef>
-            </a:pPr>
-            <a:r>
-              <a:rPr lang="en-US" altLang="zh-CN" sz="800" i="0">
-                <a:latin typeface="Courier New" charset="0"/>
-                <a:ea typeface="宋体" pitchFamily="-65" charset="-128"/>
-                <a:cs typeface="Courier New" charset="0"/>
-              </a:rPr>
-              <a:t>  // Operations and attributes from ::CCM_DDS::string_RawListener</a:t>
-            </a:r>
-          </a:p>
-          <a:p>
-            <a:pPr marL="169863" indent="-169863">
-              <a:spcBef>
-                <a:spcPct val="40000"/>
-              </a:spcBef>
-            </a:pPr>
-            <a:endParaRPr lang="en-US" altLang="zh-CN" sz="800" i="0">
-              <a:latin typeface="Courier New" charset="0"/>
-              <a:ea typeface="宋体" pitchFamily="-65" charset="-128"/>
-              <a:cs typeface="Courier New" charset="0"/>
-            </a:endParaRPr>
-          </a:p>
-          <a:p>
-            <a:pPr marL="169863" indent="-169863">
-              <a:spcBef>
-                <a:spcPct val="40000"/>
-              </a:spcBef>
-            </a:pPr>
-            <a:r>
-              <a:rPr lang="en-US" altLang="zh-CN" sz="800" i="0">
-                <a:latin typeface="Courier New" charset="0"/>
-                <a:ea typeface="宋体" pitchFamily="-65" charset="-128"/>
-                <a:cs typeface="Courier New" charset="0"/>
-              </a:rPr>
-              <a:t>  // TAO_IDL - Generated from</a:t>
-            </a:r>
-          </a:p>
-          <a:p>
-            <a:pPr marL="169863" indent="-169863">
-              <a:spcBef>
-                <a:spcPct val="40000"/>
-              </a:spcBef>
-            </a:pPr>
-            <a:r>
-              <a:rPr lang="en-US" altLang="zh-CN" sz="800" i="0">
-                <a:latin typeface="Courier New" charset="0"/>
-                <a:ea typeface="宋体" pitchFamily="-65" charset="-128"/>
-                <a:cs typeface="Courier New" charset="0"/>
-              </a:rPr>
-              <a:t>  // be/be_visitor_operation/operation_ch.cpp:46</a:t>
-            </a:r>
-          </a:p>
-          <a:p>
-            <a:pPr marL="169863" indent="-169863">
-              <a:spcBef>
-                <a:spcPct val="40000"/>
-              </a:spcBef>
-            </a:pPr>
-            <a:endParaRPr lang="en-US" altLang="zh-CN" sz="800" i="0">
-              <a:latin typeface="Courier New" charset="0"/>
-              <a:ea typeface="宋体" pitchFamily="-65" charset="-128"/>
-              <a:cs typeface="Courier New" charset="0"/>
-            </a:endParaRPr>
-          </a:p>
-          <a:p>
-            <a:pPr marL="169863" indent="-169863">
-              <a:spcBef>
-                <a:spcPct val="40000"/>
-              </a:spcBef>
-            </a:pPr>
-            <a:r>
-              <a:rPr lang="en-US" altLang="zh-CN" sz="800" i="0">
-                <a:latin typeface="Courier New" charset="0"/>
-                <a:ea typeface="宋体" pitchFamily="-65" charset="-128"/>
-                <a:cs typeface="Courier New" charset="0"/>
-              </a:rPr>
-              <a:t>  virtual void</a:t>
-            </a:r>
-          </a:p>
-          <a:p>
-            <a:pPr marL="169863" indent="-169863">
-              <a:spcBef>
-                <a:spcPct val="40000"/>
-              </a:spcBef>
-            </a:pPr>
-            <a:r>
-              <a:rPr lang="en-US" altLang="zh-CN" sz="800" i="0">
-                <a:latin typeface="Courier New" charset="0"/>
-                <a:ea typeface="宋体" pitchFamily="-65" charset="-128"/>
-                <a:cs typeface="Courier New" charset="0"/>
-              </a:rPr>
-              <a:t>  on_data (const char * an_instance,</a:t>
-            </a:r>
-          </a:p>
-          <a:p>
-            <a:pPr marL="169863" indent="-169863">
-              <a:spcBef>
-                <a:spcPct val="40000"/>
-              </a:spcBef>
-            </a:pPr>
-            <a:r>
-              <a:rPr lang="en-US" altLang="zh-CN" sz="800" i="0">
-                <a:latin typeface="Courier New" charset="0"/>
-                <a:ea typeface="宋体" pitchFamily="-65" charset="-128"/>
-                <a:cs typeface="Courier New" charset="0"/>
-              </a:rPr>
-              <a:t>           const ::CCM_DDS::ReadInfo &amp; info);</a:t>
-            </a:r>
-          </a:p>
-          <a:p>
-            <a:pPr marL="169863" indent="-169863">
-              <a:spcBef>
-                <a:spcPct val="40000"/>
-              </a:spcBef>
-            </a:pPr>
-            <a:endParaRPr lang="en-US" altLang="zh-CN" sz="800" i="0">
-              <a:latin typeface="Courier New" charset="0"/>
-              <a:ea typeface="宋体" pitchFamily="-65" charset="-128"/>
-              <a:cs typeface="Courier New" charset="0"/>
-            </a:endParaRPr>
-          </a:p>
-          <a:p>
-            <a:pPr marL="169863" indent="-169863">
-              <a:spcBef>
-                <a:spcPct val="40000"/>
-              </a:spcBef>
-            </a:pPr>
-            <a:r>
-              <a:rPr lang="en-US" altLang="zh-CN" sz="800" i="0">
-                <a:latin typeface="Courier New" charset="0"/>
-                <a:ea typeface="宋体" pitchFamily="-65" charset="-128"/>
-                <a:cs typeface="Courier New" charset="0"/>
-              </a:rPr>
-              <a:t>private:</a:t>
-            </a:r>
-          </a:p>
-          <a:p>
-            <a:pPr marL="169863" indent="-169863">
-              <a:spcBef>
-                <a:spcPct val="40000"/>
-              </a:spcBef>
-            </a:pPr>
-            <a:r>
-              <a:rPr lang="en-US" altLang="zh-CN" sz="800" i="0">
-                <a:latin typeface="Courier New" charset="0"/>
-                <a:ea typeface="宋体" pitchFamily="-65" charset="-128"/>
-                <a:cs typeface="Courier New" charset="0"/>
-              </a:rPr>
-              <a:t>  Atomic_ULong &amp;received_;</a:t>
-            </a:r>
-          </a:p>
-          <a:p>
-            <a:pPr marL="169863" indent="-169863">
-              <a:spcBef>
-                <a:spcPct val="40000"/>
-              </a:spcBef>
-            </a:pPr>
-            <a:r>
-              <a:rPr lang="en-US" altLang="zh-CN" sz="800" i="0">
-                <a:latin typeface="Courier New" charset="0"/>
-                <a:ea typeface="宋体" pitchFamily="-65" charset="-128"/>
-                <a:cs typeface="Courier New" charset="0"/>
-              </a:rPr>
-              <a:t>  const ACE_CString &amp;name_;</a:t>
-            </a:r>
-          </a:p>
-          <a:p>
-            <a:pPr marL="169863" indent="-169863">
-              <a:spcBef>
-                <a:spcPct val="40000"/>
-              </a:spcBef>
-            </a:pPr>
-            <a:r>
-              <a:rPr lang="en-US" altLang="zh-CN" sz="800" i="0">
-                <a:latin typeface="Courier New" charset="0"/>
-                <a:ea typeface="宋体" pitchFamily="-65" charset="-128"/>
-                <a:cs typeface="Courier New" charset="0"/>
-              </a:rPr>
-              <a:t>};</a:t>
-            </a:r>
-          </a:p>
-          <a:p>
-            <a:pPr marL="169863" indent="-169863">
-              <a:spcBef>
-                <a:spcPct val="40000"/>
-              </a:spcBef>
-            </a:pPr>
-            <a:endParaRPr lang="en-US" altLang="zh-CN" sz="800" i="0">
-              <a:latin typeface="Courier New" charset="0"/>
-              <a:ea typeface="宋体" pitchFamily="-65" charset="-128"/>
-              <a:cs typeface="Courier New" charset="0"/>
-            </a:endParaRPr>
-          </a:p>
-          <a:p>
-            <a:pPr marL="169863" indent="-169863">
-              <a:spcBef>
-                <a:spcPct val="40000"/>
-              </a:spcBef>
-            </a:pPr>
-            <a:r>
-              <a:rPr lang="en-US" altLang="zh-CN" sz="800" i="0">
-                <a:latin typeface="Courier New" charset="0"/>
-                <a:ea typeface="宋体" pitchFamily="-65" charset="-128"/>
-                <a:cs typeface="Courier New" charset="0"/>
-              </a:rPr>
-              <a:t> void</a:t>
-            </a:r>
-          </a:p>
-          <a:p>
-            <a:pPr marL="169863" indent="-169863">
-              <a:spcBef>
-                <a:spcPct val="40000"/>
-              </a:spcBef>
-            </a:pPr>
-            <a:r>
-              <a:rPr lang="en-US" altLang="zh-CN" sz="800" i="0">
-                <a:latin typeface="Courier New" charset="0"/>
-                <a:ea typeface="宋体" pitchFamily="-65" charset="-128"/>
-                <a:cs typeface="Courier New" charset="0"/>
-              </a:rPr>
-              <a:t>  string_RawListener_exec_i::on_data (</a:t>
-            </a:r>
-          </a:p>
-          <a:p>
-            <a:pPr marL="169863" indent="-169863">
-              <a:spcBef>
-                <a:spcPct val="40000"/>
-              </a:spcBef>
-            </a:pPr>
-            <a:r>
-              <a:rPr lang="en-US" altLang="zh-CN" sz="800" i="0">
-                <a:latin typeface="Courier New" charset="0"/>
-                <a:ea typeface="宋体" pitchFamily="-65" charset="-128"/>
-                <a:cs typeface="Courier New" charset="0"/>
-              </a:rPr>
-              <a:t>    const char * an_instance,</a:t>
-            </a:r>
-          </a:p>
-          <a:p>
-            <a:pPr marL="169863" indent="-169863">
-              <a:spcBef>
-                <a:spcPct val="40000"/>
-              </a:spcBef>
-            </a:pPr>
-            <a:r>
-              <a:rPr lang="en-US" altLang="zh-CN" sz="800" i="0">
-                <a:latin typeface="Courier New" charset="0"/>
-                <a:ea typeface="宋体" pitchFamily="-65" charset="-128"/>
-                <a:cs typeface="Courier New" charset="0"/>
-              </a:rPr>
-              <a:t>    const ::CCM_DDS::ReadInfo &amp; /* info */)</a:t>
-            </a:r>
-          </a:p>
-          <a:p>
-            <a:pPr marL="169863" indent="-169863">
-              <a:spcBef>
-                <a:spcPct val="40000"/>
-              </a:spcBef>
-            </a:pPr>
-            <a:r>
-              <a:rPr lang="en-US" altLang="zh-CN" sz="800" i="0">
-                <a:latin typeface="Courier New" charset="0"/>
-                <a:ea typeface="宋体" pitchFamily="-65" charset="-128"/>
-                <a:cs typeface="Courier New" charset="0"/>
-              </a:rPr>
-              <a:t>  {</a:t>
-            </a:r>
-          </a:p>
-          <a:p>
-            <a:pPr marL="169863" indent="-169863">
-              <a:spcBef>
-                <a:spcPct val="40000"/>
-              </a:spcBef>
-            </a:pPr>
-            <a:r>
-              <a:rPr lang="en-US" altLang="zh-CN" sz="800" i="0">
-                <a:latin typeface="Courier New" charset="0"/>
-                <a:ea typeface="宋体" pitchFamily="-65" charset="-128"/>
-                <a:cs typeface="Courier New" charset="0"/>
-              </a:rPr>
-              <a:t>    ++received_;</a:t>
-            </a:r>
-          </a:p>
-          <a:p>
-            <a:pPr marL="169863" indent="-169863">
-              <a:spcBef>
-                <a:spcPct val="40000"/>
-              </a:spcBef>
-            </a:pPr>
-            <a:r>
-              <a:rPr lang="en-US" altLang="zh-CN" sz="800" i="0">
-                <a:latin typeface="Courier New" charset="0"/>
-                <a:ea typeface="宋体" pitchFamily="-65" charset="-128"/>
-                <a:cs typeface="Courier New" charset="0"/>
-              </a:rPr>
-              <a:t>    printf ("&lt;%s&gt; string_RawListener::on_data received &lt;%s&gt;\n", this-&gt;name_.c_str (), an_instance);</a:t>
-            </a:r>
-          </a:p>
-          <a:p>
-            <a:pPr marL="169863" indent="-169863">
-              <a:spcBef>
-                <a:spcPct val="40000"/>
-              </a:spcBef>
-            </a:pPr>
-            <a:r>
-              <a:rPr lang="en-US" altLang="zh-CN" sz="800" i="0">
-                <a:latin typeface="Courier New" charset="0"/>
-                <a:ea typeface="宋体" pitchFamily="-65" charset="-128"/>
-                <a:cs typeface="Courier New" charset="0"/>
-              </a:rPr>
-              <a:t>  }</a:t>
-            </a:r>
           </a:p>
         </p:txBody>
       </p:sp>
@@ -14307,6 +12310,2745 @@
       </p:grpSpPr>
       <p:sp>
         <p:nvSpPr>
+          <p:cNvPr id="279554" name="Title 4"/>
+          <p:cNvSpPr>
+            <a:spLocks noGrp="1"/>
+          </p:cNvSpPr>
+          <p:nvPr>
+            <p:ph type="title"/>
+          </p:nvPr>
+        </p:nvSpPr>
+        <p:spPr/>
+        <p:txBody>
+          <a:bodyPr/>
+          <a:lstStyle/>
+          <a:p>
+            <a:r>
+              <a:rPr lang="en-US"/>
+              <a:t>Receiver IDL3+</a:t>
+            </a:r>
+            <a:endParaRPr lang="nl-NL"/>
+          </a:p>
+        </p:txBody>
+      </p:sp>
+      <p:sp>
+        <p:nvSpPr>
+          <p:cNvPr id="279555" name="Rectangle 3"/>
+          <p:cNvSpPr>
+            <a:spLocks noChangeArrowheads="1"/>
+          </p:cNvSpPr>
+          <p:nvPr/>
+        </p:nvSpPr>
+        <p:spPr bwMode="auto">
+          <a:xfrm>
+            <a:off x="228600" y="1190625"/>
+            <a:ext cx="8763000" cy="4876800"/>
+          </a:xfrm>
+          <a:prstGeom prst="rect">
+            <a:avLst/>
+          </a:prstGeom>
+          <a:noFill/>
+          <a:ln w="9525">
+            <a:noFill/>
+            <a:miter lim="800000"/>
+            <a:headEnd/>
+            <a:tailEnd/>
+          </a:ln>
+        </p:spPr>
+        <p:txBody>
+          <a:bodyPr>
+            <a:prstTxWarp prst="textNoShape">
+              <a:avLst/>
+            </a:prstTxWarp>
+          </a:bodyPr>
+          <a:lstStyle/>
+          <a:p>
+            <a:pPr marL="169863" indent="-169863">
+              <a:spcBef>
+                <a:spcPct val="40000"/>
+              </a:spcBef>
+              <a:buFontTx/>
+              <a:buChar char="•"/>
+            </a:pPr>
+            <a:endParaRPr lang="en-US" altLang="zh-CN" sz="2000" i="0">
+              <a:ea typeface="宋体" pitchFamily="-65" charset="-128"/>
+              <a:cs typeface="Times New Roman" charset="0"/>
+            </a:endParaRPr>
+          </a:p>
+        </p:txBody>
+      </p:sp>
+      <p:sp>
+        <p:nvSpPr>
+          <p:cNvPr id="4" name="Rectangle 3"/>
+          <p:cNvSpPr>
+            <a:spLocks noChangeArrowheads="1"/>
+          </p:cNvSpPr>
+          <p:nvPr/>
+        </p:nvSpPr>
+        <p:spPr bwMode="auto">
+          <a:xfrm>
+            <a:off x="381000" y="1343025"/>
+            <a:ext cx="8763000" cy="4876800"/>
+          </a:xfrm>
+          <a:prstGeom prst="rect">
+            <a:avLst/>
+          </a:prstGeom>
+          <a:noFill/>
+          <a:ln w="9525">
+            <a:noFill/>
+            <a:miter lim="800000"/>
+            <a:headEnd/>
+            <a:tailEnd/>
+          </a:ln>
+        </p:spPr>
+        <p:txBody>
+          <a:bodyPr/>
+          <a:lstStyle/>
+          <a:p>
+            <a:pPr marL="169863" indent="-169863">
+              <a:spcBef>
+                <a:spcPct val="40000"/>
+              </a:spcBef>
+              <a:buFont typeface="Arial" pitchFamily="34" charset="0"/>
+              <a:buChar char="•"/>
+              <a:defRPr/>
+            </a:pPr>
+            <a:r>
+              <a:rPr lang="en-US" altLang="zh-CN" sz="2000" i="0" dirty="0">
+                <a:latin typeface="+mn-lt"/>
+                <a:ea typeface="宋体" pitchFamily="-65" charset="-122"/>
+                <a:cs typeface="Courier New" pitchFamily="49" charset="0"/>
+              </a:rPr>
+              <a:t>Uses the standardized </a:t>
+            </a:r>
+            <a:r>
+              <a:rPr lang="en-US" altLang="zh-CN" sz="2000" i="0" dirty="0" err="1">
+                <a:latin typeface="+mn-lt"/>
+                <a:ea typeface="宋体" pitchFamily="-65" charset="-122"/>
+                <a:cs typeface="Courier New" pitchFamily="49" charset="0"/>
+              </a:rPr>
+              <a:t>DDS_RawListen</a:t>
+            </a:r>
+            <a:r>
+              <a:rPr lang="en-US" altLang="zh-CN" sz="2000" i="0" dirty="0">
+                <a:latin typeface="+mn-lt"/>
+                <a:ea typeface="宋体" pitchFamily="-65" charset="-122"/>
+                <a:cs typeface="Courier New" pitchFamily="49" charset="0"/>
+              </a:rPr>
+              <a:t> port</a:t>
+            </a:r>
+          </a:p>
+          <a:p>
+            <a:pPr marL="169863" indent="-169863">
+              <a:spcBef>
+                <a:spcPct val="40000"/>
+              </a:spcBef>
+              <a:defRPr/>
+            </a:pPr>
+            <a:endParaRPr lang="en-US" altLang="zh-CN" sz="1400" i="0" dirty="0">
+              <a:latin typeface="Courier New" pitchFamily="49" charset="0"/>
+              <a:ea typeface="宋体" pitchFamily="-65" charset="-122"/>
+              <a:cs typeface="Courier New" pitchFamily="49" charset="0"/>
+            </a:endParaRPr>
+          </a:p>
+          <a:p>
+            <a:pPr marL="169863" indent="-169863">
+              <a:spcBef>
+                <a:spcPct val="40000"/>
+              </a:spcBef>
+              <a:defRPr/>
+            </a:pPr>
+            <a:r>
+              <a:rPr lang="en-US" altLang="zh-CN" sz="1400" i="0" dirty="0">
+                <a:latin typeface="Courier New" pitchFamily="49" charset="0"/>
+                <a:ea typeface="宋体" pitchFamily="-65" charset="-122"/>
+                <a:cs typeface="Courier New" pitchFamily="49" charset="0"/>
+              </a:rPr>
+              <a:t>module </a:t>
+            </a:r>
+            <a:r>
+              <a:rPr lang="en-US" altLang="zh-CN" sz="1400" i="0" dirty="0" err="1">
+                <a:latin typeface="Courier New" pitchFamily="49" charset="0"/>
+                <a:ea typeface="宋体" pitchFamily="-65" charset="-122"/>
+                <a:cs typeface="Courier New" pitchFamily="49" charset="0"/>
+              </a:rPr>
+              <a:t>Hello_DDS</a:t>
+            </a:r>
+            <a:endParaRPr lang="en-US" altLang="zh-CN" sz="1400" i="0" dirty="0">
+              <a:latin typeface="Courier New" pitchFamily="49" charset="0"/>
+              <a:ea typeface="宋体" pitchFamily="-65" charset="-122"/>
+              <a:cs typeface="Courier New" pitchFamily="49" charset="0"/>
+            </a:endParaRPr>
+          </a:p>
+          <a:p>
+            <a:pPr marL="169863" indent="-169863">
+              <a:spcBef>
+                <a:spcPct val="40000"/>
+              </a:spcBef>
+              <a:defRPr/>
+            </a:pPr>
+            <a:r>
+              <a:rPr lang="en-US" altLang="zh-CN" sz="1400" i="0" dirty="0">
+                <a:latin typeface="Courier New" pitchFamily="49" charset="0"/>
+                <a:ea typeface="宋体" pitchFamily="-65" charset="-122"/>
+                <a:cs typeface="Courier New" pitchFamily="49" charset="0"/>
+              </a:rPr>
+              <a:t>{</a:t>
+            </a:r>
+          </a:p>
+          <a:p>
+            <a:pPr marL="169863" indent="-169863">
+              <a:spcBef>
+                <a:spcPct val="40000"/>
+              </a:spcBef>
+              <a:defRPr/>
+            </a:pPr>
+            <a:r>
+              <a:rPr lang="en-US" altLang="zh-CN" sz="1400" i="0" dirty="0">
+                <a:latin typeface="Courier New" pitchFamily="49" charset="0"/>
+                <a:ea typeface="宋体" pitchFamily="-65" charset="-122"/>
+                <a:cs typeface="Courier New" pitchFamily="49" charset="0"/>
+              </a:rPr>
+              <a:t>  component Receiver</a:t>
+            </a:r>
+          </a:p>
+          <a:p>
+            <a:pPr marL="169863" indent="-169863">
+              <a:spcBef>
+                <a:spcPct val="40000"/>
+              </a:spcBef>
+              <a:defRPr/>
+            </a:pPr>
+            <a:r>
+              <a:rPr lang="en-US" altLang="zh-CN" sz="1400" i="0" dirty="0">
+                <a:latin typeface="Courier New" pitchFamily="49" charset="0"/>
+                <a:ea typeface="宋体" pitchFamily="-65" charset="-122"/>
+                <a:cs typeface="Courier New" pitchFamily="49" charset="0"/>
+              </a:rPr>
+              <a:t>  {</a:t>
+            </a:r>
+          </a:p>
+          <a:p>
+            <a:pPr marL="169863" indent="-169863">
+              <a:spcBef>
+                <a:spcPct val="40000"/>
+              </a:spcBef>
+              <a:defRPr/>
+            </a:pPr>
+            <a:r>
+              <a:rPr lang="en-US" altLang="zh-CN" sz="1400" i="0" dirty="0">
+                <a:latin typeface="Courier New" pitchFamily="49" charset="0"/>
+                <a:ea typeface="宋体" pitchFamily="-65" charset="-122"/>
+                <a:cs typeface="Courier New" pitchFamily="49" charset="0"/>
+              </a:rPr>
+              <a:t>    port </a:t>
+            </a:r>
+            <a:r>
+              <a:rPr lang="en-US" altLang="zh-CN" sz="1400" i="0" dirty="0" err="1">
+                <a:latin typeface="Courier New" pitchFamily="49" charset="0"/>
+                <a:ea typeface="宋体" pitchFamily="-65" charset="-122"/>
+                <a:cs typeface="Courier New" pitchFamily="49" charset="0"/>
+              </a:rPr>
+              <a:t>DDS_RawListen</a:t>
+            </a:r>
+            <a:r>
+              <a:rPr lang="en-US" altLang="zh-CN" sz="1400" i="0" dirty="0">
+                <a:latin typeface="Courier New" pitchFamily="49" charset="0"/>
+                <a:ea typeface="宋体" pitchFamily="-65" charset="-122"/>
+                <a:cs typeface="Courier New" pitchFamily="49" charset="0"/>
+              </a:rPr>
+              <a:t>&lt;string&gt; </a:t>
+            </a:r>
+            <a:r>
+              <a:rPr lang="en-US" altLang="zh-CN" sz="1400" i="0" dirty="0" err="1">
+                <a:latin typeface="Courier New" pitchFamily="49" charset="0"/>
+                <a:ea typeface="宋体" pitchFamily="-65" charset="-122"/>
+                <a:cs typeface="Courier New" pitchFamily="49" charset="0"/>
+              </a:rPr>
+              <a:t>read_message</a:t>
+            </a:r>
+            <a:r>
+              <a:rPr lang="en-US" altLang="zh-CN" sz="1400" i="0" dirty="0">
+                <a:latin typeface="Courier New" pitchFamily="49" charset="0"/>
+                <a:ea typeface="宋体" pitchFamily="-65" charset="-122"/>
+                <a:cs typeface="Courier New" pitchFamily="49" charset="0"/>
+              </a:rPr>
+              <a:t>;</a:t>
+            </a:r>
+          </a:p>
+          <a:p>
+            <a:pPr marL="169863" indent="-169863">
+              <a:spcBef>
+                <a:spcPct val="40000"/>
+              </a:spcBef>
+              <a:defRPr/>
+            </a:pPr>
+            <a:r>
+              <a:rPr lang="en-US" altLang="zh-CN" sz="1400" i="0" dirty="0">
+                <a:latin typeface="Courier New" pitchFamily="49" charset="0"/>
+                <a:ea typeface="宋体" pitchFamily="-65" charset="-122"/>
+                <a:cs typeface="Courier New" pitchFamily="49" charset="0"/>
+              </a:rPr>
+              <a:t>  };</a:t>
+            </a:r>
+          </a:p>
+          <a:p>
+            <a:pPr marL="169863" indent="-169863">
+              <a:spcBef>
+                <a:spcPct val="40000"/>
+              </a:spcBef>
+              <a:defRPr/>
+            </a:pPr>
+            <a:r>
+              <a:rPr lang="en-US" altLang="zh-CN" sz="1400" i="0" dirty="0">
+                <a:latin typeface="Courier New" pitchFamily="49" charset="0"/>
+                <a:ea typeface="宋体" pitchFamily="-65" charset="-122"/>
+                <a:cs typeface="Courier New" pitchFamily="49" charset="0"/>
+              </a:rPr>
+              <a:t>};</a:t>
+            </a:r>
+          </a:p>
+        </p:txBody>
+      </p:sp>
+    </p:spTree>
+  </p:cSld>
+  <p:clrMapOvr>
+    <a:masterClrMapping/>
+  </p:clrMapOvr>
+  <p:timing>
+    <p:tnLst>
+      <p:par>
+        <p:cTn id="1" dur="indefinite" restart="never" nodeType="tmRoot"/>
+      </p:par>
+    </p:tnLst>
+  </p:timing>
+</p:sld>
+</file>
+
+<file path=ppt/slides/slide26.xml><?xml version="1.0" encoding="utf-8"?>
+<p:sld xmlns:a="http://schemas.openxmlformats.org/drawingml/2006/main" xmlns:r="http://schemas.openxmlformats.org/officeDocument/2006/relationships" xmlns:mc="http://schemas.openxmlformats.org/markup-compatibility/2006" xmlns:mv="urn:schemas-microsoft-com:mac:vml" xmlns:p="http://schemas.openxmlformats.org/presentationml/2006/main" mc:Ignorable="mv" mc:PreserveAttributes="mv:*">
+  <p:cSld>
+    <p:spTree>
+      <p:nvGrpSpPr>
+        <p:cNvPr id="1" name=""/>
+        <p:cNvGrpSpPr/>
+        <p:nvPr/>
+      </p:nvGrpSpPr>
+      <p:grpSpPr>
+        <a:xfrm>
+          <a:off x="0" y="0"/>
+          <a:ext cx="0" cy="0"/>
+          <a:chOff x="0" y="0"/>
+          <a:chExt cx="0" cy="0"/>
+        </a:xfrm>
+      </p:grpSpPr>
+      <p:sp>
+        <p:nvSpPr>
+          <p:cNvPr id="280578" name="Title 4"/>
+          <p:cNvSpPr>
+            <a:spLocks noGrp="1"/>
+          </p:cNvSpPr>
+          <p:nvPr>
+            <p:ph type="title"/>
+          </p:nvPr>
+        </p:nvSpPr>
+        <p:spPr/>
+        <p:txBody>
+          <a:bodyPr/>
+          <a:lstStyle/>
+          <a:p>
+            <a:r>
+              <a:rPr lang="en-US"/>
+              <a:t>Receiver IDL3</a:t>
+            </a:r>
+            <a:endParaRPr lang="nl-NL"/>
+          </a:p>
+        </p:txBody>
+      </p:sp>
+      <p:sp>
+        <p:nvSpPr>
+          <p:cNvPr id="280579" name="Rectangle 3"/>
+          <p:cNvSpPr>
+            <a:spLocks noChangeArrowheads="1"/>
+          </p:cNvSpPr>
+          <p:nvPr/>
+        </p:nvSpPr>
+        <p:spPr bwMode="auto">
+          <a:xfrm>
+            <a:off x="228600" y="1190625"/>
+            <a:ext cx="8763000" cy="4876800"/>
+          </a:xfrm>
+          <a:prstGeom prst="rect">
+            <a:avLst/>
+          </a:prstGeom>
+          <a:noFill/>
+          <a:ln w="9525">
+            <a:noFill/>
+            <a:miter lim="800000"/>
+            <a:headEnd/>
+            <a:tailEnd/>
+          </a:ln>
+        </p:spPr>
+        <p:txBody>
+          <a:bodyPr>
+            <a:prstTxWarp prst="textNoShape">
+              <a:avLst/>
+            </a:prstTxWarp>
+          </a:bodyPr>
+          <a:lstStyle/>
+          <a:p>
+            <a:pPr marL="169863" indent="-169863">
+              <a:spcBef>
+                <a:spcPct val="40000"/>
+              </a:spcBef>
+              <a:buFontTx/>
+              <a:buChar char="•"/>
+            </a:pPr>
+            <a:endParaRPr lang="en-US" altLang="zh-CN" sz="2000" i="0">
+              <a:ea typeface="宋体" pitchFamily="-65" charset="-128"/>
+              <a:cs typeface="Times New Roman" charset="0"/>
+            </a:endParaRPr>
+          </a:p>
+        </p:txBody>
+      </p:sp>
+      <p:sp>
+        <p:nvSpPr>
+          <p:cNvPr id="4" name="Rectangle 3"/>
+          <p:cNvSpPr>
+            <a:spLocks noChangeArrowheads="1"/>
+          </p:cNvSpPr>
+          <p:nvPr/>
+        </p:nvSpPr>
+        <p:spPr bwMode="auto">
+          <a:xfrm>
+            <a:off x="381000" y="1133475"/>
+            <a:ext cx="8763000" cy="4876800"/>
+          </a:xfrm>
+          <a:prstGeom prst="rect">
+            <a:avLst/>
+          </a:prstGeom>
+          <a:noFill/>
+          <a:ln w="9525">
+            <a:noFill/>
+            <a:miter lim="800000"/>
+            <a:headEnd/>
+            <a:tailEnd/>
+          </a:ln>
+        </p:spPr>
+        <p:txBody>
+          <a:bodyPr/>
+          <a:lstStyle/>
+          <a:p>
+            <a:pPr marL="169863" indent="-169863">
+              <a:spcBef>
+                <a:spcPct val="40000"/>
+              </a:spcBef>
+              <a:buFont typeface="Arial" pitchFamily="34" charset="0"/>
+              <a:buChar char="•"/>
+              <a:defRPr/>
+            </a:pPr>
+            <a:r>
+              <a:rPr lang="en-US" altLang="zh-CN" sz="2000" i="0" dirty="0">
+                <a:latin typeface="+mn-lt"/>
+                <a:ea typeface="宋体" pitchFamily="-65" charset="-122"/>
+                <a:cs typeface="Courier New" pitchFamily="49" charset="0"/>
+              </a:rPr>
+              <a:t>Type specific reader interface</a:t>
+            </a:r>
+          </a:p>
+          <a:p>
+            <a:pPr marL="169863" indent="-169863">
+              <a:spcBef>
+                <a:spcPct val="40000"/>
+              </a:spcBef>
+              <a:defRPr/>
+            </a:pPr>
+            <a:r>
+              <a:rPr lang="en-US" altLang="zh-CN" sz="1100" i="0" dirty="0">
+                <a:latin typeface="Courier New" pitchFamily="49" charset="0"/>
+                <a:ea typeface="宋体" pitchFamily="-65" charset="-122"/>
+                <a:cs typeface="Courier New" pitchFamily="49" charset="0"/>
+              </a:rPr>
+              <a:t>module CCM_DDS</a:t>
+            </a:r>
+          </a:p>
+          <a:p>
+            <a:pPr marL="169863" indent="-169863">
+              <a:spcBef>
+                <a:spcPct val="40000"/>
+              </a:spcBef>
+              <a:defRPr/>
+            </a:pPr>
+            <a:r>
+              <a:rPr lang="en-US" altLang="zh-CN" sz="1100" i="0" dirty="0">
+                <a:latin typeface="Courier New" pitchFamily="49" charset="0"/>
+                <a:ea typeface="宋体" pitchFamily="-65" charset="-122"/>
+                <a:cs typeface="Courier New" pitchFamily="49" charset="0"/>
+              </a:rPr>
+              <a:t>{</a:t>
+            </a:r>
+          </a:p>
+          <a:p>
+            <a:pPr marL="169863" indent="-169863">
+              <a:spcBef>
+                <a:spcPct val="40000"/>
+              </a:spcBef>
+              <a:defRPr/>
+            </a:pPr>
+            <a:r>
+              <a:rPr lang="en-US" altLang="zh-CN" sz="1100" i="0" dirty="0">
+                <a:latin typeface="Courier New" pitchFamily="49" charset="0"/>
+                <a:ea typeface="宋体" pitchFamily="-65" charset="-122"/>
+                <a:cs typeface="Courier New" pitchFamily="49" charset="0"/>
+              </a:rPr>
+              <a:t>    interface </a:t>
+            </a:r>
+            <a:r>
+              <a:rPr lang="en-US" altLang="zh-CN" sz="1100" i="0" dirty="0" err="1">
+                <a:latin typeface="Courier New" pitchFamily="49" charset="0"/>
+                <a:ea typeface="宋体" pitchFamily="-65" charset="-122"/>
+                <a:cs typeface="Courier New" pitchFamily="49" charset="0"/>
+              </a:rPr>
+              <a:t>string_Reader</a:t>
+            </a:r>
+            <a:endParaRPr lang="en-US" altLang="zh-CN" sz="1100" i="0" dirty="0">
+              <a:latin typeface="Courier New" pitchFamily="49" charset="0"/>
+              <a:ea typeface="宋体" pitchFamily="-65" charset="-122"/>
+              <a:cs typeface="Courier New" pitchFamily="49" charset="0"/>
+            </a:endParaRPr>
+          </a:p>
+          <a:p>
+            <a:pPr marL="169863" indent="-169863">
+              <a:spcBef>
+                <a:spcPct val="40000"/>
+              </a:spcBef>
+              <a:defRPr/>
+            </a:pPr>
+            <a:r>
+              <a:rPr lang="en-US" altLang="zh-CN" sz="1100" i="0" dirty="0">
+                <a:latin typeface="Courier New" pitchFamily="49" charset="0"/>
+                <a:ea typeface="宋体" pitchFamily="-65" charset="-122"/>
+                <a:cs typeface="Courier New" pitchFamily="49" charset="0"/>
+              </a:rPr>
+              <a:t>    {</a:t>
+            </a:r>
+          </a:p>
+          <a:p>
+            <a:pPr marL="169863" indent="-169863">
+              <a:spcBef>
+                <a:spcPct val="40000"/>
+              </a:spcBef>
+              <a:defRPr/>
+            </a:pPr>
+            <a:r>
+              <a:rPr lang="en-US" altLang="zh-CN" sz="1100" i="0" dirty="0">
+                <a:latin typeface="Courier New" pitchFamily="49" charset="0"/>
+                <a:ea typeface="宋体" pitchFamily="-65" charset="-122"/>
+                <a:cs typeface="Courier New" pitchFamily="49" charset="0"/>
+              </a:rPr>
+              <a:t>      </a:t>
+            </a:r>
+            <a:r>
+              <a:rPr lang="en-US" altLang="zh-CN" sz="1100" i="0" dirty="0" err="1">
+                <a:latin typeface="Courier New" pitchFamily="49" charset="0"/>
+                <a:ea typeface="宋体" pitchFamily="-65" charset="-122"/>
+                <a:cs typeface="Courier New" pitchFamily="49" charset="0"/>
+              </a:rPr>
+              <a:t>typedef</a:t>
+            </a:r>
+            <a:r>
+              <a:rPr lang="en-US" altLang="zh-CN" sz="1100" i="0" dirty="0">
+                <a:latin typeface="Courier New" pitchFamily="49" charset="0"/>
+                <a:ea typeface="宋体" pitchFamily="-65" charset="-122"/>
+                <a:cs typeface="Courier New" pitchFamily="49" charset="0"/>
+              </a:rPr>
+              <a:t> sequence&lt;string&gt; </a:t>
+            </a:r>
+            <a:r>
+              <a:rPr lang="en-US" altLang="zh-CN" sz="1100" i="0" dirty="0" err="1">
+                <a:latin typeface="Courier New" pitchFamily="49" charset="0"/>
+                <a:ea typeface="宋体" pitchFamily="-65" charset="-122"/>
+                <a:cs typeface="Courier New" pitchFamily="49" charset="0"/>
+              </a:rPr>
+              <a:t>stringSeq</a:t>
+            </a:r>
+            <a:r>
+              <a:rPr lang="en-US" altLang="zh-CN" sz="1100" i="0" dirty="0">
+                <a:latin typeface="Courier New" pitchFamily="49" charset="0"/>
+                <a:ea typeface="宋体" pitchFamily="-65" charset="-122"/>
+                <a:cs typeface="Courier New" pitchFamily="49" charset="0"/>
+              </a:rPr>
+              <a:t>;</a:t>
+            </a:r>
+          </a:p>
+          <a:p>
+            <a:pPr marL="169863" indent="-169863">
+              <a:spcBef>
+                <a:spcPct val="40000"/>
+              </a:spcBef>
+              <a:defRPr/>
+            </a:pPr>
+            <a:r>
+              <a:rPr lang="en-US" altLang="zh-CN" sz="1100" i="0" dirty="0">
+                <a:latin typeface="Courier New" pitchFamily="49" charset="0"/>
+                <a:ea typeface="宋体" pitchFamily="-65" charset="-122"/>
+                <a:cs typeface="Courier New" pitchFamily="49" charset="0"/>
+              </a:rPr>
+              <a:t>      void </a:t>
+            </a:r>
+            <a:r>
+              <a:rPr lang="en-US" altLang="zh-CN" sz="1100" i="0" dirty="0" err="1">
+                <a:latin typeface="Courier New" pitchFamily="49" charset="0"/>
+                <a:ea typeface="宋体" pitchFamily="-65" charset="-122"/>
+                <a:cs typeface="Courier New" pitchFamily="49" charset="0"/>
+              </a:rPr>
+              <a:t>read_all</a:t>
+            </a:r>
+            <a:r>
+              <a:rPr lang="en-US" altLang="zh-CN" sz="1100" i="0" dirty="0">
+                <a:latin typeface="Courier New" pitchFamily="49" charset="0"/>
+                <a:ea typeface="宋体" pitchFamily="-65" charset="-122"/>
+                <a:cs typeface="Courier New" pitchFamily="49" charset="0"/>
+              </a:rPr>
+              <a:t> (out </a:t>
+            </a:r>
+            <a:r>
+              <a:rPr lang="en-US" altLang="zh-CN" sz="1100" i="0" dirty="0" err="1">
+                <a:latin typeface="Courier New" pitchFamily="49" charset="0"/>
+                <a:ea typeface="宋体" pitchFamily="-65" charset="-122"/>
+                <a:cs typeface="Courier New" pitchFamily="49" charset="0"/>
+              </a:rPr>
+              <a:t>stringSeq</a:t>
+            </a:r>
+            <a:r>
+              <a:rPr lang="en-US" altLang="zh-CN" sz="1100" i="0" dirty="0">
+                <a:latin typeface="Courier New" pitchFamily="49" charset="0"/>
+                <a:ea typeface="宋体" pitchFamily="-65" charset="-122"/>
+                <a:cs typeface="Courier New" pitchFamily="49" charset="0"/>
+              </a:rPr>
+              <a:t> instances, out </a:t>
+            </a:r>
+            <a:r>
+              <a:rPr lang="en-US" altLang="zh-CN" sz="1100" i="0" dirty="0" err="1">
+                <a:latin typeface="Courier New" pitchFamily="49" charset="0"/>
+                <a:ea typeface="宋体" pitchFamily="-65" charset="-122"/>
+                <a:cs typeface="Courier New" pitchFamily="49" charset="0"/>
+              </a:rPr>
+              <a:t>ReadInfoSeq</a:t>
+            </a:r>
+            <a:r>
+              <a:rPr lang="en-US" altLang="zh-CN" sz="1100" i="0" dirty="0">
+                <a:latin typeface="Courier New" pitchFamily="49" charset="0"/>
+                <a:ea typeface="宋体" pitchFamily="-65" charset="-122"/>
+                <a:cs typeface="Courier New" pitchFamily="49" charset="0"/>
+              </a:rPr>
+              <a:t> </a:t>
+            </a:r>
+            <a:r>
+              <a:rPr lang="en-US" altLang="zh-CN" sz="1100" i="0" dirty="0" err="1">
+                <a:latin typeface="Courier New" pitchFamily="49" charset="0"/>
+                <a:ea typeface="宋体" pitchFamily="-65" charset="-122"/>
+                <a:cs typeface="Courier New" pitchFamily="49" charset="0"/>
+              </a:rPr>
+              <a:t>infos</a:t>
+            </a:r>
+            <a:r>
+              <a:rPr lang="en-US" altLang="zh-CN" sz="1100" i="0" dirty="0">
+                <a:latin typeface="Courier New" pitchFamily="49" charset="0"/>
+                <a:ea typeface="宋体" pitchFamily="-65" charset="-122"/>
+                <a:cs typeface="Courier New" pitchFamily="49" charset="0"/>
+              </a:rPr>
+              <a:t>)</a:t>
+            </a:r>
+          </a:p>
+          <a:p>
+            <a:pPr marL="169863" indent="-169863">
+              <a:spcBef>
+                <a:spcPct val="40000"/>
+              </a:spcBef>
+              <a:defRPr/>
+            </a:pPr>
+            <a:r>
+              <a:rPr lang="en-US" altLang="zh-CN" sz="1100" i="0" dirty="0">
+                <a:latin typeface="Courier New" pitchFamily="49" charset="0"/>
+                <a:ea typeface="宋体" pitchFamily="-65" charset="-122"/>
+                <a:cs typeface="Courier New" pitchFamily="49" charset="0"/>
+              </a:rPr>
+              <a:t>        raises (</a:t>
+            </a:r>
+            <a:r>
+              <a:rPr lang="en-US" altLang="zh-CN" sz="1100" i="0" dirty="0" err="1">
+                <a:latin typeface="Courier New" pitchFamily="49" charset="0"/>
+                <a:ea typeface="宋体" pitchFamily="-65" charset="-122"/>
+                <a:cs typeface="Courier New" pitchFamily="49" charset="0"/>
+              </a:rPr>
+              <a:t>InternalError</a:t>
+            </a:r>
+            <a:r>
+              <a:rPr lang="en-US" altLang="zh-CN" sz="1100" i="0" dirty="0">
+                <a:latin typeface="Courier New" pitchFamily="49" charset="0"/>
+                <a:ea typeface="宋体" pitchFamily="-65" charset="-122"/>
+                <a:cs typeface="Courier New" pitchFamily="49" charset="0"/>
+              </a:rPr>
+              <a:t>);</a:t>
+            </a:r>
+          </a:p>
+          <a:p>
+            <a:pPr marL="169863" indent="-169863">
+              <a:spcBef>
+                <a:spcPct val="40000"/>
+              </a:spcBef>
+              <a:defRPr/>
+            </a:pPr>
+            <a:r>
+              <a:rPr lang="en-US" altLang="zh-CN" sz="1100" i="0" dirty="0">
+                <a:latin typeface="Courier New" pitchFamily="49" charset="0"/>
+                <a:ea typeface="宋体" pitchFamily="-65" charset="-122"/>
+                <a:cs typeface="Courier New" pitchFamily="49" charset="0"/>
+              </a:rPr>
+              <a:t>      void </a:t>
+            </a:r>
+            <a:r>
+              <a:rPr lang="en-US" altLang="zh-CN" sz="1100" i="0" dirty="0" err="1">
+                <a:latin typeface="Courier New" pitchFamily="49" charset="0"/>
+                <a:ea typeface="宋体" pitchFamily="-65" charset="-122"/>
+                <a:cs typeface="Courier New" pitchFamily="49" charset="0"/>
+              </a:rPr>
+              <a:t>read_all_history</a:t>
+            </a:r>
+            <a:r>
+              <a:rPr lang="en-US" altLang="zh-CN" sz="1100" i="0" dirty="0">
+                <a:latin typeface="Courier New" pitchFamily="49" charset="0"/>
+                <a:ea typeface="宋体" pitchFamily="-65" charset="-122"/>
+                <a:cs typeface="Courier New" pitchFamily="49" charset="0"/>
+              </a:rPr>
+              <a:t> (out </a:t>
+            </a:r>
+            <a:r>
+              <a:rPr lang="en-US" altLang="zh-CN" sz="1100" i="0" dirty="0" err="1">
+                <a:latin typeface="Courier New" pitchFamily="49" charset="0"/>
+                <a:ea typeface="宋体" pitchFamily="-65" charset="-122"/>
+                <a:cs typeface="Courier New" pitchFamily="49" charset="0"/>
+              </a:rPr>
+              <a:t>stringSeq</a:t>
+            </a:r>
+            <a:r>
+              <a:rPr lang="en-US" altLang="zh-CN" sz="1100" i="0" dirty="0">
+                <a:latin typeface="Courier New" pitchFamily="49" charset="0"/>
+                <a:ea typeface="宋体" pitchFamily="-65" charset="-122"/>
+                <a:cs typeface="Courier New" pitchFamily="49" charset="0"/>
+              </a:rPr>
+              <a:t> instances, out </a:t>
+            </a:r>
+            <a:r>
+              <a:rPr lang="en-US" altLang="zh-CN" sz="1100" i="0" dirty="0" err="1">
+                <a:latin typeface="Courier New" pitchFamily="49" charset="0"/>
+                <a:ea typeface="宋体" pitchFamily="-65" charset="-122"/>
+                <a:cs typeface="Courier New" pitchFamily="49" charset="0"/>
+              </a:rPr>
+              <a:t>ReadInfoSeq</a:t>
+            </a:r>
+            <a:r>
+              <a:rPr lang="en-US" altLang="zh-CN" sz="1100" i="0" dirty="0">
+                <a:latin typeface="Courier New" pitchFamily="49" charset="0"/>
+                <a:ea typeface="宋体" pitchFamily="-65" charset="-122"/>
+                <a:cs typeface="Courier New" pitchFamily="49" charset="0"/>
+              </a:rPr>
+              <a:t> </a:t>
+            </a:r>
+            <a:r>
+              <a:rPr lang="en-US" altLang="zh-CN" sz="1100" i="0" dirty="0" err="1">
+                <a:latin typeface="Courier New" pitchFamily="49" charset="0"/>
+                <a:ea typeface="宋体" pitchFamily="-65" charset="-122"/>
+                <a:cs typeface="Courier New" pitchFamily="49" charset="0"/>
+              </a:rPr>
+              <a:t>infos</a:t>
+            </a:r>
+            <a:r>
+              <a:rPr lang="en-US" altLang="zh-CN" sz="1100" i="0" dirty="0">
+                <a:latin typeface="Courier New" pitchFamily="49" charset="0"/>
+                <a:ea typeface="宋体" pitchFamily="-65" charset="-122"/>
+                <a:cs typeface="Courier New" pitchFamily="49" charset="0"/>
+              </a:rPr>
+              <a:t>)</a:t>
+            </a:r>
+          </a:p>
+          <a:p>
+            <a:pPr marL="169863" indent="-169863">
+              <a:spcBef>
+                <a:spcPct val="40000"/>
+              </a:spcBef>
+              <a:defRPr/>
+            </a:pPr>
+            <a:r>
+              <a:rPr lang="en-US" altLang="zh-CN" sz="1100" i="0" dirty="0">
+                <a:latin typeface="Courier New" pitchFamily="49" charset="0"/>
+                <a:ea typeface="宋体" pitchFamily="-65" charset="-122"/>
+                <a:cs typeface="Courier New" pitchFamily="49" charset="0"/>
+              </a:rPr>
+              <a:t>        raises (</a:t>
+            </a:r>
+            <a:r>
+              <a:rPr lang="en-US" altLang="zh-CN" sz="1100" i="0" dirty="0" err="1">
+                <a:latin typeface="Courier New" pitchFamily="49" charset="0"/>
+                <a:ea typeface="宋体" pitchFamily="-65" charset="-122"/>
+                <a:cs typeface="Courier New" pitchFamily="49" charset="0"/>
+              </a:rPr>
+              <a:t>InternalError</a:t>
+            </a:r>
+            <a:r>
+              <a:rPr lang="en-US" altLang="zh-CN" sz="1100" i="0" dirty="0">
+                <a:latin typeface="Courier New" pitchFamily="49" charset="0"/>
+                <a:ea typeface="宋体" pitchFamily="-65" charset="-122"/>
+                <a:cs typeface="Courier New" pitchFamily="49" charset="0"/>
+              </a:rPr>
+              <a:t>);</a:t>
+            </a:r>
+          </a:p>
+          <a:p>
+            <a:pPr marL="169863" indent="-169863">
+              <a:spcBef>
+                <a:spcPct val="40000"/>
+              </a:spcBef>
+              <a:defRPr/>
+            </a:pPr>
+            <a:r>
+              <a:rPr lang="en-US" altLang="zh-CN" sz="1100" i="0" dirty="0">
+                <a:latin typeface="Courier New" pitchFamily="49" charset="0"/>
+                <a:ea typeface="宋体" pitchFamily="-65" charset="-122"/>
+                <a:cs typeface="Courier New" pitchFamily="49" charset="0"/>
+              </a:rPr>
+              <a:t>      void </a:t>
+            </a:r>
+            <a:r>
+              <a:rPr lang="en-US" altLang="zh-CN" sz="1100" i="0" dirty="0" err="1">
+                <a:latin typeface="Courier New" pitchFamily="49" charset="0"/>
+                <a:ea typeface="宋体" pitchFamily="-65" charset="-122"/>
+                <a:cs typeface="Courier New" pitchFamily="49" charset="0"/>
+              </a:rPr>
+              <a:t>read_one</a:t>
+            </a:r>
+            <a:r>
+              <a:rPr lang="en-US" altLang="zh-CN" sz="1100" i="0" dirty="0">
+                <a:latin typeface="Courier New" pitchFamily="49" charset="0"/>
+                <a:ea typeface="宋体" pitchFamily="-65" charset="-122"/>
+                <a:cs typeface="Courier New" pitchFamily="49" charset="0"/>
+              </a:rPr>
+              <a:t> (</a:t>
+            </a:r>
+            <a:r>
+              <a:rPr lang="en-US" altLang="zh-CN" sz="1100" i="0" dirty="0" err="1">
+                <a:latin typeface="Courier New" pitchFamily="49" charset="0"/>
+                <a:ea typeface="宋体" pitchFamily="-65" charset="-122"/>
+                <a:cs typeface="Courier New" pitchFamily="49" charset="0"/>
+              </a:rPr>
+              <a:t>inout</a:t>
+            </a:r>
+            <a:r>
+              <a:rPr lang="en-US" altLang="zh-CN" sz="1100" i="0" dirty="0">
+                <a:latin typeface="Courier New" pitchFamily="49" charset="0"/>
+                <a:ea typeface="宋体" pitchFamily="-65" charset="-122"/>
+                <a:cs typeface="Courier New" pitchFamily="49" charset="0"/>
+              </a:rPr>
+              <a:t> string </a:t>
+            </a:r>
+            <a:r>
+              <a:rPr lang="en-US" altLang="zh-CN" sz="1100" i="0" dirty="0" err="1">
+                <a:latin typeface="Courier New" pitchFamily="49" charset="0"/>
+                <a:ea typeface="宋体" pitchFamily="-65" charset="-122"/>
+                <a:cs typeface="Courier New" pitchFamily="49" charset="0"/>
+              </a:rPr>
+              <a:t>an_instance</a:t>
+            </a:r>
+            <a:r>
+              <a:rPr lang="en-US" altLang="zh-CN" sz="1100" i="0" dirty="0">
+                <a:latin typeface="Courier New" pitchFamily="49" charset="0"/>
+                <a:ea typeface="宋体" pitchFamily="-65" charset="-122"/>
+                <a:cs typeface="Courier New" pitchFamily="49" charset="0"/>
+              </a:rPr>
+              <a:t>, out </a:t>
+            </a:r>
+            <a:r>
+              <a:rPr lang="en-US" altLang="zh-CN" sz="1100" i="0" dirty="0" err="1">
+                <a:latin typeface="Courier New" pitchFamily="49" charset="0"/>
+                <a:ea typeface="宋体" pitchFamily="-65" charset="-122"/>
+                <a:cs typeface="Courier New" pitchFamily="49" charset="0"/>
+              </a:rPr>
+              <a:t>ReadInfo</a:t>
+            </a:r>
+            <a:r>
+              <a:rPr lang="en-US" altLang="zh-CN" sz="1100" i="0" dirty="0">
+                <a:latin typeface="Courier New" pitchFamily="49" charset="0"/>
+                <a:ea typeface="宋体" pitchFamily="-65" charset="-122"/>
+                <a:cs typeface="Courier New" pitchFamily="49" charset="0"/>
+              </a:rPr>
+              <a:t> info)</a:t>
+            </a:r>
+          </a:p>
+          <a:p>
+            <a:pPr marL="169863" indent="-169863">
+              <a:spcBef>
+                <a:spcPct val="40000"/>
+              </a:spcBef>
+              <a:defRPr/>
+            </a:pPr>
+            <a:r>
+              <a:rPr lang="en-US" altLang="zh-CN" sz="1100" i="0" dirty="0">
+                <a:latin typeface="Courier New" pitchFamily="49" charset="0"/>
+                <a:ea typeface="宋体" pitchFamily="-65" charset="-122"/>
+                <a:cs typeface="Courier New" pitchFamily="49" charset="0"/>
+              </a:rPr>
+              <a:t>        raises (</a:t>
+            </a:r>
+            <a:r>
+              <a:rPr lang="en-US" altLang="zh-CN" sz="1100" i="0" dirty="0" err="1">
+                <a:latin typeface="Courier New" pitchFamily="49" charset="0"/>
+                <a:ea typeface="宋体" pitchFamily="-65" charset="-122"/>
+                <a:cs typeface="Courier New" pitchFamily="49" charset="0"/>
+              </a:rPr>
+              <a:t>NonExistent</a:t>
+            </a:r>
+            <a:r>
+              <a:rPr lang="en-US" altLang="zh-CN" sz="1100" i="0" dirty="0">
+                <a:latin typeface="Courier New" pitchFamily="49" charset="0"/>
+                <a:ea typeface="宋体" pitchFamily="-65" charset="-122"/>
+                <a:cs typeface="Courier New" pitchFamily="49" charset="0"/>
+              </a:rPr>
+              <a:t>,</a:t>
+            </a:r>
+          </a:p>
+          <a:p>
+            <a:pPr marL="169863" indent="-169863">
+              <a:spcBef>
+                <a:spcPct val="40000"/>
+              </a:spcBef>
+              <a:defRPr/>
+            </a:pPr>
+            <a:r>
+              <a:rPr lang="en-US" altLang="zh-CN" sz="1100" i="0" dirty="0">
+                <a:latin typeface="Courier New" pitchFamily="49" charset="0"/>
+                <a:ea typeface="宋体" pitchFamily="-65" charset="-122"/>
+                <a:cs typeface="Courier New" pitchFamily="49" charset="0"/>
+              </a:rPr>
+              <a:t>                </a:t>
+            </a:r>
+            <a:r>
+              <a:rPr lang="en-US" altLang="zh-CN" sz="1100" i="0" dirty="0" err="1">
+                <a:latin typeface="Courier New" pitchFamily="49" charset="0"/>
+                <a:ea typeface="宋体" pitchFamily="-65" charset="-122"/>
+                <a:cs typeface="Courier New" pitchFamily="49" charset="0"/>
+              </a:rPr>
+              <a:t>InternalError</a:t>
+            </a:r>
+            <a:r>
+              <a:rPr lang="en-US" altLang="zh-CN" sz="1100" i="0" dirty="0">
+                <a:latin typeface="Courier New" pitchFamily="49" charset="0"/>
+                <a:ea typeface="宋体" pitchFamily="-65" charset="-122"/>
+                <a:cs typeface="Courier New" pitchFamily="49" charset="0"/>
+              </a:rPr>
+              <a:t>);</a:t>
+            </a:r>
+          </a:p>
+          <a:p>
+            <a:pPr marL="169863" indent="-169863">
+              <a:spcBef>
+                <a:spcPct val="40000"/>
+              </a:spcBef>
+              <a:defRPr/>
+            </a:pPr>
+            <a:r>
+              <a:rPr lang="en-US" altLang="zh-CN" sz="1100" i="0" dirty="0">
+                <a:latin typeface="Courier New" pitchFamily="49" charset="0"/>
+                <a:ea typeface="宋体" pitchFamily="-65" charset="-122"/>
+                <a:cs typeface="Courier New" pitchFamily="49" charset="0"/>
+              </a:rPr>
+              <a:t>      void </a:t>
+            </a:r>
+            <a:r>
+              <a:rPr lang="en-US" altLang="zh-CN" sz="1100" i="0" dirty="0" err="1">
+                <a:latin typeface="Courier New" pitchFamily="49" charset="0"/>
+                <a:ea typeface="宋体" pitchFamily="-65" charset="-122"/>
+                <a:cs typeface="Courier New" pitchFamily="49" charset="0"/>
+              </a:rPr>
+              <a:t>read_one_history</a:t>
+            </a:r>
+            <a:r>
+              <a:rPr lang="en-US" altLang="zh-CN" sz="1100" i="0" dirty="0">
+                <a:latin typeface="Courier New" pitchFamily="49" charset="0"/>
+                <a:ea typeface="宋体" pitchFamily="-65" charset="-122"/>
+                <a:cs typeface="Courier New" pitchFamily="49" charset="0"/>
+              </a:rPr>
+              <a:t> (in string </a:t>
+            </a:r>
+            <a:r>
+              <a:rPr lang="en-US" altLang="zh-CN" sz="1100" i="0" dirty="0" err="1">
+                <a:latin typeface="Courier New" pitchFamily="49" charset="0"/>
+                <a:ea typeface="宋体" pitchFamily="-65" charset="-122"/>
+                <a:cs typeface="Courier New" pitchFamily="49" charset="0"/>
+              </a:rPr>
+              <a:t>an_instance</a:t>
+            </a:r>
+            <a:r>
+              <a:rPr lang="en-US" altLang="zh-CN" sz="1100" i="0" dirty="0">
+                <a:latin typeface="Courier New" pitchFamily="49" charset="0"/>
+                <a:ea typeface="宋体" pitchFamily="-65" charset="-122"/>
+                <a:cs typeface="Courier New" pitchFamily="49" charset="0"/>
+              </a:rPr>
+              <a:t>,</a:t>
+            </a:r>
+          </a:p>
+          <a:p>
+            <a:pPr marL="169863" indent="-169863">
+              <a:spcBef>
+                <a:spcPct val="40000"/>
+              </a:spcBef>
+              <a:defRPr/>
+            </a:pPr>
+            <a:r>
+              <a:rPr lang="en-US" altLang="zh-CN" sz="1100" i="0" dirty="0">
+                <a:latin typeface="Courier New" pitchFamily="49" charset="0"/>
+                <a:ea typeface="宋体" pitchFamily="-65" charset="-122"/>
+                <a:cs typeface="Courier New" pitchFamily="49" charset="0"/>
+              </a:rPr>
+              <a:t>                             out </a:t>
+            </a:r>
+            <a:r>
+              <a:rPr lang="en-US" altLang="zh-CN" sz="1100" i="0" dirty="0" err="1">
+                <a:latin typeface="Courier New" pitchFamily="49" charset="0"/>
+                <a:ea typeface="宋体" pitchFamily="-65" charset="-122"/>
+                <a:cs typeface="Courier New" pitchFamily="49" charset="0"/>
+              </a:rPr>
+              <a:t>stringSeq</a:t>
+            </a:r>
+            <a:r>
+              <a:rPr lang="en-US" altLang="zh-CN" sz="1100" i="0" dirty="0">
+                <a:latin typeface="Courier New" pitchFamily="49" charset="0"/>
+                <a:ea typeface="宋体" pitchFamily="-65" charset="-122"/>
+                <a:cs typeface="Courier New" pitchFamily="49" charset="0"/>
+              </a:rPr>
+              <a:t> instances, out </a:t>
+            </a:r>
+            <a:r>
+              <a:rPr lang="en-US" altLang="zh-CN" sz="1100" i="0" dirty="0" err="1">
+                <a:latin typeface="Courier New" pitchFamily="49" charset="0"/>
+                <a:ea typeface="宋体" pitchFamily="-65" charset="-122"/>
+                <a:cs typeface="Courier New" pitchFamily="49" charset="0"/>
+              </a:rPr>
+              <a:t>ReadInfoSeq</a:t>
+            </a:r>
+            <a:r>
+              <a:rPr lang="en-US" altLang="zh-CN" sz="1100" i="0" dirty="0">
+                <a:latin typeface="Courier New" pitchFamily="49" charset="0"/>
+                <a:ea typeface="宋体" pitchFamily="-65" charset="-122"/>
+                <a:cs typeface="Courier New" pitchFamily="49" charset="0"/>
+              </a:rPr>
+              <a:t> </a:t>
+            </a:r>
+            <a:r>
+              <a:rPr lang="en-US" altLang="zh-CN" sz="1100" i="0" dirty="0" err="1">
+                <a:latin typeface="Courier New" pitchFamily="49" charset="0"/>
+                <a:ea typeface="宋体" pitchFamily="-65" charset="-122"/>
+                <a:cs typeface="Courier New" pitchFamily="49" charset="0"/>
+              </a:rPr>
+              <a:t>infos</a:t>
+            </a:r>
+            <a:r>
+              <a:rPr lang="en-US" altLang="zh-CN" sz="1100" i="0" dirty="0">
+                <a:latin typeface="Courier New" pitchFamily="49" charset="0"/>
+                <a:ea typeface="宋体" pitchFamily="-65" charset="-122"/>
+                <a:cs typeface="Courier New" pitchFamily="49" charset="0"/>
+              </a:rPr>
+              <a:t>)</a:t>
+            </a:r>
+          </a:p>
+          <a:p>
+            <a:pPr marL="169863" indent="-169863">
+              <a:spcBef>
+                <a:spcPct val="40000"/>
+              </a:spcBef>
+              <a:defRPr/>
+            </a:pPr>
+            <a:r>
+              <a:rPr lang="en-US" altLang="zh-CN" sz="1100" i="0" dirty="0">
+                <a:latin typeface="Courier New" pitchFamily="49" charset="0"/>
+                <a:ea typeface="宋体" pitchFamily="-65" charset="-122"/>
+                <a:cs typeface="Courier New" pitchFamily="49" charset="0"/>
+              </a:rPr>
+              <a:t>        raises (</a:t>
+            </a:r>
+            <a:r>
+              <a:rPr lang="en-US" altLang="zh-CN" sz="1100" i="0" dirty="0" err="1">
+                <a:latin typeface="Courier New" pitchFamily="49" charset="0"/>
+                <a:ea typeface="宋体" pitchFamily="-65" charset="-122"/>
+                <a:cs typeface="Courier New" pitchFamily="49" charset="0"/>
+              </a:rPr>
+              <a:t>NonExistent</a:t>
+            </a:r>
+            <a:r>
+              <a:rPr lang="en-US" altLang="zh-CN" sz="1100" i="0" dirty="0">
+                <a:latin typeface="Courier New" pitchFamily="49" charset="0"/>
+                <a:ea typeface="宋体" pitchFamily="-65" charset="-122"/>
+                <a:cs typeface="Courier New" pitchFamily="49" charset="0"/>
+              </a:rPr>
+              <a:t>,</a:t>
+            </a:r>
+          </a:p>
+          <a:p>
+            <a:pPr marL="169863" indent="-169863">
+              <a:spcBef>
+                <a:spcPct val="40000"/>
+              </a:spcBef>
+              <a:defRPr/>
+            </a:pPr>
+            <a:r>
+              <a:rPr lang="en-US" altLang="zh-CN" sz="1100" i="0" dirty="0">
+                <a:latin typeface="Courier New" pitchFamily="49" charset="0"/>
+                <a:ea typeface="宋体" pitchFamily="-65" charset="-122"/>
+                <a:cs typeface="Courier New" pitchFamily="49" charset="0"/>
+              </a:rPr>
+              <a:t>                </a:t>
+            </a:r>
+            <a:r>
+              <a:rPr lang="en-US" altLang="zh-CN" sz="1100" i="0" dirty="0" err="1">
+                <a:latin typeface="Courier New" pitchFamily="49" charset="0"/>
+                <a:ea typeface="宋体" pitchFamily="-65" charset="-122"/>
+                <a:cs typeface="Courier New" pitchFamily="49" charset="0"/>
+              </a:rPr>
+              <a:t>InternalError</a:t>
+            </a:r>
+            <a:r>
+              <a:rPr lang="en-US" altLang="zh-CN" sz="1100" i="0" dirty="0">
+                <a:latin typeface="Courier New" pitchFamily="49" charset="0"/>
+                <a:ea typeface="宋体" pitchFamily="-65" charset="-122"/>
+                <a:cs typeface="Courier New" pitchFamily="49" charset="0"/>
+              </a:rPr>
+              <a:t>);</a:t>
+            </a:r>
+          </a:p>
+          <a:p>
+            <a:pPr marL="169863" indent="-169863">
+              <a:spcBef>
+                <a:spcPct val="40000"/>
+              </a:spcBef>
+              <a:defRPr/>
+            </a:pPr>
+            <a:r>
+              <a:rPr lang="en-US" altLang="zh-CN" sz="1100" i="0" dirty="0">
+                <a:latin typeface="Courier New" pitchFamily="49" charset="0"/>
+                <a:ea typeface="宋体" pitchFamily="-65" charset="-122"/>
+                <a:cs typeface="Courier New" pitchFamily="49" charset="0"/>
+              </a:rPr>
+              <a:t>      attribute </a:t>
+            </a:r>
+            <a:r>
+              <a:rPr lang="en-US" altLang="zh-CN" sz="1100" i="0" dirty="0" err="1">
+                <a:latin typeface="Courier New" pitchFamily="49" charset="0"/>
+                <a:ea typeface="宋体" pitchFamily="-65" charset="-122"/>
+                <a:cs typeface="Courier New" pitchFamily="49" charset="0"/>
+              </a:rPr>
+              <a:t>QueryFilter</a:t>
+            </a:r>
+            <a:r>
+              <a:rPr lang="en-US" altLang="zh-CN" sz="1100" i="0" dirty="0">
+                <a:latin typeface="Courier New" pitchFamily="49" charset="0"/>
+                <a:ea typeface="宋体" pitchFamily="-65" charset="-122"/>
+                <a:cs typeface="Courier New" pitchFamily="49" charset="0"/>
+              </a:rPr>
+              <a:t> filter</a:t>
+            </a:r>
+          </a:p>
+          <a:p>
+            <a:pPr marL="169863" indent="-169863">
+              <a:spcBef>
+                <a:spcPct val="40000"/>
+              </a:spcBef>
+              <a:defRPr/>
+            </a:pPr>
+            <a:r>
+              <a:rPr lang="en-US" altLang="zh-CN" sz="1100" i="0" dirty="0">
+                <a:latin typeface="Courier New" pitchFamily="49" charset="0"/>
+                <a:ea typeface="宋体" pitchFamily="-65" charset="-122"/>
+                <a:cs typeface="Courier New" pitchFamily="49" charset="0"/>
+              </a:rPr>
+              <a:t>        </a:t>
+            </a:r>
+            <a:r>
+              <a:rPr lang="en-US" altLang="zh-CN" sz="1100" i="0" dirty="0" err="1">
+                <a:latin typeface="Courier New" pitchFamily="49" charset="0"/>
+                <a:ea typeface="宋体" pitchFamily="-65" charset="-122"/>
+                <a:cs typeface="Courier New" pitchFamily="49" charset="0"/>
+              </a:rPr>
+              <a:t>setraises</a:t>
+            </a:r>
+            <a:r>
+              <a:rPr lang="en-US" altLang="zh-CN" sz="1100" i="0" dirty="0">
+                <a:latin typeface="Courier New" pitchFamily="49" charset="0"/>
+                <a:ea typeface="宋体" pitchFamily="-65" charset="-122"/>
+                <a:cs typeface="Courier New" pitchFamily="49" charset="0"/>
+              </a:rPr>
+              <a:t> (</a:t>
+            </a:r>
+            <a:r>
+              <a:rPr lang="en-US" altLang="zh-CN" sz="1100" i="0" dirty="0" err="1">
+                <a:latin typeface="Courier New" pitchFamily="49" charset="0"/>
+                <a:ea typeface="宋体" pitchFamily="-65" charset="-122"/>
+                <a:cs typeface="Courier New" pitchFamily="49" charset="0"/>
+              </a:rPr>
+              <a:t>BadParameter</a:t>
+            </a:r>
+            <a:r>
+              <a:rPr lang="en-US" altLang="zh-CN" sz="1100" i="0" dirty="0">
+                <a:latin typeface="Courier New" pitchFamily="49" charset="0"/>
+                <a:ea typeface="宋体" pitchFamily="-65" charset="-122"/>
+                <a:cs typeface="Courier New" pitchFamily="49" charset="0"/>
+              </a:rPr>
+              <a:t>);      </a:t>
+            </a:r>
+          </a:p>
+          <a:p>
+            <a:pPr marL="169863" indent="-169863">
+              <a:spcBef>
+                <a:spcPct val="40000"/>
+              </a:spcBef>
+              <a:defRPr/>
+            </a:pPr>
+            <a:r>
+              <a:rPr lang="en-US" altLang="zh-CN" sz="1100" i="0" dirty="0">
+                <a:latin typeface="Courier New" pitchFamily="49" charset="0"/>
+                <a:ea typeface="宋体" pitchFamily="-65" charset="-122"/>
+                <a:cs typeface="Courier New" pitchFamily="49" charset="0"/>
+              </a:rPr>
+              <a:t>    };</a:t>
+            </a:r>
+          </a:p>
+          <a:p>
+            <a:pPr marL="169863" indent="-169863">
+              <a:spcBef>
+                <a:spcPct val="40000"/>
+              </a:spcBef>
+              <a:defRPr/>
+            </a:pPr>
+            <a:r>
+              <a:rPr lang="en-US" altLang="zh-CN" sz="1100" i="0" dirty="0">
+                <a:latin typeface="Courier New" pitchFamily="49" charset="0"/>
+                <a:ea typeface="宋体" pitchFamily="-65" charset="-122"/>
+                <a:cs typeface="Courier New" pitchFamily="49" charset="0"/>
+              </a:rPr>
+              <a:t>};</a:t>
+            </a:r>
+          </a:p>
+        </p:txBody>
+      </p:sp>
+    </p:spTree>
+  </p:cSld>
+  <p:clrMapOvr>
+    <a:masterClrMapping/>
+  </p:clrMapOvr>
+  <p:timing>
+    <p:tnLst>
+      <p:par>
+        <p:cTn id="1" dur="indefinite" restart="never" nodeType="tmRoot"/>
+      </p:par>
+    </p:tnLst>
+  </p:timing>
+</p:sld>
+</file>
+
+<file path=ppt/slides/slide27.xml><?xml version="1.0" encoding="utf-8"?>
+<p:sld xmlns:a="http://schemas.openxmlformats.org/drawingml/2006/main" xmlns:r="http://schemas.openxmlformats.org/officeDocument/2006/relationships" xmlns:mc="http://schemas.openxmlformats.org/markup-compatibility/2006" xmlns:mv="urn:schemas-microsoft-com:mac:vml" xmlns:p="http://schemas.openxmlformats.org/presentationml/2006/main" mc:Ignorable="mv" mc:PreserveAttributes="mv:*">
+  <p:cSld>
+    <p:spTree>
+      <p:nvGrpSpPr>
+        <p:cNvPr id="1" name=""/>
+        <p:cNvGrpSpPr/>
+        <p:nvPr/>
+      </p:nvGrpSpPr>
+      <p:grpSpPr>
+        <a:xfrm>
+          <a:off x="0" y="0"/>
+          <a:ext cx="0" cy="0"/>
+          <a:chOff x="0" y="0"/>
+          <a:chExt cx="0" cy="0"/>
+        </a:xfrm>
+      </p:grpSpPr>
+      <p:sp>
+        <p:nvSpPr>
+          <p:cNvPr id="281602" name="Title 4"/>
+          <p:cNvSpPr>
+            <a:spLocks noGrp="1"/>
+          </p:cNvSpPr>
+          <p:nvPr>
+            <p:ph type="title"/>
+          </p:nvPr>
+        </p:nvSpPr>
+        <p:spPr/>
+        <p:txBody>
+          <a:bodyPr/>
+          <a:lstStyle/>
+          <a:p>
+            <a:r>
+              <a:rPr lang="en-US"/>
+              <a:t>Receiver IDL3</a:t>
+            </a:r>
+            <a:endParaRPr lang="nl-NL"/>
+          </a:p>
+        </p:txBody>
+      </p:sp>
+      <p:sp>
+        <p:nvSpPr>
+          <p:cNvPr id="281603" name="Rectangle 3"/>
+          <p:cNvSpPr>
+            <a:spLocks noChangeArrowheads="1"/>
+          </p:cNvSpPr>
+          <p:nvPr/>
+        </p:nvSpPr>
+        <p:spPr bwMode="auto">
+          <a:xfrm>
+            <a:off x="228600" y="1190625"/>
+            <a:ext cx="8763000" cy="4876800"/>
+          </a:xfrm>
+          <a:prstGeom prst="rect">
+            <a:avLst/>
+          </a:prstGeom>
+          <a:noFill/>
+          <a:ln w="9525">
+            <a:noFill/>
+            <a:miter lim="800000"/>
+            <a:headEnd/>
+            <a:tailEnd/>
+          </a:ln>
+        </p:spPr>
+        <p:txBody>
+          <a:bodyPr>
+            <a:prstTxWarp prst="textNoShape">
+              <a:avLst/>
+            </a:prstTxWarp>
+          </a:bodyPr>
+          <a:lstStyle/>
+          <a:p>
+            <a:pPr marL="169863" indent="-169863">
+              <a:spcBef>
+                <a:spcPct val="40000"/>
+              </a:spcBef>
+              <a:buFontTx/>
+              <a:buChar char="•"/>
+            </a:pPr>
+            <a:endParaRPr lang="en-US" altLang="zh-CN" sz="2000" i="0">
+              <a:ea typeface="宋体" pitchFamily="-65" charset="-128"/>
+              <a:cs typeface="Times New Roman" charset="0"/>
+            </a:endParaRPr>
+          </a:p>
+        </p:txBody>
+      </p:sp>
+      <p:sp>
+        <p:nvSpPr>
+          <p:cNvPr id="281604" name="Rectangle 3"/>
+          <p:cNvSpPr>
+            <a:spLocks noChangeArrowheads="1"/>
+          </p:cNvSpPr>
+          <p:nvPr/>
+        </p:nvSpPr>
+        <p:spPr bwMode="auto">
+          <a:xfrm>
+            <a:off x="381000" y="1387475"/>
+            <a:ext cx="8763000" cy="4876800"/>
+          </a:xfrm>
+          <a:prstGeom prst="rect">
+            <a:avLst/>
+          </a:prstGeom>
+          <a:noFill/>
+          <a:ln w="9525">
+            <a:noFill/>
+            <a:miter lim="800000"/>
+            <a:headEnd/>
+            <a:tailEnd/>
+          </a:ln>
+        </p:spPr>
+        <p:txBody>
+          <a:bodyPr>
+            <a:prstTxWarp prst="textNoShape">
+              <a:avLst/>
+            </a:prstTxWarp>
+          </a:bodyPr>
+          <a:lstStyle/>
+          <a:p>
+            <a:pPr marL="169863" indent="-169863">
+              <a:spcBef>
+                <a:spcPct val="40000"/>
+              </a:spcBef>
+            </a:pPr>
+            <a:endParaRPr lang="en-US" altLang="zh-CN" sz="1100" i="0">
+              <a:latin typeface="Courier New" charset="0"/>
+              <a:ea typeface="宋体" pitchFamily="-65" charset="-128"/>
+              <a:cs typeface="Courier New" charset="0"/>
+            </a:endParaRPr>
+          </a:p>
+          <a:p>
+            <a:pPr marL="169863" indent="-169863">
+              <a:spcBef>
+                <a:spcPct val="40000"/>
+              </a:spcBef>
+              <a:buFont typeface="Arial" charset="0"/>
+              <a:buChar char="•"/>
+            </a:pPr>
+            <a:r>
+              <a:rPr lang="en-US" altLang="zh-CN" sz="2000" i="0">
+                <a:ea typeface="宋体" pitchFamily="-65" charset="-128"/>
+                <a:cs typeface="Courier New" charset="0"/>
+              </a:rPr>
+              <a:t>Type specific RawListener interface</a:t>
+            </a:r>
+          </a:p>
+          <a:p>
+            <a:pPr marL="169863" indent="-169863">
+              <a:spcBef>
+                <a:spcPct val="40000"/>
+              </a:spcBef>
+            </a:pPr>
+            <a:r>
+              <a:rPr lang="en-US" altLang="zh-CN" sz="1100" i="0">
+                <a:latin typeface="Courier New" charset="0"/>
+                <a:ea typeface="宋体" pitchFamily="-65" charset="-128"/>
+                <a:cs typeface="Courier New" charset="0"/>
+              </a:rPr>
+              <a:t>module CCM_DDS</a:t>
+            </a:r>
+          </a:p>
+          <a:p>
+            <a:pPr marL="169863" indent="-169863">
+              <a:spcBef>
+                <a:spcPct val="40000"/>
+              </a:spcBef>
+            </a:pPr>
+            <a:r>
+              <a:rPr lang="en-US" altLang="zh-CN" sz="1100" i="0">
+                <a:latin typeface="Courier New" charset="0"/>
+                <a:ea typeface="宋体" pitchFamily="-65" charset="-128"/>
+                <a:cs typeface="Courier New" charset="0"/>
+              </a:rPr>
+              <a:t>{</a:t>
+            </a:r>
+          </a:p>
+          <a:p>
+            <a:pPr marL="169863" indent="-169863">
+              <a:spcBef>
+                <a:spcPct val="40000"/>
+              </a:spcBef>
+            </a:pPr>
+            <a:r>
+              <a:rPr lang="en-US" altLang="zh-CN" sz="1100" i="0">
+                <a:latin typeface="Courier New" charset="0"/>
+                <a:ea typeface="宋体" pitchFamily="-65" charset="-128"/>
+                <a:cs typeface="Courier New" charset="0"/>
+              </a:rPr>
+              <a:t>  interface string_RawListener</a:t>
+            </a:r>
+          </a:p>
+          <a:p>
+            <a:pPr marL="169863" indent="-169863">
+              <a:spcBef>
+                <a:spcPct val="40000"/>
+              </a:spcBef>
+            </a:pPr>
+            <a:r>
+              <a:rPr lang="en-US" altLang="zh-CN" sz="1100" i="0">
+                <a:latin typeface="Courier New" charset="0"/>
+                <a:ea typeface="宋体" pitchFamily="-65" charset="-128"/>
+                <a:cs typeface="Courier New" charset="0"/>
+              </a:rPr>
+              <a:t>  {</a:t>
+            </a:r>
+          </a:p>
+          <a:p>
+            <a:pPr marL="169863" indent="-169863">
+              <a:spcBef>
+                <a:spcPct val="40000"/>
+              </a:spcBef>
+            </a:pPr>
+            <a:r>
+              <a:rPr lang="en-US" altLang="zh-CN" sz="1100" i="0">
+                <a:latin typeface="Courier New" charset="0"/>
+                <a:ea typeface="宋体" pitchFamily="-65" charset="-128"/>
+                <a:cs typeface="Courier New" charset="0"/>
+              </a:rPr>
+              <a:t>    void on_data (in string an_instance, in ReadInfo info);</a:t>
+            </a:r>
+          </a:p>
+          <a:p>
+            <a:pPr marL="169863" indent="-169863">
+              <a:spcBef>
+                <a:spcPct val="40000"/>
+              </a:spcBef>
+            </a:pPr>
+            <a:r>
+              <a:rPr lang="en-US" altLang="zh-CN" sz="1100" i="0">
+                <a:latin typeface="Courier New" charset="0"/>
+                <a:ea typeface="宋体" pitchFamily="-65" charset="-128"/>
+                <a:cs typeface="Courier New" charset="0"/>
+              </a:rPr>
+              <a:t>  };</a:t>
+            </a:r>
+          </a:p>
+          <a:p>
+            <a:pPr marL="169863" indent="-169863">
+              <a:spcBef>
+                <a:spcPct val="40000"/>
+              </a:spcBef>
+            </a:pPr>
+            <a:r>
+              <a:rPr lang="en-US" altLang="zh-CN" sz="1100" i="0">
+                <a:latin typeface="Courier New" charset="0"/>
+                <a:ea typeface="宋体" pitchFamily="-65" charset="-128"/>
+                <a:cs typeface="Courier New" charset="0"/>
+              </a:rPr>
+              <a:t>};</a:t>
+            </a:r>
+          </a:p>
+        </p:txBody>
+      </p:sp>
+    </p:spTree>
+  </p:cSld>
+  <p:clrMapOvr>
+    <a:masterClrMapping/>
+  </p:clrMapOvr>
+  <p:timing>
+    <p:tnLst>
+      <p:par>
+        <p:cTn id="1" dur="indefinite" restart="never" nodeType="tmRoot"/>
+      </p:par>
+    </p:tnLst>
+  </p:timing>
+</p:sld>
+</file>
+
+<file path=ppt/slides/slide28.xml><?xml version="1.0" encoding="utf-8"?>
+<p:sld xmlns:a="http://schemas.openxmlformats.org/drawingml/2006/main" xmlns:r="http://schemas.openxmlformats.org/officeDocument/2006/relationships" xmlns:mc="http://schemas.openxmlformats.org/markup-compatibility/2006" xmlns:mv="urn:schemas-microsoft-com:mac:vml" xmlns:p="http://schemas.openxmlformats.org/presentationml/2006/main" mc:Ignorable="mv" mc:PreserveAttributes="mv:*">
+  <p:cSld>
+    <p:spTree>
+      <p:nvGrpSpPr>
+        <p:cNvPr id="1" name=""/>
+        <p:cNvGrpSpPr/>
+        <p:nvPr/>
+      </p:nvGrpSpPr>
+      <p:grpSpPr>
+        <a:xfrm>
+          <a:off x="0" y="0"/>
+          <a:ext cx="0" cy="0"/>
+          <a:chOff x="0" y="0"/>
+          <a:chExt cx="0" cy="0"/>
+        </a:xfrm>
+      </p:grpSpPr>
+      <p:sp>
+        <p:nvSpPr>
+          <p:cNvPr id="282626" name="Title 4"/>
+          <p:cNvSpPr>
+            <a:spLocks noGrp="1"/>
+          </p:cNvSpPr>
+          <p:nvPr>
+            <p:ph type="title"/>
+          </p:nvPr>
+        </p:nvSpPr>
+        <p:spPr/>
+        <p:txBody>
+          <a:bodyPr/>
+          <a:lstStyle/>
+          <a:p>
+            <a:r>
+              <a:rPr lang="en-US"/>
+              <a:t>Receiver IDL3</a:t>
+            </a:r>
+            <a:endParaRPr lang="nl-NL"/>
+          </a:p>
+        </p:txBody>
+      </p:sp>
+      <p:sp>
+        <p:nvSpPr>
+          <p:cNvPr id="282627" name="Rectangle 3"/>
+          <p:cNvSpPr>
+            <a:spLocks noChangeArrowheads="1"/>
+          </p:cNvSpPr>
+          <p:nvPr/>
+        </p:nvSpPr>
+        <p:spPr bwMode="auto">
+          <a:xfrm>
+            <a:off x="228600" y="1190625"/>
+            <a:ext cx="8763000" cy="4876800"/>
+          </a:xfrm>
+          <a:prstGeom prst="rect">
+            <a:avLst/>
+          </a:prstGeom>
+          <a:noFill/>
+          <a:ln w="9525">
+            <a:noFill/>
+            <a:miter lim="800000"/>
+            <a:headEnd/>
+            <a:tailEnd/>
+          </a:ln>
+        </p:spPr>
+        <p:txBody>
+          <a:bodyPr>
+            <a:prstTxWarp prst="textNoShape">
+              <a:avLst/>
+            </a:prstTxWarp>
+          </a:bodyPr>
+          <a:lstStyle/>
+          <a:p>
+            <a:pPr marL="169863" indent="-169863">
+              <a:spcBef>
+                <a:spcPct val="40000"/>
+              </a:spcBef>
+              <a:buFontTx/>
+              <a:buChar char="•"/>
+            </a:pPr>
+            <a:endParaRPr lang="en-US" altLang="zh-CN" sz="2000" i="0">
+              <a:ea typeface="宋体" pitchFamily="-65" charset="-128"/>
+              <a:cs typeface="Times New Roman" charset="0"/>
+            </a:endParaRPr>
+          </a:p>
+        </p:txBody>
+      </p:sp>
+      <p:sp>
+        <p:nvSpPr>
+          <p:cNvPr id="282628" name="Rectangle 3"/>
+          <p:cNvSpPr>
+            <a:spLocks noChangeArrowheads="1"/>
+          </p:cNvSpPr>
+          <p:nvPr/>
+        </p:nvSpPr>
+        <p:spPr bwMode="auto">
+          <a:xfrm>
+            <a:off x="381000" y="1343025"/>
+            <a:ext cx="8763000" cy="4876800"/>
+          </a:xfrm>
+          <a:prstGeom prst="rect">
+            <a:avLst/>
+          </a:prstGeom>
+          <a:noFill/>
+          <a:ln w="9525">
+            <a:noFill/>
+            <a:miter lim="800000"/>
+            <a:headEnd/>
+            <a:tailEnd/>
+          </a:ln>
+        </p:spPr>
+        <p:txBody>
+          <a:bodyPr>
+            <a:prstTxWarp prst="textNoShape">
+              <a:avLst/>
+            </a:prstTxWarp>
+          </a:bodyPr>
+          <a:lstStyle/>
+          <a:p>
+            <a:pPr marL="169863" indent="-169863">
+              <a:spcBef>
+                <a:spcPct val="40000"/>
+              </a:spcBef>
+            </a:pPr>
+            <a:r>
+              <a:rPr lang="en-US" altLang="zh-CN" sz="1400" i="0">
+                <a:latin typeface="Courier New" charset="0"/>
+                <a:ea typeface="宋体" pitchFamily="-65" charset="-128"/>
+                <a:cs typeface="Courier New" charset="0"/>
+              </a:rPr>
+              <a:t>module Hello_DDS</a:t>
+            </a:r>
+          </a:p>
+          <a:p>
+            <a:pPr marL="169863" indent="-169863">
+              <a:spcBef>
+                <a:spcPct val="40000"/>
+              </a:spcBef>
+            </a:pPr>
+            <a:r>
+              <a:rPr lang="en-US" altLang="zh-CN" sz="1400" i="0">
+                <a:latin typeface="Courier New" charset="0"/>
+                <a:ea typeface="宋体" pitchFamily="-65" charset="-128"/>
+                <a:cs typeface="Courier New" charset="0"/>
+              </a:rPr>
+              <a:t>{</a:t>
+            </a:r>
+          </a:p>
+          <a:p>
+            <a:pPr marL="169863" indent="-169863">
+              <a:spcBef>
+                <a:spcPct val="40000"/>
+              </a:spcBef>
+            </a:pPr>
+            <a:r>
+              <a:rPr lang="en-US" altLang="zh-CN" sz="1400" i="0">
+                <a:latin typeface="Courier New" charset="0"/>
+                <a:ea typeface="宋体" pitchFamily="-65" charset="-128"/>
+                <a:cs typeface="Courier New" charset="0"/>
+              </a:rPr>
+              <a:t>  component Receiver</a:t>
+            </a:r>
+          </a:p>
+          <a:p>
+            <a:pPr marL="169863" indent="-169863">
+              <a:spcBef>
+                <a:spcPct val="40000"/>
+              </a:spcBef>
+            </a:pPr>
+            <a:r>
+              <a:rPr lang="en-US" altLang="zh-CN" sz="1400" i="0">
+                <a:latin typeface="Courier New" charset="0"/>
+                <a:ea typeface="宋体" pitchFamily="-65" charset="-128"/>
+                <a:cs typeface="Courier New" charset="0"/>
+              </a:rPr>
+              <a:t>  {</a:t>
+            </a:r>
+          </a:p>
+          <a:p>
+            <a:pPr marL="169863" indent="-169863">
+              <a:spcBef>
+                <a:spcPct val="40000"/>
+              </a:spcBef>
+            </a:pPr>
+            <a:r>
+              <a:rPr lang="en-US" altLang="zh-CN" sz="1400" i="0">
+                <a:latin typeface="Courier New" charset="0"/>
+                <a:ea typeface="宋体" pitchFamily="-65" charset="-128"/>
+                <a:cs typeface="Courier New" charset="0"/>
+              </a:rPr>
+              <a:t>    uses CCM_DDS::string_Reader read_message_data;</a:t>
+            </a:r>
+          </a:p>
+          <a:p>
+            <a:pPr marL="169863" indent="-169863">
+              <a:spcBef>
+                <a:spcPct val="40000"/>
+              </a:spcBef>
+            </a:pPr>
+            <a:r>
+              <a:rPr lang="en-US" altLang="zh-CN" sz="1400" i="0">
+                <a:latin typeface="Courier New" charset="0"/>
+                <a:ea typeface="宋体" pitchFamily="-65" charset="-128"/>
+                <a:cs typeface="Courier New" charset="0"/>
+              </a:rPr>
+              <a:t>    uses CCM_DDS::ListenerControl read_message_control;</a:t>
+            </a:r>
+          </a:p>
+          <a:p>
+            <a:pPr marL="169863" indent="-169863">
+              <a:spcBef>
+                <a:spcPct val="40000"/>
+              </a:spcBef>
+            </a:pPr>
+            <a:r>
+              <a:rPr lang="en-US" altLang="zh-CN" sz="1400" i="0">
+                <a:latin typeface="Courier New" charset="0"/>
+                <a:ea typeface="宋体" pitchFamily="-65" charset="-128"/>
+                <a:cs typeface="Courier New" charset="0"/>
+              </a:rPr>
+              <a:t>    provides CCM_DDS::string_RawListener read_message_listener;</a:t>
+            </a:r>
+          </a:p>
+          <a:p>
+            <a:pPr marL="169863" indent="-169863">
+              <a:spcBef>
+                <a:spcPct val="40000"/>
+              </a:spcBef>
+            </a:pPr>
+            <a:r>
+              <a:rPr lang="en-US" altLang="zh-CN" sz="1400" i="0">
+                <a:latin typeface="Courier New" charset="0"/>
+                <a:ea typeface="宋体" pitchFamily="-65" charset="-128"/>
+                <a:cs typeface="Courier New" charset="0"/>
+              </a:rPr>
+              <a:t>    uses DDS::DataReader read_message_dds_entity;</a:t>
+            </a:r>
+          </a:p>
+          <a:p>
+            <a:pPr marL="169863" indent="-169863">
+              <a:spcBef>
+                <a:spcPct val="40000"/>
+              </a:spcBef>
+            </a:pPr>
+            <a:r>
+              <a:rPr lang="en-US" altLang="zh-CN" sz="1400" i="0">
+                <a:latin typeface="Courier New" charset="0"/>
+                <a:ea typeface="宋体" pitchFamily="-65" charset="-128"/>
+                <a:cs typeface="Courier New" charset="0"/>
+              </a:rPr>
+              <a:t>    provides CCM_DDS::PortStatusListener read_message_status;</a:t>
+            </a:r>
+          </a:p>
+          <a:p>
+            <a:pPr marL="169863" indent="-169863">
+              <a:spcBef>
+                <a:spcPct val="40000"/>
+              </a:spcBef>
+            </a:pPr>
+            <a:r>
+              <a:rPr lang="en-US" altLang="zh-CN" sz="1400" i="0">
+                <a:latin typeface="Courier New" charset="0"/>
+                <a:ea typeface="宋体" pitchFamily="-65" charset="-128"/>
+                <a:cs typeface="Courier New" charset="0"/>
+              </a:rPr>
+              <a:t>};</a:t>
+            </a:r>
+          </a:p>
+        </p:txBody>
+      </p:sp>
+    </p:spTree>
+  </p:cSld>
+  <p:clrMapOvr>
+    <a:masterClrMapping/>
+  </p:clrMapOvr>
+  <p:timing>
+    <p:tnLst>
+      <p:par>
+        <p:cTn id="1" dur="indefinite" restart="never" nodeType="tmRoot"/>
+      </p:par>
+    </p:tnLst>
+  </p:timing>
+</p:sld>
+</file>
+
+<file path=ppt/slides/slide29.xml><?xml version="1.0" encoding="utf-8"?>
+<p:sld xmlns:a="http://schemas.openxmlformats.org/drawingml/2006/main" xmlns:r="http://schemas.openxmlformats.org/officeDocument/2006/relationships" xmlns:mc="http://schemas.openxmlformats.org/markup-compatibility/2006" xmlns:mv="urn:schemas-microsoft-com:mac:vml" xmlns:p="http://schemas.openxmlformats.org/presentationml/2006/main" mc:Ignorable="mv" mc:PreserveAttributes="mv:*">
+  <p:cSld>
+    <p:spTree>
+      <p:nvGrpSpPr>
+        <p:cNvPr id="1" name=""/>
+        <p:cNvGrpSpPr/>
+        <p:nvPr/>
+      </p:nvGrpSpPr>
+      <p:grpSpPr>
+        <a:xfrm>
+          <a:off x="0" y="0"/>
+          <a:ext cx="0" cy="0"/>
+          <a:chOff x="0" y="0"/>
+          <a:chExt cx="0" cy="0"/>
+        </a:xfrm>
+      </p:grpSpPr>
+      <p:sp>
+        <p:nvSpPr>
+          <p:cNvPr id="283650" name="Title 4"/>
+          <p:cNvSpPr>
+            <a:spLocks noGrp="1"/>
+          </p:cNvSpPr>
+          <p:nvPr>
+            <p:ph type="title"/>
+          </p:nvPr>
+        </p:nvSpPr>
+        <p:spPr/>
+        <p:txBody>
+          <a:bodyPr/>
+          <a:lstStyle/>
+          <a:p>
+            <a:r>
+              <a:rPr lang="en-US"/>
+              <a:t>Implement the RawListener</a:t>
+            </a:r>
+            <a:endParaRPr lang="nl-NL"/>
+          </a:p>
+        </p:txBody>
+      </p:sp>
+      <p:sp>
+        <p:nvSpPr>
+          <p:cNvPr id="283651" name="Rectangle 3"/>
+          <p:cNvSpPr>
+            <a:spLocks noChangeArrowheads="1"/>
+          </p:cNvSpPr>
+          <p:nvPr/>
+        </p:nvSpPr>
+        <p:spPr bwMode="auto">
+          <a:xfrm>
+            <a:off x="228600" y="1190625"/>
+            <a:ext cx="8763000" cy="4876800"/>
+          </a:xfrm>
+          <a:prstGeom prst="rect">
+            <a:avLst/>
+          </a:prstGeom>
+          <a:noFill/>
+          <a:ln w="9525">
+            <a:noFill/>
+            <a:miter lim="800000"/>
+            <a:headEnd/>
+            <a:tailEnd/>
+          </a:ln>
+        </p:spPr>
+        <p:txBody>
+          <a:bodyPr>
+            <a:prstTxWarp prst="textNoShape">
+              <a:avLst/>
+            </a:prstTxWarp>
+          </a:bodyPr>
+          <a:lstStyle/>
+          <a:p>
+            <a:pPr marL="169863" indent="-169863">
+              <a:spcBef>
+                <a:spcPct val="40000"/>
+              </a:spcBef>
+              <a:buFontTx/>
+              <a:buChar char="•"/>
+            </a:pPr>
+            <a:endParaRPr lang="en-US" altLang="zh-CN" sz="2000" i="0">
+              <a:ea typeface="宋体" pitchFamily="-65" charset="-128"/>
+              <a:cs typeface="Times New Roman" charset="0"/>
+            </a:endParaRPr>
+          </a:p>
+        </p:txBody>
+      </p:sp>
+      <p:sp>
+        <p:nvSpPr>
+          <p:cNvPr id="283652" name="Rectangle 3"/>
+          <p:cNvSpPr>
+            <a:spLocks noChangeArrowheads="1"/>
+          </p:cNvSpPr>
+          <p:nvPr/>
+        </p:nvSpPr>
+        <p:spPr bwMode="auto">
+          <a:xfrm>
+            <a:off x="381000" y="1343025"/>
+            <a:ext cx="8763000" cy="4876800"/>
+          </a:xfrm>
+          <a:prstGeom prst="rect">
+            <a:avLst/>
+          </a:prstGeom>
+          <a:noFill/>
+          <a:ln w="9525">
+            <a:noFill/>
+            <a:miter lim="800000"/>
+            <a:headEnd/>
+            <a:tailEnd/>
+          </a:ln>
+        </p:spPr>
+        <p:txBody>
+          <a:bodyPr>
+            <a:prstTxWarp prst="textNoShape">
+              <a:avLst/>
+            </a:prstTxWarp>
+          </a:bodyPr>
+          <a:lstStyle/>
+          <a:p>
+            <a:pPr marL="169863" indent="-169863">
+              <a:spcBef>
+                <a:spcPct val="40000"/>
+              </a:spcBef>
+            </a:pPr>
+            <a:r>
+              <a:rPr lang="en-US" altLang="zh-CN" sz="800" i="0">
+                <a:latin typeface="Courier New" charset="0"/>
+                <a:ea typeface="宋体" pitchFamily="-65" charset="-128"/>
+                <a:cs typeface="Courier New" charset="0"/>
+              </a:rPr>
+              <a:t> class HELLO_RECEIVER_EXEC_Export string_RawListener_exec_i</a:t>
+            </a:r>
+          </a:p>
+          <a:p>
+            <a:pPr marL="169863" indent="-169863">
+              <a:spcBef>
+                <a:spcPct val="40000"/>
+              </a:spcBef>
+            </a:pPr>
+            <a:r>
+              <a:rPr lang="en-US" altLang="zh-CN" sz="800" i="0">
+                <a:latin typeface="Courier New" charset="0"/>
+                <a:ea typeface="宋体" pitchFamily="-65" charset="-128"/>
+                <a:cs typeface="Courier New" charset="0"/>
+              </a:rPr>
+              <a:t>    : public virtual ::CCM_DDS::CCM_string_RawListener,</a:t>
+            </a:r>
+          </a:p>
+          <a:p>
+            <a:pPr marL="169863" indent="-169863">
+              <a:spcBef>
+                <a:spcPct val="40000"/>
+              </a:spcBef>
+            </a:pPr>
+            <a:r>
+              <a:rPr lang="en-US" altLang="zh-CN" sz="800" i="0">
+                <a:latin typeface="Courier New" charset="0"/>
+                <a:ea typeface="宋体" pitchFamily="-65" charset="-128"/>
+                <a:cs typeface="Courier New" charset="0"/>
+              </a:rPr>
+              <a:t>      public virtual ::CORBA::LocalObject</a:t>
+            </a:r>
+          </a:p>
+          <a:p>
+            <a:pPr marL="169863" indent="-169863">
+              <a:spcBef>
+                <a:spcPct val="40000"/>
+              </a:spcBef>
+            </a:pPr>
+            <a:r>
+              <a:rPr lang="en-US" altLang="zh-CN" sz="800" i="0">
+                <a:latin typeface="Courier New" charset="0"/>
+                <a:ea typeface="宋体" pitchFamily="-65" charset="-128"/>
+                <a:cs typeface="Courier New" charset="0"/>
+              </a:rPr>
+              <a:t>  {</a:t>
+            </a:r>
+          </a:p>
+          <a:p>
+            <a:pPr marL="169863" indent="-169863">
+              <a:spcBef>
+                <a:spcPct val="40000"/>
+              </a:spcBef>
+            </a:pPr>
+            <a:r>
+              <a:rPr lang="en-US" altLang="zh-CN" sz="800" i="0">
+                <a:latin typeface="Courier New" charset="0"/>
+                <a:ea typeface="宋体" pitchFamily="-65" charset="-128"/>
+                <a:cs typeface="Courier New" charset="0"/>
+              </a:rPr>
+              <a:t>  public:</a:t>
+            </a:r>
+          </a:p>
+          <a:p>
+            <a:pPr marL="169863" indent="-169863">
+              <a:spcBef>
+                <a:spcPct val="40000"/>
+              </a:spcBef>
+            </a:pPr>
+            <a:r>
+              <a:rPr lang="en-US" altLang="zh-CN" sz="800" i="0">
+                <a:latin typeface="Courier New" charset="0"/>
+                <a:ea typeface="宋体" pitchFamily="-65" charset="-128"/>
+                <a:cs typeface="Courier New" charset="0"/>
+              </a:rPr>
+              <a:t>    string_RawListener_exec_i (Atomic_ULong &amp;,</a:t>
+            </a:r>
+          </a:p>
+          <a:p>
+            <a:pPr marL="169863" indent="-169863">
+              <a:spcBef>
+                <a:spcPct val="40000"/>
+              </a:spcBef>
+            </a:pPr>
+            <a:r>
+              <a:rPr lang="en-US" altLang="zh-CN" sz="800" i="0">
+                <a:latin typeface="Courier New" charset="0"/>
+                <a:ea typeface="宋体" pitchFamily="-65" charset="-128"/>
+                <a:cs typeface="Courier New" charset="0"/>
+              </a:rPr>
+              <a:t>                               const ACE_CString &amp;);</a:t>
+            </a:r>
+          </a:p>
+          <a:p>
+            <a:pPr marL="169863" indent="-169863">
+              <a:spcBef>
+                <a:spcPct val="40000"/>
+              </a:spcBef>
+            </a:pPr>
+            <a:r>
+              <a:rPr lang="en-US" altLang="zh-CN" sz="800" i="0">
+                <a:latin typeface="Courier New" charset="0"/>
+                <a:ea typeface="宋体" pitchFamily="-65" charset="-128"/>
+                <a:cs typeface="Courier New" charset="0"/>
+              </a:rPr>
+              <a:t>    virtual ~string_RawListener_exec_i (void);</a:t>
+            </a:r>
+          </a:p>
+          <a:p>
+            <a:pPr marL="169863" indent="-169863">
+              <a:spcBef>
+                <a:spcPct val="40000"/>
+              </a:spcBef>
+            </a:pPr>
+            <a:endParaRPr lang="en-US" altLang="zh-CN" sz="800" i="0">
+              <a:latin typeface="Courier New" charset="0"/>
+              <a:ea typeface="宋体" pitchFamily="-65" charset="-128"/>
+              <a:cs typeface="Courier New" charset="0"/>
+            </a:endParaRPr>
+          </a:p>
+          <a:p>
+            <a:pPr marL="169863" indent="-169863">
+              <a:spcBef>
+                <a:spcPct val="40000"/>
+              </a:spcBef>
+            </a:pPr>
+            <a:r>
+              <a:rPr lang="en-US" altLang="zh-CN" sz="800" i="0">
+                <a:latin typeface="Courier New" charset="0"/>
+                <a:ea typeface="宋体" pitchFamily="-65" charset="-128"/>
+                <a:cs typeface="Courier New" charset="0"/>
+              </a:rPr>
+              <a:t>  // Operations and attributes from ::CCM_DDS::string_RawListener</a:t>
+            </a:r>
+          </a:p>
+          <a:p>
+            <a:pPr marL="169863" indent="-169863">
+              <a:spcBef>
+                <a:spcPct val="40000"/>
+              </a:spcBef>
+            </a:pPr>
+            <a:endParaRPr lang="en-US" altLang="zh-CN" sz="800" i="0">
+              <a:latin typeface="Courier New" charset="0"/>
+              <a:ea typeface="宋体" pitchFamily="-65" charset="-128"/>
+              <a:cs typeface="Courier New" charset="0"/>
+            </a:endParaRPr>
+          </a:p>
+          <a:p>
+            <a:pPr marL="169863" indent="-169863">
+              <a:spcBef>
+                <a:spcPct val="40000"/>
+              </a:spcBef>
+            </a:pPr>
+            <a:r>
+              <a:rPr lang="en-US" altLang="zh-CN" sz="800" i="0">
+                <a:latin typeface="Courier New" charset="0"/>
+                <a:ea typeface="宋体" pitchFamily="-65" charset="-128"/>
+                <a:cs typeface="Courier New" charset="0"/>
+              </a:rPr>
+              <a:t>  // TAO_IDL - Generated from</a:t>
+            </a:r>
+          </a:p>
+          <a:p>
+            <a:pPr marL="169863" indent="-169863">
+              <a:spcBef>
+                <a:spcPct val="40000"/>
+              </a:spcBef>
+            </a:pPr>
+            <a:r>
+              <a:rPr lang="en-US" altLang="zh-CN" sz="800" i="0">
+                <a:latin typeface="Courier New" charset="0"/>
+                <a:ea typeface="宋体" pitchFamily="-65" charset="-128"/>
+                <a:cs typeface="Courier New" charset="0"/>
+              </a:rPr>
+              <a:t>  // be/be_visitor_operation/operation_ch.cpp:46</a:t>
+            </a:r>
+          </a:p>
+          <a:p>
+            <a:pPr marL="169863" indent="-169863">
+              <a:spcBef>
+                <a:spcPct val="40000"/>
+              </a:spcBef>
+            </a:pPr>
+            <a:endParaRPr lang="en-US" altLang="zh-CN" sz="800" i="0">
+              <a:latin typeface="Courier New" charset="0"/>
+              <a:ea typeface="宋体" pitchFamily="-65" charset="-128"/>
+              <a:cs typeface="Courier New" charset="0"/>
+            </a:endParaRPr>
+          </a:p>
+          <a:p>
+            <a:pPr marL="169863" indent="-169863">
+              <a:spcBef>
+                <a:spcPct val="40000"/>
+              </a:spcBef>
+            </a:pPr>
+            <a:r>
+              <a:rPr lang="en-US" altLang="zh-CN" sz="800" i="0">
+                <a:latin typeface="Courier New" charset="0"/>
+                <a:ea typeface="宋体" pitchFamily="-65" charset="-128"/>
+                <a:cs typeface="Courier New" charset="0"/>
+              </a:rPr>
+              <a:t>  virtual void</a:t>
+            </a:r>
+          </a:p>
+          <a:p>
+            <a:pPr marL="169863" indent="-169863">
+              <a:spcBef>
+                <a:spcPct val="40000"/>
+              </a:spcBef>
+            </a:pPr>
+            <a:r>
+              <a:rPr lang="en-US" altLang="zh-CN" sz="800" i="0">
+                <a:latin typeface="Courier New" charset="0"/>
+                <a:ea typeface="宋体" pitchFamily="-65" charset="-128"/>
+                <a:cs typeface="Courier New" charset="0"/>
+              </a:rPr>
+              <a:t>  on_data (const char * an_instance,</a:t>
+            </a:r>
+          </a:p>
+          <a:p>
+            <a:pPr marL="169863" indent="-169863">
+              <a:spcBef>
+                <a:spcPct val="40000"/>
+              </a:spcBef>
+            </a:pPr>
+            <a:r>
+              <a:rPr lang="en-US" altLang="zh-CN" sz="800" i="0">
+                <a:latin typeface="Courier New" charset="0"/>
+                <a:ea typeface="宋体" pitchFamily="-65" charset="-128"/>
+                <a:cs typeface="Courier New" charset="0"/>
+              </a:rPr>
+              <a:t>           const ::CCM_DDS::ReadInfo &amp; info);</a:t>
+            </a:r>
+          </a:p>
+          <a:p>
+            <a:pPr marL="169863" indent="-169863">
+              <a:spcBef>
+                <a:spcPct val="40000"/>
+              </a:spcBef>
+            </a:pPr>
+            <a:endParaRPr lang="en-US" altLang="zh-CN" sz="800" i="0">
+              <a:latin typeface="Courier New" charset="0"/>
+              <a:ea typeface="宋体" pitchFamily="-65" charset="-128"/>
+              <a:cs typeface="Courier New" charset="0"/>
+            </a:endParaRPr>
+          </a:p>
+          <a:p>
+            <a:pPr marL="169863" indent="-169863">
+              <a:spcBef>
+                <a:spcPct val="40000"/>
+              </a:spcBef>
+            </a:pPr>
+            <a:r>
+              <a:rPr lang="en-US" altLang="zh-CN" sz="800" i="0">
+                <a:latin typeface="Courier New" charset="0"/>
+                <a:ea typeface="宋体" pitchFamily="-65" charset="-128"/>
+                <a:cs typeface="Courier New" charset="0"/>
+              </a:rPr>
+              <a:t>private:</a:t>
+            </a:r>
+          </a:p>
+          <a:p>
+            <a:pPr marL="169863" indent="-169863">
+              <a:spcBef>
+                <a:spcPct val="40000"/>
+              </a:spcBef>
+            </a:pPr>
+            <a:r>
+              <a:rPr lang="en-US" altLang="zh-CN" sz="800" i="0">
+                <a:latin typeface="Courier New" charset="0"/>
+                <a:ea typeface="宋体" pitchFamily="-65" charset="-128"/>
+                <a:cs typeface="Courier New" charset="0"/>
+              </a:rPr>
+              <a:t>  Atomic_ULong &amp;received_;</a:t>
+            </a:r>
+          </a:p>
+          <a:p>
+            <a:pPr marL="169863" indent="-169863">
+              <a:spcBef>
+                <a:spcPct val="40000"/>
+              </a:spcBef>
+            </a:pPr>
+            <a:r>
+              <a:rPr lang="en-US" altLang="zh-CN" sz="800" i="0">
+                <a:latin typeface="Courier New" charset="0"/>
+                <a:ea typeface="宋体" pitchFamily="-65" charset="-128"/>
+                <a:cs typeface="Courier New" charset="0"/>
+              </a:rPr>
+              <a:t>  const ACE_CString &amp;name_;</a:t>
+            </a:r>
+          </a:p>
+          <a:p>
+            <a:pPr marL="169863" indent="-169863">
+              <a:spcBef>
+                <a:spcPct val="40000"/>
+              </a:spcBef>
+            </a:pPr>
+            <a:r>
+              <a:rPr lang="en-US" altLang="zh-CN" sz="800" i="0">
+                <a:latin typeface="Courier New" charset="0"/>
+                <a:ea typeface="宋体" pitchFamily="-65" charset="-128"/>
+                <a:cs typeface="Courier New" charset="0"/>
+              </a:rPr>
+              <a:t>};</a:t>
+            </a:r>
+          </a:p>
+          <a:p>
+            <a:pPr marL="169863" indent="-169863">
+              <a:spcBef>
+                <a:spcPct val="40000"/>
+              </a:spcBef>
+            </a:pPr>
+            <a:endParaRPr lang="en-US" altLang="zh-CN" sz="800" i="0">
+              <a:latin typeface="Courier New" charset="0"/>
+              <a:ea typeface="宋体" pitchFamily="-65" charset="-128"/>
+              <a:cs typeface="Courier New" charset="0"/>
+            </a:endParaRPr>
+          </a:p>
+          <a:p>
+            <a:pPr marL="169863" indent="-169863">
+              <a:spcBef>
+                <a:spcPct val="40000"/>
+              </a:spcBef>
+            </a:pPr>
+            <a:r>
+              <a:rPr lang="en-US" altLang="zh-CN" sz="800" i="0">
+                <a:latin typeface="Courier New" charset="0"/>
+                <a:ea typeface="宋体" pitchFamily="-65" charset="-128"/>
+                <a:cs typeface="Courier New" charset="0"/>
+              </a:rPr>
+              <a:t> void</a:t>
+            </a:r>
+          </a:p>
+          <a:p>
+            <a:pPr marL="169863" indent="-169863">
+              <a:spcBef>
+                <a:spcPct val="40000"/>
+              </a:spcBef>
+            </a:pPr>
+            <a:r>
+              <a:rPr lang="en-US" altLang="zh-CN" sz="800" i="0">
+                <a:latin typeface="Courier New" charset="0"/>
+                <a:ea typeface="宋体" pitchFamily="-65" charset="-128"/>
+                <a:cs typeface="Courier New" charset="0"/>
+              </a:rPr>
+              <a:t>  string_RawListener_exec_i::on_data (</a:t>
+            </a:r>
+          </a:p>
+          <a:p>
+            <a:pPr marL="169863" indent="-169863">
+              <a:spcBef>
+                <a:spcPct val="40000"/>
+              </a:spcBef>
+            </a:pPr>
+            <a:r>
+              <a:rPr lang="en-US" altLang="zh-CN" sz="800" i="0">
+                <a:latin typeface="Courier New" charset="0"/>
+                <a:ea typeface="宋体" pitchFamily="-65" charset="-128"/>
+                <a:cs typeface="Courier New" charset="0"/>
+              </a:rPr>
+              <a:t>    const char * an_instance,</a:t>
+            </a:r>
+          </a:p>
+          <a:p>
+            <a:pPr marL="169863" indent="-169863">
+              <a:spcBef>
+                <a:spcPct val="40000"/>
+              </a:spcBef>
+            </a:pPr>
+            <a:r>
+              <a:rPr lang="en-US" altLang="zh-CN" sz="800" i="0">
+                <a:latin typeface="Courier New" charset="0"/>
+                <a:ea typeface="宋体" pitchFamily="-65" charset="-128"/>
+                <a:cs typeface="Courier New" charset="0"/>
+              </a:rPr>
+              <a:t>    const ::CCM_DDS::ReadInfo &amp; /* info */)</a:t>
+            </a:r>
+          </a:p>
+          <a:p>
+            <a:pPr marL="169863" indent="-169863">
+              <a:spcBef>
+                <a:spcPct val="40000"/>
+              </a:spcBef>
+            </a:pPr>
+            <a:r>
+              <a:rPr lang="en-US" altLang="zh-CN" sz="800" i="0">
+                <a:latin typeface="Courier New" charset="0"/>
+                <a:ea typeface="宋体" pitchFamily="-65" charset="-128"/>
+                <a:cs typeface="Courier New" charset="0"/>
+              </a:rPr>
+              <a:t>  {</a:t>
+            </a:r>
+          </a:p>
+          <a:p>
+            <a:pPr marL="169863" indent="-169863">
+              <a:spcBef>
+                <a:spcPct val="40000"/>
+              </a:spcBef>
+            </a:pPr>
+            <a:r>
+              <a:rPr lang="en-US" altLang="zh-CN" sz="800" i="0">
+                <a:latin typeface="Courier New" charset="0"/>
+                <a:ea typeface="宋体" pitchFamily="-65" charset="-128"/>
+                <a:cs typeface="Courier New" charset="0"/>
+              </a:rPr>
+              <a:t>    ++received_;</a:t>
+            </a:r>
+          </a:p>
+          <a:p>
+            <a:pPr marL="169863" indent="-169863">
+              <a:spcBef>
+                <a:spcPct val="40000"/>
+              </a:spcBef>
+            </a:pPr>
+            <a:r>
+              <a:rPr lang="en-US" altLang="zh-CN" sz="800" i="0">
+                <a:latin typeface="Courier New" charset="0"/>
+                <a:ea typeface="宋体" pitchFamily="-65" charset="-128"/>
+                <a:cs typeface="Courier New" charset="0"/>
+              </a:rPr>
+              <a:t>    printf ("&lt;%s&gt; string_RawListener::on_data received &lt;%s&gt;\n", this-&gt;name_.c_str (), an_instance);</a:t>
+            </a:r>
+          </a:p>
+          <a:p>
+            <a:pPr marL="169863" indent="-169863">
+              <a:spcBef>
+                <a:spcPct val="40000"/>
+              </a:spcBef>
+            </a:pPr>
+            <a:r>
+              <a:rPr lang="en-US" altLang="zh-CN" sz="800" i="0">
+                <a:latin typeface="Courier New" charset="0"/>
+                <a:ea typeface="宋体" pitchFamily="-65" charset="-128"/>
+                <a:cs typeface="Courier New" charset="0"/>
+              </a:rPr>
+              <a:t>  }</a:t>
+            </a:r>
+          </a:p>
+        </p:txBody>
+      </p:sp>
+    </p:spTree>
+  </p:cSld>
+  <p:clrMapOvr>
+    <a:masterClrMapping/>
+  </p:clrMapOvr>
+  <p:timing>
+    <p:tnLst>
+      <p:par>
+        <p:cTn id="1" dur="indefinite" restart="never" nodeType="tmRoot"/>
+      </p:par>
+    </p:tnLst>
+  </p:timing>
+</p:sld>
+</file>
+
+<file path=ppt/slides/slide3.xml><?xml version="1.0" encoding="utf-8"?>
+<p:sld xmlns:a="http://schemas.openxmlformats.org/drawingml/2006/main" xmlns:r="http://schemas.openxmlformats.org/officeDocument/2006/relationships" xmlns:mc="http://schemas.openxmlformats.org/markup-compatibility/2006" xmlns:mv="urn:schemas-microsoft-com:mac:vml" xmlns:p="http://schemas.openxmlformats.org/presentationml/2006/main" mc:Ignorable="mv" mc:PreserveAttributes="mv:*">
+  <p:cSld>
+    <p:spTree>
+      <p:nvGrpSpPr>
+        <p:cNvPr id="1" name=""/>
+        <p:cNvGrpSpPr/>
+        <p:nvPr/>
+      </p:nvGrpSpPr>
+      <p:grpSpPr>
+        <a:xfrm>
+          <a:off x="0" y="0"/>
+          <a:ext cx="0" cy="0"/>
+          <a:chOff x="0" y="0"/>
+          <a:chExt cx="0" cy="0"/>
+        </a:xfrm>
+      </p:grpSpPr>
+      <p:sp>
+        <p:nvSpPr>
+          <p:cNvPr id="3" name="Title 2"/>
+          <p:cNvSpPr>
+            <a:spLocks noGrp="1"/>
+          </p:cNvSpPr>
+          <p:nvPr>
+            <p:ph type="title"/>
+          </p:nvPr>
+        </p:nvSpPr>
+        <p:spPr/>
+        <p:txBody>
+          <a:bodyPr/>
+          <a:lstStyle/>
+          <a:p>
+            <a:r>
+              <a:rPr lang="en-US" dirty="0" smtClean="0"/>
+              <a:t>IDL3+</a:t>
+            </a:r>
+            <a:endParaRPr lang="en-US" dirty="0"/>
+          </a:p>
+        </p:txBody>
+      </p:sp>
+      <p:sp>
+        <p:nvSpPr>
+          <p:cNvPr id="4" name="Content Placeholder 3"/>
+          <p:cNvSpPr>
+            <a:spLocks noGrp="1"/>
+          </p:cNvSpPr>
+          <p:nvPr>
+            <p:ph idx="1"/>
+          </p:nvPr>
+        </p:nvSpPr>
+        <p:spPr/>
+        <p:txBody>
+          <a:bodyPr/>
+          <a:lstStyle/>
+          <a:p>
+            <a:r>
+              <a:rPr lang="en-US" dirty="0" smtClean="0"/>
+              <a:t>Extension of the IDL3 language</a:t>
+            </a:r>
+          </a:p>
+          <a:p>
+            <a:pPr lvl="1"/>
+            <a:r>
+              <a:rPr lang="en-US" dirty="0" smtClean="0"/>
+              <a:t>Defined in the DDS for Lightweight CCM specification (DDS4CCM)</a:t>
+            </a:r>
+          </a:p>
+          <a:p>
+            <a:pPr lvl="1"/>
+            <a:r>
+              <a:rPr lang="en-US" dirty="0" smtClean="0"/>
+              <a:t>Provides an IDL3 equivalent mapping so the new constructs can be converted to IDL3</a:t>
+            </a:r>
+          </a:p>
+          <a:p>
+            <a:r>
+              <a:rPr lang="en-US" dirty="0" smtClean="0"/>
+              <a:t>Provides new keywords for</a:t>
+            </a:r>
+          </a:p>
+          <a:p>
+            <a:pPr lvl="1"/>
+            <a:r>
+              <a:rPr lang="en-US" dirty="0" smtClean="0"/>
+              <a:t>Specifying grouping of related facets/receptacles (</a:t>
+            </a:r>
+            <a:r>
+              <a:rPr lang="en-US" i="1" dirty="0" err="1" smtClean="0"/>
+              <a:t>porttype</a:t>
+            </a:r>
+            <a:r>
+              <a:rPr lang="en-US" i="1" dirty="0" smtClean="0"/>
+              <a:t>)</a:t>
+            </a:r>
+          </a:p>
+          <a:p>
+            <a:pPr lvl="1"/>
+            <a:r>
+              <a:rPr lang="en-US" dirty="0" smtClean="0"/>
+              <a:t>Declaring ports within a component (</a:t>
+            </a:r>
+            <a:r>
+              <a:rPr lang="en-US" i="1" dirty="0" smtClean="0"/>
+              <a:t>port, </a:t>
+            </a:r>
+            <a:r>
+              <a:rPr lang="en-US" i="1" dirty="0" err="1" smtClean="0"/>
+              <a:t>mirrorport</a:t>
+            </a:r>
+            <a:r>
+              <a:rPr lang="en-US" dirty="0" smtClean="0"/>
+              <a:t>)</a:t>
+            </a:r>
+          </a:p>
+          <a:p>
+            <a:pPr lvl="1"/>
+            <a:r>
+              <a:rPr lang="en-US" dirty="0" smtClean="0"/>
+              <a:t>Support for new entity intended to provide “glue” between several ports (</a:t>
+            </a:r>
+            <a:r>
+              <a:rPr lang="en-US" i="1" dirty="0" smtClean="0"/>
+              <a:t>connector)</a:t>
+            </a:r>
+            <a:endParaRPr lang="en-US" dirty="0" smtClean="0"/>
+          </a:p>
+          <a:p>
+            <a:pPr lvl="1"/>
+            <a:r>
+              <a:rPr lang="en-US" dirty="0" smtClean="0"/>
+              <a:t>A template syntax for </a:t>
+            </a:r>
+            <a:r>
+              <a:rPr lang="en-US" dirty="0" err="1" smtClean="0"/>
+              <a:t>parameterizing</a:t>
+            </a:r>
+            <a:r>
+              <a:rPr lang="en-US" dirty="0" smtClean="0"/>
+              <a:t> interfaces, </a:t>
+            </a:r>
+            <a:r>
+              <a:rPr lang="en-US" dirty="0" err="1" smtClean="0"/>
+              <a:t>porttypes</a:t>
+            </a:r>
+            <a:r>
+              <a:rPr lang="en-US" dirty="0" smtClean="0"/>
+              <a:t>, and connectors. </a:t>
+            </a:r>
+          </a:p>
+          <a:p>
+            <a:pPr lvl="1"/>
+            <a:endParaRPr lang="en-US" dirty="0" smtClean="0"/>
+          </a:p>
+        </p:txBody>
+      </p:sp>
+      <p:sp>
+        <p:nvSpPr>
+          <p:cNvPr id="5" name="Rectangle 4"/>
+          <p:cNvSpPr/>
+          <p:nvPr/>
+        </p:nvSpPr>
+        <p:spPr bwMode="auto">
+          <a:xfrm>
+            <a:off x="448250" y="5752874"/>
+            <a:ext cx="8267733" cy="830997"/>
+          </a:xfrm>
+          <a:prstGeom prst="rect">
+            <a:avLst/>
+          </a:prstGeom>
+          <a:solidFill>
+            <a:srgbClr val="FFFF99"/>
+          </a:solidFill>
+          <a:ln w="9525" cap="flat" cmpd="sng" algn="ctr">
+            <a:solidFill>
+              <a:schemeClr val="tx1"/>
+            </a:solidFill>
+            <a:prstDash val="solid"/>
+            <a:round/>
+            <a:headEnd type="none" w="med" len="med"/>
+            <a:tailEnd type="none" w="med" len="med"/>
+          </a:ln>
+          <a:effectLst/>
+        </p:spPr>
+        <p:txBody>
+          <a:bodyPr vert="horz" wrap="square" lIns="91440" tIns="45720" rIns="91440" bIns="45720" numCol="1" rtlCol="0" anchor="t" anchorCtr="0" compatLnSpc="1">
+            <a:prstTxWarp prst="textNoShape">
+              <a:avLst/>
+            </a:prstTxWarp>
+            <a:spAutoFit/>
+          </a:bodyPr>
+          <a:lstStyle/>
+          <a:p>
+            <a:pPr marL="0" marR="0" indent="0" algn="ctr" defTabSz="914400" rtl="0" eaLnBrk="1" fontAlgn="base" latinLnBrk="0" hangingPunct="1">
+              <a:lnSpc>
+                <a:spcPct val="100000"/>
+              </a:lnSpc>
+              <a:spcBef>
+                <a:spcPct val="50000"/>
+              </a:spcBef>
+              <a:spcAft>
+                <a:spcPct val="0"/>
+              </a:spcAft>
+              <a:buClrTx/>
+              <a:buSzTx/>
+              <a:buFontTx/>
+              <a:buNone/>
+              <a:tabLst/>
+            </a:pPr>
+            <a:r>
+              <a:rPr kumimoji="0" lang="en-US" sz="2400" b="1" i="0" u="none" strike="noStrike" cap="none" normalizeH="0" baseline="0" dirty="0" smtClean="0">
+                <a:ln>
+                  <a:noFill/>
+                </a:ln>
+                <a:solidFill>
+                  <a:srgbClr val="FF0000"/>
+                </a:solidFill>
+                <a:effectLst/>
+                <a:latin typeface="Arial" pitchFamily="-65" charset="0"/>
+              </a:rPr>
+              <a:t>IDL3+ grammar is still being finalized</a:t>
+            </a:r>
+            <a:r>
+              <a:rPr kumimoji="0" lang="en-US" sz="2400" b="1" i="0" u="none" strike="noStrike" cap="none" normalizeH="0" dirty="0" smtClean="0">
+                <a:ln>
+                  <a:noFill/>
+                </a:ln>
+                <a:solidFill>
+                  <a:srgbClr val="FF0000"/>
+                </a:solidFill>
+                <a:effectLst/>
+                <a:latin typeface="Arial" pitchFamily="-65" charset="0"/>
+              </a:rPr>
+              <a:t> and may change in the near future!</a:t>
+            </a:r>
+            <a:endParaRPr kumimoji="0" lang="en-US" sz="2400" b="1" i="0" u="none" strike="noStrike" cap="none" normalizeH="0" baseline="0" dirty="0">
+              <a:ln>
+                <a:noFill/>
+              </a:ln>
+              <a:solidFill>
+                <a:srgbClr val="FF0000"/>
+              </a:solidFill>
+              <a:effectLst/>
+              <a:latin typeface="Arial" pitchFamily="-65" charset="0"/>
+            </a:endParaRPr>
+          </a:p>
+        </p:txBody>
+      </p:sp>
+    </p:spTree>
+  </p:cSld>
+  <p:clrMapOvr>
+    <a:masterClrMapping/>
+  </p:clrMapOvr>
+  <p:timing>
+    <p:tnLst>
+      <p:par>
+        <p:cTn id="1" dur="indefinite" restart="never" nodeType="tmRoot">
+          <p:childTnLst>
+            <p:seq concurrent="1" nextAc="seek">
+              <p:cTn id="2" dur="indefinite" nodeType="mainSeq">
+                <p:childTnLst>
+                  <p:par>
+                    <p:cTn id="3" fill="hold">
+                      <p:stCondLst>
+                        <p:cond delay="indefinite"/>
+                      </p:stCondLst>
+                      <p:childTnLst>
+                        <p:par>
+                          <p:cTn id="4" fill="hold">
+                            <p:stCondLst>
+                              <p:cond delay="0"/>
+                            </p:stCondLst>
+                            <p:childTnLst>
+                              <p:par>
+                                <p:cTn id="5" presetID="10" presetClass="entr" presetSubtype="0" fill="hold" grpId="0" nodeType="clickEffect">
+                                  <p:stCondLst>
+                                    <p:cond delay="0"/>
+                                  </p:stCondLst>
+                                  <p:childTnLst>
+                                    <p:set>
+                                      <p:cBhvr>
+                                        <p:cTn id="6" dur="1" fill="hold">
+                                          <p:stCondLst>
+                                            <p:cond delay="0"/>
+                                          </p:stCondLst>
+                                        </p:cTn>
+                                        <p:tgtEl>
+                                          <p:spTgt spid="5"/>
+                                        </p:tgtEl>
+                                        <p:attrNameLst>
+                                          <p:attrName>style.visibility</p:attrName>
+                                        </p:attrNameLst>
+                                      </p:cBhvr>
+                                      <p:to>
+                                        <p:strVal val="visible"/>
+                                      </p:to>
+                                    </p:set>
+                                    <p:animEffect transition="in" filter="fade">
+                                      <p:cBhvr>
+                                        <p:cTn id="7" dur="500"/>
+                                        <p:tgtEl>
+                                          <p:spTgt spid="5"/>
+                                        </p:tgtEl>
+                                      </p:cBhvr>
+                                    </p:animEffect>
+                                  </p:childTnLst>
+                                </p:cTn>
+                              </p:par>
+                            </p:childTnLst>
+                          </p:cTn>
+                        </p:par>
+                      </p:childTnLst>
+                    </p:cTn>
+                  </p:par>
+                </p:childTnLst>
+              </p:cTn>
+              <p:prevCondLst>
+                <p:cond evt="onPrev" delay="0">
+                  <p:tgtEl>
+                    <p:sldTgt/>
+                  </p:tgtEl>
+                </p:cond>
+              </p:prevCondLst>
+              <p:nextCondLst>
+                <p:cond evt="onNext" delay="0">
+                  <p:tgtEl>
+                    <p:sldTgt/>
+                  </p:tgtEl>
+                </p:cond>
+              </p:nextCondLst>
+            </p:seq>
+          </p:childTnLst>
+        </p:cTn>
+      </p:par>
+    </p:tnLst>
+    <p:bldLst>
+      <p:bldP spid="5" grpId="0" animBg="1"/>
+    </p:bldLst>
+  </p:timing>
+</p:sld>
+</file>
+
+<file path=ppt/slides/slide30.xml><?xml version="1.0" encoding="utf-8"?>
+<p:sld xmlns:a="http://schemas.openxmlformats.org/drawingml/2006/main" xmlns:r="http://schemas.openxmlformats.org/officeDocument/2006/relationships" xmlns:mc="http://schemas.openxmlformats.org/markup-compatibility/2006" xmlns:mv="urn:schemas-microsoft-com:mac:vml" xmlns:p="http://schemas.openxmlformats.org/presentationml/2006/main" mc:Ignorable="mv" mc:PreserveAttributes="mv:*">
+  <p:cSld>
+    <p:spTree>
+      <p:nvGrpSpPr>
+        <p:cNvPr id="1" name=""/>
+        <p:cNvGrpSpPr/>
+        <p:nvPr/>
+      </p:nvGrpSpPr>
+      <p:grpSpPr>
+        <a:xfrm>
+          <a:off x="0" y="0"/>
+          <a:ext cx="0" cy="0"/>
+          <a:chOff x="0" y="0"/>
+          <a:chExt cx="0" cy="0"/>
+        </a:xfrm>
+      </p:grpSpPr>
+      <p:sp>
+        <p:nvSpPr>
           <p:cNvPr id="284674" name="Title 4"/>
           <p:cNvSpPr>
             <a:spLocks noGrp="1"/>
@@ -14824,7 +15566,7 @@
 </p:sld>
 </file>
 
-<file path=ppt/slides/slide26.xml><?xml version="1.0" encoding="utf-8"?>
+<file path=ppt/slides/slide31.xml><?xml version="1.0" encoding="utf-8"?>
 <p:sld xmlns:a="http://schemas.openxmlformats.org/drawingml/2006/main" xmlns:r="http://schemas.openxmlformats.org/officeDocument/2006/relationships" xmlns:mc="http://schemas.openxmlformats.org/markup-compatibility/2006" xmlns:mv="urn:schemas-microsoft-com:mac:vml" xmlns:p="http://schemas.openxmlformats.org/presentationml/2006/main" mc:Ignorable="mv" mc:PreserveAttributes="mv:*">
   <p:cSld>
     <p:spTree>
@@ -14868,7 +15610,7 @@
             <a:fld id="{5CB601B8-8FA2-AE48-A3A2-26C7472E0B50}" type="slidenum">
               <a:rPr lang="zh-CN" altLang="en-US"/>
               <a:pPr/>
-              <a:t>26</a:t>
+              <a:t>31</a:t>
             </a:fld>
             <a:endParaRPr lang="en-US" altLang="zh-CN"/>
           </a:p>
@@ -14947,7 +15689,7 @@
 </p:sld>
 </file>
 
-<file path=ppt/slides/slide27.xml><?xml version="1.0" encoding="utf-8"?>
+<file path=ppt/slides/slide32.xml><?xml version="1.0" encoding="utf-8"?>
 <p:sld xmlns:a="http://schemas.openxmlformats.org/drawingml/2006/main" xmlns:r="http://schemas.openxmlformats.org/officeDocument/2006/relationships" xmlns:mc="http://schemas.openxmlformats.org/markup-compatibility/2006" xmlns:mv="urn:schemas-microsoft-com:mac:vml" xmlns:p="http://schemas.openxmlformats.org/presentationml/2006/main" mc:Ignorable="mv" mc:PreserveAttributes="mv:*">
   <p:cSld>
     <p:spTree>
@@ -15185,7 +15927,7 @@
 </p:sld>
 </file>
 
-<file path=ppt/slides/slide28.xml><?xml version="1.0" encoding="utf-8"?>
+<file path=ppt/slides/slide33.xml><?xml version="1.0" encoding="utf-8"?>
 <p:sld xmlns:a="http://schemas.openxmlformats.org/drawingml/2006/main" xmlns:r="http://schemas.openxmlformats.org/officeDocument/2006/relationships" xmlns:mc="http://schemas.openxmlformats.org/markup-compatibility/2006" xmlns:mv="urn:schemas-microsoft-com:mac:vml" xmlns:p="http://schemas.openxmlformats.org/presentationml/2006/main" mc:Ignorable="mv" mc:PreserveAttributes="mv:*">
   <p:cSld>
     <p:spTree>
@@ -15426,7 +16168,7 @@
 </p:sld>
 </file>
 
-<file path=ppt/slides/slide29.xml><?xml version="1.0" encoding="utf-8"?>
+<file path=ppt/slides/slide34.xml><?xml version="1.0" encoding="utf-8"?>
 <p:sld xmlns:a="http://schemas.openxmlformats.org/drawingml/2006/main" xmlns:r="http://schemas.openxmlformats.org/officeDocument/2006/relationships" xmlns:mc="http://schemas.openxmlformats.org/markup-compatibility/2006" xmlns:mv="urn:schemas-microsoft-com:mac:vml" xmlns:p="http://schemas.openxmlformats.org/presentationml/2006/main" mc:Ignorable="mv" mc:PreserveAttributes="mv:*">
   <p:cSld>
     <p:spTree>
@@ -15632,262 +16374,7 @@
 </p:sld>
 </file>
 
-<file path=ppt/slides/slide3.xml><?xml version="1.0" encoding="utf-8"?>
-<p:sld xmlns:a="http://schemas.openxmlformats.org/drawingml/2006/main" xmlns:r="http://schemas.openxmlformats.org/officeDocument/2006/relationships" xmlns:mc="http://schemas.openxmlformats.org/markup-compatibility/2006" xmlns:mv="urn:schemas-microsoft-com:mac:vml" xmlns:p="http://schemas.openxmlformats.org/presentationml/2006/main" mc:Ignorable="mv" mc:PreserveAttributes="mv:*">
-  <p:cSld>
-    <p:spTree>
-      <p:nvGrpSpPr>
-        <p:cNvPr id="1" name=""/>
-        <p:cNvGrpSpPr/>
-        <p:nvPr/>
-      </p:nvGrpSpPr>
-      <p:grpSpPr>
-        <a:xfrm>
-          <a:off x="0" y="0"/>
-          <a:ext cx="0" cy="0"/>
-          <a:chOff x="0" y="0"/>
-          <a:chExt cx="0" cy="0"/>
-        </a:xfrm>
-      </p:grpSpPr>
-      <p:sp>
-        <p:nvSpPr>
-          <p:cNvPr id="3" name="Title 2"/>
-          <p:cNvSpPr>
-            <a:spLocks noGrp="1"/>
-          </p:cNvSpPr>
-          <p:nvPr>
-            <p:ph type="title"/>
-          </p:nvPr>
-        </p:nvSpPr>
-        <p:spPr/>
-        <p:txBody>
-          <a:bodyPr/>
-          <a:lstStyle/>
-          <a:p>
-            <a:r>
-              <a:rPr lang="en-US" dirty="0" smtClean="0"/>
-              <a:t>IDL3+</a:t>
-            </a:r>
-            <a:endParaRPr lang="en-US" dirty="0"/>
-          </a:p>
-        </p:txBody>
-      </p:sp>
-      <p:sp>
-        <p:nvSpPr>
-          <p:cNvPr id="4" name="Content Placeholder 3"/>
-          <p:cNvSpPr>
-            <a:spLocks noGrp="1"/>
-          </p:cNvSpPr>
-          <p:nvPr>
-            <p:ph idx="1"/>
-          </p:nvPr>
-        </p:nvSpPr>
-        <p:spPr/>
-        <p:txBody>
-          <a:bodyPr/>
-          <a:lstStyle/>
-          <a:p>
-            <a:r>
-              <a:rPr lang="en-US" dirty="0" smtClean="0"/>
-              <a:t>Extension of the IDL3 language</a:t>
-            </a:r>
-          </a:p>
-          <a:p>
-            <a:pPr lvl="1"/>
-            <a:r>
-              <a:rPr lang="en-US" dirty="0" smtClean="0"/>
-              <a:t>Defined in the DDS for Lightweight CCM specification (DDS4CCM)</a:t>
-            </a:r>
-          </a:p>
-          <a:p>
-            <a:pPr lvl="1"/>
-            <a:r>
-              <a:rPr lang="en-US" dirty="0" smtClean="0"/>
-              <a:t>Provides an IDL3 equivalent mapping so the new constructs can be converted to IDL3</a:t>
-            </a:r>
-          </a:p>
-          <a:p>
-            <a:r>
-              <a:rPr lang="en-US" dirty="0" smtClean="0"/>
-              <a:t>Provides new keywords for</a:t>
-            </a:r>
-          </a:p>
-          <a:p>
-            <a:pPr lvl="1"/>
-            <a:r>
-              <a:rPr lang="en-US" dirty="0" smtClean="0"/>
-              <a:t>Specifying grouping of related facets/receptacles (</a:t>
-            </a:r>
-            <a:r>
-              <a:rPr lang="en-US" i="1" dirty="0" err="1" smtClean="0"/>
-              <a:t>porttype</a:t>
-            </a:r>
-            <a:r>
-              <a:rPr lang="en-US" i="1" dirty="0" smtClean="0"/>
-              <a:t>)</a:t>
-            </a:r>
-          </a:p>
-          <a:p>
-            <a:pPr lvl="1"/>
-            <a:r>
-              <a:rPr lang="en-US" dirty="0" smtClean="0"/>
-              <a:t>Declaring ports within a component (</a:t>
-            </a:r>
-            <a:r>
-              <a:rPr lang="en-US" i="1" dirty="0" smtClean="0"/>
-              <a:t>port, </a:t>
-            </a:r>
-            <a:r>
-              <a:rPr lang="en-US" i="1" dirty="0" err="1" smtClean="0"/>
-              <a:t>mirrorport</a:t>
-            </a:r>
-            <a:r>
-              <a:rPr lang="en-US" dirty="0" smtClean="0"/>
-              <a:t>)</a:t>
-            </a:r>
-          </a:p>
-          <a:p>
-            <a:pPr lvl="1"/>
-            <a:r>
-              <a:rPr lang="en-US" dirty="0" smtClean="0"/>
-              <a:t>Support for new entity intended to provide “glue” between several ports (</a:t>
-            </a:r>
-            <a:r>
-              <a:rPr lang="en-US" i="1" dirty="0" smtClean="0"/>
-              <a:t>connector)</a:t>
-            </a:r>
-            <a:endParaRPr lang="en-US" dirty="0" smtClean="0"/>
-          </a:p>
-          <a:p>
-            <a:pPr lvl="1"/>
-            <a:r>
-              <a:rPr lang="en-US" dirty="0" smtClean="0"/>
-              <a:t>A template syntax for </a:t>
-            </a:r>
-            <a:r>
-              <a:rPr lang="en-US" dirty="0" err="1" smtClean="0"/>
-              <a:t>parameterizing</a:t>
-            </a:r>
-            <a:r>
-              <a:rPr lang="en-US" dirty="0" smtClean="0"/>
-              <a:t> interfaces, </a:t>
-            </a:r>
-            <a:r>
-              <a:rPr lang="en-US" dirty="0" err="1" smtClean="0"/>
-              <a:t>porttypes</a:t>
-            </a:r>
-            <a:r>
-              <a:rPr lang="en-US" dirty="0" smtClean="0"/>
-              <a:t>, and connectors. </a:t>
-            </a:r>
-          </a:p>
-          <a:p>
-            <a:pPr lvl="1"/>
-            <a:endParaRPr lang="en-US" dirty="0" smtClean="0"/>
-          </a:p>
-        </p:txBody>
-      </p:sp>
-      <p:sp>
-        <p:nvSpPr>
-          <p:cNvPr id="5" name="Rectangle 4"/>
-          <p:cNvSpPr/>
-          <p:nvPr/>
-        </p:nvSpPr>
-        <p:spPr bwMode="auto">
-          <a:xfrm>
-            <a:off x="448250" y="5752874"/>
-            <a:ext cx="8267733" cy="830997"/>
-          </a:xfrm>
-          <a:prstGeom prst="rect">
-            <a:avLst/>
-          </a:prstGeom>
-          <a:solidFill>
-            <a:srgbClr val="FFFF99"/>
-          </a:solidFill>
-          <a:ln w="9525" cap="flat" cmpd="sng" algn="ctr">
-            <a:solidFill>
-              <a:schemeClr val="tx1"/>
-            </a:solidFill>
-            <a:prstDash val="solid"/>
-            <a:round/>
-            <a:headEnd type="none" w="med" len="med"/>
-            <a:tailEnd type="none" w="med" len="med"/>
-          </a:ln>
-          <a:effectLst/>
-        </p:spPr>
-        <p:txBody>
-          <a:bodyPr vert="horz" wrap="square" lIns="91440" tIns="45720" rIns="91440" bIns="45720" numCol="1" rtlCol="0" anchor="t" anchorCtr="0" compatLnSpc="1">
-            <a:prstTxWarp prst="textNoShape">
-              <a:avLst/>
-            </a:prstTxWarp>
-            <a:spAutoFit/>
-          </a:bodyPr>
-          <a:lstStyle/>
-          <a:p>
-            <a:pPr marL="0" marR="0" indent="0" algn="ctr" defTabSz="914400" rtl="0" eaLnBrk="1" fontAlgn="base" latinLnBrk="0" hangingPunct="1">
-              <a:lnSpc>
-                <a:spcPct val="100000"/>
-              </a:lnSpc>
-              <a:spcBef>
-                <a:spcPct val="50000"/>
-              </a:spcBef>
-              <a:spcAft>
-                <a:spcPct val="0"/>
-              </a:spcAft>
-              <a:buClrTx/>
-              <a:buSzTx/>
-              <a:buFontTx/>
-              <a:buNone/>
-              <a:tabLst/>
-            </a:pPr>
-            <a:r>
-              <a:rPr kumimoji="0" lang="en-US" sz="2400" b="1" i="0" u="none" strike="noStrike" cap="none" normalizeH="0" baseline="0" dirty="0" smtClean="0">
-                <a:ln>
-                  <a:noFill/>
-                </a:ln>
-                <a:solidFill>
-                  <a:srgbClr val="FF0000"/>
-                </a:solidFill>
-                <a:effectLst/>
-                <a:latin typeface="Arial" pitchFamily="-65" charset="0"/>
-              </a:rPr>
-              <a:t>IDL3+ grammar is still being finalized</a:t>
-            </a:r>
-            <a:r>
-              <a:rPr kumimoji="0" lang="en-US" sz="2400" b="1" i="0" u="none" strike="noStrike" cap="none" normalizeH="0" dirty="0" smtClean="0">
-                <a:ln>
-                  <a:noFill/>
-                </a:ln>
-                <a:solidFill>
-                  <a:srgbClr val="FF0000"/>
-                </a:solidFill>
-                <a:effectLst/>
-                <a:latin typeface="Arial" pitchFamily="-65" charset="0"/>
-              </a:rPr>
-              <a:t> and may change in the near future!</a:t>
-            </a:r>
-            <a:endParaRPr kumimoji="0" lang="en-US" sz="2400" b="1" i="0" u="none" strike="noStrike" cap="none" normalizeH="0" baseline="0" dirty="0">
-              <a:ln>
-                <a:noFill/>
-              </a:ln>
-              <a:solidFill>
-                <a:srgbClr val="FF0000"/>
-              </a:solidFill>
-              <a:effectLst/>
-              <a:latin typeface="Arial" pitchFamily="-65" charset="0"/>
-            </a:endParaRPr>
-          </a:p>
-        </p:txBody>
-      </p:sp>
-    </p:spTree>
-  </p:cSld>
-  <p:clrMapOvr>
-    <a:masterClrMapping/>
-  </p:clrMapOvr>
-</p:sld>
-</file>
-
-<file path=ppt/slides/slide30.xml><?xml version="1.0" encoding="utf-8"?>
+<file path=ppt/slides/slide35.xml><?xml version="1.0" encoding="utf-8"?>
 <p:sld xmlns:a="http://schemas.openxmlformats.org/drawingml/2006/main" xmlns:r="http://schemas.openxmlformats.org/officeDocument/2006/relationships" xmlns:mc="http://schemas.openxmlformats.org/markup-compatibility/2006" xmlns:mv="urn:schemas-microsoft-com:mac:vml" xmlns:p="http://schemas.openxmlformats.org/presentationml/2006/main" mc:Ignorable="mv" mc:PreserveAttributes="mv:*">
   <p:cSld>
     <p:spTree>
@@ -16210,7 +16697,7 @@
 </p:sld>
 </file>
 
-<file path=ppt/slides/slide31.xml><?xml version="1.0" encoding="utf-8"?>
+<file path=ppt/slides/slide36.xml><?xml version="1.0" encoding="utf-8"?>
 <p:sld xmlns:a="http://schemas.openxmlformats.org/drawingml/2006/main" xmlns:r="http://schemas.openxmlformats.org/officeDocument/2006/relationships" xmlns:mc="http://schemas.openxmlformats.org/markup-compatibility/2006" xmlns:mv="urn:schemas-microsoft-com:mac:vml" xmlns:p="http://schemas.openxmlformats.org/presentationml/2006/main" mc:Ignorable="mv" mc:PreserveAttributes="mv:*">
   <p:cSld>
     <p:spTree>
@@ -16421,7 +16908,7 @@
 </p:sld>
 </file>
 
-<file path=ppt/slides/slide32.xml><?xml version="1.0" encoding="utf-8"?>
+<file path=ppt/slides/slide37.xml><?xml version="1.0" encoding="utf-8"?>
 <p:sld xmlns:a="http://schemas.openxmlformats.org/drawingml/2006/main" xmlns:r="http://schemas.openxmlformats.org/officeDocument/2006/relationships" xmlns:mc="http://schemas.openxmlformats.org/markup-compatibility/2006" xmlns:mv="urn:schemas-microsoft-com:mac:vml" xmlns:p="http://schemas.openxmlformats.org/presentationml/2006/main" mc:Ignorable="mv" mc:PreserveAttributes="mv:*">
   <p:cSld>
     <p:spTree>
@@ -16731,7 +17218,7 @@
 </p:sld>
 </file>
 
-<file path=ppt/slides/slide33.xml><?xml version="1.0" encoding="utf-8"?>
+<file path=ppt/slides/slide38.xml><?xml version="1.0" encoding="utf-8"?>
 <p:sld xmlns:a="http://schemas.openxmlformats.org/drawingml/2006/main" xmlns:r="http://schemas.openxmlformats.org/officeDocument/2006/relationships" xmlns:mc="http://schemas.openxmlformats.org/markup-compatibility/2006" xmlns:mv="urn:schemas-microsoft-com:mac:vml" xmlns:p="http://schemas.openxmlformats.org/presentationml/2006/main" mc:Ignorable="mv" mc:PreserveAttributes="mv:*">
   <p:cSld>
     <p:spTree>
@@ -17018,7 +17505,7 @@
 </p:sld>
 </file>
 
-<file path=ppt/slides/slide34.xml><?xml version="1.0" encoding="utf-8"?>
+<file path=ppt/slides/slide39.xml><?xml version="1.0" encoding="utf-8"?>
 <p:sld xmlns:a="http://schemas.openxmlformats.org/drawingml/2006/main" xmlns:r="http://schemas.openxmlformats.org/officeDocument/2006/relationships" xmlns:mc="http://schemas.openxmlformats.org/markup-compatibility/2006" xmlns:mv="urn:schemas-microsoft-com:mac:vml" xmlns:p="http://schemas.openxmlformats.org/presentationml/2006/main" mc:Ignorable="mv" mc:PreserveAttributes="mv:*">
   <p:cSld>
     <p:spTree>
@@ -17134,199 +17621,6 @@
       <p:sp>
         <p:nvSpPr>
           <p:cNvPr id="293892" name="Rectangle 4"/>
-          <p:cNvSpPr>
-            <a:spLocks noChangeArrowheads="1"/>
-          </p:cNvSpPr>
-          <p:nvPr/>
-        </p:nvSpPr>
-        <p:spPr bwMode="auto">
-          <a:xfrm>
-            <a:off x="381000" y="1343025"/>
-            <a:ext cx="8763000" cy="4876800"/>
-          </a:xfrm>
-          <a:prstGeom prst="rect">
-            <a:avLst/>
-          </a:prstGeom>
-          <a:noFill/>
-          <a:ln w="9525">
-            <a:noFill/>
-            <a:miter lim="800000"/>
-            <a:headEnd/>
-            <a:tailEnd/>
-          </a:ln>
-        </p:spPr>
-        <p:txBody>
-          <a:bodyPr>
-            <a:prstTxWarp prst="textNoShape">
-              <a:avLst/>
-            </a:prstTxWarp>
-          </a:bodyPr>
-          <a:lstStyle/>
-          <a:p>
-            <a:r>
-              <a:rPr lang="nl-NL" sz="1100" i="0">
-                <a:latin typeface="Courier New" charset="0"/>
-                <a:ea typeface="Courier New" charset="0"/>
-                <a:cs typeface="Courier New" charset="0"/>
-              </a:rPr>
-              <a:t>component AMI</a:t>
-            </a:r>
-          </a:p>
-          <a:p>
-            <a:r>
-              <a:rPr lang="nl-NL" sz="1100" i="0">
-                <a:latin typeface="Courier New" charset="0"/>
-                <a:ea typeface="Courier New" charset="0"/>
-                <a:cs typeface="Courier New" charset="0"/>
-              </a:rPr>
-              <a:t/>
-            </a:r>
-            <a:br>
-              <a:rPr lang="nl-NL" sz="1100" i="0">
-                <a:latin typeface="Courier New" charset="0"/>
-                <a:ea typeface="Courier New" charset="0"/>
-                <a:cs typeface="Courier New" charset="0"/>
-              </a:rPr>
-            </a:br>
-            <a:endParaRPr lang="nl-NL" sz="1100" i="0">
-              <a:latin typeface="Courier New" charset="0"/>
-              <a:ea typeface="Courier New" charset="0"/>
-              <a:cs typeface="Courier New" charset="0"/>
-            </a:endParaRPr>
-          </a:p>
-        </p:txBody>
-      </p:sp>
-    </p:spTree>
-  </p:cSld>
-  <p:clrMapOvr>
-    <a:masterClrMapping/>
-  </p:clrMapOvr>
-  <p:timing>
-    <p:tnLst>
-      <p:par>
-        <p:cTn id="1" dur="indefinite" restart="never" nodeType="tmRoot"/>
-      </p:par>
-    </p:tnLst>
-  </p:timing>
-</p:sld>
-</file>
-
-<file path=ppt/slides/slide35.xml><?xml version="1.0" encoding="utf-8"?>
-<p:sld xmlns:a="http://schemas.openxmlformats.org/drawingml/2006/main" xmlns:r="http://schemas.openxmlformats.org/officeDocument/2006/relationships" xmlns:mc="http://schemas.openxmlformats.org/markup-compatibility/2006" xmlns:mv="urn:schemas-microsoft-com:mac:vml" xmlns:p="http://schemas.openxmlformats.org/presentationml/2006/main" mc:Ignorable="mv" mc:PreserveAttributes="mv:*">
-  <p:cSld>
-    <p:spTree>
-      <p:nvGrpSpPr>
-        <p:cNvPr id="1" name=""/>
-        <p:cNvGrpSpPr/>
-        <p:nvPr/>
-      </p:nvGrpSpPr>
-      <p:grpSpPr>
-        <a:xfrm>
-          <a:off x="0" y="0"/>
-          <a:ext cx="0" cy="0"/>
-          <a:chOff x="0" y="0"/>
-          <a:chExt cx="0" cy="0"/>
-        </a:xfrm>
-      </p:grpSpPr>
-      <p:sp>
-        <p:nvSpPr>
-          <p:cNvPr id="294914" name="Rectangle 2"/>
-          <p:cNvSpPr>
-            <a:spLocks noChangeArrowheads="1"/>
-          </p:cNvSpPr>
-          <p:nvPr/>
-        </p:nvSpPr>
-        <p:spPr bwMode="auto">
-          <a:xfrm>
-            <a:off x="0" y="542925"/>
-            <a:ext cx="9144000" cy="381000"/>
-          </a:xfrm>
-          <a:prstGeom prst="rect">
-            <a:avLst/>
-          </a:prstGeom>
-          <a:noFill/>
-          <a:ln w="9525">
-            <a:noFill/>
-            <a:miter lim="800000"/>
-            <a:headEnd/>
-            <a:tailEnd/>
-          </a:ln>
-        </p:spPr>
-        <p:txBody>
-          <a:bodyPr anchor="ctr">
-            <a:prstTxWarp prst="textNoShape">
-              <a:avLst/>
-            </a:prstTxWarp>
-          </a:bodyPr>
-          <a:lstStyle/>
-          <a:p>
-            <a:pPr algn="ctr">
-              <a:spcBef>
-                <a:spcPct val="0"/>
-              </a:spcBef>
-            </a:pPr>
-            <a:r>
-              <a:rPr lang="en-US" altLang="zh-CN" sz="3200" i="0">
-                <a:solidFill>
-                  <a:srgbClr val="FF0000"/>
-                </a:solidFill>
-                <a:ea typeface="宋体" pitchFamily="-65" charset="-128"/>
-                <a:cs typeface="宋体" pitchFamily="-65" charset="-128"/>
-              </a:rPr>
-              <a:t>Invoking the asynchronous callback</a:t>
-            </a:r>
-          </a:p>
-        </p:txBody>
-      </p:sp>
-      <p:sp>
-        <p:nvSpPr>
-          <p:cNvPr id="294915" name="Rectangle 3"/>
-          <p:cNvSpPr>
-            <a:spLocks noChangeArrowheads="1"/>
-          </p:cNvSpPr>
-          <p:nvPr/>
-        </p:nvSpPr>
-        <p:spPr bwMode="auto">
-          <a:xfrm>
-            <a:off x="228600" y="1190625"/>
-            <a:ext cx="8763000" cy="4876800"/>
-          </a:xfrm>
-          <a:prstGeom prst="rect">
-            <a:avLst/>
-          </a:prstGeom>
-          <a:noFill/>
-          <a:ln w="9525">
-            <a:noFill/>
-            <a:miter lim="800000"/>
-            <a:headEnd/>
-            <a:tailEnd/>
-          </a:ln>
-        </p:spPr>
-        <p:txBody>
-          <a:bodyPr>
-            <a:prstTxWarp prst="textNoShape">
-              <a:avLst/>
-            </a:prstTxWarp>
-          </a:bodyPr>
-          <a:lstStyle/>
-          <a:p>
-            <a:pPr marL="169863" indent="-169863">
-              <a:spcBef>
-                <a:spcPct val="40000"/>
-              </a:spcBef>
-              <a:buFontTx/>
-              <a:buChar char="•"/>
-            </a:pPr>
-            <a:endParaRPr lang="en-US" altLang="zh-CN" sz="2000" i="0">
-              <a:ea typeface="宋体" pitchFamily="-65" charset="-128"/>
-              <a:cs typeface="Times New Roman" charset="0"/>
-            </a:endParaRPr>
-          </a:p>
-        </p:txBody>
-      </p:sp>
-      <p:sp>
-        <p:nvSpPr>
-          <p:cNvPr id="294916" name="Rectangle 4"/>
           <p:cNvSpPr>
             <a:spLocks noChangeArrowheads="1"/>
           </p:cNvSpPr>
@@ -18159,8 +18453,37 @@
                 <a:ea typeface="Courier New" charset="0"/>
                 <a:cs typeface="Courier New" charset="0"/>
               </a:rPr>
-              <a:t>omponent Provider {</a:t>
-            </a:r>
+              <a:t>omponent</a:t>
+            </a:r>
+            <a:r>
+              <a:rPr lang="nl-NL" sz="1400" i="0" dirty="0" smtClean="0">
+                <a:latin typeface="Courier New" charset="0"/>
+                <a:ea typeface="Courier New" charset="0"/>
+                <a:cs typeface="Courier New" charset="0"/>
+              </a:rPr>
+              <a:t> </a:t>
+            </a:r>
+            <a:r>
+              <a:rPr lang="nl-NL" sz="1400" i="0" dirty="0" err="1" smtClean="0">
+                <a:latin typeface="Courier New" charset="0"/>
+                <a:ea typeface="Courier New" charset="0"/>
+                <a:cs typeface="Courier New" charset="0"/>
+              </a:rPr>
+              <a:t>Sender</a:t>
+            </a:r>
+            <a:r>
+              <a:rPr lang="nl-NL" sz="1400" i="0" dirty="0" smtClean="0">
+                <a:latin typeface="Courier New" charset="0"/>
+                <a:ea typeface="Courier New" charset="0"/>
+                <a:cs typeface="Courier New" charset="0"/>
+              </a:rPr>
+              <a:t>{</a:t>
+            </a:r>
+            <a:endParaRPr lang="nl-NL" sz="1400" i="0" dirty="0" smtClean="0">
+              <a:latin typeface="Courier New" charset="0"/>
+              <a:ea typeface="Courier New" charset="0"/>
+              <a:cs typeface="Courier New" charset="0"/>
+            </a:endParaRPr>
           </a:p>
           <a:p>
             <a:pPr>
@@ -18232,7 +18555,9 @@
             <a:srgbClr val="FFFF99"/>
           </a:solidFill>
           <a:ln w="9525" cap="flat" cmpd="sng" algn="ctr">
-            <a:noFill/>
+            <a:solidFill>
+              <a:schemeClr val="tx1"/>
+            </a:solidFill>
             <a:prstDash val="solid"/>
             <a:round/>
             <a:headEnd type="none" w="med" len="med"/>
@@ -18335,7 +18660,15 @@
                 <a:ea typeface="Courier New" charset="0"/>
                 <a:cs typeface="Courier New" charset="0"/>
               </a:rPr>
-              <a:t>omponent </a:t>
+              <a:t>omponent</a:t>
+            </a:r>
+            <a:r>
+              <a:rPr lang="nl-NL" sz="1400" i="0" dirty="0" smtClean="0">
+                <a:latin typeface="Courier New" charset="0"/>
+                <a:ea typeface="Courier New" charset="0"/>
+                <a:cs typeface="Courier New" charset="0"/>
+              </a:rPr>
+              <a:t> </a:t>
             </a:r>
             <a:r>
               <a:rPr lang="nl-NL" sz="1400" i="0" dirty="0" err="1" smtClean="0">
@@ -18343,7 +18676,7 @@
                 <a:ea typeface="Courier New" charset="0"/>
                 <a:cs typeface="Courier New" charset="0"/>
               </a:rPr>
-              <a:t>Consumer</a:t>
+              <a:t>Receiver</a:t>
             </a:r>
             <a:r>
               <a:rPr lang="nl-NL" sz="1400" i="0" dirty="0" smtClean="0">
@@ -18353,6 +18686,11 @@
               </a:rPr>
               <a:t> {</a:t>
             </a:r>
+            <a:endParaRPr lang="nl-NL" sz="1400" i="0" dirty="0" smtClean="0">
+              <a:latin typeface="Courier New" charset="0"/>
+              <a:ea typeface="Courier New" charset="0"/>
+              <a:cs typeface="Courier New" charset="0"/>
+            </a:endParaRPr>
           </a:p>
           <a:p>
             <a:pPr>
@@ -18440,7 +18778,9 @@
             <a:srgbClr val="FFFF99"/>
           </a:solidFill>
           <a:ln w="9525" cap="flat" cmpd="sng" algn="ctr">
-            <a:noFill/>
+            <a:solidFill>
+              <a:schemeClr val="tx1"/>
+            </a:solidFill>
             <a:prstDash val="solid"/>
             <a:round/>
             <a:headEnd type="none" w="med" len="med"/>
@@ -18508,7 +18848,9 @@
             <a:srgbClr val="FFFF99"/>
           </a:solidFill>
           <a:ln w="9525" cap="flat" cmpd="sng" algn="ctr">
-            <a:noFill/>
+            <a:solidFill>
+              <a:schemeClr val="tx1"/>
+            </a:solidFill>
             <a:prstDash val="solid"/>
             <a:round/>
             <a:headEnd type="none" w="med" len="med"/>
@@ -18602,6 +18944,368 @@
               </a:solidFill>
               <a:effectLst/>
               <a:latin typeface="Arial" pitchFamily="-65" charset="0"/>
+            </a:endParaRPr>
+          </a:p>
+        </p:txBody>
+      </p:sp>
+    </p:spTree>
+  </p:cSld>
+  <p:clrMapOvr>
+    <a:masterClrMapping/>
+  </p:clrMapOvr>
+  <p:timing>
+    <p:tnLst>
+      <p:par>
+        <p:cTn id="1" dur="indefinite" restart="never" nodeType="tmRoot">
+          <p:childTnLst>
+            <p:seq concurrent="1" nextAc="seek">
+              <p:cTn id="2" dur="indefinite" nodeType="mainSeq">
+                <p:childTnLst>
+                  <p:par>
+                    <p:cTn id="3" fill="hold">
+                      <p:stCondLst>
+                        <p:cond delay="indefinite"/>
+                      </p:stCondLst>
+                      <p:childTnLst>
+                        <p:par>
+                          <p:cTn id="4" fill="hold">
+                            <p:stCondLst>
+                              <p:cond delay="0"/>
+                            </p:stCondLst>
+                            <p:childTnLst>
+                              <p:par>
+                                <p:cTn id="5" presetID="10" presetClass="entr" presetSubtype="0" fill="hold" grpId="0" nodeType="clickEffect">
+                                  <p:stCondLst>
+                                    <p:cond delay="0"/>
+                                  </p:stCondLst>
+                                  <p:childTnLst>
+                                    <p:set>
+                                      <p:cBhvr>
+                                        <p:cTn id="6" dur="1" fill="hold">
+                                          <p:stCondLst>
+                                            <p:cond delay="0"/>
+                                          </p:stCondLst>
+                                        </p:cTn>
+                                        <p:tgtEl>
+                                          <p:spTgt spid="11"/>
+                                        </p:tgtEl>
+                                        <p:attrNameLst>
+                                          <p:attrName>style.visibility</p:attrName>
+                                        </p:attrNameLst>
+                                      </p:cBhvr>
+                                      <p:to>
+                                        <p:strVal val="visible"/>
+                                      </p:to>
+                                    </p:set>
+                                    <p:animEffect transition="in" filter="fade">
+                                      <p:cBhvr>
+                                        <p:cTn id="7" dur="500"/>
+                                        <p:tgtEl>
+                                          <p:spTgt spid="11"/>
+                                        </p:tgtEl>
+                                      </p:cBhvr>
+                                    </p:animEffect>
+                                  </p:childTnLst>
+                                </p:cTn>
+                              </p:par>
+                            </p:childTnLst>
+                          </p:cTn>
+                        </p:par>
+                      </p:childTnLst>
+                    </p:cTn>
+                  </p:par>
+                  <p:par>
+                    <p:cTn id="8" fill="hold">
+                      <p:stCondLst>
+                        <p:cond delay="indefinite"/>
+                      </p:stCondLst>
+                      <p:childTnLst>
+                        <p:par>
+                          <p:cTn id="9" fill="hold">
+                            <p:stCondLst>
+                              <p:cond delay="0"/>
+                            </p:stCondLst>
+                            <p:childTnLst>
+                              <p:par>
+                                <p:cTn id="10" presetID="10" presetClass="entr" presetSubtype="0" fill="hold" grpId="0" nodeType="clickEffect">
+                                  <p:stCondLst>
+                                    <p:cond delay="0"/>
+                                  </p:stCondLst>
+                                  <p:childTnLst>
+                                    <p:set>
+                                      <p:cBhvr>
+                                        <p:cTn id="11" dur="1" fill="hold">
+                                          <p:stCondLst>
+                                            <p:cond delay="0"/>
+                                          </p:stCondLst>
+                                        </p:cTn>
+                                        <p:tgtEl>
+                                          <p:spTgt spid="13"/>
+                                        </p:tgtEl>
+                                        <p:attrNameLst>
+                                          <p:attrName>style.visibility</p:attrName>
+                                        </p:attrNameLst>
+                                      </p:cBhvr>
+                                      <p:to>
+                                        <p:strVal val="visible"/>
+                                      </p:to>
+                                    </p:set>
+                                    <p:animEffect transition="in" filter="fade">
+                                      <p:cBhvr>
+                                        <p:cTn id="12" dur="1000"/>
+                                        <p:tgtEl>
+                                          <p:spTgt spid="13"/>
+                                        </p:tgtEl>
+                                      </p:cBhvr>
+                                    </p:animEffect>
+                                  </p:childTnLst>
+                                </p:cTn>
+                              </p:par>
+                              <p:par>
+                                <p:cTn id="13" presetID="10" presetClass="entr" presetSubtype="0" fill="hold" grpId="0" nodeType="withEffect">
+                                  <p:stCondLst>
+                                    <p:cond delay="0"/>
+                                  </p:stCondLst>
+                                  <p:childTnLst>
+                                    <p:set>
+                                      <p:cBhvr>
+                                        <p:cTn id="14" dur="1" fill="hold">
+                                          <p:stCondLst>
+                                            <p:cond delay="0"/>
+                                          </p:stCondLst>
+                                        </p:cTn>
+                                        <p:tgtEl>
+                                          <p:spTgt spid="14"/>
+                                        </p:tgtEl>
+                                        <p:attrNameLst>
+                                          <p:attrName>style.visibility</p:attrName>
+                                        </p:attrNameLst>
+                                      </p:cBhvr>
+                                      <p:to>
+                                        <p:strVal val="visible"/>
+                                      </p:to>
+                                    </p:set>
+                                    <p:animEffect transition="in" filter="fade">
+                                      <p:cBhvr>
+                                        <p:cTn id="15" dur="1000"/>
+                                        <p:tgtEl>
+                                          <p:spTgt spid="14"/>
+                                        </p:tgtEl>
+                                      </p:cBhvr>
+                                    </p:animEffect>
+                                  </p:childTnLst>
+                                </p:cTn>
+                              </p:par>
+                            </p:childTnLst>
+                          </p:cTn>
+                        </p:par>
+                      </p:childTnLst>
+                    </p:cTn>
+                  </p:par>
+                </p:childTnLst>
+              </p:cTn>
+              <p:prevCondLst>
+                <p:cond evt="onPrev" delay="0">
+                  <p:tgtEl>
+                    <p:sldTgt/>
+                  </p:tgtEl>
+                </p:cond>
+              </p:prevCondLst>
+              <p:nextCondLst>
+                <p:cond evt="onNext" delay="0">
+                  <p:tgtEl>
+                    <p:sldTgt/>
+                  </p:tgtEl>
+                </p:cond>
+              </p:nextCondLst>
+            </p:seq>
+          </p:childTnLst>
+        </p:cTn>
+      </p:par>
+    </p:tnLst>
+    <p:bldLst>
+      <p:bldP spid="11" grpId="0" animBg="1"/>
+      <p:bldP spid="13" grpId="0" animBg="1"/>
+      <p:bldP spid="14" grpId="0" animBg="1"/>
+    </p:bldLst>
+  </p:timing>
+</p:sld>
+</file>
+
+<file path=ppt/slides/slide40.xml><?xml version="1.0" encoding="utf-8"?>
+<p:sld xmlns:a="http://schemas.openxmlformats.org/drawingml/2006/main" xmlns:r="http://schemas.openxmlformats.org/officeDocument/2006/relationships" xmlns:mc="http://schemas.openxmlformats.org/markup-compatibility/2006" xmlns:mv="urn:schemas-microsoft-com:mac:vml" xmlns:p="http://schemas.openxmlformats.org/presentationml/2006/main" mc:Ignorable="mv" mc:PreserveAttributes="mv:*">
+  <p:cSld>
+    <p:spTree>
+      <p:nvGrpSpPr>
+        <p:cNvPr id="1" name=""/>
+        <p:cNvGrpSpPr/>
+        <p:nvPr/>
+      </p:nvGrpSpPr>
+      <p:grpSpPr>
+        <a:xfrm>
+          <a:off x="0" y="0"/>
+          <a:ext cx="0" cy="0"/>
+          <a:chOff x="0" y="0"/>
+          <a:chExt cx="0" cy="0"/>
+        </a:xfrm>
+      </p:grpSpPr>
+      <p:sp>
+        <p:nvSpPr>
+          <p:cNvPr id="294914" name="Rectangle 2"/>
+          <p:cNvSpPr>
+            <a:spLocks noChangeArrowheads="1"/>
+          </p:cNvSpPr>
+          <p:nvPr/>
+        </p:nvSpPr>
+        <p:spPr bwMode="auto">
+          <a:xfrm>
+            <a:off x="0" y="542925"/>
+            <a:ext cx="9144000" cy="381000"/>
+          </a:xfrm>
+          <a:prstGeom prst="rect">
+            <a:avLst/>
+          </a:prstGeom>
+          <a:noFill/>
+          <a:ln w="9525">
+            <a:noFill/>
+            <a:miter lim="800000"/>
+            <a:headEnd/>
+            <a:tailEnd/>
+          </a:ln>
+        </p:spPr>
+        <p:txBody>
+          <a:bodyPr anchor="ctr">
+            <a:prstTxWarp prst="textNoShape">
+              <a:avLst/>
+            </a:prstTxWarp>
+          </a:bodyPr>
+          <a:lstStyle/>
+          <a:p>
+            <a:pPr algn="ctr">
+              <a:spcBef>
+                <a:spcPct val="0"/>
+              </a:spcBef>
+            </a:pPr>
+            <a:r>
+              <a:rPr lang="en-US" altLang="zh-CN" sz="3200" i="0">
+                <a:solidFill>
+                  <a:srgbClr val="FF0000"/>
+                </a:solidFill>
+                <a:ea typeface="宋体" pitchFamily="-65" charset="-128"/>
+                <a:cs typeface="宋体" pitchFamily="-65" charset="-128"/>
+              </a:rPr>
+              <a:t>Invoking the asynchronous callback</a:t>
+            </a:r>
+          </a:p>
+        </p:txBody>
+      </p:sp>
+      <p:sp>
+        <p:nvSpPr>
+          <p:cNvPr id="294915" name="Rectangle 3"/>
+          <p:cNvSpPr>
+            <a:spLocks noChangeArrowheads="1"/>
+          </p:cNvSpPr>
+          <p:nvPr/>
+        </p:nvSpPr>
+        <p:spPr bwMode="auto">
+          <a:xfrm>
+            <a:off x="228600" y="1190625"/>
+            <a:ext cx="8763000" cy="4876800"/>
+          </a:xfrm>
+          <a:prstGeom prst="rect">
+            <a:avLst/>
+          </a:prstGeom>
+          <a:noFill/>
+          <a:ln w="9525">
+            <a:noFill/>
+            <a:miter lim="800000"/>
+            <a:headEnd/>
+            <a:tailEnd/>
+          </a:ln>
+        </p:spPr>
+        <p:txBody>
+          <a:bodyPr>
+            <a:prstTxWarp prst="textNoShape">
+              <a:avLst/>
+            </a:prstTxWarp>
+          </a:bodyPr>
+          <a:lstStyle/>
+          <a:p>
+            <a:pPr marL="169863" indent="-169863">
+              <a:spcBef>
+                <a:spcPct val="40000"/>
+              </a:spcBef>
+              <a:buFontTx/>
+              <a:buChar char="•"/>
+            </a:pPr>
+            <a:endParaRPr lang="en-US" altLang="zh-CN" sz="2000" i="0">
+              <a:ea typeface="宋体" pitchFamily="-65" charset="-128"/>
+              <a:cs typeface="Times New Roman" charset="0"/>
+            </a:endParaRPr>
+          </a:p>
+        </p:txBody>
+      </p:sp>
+      <p:sp>
+        <p:nvSpPr>
+          <p:cNvPr id="294916" name="Rectangle 4"/>
+          <p:cNvSpPr>
+            <a:spLocks noChangeArrowheads="1"/>
+          </p:cNvSpPr>
+          <p:nvPr/>
+        </p:nvSpPr>
+        <p:spPr bwMode="auto">
+          <a:xfrm>
+            <a:off x="381000" y="1343025"/>
+            <a:ext cx="8763000" cy="4876800"/>
+          </a:xfrm>
+          <a:prstGeom prst="rect">
+            <a:avLst/>
+          </a:prstGeom>
+          <a:noFill/>
+          <a:ln w="9525">
+            <a:noFill/>
+            <a:miter lim="800000"/>
+            <a:headEnd/>
+            <a:tailEnd/>
+          </a:ln>
+        </p:spPr>
+        <p:txBody>
+          <a:bodyPr>
+            <a:prstTxWarp prst="textNoShape">
+              <a:avLst/>
+            </a:prstTxWarp>
+          </a:bodyPr>
+          <a:lstStyle/>
+          <a:p>
+            <a:r>
+              <a:rPr lang="nl-NL" sz="1100" i="0">
+                <a:latin typeface="Courier New" charset="0"/>
+                <a:ea typeface="Courier New" charset="0"/>
+                <a:cs typeface="Courier New" charset="0"/>
+              </a:rPr>
+              <a:t>component AMI</a:t>
+            </a:r>
+          </a:p>
+          <a:p>
+            <a:r>
+              <a:rPr lang="nl-NL" sz="1100" i="0">
+                <a:latin typeface="Courier New" charset="0"/>
+                <a:ea typeface="Courier New" charset="0"/>
+                <a:cs typeface="Courier New" charset="0"/>
+              </a:rPr>
+              <a:t/>
+            </a:r>
+            <a:br>
+              <a:rPr lang="nl-NL" sz="1100" i="0">
+                <a:latin typeface="Courier New" charset="0"/>
+                <a:ea typeface="Courier New" charset="0"/>
+                <a:cs typeface="Courier New" charset="0"/>
+              </a:rPr>
+            </a:br>
+            <a:endParaRPr lang="nl-NL" sz="1100" i="0">
+              <a:latin typeface="Courier New" charset="0"/>
+              <a:ea typeface="Courier New" charset="0"/>
+              <a:cs typeface="Courier New" charset="0"/>
             </a:endParaRPr>
           </a:p>
         </p:txBody>
@@ -18983,22 +19687,15 @@
                 <a:ea typeface="Courier New" charset="0"/>
                 <a:cs typeface="Courier New" charset="0"/>
               </a:rPr>
-              <a:t>omponent Provider {</a:t>
-            </a:r>
-          </a:p>
-          <a:p>
-            <a:pPr>
-              <a:spcBef>
-                <a:spcPts val="400"/>
-              </a:spcBef>
-            </a:pPr>
+              <a:t>omponent</a:t>
+            </a:r>
             <a:r>
               <a:rPr lang="nl-NL" sz="1400" i="0" dirty="0" smtClean="0">
                 <a:latin typeface="Courier New" charset="0"/>
                 <a:ea typeface="Courier New" charset="0"/>
                 <a:cs typeface="Courier New" charset="0"/>
               </a:rPr>
-              <a:t>  port </a:t>
+              <a:t> </a:t>
             </a:r>
             <a:r>
               <a:rPr lang="nl-NL" sz="1400" i="0" dirty="0" err="1" smtClean="0">
@@ -19006,7 +19703,7 @@
                 <a:ea typeface="Courier New" charset="0"/>
                 <a:cs typeface="Courier New" charset="0"/>
               </a:rPr>
-              <a:t>ControlledConsumer</a:t>
+              <a:t>Sender</a:t>
             </a:r>
             <a:r>
               <a:rPr lang="nl-NL" sz="1400" i="0" dirty="0" smtClean="0">
@@ -19014,30 +19711,8 @@
                 <a:ea typeface="Courier New" charset="0"/>
                 <a:cs typeface="Courier New" charset="0"/>
               </a:rPr>
-              <a:t> data;</a:t>
-            </a:r>
-          </a:p>
-          <a:p>
-            <a:pPr>
-              <a:spcBef>
-                <a:spcPts val="400"/>
-              </a:spcBef>
-            </a:pPr>
-            <a:r>
-              <a:rPr lang="nl-NL" sz="1400" i="0" dirty="0" smtClean="0">
-                <a:latin typeface="Courier New" charset="0"/>
-                <a:ea typeface="Courier New" charset="0"/>
-                <a:cs typeface="Courier New" charset="0"/>
-              </a:rPr>
-              <a:t>};</a:t>
-            </a:r>
-          </a:p>
-          <a:p>
-            <a:pPr>
-              <a:spcBef>
-                <a:spcPts val="400"/>
-              </a:spcBef>
-            </a:pPr>
+              <a:t>{</a:t>
+            </a:r>
             <a:endParaRPr lang="nl-NL" sz="1400" i="0" dirty="0" smtClean="0">
               <a:latin typeface="Courier New" charset="0"/>
               <a:ea typeface="Courier New" charset="0"/>
@@ -19050,6 +19725,52 @@
                 <a:spcPts val="400"/>
               </a:spcBef>
             </a:pPr>
+            <a:r>
+              <a:rPr lang="nl-NL" sz="1400" i="0" dirty="0" smtClean="0">
+                <a:latin typeface="Courier New" charset="0"/>
+                <a:ea typeface="Courier New" charset="0"/>
+                <a:cs typeface="Courier New" charset="0"/>
+              </a:rPr>
+              <a:t>  port </a:t>
+            </a:r>
+            <a:r>
+              <a:rPr lang="nl-NL" sz="1400" i="0" dirty="0" err="1" smtClean="0">
+                <a:latin typeface="Courier New" charset="0"/>
+                <a:ea typeface="Courier New" charset="0"/>
+                <a:cs typeface="Courier New" charset="0"/>
+              </a:rPr>
+              <a:t>ControlledConsumer</a:t>
+            </a:r>
+            <a:r>
+              <a:rPr lang="nl-NL" sz="1400" i="0" dirty="0" smtClean="0">
+                <a:latin typeface="Courier New" charset="0"/>
+                <a:ea typeface="Courier New" charset="0"/>
+                <a:cs typeface="Courier New" charset="0"/>
+              </a:rPr>
+              <a:t> data;</a:t>
+            </a:r>
+          </a:p>
+          <a:p>
+            <a:pPr>
+              <a:spcBef>
+                <a:spcPts val="400"/>
+              </a:spcBef>
+            </a:pPr>
+            <a:r>
+              <a:rPr lang="nl-NL" sz="1400" i="0" dirty="0" smtClean="0">
+                <a:latin typeface="Courier New" charset="0"/>
+                <a:ea typeface="Courier New" charset="0"/>
+                <a:cs typeface="Courier New" charset="0"/>
+              </a:rPr>
+              <a:t>};</a:t>
+            </a:r>
+          </a:p>
+          <a:p>
+            <a:pPr>
+              <a:spcBef>
+                <a:spcPts val="400"/>
+              </a:spcBef>
+            </a:pPr>
             <a:endParaRPr lang="nl-NL" sz="1400" i="0" dirty="0" smtClean="0">
               <a:latin typeface="Courier New" charset="0"/>
               <a:ea typeface="Courier New" charset="0"/>
@@ -19062,6 +19783,18 @@
                 <a:spcPts val="400"/>
               </a:spcBef>
             </a:pPr>
+            <a:endParaRPr lang="nl-NL" sz="1400" i="0" dirty="0" smtClean="0">
+              <a:latin typeface="Courier New" charset="0"/>
+              <a:ea typeface="Courier New" charset="0"/>
+              <a:cs typeface="Courier New" charset="0"/>
+            </a:endParaRPr>
+          </a:p>
+          <a:p>
+            <a:pPr>
+              <a:spcBef>
+                <a:spcPts val="400"/>
+              </a:spcBef>
+            </a:pPr>
             <a:r>
               <a:rPr lang="nl-NL" sz="1400" i="0" dirty="0">
                 <a:latin typeface="Courier New" charset="0"/>
@@ -19076,7 +19809,15 @@
                 <a:ea typeface="Courier New" charset="0"/>
                 <a:cs typeface="Courier New" charset="0"/>
               </a:rPr>
-              <a:t>omponent </a:t>
+              <a:t>omponent</a:t>
+            </a:r>
+            <a:r>
+              <a:rPr lang="nl-NL" sz="1400" i="0" dirty="0" smtClean="0">
+                <a:latin typeface="Courier New" charset="0"/>
+                <a:ea typeface="Courier New" charset="0"/>
+                <a:cs typeface="Courier New" charset="0"/>
+              </a:rPr>
+              <a:t> </a:t>
             </a:r>
             <a:r>
               <a:rPr lang="nl-NL" sz="1400" i="0" dirty="0" err="1" smtClean="0">
@@ -19084,7 +19825,7 @@
                 <a:ea typeface="Courier New" charset="0"/>
                 <a:cs typeface="Courier New" charset="0"/>
               </a:rPr>
-              <a:t>Consumer</a:t>
+              <a:t>Receiver</a:t>
             </a:r>
             <a:r>
               <a:rPr lang="nl-NL" sz="1400" i="0" dirty="0" smtClean="0">
@@ -19092,8 +19833,13 @@
                 <a:ea typeface="Courier New" charset="0"/>
                 <a:cs typeface="Courier New" charset="0"/>
               </a:rPr>
-              <a:t> {</a:t>
-            </a:r>
+              <a:t>{</a:t>
+            </a:r>
+            <a:endParaRPr lang="nl-NL" sz="1400" i="0" dirty="0" smtClean="0">
+              <a:latin typeface="Courier New" charset="0"/>
+              <a:ea typeface="Courier New" charset="0"/>
+              <a:cs typeface="Courier New" charset="0"/>
+            </a:endParaRPr>
           </a:p>
           <a:p>
             <a:pPr>
@@ -19202,8 +19948,37 @@
                 <a:ea typeface="Courier New" charset="0"/>
                 <a:cs typeface="Courier New" charset="0"/>
               </a:rPr>
-              <a:t>component Provider {</a:t>
-            </a:r>
+              <a:t>component</a:t>
+            </a:r>
+            <a:r>
+              <a:rPr lang="nl-NL" sz="1400" i="0" dirty="0" smtClean="0">
+                <a:latin typeface="Courier New" charset="0"/>
+                <a:ea typeface="Courier New" charset="0"/>
+                <a:cs typeface="Courier New" charset="0"/>
+              </a:rPr>
+              <a:t> </a:t>
+            </a:r>
+            <a:r>
+              <a:rPr lang="nl-NL" sz="1400" i="0" dirty="0" err="1" smtClean="0">
+                <a:latin typeface="Courier New" charset="0"/>
+                <a:ea typeface="Courier New" charset="0"/>
+                <a:cs typeface="Courier New" charset="0"/>
+              </a:rPr>
+              <a:t>Sender</a:t>
+            </a:r>
+            <a:r>
+              <a:rPr lang="nl-NL" sz="1400" i="0" dirty="0" smtClean="0">
+                <a:latin typeface="Courier New" charset="0"/>
+                <a:ea typeface="Courier New" charset="0"/>
+                <a:cs typeface="Courier New" charset="0"/>
+              </a:rPr>
+              <a:t>{</a:t>
+            </a:r>
+            <a:endParaRPr lang="nl-NL" sz="1400" i="0" dirty="0" smtClean="0">
+              <a:latin typeface="Courier New" charset="0"/>
+              <a:ea typeface="Courier New" charset="0"/>
+              <a:cs typeface="Courier New" charset="0"/>
+            </a:endParaRPr>
           </a:p>
           <a:p>
             <a:pPr>
@@ -19375,7 +20150,15 @@
                 <a:ea typeface="Courier New" charset="0"/>
                 <a:cs typeface="Courier New" charset="0"/>
               </a:rPr>
-              <a:t>component </a:t>
+              <a:t>component</a:t>
+            </a:r>
+            <a:r>
+              <a:rPr lang="nl-NL" sz="1400" i="0" dirty="0" smtClean="0">
+                <a:latin typeface="Courier New" charset="0"/>
+                <a:ea typeface="Courier New" charset="0"/>
+                <a:cs typeface="Courier New" charset="0"/>
+              </a:rPr>
+              <a:t> </a:t>
             </a:r>
             <a:r>
               <a:rPr lang="nl-NL" sz="1400" i="0" dirty="0" err="1" smtClean="0">
@@ -19383,7 +20166,7 @@
                 <a:ea typeface="Courier New" charset="0"/>
                 <a:cs typeface="Courier New" charset="0"/>
               </a:rPr>
-              <a:t>Consumer</a:t>
+              <a:t>Receiver</a:t>
             </a:r>
             <a:r>
               <a:rPr lang="nl-NL" sz="1400" i="0" dirty="0" smtClean="0">
@@ -19393,6 +20176,11 @@
               </a:rPr>
               <a:t>{</a:t>
             </a:r>
+            <a:endParaRPr lang="nl-NL" sz="1400" i="0" dirty="0" smtClean="0">
+              <a:latin typeface="Courier New" charset="0"/>
+              <a:ea typeface="Courier New" charset="0"/>
+              <a:cs typeface="Courier New" charset="0"/>
+            </a:endParaRPr>
           </a:p>
           <a:p>
             <a:pPr>
@@ -19677,7 +20465,9 @@
             <a:srgbClr val="FFFF99"/>
           </a:solidFill>
           <a:ln w="9525" cap="flat" cmpd="sng" algn="ctr">
-            <a:noFill/>
+            <a:solidFill>
+              <a:srgbClr val="000000"/>
+            </a:solidFill>
             <a:prstDash val="solid"/>
             <a:round/>
             <a:headEnd type="none" w="med" len="med"/>
@@ -19751,7 +20541,9 @@
             <a:srgbClr val="FFFF99"/>
           </a:solidFill>
           <a:ln w="9525" cap="flat" cmpd="sng" algn="ctr">
-            <a:noFill/>
+            <a:solidFill>
+              <a:srgbClr val="000000"/>
+            </a:solidFill>
             <a:prstDash val="solid"/>
             <a:round/>
             <a:headEnd type="none" w="med" len="med"/>
@@ -19837,7 +20629,9 @@
             <a:srgbClr val="FFFF99"/>
           </a:solidFill>
           <a:ln w="9525" cap="flat" cmpd="sng" algn="ctr">
-            <a:noFill/>
+            <a:solidFill>
+              <a:srgbClr val="000000"/>
+            </a:solidFill>
             <a:prstDash val="solid"/>
             <a:round/>
             <a:headEnd type="none" w="med" len="med"/>
@@ -19874,13 +20668,19 @@
               <a:rPr lang="en-US" i="0" dirty="0" err="1" smtClean="0">
                 <a:latin typeface="Arial" pitchFamily="-65" charset="0"/>
               </a:rPr>
-              <a:t>Mirrirport</a:t>
+              <a:t>Mirrorport</a:t>
             </a:r>
             <a:r>
               <a:rPr lang="en-US" i="0" dirty="0" smtClean="0">
                 <a:latin typeface="Arial" pitchFamily="-65" charset="0"/>
               </a:rPr>
-              <a:t> keyword inverts facets and receptacles</a:t>
+              <a:t> keyword </a:t>
+            </a:r>
+            <a:r>
+              <a:rPr lang="en-US" i="0" dirty="0" smtClean="0">
+                <a:latin typeface="Arial" pitchFamily="-65" charset="0"/>
+              </a:rPr>
+              <a:t>inverts facets and receptacles</a:t>
             </a:r>
             <a:endParaRPr kumimoji="0" lang="en-US" sz="1800" b="0" i="0" u="none" strike="noStrike" cap="none" normalizeH="0" baseline="0" dirty="0">
               <a:ln>
@@ -19900,6 +20700,398 @@
   <p:clrMapOvr>
     <a:masterClrMapping/>
   </p:clrMapOvr>
+  <p:timing>
+    <p:tnLst>
+      <p:par>
+        <p:cTn id="1" dur="indefinite" restart="never" nodeType="tmRoot">
+          <p:childTnLst>
+            <p:seq concurrent="1" nextAc="seek">
+              <p:cTn id="2" dur="indefinite" nodeType="mainSeq">
+                <p:childTnLst>
+                  <p:par>
+                    <p:cTn id="3" fill="hold">
+                      <p:stCondLst>
+                        <p:cond delay="indefinite"/>
+                      </p:stCondLst>
+                      <p:childTnLst>
+                        <p:par>
+                          <p:cTn id="4" fill="hold">
+                            <p:stCondLst>
+                              <p:cond delay="0"/>
+                            </p:stCondLst>
+                            <p:childTnLst>
+                              <p:par>
+                                <p:cTn id="5" presetID="10" presetClass="entr" presetSubtype="0" fill="hold" grpId="0" nodeType="clickEffect">
+                                  <p:stCondLst>
+                                    <p:cond delay="0"/>
+                                  </p:stCondLst>
+                                  <p:childTnLst>
+                                    <p:set>
+                                      <p:cBhvr>
+                                        <p:cTn id="6" dur="1" fill="hold">
+                                          <p:stCondLst>
+                                            <p:cond delay="0"/>
+                                          </p:stCondLst>
+                                        </p:cTn>
+                                        <p:tgtEl>
+                                          <p:spTgt spid="9"/>
+                                        </p:tgtEl>
+                                        <p:attrNameLst>
+                                          <p:attrName>style.visibility</p:attrName>
+                                        </p:attrNameLst>
+                                      </p:cBhvr>
+                                      <p:to>
+                                        <p:strVal val="visible"/>
+                                      </p:to>
+                                    </p:set>
+                                    <p:animEffect transition="in" filter="fade">
+                                      <p:cBhvr>
+                                        <p:cTn id="7" dur="1000"/>
+                                        <p:tgtEl>
+                                          <p:spTgt spid="9"/>
+                                        </p:tgtEl>
+                                      </p:cBhvr>
+                                    </p:animEffect>
+                                  </p:childTnLst>
+                                </p:cTn>
+                              </p:par>
+                            </p:childTnLst>
+                          </p:cTn>
+                        </p:par>
+                        <p:par>
+                          <p:cTn id="8" fill="hold">
+                            <p:stCondLst>
+                              <p:cond delay="1000"/>
+                            </p:stCondLst>
+                            <p:childTnLst>
+                              <p:par>
+                                <p:cTn id="9" presetID="10" presetClass="entr" presetSubtype="0" fill="hold" grpId="0" nodeType="afterEffect">
+                                  <p:stCondLst>
+                                    <p:cond delay="0"/>
+                                  </p:stCondLst>
+                                  <p:childTnLst>
+                                    <p:set>
+                                      <p:cBhvr>
+                                        <p:cTn id="10" dur="1" fill="hold">
+                                          <p:stCondLst>
+                                            <p:cond delay="0"/>
+                                          </p:stCondLst>
+                                        </p:cTn>
+                                        <p:tgtEl>
+                                          <p:spTgt spid="7"/>
+                                        </p:tgtEl>
+                                        <p:attrNameLst>
+                                          <p:attrName>style.visibility</p:attrName>
+                                        </p:attrNameLst>
+                                      </p:cBhvr>
+                                      <p:to>
+                                        <p:strVal val="visible"/>
+                                      </p:to>
+                                    </p:set>
+                                    <p:animEffect transition="in" filter="fade">
+                                      <p:cBhvr>
+                                        <p:cTn id="11" dur="1000"/>
+                                        <p:tgtEl>
+                                          <p:spTgt spid="7"/>
+                                        </p:tgtEl>
+                                      </p:cBhvr>
+                                    </p:animEffect>
+                                  </p:childTnLst>
+                                </p:cTn>
+                              </p:par>
+                            </p:childTnLst>
+                          </p:cTn>
+                        </p:par>
+                      </p:childTnLst>
+                    </p:cTn>
+                  </p:par>
+                  <p:par>
+                    <p:cTn id="12" fill="hold">
+                      <p:stCondLst>
+                        <p:cond delay="indefinite"/>
+                      </p:stCondLst>
+                      <p:childTnLst>
+                        <p:par>
+                          <p:cTn id="13" fill="hold">
+                            <p:stCondLst>
+                              <p:cond delay="0"/>
+                            </p:stCondLst>
+                            <p:childTnLst>
+                              <p:par>
+                                <p:cTn id="14" presetID="10" presetClass="entr" presetSubtype="0" fill="hold" grpId="0" nodeType="clickEffect">
+                                  <p:stCondLst>
+                                    <p:cond delay="0"/>
+                                  </p:stCondLst>
+                                  <p:childTnLst>
+                                    <p:set>
+                                      <p:cBhvr>
+                                        <p:cTn id="15" dur="1" fill="hold">
+                                          <p:stCondLst>
+                                            <p:cond delay="0"/>
+                                          </p:stCondLst>
+                                        </p:cTn>
+                                        <p:tgtEl>
+                                          <p:spTgt spid="11"/>
+                                        </p:tgtEl>
+                                        <p:attrNameLst>
+                                          <p:attrName>style.visibility</p:attrName>
+                                        </p:attrNameLst>
+                                      </p:cBhvr>
+                                      <p:to>
+                                        <p:strVal val="visible"/>
+                                      </p:to>
+                                    </p:set>
+                                    <p:animEffect transition="in" filter="fade">
+                                      <p:cBhvr>
+                                        <p:cTn id="16" dur="1000"/>
+                                        <p:tgtEl>
+                                          <p:spTgt spid="11"/>
+                                        </p:tgtEl>
+                                      </p:cBhvr>
+                                    </p:animEffect>
+                                  </p:childTnLst>
+                                </p:cTn>
+                              </p:par>
+                            </p:childTnLst>
+                          </p:cTn>
+                        </p:par>
+                      </p:childTnLst>
+                    </p:cTn>
+                  </p:par>
+                  <p:par>
+                    <p:cTn id="17" fill="hold">
+                      <p:stCondLst>
+                        <p:cond delay="indefinite"/>
+                      </p:stCondLst>
+                      <p:childTnLst>
+                        <p:par>
+                          <p:cTn id="18" fill="hold">
+                            <p:stCondLst>
+                              <p:cond delay="0"/>
+                            </p:stCondLst>
+                            <p:childTnLst>
+                              <p:par>
+                                <p:cTn id="19" presetID="10" presetClass="entr" presetSubtype="0" fill="hold" grpId="0" nodeType="clickEffect">
+                                  <p:stCondLst>
+                                    <p:cond delay="0"/>
+                                  </p:stCondLst>
+                                  <p:childTnLst>
+                                    <p:set>
+                                      <p:cBhvr>
+                                        <p:cTn id="20" dur="1" fill="hold">
+                                          <p:stCondLst>
+                                            <p:cond delay="0"/>
+                                          </p:stCondLst>
+                                        </p:cTn>
+                                        <p:tgtEl>
+                                          <p:spTgt spid="12"/>
+                                        </p:tgtEl>
+                                        <p:attrNameLst>
+                                          <p:attrName>style.visibility</p:attrName>
+                                        </p:attrNameLst>
+                                      </p:cBhvr>
+                                      <p:to>
+                                        <p:strVal val="visible"/>
+                                      </p:to>
+                                    </p:set>
+                                    <p:animEffect transition="in" filter="fade">
+                                      <p:cBhvr>
+                                        <p:cTn id="21" dur="1000"/>
+                                        <p:tgtEl>
+                                          <p:spTgt spid="12"/>
+                                        </p:tgtEl>
+                                      </p:cBhvr>
+                                    </p:animEffect>
+                                  </p:childTnLst>
+                                </p:cTn>
+                              </p:par>
+                            </p:childTnLst>
+                          </p:cTn>
+                        </p:par>
+                      </p:childTnLst>
+                    </p:cTn>
+                  </p:par>
+                  <p:par>
+                    <p:cTn id="22" fill="hold">
+                      <p:stCondLst>
+                        <p:cond delay="indefinite"/>
+                      </p:stCondLst>
+                      <p:childTnLst>
+                        <p:par>
+                          <p:cTn id="23" fill="hold">
+                            <p:stCondLst>
+                              <p:cond delay="0"/>
+                            </p:stCondLst>
+                            <p:childTnLst>
+                              <p:par>
+                                <p:cTn id="24" presetID="10" presetClass="entr" presetSubtype="0" fill="hold" grpId="0" nodeType="clickEffect">
+                                  <p:stCondLst>
+                                    <p:cond delay="0"/>
+                                  </p:stCondLst>
+                                  <p:childTnLst>
+                                    <p:set>
+                                      <p:cBhvr>
+                                        <p:cTn id="25" dur="1" fill="hold">
+                                          <p:stCondLst>
+                                            <p:cond delay="0"/>
+                                          </p:stCondLst>
+                                        </p:cTn>
+                                        <p:tgtEl>
+                                          <p:spTgt spid="10"/>
+                                        </p:tgtEl>
+                                        <p:attrNameLst>
+                                          <p:attrName>style.visibility</p:attrName>
+                                        </p:attrNameLst>
+                                      </p:cBhvr>
+                                      <p:to>
+                                        <p:strVal val="visible"/>
+                                      </p:to>
+                                    </p:set>
+                                    <p:animEffect transition="in" filter="fade">
+                                      <p:cBhvr>
+                                        <p:cTn id="26" dur="1000"/>
+                                        <p:tgtEl>
+                                          <p:spTgt spid="10"/>
+                                        </p:tgtEl>
+                                      </p:cBhvr>
+                                    </p:animEffect>
+                                  </p:childTnLst>
+                                </p:cTn>
+                              </p:par>
+                            </p:childTnLst>
+                          </p:cTn>
+                        </p:par>
+                        <p:par>
+                          <p:cTn id="27" fill="hold">
+                            <p:stCondLst>
+                              <p:cond delay="1000"/>
+                            </p:stCondLst>
+                            <p:childTnLst>
+                              <p:par>
+                                <p:cTn id="28" presetID="10" presetClass="entr" presetSubtype="0" fill="hold" grpId="0" nodeType="afterEffect">
+                                  <p:stCondLst>
+                                    <p:cond delay="0"/>
+                                  </p:stCondLst>
+                                  <p:childTnLst>
+                                    <p:set>
+                                      <p:cBhvr>
+                                        <p:cTn id="29" dur="1" fill="hold">
+                                          <p:stCondLst>
+                                            <p:cond delay="0"/>
+                                          </p:stCondLst>
+                                        </p:cTn>
+                                        <p:tgtEl>
+                                          <p:spTgt spid="8"/>
+                                        </p:tgtEl>
+                                        <p:attrNameLst>
+                                          <p:attrName>style.visibility</p:attrName>
+                                        </p:attrNameLst>
+                                      </p:cBhvr>
+                                      <p:to>
+                                        <p:strVal val="visible"/>
+                                      </p:to>
+                                    </p:set>
+                                    <p:animEffect transition="in" filter="fade">
+                                      <p:cBhvr>
+                                        <p:cTn id="30" dur="1000"/>
+                                        <p:tgtEl>
+                                          <p:spTgt spid="8"/>
+                                        </p:tgtEl>
+                                      </p:cBhvr>
+                                    </p:animEffect>
+                                  </p:childTnLst>
+                                </p:cTn>
+                              </p:par>
+                            </p:childTnLst>
+                          </p:cTn>
+                        </p:par>
+                      </p:childTnLst>
+                    </p:cTn>
+                  </p:par>
+                  <p:par>
+                    <p:cTn id="31" fill="hold">
+                      <p:stCondLst>
+                        <p:cond delay="indefinite"/>
+                      </p:stCondLst>
+                      <p:childTnLst>
+                        <p:par>
+                          <p:cTn id="32" fill="hold">
+                            <p:stCondLst>
+                              <p:cond delay="0"/>
+                            </p:stCondLst>
+                            <p:childTnLst>
+                              <p:par>
+                                <p:cTn id="33" presetID="10" presetClass="entr" presetSubtype="0" fill="hold" grpId="0" nodeType="clickEffect">
+                                  <p:stCondLst>
+                                    <p:cond delay="0"/>
+                                  </p:stCondLst>
+                                  <p:childTnLst>
+                                    <p:set>
+                                      <p:cBhvr>
+                                        <p:cTn id="34" dur="1" fill="hold">
+                                          <p:stCondLst>
+                                            <p:cond delay="0"/>
+                                          </p:stCondLst>
+                                        </p:cTn>
+                                        <p:tgtEl>
+                                          <p:spTgt spid="13"/>
+                                        </p:tgtEl>
+                                        <p:attrNameLst>
+                                          <p:attrName>style.visibility</p:attrName>
+                                        </p:attrNameLst>
+                                      </p:cBhvr>
+                                      <p:to>
+                                        <p:strVal val="visible"/>
+                                      </p:to>
+                                    </p:set>
+                                    <p:animEffect transition="in" filter="fade">
+                                      <p:cBhvr>
+                                        <p:cTn id="35" dur="1000"/>
+                                        <p:tgtEl>
+                                          <p:spTgt spid="13"/>
+                                        </p:tgtEl>
+                                      </p:cBhvr>
+                                    </p:animEffect>
+                                  </p:childTnLst>
+                                </p:cTn>
+                              </p:par>
+                            </p:childTnLst>
+                          </p:cTn>
+                        </p:par>
+                      </p:childTnLst>
+                    </p:cTn>
+                  </p:par>
+                </p:childTnLst>
+              </p:cTn>
+              <p:prevCondLst>
+                <p:cond evt="onPrev" delay="0">
+                  <p:tgtEl>
+                    <p:sldTgt/>
+                  </p:tgtEl>
+                </p:cond>
+              </p:prevCondLst>
+              <p:nextCondLst>
+                <p:cond evt="onNext" delay="0">
+                  <p:tgtEl>
+                    <p:sldTgt/>
+                  </p:tgtEl>
+                </p:cond>
+              </p:nextCondLst>
+            </p:seq>
+          </p:childTnLst>
+        </p:cTn>
+      </p:par>
+    </p:tnLst>
+    <p:bldLst>
+      <p:bldP spid="7" grpId="0"/>
+      <p:bldP spid="8" grpId="0"/>
+      <p:bldP spid="9" grpId="0" animBg="1"/>
+      <p:bldP spid="10" grpId="0" animBg="1"/>
+      <p:bldP spid="11" grpId="0" animBg="1"/>
+      <p:bldP spid="12" grpId="0" animBg="1"/>
+      <p:bldP spid="13" grpId="0" animBg="1"/>
+    </p:bldLst>
+  </p:timing>
 </p:sld>
 </file>
 
@@ -20472,16 +21664,45 @@
                 <a:ea typeface="Courier New" charset="0"/>
                 <a:cs typeface="Courier New" charset="0"/>
               </a:rPr>
-              <a:t>omponent Publisher {</a:t>
-            </a:r>
-          </a:p>
-          <a:p>
+              <a:t>omponent</a:t>
+            </a:r>
             <a:r>
               <a:rPr lang="nl-NL" sz="1400" i="0" dirty="0" smtClean="0">
                 <a:latin typeface="Courier New" charset="0"/>
                 <a:ea typeface="Courier New" charset="0"/>
                 <a:cs typeface="Courier New" charset="0"/>
               </a:rPr>
+              <a:t> </a:t>
+            </a:r>
+            <a:r>
+              <a:rPr lang="nl-NL" sz="1400" i="0" dirty="0" err="1" smtClean="0">
+                <a:latin typeface="Courier New" charset="0"/>
+                <a:ea typeface="Courier New" charset="0"/>
+                <a:cs typeface="Courier New" charset="0"/>
+              </a:rPr>
+              <a:t>Sender</a:t>
+            </a:r>
+            <a:r>
+              <a:rPr lang="nl-NL" sz="1400" i="0" dirty="0" smtClean="0">
+                <a:latin typeface="Courier New" charset="0"/>
+                <a:ea typeface="Courier New" charset="0"/>
+                <a:cs typeface="Courier New" charset="0"/>
+              </a:rPr>
+              <a:t> {</a:t>
+            </a:r>
+            <a:endParaRPr lang="nl-NL" sz="1400" i="0" dirty="0" smtClean="0">
+              <a:latin typeface="Courier New" charset="0"/>
+              <a:ea typeface="Courier New" charset="0"/>
+              <a:cs typeface="Courier New" charset="0"/>
+            </a:endParaRPr>
+          </a:p>
+          <a:p>
+            <a:r>
+              <a:rPr lang="nl-NL" sz="1400" i="0" dirty="0" smtClean="0">
+                <a:latin typeface="Courier New" charset="0"/>
+                <a:ea typeface="Courier New" charset="0"/>
+                <a:cs typeface="Courier New" charset="0"/>
+              </a:rPr>
               <a:t>   port </a:t>
             </a:r>
             <a:r>
@@ -20526,7 +21747,15 @@
                 <a:ea typeface="Courier New" charset="0"/>
                 <a:cs typeface="Courier New" charset="0"/>
               </a:rPr>
-              <a:t>omponent </a:t>
+              <a:t>omponent</a:t>
+            </a:r>
+            <a:r>
+              <a:rPr lang="nl-NL" sz="1400" i="0" dirty="0" smtClean="0">
+                <a:latin typeface="Courier New" charset="0"/>
+                <a:ea typeface="Courier New" charset="0"/>
+                <a:cs typeface="Courier New" charset="0"/>
+              </a:rPr>
+              <a:t> </a:t>
             </a:r>
             <a:r>
               <a:rPr lang="nl-NL" sz="1400" i="0" dirty="0" err="1" smtClean="0">
@@ -20534,7 +21763,7 @@
                 <a:ea typeface="Courier New" charset="0"/>
                 <a:cs typeface="Courier New" charset="0"/>
               </a:rPr>
-              <a:t>Consumer</a:t>
+              <a:t>Receiver</a:t>
             </a:r>
             <a:r>
               <a:rPr lang="nl-NL" sz="1400" i="0" dirty="0" smtClean="0">
@@ -20544,6 +21773,11 @@
               </a:rPr>
               <a:t> {</a:t>
             </a:r>
+            <a:endParaRPr lang="nl-NL" sz="1400" i="0" dirty="0" smtClean="0">
+              <a:latin typeface="Courier New" charset="0"/>
+              <a:ea typeface="Courier New" charset="0"/>
+              <a:cs typeface="Courier New" charset="0"/>
+            </a:endParaRPr>
           </a:p>
           <a:p>
             <a:r>
@@ -21232,8 +22466,37 @@
                 <a:ea typeface="Courier New" charset="0"/>
                 <a:cs typeface="Courier New" charset="0"/>
               </a:rPr>
-              <a:t>omponent Publisher {</a:t>
-            </a:r>
+              <a:t>omponent</a:t>
+            </a:r>
+            <a:r>
+              <a:rPr lang="nl-NL" sz="1400" i="0" dirty="0" smtClean="0">
+                <a:latin typeface="Courier New" charset="0"/>
+                <a:ea typeface="Courier New" charset="0"/>
+                <a:cs typeface="Courier New" charset="0"/>
+              </a:rPr>
+              <a:t> </a:t>
+            </a:r>
+            <a:r>
+              <a:rPr lang="nl-NL" sz="1400" i="0" dirty="0" err="1" smtClean="0">
+                <a:latin typeface="Courier New" charset="0"/>
+                <a:ea typeface="Courier New" charset="0"/>
+                <a:cs typeface="Courier New" charset="0"/>
+              </a:rPr>
+              <a:t>Sender</a:t>
+            </a:r>
+            <a:r>
+              <a:rPr lang="nl-NL" sz="1400" i="0" dirty="0" smtClean="0">
+                <a:latin typeface="Courier New" charset="0"/>
+                <a:ea typeface="Courier New" charset="0"/>
+                <a:cs typeface="Courier New" charset="0"/>
+              </a:rPr>
+              <a:t> {</a:t>
+            </a:r>
+            <a:endParaRPr lang="nl-NL" sz="1400" i="0" dirty="0" smtClean="0">
+              <a:latin typeface="Courier New" charset="0"/>
+              <a:ea typeface="Courier New" charset="0"/>
+              <a:cs typeface="Courier New" charset="0"/>
+            </a:endParaRPr>
           </a:p>
           <a:p>
             <a:r>
@@ -21445,8 +22708,39 @@
                 <a:ea typeface="+mn-ea"/>
                 <a:cs typeface="Courier New"/>
               </a:rPr>
-              <a:t>component Publisher {</a:t>
-            </a:r>
+              <a:t>component</a:t>
+            </a:r>
+            <a:r>
+              <a:rPr kumimoji="0" lang="en-US" sz="1400" b="0" i="0" u="none" strike="noStrike" kern="0" cap="none" spc="0" normalizeH="0" baseline="0" noProof="0" dirty="0" smtClean="0">
+                <a:ln>
+                  <a:noFill/>
+                </a:ln>
+                <a:solidFill>
+                  <a:schemeClr val="tx1"/>
+                </a:solidFill>
+                <a:effectLst/>
+                <a:uLnTx/>
+                <a:uFillTx/>
+                <a:latin typeface="Courier New"/>
+                <a:ea typeface="+mn-ea"/>
+                <a:cs typeface="Courier New"/>
+              </a:rPr>
+              <a:t> Sender {</a:t>
+            </a:r>
+            <a:endParaRPr kumimoji="0" lang="en-US" sz="1400" b="0" i="0" u="none" strike="noStrike" kern="0" cap="none" spc="0" normalizeH="0" baseline="0" noProof="0" dirty="0" smtClean="0">
+              <a:ln>
+                <a:noFill/>
+              </a:ln>
+              <a:solidFill>
+                <a:schemeClr val="tx1"/>
+              </a:solidFill>
+              <a:effectLst/>
+              <a:uLnTx/>
+              <a:uFillTx/>
+              <a:latin typeface="Courier New"/>
+              <a:ea typeface="+mn-ea"/>
+              <a:cs typeface="Courier New"/>
+            </a:endParaRPr>
           </a:p>
           <a:p>
             <a:pPr marL="342900" marR="0" lvl="0" indent="-342900" algn="l" defTabSz="914400" rtl="0" eaLnBrk="0" fontAlgn="base" latinLnBrk="0" hangingPunct="0">
@@ -22036,6 +23330,506 @@
   <p:clrMapOvr>
     <a:masterClrMapping/>
   </p:clrMapOvr>
+  <p:timing>
+    <p:tnLst>
+      <p:par>
+        <p:cTn id="1" dur="indefinite" restart="never" nodeType="tmRoot">
+          <p:childTnLst>
+            <p:seq concurrent="1" nextAc="seek">
+              <p:cTn id="2" dur="indefinite" nodeType="mainSeq">
+                <p:childTnLst>
+                  <p:par>
+                    <p:cTn id="3" fill="hold">
+                      <p:stCondLst>
+                        <p:cond delay="indefinite"/>
+                      </p:stCondLst>
+                      <p:childTnLst>
+                        <p:par>
+                          <p:cTn id="4" fill="hold">
+                            <p:stCondLst>
+                              <p:cond delay="0"/>
+                            </p:stCondLst>
+                            <p:childTnLst>
+                              <p:par>
+                                <p:cTn id="5" presetID="22" presetClass="entr" presetSubtype="4" fill="hold" nodeType="clickEffect">
+                                  <p:stCondLst>
+                                    <p:cond delay="0"/>
+                                  </p:stCondLst>
+                                  <p:childTnLst>
+                                    <p:set>
+                                      <p:cBhvr>
+                                        <p:cTn id="6" dur="1" fill="hold">
+                                          <p:stCondLst>
+                                            <p:cond delay="0"/>
+                                          </p:stCondLst>
+                                        </p:cTn>
+                                        <p:tgtEl>
+                                          <p:spTgt spid="7"/>
+                                        </p:tgtEl>
+                                        <p:attrNameLst>
+                                          <p:attrName>style.visibility</p:attrName>
+                                        </p:attrNameLst>
+                                      </p:cBhvr>
+                                      <p:to>
+                                        <p:strVal val="visible"/>
+                                      </p:to>
+                                    </p:set>
+                                    <p:animEffect transition="in" filter="wipe(down)">
+                                      <p:cBhvr>
+                                        <p:cTn id="7" dur="500"/>
+                                        <p:tgtEl>
+                                          <p:spTgt spid="7"/>
+                                        </p:tgtEl>
+                                      </p:cBhvr>
+                                    </p:animEffect>
+                                  </p:childTnLst>
+                                </p:cTn>
+                              </p:par>
+                            </p:childTnLst>
+                          </p:cTn>
+                        </p:par>
+                      </p:childTnLst>
+                    </p:cTn>
+                  </p:par>
+                  <p:par>
+                    <p:cTn id="8" fill="hold">
+                      <p:stCondLst>
+                        <p:cond delay="indefinite"/>
+                      </p:stCondLst>
+                      <p:childTnLst>
+                        <p:par>
+                          <p:cTn id="9" fill="hold">
+                            <p:stCondLst>
+                              <p:cond delay="0"/>
+                            </p:stCondLst>
+                            <p:childTnLst>
+                              <p:par>
+                                <p:cTn id="10" presetID="22" presetClass="entr" presetSubtype="1" fill="hold" nodeType="clickEffect">
+                                  <p:stCondLst>
+                                    <p:cond delay="0"/>
+                                  </p:stCondLst>
+                                  <p:childTnLst>
+                                    <p:set>
+                                      <p:cBhvr>
+                                        <p:cTn id="11" dur="1" fill="hold">
+                                          <p:stCondLst>
+                                            <p:cond delay="0"/>
+                                          </p:stCondLst>
+                                        </p:cTn>
+                                        <p:tgtEl>
+                                          <p:spTgt spid="9"/>
+                                        </p:tgtEl>
+                                        <p:attrNameLst>
+                                          <p:attrName>style.visibility</p:attrName>
+                                        </p:attrNameLst>
+                                      </p:cBhvr>
+                                      <p:to>
+                                        <p:strVal val="visible"/>
+                                      </p:to>
+                                    </p:set>
+                                    <p:animEffect transition="in" filter="wipe(up)">
+                                      <p:cBhvr>
+                                        <p:cTn id="12" dur="500"/>
+                                        <p:tgtEl>
+                                          <p:spTgt spid="9"/>
+                                        </p:tgtEl>
+                                      </p:cBhvr>
+                                    </p:animEffect>
+                                  </p:childTnLst>
+                                </p:cTn>
+                              </p:par>
+                            </p:childTnLst>
+                          </p:cTn>
+                        </p:par>
+                      </p:childTnLst>
+                    </p:cTn>
+                  </p:par>
+                  <p:par>
+                    <p:cTn id="13" fill="hold">
+                      <p:stCondLst>
+                        <p:cond delay="indefinite"/>
+                      </p:stCondLst>
+                      <p:childTnLst>
+                        <p:par>
+                          <p:cTn id="14" fill="hold">
+                            <p:stCondLst>
+                              <p:cond delay="0"/>
+                            </p:stCondLst>
+                            <p:childTnLst>
+                              <p:par>
+                                <p:cTn id="15" presetID="22" presetClass="entr" presetSubtype="4" fill="hold" nodeType="clickEffect">
+                                  <p:stCondLst>
+                                    <p:cond delay="0"/>
+                                  </p:stCondLst>
+                                  <p:childTnLst>
+                                    <p:set>
+                                      <p:cBhvr>
+                                        <p:cTn id="16" dur="1" fill="hold">
+                                          <p:stCondLst>
+                                            <p:cond delay="0"/>
+                                          </p:stCondLst>
+                                        </p:cTn>
+                                        <p:tgtEl>
+                                          <p:spTgt spid="12"/>
+                                        </p:tgtEl>
+                                        <p:attrNameLst>
+                                          <p:attrName>style.visibility</p:attrName>
+                                        </p:attrNameLst>
+                                      </p:cBhvr>
+                                      <p:to>
+                                        <p:strVal val="visible"/>
+                                      </p:to>
+                                    </p:set>
+                                    <p:animEffect transition="in" filter="wipe(down)">
+                                      <p:cBhvr>
+                                        <p:cTn id="17" dur="500"/>
+                                        <p:tgtEl>
+                                          <p:spTgt spid="12"/>
+                                        </p:tgtEl>
+                                      </p:cBhvr>
+                                    </p:animEffect>
+                                  </p:childTnLst>
+                                </p:cTn>
+                              </p:par>
+                            </p:childTnLst>
+                          </p:cTn>
+                        </p:par>
+                      </p:childTnLst>
+                    </p:cTn>
+                  </p:par>
+                  <p:par>
+                    <p:cTn id="18" fill="hold">
+                      <p:stCondLst>
+                        <p:cond delay="indefinite"/>
+                      </p:stCondLst>
+                      <p:childTnLst>
+                        <p:par>
+                          <p:cTn id="19" fill="hold">
+                            <p:stCondLst>
+                              <p:cond delay="0"/>
+                            </p:stCondLst>
+                            <p:childTnLst>
+                              <p:par>
+                                <p:cTn id="20" presetID="22" presetClass="entr" presetSubtype="1" fill="hold" nodeType="clickEffect">
+                                  <p:stCondLst>
+                                    <p:cond delay="0"/>
+                                  </p:stCondLst>
+                                  <p:childTnLst>
+                                    <p:set>
+                                      <p:cBhvr>
+                                        <p:cTn id="21" dur="1" fill="hold">
+                                          <p:stCondLst>
+                                            <p:cond delay="0"/>
+                                          </p:stCondLst>
+                                        </p:cTn>
+                                        <p:tgtEl>
+                                          <p:spTgt spid="15"/>
+                                        </p:tgtEl>
+                                        <p:attrNameLst>
+                                          <p:attrName>style.visibility</p:attrName>
+                                        </p:attrNameLst>
+                                      </p:cBhvr>
+                                      <p:to>
+                                        <p:strVal val="visible"/>
+                                      </p:to>
+                                    </p:set>
+                                    <p:animEffect transition="in" filter="wipe(up)">
+                                      <p:cBhvr>
+                                        <p:cTn id="22" dur="500"/>
+                                        <p:tgtEl>
+                                          <p:spTgt spid="15"/>
+                                        </p:tgtEl>
+                                      </p:cBhvr>
+                                    </p:animEffect>
+                                  </p:childTnLst>
+                                </p:cTn>
+                              </p:par>
+                            </p:childTnLst>
+                          </p:cTn>
+                        </p:par>
+                      </p:childTnLst>
+                    </p:cTn>
+                  </p:par>
+                  <p:par>
+                    <p:cTn id="23" fill="hold">
+                      <p:stCondLst>
+                        <p:cond delay="indefinite"/>
+                      </p:stCondLst>
+                      <p:childTnLst>
+                        <p:par>
+                          <p:cTn id="24" fill="hold">
+                            <p:stCondLst>
+                              <p:cond delay="0"/>
+                            </p:stCondLst>
+                            <p:childTnLst>
+                              <p:par>
+                                <p:cTn id="25" presetID="10" presetClass="entr" presetSubtype="0" fill="hold" grpId="0" nodeType="clickEffect">
+                                  <p:stCondLst>
+                                    <p:cond delay="0"/>
+                                  </p:stCondLst>
+                                  <p:childTnLst>
+                                    <p:set>
+                                      <p:cBhvr>
+                                        <p:cTn id="26" dur="1" fill="hold">
+                                          <p:stCondLst>
+                                            <p:cond delay="0"/>
+                                          </p:stCondLst>
+                                        </p:cTn>
+                                        <p:tgtEl>
+                                          <p:spTgt spid="4">
+                                            <p:txEl>
+                                              <p:pRg st="0" end="0"/>
+                                            </p:txEl>
+                                          </p:spTgt>
+                                        </p:tgtEl>
+                                        <p:attrNameLst>
+                                          <p:attrName>style.visibility</p:attrName>
+                                        </p:attrNameLst>
+                                      </p:cBhvr>
+                                      <p:to>
+                                        <p:strVal val="visible"/>
+                                      </p:to>
+                                    </p:set>
+                                    <p:animEffect transition="in" filter="fade">
+                                      <p:cBhvr>
+                                        <p:cTn id="27" dur="500"/>
+                                        <p:tgtEl>
+                                          <p:spTgt spid="4">
+                                            <p:txEl>
+                                              <p:pRg st="0" end="0"/>
+                                            </p:txEl>
+                                          </p:spTgt>
+                                        </p:tgtEl>
+                                      </p:cBhvr>
+                                    </p:animEffect>
+                                  </p:childTnLst>
+                                </p:cTn>
+                              </p:par>
+                              <p:par>
+                                <p:cTn id="28" presetID="10" presetClass="entr" presetSubtype="0" fill="hold" grpId="0" nodeType="withEffect">
+                                  <p:stCondLst>
+                                    <p:cond delay="0"/>
+                                  </p:stCondLst>
+                                  <p:childTnLst>
+                                    <p:set>
+                                      <p:cBhvr>
+                                        <p:cTn id="29" dur="1" fill="hold">
+                                          <p:stCondLst>
+                                            <p:cond delay="0"/>
+                                          </p:stCondLst>
+                                        </p:cTn>
+                                        <p:tgtEl>
+                                          <p:spTgt spid="4">
+                                            <p:txEl>
+                                              <p:pRg st="1" end="1"/>
+                                            </p:txEl>
+                                          </p:spTgt>
+                                        </p:tgtEl>
+                                        <p:attrNameLst>
+                                          <p:attrName>style.visibility</p:attrName>
+                                        </p:attrNameLst>
+                                      </p:cBhvr>
+                                      <p:to>
+                                        <p:strVal val="visible"/>
+                                      </p:to>
+                                    </p:set>
+                                    <p:animEffect transition="in" filter="fade">
+                                      <p:cBhvr>
+                                        <p:cTn id="30" dur="500"/>
+                                        <p:tgtEl>
+                                          <p:spTgt spid="4">
+                                            <p:txEl>
+                                              <p:pRg st="1" end="1"/>
+                                            </p:txEl>
+                                          </p:spTgt>
+                                        </p:tgtEl>
+                                      </p:cBhvr>
+                                    </p:animEffect>
+                                  </p:childTnLst>
+                                </p:cTn>
+                              </p:par>
+                              <p:par>
+                                <p:cTn id="31" presetID="10" presetClass="entr" presetSubtype="0" fill="hold" grpId="0" nodeType="withEffect">
+                                  <p:stCondLst>
+                                    <p:cond delay="0"/>
+                                  </p:stCondLst>
+                                  <p:childTnLst>
+                                    <p:set>
+                                      <p:cBhvr>
+                                        <p:cTn id="32" dur="1" fill="hold">
+                                          <p:stCondLst>
+                                            <p:cond delay="0"/>
+                                          </p:stCondLst>
+                                        </p:cTn>
+                                        <p:tgtEl>
+                                          <p:spTgt spid="4">
+                                            <p:txEl>
+                                              <p:pRg st="2" end="2"/>
+                                            </p:txEl>
+                                          </p:spTgt>
+                                        </p:tgtEl>
+                                        <p:attrNameLst>
+                                          <p:attrName>style.visibility</p:attrName>
+                                        </p:attrNameLst>
+                                      </p:cBhvr>
+                                      <p:to>
+                                        <p:strVal val="visible"/>
+                                      </p:to>
+                                    </p:set>
+                                    <p:animEffect transition="in" filter="fade">
+                                      <p:cBhvr>
+                                        <p:cTn id="33" dur="500"/>
+                                        <p:tgtEl>
+                                          <p:spTgt spid="4">
+                                            <p:txEl>
+                                              <p:pRg st="2" end="2"/>
+                                            </p:txEl>
+                                          </p:spTgt>
+                                        </p:tgtEl>
+                                      </p:cBhvr>
+                                    </p:animEffect>
+                                  </p:childTnLst>
+                                </p:cTn>
+                              </p:par>
+                            </p:childTnLst>
+                          </p:cTn>
+                        </p:par>
+                      </p:childTnLst>
+                    </p:cTn>
+                  </p:par>
+                  <p:par>
+                    <p:cTn id="34" fill="hold">
+                      <p:stCondLst>
+                        <p:cond delay="indefinite"/>
+                      </p:stCondLst>
+                      <p:childTnLst>
+                        <p:par>
+                          <p:cTn id="35" fill="hold">
+                            <p:stCondLst>
+                              <p:cond delay="0"/>
+                            </p:stCondLst>
+                            <p:childTnLst>
+                              <p:par>
+                                <p:cTn id="36" presetID="10" presetClass="entr" presetSubtype="0" fill="hold" grpId="0" nodeType="clickEffect">
+                                  <p:stCondLst>
+                                    <p:cond delay="0"/>
+                                  </p:stCondLst>
+                                  <p:childTnLst>
+                                    <p:set>
+                                      <p:cBhvr>
+                                        <p:cTn id="37" dur="1" fill="hold">
+                                          <p:stCondLst>
+                                            <p:cond delay="0"/>
+                                          </p:stCondLst>
+                                        </p:cTn>
+                                        <p:tgtEl>
+                                          <p:spTgt spid="19"/>
+                                        </p:tgtEl>
+                                        <p:attrNameLst>
+                                          <p:attrName>style.visibility</p:attrName>
+                                        </p:attrNameLst>
+                                      </p:cBhvr>
+                                      <p:to>
+                                        <p:strVal val="visible"/>
+                                      </p:to>
+                                    </p:set>
+                                    <p:animEffect transition="in" filter="fade">
+                                      <p:cBhvr>
+                                        <p:cTn id="38" dur="500"/>
+                                        <p:tgtEl>
+                                          <p:spTgt spid="19"/>
+                                        </p:tgtEl>
+                                      </p:cBhvr>
+                                    </p:animEffect>
+                                  </p:childTnLst>
+                                </p:cTn>
+                              </p:par>
+                            </p:childTnLst>
+                          </p:cTn>
+                        </p:par>
+                      </p:childTnLst>
+                    </p:cTn>
+                  </p:par>
+                  <p:par>
+                    <p:cTn id="39" fill="hold">
+                      <p:stCondLst>
+                        <p:cond delay="indefinite"/>
+                      </p:stCondLst>
+                      <p:childTnLst>
+                        <p:par>
+                          <p:cTn id="40" fill="hold">
+                            <p:stCondLst>
+                              <p:cond delay="0"/>
+                            </p:stCondLst>
+                            <p:childTnLst>
+                              <p:par>
+                                <p:cTn id="41" presetID="10" presetClass="entr" presetSubtype="0" fill="hold" grpId="0" nodeType="clickEffect">
+                                  <p:stCondLst>
+                                    <p:cond delay="0"/>
+                                  </p:stCondLst>
+                                  <p:childTnLst>
+                                    <p:set>
+                                      <p:cBhvr>
+                                        <p:cTn id="42" dur="1" fill="hold">
+                                          <p:stCondLst>
+                                            <p:cond delay="0"/>
+                                          </p:stCondLst>
+                                        </p:cTn>
+                                        <p:tgtEl>
+                                          <p:spTgt spid="18"/>
+                                        </p:tgtEl>
+                                        <p:attrNameLst>
+                                          <p:attrName>style.visibility</p:attrName>
+                                        </p:attrNameLst>
+                                      </p:cBhvr>
+                                      <p:to>
+                                        <p:strVal val="visible"/>
+                                      </p:to>
+                                    </p:set>
+                                    <p:animEffect transition="in" filter="fade">
+                                      <p:cBhvr>
+                                        <p:cTn id="43" dur="500"/>
+                                        <p:tgtEl>
+                                          <p:spTgt spid="18"/>
+                                        </p:tgtEl>
+                                      </p:cBhvr>
+                                    </p:animEffect>
+                                  </p:childTnLst>
+                                </p:cTn>
+                              </p:par>
+                            </p:childTnLst>
+                          </p:cTn>
+                        </p:par>
+                      </p:childTnLst>
+                    </p:cTn>
+                  </p:par>
+                </p:childTnLst>
+              </p:cTn>
+              <p:prevCondLst>
+                <p:cond evt="onPrev" delay="0">
+                  <p:tgtEl>
+                    <p:sldTgt/>
+                  </p:tgtEl>
+                </p:cond>
+              </p:prevCondLst>
+              <p:nextCondLst>
+                <p:cond evt="onNext" delay="0">
+                  <p:tgtEl>
+                    <p:sldTgt/>
+                  </p:tgtEl>
+                </p:cond>
+              </p:nextCondLst>
+            </p:seq>
+          </p:childTnLst>
+        </p:cTn>
+      </p:par>
+    </p:tnLst>
+    <p:bldLst>
+      <p:bldP spid="4" grpId="0" build="p"/>
+      <p:bldP spid="18" grpId="0"/>
+      <p:bldP spid="19" grpId="0"/>
+    </p:bldLst>
+  </p:timing>
 </p:sld>
 </file>
 
@@ -22122,6 +23916,13 @@
   <p:clrMapOvr>
     <a:masterClrMapping/>
   </p:clrMapOvr>
+  <p:timing>
+    <p:tnLst>
+      <p:par>
+        <p:cTn id="1" dur="indefinite" restart="never" nodeType="tmRoot"/>
+      </p:par>
+    </p:tnLst>
+  </p:timing>
 </p:sld>
 </file>
 

--- a/modules/CIAO/docs/Connectors.pptx
+++ b/modules/CIAO/docs/Connectors.pptx
@@ -6,10 +6,10 @@
     <p:sldMasterId id="2147483725" r:id="rId2"/>
   </p:sldMasterIdLst>
   <p:notesMasterIdLst>
-    <p:notesMasterId r:id="rId52"/>
+    <p:notesMasterId r:id="rId53"/>
   </p:notesMasterIdLst>
   <p:handoutMasterIdLst>
-    <p:handoutMasterId r:id="rId53"/>
+    <p:handoutMasterId r:id="rId54"/>
   </p:handoutMasterIdLst>
   <p:sldIdLst>
     <p:sldId id="1087" r:id="rId3"/>
@@ -57,10 +57,11 @@
     <p:sldId id="1074" r:id="rId45"/>
     <p:sldId id="1075" r:id="rId46"/>
     <p:sldId id="1076" r:id="rId47"/>
-    <p:sldId id="1077" r:id="rId48"/>
-    <p:sldId id="1085" r:id="rId49"/>
-    <p:sldId id="1086" r:id="rId50"/>
-    <p:sldId id="1092" r:id="rId51"/>
+    <p:sldId id="1093" r:id="rId48"/>
+    <p:sldId id="1077" r:id="rId49"/>
+    <p:sldId id="1085" r:id="rId50"/>
+    <p:sldId id="1086" r:id="rId51"/>
+    <p:sldId id="1092" r:id="rId52"/>
   </p:sldIdLst>
   <p:sldSz cx="9144000" cy="6858000" type="screen4x3"/>
   <p:notesSz cx="6997700" cy="9283700"/>
@@ -13032,7 +13033,7 @@
           <p:nvPr/>
         </p:nvPicPr>
         <mc:AlternateContent xmlns:mc="http://schemas.openxmlformats.org/markup-compatibility/2006">
-          <mc:Choice xmlns:ma="http://schemas.microsoft.com/office/mac/drawingml/2008/main" xmlns:mv="urn:schemas-microsoft-com:mac:vml" xmlns="" Requires="ma">
+          <mc:Choice xmlns="" xmlns:mv="urn:schemas-microsoft-com:mac:vml" xmlns:ma="http://schemas.microsoft.com/office/mac/drawingml/2008/main" Requires="ma">
             <p:blipFill>
               <a:blip r:embed="rId2"/>
               <a:stretch>
@@ -13355,7 +13356,7 @@
           <p:nvPr/>
         </p:nvPicPr>
         <mc:AlternateContent xmlns:mc="http://schemas.openxmlformats.org/markup-compatibility/2006">
-          <mc:Choice xmlns:ma="http://schemas.microsoft.com/office/mac/drawingml/2008/main" xmlns:mv="urn:schemas-microsoft-com:mac:vml" xmlns="" Requires="ma">
+          <mc:Choice xmlns="" xmlns:mv="urn:schemas-microsoft-com:mac:vml" xmlns:ma="http://schemas.microsoft.com/office/mac/drawingml/2008/main" Requires="ma">
             <p:blipFill>
               <a:blip r:embed="rId2"/>
               <a:stretch>
@@ -14194,7 +14195,7 @@
           <p:nvPr/>
         </p:nvPicPr>
         <mc:AlternateContent xmlns:mc="http://schemas.openxmlformats.org/markup-compatibility/2006">
-          <mc:Choice xmlns:ma="http://schemas.microsoft.com/office/mac/drawingml/2008/main" xmlns:mv="urn:schemas-microsoft-com:mac:vml" xmlns="" Requires="ma">
+          <mc:Choice xmlns="" xmlns:mv="urn:schemas-microsoft-com:mac:vml" xmlns:ma="http://schemas.microsoft.com/office/mac/drawingml/2008/main" Requires="ma">
             <p:blipFill>
               <a:blip r:embed="rId2"/>
               <a:stretch>
@@ -14576,7 +14577,7 @@
           <p:nvPr/>
         </p:nvPicPr>
         <mc:AlternateContent xmlns:mc="http://schemas.openxmlformats.org/markup-compatibility/2006">
-          <mc:Choice xmlns:ma="http://schemas.microsoft.com/office/mac/drawingml/2008/main" xmlns:mv="urn:schemas-microsoft-com:mac:vml" xmlns="" Requires="ma">
+          <mc:Choice xmlns="" xmlns:mv="urn:schemas-microsoft-com:mac:vml" xmlns:ma="http://schemas.microsoft.com/office/mac/drawingml/2008/main" Requires="ma">
             <p:blipFill>
               <a:blip r:embed="rId2"/>
               <a:stretch>
@@ -14612,7 +14613,7 @@
           <p:nvPr/>
         </p:nvPicPr>
         <mc:AlternateContent xmlns:mc="http://schemas.openxmlformats.org/markup-compatibility/2006">
-          <mc:Choice xmlns:ma="http://schemas.microsoft.com/office/mac/drawingml/2008/main" xmlns:mv="urn:schemas-microsoft-com:mac:vml" xmlns="" Requires="ma">
+          <mc:Choice xmlns="" xmlns:mv="urn:schemas-microsoft-com:mac:vml" xmlns:ma="http://schemas.microsoft.com/office/mac/drawingml/2008/main" Requires="ma">
             <p:blipFill>
               <a:blip r:embed="rId4"/>
               <a:stretch>
@@ -15617,20 +15618,7 @@
                 <a:effectLst/>
                 <a:latin typeface="Arial" pitchFamily="-65" charset="0"/>
               </a:rPr>
-              <a:t>Exact ports are still </a:t>
-            </a:r>
-            <a:r>
-              <a:rPr kumimoji="0" lang="en-US" sz="2400" b="1" i="0" u="none" strike="noStrike" cap="none" normalizeH="0" baseline="0" dirty="0" smtClean="0">
-                <a:ln>
-                  <a:noFill/>
-                </a:ln>
-                <a:solidFill>
-                  <a:srgbClr val="FF0000"/>
-                </a:solidFill>
-                <a:effectLst/>
-                <a:latin typeface="Arial" pitchFamily="-65" charset="0"/>
-              </a:rPr>
-              <a:t>being finalized</a:t>
+              <a:t>Exact ports are still being finalized</a:t>
             </a:r>
             <a:r>
               <a:rPr kumimoji="0" lang="en-US" sz="2400" b="1" i="0" u="none" strike="noStrike" cap="none" normalizeH="0" dirty="0" smtClean="0">
@@ -20325,7 +20313,30 @@
                 <a:ea typeface="宋体" pitchFamily="-65" charset="-128"/>
                 <a:cs typeface="Times New Roman" charset="0"/>
               </a:rPr>
-              <a:t>Sender/Receiver components</a:t>
+              <a:t>$CIAO_ROOT/connectors/dds4ccm/examples/Hello</a:t>
+            </a:r>
+          </a:p>
+          <a:p>
+            <a:pPr marL="169863" indent="-169863">
+              <a:spcBef>
+                <a:spcPct val="40000"/>
+              </a:spcBef>
+              <a:buFontTx/>
+              <a:buChar char="•"/>
+            </a:pPr>
+            <a:r>
+              <a:rPr lang="en-US" altLang="zh-CN" sz="2000" i="0" dirty="0" smtClean="0">
+                <a:ea typeface="宋体" pitchFamily="-65" charset="-128"/>
+                <a:cs typeface="Times New Roman" charset="0"/>
+              </a:rPr>
+              <a:t>Sender/Receiver </a:t>
+            </a:r>
+            <a:r>
+              <a:rPr lang="en-US" altLang="zh-CN" sz="2000" i="0" dirty="0" smtClean="0">
+                <a:ea typeface="宋体" pitchFamily="-65" charset="-128"/>
+                <a:cs typeface="Times New Roman" charset="0"/>
+              </a:rPr>
+              <a:t>components</a:t>
             </a:r>
           </a:p>
           <a:p>
@@ -22845,17 +22856,196 @@
           <a:lstStyle/>
           <a:p>
             <a:r>
-              <a:rPr lang="nl-NL" sz="1100" i="0">
-                <a:latin typeface="Courier New" charset="0"/>
-                <a:ea typeface="Courier New" charset="0"/>
-                <a:cs typeface="Courier New" charset="0"/>
-              </a:rPr>
-              <a:t>component AMI</a:t>
-            </a:r>
-          </a:p>
-          <a:p>
-            <a:r>
-              <a:rPr lang="nl-NL" sz="1100" i="0">
+              <a:rPr lang="nl-NL" sz="1100" i="0" dirty="0" smtClean="0">
+                <a:latin typeface="Courier New" charset="0"/>
+                <a:ea typeface="Courier New" charset="0"/>
+                <a:cs typeface="Courier New" charset="0"/>
+              </a:rPr>
+              <a:t> class  MyFoo_callback_exec_i</a:t>
+            </a:r>
+          </a:p>
+          <a:p>
+            <a:r>
+              <a:rPr lang="nl-NL" sz="1100" i="0" dirty="0" smtClean="0">
+                <a:latin typeface="Courier New" charset="0"/>
+                <a:ea typeface="Courier New" charset="0"/>
+                <a:cs typeface="Courier New" charset="0"/>
+              </a:rPr>
+              <a:t>    : public virtual ::CCM_AMI::CCM_AMI_MyFoo_callback,</a:t>
+            </a:r>
+          </a:p>
+          <a:p>
+            <a:r>
+              <a:rPr lang="nl-NL" sz="1100" i="0" dirty="0" smtClean="0">
+                <a:latin typeface="Courier New" charset="0"/>
+                <a:ea typeface="Courier New" charset="0"/>
+                <a:cs typeface="Courier New" charset="0"/>
+              </a:rPr>
+              <a:t>      public virtual ::CORBA::LocalObject</a:t>
+            </a:r>
+          </a:p>
+          <a:p>
+            <a:r>
+              <a:rPr lang="nl-NL" sz="1100" i="0" dirty="0" smtClean="0">
+                <a:latin typeface="Courier New" charset="0"/>
+                <a:ea typeface="Courier New" charset="0"/>
+                <a:cs typeface="Courier New" charset="0"/>
+              </a:rPr>
+              <a:t>  {</a:t>
+            </a:r>
+          </a:p>
+          <a:p>
+            <a:r>
+              <a:rPr lang="nl-NL" sz="1100" i="0" dirty="0" smtClean="0">
+                <a:latin typeface="Courier New" charset="0"/>
+                <a:ea typeface="Courier New" charset="0"/>
+                <a:cs typeface="Courier New" charset="0"/>
+              </a:rPr>
+              <a:t>  public:</a:t>
+            </a:r>
+          </a:p>
+          <a:p>
+            <a:r>
+              <a:rPr lang="nl-NL" sz="1100" i="0" dirty="0" smtClean="0">
+                <a:latin typeface="Courier New" charset="0"/>
+                <a:ea typeface="Courier New" charset="0"/>
+                <a:cs typeface="Courier New" charset="0"/>
+              </a:rPr>
+              <a:t>    MyFoo_callback_exec_i (void);</a:t>
+            </a:r>
+          </a:p>
+          <a:p>
+            <a:r>
+              <a:rPr lang="nl-NL" sz="1100" i="0" dirty="0" smtClean="0">
+                <a:latin typeface="Courier New" charset="0"/>
+                <a:ea typeface="Courier New" charset="0"/>
+                <a:cs typeface="Courier New" charset="0"/>
+              </a:rPr>
+              <a:t>    virtual ~MyFoo_callback_exec_i (void);</a:t>
+            </a:r>
+          </a:p>
+          <a:p>
+            <a:r>
+              <a:rPr lang="nl-NL" sz="1100" i="0" dirty="0" smtClean="0">
+                <a:latin typeface="Courier New" charset="0"/>
+                <a:ea typeface="Courier New" charset="0"/>
+                <a:cs typeface="Courier New" charset="0"/>
+              </a:rPr>
+              <a:t>    </a:t>
+            </a:r>
+          </a:p>
+          <a:p>
+            <a:r>
+              <a:rPr lang="nl-NL" sz="1100" i="0" dirty="0" smtClean="0">
+                <a:latin typeface="Courier New" charset="0"/>
+                <a:ea typeface="Courier New" charset="0"/>
+                <a:cs typeface="Courier New" charset="0"/>
+              </a:rPr>
+              <a:t>    </a:t>
+            </a:r>
+            <a:r>
+              <a:rPr lang="nl-NL" sz="1100" i="0" dirty="0" smtClean="0">
+                <a:latin typeface="Courier New" charset="0"/>
+                <a:ea typeface="Courier New" charset="0"/>
+                <a:cs typeface="Courier New" charset="0"/>
+              </a:rPr>
+              <a:t>virtual void</a:t>
+            </a:r>
+          </a:p>
+          <a:p>
+            <a:r>
+              <a:rPr lang="nl-NL" sz="1100" i="0" dirty="0" smtClean="0">
+                <a:latin typeface="Courier New" charset="0"/>
+                <a:ea typeface="Courier New" charset="0"/>
+                <a:cs typeface="Courier New" charset="0"/>
+              </a:rPr>
+              <a:t>    foo_callback_handler (</a:t>
+            </a:r>
+          </a:p>
+          <a:p>
+            <a:r>
+              <a:rPr lang="nl-NL" sz="1100" i="0" dirty="0" smtClean="0">
+                <a:latin typeface="Courier New" charset="0"/>
+                <a:ea typeface="Courier New" charset="0"/>
+                <a:cs typeface="Courier New" charset="0"/>
+              </a:rPr>
+              <a:t>      ::CORBA::Long result,</a:t>
+            </a:r>
+          </a:p>
+          <a:p>
+            <a:r>
+              <a:rPr lang="nl-NL" sz="1100" i="0" dirty="0" smtClean="0">
+                <a:latin typeface="Courier New" charset="0"/>
+                <a:ea typeface="Courier New" charset="0"/>
+                <a:cs typeface="Courier New" charset="0"/>
+              </a:rPr>
+              <a:t>      const char * answer);</a:t>
+            </a:r>
+          </a:p>
+          <a:p>
+            <a:r>
+              <a:rPr lang="nl-NL" sz="1100" i="0" dirty="0" smtClean="0">
+                <a:latin typeface="Courier New" charset="0"/>
+                <a:ea typeface="Courier New" charset="0"/>
+                <a:cs typeface="Courier New" charset="0"/>
+              </a:rPr>
+              <a:t>    </a:t>
+            </a:r>
+            <a:endParaRPr lang="nl-NL" sz="1100" i="0" dirty="0" smtClean="0">
+              <a:latin typeface="Courier New" charset="0"/>
+              <a:ea typeface="Courier New" charset="0"/>
+              <a:cs typeface="Courier New" charset="0"/>
+            </a:endParaRPr>
+          </a:p>
+          <a:p>
+            <a:r>
+              <a:rPr lang="nl-NL" sz="1100" i="0" dirty="0" smtClean="0">
+                <a:latin typeface="Courier New" charset="0"/>
+                <a:ea typeface="Courier New" charset="0"/>
+                <a:cs typeface="Courier New" charset="0"/>
+              </a:rPr>
+              <a:t>    virtual void</a:t>
+            </a:r>
+          </a:p>
+          <a:p>
+            <a:r>
+              <a:rPr lang="nl-NL" sz="1100" i="0" dirty="0" smtClean="0">
+                <a:latin typeface="Courier New" charset="0"/>
+                <a:ea typeface="Courier New" charset="0"/>
+                <a:cs typeface="Courier New" charset="0"/>
+              </a:rPr>
+              <a:t>    foo_callback_excep (</a:t>
+            </a:r>
+          </a:p>
+          <a:p>
+            <a:r>
+              <a:rPr lang="nl-NL" sz="1100" i="0" dirty="0" smtClean="0">
+                <a:latin typeface="Courier New" charset="0"/>
+                <a:ea typeface="Courier New" charset="0"/>
+                <a:cs typeface="Courier New" charset="0"/>
+              </a:rPr>
+              <a:t>      const ::CCM_AMI::InternalException &amp; exception_holder);</a:t>
+            </a:r>
+          </a:p>
+          <a:p>
+            <a:r>
+              <a:rPr lang="nl-NL" sz="1100" i="0" dirty="0" smtClean="0">
+                <a:latin typeface="Courier New" charset="0"/>
+                <a:ea typeface="Courier New" charset="0"/>
+                <a:cs typeface="Courier New" charset="0"/>
+              </a:rPr>
+              <a:t>  </a:t>
+            </a:r>
+            <a:r>
+              <a:rPr lang="nl-NL" sz="1100" i="0" dirty="0" smtClean="0">
+                <a:latin typeface="Courier New" charset="0"/>
+                <a:ea typeface="Courier New" charset="0"/>
+                <a:cs typeface="Courier New" charset="0"/>
+              </a:rPr>
+              <a:t>};</a:t>
+            </a:r>
+            <a:r>
+              <a:rPr lang="nl-NL" sz="1100" i="0" dirty="0">
                 <a:latin typeface="Courier New" charset="0"/>
                 <a:ea typeface="Courier New" charset="0"/>
                 <a:cs typeface="Courier New" charset="0"/>
@@ -22863,13 +23053,13 @@
               <a:t/>
             </a:r>
             <a:br>
-              <a:rPr lang="nl-NL" sz="1100" i="0">
+              <a:rPr lang="nl-NL" sz="1100" i="0" dirty="0">
                 <a:latin typeface="Courier New" charset="0"/>
                 <a:ea typeface="Courier New" charset="0"/>
                 <a:cs typeface="Courier New" charset="0"/>
               </a:rPr>
             </a:br>
-            <a:endParaRPr lang="nl-NL" sz="1100" i="0">
+            <a:endParaRPr lang="nl-NL" sz="1100" i="0" dirty="0">
               <a:latin typeface="Courier New" charset="0"/>
               <a:ea typeface="Courier New" charset="0"/>
               <a:cs typeface="Courier New" charset="0"/>
@@ -22911,7 +23101,7 @@
       </p:grpSpPr>
       <p:sp>
         <p:nvSpPr>
-          <p:cNvPr id="294914" name="Rectangle 2"/>
+          <p:cNvPr id="293890" name="Rectangle 2"/>
           <p:cNvSpPr>
             <a:spLocks noChangeArrowheads="1"/>
           </p:cNvSpPr>
@@ -22954,14 +23144,14 @@
                 <a:ea typeface="宋体" pitchFamily="-65" charset="-128"/>
                 <a:cs typeface="宋体" pitchFamily="-65" charset="-128"/>
               </a:rPr>
-              <a:t>Invoking the asynchronous callback</a:t>
+              <a:t>Implement the callback handler</a:t>
             </a:r>
           </a:p>
         </p:txBody>
       </p:sp>
       <p:sp>
         <p:nvSpPr>
-          <p:cNvPr id="294915" name="Rectangle 3"/>
+          <p:cNvPr id="293891" name="Rectangle 3"/>
           <p:cNvSpPr>
             <a:spLocks noChangeArrowheads="1"/>
           </p:cNvSpPr>
@@ -23007,7 +23197,7 @@
       </p:sp>
       <p:sp>
         <p:nvSpPr>
-          <p:cNvPr id="294916" name="Rectangle 4"/>
+          <p:cNvPr id="293892" name="Rectangle 4"/>
           <p:cNvSpPr>
             <a:spLocks noChangeArrowheads="1"/>
           </p:cNvSpPr>
@@ -23038,17 +23228,154 @@
           <a:lstStyle/>
           <a:p>
             <a:r>
-              <a:rPr lang="nl-NL" sz="1100" i="0">
-                <a:latin typeface="Courier New" charset="0"/>
-                <a:ea typeface="Courier New" charset="0"/>
-                <a:cs typeface="Courier New" charset="0"/>
-              </a:rPr>
-              <a:t>component AMI</a:t>
-            </a:r>
-          </a:p>
-          <a:p>
-            <a:r>
-              <a:rPr lang="nl-NL" sz="1100" i="0">
+              <a:rPr lang="nl-NL" sz="1100" i="0" dirty="0" smtClean="0">
+                <a:latin typeface="Courier New" charset="0"/>
+                <a:ea typeface="Courier New" charset="0"/>
+                <a:cs typeface="Courier New" charset="0"/>
+              </a:rPr>
+              <a:t>Void</a:t>
+            </a:r>
+          </a:p>
+          <a:p>
+            <a:r>
+              <a:rPr lang="nl-NL" sz="1100" i="0" dirty="0" smtClean="0">
+                <a:latin typeface="Courier New" charset="0"/>
+                <a:ea typeface="Courier New" charset="0"/>
+                <a:cs typeface="Courier New" charset="0"/>
+              </a:rPr>
+              <a:t>MyFoo_callback_exec_i::foo_callback_handler (</a:t>
+            </a:r>
+          </a:p>
+          <a:p>
+            <a:r>
+              <a:rPr lang="nl-NL" sz="1100" i="0" dirty="0" smtClean="0">
+                <a:latin typeface="Courier New" charset="0"/>
+                <a:ea typeface="Courier New" charset="0"/>
+                <a:cs typeface="Courier New" charset="0"/>
+              </a:rPr>
+              <a:t>    ::CORBA::Long result,</a:t>
+            </a:r>
+          </a:p>
+          <a:p>
+            <a:r>
+              <a:rPr lang="nl-NL" sz="1100" i="0" dirty="0" smtClean="0">
+                <a:latin typeface="Courier New" charset="0"/>
+                <a:ea typeface="Courier New" charset="0"/>
+                <a:cs typeface="Courier New" charset="0"/>
+              </a:rPr>
+              <a:t>    const char * answer)</a:t>
+            </a:r>
+          </a:p>
+          <a:p>
+            <a:r>
+              <a:rPr lang="nl-NL" sz="1100" i="0" dirty="0" smtClean="0">
+                <a:latin typeface="Courier New" charset="0"/>
+                <a:ea typeface="Courier New" charset="0"/>
+                <a:cs typeface="Courier New" charset="0"/>
+              </a:rPr>
+              <a:t>  {</a:t>
+            </a:r>
+          </a:p>
+          <a:p>
+            <a:r>
+              <a:rPr lang="nl-NL" sz="1100" i="0" dirty="0" smtClean="0">
+                <a:latin typeface="Courier New" charset="0"/>
+                <a:ea typeface="Courier New" charset="0"/>
+                <a:cs typeface="Courier New" charset="0"/>
+              </a:rPr>
+              <a:t>    printf ("Sender (FOO) :\tCallback from AMI : result &lt;%d&gt; answer &lt;%s&gt;\n", result, answer);</a:t>
+            </a:r>
+          </a:p>
+          <a:p>
+            <a:r>
+              <a:rPr lang="nl-NL" sz="1100" i="0" dirty="0" smtClean="0">
+                <a:latin typeface="Courier New" charset="0"/>
+                <a:ea typeface="Courier New" charset="0"/>
+                <a:cs typeface="Courier New" charset="0"/>
+              </a:rPr>
+              <a:t>  }</a:t>
+            </a:r>
+          </a:p>
+          <a:p>
+            <a:endParaRPr lang="nl-NL" sz="1100" i="0" dirty="0" smtClean="0">
+              <a:latin typeface="Courier New" charset="0"/>
+              <a:ea typeface="Courier New" charset="0"/>
+              <a:cs typeface="Courier New" charset="0"/>
+            </a:endParaRPr>
+          </a:p>
+          <a:p>
+            <a:r>
+              <a:rPr lang="nl-NL" sz="1100" i="0" dirty="0" smtClean="0">
+                <a:latin typeface="Courier New" charset="0"/>
+                <a:ea typeface="Courier New" charset="0"/>
+                <a:cs typeface="Courier New" charset="0"/>
+              </a:rPr>
+              <a:t>  void</a:t>
+            </a:r>
+          </a:p>
+          <a:p>
+            <a:r>
+              <a:rPr lang="nl-NL" sz="1100" i="0" dirty="0" smtClean="0">
+                <a:latin typeface="Courier New" charset="0"/>
+                <a:ea typeface="Courier New" charset="0"/>
+                <a:cs typeface="Courier New" charset="0"/>
+              </a:rPr>
+              <a:t>  MyFoo_callback_exec_i::foo_callback_excep (</a:t>
+            </a:r>
+          </a:p>
+          <a:p>
+            <a:r>
+              <a:rPr lang="nl-NL" sz="1100" i="0" dirty="0" smtClean="0">
+                <a:latin typeface="Courier New" charset="0"/>
+                <a:ea typeface="Courier New" charset="0"/>
+                <a:cs typeface="Courier New" charset="0"/>
+              </a:rPr>
+              <a:t>      const ::CCM_AMI::InternalException &amp; exception_holder)</a:t>
+            </a:r>
+          </a:p>
+          <a:p>
+            <a:r>
+              <a:rPr lang="nl-NL" sz="1100" i="0" dirty="0" smtClean="0">
+                <a:latin typeface="Courier New" charset="0"/>
+                <a:ea typeface="Courier New" charset="0"/>
+                <a:cs typeface="Courier New" charset="0"/>
+              </a:rPr>
+              <a:t>  {</a:t>
+            </a:r>
+          </a:p>
+          <a:p>
+            <a:r>
+              <a:rPr lang="nl-NL" sz="1100" i="0" dirty="0" smtClean="0">
+                <a:latin typeface="Courier New" charset="0"/>
+                <a:ea typeface="Courier New" charset="0"/>
+                <a:cs typeface="Courier New" charset="0"/>
+              </a:rPr>
+              <a:t>    printf ("Sender (FOO) :\tCallback except from AMI : excepti id : &lt;%d&gt; except string : &lt;%s&gt;\n",</a:t>
+            </a:r>
+          </a:p>
+          <a:p>
+            <a:r>
+              <a:rPr lang="nl-NL" sz="1100" i="0" dirty="0" smtClean="0">
+                <a:latin typeface="Courier New" charset="0"/>
+                <a:ea typeface="Courier New" charset="0"/>
+                <a:cs typeface="Courier New" charset="0"/>
+              </a:rPr>
+              <a:t>      exception_holder.id, exception_holder.error_string.in ());</a:t>
+            </a:r>
+          </a:p>
+          <a:p>
+            <a:r>
+              <a:rPr lang="nl-NL" sz="1100" i="0" dirty="0" smtClean="0">
+                <a:latin typeface="Courier New" charset="0"/>
+                <a:ea typeface="Courier New" charset="0"/>
+                <a:cs typeface="Courier New" charset="0"/>
+              </a:rPr>
+              <a:t>  }</a:t>
+            </a:r>
+          </a:p>
+          <a:p>
+            <a:r>
+              <a:rPr lang="nl-NL" sz="1100" i="0" dirty="0" smtClean="0">
                 <a:latin typeface="Courier New" charset="0"/>
                 <a:ea typeface="Courier New" charset="0"/>
                 <a:cs typeface="Courier New" charset="0"/>
@@ -23056,13 +23383,13 @@
               <a:t/>
             </a:r>
             <a:br>
-              <a:rPr lang="nl-NL" sz="1100" i="0">
+              <a:rPr lang="nl-NL" sz="1100" i="0" dirty="0" smtClean="0">
                 <a:latin typeface="Courier New" charset="0"/>
                 <a:ea typeface="Courier New" charset="0"/>
                 <a:cs typeface="Courier New" charset="0"/>
               </a:rPr>
             </a:br>
-            <a:endParaRPr lang="nl-NL" sz="1100" i="0">
+            <a:endParaRPr lang="nl-NL" sz="1100" i="0" dirty="0">
               <a:latin typeface="Courier New" charset="0"/>
               <a:ea typeface="Courier New" charset="0"/>
               <a:cs typeface="Courier New" charset="0"/>
@@ -23140,22 +23467,15 @@
               </a:spcBef>
             </a:pPr>
             <a:r>
-              <a:rPr lang="en-US" altLang="zh-CN" sz="3200" i="0" dirty="0" smtClean="0">
+              <a:rPr lang="en-US" altLang="zh-CN" sz="3200" i="0">
                 <a:solidFill>
                   <a:srgbClr val="FF0000"/>
                 </a:solidFill>
                 <a:ea typeface="宋体" pitchFamily="-65" charset="-128"/>
                 <a:cs typeface="宋体" pitchFamily="-65" charset="-128"/>
               </a:rPr>
-              <a:t>Prototype</a:t>
-            </a:r>
-            <a:endParaRPr lang="en-US" altLang="zh-CN" sz="3200" i="0" dirty="0">
-              <a:solidFill>
-                <a:srgbClr val="FF0000"/>
-              </a:solidFill>
-              <a:ea typeface="宋体" pitchFamily="-65" charset="-128"/>
-              <a:cs typeface="宋体" pitchFamily="-65" charset="-128"/>
-            </a:endParaRPr>
+              <a:t>Invoking the asynchronous callback</a:t>
+            </a:r>
           </a:p>
         </p:txBody>
       </p:sp>
@@ -23238,30 +23558,126 @@
           <a:lstStyle/>
           <a:p>
             <a:r>
-              <a:rPr lang="nl-NL" sz="1100" i="0" dirty="0">
-                <a:latin typeface="Courier New" charset="0"/>
-                <a:ea typeface="Courier New" charset="0"/>
-                <a:cs typeface="Courier New" charset="0"/>
-              </a:rPr>
-              <a:t>component AMI</a:t>
-            </a:r>
-          </a:p>
-          <a:p>
-            <a:r>
-              <a:rPr lang="nl-NL" sz="1100" i="0" dirty="0">
-                <a:latin typeface="Courier New" charset="0"/>
-                <a:ea typeface="Courier New" charset="0"/>
-                <a:cs typeface="Courier New" charset="0"/>
-              </a:rPr>
-              <a:t/>
-            </a:r>
-            <a:br>
-              <a:rPr lang="nl-NL" sz="1100" i="0" dirty="0">
-                <a:latin typeface="Courier New" charset="0"/>
-                <a:ea typeface="Courier New" charset="0"/>
-                <a:cs typeface="Courier New" charset="0"/>
-              </a:rPr>
-            </a:br>
+              <a:rPr lang="en-US" sz="1100" i="0" dirty="0" smtClean="0">
+                <a:latin typeface="Courier New" charset="0"/>
+                <a:ea typeface="Courier New" charset="0"/>
+                <a:cs typeface="Courier New" charset="0"/>
+              </a:rPr>
+              <a:t> ::CCM_AMI::</a:t>
+            </a:r>
+            <a:r>
+              <a:rPr lang="en-US" sz="1100" i="0" dirty="0" err="1" smtClean="0">
+                <a:latin typeface="Courier New" charset="0"/>
+                <a:ea typeface="Courier New" charset="0"/>
+                <a:cs typeface="Courier New" charset="0"/>
+              </a:rPr>
+              <a:t>AMI_MyFoo_var</a:t>
+            </a:r>
+            <a:r>
+              <a:rPr lang="en-US" sz="1100" i="0" dirty="0" smtClean="0">
+                <a:latin typeface="Courier New" charset="0"/>
+                <a:ea typeface="Courier New" charset="0"/>
+                <a:cs typeface="Courier New" charset="0"/>
+              </a:rPr>
+              <a:t> </a:t>
+            </a:r>
+            <a:r>
+              <a:rPr lang="en-US" sz="1100" i="0" dirty="0" err="1" smtClean="0">
+                <a:latin typeface="Courier New" charset="0"/>
+                <a:ea typeface="Courier New" charset="0"/>
+                <a:cs typeface="Courier New" charset="0"/>
+              </a:rPr>
+              <a:t>my_foo_ami</a:t>
+            </a:r>
+            <a:r>
+              <a:rPr lang="en-US" sz="1100" i="0" dirty="0" smtClean="0">
+                <a:latin typeface="Courier New" charset="0"/>
+                <a:ea typeface="Courier New" charset="0"/>
+                <a:cs typeface="Courier New" charset="0"/>
+              </a:rPr>
+              <a:t> </a:t>
+            </a:r>
+            <a:r>
+              <a:rPr lang="en-US" sz="1100" i="0" dirty="0" smtClean="0">
+                <a:latin typeface="Courier New" charset="0"/>
+                <a:ea typeface="Courier New" charset="0"/>
+                <a:cs typeface="Courier New" charset="0"/>
+              </a:rPr>
+              <a:t>=</a:t>
+            </a:r>
+            <a:endParaRPr lang="en-US" sz="1100" i="0" dirty="0" smtClean="0">
+              <a:latin typeface="Courier New" charset="0"/>
+              <a:ea typeface="Courier New" charset="0"/>
+              <a:cs typeface="Courier New" charset="0"/>
+            </a:endParaRPr>
+          </a:p>
+          <a:p>
+            <a:r>
+              <a:rPr lang="en-US" sz="1100" i="0" dirty="0" smtClean="0">
+                <a:latin typeface="Courier New" charset="0"/>
+                <a:ea typeface="Courier New" charset="0"/>
+                <a:cs typeface="Courier New" charset="0"/>
+              </a:rPr>
+              <a:t>      this-&gt;context_-&gt;</a:t>
+            </a:r>
+            <a:r>
+              <a:rPr lang="en-US" sz="1100" i="0" dirty="0" err="1" smtClean="0">
+                <a:latin typeface="Courier New" charset="0"/>
+                <a:ea typeface="Courier New" charset="0"/>
+                <a:cs typeface="Courier New" charset="0"/>
+              </a:rPr>
+              <a:t>get_connection_run_asynch_my_foo</a:t>
+            </a:r>
+            <a:r>
+              <a:rPr lang="en-US" sz="1100" i="0" dirty="0" smtClean="0">
+                <a:latin typeface="Courier New" charset="0"/>
+                <a:ea typeface="Courier New" charset="0"/>
+                <a:cs typeface="Courier New" charset="0"/>
+              </a:rPr>
+              <a:t>();</a:t>
+            </a:r>
+          </a:p>
+          <a:p>
+            <a:r>
+              <a:rPr lang="en-US" sz="1100" i="0" dirty="0" smtClean="0">
+                <a:latin typeface="Courier New" charset="0"/>
+                <a:ea typeface="Courier New" charset="0"/>
+                <a:cs typeface="Courier New" charset="0"/>
+              </a:rPr>
+              <a:t> </a:t>
+            </a:r>
+            <a:r>
+              <a:rPr lang="en-US" sz="1100" i="0" dirty="0" err="1" smtClean="0">
+                <a:latin typeface="Courier New" charset="0"/>
+                <a:ea typeface="Courier New" charset="0"/>
+                <a:cs typeface="Courier New" charset="0"/>
+              </a:rPr>
+              <a:t>my_foo_ami</a:t>
+            </a:r>
+            <a:r>
+              <a:rPr lang="en-US" sz="1100" i="0" dirty="0" smtClean="0">
+                <a:latin typeface="Courier New" charset="0"/>
+                <a:ea typeface="Courier New" charset="0"/>
+                <a:cs typeface="Courier New" charset="0"/>
+              </a:rPr>
+              <a:t>_-&gt;</a:t>
+            </a:r>
+            <a:r>
+              <a:rPr lang="en-US" sz="1100" i="0" dirty="0" err="1" smtClean="0">
+                <a:latin typeface="Courier New" charset="0"/>
+                <a:ea typeface="Courier New" charset="0"/>
+                <a:cs typeface="Courier New" charset="0"/>
+              </a:rPr>
+              <a:t>sendc_foo</a:t>
+            </a:r>
+            <a:r>
+              <a:rPr lang="en-US" sz="1100" i="0" dirty="0" smtClean="0">
+                <a:latin typeface="Courier New" charset="0"/>
+                <a:ea typeface="Courier New" charset="0"/>
+                <a:cs typeface="Courier New" charset="0"/>
+              </a:rPr>
+              <a:t> ("Do something asynchronous");</a:t>
+            </a:r>
             <a:endParaRPr lang="nl-NL" sz="1100" i="0" dirty="0">
               <a:latin typeface="Courier New" charset="0"/>
               <a:ea typeface="Courier New" charset="0"/>
@@ -23347,7 +23763,7 @@
                 <a:ea typeface="宋体" pitchFamily="-65" charset="-128"/>
                 <a:cs typeface="宋体" pitchFamily="-65" charset="-128"/>
               </a:rPr>
-              <a:t>OMG Process</a:t>
+              <a:t>Prototype</a:t>
             </a:r>
             <a:endParaRPr lang="en-US" altLang="zh-CN" sz="3200" i="0" dirty="0">
               <a:solidFill>
@@ -23442,13 +23858,18 @@
               <a:buChar char="•"/>
             </a:pPr>
             <a:r>
-              <a:rPr lang="nl-NL" sz="2000" i="0" dirty="0" smtClean="0">
+              <a:rPr lang="en-US" altLang="zh-CN" sz="2000" i="0" dirty="0" smtClean="0">
                 <a:latin typeface="+mn-lt"/>
-                <a:ea typeface="Courier New" charset="0"/>
-                <a:cs typeface="Courier New" charset="0"/>
-              </a:rPr>
-              <a:t>AMI4CCM port part anymore of DDS4CCM</a:t>
-            </a:r>
+                <a:ea typeface="宋体" pitchFamily="-65" charset="-128"/>
+                <a:cs typeface="Times New Roman" charset="0"/>
+              </a:rPr>
+              <a:t>$CIAO_ROOT/connectors/ami4ccm/examples/Hello</a:t>
+            </a:r>
+            <a:endParaRPr lang="en-US" altLang="zh-CN" sz="2000" i="0" dirty="0" smtClean="0">
+              <a:latin typeface="+mn-lt"/>
+              <a:ea typeface="宋体" pitchFamily="-65" charset="-128"/>
+              <a:cs typeface="Times New Roman" charset="0"/>
+            </a:endParaRPr>
           </a:p>
           <a:p>
             <a:pPr>
@@ -23461,63 +23882,7 @@
                 <a:ea typeface="Courier New" charset="0"/>
                 <a:cs typeface="Courier New" charset="0"/>
               </a:rPr>
-              <a:t>Standardization will take</a:t>
-            </a:r>
-          </a:p>
-          <a:p>
-            <a:pPr lvl="1">
-              <a:buFont typeface="Arial" pitchFamily="34" charset="0"/>
-              <a:buChar char="•"/>
-            </a:pPr>
-            <a:r>
-              <a:rPr lang="nl-NL" sz="2000" i="0" dirty="0" smtClean="0">
-                <a:latin typeface="+mn-lt"/>
-                <a:ea typeface="Courier New" charset="0"/>
-                <a:cs typeface="Courier New" charset="0"/>
-              </a:rPr>
-              <a:t>Request for Proposal (RFP)</a:t>
-            </a:r>
-          </a:p>
-          <a:p>
-            <a:pPr lvl="1">
-              <a:buFont typeface="Arial" pitchFamily="34" charset="0"/>
-              <a:buChar char="•"/>
-            </a:pPr>
-            <a:r>
-              <a:rPr lang="nl-NL" sz="2000" i="0" dirty="0" smtClean="0">
-                <a:latin typeface="+mn-lt"/>
-                <a:ea typeface="Courier New" charset="0"/>
-                <a:cs typeface="Courier New" charset="0"/>
-              </a:rPr>
-              <a:t>Respond to the proposal</a:t>
-            </a:r>
-          </a:p>
-          <a:p>
-            <a:pPr lvl="1">
-              <a:buFont typeface="Arial" pitchFamily="34" charset="0"/>
-              <a:buChar char="•"/>
-            </a:pPr>
-            <a:r>
-              <a:rPr lang="nl-NL" sz="2000" i="0" dirty="0" smtClean="0">
-                <a:latin typeface="+mn-lt"/>
-                <a:ea typeface="Courier New" charset="0"/>
-                <a:cs typeface="Courier New" charset="0"/>
-              </a:rPr>
-              <a:t>Agree on a beta 1 specification</a:t>
-            </a:r>
-          </a:p>
-          <a:p>
-            <a:pPr lvl="1">
-              <a:buFont typeface="Arial" pitchFamily="34" charset="0"/>
-              <a:buChar char="•"/>
-            </a:pPr>
-            <a:r>
-              <a:rPr lang="nl-NL" sz="2000" i="0" dirty="0" smtClean="0">
-                <a:latin typeface="+mn-lt"/>
-                <a:ea typeface="Courier New" charset="0"/>
-                <a:cs typeface="Courier New" charset="0"/>
-              </a:rPr>
-              <a:t>Finalization Task Force (FTF)</a:t>
+              <a:t>Sender component</a:t>
             </a:r>
           </a:p>
           <a:p>
@@ -23531,64 +23896,22 @@
                 <a:ea typeface="Courier New" charset="0"/>
                 <a:cs typeface="Courier New" charset="0"/>
               </a:rPr>
-              <a:t>Time commitment</a:t>
-            </a:r>
-          </a:p>
-          <a:p>
-            <a:pPr lvl="1">
-              <a:buFont typeface="Arial" pitchFamily="34" charset="0"/>
-              <a:buChar char="•"/>
-            </a:pPr>
-            <a:r>
-              <a:rPr lang="nl-NL" sz="2000" i="0" dirty="0" smtClean="0">
-                <a:latin typeface="+mn-lt"/>
-                <a:ea typeface="Courier New" charset="0"/>
-                <a:cs typeface="Courier New" charset="0"/>
-              </a:rPr>
-              <a:t>4 visits to a OMG meeting, each one week</a:t>
-            </a:r>
-          </a:p>
-          <a:p>
-            <a:pPr lvl="1">
-              <a:buFont typeface="Arial" pitchFamily="34" charset="0"/>
-              <a:buChar char="•"/>
-            </a:pPr>
-            <a:r>
-              <a:rPr lang="nl-NL" sz="2000" i="0" dirty="0" smtClean="0">
-                <a:latin typeface="+mn-lt"/>
-                <a:ea typeface="Courier New" charset="0"/>
-                <a:cs typeface="Courier New" charset="0"/>
-              </a:rPr>
-              <a:t>Around 1 to 2 weeks of preparation for each meeting</a:t>
-            </a:r>
-          </a:p>
-          <a:p>
-            <a:pPr lvl="1">
-              <a:buFont typeface="Arial" pitchFamily="34" charset="0"/>
-              <a:buChar char="•"/>
-            </a:pPr>
-            <a:endParaRPr lang="nl-NL" sz="2000" i="0" dirty="0" smtClean="0">
-              <a:latin typeface="+mn-lt"/>
-              <a:ea typeface="Courier New" charset="0"/>
-              <a:cs typeface="Courier New" charset="0"/>
-            </a:endParaRPr>
-          </a:p>
-          <a:p>
-            <a:pPr lvl="1">
-              <a:buFont typeface="Arial" pitchFamily="34" charset="0"/>
-              <a:buChar char="•"/>
-            </a:pPr>
-            <a:endParaRPr lang="nl-NL" sz="2000" i="0" dirty="0" smtClean="0">
-              <a:latin typeface="+mn-lt"/>
-              <a:ea typeface="Courier New" charset="0"/>
-              <a:cs typeface="Courier New" charset="0"/>
-            </a:endParaRPr>
+              <a:t>Receiver component</a:t>
+            </a:r>
           </a:p>
           <a:p>
             <a:pPr>
               <a:buFont typeface="Arial" pitchFamily="34" charset="0"/>
               <a:buChar char="•"/>
             </a:pPr>
+            <a:r>
+              <a:rPr lang="nl-NL" sz="2000" i="0" dirty="0" smtClean="0">
+                <a:latin typeface="+mn-lt"/>
+                <a:ea typeface="Courier New" charset="0"/>
+                <a:cs typeface="Courier New" charset="0"/>
+              </a:rPr>
+              <a:t>AMI connector </a:t>
+            </a:r>
             <a:endParaRPr lang="nl-NL" sz="2000" i="0" dirty="0">
               <a:latin typeface="+mn-lt"/>
               <a:ea typeface="Courier New" charset="0"/>
@@ -23596,6 +23919,18 @@
             </a:endParaRPr>
           </a:p>
           <a:p>
+            <a:pPr>
+              <a:buFont typeface="Arial" pitchFamily="34" charset="0"/>
+              <a:buChar char="•"/>
+            </a:pPr>
+            <a:r>
+              <a:rPr lang="nl-NL" sz="2000" i="0" dirty="0" smtClean="0">
+                <a:latin typeface="+mn-lt"/>
+                <a:ea typeface="Courier New" charset="0"/>
+                <a:cs typeface="Courier New" charset="0"/>
+              </a:rPr>
+              <a:t>Deployment plan for these 3 components</a:t>
+            </a:r>
             <a:r>
               <a:rPr lang="nl-NL" sz="2000" i="0" dirty="0">
                 <a:latin typeface="+mn-lt"/>
@@ -23696,7 +24031,17 @@
                 <a:ea typeface="宋体" pitchFamily="-65" charset="-128"/>
                 <a:cs typeface="宋体" pitchFamily="-65" charset="-128"/>
               </a:rPr>
-              <a:t>Modeling</a:t>
+              <a:t>Possible OMG </a:t>
+            </a:r>
+            <a:r>
+              <a:rPr lang="en-US" altLang="zh-CN" sz="3200" i="0" dirty="0" smtClean="0">
+                <a:solidFill>
+                  <a:srgbClr val="FF0000"/>
+                </a:solidFill>
+                <a:ea typeface="宋体" pitchFamily="-65" charset="-128"/>
+                <a:cs typeface="宋体" pitchFamily="-65" charset="-128"/>
+              </a:rPr>
+              <a:t>Process</a:t>
             </a:r>
             <a:endParaRPr lang="en-US" altLang="zh-CN" sz="3200" i="0" dirty="0">
               <a:solidFill>
@@ -23796,7 +24141,7 @@
                 <a:ea typeface="Courier New" charset="0"/>
                 <a:cs typeface="Courier New" charset="0"/>
               </a:rPr>
-              <a:t>Working modeling environment must be avaible for making larger tests</a:t>
+              <a:t>AMI4CCM port part anymore of DDS4CCM</a:t>
             </a:r>
           </a:p>
           <a:p>
@@ -23805,22 +24150,162 @@
               <a:buChar char="•"/>
             </a:pPr>
             <a:r>
-              <a:rPr lang="en-US" sz="2000" i="0" dirty="0" smtClean="0">
+              <a:rPr lang="nl-NL" sz="2000" i="0" dirty="0" smtClean="0">
                 <a:latin typeface="+mn-lt"/>
                 <a:ea typeface="Courier New" charset="0"/>
                 <a:cs typeface="Courier New" charset="0"/>
               </a:rPr>
-              <a:t>Runtime and modeling efforts should </a:t>
-            </a:r>
-            <a:r>
-              <a:rPr lang="en-US" sz="2000" i="0" smtClean="0">
+              <a:t>Standardization will take</a:t>
+            </a:r>
+          </a:p>
+          <a:p>
+            <a:pPr lvl="1">
+              <a:buFont typeface="Arial" pitchFamily="34" charset="0"/>
+              <a:buChar char="•"/>
+            </a:pPr>
+            <a:r>
+              <a:rPr lang="nl-NL" sz="2000" i="0" dirty="0" smtClean="0">
                 <a:latin typeface="+mn-lt"/>
                 <a:ea typeface="Courier New" charset="0"/>
                 <a:cs typeface="Courier New" charset="0"/>
               </a:rPr>
-              <a:t>be synchronized</a:t>
-            </a:r>
+              <a:t>Request for Proposal (RFP)</a:t>
+            </a:r>
+          </a:p>
+          <a:p>
+            <a:pPr lvl="1">
+              <a:buFont typeface="Arial" pitchFamily="34" charset="0"/>
+              <a:buChar char="•"/>
+            </a:pPr>
+            <a:r>
+              <a:rPr lang="nl-NL" sz="2000" i="0" dirty="0" smtClean="0">
+                <a:latin typeface="+mn-lt"/>
+                <a:ea typeface="Courier New" charset="0"/>
+                <a:cs typeface="Courier New" charset="0"/>
+              </a:rPr>
+              <a:t>Respond to the proposal</a:t>
+            </a:r>
+          </a:p>
+          <a:p>
+            <a:pPr lvl="1">
+              <a:buFont typeface="Arial" pitchFamily="34" charset="0"/>
+              <a:buChar char="•"/>
+            </a:pPr>
+            <a:r>
+              <a:rPr lang="nl-NL" sz="2000" i="0" dirty="0" smtClean="0">
+                <a:latin typeface="+mn-lt"/>
+                <a:ea typeface="Courier New" charset="0"/>
+                <a:cs typeface="Courier New" charset="0"/>
+              </a:rPr>
+              <a:t>Agree on a beta 1 specification</a:t>
+            </a:r>
+          </a:p>
+          <a:p>
+            <a:pPr lvl="1">
+              <a:buFont typeface="Arial" pitchFamily="34" charset="0"/>
+              <a:buChar char="•"/>
+            </a:pPr>
+            <a:r>
+              <a:rPr lang="nl-NL" sz="2000" i="0" dirty="0" smtClean="0">
+                <a:latin typeface="+mn-lt"/>
+                <a:ea typeface="Courier New" charset="0"/>
+                <a:cs typeface="Courier New" charset="0"/>
+              </a:rPr>
+              <a:t>Finalization Task Force (FTF)</a:t>
+            </a:r>
+          </a:p>
+          <a:p>
+            <a:pPr>
+              <a:buFont typeface="Arial" pitchFamily="34" charset="0"/>
+              <a:buChar char="•"/>
+            </a:pPr>
+            <a:r>
+              <a:rPr lang="nl-NL" sz="2000" i="0" dirty="0" smtClean="0">
+                <a:latin typeface="+mn-lt"/>
+                <a:ea typeface="Courier New" charset="0"/>
+                <a:cs typeface="Courier New" charset="0"/>
+              </a:rPr>
+              <a:t>Time commitment</a:t>
+            </a:r>
+          </a:p>
+          <a:p>
+            <a:pPr lvl="1">
+              <a:buFont typeface="Arial" pitchFamily="34" charset="0"/>
+              <a:buChar char="•"/>
+            </a:pPr>
+            <a:r>
+              <a:rPr lang="nl-NL" sz="2000" i="0" dirty="0" smtClean="0">
+                <a:latin typeface="+mn-lt"/>
+                <a:ea typeface="Courier New" charset="0"/>
+                <a:cs typeface="Courier New" charset="0"/>
+              </a:rPr>
+              <a:t>4 visits to a OMG meeting, each one week</a:t>
+            </a:r>
+          </a:p>
+          <a:p>
+            <a:pPr lvl="1">
+              <a:buFont typeface="Arial" pitchFamily="34" charset="0"/>
+              <a:buChar char="•"/>
+            </a:pPr>
+            <a:r>
+              <a:rPr lang="nl-NL" sz="2000" i="0" dirty="0" smtClean="0">
+                <a:latin typeface="+mn-lt"/>
+                <a:ea typeface="Courier New" charset="0"/>
+                <a:cs typeface="Courier New" charset="0"/>
+              </a:rPr>
+              <a:t>Around 1 to 2 weeks of preparation for each meeting</a:t>
+            </a:r>
+          </a:p>
+          <a:p>
+            <a:pPr lvl="1">
+              <a:buFont typeface="Arial" pitchFamily="34" charset="0"/>
+              <a:buChar char="•"/>
+            </a:pPr>
             <a:endParaRPr lang="nl-NL" sz="2000" i="0" dirty="0" smtClean="0">
+              <a:latin typeface="+mn-lt"/>
+              <a:ea typeface="Courier New" charset="0"/>
+              <a:cs typeface="Courier New" charset="0"/>
+            </a:endParaRPr>
+          </a:p>
+          <a:p>
+            <a:pPr lvl="1">
+              <a:buFont typeface="Arial" pitchFamily="34" charset="0"/>
+              <a:buChar char="•"/>
+            </a:pPr>
+            <a:endParaRPr lang="nl-NL" sz="2000" i="0" dirty="0" smtClean="0">
+              <a:latin typeface="+mn-lt"/>
+              <a:ea typeface="Courier New" charset="0"/>
+              <a:cs typeface="Courier New" charset="0"/>
+            </a:endParaRPr>
+          </a:p>
+          <a:p>
+            <a:pPr>
+              <a:buFont typeface="Arial" pitchFamily="34" charset="0"/>
+              <a:buChar char="•"/>
+            </a:pPr>
+            <a:endParaRPr lang="nl-NL" sz="2000" i="0" dirty="0">
+              <a:latin typeface="+mn-lt"/>
+              <a:ea typeface="Courier New" charset="0"/>
+              <a:cs typeface="Courier New" charset="0"/>
+            </a:endParaRPr>
+          </a:p>
+          <a:p>
+            <a:r>
+              <a:rPr lang="nl-NL" sz="2000" i="0" dirty="0">
+                <a:latin typeface="+mn-lt"/>
+                <a:ea typeface="Courier New" charset="0"/>
+                <a:cs typeface="Courier New" charset="0"/>
+              </a:rPr>
+              <a:t/>
+            </a:r>
+            <a:br>
+              <a:rPr lang="nl-NL" sz="2000" i="0" dirty="0">
+                <a:latin typeface="+mn-lt"/>
+                <a:ea typeface="Courier New" charset="0"/>
+                <a:cs typeface="Courier New" charset="0"/>
+              </a:rPr>
+            </a:br>
+            <a:endParaRPr lang="nl-NL" sz="2000" i="0" dirty="0">
               <a:latin typeface="+mn-lt"/>
               <a:ea typeface="Courier New" charset="0"/>
               <a:cs typeface="Courier New" charset="0"/>
@@ -24035,6 +24520,215 @@
             <a:endParaRPr lang="en-US" altLang="zh-CN" sz="2000" i="0" dirty="0" smtClean="0">
               <a:ea typeface="宋体" pitchFamily="-65" charset="-128"/>
               <a:cs typeface="Times New Roman" charset="0"/>
+            </a:endParaRPr>
+          </a:p>
+        </p:txBody>
+      </p:sp>
+    </p:spTree>
+  </p:cSld>
+  <p:clrMapOvr>
+    <a:masterClrMapping/>
+  </p:clrMapOvr>
+  <p:timing>
+    <p:tnLst>
+      <p:par>
+        <p:cTn id="1" dur="indefinite" restart="never" nodeType="tmRoot"/>
+      </p:par>
+    </p:tnLst>
+  </p:timing>
+</p:sld>
+</file>
+
+<file path=ppt/slides/slide50.xml><?xml version="1.0" encoding="utf-8"?>
+<p:sld xmlns:a="http://schemas.openxmlformats.org/drawingml/2006/main" xmlns:r="http://schemas.openxmlformats.org/officeDocument/2006/relationships" xmlns:p="http://schemas.openxmlformats.org/presentationml/2006/main">
+  <p:cSld>
+    <p:spTree>
+      <p:nvGrpSpPr>
+        <p:cNvPr id="1" name=""/>
+        <p:cNvGrpSpPr/>
+        <p:nvPr/>
+      </p:nvGrpSpPr>
+      <p:grpSpPr>
+        <a:xfrm>
+          <a:off x="0" y="0"/>
+          <a:ext cx="0" cy="0"/>
+          <a:chOff x="0" y="0"/>
+          <a:chExt cx="0" cy="0"/>
+        </a:xfrm>
+      </p:grpSpPr>
+      <p:sp>
+        <p:nvSpPr>
+          <p:cNvPr id="294914" name="Rectangle 2"/>
+          <p:cNvSpPr>
+            <a:spLocks noChangeArrowheads="1"/>
+          </p:cNvSpPr>
+          <p:nvPr/>
+        </p:nvSpPr>
+        <p:spPr bwMode="auto">
+          <a:xfrm>
+            <a:off x="0" y="542925"/>
+            <a:ext cx="9144000" cy="381000"/>
+          </a:xfrm>
+          <a:prstGeom prst="rect">
+            <a:avLst/>
+          </a:prstGeom>
+          <a:noFill/>
+          <a:ln w="9525">
+            <a:noFill/>
+            <a:miter lim="800000"/>
+            <a:headEnd/>
+            <a:tailEnd/>
+          </a:ln>
+        </p:spPr>
+        <p:txBody>
+          <a:bodyPr anchor="ctr">
+            <a:prstTxWarp prst="textNoShape">
+              <a:avLst/>
+            </a:prstTxWarp>
+          </a:bodyPr>
+          <a:lstStyle/>
+          <a:p>
+            <a:pPr algn="ctr">
+              <a:spcBef>
+                <a:spcPct val="0"/>
+              </a:spcBef>
+            </a:pPr>
+            <a:r>
+              <a:rPr lang="en-US" altLang="zh-CN" sz="3200" i="0" dirty="0" smtClean="0">
+                <a:solidFill>
+                  <a:srgbClr val="FF0000"/>
+                </a:solidFill>
+                <a:ea typeface="宋体" pitchFamily="-65" charset="-128"/>
+                <a:cs typeface="宋体" pitchFamily="-65" charset="-128"/>
+              </a:rPr>
+              <a:t>Modeling</a:t>
+            </a:r>
+            <a:endParaRPr lang="en-US" altLang="zh-CN" sz="3200" i="0" dirty="0">
+              <a:solidFill>
+                <a:srgbClr val="FF0000"/>
+              </a:solidFill>
+              <a:ea typeface="宋体" pitchFamily="-65" charset="-128"/>
+              <a:cs typeface="宋体" pitchFamily="-65" charset="-128"/>
+            </a:endParaRPr>
+          </a:p>
+        </p:txBody>
+      </p:sp>
+      <p:sp>
+        <p:nvSpPr>
+          <p:cNvPr id="294915" name="Rectangle 3"/>
+          <p:cNvSpPr>
+            <a:spLocks noChangeArrowheads="1"/>
+          </p:cNvSpPr>
+          <p:nvPr/>
+        </p:nvSpPr>
+        <p:spPr bwMode="auto">
+          <a:xfrm>
+            <a:off x="228600" y="1190625"/>
+            <a:ext cx="8763000" cy="4876800"/>
+          </a:xfrm>
+          <a:prstGeom prst="rect">
+            <a:avLst/>
+          </a:prstGeom>
+          <a:noFill/>
+          <a:ln w="9525">
+            <a:noFill/>
+            <a:miter lim="800000"/>
+            <a:headEnd/>
+            <a:tailEnd/>
+          </a:ln>
+        </p:spPr>
+        <p:txBody>
+          <a:bodyPr>
+            <a:prstTxWarp prst="textNoShape">
+              <a:avLst/>
+            </a:prstTxWarp>
+          </a:bodyPr>
+          <a:lstStyle/>
+          <a:p>
+            <a:pPr marL="169863" indent="-169863">
+              <a:spcBef>
+                <a:spcPct val="40000"/>
+              </a:spcBef>
+              <a:buFontTx/>
+              <a:buChar char="•"/>
+            </a:pPr>
+            <a:endParaRPr lang="en-US" altLang="zh-CN" sz="2000" i="0">
+              <a:ea typeface="宋体" pitchFamily="-65" charset="-128"/>
+              <a:cs typeface="Times New Roman" charset="0"/>
+            </a:endParaRPr>
+          </a:p>
+        </p:txBody>
+      </p:sp>
+      <p:sp>
+        <p:nvSpPr>
+          <p:cNvPr id="294916" name="Rectangle 4"/>
+          <p:cNvSpPr>
+            <a:spLocks noChangeArrowheads="1"/>
+          </p:cNvSpPr>
+          <p:nvPr/>
+        </p:nvSpPr>
+        <p:spPr bwMode="auto">
+          <a:xfrm>
+            <a:off x="381000" y="1343025"/>
+            <a:ext cx="8763000" cy="4876800"/>
+          </a:xfrm>
+          <a:prstGeom prst="rect">
+            <a:avLst/>
+          </a:prstGeom>
+          <a:noFill/>
+          <a:ln w="9525">
+            <a:noFill/>
+            <a:miter lim="800000"/>
+            <a:headEnd/>
+            <a:tailEnd/>
+          </a:ln>
+        </p:spPr>
+        <p:txBody>
+          <a:bodyPr>
+            <a:prstTxWarp prst="textNoShape">
+              <a:avLst/>
+            </a:prstTxWarp>
+          </a:bodyPr>
+          <a:lstStyle/>
+          <a:p>
+            <a:pPr>
+              <a:buFont typeface="Arial" pitchFamily="34" charset="0"/>
+              <a:buChar char="•"/>
+            </a:pPr>
+            <a:r>
+              <a:rPr lang="nl-NL" sz="2000" i="0" dirty="0" smtClean="0">
+                <a:latin typeface="+mn-lt"/>
+                <a:ea typeface="Courier New" charset="0"/>
+                <a:cs typeface="Courier New" charset="0"/>
+              </a:rPr>
+              <a:t>Working modeling environment must be avaible for making larger tests</a:t>
+            </a:r>
+          </a:p>
+          <a:p>
+            <a:pPr>
+              <a:buFont typeface="Arial" pitchFamily="34" charset="0"/>
+              <a:buChar char="•"/>
+            </a:pPr>
+            <a:r>
+              <a:rPr lang="en-US" sz="2000" i="0" dirty="0" smtClean="0">
+                <a:latin typeface="+mn-lt"/>
+                <a:ea typeface="Courier New" charset="0"/>
+                <a:cs typeface="Courier New" charset="0"/>
+              </a:rPr>
+              <a:t>Runtime and modeling efforts should </a:t>
+            </a:r>
+            <a:r>
+              <a:rPr lang="en-US" sz="2000" i="0" smtClean="0">
+                <a:latin typeface="+mn-lt"/>
+                <a:ea typeface="Courier New" charset="0"/>
+                <a:cs typeface="Courier New" charset="0"/>
+              </a:rPr>
+              <a:t>be synchronized</a:t>
+            </a:r>
+            <a:endParaRPr lang="nl-NL" sz="2000" i="0" dirty="0" smtClean="0">
+              <a:latin typeface="+mn-lt"/>
+              <a:ea typeface="Courier New" charset="0"/>
+              <a:cs typeface="Courier New" charset="0"/>
             </a:endParaRPr>
           </a:p>
         </p:txBody>

--- a/modules/CIAO/docs/Connectors.pptx
+++ b/modules/CIAO/docs/Connectors.pptx
@@ -13033,7 +13033,7 @@
           <p:nvPr/>
         </p:nvPicPr>
         <mc:AlternateContent xmlns:mc="http://schemas.openxmlformats.org/markup-compatibility/2006">
-          <mc:Choice xmlns="" xmlns:mv="urn:schemas-microsoft-com:mac:vml" xmlns:ma="http://schemas.microsoft.com/office/mac/drawingml/2008/main" Requires="ma">
+          <mc:Choice xmlns:ma="http://schemas.microsoft.com/office/mac/drawingml/2008/main" xmlns:mv="urn:schemas-microsoft-com:mac:vml" xmlns="" Requires="ma">
             <p:blipFill>
               <a:blip r:embed="rId2"/>
               <a:stretch>
@@ -13356,7 +13356,7 @@
           <p:nvPr/>
         </p:nvPicPr>
         <mc:AlternateContent xmlns:mc="http://schemas.openxmlformats.org/markup-compatibility/2006">
-          <mc:Choice xmlns="" xmlns:mv="urn:schemas-microsoft-com:mac:vml" xmlns:ma="http://schemas.microsoft.com/office/mac/drawingml/2008/main" Requires="ma">
+          <mc:Choice xmlns:ma="http://schemas.microsoft.com/office/mac/drawingml/2008/main" xmlns:mv="urn:schemas-microsoft-com:mac:vml" xmlns="" Requires="ma">
             <p:blipFill>
               <a:blip r:embed="rId2"/>
               <a:stretch>
@@ -14195,7 +14195,7 @@
           <p:nvPr/>
         </p:nvPicPr>
         <mc:AlternateContent xmlns:mc="http://schemas.openxmlformats.org/markup-compatibility/2006">
-          <mc:Choice xmlns="" xmlns:mv="urn:schemas-microsoft-com:mac:vml" xmlns:ma="http://schemas.microsoft.com/office/mac/drawingml/2008/main" Requires="ma">
+          <mc:Choice xmlns:ma="http://schemas.microsoft.com/office/mac/drawingml/2008/main" xmlns:mv="urn:schemas-microsoft-com:mac:vml" xmlns="" Requires="ma">
             <p:blipFill>
               <a:blip r:embed="rId2"/>
               <a:stretch>
@@ -14576,32 +14576,24 @@
           </p:cNvPicPr>
           <p:nvPr/>
         </p:nvPicPr>
-        <mc:AlternateContent xmlns:mc="http://schemas.openxmlformats.org/markup-compatibility/2006">
-          <mc:Choice xmlns="" xmlns:mv="urn:schemas-microsoft-com:mac:vml" xmlns:ma="http://schemas.microsoft.com/office/mac/drawingml/2008/main" Requires="ma">
-            <p:blipFill>
-              <a:blip r:embed="rId2"/>
-              <a:stretch>
-                <a:fillRect/>
-              </a:stretch>
-            </p:blipFill>
-          </mc:Choice>
-          <mc:Fallback>
-            <p:blipFill>
-              <a:blip r:embed="rId3"/>
-              <a:stretch>
-                <a:fillRect/>
-              </a:stretch>
-            </p:blipFill>
-          </mc:Fallback>
-        </mc:AlternateContent>
+        <p:blipFill>
+          <a:blip r:embed="rId2"/>
+          <a:stretch>
+            <a:fillRect/>
+          </a:stretch>
+        </p:blipFill>
         <p:spPr>
           <a:xfrm>
             <a:off x="1523254" y="981999"/>
-            <a:ext cx="6172200" cy="1930400"/>
+            <a:ext cx="6171429" cy="1930159"/>
           </a:xfrm>
           <a:prstGeom prst="rect">
             <a:avLst/>
           </a:prstGeom>
+          <a:noFill/>
+          <a:ln>
+            <a:noFill/>
+          </a:ln>
         </p:spPr>
       </p:pic>
       <p:pic>
@@ -14613,7 +14605,7 @@
           <p:nvPr/>
         </p:nvPicPr>
         <mc:AlternateContent xmlns:mc="http://schemas.openxmlformats.org/markup-compatibility/2006">
-          <mc:Choice xmlns="" xmlns:mv="urn:schemas-microsoft-com:mac:vml" xmlns:ma="http://schemas.microsoft.com/office/mac/drawingml/2008/main" Requires="ma">
+          <mc:Choice xmlns:ma="http://schemas.microsoft.com/office/mac/drawingml/2008/main" xmlns:mv="urn:schemas-microsoft-com:mac:vml" xmlns="" Requires="ma">
             <p:blipFill>
               <a:blip r:embed="rId4"/>
               <a:stretch>
@@ -14819,23 +14811,37 @@
                 <a:ea typeface="宋体" pitchFamily="-65" charset="-128"/>
                 <a:cs typeface="Times New Roman" charset="0"/>
               </a:rPr>
-              <a:t>Iteration 1: cleanup, design discussions</a:t>
-            </a:r>
-          </a:p>
-          <a:p>
-            <a:pPr marL="627063" lvl="1" indent="-169863">
-              <a:spcBef>
-                <a:spcPct val="40000"/>
-              </a:spcBef>
-              <a:buFontTx/>
-              <a:buChar char="•"/>
-            </a:pPr>
+              <a:t>Iteration 1: cleanup, design </a:t>
+            </a:r>
             <a:r>
               <a:rPr lang="en-US" altLang="zh-CN" sz="2000" i="0" dirty="0" smtClean="0">
                 <a:ea typeface="宋体" pitchFamily="-65" charset="-128"/>
                 <a:cs typeface="Times New Roman" charset="0"/>
               </a:rPr>
-              <a:t>CIAO 0.7.2</a:t>
+              <a:t>discussions</a:t>
+            </a:r>
+          </a:p>
+          <a:p>
+            <a:pPr marL="627063" lvl="1" indent="-169863">
+              <a:spcBef>
+                <a:spcPct val="40000"/>
+              </a:spcBef>
+              <a:buFontTx/>
+              <a:buChar char="•"/>
+            </a:pPr>
+            <a:r>
+              <a:rPr lang="en-US" altLang="zh-CN" sz="2000" i="0" dirty="0" smtClean="0">
+                <a:ea typeface="宋体" pitchFamily="-65" charset="-128"/>
+                <a:cs typeface="Times New Roman" charset="0"/>
+              </a:rPr>
+              <a:t>CIAO </a:t>
+            </a:r>
+            <a:r>
+              <a:rPr lang="en-US" altLang="zh-CN" sz="2000" i="0" dirty="0" smtClean="0">
+                <a:ea typeface="宋体" pitchFamily="-65" charset="-128"/>
+                <a:cs typeface="Times New Roman" charset="0"/>
+              </a:rPr>
+              <a:t>0.7.2</a:t>
             </a:r>
           </a:p>
           <a:p>
@@ -17041,7 +17047,37 @@
                 <a:ea typeface="宋体" pitchFamily="-65" charset="-128"/>
                 <a:cs typeface="宋体" pitchFamily="-65" charset="-128"/>
               </a:rPr>
-              <a:t>Iteration 1</a:t>
+              <a:t>Results </a:t>
+            </a:r>
+            <a:r>
+              <a:rPr lang="en-US" altLang="zh-CN" sz="3200" i="0" dirty="0" smtClean="0">
+                <a:solidFill>
+                  <a:srgbClr val="FF0000"/>
+                </a:solidFill>
+                <a:ea typeface="宋体" pitchFamily="-65" charset="-128"/>
+                <a:cs typeface="宋体" pitchFamily="-65" charset="-128"/>
+              </a:rPr>
+              <a:t>i</a:t>
+            </a:r>
+            <a:r>
+              <a:rPr lang="en-US" altLang="zh-CN" sz="3200" i="0" dirty="0" smtClean="0">
+                <a:solidFill>
+                  <a:srgbClr val="FF0000"/>
+                </a:solidFill>
+                <a:ea typeface="宋体" pitchFamily="-65" charset="-128"/>
+                <a:cs typeface="宋体" pitchFamily="-65" charset="-128"/>
+              </a:rPr>
+              <a:t>teration </a:t>
+            </a:r>
+            <a:r>
+              <a:rPr lang="en-US" altLang="zh-CN" sz="3200" i="0" dirty="0" smtClean="0">
+                <a:solidFill>
+                  <a:srgbClr val="FF0000"/>
+                </a:solidFill>
+                <a:ea typeface="宋体" pitchFamily="-65" charset="-128"/>
+                <a:cs typeface="宋体" pitchFamily="-65" charset="-128"/>
+              </a:rPr>
+              <a:t>1</a:t>
             </a:r>
             <a:endParaRPr lang="en-US" altLang="zh-CN" sz="3200" i="0" dirty="0">
               <a:solidFill>
@@ -17182,8 +17218,51 @@
                 <a:ea typeface="宋体" pitchFamily="-65" charset="-128"/>
                 <a:cs typeface="Times New Roman" charset="0"/>
               </a:rPr>
-              <a:t>Improved logging in DAnCE</a:t>
-            </a:r>
+              <a:t>Improved logging in </a:t>
+            </a:r>
+            <a:r>
+              <a:rPr lang="en-US" altLang="zh-CN" sz="2000" i="0" dirty="0" smtClean="0">
+                <a:ea typeface="宋体" pitchFamily="-65" charset="-128"/>
+                <a:cs typeface="Times New Roman" charset="0"/>
+              </a:rPr>
+              <a:t>DAnCE</a:t>
+            </a:r>
+          </a:p>
+          <a:p>
+            <a:pPr marL="169863" indent="-169863">
+              <a:spcBef>
+                <a:spcPct val="40000"/>
+              </a:spcBef>
+              <a:buFontTx/>
+              <a:buChar char="•"/>
+            </a:pPr>
+            <a:r>
+              <a:rPr lang="en-US" altLang="zh-CN" sz="2000" i="0" dirty="0" smtClean="0">
+                <a:ea typeface="宋体" pitchFamily="-65" charset="-128"/>
+                <a:cs typeface="Times New Roman" charset="0"/>
+              </a:rPr>
+              <a:t>Removed CIDLC and replaced with TAO_IDL</a:t>
+            </a:r>
+          </a:p>
+          <a:p>
+            <a:pPr marL="169863" indent="-169863">
+              <a:spcBef>
+                <a:spcPct val="40000"/>
+              </a:spcBef>
+              <a:buFontTx/>
+              <a:buChar char="•"/>
+            </a:pPr>
+            <a:r>
+              <a:rPr lang="en-US" altLang="zh-CN" sz="2000" i="0" dirty="0" smtClean="0">
+                <a:ea typeface="宋体" pitchFamily="-65" charset="-128"/>
+                <a:cs typeface="Times New Roman" charset="0"/>
+              </a:rPr>
+              <a:t>Extended TAO_IDL to generate the export files</a:t>
+            </a:r>
+            <a:endParaRPr lang="en-US" altLang="zh-CN" sz="2000" i="0" dirty="0" smtClean="0">
+              <a:ea typeface="宋体" pitchFamily="-65" charset="-128"/>
+              <a:cs typeface="Times New Roman" charset="0"/>
+            </a:endParaRPr>
           </a:p>
           <a:p>
             <a:pPr marL="169863" indent="-169863">
@@ -19153,126 +19232,38 @@
               </a:spcBef>
             </a:pPr>
             <a:r>
-              <a:rPr lang="en-US" altLang="zh-CN" sz="800" i="0">
+              <a:rPr lang="en-US" altLang="zh-CN" sz="800" i="0" dirty="0">
                 <a:latin typeface="Courier New" charset="0"/>
                 <a:ea typeface="宋体" pitchFamily="-65" charset="-128"/>
                 <a:cs typeface="Courier New" charset="0"/>
               </a:rPr>
-              <a:t> class HELLO_RECEIVER_EXEC_Export string_RawListener_exec_i</a:t>
-            </a:r>
-          </a:p>
-          <a:p>
-            <a:pPr marL="169863" indent="-169863">
-              <a:spcBef>
-                <a:spcPct val="40000"/>
-              </a:spcBef>
-            </a:pPr>
-            <a:r>
-              <a:rPr lang="en-US" altLang="zh-CN" sz="800" i="0">
+              <a:t> class </a:t>
+            </a:r>
+            <a:r>
+              <a:rPr lang="en-US" altLang="zh-CN" sz="800" i="0" dirty="0" err="1">
                 <a:latin typeface="Courier New" charset="0"/>
                 <a:ea typeface="宋体" pitchFamily="-65" charset="-128"/>
                 <a:cs typeface="Courier New" charset="0"/>
               </a:rPr>
-              <a:t>    : public virtual ::CCM_DDS::CCM_string_RawListener,</a:t>
-            </a:r>
-          </a:p>
-          <a:p>
-            <a:pPr marL="169863" indent="-169863">
-              <a:spcBef>
-                <a:spcPct val="40000"/>
-              </a:spcBef>
-            </a:pPr>
-            <a:r>
-              <a:rPr lang="en-US" altLang="zh-CN" sz="800" i="0">
+              <a:t>HELLO_RECEIVER_EXEC_Export</a:t>
+            </a:r>
+            <a:r>
+              <a:rPr lang="en-US" altLang="zh-CN" sz="800" i="0" dirty="0">
                 <a:latin typeface="Courier New" charset="0"/>
                 <a:ea typeface="宋体" pitchFamily="-65" charset="-128"/>
                 <a:cs typeface="Courier New" charset="0"/>
               </a:rPr>
-              <a:t>      public virtual ::CORBA::LocalObject</a:t>
-            </a:r>
-          </a:p>
-          <a:p>
-            <a:pPr marL="169863" indent="-169863">
-              <a:spcBef>
-                <a:spcPct val="40000"/>
-              </a:spcBef>
-            </a:pPr>
-            <a:r>
-              <a:rPr lang="en-US" altLang="zh-CN" sz="800" i="0">
+              <a:t> </a:t>
+            </a:r>
+            <a:r>
+              <a:rPr lang="en-US" altLang="zh-CN" sz="800" i="0" dirty="0" err="1">
                 <a:latin typeface="Courier New" charset="0"/>
                 <a:ea typeface="宋体" pitchFamily="-65" charset="-128"/>
                 <a:cs typeface="Courier New" charset="0"/>
               </a:rPr>
-              <a:t>  {</a:t>
-            </a:r>
-          </a:p>
-          <a:p>
-            <a:pPr marL="169863" indent="-169863">
-              <a:spcBef>
-                <a:spcPct val="40000"/>
-              </a:spcBef>
-            </a:pPr>
-            <a:r>
-              <a:rPr lang="en-US" altLang="zh-CN" sz="800" i="0">
-                <a:latin typeface="Courier New" charset="0"/>
-                <a:ea typeface="宋体" pitchFamily="-65" charset="-128"/>
-                <a:cs typeface="Courier New" charset="0"/>
-              </a:rPr>
-              <a:t>  public:</a:t>
-            </a:r>
-          </a:p>
-          <a:p>
-            <a:pPr marL="169863" indent="-169863">
-              <a:spcBef>
-                <a:spcPct val="40000"/>
-              </a:spcBef>
-            </a:pPr>
-            <a:r>
-              <a:rPr lang="en-US" altLang="zh-CN" sz="800" i="0">
-                <a:latin typeface="Courier New" charset="0"/>
-                <a:ea typeface="宋体" pitchFamily="-65" charset="-128"/>
-                <a:cs typeface="Courier New" charset="0"/>
-              </a:rPr>
-              <a:t>    string_RawListener_exec_i (Atomic_ULong &amp;,</a:t>
-            </a:r>
-          </a:p>
-          <a:p>
-            <a:pPr marL="169863" indent="-169863">
-              <a:spcBef>
-                <a:spcPct val="40000"/>
-              </a:spcBef>
-            </a:pPr>
-            <a:r>
-              <a:rPr lang="en-US" altLang="zh-CN" sz="800" i="0">
-                <a:latin typeface="Courier New" charset="0"/>
-                <a:ea typeface="宋体" pitchFamily="-65" charset="-128"/>
-                <a:cs typeface="Courier New" charset="0"/>
-              </a:rPr>
-              <a:t>                               const ACE_CString &amp;);</a:t>
-            </a:r>
-          </a:p>
-          <a:p>
-            <a:pPr marL="169863" indent="-169863">
-              <a:spcBef>
-                <a:spcPct val="40000"/>
-              </a:spcBef>
-            </a:pPr>
-            <a:r>
-              <a:rPr lang="en-US" altLang="zh-CN" sz="800" i="0">
-                <a:latin typeface="Courier New" charset="0"/>
-                <a:ea typeface="宋体" pitchFamily="-65" charset="-128"/>
-                <a:cs typeface="Courier New" charset="0"/>
-              </a:rPr>
-              <a:t>    virtual ~string_RawListener_exec_i (void);</a:t>
-            </a:r>
-          </a:p>
-          <a:p>
-            <a:pPr marL="169863" indent="-169863">
-              <a:spcBef>
-                <a:spcPct val="40000"/>
-              </a:spcBef>
-            </a:pPr>
-            <a:endParaRPr lang="en-US" altLang="zh-CN" sz="800" i="0">
+              <a:t>string_RawListener_exec_i</a:t>
+            </a:r>
+            <a:endParaRPr lang="en-US" altLang="zh-CN" sz="800" i="0" dirty="0">
               <a:latin typeface="Courier New" charset="0"/>
               <a:ea typeface="宋体" pitchFamily="-65" charset="-128"/>
               <a:cs typeface="Courier New" charset="0"/>
@@ -19285,12 +19276,28 @@
               </a:spcBef>
             </a:pPr>
             <a:r>
-              <a:rPr lang="en-US" altLang="zh-CN" sz="800" i="0">
+              <a:rPr lang="en-US" altLang="zh-CN" sz="800" i="0" dirty="0">
                 <a:latin typeface="Courier New" charset="0"/>
                 <a:ea typeface="宋体" pitchFamily="-65" charset="-128"/>
                 <a:cs typeface="Courier New" charset="0"/>
               </a:rPr>
-              <a:t>  // Operations and attributes from ::CCM_DDS::string_RawListener</a:t>
+              <a:t>    : public virtual ::CCM_DDS::</a:t>
+            </a:r>
+            <a:r>
+              <a:rPr lang="en-US" altLang="zh-CN" sz="800" i="0" dirty="0" err="1">
+                <a:latin typeface="Courier New" charset="0"/>
+                <a:ea typeface="宋体" pitchFamily="-65" charset="-128"/>
+                <a:cs typeface="Courier New" charset="0"/>
+              </a:rPr>
+              <a:t>CCM_string_RawListener</a:t>
+            </a:r>
+            <a:r>
+              <a:rPr lang="en-US" altLang="zh-CN" sz="800" i="0" dirty="0">
+                <a:latin typeface="Courier New" charset="0"/>
+                <a:ea typeface="宋体" pitchFamily="-65" charset="-128"/>
+                <a:cs typeface="Courier New" charset="0"/>
+              </a:rPr>
+              <a:t>,</a:t>
             </a:r>
           </a:p>
           <a:p>
@@ -19299,7 +19306,23 @@
                 <a:spcPct val="40000"/>
               </a:spcBef>
             </a:pPr>
-            <a:endParaRPr lang="en-US" altLang="zh-CN" sz="800" i="0">
+            <a:r>
+              <a:rPr lang="en-US" altLang="zh-CN" sz="800" i="0" dirty="0">
+                <a:latin typeface="Courier New" charset="0"/>
+                <a:ea typeface="宋体" pitchFamily="-65" charset="-128"/>
+                <a:cs typeface="Courier New" charset="0"/>
+              </a:rPr>
+              <a:t>      public virtual ::CORBA::</a:t>
+            </a:r>
+            <a:r>
+              <a:rPr lang="en-US" altLang="zh-CN" sz="800" i="0" dirty="0" err="1">
+                <a:latin typeface="Courier New" charset="0"/>
+                <a:ea typeface="宋体" pitchFamily="-65" charset="-128"/>
+                <a:cs typeface="Courier New" charset="0"/>
+              </a:rPr>
+              <a:t>LocalObject</a:t>
+            </a:r>
+            <a:endParaRPr lang="en-US" altLang="zh-CN" sz="800" i="0" dirty="0">
               <a:latin typeface="Courier New" charset="0"/>
               <a:ea typeface="宋体" pitchFamily="-65" charset="-128"/>
               <a:cs typeface="Courier New" charset="0"/>
@@ -19312,12 +19335,12 @@
               </a:spcBef>
             </a:pPr>
             <a:r>
-              <a:rPr lang="en-US" altLang="zh-CN" sz="800" i="0">
+              <a:rPr lang="en-US" altLang="zh-CN" sz="800" i="0" dirty="0">
                 <a:latin typeface="Courier New" charset="0"/>
                 <a:ea typeface="宋体" pitchFamily="-65" charset="-128"/>
                 <a:cs typeface="Courier New" charset="0"/>
               </a:rPr>
-              <a:t>  // TAO_IDL - Generated from</a:t>
+              <a:t>  {</a:t>
             </a:r>
           </a:p>
           <a:p>
@@ -19327,12 +19350,12 @@
               </a:spcBef>
             </a:pPr>
             <a:r>
-              <a:rPr lang="en-US" altLang="zh-CN" sz="800" i="0">
+              <a:rPr lang="en-US" altLang="zh-CN" sz="800" i="0" dirty="0">
                 <a:latin typeface="Courier New" charset="0"/>
                 <a:ea typeface="宋体" pitchFamily="-65" charset="-128"/>
                 <a:cs typeface="Courier New" charset="0"/>
               </a:rPr>
-              <a:t>  // be/be_visitor_operation/operation_ch.cpp:46</a:t>
+              <a:t>  public:</a:t>
             </a:r>
           </a:p>
           <a:p>
@@ -19341,7 +19364,116 @@
                 <a:spcPct val="40000"/>
               </a:spcBef>
             </a:pPr>
-            <a:endParaRPr lang="en-US" altLang="zh-CN" sz="800" i="0">
+            <a:r>
+              <a:rPr lang="en-US" altLang="zh-CN" sz="800" i="0" dirty="0">
+                <a:latin typeface="Courier New" charset="0"/>
+                <a:ea typeface="宋体" pitchFamily="-65" charset="-128"/>
+                <a:cs typeface="Courier New" charset="0"/>
+              </a:rPr>
+              <a:t>    </a:t>
+            </a:r>
+            <a:r>
+              <a:rPr lang="en-US" altLang="zh-CN" sz="800" i="0" dirty="0" err="1">
+                <a:latin typeface="Courier New" charset="0"/>
+                <a:ea typeface="宋体" pitchFamily="-65" charset="-128"/>
+                <a:cs typeface="Courier New" charset="0"/>
+              </a:rPr>
+              <a:t>string_RawListener_exec_i</a:t>
+            </a:r>
+            <a:r>
+              <a:rPr lang="en-US" altLang="zh-CN" sz="800" i="0" dirty="0">
+                <a:latin typeface="Courier New" charset="0"/>
+                <a:ea typeface="宋体" pitchFamily="-65" charset="-128"/>
+                <a:cs typeface="Courier New" charset="0"/>
+              </a:rPr>
+              <a:t> (</a:t>
+            </a:r>
+            <a:r>
+              <a:rPr lang="en-US" altLang="zh-CN" sz="800" i="0" dirty="0" err="1">
+                <a:latin typeface="Courier New" charset="0"/>
+                <a:ea typeface="宋体" pitchFamily="-65" charset="-128"/>
+                <a:cs typeface="Courier New" charset="0"/>
+              </a:rPr>
+              <a:t>Atomic_ULong</a:t>
+            </a:r>
+            <a:r>
+              <a:rPr lang="en-US" altLang="zh-CN" sz="800" i="0" dirty="0">
+                <a:latin typeface="Courier New" charset="0"/>
+                <a:ea typeface="宋体" pitchFamily="-65" charset="-128"/>
+                <a:cs typeface="Courier New" charset="0"/>
+              </a:rPr>
+              <a:t> &amp;,</a:t>
+            </a:r>
+          </a:p>
+          <a:p>
+            <a:pPr marL="169863" indent="-169863">
+              <a:spcBef>
+                <a:spcPct val="40000"/>
+              </a:spcBef>
+            </a:pPr>
+            <a:r>
+              <a:rPr lang="en-US" altLang="zh-CN" sz="800" i="0" dirty="0">
+                <a:latin typeface="Courier New" charset="0"/>
+                <a:ea typeface="宋体" pitchFamily="-65" charset="-128"/>
+                <a:cs typeface="Courier New" charset="0"/>
+              </a:rPr>
+              <a:t>                               const </a:t>
+            </a:r>
+            <a:r>
+              <a:rPr lang="en-US" altLang="zh-CN" sz="800" i="0" dirty="0" err="1">
+                <a:latin typeface="Courier New" charset="0"/>
+                <a:ea typeface="宋体" pitchFamily="-65" charset="-128"/>
+                <a:cs typeface="Courier New" charset="0"/>
+              </a:rPr>
+              <a:t>ACE_CString</a:t>
+            </a:r>
+            <a:r>
+              <a:rPr lang="en-US" altLang="zh-CN" sz="800" i="0" dirty="0">
+                <a:latin typeface="Courier New" charset="0"/>
+                <a:ea typeface="宋体" pitchFamily="-65" charset="-128"/>
+                <a:cs typeface="Courier New" charset="0"/>
+              </a:rPr>
+              <a:t> &amp;);</a:t>
+            </a:r>
+          </a:p>
+          <a:p>
+            <a:pPr marL="169863" indent="-169863">
+              <a:spcBef>
+                <a:spcPct val="40000"/>
+              </a:spcBef>
+            </a:pPr>
+            <a:r>
+              <a:rPr lang="en-US" altLang="zh-CN" sz="800" i="0" dirty="0">
+                <a:latin typeface="Courier New" charset="0"/>
+                <a:ea typeface="宋体" pitchFamily="-65" charset="-128"/>
+                <a:cs typeface="Courier New" charset="0"/>
+              </a:rPr>
+              <a:t>    virtual ~</a:t>
+            </a:r>
+            <a:r>
+              <a:rPr lang="en-US" altLang="zh-CN" sz="800" i="0" dirty="0" err="1">
+                <a:latin typeface="Courier New" charset="0"/>
+                <a:ea typeface="宋体" pitchFamily="-65" charset="-128"/>
+                <a:cs typeface="Courier New" charset="0"/>
+              </a:rPr>
+              <a:t>string_RawListener_exec_i</a:t>
+            </a:r>
+            <a:r>
+              <a:rPr lang="en-US" altLang="zh-CN" sz="800" i="0" dirty="0">
+                <a:latin typeface="Courier New" charset="0"/>
+                <a:ea typeface="宋体" pitchFamily="-65" charset="-128"/>
+                <a:cs typeface="Courier New" charset="0"/>
+              </a:rPr>
+              <a:t> (void);</a:t>
+            </a:r>
+          </a:p>
+          <a:p>
+            <a:pPr marL="169863" indent="-169863">
+              <a:spcBef>
+                <a:spcPct val="40000"/>
+              </a:spcBef>
+            </a:pPr>
+            <a:endParaRPr lang="en-US" altLang="zh-CN" sz="800" i="0" dirty="0">
               <a:latin typeface="Courier New" charset="0"/>
               <a:ea typeface="宋体" pitchFamily="-65" charset="-128"/>
               <a:cs typeface="Courier New" charset="0"/>
@@ -19354,12 +19486,20 @@
               </a:spcBef>
             </a:pPr>
             <a:r>
-              <a:rPr lang="en-US" altLang="zh-CN" sz="800" i="0">
+              <a:rPr lang="en-US" altLang="zh-CN" sz="800" i="0" dirty="0" smtClean="0">
                 <a:latin typeface="Courier New" charset="0"/>
                 <a:ea typeface="宋体" pitchFamily="-65" charset="-128"/>
                 <a:cs typeface="Courier New" charset="0"/>
               </a:rPr>
-              <a:t>  virtual void</a:t>
+              <a:t>  </a:t>
+            </a:r>
+            <a:r>
+              <a:rPr lang="en-US" altLang="zh-CN" sz="800" i="0" dirty="0">
+                <a:latin typeface="Courier New" charset="0"/>
+                <a:ea typeface="宋体" pitchFamily="-65" charset="-128"/>
+                <a:cs typeface="Courier New" charset="0"/>
+              </a:rPr>
+              <a:t>virtual void</a:t>
             </a:r>
           </a:p>
           <a:p>
@@ -19369,12 +19509,44 @@
               </a:spcBef>
             </a:pPr>
             <a:r>
-              <a:rPr lang="en-US" altLang="zh-CN" sz="800" i="0">
+              <a:rPr lang="en-US" altLang="zh-CN" sz="800" i="0" dirty="0">
                 <a:latin typeface="Courier New" charset="0"/>
                 <a:ea typeface="宋体" pitchFamily="-65" charset="-128"/>
                 <a:cs typeface="Courier New" charset="0"/>
               </a:rPr>
-              <a:t>  on_data (const char * an_instance,</a:t>
+              <a:t>  </a:t>
+            </a:r>
+            <a:r>
+              <a:rPr lang="en-US" altLang="zh-CN" sz="800" i="0" dirty="0" err="1">
+                <a:latin typeface="Courier New" charset="0"/>
+                <a:ea typeface="宋体" pitchFamily="-65" charset="-128"/>
+                <a:cs typeface="Courier New" charset="0"/>
+              </a:rPr>
+              <a:t>on_data</a:t>
+            </a:r>
+            <a:r>
+              <a:rPr lang="en-US" altLang="zh-CN" sz="800" i="0" dirty="0">
+                <a:latin typeface="Courier New" charset="0"/>
+                <a:ea typeface="宋体" pitchFamily="-65" charset="-128"/>
+                <a:cs typeface="Courier New" charset="0"/>
+              </a:rPr>
+              <a:t> (const char * </a:t>
+            </a:r>
+            <a:r>
+              <a:rPr lang="en-US" altLang="zh-CN" sz="800" i="0" dirty="0" err="1">
+                <a:latin typeface="Courier New" charset="0"/>
+                <a:ea typeface="宋体" pitchFamily="-65" charset="-128"/>
+                <a:cs typeface="Courier New" charset="0"/>
+              </a:rPr>
+              <a:t>an_instance</a:t>
+            </a:r>
+            <a:r>
+              <a:rPr lang="en-US" altLang="zh-CN" sz="800" i="0" dirty="0">
+                <a:latin typeface="Courier New" charset="0"/>
+                <a:ea typeface="宋体" pitchFamily="-65" charset="-128"/>
+                <a:cs typeface="Courier New" charset="0"/>
+              </a:rPr>
+              <a:t>,</a:t>
             </a:r>
           </a:p>
           <a:p>
@@ -19384,12 +19556,28 @@
               </a:spcBef>
             </a:pPr>
             <a:r>
-              <a:rPr lang="en-US" altLang="zh-CN" sz="800" i="0">
+              <a:rPr lang="en-US" altLang="zh-CN" sz="800" i="0" dirty="0">
                 <a:latin typeface="Courier New" charset="0"/>
                 <a:ea typeface="宋体" pitchFamily="-65" charset="-128"/>
                 <a:cs typeface="Courier New" charset="0"/>
               </a:rPr>
-              <a:t>           const ::CCM_DDS::ReadInfo &amp; info);</a:t>
+              <a:t>           const ::CCM_DDS::</a:t>
+            </a:r>
+            <a:r>
+              <a:rPr lang="en-US" altLang="zh-CN" sz="800" i="0" dirty="0" err="1">
+                <a:latin typeface="Courier New" charset="0"/>
+                <a:ea typeface="宋体" pitchFamily="-65" charset="-128"/>
+                <a:cs typeface="Courier New" charset="0"/>
+              </a:rPr>
+              <a:t>ReadInfo</a:t>
+            </a:r>
+            <a:r>
+              <a:rPr lang="en-US" altLang="zh-CN" sz="800" i="0" dirty="0">
+                <a:latin typeface="Courier New" charset="0"/>
+                <a:ea typeface="宋体" pitchFamily="-65" charset="-128"/>
+                <a:cs typeface="Courier New" charset="0"/>
+              </a:rPr>
+              <a:t> &amp; info);</a:t>
             </a:r>
           </a:p>
           <a:p>
@@ -19398,7 +19586,7 @@
                 <a:spcPct val="40000"/>
               </a:spcBef>
             </a:pPr>
-            <a:endParaRPr lang="en-US" altLang="zh-CN" sz="800" i="0">
+            <a:endParaRPr lang="en-US" altLang="zh-CN" sz="800" i="0" dirty="0">
               <a:latin typeface="Courier New" charset="0"/>
               <a:ea typeface="宋体" pitchFamily="-65" charset="-128"/>
               <a:cs typeface="Courier New" charset="0"/>
@@ -19411,7 +19599,7 @@
               </a:spcBef>
             </a:pPr>
             <a:r>
-              <a:rPr lang="en-US" altLang="zh-CN" sz="800" i="0">
+              <a:rPr lang="en-US" altLang="zh-CN" sz="800" i="0" dirty="0">
                 <a:latin typeface="Courier New" charset="0"/>
                 <a:ea typeface="宋体" pitchFamily="-65" charset="-128"/>
                 <a:cs typeface="Courier New" charset="0"/>
@@ -19426,12 +19614,28 @@
               </a:spcBef>
             </a:pPr>
             <a:r>
-              <a:rPr lang="en-US" altLang="zh-CN" sz="800" i="0">
+              <a:rPr lang="en-US" altLang="zh-CN" sz="800" i="0" dirty="0">
                 <a:latin typeface="Courier New" charset="0"/>
                 <a:ea typeface="宋体" pitchFamily="-65" charset="-128"/>
                 <a:cs typeface="Courier New" charset="0"/>
               </a:rPr>
-              <a:t>  Atomic_ULong &amp;received_;</a:t>
+              <a:t>  </a:t>
+            </a:r>
+            <a:r>
+              <a:rPr lang="en-US" altLang="zh-CN" sz="800" i="0" dirty="0" err="1">
+                <a:latin typeface="Courier New" charset="0"/>
+                <a:ea typeface="宋体" pitchFamily="-65" charset="-128"/>
+                <a:cs typeface="Courier New" charset="0"/>
+              </a:rPr>
+              <a:t>Atomic_ULong</a:t>
+            </a:r>
+            <a:r>
+              <a:rPr lang="en-US" altLang="zh-CN" sz="800" i="0" dirty="0">
+                <a:latin typeface="Courier New" charset="0"/>
+                <a:ea typeface="宋体" pitchFamily="-65" charset="-128"/>
+                <a:cs typeface="Courier New" charset="0"/>
+              </a:rPr>
+              <a:t> &amp;received_;</a:t>
             </a:r>
           </a:p>
           <a:p>
@@ -19441,12 +19645,28 @@
               </a:spcBef>
             </a:pPr>
             <a:r>
-              <a:rPr lang="en-US" altLang="zh-CN" sz="800" i="0">
+              <a:rPr lang="en-US" altLang="zh-CN" sz="800" i="0" dirty="0">
                 <a:latin typeface="Courier New" charset="0"/>
                 <a:ea typeface="宋体" pitchFamily="-65" charset="-128"/>
                 <a:cs typeface="Courier New" charset="0"/>
               </a:rPr>
-              <a:t>  const ACE_CString &amp;name_;</a:t>
+              <a:t>  const </a:t>
+            </a:r>
+            <a:r>
+              <a:rPr lang="en-US" altLang="zh-CN" sz="800" i="0" dirty="0" err="1">
+                <a:latin typeface="Courier New" charset="0"/>
+                <a:ea typeface="宋体" pitchFamily="-65" charset="-128"/>
+                <a:cs typeface="Courier New" charset="0"/>
+              </a:rPr>
+              <a:t>ACE_CString</a:t>
+            </a:r>
+            <a:r>
+              <a:rPr lang="en-US" altLang="zh-CN" sz="800" i="0" dirty="0">
+                <a:latin typeface="Courier New" charset="0"/>
+                <a:ea typeface="宋体" pitchFamily="-65" charset="-128"/>
+                <a:cs typeface="Courier New" charset="0"/>
+              </a:rPr>
+              <a:t> &amp;name_;</a:t>
             </a:r>
           </a:p>
           <a:p>
@@ -19456,7 +19676,7 @@
               </a:spcBef>
             </a:pPr>
             <a:r>
-              <a:rPr lang="en-US" altLang="zh-CN" sz="800" i="0">
+              <a:rPr lang="en-US" altLang="zh-CN" sz="800" i="0" dirty="0">
                 <a:latin typeface="Courier New" charset="0"/>
                 <a:ea typeface="宋体" pitchFamily="-65" charset="-128"/>
                 <a:cs typeface="Courier New" charset="0"/>
@@ -19470,7 +19690,7 @@
                 <a:spcPct val="40000"/>
               </a:spcBef>
             </a:pPr>
-            <a:endParaRPr lang="en-US" altLang="zh-CN" sz="800" i="0">
+            <a:endParaRPr lang="en-US" altLang="zh-CN" sz="800" i="0" dirty="0">
               <a:latin typeface="Courier New" charset="0"/>
               <a:ea typeface="宋体" pitchFamily="-65" charset="-128"/>
               <a:cs typeface="Courier New" charset="0"/>
@@ -19483,7 +19703,7 @@
               </a:spcBef>
             </a:pPr>
             <a:r>
-              <a:rPr lang="en-US" altLang="zh-CN" sz="800" i="0">
+              <a:rPr lang="en-US" altLang="zh-CN" sz="800" i="0" dirty="0">
                 <a:latin typeface="Courier New" charset="0"/>
                 <a:ea typeface="宋体" pitchFamily="-65" charset="-128"/>
                 <a:cs typeface="Courier New" charset="0"/>
@@ -19498,12 +19718,44 @@
               </a:spcBef>
             </a:pPr>
             <a:r>
-              <a:rPr lang="en-US" altLang="zh-CN" sz="800" i="0">
+              <a:rPr lang="en-US" altLang="zh-CN" sz="800" i="0" dirty="0">
                 <a:latin typeface="Courier New" charset="0"/>
                 <a:ea typeface="宋体" pitchFamily="-65" charset="-128"/>
                 <a:cs typeface="Courier New" charset="0"/>
               </a:rPr>
-              <a:t>  string_RawListener_exec_i::on_data (</a:t>
+              <a:t>  </a:t>
+            </a:r>
+            <a:r>
+              <a:rPr lang="en-US" altLang="zh-CN" sz="800" i="0" dirty="0" err="1">
+                <a:latin typeface="Courier New" charset="0"/>
+                <a:ea typeface="宋体" pitchFamily="-65" charset="-128"/>
+                <a:cs typeface="Courier New" charset="0"/>
+              </a:rPr>
+              <a:t>string_RawListener_exec_i</a:t>
+            </a:r>
+            <a:r>
+              <a:rPr lang="en-US" altLang="zh-CN" sz="800" i="0" dirty="0">
+                <a:latin typeface="Courier New" charset="0"/>
+                <a:ea typeface="宋体" pitchFamily="-65" charset="-128"/>
+                <a:cs typeface="Courier New" charset="0"/>
+              </a:rPr>
+              <a:t>::</a:t>
+            </a:r>
+            <a:r>
+              <a:rPr lang="en-US" altLang="zh-CN" sz="800" i="0" dirty="0" err="1">
+                <a:latin typeface="Courier New" charset="0"/>
+                <a:ea typeface="宋体" pitchFamily="-65" charset="-128"/>
+                <a:cs typeface="Courier New" charset="0"/>
+              </a:rPr>
+              <a:t>on_data</a:t>
+            </a:r>
+            <a:r>
+              <a:rPr lang="en-US" altLang="zh-CN" sz="800" i="0" dirty="0">
+                <a:latin typeface="Courier New" charset="0"/>
+                <a:ea typeface="宋体" pitchFamily="-65" charset="-128"/>
+                <a:cs typeface="Courier New" charset="0"/>
+              </a:rPr>
+              <a:t> (</a:t>
             </a:r>
           </a:p>
           <a:p>
@@ -19513,12 +19765,28 @@
               </a:spcBef>
             </a:pPr>
             <a:r>
-              <a:rPr lang="en-US" altLang="zh-CN" sz="800" i="0">
+              <a:rPr lang="en-US" altLang="zh-CN" sz="800" i="0" dirty="0">
                 <a:latin typeface="Courier New" charset="0"/>
                 <a:ea typeface="宋体" pitchFamily="-65" charset="-128"/>
                 <a:cs typeface="Courier New" charset="0"/>
               </a:rPr>
-              <a:t>    const char * an_instance,</a:t>
+              <a:t>    const char * </a:t>
+            </a:r>
+            <a:r>
+              <a:rPr lang="en-US" altLang="zh-CN" sz="800" i="0" dirty="0" err="1">
+                <a:latin typeface="Courier New" charset="0"/>
+                <a:ea typeface="宋体" pitchFamily="-65" charset="-128"/>
+                <a:cs typeface="Courier New" charset="0"/>
+              </a:rPr>
+              <a:t>an_instance</a:t>
+            </a:r>
+            <a:r>
+              <a:rPr lang="en-US" altLang="zh-CN" sz="800" i="0" dirty="0">
+                <a:latin typeface="Courier New" charset="0"/>
+                <a:ea typeface="宋体" pitchFamily="-65" charset="-128"/>
+                <a:cs typeface="Courier New" charset="0"/>
+              </a:rPr>
+              <a:t>,</a:t>
             </a:r>
           </a:p>
           <a:p>
@@ -19528,12 +19796,28 @@
               </a:spcBef>
             </a:pPr>
             <a:r>
-              <a:rPr lang="en-US" altLang="zh-CN" sz="800" i="0">
+              <a:rPr lang="en-US" altLang="zh-CN" sz="800" i="0" dirty="0">
                 <a:latin typeface="Courier New" charset="0"/>
                 <a:ea typeface="宋体" pitchFamily="-65" charset="-128"/>
                 <a:cs typeface="Courier New" charset="0"/>
               </a:rPr>
-              <a:t>    const ::CCM_DDS::ReadInfo &amp; /* info */)</a:t>
+              <a:t>    const ::CCM_DDS::</a:t>
+            </a:r>
+            <a:r>
+              <a:rPr lang="en-US" altLang="zh-CN" sz="800" i="0" dirty="0" err="1">
+                <a:latin typeface="Courier New" charset="0"/>
+                <a:ea typeface="宋体" pitchFamily="-65" charset="-128"/>
+                <a:cs typeface="Courier New" charset="0"/>
+              </a:rPr>
+              <a:t>ReadInfo</a:t>
+            </a:r>
+            <a:r>
+              <a:rPr lang="en-US" altLang="zh-CN" sz="800" i="0" dirty="0">
+                <a:latin typeface="Courier New" charset="0"/>
+                <a:ea typeface="宋体" pitchFamily="-65" charset="-128"/>
+                <a:cs typeface="Courier New" charset="0"/>
+              </a:rPr>
+              <a:t> &amp; /* info */)</a:t>
             </a:r>
           </a:p>
           <a:p>
@@ -19543,7 +19827,7 @@
               </a:spcBef>
             </a:pPr>
             <a:r>
-              <a:rPr lang="en-US" altLang="zh-CN" sz="800" i="0">
+              <a:rPr lang="en-US" altLang="zh-CN" sz="800" i="0" dirty="0">
                 <a:latin typeface="Courier New" charset="0"/>
                 <a:ea typeface="宋体" pitchFamily="-65" charset="-128"/>
                 <a:cs typeface="Courier New" charset="0"/>
@@ -19558,7 +19842,7 @@
               </a:spcBef>
             </a:pPr>
             <a:r>
-              <a:rPr lang="en-US" altLang="zh-CN" sz="800" i="0">
+              <a:rPr lang="en-US" altLang="zh-CN" sz="800" i="0" dirty="0">
                 <a:latin typeface="Courier New" charset="0"/>
                 <a:ea typeface="宋体" pitchFamily="-65" charset="-128"/>
                 <a:cs typeface="Courier New" charset="0"/>
@@ -19573,12 +19857,92 @@
               </a:spcBef>
             </a:pPr>
             <a:r>
-              <a:rPr lang="en-US" altLang="zh-CN" sz="800" i="0">
+              <a:rPr lang="en-US" altLang="zh-CN" sz="800" i="0" dirty="0">
                 <a:latin typeface="Courier New" charset="0"/>
                 <a:ea typeface="宋体" pitchFamily="-65" charset="-128"/>
                 <a:cs typeface="Courier New" charset="0"/>
               </a:rPr>
-              <a:t>    printf ("&lt;%s&gt; string_RawListener::on_data received &lt;%s&gt;\n", this-&gt;name_.c_str (), an_instance);</a:t>
+              <a:t>    </a:t>
+            </a:r>
+            <a:r>
+              <a:rPr lang="en-US" altLang="zh-CN" sz="800" i="0" dirty="0" err="1">
+                <a:latin typeface="Courier New" charset="0"/>
+                <a:ea typeface="宋体" pitchFamily="-65" charset="-128"/>
+                <a:cs typeface="Courier New" charset="0"/>
+              </a:rPr>
+              <a:t>printf</a:t>
+            </a:r>
+            <a:r>
+              <a:rPr lang="en-US" altLang="zh-CN" sz="800" i="0" dirty="0">
+                <a:latin typeface="Courier New" charset="0"/>
+                <a:ea typeface="宋体" pitchFamily="-65" charset="-128"/>
+                <a:cs typeface="Courier New" charset="0"/>
+              </a:rPr>
+              <a:t> ("&lt;%s&gt; </a:t>
+            </a:r>
+            <a:r>
+              <a:rPr lang="en-US" altLang="zh-CN" sz="800" i="0" dirty="0" err="1">
+                <a:latin typeface="Courier New" charset="0"/>
+                <a:ea typeface="宋体" pitchFamily="-65" charset="-128"/>
+                <a:cs typeface="Courier New" charset="0"/>
+              </a:rPr>
+              <a:t>string_RawListener</a:t>
+            </a:r>
+            <a:r>
+              <a:rPr lang="en-US" altLang="zh-CN" sz="800" i="0" dirty="0">
+                <a:latin typeface="Courier New" charset="0"/>
+                <a:ea typeface="宋体" pitchFamily="-65" charset="-128"/>
+                <a:cs typeface="Courier New" charset="0"/>
+              </a:rPr>
+              <a:t>::</a:t>
+            </a:r>
+            <a:r>
+              <a:rPr lang="en-US" altLang="zh-CN" sz="800" i="0" dirty="0" err="1">
+                <a:latin typeface="Courier New" charset="0"/>
+                <a:ea typeface="宋体" pitchFamily="-65" charset="-128"/>
+                <a:cs typeface="Courier New" charset="0"/>
+              </a:rPr>
+              <a:t>on_data</a:t>
+            </a:r>
+            <a:r>
+              <a:rPr lang="en-US" altLang="zh-CN" sz="800" i="0" dirty="0">
+                <a:latin typeface="Courier New" charset="0"/>
+                <a:ea typeface="宋体" pitchFamily="-65" charset="-128"/>
+                <a:cs typeface="Courier New" charset="0"/>
+              </a:rPr>
+              <a:t> received &lt;%s&gt;\n", this-&gt;</a:t>
+            </a:r>
+            <a:r>
+              <a:rPr lang="en-US" altLang="zh-CN" sz="800" i="0" dirty="0" err="1">
+                <a:latin typeface="Courier New" charset="0"/>
+                <a:ea typeface="宋体" pitchFamily="-65" charset="-128"/>
+                <a:cs typeface="Courier New" charset="0"/>
+              </a:rPr>
+              <a:t>name_.c_str</a:t>
+            </a:r>
+            <a:r>
+              <a:rPr lang="en-US" altLang="zh-CN" sz="800" i="0" dirty="0">
+                <a:latin typeface="Courier New" charset="0"/>
+                <a:ea typeface="宋体" pitchFamily="-65" charset="-128"/>
+                <a:cs typeface="Courier New" charset="0"/>
+              </a:rPr>
+              <a:t> (), </a:t>
+            </a:r>
+            <a:r>
+              <a:rPr lang="en-US" altLang="zh-CN" sz="800" i="0" dirty="0" err="1">
+                <a:latin typeface="Courier New" charset="0"/>
+                <a:ea typeface="宋体" pitchFamily="-65" charset="-128"/>
+                <a:cs typeface="Courier New" charset="0"/>
+              </a:rPr>
+              <a:t>an_instance</a:t>
+            </a:r>
+            <a:r>
+              <a:rPr lang="en-US" altLang="zh-CN" sz="800" i="0" dirty="0">
+                <a:latin typeface="Courier New" charset="0"/>
+                <a:ea typeface="宋体" pitchFamily="-65" charset="-128"/>
+                <a:cs typeface="Courier New" charset="0"/>
+              </a:rPr>
+              <a:t>);</a:t>
             </a:r>
           </a:p>
           <a:p>
@@ -19588,7 +19952,7 @@
               </a:spcBef>
             </a:pPr>
             <a:r>
-              <a:rPr lang="en-US" altLang="zh-CN" sz="800" i="0">
+              <a:rPr lang="en-US" altLang="zh-CN" sz="800" i="0" dirty="0">
                 <a:latin typeface="Courier New" charset="0"/>
                 <a:ea typeface="宋体" pitchFamily="-65" charset="-128"/>
                 <a:cs typeface="Courier New" charset="0"/>
@@ -19737,96 +20101,38 @@
               </a:spcBef>
             </a:pPr>
             <a:r>
-              <a:rPr lang="en-US" altLang="zh-CN" sz="800" i="0">
+              <a:rPr lang="en-US" altLang="zh-CN" sz="800" i="0" dirty="0">
                 <a:latin typeface="Courier New" charset="0"/>
                 <a:ea typeface="宋体" pitchFamily="-65" charset="-128"/>
                 <a:cs typeface="Courier New" charset="0"/>
               </a:rPr>
-              <a:t>class HELLO_RECEIVER_EXEC_Export Receiver_exec_i</a:t>
-            </a:r>
-          </a:p>
-          <a:p>
-            <a:pPr marL="169863" indent="-169863">
-              <a:spcBef>
-                <a:spcPct val="40000"/>
-              </a:spcBef>
-            </a:pPr>
-            <a:r>
-              <a:rPr lang="en-US" altLang="zh-CN" sz="800" i="0">
+              <a:t>class </a:t>
+            </a:r>
+            <a:r>
+              <a:rPr lang="en-US" altLang="zh-CN" sz="800" i="0" dirty="0" err="1">
                 <a:latin typeface="Courier New" charset="0"/>
                 <a:ea typeface="宋体" pitchFamily="-65" charset="-128"/>
                 <a:cs typeface="Courier New" charset="0"/>
               </a:rPr>
-              <a:t>  : public virtual Receiver_Exec,</a:t>
-            </a:r>
-          </a:p>
-          <a:p>
-            <a:pPr marL="169863" indent="-169863">
-              <a:spcBef>
-                <a:spcPct val="40000"/>
-              </a:spcBef>
-            </a:pPr>
-            <a:r>
-              <a:rPr lang="en-US" altLang="zh-CN" sz="800" i="0">
+              <a:t>HELLO_RECEIVER_EXEC_Export</a:t>
+            </a:r>
+            <a:r>
+              <a:rPr lang="en-US" altLang="zh-CN" sz="800" i="0" dirty="0">
                 <a:latin typeface="Courier New" charset="0"/>
                 <a:ea typeface="宋体" pitchFamily="-65" charset="-128"/>
                 <a:cs typeface="Courier New" charset="0"/>
               </a:rPr>
-              <a:t>    public virtual ::CORBA::LocalObject</a:t>
-            </a:r>
-          </a:p>
-          <a:p>
-            <a:pPr marL="169863" indent="-169863">
-              <a:spcBef>
-                <a:spcPct val="40000"/>
-              </a:spcBef>
-            </a:pPr>
-            <a:r>
-              <a:rPr lang="en-US" altLang="zh-CN" sz="800" i="0">
+              <a:t> </a:t>
+            </a:r>
+            <a:r>
+              <a:rPr lang="en-US" altLang="zh-CN" sz="800" i="0" dirty="0" err="1">
                 <a:latin typeface="Courier New" charset="0"/>
                 <a:ea typeface="宋体" pitchFamily="-65" charset="-128"/>
                 <a:cs typeface="Courier New" charset="0"/>
               </a:rPr>
-              <a:t>{</a:t>
-            </a:r>
-          </a:p>
-          <a:p>
-            <a:pPr marL="169863" indent="-169863">
-              <a:spcBef>
-                <a:spcPct val="40000"/>
-              </a:spcBef>
-            </a:pPr>
-            <a:r>
-              <a:rPr lang="en-US" altLang="zh-CN" sz="800" i="0">
-                <a:latin typeface="Courier New" charset="0"/>
-                <a:ea typeface="宋体" pitchFamily="-65" charset="-128"/>
-                <a:cs typeface="Courier New" charset="0"/>
-              </a:rPr>
-              <a:t> virtual ::CCM_DDS::CCM_string_RawListener_ptr</a:t>
-            </a:r>
-          </a:p>
-          <a:p>
-            <a:pPr marL="169863" indent="-169863">
-              <a:spcBef>
-                <a:spcPct val="40000"/>
-              </a:spcBef>
-            </a:pPr>
-            <a:r>
-              <a:rPr lang="en-US" altLang="zh-CN" sz="800" i="0">
-                <a:latin typeface="Courier New" charset="0"/>
-                <a:ea typeface="宋体" pitchFamily="-65" charset="-128"/>
-                <a:cs typeface="Courier New" charset="0"/>
-              </a:rPr>
-              <a:t>    get_read_message_listener (void);</a:t>
-            </a:r>
-          </a:p>
-          <a:p>
-            <a:pPr marL="169863" indent="-169863">
-              <a:spcBef>
-                <a:spcPct val="40000"/>
-              </a:spcBef>
-            </a:pPr>
-            <a:endParaRPr lang="en-US" altLang="zh-CN" sz="800" i="0">
+              <a:t>Receiver_exec_i</a:t>
+            </a:r>
+            <a:endParaRPr lang="en-US" altLang="zh-CN" sz="800" i="0" dirty="0">
               <a:latin typeface="Courier New" charset="0"/>
               <a:ea typeface="宋体" pitchFamily="-65" charset="-128"/>
               <a:cs typeface="Courier New" charset="0"/>
@@ -19839,12 +20145,28 @@
               </a:spcBef>
             </a:pPr>
             <a:r>
-              <a:rPr lang="en-US" altLang="zh-CN" sz="800" i="0">
+              <a:rPr lang="en-US" altLang="zh-CN" sz="800" i="0" dirty="0">
                 <a:latin typeface="Courier New" charset="0"/>
                 <a:ea typeface="宋体" pitchFamily="-65" charset="-128"/>
                 <a:cs typeface="Courier New" charset="0"/>
               </a:rPr>
-              <a:t>  virtual ::CCM_DDS::CCM_PortStatusListener_ptr</a:t>
+              <a:t>  : public virtual </a:t>
+            </a:r>
+            <a:r>
+              <a:rPr lang="en-US" altLang="zh-CN" sz="800" i="0" dirty="0" err="1">
+                <a:latin typeface="Courier New" charset="0"/>
+                <a:ea typeface="宋体" pitchFamily="-65" charset="-128"/>
+                <a:cs typeface="Courier New" charset="0"/>
+              </a:rPr>
+              <a:t>Receiver_Exec</a:t>
+            </a:r>
+            <a:r>
+              <a:rPr lang="en-US" altLang="zh-CN" sz="800" i="0" dirty="0">
+                <a:latin typeface="Courier New" charset="0"/>
+                <a:ea typeface="宋体" pitchFamily="-65" charset="-128"/>
+                <a:cs typeface="Courier New" charset="0"/>
+              </a:rPr>
+              <a:t>,</a:t>
             </a:r>
           </a:p>
           <a:p>
@@ -19854,21 +20176,22 @@
               </a:spcBef>
             </a:pPr>
             <a:r>
-              <a:rPr lang="en-US" altLang="zh-CN" sz="800" i="0">
+              <a:rPr lang="en-US" altLang="zh-CN" sz="800" i="0" dirty="0">
                 <a:latin typeface="Courier New" charset="0"/>
                 <a:ea typeface="宋体" pitchFamily="-65" charset="-128"/>
                 <a:cs typeface="Courier New" charset="0"/>
               </a:rPr>
-              <a:t>    get_read_message_status (void);</a:t>
-            </a:r>
-          </a:p>
-          <a:p>
-            <a:pPr marL="169863" indent="-169863">
-              <a:spcBef>
-                <a:spcPct val="40000"/>
-              </a:spcBef>
-            </a:pPr>
-            <a:endParaRPr lang="en-US" altLang="zh-CN" sz="800" i="0">
+              <a:t>    public virtual ::CORBA::</a:t>
+            </a:r>
+            <a:r>
+              <a:rPr lang="en-US" altLang="zh-CN" sz="800" i="0" dirty="0" err="1">
+                <a:latin typeface="Courier New" charset="0"/>
+                <a:ea typeface="宋体" pitchFamily="-65" charset="-128"/>
+                <a:cs typeface="Courier New" charset="0"/>
+              </a:rPr>
+              <a:t>LocalObject</a:t>
+            </a:r>
+            <a:endParaRPr lang="en-US" altLang="zh-CN" sz="800" i="0" dirty="0">
               <a:latin typeface="Courier New" charset="0"/>
               <a:ea typeface="宋体" pitchFamily="-65" charset="-128"/>
               <a:cs typeface="Courier New" charset="0"/>
@@ -19881,12 +20204,12 @@
               </a:spcBef>
             </a:pPr>
             <a:r>
-              <a:rPr lang="en-US" altLang="zh-CN" sz="800" i="0">
+              <a:rPr lang="en-US" altLang="zh-CN" sz="800" i="0" dirty="0">
                 <a:latin typeface="Courier New" charset="0"/>
                 <a:ea typeface="宋体" pitchFamily="-65" charset="-128"/>
                 <a:cs typeface="Courier New" charset="0"/>
               </a:rPr>
-              <a:t>  // Operations from Components::SessionComponent.</a:t>
+              <a:t>{</a:t>
             </a:r>
           </a:p>
           <a:p>
@@ -19895,7 +20218,23 @@
                 <a:spcPct val="40000"/>
               </a:spcBef>
             </a:pPr>
-            <a:endParaRPr lang="en-US" altLang="zh-CN" sz="800" i="0">
+            <a:r>
+              <a:rPr lang="en-US" altLang="zh-CN" sz="800" i="0" dirty="0">
+                <a:latin typeface="Courier New" charset="0"/>
+                <a:ea typeface="宋体" pitchFamily="-65" charset="-128"/>
+                <a:cs typeface="Courier New" charset="0"/>
+              </a:rPr>
+              <a:t> virtual ::CCM_DDS::</a:t>
+            </a:r>
+            <a:r>
+              <a:rPr lang="en-US" altLang="zh-CN" sz="800" i="0" dirty="0" err="1">
+                <a:latin typeface="Courier New" charset="0"/>
+                <a:ea typeface="宋体" pitchFamily="-65" charset="-128"/>
+                <a:cs typeface="Courier New" charset="0"/>
+              </a:rPr>
+              <a:t>CCM_string_RawListener_ptr</a:t>
+            </a:r>
+            <a:endParaRPr lang="en-US" altLang="zh-CN" sz="800" i="0" dirty="0">
               <a:latin typeface="Courier New" charset="0"/>
               <a:ea typeface="宋体" pitchFamily="-65" charset="-128"/>
               <a:cs typeface="Courier New" charset="0"/>
@@ -19908,12 +20247,28 @@
               </a:spcBef>
             </a:pPr>
             <a:r>
-              <a:rPr lang="en-US" altLang="zh-CN" sz="800" i="0">
+              <a:rPr lang="en-US" altLang="zh-CN" sz="800" i="0" dirty="0">
                 <a:latin typeface="Courier New" charset="0"/>
                 <a:ea typeface="宋体" pitchFamily="-65" charset="-128"/>
                 <a:cs typeface="Courier New" charset="0"/>
               </a:rPr>
-              <a:t>  virtual void</a:t>
+              <a:t>    </a:t>
+            </a:r>
+            <a:r>
+              <a:rPr lang="en-US" altLang="zh-CN" sz="800" i="0" dirty="0" err="1">
+                <a:latin typeface="Courier New" charset="0"/>
+                <a:ea typeface="宋体" pitchFamily="-65" charset="-128"/>
+                <a:cs typeface="Courier New" charset="0"/>
+              </a:rPr>
+              <a:t>get_read_message_listener</a:t>
+            </a:r>
+            <a:r>
+              <a:rPr lang="en-US" altLang="zh-CN" sz="800" i="0" dirty="0">
+                <a:latin typeface="Courier New" charset="0"/>
+                <a:ea typeface="宋体" pitchFamily="-65" charset="-128"/>
+                <a:cs typeface="Courier New" charset="0"/>
+              </a:rPr>
+              <a:t> (void);</a:t>
             </a:r>
           </a:p>
           <a:p>
@@ -19922,37 +20277,7 @@
                 <a:spcPct val="40000"/>
               </a:spcBef>
             </a:pPr>
-            <a:r>
-              <a:rPr lang="en-US" altLang="zh-CN" sz="800" i="0">
-                <a:latin typeface="Courier New" charset="0"/>
-                <a:ea typeface="宋体" pitchFamily="-65" charset="-128"/>
-                <a:cs typeface="Courier New" charset="0"/>
-              </a:rPr>
-              <a:t>    set_session_context (</a:t>
-            </a:r>
-          </a:p>
-          <a:p>
-            <a:pPr marL="169863" indent="-169863">
-              <a:spcBef>
-                <a:spcPct val="40000"/>
-              </a:spcBef>
-            </a:pPr>
-            <a:r>
-              <a:rPr lang="en-US" altLang="zh-CN" sz="800" i="0">
-                <a:latin typeface="Courier New" charset="0"/>
-                <a:ea typeface="宋体" pitchFamily="-65" charset="-128"/>
-                <a:cs typeface="Courier New" charset="0"/>
-              </a:rPr>
-              <a:t>                         ::Components::SessionContext_ptr ctx);</a:t>
-            </a:r>
-          </a:p>
-          <a:p>
-            <a:pPr marL="169863" indent="-169863">
-              <a:spcBef>
-                <a:spcPct val="40000"/>
-              </a:spcBef>
-            </a:pPr>
-            <a:endParaRPr lang="en-US" altLang="zh-CN" sz="800" i="0">
+            <a:endParaRPr lang="en-US" altLang="zh-CN" sz="800" i="0" dirty="0">
               <a:latin typeface="Courier New" charset="0"/>
               <a:ea typeface="宋体" pitchFamily="-65" charset="-128"/>
               <a:cs typeface="Courier New" charset="0"/>
@@ -19965,21 +20290,22 @@
               </a:spcBef>
             </a:pPr>
             <a:r>
-              <a:rPr lang="en-US" altLang="zh-CN" sz="800" i="0">
+              <a:rPr lang="en-US" altLang="zh-CN" sz="800" i="0" dirty="0">
                 <a:latin typeface="Courier New" charset="0"/>
                 <a:ea typeface="宋体" pitchFamily="-65" charset="-128"/>
                 <a:cs typeface="Courier New" charset="0"/>
               </a:rPr>
-              <a:t>  virtual void configuration_complete (void);</a:t>
-            </a:r>
-          </a:p>
-          <a:p>
-            <a:pPr marL="169863" indent="-169863">
-              <a:spcBef>
-                <a:spcPct val="40000"/>
-              </a:spcBef>
-            </a:pPr>
-            <a:endParaRPr lang="en-US" altLang="zh-CN" sz="800" i="0">
+              <a:t>  virtual ::CCM_DDS::</a:t>
+            </a:r>
+            <a:r>
+              <a:rPr lang="en-US" altLang="zh-CN" sz="800" i="0" dirty="0" err="1">
+                <a:latin typeface="Courier New" charset="0"/>
+                <a:ea typeface="宋体" pitchFamily="-65" charset="-128"/>
+                <a:cs typeface="Courier New" charset="0"/>
+              </a:rPr>
+              <a:t>CCM_PortStatusListener_ptr</a:t>
+            </a:r>
+            <a:endParaRPr lang="en-US" altLang="zh-CN" sz="800" i="0" dirty="0">
               <a:latin typeface="Courier New" charset="0"/>
               <a:ea typeface="宋体" pitchFamily="-65" charset="-128"/>
               <a:cs typeface="Courier New" charset="0"/>
@@ -19992,12 +20318,28 @@
               </a:spcBef>
             </a:pPr>
             <a:r>
-              <a:rPr lang="en-US" altLang="zh-CN" sz="800" i="0">
+              <a:rPr lang="en-US" altLang="zh-CN" sz="800" i="0" dirty="0">
                 <a:latin typeface="Courier New" charset="0"/>
                 <a:ea typeface="宋体" pitchFamily="-65" charset="-128"/>
                 <a:cs typeface="Courier New" charset="0"/>
               </a:rPr>
-              <a:t>  virtual void ccm_activate (void);</a:t>
+              <a:t>    </a:t>
+            </a:r>
+            <a:r>
+              <a:rPr lang="en-US" altLang="zh-CN" sz="800" i="0" dirty="0" err="1">
+                <a:latin typeface="Courier New" charset="0"/>
+                <a:ea typeface="宋体" pitchFamily="-65" charset="-128"/>
+                <a:cs typeface="Courier New" charset="0"/>
+              </a:rPr>
+              <a:t>get_read_message_status</a:t>
+            </a:r>
+            <a:r>
+              <a:rPr lang="en-US" altLang="zh-CN" sz="800" i="0" dirty="0">
+                <a:latin typeface="Courier New" charset="0"/>
+                <a:ea typeface="宋体" pitchFamily="-65" charset="-128"/>
+                <a:cs typeface="Courier New" charset="0"/>
+              </a:rPr>
+              <a:t> (void);</a:t>
             </a:r>
           </a:p>
           <a:p>
@@ -20006,52 +20348,7 @@
                 <a:spcPct val="40000"/>
               </a:spcBef>
             </a:pPr>
-            <a:r>
-              <a:rPr lang="en-US" altLang="zh-CN" sz="800" i="0">
-                <a:latin typeface="Courier New" charset="0"/>
-                <a:ea typeface="宋体" pitchFamily="-65" charset="-128"/>
-                <a:cs typeface="Courier New" charset="0"/>
-              </a:rPr>
-              <a:t>  virtual void ccm_passivate (void);</a:t>
-            </a:r>
-          </a:p>
-          <a:p>
-            <a:pPr marL="169863" indent="-169863">
-              <a:spcBef>
-                <a:spcPct val="40000"/>
-              </a:spcBef>
-            </a:pPr>
-            <a:r>
-              <a:rPr lang="en-US" altLang="zh-CN" sz="800" i="0">
-                <a:latin typeface="Courier New" charset="0"/>
-                <a:ea typeface="宋体" pitchFamily="-65" charset="-128"/>
-                <a:cs typeface="Courier New" charset="0"/>
-              </a:rPr>
-              <a:t>  virtual void ccm_remove (void);</a:t>
-            </a:r>
-          </a:p>
-          <a:p>
-            <a:pPr marL="169863" indent="-169863">
-              <a:spcBef>
-                <a:spcPct val="40000"/>
-              </a:spcBef>
-            </a:pPr>
-            <a:r>
-              <a:rPr lang="en-US" altLang="zh-CN" sz="800" i="0">
-                <a:latin typeface="Courier New" charset="0"/>
-                <a:ea typeface="宋体" pitchFamily="-65" charset="-128"/>
-                <a:cs typeface="Courier New" charset="0"/>
-              </a:rPr>
-              <a:t>};</a:t>
-            </a:r>
-          </a:p>
-          <a:p>
-            <a:pPr marL="169863" indent="-169863">
-              <a:spcBef>
-                <a:spcPct val="40000"/>
-              </a:spcBef>
-            </a:pPr>
-            <a:endParaRPr lang="en-US" altLang="zh-CN" sz="800" i="0">
+            <a:endParaRPr lang="en-US" altLang="zh-CN" sz="800" i="0" dirty="0" smtClean="0">
               <a:latin typeface="Courier New" charset="0"/>
               <a:ea typeface="宋体" pitchFamily="-65" charset="-128"/>
               <a:cs typeface="Courier New" charset="0"/>
@@ -20064,13 +20361,26 @@
               </a:spcBef>
             </a:pPr>
             <a:r>
-              <a:rPr lang="en-US" altLang="zh-CN" sz="800" i="0">
+              <a:rPr lang="en-US" altLang="zh-CN" sz="800" i="0" dirty="0" smtClean="0">
                 <a:latin typeface="Courier New" charset="0"/>
                 <a:ea typeface="宋体" pitchFamily="-65" charset="-128"/>
                 <a:cs typeface="Courier New" charset="0"/>
               </a:rPr>
-              <a:t> ::CCM_DDS::CCM_string_RawListener_ptr</a:t>
-            </a:r>
+              <a:t> </a:t>
+            </a:r>
+            <a:r>
+              <a:rPr lang="en-US" altLang="zh-CN" sz="800" i="0" dirty="0" smtClean="0">
+                <a:latin typeface="Courier New" charset="0"/>
+                <a:ea typeface="宋体" pitchFamily="-65" charset="-128"/>
+                <a:cs typeface="Courier New" charset="0"/>
+              </a:rPr>
+              <a:t> ….</a:t>
+            </a:r>
+            <a:endParaRPr lang="en-US" altLang="zh-CN" sz="800" i="0" dirty="0">
+              <a:latin typeface="Courier New" charset="0"/>
+              <a:ea typeface="宋体" pitchFamily="-65" charset="-128"/>
+              <a:cs typeface="Courier New" charset="0"/>
+            </a:endParaRPr>
           </a:p>
           <a:p>
             <a:pPr marL="169863" indent="-169863">
@@ -20079,13 +20389,18 @@
               </a:spcBef>
             </a:pPr>
             <a:r>
-              <a:rPr lang="en-US" altLang="zh-CN" sz="800" i="0">
+              <a:rPr lang="en-US" altLang="zh-CN" sz="800" i="0" dirty="0" smtClean="0">
                 <a:latin typeface="Courier New" charset="0"/>
                 <a:ea typeface="宋体" pitchFamily="-65" charset="-128"/>
                 <a:cs typeface="Courier New" charset="0"/>
               </a:rPr>
-              <a:t>  Receiver_exec_i::get_read_message_listener (void)</a:t>
-            </a:r>
+              <a:t>};</a:t>
+            </a:r>
+            <a:endParaRPr lang="en-US" altLang="zh-CN" sz="800" i="0" dirty="0">
+              <a:latin typeface="Courier New" charset="0"/>
+              <a:ea typeface="宋体" pitchFamily="-65" charset="-128"/>
+              <a:cs typeface="Courier New" charset="0"/>
+            </a:endParaRPr>
           </a:p>
           <a:p>
             <a:pPr marL="169863" indent="-169863">
@@ -20093,12 +20408,99 @@
                 <a:spcPct val="40000"/>
               </a:spcBef>
             </a:pPr>
-            <a:r>
-              <a:rPr lang="en-US" altLang="zh-CN" sz="800" i="0">
+            <a:endParaRPr lang="en-US" altLang="zh-CN" sz="800" i="0" dirty="0">
+              <a:latin typeface="Courier New" charset="0"/>
+              <a:ea typeface="宋体" pitchFamily="-65" charset="-128"/>
+              <a:cs typeface="Courier New" charset="0"/>
+            </a:endParaRPr>
+          </a:p>
+          <a:p>
+            <a:pPr marL="169863" indent="-169863">
+              <a:spcBef>
+                <a:spcPct val="40000"/>
+              </a:spcBef>
+            </a:pPr>
+            <a:r>
+              <a:rPr lang="en-US" altLang="zh-CN" sz="800" i="0" dirty="0">
                 <a:latin typeface="Courier New" charset="0"/>
                 <a:ea typeface="宋体" pitchFamily="-65" charset="-128"/>
                 <a:cs typeface="Courier New" charset="0"/>
               </a:rPr>
+              <a:t> ::CCM_DDS::</a:t>
+            </a:r>
+            <a:r>
+              <a:rPr lang="en-US" altLang="zh-CN" sz="800" i="0" dirty="0" err="1">
+                <a:latin typeface="Courier New" charset="0"/>
+                <a:ea typeface="宋体" pitchFamily="-65" charset="-128"/>
+                <a:cs typeface="Courier New" charset="0"/>
+              </a:rPr>
+              <a:t>CCM_string_RawListener_ptr</a:t>
+            </a:r>
+            <a:endParaRPr lang="en-US" altLang="zh-CN" sz="800" i="0" dirty="0">
+              <a:latin typeface="Courier New" charset="0"/>
+              <a:ea typeface="宋体" pitchFamily="-65" charset="-128"/>
+              <a:cs typeface="Courier New" charset="0"/>
+            </a:endParaRPr>
+          </a:p>
+          <a:p>
+            <a:pPr marL="169863" indent="-169863">
+              <a:spcBef>
+                <a:spcPct val="40000"/>
+              </a:spcBef>
+            </a:pPr>
+            <a:r>
+              <a:rPr lang="en-US" altLang="zh-CN" sz="800" i="0" dirty="0">
+                <a:latin typeface="Courier New" charset="0"/>
+                <a:ea typeface="宋体" pitchFamily="-65" charset="-128"/>
+                <a:cs typeface="Courier New" charset="0"/>
+              </a:rPr>
+              <a:t>  </a:t>
+            </a:r>
+            <a:r>
+              <a:rPr lang="en-US" altLang="zh-CN" sz="800" i="0" dirty="0" err="1">
+                <a:latin typeface="Courier New" charset="0"/>
+                <a:ea typeface="宋体" pitchFamily="-65" charset="-128"/>
+                <a:cs typeface="Courier New" charset="0"/>
+              </a:rPr>
+              <a:t>Receiver_exec_i</a:t>
+            </a:r>
+            <a:r>
+              <a:rPr lang="en-US" altLang="zh-CN" sz="800" i="0" dirty="0">
+                <a:latin typeface="Courier New" charset="0"/>
+                <a:ea typeface="宋体" pitchFamily="-65" charset="-128"/>
+                <a:cs typeface="Courier New" charset="0"/>
+              </a:rPr>
+              <a:t>::</a:t>
+            </a:r>
+            <a:r>
+              <a:rPr lang="en-US" altLang="zh-CN" sz="800" i="0" dirty="0" err="1">
+                <a:latin typeface="Courier New" charset="0"/>
+                <a:ea typeface="宋体" pitchFamily="-65" charset="-128"/>
+                <a:cs typeface="Courier New" charset="0"/>
+              </a:rPr>
+              <a:t>get_read_message_listener</a:t>
+            </a:r>
+            <a:r>
+              <a:rPr lang="en-US" altLang="zh-CN" sz="800" i="0" dirty="0">
+                <a:latin typeface="Courier New" charset="0"/>
+                <a:ea typeface="宋体" pitchFamily="-65" charset="-128"/>
+                <a:cs typeface="Courier New" charset="0"/>
+              </a:rPr>
+              <a:t> (void)</a:t>
+            </a:r>
+          </a:p>
+          <a:p>
+            <a:pPr marL="169863" indent="-169863">
+              <a:spcBef>
+                <a:spcPct val="40000"/>
+              </a:spcBef>
+            </a:pPr>
+            <a:r>
+              <a:rPr lang="en-US" altLang="zh-CN" sz="800" i="0" dirty="0">
+                <a:latin typeface="Courier New" charset="0"/>
+                <a:ea typeface="宋体" pitchFamily="-65" charset="-128"/>
+                <a:cs typeface="Courier New" charset="0"/>
+              </a:rPr>
               <a:t>  {</a:t>
             </a:r>
           </a:p>
@@ -20109,12 +20511,28 @@
               </a:spcBef>
             </a:pPr>
             <a:r>
-              <a:rPr lang="en-US" altLang="zh-CN" sz="800" i="0">
+              <a:rPr lang="en-US" altLang="zh-CN" sz="800" i="0" dirty="0">
                 <a:latin typeface="Courier New" charset="0"/>
                 <a:ea typeface="宋体" pitchFamily="-65" charset="-128"/>
                 <a:cs typeface="Courier New" charset="0"/>
               </a:rPr>
-              <a:t>    return new string_RawListener_exec_i (this-&gt;received_, this-&gt;name_);</a:t>
+              <a:t>    return new </a:t>
+            </a:r>
+            <a:r>
+              <a:rPr lang="en-US" altLang="zh-CN" sz="800" i="0" dirty="0" err="1">
+                <a:latin typeface="Courier New" charset="0"/>
+                <a:ea typeface="宋体" pitchFamily="-65" charset="-128"/>
+                <a:cs typeface="Courier New" charset="0"/>
+              </a:rPr>
+              <a:t>string_RawListener_exec_i</a:t>
+            </a:r>
+            <a:r>
+              <a:rPr lang="en-US" altLang="zh-CN" sz="800" i="0" dirty="0">
+                <a:latin typeface="Courier New" charset="0"/>
+                <a:ea typeface="宋体" pitchFamily="-65" charset="-128"/>
+                <a:cs typeface="Courier New" charset="0"/>
+              </a:rPr>
+              <a:t> (this-&gt;received_, this-&gt;name_);</a:t>
             </a:r>
           </a:p>
           <a:p>
@@ -20124,7 +20542,7 @@
               </a:spcBef>
             </a:pPr>
             <a:r>
-              <a:rPr lang="en-US" altLang="zh-CN" sz="800" i="0">
+              <a:rPr lang="en-US" altLang="zh-CN" sz="800" i="0" dirty="0">
                 <a:latin typeface="Courier New" charset="0"/>
                 <a:ea typeface="宋体" pitchFamily="-65" charset="-128"/>
                 <a:cs typeface="Courier New" charset="0"/>
@@ -20329,14 +20747,7 @@
                 <a:ea typeface="宋体" pitchFamily="-65" charset="-128"/>
                 <a:cs typeface="Times New Roman" charset="0"/>
               </a:rPr>
-              <a:t>Sender/Receiver </a:t>
-            </a:r>
-            <a:r>
-              <a:rPr lang="en-US" altLang="zh-CN" sz="2000" i="0" dirty="0" smtClean="0">
-                <a:ea typeface="宋体" pitchFamily="-65" charset="-128"/>
-                <a:cs typeface="Times New Roman" charset="0"/>
-              </a:rPr>
-              <a:t>components</a:t>
+              <a:t>Sender/Receiver components</a:t>
             </a:r>
           </a:p>
           <a:p>
@@ -21136,7 +21547,17 @@
                 <a:ea typeface="宋体" pitchFamily="-65" charset="-128"/>
                 <a:cs typeface="宋体" pitchFamily="-65" charset="-128"/>
               </a:rPr>
-              <a:t>Iteration 2</a:t>
+              <a:t>Results iteration </a:t>
+            </a:r>
+            <a:r>
+              <a:rPr lang="en-US" altLang="zh-CN" sz="3200" i="0" dirty="0" smtClean="0">
+                <a:solidFill>
+                  <a:srgbClr val="FF0000"/>
+                </a:solidFill>
+                <a:ea typeface="宋体" pitchFamily="-65" charset="-128"/>
+                <a:cs typeface="宋体" pitchFamily="-65" charset="-128"/>
+              </a:rPr>
+              <a:t>2</a:t>
             </a:r>
             <a:endParaRPr lang="en-US" altLang="zh-CN" sz="3200" i="0" dirty="0">
               <a:solidFill>
@@ -21318,8 +21739,35 @@
                 <a:ea typeface="宋体" pitchFamily="-65" charset="-128"/>
                 <a:cs typeface="Times New Roman" charset="0"/>
               </a:rPr>
-              <a:t>Delayed implementing more DDS ports in the prototype</a:t>
-            </a:r>
+              <a:t>Delayed implementing more DDS ports in the </a:t>
+            </a:r>
+            <a:r>
+              <a:rPr lang="en-US" altLang="zh-CN" sz="2000" i="0" dirty="0" smtClean="0">
+                <a:ea typeface="宋体" pitchFamily="-65" charset="-128"/>
+                <a:cs typeface="Times New Roman" charset="0"/>
+              </a:rPr>
+              <a:t>prototype</a:t>
+            </a:r>
+          </a:p>
+          <a:p>
+            <a:pPr marL="627063" lvl="1" indent="-169863">
+              <a:spcBef>
+                <a:spcPct val="40000"/>
+              </a:spcBef>
+              <a:buFontTx/>
+              <a:buChar char="•"/>
+            </a:pPr>
+            <a:r>
+              <a:rPr lang="en-US" altLang="zh-CN" sz="2000" i="0" dirty="0" smtClean="0">
+                <a:ea typeface="宋体" pitchFamily="-65" charset="-128"/>
+                <a:cs typeface="Times New Roman" charset="0"/>
+              </a:rPr>
+              <a:t>Delayed detailed spec compliance check</a:t>
+            </a:r>
+            <a:endParaRPr lang="en-US" altLang="zh-CN" sz="2000" i="0" dirty="0" smtClean="0">
+              <a:ea typeface="宋体" pitchFamily="-65" charset="-128"/>
+              <a:cs typeface="Times New Roman" charset="0"/>
+            </a:endParaRPr>
           </a:p>
           <a:p>
             <a:pPr marL="169863" indent="-169863">
@@ -22941,15 +23389,57 @@
                 <a:ea typeface="Courier New" charset="0"/>
                 <a:cs typeface="Courier New" charset="0"/>
               </a:rPr>
+              <a:t>    virtual void</a:t>
+            </a:r>
+          </a:p>
+          <a:p>
+            <a:r>
+              <a:rPr lang="nl-NL" sz="1100" i="0" dirty="0" smtClean="0">
+                <a:latin typeface="Courier New" charset="0"/>
+                <a:ea typeface="Courier New" charset="0"/>
+                <a:cs typeface="Courier New" charset="0"/>
+              </a:rPr>
+              <a:t>    foo_callback_handler (</a:t>
+            </a:r>
+          </a:p>
+          <a:p>
+            <a:r>
+              <a:rPr lang="nl-NL" sz="1100" i="0" dirty="0" smtClean="0">
+                <a:latin typeface="Courier New" charset="0"/>
+                <a:ea typeface="Courier New" charset="0"/>
+                <a:cs typeface="Courier New" charset="0"/>
+              </a:rPr>
+              <a:t>      ::CORBA::Long result,</a:t>
+            </a:r>
+          </a:p>
+          <a:p>
+            <a:r>
+              <a:rPr lang="nl-NL" sz="1100" i="0" dirty="0" smtClean="0">
+                <a:latin typeface="Courier New" charset="0"/>
+                <a:ea typeface="Courier New" charset="0"/>
+                <a:cs typeface="Courier New" charset="0"/>
+              </a:rPr>
+              <a:t>      const char * answer);</a:t>
+            </a:r>
+          </a:p>
+          <a:p>
+            <a:r>
+              <a:rPr lang="nl-NL" sz="1100" i="0" dirty="0" smtClean="0">
+                <a:latin typeface="Courier New" charset="0"/>
+                <a:ea typeface="Courier New" charset="0"/>
+                <a:cs typeface="Courier New" charset="0"/>
+              </a:rPr>
               <a:t>    </a:t>
             </a:r>
+          </a:p>
+          <a:p>
             <a:r>
               <a:rPr lang="nl-NL" sz="1100" i="0" dirty="0" smtClean="0">
                 <a:latin typeface="Courier New" charset="0"/>
                 <a:ea typeface="Courier New" charset="0"/>
                 <a:cs typeface="Courier New" charset="0"/>
               </a:rPr>
-              <a:t>virtual void</a:t>
+              <a:t>    virtual void</a:t>
             </a:r>
           </a:p>
           <a:p>
@@ -22959,7 +23449,7 @@
                 <a:ea typeface="Courier New" charset="0"/>
                 <a:cs typeface="Courier New" charset="0"/>
               </a:rPr>
-              <a:t>    foo_callback_handler (</a:t>
+              <a:t>    foo_callback_excep (</a:t>
             </a:r>
           </a:p>
           <a:p>
@@ -22969,7 +23459,7 @@
                 <a:ea typeface="Courier New" charset="0"/>
                 <a:cs typeface="Courier New" charset="0"/>
               </a:rPr>
-              <a:t>      ::CORBA::Long result,</a:t>
+              <a:t>      const ::CCM_AMI::InternalException &amp; exception_holder);</a:t>
             </a:r>
           </a:p>
           <a:p>
@@ -22979,70 +23469,7 @@
                 <a:ea typeface="Courier New" charset="0"/>
                 <a:cs typeface="Courier New" charset="0"/>
               </a:rPr>
-              <a:t>      const char * answer);</a:t>
-            </a:r>
-          </a:p>
-          <a:p>
-            <a:r>
-              <a:rPr lang="nl-NL" sz="1100" i="0" dirty="0" smtClean="0">
-                <a:latin typeface="Courier New" charset="0"/>
-                <a:ea typeface="Courier New" charset="0"/>
-                <a:cs typeface="Courier New" charset="0"/>
-              </a:rPr>
-              <a:t>    </a:t>
-            </a:r>
-            <a:endParaRPr lang="nl-NL" sz="1100" i="0" dirty="0" smtClean="0">
-              <a:latin typeface="Courier New" charset="0"/>
-              <a:ea typeface="Courier New" charset="0"/>
-              <a:cs typeface="Courier New" charset="0"/>
-            </a:endParaRPr>
-          </a:p>
-          <a:p>
-            <a:r>
-              <a:rPr lang="nl-NL" sz="1100" i="0" dirty="0" smtClean="0">
-                <a:latin typeface="Courier New" charset="0"/>
-                <a:ea typeface="Courier New" charset="0"/>
-                <a:cs typeface="Courier New" charset="0"/>
-              </a:rPr>
-              <a:t>    virtual void</a:t>
-            </a:r>
-          </a:p>
-          <a:p>
-            <a:r>
-              <a:rPr lang="nl-NL" sz="1100" i="0" dirty="0" smtClean="0">
-                <a:latin typeface="Courier New" charset="0"/>
-                <a:ea typeface="Courier New" charset="0"/>
-                <a:cs typeface="Courier New" charset="0"/>
-              </a:rPr>
-              <a:t>    foo_callback_excep (</a:t>
-            </a:r>
-          </a:p>
-          <a:p>
-            <a:r>
-              <a:rPr lang="nl-NL" sz="1100" i="0" dirty="0" smtClean="0">
-                <a:latin typeface="Courier New" charset="0"/>
-                <a:ea typeface="Courier New" charset="0"/>
-                <a:cs typeface="Courier New" charset="0"/>
-              </a:rPr>
-              <a:t>      const ::CCM_AMI::InternalException &amp; exception_holder);</a:t>
-            </a:r>
-          </a:p>
-          <a:p>
-            <a:r>
-              <a:rPr lang="nl-NL" sz="1100" i="0" dirty="0" smtClean="0">
-                <a:latin typeface="Courier New" charset="0"/>
-                <a:ea typeface="Courier New" charset="0"/>
-                <a:cs typeface="Courier New" charset="0"/>
-              </a:rPr>
-              <a:t>  </a:t>
-            </a:r>
-            <a:r>
-              <a:rPr lang="nl-NL" sz="1100" i="0" dirty="0" smtClean="0">
-                <a:latin typeface="Courier New" charset="0"/>
-                <a:ea typeface="Courier New" charset="0"/>
-                <a:cs typeface="Courier New" charset="0"/>
-              </a:rPr>
-              <a:t>};</a:t>
+              <a:t>  };</a:t>
             </a:r>
             <a:r>
               <a:rPr lang="nl-NL" sz="1100" i="0" dirty="0">
@@ -23595,21 +24022,8 @@
                 <a:ea typeface="Courier New" charset="0"/>
                 <a:cs typeface="Courier New" charset="0"/>
               </a:rPr>
-              <a:t> </a:t>
-            </a:r>
-            <a:r>
-              <a:rPr lang="en-US" sz="1100" i="0" dirty="0" smtClean="0">
-                <a:latin typeface="Courier New" charset="0"/>
-                <a:ea typeface="Courier New" charset="0"/>
-                <a:cs typeface="Courier New" charset="0"/>
-              </a:rPr>
-              <a:t>=</a:t>
-            </a:r>
-            <a:endParaRPr lang="en-US" sz="1100" i="0" dirty="0" smtClean="0">
-              <a:latin typeface="Courier New" charset="0"/>
-              <a:ea typeface="Courier New" charset="0"/>
-              <a:cs typeface="Courier New" charset="0"/>
-            </a:endParaRPr>
+              <a:t> =</a:t>
+            </a:r>
           </a:p>
           <a:p>
             <a:r>
@@ -23865,11 +24279,6 @@
               </a:rPr>
               <a:t>$CIAO_ROOT/connectors/ami4ccm/examples/Hello</a:t>
             </a:r>
-            <a:endParaRPr lang="en-US" altLang="zh-CN" sz="2000" i="0" dirty="0" smtClean="0">
-              <a:latin typeface="+mn-lt"/>
-              <a:ea typeface="宋体" pitchFamily="-65" charset="-128"/>
-              <a:cs typeface="Times New Roman" charset="0"/>
-            </a:endParaRPr>
           </a:p>
           <a:p>
             <a:pPr>
@@ -24031,17 +24440,7 @@
                 <a:ea typeface="宋体" pitchFamily="-65" charset="-128"/>
                 <a:cs typeface="宋体" pitchFamily="-65" charset="-128"/>
               </a:rPr>
-              <a:t>Possible OMG </a:t>
-            </a:r>
-            <a:r>
-              <a:rPr lang="en-US" altLang="zh-CN" sz="3200" i="0" dirty="0" smtClean="0">
-                <a:solidFill>
-                  <a:srgbClr val="FF0000"/>
-                </a:solidFill>
-                <a:ea typeface="宋体" pitchFamily="-65" charset="-128"/>
-                <a:cs typeface="宋体" pitchFamily="-65" charset="-128"/>
-              </a:rPr>
-              <a:t>Process</a:t>
+              <a:t>Possible OMG Process</a:t>
             </a:r>
             <a:endParaRPr lang="en-US" altLang="zh-CN" sz="3200" i="0" dirty="0">
               <a:solidFill>
@@ -24253,7 +24652,39 @@
                 <a:ea typeface="Courier New" charset="0"/>
                 <a:cs typeface="Courier New" charset="0"/>
               </a:rPr>
-              <a:t>Around 1 to 2 weeks of preparation for each meeting</a:t>
+              <a:t>Around </a:t>
+            </a:r>
+            <a:r>
+              <a:rPr lang="nl-NL" sz="2000" i="0" dirty="0" smtClean="0">
+                <a:latin typeface="+mn-lt"/>
+                <a:ea typeface="Courier New" charset="0"/>
+                <a:cs typeface="Courier New" charset="0"/>
+              </a:rPr>
+              <a:t>2 </a:t>
+            </a:r>
+            <a:r>
+              <a:rPr lang="nl-NL" sz="2000" i="0" dirty="0" smtClean="0">
+                <a:latin typeface="+mn-lt"/>
+                <a:ea typeface="Courier New" charset="0"/>
+                <a:cs typeface="Courier New" charset="0"/>
+              </a:rPr>
+              <a:t>weeks of </a:t>
+            </a:r>
+            <a:r>
+              <a:rPr lang="nl-NL" sz="2000" i="0" dirty="0" smtClean="0">
+                <a:latin typeface="+mn-lt"/>
+                <a:ea typeface="Courier New" charset="0"/>
+                <a:cs typeface="Courier New" charset="0"/>
+              </a:rPr>
+              <a:t>work </a:t>
+            </a:r>
+            <a:r>
+              <a:rPr lang="nl-NL" sz="2000" i="0" dirty="0" smtClean="0">
+                <a:latin typeface="+mn-lt"/>
+                <a:ea typeface="Courier New" charset="0"/>
+                <a:cs typeface="Courier New" charset="0"/>
+              </a:rPr>
+              <a:t>for each meeting</a:t>
             </a:r>
           </a:p>
           <a:p>
@@ -24517,6 +24948,79 @@
               <a:buFontTx/>
               <a:buChar char="•"/>
             </a:pPr>
+            <a:r>
+              <a:rPr lang="en-US" altLang="zh-CN" sz="2000" i="0" dirty="0" smtClean="0">
+                <a:ea typeface="宋体" pitchFamily="-65" charset="-128"/>
+                <a:cs typeface="Times New Roman" charset="0"/>
+              </a:rPr>
+              <a:t>Add support for specifying QoS </a:t>
+            </a:r>
+            <a:r>
+              <a:rPr lang="en-US" altLang="zh-CN" sz="2000" i="0" dirty="0" smtClean="0">
+                <a:ea typeface="宋体" pitchFamily="-65" charset="-128"/>
+                <a:cs typeface="Times New Roman" charset="0"/>
+              </a:rPr>
+              <a:t>using</a:t>
+            </a:r>
+            <a:r>
+              <a:rPr lang="en-US" altLang="zh-CN" sz="2000" i="0" dirty="0" smtClean="0">
+                <a:ea typeface="宋体" pitchFamily="-65" charset="-128"/>
+                <a:cs typeface="Times New Roman" charset="0"/>
+              </a:rPr>
+              <a:t> a XML file</a:t>
+            </a:r>
+          </a:p>
+          <a:p>
+            <a:pPr marL="169863" indent="-169863">
+              <a:spcBef>
+                <a:spcPct val="40000"/>
+              </a:spcBef>
+              <a:buFontTx/>
+              <a:buChar char="•"/>
+            </a:pPr>
+            <a:r>
+              <a:rPr lang="en-US" altLang="zh-CN" sz="2000" i="0" dirty="0" smtClean="0">
+                <a:ea typeface="宋体" pitchFamily="-65" charset="-128"/>
+                <a:cs typeface="Times New Roman" charset="0"/>
+              </a:rPr>
+              <a:t>Finalize IDL2+/IDL3+</a:t>
+            </a:r>
+          </a:p>
+          <a:p>
+            <a:pPr marL="627063" lvl="1" indent="-169863">
+              <a:spcBef>
+                <a:spcPct val="40000"/>
+              </a:spcBef>
+              <a:buFontTx/>
+              <a:buChar char="•"/>
+            </a:pPr>
+            <a:r>
+              <a:rPr lang="en-US" altLang="zh-CN" sz="2000" i="0" dirty="0" err="1" smtClean="0">
+                <a:ea typeface="宋体" pitchFamily="-65" charset="-128"/>
+                <a:cs typeface="Times New Roman" charset="0"/>
+              </a:rPr>
+              <a:t>Templated</a:t>
+            </a:r>
+            <a:r>
+              <a:rPr lang="en-US" altLang="zh-CN" sz="2000" i="0" dirty="0" smtClean="0">
+                <a:ea typeface="宋体" pitchFamily="-65" charset="-128"/>
+                <a:cs typeface="Times New Roman" charset="0"/>
+              </a:rPr>
+              <a:t> interfaces, modules, ports, and connectors</a:t>
+            </a:r>
+            <a:endParaRPr lang="en-US" altLang="zh-CN" sz="2000" i="0" dirty="0" smtClean="0">
+              <a:ea typeface="宋体" pitchFamily="-65" charset="-128"/>
+              <a:cs typeface="Times New Roman" charset="0"/>
+            </a:endParaRPr>
+          </a:p>
+          <a:p>
+            <a:pPr marL="169863" indent="-169863">
+              <a:spcBef>
+                <a:spcPct val="40000"/>
+              </a:spcBef>
+              <a:buFontTx/>
+              <a:buChar char="•"/>
+            </a:pPr>
             <a:endParaRPr lang="en-US" altLang="zh-CN" sz="2000" i="0" dirty="0" smtClean="0">
               <a:ea typeface="宋体" pitchFamily="-65" charset="-128"/>
               <a:cs typeface="Times New Roman" charset="0"/>
@@ -24715,15 +25219,7 @@
                 <a:ea typeface="Courier New" charset="0"/>
                 <a:cs typeface="Courier New" charset="0"/>
               </a:rPr>
-              <a:t>Runtime and modeling efforts should </a:t>
-            </a:r>
-            <a:r>
-              <a:rPr lang="en-US" sz="2000" i="0" smtClean="0">
-                <a:latin typeface="+mn-lt"/>
-                <a:ea typeface="Courier New" charset="0"/>
-                <a:cs typeface="Courier New" charset="0"/>
-              </a:rPr>
-              <a:t>be synchronized</a:t>
+              <a:t>Runtime and modeling efforts should be synchronized</a:t>
             </a:r>
             <a:endParaRPr lang="nl-NL" sz="2000" i="0" dirty="0" smtClean="0">
               <a:latin typeface="+mn-lt"/>

--- a/modules/CIAO/docs/Connectors.pptx
+++ b/modules/CIAO/docs/Connectors.pptx
@@ -6,10 +6,10 @@
     <p:sldMasterId id="2147483725" r:id="rId2"/>
   </p:sldMasterIdLst>
   <p:notesMasterIdLst>
-    <p:notesMasterId r:id="rId53"/>
+    <p:notesMasterId r:id="rId55"/>
   </p:notesMasterIdLst>
   <p:handoutMasterIdLst>
-    <p:handoutMasterId r:id="rId54"/>
+    <p:handoutMasterId r:id="rId56"/>
   </p:handoutMasterIdLst>
   <p:sldIdLst>
     <p:sldId id="1087" r:id="rId3"/>
@@ -36,32 +36,34 @@
     <p:sldId id="1079" r:id="rId24"/>
     <p:sldId id="1080" r:id="rId25"/>
     <p:sldId id="1082" r:id="rId26"/>
-    <p:sldId id="1083" r:id="rId27"/>
-    <p:sldId id="1051" r:id="rId28"/>
-    <p:sldId id="1052" r:id="rId29"/>
-    <p:sldId id="1054" r:id="rId30"/>
-    <p:sldId id="1058" r:id="rId31"/>
-    <p:sldId id="1053" r:id="rId32"/>
-    <p:sldId id="1055" r:id="rId33"/>
-    <p:sldId id="1057" r:id="rId34"/>
-    <p:sldId id="1056" r:id="rId35"/>
-    <p:sldId id="1059" r:id="rId36"/>
-    <p:sldId id="1060" r:id="rId37"/>
-    <p:sldId id="1084" r:id="rId38"/>
-    <p:sldId id="1068" r:id="rId39"/>
-    <p:sldId id="1069" r:id="rId40"/>
-    <p:sldId id="1070" r:id="rId41"/>
-    <p:sldId id="1071" r:id="rId42"/>
-    <p:sldId id="1072" r:id="rId43"/>
-    <p:sldId id="1073" r:id="rId44"/>
-    <p:sldId id="1074" r:id="rId45"/>
-    <p:sldId id="1075" r:id="rId46"/>
-    <p:sldId id="1076" r:id="rId47"/>
-    <p:sldId id="1093" r:id="rId48"/>
-    <p:sldId id="1077" r:id="rId49"/>
-    <p:sldId id="1085" r:id="rId50"/>
-    <p:sldId id="1086" r:id="rId51"/>
-    <p:sldId id="1092" r:id="rId52"/>
+    <p:sldId id="1094" r:id="rId27"/>
+    <p:sldId id="1083" r:id="rId28"/>
+    <p:sldId id="1095" r:id="rId29"/>
+    <p:sldId id="1051" r:id="rId30"/>
+    <p:sldId id="1052" r:id="rId31"/>
+    <p:sldId id="1054" r:id="rId32"/>
+    <p:sldId id="1058" r:id="rId33"/>
+    <p:sldId id="1053" r:id="rId34"/>
+    <p:sldId id="1055" r:id="rId35"/>
+    <p:sldId id="1057" r:id="rId36"/>
+    <p:sldId id="1056" r:id="rId37"/>
+    <p:sldId id="1059" r:id="rId38"/>
+    <p:sldId id="1060" r:id="rId39"/>
+    <p:sldId id="1084" r:id="rId40"/>
+    <p:sldId id="1068" r:id="rId41"/>
+    <p:sldId id="1069" r:id="rId42"/>
+    <p:sldId id="1070" r:id="rId43"/>
+    <p:sldId id="1071" r:id="rId44"/>
+    <p:sldId id="1072" r:id="rId45"/>
+    <p:sldId id="1073" r:id="rId46"/>
+    <p:sldId id="1074" r:id="rId47"/>
+    <p:sldId id="1075" r:id="rId48"/>
+    <p:sldId id="1076" r:id="rId49"/>
+    <p:sldId id="1093" r:id="rId50"/>
+    <p:sldId id="1077" r:id="rId51"/>
+    <p:sldId id="1085" r:id="rId52"/>
+    <p:sldId id="1086" r:id="rId53"/>
+    <p:sldId id="1092" r:id="rId54"/>
   </p:sldIdLst>
   <p:sldSz cx="9144000" cy="6858000" type="screen4x3"/>
   <p:notesSz cx="6997700" cy="9283700"/>
@@ -13033,7 +13035,7 @@
           <p:nvPr/>
         </p:nvPicPr>
         <mc:AlternateContent xmlns:mc="http://schemas.openxmlformats.org/markup-compatibility/2006">
-          <mc:Choice xmlns:ma="http://schemas.microsoft.com/office/mac/drawingml/2008/main" xmlns:mv="urn:schemas-microsoft-com:mac:vml" xmlns="" Requires="ma">
+          <mc:Choice xmlns="" xmlns:mv="urn:schemas-microsoft-com:mac:vml" xmlns:ma="http://schemas.microsoft.com/office/mac/drawingml/2008/main" Requires="ma">
             <p:blipFill>
               <a:blip r:embed="rId2"/>
               <a:stretch>
@@ -13356,7 +13358,7 @@
           <p:nvPr/>
         </p:nvPicPr>
         <mc:AlternateContent xmlns:mc="http://schemas.openxmlformats.org/markup-compatibility/2006">
-          <mc:Choice xmlns:ma="http://schemas.microsoft.com/office/mac/drawingml/2008/main" xmlns:mv="urn:schemas-microsoft-com:mac:vml" xmlns="" Requires="ma">
+          <mc:Choice xmlns="" xmlns:mv="urn:schemas-microsoft-com:mac:vml" xmlns:ma="http://schemas.microsoft.com/office/mac/drawingml/2008/main" Requires="ma">
             <p:blipFill>
               <a:blip r:embed="rId2"/>
               <a:stretch>
@@ -14195,7 +14197,7 @@
           <p:nvPr/>
         </p:nvPicPr>
         <mc:AlternateContent xmlns:mc="http://schemas.openxmlformats.org/markup-compatibility/2006">
-          <mc:Choice xmlns:ma="http://schemas.microsoft.com/office/mac/drawingml/2008/main" xmlns:mv="urn:schemas-microsoft-com:mac:vml" xmlns="" Requires="ma">
+          <mc:Choice xmlns="" xmlns:mv="urn:schemas-microsoft-com:mac:vml" xmlns:ma="http://schemas.microsoft.com/office/mac/drawingml/2008/main" Requires="ma">
             <p:blipFill>
               <a:blip r:embed="rId2"/>
               <a:stretch>
@@ -14605,7 +14607,7 @@
           <p:nvPr/>
         </p:nvPicPr>
         <mc:AlternateContent xmlns:mc="http://schemas.openxmlformats.org/markup-compatibility/2006">
-          <mc:Choice xmlns:ma="http://schemas.microsoft.com/office/mac/drawingml/2008/main" xmlns:mv="urn:schemas-microsoft-com:mac:vml" xmlns="" Requires="ma">
+          <mc:Choice xmlns="" xmlns:mv="urn:schemas-microsoft-com:mac:vml" xmlns:ma="http://schemas.microsoft.com/office/mac/drawingml/2008/main" Requires="ma">
             <p:blipFill>
               <a:blip r:embed="rId4"/>
               <a:stretch>
@@ -14811,37 +14813,23 @@
                 <a:ea typeface="宋体" pitchFamily="-65" charset="-128"/>
                 <a:cs typeface="Times New Roman" charset="0"/>
               </a:rPr>
-              <a:t>Iteration 1: cleanup, design </a:t>
-            </a:r>
+              <a:t>Iteration 1: cleanup, design discussions</a:t>
+            </a:r>
+          </a:p>
+          <a:p>
+            <a:pPr marL="627063" lvl="1" indent="-169863">
+              <a:spcBef>
+                <a:spcPct val="40000"/>
+              </a:spcBef>
+              <a:buFontTx/>
+              <a:buChar char="•"/>
+            </a:pPr>
             <a:r>
               <a:rPr lang="en-US" altLang="zh-CN" sz="2000" i="0" dirty="0" smtClean="0">
                 <a:ea typeface="宋体" pitchFamily="-65" charset="-128"/>
                 <a:cs typeface="Times New Roman" charset="0"/>
               </a:rPr>
-              <a:t>discussions</a:t>
-            </a:r>
-          </a:p>
-          <a:p>
-            <a:pPr marL="627063" lvl="1" indent="-169863">
-              <a:spcBef>
-                <a:spcPct val="40000"/>
-              </a:spcBef>
-              <a:buFontTx/>
-              <a:buChar char="•"/>
-            </a:pPr>
-            <a:r>
-              <a:rPr lang="en-US" altLang="zh-CN" sz="2000" i="0" dirty="0" smtClean="0">
-                <a:ea typeface="宋体" pitchFamily="-65" charset="-128"/>
-                <a:cs typeface="Times New Roman" charset="0"/>
-              </a:rPr>
-              <a:t>CIAO </a:t>
-            </a:r>
-            <a:r>
-              <a:rPr lang="en-US" altLang="zh-CN" sz="2000" i="0" dirty="0" smtClean="0">
-                <a:ea typeface="宋体" pitchFamily="-65" charset="-128"/>
-                <a:cs typeface="Times New Roman" charset="0"/>
-              </a:rPr>
-              <a:t>0.7.2</a:t>
+              <a:t>CIAO 0.7.2</a:t>
             </a:r>
           </a:p>
           <a:p>
@@ -15459,7 +15447,11 @@
           <a:p>
             <a:r>
               <a:rPr lang="en-US" dirty="0" smtClean="0"/>
-              <a:t>DDS4CCM Basic Ports (1/)</a:t>
+              <a:t>DDS4CCM Basic Ports (</a:t>
+            </a:r>
+            <a:r>
+              <a:rPr lang="en-US" dirty="0" smtClean="0"/>
+              <a:t>1/2)</a:t>
             </a:r>
             <a:endParaRPr lang="en-US" dirty="0"/>
           </a:p>
@@ -15780,7 +15772,11 @@
           <a:p>
             <a:r>
               <a:rPr lang="en-US" dirty="0" smtClean="0"/>
-              <a:t>DDS4CCM Basic Ports (2/)</a:t>
+              <a:t>DDS4CCM Basic Ports (</a:t>
+            </a:r>
+            <a:r>
+              <a:rPr lang="en-US" dirty="0" smtClean="0"/>
+              <a:t>2/3)</a:t>
             </a:r>
             <a:endParaRPr lang="en-US" dirty="0"/>
           </a:p>
@@ -15907,7 +15903,7 @@
       </p:grpSpPr>
       <p:sp>
         <p:nvSpPr>
-          <p:cNvPr id="275458" name="Title 4"/>
+          <p:cNvPr id="2" name="Title 1"/>
           <p:cNvSpPr>
             <a:spLocks noGrp="1"/>
           </p:cNvSpPr>
@@ -15921,121 +15917,76 @@
           <a:lstStyle/>
           <a:p>
             <a:r>
-              <a:rPr lang="en-US"/>
-              <a:t>Example</a:t>
-            </a:r>
-            <a:endParaRPr lang="nl-NL"/>
+              <a:rPr lang="en-US" dirty="0" smtClean="0"/>
+              <a:t>DDS4CCM Basic Ports </a:t>
+            </a:r>
+            <a:r>
+              <a:rPr lang="en-US" dirty="0" smtClean="0"/>
+              <a:t>(3/3)</a:t>
+            </a:r>
+            <a:endParaRPr lang="en-US" dirty="0"/>
           </a:p>
         </p:txBody>
       </p:sp>
       <p:sp>
         <p:nvSpPr>
-          <p:cNvPr id="275459" name="Rectangle 3"/>
+          <p:cNvPr id="3" name="Content Placeholder 2"/>
           <p:cNvSpPr>
-            <a:spLocks noChangeArrowheads="1"/>
+            <a:spLocks noGrp="1"/>
           </p:cNvSpPr>
-          <p:nvPr/>
+          <p:nvPr>
+            <p:ph idx="1"/>
+          </p:nvPr>
         </p:nvSpPr>
-        <p:spPr bwMode="auto">
-          <a:xfrm>
-            <a:off x="228600" y="1190625"/>
-            <a:ext cx="8763000" cy="4876800"/>
-          </a:xfrm>
-          <a:prstGeom prst="rect">
-            <a:avLst/>
-          </a:prstGeom>
-          <a:noFill/>
-          <a:ln w="9525">
-            <a:noFill/>
-            <a:miter lim="800000"/>
-            <a:headEnd/>
-            <a:tailEnd/>
-          </a:ln>
-        </p:spPr>
+        <p:spPr/>
         <p:txBody>
-          <a:bodyPr>
-            <a:prstTxWarp prst="textNoShape">
-              <a:avLst/>
-            </a:prstTxWarp>
-          </a:bodyPr>
+          <a:bodyPr/>
           <a:lstStyle/>
           <a:p>
-            <a:pPr marL="169863" indent="-169863">
-              <a:spcBef>
-                <a:spcPct val="40000"/>
-              </a:spcBef>
-              <a:buFontTx/>
-              <a:buChar char="•"/>
-            </a:pPr>
-            <a:endParaRPr lang="en-US" altLang="zh-CN" sz="2000" i="0">
-              <a:ea typeface="宋体" pitchFamily="-65" charset="-128"/>
-              <a:cs typeface="Times New Roman" charset="0"/>
-            </a:endParaRPr>
-          </a:p>
-        </p:txBody>
-      </p:sp>
-      <p:sp>
-        <p:nvSpPr>
-          <p:cNvPr id="275460" name="Rectangle 3"/>
-          <p:cNvSpPr>
-            <a:spLocks noChangeArrowheads="1"/>
-          </p:cNvSpPr>
-          <p:nvPr/>
-        </p:nvSpPr>
-        <p:spPr bwMode="auto">
-          <a:xfrm>
-            <a:off x="381000" y="1343025"/>
-            <a:ext cx="8763000" cy="4876800"/>
-          </a:xfrm>
-          <a:prstGeom prst="rect">
-            <a:avLst/>
-          </a:prstGeom>
-          <a:noFill/>
-          <a:ln w="9525">
-            <a:noFill/>
-            <a:miter lim="800000"/>
-            <a:headEnd/>
-            <a:tailEnd/>
-          </a:ln>
-        </p:spPr>
-        <p:txBody>
-          <a:bodyPr>
-            <a:prstTxWarp prst="textNoShape">
-              <a:avLst/>
-            </a:prstTxWarp>
-          </a:bodyPr>
-          <a:lstStyle/>
-          <a:p>
-            <a:pPr marL="169863" indent="-169863">
-              <a:spcBef>
-                <a:spcPct val="40000"/>
-              </a:spcBef>
-              <a:buFontTx/>
-              <a:buChar char="•"/>
-            </a:pPr>
-            <a:r>
-              <a:rPr lang="en-US" altLang="zh-CN" sz="2000" i="0">
-                <a:ea typeface="宋体" pitchFamily="-65" charset="-128"/>
-                <a:cs typeface="Times New Roman" charset="0"/>
-              </a:rPr>
-              <a:t>Sender and Receiver component that exchange a string</a:t>
-            </a:r>
-          </a:p>
-          <a:p>
-            <a:pPr marL="169863" indent="-169863">
-              <a:spcBef>
-                <a:spcPct val="40000"/>
-              </a:spcBef>
-              <a:buFontTx/>
-              <a:buChar char="•"/>
-            </a:pPr>
-            <a:r>
-              <a:rPr lang="en-US" altLang="zh-CN" sz="2000" i="0">
-                <a:ea typeface="宋体" pitchFamily="-65" charset="-128"/>
-                <a:cs typeface="Times New Roman" charset="0"/>
-              </a:rPr>
-              <a:t>Components communicate through a DDS connector</a:t>
-            </a:r>
+            <a:r>
+              <a:rPr lang="en-US" b="1" dirty="0" smtClean="0"/>
+              <a:t>Status Access</a:t>
+            </a:r>
+            <a:endParaRPr lang="en-US" dirty="0" smtClean="0"/>
+          </a:p>
+          <a:p>
+            <a:pPr lvl="1"/>
+            <a:r>
+              <a:rPr lang="en-US" b="1" dirty="0" err="1" smtClean="0"/>
+              <a:t>PortStatusListener</a:t>
+            </a:r>
+            <a:r>
+              <a:rPr lang="en-US" dirty="0" smtClean="0"/>
+              <a:t> </a:t>
+            </a:r>
+            <a:r>
+              <a:rPr lang="en-US" dirty="0" smtClean="0"/>
+              <a:t>– </a:t>
+            </a:r>
+            <a:r>
+              <a:rPr lang="en-US" dirty="0" smtClean="0"/>
+              <a:t>Status relevant to the component </a:t>
+            </a:r>
+          </a:p>
+          <a:p>
+            <a:pPr lvl="1"/>
+            <a:r>
+              <a:rPr lang="en-US" b="1" dirty="0" err="1" smtClean="0"/>
+              <a:t>ConnectorStatusListener</a:t>
+            </a:r>
+            <a:r>
+              <a:rPr lang="en-US" dirty="0" smtClean="0"/>
+              <a:t> </a:t>
+            </a:r>
+            <a:r>
+              <a:rPr lang="en-US" dirty="0" smtClean="0"/>
+              <a:t>– </a:t>
+            </a:r>
+            <a:r>
+              <a:rPr lang="en-US" dirty="0" smtClean="0"/>
+              <a:t>System wide status</a:t>
+            </a:r>
+            <a:endParaRPr lang="en-US" dirty="0" smtClean="0"/>
           </a:p>
         </p:txBody>
       </p:sp>
@@ -16073,7 +16024,7 @@
       </p:grpSpPr>
       <p:sp>
         <p:nvSpPr>
-          <p:cNvPr id="276482" name="Title 4"/>
+          <p:cNvPr id="2" name="Title 1"/>
           <p:cNvSpPr>
             <a:spLocks noGrp="1"/>
           </p:cNvSpPr>
@@ -16087,222 +16038,37 @@
           <a:lstStyle/>
           <a:p>
             <a:r>
-              <a:rPr lang="en-US"/>
-              <a:t>Sender IDL3+</a:t>
-            </a:r>
-            <a:endParaRPr lang="nl-NL"/>
+              <a:rPr lang="en-US" dirty="0" smtClean="0"/>
+              <a:t>DDS4CCM </a:t>
+            </a:r>
+            <a:r>
+              <a:rPr lang="en-US" dirty="0" smtClean="0"/>
+              <a:t>Extended Ports</a:t>
+            </a:r>
+            <a:endParaRPr lang="en-US" dirty="0"/>
           </a:p>
         </p:txBody>
       </p:sp>
       <p:sp>
         <p:nvSpPr>
-          <p:cNvPr id="276483" name="Rectangle 3"/>
+          <p:cNvPr id="3" name="Content Placeholder 2"/>
           <p:cNvSpPr>
-            <a:spLocks noChangeArrowheads="1"/>
+            <a:spLocks noGrp="1"/>
           </p:cNvSpPr>
-          <p:nvPr/>
+          <p:nvPr>
+            <p:ph idx="1"/>
+          </p:nvPr>
         </p:nvSpPr>
-        <p:spPr bwMode="auto">
-          <a:xfrm>
-            <a:off x="228600" y="1190625"/>
-            <a:ext cx="8763000" cy="4876800"/>
-          </a:xfrm>
-          <a:prstGeom prst="rect">
-            <a:avLst/>
-          </a:prstGeom>
-          <a:noFill/>
-          <a:ln w="9525">
-            <a:noFill/>
-            <a:miter lim="800000"/>
-            <a:headEnd/>
-            <a:tailEnd/>
-          </a:ln>
-        </p:spPr>
+        <p:spPr/>
         <p:txBody>
-          <a:bodyPr>
-            <a:prstTxWarp prst="textNoShape">
-              <a:avLst/>
-            </a:prstTxWarp>
-          </a:bodyPr>
+          <a:bodyPr/>
           <a:lstStyle/>
           <a:p>
-            <a:pPr marL="169863" indent="-169863">
-              <a:spcBef>
-                <a:spcPct val="40000"/>
-              </a:spcBef>
-              <a:buFontTx/>
-              <a:buChar char="•"/>
-            </a:pPr>
-            <a:endParaRPr lang="en-US" altLang="zh-CN" sz="2000" i="0">
-              <a:ea typeface="宋体" pitchFamily="-65" charset="-128"/>
-              <a:cs typeface="Times New Roman" charset="0"/>
-            </a:endParaRPr>
-          </a:p>
-        </p:txBody>
-      </p:sp>
-      <p:sp>
-        <p:nvSpPr>
-          <p:cNvPr id="4" name="Rectangle 3"/>
-          <p:cNvSpPr>
-            <a:spLocks noChangeArrowheads="1"/>
-          </p:cNvSpPr>
-          <p:nvPr/>
-        </p:nvSpPr>
-        <p:spPr bwMode="auto">
-          <a:xfrm>
-            <a:off x="381000" y="1343025"/>
-            <a:ext cx="8763000" cy="4876800"/>
-          </a:xfrm>
-          <a:prstGeom prst="rect">
-            <a:avLst/>
-          </a:prstGeom>
-          <a:noFill/>
-          <a:ln w="9525">
-            <a:noFill/>
-            <a:miter lim="800000"/>
-            <a:headEnd/>
-            <a:tailEnd/>
-          </a:ln>
-        </p:spPr>
-        <p:txBody>
-          <a:bodyPr>
-            <a:prstTxWarp prst="textNoShape">
-              <a:avLst/>
-            </a:prstTxWarp>
-          </a:bodyPr>
-          <a:lstStyle/>
-          <a:p>
-            <a:pPr marL="169863" indent="-169863">
-              <a:spcBef>
-                <a:spcPct val="40000"/>
-              </a:spcBef>
-              <a:buFont typeface="Arial" charset="0"/>
-              <a:buChar char="•"/>
-            </a:pPr>
-            <a:r>
-              <a:rPr lang="en-US" altLang="zh-CN" sz="2000" i="0">
-                <a:ea typeface="宋体" pitchFamily="-65" charset="-128"/>
-                <a:cs typeface="Courier New" charset="0"/>
-              </a:rPr>
-              <a:t>Uses the standardized DDS_Write port</a:t>
-            </a:r>
-          </a:p>
-          <a:p>
-            <a:pPr marL="169863" indent="-169863">
-              <a:spcBef>
-                <a:spcPct val="40000"/>
-              </a:spcBef>
-            </a:pPr>
-            <a:r>
-              <a:rPr lang="en-US" altLang="zh-CN" sz="1400" i="0">
-                <a:latin typeface="Courier New" charset="0"/>
-                <a:ea typeface="宋体" pitchFamily="-65" charset="-128"/>
-                <a:cs typeface="Courier New" charset="0"/>
-              </a:rPr>
-              <a:t>module Hello_DDS</a:t>
-            </a:r>
-          </a:p>
-          <a:p>
-            <a:pPr marL="169863" indent="-169863">
-              <a:spcBef>
-                <a:spcPct val="40000"/>
-              </a:spcBef>
-            </a:pPr>
-            <a:r>
-              <a:rPr lang="en-US" altLang="zh-CN" sz="1400" i="0">
-                <a:latin typeface="Courier New" charset="0"/>
-                <a:ea typeface="宋体" pitchFamily="-65" charset="-128"/>
-                <a:cs typeface="Courier New" charset="0"/>
-              </a:rPr>
-              <a:t>{</a:t>
-            </a:r>
-          </a:p>
-          <a:p>
-            <a:pPr marL="169863" indent="-169863">
-              <a:spcBef>
-                <a:spcPct val="40000"/>
-              </a:spcBef>
-            </a:pPr>
-            <a:r>
-              <a:rPr lang="en-US" altLang="zh-CN" sz="1400" i="0">
-                <a:latin typeface="Courier New" charset="0"/>
-                <a:ea typeface="宋体" pitchFamily="-65" charset="-128"/>
-                <a:cs typeface="Courier New" charset="0"/>
-              </a:rPr>
-              <a:t>  component Sender</a:t>
-            </a:r>
-          </a:p>
-          <a:p>
-            <a:pPr marL="169863" indent="-169863">
-              <a:spcBef>
-                <a:spcPct val="40000"/>
-              </a:spcBef>
-            </a:pPr>
-            <a:r>
-              <a:rPr lang="en-US" altLang="zh-CN" sz="1400" i="0">
-                <a:latin typeface="Courier New" charset="0"/>
-                <a:ea typeface="宋体" pitchFamily="-65" charset="-128"/>
-                <a:cs typeface="Courier New" charset="0"/>
-              </a:rPr>
-              <a:t>  {</a:t>
-            </a:r>
-          </a:p>
-          <a:p>
-            <a:pPr marL="169863" indent="-169863">
-              <a:spcBef>
-                <a:spcPct val="40000"/>
-              </a:spcBef>
-            </a:pPr>
-            <a:r>
-              <a:rPr lang="en-US" altLang="zh-CN" sz="1400" i="0">
-                <a:latin typeface="Courier New" charset="0"/>
-                <a:ea typeface="宋体" pitchFamily="-65" charset="-128"/>
-                <a:cs typeface="Courier New" charset="0"/>
-              </a:rPr>
-              <a:t>    port DDS_Write&lt;string&gt; push_message;</a:t>
-            </a:r>
-          </a:p>
-          <a:p>
-            <a:pPr marL="169863" indent="-169863">
-              <a:spcBef>
-                <a:spcPct val="40000"/>
-              </a:spcBef>
-            </a:pPr>
-            <a:r>
-              <a:rPr lang="en-US" altLang="zh-CN" sz="1400" i="0">
-                <a:latin typeface="Courier New" charset="0"/>
-                <a:ea typeface="宋体" pitchFamily="-65" charset="-128"/>
-                <a:cs typeface="Courier New" charset="0"/>
-              </a:rPr>
-              <a:t>  };</a:t>
-            </a:r>
-          </a:p>
-          <a:p>
-            <a:pPr marL="169863" indent="-169863">
-              <a:spcBef>
-                <a:spcPct val="40000"/>
-              </a:spcBef>
-            </a:pPr>
-            <a:r>
-              <a:rPr lang="en-US" altLang="zh-CN" sz="1400" i="0">
-                <a:latin typeface="Courier New" charset="0"/>
-                <a:ea typeface="宋体" pitchFamily="-65" charset="-128"/>
-                <a:cs typeface="Courier New" charset="0"/>
-              </a:rPr>
-              <a:t>};</a:t>
-            </a:r>
-          </a:p>
-          <a:p>
-            <a:pPr marL="169863" indent="-169863">
-              <a:spcBef>
-                <a:spcPct val="40000"/>
-              </a:spcBef>
-            </a:pPr>
-            <a:endParaRPr lang="en-US" altLang="zh-CN" sz="1400" i="0">
-              <a:latin typeface="Courier New" charset="0"/>
-              <a:ea typeface="宋体" pitchFamily="-65" charset="-128"/>
-              <a:cs typeface="Courier New" charset="0"/>
-            </a:endParaRPr>
+            <a:r>
+              <a:rPr lang="en-US" b="1" dirty="0" smtClean="0"/>
+              <a:t>Assemble DDS4CCM Basic Ports and DDS interfaces to form extended ports</a:t>
+            </a:r>
+            <a:endParaRPr lang="en-US" dirty="0" smtClean="0"/>
           </a:p>
         </p:txBody>
       </p:sp>
@@ -16340,7 +16106,7 @@
       </p:grpSpPr>
       <p:sp>
         <p:nvSpPr>
-          <p:cNvPr id="277506" name="Title 4"/>
+          <p:cNvPr id="275458" name="Title 4"/>
           <p:cNvSpPr>
             <a:spLocks noGrp="1"/>
           </p:cNvSpPr>
@@ -16355,7 +16121,7 @@
           <a:p>
             <a:r>
               <a:rPr lang="en-US"/>
-              <a:t>Sender IDL3</a:t>
+              <a:t>Example</a:t>
             </a:r>
             <a:endParaRPr lang="nl-NL"/>
           </a:p>
@@ -16363,7 +16129,7 @@
       </p:sp>
       <p:sp>
         <p:nvSpPr>
-          <p:cNvPr id="277507" name="Rectangle 3"/>
+          <p:cNvPr id="275459" name="Rectangle 3"/>
           <p:cNvSpPr>
             <a:spLocks noChangeArrowheads="1"/>
           </p:cNvSpPr>
@@ -16409,7 +16175,7 @@
       </p:sp>
       <p:sp>
         <p:nvSpPr>
-          <p:cNvPr id="277508" name="Rectangle 3"/>
+          <p:cNvPr id="275460" name="Rectangle 3"/>
           <p:cNvSpPr>
             <a:spLocks noChangeArrowheads="1"/>
           </p:cNvSpPr>
@@ -16443,14 +16209,16 @@
               <a:spcBef>
                 <a:spcPct val="40000"/>
               </a:spcBef>
-            </a:pPr>
-            <a:r>
-              <a:rPr lang="en-US" altLang="zh-CN" sz="1200" i="0">
-                <a:latin typeface="Courier New" charset="0"/>
+              <a:buFontTx/>
+              <a:buChar char="•"/>
+            </a:pPr>
+            <a:r>
+              <a:rPr lang="en-US" altLang="zh-CN" sz="2200" i="0" dirty="0">
+                <a:latin typeface="+mn-lt"/>
                 <a:ea typeface="宋体" pitchFamily="-65" charset="-128"/>
-                <a:cs typeface="Courier New" charset="0"/>
-              </a:rPr>
-              <a:t>module CCM_DDS</a:t>
+                <a:cs typeface="Times New Roman" charset="0"/>
+              </a:rPr>
+              <a:t>Sender and Receiver component that exchange a string</a:t>
             </a:r>
           </a:p>
           <a:p>
@@ -16458,263 +16226,16 @@
               <a:spcBef>
                 <a:spcPct val="40000"/>
               </a:spcBef>
-            </a:pPr>
-            <a:r>
-              <a:rPr lang="en-US" altLang="zh-CN" sz="1200" i="0">
-                <a:latin typeface="Courier New" charset="0"/>
+              <a:buFontTx/>
+              <a:buChar char="•"/>
+            </a:pPr>
+            <a:r>
+              <a:rPr lang="en-US" altLang="zh-CN" sz="2200" i="0" dirty="0">
+                <a:latin typeface="+mn-lt"/>
                 <a:ea typeface="宋体" pitchFamily="-65" charset="-128"/>
-                <a:cs typeface="Courier New" charset="0"/>
-              </a:rPr>
-              <a:t>{</a:t>
-            </a:r>
-          </a:p>
-          <a:p>
-            <a:pPr marL="169863" indent="-169863">
-              <a:spcBef>
-                <a:spcPct val="40000"/>
-              </a:spcBef>
-            </a:pPr>
-            <a:r>
-              <a:rPr lang="en-US" altLang="zh-CN" sz="1200" i="0">
-                <a:latin typeface="Courier New" charset="0"/>
-                <a:ea typeface="宋体" pitchFamily="-65" charset="-128"/>
-                <a:cs typeface="Courier New" charset="0"/>
-              </a:rPr>
-              <a:t>  interface string_Writer</a:t>
-            </a:r>
-          </a:p>
-          <a:p>
-            <a:pPr marL="169863" indent="-169863">
-              <a:spcBef>
-                <a:spcPct val="40000"/>
-              </a:spcBef>
-            </a:pPr>
-            <a:r>
-              <a:rPr lang="en-US" altLang="zh-CN" sz="1200" i="0">
-                <a:latin typeface="Courier New" charset="0"/>
-                <a:ea typeface="宋体" pitchFamily="-65" charset="-128"/>
-                <a:cs typeface="Courier New" charset="0"/>
-              </a:rPr>
-              <a:t>  {</a:t>
-            </a:r>
-          </a:p>
-          <a:p>
-            <a:pPr marL="169863" indent="-169863">
-              <a:spcBef>
-                <a:spcPct val="40000"/>
-              </a:spcBef>
-            </a:pPr>
-            <a:r>
-              <a:rPr lang="en-US" altLang="zh-CN" sz="1200" i="0">
-                <a:latin typeface="Courier New" charset="0"/>
-                <a:ea typeface="宋体" pitchFamily="-65" charset="-128"/>
-                <a:cs typeface="Courier New" charset="0"/>
-              </a:rPr>
-              <a:t>    typedef sequence&lt;string&gt; stringSeq;</a:t>
-            </a:r>
-          </a:p>
-          <a:p>
-            <a:pPr marL="169863" indent="-169863">
-              <a:spcBef>
-                <a:spcPct val="40000"/>
-              </a:spcBef>
-            </a:pPr>
-            <a:endParaRPr lang="en-US" altLang="zh-CN" sz="1200" i="0">
-              <a:latin typeface="Courier New" charset="0"/>
-              <a:ea typeface="宋体" pitchFamily="-65" charset="-128"/>
-              <a:cs typeface="Courier New" charset="0"/>
-            </a:endParaRPr>
-          </a:p>
-          <a:p>
-            <a:pPr marL="169863" indent="-169863">
-              <a:spcBef>
-                <a:spcPct val="40000"/>
-              </a:spcBef>
-            </a:pPr>
-            <a:r>
-              <a:rPr lang="en-US" altLang="zh-CN" sz="1200" i="0">
-                <a:latin typeface="Courier New" charset="0"/>
-                <a:ea typeface="宋体" pitchFamily="-65" charset="-128"/>
-                <a:cs typeface="Courier New" charset="0"/>
-              </a:rPr>
-              <a:t>    void write (in string an_instance)</a:t>
-            </a:r>
-          </a:p>
-          <a:p>
-            <a:pPr marL="169863" indent="-169863">
-              <a:spcBef>
-                <a:spcPct val="40000"/>
-              </a:spcBef>
-            </a:pPr>
-            <a:r>
-              <a:rPr lang="en-US" altLang="zh-CN" sz="1200" i="0">
-                <a:latin typeface="Courier New" charset="0"/>
-                <a:ea typeface="宋体" pitchFamily="-65" charset="-128"/>
-                <a:cs typeface="Courier New" charset="0"/>
-              </a:rPr>
-              <a:t>      raises (InternalError);</a:t>
-            </a:r>
-          </a:p>
-          <a:p>
-            <a:pPr marL="169863" indent="-169863">
-              <a:spcBef>
-                <a:spcPct val="40000"/>
-              </a:spcBef>
-            </a:pPr>
-            <a:r>
-              <a:rPr lang="en-US" altLang="zh-CN" sz="1200" i="0">
-                <a:latin typeface="Courier New" charset="0"/>
-                <a:ea typeface="宋体" pitchFamily="-65" charset="-128"/>
-                <a:cs typeface="Courier New" charset="0"/>
-              </a:rPr>
-              <a:t>  };</a:t>
-            </a:r>
-          </a:p>
-          <a:p>
-            <a:pPr marL="169863" indent="-169863">
-              <a:spcBef>
-                <a:spcPct val="40000"/>
-              </a:spcBef>
-            </a:pPr>
-            <a:r>
-              <a:rPr lang="en-US" altLang="zh-CN" sz="1200" i="0">
-                <a:latin typeface="Courier New" charset="0"/>
-                <a:ea typeface="宋体" pitchFamily="-65" charset="-128"/>
-                <a:cs typeface="Courier New" charset="0"/>
-              </a:rPr>
-              <a:t>};</a:t>
-            </a:r>
-          </a:p>
-          <a:p>
-            <a:pPr marL="169863" indent="-169863">
-              <a:spcBef>
-                <a:spcPct val="40000"/>
-              </a:spcBef>
-            </a:pPr>
-            <a:endParaRPr lang="en-US" altLang="zh-CN" sz="1200" i="0">
-              <a:latin typeface="Courier New" charset="0"/>
-              <a:ea typeface="宋体" pitchFamily="-65" charset="-128"/>
-              <a:cs typeface="Courier New" charset="0"/>
-            </a:endParaRPr>
-          </a:p>
-          <a:p>
-            <a:pPr marL="169863" indent="-169863">
-              <a:spcBef>
-                <a:spcPct val="40000"/>
-              </a:spcBef>
-            </a:pPr>
-            <a:r>
-              <a:rPr lang="en-US" altLang="zh-CN" sz="1200" i="0">
-                <a:latin typeface="Courier New" charset="0"/>
-                <a:ea typeface="宋体" pitchFamily="-65" charset="-128"/>
-                <a:cs typeface="Courier New" charset="0"/>
-              </a:rPr>
-              <a:t>module Hello_DDS</a:t>
-            </a:r>
-          </a:p>
-          <a:p>
-            <a:pPr marL="169863" indent="-169863">
-              <a:spcBef>
-                <a:spcPct val="40000"/>
-              </a:spcBef>
-            </a:pPr>
-            <a:r>
-              <a:rPr lang="en-US" altLang="zh-CN" sz="1200" i="0">
-                <a:latin typeface="Courier New" charset="0"/>
-                <a:ea typeface="宋体" pitchFamily="-65" charset="-128"/>
-                <a:cs typeface="Courier New" charset="0"/>
-              </a:rPr>
-              <a:t>{</a:t>
-            </a:r>
-          </a:p>
-          <a:p>
-            <a:pPr marL="169863" indent="-169863">
-              <a:spcBef>
-                <a:spcPct val="40000"/>
-              </a:spcBef>
-            </a:pPr>
-            <a:r>
-              <a:rPr lang="en-US" altLang="zh-CN" sz="1200" i="0">
-                <a:latin typeface="Courier New" charset="0"/>
-                <a:ea typeface="宋体" pitchFamily="-65" charset="-128"/>
-                <a:cs typeface="Courier New" charset="0"/>
-              </a:rPr>
-              <a:t>  component Sender</a:t>
-            </a:r>
-          </a:p>
-          <a:p>
-            <a:pPr marL="169863" indent="-169863">
-              <a:spcBef>
-                <a:spcPct val="40000"/>
-              </a:spcBef>
-            </a:pPr>
-            <a:r>
-              <a:rPr lang="en-US" altLang="zh-CN" sz="1200" i="0">
-                <a:latin typeface="Courier New" charset="0"/>
-                <a:ea typeface="宋体" pitchFamily="-65" charset="-128"/>
-                <a:cs typeface="Courier New" charset="0"/>
-              </a:rPr>
-              <a:t>  {</a:t>
-            </a:r>
-          </a:p>
-          <a:p>
-            <a:pPr marL="169863" indent="-169863">
-              <a:spcBef>
-                <a:spcPct val="40000"/>
-              </a:spcBef>
-            </a:pPr>
-            <a:r>
-              <a:rPr lang="en-US" altLang="zh-CN" sz="1200" i="0">
-                <a:latin typeface="Courier New" charset="0"/>
-                <a:ea typeface="宋体" pitchFamily="-65" charset="-128"/>
-                <a:cs typeface="Courier New" charset="0"/>
-              </a:rPr>
-              <a:t>    uses CCM_DDS::string_Writer push_data_data;</a:t>
-            </a:r>
-          </a:p>
-          <a:p>
-            <a:pPr marL="169863" indent="-169863">
-              <a:spcBef>
-                <a:spcPct val="40000"/>
-              </a:spcBef>
-            </a:pPr>
-            <a:r>
-              <a:rPr lang="en-US" altLang="zh-CN" sz="1200" i="0">
-                <a:latin typeface="Courier New" charset="0"/>
-                <a:ea typeface="宋体" pitchFamily="-65" charset="-128"/>
-                <a:cs typeface="Courier New" charset="0"/>
-              </a:rPr>
-              <a:t>    uses DDS::DataWriter push_data_dds_entity;</a:t>
-            </a:r>
-          </a:p>
-          <a:p>
-            <a:pPr marL="169863" indent="-169863">
-              <a:spcBef>
-                <a:spcPct val="40000"/>
-              </a:spcBef>
-            </a:pPr>
-            <a:r>
-              <a:rPr lang="en-US" altLang="zh-CN" sz="1200" i="0">
-                <a:latin typeface="Courier New" charset="0"/>
-                <a:ea typeface="宋体" pitchFamily="-65" charset="-128"/>
-                <a:cs typeface="Courier New" charset="0"/>
-              </a:rPr>
-              <a:t>  };</a:t>
-            </a:r>
-          </a:p>
-          <a:p>
-            <a:pPr marL="169863" indent="-169863">
-              <a:spcBef>
-                <a:spcPct val="40000"/>
-              </a:spcBef>
-            </a:pPr>
-            <a:r>
-              <a:rPr lang="en-US" altLang="zh-CN" sz="1200" i="0">
-                <a:latin typeface="Courier New" charset="0"/>
-                <a:ea typeface="宋体" pitchFamily="-65" charset="-128"/>
-                <a:cs typeface="Courier New" charset="0"/>
-              </a:rPr>
-              <a:t>};</a:t>
+                <a:cs typeface="Times New Roman" charset="0"/>
+              </a:rPr>
+              <a:t>Components communicate through a DDS connector</a:t>
             </a:r>
           </a:p>
         </p:txBody>
@@ -16753,7 +16274,7 @@
       </p:grpSpPr>
       <p:sp>
         <p:nvSpPr>
-          <p:cNvPr id="278530" name="Title 4"/>
+          <p:cNvPr id="276482" name="Title 4"/>
           <p:cNvSpPr>
             <a:spLocks noGrp="1"/>
           </p:cNvSpPr>
@@ -16768,7 +16289,7 @@
           <a:p>
             <a:r>
               <a:rPr lang="en-US"/>
-              <a:t>Write a string to DDS</a:t>
+              <a:t>Sender IDL3+</a:t>
             </a:r>
             <a:endParaRPr lang="nl-NL"/>
           </a:p>
@@ -16776,7 +16297,7 @@
       </p:sp>
       <p:sp>
         <p:nvSpPr>
-          <p:cNvPr id="278531" name="Rectangle 3"/>
+          <p:cNvPr id="276483" name="Rectangle 3"/>
           <p:cNvSpPr>
             <a:spLocks noChangeArrowheads="1"/>
           </p:cNvSpPr>
@@ -16853,29 +16374,77 @@
           <a:lstStyle/>
           <a:p>
             <a:pPr marL="169863" indent="-169863">
-              <a:buFontTx/>
+              <a:spcBef>
+                <a:spcPct val="40000"/>
+              </a:spcBef>
+              <a:buFont typeface="Arial" charset="0"/>
               <a:buChar char="•"/>
             </a:pPr>
             <a:r>
-              <a:rPr lang="en-US" altLang="zh-CN" sz="1200" i="0">
+              <a:rPr lang="en-US" altLang="zh-CN" sz="2200" i="0" dirty="0">
+                <a:latin typeface="+mn-lt"/>
                 <a:ea typeface="宋体" pitchFamily="-65" charset="-128"/>
-                <a:cs typeface="宋体" pitchFamily="-65" charset="-128"/>
-              </a:rPr>
-              <a:t>Component-specific context manages receptacle connections</a:t>
-            </a:r>
+                <a:cs typeface="Courier New" charset="0"/>
+              </a:rPr>
+              <a:t>Uses the standardized </a:t>
+            </a:r>
+            <a:r>
+              <a:rPr lang="en-US" altLang="zh-CN" sz="2200" i="0" dirty="0" err="1">
+                <a:latin typeface="+mn-lt"/>
+                <a:ea typeface="宋体" pitchFamily="-65" charset="-128"/>
+                <a:cs typeface="Courier New" charset="0"/>
+              </a:rPr>
+              <a:t>DDS_Write</a:t>
+            </a:r>
+            <a:r>
+              <a:rPr lang="en-US" altLang="zh-CN" sz="2200" i="0" dirty="0">
+                <a:latin typeface="+mn-lt"/>
+                <a:ea typeface="宋体" pitchFamily="-65" charset="-128"/>
+                <a:cs typeface="Courier New" charset="0"/>
+              </a:rPr>
+              <a:t> </a:t>
+            </a:r>
+            <a:r>
+              <a:rPr lang="en-US" altLang="zh-CN" sz="2200" i="0" dirty="0" smtClean="0">
+                <a:latin typeface="+mn-lt"/>
+                <a:ea typeface="宋体" pitchFamily="-65" charset="-128"/>
+                <a:cs typeface="Courier New" charset="0"/>
+              </a:rPr>
+              <a:t>extended port</a:t>
+            </a:r>
+            <a:endParaRPr lang="en-US" altLang="zh-CN" sz="2200" i="0" dirty="0">
+              <a:latin typeface="+mn-lt"/>
+              <a:ea typeface="宋体" pitchFamily="-65" charset="-128"/>
+              <a:cs typeface="Courier New" charset="0"/>
+            </a:endParaRPr>
           </a:p>
           <a:p>
             <a:pPr marL="169863" indent="-169863">
-              <a:buFontTx/>
-              <a:buChar char="•"/>
-            </a:pPr>
-            <a:r>
-              <a:rPr lang="en-US" altLang="zh-CN" sz="1200" i="0">
+              <a:spcBef>
+                <a:spcPct val="40000"/>
+              </a:spcBef>
+            </a:pPr>
+            <a:r>
+              <a:rPr lang="en-US" altLang="zh-CN" sz="1400" i="0" dirty="0">
+                <a:latin typeface="Courier New" charset="0"/>
                 <a:ea typeface="宋体" pitchFamily="-65" charset="-128"/>
-                <a:cs typeface="宋体" pitchFamily="-65" charset="-128"/>
-              </a:rPr>
-              <a:t>Executor acquires its connected receptacle reference from its component-specific context</a:t>
-            </a:r>
+                <a:cs typeface="Courier New" charset="0"/>
+              </a:rPr>
+              <a:t>module </a:t>
+            </a:r>
+            <a:r>
+              <a:rPr lang="en-US" altLang="zh-CN" sz="1400" i="0" dirty="0" err="1">
+                <a:latin typeface="Courier New" charset="0"/>
+                <a:ea typeface="宋体" pitchFamily="-65" charset="-128"/>
+                <a:cs typeface="Courier New" charset="0"/>
+              </a:rPr>
+              <a:t>Hello_DDS</a:t>
+            </a:r>
+            <a:endParaRPr lang="en-US" altLang="zh-CN" sz="1400" i="0" dirty="0">
+              <a:latin typeface="Courier New" charset="0"/>
+              <a:ea typeface="宋体" pitchFamily="-65" charset="-128"/>
+              <a:cs typeface="Courier New" charset="0"/>
+            </a:endParaRPr>
           </a:p>
           <a:p>
             <a:pPr marL="169863" indent="-169863">
@@ -16884,12 +16453,12 @@
               </a:spcBef>
             </a:pPr>
             <a:r>
-              <a:rPr lang="en-US" altLang="zh-CN" sz="1200" i="0">
+              <a:rPr lang="en-US" altLang="zh-CN" sz="1400" i="0" dirty="0">
                 <a:latin typeface="Courier New" charset="0"/>
                 <a:ea typeface="宋体" pitchFamily="-65" charset="-128"/>
                 <a:cs typeface="Courier New" charset="0"/>
               </a:rPr>
-              <a:t> ::CCM_DDS::string_Writer_var writer =</a:t>
+              <a:t>{</a:t>
             </a:r>
           </a:p>
           <a:p>
@@ -16899,25 +16468,27 @@
               </a:spcBef>
             </a:pPr>
             <a:r>
-              <a:rPr lang="en-US" altLang="zh-CN" sz="1200" i="0">
+              <a:rPr lang="en-US" altLang="zh-CN" sz="1400" i="0" dirty="0">
                 <a:latin typeface="Courier New" charset="0"/>
                 <a:ea typeface="宋体" pitchFamily="-65" charset="-128"/>
                 <a:cs typeface="Courier New" charset="0"/>
               </a:rPr>
-              <a:t>      this-&gt;context_-&gt;get_connection_push_data_data ();</a:t>
+              <a:t>  component Sender</a:t>
             </a:r>
           </a:p>
           <a:p>
             <a:pPr marL="169863" indent="-169863">
-              <a:buFontTx/>
-              <a:buChar char="•"/>
-            </a:pPr>
-            <a:r>
-              <a:rPr lang="en-US" altLang="zh-CN" sz="1200" i="0">
+              <a:spcBef>
+                <a:spcPct val="40000"/>
+              </a:spcBef>
+            </a:pPr>
+            <a:r>
+              <a:rPr lang="en-US" altLang="zh-CN" sz="1400" i="0" dirty="0">
+                <a:latin typeface="Courier New" charset="0"/>
                 <a:ea typeface="宋体" pitchFamily="-65" charset="-128"/>
-                <a:cs typeface="宋体" pitchFamily="-65" charset="-128"/>
-              </a:rPr>
-              <a:t>Executor executes on the receptable to write a string to DDS</a:t>
+                <a:cs typeface="Courier New" charset="0"/>
+              </a:rPr>
+              <a:t>  {</a:t>
             </a:r>
           </a:p>
           <a:p>
@@ -16927,45 +16498,86 @@
               </a:spcBef>
             </a:pPr>
             <a:r>
-              <a:rPr lang="en-US" altLang="zh-CN" sz="1200" i="0">
+              <a:rPr lang="en-US" altLang="zh-CN" sz="1400" i="0" dirty="0">
                 <a:latin typeface="Courier New" charset="0"/>
                 <a:ea typeface="宋体" pitchFamily="-65" charset="-128"/>
-                <a:cs typeface="宋体" pitchFamily="-65" charset="-128"/>
-              </a:rPr>
-              <a:t>writer-&gt;write (“Hello world”);</a:t>
-            </a:r>
-          </a:p>
-        </p:txBody>
-      </p:sp>
-      <p:sp>
-        <p:nvSpPr>
-          <p:cNvPr id="6" name="Rectangle 3"/>
-          <p:cNvSpPr txBox="1">
-            <a:spLocks noChangeArrowheads="1"/>
-          </p:cNvSpPr>
-          <p:nvPr/>
-        </p:nvSpPr>
-        <p:spPr>
-          <a:xfrm>
-            <a:off x="3433763" y="947738"/>
-            <a:ext cx="5595937" cy="1752600"/>
-          </a:xfrm>
-          <a:prstGeom prst="rect">
-            <a:avLst/>
-          </a:prstGeom>
-        </p:spPr>
-        <p:txBody>
-          <a:bodyPr/>
-          <a:lstStyle/>
+                <a:cs typeface="Courier New" charset="0"/>
+              </a:rPr>
+              <a:t>    port </a:t>
+            </a:r>
+            <a:r>
+              <a:rPr lang="en-US" altLang="zh-CN" sz="1400" i="0" dirty="0" err="1">
+                <a:latin typeface="Courier New" charset="0"/>
+                <a:ea typeface="宋体" pitchFamily="-65" charset="-128"/>
+                <a:cs typeface="Courier New" charset="0"/>
+              </a:rPr>
+              <a:t>DDS_Write</a:t>
+            </a:r>
+            <a:r>
+              <a:rPr lang="en-US" altLang="zh-CN" sz="1400" i="0" dirty="0">
+                <a:latin typeface="Courier New" charset="0"/>
+                <a:ea typeface="宋体" pitchFamily="-65" charset="-128"/>
+                <a:cs typeface="Courier New" charset="0"/>
+              </a:rPr>
+              <a:t>&lt;string&gt; </a:t>
+            </a:r>
+            <a:r>
+              <a:rPr lang="en-US" altLang="zh-CN" sz="1400" i="0" dirty="0" err="1">
+                <a:latin typeface="Courier New" charset="0"/>
+                <a:ea typeface="宋体" pitchFamily="-65" charset="-128"/>
+                <a:cs typeface="Courier New" charset="0"/>
+              </a:rPr>
+              <a:t>push_message</a:t>
+            </a:r>
+            <a:r>
+              <a:rPr lang="en-US" altLang="zh-CN" sz="1400" i="0" dirty="0">
+                <a:latin typeface="Courier New" charset="0"/>
+                <a:ea typeface="宋体" pitchFamily="-65" charset="-128"/>
+                <a:cs typeface="Courier New" charset="0"/>
+              </a:rPr>
+              <a:t>;</a:t>
+            </a:r>
+          </a:p>
           <a:p>
             <a:pPr marL="169863" indent="-169863">
-              <a:buFontTx/>
-              <a:buChar char="•"/>
-              <a:defRPr/>
-            </a:pPr>
-            <a:endParaRPr lang="en-US" altLang="zh-CN" sz="2000" i="0" kern="0" dirty="0">
-              <a:latin typeface="+mn-lt"/>
-              <a:ea typeface="宋体" pitchFamily="-65" charset="-122"/>
+              <a:spcBef>
+                <a:spcPct val="40000"/>
+              </a:spcBef>
+            </a:pPr>
+            <a:r>
+              <a:rPr lang="en-US" altLang="zh-CN" sz="1400" i="0" dirty="0">
+                <a:latin typeface="Courier New" charset="0"/>
+                <a:ea typeface="宋体" pitchFamily="-65" charset="-128"/>
+                <a:cs typeface="Courier New" charset="0"/>
+              </a:rPr>
+              <a:t>  };</a:t>
+            </a:r>
+          </a:p>
+          <a:p>
+            <a:pPr marL="169863" indent="-169863">
+              <a:spcBef>
+                <a:spcPct val="40000"/>
+              </a:spcBef>
+            </a:pPr>
+            <a:r>
+              <a:rPr lang="en-US" altLang="zh-CN" sz="1400" i="0" dirty="0">
+                <a:latin typeface="Courier New" charset="0"/>
+                <a:ea typeface="宋体" pitchFamily="-65" charset="-128"/>
+                <a:cs typeface="Courier New" charset="0"/>
+              </a:rPr>
+              <a:t>};</a:t>
+            </a:r>
+          </a:p>
+          <a:p>
+            <a:pPr marL="169863" indent="-169863">
+              <a:spcBef>
+                <a:spcPct val="40000"/>
+              </a:spcBef>
+            </a:pPr>
+            <a:endParaRPr lang="en-US" altLang="zh-CN" sz="1400" i="0" dirty="0">
+              <a:latin typeface="Courier New" charset="0"/>
+              <a:ea typeface="宋体" pitchFamily="-65" charset="-128"/>
+              <a:cs typeface="Courier New" charset="0"/>
             </a:endParaRPr>
           </a:p>
         </p:txBody>
@@ -17047,37 +16659,7 @@
                 <a:ea typeface="宋体" pitchFamily="-65" charset="-128"/>
                 <a:cs typeface="宋体" pitchFamily="-65" charset="-128"/>
               </a:rPr>
-              <a:t>Results </a:t>
-            </a:r>
-            <a:r>
-              <a:rPr lang="en-US" altLang="zh-CN" sz="3200" i="0" dirty="0" smtClean="0">
-                <a:solidFill>
-                  <a:srgbClr val="FF0000"/>
-                </a:solidFill>
-                <a:ea typeface="宋体" pitchFamily="-65" charset="-128"/>
-                <a:cs typeface="宋体" pitchFamily="-65" charset="-128"/>
-              </a:rPr>
-              <a:t>i</a:t>
-            </a:r>
-            <a:r>
-              <a:rPr lang="en-US" altLang="zh-CN" sz="3200" i="0" dirty="0" smtClean="0">
-                <a:solidFill>
-                  <a:srgbClr val="FF0000"/>
-                </a:solidFill>
-                <a:ea typeface="宋体" pitchFamily="-65" charset="-128"/>
-                <a:cs typeface="宋体" pitchFamily="-65" charset="-128"/>
-              </a:rPr>
-              <a:t>teration </a:t>
-            </a:r>
-            <a:r>
-              <a:rPr lang="en-US" altLang="zh-CN" sz="3200" i="0" dirty="0" smtClean="0">
-                <a:solidFill>
-                  <a:srgbClr val="FF0000"/>
-                </a:solidFill>
-                <a:ea typeface="宋体" pitchFamily="-65" charset="-128"/>
-                <a:cs typeface="宋体" pitchFamily="-65" charset="-128"/>
-              </a:rPr>
-              <a:t>1</a:t>
+              <a:t>Results iteration 1</a:t>
             </a:r>
             <a:endParaRPr lang="en-US" altLang="zh-CN" sz="3200" i="0" dirty="0">
               <a:solidFill>
@@ -17218,14 +16800,23 @@
                 <a:ea typeface="宋体" pitchFamily="-65" charset="-128"/>
                 <a:cs typeface="Times New Roman" charset="0"/>
               </a:rPr>
-              <a:t>Improved logging in </a:t>
-            </a:r>
+              <a:t>Improved logging in DAnCE</a:t>
+            </a:r>
+          </a:p>
+          <a:p>
+            <a:pPr marL="169863" indent="-169863">
+              <a:spcBef>
+                <a:spcPct val="40000"/>
+              </a:spcBef>
+              <a:buFontTx/>
+              <a:buChar char="•"/>
+            </a:pPr>
             <a:r>
               <a:rPr lang="en-US" altLang="zh-CN" sz="2000" i="0" dirty="0" smtClean="0">
                 <a:ea typeface="宋体" pitchFamily="-65" charset="-128"/>
                 <a:cs typeface="Times New Roman" charset="0"/>
               </a:rPr>
-              <a:t>DAnCE</a:t>
+              <a:t>Removed CIDLC and replaced with TAO_IDL</a:t>
             </a:r>
           </a:p>
           <a:p>
@@ -17241,28 +16832,8 @@
                 <a:ea typeface="宋体" pitchFamily="-65" charset="-128"/>
                 <a:cs typeface="Times New Roman" charset="0"/>
               </a:rPr>
-              <a:t>Removed CIDLC and replaced with TAO_IDL</a:t>
-            </a:r>
-          </a:p>
-          <a:p>
-            <a:pPr marL="169863" indent="-169863">
-              <a:spcBef>
-                <a:spcPct val="40000"/>
-              </a:spcBef>
-              <a:buFontTx/>
-              <a:buChar char="•"/>
-            </a:pPr>
-            <a:r>
-              <a:rPr lang="en-US" altLang="zh-CN" sz="2000" i="0" dirty="0" smtClean="0">
-                <a:ea typeface="宋体" pitchFamily="-65" charset="-128"/>
-                <a:cs typeface="Times New Roman" charset="0"/>
-              </a:rPr>
               <a:t>Extended TAO_IDL to generate the export files</a:t>
             </a:r>
-            <a:endParaRPr lang="en-US" altLang="zh-CN" sz="2000" i="0" dirty="0" smtClean="0">
-              <a:ea typeface="宋体" pitchFamily="-65" charset="-128"/>
-              <a:cs typeface="Times New Roman" charset="0"/>
-            </a:endParaRPr>
           </a:p>
           <a:p>
             <a:pPr marL="169863" indent="-169863">
@@ -17313,7 +16884,7 @@
       </p:grpSpPr>
       <p:sp>
         <p:nvSpPr>
-          <p:cNvPr id="279554" name="Title 4"/>
+          <p:cNvPr id="277506" name="Title 4"/>
           <p:cNvSpPr>
             <a:spLocks noGrp="1"/>
           </p:cNvSpPr>
@@ -17328,7 +16899,7 @@
           <a:p>
             <a:r>
               <a:rPr lang="en-US"/>
-              <a:t>Receiver IDL3+</a:t>
+              <a:t>Sender IDL3</a:t>
             </a:r>
             <a:endParaRPr lang="nl-NL"/>
           </a:p>
@@ -17336,7 +16907,7 @@
       </p:sp>
       <p:sp>
         <p:nvSpPr>
-          <p:cNvPr id="279555" name="Rectangle 3"/>
+          <p:cNvPr id="277507" name="Rectangle 3"/>
           <p:cNvSpPr>
             <a:spLocks noChangeArrowheads="1"/>
           </p:cNvSpPr>
@@ -17382,7 +16953,7 @@
       </p:sp>
       <p:sp>
         <p:nvSpPr>
-          <p:cNvPr id="4" name="Rectangle 3"/>
+          <p:cNvPr id="277508" name="Rectangle 3"/>
           <p:cNvSpPr>
             <a:spLocks noChangeArrowheads="1"/>
           </p:cNvSpPr>
@@ -17405,40 +16976,25 @@
           </a:ln>
         </p:spPr>
         <p:txBody>
-          <a:bodyPr/>
+          <a:bodyPr>
+            <a:prstTxWarp prst="textNoShape">
+              <a:avLst/>
+            </a:prstTxWarp>
+          </a:bodyPr>
           <a:lstStyle/>
           <a:p>
             <a:pPr marL="169863" indent="-169863">
               <a:spcBef>
                 <a:spcPct val="40000"/>
               </a:spcBef>
-              <a:buFont typeface="Arial" pitchFamily="34" charset="0"/>
-              <a:buChar char="•"/>
-              <a:defRPr/>
-            </a:pPr>
-            <a:r>
-              <a:rPr lang="en-US" altLang="zh-CN" sz="2000" i="0" dirty="0">
-                <a:latin typeface="+mn-lt"/>
-                <a:ea typeface="宋体" pitchFamily="-65" charset="-122"/>
-                <a:cs typeface="Courier New" pitchFamily="49" charset="0"/>
-              </a:rPr>
-              <a:t>Uses the standardized </a:t>
-            </a:r>
-            <a:r>
-              <a:rPr lang="en-US" altLang="zh-CN" sz="2000" i="0" dirty="0" err="1">
-                <a:latin typeface="+mn-lt"/>
-                <a:ea typeface="宋体" pitchFamily="-65" charset="-122"/>
-                <a:cs typeface="Courier New" pitchFamily="49" charset="0"/>
-              </a:rPr>
-              <a:t>DDS_RawListen</a:t>
-            </a:r>
-            <a:r>
-              <a:rPr lang="en-US" altLang="zh-CN" sz="2000" i="0" dirty="0">
-                <a:latin typeface="+mn-lt"/>
-                <a:ea typeface="宋体" pitchFamily="-65" charset="-122"/>
-                <a:cs typeface="Courier New" pitchFamily="49" charset="0"/>
-              </a:rPr>
-              <a:t> port</a:t>
+            </a:pPr>
+            <a:r>
+              <a:rPr lang="en-US" altLang="zh-CN" sz="1200" i="0">
+                <a:latin typeface="Courier New" charset="0"/>
+                <a:ea typeface="宋体" pitchFamily="-65" charset="-128"/>
+                <a:cs typeface="Courier New" charset="0"/>
+              </a:rPr>
+              <a:t>module CCM_DDS</a:t>
             </a:r>
           </a:p>
           <a:p>
@@ -17446,12 +17002,71 @@
               <a:spcBef>
                 <a:spcPct val="40000"/>
               </a:spcBef>
-              <a:defRPr/>
-            </a:pPr>
-            <a:endParaRPr lang="en-US" altLang="zh-CN" sz="1400" i="0" dirty="0">
-              <a:latin typeface="Courier New" pitchFamily="49" charset="0"/>
-              <a:ea typeface="宋体" pitchFamily="-65" charset="-122"/>
-              <a:cs typeface="Courier New" pitchFamily="49" charset="0"/>
+            </a:pPr>
+            <a:r>
+              <a:rPr lang="en-US" altLang="zh-CN" sz="1200" i="0">
+                <a:latin typeface="Courier New" charset="0"/>
+                <a:ea typeface="宋体" pitchFamily="-65" charset="-128"/>
+                <a:cs typeface="Courier New" charset="0"/>
+              </a:rPr>
+              <a:t>{</a:t>
+            </a:r>
+          </a:p>
+          <a:p>
+            <a:pPr marL="169863" indent="-169863">
+              <a:spcBef>
+                <a:spcPct val="40000"/>
+              </a:spcBef>
+            </a:pPr>
+            <a:r>
+              <a:rPr lang="en-US" altLang="zh-CN" sz="1200" i="0">
+                <a:latin typeface="Courier New" charset="0"/>
+                <a:ea typeface="宋体" pitchFamily="-65" charset="-128"/>
+                <a:cs typeface="Courier New" charset="0"/>
+              </a:rPr>
+              <a:t>  interface string_Writer</a:t>
+            </a:r>
+          </a:p>
+          <a:p>
+            <a:pPr marL="169863" indent="-169863">
+              <a:spcBef>
+                <a:spcPct val="40000"/>
+              </a:spcBef>
+            </a:pPr>
+            <a:r>
+              <a:rPr lang="en-US" altLang="zh-CN" sz="1200" i="0">
+                <a:latin typeface="Courier New" charset="0"/>
+                <a:ea typeface="宋体" pitchFamily="-65" charset="-128"/>
+                <a:cs typeface="Courier New" charset="0"/>
+              </a:rPr>
+              <a:t>  {</a:t>
+            </a:r>
+          </a:p>
+          <a:p>
+            <a:pPr marL="169863" indent="-169863">
+              <a:spcBef>
+                <a:spcPct val="40000"/>
+              </a:spcBef>
+            </a:pPr>
+            <a:r>
+              <a:rPr lang="en-US" altLang="zh-CN" sz="1200" i="0">
+                <a:latin typeface="Courier New" charset="0"/>
+                <a:ea typeface="宋体" pitchFamily="-65" charset="-128"/>
+                <a:cs typeface="Courier New" charset="0"/>
+              </a:rPr>
+              <a:t>    typedef sequence&lt;string&gt; stringSeq;</a:t>
+            </a:r>
+          </a:p>
+          <a:p>
+            <a:pPr marL="169863" indent="-169863">
+              <a:spcBef>
+                <a:spcPct val="40000"/>
+              </a:spcBef>
+            </a:pPr>
+            <a:endParaRPr lang="en-US" altLang="zh-CN" sz="1200" i="0">
+              <a:latin typeface="Courier New" charset="0"/>
+              <a:ea typeface="宋体" pitchFamily="-65" charset="-128"/>
+              <a:cs typeface="Courier New" charset="0"/>
             </a:endParaRPr>
           </a:p>
           <a:p>
@@ -17459,28 +17074,71 @@
               <a:spcBef>
                 <a:spcPct val="40000"/>
               </a:spcBef>
-              <a:defRPr/>
-            </a:pPr>
-            <a:r>
-              <a:rPr lang="en-US" altLang="zh-CN" sz="1400" i="0" dirty="0">
-                <a:latin typeface="Courier New" pitchFamily="49" charset="0"/>
-                <a:ea typeface="宋体" pitchFamily="-65" charset="-122"/>
-                <a:cs typeface="Courier New" pitchFamily="49" charset="0"/>
-              </a:rPr>
-              <a:t>module </a:t>
-            </a:r>
-            <a:r>
-              <a:rPr lang="en-US" altLang="zh-CN" sz="1400" i="0" dirty="0" err="1">
-                <a:latin typeface="Courier New" pitchFamily="49" charset="0"/>
-                <a:ea typeface="宋体" pitchFamily="-65" charset="-122"/>
-                <a:cs typeface="Courier New" pitchFamily="49" charset="0"/>
-              </a:rPr>
-              <a:t>Hello_DDS</a:t>
-            </a:r>
-            <a:endParaRPr lang="en-US" altLang="zh-CN" sz="1400" i="0" dirty="0">
-              <a:latin typeface="Courier New" pitchFamily="49" charset="0"/>
-              <a:ea typeface="宋体" pitchFamily="-65" charset="-122"/>
-              <a:cs typeface="Courier New" pitchFamily="49" charset="0"/>
+            </a:pPr>
+            <a:r>
+              <a:rPr lang="en-US" altLang="zh-CN" sz="1200" i="0">
+                <a:latin typeface="Courier New" charset="0"/>
+                <a:ea typeface="宋体" pitchFamily="-65" charset="-128"/>
+                <a:cs typeface="Courier New" charset="0"/>
+              </a:rPr>
+              <a:t>    void write (in string an_instance)</a:t>
+            </a:r>
+          </a:p>
+          <a:p>
+            <a:pPr marL="169863" indent="-169863">
+              <a:spcBef>
+                <a:spcPct val="40000"/>
+              </a:spcBef>
+            </a:pPr>
+            <a:r>
+              <a:rPr lang="en-US" altLang="zh-CN" sz="1200" i="0">
+                <a:latin typeface="Courier New" charset="0"/>
+                <a:ea typeface="宋体" pitchFamily="-65" charset="-128"/>
+                <a:cs typeface="Courier New" charset="0"/>
+              </a:rPr>
+              <a:t>      raises (InternalError);</a:t>
+            </a:r>
+          </a:p>
+          <a:p>
+            <a:pPr marL="169863" indent="-169863">
+              <a:spcBef>
+                <a:spcPct val="40000"/>
+              </a:spcBef>
+            </a:pPr>
+            <a:r>
+              <a:rPr lang="en-US" altLang="zh-CN" sz="1200" i="0">
+                <a:latin typeface="Courier New" charset="0"/>
+                <a:ea typeface="宋体" pitchFamily="-65" charset="-128"/>
+                <a:cs typeface="Courier New" charset="0"/>
+              </a:rPr>
+              <a:t>  };</a:t>
+            </a:r>
+          </a:p>
+          <a:p>
+            <a:pPr marL="169863" indent="-169863">
+              <a:spcBef>
+                <a:spcPct val="40000"/>
+              </a:spcBef>
+            </a:pPr>
+            <a:r>
+              <a:rPr lang="en-US" altLang="zh-CN" sz="1200" i="0">
+                <a:latin typeface="Courier New" charset="0"/>
+                <a:ea typeface="宋体" pitchFamily="-65" charset="-128"/>
+                <a:cs typeface="Courier New" charset="0"/>
+              </a:rPr>
+              <a:t>};</a:t>
+            </a:r>
+          </a:p>
+          <a:p>
+            <a:pPr marL="169863" indent="-169863">
+              <a:spcBef>
+                <a:spcPct val="40000"/>
+              </a:spcBef>
+            </a:pPr>
+            <a:endParaRPr lang="en-US" altLang="zh-CN" sz="1200" i="0">
+              <a:latin typeface="Courier New" charset="0"/>
+              <a:ea typeface="宋体" pitchFamily="-65" charset="-128"/>
+              <a:cs typeface="Courier New" charset="0"/>
             </a:endParaRPr>
           </a:p>
           <a:p>
@@ -17488,13 +17146,27 @@
               <a:spcBef>
                 <a:spcPct val="40000"/>
               </a:spcBef>
-              <a:defRPr/>
-            </a:pPr>
-            <a:r>
-              <a:rPr lang="en-US" altLang="zh-CN" sz="1400" i="0" dirty="0">
-                <a:latin typeface="Courier New" pitchFamily="49" charset="0"/>
-                <a:ea typeface="宋体" pitchFamily="-65" charset="-122"/>
-                <a:cs typeface="Courier New" pitchFamily="49" charset="0"/>
+            </a:pPr>
+            <a:r>
+              <a:rPr lang="en-US" altLang="zh-CN" sz="1200" i="0">
+                <a:latin typeface="Courier New" charset="0"/>
+                <a:ea typeface="宋体" pitchFamily="-65" charset="-128"/>
+                <a:cs typeface="Courier New" charset="0"/>
+              </a:rPr>
+              <a:t>module Hello_DDS</a:t>
+            </a:r>
+          </a:p>
+          <a:p>
+            <a:pPr marL="169863" indent="-169863">
+              <a:spcBef>
+                <a:spcPct val="40000"/>
+              </a:spcBef>
+            </a:pPr>
+            <a:r>
+              <a:rPr lang="en-US" altLang="zh-CN" sz="1200" i="0">
+                <a:latin typeface="Courier New" charset="0"/>
+                <a:ea typeface="宋体" pitchFamily="-65" charset="-128"/>
+                <a:cs typeface="Courier New" charset="0"/>
               </a:rPr>
               <a:t>{</a:t>
             </a:r>
@@ -17504,15 +17176,14 @@
               <a:spcBef>
                 <a:spcPct val="40000"/>
               </a:spcBef>
-              <a:defRPr/>
-            </a:pPr>
-            <a:r>
-              <a:rPr lang="en-US" altLang="zh-CN" sz="1400" i="0" dirty="0">
-                <a:latin typeface="Courier New" pitchFamily="49" charset="0"/>
-                <a:ea typeface="宋体" pitchFamily="-65" charset="-122"/>
-                <a:cs typeface="Courier New" pitchFamily="49" charset="0"/>
-              </a:rPr>
-              <a:t>  component Receiver</a:t>
+            </a:pPr>
+            <a:r>
+              <a:rPr lang="en-US" altLang="zh-CN" sz="1200" i="0">
+                <a:latin typeface="Courier New" charset="0"/>
+                <a:ea typeface="宋体" pitchFamily="-65" charset="-128"/>
+                <a:cs typeface="Courier New" charset="0"/>
+              </a:rPr>
+              <a:t>  component Sender</a:t>
             </a:r>
           </a:p>
           <a:p>
@@ -17520,13 +17191,12 @@
               <a:spcBef>
                 <a:spcPct val="40000"/>
               </a:spcBef>
-              <a:defRPr/>
-            </a:pPr>
-            <a:r>
-              <a:rPr lang="en-US" altLang="zh-CN" sz="1400" i="0" dirty="0">
-                <a:latin typeface="Courier New" pitchFamily="49" charset="0"/>
-                <a:ea typeface="宋体" pitchFamily="-65" charset="-122"/>
-                <a:cs typeface="Courier New" pitchFamily="49" charset="0"/>
+            </a:pPr>
+            <a:r>
+              <a:rPr lang="en-US" altLang="zh-CN" sz="1200" i="0">
+                <a:latin typeface="Courier New" charset="0"/>
+                <a:ea typeface="宋体" pitchFamily="-65" charset="-128"/>
+                <a:cs typeface="Courier New" charset="0"/>
               </a:rPr>
               <a:t>  {</a:t>
             </a:r>
@@ -17536,47 +17206,14 @@
               <a:spcBef>
                 <a:spcPct val="40000"/>
               </a:spcBef>
-              <a:defRPr/>
-            </a:pPr>
-            <a:r>
-              <a:rPr lang="en-US" altLang="zh-CN" sz="1400" i="0" dirty="0">
-                <a:latin typeface="Courier New" pitchFamily="49" charset="0"/>
-                <a:ea typeface="宋体" pitchFamily="-65" charset="-122"/>
-                <a:cs typeface="Courier New" pitchFamily="49" charset="0"/>
-              </a:rPr>
-              <a:t>    port </a:t>
-            </a:r>
-            <a:r>
-              <a:rPr lang="en-US" altLang="zh-CN" sz="1400" i="0" dirty="0" err="1">
-                <a:latin typeface="Courier New" pitchFamily="49" charset="0"/>
-                <a:ea typeface="宋体" pitchFamily="-65" charset="-122"/>
-                <a:cs typeface="Courier New" pitchFamily="49" charset="0"/>
-              </a:rPr>
-              <a:t>DDS_RawListen</a:t>
-            </a:r>
-            <a:r>
-              <a:rPr lang="en-US" altLang="zh-CN" sz="1400" i="0" dirty="0">
-                <a:latin typeface="Courier New" pitchFamily="49" charset="0"/>
-                <a:ea typeface="宋体" pitchFamily="-65" charset="-122"/>
-                <a:cs typeface="Courier New" pitchFamily="49" charset="0"/>
-              </a:rPr>
-              <a:t>&lt;string&gt; </a:t>
-            </a:r>
-            <a:r>
-              <a:rPr lang="en-US" altLang="zh-CN" sz="1400" i="0" dirty="0" err="1">
-                <a:latin typeface="Courier New" pitchFamily="49" charset="0"/>
-                <a:ea typeface="宋体" pitchFamily="-65" charset="-122"/>
-                <a:cs typeface="Courier New" pitchFamily="49" charset="0"/>
-              </a:rPr>
-              <a:t>read_message</a:t>
-            </a:r>
-            <a:r>
-              <a:rPr lang="en-US" altLang="zh-CN" sz="1400" i="0" dirty="0">
-                <a:latin typeface="Courier New" pitchFamily="49" charset="0"/>
-                <a:ea typeface="宋体" pitchFamily="-65" charset="-122"/>
-                <a:cs typeface="Courier New" pitchFamily="49" charset="0"/>
-              </a:rPr>
-              <a:t>;</a:t>
+            </a:pPr>
+            <a:r>
+              <a:rPr lang="en-US" altLang="zh-CN" sz="1200" i="0">
+                <a:latin typeface="Courier New" charset="0"/>
+                <a:ea typeface="宋体" pitchFamily="-65" charset="-128"/>
+                <a:cs typeface="Courier New" charset="0"/>
+              </a:rPr>
+              <a:t>    uses CCM_DDS::string_Writer push_data_data;</a:t>
             </a:r>
           </a:p>
           <a:p>
@@ -17584,13 +17221,27 @@
               <a:spcBef>
                 <a:spcPct val="40000"/>
               </a:spcBef>
-              <a:defRPr/>
-            </a:pPr>
-            <a:r>
-              <a:rPr lang="en-US" altLang="zh-CN" sz="1400" i="0" dirty="0">
-                <a:latin typeface="Courier New" pitchFamily="49" charset="0"/>
-                <a:ea typeface="宋体" pitchFamily="-65" charset="-122"/>
-                <a:cs typeface="Courier New" pitchFamily="49" charset="0"/>
+            </a:pPr>
+            <a:r>
+              <a:rPr lang="en-US" altLang="zh-CN" sz="1200" i="0">
+                <a:latin typeface="Courier New" charset="0"/>
+                <a:ea typeface="宋体" pitchFamily="-65" charset="-128"/>
+                <a:cs typeface="Courier New" charset="0"/>
+              </a:rPr>
+              <a:t>    uses DDS::DataWriter push_data_dds_entity;</a:t>
+            </a:r>
+          </a:p>
+          <a:p>
+            <a:pPr marL="169863" indent="-169863">
+              <a:spcBef>
+                <a:spcPct val="40000"/>
+              </a:spcBef>
+            </a:pPr>
+            <a:r>
+              <a:rPr lang="en-US" altLang="zh-CN" sz="1200" i="0">
+                <a:latin typeface="Courier New" charset="0"/>
+                <a:ea typeface="宋体" pitchFamily="-65" charset="-128"/>
+                <a:cs typeface="Courier New" charset="0"/>
               </a:rPr>
               <a:t>  };</a:t>
             </a:r>
@@ -17600,13 +17251,12 @@
               <a:spcBef>
                 <a:spcPct val="40000"/>
               </a:spcBef>
-              <a:defRPr/>
-            </a:pPr>
-            <a:r>
-              <a:rPr lang="en-US" altLang="zh-CN" sz="1400" i="0" dirty="0">
-                <a:latin typeface="Courier New" pitchFamily="49" charset="0"/>
-                <a:ea typeface="宋体" pitchFamily="-65" charset="-122"/>
-                <a:cs typeface="Courier New" pitchFamily="49" charset="0"/>
+            </a:pPr>
+            <a:r>
+              <a:rPr lang="en-US" altLang="zh-CN" sz="1200" i="0">
+                <a:latin typeface="Courier New" charset="0"/>
+                <a:ea typeface="宋体" pitchFamily="-65" charset="-128"/>
+                <a:cs typeface="Courier New" charset="0"/>
               </a:rPr>
               <a:t>};</a:t>
             </a:r>
@@ -17647,7 +17297,7 @@
       </p:grpSpPr>
       <p:sp>
         <p:nvSpPr>
-          <p:cNvPr id="280578" name="Title 4"/>
+          <p:cNvPr id="278530" name="Title 4"/>
           <p:cNvSpPr>
             <a:spLocks noGrp="1"/>
           </p:cNvSpPr>
@@ -17662,7 +17312,7 @@
           <a:p>
             <a:r>
               <a:rPr lang="en-US"/>
-              <a:t>Receiver IDL3</a:t>
+              <a:t>Write a string to DDS</a:t>
             </a:r>
             <a:endParaRPr lang="nl-NL"/>
           </a:p>
@@ -17670,7 +17320,7 @@
       </p:sp>
       <p:sp>
         <p:nvSpPr>
-          <p:cNvPr id="280579" name="Rectangle 3"/>
+          <p:cNvPr id="278531" name="Rectangle 3"/>
           <p:cNvSpPr>
             <a:spLocks noChangeArrowheads="1"/>
           </p:cNvSpPr>
@@ -17724,7 +17374,7 @@
         </p:nvSpPr>
         <p:spPr bwMode="auto">
           <a:xfrm>
-            <a:off x="381000" y="1133475"/>
+            <a:off x="381000" y="1343025"/>
             <a:ext cx="8763000" cy="4876800"/>
           </a:xfrm>
           <a:prstGeom prst="rect">
@@ -17739,806 +17389,179 @@
           </a:ln>
         </p:spPr>
         <p:txBody>
+          <a:bodyPr>
+            <a:prstTxWarp prst="textNoShape">
+              <a:avLst/>
+            </a:prstTxWarp>
+          </a:bodyPr>
+          <a:lstStyle/>
+          <a:p>
+            <a:pPr marL="169863" indent="-169863">
+              <a:buFontTx/>
+              <a:buChar char="•"/>
+            </a:pPr>
+            <a:r>
+              <a:rPr lang="en-US" altLang="zh-CN" sz="2200" i="0" dirty="0">
+                <a:latin typeface="+mn-lt"/>
+                <a:ea typeface="宋体" pitchFamily="-65" charset="-128"/>
+                <a:cs typeface="宋体" pitchFamily="-65" charset="-128"/>
+              </a:rPr>
+              <a:t>Component-specific context manages receptacle connections</a:t>
+            </a:r>
+          </a:p>
+          <a:p>
+            <a:pPr marL="169863" indent="-169863">
+              <a:buFontTx/>
+              <a:buChar char="•"/>
+            </a:pPr>
+            <a:r>
+              <a:rPr lang="en-US" altLang="zh-CN" sz="2200" i="0" dirty="0">
+                <a:latin typeface="+mn-lt"/>
+                <a:ea typeface="宋体" pitchFamily="-65" charset="-128"/>
+                <a:cs typeface="宋体" pitchFamily="-65" charset="-128"/>
+              </a:rPr>
+              <a:t>Executor acquires its connected receptacle reference from its component-specific context</a:t>
+            </a:r>
+          </a:p>
+          <a:p>
+            <a:pPr marL="169863" indent="-169863">
+              <a:spcBef>
+                <a:spcPct val="40000"/>
+              </a:spcBef>
+            </a:pPr>
+            <a:r>
+              <a:rPr lang="en-US" altLang="zh-CN" sz="1200" i="0" dirty="0">
+                <a:latin typeface="Courier New" charset="0"/>
+                <a:ea typeface="宋体" pitchFamily="-65" charset="-128"/>
+                <a:cs typeface="Courier New" charset="0"/>
+              </a:rPr>
+              <a:t> ::CCM_DDS::</a:t>
+            </a:r>
+            <a:r>
+              <a:rPr lang="en-US" altLang="zh-CN" sz="1200" i="0" dirty="0" err="1">
+                <a:latin typeface="Courier New" charset="0"/>
+                <a:ea typeface="宋体" pitchFamily="-65" charset="-128"/>
+                <a:cs typeface="Courier New" charset="0"/>
+              </a:rPr>
+              <a:t>string_Writer_var</a:t>
+            </a:r>
+            <a:r>
+              <a:rPr lang="en-US" altLang="zh-CN" sz="1200" i="0" dirty="0">
+                <a:latin typeface="Courier New" charset="0"/>
+                <a:ea typeface="宋体" pitchFamily="-65" charset="-128"/>
+                <a:cs typeface="Courier New" charset="0"/>
+              </a:rPr>
+              <a:t> writer =</a:t>
+            </a:r>
+          </a:p>
+          <a:p>
+            <a:pPr marL="169863" indent="-169863">
+              <a:spcBef>
+                <a:spcPct val="40000"/>
+              </a:spcBef>
+            </a:pPr>
+            <a:r>
+              <a:rPr lang="en-US" altLang="zh-CN" sz="1200" i="0" dirty="0">
+                <a:latin typeface="Courier New" charset="0"/>
+                <a:ea typeface="宋体" pitchFamily="-65" charset="-128"/>
+                <a:cs typeface="Courier New" charset="0"/>
+              </a:rPr>
+              <a:t>      this-&gt;context_-&gt;</a:t>
+            </a:r>
+            <a:r>
+              <a:rPr lang="en-US" altLang="zh-CN" sz="1200" i="0" dirty="0" err="1">
+                <a:latin typeface="Courier New" charset="0"/>
+                <a:ea typeface="宋体" pitchFamily="-65" charset="-128"/>
+                <a:cs typeface="Courier New" charset="0"/>
+              </a:rPr>
+              <a:t>get_connection_push_data_data</a:t>
+            </a:r>
+            <a:r>
+              <a:rPr lang="en-US" altLang="zh-CN" sz="1200" i="0" dirty="0">
+                <a:latin typeface="Courier New" charset="0"/>
+                <a:ea typeface="宋体" pitchFamily="-65" charset="-128"/>
+                <a:cs typeface="Courier New" charset="0"/>
+              </a:rPr>
+              <a:t> ();</a:t>
+            </a:r>
+          </a:p>
+          <a:p>
+            <a:pPr marL="169863" indent="-169863">
+              <a:buFontTx/>
+              <a:buChar char="•"/>
+            </a:pPr>
+            <a:r>
+              <a:rPr lang="en-US" altLang="zh-CN" sz="2200" i="0" dirty="0">
+                <a:latin typeface="+mn-lt"/>
+                <a:ea typeface="宋体" pitchFamily="-65" charset="-128"/>
+                <a:cs typeface="宋体" pitchFamily="-65" charset="-128"/>
+              </a:rPr>
+              <a:t>Executor executes on the </a:t>
+            </a:r>
+            <a:r>
+              <a:rPr lang="en-US" altLang="zh-CN" sz="2200" i="0" dirty="0" err="1">
+                <a:latin typeface="+mn-lt"/>
+                <a:ea typeface="宋体" pitchFamily="-65" charset="-128"/>
+                <a:cs typeface="宋体" pitchFamily="-65" charset="-128"/>
+              </a:rPr>
+              <a:t>receptable</a:t>
+            </a:r>
+            <a:r>
+              <a:rPr lang="en-US" altLang="zh-CN" sz="2200" i="0" dirty="0">
+                <a:latin typeface="+mn-lt"/>
+                <a:ea typeface="宋体" pitchFamily="-65" charset="-128"/>
+                <a:cs typeface="宋体" pitchFamily="-65" charset="-128"/>
+              </a:rPr>
+              <a:t> to write a string to DDS</a:t>
+            </a:r>
+          </a:p>
+          <a:p>
+            <a:pPr marL="169863" indent="-169863">
+              <a:spcBef>
+                <a:spcPct val="40000"/>
+              </a:spcBef>
+            </a:pPr>
+            <a:r>
+              <a:rPr lang="en-US" altLang="zh-CN" sz="1200" i="0" dirty="0">
+                <a:latin typeface="Courier New" charset="0"/>
+                <a:ea typeface="宋体" pitchFamily="-65" charset="-128"/>
+                <a:cs typeface="宋体" pitchFamily="-65" charset="-128"/>
+              </a:rPr>
+              <a:t>writer-&gt;write (“Hello world”);</a:t>
+            </a:r>
+          </a:p>
+        </p:txBody>
+      </p:sp>
+      <p:sp>
+        <p:nvSpPr>
+          <p:cNvPr id="6" name="Rectangle 3"/>
+          <p:cNvSpPr txBox="1">
+            <a:spLocks noChangeArrowheads="1"/>
+          </p:cNvSpPr>
+          <p:nvPr/>
+        </p:nvSpPr>
+        <p:spPr>
+          <a:xfrm>
+            <a:off x="3433763" y="947738"/>
+            <a:ext cx="5595937" cy="1752600"/>
+          </a:xfrm>
+          <a:prstGeom prst="rect">
+            <a:avLst/>
+          </a:prstGeom>
+        </p:spPr>
+        <p:txBody>
           <a:bodyPr/>
           <a:lstStyle/>
           <a:p>
             <a:pPr marL="169863" indent="-169863">
-              <a:spcBef>
-                <a:spcPct val="40000"/>
-              </a:spcBef>
-              <a:buFont typeface="Arial" pitchFamily="34" charset="0"/>
+              <a:buFontTx/>
               <a:buChar char="•"/>
               <a:defRPr/>
             </a:pPr>
-            <a:r>
-              <a:rPr lang="en-US" altLang="zh-CN" sz="2000" i="0" dirty="0">
-                <a:latin typeface="+mn-lt"/>
-                <a:ea typeface="宋体" pitchFamily="-65" charset="-122"/>
-                <a:cs typeface="Courier New" pitchFamily="49" charset="0"/>
-              </a:rPr>
-              <a:t>Type specific reader interface</a:t>
-            </a:r>
-          </a:p>
-          <a:p>
-            <a:pPr marL="169863" indent="-169863">
-              <a:spcBef>
-                <a:spcPct val="40000"/>
-              </a:spcBef>
-              <a:defRPr/>
-            </a:pPr>
-            <a:r>
-              <a:rPr lang="en-US" altLang="zh-CN" sz="1100" i="0" dirty="0">
-                <a:latin typeface="Courier New" pitchFamily="49" charset="0"/>
-                <a:ea typeface="宋体" pitchFamily="-65" charset="-122"/>
-                <a:cs typeface="Courier New" pitchFamily="49" charset="0"/>
-              </a:rPr>
-              <a:t>module CCM_DDS</a:t>
-            </a:r>
-          </a:p>
-          <a:p>
-            <a:pPr marL="169863" indent="-169863">
-              <a:spcBef>
-                <a:spcPct val="40000"/>
-              </a:spcBef>
-              <a:defRPr/>
-            </a:pPr>
-            <a:r>
-              <a:rPr lang="en-US" altLang="zh-CN" sz="1100" i="0" dirty="0">
-                <a:latin typeface="Courier New" pitchFamily="49" charset="0"/>
-                <a:ea typeface="宋体" pitchFamily="-65" charset="-122"/>
-                <a:cs typeface="Courier New" pitchFamily="49" charset="0"/>
-              </a:rPr>
-              <a:t>{</a:t>
-            </a:r>
-          </a:p>
-          <a:p>
-            <a:pPr marL="169863" indent="-169863">
-              <a:spcBef>
-                <a:spcPct val="40000"/>
-              </a:spcBef>
-              <a:defRPr/>
-            </a:pPr>
-            <a:r>
-              <a:rPr lang="en-US" altLang="zh-CN" sz="1100" i="0" dirty="0">
-                <a:latin typeface="Courier New" pitchFamily="49" charset="0"/>
-                <a:ea typeface="宋体" pitchFamily="-65" charset="-122"/>
-                <a:cs typeface="Courier New" pitchFamily="49" charset="0"/>
-              </a:rPr>
-              <a:t>    interface </a:t>
-            </a:r>
-            <a:r>
-              <a:rPr lang="en-US" altLang="zh-CN" sz="1100" i="0" dirty="0" err="1">
-                <a:latin typeface="Courier New" pitchFamily="49" charset="0"/>
-                <a:ea typeface="宋体" pitchFamily="-65" charset="-122"/>
-                <a:cs typeface="Courier New" pitchFamily="49" charset="0"/>
-              </a:rPr>
-              <a:t>string_Reader</a:t>
-            </a:r>
-            <a:endParaRPr lang="en-US" altLang="zh-CN" sz="1100" i="0" dirty="0">
-              <a:latin typeface="Courier New" pitchFamily="49" charset="0"/>
+            <a:endParaRPr lang="en-US" altLang="zh-CN" sz="2000" i="0" kern="0" dirty="0">
+              <a:latin typeface="+mn-lt"/>
               <a:ea typeface="宋体" pitchFamily="-65" charset="-122"/>
-              <a:cs typeface="Courier New" pitchFamily="49" charset="0"/>
             </a:endParaRPr>
-          </a:p>
-          <a:p>
-            <a:pPr marL="169863" indent="-169863">
-              <a:spcBef>
-                <a:spcPct val="40000"/>
-              </a:spcBef>
-              <a:defRPr/>
-            </a:pPr>
-            <a:r>
-              <a:rPr lang="en-US" altLang="zh-CN" sz="1100" i="0" dirty="0">
-                <a:latin typeface="Courier New" pitchFamily="49" charset="0"/>
-                <a:ea typeface="宋体" pitchFamily="-65" charset="-122"/>
-                <a:cs typeface="Courier New" pitchFamily="49" charset="0"/>
-              </a:rPr>
-              <a:t>    {</a:t>
-            </a:r>
-          </a:p>
-          <a:p>
-            <a:pPr marL="169863" indent="-169863">
-              <a:spcBef>
-                <a:spcPct val="40000"/>
-              </a:spcBef>
-              <a:defRPr/>
-            </a:pPr>
-            <a:r>
-              <a:rPr lang="en-US" altLang="zh-CN" sz="1100" i="0" dirty="0">
-                <a:latin typeface="Courier New" pitchFamily="49" charset="0"/>
-                <a:ea typeface="宋体" pitchFamily="-65" charset="-122"/>
-                <a:cs typeface="Courier New" pitchFamily="49" charset="0"/>
-              </a:rPr>
-              <a:t>      </a:t>
-            </a:r>
-            <a:r>
-              <a:rPr lang="en-US" altLang="zh-CN" sz="1100" i="0" dirty="0" err="1">
-                <a:latin typeface="Courier New" pitchFamily="49" charset="0"/>
-                <a:ea typeface="宋体" pitchFamily="-65" charset="-122"/>
-                <a:cs typeface="Courier New" pitchFamily="49" charset="0"/>
-              </a:rPr>
-              <a:t>typedef</a:t>
-            </a:r>
-            <a:r>
-              <a:rPr lang="en-US" altLang="zh-CN" sz="1100" i="0" dirty="0">
-                <a:latin typeface="Courier New" pitchFamily="49" charset="0"/>
-                <a:ea typeface="宋体" pitchFamily="-65" charset="-122"/>
-                <a:cs typeface="Courier New" pitchFamily="49" charset="0"/>
-              </a:rPr>
-              <a:t> sequence&lt;string&gt; </a:t>
-            </a:r>
-            <a:r>
-              <a:rPr lang="en-US" altLang="zh-CN" sz="1100" i="0" dirty="0" err="1">
-                <a:latin typeface="Courier New" pitchFamily="49" charset="0"/>
-                <a:ea typeface="宋体" pitchFamily="-65" charset="-122"/>
-                <a:cs typeface="Courier New" pitchFamily="49" charset="0"/>
-              </a:rPr>
-              <a:t>stringSeq</a:t>
-            </a:r>
-            <a:r>
-              <a:rPr lang="en-US" altLang="zh-CN" sz="1100" i="0" dirty="0">
-                <a:latin typeface="Courier New" pitchFamily="49" charset="0"/>
-                <a:ea typeface="宋体" pitchFamily="-65" charset="-122"/>
-                <a:cs typeface="Courier New" pitchFamily="49" charset="0"/>
-              </a:rPr>
-              <a:t>;</a:t>
-            </a:r>
-          </a:p>
-          <a:p>
-            <a:pPr marL="169863" indent="-169863">
-              <a:spcBef>
-                <a:spcPct val="40000"/>
-              </a:spcBef>
-              <a:defRPr/>
-            </a:pPr>
-            <a:r>
-              <a:rPr lang="en-US" altLang="zh-CN" sz="1100" i="0" dirty="0">
-                <a:latin typeface="Courier New" pitchFamily="49" charset="0"/>
-                <a:ea typeface="宋体" pitchFamily="-65" charset="-122"/>
-                <a:cs typeface="Courier New" pitchFamily="49" charset="0"/>
-              </a:rPr>
-              <a:t>      void </a:t>
-            </a:r>
-            <a:r>
-              <a:rPr lang="en-US" altLang="zh-CN" sz="1100" i="0" dirty="0" err="1">
-                <a:latin typeface="Courier New" pitchFamily="49" charset="0"/>
-                <a:ea typeface="宋体" pitchFamily="-65" charset="-122"/>
-                <a:cs typeface="Courier New" pitchFamily="49" charset="0"/>
-              </a:rPr>
-              <a:t>read_all</a:t>
-            </a:r>
-            <a:r>
-              <a:rPr lang="en-US" altLang="zh-CN" sz="1100" i="0" dirty="0">
-                <a:latin typeface="Courier New" pitchFamily="49" charset="0"/>
-                <a:ea typeface="宋体" pitchFamily="-65" charset="-122"/>
-                <a:cs typeface="Courier New" pitchFamily="49" charset="0"/>
-              </a:rPr>
-              <a:t> (out </a:t>
-            </a:r>
-            <a:r>
-              <a:rPr lang="en-US" altLang="zh-CN" sz="1100" i="0" dirty="0" err="1">
-                <a:latin typeface="Courier New" pitchFamily="49" charset="0"/>
-                <a:ea typeface="宋体" pitchFamily="-65" charset="-122"/>
-                <a:cs typeface="Courier New" pitchFamily="49" charset="0"/>
-              </a:rPr>
-              <a:t>stringSeq</a:t>
-            </a:r>
-            <a:r>
-              <a:rPr lang="en-US" altLang="zh-CN" sz="1100" i="0" dirty="0">
-                <a:latin typeface="Courier New" pitchFamily="49" charset="0"/>
-                <a:ea typeface="宋体" pitchFamily="-65" charset="-122"/>
-                <a:cs typeface="Courier New" pitchFamily="49" charset="0"/>
-              </a:rPr>
-              <a:t> instances, out </a:t>
-            </a:r>
-            <a:r>
-              <a:rPr lang="en-US" altLang="zh-CN" sz="1100" i="0" dirty="0" err="1">
-                <a:latin typeface="Courier New" pitchFamily="49" charset="0"/>
-                <a:ea typeface="宋体" pitchFamily="-65" charset="-122"/>
-                <a:cs typeface="Courier New" pitchFamily="49" charset="0"/>
-              </a:rPr>
-              <a:t>ReadInfoSeq</a:t>
-            </a:r>
-            <a:r>
-              <a:rPr lang="en-US" altLang="zh-CN" sz="1100" i="0" dirty="0">
-                <a:latin typeface="Courier New" pitchFamily="49" charset="0"/>
-                <a:ea typeface="宋体" pitchFamily="-65" charset="-122"/>
-                <a:cs typeface="Courier New" pitchFamily="49" charset="0"/>
-              </a:rPr>
-              <a:t> </a:t>
-            </a:r>
-            <a:r>
-              <a:rPr lang="en-US" altLang="zh-CN" sz="1100" i="0" dirty="0" err="1">
-                <a:latin typeface="Courier New" pitchFamily="49" charset="0"/>
-                <a:ea typeface="宋体" pitchFamily="-65" charset="-122"/>
-                <a:cs typeface="Courier New" pitchFamily="49" charset="0"/>
-              </a:rPr>
-              <a:t>infos</a:t>
-            </a:r>
-            <a:r>
-              <a:rPr lang="en-US" altLang="zh-CN" sz="1100" i="0" dirty="0">
-                <a:latin typeface="Courier New" pitchFamily="49" charset="0"/>
-                <a:ea typeface="宋体" pitchFamily="-65" charset="-122"/>
-                <a:cs typeface="Courier New" pitchFamily="49" charset="0"/>
-              </a:rPr>
-              <a:t>)</a:t>
-            </a:r>
-          </a:p>
-          <a:p>
-            <a:pPr marL="169863" indent="-169863">
-              <a:spcBef>
-                <a:spcPct val="40000"/>
-              </a:spcBef>
-              <a:defRPr/>
-            </a:pPr>
-            <a:r>
-              <a:rPr lang="en-US" altLang="zh-CN" sz="1100" i="0" dirty="0">
-                <a:latin typeface="Courier New" pitchFamily="49" charset="0"/>
-                <a:ea typeface="宋体" pitchFamily="-65" charset="-122"/>
-                <a:cs typeface="Courier New" pitchFamily="49" charset="0"/>
-              </a:rPr>
-              <a:t>        raises (</a:t>
-            </a:r>
-            <a:r>
-              <a:rPr lang="en-US" altLang="zh-CN" sz="1100" i="0" dirty="0" err="1">
-                <a:latin typeface="Courier New" pitchFamily="49" charset="0"/>
-                <a:ea typeface="宋体" pitchFamily="-65" charset="-122"/>
-                <a:cs typeface="Courier New" pitchFamily="49" charset="0"/>
-              </a:rPr>
-              <a:t>InternalError</a:t>
-            </a:r>
-            <a:r>
-              <a:rPr lang="en-US" altLang="zh-CN" sz="1100" i="0" dirty="0">
-                <a:latin typeface="Courier New" pitchFamily="49" charset="0"/>
-                <a:ea typeface="宋体" pitchFamily="-65" charset="-122"/>
-                <a:cs typeface="Courier New" pitchFamily="49" charset="0"/>
-              </a:rPr>
-              <a:t>);</a:t>
-            </a:r>
-          </a:p>
-          <a:p>
-            <a:pPr marL="169863" indent="-169863">
-              <a:spcBef>
-                <a:spcPct val="40000"/>
-              </a:spcBef>
-              <a:defRPr/>
-            </a:pPr>
-            <a:r>
-              <a:rPr lang="en-US" altLang="zh-CN" sz="1100" i="0" dirty="0">
-                <a:latin typeface="Courier New" pitchFamily="49" charset="0"/>
-                <a:ea typeface="宋体" pitchFamily="-65" charset="-122"/>
-                <a:cs typeface="Courier New" pitchFamily="49" charset="0"/>
-              </a:rPr>
-              <a:t>      void </a:t>
-            </a:r>
-            <a:r>
-              <a:rPr lang="en-US" altLang="zh-CN" sz="1100" i="0" dirty="0" err="1">
-                <a:latin typeface="Courier New" pitchFamily="49" charset="0"/>
-                <a:ea typeface="宋体" pitchFamily="-65" charset="-122"/>
-                <a:cs typeface="Courier New" pitchFamily="49" charset="0"/>
-              </a:rPr>
-              <a:t>read_all_history</a:t>
-            </a:r>
-            <a:r>
-              <a:rPr lang="en-US" altLang="zh-CN" sz="1100" i="0" dirty="0">
-                <a:latin typeface="Courier New" pitchFamily="49" charset="0"/>
-                <a:ea typeface="宋体" pitchFamily="-65" charset="-122"/>
-                <a:cs typeface="Courier New" pitchFamily="49" charset="0"/>
-              </a:rPr>
-              <a:t> (out </a:t>
-            </a:r>
-            <a:r>
-              <a:rPr lang="en-US" altLang="zh-CN" sz="1100" i="0" dirty="0" err="1">
-                <a:latin typeface="Courier New" pitchFamily="49" charset="0"/>
-                <a:ea typeface="宋体" pitchFamily="-65" charset="-122"/>
-                <a:cs typeface="Courier New" pitchFamily="49" charset="0"/>
-              </a:rPr>
-              <a:t>stringSeq</a:t>
-            </a:r>
-            <a:r>
-              <a:rPr lang="en-US" altLang="zh-CN" sz="1100" i="0" dirty="0">
-                <a:latin typeface="Courier New" pitchFamily="49" charset="0"/>
-                <a:ea typeface="宋体" pitchFamily="-65" charset="-122"/>
-                <a:cs typeface="Courier New" pitchFamily="49" charset="0"/>
-              </a:rPr>
-              <a:t> instances, out </a:t>
-            </a:r>
-            <a:r>
-              <a:rPr lang="en-US" altLang="zh-CN" sz="1100" i="0" dirty="0" err="1">
-                <a:latin typeface="Courier New" pitchFamily="49" charset="0"/>
-                <a:ea typeface="宋体" pitchFamily="-65" charset="-122"/>
-                <a:cs typeface="Courier New" pitchFamily="49" charset="0"/>
-              </a:rPr>
-              <a:t>ReadInfoSeq</a:t>
-            </a:r>
-            <a:r>
-              <a:rPr lang="en-US" altLang="zh-CN" sz="1100" i="0" dirty="0">
-                <a:latin typeface="Courier New" pitchFamily="49" charset="0"/>
-                <a:ea typeface="宋体" pitchFamily="-65" charset="-122"/>
-                <a:cs typeface="Courier New" pitchFamily="49" charset="0"/>
-              </a:rPr>
-              <a:t> </a:t>
-            </a:r>
-            <a:r>
-              <a:rPr lang="en-US" altLang="zh-CN" sz="1100" i="0" dirty="0" err="1">
-                <a:latin typeface="Courier New" pitchFamily="49" charset="0"/>
-                <a:ea typeface="宋体" pitchFamily="-65" charset="-122"/>
-                <a:cs typeface="Courier New" pitchFamily="49" charset="0"/>
-              </a:rPr>
-              <a:t>infos</a:t>
-            </a:r>
-            <a:r>
-              <a:rPr lang="en-US" altLang="zh-CN" sz="1100" i="0" dirty="0">
-                <a:latin typeface="Courier New" pitchFamily="49" charset="0"/>
-                <a:ea typeface="宋体" pitchFamily="-65" charset="-122"/>
-                <a:cs typeface="Courier New" pitchFamily="49" charset="0"/>
-              </a:rPr>
-              <a:t>)</a:t>
-            </a:r>
-          </a:p>
-          <a:p>
-            <a:pPr marL="169863" indent="-169863">
-              <a:spcBef>
-                <a:spcPct val="40000"/>
-              </a:spcBef>
-              <a:defRPr/>
-            </a:pPr>
-            <a:r>
-              <a:rPr lang="en-US" altLang="zh-CN" sz="1100" i="0" dirty="0">
-                <a:latin typeface="Courier New" pitchFamily="49" charset="0"/>
-                <a:ea typeface="宋体" pitchFamily="-65" charset="-122"/>
-                <a:cs typeface="Courier New" pitchFamily="49" charset="0"/>
-              </a:rPr>
-              <a:t>        raises (</a:t>
-            </a:r>
-            <a:r>
-              <a:rPr lang="en-US" altLang="zh-CN" sz="1100" i="0" dirty="0" err="1">
-                <a:latin typeface="Courier New" pitchFamily="49" charset="0"/>
-                <a:ea typeface="宋体" pitchFamily="-65" charset="-122"/>
-                <a:cs typeface="Courier New" pitchFamily="49" charset="0"/>
-              </a:rPr>
-              <a:t>InternalError</a:t>
-            </a:r>
-            <a:r>
-              <a:rPr lang="en-US" altLang="zh-CN" sz="1100" i="0" dirty="0">
-                <a:latin typeface="Courier New" pitchFamily="49" charset="0"/>
-                <a:ea typeface="宋体" pitchFamily="-65" charset="-122"/>
-                <a:cs typeface="Courier New" pitchFamily="49" charset="0"/>
-              </a:rPr>
-              <a:t>);</a:t>
-            </a:r>
-          </a:p>
-          <a:p>
-            <a:pPr marL="169863" indent="-169863">
-              <a:spcBef>
-                <a:spcPct val="40000"/>
-              </a:spcBef>
-              <a:defRPr/>
-            </a:pPr>
-            <a:r>
-              <a:rPr lang="en-US" altLang="zh-CN" sz="1100" i="0" dirty="0">
-                <a:latin typeface="Courier New" pitchFamily="49" charset="0"/>
-                <a:ea typeface="宋体" pitchFamily="-65" charset="-122"/>
-                <a:cs typeface="Courier New" pitchFamily="49" charset="0"/>
-              </a:rPr>
-              <a:t>      void </a:t>
-            </a:r>
-            <a:r>
-              <a:rPr lang="en-US" altLang="zh-CN" sz="1100" i="0" dirty="0" err="1">
-                <a:latin typeface="Courier New" pitchFamily="49" charset="0"/>
-                <a:ea typeface="宋体" pitchFamily="-65" charset="-122"/>
-                <a:cs typeface="Courier New" pitchFamily="49" charset="0"/>
-              </a:rPr>
-              <a:t>read_one</a:t>
-            </a:r>
-            <a:r>
-              <a:rPr lang="en-US" altLang="zh-CN" sz="1100" i="0" dirty="0">
-                <a:latin typeface="Courier New" pitchFamily="49" charset="0"/>
-                <a:ea typeface="宋体" pitchFamily="-65" charset="-122"/>
-                <a:cs typeface="Courier New" pitchFamily="49" charset="0"/>
-              </a:rPr>
-              <a:t> (</a:t>
-            </a:r>
-            <a:r>
-              <a:rPr lang="en-US" altLang="zh-CN" sz="1100" i="0" dirty="0" err="1">
-                <a:latin typeface="Courier New" pitchFamily="49" charset="0"/>
-                <a:ea typeface="宋体" pitchFamily="-65" charset="-122"/>
-                <a:cs typeface="Courier New" pitchFamily="49" charset="0"/>
-              </a:rPr>
-              <a:t>inout</a:t>
-            </a:r>
-            <a:r>
-              <a:rPr lang="en-US" altLang="zh-CN" sz="1100" i="0" dirty="0">
-                <a:latin typeface="Courier New" pitchFamily="49" charset="0"/>
-                <a:ea typeface="宋体" pitchFamily="-65" charset="-122"/>
-                <a:cs typeface="Courier New" pitchFamily="49" charset="0"/>
-              </a:rPr>
-              <a:t> string </a:t>
-            </a:r>
-            <a:r>
-              <a:rPr lang="en-US" altLang="zh-CN" sz="1100" i="0" dirty="0" err="1">
-                <a:latin typeface="Courier New" pitchFamily="49" charset="0"/>
-                <a:ea typeface="宋体" pitchFamily="-65" charset="-122"/>
-                <a:cs typeface="Courier New" pitchFamily="49" charset="0"/>
-              </a:rPr>
-              <a:t>an_instance</a:t>
-            </a:r>
-            <a:r>
-              <a:rPr lang="en-US" altLang="zh-CN" sz="1100" i="0" dirty="0">
-                <a:latin typeface="Courier New" pitchFamily="49" charset="0"/>
-                <a:ea typeface="宋体" pitchFamily="-65" charset="-122"/>
-                <a:cs typeface="Courier New" pitchFamily="49" charset="0"/>
-              </a:rPr>
-              <a:t>, out </a:t>
-            </a:r>
-            <a:r>
-              <a:rPr lang="en-US" altLang="zh-CN" sz="1100" i="0" dirty="0" err="1">
-                <a:latin typeface="Courier New" pitchFamily="49" charset="0"/>
-                <a:ea typeface="宋体" pitchFamily="-65" charset="-122"/>
-                <a:cs typeface="Courier New" pitchFamily="49" charset="0"/>
-              </a:rPr>
-              <a:t>ReadInfo</a:t>
-            </a:r>
-            <a:r>
-              <a:rPr lang="en-US" altLang="zh-CN" sz="1100" i="0" dirty="0">
-                <a:latin typeface="Courier New" pitchFamily="49" charset="0"/>
-                <a:ea typeface="宋体" pitchFamily="-65" charset="-122"/>
-                <a:cs typeface="Courier New" pitchFamily="49" charset="0"/>
-              </a:rPr>
-              <a:t> info)</a:t>
-            </a:r>
-          </a:p>
-          <a:p>
-            <a:pPr marL="169863" indent="-169863">
-              <a:spcBef>
-                <a:spcPct val="40000"/>
-              </a:spcBef>
-              <a:defRPr/>
-            </a:pPr>
-            <a:r>
-              <a:rPr lang="en-US" altLang="zh-CN" sz="1100" i="0" dirty="0">
-                <a:latin typeface="Courier New" pitchFamily="49" charset="0"/>
-                <a:ea typeface="宋体" pitchFamily="-65" charset="-122"/>
-                <a:cs typeface="Courier New" pitchFamily="49" charset="0"/>
-              </a:rPr>
-              <a:t>        raises (</a:t>
-            </a:r>
-            <a:r>
-              <a:rPr lang="en-US" altLang="zh-CN" sz="1100" i="0" dirty="0" err="1">
-                <a:latin typeface="Courier New" pitchFamily="49" charset="0"/>
-                <a:ea typeface="宋体" pitchFamily="-65" charset="-122"/>
-                <a:cs typeface="Courier New" pitchFamily="49" charset="0"/>
-              </a:rPr>
-              <a:t>NonExistent</a:t>
-            </a:r>
-            <a:r>
-              <a:rPr lang="en-US" altLang="zh-CN" sz="1100" i="0" dirty="0">
-                <a:latin typeface="Courier New" pitchFamily="49" charset="0"/>
-                <a:ea typeface="宋体" pitchFamily="-65" charset="-122"/>
-                <a:cs typeface="Courier New" pitchFamily="49" charset="0"/>
-              </a:rPr>
-              <a:t>,</a:t>
-            </a:r>
-          </a:p>
-          <a:p>
-            <a:pPr marL="169863" indent="-169863">
-              <a:spcBef>
-                <a:spcPct val="40000"/>
-              </a:spcBef>
-              <a:defRPr/>
-            </a:pPr>
-            <a:r>
-              <a:rPr lang="en-US" altLang="zh-CN" sz="1100" i="0" dirty="0">
-                <a:latin typeface="Courier New" pitchFamily="49" charset="0"/>
-                <a:ea typeface="宋体" pitchFamily="-65" charset="-122"/>
-                <a:cs typeface="Courier New" pitchFamily="49" charset="0"/>
-              </a:rPr>
-              <a:t>                </a:t>
-            </a:r>
-            <a:r>
-              <a:rPr lang="en-US" altLang="zh-CN" sz="1100" i="0" dirty="0" err="1">
-                <a:latin typeface="Courier New" pitchFamily="49" charset="0"/>
-                <a:ea typeface="宋体" pitchFamily="-65" charset="-122"/>
-                <a:cs typeface="Courier New" pitchFamily="49" charset="0"/>
-              </a:rPr>
-              <a:t>InternalError</a:t>
-            </a:r>
-            <a:r>
-              <a:rPr lang="en-US" altLang="zh-CN" sz="1100" i="0" dirty="0">
-                <a:latin typeface="Courier New" pitchFamily="49" charset="0"/>
-                <a:ea typeface="宋体" pitchFamily="-65" charset="-122"/>
-                <a:cs typeface="Courier New" pitchFamily="49" charset="0"/>
-              </a:rPr>
-              <a:t>);</a:t>
-            </a:r>
-          </a:p>
-          <a:p>
-            <a:pPr marL="169863" indent="-169863">
-              <a:spcBef>
-                <a:spcPct val="40000"/>
-              </a:spcBef>
-              <a:defRPr/>
-            </a:pPr>
-            <a:r>
-              <a:rPr lang="en-US" altLang="zh-CN" sz="1100" i="0" dirty="0">
-                <a:latin typeface="Courier New" pitchFamily="49" charset="0"/>
-                <a:ea typeface="宋体" pitchFamily="-65" charset="-122"/>
-                <a:cs typeface="Courier New" pitchFamily="49" charset="0"/>
-              </a:rPr>
-              <a:t>      void </a:t>
-            </a:r>
-            <a:r>
-              <a:rPr lang="en-US" altLang="zh-CN" sz="1100" i="0" dirty="0" err="1">
-                <a:latin typeface="Courier New" pitchFamily="49" charset="0"/>
-                <a:ea typeface="宋体" pitchFamily="-65" charset="-122"/>
-                <a:cs typeface="Courier New" pitchFamily="49" charset="0"/>
-              </a:rPr>
-              <a:t>read_one_history</a:t>
-            </a:r>
-            <a:r>
-              <a:rPr lang="en-US" altLang="zh-CN" sz="1100" i="0" dirty="0">
-                <a:latin typeface="Courier New" pitchFamily="49" charset="0"/>
-                <a:ea typeface="宋体" pitchFamily="-65" charset="-122"/>
-                <a:cs typeface="Courier New" pitchFamily="49" charset="0"/>
-              </a:rPr>
-              <a:t> (in string </a:t>
-            </a:r>
-            <a:r>
-              <a:rPr lang="en-US" altLang="zh-CN" sz="1100" i="0" dirty="0" err="1">
-                <a:latin typeface="Courier New" pitchFamily="49" charset="0"/>
-                <a:ea typeface="宋体" pitchFamily="-65" charset="-122"/>
-                <a:cs typeface="Courier New" pitchFamily="49" charset="0"/>
-              </a:rPr>
-              <a:t>an_instance</a:t>
-            </a:r>
-            <a:r>
-              <a:rPr lang="en-US" altLang="zh-CN" sz="1100" i="0" dirty="0">
-                <a:latin typeface="Courier New" pitchFamily="49" charset="0"/>
-                <a:ea typeface="宋体" pitchFamily="-65" charset="-122"/>
-                <a:cs typeface="Courier New" pitchFamily="49" charset="0"/>
-              </a:rPr>
-              <a:t>,</a:t>
-            </a:r>
-          </a:p>
-          <a:p>
-            <a:pPr marL="169863" indent="-169863">
-              <a:spcBef>
-                <a:spcPct val="40000"/>
-              </a:spcBef>
-              <a:defRPr/>
-            </a:pPr>
-            <a:r>
-              <a:rPr lang="en-US" altLang="zh-CN" sz="1100" i="0" dirty="0">
-                <a:latin typeface="Courier New" pitchFamily="49" charset="0"/>
-                <a:ea typeface="宋体" pitchFamily="-65" charset="-122"/>
-                <a:cs typeface="Courier New" pitchFamily="49" charset="0"/>
-              </a:rPr>
-              <a:t>                             out </a:t>
-            </a:r>
-            <a:r>
-              <a:rPr lang="en-US" altLang="zh-CN" sz="1100" i="0" dirty="0" err="1">
-                <a:latin typeface="Courier New" pitchFamily="49" charset="0"/>
-                <a:ea typeface="宋体" pitchFamily="-65" charset="-122"/>
-                <a:cs typeface="Courier New" pitchFamily="49" charset="0"/>
-              </a:rPr>
-              <a:t>stringSeq</a:t>
-            </a:r>
-            <a:r>
-              <a:rPr lang="en-US" altLang="zh-CN" sz="1100" i="0" dirty="0">
-                <a:latin typeface="Courier New" pitchFamily="49" charset="0"/>
-                <a:ea typeface="宋体" pitchFamily="-65" charset="-122"/>
-                <a:cs typeface="Courier New" pitchFamily="49" charset="0"/>
-              </a:rPr>
-              <a:t> instances, out </a:t>
-            </a:r>
-            <a:r>
-              <a:rPr lang="en-US" altLang="zh-CN" sz="1100" i="0" dirty="0" err="1">
-                <a:latin typeface="Courier New" pitchFamily="49" charset="0"/>
-                <a:ea typeface="宋体" pitchFamily="-65" charset="-122"/>
-                <a:cs typeface="Courier New" pitchFamily="49" charset="0"/>
-              </a:rPr>
-              <a:t>ReadInfoSeq</a:t>
-            </a:r>
-            <a:r>
-              <a:rPr lang="en-US" altLang="zh-CN" sz="1100" i="0" dirty="0">
-                <a:latin typeface="Courier New" pitchFamily="49" charset="0"/>
-                <a:ea typeface="宋体" pitchFamily="-65" charset="-122"/>
-                <a:cs typeface="Courier New" pitchFamily="49" charset="0"/>
-              </a:rPr>
-              <a:t> </a:t>
-            </a:r>
-            <a:r>
-              <a:rPr lang="en-US" altLang="zh-CN" sz="1100" i="0" dirty="0" err="1">
-                <a:latin typeface="Courier New" pitchFamily="49" charset="0"/>
-                <a:ea typeface="宋体" pitchFamily="-65" charset="-122"/>
-                <a:cs typeface="Courier New" pitchFamily="49" charset="0"/>
-              </a:rPr>
-              <a:t>infos</a:t>
-            </a:r>
-            <a:r>
-              <a:rPr lang="en-US" altLang="zh-CN" sz="1100" i="0" dirty="0">
-                <a:latin typeface="Courier New" pitchFamily="49" charset="0"/>
-                <a:ea typeface="宋体" pitchFamily="-65" charset="-122"/>
-                <a:cs typeface="Courier New" pitchFamily="49" charset="0"/>
-              </a:rPr>
-              <a:t>)</a:t>
-            </a:r>
-          </a:p>
-          <a:p>
-            <a:pPr marL="169863" indent="-169863">
-              <a:spcBef>
-                <a:spcPct val="40000"/>
-              </a:spcBef>
-              <a:defRPr/>
-            </a:pPr>
-            <a:r>
-              <a:rPr lang="en-US" altLang="zh-CN" sz="1100" i="0" dirty="0">
-                <a:latin typeface="Courier New" pitchFamily="49" charset="0"/>
-                <a:ea typeface="宋体" pitchFamily="-65" charset="-122"/>
-                <a:cs typeface="Courier New" pitchFamily="49" charset="0"/>
-              </a:rPr>
-              <a:t>        raises (</a:t>
-            </a:r>
-            <a:r>
-              <a:rPr lang="en-US" altLang="zh-CN" sz="1100" i="0" dirty="0" err="1">
-                <a:latin typeface="Courier New" pitchFamily="49" charset="0"/>
-                <a:ea typeface="宋体" pitchFamily="-65" charset="-122"/>
-                <a:cs typeface="Courier New" pitchFamily="49" charset="0"/>
-              </a:rPr>
-              <a:t>NonExistent</a:t>
-            </a:r>
-            <a:r>
-              <a:rPr lang="en-US" altLang="zh-CN" sz="1100" i="0" dirty="0">
-                <a:latin typeface="Courier New" pitchFamily="49" charset="0"/>
-                <a:ea typeface="宋体" pitchFamily="-65" charset="-122"/>
-                <a:cs typeface="Courier New" pitchFamily="49" charset="0"/>
-              </a:rPr>
-              <a:t>,</a:t>
-            </a:r>
-          </a:p>
-          <a:p>
-            <a:pPr marL="169863" indent="-169863">
-              <a:spcBef>
-                <a:spcPct val="40000"/>
-              </a:spcBef>
-              <a:defRPr/>
-            </a:pPr>
-            <a:r>
-              <a:rPr lang="en-US" altLang="zh-CN" sz="1100" i="0" dirty="0">
-                <a:latin typeface="Courier New" pitchFamily="49" charset="0"/>
-                <a:ea typeface="宋体" pitchFamily="-65" charset="-122"/>
-                <a:cs typeface="Courier New" pitchFamily="49" charset="0"/>
-              </a:rPr>
-              <a:t>                </a:t>
-            </a:r>
-            <a:r>
-              <a:rPr lang="en-US" altLang="zh-CN" sz="1100" i="0" dirty="0" err="1">
-                <a:latin typeface="Courier New" pitchFamily="49" charset="0"/>
-                <a:ea typeface="宋体" pitchFamily="-65" charset="-122"/>
-                <a:cs typeface="Courier New" pitchFamily="49" charset="0"/>
-              </a:rPr>
-              <a:t>InternalError</a:t>
-            </a:r>
-            <a:r>
-              <a:rPr lang="en-US" altLang="zh-CN" sz="1100" i="0" dirty="0">
-                <a:latin typeface="Courier New" pitchFamily="49" charset="0"/>
-                <a:ea typeface="宋体" pitchFamily="-65" charset="-122"/>
-                <a:cs typeface="Courier New" pitchFamily="49" charset="0"/>
-              </a:rPr>
-              <a:t>);</a:t>
-            </a:r>
-          </a:p>
-          <a:p>
-            <a:pPr marL="169863" indent="-169863">
-              <a:spcBef>
-                <a:spcPct val="40000"/>
-              </a:spcBef>
-              <a:defRPr/>
-            </a:pPr>
-            <a:r>
-              <a:rPr lang="en-US" altLang="zh-CN" sz="1100" i="0" dirty="0">
-                <a:latin typeface="Courier New" pitchFamily="49" charset="0"/>
-                <a:ea typeface="宋体" pitchFamily="-65" charset="-122"/>
-                <a:cs typeface="Courier New" pitchFamily="49" charset="0"/>
-              </a:rPr>
-              <a:t>      attribute </a:t>
-            </a:r>
-            <a:r>
-              <a:rPr lang="en-US" altLang="zh-CN" sz="1100" i="0" dirty="0" err="1">
-                <a:latin typeface="Courier New" pitchFamily="49" charset="0"/>
-                <a:ea typeface="宋体" pitchFamily="-65" charset="-122"/>
-                <a:cs typeface="Courier New" pitchFamily="49" charset="0"/>
-              </a:rPr>
-              <a:t>QueryFilter</a:t>
-            </a:r>
-            <a:r>
-              <a:rPr lang="en-US" altLang="zh-CN" sz="1100" i="0" dirty="0">
-                <a:latin typeface="Courier New" pitchFamily="49" charset="0"/>
-                <a:ea typeface="宋体" pitchFamily="-65" charset="-122"/>
-                <a:cs typeface="Courier New" pitchFamily="49" charset="0"/>
-              </a:rPr>
-              <a:t> filter</a:t>
-            </a:r>
-          </a:p>
-          <a:p>
-            <a:pPr marL="169863" indent="-169863">
-              <a:spcBef>
-                <a:spcPct val="40000"/>
-              </a:spcBef>
-              <a:defRPr/>
-            </a:pPr>
-            <a:r>
-              <a:rPr lang="en-US" altLang="zh-CN" sz="1100" i="0" dirty="0">
-                <a:latin typeface="Courier New" pitchFamily="49" charset="0"/>
-                <a:ea typeface="宋体" pitchFamily="-65" charset="-122"/>
-                <a:cs typeface="Courier New" pitchFamily="49" charset="0"/>
-              </a:rPr>
-              <a:t>        </a:t>
-            </a:r>
-            <a:r>
-              <a:rPr lang="en-US" altLang="zh-CN" sz="1100" i="0" dirty="0" err="1">
-                <a:latin typeface="Courier New" pitchFamily="49" charset="0"/>
-                <a:ea typeface="宋体" pitchFamily="-65" charset="-122"/>
-                <a:cs typeface="Courier New" pitchFamily="49" charset="0"/>
-              </a:rPr>
-              <a:t>setraises</a:t>
-            </a:r>
-            <a:r>
-              <a:rPr lang="en-US" altLang="zh-CN" sz="1100" i="0" dirty="0">
-                <a:latin typeface="Courier New" pitchFamily="49" charset="0"/>
-                <a:ea typeface="宋体" pitchFamily="-65" charset="-122"/>
-                <a:cs typeface="Courier New" pitchFamily="49" charset="0"/>
-              </a:rPr>
-              <a:t> (</a:t>
-            </a:r>
-            <a:r>
-              <a:rPr lang="en-US" altLang="zh-CN" sz="1100" i="0" dirty="0" err="1">
-                <a:latin typeface="Courier New" pitchFamily="49" charset="0"/>
-                <a:ea typeface="宋体" pitchFamily="-65" charset="-122"/>
-                <a:cs typeface="Courier New" pitchFamily="49" charset="0"/>
-              </a:rPr>
-              <a:t>BadParameter</a:t>
-            </a:r>
-            <a:r>
-              <a:rPr lang="en-US" altLang="zh-CN" sz="1100" i="0" dirty="0">
-                <a:latin typeface="Courier New" pitchFamily="49" charset="0"/>
-                <a:ea typeface="宋体" pitchFamily="-65" charset="-122"/>
-                <a:cs typeface="Courier New" pitchFamily="49" charset="0"/>
-              </a:rPr>
-              <a:t>);      </a:t>
-            </a:r>
-          </a:p>
-          <a:p>
-            <a:pPr marL="169863" indent="-169863">
-              <a:spcBef>
-                <a:spcPct val="40000"/>
-              </a:spcBef>
-              <a:defRPr/>
-            </a:pPr>
-            <a:r>
-              <a:rPr lang="en-US" altLang="zh-CN" sz="1100" i="0" dirty="0">
-                <a:latin typeface="Courier New" pitchFamily="49" charset="0"/>
-                <a:ea typeface="宋体" pitchFamily="-65" charset="-122"/>
-                <a:cs typeface="Courier New" pitchFamily="49" charset="0"/>
-              </a:rPr>
-              <a:t>    };</a:t>
-            </a:r>
-          </a:p>
-          <a:p>
-            <a:pPr marL="169863" indent="-169863">
-              <a:spcBef>
-                <a:spcPct val="40000"/>
-              </a:spcBef>
-              <a:defRPr/>
-            </a:pPr>
-            <a:r>
-              <a:rPr lang="en-US" altLang="zh-CN" sz="1100" i="0" dirty="0">
-                <a:latin typeface="Courier New" pitchFamily="49" charset="0"/>
-                <a:ea typeface="宋体" pitchFamily="-65" charset="-122"/>
-                <a:cs typeface="Courier New" pitchFamily="49" charset="0"/>
-              </a:rPr>
-              <a:t>};</a:t>
-            </a:r>
           </a:p>
         </p:txBody>
       </p:sp>
@@ -18576,7 +17599,7 @@
       </p:grpSpPr>
       <p:sp>
         <p:nvSpPr>
-          <p:cNvPr id="281602" name="Title 4"/>
+          <p:cNvPr id="279554" name="Title 4"/>
           <p:cNvSpPr>
             <a:spLocks noGrp="1"/>
           </p:cNvSpPr>
@@ -18591,7 +17614,7 @@
           <a:p>
             <a:r>
               <a:rPr lang="en-US"/>
-              <a:t>Receiver IDL3</a:t>
+              <a:t>Receiver IDL3+</a:t>
             </a:r>
             <a:endParaRPr lang="nl-NL"/>
           </a:p>
@@ -18599,7 +17622,7 @@
       </p:sp>
       <p:sp>
         <p:nvSpPr>
-          <p:cNvPr id="281603" name="Rectangle 3"/>
+          <p:cNvPr id="279555" name="Rectangle 3"/>
           <p:cNvSpPr>
             <a:spLocks noChangeArrowheads="1"/>
           </p:cNvSpPr>
@@ -18645,7 +17668,7 @@
       </p:sp>
       <p:sp>
         <p:nvSpPr>
-          <p:cNvPr id="281604" name="Rectangle 3"/>
+          <p:cNvPr id="4" name="Rectangle 3"/>
           <p:cNvSpPr>
             <a:spLocks noChangeArrowheads="1"/>
           </p:cNvSpPr>
@@ -18653,7 +17676,7 @@
         </p:nvSpPr>
         <p:spPr bwMode="auto">
           <a:xfrm>
-            <a:off x="381000" y="1387475"/>
+            <a:off x="381000" y="1343025"/>
             <a:ext cx="8763000" cy="4876800"/>
           </a:xfrm>
           <a:prstGeom prst="rect">
@@ -18668,22 +17691,53 @@
           </a:ln>
         </p:spPr>
         <p:txBody>
-          <a:bodyPr>
-            <a:prstTxWarp prst="textNoShape">
-              <a:avLst/>
-            </a:prstTxWarp>
-          </a:bodyPr>
+          <a:bodyPr/>
           <a:lstStyle/>
           <a:p>
             <a:pPr marL="169863" indent="-169863">
               <a:spcBef>
                 <a:spcPct val="40000"/>
               </a:spcBef>
-            </a:pPr>
-            <a:endParaRPr lang="en-US" altLang="zh-CN" sz="1100" i="0">
-              <a:latin typeface="Courier New" charset="0"/>
-              <a:ea typeface="宋体" pitchFamily="-65" charset="-128"/>
-              <a:cs typeface="Courier New" charset="0"/>
+              <a:buFont typeface="Arial" pitchFamily="34" charset="0"/>
+              <a:buChar char="•"/>
+              <a:defRPr/>
+            </a:pPr>
+            <a:r>
+              <a:rPr lang="en-US" altLang="zh-CN" sz="2200" i="0" dirty="0">
+                <a:latin typeface="+mn-lt"/>
+                <a:ea typeface="宋体" pitchFamily="-65" charset="-122"/>
+                <a:cs typeface="Courier New" pitchFamily="49" charset="0"/>
+              </a:rPr>
+              <a:t>Uses the standardized </a:t>
+            </a:r>
+            <a:r>
+              <a:rPr lang="en-US" altLang="zh-CN" sz="2200" i="0" dirty="0" err="1">
+                <a:latin typeface="+mn-lt"/>
+                <a:ea typeface="宋体" pitchFamily="-65" charset="-122"/>
+                <a:cs typeface="Courier New" pitchFamily="49" charset="0"/>
+              </a:rPr>
+              <a:t>DDS_RawListen</a:t>
+            </a:r>
+            <a:r>
+              <a:rPr lang="en-US" altLang="zh-CN" sz="2200" i="0" dirty="0">
+                <a:latin typeface="+mn-lt"/>
+                <a:ea typeface="宋体" pitchFamily="-65" charset="-122"/>
+                <a:cs typeface="Courier New" pitchFamily="49" charset="0"/>
+              </a:rPr>
+              <a:t> </a:t>
+            </a:r>
+            <a:r>
+              <a:rPr lang="en-US" altLang="zh-CN" sz="2200" i="0" dirty="0" smtClean="0">
+                <a:latin typeface="+mn-lt"/>
+                <a:ea typeface="宋体" pitchFamily="-65" charset="-122"/>
+                <a:cs typeface="Courier New" pitchFamily="49" charset="0"/>
+              </a:rPr>
+              <a:t>extended port</a:t>
+            </a:r>
+            <a:endParaRPr lang="en-US" altLang="zh-CN" sz="2200" i="0" dirty="0">
+              <a:latin typeface="+mn-lt"/>
+              <a:ea typeface="宋体" pitchFamily="-65" charset="-122"/>
+              <a:cs typeface="Courier New" pitchFamily="49" charset="0"/>
             </a:endParaRPr>
           </a:p>
           <a:p>
@@ -18691,43 +17745,55 @@
               <a:spcBef>
                 <a:spcPct val="40000"/>
               </a:spcBef>
-              <a:buFont typeface="Arial" charset="0"/>
-              <a:buChar char="•"/>
-            </a:pPr>
-            <a:r>
-              <a:rPr lang="en-US" altLang="zh-CN" sz="2000" i="0">
-                <a:ea typeface="宋体" pitchFamily="-65" charset="-128"/>
-                <a:cs typeface="Courier New" charset="0"/>
-              </a:rPr>
-              <a:t>Type specific RawListener interface</a:t>
-            </a:r>
+              <a:defRPr/>
+            </a:pPr>
+            <a:endParaRPr lang="en-US" altLang="zh-CN" sz="1400" i="0" dirty="0">
+              <a:latin typeface="Courier New" pitchFamily="49" charset="0"/>
+              <a:ea typeface="宋体" pitchFamily="-65" charset="-122"/>
+              <a:cs typeface="Courier New" pitchFamily="49" charset="0"/>
+            </a:endParaRPr>
           </a:p>
           <a:p>
             <a:pPr marL="169863" indent="-169863">
               <a:spcBef>
                 <a:spcPct val="40000"/>
               </a:spcBef>
-            </a:pPr>
-            <a:r>
-              <a:rPr lang="en-US" altLang="zh-CN" sz="1100" i="0">
-                <a:latin typeface="Courier New" charset="0"/>
-                <a:ea typeface="宋体" pitchFamily="-65" charset="-128"/>
-                <a:cs typeface="Courier New" charset="0"/>
-              </a:rPr>
-              <a:t>module CCM_DDS</a:t>
-            </a:r>
+              <a:defRPr/>
+            </a:pPr>
+            <a:r>
+              <a:rPr lang="en-US" altLang="zh-CN" sz="1400" i="0" dirty="0">
+                <a:latin typeface="Courier New" pitchFamily="49" charset="0"/>
+                <a:ea typeface="宋体" pitchFamily="-65" charset="-122"/>
+                <a:cs typeface="Courier New" pitchFamily="49" charset="0"/>
+              </a:rPr>
+              <a:t>module </a:t>
+            </a:r>
+            <a:r>
+              <a:rPr lang="en-US" altLang="zh-CN" sz="1400" i="0" dirty="0" err="1">
+                <a:latin typeface="Courier New" pitchFamily="49" charset="0"/>
+                <a:ea typeface="宋体" pitchFamily="-65" charset="-122"/>
+                <a:cs typeface="Courier New" pitchFamily="49" charset="0"/>
+              </a:rPr>
+              <a:t>Hello_DDS</a:t>
+            </a:r>
+            <a:endParaRPr lang="en-US" altLang="zh-CN" sz="1400" i="0" dirty="0">
+              <a:latin typeface="Courier New" pitchFamily="49" charset="0"/>
+              <a:ea typeface="宋体" pitchFamily="-65" charset="-122"/>
+              <a:cs typeface="Courier New" pitchFamily="49" charset="0"/>
+            </a:endParaRPr>
           </a:p>
           <a:p>
             <a:pPr marL="169863" indent="-169863">
               <a:spcBef>
                 <a:spcPct val="40000"/>
               </a:spcBef>
-            </a:pPr>
-            <a:r>
-              <a:rPr lang="en-US" altLang="zh-CN" sz="1100" i="0">
-                <a:latin typeface="Courier New" charset="0"/>
-                <a:ea typeface="宋体" pitchFamily="-65" charset="-128"/>
-                <a:cs typeface="Courier New" charset="0"/>
+              <a:defRPr/>
+            </a:pPr>
+            <a:r>
+              <a:rPr lang="en-US" altLang="zh-CN" sz="1400" i="0" dirty="0">
+                <a:latin typeface="Courier New" pitchFamily="49" charset="0"/>
+                <a:ea typeface="宋体" pitchFamily="-65" charset="-122"/>
+                <a:cs typeface="Courier New" pitchFamily="49" charset="0"/>
               </a:rPr>
               <a:t>{</a:t>
             </a:r>
@@ -18737,14 +17803,15 @@
               <a:spcBef>
                 <a:spcPct val="40000"/>
               </a:spcBef>
-            </a:pPr>
-            <a:r>
-              <a:rPr lang="en-US" altLang="zh-CN" sz="1100" i="0">
-                <a:latin typeface="Courier New" charset="0"/>
-                <a:ea typeface="宋体" pitchFamily="-65" charset="-128"/>
-                <a:cs typeface="Courier New" charset="0"/>
-              </a:rPr>
-              <a:t>  interface string_RawListener</a:t>
+              <a:defRPr/>
+            </a:pPr>
+            <a:r>
+              <a:rPr lang="en-US" altLang="zh-CN" sz="1400" i="0" dirty="0">
+                <a:latin typeface="Courier New" pitchFamily="49" charset="0"/>
+                <a:ea typeface="宋体" pitchFamily="-65" charset="-122"/>
+                <a:cs typeface="Courier New" pitchFamily="49" charset="0"/>
+              </a:rPr>
+              <a:t>  component Receiver</a:t>
             </a:r>
           </a:p>
           <a:p>
@@ -18752,12 +17819,13 @@
               <a:spcBef>
                 <a:spcPct val="40000"/>
               </a:spcBef>
-            </a:pPr>
-            <a:r>
-              <a:rPr lang="en-US" altLang="zh-CN" sz="1100" i="0">
-                <a:latin typeface="Courier New" charset="0"/>
-                <a:ea typeface="宋体" pitchFamily="-65" charset="-128"/>
-                <a:cs typeface="Courier New" charset="0"/>
+              <a:defRPr/>
+            </a:pPr>
+            <a:r>
+              <a:rPr lang="en-US" altLang="zh-CN" sz="1400" i="0" dirty="0">
+                <a:latin typeface="Courier New" pitchFamily="49" charset="0"/>
+                <a:ea typeface="宋体" pitchFamily="-65" charset="-122"/>
+                <a:cs typeface="Courier New" pitchFamily="49" charset="0"/>
               </a:rPr>
               <a:t>  {</a:t>
             </a:r>
@@ -18767,14 +17835,47 @@
               <a:spcBef>
                 <a:spcPct val="40000"/>
               </a:spcBef>
-            </a:pPr>
-            <a:r>
-              <a:rPr lang="en-US" altLang="zh-CN" sz="1100" i="0">
-                <a:latin typeface="Courier New" charset="0"/>
-                <a:ea typeface="宋体" pitchFamily="-65" charset="-128"/>
-                <a:cs typeface="Courier New" charset="0"/>
-              </a:rPr>
-              <a:t>    void on_data (in string an_instance, in ReadInfo info);</a:t>
+              <a:defRPr/>
+            </a:pPr>
+            <a:r>
+              <a:rPr lang="en-US" altLang="zh-CN" sz="1400" i="0" dirty="0">
+                <a:latin typeface="Courier New" pitchFamily="49" charset="0"/>
+                <a:ea typeface="宋体" pitchFamily="-65" charset="-122"/>
+                <a:cs typeface="Courier New" pitchFamily="49" charset="0"/>
+              </a:rPr>
+              <a:t>    port </a:t>
+            </a:r>
+            <a:r>
+              <a:rPr lang="en-US" altLang="zh-CN" sz="1400" i="0" dirty="0" err="1">
+                <a:latin typeface="Courier New" pitchFamily="49" charset="0"/>
+                <a:ea typeface="宋体" pitchFamily="-65" charset="-122"/>
+                <a:cs typeface="Courier New" pitchFamily="49" charset="0"/>
+              </a:rPr>
+              <a:t>DDS_RawListen</a:t>
+            </a:r>
+            <a:r>
+              <a:rPr lang="en-US" altLang="zh-CN" sz="1400" i="0" dirty="0">
+                <a:latin typeface="Courier New" pitchFamily="49" charset="0"/>
+                <a:ea typeface="宋体" pitchFamily="-65" charset="-122"/>
+                <a:cs typeface="Courier New" pitchFamily="49" charset="0"/>
+              </a:rPr>
+              <a:t>&lt;string&gt; </a:t>
+            </a:r>
+            <a:r>
+              <a:rPr lang="en-US" altLang="zh-CN" sz="1400" i="0" dirty="0" err="1">
+                <a:latin typeface="Courier New" pitchFamily="49" charset="0"/>
+                <a:ea typeface="宋体" pitchFamily="-65" charset="-122"/>
+                <a:cs typeface="Courier New" pitchFamily="49" charset="0"/>
+              </a:rPr>
+              <a:t>read_message</a:t>
+            </a:r>
+            <a:r>
+              <a:rPr lang="en-US" altLang="zh-CN" sz="1400" i="0" dirty="0">
+                <a:latin typeface="Courier New" pitchFamily="49" charset="0"/>
+                <a:ea typeface="宋体" pitchFamily="-65" charset="-122"/>
+                <a:cs typeface="Courier New" pitchFamily="49" charset="0"/>
+              </a:rPr>
+              <a:t>;</a:t>
             </a:r>
           </a:p>
           <a:p>
@@ -18782,12 +17883,13 @@
               <a:spcBef>
                 <a:spcPct val="40000"/>
               </a:spcBef>
-            </a:pPr>
-            <a:r>
-              <a:rPr lang="en-US" altLang="zh-CN" sz="1100" i="0">
-                <a:latin typeface="Courier New" charset="0"/>
-                <a:ea typeface="宋体" pitchFamily="-65" charset="-128"/>
-                <a:cs typeface="Courier New" charset="0"/>
+              <a:defRPr/>
+            </a:pPr>
+            <a:r>
+              <a:rPr lang="en-US" altLang="zh-CN" sz="1400" i="0" dirty="0">
+                <a:latin typeface="Courier New" pitchFamily="49" charset="0"/>
+                <a:ea typeface="宋体" pitchFamily="-65" charset="-122"/>
+                <a:cs typeface="Courier New" pitchFamily="49" charset="0"/>
               </a:rPr>
               <a:t>  };</a:t>
             </a:r>
@@ -18797,12 +17899,13 @@
               <a:spcBef>
                 <a:spcPct val="40000"/>
               </a:spcBef>
-            </a:pPr>
-            <a:r>
-              <a:rPr lang="en-US" altLang="zh-CN" sz="1100" i="0">
-                <a:latin typeface="Courier New" charset="0"/>
-                <a:ea typeface="宋体" pitchFamily="-65" charset="-128"/>
-                <a:cs typeface="Courier New" charset="0"/>
+              <a:defRPr/>
+            </a:pPr>
+            <a:r>
+              <a:rPr lang="en-US" altLang="zh-CN" sz="1400" i="0" dirty="0">
+                <a:latin typeface="Courier New" pitchFamily="49" charset="0"/>
+                <a:ea typeface="宋体" pitchFamily="-65" charset="-122"/>
+                <a:cs typeface="Courier New" pitchFamily="49" charset="0"/>
               </a:rPr>
               <a:t>};</a:t>
             </a:r>
@@ -18843,7 +17946,7 @@
       </p:grpSpPr>
       <p:sp>
         <p:nvSpPr>
-          <p:cNvPr id="282626" name="Title 4"/>
+          <p:cNvPr id="280578" name="Title 4"/>
           <p:cNvSpPr>
             <a:spLocks noGrp="1"/>
           </p:cNvSpPr>
@@ -18866,7 +17969,7 @@
       </p:sp>
       <p:sp>
         <p:nvSpPr>
-          <p:cNvPr id="282627" name="Rectangle 3"/>
+          <p:cNvPr id="280579" name="Rectangle 3"/>
           <p:cNvSpPr>
             <a:spLocks noChangeArrowheads="1"/>
           </p:cNvSpPr>
@@ -18912,7 +18015,7 @@
       </p:sp>
       <p:sp>
         <p:nvSpPr>
-          <p:cNvPr id="282628" name="Rectangle 3"/>
+          <p:cNvPr id="4" name="Rectangle 3"/>
           <p:cNvSpPr>
             <a:spLocks noChangeArrowheads="1"/>
           </p:cNvSpPr>
@@ -18920,7 +18023,7 @@
         </p:nvSpPr>
         <p:spPr bwMode="auto">
           <a:xfrm>
-            <a:off x="381000" y="1343025"/>
+            <a:off x="381000" y="1133475"/>
             <a:ext cx="8763000" cy="4876800"/>
           </a:xfrm>
           <a:prstGeom prst="rect">
@@ -18935,25 +18038,24 @@
           </a:ln>
         </p:spPr>
         <p:txBody>
-          <a:bodyPr>
-            <a:prstTxWarp prst="textNoShape">
-              <a:avLst/>
-            </a:prstTxWarp>
-          </a:bodyPr>
+          <a:bodyPr/>
           <a:lstStyle/>
           <a:p>
             <a:pPr marL="169863" indent="-169863">
               <a:spcBef>
                 <a:spcPct val="40000"/>
               </a:spcBef>
-            </a:pPr>
-            <a:r>
-              <a:rPr lang="en-US" altLang="zh-CN" sz="1400" i="0">
-                <a:latin typeface="Courier New" charset="0"/>
-                <a:ea typeface="宋体" pitchFamily="-65" charset="-128"/>
-                <a:cs typeface="Courier New" charset="0"/>
-              </a:rPr>
-              <a:t>module Hello_DDS</a:t>
+              <a:buFont typeface="Arial" pitchFamily="34" charset="0"/>
+              <a:buChar char="•"/>
+              <a:defRPr/>
+            </a:pPr>
+            <a:r>
+              <a:rPr lang="en-US" altLang="zh-CN" sz="2000" i="0" dirty="0">
+                <a:latin typeface="+mn-lt"/>
+                <a:ea typeface="宋体" pitchFamily="-65" charset="-122"/>
+                <a:cs typeface="Courier New" pitchFamily="49" charset="0"/>
+              </a:rPr>
+              <a:t>Type specific reader interface</a:t>
             </a:r>
           </a:p>
           <a:p>
@@ -18961,12 +18063,29 @@
               <a:spcBef>
                 <a:spcPct val="40000"/>
               </a:spcBef>
-            </a:pPr>
-            <a:r>
-              <a:rPr lang="en-US" altLang="zh-CN" sz="1400" i="0">
-                <a:latin typeface="Courier New" charset="0"/>
-                <a:ea typeface="宋体" pitchFamily="-65" charset="-128"/>
-                <a:cs typeface="Courier New" charset="0"/>
+              <a:defRPr/>
+            </a:pPr>
+            <a:r>
+              <a:rPr lang="en-US" altLang="zh-CN" sz="1100" i="0" dirty="0">
+                <a:latin typeface="Courier New" pitchFamily="49" charset="0"/>
+                <a:ea typeface="宋体" pitchFamily="-65" charset="-122"/>
+                <a:cs typeface="Courier New" pitchFamily="49" charset="0"/>
+              </a:rPr>
+              <a:t>module CCM_DDS</a:t>
+            </a:r>
+          </a:p>
+          <a:p>
+            <a:pPr marL="169863" indent="-169863">
+              <a:spcBef>
+                <a:spcPct val="40000"/>
+              </a:spcBef>
+              <a:defRPr/>
+            </a:pPr>
+            <a:r>
+              <a:rPr lang="en-US" altLang="zh-CN" sz="1100" i="0" dirty="0">
+                <a:latin typeface="Courier New" pitchFamily="49" charset="0"/>
+                <a:ea typeface="宋体" pitchFamily="-65" charset="-122"/>
+                <a:cs typeface="Courier New" pitchFamily="49" charset="0"/>
               </a:rPr>
               <a:t>{</a:t>
             </a:r>
@@ -18976,29 +18095,44 @@
               <a:spcBef>
                 <a:spcPct val="40000"/>
               </a:spcBef>
-            </a:pPr>
-            <a:r>
-              <a:rPr lang="en-US" altLang="zh-CN" sz="1400" i="0">
-                <a:latin typeface="Courier New" charset="0"/>
-                <a:ea typeface="宋体" pitchFamily="-65" charset="-128"/>
-                <a:cs typeface="Courier New" charset="0"/>
-              </a:rPr>
-              <a:t>  component Receiver</a:t>
-            </a:r>
+              <a:defRPr/>
+            </a:pPr>
+            <a:r>
+              <a:rPr lang="en-US" altLang="zh-CN" sz="1100" i="0" dirty="0">
+                <a:latin typeface="Courier New" pitchFamily="49" charset="0"/>
+                <a:ea typeface="宋体" pitchFamily="-65" charset="-122"/>
+                <a:cs typeface="Courier New" pitchFamily="49" charset="0"/>
+              </a:rPr>
+              <a:t>    interface </a:t>
+            </a:r>
+            <a:r>
+              <a:rPr lang="en-US" altLang="zh-CN" sz="1100" i="0" dirty="0" err="1">
+                <a:latin typeface="Courier New" pitchFamily="49" charset="0"/>
+                <a:ea typeface="宋体" pitchFamily="-65" charset="-122"/>
+                <a:cs typeface="Courier New" pitchFamily="49" charset="0"/>
+              </a:rPr>
+              <a:t>string_Reader</a:t>
+            </a:r>
+            <a:endParaRPr lang="en-US" altLang="zh-CN" sz="1100" i="0" dirty="0">
+              <a:latin typeface="Courier New" pitchFamily="49" charset="0"/>
+              <a:ea typeface="宋体" pitchFamily="-65" charset="-122"/>
+              <a:cs typeface="Courier New" pitchFamily="49" charset="0"/>
+            </a:endParaRPr>
           </a:p>
           <a:p>
             <a:pPr marL="169863" indent="-169863">
               <a:spcBef>
                 <a:spcPct val="40000"/>
               </a:spcBef>
-            </a:pPr>
-            <a:r>
-              <a:rPr lang="en-US" altLang="zh-CN" sz="1400" i="0">
-                <a:latin typeface="Courier New" charset="0"/>
-                <a:ea typeface="宋体" pitchFamily="-65" charset="-128"/>
-                <a:cs typeface="Courier New" charset="0"/>
-              </a:rPr>
-              <a:t>  {</a:t>
+              <a:defRPr/>
+            </a:pPr>
+            <a:r>
+              <a:rPr lang="en-US" altLang="zh-CN" sz="1100" i="0" dirty="0">
+                <a:latin typeface="Courier New" pitchFamily="49" charset="0"/>
+                <a:ea typeface="宋体" pitchFamily="-65" charset="-122"/>
+                <a:cs typeface="Courier New" pitchFamily="49" charset="0"/>
+              </a:rPr>
+              <a:t>    {</a:t>
             </a:r>
           </a:p>
           <a:p>
@@ -19006,14 +18140,47 @@
               <a:spcBef>
                 <a:spcPct val="40000"/>
               </a:spcBef>
-            </a:pPr>
-            <a:r>
-              <a:rPr lang="en-US" altLang="zh-CN" sz="1400" i="0">
-                <a:latin typeface="Courier New" charset="0"/>
-                <a:ea typeface="宋体" pitchFamily="-65" charset="-128"/>
-                <a:cs typeface="Courier New" charset="0"/>
-              </a:rPr>
-              <a:t>    uses CCM_DDS::string_Reader read_message_data;</a:t>
+              <a:defRPr/>
+            </a:pPr>
+            <a:r>
+              <a:rPr lang="en-US" altLang="zh-CN" sz="1100" i="0" dirty="0">
+                <a:latin typeface="Courier New" pitchFamily="49" charset="0"/>
+                <a:ea typeface="宋体" pitchFamily="-65" charset="-122"/>
+                <a:cs typeface="Courier New" pitchFamily="49" charset="0"/>
+              </a:rPr>
+              <a:t>      </a:t>
+            </a:r>
+            <a:r>
+              <a:rPr lang="en-US" altLang="zh-CN" sz="1100" i="0" dirty="0" err="1">
+                <a:latin typeface="Courier New" pitchFamily="49" charset="0"/>
+                <a:ea typeface="宋体" pitchFamily="-65" charset="-122"/>
+                <a:cs typeface="Courier New" pitchFamily="49" charset="0"/>
+              </a:rPr>
+              <a:t>typedef</a:t>
+            </a:r>
+            <a:r>
+              <a:rPr lang="en-US" altLang="zh-CN" sz="1100" i="0" dirty="0">
+                <a:latin typeface="Courier New" pitchFamily="49" charset="0"/>
+                <a:ea typeface="宋体" pitchFamily="-65" charset="-122"/>
+                <a:cs typeface="Courier New" pitchFamily="49" charset="0"/>
+              </a:rPr>
+              <a:t> sequence&lt;string&gt; </a:t>
+            </a:r>
+            <a:r>
+              <a:rPr lang="en-US" altLang="zh-CN" sz="1100" i="0" dirty="0" err="1">
+                <a:latin typeface="Courier New" pitchFamily="49" charset="0"/>
+                <a:ea typeface="宋体" pitchFamily="-65" charset="-122"/>
+                <a:cs typeface="Courier New" pitchFamily="49" charset="0"/>
+              </a:rPr>
+              <a:t>stringSeq</a:t>
+            </a:r>
+            <a:r>
+              <a:rPr lang="en-US" altLang="zh-CN" sz="1100" i="0" dirty="0">
+                <a:latin typeface="Courier New" pitchFamily="49" charset="0"/>
+                <a:ea typeface="宋体" pitchFamily="-65" charset="-122"/>
+                <a:cs typeface="Courier New" pitchFamily="49" charset="0"/>
+              </a:rPr>
+              <a:t>;</a:t>
             </a:r>
           </a:p>
           <a:p>
@@ -19021,14 +18188,79 @@
               <a:spcBef>
                 <a:spcPct val="40000"/>
               </a:spcBef>
-            </a:pPr>
-            <a:r>
-              <a:rPr lang="en-US" altLang="zh-CN" sz="1400" i="0">
-                <a:latin typeface="Courier New" charset="0"/>
-                <a:ea typeface="宋体" pitchFamily="-65" charset="-128"/>
-                <a:cs typeface="Courier New" charset="0"/>
-              </a:rPr>
-              <a:t>    uses CCM_DDS::ListenerControl read_message_control;</a:t>
+              <a:defRPr/>
+            </a:pPr>
+            <a:r>
+              <a:rPr lang="en-US" altLang="zh-CN" sz="1100" i="0" dirty="0">
+                <a:latin typeface="Courier New" pitchFamily="49" charset="0"/>
+                <a:ea typeface="宋体" pitchFamily="-65" charset="-122"/>
+                <a:cs typeface="Courier New" pitchFamily="49" charset="0"/>
+              </a:rPr>
+              <a:t>      void </a:t>
+            </a:r>
+            <a:r>
+              <a:rPr lang="en-US" altLang="zh-CN" sz="1100" i="0" dirty="0" err="1">
+                <a:latin typeface="Courier New" pitchFamily="49" charset="0"/>
+                <a:ea typeface="宋体" pitchFamily="-65" charset="-122"/>
+                <a:cs typeface="Courier New" pitchFamily="49" charset="0"/>
+              </a:rPr>
+              <a:t>read_all</a:t>
+            </a:r>
+            <a:r>
+              <a:rPr lang="en-US" altLang="zh-CN" sz="1100" i="0" dirty="0">
+                <a:latin typeface="Courier New" pitchFamily="49" charset="0"/>
+                <a:ea typeface="宋体" pitchFamily="-65" charset="-122"/>
+                <a:cs typeface="Courier New" pitchFamily="49" charset="0"/>
+              </a:rPr>
+              <a:t> (out </a:t>
+            </a:r>
+            <a:r>
+              <a:rPr lang="en-US" altLang="zh-CN" sz="1100" i="0" dirty="0" err="1">
+                <a:latin typeface="Courier New" pitchFamily="49" charset="0"/>
+                <a:ea typeface="宋体" pitchFamily="-65" charset="-122"/>
+                <a:cs typeface="Courier New" pitchFamily="49" charset="0"/>
+              </a:rPr>
+              <a:t>stringSeq</a:t>
+            </a:r>
+            <a:r>
+              <a:rPr lang="en-US" altLang="zh-CN" sz="1100" i="0" dirty="0">
+                <a:latin typeface="Courier New" pitchFamily="49" charset="0"/>
+                <a:ea typeface="宋体" pitchFamily="-65" charset="-122"/>
+                <a:cs typeface="Courier New" pitchFamily="49" charset="0"/>
+              </a:rPr>
+              <a:t> instances, out </a:t>
+            </a:r>
+            <a:r>
+              <a:rPr lang="en-US" altLang="zh-CN" sz="1100" i="0" dirty="0" err="1">
+                <a:latin typeface="Courier New" pitchFamily="49" charset="0"/>
+                <a:ea typeface="宋体" pitchFamily="-65" charset="-122"/>
+                <a:cs typeface="Courier New" pitchFamily="49" charset="0"/>
+              </a:rPr>
+              <a:t>ReadInfoSeq</a:t>
+            </a:r>
+            <a:r>
+              <a:rPr lang="en-US" altLang="zh-CN" sz="1100" i="0" dirty="0">
+                <a:latin typeface="Courier New" pitchFamily="49" charset="0"/>
+                <a:ea typeface="宋体" pitchFamily="-65" charset="-122"/>
+                <a:cs typeface="Courier New" pitchFamily="49" charset="0"/>
+              </a:rPr>
+              <a:t> </a:t>
+            </a:r>
+            <a:r>
+              <a:rPr lang="en-US" altLang="zh-CN" sz="1100" i="0" dirty="0" err="1">
+                <a:latin typeface="Courier New" pitchFamily="49" charset="0"/>
+                <a:ea typeface="宋体" pitchFamily="-65" charset="-122"/>
+                <a:cs typeface="Courier New" pitchFamily="49" charset="0"/>
+              </a:rPr>
+              <a:t>infos</a:t>
+            </a:r>
+            <a:r>
+              <a:rPr lang="en-US" altLang="zh-CN" sz="1100" i="0" dirty="0">
+                <a:latin typeface="Courier New" pitchFamily="49" charset="0"/>
+                <a:ea typeface="宋体" pitchFamily="-65" charset="-122"/>
+                <a:cs typeface="Courier New" pitchFamily="49" charset="0"/>
+              </a:rPr>
+              <a:t>)</a:t>
             </a:r>
           </a:p>
           <a:p>
@@ -19036,14 +18268,31 @@
               <a:spcBef>
                 <a:spcPct val="40000"/>
               </a:spcBef>
-            </a:pPr>
-            <a:r>
-              <a:rPr lang="en-US" altLang="zh-CN" sz="1400" i="0">
-                <a:latin typeface="Courier New" charset="0"/>
-                <a:ea typeface="宋体" pitchFamily="-65" charset="-128"/>
-                <a:cs typeface="Courier New" charset="0"/>
-              </a:rPr>
-              <a:t>    provides CCM_DDS::string_RawListener read_message_listener;</a:t>
+              <a:defRPr/>
+            </a:pPr>
+            <a:r>
+              <a:rPr lang="en-US" altLang="zh-CN" sz="1100" i="0" dirty="0">
+                <a:latin typeface="Courier New" pitchFamily="49" charset="0"/>
+                <a:ea typeface="宋体" pitchFamily="-65" charset="-122"/>
+                <a:cs typeface="Courier New" pitchFamily="49" charset="0"/>
+              </a:rPr>
+              <a:t>        raises (</a:t>
+            </a:r>
+            <a:r>
+              <a:rPr lang="en-US" altLang="zh-CN" sz="1100" i="0" dirty="0" err="1">
+                <a:latin typeface="Courier New" pitchFamily="49" charset="0"/>
+                <a:ea typeface="宋体" pitchFamily="-65" charset="-122"/>
+                <a:cs typeface="Courier New" pitchFamily="49" charset="0"/>
+              </a:rPr>
+              <a:t>InternalError</a:t>
+            </a:r>
+            <a:r>
+              <a:rPr lang="en-US" altLang="zh-CN" sz="1100" i="0" dirty="0">
+                <a:latin typeface="Courier New" pitchFamily="49" charset="0"/>
+                <a:ea typeface="宋体" pitchFamily="-65" charset="-122"/>
+                <a:cs typeface="Courier New" pitchFamily="49" charset="0"/>
+              </a:rPr>
+              <a:t>);</a:t>
             </a:r>
           </a:p>
           <a:p>
@@ -19051,14 +18300,79 @@
               <a:spcBef>
                 <a:spcPct val="40000"/>
               </a:spcBef>
-            </a:pPr>
-            <a:r>
-              <a:rPr lang="en-US" altLang="zh-CN" sz="1400" i="0">
-                <a:latin typeface="Courier New" charset="0"/>
-                <a:ea typeface="宋体" pitchFamily="-65" charset="-128"/>
-                <a:cs typeface="Courier New" charset="0"/>
-              </a:rPr>
-              <a:t>    uses DDS::DataReader read_message_dds_entity;</a:t>
+              <a:defRPr/>
+            </a:pPr>
+            <a:r>
+              <a:rPr lang="en-US" altLang="zh-CN" sz="1100" i="0" dirty="0">
+                <a:latin typeface="Courier New" pitchFamily="49" charset="0"/>
+                <a:ea typeface="宋体" pitchFamily="-65" charset="-122"/>
+                <a:cs typeface="Courier New" pitchFamily="49" charset="0"/>
+              </a:rPr>
+              <a:t>      void </a:t>
+            </a:r>
+            <a:r>
+              <a:rPr lang="en-US" altLang="zh-CN" sz="1100" i="0" dirty="0" err="1">
+                <a:latin typeface="Courier New" pitchFamily="49" charset="0"/>
+                <a:ea typeface="宋体" pitchFamily="-65" charset="-122"/>
+                <a:cs typeface="Courier New" pitchFamily="49" charset="0"/>
+              </a:rPr>
+              <a:t>read_all_history</a:t>
+            </a:r>
+            <a:r>
+              <a:rPr lang="en-US" altLang="zh-CN" sz="1100" i="0" dirty="0">
+                <a:latin typeface="Courier New" pitchFamily="49" charset="0"/>
+                <a:ea typeface="宋体" pitchFamily="-65" charset="-122"/>
+                <a:cs typeface="Courier New" pitchFamily="49" charset="0"/>
+              </a:rPr>
+              <a:t> (out </a:t>
+            </a:r>
+            <a:r>
+              <a:rPr lang="en-US" altLang="zh-CN" sz="1100" i="0" dirty="0" err="1">
+                <a:latin typeface="Courier New" pitchFamily="49" charset="0"/>
+                <a:ea typeface="宋体" pitchFamily="-65" charset="-122"/>
+                <a:cs typeface="Courier New" pitchFamily="49" charset="0"/>
+              </a:rPr>
+              <a:t>stringSeq</a:t>
+            </a:r>
+            <a:r>
+              <a:rPr lang="en-US" altLang="zh-CN" sz="1100" i="0" dirty="0">
+                <a:latin typeface="Courier New" pitchFamily="49" charset="0"/>
+                <a:ea typeface="宋体" pitchFamily="-65" charset="-122"/>
+                <a:cs typeface="Courier New" pitchFamily="49" charset="0"/>
+              </a:rPr>
+              <a:t> instances, out </a:t>
+            </a:r>
+            <a:r>
+              <a:rPr lang="en-US" altLang="zh-CN" sz="1100" i="0" dirty="0" err="1">
+                <a:latin typeface="Courier New" pitchFamily="49" charset="0"/>
+                <a:ea typeface="宋体" pitchFamily="-65" charset="-122"/>
+                <a:cs typeface="Courier New" pitchFamily="49" charset="0"/>
+              </a:rPr>
+              <a:t>ReadInfoSeq</a:t>
+            </a:r>
+            <a:r>
+              <a:rPr lang="en-US" altLang="zh-CN" sz="1100" i="0" dirty="0">
+                <a:latin typeface="Courier New" pitchFamily="49" charset="0"/>
+                <a:ea typeface="宋体" pitchFamily="-65" charset="-122"/>
+                <a:cs typeface="Courier New" pitchFamily="49" charset="0"/>
+              </a:rPr>
+              <a:t> </a:t>
+            </a:r>
+            <a:r>
+              <a:rPr lang="en-US" altLang="zh-CN" sz="1100" i="0" dirty="0" err="1">
+                <a:latin typeface="Courier New" pitchFamily="49" charset="0"/>
+                <a:ea typeface="宋体" pitchFamily="-65" charset="-122"/>
+                <a:cs typeface="Courier New" pitchFamily="49" charset="0"/>
+              </a:rPr>
+              <a:t>infos</a:t>
+            </a:r>
+            <a:r>
+              <a:rPr lang="en-US" altLang="zh-CN" sz="1100" i="0" dirty="0">
+                <a:latin typeface="Courier New" pitchFamily="49" charset="0"/>
+                <a:ea typeface="宋体" pitchFamily="-65" charset="-122"/>
+                <a:cs typeface="Courier New" pitchFamily="49" charset="0"/>
+              </a:rPr>
+              <a:t>)</a:t>
             </a:r>
           </a:p>
           <a:p>
@@ -19066,14 +18380,31 @@
               <a:spcBef>
                 <a:spcPct val="40000"/>
               </a:spcBef>
-            </a:pPr>
-            <a:r>
-              <a:rPr lang="en-US" altLang="zh-CN" sz="1400" i="0">
-                <a:latin typeface="Courier New" charset="0"/>
-                <a:ea typeface="宋体" pitchFamily="-65" charset="-128"/>
-                <a:cs typeface="Courier New" charset="0"/>
-              </a:rPr>
-              <a:t>    provides CCM_DDS::PortStatusListener read_message_status;</a:t>
+              <a:defRPr/>
+            </a:pPr>
+            <a:r>
+              <a:rPr lang="en-US" altLang="zh-CN" sz="1100" i="0" dirty="0">
+                <a:latin typeface="Courier New" pitchFamily="49" charset="0"/>
+                <a:ea typeface="宋体" pitchFamily="-65" charset="-122"/>
+                <a:cs typeface="Courier New" pitchFamily="49" charset="0"/>
+              </a:rPr>
+              <a:t>        raises (</a:t>
+            </a:r>
+            <a:r>
+              <a:rPr lang="en-US" altLang="zh-CN" sz="1100" i="0" dirty="0" err="1">
+                <a:latin typeface="Courier New" pitchFamily="49" charset="0"/>
+                <a:ea typeface="宋体" pitchFamily="-65" charset="-122"/>
+                <a:cs typeface="Courier New" pitchFamily="49" charset="0"/>
+              </a:rPr>
+              <a:t>InternalError</a:t>
+            </a:r>
+            <a:r>
+              <a:rPr lang="en-US" altLang="zh-CN" sz="1100" i="0" dirty="0">
+                <a:latin typeface="Courier New" pitchFamily="49" charset="0"/>
+                <a:ea typeface="宋体" pitchFamily="-65" charset="-122"/>
+                <a:cs typeface="Courier New" pitchFamily="49" charset="0"/>
+              </a:rPr>
+              <a:t>);</a:t>
             </a:r>
           </a:p>
           <a:p>
@@ -19081,12 +18412,429 @@
               <a:spcBef>
                 <a:spcPct val="40000"/>
               </a:spcBef>
-            </a:pPr>
-            <a:r>
-              <a:rPr lang="en-US" altLang="zh-CN" sz="1400" i="0">
-                <a:latin typeface="Courier New" charset="0"/>
-                <a:ea typeface="宋体" pitchFamily="-65" charset="-128"/>
-                <a:cs typeface="Courier New" charset="0"/>
+              <a:defRPr/>
+            </a:pPr>
+            <a:r>
+              <a:rPr lang="en-US" altLang="zh-CN" sz="1100" i="0" dirty="0">
+                <a:latin typeface="Courier New" pitchFamily="49" charset="0"/>
+                <a:ea typeface="宋体" pitchFamily="-65" charset="-122"/>
+                <a:cs typeface="Courier New" pitchFamily="49" charset="0"/>
+              </a:rPr>
+              <a:t>      void </a:t>
+            </a:r>
+            <a:r>
+              <a:rPr lang="en-US" altLang="zh-CN" sz="1100" i="0" dirty="0" err="1">
+                <a:latin typeface="Courier New" pitchFamily="49" charset="0"/>
+                <a:ea typeface="宋体" pitchFamily="-65" charset="-122"/>
+                <a:cs typeface="Courier New" pitchFamily="49" charset="0"/>
+              </a:rPr>
+              <a:t>read_one</a:t>
+            </a:r>
+            <a:r>
+              <a:rPr lang="en-US" altLang="zh-CN" sz="1100" i="0" dirty="0">
+                <a:latin typeface="Courier New" pitchFamily="49" charset="0"/>
+                <a:ea typeface="宋体" pitchFamily="-65" charset="-122"/>
+                <a:cs typeface="Courier New" pitchFamily="49" charset="0"/>
+              </a:rPr>
+              <a:t> (</a:t>
+            </a:r>
+            <a:r>
+              <a:rPr lang="en-US" altLang="zh-CN" sz="1100" i="0" dirty="0" err="1">
+                <a:latin typeface="Courier New" pitchFamily="49" charset="0"/>
+                <a:ea typeface="宋体" pitchFamily="-65" charset="-122"/>
+                <a:cs typeface="Courier New" pitchFamily="49" charset="0"/>
+              </a:rPr>
+              <a:t>inout</a:t>
+            </a:r>
+            <a:r>
+              <a:rPr lang="en-US" altLang="zh-CN" sz="1100" i="0" dirty="0">
+                <a:latin typeface="Courier New" pitchFamily="49" charset="0"/>
+                <a:ea typeface="宋体" pitchFamily="-65" charset="-122"/>
+                <a:cs typeface="Courier New" pitchFamily="49" charset="0"/>
+              </a:rPr>
+              <a:t> string </a:t>
+            </a:r>
+            <a:r>
+              <a:rPr lang="en-US" altLang="zh-CN" sz="1100" i="0" dirty="0" err="1">
+                <a:latin typeface="Courier New" pitchFamily="49" charset="0"/>
+                <a:ea typeface="宋体" pitchFamily="-65" charset="-122"/>
+                <a:cs typeface="Courier New" pitchFamily="49" charset="0"/>
+              </a:rPr>
+              <a:t>an_instance</a:t>
+            </a:r>
+            <a:r>
+              <a:rPr lang="en-US" altLang="zh-CN" sz="1100" i="0" dirty="0">
+                <a:latin typeface="Courier New" pitchFamily="49" charset="0"/>
+                <a:ea typeface="宋体" pitchFamily="-65" charset="-122"/>
+                <a:cs typeface="Courier New" pitchFamily="49" charset="0"/>
+              </a:rPr>
+              <a:t>, out </a:t>
+            </a:r>
+            <a:r>
+              <a:rPr lang="en-US" altLang="zh-CN" sz="1100" i="0" dirty="0" err="1">
+                <a:latin typeface="Courier New" pitchFamily="49" charset="0"/>
+                <a:ea typeface="宋体" pitchFamily="-65" charset="-122"/>
+                <a:cs typeface="Courier New" pitchFamily="49" charset="0"/>
+              </a:rPr>
+              <a:t>ReadInfo</a:t>
+            </a:r>
+            <a:r>
+              <a:rPr lang="en-US" altLang="zh-CN" sz="1100" i="0" dirty="0">
+                <a:latin typeface="Courier New" pitchFamily="49" charset="0"/>
+                <a:ea typeface="宋体" pitchFamily="-65" charset="-122"/>
+                <a:cs typeface="Courier New" pitchFamily="49" charset="0"/>
+              </a:rPr>
+              <a:t> info)</a:t>
+            </a:r>
+          </a:p>
+          <a:p>
+            <a:pPr marL="169863" indent="-169863">
+              <a:spcBef>
+                <a:spcPct val="40000"/>
+              </a:spcBef>
+              <a:defRPr/>
+            </a:pPr>
+            <a:r>
+              <a:rPr lang="en-US" altLang="zh-CN" sz="1100" i="0" dirty="0">
+                <a:latin typeface="Courier New" pitchFamily="49" charset="0"/>
+                <a:ea typeface="宋体" pitchFamily="-65" charset="-122"/>
+                <a:cs typeface="Courier New" pitchFamily="49" charset="0"/>
+              </a:rPr>
+              <a:t>        raises (</a:t>
+            </a:r>
+            <a:r>
+              <a:rPr lang="en-US" altLang="zh-CN" sz="1100" i="0" dirty="0" err="1">
+                <a:latin typeface="Courier New" pitchFamily="49" charset="0"/>
+                <a:ea typeface="宋体" pitchFamily="-65" charset="-122"/>
+                <a:cs typeface="Courier New" pitchFamily="49" charset="0"/>
+              </a:rPr>
+              <a:t>NonExistent</a:t>
+            </a:r>
+            <a:r>
+              <a:rPr lang="en-US" altLang="zh-CN" sz="1100" i="0" dirty="0">
+                <a:latin typeface="Courier New" pitchFamily="49" charset="0"/>
+                <a:ea typeface="宋体" pitchFamily="-65" charset="-122"/>
+                <a:cs typeface="Courier New" pitchFamily="49" charset="0"/>
+              </a:rPr>
+              <a:t>,</a:t>
+            </a:r>
+          </a:p>
+          <a:p>
+            <a:pPr marL="169863" indent="-169863">
+              <a:spcBef>
+                <a:spcPct val="40000"/>
+              </a:spcBef>
+              <a:defRPr/>
+            </a:pPr>
+            <a:r>
+              <a:rPr lang="en-US" altLang="zh-CN" sz="1100" i="0" dirty="0">
+                <a:latin typeface="Courier New" pitchFamily="49" charset="0"/>
+                <a:ea typeface="宋体" pitchFamily="-65" charset="-122"/>
+                <a:cs typeface="Courier New" pitchFamily="49" charset="0"/>
+              </a:rPr>
+              <a:t>                </a:t>
+            </a:r>
+            <a:r>
+              <a:rPr lang="en-US" altLang="zh-CN" sz="1100" i="0" dirty="0" err="1">
+                <a:latin typeface="Courier New" pitchFamily="49" charset="0"/>
+                <a:ea typeface="宋体" pitchFamily="-65" charset="-122"/>
+                <a:cs typeface="Courier New" pitchFamily="49" charset="0"/>
+              </a:rPr>
+              <a:t>InternalError</a:t>
+            </a:r>
+            <a:r>
+              <a:rPr lang="en-US" altLang="zh-CN" sz="1100" i="0" dirty="0">
+                <a:latin typeface="Courier New" pitchFamily="49" charset="0"/>
+                <a:ea typeface="宋体" pitchFamily="-65" charset="-122"/>
+                <a:cs typeface="Courier New" pitchFamily="49" charset="0"/>
+              </a:rPr>
+              <a:t>);</a:t>
+            </a:r>
+          </a:p>
+          <a:p>
+            <a:pPr marL="169863" indent="-169863">
+              <a:spcBef>
+                <a:spcPct val="40000"/>
+              </a:spcBef>
+              <a:defRPr/>
+            </a:pPr>
+            <a:r>
+              <a:rPr lang="en-US" altLang="zh-CN" sz="1100" i="0" dirty="0">
+                <a:latin typeface="Courier New" pitchFamily="49" charset="0"/>
+                <a:ea typeface="宋体" pitchFamily="-65" charset="-122"/>
+                <a:cs typeface="Courier New" pitchFamily="49" charset="0"/>
+              </a:rPr>
+              <a:t>      void </a:t>
+            </a:r>
+            <a:r>
+              <a:rPr lang="en-US" altLang="zh-CN" sz="1100" i="0" dirty="0" err="1">
+                <a:latin typeface="Courier New" pitchFamily="49" charset="0"/>
+                <a:ea typeface="宋体" pitchFamily="-65" charset="-122"/>
+                <a:cs typeface="Courier New" pitchFamily="49" charset="0"/>
+              </a:rPr>
+              <a:t>read_one_history</a:t>
+            </a:r>
+            <a:r>
+              <a:rPr lang="en-US" altLang="zh-CN" sz="1100" i="0" dirty="0">
+                <a:latin typeface="Courier New" pitchFamily="49" charset="0"/>
+                <a:ea typeface="宋体" pitchFamily="-65" charset="-122"/>
+                <a:cs typeface="Courier New" pitchFamily="49" charset="0"/>
+              </a:rPr>
+              <a:t> (in string </a:t>
+            </a:r>
+            <a:r>
+              <a:rPr lang="en-US" altLang="zh-CN" sz="1100" i="0" dirty="0" err="1">
+                <a:latin typeface="Courier New" pitchFamily="49" charset="0"/>
+                <a:ea typeface="宋体" pitchFamily="-65" charset="-122"/>
+                <a:cs typeface="Courier New" pitchFamily="49" charset="0"/>
+              </a:rPr>
+              <a:t>an_instance</a:t>
+            </a:r>
+            <a:r>
+              <a:rPr lang="en-US" altLang="zh-CN" sz="1100" i="0" dirty="0">
+                <a:latin typeface="Courier New" pitchFamily="49" charset="0"/>
+                <a:ea typeface="宋体" pitchFamily="-65" charset="-122"/>
+                <a:cs typeface="Courier New" pitchFamily="49" charset="0"/>
+              </a:rPr>
+              <a:t>,</a:t>
+            </a:r>
+          </a:p>
+          <a:p>
+            <a:pPr marL="169863" indent="-169863">
+              <a:spcBef>
+                <a:spcPct val="40000"/>
+              </a:spcBef>
+              <a:defRPr/>
+            </a:pPr>
+            <a:r>
+              <a:rPr lang="en-US" altLang="zh-CN" sz="1100" i="0" dirty="0">
+                <a:latin typeface="Courier New" pitchFamily="49" charset="0"/>
+                <a:ea typeface="宋体" pitchFamily="-65" charset="-122"/>
+                <a:cs typeface="Courier New" pitchFamily="49" charset="0"/>
+              </a:rPr>
+              <a:t>                             out </a:t>
+            </a:r>
+            <a:r>
+              <a:rPr lang="en-US" altLang="zh-CN" sz="1100" i="0" dirty="0" err="1">
+                <a:latin typeface="Courier New" pitchFamily="49" charset="0"/>
+                <a:ea typeface="宋体" pitchFamily="-65" charset="-122"/>
+                <a:cs typeface="Courier New" pitchFamily="49" charset="0"/>
+              </a:rPr>
+              <a:t>stringSeq</a:t>
+            </a:r>
+            <a:r>
+              <a:rPr lang="en-US" altLang="zh-CN" sz="1100" i="0" dirty="0">
+                <a:latin typeface="Courier New" pitchFamily="49" charset="0"/>
+                <a:ea typeface="宋体" pitchFamily="-65" charset="-122"/>
+                <a:cs typeface="Courier New" pitchFamily="49" charset="0"/>
+              </a:rPr>
+              <a:t> instances, out </a:t>
+            </a:r>
+            <a:r>
+              <a:rPr lang="en-US" altLang="zh-CN" sz="1100" i="0" dirty="0" err="1">
+                <a:latin typeface="Courier New" pitchFamily="49" charset="0"/>
+                <a:ea typeface="宋体" pitchFamily="-65" charset="-122"/>
+                <a:cs typeface="Courier New" pitchFamily="49" charset="0"/>
+              </a:rPr>
+              <a:t>ReadInfoSeq</a:t>
+            </a:r>
+            <a:r>
+              <a:rPr lang="en-US" altLang="zh-CN" sz="1100" i="0" dirty="0">
+                <a:latin typeface="Courier New" pitchFamily="49" charset="0"/>
+                <a:ea typeface="宋体" pitchFamily="-65" charset="-122"/>
+                <a:cs typeface="Courier New" pitchFamily="49" charset="0"/>
+              </a:rPr>
+              <a:t> </a:t>
+            </a:r>
+            <a:r>
+              <a:rPr lang="en-US" altLang="zh-CN" sz="1100" i="0" dirty="0" err="1">
+                <a:latin typeface="Courier New" pitchFamily="49" charset="0"/>
+                <a:ea typeface="宋体" pitchFamily="-65" charset="-122"/>
+                <a:cs typeface="Courier New" pitchFamily="49" charset="0"/>
+              </a:rPr>
+              <a:t>infos</a:t>
+            </a:r>
+            <a:r>
+              <a:rPr lang="en-US" altLang="zh-CN" sz="1100" i="0" dirty="0">
+                <a:latin typeface="Courier New" pitchFamily="49" charset="0"/>
+                <a:ea typeface="宋体" pitchFamily="-65" charset="-122"/>
+                <a:cs typeface="Courier New" pitchFamily="49" charset="0"/>
+              </a:rPr>
+              <a:t>)</a:t>
+            </a:r>
+          </a:p>
+          <a:p>
+            <a:pPr marL="169863" indent="-169863">
+              <a:spcBef>
+                <a:spcPct val="40000"/>
+              </a:spcBef>
+              <a:defRPr/>
+            </a:pPr>
+            <a:r>
+              <a:rPr lang="en-US" altLang="zh-CN" sz="1100" i="0" dirty="0">
+                <a:latin typeface="Courier New" pitchFamily="49" charset="0"/>
+                <a:ea typeface="宋体" pitchFamily="-65" charset="-122"/>
+                <a:cs typeface="Courier New" pitchFamily="49" charset="0"/>
+              </a:rPr>
+              <a:t>        raises (</a:t>
+            </a:r>
+            <a:r>
+              <a:rPr lang="en-US" altLang="zh-CN" sz="1100" i="0" dirty="0" err="1">
+                <a:latin typeface="Courier New" pitchFamily="49" charset="0"/>
+                <a:ea typeface="宋体" pitchFamily="-65" charset="-122"/>
+                <a:cs typeface="Courier New" pitchFamily="49" charset="0"/>
+              </a:rPr>
+              <a:t>NonExistent</a:t>
+            </a:r>
+            <a:r>
+              <a:rPr lang="en-US" altLang="zh-CN" sz="1100" i="0" dirty="0">
+                <a:latin typeface="Courier New" pitchFamily="49" charset="0"/>
+                <a:ea typeface="宋体" pitchFamily="-65" charset="-122"/>
+                <a:cs typeface="Courier New" pitchFamily="49" charset="0"/>
+              </a:rPr>
+              <a:t>,</a:t>
+            </a:r>
+          </a:p>
+          <a:p>
+            <a:pPr marL="169863" indent="-169863">
+              <a:spcBef>
+                <a:spcPct val="40000"/>
+              </a:spcBef>
+              <a:defRPr/>
+            </a:pPr>
+            <a:r>
+              <a:rPr lang="en-US" altLang="zh-CN" sz="1100" i="0" dirty="0">
+                <a:latin typeface="Courier New" pitchFamily="49" charset="0"/>
+                <a:ea typeface="宋体" pitchFamily="-65" charset="-122"/>
+                <a:cs typeface="Courier New" pitchFamily="49" charset="0"/>
+              </a:rPr>
+              <a:t>                </a:t>
+            </a:r>
+            <a:r>
+              <a:rPr lang="en-US" altLang="zh-CN" sz="1100" i="0" dirty="0" err="1">
+                <a:latin typeface="Courier New" pitchFamily="49" charset="0"/>
+                <a:ea typeface="宋体" pitchFamily="-65" charset="-122"/>
+                <a:cs typeface="Courier New" pitchFamily="49" charset="0"/>
+              </a:rPr>
+              <a:t>InternalError</a:t>
+            </a:r>
+            <a:r>
+              <a:rPr lang="en-US" altLang="zh-CN" sz="1100" i="0" dirty="0">
+                <a:latin typeface="Courier New" pitchFamily="49" charset="0"/>
+                <a:ea typeface="宋体" pitchFamily="-65" charset="-122"/>
+                <a:cs typeface="Courier New" pitchFamily="49" charset="0"/>
+              </a:rPr>
+              <a:t>);</a:t>
+            </a:r>
+          </a:p>
+          <a:p>
+            <a:pPr marL="169863" indent="-169863">
+              <a:spcBef>
+                <a:spcPct val="40000"/>
+              </a:spcBef>
+              <a:defRPr/>
+            </a:pPr>
+            <a:r>
+              <a:rPr lang="en-US" altLang="zh-CN" sz="1100" i="0" dirty="0">
+                <a:latin typeface="Courier New" pitchFamily="49" charset="0"/>
+                <a:ea typeface="宋体" pitchFamily="-65" charset="-122"/>
+                <a:cs typeface="Courier New" pitchFamily="49" charset="0"/>
+              </a:rPr>
+              <a:t>      attribute </a:t>
+            </a:r>
+            <a:r>
+              <a:rPr lang="en-US" altLang="zh-CN" sz="1100" i="0" dirty="0" err="1">
+                <a:latin typeface="Courier New" pitchFamily="49" charset="0"/>
+                <a:ea typeface="宋体" pitchFamily="-65" charset="-122"/>
+                <a:cs typeface="Courier New" pitchFamily="49" charset="0"/>
+              </a:rPr>
+              <a:t>QueryFilter</a:t>
+            </a:r>
+            <a:r>
+              <a:rPr lang="en-US" altLang="zh-CN" sz="1100" i="0" dirty="0">
+                <a:latin typeface="Courier New" pitchFamily="49" charset="0"/>
+                <a:ea typeface="宋体" pitchFamily="-65" charset="-122"/>
+                <a:cs typeface="Courier New" pitchFamily="49" charset="0"/>
+              </a:rPr>
+              <a:t> filter</a:t>
+            </a:r>
+          </a:p>
+          <a:p>
+            <a:pPr marL="169863" indent="-169863">
+              <a:spcBef>
+                <a:spcPct val="40000"/>
+              </a:spcBef>
+              <a:defRPr/>
+            </a:pPr>
+            <a:r>
+              <a:rPr lang="en-US" altLang="zh-CN" sz="1100" i="0" dirty="0">
+                <a:latin typeface="Courier New" pitchFamily="49" charset="0"/>
+                <a:ea typeface="宋体" pitchFamily="-65" charset="-122"/>
+                <a:cs typeface="Courier New" pitchFamily="49" charset="0"/>
+              </a:rPr>
+              <a:t>        </a:t>
+            </a:r>
+            <a:r>
+              <a:rPr lang="en-US" altLang="zh-CN" sz="1100" i="0" dirty="0" err="1">
+                <a:latin typeface="Courier New" pitchFamily="49" charset="0"/>
+                <a:ea typeface="宋体" pitchFamily="-65" charset="-122"/>
+                <a:cs typeface="Courier New" pitchFamily="49" charset="0"/>
+              </a:rPr>
+              <a:t>setraises</a:t>
+            </a:r>
+            <a:r>
+              <a:rPr lang="en-US" altLang="zh-CN" sz="1100" i="0" dirty="0">
+                <a:latin typeface="Courier New" pitchFamily="49" charset="0"/>
+                <a:ea typeface="宋体" pitchFamily="-65" charset="-122"/>
+                <a:cs typeface="Courier New" pitchFamily="49" charset="0"/>
+              </a:rPr>
+              <a:t> (</a:t>
+            </a:r>
+            <a:r>
+              <a:rPr lang="en-US" altLang="zh-CN" sz="1100" i="0" dirty="0" err="1">
+                <a:latin typeface="Courier New" pitchFamily="49" charset="0"/>
+                <a:ea typeface="宋体" pitchFamily="-65" charset="-122"/>
+                <a:cs typeface="Courier New" pitchFamily="49" charset="0"/>
+              </a:rPr>
+              <a:t>BadParameter</a:t>
+            </a:r>
+            <a:r>
+              <a:rPr lang="en-US" altLang="zh-CN" sz="1100" i="0" dirty="0">
+                <a:latin typeface="Courier New" pitchFamily="49" charset="0"/>
+                <a:ea typeface="宋体" pitchFamily="-65" charset="-122"/>
+                <a:cs typeface="Courier New" pitchFamily="49" charset="0"/>
+              </a:rPr>
+              <a:t>);      </a:t>
+            </a:r>
+          </a:p>
+          <a:p>
+            <a:pPr marL="169863" indent="-169863">
+              <a:spcBef>
+                <a:spcPct val="40000"/>
+              </a:spcBef>
+              <a:defRPr/>
+            </a:pPr>
+            <a:r>
+              <a:rPr lang="en-US" altLang="zh-CN" sz="1100" i="0" dirty="0">
+                <a:latin typeface="Courier New" pitchFamily="49" charset="0"/>
+                <a:ea typeface="宋体" pitchFamily="-65" charset="-122"/>
+                <a:cs typeface="Courier New" pitchFamily="49" charset="0"/>
+              </a:rPr>
+              <a:t>    };</a:t>
+            </a:r>
+          </a:p>
+          <a:p>
+            <a:pPr marL="169863" indent="-169863">
+              <a:spcBef>
+                <a:spcPct val="40000"/>
+              </a:spcBef>
+              <a:defRPr/>
+            </a:pPr>
+            <a:r>
+              <a:rPr lang="en-US" altLang="zh-CN" sz="1100" i="0" dirty="0">
+                <a:latin typeface="Courier New" pitchFamily="49" charset="0"/>
+                <a:ea typeface="宋体" pitchFamily="-65" charset="-122"/>
+                <a:cs typeface="Courier New" pitchFamily="49" charset="0"/>
               </a:rPr>
               <a:t>};</a:t>
             </a:r>
@@ -19127,7 +18875,7 @@
       </p:grpSpPr>
       <p:sp>
         <p:nvSpPr>
-          <p:cNvPr id="283650" name="Title 4"/>
+          <p:cNvPr id="281602" name="Title 4"/>
           <p:cNvSpPr>
             <a:spLocks noGrp="1"/>
           </p:cNvSpPr>
@@ -19142,7 +18890,7 @@
           <a:p>
             <a:r>
               <a:rPr lang="en-US"/>
-              <a:t>Implement the RawListener</a:t>
+              <a:t>Receiver IDL3</a:t>
             </a:r>
             <a:endParaRPr lang="nl-NL"/>
           </a:p>
@@ -19150,7 +18898,7 @@
       </p:sp>
       <p:sp>
         <p:nvSpPr>
-          <p:cNvPr id="283651" name="Rectangle 3"/>
+          <p:cNvPr id="281603" name="Rectangle 3"/>
           <p:cNvSpPr>
             <a:spLocks noChangeArrowheads="1"/>
           </p:cNvSpPr>
@@ -19196,7 +18944,7 @@
       </p:sp>
       <p:sp>
         <p:nvSpPr>
-          <p:cNvPr id="283652" name="Rectangle 3"/>
+          <p:cNvPr id="281604" name="Rectangle 3"/>
           <p:cNvSpPr>
             <a:spLocks noChangeArrowheads="1"/>
           </p:cNvSpPr>
@@ -19204,7 +18952,7 @@
         </p:nvSpPr>
         <p:spPr bwMode="auto">
           <a:xfrm>
-            <a:off x="381000" y="1343025"/>
+            <a:off x="381000" y="1387475"/>
             <a:ext cx="8763000" cy="4876800"/>
           </a:xfrm>
           <a:prstGeom prst="rect">
@@ -19231,39 +18979,7 @@
                 <a:spcPct val="40000"/>
               </a:spcBef>
             </a:pPr>
-            <a:r>
-              <a:rPr lang="en-US" altLang="zh-CN" sz="800" i="0" dirty="0">
-                <a:latin typeface="Courier New" charset="0"/>
-                <a:ea typeface="宋体" pitchFamily="-65" charset="-128"/>
-                <a:cs typeface="Courier New" charset="0"/>
-              </a:rPr>
-              <a:t> class </a:t>
-            </a:r>
-            <a:r>
-              <a:rPr lang="en-US" altLang="zh-CN" sz="800" i="0" dirty="0" err="1">
-                <a:latin typeface="Courier New" charset="0"/>
-                <a:ea typeface="宋体" pitchFamily="-65" charset="-128"/>
-                <a:cs typeface="Courier New" charset="0"/>
-              </a:rPr>
-              <a:t>HELLO_RECEIVER_EXEC_Export</a:t>
-            </a:r>
-            <a:r>
-              <a:rPr lang="en-US" altLang="zh-CN" sz="800" i="0" dirty="0">
-                <a:latin typeface="Courier New" charset="0"/>
-                <a:ea typeface="宋体" pitchFamily="-65" charset="-128"/>
-                <a:cs typeface="Courier New" charset="0"/>
-              </a:rPr>
-              <a:t> </a:t>
-            </a:r>
-            <a:r>
-              <a:rPr lang="en-US" altLang="zh-CN" sz="800" i="0" dirty="0" err="1">
-                <a:latin typeface="Courier New" charset="0"/>
-                <a:ea typeface="宋体" pitchFamily="-65" charset="-128"/>
-                <a:cs typeface="Courier New" charset="0"/>
-              </a:rPr>
-              <a:t>string_RawListener_exec_i</a:t>
-            </a:r>
-            <a:endParaRPr lang="en-US" altLang="zh-CN" sz="800" i="0" dirty="0">
+            <a:endParaRPr lang="en-US" altLang="zh-CN" sz="1100" i="0" dirty="0">
               <a:latin typeface="Courier New" charset="0"/>
               <a:ea typeface="宋体" pitchFamily="-65" charset="-128"/>
               <a:cs typeface="Courier New" charset="0"/>
@@ -19274,30 +18990,29 @@
               <a:spcBef>
                 <a:spcPct val="40000"/>
               </a:spcBef>
-            </a:pPr>
-            <a:r>
-              <a:rPr lang="en-US" altLang="zh-CN" sz="800" i="0" dirty="0">
-                <a:latin typeface="Courier New" charset="0"/>
+              <a:buFont typeface="Arial" charset="0"/>
+              <a:buChar char="•"/>
+            </a:pPr>
+            <a:r>
+              <a:rPr lang="en-US" altLang="zh-CN" sz="2200" i="0" dirty="0">
                 <a:ea typeface="宋体" pitchFamily="-65" charset="-128"/>
                 <a:cs typeface="Courier New" charset="0"/>
               </a:rPr>
-              <a:t>    : public virtual ::CCM_DDS::</a:t>
-            </a:r>
-            <a:r>
-              <a:rPr lang="en-US" altLang="zh-CN" sz="800" i="0" dirty="0" err="1">
-                <a:latin typeface="Courier New" charset="0"/>
+              <a:t>Type specific </a:t>
+            </a:r>
+            <a:r>
+              <a:rPr lang="en-US" altLang="zh-CN" sz="2200" i="0" dirty="0" err="1">
                 <a:ea typeface="宋体" pitchFamily="-65" charset="-128"/>
                 <a:cs typeface="Courier New" charset="0"/>
               </a:rPr>
-              <a:t>CCM_string_RawListener</a:t>
-            </a:r>
-            <a:r>
-              <a:rPr lang="en-US" altLang="zh-CN" sz="800" i="0" dirty="0">
-                <a:latin typeface="Courier New" charset="0"/>
+              <a:t>RawListener</a:t>
+            </a:r>
+            <a:r>
+              <a:rPr lang="en-US" altLang="zh-CN" sz="2200" i="0" dirty="0">
                 <a:ea typeface="宋体" pitchFamily="-65" charset="-128"/>
                 <a:cs typeface="Courier New" charset="0"/>
               </a:rPr>
-              <a:t>,</a:t>
+              <a:t> interface</a:t>
             </a:r>
           </a:p>
           <a:p>
@@ -19307,22 +19022,52 @@
               </a:spcBef>
             </a:pPr>
             <a:r>
-              <a:rPr lang="en-US" altLang="zh-CN" sz="800" i="0" dirty="0">
+              <a:rPr lang="en-US" altLang="zh-CN" sz="1100" i="0" dirty="0">
                 <a:latin typeface="Courier New" charset="0"/>
                 <a:ea typeface="宋体" pitchFamily="-65" charset="-128"/>
                 <a:cs typeface="Courier New" charset="0"/>
               </a:rPr>
-              <a:t>      public virtual ::CORBA::</a:t>
-            </a:r>
-            <a:r>
-              <a:rPr lang="en-US" altLang="zh-CN" sz="800" i="0" dirty="0" err="1">
+              <a:t>module CCM_DDS</a:t>
+            </a:r>
+          </a:p>
+          <a:p>
+            <a:pPr marL="169863" indent="-169863">
+              <a:spcBef>
+                <a:spcPct val="40000"/>
+              </a:spcBef>
+            </a:pPr>
+            <a:r>
+              <a:rPr lang="en-US" altLang="zh-CN" sz="1100" i="0" dirty="0">
                 <a:latin typeface="Courier New" charset="0"/>
                 <a:ea typeface="宋体" pitchFamily="-65" charset="-128"/>
                 <a:cs typeface="Courier New" charset="0"/>
               </a:rPr>
-              <a:t>LocalObject</a:t>
-            </a:r>
-            <a:endParaRPr lang="en-US" altLang="zh-CN" sz="800" i="0" dirty="0">
+              <a:t>{</a:t>
+            </a:r>
+          </a:p>
+          <a:p>
+            <a:pPr marL="169863" indent="-169863">
+              <a:spcBef>
+                <a:spcPct val="40000"/>
+              </a:spcBef>
+            </a:pPr>
+            <a:r>
+              <a:rPr lang="en-US" altLang="zh-CN" sz="1100" i="0" dirty="0">
+                <a:latin typeface="Courier New" charset="0"/>
+                <a:ea typeface="宋体" pitchFamily="-65" charset="-128"/>
+                <a:cs typeface="Courier New" charset="0"/>
+              </a:rPr>
+              <a:t>  interface </a:t>
+            </a:r>
+            <a:r>
+              <a:rPr lang="en-US" altLang="zh-CN" sz="1100" i="0" dirty="0" err="1">
+                <a:latin typeface="Courier New" charset="0"/>
+                <a:ea typeface="宋体" pitchFamily="-65" charset="-128"/>
+                <a:cs typeface="Courier New" charset="0"/>
+              </a:rPr>
+              <a:t>string_RawListener</a:t>
+            </a:r>
+            <a:endParaRPr lang="en-US" altLang="zh-CN" sz="1100" i="0" dirty="0">
               <a:latin typeface="Courier New" charset="0"/>
               <a:ea typeface="宋体" pitchFamily="-65" charset="-128"/>
               <a:cs typeface="Courier New" charset="0"/>
@@ -19335,7 +19080,7 @@
               </a:spcBef>
             </a:pPr>
             <a:r>
-              <a:rPr lang="en-US" altLang="zh-CN" sz="800" i="0" dirty="0">
+              <a:rPr lang="en-US" altLang="zh-CN" sz="1100" i="0" dirty="0">
                 <a:latin typeface="Courier New" charset="0"/>
                 <a:ea typeface="宋体" pitchFamily="-65" charset="-128"/>
                 <a:cs typeface="Courier New" charset="0"/>
@@ -19350,12 +19095,60 @@
               </a:spcBef>
             </a:pPr>
             <a:r>
-              <a:rPr lang="en-US" altLang="zh-CN" sz="800" i="0" dirty="0">
+              <a:rPr lang="en-US" altLang="zh-CN" sz="1100" i="0" dirty="0">
                 <a:latin typeface="Courier New" charset="0"/>
                 <a:ea typeface="宋体" pitchFamily="-65" charset="-128"/>
                 <a:cs typeface="Courier New" charset="0"/>
               </a:rPr>
-              <a:t>  public:</a:t>
+              <a:t>    void </a:t>
+            </a:r>
+            <a:r>
+              <a:rPr lang="en-US" altLang="zh-CN" sz="1100" i="0" dirty="0" err="1">
+                <a:latin typeface="Courier New" charset="0"/>
+                <a:ea typeface="宋体" pitchFamily="-65" charset="-128"/>
+                <a:cs typeface="Courier New" charset="0"/>
+              </a:rPr>
+              <a:t>on_data</a:t>
+            </a:r>
+            <a:r>
+              <a:rPr lang="en-US" altLang="zh-CN" sz="1100" i="0" dirty="0">
+                <a:latin typeface="Courier New" charset="0"/>
+                <a:ea typeface="宋体" pitchFamily="-65" charset="-128"/>
+                <a:cs typeface="Courier New" charset="0"/>
+              </a:rPr>
+              <a:t> (in string </a:t>
+            </a:r>
+            <a:r>
+              <a:rPr lang="en-US" altLang="zh-CN" sz="1100" i="0" dirty="0" err="1">
+                <a:latin typeface="Courier New" charset="0"/>
+                <a:ea typeface="宋体" pitchFamily="-65" charset="-128"/>
+                <a:cs typeface="Courier New" charset="0"/>
+              </a:rPr>
+              <a:t>an_instance</a:t>
+            </a:r>
+            <a:r>
+              <a:rPr lang="en-US" altLang="zh-CN" sz="1100" i="0" dirty="0">
+                <a:latin typeface="Courier New" charset="0"/>
+                <a:ea typeface="宋体" pitchFamily="-65" charset="-128"/>
+                <a:cs typeface="Courier New" charset="0"/>
+              </a:rPr>
+              <a:t>, in </a:t>
+            </a:r>
+            <a:r>
+              <a:rPr lang="en-US" altLang="zh-CN" sz="1100" i="0" dirty="0" err="1">
+                <a:latin typeface="Courier New" charset="0"/>
+                <a:ea typeface="宋体" pitchFamily="-65" charset="-128"/>
+                <a:cs typeface="Courier New" charset="0"/>
+              </a:rPr>
+              <a:t>ReadInfo</a:t>
+            </a:r>
+            <a:r>
+              <a:rPr lang="en-US" altLang="zh-CN" sz="1100" i="0" dirty="0">
+                <a:latin typeface="Courier New" charset="0"/>
+                <a:ea typeface="宋体" pitchFamily="-65" charset="-128"/>
+                <a:cs typeface="Courier New" charset="0"/>
+              </a:rPr>
+              <a:t> info);</a:t>
             </a:r>
           </a:p>
           <a:p>
@@ -19365,599 +19158,27 @@
               </a:spcBef>
             </a:pPr>
             <a:r>
-              <a:rPr lang="en-US" altLang="zh-CN" sz="800" i="0" dirty="0">
+              <a:rPr lang="en-US" altLang="zh-CN" sz="1100" i="0" dirty="0">
                 <a:latin typeface="Courier New" charset="0"/>
                 <a:ea typeface="宋体" pitchFamily="-65" charset="-128"/>
                 <a:cs typeface="Courier New" charset="0"/>
               </a:rPr>
-              <a:t>    </a:t>
-            </a:r>
-            <a:r>
-              <a:rPr lang="en-US" altLang="zh-CN" sz="800" i="0" dirty="0" err="1">
+              <a:t>  };</a:t>
+            </a:r>
+          </a:p>
+          <a:p>
+            <a:pPr marL="169863" indent="-169863">
+              <a:spcBef>
+                <a:spcPct val="40000"/>
+              </a:spcBef>
+            </a:pPr>
+            <a:r>
+              <a:rPr lang="en-US" altLang="zh-CN" sz="1100" i="0" dirty="0">
                 <a:latin typeface="Courier New" charset="0"/>
                 <a:ea typeface="宋体" pitchFamily="-65" charset="-128"/>
                 <a:cs typeface="Courier New" charset="0"/>
               </a:rPr>
-              <a:t>string_RawListener_exec_i</a:t>
-            </a:r>
-            <a:r>
-              <a:rPr lang="en-US" altLang="zh-CN" sz="800" i="0" dirty="0">
-                <a:latin typeface="Courier New" charset="0"/>
-                <a:ea typeface="宋体" pitchFamily="-65" charset="-128"/>
-                <a:cs typeface="Courier New" charset="0"/>
-              </a:rPr>
-              <a:t> (</a:t>
-            </a:r>
-            <a:r>
-              <a:rPr lang="en-US" altLang="zh-CN" sz="800" i="0" dirty="0" err="1">
-                <a:latin typeface="Courier New" charset="0"/>
-                <a:ea typeface="宋体" pitchFamily="-65" charset="-128"/>
-                <a:cs typeface="Courier New" charset="0"/>
-              </a:rPr>
-              <a:t>Atomic_ULong</a:t>
-            </a:r>
-            <a:r>
-              <a:rPr lang="en-US" altLang="zh-CN" sz="800" i="0" dirty="0">
-                <a:latin typeface="Courier New" charset="0"/>
-                <a:ea typeface="宋体" pitchFamily="-65" charset="-128"/>
-                <a:cs typeface="Courier New" charset="0"/>
-              </a:rPr>
-              <a:t> &amp;,</a:t>
-            </a:r>
-          </a:p>
-          <a:p>
-            <a:pPr marL="169863" indent="-169863">
-              <a:spcBef>
-                <a:spcPct val="40000"/>
-              </a:spcBef>
-            </a:pPr>
-            <a:r>
-              <a:rPr lang="en-US" altLang="zh-CN" sz="800" i="0" dirty="0">
-                <a:latin typeface="Courier New" charset="0"/>
-                <a:ea typeface="宋体" pitchFamily="-65" charset="-128"/>
-                <a:cs typeface="Courier New" charset="0"/>
-              </a:rPr>
-              <a:t>                               const </a:t>
-            </a:r>
-            <a:r>
-              <a:rPr lang="en-US" altLang="zh-CN" sz="800" i="0" dirty="0" err="1">
-                <a:latin typeface="Courier New" charset="0"/>
-                <a:ea typeface="宋体" pitchFamily="-65" charset="-128"/>
-                <a:cs typeface="Courier New" charset="0"/>
-              </a:rPr>
-              <a:t>ACE_CString</a:t>
-            </a:r>
-            <a:r>
-              <a:rPr lang="en-US" altLang="zh-CN" sz="800" i="0" dirty="0">
-                <a:latin typeface="Courier New" charset="0"/>
-                <a:ea typeface="宋体" pitchFamily="-65" charset="-128"/>
-                <a:cs typeface="Courier New" charset="0"/>
-              </a:rPr>
-              <a:t> &amp;);</a:t>
-            </a:r>
-          </a:p>
-          <a:p>
-            <a:pPr marL="169863" indent="-169863">
-              <a:spcBef>
-                <a:spcPct val="40000"/>
-              </a:spcBef>
-            </a:pPr>
-            <a:r>
-              <a:rPr lang="en-US" altLang="zh-CN" sz="800" i="0" dirty="0">
-                <a:latin typeface="Courier New" charset="0"/>
-                <a:ea typeface="宋体" pitchFamily="-65" charset="-128"/>
-                <a:cs typeface="Courier New" charset="0"/>
-              </a:rPr>
-              <a:t>    virtual ~</a:t>
-            </a:r>
-            <a:r>
-              <a:rPr lang="en-US" altLang="zh-CN" sz="800" i="0" dirty="0" err="1">
-                <a:latin typeface="Courier New" charset="0"/>
-                <a:ea typeface="宋体" pitchFamily="-65" charset="-128"/>
-                <a:cs typeface="Courier New" charset="0"/>
-              </a:rPr>
-              <a:t>string_RawListener_exec_i</a:t>
-            </a:r>
-            <a:r>
-              <a:rPr lang="en-US" altLang="zh-CN" sz="800" i="0" dirty="0">
-                <a:latin typeface="Courier New" charset="0"/>
-                <a:ea typeface="宋体" pitchFamily="-65" charset="-128"/>
-                <a:cs typeface="Courier New" charset="0"/>
-              </a:rPr>
-              <a:t> (void);</a:t>
-            </a:r>
-          </a:p>
-          <a:p>
-            <a:pPr marL="169863" indent="-169863">
-              <a:spcBef>
-                <a:spcPct val="40000"/>
-              </a:spcBef>
-            </a:pPr>
-            <a:endParaRPr lang="en-US" altLang="zh-CN" sz="800" i="0" dirty="0">
-              <a:latin typeface="Courier New" charset="0"/>
-              <a:ea typeface="宋体" pitchFamily="-65" charset="-128"/>
-              <a:cs typeface="Courier New" charset="0"/>
-            </a:endParaRPr>
-          </a:p>
-          <a:p>
-            <a:pPr marL="169863" indent="-169863">
-              <a:spcBef>
-                <a:spcPct val="40000"/>
-              </a:spcBef>
-            </a:pPr>
-            <a:r>
-              <a:rPr lang="en-US" altLang="zh-CN" sz="800" i="0" dirty="0" smtClean="0">
-                <a:latin typeface="Courier New" charset="0"/>
-                <a:ea typeface="宋体" pitchFamily="-65" charset="-128"/>
-                <a:cs typeface="Courier New" charset="0"/>
-              </a:rPr>
-              <a:t>  </a:t>
-            </a:r>
-            <a:r>
-              <a:rPr lang="en-US" altLang="zh-CN" sz="800" i="0" dirty="0">
-                <a:latin typeface="Courier New" charset="0"/>
-                <a:ea typeface="宋体" pitchFamily="-65" charset="-128"/>
-                <a:cs typeface="Courier New" charset="0"/>
-              </a:rPr>
-              <a:t>virtual void</a:t>
-            </a:r>
-          </a:p>
-          <a:p>
-            <a:pPr marL="169863" indent="-169863">
-              <a:spcBef>
-                <a:spcPct val="40000"/>
-              </a:spcBef>
-            </a:pPr>
-            <a:r>
-              <a:rPr lang="en-US" altLang="zh-CN" sz="800" i="0" dirty="0">
-                <a:latin typeface="Courier New" charset="0"/>
-                <a:ea typeface="宋体" pitchFamily="-65" charset="-128"/>
-                <a:cs typeface="Courier New" charset="0"/>
-              </a:rPr>
-              <a:t>  </a:t>
-            </a:r>
-            <a:r>
-              <a:rPr lang="en-US" altLang="zh-CN" sz="800" i="0" dirty="0" err="1">
-                <a:latin typeface="Courier New" charset="0"/>
-                <a:ea typeface="宋体" pitchFamily="-65" charset="-128"/>
-                <a:cs typeface="Courier New" charset="0"/>
-              </a:rPr>
-              <a:t>on_data</a:t>
-            </a:r>
-            <a:r>
-              <a:rPr lang="en-US" altLang="zh-CN" sz="800" i="0" dirty="0">
-                <a:latin typeface="Courier New" charset="0"/>
-                <a:ea typeface="宋体" pitchFamily="-65" charset="-128"/>
-                <a:cs typeface="Courier New" charset="0"/>
-              </a:rPr>
-              <a:t> (const char * </a:t>
-            </a:r>
-            <a:r>
-              <a:rPr lang="en-US" altLang="zh-CN" sz="800" i="0" dirty="0" err="1">
-                <a:latin typeface="Courier New" charset="0"/>
-                <a:ea typeface="宋体" pitchFamily="-65" charset="-128"/>
-                <a:cs typeface="Courier New" charset="0"/>
-              </a:rPr>
-              <a:t>an_instance</a:t>
-            </a:r>
-            <a:r>
-              <a:rPr lang="en-US" altLang="zh-CN" sz="800" i="0" dirty="0">
-                <a:latin typeface="Courier New" charset="0"/>
-                <a:ea typeface="宋体" pitchFamily="-65" charset="-128"/>
-                <a:cs typeface="Courier New" charset="0"/>
-              </a:rPr>
-              <a:t>,</a:t>
-            </a:r>
-          </a:p>
-          <a:p>
-            <a:pPr marL="169863" indent="-169863">
-              <a:spcBef>
-                <a:spcPct val="40000"/>
-              </a:spcBef>
-            </a:pPr>
-            <a:r>
-              <a:rPr lang="en-US" altLang="zh-CN" sz="800" i="0" dirty="0">
-                <a:latin typeface="Courier New" charset="0"/>
-                <a:ea typeface="宋体" pitchFamily="-65" charset="-128"/>
-                <a:cs typeface="Courier New" charset="0"/>
-              </a:rPr>
-              <a:t>           const ::CCM_DDS::</a:t>
-            </a:r>
-            <a:r>
-              <a:rPr lang="en-US" altLang="zh-CN" sz="800" i="0" dirty="0" err="1">
-                <a:latin typeface="Courier New" charset="0"/>
-                <a:ea typeface="宋体" pitchFamily="-65" charset="-128"/>
-                <a:cs typeface="Courier New" charset="0"/>
-              </a:rPr>
-              <a:t>ReadInfo</a:t>
-            </a:r>
-            <a:r>
-              <a:rPr lang="en-US" altLang="zh-CN" sz="800" i="0" dirty="0">
-                <a:latin typeface="Courier New" charset="0"/>
-                <a:ea typeface="宋体" pitchFamily="-65" charset="-128"/>
-                <a:cs typeface="Courier New" charset="0"/>
-              </a:rPr>
-              <a:t> &amp; info);</a:t>
-            </a:r>
-          </a:p>
-          <a:p>
-            <a:pPr marL="169863" indent="-169863">
-              <a:spcBef>
-                <a:spcPct val="40000"/>
-              </a:spcBef>
-            </a:pPr>
-            <a:endParaRPr lang="en-US" altLang="zh-CN" sz="800" i="0" dirty="0">
-              <a:latin typeface="Courier New" charset="0"/>
-              <a:ea typeface="宋体" pitchFamily="-65" charset="-128"/>
-              <a:cs typeface="Courier New" charset="0"/>
-            </a:endParaRPr>
-          </a:p>
-          <a:p>
-            <a:pPr marL="169863" indent="-169863">
-              <a:spcBef>
-                <a:spcPct val="40000"/>
-              </a:spcBef>
-            </a:pPr>
-            <a:r>
-              <a:rPr lang="en-US" altLang="zh-CN" sz="800" i="0" dirty="0">
-                <a:latin typeface="Courier New" charset="0"/>
-                <a:ea typeface="宋体" pitchFamily="-65" charset="-128"/>
-                <a:cs typeface="Courier New" charset="0"/>
-              </a:rPr>
-              <a:t>private:</a:t>
-            </a:r>
-          </a:p>
-          <a:p>
-            <a:pPr marL="169863" indent="-169863">
-              <a:spcBef>
-                <a:spcPct val="40000"/>
-              </a:spcBef>
-            </a:pPr>
-            <a:r>
-              <a:rPr lang="en-US" altLang="zh-CN" sz="800" i="0" dirty="0">
-                <a:latin typeface="Courier New" charset="0"/>
-                <a:ea typeface="宋体" pitchFamily="-65" charset="-128"/>
-                <a:cs typeface="Courier New" charset="0"/>
-              </a:rPr>
-              <a:t>  </a:t>
-            </a:r>
-            <a:r>
-              <a:rPr lang="en-US" altLang="zh-CN" sz="800" i="0" dirty="0" err="1">
-                <a:latin typeface="Courier New" charset="0"/>
-                <a:ea typeface="宋体" pitchFamily="-65" charset="-128"/>
-                <a:cs typeface="Courier New" charset="0"/>
-              </a:rPr>
-              <a:t>Atomic_ULong</a:t>
-            </a:r>
-            <a:r>
-              <a:rPr lang="en-US" altLang="zh-CN" sz="800" i="0" dirty="0">
-                <a:latin typeface="Courier New" charset="0"/>
-                <a:ea typeface="宋体" pitchFamily="-65" charset="-128"/>
-                <a:cs typeface="Courier New" charset="0"/>
-              </a:rPr>
-              <a:t> &amp;received_;</a:t>
-            </a:r>
-          </a:p>
-          <a:p>
-            <a:pPr marL="169863" indent="-169863">
-              <a:spcBef>
-                <a:spcPct val="40000"/>
-              </a:spcBef>
-            </a:pPr>
-            <a:r>
-              <a:rPr lang="en-US" altLang="zh-CN" sz="800" i="0" dirty="0">
-                <a:latin typeface="Courier New" charset="0"/>
-                <a:ea typeface="宋体" pitchFamily="-65" charset="-128"/>
-                <a:cs typeface="Courier New" charset="0"/>
-              </a:rPr>
-              <a:t>  const </a:t>
-            </a:r>
-            <a:r>
-              <a:rPr lang="en-US" altLang="zh-CN" sz="800" i="0" dirty="0" err="1">
-                <a:latin typeface="Courier New" charset="0"/>
-                <a:ea typeface="宋体" pitchFamily="-65" charset="-128"/>
-                <a:cs typeface="Courier New" charset="0"/>
-              </a:rPr>
-              <a:t>ACE_CString</a:t>
-            </a:r>
-            <a:r>
-              <a:rPr lang="en-US" altLang="zh-CN" sz="800" i="0" dirty="0">
-                <a:latin typeface="Courier New" charset="0"/>
-                <a:ea typeface="宋体" pitchFamily="-65" charset="-128"/>
-                <a:cs typeface="Courier New" charset="0"/>
-              </a:rPr>
-              <a:t> &amp;name_;</a:t>
-            </a:r>
-          </a:p>
-          <a:p>
-            <a:pPr marL="169863" indent="-169863">
-              <a:spcBef>
-                <a:spcPct val="40000"/>
-              </a:spcBef>
-            </a:pPr>
-            <a:r>
-              <a:rPr lang="en-US" altLang="zh-CN" sz="800" i="0" dirty="0">
-                <a:latin typeface="Courier New" charset="0"/>
-                <a:ea typeface="宋体" pitchFamily="-65" charset="-128"/>
-                <a:cs typeface="Courier New" charset="0"/>
-              </a:rPr>
               <a:t>};</a:t>
-            </a:r>
-          </a:p>
-          <a:p>
-            <a:pPr marL="169863" indent="-169863">
-              <a:spcBef>
-                <a:spcPct val="40000"/>
-              </a:spcBef>
-            </a:pPr>
-            <a:endParaRPr lang="en-US" altLang="zh-CN" sz="800" i="0" dirty="0">
-              <a:latin typeface="Courier New" charset="0"/>
-              <a:ea typeface="宋体" pitchFamily="-65" charset="-128"/>
-              <a:cs typeface="Courier New" charset="0"/>
-            </a:endParaRPr>
-          </a:p>
-          <a:p>
-            <a:pPr marL="169863" indent="-169863">
-              <a:spcBef>
-                <a:spcPct val="40000"/>
-              </a:spcBef>
-            </a:pPr>
-            <a:r>
-              <a:rPr lang="en-US" altLang="zh-CN" sz="800" i="0" dirty="0">
-                <a:latin typeface="Courier New" charset="0"/>
-                <a:ea typeface="宋体" pitchFamily="-65" charset="-128"/>
-                <a:cs typeface="Courier New" charset="0"/>
-              </a:rPr>
-              <a:t> void</a:t>
-            </a:r>
-          </a:p>
-          <a:p>
-            <a:pPr marL="169863" indent="-169863">
-              <a:spcBef>
-                <a:spcPct val="40000"/>
-              </a:spcBef>
-            </a:pPr>
-            <a:r>
-              <a:rPr lang="en-US" altLang="zh-CN" sz="800" i="0" dirty="0">
-                <a:latin typeface="Courier New" charset="0"/>
-                <a:ea typeface="宋体" pitchFamily="-65" charset="-128"/>
-                <a:cs typeface="Courier New" charset="0"/>
-              </a:rPr>
-              <a:t>  </a:t>
-            </a:r>
-            <a:r>
-              <a:rPr lang="en-US" altLang="zh-CN" sz="800" i="0" dirty="0" err="1">
-                <a:latin typeface="Courier New" charset="0"/>
-                <a:ea typeface="宋体" pitchFamily="-65" charset="-128"/>
-                <a:cs typeface="Courier New" charset="0"/>
-              </a:rPr>
-              <a:t>string_RawListener_exec_i</a:t>
-            </a:r>
-            <a:r>
-              <a:rPr lang="en-US" altLang="zh-CN" sz="800" i="0" dirty="0">
-                <a:latin typeface="Courier New" charset="0"/>
-                <a:ea typeface="宋体" pitchFamily="-65" charset="-128"/>
-                <a:cs typeface="Courier New" charset="0"/>
-              </a:rPr>
-              <a:t>::</a:t>
-            </a:r>
-            <a:r>
-              <a:rPr lang="en-US" altLang="zh-CN" sz="800" i="0" dirty="0" err="1">
-                <a:latin typeface="Courier New" charset="0"/>
-                <a:ea typeface="宋体" pitchFamily="-65" charset="-128"/>
-                <a:cs typeface="Courier New" charset="0"/>
-              </a:rPr>
-              <a:t>on_data</a:t>
-            </a:r>
-            <a:r>
-              <a:rPr lang="en-US" altLang="zh-CN" sz="800" i="0" dirty="0">
-                <a:latin typeface="Courier New" charset="0"/>
-                <a:ea typeface="宋体" pitchFamily="-65" charset="-128"/>
-                <a:cs typeface="Courier New" charset="0"/>
-              </a:rPr>
-              <a:t> (</a:t>
-            </a:r>
-          </a:p>
-          <a:p>
-            <a:pPr marL="169863" indent="-169863">
-              <a:spcBef>
-                <a:spcPct val="40000"/>
-              </a:spcBef>
-            </a:pPr>
-            <a:r>
-              <a:rPr lang="en-US" altLang="zh-CN" sz="800" i="0" dirty="0">
-                <a:latin typeface="Courier New" charset="0"/>
-                <a:ea typeface="宋体" pitchFamily="-65" charset="-128"/>
-                <a:cs typeface="Courier New" charset="0"/>
-              </a:rPr>
-              <a:t>    const char * </a:t>
-            </a:r>
-            <a:r>
-              <a:rPr lang="en-US" altLang="zh-CN" sz="800" i="0" dirty="0" err="1">
-                <a:latin typeface="Courier New" charset="0"/>
-                <a:ea typeface="宋体" pitchFamily="-65" charset="-128"/>
-                <a:cs typeface="Courier New" charset="0"/>
-              </a:rPr>
-              <a:t>an_instance</a:t>
-            </a:r>
-            <a:r>
-              <a:rPr lang="en-US" altLang="zh-CN" sz="800" i="0" dirty="0">
-                <a:latin typeface="Courier New" charset="0"/>
-                <a:ea typeface="宋体" pitchFamily="-65" charset="-128"/>
-                <a:cs typeface="Courier New" charset="0"/>
-              </a:rPr>
-              <a:t>,</a:t>
-            </a:r>
-          </a:p>
-          <a:p>
-            <a:pPr marL="169863" indent="-169863">
-              <a:spcBef>
-                <a:spcPct val="40000"/>
-              </a:spcBef>
-            </a:pPr>
-            <a:r>
-              <a:rPr lang="en-US" altLang="zh-CN" sz="800" i="0" dirty="0">
-                <a:latin typeface="Courier New" charset="0"/>
-                <a:ea typeface="宋体" pitchFamily="-65" charset="-128"/>
-                <a:cs typeface="Courier New" charset="0"/>
-              </a:rPr>
-              <a:t>    const ::CCM_DDS::</a:t>
-            </a:r>
-            <a:r>
-              <a:rPr lang="en-US" altLang="zh-CN" sz="800" i="0" dirty="0" err="1">
-                <a:latin typeface="Courier New" charset="0"/>
-                <a:ea typeface="宋体" pitchFamily="-65" charset="-128"/>
-                <a:cs typeface="Courier New" charset="0"/>
-              </a:rPr>
-              <a:t>ReadInfo</a:t>
-            </a:r>
-            <a:r>
-              <a:rPr lang="en-US" altLang="zh-CN" sz="800" i="0" dirty="0">
-                <a:latin typeface="Courier New" charset="0"/>
-                <a:ea typeface="宋体" pitchFamily="-65" charset="-128"/>
-                <a:cs typeface="Courier New" charset="0"/>
-              </a:rPr>
-              <a:t> &amp; /* info */)</a:t>
-            </a:r>
-          </a:p>
-          <a:p>
-            <a:pPr marL="169863" indent="-169863">
-              <a:spcBef>
-                <a:spcPct val="40000"/>
-              </a:spcBef>
-            </a:pPr>
-            <a:r>
-              <a:rPr lang="en-US" altLang="zh-CN" sz="800" i="0" dirty="0">
-                <a:latin typeface="Courier New" charset="0"/>
-                <a:ea typeface="宋体" pitchFamily="-65" charset="-128"/>
-                <a:cs typeface="Courier New" charset="0"/>
-              </a:rPr>
-              <a:t>  {</a:t>
-            </a:r>
-          </a:p>
-          <a:p>
-            <a:pPr marL="169863" indent="-169863">
-              <a:spcBef>
-                <a:spcPct val="40000"/>
-              </a:spcBef>
-            </a:pPr>
-            <a:r>
-              <a:rPr lang="en-US" altLang="zh-CN" sz="800" i="0" dirty="0">
-                <a:latin typeface="Courier New" charset="0"/>
-                <a:ea typeface="宋体" pitchFamily="-65" charset="-128"/>
-                <a:cs typeface="Courier New" charset="0"/>
-              </a:rPr>
-              <a:t>    ++received_;</a:t>
-            </a:r>
-          </a:p>
-          <a:p>
-            <a:pPr marL="169863" indent="-169863">
-              <a:spcBef>
-                <a:spcPct val="40000"/>
-              </a:spcBef>
-            </a:pPr>
-            <a:r>
-              <a:rPr lang="en-US" altLang="zh-CN" sz="800" i="0" dirty="0">
-                <a:latin typeface="Courier New" charset="0"/>
-                <a:ea typeface="宋体" pitchFamily="-65" charset="-128"/>
-                <a:cs typeface="Courier New" charset="0"/>
-              </a:rPr>
-              <a:t>    </a:t>
-            </a:r>
-            <a:r>
-              <a:rPr lang="en-US" altLang="zh-CN" sz="800" i="0" dirty="0" err="1">
-                <a:latin typeface="Courier New" charset="0"/>
-                <a:ea typeface="宋体" pitchFamily="-65" charset="-128"/>
-                <a:cs typeface="Courier New" charset="0"/>
-              </a:rPr>
-              <a:t>printf</a:t>
-            </a:r>
-            <a:r>
-              <a:rPr lang="en-US" altLang="zh-CN" sz="800" i="0" dirty="0">
-                <a:latin typeface="Courier New" charset="0"/>
-                <a:ea typeface="宋体" pitchFamily="-65" charset="-128"/>
-                <a:cs typeface="Courier New" charset="0"/>
-              </a:rPr>
-              <a:t> ("&lt;%s&gt; </a:t>
-            </a:r>
-            <a:r>
-              <a:rPr lang="en-US" altLang="zh-CN" sz="800" i="0" dirty="0" err="1">
-                <a:latin typeface="Courier New" charset="0"/>
-                <a:ea typeface="宋体" pitchFamily="-65" charset="-128"/>
-                <a:cs typeface="Courier New" charset="0"/>
-              </a:rPr>
-              <a:t>string_RawListener</a:t>
-            </a:r>
-            <a:r>
-              <a:rPr lang="en-US" altLang="zh-CN" sz="800" i="0" dirty="0">
-                <a:latin typeface="Courier New" charset="0"/>
-                <a:ea typeface="宋体" pitchFamily="-65" charset="-128"/>
-                <a:cs typeface="Courier New" charset="0"/>
-              </a:rPr>
-              <a:t>::</a:t>
-            </a:r>
-            <a:r>
-              <a:rPr lang="en-US" altLang="zh-CN" sz="800" i="0" dirty="0" err="1">
-                <a:latin typeface="Courier New" charset="0"/>
-                <a:ea typeface="宋体" pitchFamily="-65" charset="-128"/>
-                <a:cs typeface="Courier New" charset="0"/>
-              </a:rPr>
-              <a:t>on_data</a:t>
-            </a:r>
-            <a:r>
-              <a:rPr lang="en-US" altLang="zh-CN" sz="800" i="0" dirty="0">
-                <a:latin typeface="Courier New" charset="0"/>
-                <a:ea typeface="宋体" pitchFamily="-65" charset="-128"/>
-                <a:cs typeface="Courier New" charset="0"/>
-              </a:rPr>
-              <a:t> received &lt;%s&gt;\n", this-&gt;</a:t>
-            </a:r>
-            <a:r>
-              <a:rPr lang="en-US" altLang="zh-CN" sz="800" i="0" dirty="0" err="1">
-                <a:latin typeface="Courier New" charset="0"/>
-                <a:ea typeface="宋体" pitchFamily="-65" charset="-128"/>
-                <a:cs typeface="Courier New" charset="0"/>
-              </a:rPr>
-              <a:t>name_.c_str</a:t>
-            </a:r>
-            <a:r>
-              <a:rPr lang="en-US" altLang="zh-CN" sz="800" i="0" dirty="0">
-                <a:latin typeface="Courier New" charset="0"/>
-                <a:ea typeface="宋体" pitchFamily="-65" charset="-128"/>
-                <a:cs typeface="Courier New" charset="0"/>
-              </a:rPr>
-              <a:t> (), </a:t>
-            </a:r>
-            <a:r>
-              <a:rPr lang="en-US" altLang="zh-CN" sz="800" i="0" dirty="0" err="1">
-                <a:latin typeface="Courier New" charset="0"/>
-                <a:ea typeface="宋体" pitchFamily="-65" charset="-128"/>
-                <a:cs typeface="Courier New" charset="0"/>
-              </a:rPr>
-              <a:t>an_instance</a:t>
-            </a:r>
-            <a:r>
-              <a:rPr lang="en-US" altLang="zh-CN" sz="800" i="0" dirty="0">
-                <a:latin typeface="Courier New" charset="0"/>
-                <a:ea typeface="宋体" pitchFamily="-65" charset="-128"/>
-                <a:cs typeface="Courier New" charset="0"/>
-              </a:rPr>
-              <a:t>);</a:t>
-            </a:r>
-          </a:p>
-          <a:p>
-            <a:pPr marL="169863" indent="-169863">
-              <a:spcBef>
-                <a:spcPct val="40000"/>
-              </a:spcBef>
-            </a:pPr>
-            <a:r>
-              <a:rPr lang="en-US" altLang="zh-CN" sz="800" i="0" dirty="0">
-                <a:latin typeface="Courier New" charset="0"/>
-                <a:ea typeface="宋体" pitchFamily="-65" charset="-128"/>
-                <a:cs typeface="Courier New" charset="0"/>
-              </a:rPr>
-              <a:t>  }</a:t>
             </a:r>
           </a:p>
         </p:txBody>
@@ -19996,7 +19217,7 @@
       </p:grpSpPr>
       <p:sp>
         <p:nvSpPr>
-          <p:cNvPr id="284674" name="Title 4"/>
+          <p:cNvPr id="282626" name="Title 4"/>
           <p:cNvSpPr>
             <a:spLocks noGrp="1"/>
           </p:cNvSpPr>
@@ -20011,7 +19232,7 @@
           <a:p>
             <a:r>
               <a:rPr lang="en-US"/>
-              <a:t>Return the receptable to </a:t>
+              <a:t>Receiver IDL3</a:t>
             </a:r>
             <a:endParaRPr lang="nl-NL"/>
           </a:p>
@@ -20019,7 +19240,7 @@
       </p:sp>
       <p:sp>
         <p:nvSpPr>
-          <p:cNvPr id="284675" name="Rectangle 3"/>
+          <p:cNvPr id="282627" name="Rectangle 3"/>
           <p:cNvSpPr>
             <a:spLocks noChangeArrowheads="1"/>
           </p:cNvSpPr>
@@ -20065,7 +19286,7 @@
       </p:sp>
       <p:sp>
         <p:nvSpPr>
-          <p:cNvPr id="284676" name="Rectangle 3"/>
+          <p:cNvPr id="282628" name="Rectangle 3"/>
           <p:cNvSpPr>
             <a:spLocks noChangeArrowheads="1"/>
           </p:cNvSpPr>
@@ -20101,42 +19322,58 @@
               </a:spcBef>
             </a:pPr>
             <a:r>
-              <a:rPr lang="en-US" altLang="zh-CN" sz="800" i="0" dirty="0">
+              <a:rPr lang="en-US" altLang="zh-CN" sz="1400" i="0">
                 <a:latin typeface="Courier New" charset="0"/>
                 <a:ea typeface="宋体" pitchFamily="-65" charset="-128"/>
                 <a:cs typeface="Courier New" charset="0"/>
               </a:rPr>
-              <a:t>class </a:t>
-            </a:r>
-            <a:r>
-              <a:rPr lang="en-US" altLang="zh-CN" sz="800" i="0" dirty="0" err="1">
+              <a:t>module Hello_DDS</a:t>
+            </a:r>
+          </a:p>
+          <a:p>
+            <a:pPr marL="169863" indent="-169863">
+              <a:spcBef>
+                <a:spcPct val="40000"/>
+              </a:spcBef>
+            </a:pPr>
+            <a:r>
+              <a:rPr lang="en-US" altLang="zh-CN" sz="1400" i="0">
                 <a:latin typeface="Courier New" charset="0"/>
                 <a:ea typeface="宋体" pitchFamily="-65" charset="-128"/>
                 <a:cs typeface="Courier New" charset="0"/>
               </a:rPr>
-              <a:t>HELLO_RECEIVER_EXEC_Export</a:t>
-            </a:r>
-            <a:r>
-              <a:rPr lang="en-US" altLang="zh-CN" sz="800" i="0" dirty="0">
+              <a:t>{</a:t>
+            </a:r>
+          </a:p>
+          <a:p>
+            <a:pPr marL="169863" indent="-169863">
+              <a:spcBef>
+                <a:spcPct val="40000"/>
+              </a:spcBef>
+            </a:pPr>
+            <a:r>
+              <a:rPr lang="en-US" altLang="zh-CN" sz="1400" i="0">
                 <a:latin typeface="Courier New" charset="0"/>
                 <a:ea typeface="宋体" pitchFamily="-65" charset="-128"/>
                 <a:cs typeface="Courier New" charset="0"/>
               </a:rPr>
-              <a:t> </a:t>
-            </a:r>
-            <a:r>
-              <a:rPr lang="en-US" altLang="zh-CN" sz="800" i="0" dirty="0" err="1">
+              <a:t>  component Receiver</a:t>
+            </a:r>
+          </a:p>
+          <a:p>
+            <a:pPr marL="169863" indent="-169863">
+              <a:spcBef>
+                <a:spcPct val="40000"/>
+              </a:spcBef>
+            </a:pPr>
+            <a:r>
+              <a:rPr lang="en-US" altLang="zh-CN" sz="1400" i="0">
                 <a:latin typeface="Courier New" charset="0"/>
                 <a:ea typeface="宋体" pitchFamily="-65" charset="-128"/>
                 <a:cs typeface="Courier New" charset="0"/>
               </a:rPr>
-              <a:t>Receiver_exec_i</a:t>
-            </a:r>
-            <a:endParaRPr lang="en-US" altLang="zh-CN" sz="800" i="0" dirty="0">
-              <a:latin typeface="Courier New" charset="0"/>
-              <a:ea typeface="宋体" pitchFamily="-65" charset="-128"/>
-              <a:cs typeface="Courier New" charset="0"/>
-            </a:endParaRPr>
+              <a:t>  {</a:t>
+            </a:r>
           </a:p>
           <a:p>
             <a:pPr marL="169863" indent="-169863">
@@ -20145,28 +19382,42 @@
               </a:spcBef>
             </a:pPr>
             <a:r>
-              <a:rPr lang="en-US" altLang="zh-CN" sz="800" i="0" dirty="0">
+              <a:rPr lang="en-US" altLang="zh-CN" sz="1400" i="0">
                 <a:latin typeface="Courier New" charset="0"/>
                 <a:ea typeface="宋体" pitchFamily="-65" charset="-128"/>
                 <a:cs typeface="Courier New" charset="0"/>
               </a:rPr>
-              <a:t>  : public virtual </a:t>
-            </a:r>
-            <a:r>
-              <a:rPr lang="en-US" altLang="zh-CN" sz="800" i="0" dirty="0" err="1">
+              <a:t>    uses CCM_DDS::string_Reader read_message_data;</a:t>
+            </a:r>
+          </a:p>
+          <a:p>
+            <a:pPr marL="169863" indent="-169863">
+              <a:spcBef>
+                <a:spcPct val="40000"/>
+              </a:spcBef>
+            </a:pPr>
+            <a:r>
+              <a:rPr lang="en-US" altLang="zh-CN" sz="1400" i="0">
                 <a:latin typeface="Courier New" charset="0"/>
                 <a:ea typeface="宋体" pitchFamily="-65" charset="-128"/>
                 <a:cs typeface="Courier New" charset="0"/>
               </a:rPr>
-              <a:t>Receiver_Exec</a:t>
-            </a:r>
-            <a:r>
-              <a:rPr lang="en-US" altLang="zh-CN" sz="800" i="0" dirty="0">
+              <a:t>    uses CCM_DDS::ListenerControl read_message_control;</a:t>
+            </a:r>
+          </a:p>
+          <a:p>
+            <a:pPr marL="169863" indent="-169863">
+              <a:spcBef>
+                <a:spcPct val="40000"/>
+              </a:spcBef>
+            </a:pPr>
+            <a:r>
+              <a:rPr lang="en-US" altLang="zh-CN" sz="1400" i="0">
                 <a:latin typeface="Courier New" charset="0"/>
                 <a:ea typeface="宋体" pitchFamily="-65" charset="-128"/>
                 <a:cs typeface="Courier New" charset="0"/>
               </a:rPr>
-              <a:t>,</a:t>
+              <a:t>    provides CCM_DDS::string_RawListener read_message_listener;</a:t>
             </a:r>
           </a:p>
           <a:p>
@@ -20176,26 +19427,28 @@
               </a:spcBef>
             </a:pPr>
             <a:r>
-              <a:rPr lang="en-US" altLang="zh-CN" sz="800" i="0" dirty="0">
+              <a:rPr lang="en-US" altLang="zh-CN" sz="1400" i="0">
                 <a:latin typeface="Courier New" charset="0"/>
                 <a:ea typeface="宋体" pitchFamily="-65" charset="-128"/>
                 <a:cs typeface="Courier New" charset="0"/>
               </a:rPr>
-              <a:t>    public virtual ::CORBA::</a:t>
-            </a:r>
-            <a:r>
-              <a:rPr lang="en-US" altLang="zh-CN" sz="800" i="0" dirty="0" err="1">
+              <a:t>    uses DDS::DataReader read_message_dds_entity;</a:t>
+            </a:r>
+          </a:p>
+          <a:p>
+            <a:pPr marL="169863" indent="-169863">
+              <a:spcBef>
+                <a:spcPct val="40000"/>
+              </a:spcBef>
+            </a:pPr>
+            <a:r>
+              <a:rPr lang="en-US" altLang="zh-CN" sz="1400" i="0">
                 <a:latin typeface="Courier New" charset="0"/>
                 <a:ea typeface="宋体" pitchFamily="-65" charset="-128"/>
                 <a:cs typeface="Courier New" charset="0"/>
               </a:rPr>
-              <a:t>LocalObject</a:t>
-            </a:r>
-            <a:endParaRPr lang="en-US" altLang="zh-CN" sz="800" i="0" dirty="0">
-              <a:latin typeface="Courier New" charset="0"/>
-              <a:ea typeface="宋体" pitchFamily="-65" charset="-128"/>
-              <a:cs typeface="Courier New" charset="0"/>
-            </a:endParaRPr>
+              <a:t>    provides CCM_DDS::PortStatusListener read_message_status;</a:t>
+            </a:r>
           </a:p>
           <a:p>
             <a:pPr marL="169863" indent="-169863">
@@ -20204,350 +19457,12 @@
               </a:spcBef>
             </a:pPr>
             <a:r>
-              <a:rPr lang="en-US" altLang="zh-CN" sz="800" i="0" dirty="0">
+              <a:rPr lang="en-US" altLang="zh-CN" sz="1400" i="0">
                 <a:latin typeface="Courier New" charset="0"/>
                 <a:ea typeface="宋体" pitchFamily="-65" charset="-128"/>
                 <a:cs typeface="Courier New" charset="0"/>
               </a:rPr>
-              <a:t>{</a:t>
-            </a:r>
-          </a:p>
-          <a:p>
-            <a:pPr marL="169863" indent="-169863">
-              <a:spcBef>
-                <a:spcPct val="40000"/>
-              </a:spcBef>
-            </a:pPr>
-            <a:r>
-              <a:rPr lang="en-US" altLang="zh-CN" sz="800" i="0" dirty="0">
-                <a:latin typeface="Courier New" charset="0"/>
-                <a:ea typeface="宋体" pitchFamily="-65" charset="-128"/>
-                <a:cs typeface="Courier New" charset="0"/>
-              </a:rPr>
-              <a:t> virtual ::CCM_DDS::</a:t>
-            </a:r>
-            <a:r>
-              <a:rPr lang="en-US" altLang="zh-CN" sz="800" i="0" dirty="0" err="1">
-                <a:latin typeface="Courier New" charset="0"/>
-                <a:ea typeface="宋体" pitchFamily="-65" charset="-128"/>
-                <a:cs typeface="Courier New" charset="0"/>
-              </a:rPr>
-              <a:t>CCM_string_RawListener_ptr</a:t>
-            </a:r>
-            <a:endParaRPr lang="en-US" altLang="zh-CN" sz="800" i="0" dirty="0">
-              <a:latin typeface="Courier New" charset="0"/>
-              <a:ea typeface="宋体" pitchFamily="-65" charset="-128"/>
-              <a:cs typeface="Courier New" charset="0"/>
-            </a:endParaRPr>
-          </a:p>
-          <a:p>
-            <a:pPr marL="169863" indent="-169863">
-              <a:spcBef>
-                <a:spcPct val="40000"/>
-              </a:spcBef>
-            </a:pPr>
-            <a:r>
-              <a:rPr lang="en-US" altLang="zh-CN" sz="800" i="0" dirty="0">
-                <a:latin typeface="Courier New" charset="0"/>
-                <a:ea typeface="宋体" pitchFamily="-65" charset="-128"/>
-                <a:cs typeface="Courier New" charset="0"/>
-              </a:rPr>
-              <a:t>    </a:t>
-            </a:r>
-            <a:r>
-              <a:rPr lang="en-US" altLang="zh-CN" sz="800" i="0" dirty="0" err="1">
-                <a:latin typeface="Courier New" charset="0"/>
-                <a:ea typeface="宋体" pitchFamily="-65" charset="-128"/>
-                <a:cs typeface="Courier New" charset="0"/>
-              </a:rPr>
-              <a:t>get_read_message_listener</a:t>
-            </a:r>
-            <a:r>
-              <a:rPr lang="en-US" altLang="zh-CN" sz="800" i="0" dirty="0">
-                <a:latin typeface="Courier New" charset="0"/>
-                <a:ea typeface="宋体" pitchFamily="-65" charset="-128"/>
-                <a:cs typeface="Courier New" charset="0"/>
-              </a:rPr>
-              <a:t> (void);</a:t>
-            </a:r>
-          </a:p>
-          <a:p>
-            <a:pPr marL="169863" indent="-169863">
-              <a:spcBef>
-                <a:spcPct val="40000"/>
-              </a:spcBef>
-            </a:pPr>
-            <a:endParaRPr lang="en-US" altLang="zh-CN" sz="800" i="0" dirty="0">
-              <a:latin typeface="Courier New" charset="0"/>
-              <a:ea typeface="宋体" pitchFamily="-65" charset="-128"/>
-              <a:cs typeface="Courier New" charset="0"/>
-            </a:endParaRPr>
-          </a:p>
-          <a:p>
-            <a:pPr marL="169863" indent="-169863">
-              <a:spcBef>
-                <a:spcPct val="40000"/>
-              </a:spcBef>
-            </a:pPr>
-            <a:r>
-              <a:rPr lang="en-US" altLang="zh-CN" sz="800" i="0" dirty="0">
-                <a:latin typeface="Courier New" charset="0"/>
-                <a:ea typeface="宋体" pitchFamily="-65" charset="-128"/>
-                <a:cs typeface="Courier New" charset="0"/>
-              </a:rPr>
-              <a:t>  virtual ::CCM_DDS::</a:t>
-            </a:r>
-            <a:r>
-              <a:rPr lang="en-US" altLang="zh-CN" sz="800" i="0" dirty="0" err="1">
-                <a:latin typeface="Courier New" charset="0"/>
-                <a:ea typeface="宋体" pitchFamily="-65" charset="-128"/>
-                <a:cs typeface="Courier New" charset="0"/>
-              </a:rPr>
-              <a:t>CCM_PortStatusListener_ptr</a:t>
-            </a:r>
-            <a:endParaRPr lang="en-US" altLang="zh-CN" sz="800" i="0" dirty="0">
-              <a:latin typeface="Courier New" charset="0"/>
-              <a:ea typeface="宋体" pitchFamily="-65" charset="-128"/>
-              <a:cs typeface="Courier New" charset="0"/>
-            </a:endParaRPr>
-          </a:p>
-          <a:p>
-            <a:pPr marL="169863" indent="-169863">
-              <a:spcBef>
-                <a:spcPct val="40000"/>
-              </a:spcBef>
-            </a:pPr>
-            <a:r>
-              <a:rPr lang="en-US" altLang="zh-CN" sz="800" i="0" dirty="0">
-                <a:latin typeface="Courier New" charset="0"/>
-                <a:ea typeface="宋体" pitchFamily="-65" charset="-128"/>
-                <a:cs typeface="Courier New" charset="0"/>
-              </a:rPr>
-              <a:t>    </a:t>
-            </a:r>
-            <a:r>
-              <a:rPr lang="en-US" altLang="zh-CN" sz="800" i="0" dirty="0" err="1">
-                <a:latin typeface="Courier New" charset="0"/>
-                <a:ea typeface="宋体" pitchFamily="-65" charset="-128"/>
-                <a:cs typeface="Courier New" charset="0"/>
-              </a:rPr>
-              <a:t>get_read_message_status</a:t>
-            </a:r>
-            <a:r>
-              <a:rPr lang="en-US" altLang="zh-CN" sz="800" i="0" dirty="0">
-                <a:latin typeface="Courier New" charset="0"/>
-                <a:ea typeface="宋体" pitchFamily="-65" charset="-128"/>
-                <a:cs typeface="Courier New" charset="0"/>
-              </a:rPr>
-              <a:t> (void);</a:t>
-            </a:r>
-          </a:p>
-          <a:p>
-            <a:pPr marL="169863" indent="-169863">
-              <a:spcBef>
-                <a:spcPct val="40000"/>
-              </a:spcBef>
-            </a:pPr>
-            <a:endParaRPr lang="en-US" altLang="zh-CN" sz="800" i="0" dirty="0" smtClean="0">
-              <a:latin typeface="Courier New" charset="0"/>
-              <a:ea typeface="宋体" pitchFamily="-65" charset="-128"/>
-              <a:cs typeface="Courier New" charset="0"/>
-            </a:endParaRPr>
-          </a:p>
-          <a:p>
-            <a:pPr marL="169863" indent="-169863">
-              <a:spcBef>
-                <a:spcPct val="40000"/>
-              </a:spcBef>
-            </a:pPr>
-            <a:r>
-              <a:rPr lang="en-US" altLang="zh-CN" sz="800" i="0" dirty="0" smtClean="0">
-                <a:latin typeface="Courier New" charset="0"/>
-                <a:ea typeface="宋体" pitchFamily="-65" charset="-128"/>
-                <a:cs typeface="Courier New" charset="0"/>
-              </a:rPr>
-              <a:t> </a:t>
-            </a:r>
-            <a:r>
-              <a:rPr lang="en-US" altLang="zh-CN" sz="800" i="0" dirty="0" smtClean="0">
-                <a:latin typeface="Courier New" charset="0"/>
-                <a:ea typeface="宋体" pitchFamily="-65" charset="-128"/>
-                <a:cs typeface="Courier New" charset="0"/>
-              </a:rPr>
-              <a:t> ….</a:t>
-            </a:r>
-            <a:endParaRPr lang="en-US" altLang="zh-CN" sz="800" i="0" dirty="0">
-              <a:latin typeface="Courier New" charset="0"/>
-              <a:ea typeface="宋体" pitchFamily="-65" charset="-128"/>
-              <a:cs typeface="Courier New" charset="0"/>
-            </a:endParaRPr>
-          </a:p>
-          <a:p>
-            <a:pPr marL="169863" indent="-169863">
-              <a:spcBef>
-                <a:spcPct val="40000"/>
-              </a:spcBef>
-            </a:pPr>
-            <a:r>
-              <a:rPr lang="en-US" altLang="zh-CN" sz="800" i="0" dirty="0" smtClean="0">
-                <a:latin typeface="Courier New" charset="0"/>
-                <a:ea typeface="宋体" pitchFamily="-65" charset="-128"/>
-                <a:cs typeface="Courier New" charset="0"/>
-              </a:rPr>
               <a:t>};</a:t>
-            </a:r>
-            <a:endParaRPr lang="en-US" altLang="zh-CN" sz="800" i="0" dirty="0">
-              <a:latin typeface="Courier New" charset="0"/>
-              <a:ea typeface="宋体" pitchFamily="-65" charset="-128"/>
-              <a:cs typeface="Courier New" charset="0"/>
-            </a:endParaRPr>
-          </a:p>
-          <a:p>
-            <a:pPr marL="169863" indent="-169863">
-              <a:spcBef>
-                <a:spcPct val="40000"/>
-              </a:spcBef>
-            </a:pPr>
-            <a:endParaRPr lang="en-US" altLang="zh-CN" sz="800" i="0" dirty="0">
-              <a:latin typeface="Courier New" charset="0"/>
-              <a:ea typeface="宋体" pitchFamily="-65" charset="-128"/>
-              <a:cs typeface="Courier New" charset="0"/>
-            </a:endParaRPr>
-          </a:p>
-          <a:p>
-            <a:pPr marL="169863" indent="-169863">
-              <a:spcBef>
-                <a:spcPct val="40000"/>
-              </a:spcBef>
-            </a:pPr>
-            <a:r>
-              <a:rPr lang="en-US" altLang="zh-CN" sz="800" i="0" dirty="0">
-                <a:latin typeface="Courier New" charset="0"/>
-                <a:ea typeface="宋体" pitchFamily="-65" charset="-128"/>
-                <a:cs typeface="Courier New" charset="0"/>
-              </a:rPr>
-              <a:t> ::CCM_DDS::</a:t>
-            </a:r>
-            <a:r>
-              <a:rPr lang="en-US" altLang="zh-CN" sz="800" i="0" dirty="0" err="1">
-                <a:latin typeface="Courier New" charset="0"/>
-                <a:ea typeface="宋体" pitchFamily="-65" charset="-128"/>
-                <a:cs typeface="Courier New" charset="0"/>
-              </a:rPr>
-              <a:t>CCM_string_RawListener_ptr</a:t>
-            </a:r>
-            <a:endParaRPr lang="en-US" altLang="zh-CN" sz="800" i="0" dirty="0">
-              <a:latin typeface="Courier New" charset="0"/>
-              <a:ea typeface="宋体" pitchFamily="-65" charset="-128"/>
-              <a:cs typeface="Courier New" charset="0"/>
-            </a:endParaRPr>
-          </a:p>
-          <a:p>
-            <a:pPr marL="169863" indent="-169863">
-              <a:spcBef>
-                <a:spcPct val="40000"/>
-              </a:spcBef>
-            </a:pPr>
-            <a:r>
-              <a:rPr lang="en-US" altLang="zh-CN" sz="800" i="0" dirty="0">
-                <a:latin typeface="Courier New" charset="0"/>
-                <a:ea typeface="宋体" pitchFamily="-65" charset="-128"/>
-                <a:cs typeface="Courier New" charset="0"/>
-              </a:rPr>
-              <a:t>  </a:t>
-            </a:r>
-            <a:r>
-              <a:rPr lang="en-US" altLang="zh-CN" sz="800" i="0" dirty="0" err="1">
-                <a:latin typeface="Courier New" charset="0"/>
-                <a:ea typeface="宋体" pitchFamily="-65" charset="-128"/>
-                <a:cs typeface="Courier New" charset="0"/>
-              </a:rPr>
-              <a:t>Receiver_exec_i</a:t>
-            </a:r>
-            <a:r>
-              <a:rPr lang="en-US" altLang="zh-CN" sz="800" i="0" dirty="0">
-                <a:latin typeface="Courier New" charset="0"/>
-                <a:ea typeface="宋体" pitchFamily="-65" charset="-128"/>
-                <a:cs typeface="Courier New" charset="0"/>
-              </a:rPr>
-              <a:t>::</a:t>
-            </a:r>
-            <a:r>
-              <a:rPr lang="en-US" altLang="zh-CN" sz="800" i="0" dirty="0" err="1">
-                <a:latin typeface="Courier New" charset="0"/>
-                <a:ea typeface="宋体" pitchFamily="-65" charset="-128"/>
-                <a:cs typeface="Courier New" charset="0"/>
-              </a:rPr>
-              <a:t>get_read_message_listener</a:t>
-            </a:r>
-            <a:r>
-              <a:rPr lang="en-US" altLang="zh-CN" sz="800" i="0" dirty="0">
-                <a:latin typeface="Courier New" charset="0"/>
-                <a:ea typeface="宋体" pitchFamily="-65" charset="-128"/>
-                <a:cs typeface="Courier New" charset="0"/>
-              </a:rPr>
-              <a:t> (void)</a:t>
-            </a:r>
-          </a:p>
-          <a:p>
-            <a:pPr marL="169863" indent="-169863">
-              <a:spcBef>
-                <a:spcPct val="40000"/>
-              </a:spcBef>
-            </a:pPr>
-            <a:r>
-              <a:rPr lang="en-US" altLang="zh-CN" sz="800" i="0" dirty="0">
-                <a:latin typeface="Courier New" charset="0"/>
-                <a:ea typeface="宋体" pitchFamily="-65" charset="-128"/>
-                <a:cs typeface="Courier New" charset="0"/>
-              </a:rPr>
-              <a:t>  {</a:t>
-            </a:r>
-          </a:p>
-          <a:p>
-            <a:pPr marL="169863" indent="-169863">
-              <a:spcBef>
-                <a:spcPct val="40000"/>
-              </a:spcBef>
-            </a:pPr>
-            <a:r>
-              <a:rPr lang="en-US" altLang="zh-CN" sz="800" i="0" dirty="0">
-                <a:latin typeface="Courier New" charset="0"/>
-                <a:ea typeface="宋体" pitchFamily="-65" charset="-128"/>
-                <a:cs typeface="Courier New" charset="0"/>
-              </a:rPr>
-              <a:t>    return new </a:t>
-            </a:r>
-            <a:r>
-              <a:rPr lang="en-US" altLang="zh-CN" sz="800" i="0" dirty="0" err="1">
-                <a:latin typeface="Courier New" charset="0"/>
-                <a:ea typeface="宋体" pitchFamily="-65" charset="-128"/>
-                <a:cs typeface="Courier New" charset="0"/>
-              </a:rPr>
-              <a:t>string_RawListener_exec_i</a:t>
-            </a:r>
-            <a:r>
-              <a:rPr lang="en-US" altLang="zh-CN" sz="800" i="0" dirty="0">
-                <a:latin typeface="Courier New" charset="0"/>
-                <a:ea typeface="宋体" pitchFamily="-65" charset="-128"/>
-                <a:cs typeface="Courier New" charset="0"/>
-              </a:rPr>
-              <a:t> (this-&gt;received_, this-&gt;name_);</a:t>
-            </a:r>
-          </a:p>
-          <a:p>
-            <a:pPr marL="169863" indent="-169863">
-              <a:spcBef>
-                <a:spcPct val="40000"/>
-              </a:spcBef>
-            </a:pPr>
-            <a:r>
-              <a:rPr lang="en-US" altLang="zh-CN" sz="800" i="0" dirty="0">
-                <a:latin typeface="Courier New" charset="0"/>
-                <a:ea typeface="宋体" pitchFamily="-65" charset="-128"/>
-                <a:cs typeface="Courier New" charset="0"/>
-              </a:rPr>
-              <a:t>  }</a:t>
             </a:r>
           </a:p>
         </p:txBody>
@@ -20586,64 +19501,30 @@
       </p:grpSpPr>
       <p:sp>
         <p:nvSpPr>
-          <p:cNvPr id="286722" name="Rectangle 2"/>
+          <p:cNvPr id="283650" name="Title 4"/>
           <p:cNvSpPr>
-            <a:spLocks noChangeArrowheads="1"/>
+            <a:spLocks noGrp="1"/>
           </p:cNvSpPr>
-          <p:nvPr/>
+          <p:nvPr>
+            <p:ph type="title"/>
+          </p:nvPr>
         </p:nvSpPr>
-        <p:spPr bwMode="auto">
-          <a:xfrm>
-            <a:off x="0" y="542925"/>
-            <a:ext cx="9144000" cy="381000"/>
-          </a:xfrm>
-          <a:prstGeom prst="rect">
-            <a:avLst/>
-          </a:prstGeom>
-          <a:noFill/>
-          <a:ln w="9525">
-            <a:noFill/>
-            <a:miter lim="800000"/>
-            <a:headEnd/>
-            <a:tailEnd/>
-          </a:ln>
-        </p:spPr>
+        <p:spPr/>
         <p:txBody>
-          <a:bodyPr anchor="ctr">
-            <a:prstTxWarp prst="textNoShape">
-              <a:avLst/>
-            </a:prstTxWarp>
-          </a:bodyPr>
+          <a:bodyPr/>
           <a:lstStyle/>
           <a:p>
-            <a:pPr algn="ctr">
-              <a:spcBef>
-                <a:spcPct val="0"/>
-              </a:spcBef>
-            </a:pPr>
-            <a:r>
-              <a:rPr lang="en-US" altLang="zh-CN" sz="3200" i="0" dirty="0" smtClean="0">
-                <a:solidFill>
-                  <a:srgbClr val="FF0000"/>
-                </a:solidFill>
-                <a:ea typeface="宋体" pitchFamily="-65" charset="-128"/>
-                <a:cs typeface="宋体" pitchFamily="-65" charset="-128"/>
-              </a:rPr>
-              <a:t>Prototype</a:t>
-            </a:r>
-            <a:endParaRPr lang="en-US" altLang="zh-CN" sz="3200" i="0" dirty="0">
-              <a:solidFill>
-                <a:srgbClr val="FF0000"/>
-              </a:solidFill>
-              <a:ea typeface="宋体" pitchFamily="-65" charset="-128"/>
-              <a:cs typeface="宋体" pitchFamily="-65" charset="-128"/>
-            </a:endParaRPr>
+            <a:r>
+              <a:rPr lang="en-US"/>
+              <a:t>Implement the RawListener</a:t>
+            </a:r>
+            <a:endParaRPr lang="nl-NL"/>
           </a:p>
         </p:txBody>
       </p:sp>
       <p:sp>
         <p:nvSpPr>
-          <p:cNvPr id="286723" name="Rectangle 3"/>
+          <p:cNvPr id="283651" name="Rectangle 3"/>
           <p:cNvSpPr>
             <a:spLocks noChangeArrowheads="1"/>
           </p:cNvSpPr>
@@ -20689,7 +19570,7 @@
       </p:sp>
       <p:sp>
         <p:nvSpPr>
-          <p:cNvPr id="286724" name="Rectangle 4"/>
+          <p:cNvPr id="283652" name="Rectangle 3"/>
           <p:cNvSpPr>
             <a:spLocks noChangeArrowheads="1"/>
           </p:cNvSpPr>
@@ -20723,31 +19604,74 @@
               <a:spcBef>
                 <a:spcPct val="40000"/>
               </a:spcBef>
-              <a:buFontTx/>
-              <a:buChar char="•"/>
-            </a:pPr>
-            <a:r>
-              <a:rPr lang="en-US" altLang="zh-CN" sz="2000" i="0" dirty="0" smtClean="0">
+            </a:pPr>
+            <a:r>
+              <a:rPr lang="en-US" altLang="zh-CN" sz="800" i="0" dirty="0">
+                <a:latin typeface="Courier New" charset="0"/>
                 <a:ea typeface="宋体" pitchFamily="-65" charset="-128"/>
-                <a:cs typeface="Times New Roman" charset="0"/>
-              </a:rPr>
-              <a:t>$CIAO_ROOT/connectors/dds4ccm/examples/Hello</a:t>
-            </a:r>
+                <a:cs typeface="Courier New" charset="0"/>
+              </a:rPr>
+              <a:t> class </a:t>
+            </a:r>
+            <a:r>
+              <a:rPr lang="en-US" altLang="zh-CN" sz="800" i="0" dirty="0" err="1">
+                <a:latin typeface="Courier New" charset="0"/>
+                <a:ea typeface="宋体" pitchFamily="-65" charset="-128"/>
+                <a:cs typeface="Courier New" charset="0"/>
+              </a:rPr>
+              <a:t>HELLO_RECEIVER_EXEC_Export</a:t>
+            </a:r>
+            <a:r>
+              <a:rPr lang="en-US" altLang="zh-CN" sz="800" i="0" dirty="0">
+                <a:latin typeface="Courier New" charset="0"/>
+                <a:ea typeface="宋体" pitchFamily="-65" charset="-128"/>
+                <a:cs typeface="Courier New" charset="0"/>
+              </a:rPr>
+              <a:t> </a:t>
+            </a:r>
+            <a:r>
+              <a:rPr lang="en-US" altLang="zh-CN" sz="800" i="0" dirty="0" err="1">
+                <a:latin typeface="Courier New" charset="0"/>
+                <a:ea typeface="宋体" pitchFamily="-65" charset="-128"/>
+                <a:cs typeface="Courier New" charset="0"/>
+              </a:rPr>
+              <a:t>string_RawListener_exec_i</a:t>
+            </a:r>
+            <a:endParaRPr lang="en-US" altLang="zh-CN" sz="800" i="0" dirty="0">
+              <a:latin typeface="Courier New" charset="0"/>
+              <a:ea typeface="宋体" pitchFamily="-65" charset="-128"/>
+              <a:cs typeface="Courier New" charset="0"/>
+            </a:endParaRPr>
           </a:p>
           <a:p>
             <a:pPr marL="169863" indent="-169863">
               <a:spcBef>
                 <a:spcPct val="40000"/>
               </a:spcBef>
-              <a:buFontTx/>
-              <a:buChar char="•"/>
-            </a:pPr>
-            <a:r>
-              <a:rPr lang="en-US" altLang="zh-CN" sz="2000" i="0" dirty="0" smtClean="0">
+            </a:pPr>
+            <a:r>
+              <a:rPr lang="en-US" altLang="zh-CN" sz="800" i="0" dirty="0">
+                <a:latin typeface="Courier New" charset="0"/>
                 <a:ea typeface="宋体" pitchFamily="-65" charset="-128"/>
-                <a:cs typeface="Times New Roman" charset="0"/>
-              </a:rPr>
-              <a:t>Sender/Receiver components</a:t>
+                <a:cs typeface="Courier New" charset="0"/>
+              </a:rPr>
+              <a:t>    : public virtual ::CCM_DDS::</a:t>
+            </a:r>
+            <a:r>
+              <a:rPr lang="en-US" altLang="zh-CN" sz="800" i="0" dirty="0" err="1">
+                <a:latin typeface="Courier New" charset="0"/>
+                <a:ea typeface="宋体" pitchFamily="-65" charset="-128"/>
+                <a:cs typeface="Courier New" charset="0"/>
+              </a:rPr>
+              <a:t>CCM_string_RawListener</a:t>
+            </a:r>
+            <a:r>
+              <a:rPr lang="en-US" altLang="zh-CN" sz="800" i="0" dirty="0">
+                <a:latin typeface="Courier New" charset="0"/>
+                <a:ea typeface="宋体" pitchFamily="-65" charset="-128"/>
+                <a:cs typeface="Courier New" charset="0"/>
+              </a:rPr>
+              <a:t>,</a:t>
             </a:r>
           </a:p>
           <a:p>
@@ -20755,31 +19679,42 @@
               <a:spcBef>
                 <a:spcPct val="40000"/>
               </a:spcBef>
-              <a:buFontTx/>
-              <a:buChar char="•"/>
-            </a:pPr>
-            <a:r>
-              <a:rPr lang="en-US" altLang="zh-CN" sz="2000" i="0" dirty="0" smtClean="0">
+            </a:pPr>
+            <a:r>
+              <a:rPr lang="en-US" altLang="zh-CN" sz="800" i="0" dirty="0">
+                <a:latin typeface="Courier New" charset="0"/>
                 <a:ea typeface="宋体" pitchFamily="-65" charset="-128"/>
-                <a:cs typeface="Times New Roman" charset="0"/>
-              </a:rPr>
-              <a:t>DDS Sender/ DDS Receiver</a:t>
-            </a:r>
+                <a:cs typeface="Courier New" charset="0"/>
+              </a:rPr>
+              <a:t>      public virtual ::CORBA::</a:t>
+            </a:r>
+            <a:r>
+              <a:rPr lang="en-US" altLang="zh-CN" sz="800" i="0" dirty="0" err="1">
+                <a:latin typeface="Courier New" charset="0"/>
+                <a:ea typeface="宋体" pitchFamily="-65" charset="-128"/>
+                <a:cs typeface="Courier New" charset="0"/>
+              </a:rPr>
+              <a:t>LocalObject</a:t>
+            </a:r>
+            <a:endParaRPr lang="en-US" altLang="zh-CN" sz="800" i="0" dirty="0">
+              <a:latin typeface="Courier New" charset="0"/>
+              <a:ea typeface="宋体" pitchFamily="-65" charset="-128"/>
+              <a:cs typeface="Courier New" charset="0"/>
+            </a:endParaRPr>
           </a:p>
           <a:p>
             <a:pPr marL="169863" indent="-169863">
               <a:spcBef>
                 <a:spcPct val="40000"/>
               </a:spcBef>
-              <a:buFontTx/>
-              <a:buChar char="•"/>
-            </a:pPr>
-            <a:r>
-              <a:rPr lang="en-US" altLang="zh-CN" sz="2000" i="0" dirty="0" smtClean="0">
+            </a:pPr>
+            <a:r>
+              <a:rPr lang="en-US" altLang="zh-CN" sz="800" i="0" dirty="0">
+                <a:latin typeface="Courier New" charset="0"/>
                 <a:ea typeface="宋体" pitchFamily="-65" charset="-128"/>
-                <a:cs typeface="Times New Roman" charset="0"/>
-              </a:rPr>
-              <a:t>DDS Sender/Receiver connectors</a:t>
+                <a:cs typeface="Courier New" charset="0"/>
+              </a:rPr>
+              <a:t>  {</a:t>
             </a:r>
           </a:p>
           <a:p>
@@ -20787,84 +19722,617 @@
               <a:spcBef>
                 <a:spcPct val="40000"/>
               </a:spcBef>
-              <a:buFontTx/>
-              <a:buChar char="•"/>
-            </a:pPr>
-            <a:r>
-              <a:rPr lang="en-US" altLang="zh-CN" sz="2000" i="0" dirty="0" smtClean="0">
+            </a:pPr>
+            <a:r>
+              <a:rPr lang="en-US" altLang="zh-CN" sz="800" i="0" dirty="0">
+                <a:latin typeface="Courier New" charset="0"/>
                 <a:ea typeface="宋体" pitchFamily="-65" charset="-128"/>
-                <a:cs typeface="Times New Roman" charset="0"/>
-              </a:rPr>
-              <a:t>Multiple deployment plans	</a:t>
-            </a:r>
-          </a:p>
-          <a:p>
-            <a:pPr marL="627063" lvl="1" indent="-169863">
+                <a:cs typeface="Courier New" charset="0"/>
+              </a:rPr>
+              <a:t>  public:</a:t>
+            </a:r>
+          </a:p>
+          <a:p>
+            <a:pPr marL="169863" indent="-169863">
               <a:spcBef>
                 <a:spcPct val="40000"/>
               </a:spcBef>
-              <a:buFontTx/>
-              <a:buChar char="•"/>
-            </a:pPr>
-            <a:r>
-              <a:rPr lang="en-US" altLang="zh-CN" sz="2000" i="0" dirty="0" smtClean="0">
+            </a:pPr>
+            <a:r>
+              <a:rPr lang="en-US" altLang="zh-CN" sz="800" i="0" dirty="0">
+                <a:latin typeface="Courier New" charset="0"/>
                 <a:ea typeface="宋体" pitchFamily="-65" charset="-128"/>
-                <a:cs typeface="Times New Roman" charset="0"/>
-              </a:rPr>
-              <a:t>1 Sender – 1 Receiver</a:t>
-            </a:r>
-          </a:p>
-          <a:p>
-            <a:pPr marL="627063" lvl="1" indent="-169863">
+                <a:cs typeface="Courier New" charset="0"/>
+              </a:rPr>
+              <a:t>    </a:t>
+            </a:r>
+            <a:r>
+              <a:rPr lang="en-US" altLang="zh-CN" sz="800" i="0" dirty="0" err="1">
+                <a:latin typeface="Courier New" charset="0"/>
+                <a:ea typeface="宋体" pitchFamily="-65" charset="-128"/>
+                <a:cs typeface="Courier New" charset="0"/>
+              </a:rPr>
+              <a:t>string_RawListener_exec_i</a:t>
+            </a:r>
+            <a:r>
+              <a:rPr lang="en-US" altLang="zh-CN" sz="800" i="0" dirty="0">
+                <a:latin typeface="Courier New" charset="0"/>
+                <a:ea typeface="宋体" pitchFamily="-65" charset="-128"/>
+                <a:cs typeface="Courier New" charset="0"/>
+              </a:rPr>
+              <a:t> (</a:t>
+            </a:r>
+            <a:r>
+              <a:rPr lang="en-US" altLang="zh-CN" sz="800" i="0" dirty="0" err="1">
+                <a:latin typeface="Courier New" charset="0"/>
+                <a:ea typeface="宋体" pitchFamily="-65" charset="-128"/>
+                <a:cs typeface="Courier New" charset="0"/>
+              </a:rPr>
+              <a:t>Atomic_ULong</a:t>
+            </a:r>
+            <a:r>
+              <a:rPr lang="en-US" altLang="zh-CN" sz="800" i="0" dirty="0">
+                <a:latin typeface="Courier New" charset="0"/>
+                <a:ea typeface="宋体" pitchFamily="-65" charset="-128"/>
+                <a:cs typeface="Courier New" charset="0"/>
+              </a:rPr>
+              <a:t> &amp;,</a:t>
+            </a:r>
+          </a:p>
+          <a:p>
+            <a:pPr marL="169863" indent="-169863">
               <a:spcBef>
                 <a:spcPct val="40000"/>
               </a:spcBef>
-              <a:buFontTx/>
-              <a:buChar char="•"/>
-            </a:pPr>
-            <a:r>
-              <a:rPr lang="en-US" altLang="zh-CN" sz="2000" i="0" dirty="0" smtClean="0">
+            </a:pPr>
+            <a:r>
+              <a:rPr lang="en-US" altLang="zh-CN" sz="800" i="0" dirty="0">
+                <a:latin typeface="Courier New" charset="0"/>
                 <a:ea typeface="宋体" pitchFamily="-65" charset="-128"/>
-                <a:cs typeface="Times New Roman" charset="0"/>
-              </a:rPr>
-              <a:t>1 Sender – 5 Receivers</a:t>
-            </a:r>
-          </a:p>
-          <a:p>
-            <a:pPr marL="627063" lvl="1" indent="-169863">
+                <a:cs typeface="Courier New" charset="0"/>
+              </a:rPr>
+              <a:t>                               const </a:t>
+            </a:r>
+            <a:r>
+              <a:rPr lang="en-US" altLang="zh-CN" sz="800" i="0" dirty="0" err="1">
+                <a:latin typeface="Courier New" charset="0"/>
+                <a:ea typeface="宋体" pitchFamily="-65" charset="-128"/>
+                <a:cs typeface="Courier New" charset="0"/>
+              </a:rPr>
+              <a:t>ACE_CString</a:t>
+            </a:r>
+            <a:r>
+              <a:rPr lang="en-US" altLang="zh-CN" sz="800" i="0" dirty="0">
+                <a:latin typeface="Courier New" charset="0"/>
+                <a:ea typeface="宋体" pitchFamily="-65" charset="-128"/>
+                <a:cs typeface="Courier New" charset="0"/>
+              </a:rPr>
+              <a:t> &amp;);</a:t>
+            </a:r>
+          </a:p>
+          <a:p>
+            <a:pPr marL="169863" indent="-169863">
               <a:spcBef>
                 <a:spcPct val="40000"/>
               </a:spcBef>
-              <a:buFontTx/>
-              <a:buChar char="•"/>
-            </a:pPr>
-            <a:r>
-              <a:rPr lang="en-US" altLang="zh-CN" sz="2000" i="0" dirty="0" smtClean="0">
+            </a:pPr>
+            <a:r>
+              <a:rPr lang="en-US" altLang="zh-CN" sz="800" i="0" dirty="0">
+                <a:latin typeface="Courier New" charset="0"/>
                 <a:ea typeface="宋体" pitchFamily="-65" charset="-128"/>
-                <a:cs typeface="Times New Roman" charset="0"/>
-              </a:rPr>
-              <a:t>5 Senders – 1 Receiver</a:t>
-            </a:r>
-          </a:p>
-          <a:p>
-            <a:pPr marL="627063" lvl="1" indent="-169863">
+                <a:cs typeface="Courier New" charset="0"/>
+              </a:rPr>
+              <a:t>    virtual ~</a:t>
+            </a:r>
+            <a:r>
+              <a:rPr lang="en-US" altLang="zh-CN" sz="800" i="0" dirty="0" err="1">
+                <a:latin typeface="Courier New" charset="0"/>
+                <a:ea typeface="宋体" pitchFamily="-65" charset="-128"/>
+                <a:cs typeface="Courier New" charset="0"/>
+              </a:rPr>
+              <a:t>string_RawListener_exec_i</a:t>
+            </a:r>
+            <a:r>
+              <a:rPr lang="en-US" altLang="zh-CN" sz="800" i="0" dirty="0">
+                <a:latin typeface="Courier New" charset="0"/>
+                <a:ea typeface="宋体" pitchFamily="-65" charset="-128"/>
+                <a:cs typeface="Courier New" charset="0"/>
+              </a:rPr>
+              <a:t> (void);</a:t>
+            </a:r>
+          </a:p>
+          <a:p>
+            <a:pPr marL="169863" indent="-169863">
               <a:spcBef>
                 <a:spcPct val="40000"/>
               </a:spcBef>
-              <a:buFontTx/>
-              <a:buChar char="•"/>
-            </a:pPr>
-            <a:r>
-              <a:rPr lang="en-US" altLang="zh-CN" sz="2000" i="0" dirty="0" smtClean="0">
+            </a:pPr>
+            <a:endParaRPr lang="en-US" altLang="zh-CN" sz="800" i="0" dirty="0">
+              <a:latin typeface="Courier New" charset="0"/>
+              <a:ea typeface="宋体" pitchFamily="-65" charset="-128"/>
+              <a:cs typeface="Courier New" charset="0"/>
+            </a:endParaRPr>
+          </a:p>
+          <a:p>
+            <a:pPr marL="169863" indent="-169863">
+              <a:spcBef>
+                <a:spcPct val="40000"/>
+              </a:spcBef>
+            </a:pPr>
+            <a:r>
+              <a:rPr lang="en-US" altLang="zh-CN" sz="800" i="0" dirty="0" smtClean="0">
+                <a:latin typeface="Courier New" charset="0"/>
                 <a:ea typeface="宋体" pitchFamily="-65" charset="-128"/>
-                <a:cs typeface="Times New Roman" charset="0"/>
-              </a:rPr>
-              <a:t>5 Senders – 5 Receivers</a:t>
-            </a:r>
-            <a:endParaRPr lang="en-US" altLang="zh-CN" sz="2000" i="0" dirty="0">
+                <a:cs typeface="Courier New" charset="0"/>
+              </a:rPr>
+              <a:t>  </a:t>
+            </a:r>
+            <a:r>
+              <a:rPr lang="en-US" altLang="zh-CN" sz="800" i="0" dirty="0">
+                <a:latin typeface="Courier New" charset="0"/>
+                <a:ea typeface="宋体" pitchFamily="-65" charset="-128"/>
+                <a:cs typeface="Courier New" charset="0"/>
+              </a:rPr>
+              <a:t>virtual void</a:t>
+            </a:r>
+          </a:p>
+          <a:p>
+            <a:pPr marL="169863" indent="-169863">
+              <a:spcBef>
+                <a:spcPct val="40000"/>
+              </a:spcBef>
+            </a:pPr>
+            <a:r>
+              <a:rPr lang="en-US" altLang="zh-CN" sz="800" i="0" dirty="0">
+                <a:latin typeface="Courier New" charset="0"/>
+                <a:ea typeface="宋体" pitchFamily="-65" charset="-128"/>
+                <a:cs typeface="Courier New" charset="0"/>
+              </a:rPr>
+              <a:t>  </a:t>
+            </a:r>
+            <a:r>
+              <a:rPr lang="en-US" altLang="zh-CN" sz="800" i="0" dirty="0" err="1">
+                <a:latin typeface="Courier New" charset="0"/>
+                <a:ea typeface="宋体" pitchFamily="-65" charset="-128"/>
+                <a:cs typeface="Courier New" charset="0"/>
+              </a:rPr>
+              <a:t>on_data</a:t>
+            </a:r>
+            <a:r>
+              <a:rPr lang="en-US" altLang="zh-CN" sz="800" i="0" dirty="0">
+                <a:latin typeface="Courier New" charset="0"/>
+                <a:ea typeface="宋体" pitchFamily="-65" charset="-128"/>
+                <a:cs typeface="Courier New" charset="0"/>
+              </a:rPr>
+              <a:t> (const char * </a:t>
+            </a:r>
+            <a:r>
+              <a:rPr lang="en-US" altLang="zh-CN" sz="800" i="0" dirty="0" err="1">
+                <a:latin typeface="Courier New" charset="0"/>
+                <a:ea typeface="宋体" pitchFamily="-65" charset="-128"/>
+                <a:cs typeface="Courier New" charset="0"/>
+              </a:rPr>
+              <a:t>an_instance</a:t>
+            </a:r>
+            <a:r>
+              <a:rPr lang="en-US" altLang="zh-CN" sz="800" i="0" dirty="0">
+                <a:latin typeface="Courier New" charset="0"/>
+                <a:ea typeface="宋体" pitchFamily="-65" charset="-128"/>
+                <a:cs typeface="Courier New" charset="0"/>
+              </a:rPr>
+              <a:t>,</a:t>
+            </a:r>
+          </a:p>
+          <a:p>
+            <a:pPr marL="169863" indent="-169863">
+              <a:spcBef>
+                <a:spcPct val="40000"/>
+              </a:spcBef>
+            </a:pPr>
+            <a:r>
+              <a:rPr lang="en-US" altLang="zh-CN" sz="800" i="0" dirty="0">
+                <a:latin typeface="Courier New" charset="0"/>
+                <a:ea typeface="宋体" pitchFamily="-65" charset="-128"/>
+                <a:cs typeface="Courier New" charset="0"/>
+              </a:rPr>
+              <a:t>           const ::CCM_DDS::</a:t>
+            </a:r>
+            <a:r>
+              <a:rPr lang="en-US" altLang="zh-CN" sz="800" i="0" dirty="0" err="1">
+                <a:latin typeface="Courier New" charset="0"/>
+                <a:ea typeface="宋体" pitchFamily="-65" charset="-128"/>
+                <a:cs typeface="Courier New" charset="0"/>
+              </a:rPr>
+              <a:t>ReadInfo</a:t>
+            </a:r>
+            <a:r>
+              <a:rPr lang="en-US" altLang="zh-CN" sz="800" i="0" dirty="0">
+                <a:latin typeface="Courier New" charset="0"/>
+                <a:ea typeface="宋体" pitchFamily="-65" charset="-128"/>
+                <a:cs typeface="Courier New" charset="0"/>
+              </a:rPr>
+              <a:t> &amp; info);</a:t>
+            </a:r>
+          </a:p>
+          <a:p>
+            <a:pPr marL="169863" indent="-169863">
+              <a:spcBef>
+                <a:spcPct val="40000"/>
+              </a:spcBef>
+            </a:pPr>
+            <a:endParaRPr lang="en-US" altLang="zh-CN" sz="800" i="0" dirty="0">
+              <a:latin typeface="Courier New" charset="0"/>
               <a:ea typeface="宋体" pitchFamily="-65" charset="-128"/>
-              <a:cs typeface="Times New Roman" charset="0"/>
+              <a:cs typeface="Courier New" charset="0"/>
             </a:endParaRPr>
+          </a:p>
+          <a:p>
+            <a:pPr marL="169863" indent="-169863">
+              <a:spcBef>
+                <a:spcPct val="40000"/>
+              </a:spcBef>
+            </a:pPr>
+            <a:r>
+              <a:rPr lang="en-US" altLang="zh-CN" sz="800" i="0" dirty="0">
+                <a:latin typeface="Courier New" charset="0"/>
+                <a:ea typeface="宋体" pitchFamily="-65" charset="-128"/>
+                <a:cs typeface="Courier New" charset="0"/>
+              </a:rPr>
+              <a:t>private:</a:t>
+            </a:r>
+          </a:p>
+          <a:p>
+            <a:pPr marL="169863" indent="-169863">
+              <a:spcBef>
+                <a:spcPct val="40000"/>
+              </a:spcBef>
+            </a:pPr>
+            <a:r>
+              <a:rPr lang="en-US" altLang="zh-CN" sz="800" i="0" dirty="0">
+                <a:latin typeface="Courier New" charset="0"/>
+                <a:ea typeface="宋体" pitchFamily="-65" charset="-128"/>
+                <a:cs typeface="Courier New" charset="0"/>
+              </a:rPr>
+              <a:t>  </a:t>
+            </a:r>
+            <a:r>
+              <a:rPr lang="en-US" altLang="zh-CN" sz="800" i="0" dirty="0" err="1">
+                <a:latin typeface="Courier New" charset="0"/>
+                <a:ea typeface="宋体" pitchFamily="-65" charset="-128"/>
+                <a:cs typeface="Courier New" charset="0"/>
+              </a:rPr>
+              <a:t>Atomic_ULong</a:t>
+            </a:r>
+            <a:r>
+              <a:rPr lang="en-US" altLang="zh-CN" sz="800" i="0" dirty="0">
+                <a:latin typeface="Courier New" charset="0"/>
+                <a:ea typeface="宋体" pitchFamily="-65" charset="-128"/>
+                <a:cs typeface="Courier New" charset="0"/>
+              </a:rPr>
+              <a:t> &amp;received_;</a:t>
+            </a:r>
+          </a:p>
+          <a:p>
+            <a:pPr marL="169863" indent="-169863">
+              <a:spcBef>
+                <a:spcPct val="40000"/>
+              </a:spcBef>
+            </a:pPr>
+            <a:r>
+              <a:rPr lang="en-US" altLang="zh-CN" sz="800" i="0" dirty="0">
+                <a:latin typeface="Courier New" charset="0"/>
+                <a:ea typeface="宋体" pitchFamily="-65" charset="-128"/>
+                <a:cs typeface="Courier New" charset="0"/>
+              </a:rPr>
+              <a:t>  const </a:t>
+            </a:r>
+            <a:r>
+              <a:rPr lang="en-US" altLang="zh-CN" sz="800" i="0" dirty="0" err="1">
+                <a:latin typeface="Courier New" charset="0"/>
+                <a:ea typeface="宋体" pitchFamily="-65" charset="-128"/>
+                <a:cs typeface="Courier New" charset="0"/>
+              </a:rPr>
+              <a:t>ACE_CString</a:t>
+            </a:r>
+            <a:r>
+              <a:rPr lang="en-US" altLang="zh-CN" sz="800" i="0" dirty="0">
+                <a:latin typeface="Courier New" charset="0"/>
+                <a:ea typeface="宋体" pitchFamily="-65" charset="-128"/>
+                <a:cs typeface="Courier New" charset="0"/>
+              </a:rPr>
+              <a:t> &amp;name_;</a:t>
+            </a:r>
+          </a:p>
+          <a:p>
+            <a:pPr marL="169863" indent="-169863">
+              <a:spcBef>
+                <a:spcPct val="40000"/>
+              </a:spcBef>
+            </a:pPr>
+            <a:r>
+              <a:rPr lang="en-US" altLang="zh-CN" sz="800" i="0" dirty="0">
+                <a:latin typeface="Courier New" charset="0"/>
+                <a:ea typeface="宋体" pitchFamily="-65" charset="-128"/>
+                <a:cs typeface="Courier New" charset="0"/>
+              </a:rPr>
+              <a:t>};</a:t>
+            </a:r>
+          </a:p>
+          <a:p>
+            <a:pPr marL="169863" indent="-169863">
+              <a:spcBef>
+                <a:spcPct val="40000"/>
+              </a:spcBef>
+            </a:pPr>
+            <a:endParaRPr lang="en-US" altLang="zh-CN" sz="800" i="0" dirty="0">
+              <a:latin typeface="Courier New" charset="0"/>
+              <a:ea typeface="宋体" pitchFamily="-65" charset="-128"/>
+              <a:cs typeface="Courier New" charset="0"/>
+            </a:endParaRPr>
+          </a:p>
+          <a:p>
+            <a:pPr marL="169863" indent="-169863">
+              <a:spcBef>
+                <a:spcPct val="40000"/>
+              </a:spcBef>
+            </a:pPr>
+            <a:r>
+              <a:rPr lang="en-US" altLang="zh-CN" sz="800" i="0" dirty="0">
+                <a:latin typeface="Courier New" charset="0"/>
+                <a:ea typeface="宋体" pitchFamily="-65" charset="-128"/>
+                <a:cs typeface="Courier New" charset="0"/>
+              </a:rPr>
+              <a:t> void</a:t>
+            </a:r>
+          </a:p>
+          <a:p>
+            <a:pPr marL="169863" indent="-169863">
+              <a:spcBef>
+                <a:spcPct val="40000"/>
+              </a:spcBef>
+            </a:pPr>
+            <a:r>
+              <a:rPr lang="en-US" altLang="zh-CN" sz="800" i="0" dirty="0">
+                <a:latin typeface="Courier New" charset="0"/>
+                <a:ea typeface="宋体" pitchFamily="-65" charset="-128"/>
+                <a:cs typeface="Courier New" charset="0"/>
+              </a:rPr>
+              <a:t>  </a:t>
+            </a:r>
+            <a:r>
+              <a:rPr lang="en-US" altLang="zh-CN" sz="800" i="0" dirty="0" err="1">
+                <a:latin typeface="Courier New" charset="0"/>
+                <a:ea typeface="宋体" pitchFamily="-65" charset="-128"/>
+                <a:cs typeface="Courier New" charset="0"/>
+              </a:rPr>
+              <a:t>string_RawListener_exec_i</a:t>
+            </a:r>
+            <a:r>
+              <a:rPr lang="en-US" altLang="zh-CN" sz="800" i="0" dirty="0">
+                <a:latin typeface="Courier New" charset="0"/>
+                <a:ea typeface="宋体" pitchFamily="-65" charset="-128"/>
+                <a:cs typeface="Courier New" charset="0"/>
+              </a:rPr>
+              <a:t>::</a:t>
+            </a:r>
+            <a:r>
+              <a:rPr lang="en-US" altLang="zh-CN" sz="800" i="0" dirty="0" err="1">
+                <a:latin typeface="Courier New" charset="0"/>
+                <a:ea typeface="宋体" pitchFamily="-65" charset="-128"/>
+                <a:cs typeface="Courier New" charset="0"/>
+              </a:rPr>
+              <a:t>on_data</a:t>
+            </a:r>
+            <a:r>
+              <a:rPr lang="en-US" altLang="zh-CN" sz="800" i="0" dirty="0">
+                <a:latin typeface="Courier New" charset="0"/>
+                <a:ea typeface="宋体" pitchFamily="-65" charset="-128"/>
+                <a:cs typeface="Courier New" charset="0"/>
+              </a:rPr>
+              <a:t> (</a:t>
+            </a:r>
+          </a:p>
+          <a:p>
+            <a:pPr marL="169863" indent="-169863">
+              <a:spcBef>
+                <a:spcPct val="40000"/>
+              </a:spcBef>
+            </a:pPr>
+            <a:r>
+              <a:rPr lang="en-US" altLang="zh-CN" sz="800" i="0" dirty="0">
+                <a:latin typeface="Courier New" charset="0"/>
+                <a:ea typeface="宋体" pitchFamily="-65" charset="-128"/>
+                <a:cs typeface="Courier New" charset="0"/>
+              </a:rPr>
+              <a:t>    const char * </a:t>
+            </a:r>
+            <a:r>
+              <a:rPr lang="en-US" altLang="zh-CN" sz="800" i="0" dirty="0" err="1">
+                <a:latin typeface="Courier New" charset="0"/>
+                <a:ea typeface="宋体" pitchFamily="-65" charset="-128"/>
+                <a:cs typeface="Courier New" charset="0"/>
+              </a:rPr>
+              <a:t>an_instance</a:t>
+            </a:r>
+            <a:r>
+              <a:rPr lang="en-US" altLang="zh-CN" sz="800" i="0" dirty="0">
+                <a:latin typeface="Courier New" charset="0"/>
+                <a:ea typeface="宋体" pitchFamily="-65" charset="-128"/>
+                <a:cs typeface="Courier New" charset="0"/>
+              </a:rPr>
+              <a:t>,</a:t>
+            </a:r>
+          </a:p>
+          <a:p>
+            <a:pPr marL="169863" indent="-169863">
+              <a:spcBef>
+                <a:spcPct val="40000"/>
+              </a:spcBef>
+            </a:pPr>
+            <a:r>
+              <a:rPr lang="en-US" altLang="zh-CN" sz="800" i="0" dirty="0">
+                <a:latin typeface="Courier New" charset="0"/>
+                <a:ea typeface="宋体" pitchFamily="-65" charset="-128"/>
+                <a:cs typeface="Courier New" charset="0"/>
+              </a:rPr>
+              <a:t>    const ::CCM_DDS::</a:t>
+            </a:r>
+            <a:r>
+              <a:rPr lang="en-US" altLang="zh-CN" sz="800" i="0" dirty="0" err="1">
+                <a:latin typeface="Courier New" charset="0"/>
+                <a:ea typeface="宋体" pitchFamily="-65" charset="-128"/>
+                <a:cs typeface="Courier New" charset="0"/>
+              </a:rPr>
+              <a:t>ReadInfo</a:t>
+            </a:r>
+            <a:r>
+              <a:rPr lang="en-US" altLang="zh-CN" sz="800" i="0" dirty="0">
+                <a:latin typeface="Courier New" charset="0"/>
+                <a:ea typeface="宋体" pitchFamily="-65" charset="-128"/>
+                <a:cs typeface="Courier New" charset="0"/>
+              </a:rPr>
+              <a:t> &amp; /* info */)</a:t>
+            </a:r>
+          </a:p>
+          <a:p>
+            <a:pPr marL="169863" indent="-169863">
+              <a:spcBef>
+                <a:spcPct val="40000"/>
+              </a:spcBef>
+            </a:pPr>
+            <a:r>
+              <a:rPr lang="en-US" altLang="zh-CN" sz="800" i="0" dirty="0">
+                <a:latin typeface="Courier New" charset="0"/>
+                <a:ea typeface="宋体" pitchFamily="-65" charset="-128"/>
+                <a:cs typeface="Courier New" charset="0"/>
+              </a:rPr>
+              <a:t>  {</a:t>
+            </a:r>
+          </a:p>
+          <a:p>
+            <a:pPr marL="169863" indent="-169863">
+              <a:spcBef>
+                <a:spcPct val="40000"/>
+              </a:spcBef>
+            </a:pPr>
+            <a:r>
+              <a:rPr lang="en-US" altLang="zh-CN" sz="800" i="0" dirty="0">
+                <a:latin typeface="Courier New" charset="0"/>
+                <a:ea typeface="宋体" pitchFamily="-65" charset="-128"/>
+                <a:cs typeface="Courier New" charset="0"/>
+              </a:rPr>
+              <a:t>    ++received_;</a:t>
+            </a:r>
+          </a:p>
+          <a:p>
+            <a:pPr marL="169863" indent="-169863">
+              <a:spcBef>
+                <a:spcPct val="40000"/>
+              </a:spcBef>
+            </a:pPr>
+            <a:r>
+              <a:rPr lang="en-US" altLang="zh-CN" sz="800" i="0" dirty="0">
+                <a:latin typeface="Courier New" charset="0"/>
+                <a:ea typeface="宋体" pitchFamily="-65" charset="-128"/>
+                <a:cs typeface="Courier New" charset="0"/>
+              </a:rPr>
+              <a:t>    </a:t>
+            </a:r>
+            <a:r>
+              <a:rPr lang="en-US" altLang="zh-CN" sz="800" i="0" dirty="0" err="1">
+                <a:latin typeface="Courier New" charset="0"/>
+                <a:ea typeface="宋体" pitchFamily="-65" charset="-128"/>
+                <a:cs typeface="Courier New" charset="0"/>
+              </a:rPr>
+              <a:t>printf</a:t>
+            </a:r>
+            <a:r>
+              <a:rPr lang="en-US" altLang="zh-CN" sz="800" i="0" dirty="0">
+                <a:latin typeface="Courier New" charset="0"/>
+                <a:ea typeface="宋体" pitchFamily="-65" charset="-128"/>
+                <a:cs typeface="Courier New" charset="0"/>
+              </a:rPr>
+              <a:t> ("&lt;%s&gt; </a:t>
+            </a:r>
+            <a:r>
+              <a:rPr lang="en-US" altLang="zh-CN" sz="800" i="0" dirty="0" err="1">
+                <a:latin typeface="Courier New" charset="0"/>
+                <a:ea typeface="宋体" pitchFamily="-65" charset="-128"/>
+                <a:cs typeface="Courier New" charset="0"/>
+              </a:rPr>
+              <a:t>string_RawListener</a:t>
+            </a:r>
+            <a:r>
+              <a:rPr lang="en-US" altLang="zh-CN" sz="800" i="0" dirty="0">
+                <a:latin typeface="Courier New" charset="0"/>
+                <a:ea typeface="宋体" pitchFamily="-65" charset="-128"/>
+                <a:cs typeface="Courier New" charset="0"/>
+              </a:rPr>
+              <a:t>::</a:t>
+            </a:r>
+            <a:r>
+              <a:rPr lang="en-US" altLang="zh-CN" sz="800" i="0" dirty="0" err="1">
+                <a:latin typeface="Courier New" charset="0"/>
+                <a:ea typeface="宋体" pitchFamily="-65" charset="-128"/>
+                <a:cs typeface="Courier New" charset="0"/>
+              </a:rPr>
+              <a:t>on_data</a:t>
+            </a:r>
+            <a:r>
+              <a:rPr lang="en-US" altLang="zh-CN" sz="800" i="0" dirty="0">
+                <a:latin typeface="Courier New" charset="0"/>
+                <a:ea typeface="宋体" pitchFamily="-65" charset="-128"/>
+                <a:cs typeface="Courier New" charset="0"/>
+              </a:rPr>
+              <a:t> received &lt;%s&gt;\n", this-&gt;</a:t>
+            </a:r>
+            <a:r>
+              <a:rPr lang="en-US" altLang="zh-CN" sz="800" i="0" dirty="0" err="1">
+                <a:latin typeface="Courier New" charset="0"/>
+                <a:ea typeface="宋体" pitchFamily="-65" charset="-128"/>
+                <a:cs typeface="Courier New" charset="0"/>
+              </a:rPr>
+              <a:t>name_.c_str</a:t>
+            </a:r>
+            <a:r>
+              <a:rPr lang="en-US" altLang="zh-CN" sz="800" i="0" dirty="0">
+                <a:latin typeface="Courier New" charset="0"/>
+                <a:ea typeface="宋体" pitchFamily="-65" charset="-128"/>
+                <a:cs typeface="Courier New" charset="0"/>
+              </a:rPr>
+              <a:t> (), </a:t>
+            </a:r>
+            <a:r>
+              <a:rPr lang="en-US" altLang="zh-CN" sz="800" i="0" dirty="0" err="1">
+                <a:latin typeface="Courier New" charset="0"/>
+                <a:ea typeface="宋体" pitchFamily="-65" charset="-128"/>
+                <a:cs typeface="Courier New" charset="0"/>
+              </a:rPr>
+              <a:t>an_instance</a:t>
+            </a:r>
+            <a:r>
+              <a:rPr lang="en-US" altLang="zh-CN" sz="800" i="0" dirty="0">
+                <a:latin typeface="Courier New" charset="0"/>
+                <a:ea typeface="宋体" pitchFamily="-65" charset="-128"/>
+                <a:cs typeface="Courier New" charset="0"/>
+              </a:rPr>
+              <a:t>);</a:t>
+            </a:r>
+          </a:p>
+          <a:p>
+            <a:pPr marL="169863" indent="-169863">
+              <a:spcBef>
+                <a:spcPct val="40000"/>
+              </a:spcBef>
+            </a:pPr>
+            <a:r>
+              <a:rPr lang="en-US" altLang="zh-CN" sz="800" i="0" dirty="0">
+                <a:latin typeface="Courier New" charset="0"/>
+                <a:ea typeface="宋体" pitchFamily="-65" charset="-128"/>
+                <a:cs typeface="Courier New" charset="0"/>
+              </a:rPr>
+              <a:t>  }</a:t>
+            </a:r>
           </a:p>
         </p:txBody>
       </p:sp>
@@ -20902,92 +20370,551 @@
       </p:grpSpPr>
       <p:sp>
         <p:nvSpPr>
-          <p:cNvPr id="285698" name="Slide Number Placeholder 4"/>
+          <p:cNvPr id="284674" name="Title 4"/>
           <p:cNvSpPr>
             <a:spLocks noGrp="1"/>
           </p:cNvSpPr>
           <p:nvPr>
-            <p:ph type="sldNum" sz="quarter" idx="4294967295"/>
+            <p:ph type="title"/>
           </p:nvPr>
         </p:nvSpPr>
-        <p:spPr>
+        <p:spPr/>
+        <p:txBody>
+          <a:bodyPr/>
+          <a:lstStyle/>
+          <a:p>
+            <a:r>
+              <a:rPr lang="en-US"/>
+              <a:t>Return the receptable to </a:t>
+            </a:r>
+            <a:endParaRPr lang="nl-NL"/>
+          </a:p>
+        </p:txBody>
+      </p:sp>
+      <p:sp>
+        <p:nvSpPr>
+          <p:cNvPr id="284675" name="Rectangle 3"/>
+          <p:cNvSpPr>
+            <a:spLocks noChangeArrowheads="1"/>
+          </p:cNvSpPr>
+          <p:nvPr/>
+        </p:nvSpPr>
+        <p:spPr bwMode="auto">
           <a:xfrm>
-            <a:off x="17463" y="6242050"/>
-            <a:ext cx="700087" cy="488950"/>
+            <a:off x="228600" y="1190625"/>
+            <a:ext cx="8763000" cy="4876800"/>
           </a:xfrm>
           <a:prstGeom prst="rect">
             <a:avLst/>
           </a:prstGeom>
           <a:noFill/>
+          <a:ln w="9525">
+            <a:noFill/>
+            <a:miter lim="800000"/>
+            <a:headEnd/>
+            <a:tailEnd/>
+          </a:ln>
         </p:spPr>
         <p:txBody>
-          <a:bodyPr/>
+          <a:bodyPr>
+            <a:prstTxWarp prst="textNoShape">
+              <a:avLst/>
+            </a:prstTxWarp>
+          </a:bodyPr>
           <a:lstStyle/>
           <a:p>
-            <a:fld id="{5CB601B8-8FA2-AE48-A3A2-26C7472E0B50}" type="slidenum">
-              <a:rPr lang="zh-CN" altLang="en-US"/>
-              <a:pPr/>
-              <a:t>37</a:t>
-            </a:fld>
-            <a:endParaRPr lang="en-US" altLang="zh-CN"/>
+            <a:pPr marL="169863" indent="-169863">
+              <a:spcBef>
+                <a:spcPct val="40000"/>
+              </a:spcBef>
+              <a:buFontTx/>
+              <a:buChar char="•"/>
+            </a:pPr>
+            <a:endParaRPr lang="en-US" altLang="zh-CN" sz="2000" i="0">
+              <a:ea typeface="宋体" pitchFamily="-65" charset="-128"/>
+              <a:cs typeface="Times New Roman" charset="0"/>
+            </a:endParaRPr>
           </a:p>
         </p:txBody>
       </p:sp>
       <p:sp>
         <p:nvSpPr>
-          <p:cNvPr id="285699" name="Rectangle 2"/>
+          <p:cNvPr id="284676" name="Rectangle 3"/>
           <p:cNvSpPr>
-            <a:spLocks noGrp="1" noChangeArrowheads="1"/>
+            <a:spLocks noChangeArrowheads="1"/>
           </p:cNvSpPr>
-          <p:nvPr>
-            <p:ph type="body" idx="1"/>
-          </p:nvPr>
+          <p:nvPr/>
         </p:nvSpPr>
-        <p:spPr>
+        <p:spPr bwMode="auto">
           <a:xfrm>
-            <a:off x="1311275" y="1066800"/>
-            <a:ext cx="7213600" cy="5019675"/>
+            <a:off x="381000" y="1343025"/>
+            <a:ext cx="8763000" cy="4876800"/>
           </a:xfrm>
+          <a:prstGeom prst="rect">
+            <a:avLst/>
+          </a:prstGeom>
           <a:noFill/>
+          <a:ln w="9525">
+            <a:noFill/>
+            <a:miter lim="800000"/>
+            <a:headEnd/>
+            <a:tailEnd/>
+          </a:ln>
         </p:spPr>
         <p:txBody>
-          <a:bodyPr anchor="ctr" anchorCtr="1"/>
+          <a:bodyPr>
+            <a:prstTxWarp prst="textNoShape">
+              <a:avLst/>
+            </a:prstTxWarp>
+          </a:bodyPr>
           <a:lstStyle/>
           <a:p>
-            <a:pPr algn="ctr" eaLnBrk="1" hangingPunct="1">
-              <a:buFont typeface="Wingdings" charset="2"/>
-              <a:buNone/>
-            </a:pPr>
-            <a:endParaRPr lang="zh-CN" altLang="en-US" sz="5400">
-              <a:solidFill>
-                <a:srgbClr val="FF3300"/>
-              </a:solidFill>
+            <a:pPr marL="169863" indent="-169863">
+              <a:spcBef>
+                <a:spcPct val="40000"/>
+              </a:spcBef>
+            </a:pPr>
+            <a:r>
+              <a:rPr lang="en-US" altLang="zh-CN" sz="800" i="0" dirty="0">
+                <a:latin typeface="Courier New" charset="0"/>
+                <a:ea typeface="宋体" pitchFamily="-65" charset="-128"/>
+                <a:cs typeface="Courier New" charset="0"/>
+              </a:rPr>
+              <a:t>class </a:t>
+            </a:r>
+            <a:r>
+              <a:rPr lang="en-US" altLang="zh-CN" sz="800" i="0" dirty="0" err="1">
+                <a:latin typeface="Courier New" charset="0"/>
+                <a:ea typeface="宋体" pitchFamily="-65" charset="-128"/>
+                <a:cs typeface="Courier New" charset="0"/>
+              </a:rPr>
+              <a:t>HELLO_RECEIVER_EXEC_Export</a:t>
+            </a:r>
+            <a:r>
+              <a:rPr lang="en-US" altLang="zh-CN" sz="800" i="0" dirty="0">
+                <a:latin typeface="Courier New" charset="0"/>
+                <a:ea typeface="宋体" pitchFamily="-65" charset="-128"/>
+                <a:cs typeface="Courier New" charset="0"/>
+              </a:rPr>
+              <a:t> </a:t>
+            </a:r>
+            <a:r>
+              <a:rPr lang="en-US" altLang="zh-CN" sz="800" i="0" dirty="0" err="1">
+                <a:latin typeface="Courier New" charset="0"/>
+                <a:ea typeface="宋体" pitchFamily="-65" charset="-128"/>
+                <a:cs typeface="Courier New" charset="0"/>
+              </a:rPr>
+              <a:t>Receiver_exec_i</a:t>
+            </a:r>
+            <a:endParaRPr lang="en-US" altLang="zh-CN" sz="800" i="0" dirty="0">
+              <a:latin typeface="Courier New" charset="0"/>
+              <a:ea typeface="宋体" pitchFamily="-65" charset="-128"/>
+              <a:cs typeface="Courier New" charset="0"/>
             </a:endParaRPr>
           </a:p>
           <a:p>
-            <a:pPr algn="ctr" eaLnBrk="1" hangingPunct="1">
-              <a:buFont typeface="Wingdings" charset="2"/>
-              <a:buNone/>
-            </a:pPr>
-            <a:r>
-              <a:rPr lang="en-US" altLang="zh-CN" sz="5400">
-                <a:solidFill>
-                  <a:srgbClr val="FF3300"/>
-                </a:solidFill>
-              </a:rPr>
-              <a:t>AMI4CCM</a:t>
-            </a:r>
-          </a:p>
-          <a:p>
-            <a:pPr algn="ctr" eaLnBrk="1" hangingPunct="1">
-              <a:buFont typeface="Wingdings" charset="2"/>
-              <a:buNone/>
-            </a:pPr>
-            <a:endParaRPr lang="zh-CN" altLang="en-US" sz="5400">
-              <a:solidFill>
-                <a:srgbClr val="FF3300"/>
-              </a:solidFill>
+            <a:pPr marL="169863" indent="-169863">
+              <a:spcBef>
+                <a:spcPct val="40000"/>
+              </a:spcBef>
+            </a:pPr>
+            <a:r>
+              <a:rPr lang="en-US" altLang="zh-CN" sz="800" i="0" dirty="0">
+                <a:latin typeface="Courier New" charset="0"/>
+                <a:ea typeface="宋体" pitchFamily="-65" charset="-128"/>
+                <a:cs typeface="Courier New" charset="0"/>
+              </a:rPr>
+              <a:t>  : public virtual </a:t>
+            </a:r>
+            <a:r>
+              <a:rPr lang="en-US" altLang="zh-CN" sz="800" i="0" dirty="0" err="1">
+                <a:latin typeface="Courier New" charset="0"/>
+                <a:ea typeface="宋体" pitchFamily="-65" charset="-128"/>
+                <a:cs typeface="Courier New" charset="0"/>
+              </a:rPr>
+              <a:t>Receiver_Exec</a:t>
+            </a:r>
+            <a:r>
+              <a:rPr lang="en-US" altLang="zh-CN" sz="800" i="0" dirty="0">
+                <a:latin typeface="Courier New" charset="0"/>
+                <a:ea typeface="宋体" pitchFamily="-65" charset="-128"/>
+                <a:cs typeface="Courier New" charset="0"/>
+              </a:rPr>
+              <a:t>,</a:t>
+            </a:r>
+          </a:p>
+          <a:p>
+            <a:pPr marL="169863" indent="-169863">
+              <a:spcBef>
+                <a:spcPct val="40000"/>
+              </a:spcBef>
+            </a:pPr>
+            <a:r>
+              <a:rPr lang="en-US" altLang="zh-CN" sz="800" i="0" dirty="0">
+                <a:latin typeface="Courier New" charset="0"/>
+                <a:ea typeface="宋体" pitchFamily="-65" charset="-128"/>
+                <a:cs typeface="Courier New" charset="0"/>
+              </a:rPr>
+              <a:t>    public virtual ::CORBA::</a:t>
+            </a:r>
+            <a:r>
+              <a:rPr lang="en-US" altLang="zh-CN" sz="800" i="0" dirty="0" err="1">
+                <a:latin typeface="Courier New" charset="0"/>
+                <a:ea typeface="宋体" pitchFamily="-65" charset="-128"/>
+                <a:cs typeface="Courier New" charset="0"/>
+              </a:rPr>
+              <a:t>LocalObject</a:t>
+            </a:r>
+            <a:endParaRPr lang="en-US" altLang="zh-CN" sz="800" i="0" dirty="0">
+              <a:latin typeface="Courier New" charset="0"/>
+              <a:ea typeface="宋体" pitchFamily="-65" charset="-128"/>
+              <a:cs typeface="Courier New" charset="0"/>
             </a:endParaRPr>
+          </a:p>
+          <a:p>
+            <a:pPr marL="169863" indent="-169863">
+              <a:spcBef>
+                <a:spcPct val="40000"/>
+              </a:spcBef>
+            </a:pPr>
+            <a:r>
+              <a:rPr lang="en-US" altLang="zh-CN" sz="800" i="0" dirty="0">
+                <a:latin typeface="Courier New" charset="0"/>
+                <a:ea typeface="宋体" pitchFamily="-65" charset="-128"/>
+                <a:cs typeface="Courier New" charset="0"/>
+              </a:rPr>
+              <a:t>{</a:t>
+            </a:r>
+          </a:p>
+          <a:p>
+            <a:pPr marL="169863" indent="-169863">
+              <a:spcBef>
+                <a:spcPct val="40000"/>
+              </a:spcBef>
+            </a:pPr>
+            <a:r>
+              <a:rPr lang="en-US" altLang="zh-CN" sz="800" i="0" dirty="0">
+                <a:latin typeface="Courier New" charset="0"/>
+                <a:ea typeface="宋体" pitchFamily="-65" charset="-128"/>
+                <a:cs typeface="Courier New" charset="0"/>
+              </a:rPr>
+              <a:t> virtual ::CCM_DDS::</a:t>
+            </a:r>
+            <a:r>
+              <a:rPr lang="en-US" altLang="zh-CN" sz="800" i="0" dirty="0" err="1">
+                <a:latin typeface="Courier New" charset="0"/>
+                <a:ea typeface="宋体" pitchFamily="-65" charset="-128"/>
+                <a:cs typeface="Courier New" charset="0"/>
+              </a:rPr>
+              <a:t>CCM_string_RawListener_ptr</a:t>
+            </a:r>
+            <a:endParaRPr lang="en-US" altLang="zh-CN" sz="800" i="0" dirty="0">
+              <a:latin typeface="Courier New" charset="0"/>
+              <a:ea typeface="宋体" pitchFamily="-65" charset="-128"/>
+              <a:cs typeface="Courier New" charset="0"/>
+            </a:endParaRPr>
+          </a:p>
+          <a:p>
+            <a:pPr marL="169863" indent="-169863">
+              <a:spcBef>
+                <a:spcPct val="40000"/>
+              </a:spcBef>
+            </a:pPr>
+            <a:r>
+              <a:rPr lang="en-US" altLang="zh-CN" sz="800" i="0" dirty="0">
+                <a:latin typeface="Courier New" charset="0"/>
+                <a:ea typeface="宋体" pitchFamily="-65" charset="-128"/>
+                <a:cs typeface="Courier New" charset="0"/>
+              </a:rPr>
+              <a:t>    </a:t>
+            </a:r>
+            <a:r>
+              <a:rPr lang="en-US" altLang="zh-CN" sz="800" i="0" dirty="0" err="1">
+                <a:latin typeface="Courier New" charset="0"/>
+                <a:ea typeface="宋体" pitchFamily="-65" charset="-128"/>
+                <a:cs typeface="Courier New" charset="0"/>
+              </a:rPr>
+              <a:t>get_read_message_listener</a:t>
+            </a:r>
+            <a:r>
+              <a:rPr lang="en-US" altLang="zh-CN" sz="800" i="0" dirty="0">
+                <a:latin typeface="Courier New" charset="0"/>
+                <a:ea typeface="宋体" pitchFamily="-65" charset="-128"/>
+                <a:cs typeface="Courier New" charset="0"/>
+              </a:rPr>
+              <a:t> (void);</a:t>
+            </a:r>
+          </a:p>
+          <a:p>
+            <a:pPr marL="169863" indent="-169863">
+              <a:spcBef>
+                <a:spcPct val="40000"/>
+              </a:spcBef>
+            </a:pPr>
+            <a:endParaRPr lang="en-US" altLang="zh-CN" sz="800" i="0" dirty="0">
+              <a:latin typeface="Courier New" charset="0"/>
+              <a:ea typeface="宋体" pitchFamily="-65" charset="-128"/>
+              <a:cs typeface="Courier New" charset="0"/>
+            </a:endParaRPr>
+          </a:p>
+          <a:p>
+            <a:pPr marL="169863" indent="-169863">
+              <a:spcBef>
+                <a:spcPct val="40000"/>
+              </a:spcBef>
+            </a:pPr>
+            <a:r>
+              <a:rPr lang="en-US" altLang="zh-CN" sz="800" i="0" dirty="0">
+                <a:latin typeface="Courier New" charset="0"/>
+                <a:ea typeface="宋体" pitchFamily="-65" charset="-128"/>
+                <a:cs typeface="Courier New" charset="0"/>
+              </a:rPr>
+              <a:t>  virtual ::CCM_DDS::</a:t>
+            </a:r>
+            <a:r>
+              <a:rPr lang="en-US" altLang="zh-CN" sz="800" i="0" dirty="0" err="1">
+                <a:latin typeface="Courier New" charset="0"/>
+                <a:ea typeface="宋体" pitchFamily="-65" charset="-128"/>
+                <a:cs typeface="Courier New" charset="0"/>
+              </a:rPr>
+              <a:t>CCM_PortStatusListener_ptr</a:t>
+            </a:r>
+            <a:endParaRPr lang="en-US" altLang="zh-CN" sz="800" i="0" dirty="0">
+              <a:latin typeface="Courier New" charset="0"/>
+              <a:ea typeface="宋体" pitchFamily="-65" charset="-128"/>
+              <a:cs typeface="Courier New" charset="0"/>
+            </a:endParaRPr>
+          </a:p>
+          <a:p>
+            <a:pPr marL="169863" indent="-169863">
+              <a:spcBef>
+                <a:spcPct val="40000"/>
+              </a:spcBef>
+            </a:pPr>
+            <a:r>
+              <a:rPr lang="en-US" altLang="zh-CN" sz="800" i="0" dirty="0">
+                <a:latin typeface="Courier New" charset="0"/>
+                <a:ea typeface="宋体" pitchFamily="-65" charset="-128"/>
+                <a:cs typeface="Courier New" charset="0"/>
+              </a:rPr>
+              <a:t>    </a:t>
+            </a:r>
+            <a:r>
+              <a:rPr lang="en-US" altLang="zh-CN" sz="800" i="0" dirty="0" err="1">
+                <a:latin typeface="Courier New" charset="0"/>
+                <a:ea typeface="宋体" pitchFamily="-65" charset="-128"/>
+                <a:cs typeface="Courier New" charset="0"/>
+              </a:rPr>
+              <a:t>get_read_message_status</a:t>
+            </a:r>
+            <a:r>
+              <a:rPr lang="en-US" altLang="zh-CN" sz="800" i="0" dirty="0">
+                <a:latin typeface="Courier New" charset="0"/>
+                <a:ea typeface="宋体" pitchFamily="-65" charset="-128"/>
+                <a:cs typeface="Courier New" charset="0"/>
+              </a:rPr>
+              <a:t> (void);</a:t>
+            </a:r>
+          </a:p>
+          <a:p>
+            <a:pPr marL="169863" indent="-169863">
+              <a:spcBef>
+                <a:spcPct val="40000"/>
+              </a:spcBef>
+            </a:pPr>
+            <a:endParaRPr lang="en-US" altLang="zh-CN" sz="800" i="0" dirty="0" smtClean="0">
+              <a:latin typeface="Courier New" charset="0"/>
+              <a:ea typeface="宋体" pitchFamily="-65" charset="-128"/>
+              <a:cs typeface="Courier New" charset="0"/>
+            </a:endParaRPr>
+          </a:p>
+          <a:p>
+            <a:pPr marL="169863" indent="-169863">
+              <a:spcBef>
+                <a:spcPct val="40000"/>
+              </a:spcBef>
+            </a:pPr>
+            <a:r>
+              <a:rPr lang="en-US" altLang="zh-CN" sz="800" i="0" dirty="0" smtClean="0">
+                <a:latin typeface="Courier New" charset="0"/>
+                <a:ea typeface="宋体" pitchFamily="-65" charset="-128"/>
+                <a:cs typeface="Courier New" charset="0"/>
+              </a:rPr>
+              <a:t>  ….</a:t>
+            </a:r>
+            <a:endParaRPr lang="en-US" altLang="zh-CN" sz="800" i="0" dirty="0">
+              <a:latin typeface="Courier New" charset="0"/>
+              <a:ea typeface="宋体" pitchFamily="-65" charset="-128"/>
+              <a:cs typeface="Courier New" charset="0"/>
+            </a:endParaRPr>
+          </a:p>
+          <a:p>
+            <a:pPr marL="169863" indent="-169863">
+              <a:spcBef>
+                <a:spcPct val="40000"/>
+              </a:spcBef>
+            </a:pPr>
+            <a:r>
+              <a:rPr lang="en-US" altLang="zh-CN" sz="800" i="0" dirty="0" smtClean="0">
+                <a:latin typeface="Courier New" charset="0"/>
+                <a:ea typeface="宋体" pitchFamily="-65" charset="-128"/>
+                <a:cs typeface="Courier New" charset="0"/>
+              </a:rPr>
+              <a:t>};</a:t>
+            </a:r>
+            <a:endParaRPr lang="en-US" altLang="zh-CN" sz="800" i="0" dirty="0">
+              <a:latin typeface="Courier New" charset="0"/>
+              <a:ea typeface="宋体" pitchFamily="-65" charset="-128"/>
+              <a:cs typeface="Courier New" charset="0"/>
+            </a:endParaRPr>
+          </a:p>
+          <a:p>
+            <a:pPr marL="169863" indent="-169863">
+              <a:spcBef>
+                <a:spcPct val="40000"/>
+              </a:spcBef>
+            </a:pPr>
+            <a:endParaRPr lang="en-US" altLang="zh-CN" sz="800" i="0" dirty="0">
+              <a:latin typeface="Courier New" charset="0"/>
+              <a:ea typeface="宋体" pitchFamily="-65" charset="-128"/>
+              <a:cs typeface="Courier New" charset="0"/>
+            </a:endParaRPr>
+          </a:p>
+          <a:p>
+            <a:pPr marL="169863" indent="-169863">
+              <a:spcBef>
+                <a:spcPct val="40000"/>
+              </a:spcBef>
+            </a:pPr>
+            <a:r>
+              <a:rPr lang="en-US" altLang="zh-CN" sz="800" i="0" dirty="0">
+                <a:latin typeface="Courier New" charset="0"/>
+                <a:ea typeface="宋体" pitchFamily="-65" charset="-128"/>
+                <a:cs typeface="Courier New" charset="0"/>
+              </a:rPr>
+              <a:t> ::CCM_DDS::</a:t>
+            </a:r>
+            <a:r>
+              <a:rPr lang="en-US" altLang="zh-CN" sz="800" i="0" dirty="0" err="1">
+                <a:latin typeface="Courier New" charset="0"/>
+                <a:ea typeface="宋体" pitchFamily="-65" charset="-128"/>
+                <a:cs typeface="Courier New" charset="0"/>
+              </a:rPr>
+              <a:t>CCM_string_RawListener_ptr</a:t>
+            </a:r>
+            <a:endParaRPr lang="en-US" altLang="zh-CN" sz="800" i="0" dirty="0">
+              <a:latin typeface="Courier New" charset="0"/>
+              <a:ea typeface="宋体" pitchFamily="-65" charset="-128"/>
+              <a:cs typeface="Courier New" charset="0"/>
+            </a:endParaRPr>
+          </a:p>
+          <a:p>
+            <a:pPr marL="169863" indent="-169863">
+              <a:spcBef>
+                <a:spcPct val="40000"/>
+              </a:spcBef>
+            </a:pPr>
+            <a:r>
+              <a:rPr lang="en-US" altLang="zh-CN" sz="800" i="0" dirty="0">
+                <a:latin typeface="Courier New" charset="0"/>
+                <a:ea typeface="宋体" pitchFamily="-65" charset="-128"/>
+                <a:cs typeface="Courier New" charset="0"/>
+              </a:rPr>
+              <a:t>  </a:t>
+            </a:r>
+            <a:r>
+              <a:rPr lang="en-US" altLang="zh-CN" sz="800" i="0" dirty="0" err="1">
+                <a:latin typeface="Courier New" charset="0"/>
+                <a:ea typeface="宋体" pitchFamily="-65" charset="-128"/>
+                <a:cs typeface="Courier New" charset="0"/>
+              </a:rPr>
+              <a:t>Receiver_exec_i</a:t>
+            </a:r>
+            <a:r>
+              <a:rPr lang="en-US" altLang="zh-CN" sz="800" i="0" dirty="0">
+                <a:latin typeface="Courier New" charset="0"/>
+                <a:ea typeface="宋体" pitchFamily="-65" charset="-128"/>
+                <a:cs typeface="Courier New" charset="0"/>
+              </a:rPr>
+              <a:t>::</a:t>
+            </a:r>
+            <a:r>
+              <a:rPr lang="en-US" altLang="zh-CN" sz="800" i="0" dirty="0" err="1">
+                <a:latin typeface="Courier New" charset="0"/>
+                <a:ea typeface="宋体" pitchFamily="-65" charset="-128"/>
+                <a:cs typeface="Courier New" charset="0"/>
+              </a:rPr>
+              <a:t>get_read_message_listener</a:t>
+            </a:r>
+            <a:r>
+              <a:rPr lang="en-US" altLang="zh-CN" sz="800" i="0" dirty="0">
+                <a:latin typeface="Courier New" charset="0"/>
+                <a:ea typeface="宋体" pitchFamily="-65" charset="-128"/>
+                <a:cs typeface="Courier New" charset="0"/>
+              </a:rPr>
+              <a:t> (void)</a:t>
+            </a:r>
+          </a:p>
+          <a:p>
+            <a:pPr marL="169863" indent="-169863">
+              <a:spcBef>
+                <a:spcPct val="40000"/>
+              </a:spcBef>
+            </a:pPr>
+            <a:r>
+              <a:rPr lang="en-US" altLang="zh-CN" sz="800" i="0" dirty="0">
+                <a:latin typeface="Courier New" charset="0"/>
+                <a:ea typeface="宋体" pitchFamily="-65" charset="-128"/>
+                <a:cs typeface="Courier New" charset="0"/>
+              </a:rPr>
+              <a:t>  {</a:t>
+            </a:r>
+          </a:p>
+          <a:p>
+            <a:pPr marL="169863" indent="-169863">
+              <a:spcBef>
+                <a:spcPct val="40000"/>
+              </a:spcBef>
+            </a:pPr>
+            <a:r>
+              <a:rPr lang="en-US" altLang="zh-CN" sz="800" i="0" dirty="0">
+                <a:latin typeface="Courier New" charset="0"/>
+                <a:ea typeface="宋体" pitchFamily="-65" charset="-128"/>
+                <a:cs typeface="Courier New" charset="0"/>
+              </a:rPr>
+              <a:t>    return new </a:t>
+            </a:r>
+            <a:r>
+              <a:rPr lang="en-US" altLang="zh-CN" sz="800" i="0" dirty="0" err="1">
+                <a:latin typeface="Courier New" charset="0"/>
+                <a:ea typeface="宋体" pitchFamily="-65" charset="-128"/>
+                <a:cs typeface="Courier New" charset="0"/>
+              </a:rPr>
+              <a:t>string_RawListener_exec_i</a:t>
+            </a:r>
+            <a:r>
+              <a:rPr lang="en-US" altLang="zh-CN" sz="800" i="0" dirty="0">
+                <a:latin typeface="Courier New" charset="0"/>
+                <a:ea typeface="宋体" pitchFamily="-65" charset="-128"/>
+                <a:cs typeface="Courier New" charset="0"/>
+              </a:rPr>
+              <a:t> (this-&gt;received_, this-&gt;name_);</a:t>
+            </a:r>
+          </a:p>
+          <a:p>
+            <a:pPr marL="169863" indent="-169863">
+              <a:spcBef>
+                <a:spcPct val="40000"/>
+              </a:spcBef>
+            </a:pPr>
+            <a:r>
+              <a:rPr lang="en-US" altLang="zh-CN" sz="800" i="0" dirty="0">
+                <a:latin typeface="Courier New" charset="0"/>
+                <a:ea typeface="宋体" pitchFamily="-65" charset="-128"/>
+                <a:cs typeface="Courier New" charset="0"/>
+              </a:rPr>
+              <a:t>  }</a:t>
+            </a:r>
           </a:p>
         </p:txBody>
       </p:sp>
@@ -21061,15 +20988,22 @@
               </a:spcBef>
             </a:pPr>
             <a:r>
-              <a:rPr lang="en-US" altLang="zh-CN" sz="3200" i="0">
+              <a:rPr lang="en-US" altLang="zh-CN" sz="3200" i="0" dirty="0" smtClean="0">
                 <a:solidFill>
                   <a:srgbClr val="FF0000"/>
                 </a:solidFill>
                 <a:ea typeface="宋体" pitchFamily="-65" charset="-128"/>
                 <a:cs typeface="宋体" pitchFamily="-65" charset="-128"/>
               </a:rPr>
-              <a:t>AMI4CCM</a:t>
-            </a:r>
+              <a:t>Prototype</a:t>
+            </a:r>
+            <a:endParaRPr lang="en-US" altLang="zh-CN" sz="3200" i="0" dirty="0">
+              <a:solidFill>
+                <a:srgbClr val="FF0000"/>
+              </a:solidFill>
+              <a:ea typeface="宋体" pitchFamily="-65" charset="-128"/>
+              <a:cs typeface="宋体" pitchFamily="-65" charset="-128"/>
+            </a:endParaRPr>
           </a:p>
         </p:txBody>
       </p:sp>
@@ -21159,11 +21093,12 @@
               <a:buChar char="•"/>
             </a:pPr>
             <a:r>
-              <a:rPr lang="en-US" altLang="zh-CN" sz="2000" i="0">
+              <a:rPr lang="en-US" altLang="zh-CN" sz="2200" i="0" dirty="0" smtClean="0">
+                <a:latin typeface="+mn-lt"/>
                 <a:ea typeface="宋体" pitchFamily="-65" charset="-128"/>
                 <a:cs typeface="Times New Roman" charset="0"/>
               </a:rPr>
-              <a:t>Deliver Asynchronous Method Invocation to CCM</a:t>
+              <a:t>$CIAO_ROOT/connectors/dds4ccm/examples/Hello</a:t>
             </a:r>
           </a:p>
           <a:p>
@@ -21175,11 +21110,12 @@
               <a:buChar char="•"/>
             </a:pPr>
             <a:r>
-              <a:rPr lang="en-US" altLang="zh-CN" sz="2000" i="0">
+              <a:rPr lang="en-US" altLang="zh-CN" sz="2200" i="0" dirty="0" smtClean="0">
+                <a:latin typeface="+mn-lt"/>
                 <a:ea typeface="宋体" pitchFamily="-65" charset="-128"/>
                 <a:cs typeface="Times New Roman" charset="0"/>
               </a:rPr>
-              <a:t>AMI4CCM doesn’t use IDL3+, just IDL3</a:t>
+              <a:t>Sender/Receiver components</a:t>
             </a:r>
           </a:p>
           <a:p>
@@ -21191,11 +21127,12 @@
               <a:buChar char="•"/>
             </a:pPr>
             <a:r>
-              <a:rPr lang="en-US" altLang="zh-CN" sz="2000" i="0">
+              <a:rPr lang="en-US" altLang="zh-CN" sz="2200" i="0" dirty="0" smtClean="0">
+                <a:latin typeface="+mn-lt"/>
                 <a:ea typeface="宋体" pitchFamily="-65" charset="-128"/>
                 <a:cs typeface="Times New Roman" charset="0"/>
               </a:rPr>
-              <a:t>AMI4CCM defines as set of rules to for implied IDL3</a:t>
+              <a:t>DDS Sender/ DDS Receiver</a:t>
             </a:r>
           </a:p>
           <a:p>
@@ -21207,22 +21144,100 @@
               <a:buChar char="•"/>
             </a:pPr>
             <a:r>
-              <a:rPr lang="en-US" altLang="zh-CN" sz="2000" i="0">
+              <a:rPr lang="en-US" altLang="zh-CN" sz="2200" i="0" dirty="0" smtClean="0">
+                <a:latin typeface="+mn-lt"/>
                 <a:ea typeface="宋体" pitchFamily="-65" charset="-128"/>
                 <a:cs typeface="Times New Roman" charset="0"/>
               </a:rPr>
-              <a:t>Callback model only</a:t>
-            </a:r>
-          </a:p>
-          <a:p>
-            <a:pPr marL="627063" lvl="1" indent="-169863">
+              <a:t>DDS Sender/Receiver connectors</a:t>
+            </a:r>
+          </a:p>
+          <a:p>
+            <a:pPr marL="169863" indent="-169863">
               <a:spcBef>
                 <a:spcPct val="40000"/>
               </a:spcBef>
               <a:buFontTx/>
               <a:buChar char="•"/>
             </a:pPr>
-            <a:endParaRPr lang="en-US" altLang="zh-CN" sz="2000" i="0">
+            <a:r>
+              <a:rPr lang="en-US" altLang="zh-CN" sz="2200" i="0" dirty="0" smtClean="0">
+                <a:latin typeface="+mn-lt"/>
+                <a:ea typeface="宋体" pitchFamily="-65" charset="-128"/>
+                <a:cs typeface="Times New Roman" charset="0"/>
+              </a:rPr>
+              <a:t>Multiple deployment plans	</a:t>
+            </a:r>
+          </a:p>
+          <a:p>
+            <a:pPr marL="627063" lvl="1" indent="-169863">
+              <a:spcBef>
+                <a:spcPct val="40000"/>
+              </a:spcBef>
+              <a:buFontTx/>
+              <a:buChar char="•"/>
+            </a:pPr>
+            <a:r>
+              <a:rPr lang="en-US" altLang="zh-CN" sz="2200" i="0" dirty="0" smtClean="0">
+                <a:latin typeface="+mn-lt"/>
+                <a:ea typeface="宋体" pitchFamily="-65" charset="-128"/>
+                <a:cs typeface="Times New Roman" charset="0"/>
+              </a:rPr>
+              <a:t>1 Sender – 1 Receiver</a:t>
+            </a:r>
+          </a:p>
+          <a:p>
+            <a:pPr marL="627063" lvl="1" indent="-169863">
+              <a:spcBef>
+                <a:spcPct val="40000"/>
+              </a:spcBef>
+              <a:buFontTx/>
+              <a:buChar char="•"/>
+            </a:pPr>
+            <a:r>
+              <a:rPr lang="en-US" altLang="zh-CN" sz="2200" i="0" dirty="0" smtClean="0">
+                <a:latin typeface="+mn-lt"/>
+                <a:ea typeface="宋体" pitchFamily="-65" charset="-128"/>
+                <a:cs typeface="Times New Roman" charset="0"/>
+              </a:rPr>
+              <a:t>1 Sender – 5 Receivers</a:t>
+            </a:r>
+          </a:p>
+          <a:p>
+            <a:pPr marL="627063" lvl="1" indent="-169863">
+              <a:spcBef>
+                <a:spcPct val="40000"/>
+              </a:spcBef>
+              <a:buFontTx/>
+              <a:buChar char="•"/>
+            </a:pPr>
+            <a:r>
+              <a:rPr lang="en-US" altLang="zh-CN" sz="2200" i="0" dirty="0" smtClean="0">
+                <a:latin typeface="+mn-lt"/>
+                <a:ea typeface="宋体" pitchFamily="-65" charset="-128"/>
+                <a:cs typeface="Times New Roman" charset="0"/>
+              </a:rPr>
+              <a:t>5 Senders – 1 Receiver</a:t>
+            </a:r>
+          </a:p>
+          <a:p>
+            <a:pPr marL="627063" lvl="1" indent="-169863">
+              <a:spcBef>
+                <a:spcPct val="40000"/>
+              </a:spcBef>
+              <a:buFontTx/>
+              <a:buChar char="•"/>
+            </a:pPr>
+            <a:r>
+              <a:rPr lang="en-US" altLang="zh-CN" sz="2200" i="0" dirty="0" smtClean="0">
+                <a:latin typeface="+mn-lt"/>
+                <a:ea typeface="宋体" pitchFamily="-65" charset="-128"/>
+                <a:cs typeface="Times New Roman" charset="0"/>
+              </a:rPr>
+              <a:t>5 Senders – 5 Receivers</a:t>
+            </a:r>
+            <a:endParaRPr lang="en-US" altLang="zh-CN" sz="2200" i="0" dirty="0">
+              <a:latin typeface="+mn-lt"/>
               <a:ea typeface="宋体" pitchFamily="-65" charset="-128"/>
               <a:cs typeface="Times New Roman" charset="0"/>
             </a:endParaRPr>
@@ -21263,213 +21278,95 @@
       </p:grpSpPr>
       <p:sp>
         <p:nvSpPr>
-          <p:cNvPr id="287746" name="Rectangle 2"/>
+          <p:cNvPr id="285698" name="Slide Number Placeholder 4"/>
           <p:cNvSpPr>
-            <a:spLocks noChangeArrowheads="1"/>
+            <a:spLocks noGrp="1"/>
           </p:cNvSpPr>
-          <p:nvPr/>
+          <p:nvPr>
+            <p:ph type="sldNum" sz="quarter" idx="4294967295"/>
+          </p:nvPr>
         </p:nvSpPr>
-        <p:spPr bwMode="auto">
+        <p:spPr>
           <a:xfrm>
-            <a:off x="0" y="542925"/>
-            <a:ext cx="9144000" cy="381000"/>
+            <a:off x="17463" y="6242050"/>
+            <a:ext cx="700087" cy="488950"/>
           </a:xfrm>
           <a:prstGeom prst="rect">
             <a:avLst/>
           </a:prstGeom>
           <a:noFill/>
-          <a:ln w="9525">
-            <a:noFill/>
-            <a:miter lim="800000"/>
-            <a:headEnd/>
-            <a:tailEnd/>
-          </a:ln>
         </p:spPr>
         <p:txBody>
-          <a:bodyPr anchor="ctr">
-            <a:prstTxWarp prst="textNoShape">
-              <a:avLst/>
-            </a:prstTxWarp>
-          </a:bodyPr>
+          <a:bodyPr/>
           <a:lstStyle/>
           <a:p>
-            <a:pPr algn="ctr">
-              <a:spcBef>
-                <a:spcPct val="0"/>
-              </a:spcBef>
-            </a:pPr>
-            <a:r>
-              <a:rPr lang="en-US" altLang="zh-CN" sz="3200" i="0">
-                <a:solidFill>
-                  <a:srgbClr val="FF0000"/>
-                </a:solidFill>
-                <a:ea typeface="宋体" pitchFamily="-65" charset="-128"/>
-                <a:cs typeface="宋体" pitchFamily="-65" charset="-128"/>
-              </a:rPr>
-              <a:t>AMI4CCM</a:t>
-            </a:r>
+            <a:fld id="{5CB601B8-8FA2-AE48-A3A2-26C7472E0B50}" type="slidenum">
+              <a:rPr lang="zh-CN" altLang="en-US"/>
+              <a:pPr/>
+              <a:t>39</a:t>
+            </a:fld>
+            <a:endParaRPr lang="en-US" altLang="zh-CN"/>
           </a:p>
         </p:txBody>
       </p:sp>
       <p:sp>
         <p:nvSpPr>
-          <p:cNvPr id="287747" name="Rectangle 3"/>
+          <p:cNvPr id="285699" name="Rectangle 2"/>
           <p:cNvSpPr>
-            <a:spLocks noChangeArrowheads="1"/>
+            <a:spLocks noGrp="1" noChangeArrowheads="1"/>
           </p:cNvSpPr>
-          <p:nvPr/>
+          <p:nvPr>
+            <p:ph type="body" idx="1"/>
+          </p:nvPr>
         </p:nvSpPr>
-        <p:spPr bwMode="auto">
+        <p:spPr>
           <a:xfrm>
-            <a:off x="228600" y="1190625"/>
-            <a:ext cx="8763000" cy="4876800"/>
+            <a:off x="1311275" y="1066800"/>
+            <a:ext cx="7213600" cy="5019675"/>
           </a:xfrm>
-          <a:prstGeom prst="rect">
-            <a:avLst/>
-          </a:prstGeom>
           <a:noFill/>
-          <a:ln w="9525">
-            <a:noFill/>
-            <a:miter lim="800000"/>
-            <a:headEnd/>
-            <a:tailEnd/>
-          </a:ln>
         </p:spPr>
         <p:txBody>
-          <a:bodyPr>
-            <a:prstTxWarp prst="textNoShape">
-              <a:avLst/>
-            </a:prstTxWarp>
-          </a:bodyPr>
+          <a:bodyPr anchor="ctr" anchorCtr="1"/>
           <a:lstStyle/>
           <a:p>
-            <a:pPr marL="169863" indent="-169863">
-              <a:spcBef>
-                <a:spcPct val="40000"/>
-              </a:spcBef>
-              <a:buFontTx/>
-              <a:buChar char="•"/>
-            </a:pPr>
-            <a:endParaRPr lang="en-US" altLang="zh-CN" sz="2000" i="0">
-              <a:ea typeface="宋体" pitchFamily="-65" charset="-128"/>
-              <a:cs typeface="Times New Roman" charset="0"/>
+            <a:pPr algn="ctr" eaLnBrk="1" hangingPunct="1">
+              <a:buFont typeface="Wingdings" charset="2"/>
+              <a:buNone/>
+            </a:pPr>
+            <a:endParaRPr lang="zh-CN" altLang="en-US" sz="5400">
+              <a:solidFill>
+                <a:srgbClr val="FF3300"/>
+              </a:solidFill>
+            </a:endParaRPr>
+          </a:p>
+          <a:p>
+            <a:pPr algn="ctr" eaLnBrk="1" hangingPunct="1">
+              <a:buFont typeface="Wingdings" charset="2"/>
+              <a:buNone/>
+            </a:pPr>
+            <a:r>
+              <a:rPr lang="en-US" altLang="zh-CN" sz="5400">
+                <a:solidFill>
+                  <a:srgbClr val="FF3300"/>
+                </a:solidFill>
+              </a:rPr>
+              <a:t>AMI4CCM</a:t>
+            </a:r>
+          </a:p>
+          <a:p>
+            <a:pPr algn="ctr" eaLnBrk="1" hangingPunct="1">
+              <a:buFont typeface="Wingdings" charset="2"/>
+              <a:buNone/>
+            </a:pPr>
+            <a:endParaRPr lang="zh-CN" altLang="en-US" sz="5400">
+              <a:solidFill>
+                <a:srgbClr val="FF3300"/>
+              </a:solidFill>
             </a:endParaRPr>
           </a:p>
         </p:txBody>
       </p:sp>
-      <p:sp>
-        <p:nvSpPr>
-          <p:cNvPr id="287748" name="Rectangle 4"/>
-          <p:cNvSpPr>
-            <a:spLocks noChangeArrowheads="1"/>
-          </p:cNvSpPr>
-          <p:nvPr/>
-        </p:nvSpPr>
-        <p:spPr bwMode="auto">
-          <a:xfrm>
-            <a:off x="381000" y="1343025"/>
-            <a:ext cx="8763000" cy="4876800"/>
-          </a:xfrm>
-          <a:prstGeom prst="rect">
-            <a:avLst/>
-          </a:prstGeom>
-          <a:noFill/>
-          <a:ln w="9525">
-            <a:noFill/>
-            <a:miter lim="800000"/>
-            <a:headEnd/>
-            <a:tailEnd/>
-          </a:ln>
-        </p:spPr>
-        <p:txBody>
-          <a:bodyPr>
-            <a:prstTxWarp prst="textNoShape">
-              <a:avLst/>
-            </a:prstTxWarp>
-          </a:bodyPr>
-          <a:lstStyle/>
-          <a:p>
-            <a:pPr marL="169863" indent="-169863">
-              <a:spcBef>
-                <a:spcPct val="40000"/>
-              </a:spcBef>
-              <a:buFontTx/>
-              <a:buChar char="•"/>
-            </a:pPr>
-            <a:r>
-              <a:rPr lang="en-US" altLang="zh-CN" sz="2000" i="0">
-                <a:ea typeface="宋体" pitchFamily="-65" charset="-128"/>
-                <a:cs typeface="Times New Roman" charset="0"/>
-              </a:rPr>
-              <a:t>Tooling will generate an AMI fragment</a:t>
-            </a:r>
-          </a:p>
-          <a:p>
-            <a:pPr marL="169863" indent="-169863">
-              <a:spcBef>
-                <a:spcPct val="40000"/>
-              </a:spcBef>
-              <a:buFontTx/>
-              <a:buChar char="•"/>
-            </a:pPr>
-            <a:r>
-              <a:rPr lang="en-US" altLang="zh-CN" sz="2000" i="0">
-                <a:ea typeface="宋体" pitchFamily="-65" charset="-128"/>
-                <a:cs typeface="Times New Roman" charset="0"/>
-              </a:rPr>
-              <a:t>AMI fragment will handle the asynchronous invocation</a:t>
-            </a:r>
-          </a:p>
-          <a:p>
-            <a:pPr marL="169863" indent="-169863">
-              <a:spcBef>
-                <a:spcPct val="40000"/>
-              </a:spcBef>
-              <a:buFontTx/>
-              <a:buChar char="•"/>
-            </a:pPr>
-            <a:r>
-              <a:rPr lang="en-US" altLang="zh-CN" sz="2000" i="0">
-                <a:ea typeface="宋体" pitchFamily="-65" charset="-128"/>
-                <a:cs typeface="Times New Roman" charset="0"/>
-              </a:rPr>
-              <a:t>AMI fragment uses CORBA AMI (but could use other mechanisms like DDS)</a:t>
-            </a:r>
-          </a:p>
-        </p:txBody>
-      </p:sp>
-      <p:pic>
-        <p:nvPicPr>
-          <p:cNvPr id="287749" name="Picture 2"/>
-          <p:cNvPicPr>
-            <a:picLocks noChangeAspect="1" noChangeArrowheads="1"/>
-          </p:cNvPicPr>
-          <p:nvPr/>
-        </p:nvPicPr>
-        <p:blipFill>
-          <a:blip r:embed="rId2"/>
-          <a:srcRect/>
-          <a:stretch>
-            <a:fillRect/>
-          </a:stretch>
-        </p:blipFill>
-        <p:spPr bwMode="auto">
-          <a:xfrm>
-            <a:off x="1516063" y="3600450"/>
-            <a:ext cx="5360987" cy="1693863"/>
-          </a:xfrm>
-          <a:prstGeom prst="rect">
-            <a:avLst/>
-          </a:prstGeom>
-          <a:noFill/>
-          <a:ln w="9525">
-            <a:noFill/>
-            <a:miter lim="800000"/>
-            <a:headEnd/>
-            <a:tailEnd/>
-          </a:ln>
-        </p:spPr>
-      </p:pic>
     </p:spTree>
   </p:cSld>
   <p:clrMapOvr>
@@ -21547,17 +21444,7 @@
                 <a:ea typeface="宋体" pitchFamily="-65" charset="-128"/>
                 <a:cs typeface="宋体" pitchFamily="-65" charset="-128"/>
               </a:rPr>
-              <a:t>Results iteration </a:t>
-            </a:r>
-            <a:r>
-              <a:rPr lang="en-US" altLang="zh-CN" sz="3200" i="0" dirty="0" smtClean="0">
-                <a:solidFill>
-                  <a:srgbClr val="FF0000"/>
-                </a:solidFill>
-                <a:ea typeface="宋体" pitchFamily="-65" charset="-128"/>
-                <a:cs typeface="宋体" pitchFamily="-65" charset="-128"/>
-              </a:rPr>
-              <a:t>2</a:t>
+              <a:t>Results iteration 2</a:t>
             </a:r>
             <a:endParaRPr lang="en-US" altLang="zh-CN" sz="3200" i="0" dirty="0">
               <a:solidFill>
@@ -21739,35 +21626,24 @@
                 <a:ea typeface="宋体" pitchFamily="-65" charset="-128"/>
                 <a:cs typeface="Times New Roman" charset="0"/>
               </a:rPr>
-              <a:t>Delayed implementing more DDS ports in the </a:t>
-            </a:r>
+              <a:t>Delayed implementing more DDS ports in the prototype</a:t>
+            </a:r>
+          </a:p>
+          <a:p>
+            <a:pPr marL="627063" lvl="1" indent="-169863">
+              <a:spcBef>
+                <a:spcPct val="40000"/>
+              </a:spcBef>
+              <a:buFontTx/>
+              <a:buChar char="•"/>
+            </a:pPr>
             <a:r>
               <a:rPr lang="en-US" altLang="zh-CN" sz="2000" i="0" dirty="0" smtClean="0">
                 <a:ea typeface="宋体" pitchFamily="-65" charset="-128"/>
                 <a:cs typeface="Times New Roman" charset="0"/>
               </a:rPr>
-              <a:t>prototype</a:t>
-            </a:r>
-          </a:p>
-          <a:p>
-            <a:pPr marL="627063" lvl="1" indent="-169863">
-              <a:spcBef>
-                <a:spcPct val="40000"/>
-              </a:spcBef>
-              <a:buFontTx/>
-              <a:buChar char="•"/>
-            </a:pPr>
-            <a:r>
-              <a:rPr lang="en-US" altLang="zh-CN" sz="2000" i="0" dirty="0" smtClean="0">
-                <a:ea typeface="宋体" pitchFamily="-65" charset="-128"/>
-                <a:cs typeface="Times New Roman" charset="0"/>
-              </a:rPr>
               <a:t>Delayed detailed spec compliance check</a:t>
             </a:r>
-            <a:endParaRPr lang="en-US" altLang="zh-CN" sz="2000" i="0" dirty="0" smtClean="0">
-              <a:ea typeface="宋体" pitchFamily="-65" charset="-128"/>
-              <a:cs typeface="Times New Roman" charset="0"/>
-            </a:endParaRPr>
           </a:p>
           <a:p>
             <a:pPr marL="169863" indent="-169863">
@@ -21800,6 +21676,485 @@
 </file>
 
 <file path=ppt/slides/slide40.xml><?xml version="1.0" encoding="utf-8"?>
+<p:sld xmlns:a="http://schemas.openxmlformats.org/drawingml/2006/main" xmlns:r="http://schemas.openxmlformats.org/officeDocument/2006/relationships" xmlns:p="http://schemas.openxmlformats.org/presentationml/2006/main">
+  <p:cSld>
+    <p:spTree>
+      <p:nvGrpSpPr>
+        <p:cNvPr id="1" name=""/>
+        <p:cNvGrpSpPr/>
+        <p:nvPr/>
+      </p:nvGrpSpPr>
+      <p:grpSpPr>
+        <a:xfrm>
+          <a:off x="0" y="0"/>
+          <a:ext cx="0" cy="0"/>
+          <a:chOff x="0" y="0"/>
+          <a:chExt cx="0" cy="0"/>
+        </a:xfrm>
+      </p:grpSpPr>
+      <p:sp>
+        <p:nvSpPr>
+          <p:cNvPr id="286722" name="Rectangle 2"/>
+          <p:cNvSpPr>
+            <a:spLocks noChangeArrowheads="1"/>
+          </p:cNvSpPr>
+          <p:nvPr/>
+        </p:nvSpPr>
+        <p:spPr bwMode="auto">
+          <a:xfrm>
+            <a:off x="0" y="542925"/>
+            <a:ext cx="9144000" cy="381000"/>
+          </a:xfrm>
+          <a:prstGeom prst="rect">
+            <a:avLst/>
+          </a:prstGeom>
+          <a:noFill/>
+          <a:ln w="9525">
+            <a:noFill/>
+            <a:miter lim="800000"/>
+            <a:headEnd/>
+            <a:tailEnd/>
+          </a:ln>
+        </p:spPr>
+        <p:txBody>
+          <a:bodyPr anchor="ctr">
+            <a:prstTxWarp prst="textNoShape">
+              <a:avLst/>
+            </a:prstTxWarp>
+          </a:bodyPr>
+          <a:lstStyle/>
+          <a:p>
+            <a:pPr algn="ctr">
+              <a:spcBef>
+                <a:spcPct val="0"/>
+              </a:spcBef>
+            </a:pPr>
+            <a:r>
+              <a:rPr lang="en-US" altLang="zh-CN" sz="3200" i="0">
+                <a:solidFill>
+                  <a:srgbClr val="FF0000"/>
+                </a:solidFill>
+                <a:ea typeface="宋体" pitchFamily="-65" charset="-128"/>
+                <a:cs typeface="宋体" pitchFamily="-65" charset="-128"/>
+              </a:rPr>
+              <a:t>AMI4CCM</a:t>
+            </a:r>
+          </a:p>
+        </p:txBody>
+      </p:sp>
+      <p:sp>
+        <p:nvSpPr>
+          <p:cNvPr id="286723" name="Rectangle 3"/>
+          <p:cNvSpPr>
+            <a:spLocks noChangeArrowheads="1"/>
+          </p:cNvSpPr>
+          <p:nvPr/>
+        </p:nvSpPr>
+        <p:spPr bwMode="auto">
+          <a:xfrm>
+            <a:off x="228600" y="1190625"/>
+            <a:ext cx="8763000" cy="4876800"/>
+          </a:xfrm>
+          <a:prstGeom prst="rect">
+            <a:avLst/>
+          </a:prstGeom>
+          <a:noFill/>
+          <a:ln w="9525">
+            <a:noFill/>
+            <a:miter lim="800000"/>
+            <a:headEnd/>
+            <a:tailEnd/>
+          </a:ln>
+        </p:spPr>
+        <p:txBody>
+          <a:bodyPr>
+            <a:prstTxWarp prst="textNoShape">
+              <a:avLst/>
+            </a:prstTxWarp>
+          </a:bodyPr>
+          <a:lstStyle/>
+          <a:p>
+            <a:pPr marL="169863" indent="-169863">
+              <a:spcBef>
+                <a:spcPct val="40000"/>
+              </a:spcBef>
+              <a:buFontTx/>
+              <a:buChar char="•"/>
+            </a:pPr>
+            <a:endParaRPr lang="en-US" altLang="zh-CN" sz="2000" i="0">
+              <a:ea typeface="宋体" pitchFamily="-65" charset="-128"/>
+              <a:cs typeface="Times New Roman" charset="0"/>
+            </a:endParaRPr>
+          </a:p>
+        </p:txBody>
+      </p:sp>
+      <p:sp>
+        <p:nvSpPr>
+          <p:cNvPr id="286724" name="Rectangle 4"/>
+          <p:cNvSpPr>
+            <a:spLocks noChangeArrowheads="1"/>
+          </p:cNvSpPr>
+          <p:nvPr/>
+        </p:nvSpPr>
+        <p:spPr bwMode="auto">
+          <a:xfrm>
+            <a:off x="381000" y="1343025"/>
+            <a:ext cx="8763000" cy="4876800"/>
+          </a:xfrm>
+          <a:prstGeom prst="rect">
+            <a:avLst/>
+          </a:prstGeom>
+          <a:noFill/>
+          <a:ln w="9525">
+            <a:noFill/>
+            <a:miter lim="800000"/>
+            <a:headEnd/>
+            <a:tailEnd/>
+          </a:ln>
+        </p:spPr>
+        <p:txBody>
+          <a:bodyPr>
+            <a:prstTxWarp prst="textNoShape">
+              <a:avLst/>
+            </a:prstTxWarp>
+          </a:bodyPr>
+          <a:lstStyle/>
+          <a:p>
+            <a:pPr marL="169863" indent="-169863">
+              <a:spcBef>
+                <a:spcPct val="40000"/>
+              </a:spcBef>
+              <a:buFontTx/>
+              <a:buChar char="•"/>
+            </a:pPr>
+            <a:r>
+              <a:rPr lang="en-US" altLang="zh-CN" sz="2200" i="0" dirty="0">
+                <a:ea typeface="宋体" pitchFamily="-65" charset="-128"/>
+                <a:cs typeface="Times New Roman" charset="0"/>
+              </a:rPr>
+              <a:t>Deliver Asynchronous Method Invocation to CCM</a:t>
+            </a:r>
+          </a:p>
+          <a:p>
+            <a:pPr marL="169863" indent="-169863">
+              <a:spcBef>
+                <a:spcPct val="40000"/>
+              </a:spcBef>
+              <a:buFontTx/>
+              <a:buChar char="•"/>
+            </a:pPr>
+            <a:r>
+              <a:rPr lang="en-US" altLang="zh-CN" sz="2200" i="0" dirty="0">
+                <a:ea typeface="宋体" pitchFamily="-65" charset="-128"/>
+                <a:cs typeface="Times New Roman" charset="0"/>
+              </a:rPr>
+              <a:t>AMI4CCM doesn’t use IDL3+, just IDL3</a:t>
+            </a:r>
+          </a:p>
+          <a:p>
+            <a:pPr marL="169863" indent="-169863">
+              <a:spcBef>
+                <a:spcPct val="40000"/>
+              </a:spcBef>
+              <a:buFontTx/>
+              <a:buChar char="•"/>
+            </a:pPr>
+            <a:r>
+              <a:rPr lang="en-US" altLang="zh-CN" sz="2200" i="0" dirty="0">
+                <a:ea typeface="宋体" pitchFamily="-65" charset="-128"/>
+                <a:cs typeface="Times New Roman" charset="0"/>
+              </a:rPr>
+              <a:t>AMI4CCM defines as set of rules to for implied IDL3</a:t>
+            </a:r>
+          </a:p>
+          <a:p>
+            <a:pPr marL="169863" indent="-169863">
+              <a:spcBef>
+                <a:spcPct val="40000"/>
+              </a:spcBef>
+              <a:buFontTx/>
+              <a:buChar char="•"/>
+            </a:pPr>
+            <a:r>
+              <a:rPr lang="en-US" altLang="zh-CN" sz="2200" i="0" dirty="0">
+                <a:ea typeface="宋体" pitchFamily="-65" charset="-128"/>
+                <a:cs typeface="Times New Roman" charset="0"/>
+              </a:rPr>
+              <a:t>Callback model only</a:t>
+            </a:r>
+          </a:p>
+          <a:p>
+            <a:pPr marL="627063" lvl="1" indent="-169863">
+              <a:spcBef>
+                <a:spcPct val="40000"/>
+              </a:spcBef>
+              <a:buFontTx/>
+              <a:buChar char="•"/>
+            </a:pPr>
+            <a:endParaRPr lang="en-US" altLang="zh-CN" sz="2200" i="0" dirty="0">
+              <a:ea typeface="宋体" pitchFamily="-65" charset="-128"/>
+              <a:cs typeface="Times New Roman" charset="0"/>
+            </a:endParaRPr>
+          </a:p>
+        </p:txBody>
+      </p:sp>
+    </p:spTree>
+  </p:cSld>
+  <p:clrMapOvr>
+    <a:masterClrMapping/>
+  </p:clrMapOvr>
+  <p:timing>
+    <p:tnLst>
+      <p:par>
+        <p:cTn id="1" dur="indefinite" restart="never" nodeType="tmRoot"/>
+      </p:par>
+    </p:tnLst>
+  </p:timing>
+</p:sld>
+</file>
+
+<file path=ppt/slides/slide41.xml><?xml version="1.0" encoding="utf-8"?>
+<p:sld xmlns:a="http://schemas.openxmlformats.org/drawingml/2006/main" xmlns:r="http://schemas.openxmlformats.org/officeDocument/2006/relationships" xmlns:p="http://schemas.openxmlformats.org/presentationml/2006/main">
+  <p:cSld>
+    <p:spTree>
+      <p:nvGrpSpPr>
+        <p:cNvPr id="1" name=""/>
+        <p:cNvGrpSpPr/>
+        <p:nvPr/>
+      </p:nvGrpSpPr>
+      <p:grpSpPr>
+        <a:xfrm>
+          <a:off x="0" y="0"/>
+          <a:ext cx="0" cy="0"/>
+          <a:chOff x="0" y="0"/>
+          <a:chExt cx="0" cy="0"/>
+        </a:xfrm>
+      </p:grpSpPr>
+      <p:sp>
+        <p:nvSpPr>
+          <p:cNvPr id="287746" name="Rectangle 2"/>
+          <p:cNvSpPr>
+            <a:spLocks noChangeArrowheads="1"/>
+          </p:cNvSpPr>
+          <p:nvPr/>
+        </p:nvSpPr>
+        <p:spPr bwMode="auto">
+          <a:xfrm>
+            <a:off x="0" y="542925"/>
+            <a:ext cx="9144000" cy="381000"/>
+          </a:xfrm>
+          <a:prstGeom prst="rect">
+            <a:avLst/>
+          </a:prstGeom>
+          <a:noFill/>
+          <a:ln w="9525">
+            <a:noFill/>
+            <a:miter lim="800000"/>
+            <a:headEnd/>
+            <a:tailEnd/>
+          </a:ln>
+        </p:spPr>
+        <p:txBody>
+          <a:bodyPr anchor="ctr">
+            <a:prstTxWarp prst="textNoShape">
+              <a:avLst/>
+            </a:prstTxWarp>
+          </a:bodyPr>
+          <a:lstStyle/>
+          <a:p>
+            <a:pPr algn="ctr">
+              <a:spcBef>
+                <a:spcPct val="0"/>
+              </a:spcBef>
+            </a:pPr>
+            <a:r>
+              <a:rPr lang="en-US" altLang="zh-CN" sz="3200" i="0">
+                <a:solidFill>
+                  <a:srgbClr val="FF0000"/>
+                </a:solidFill>
+                <a:ea typeface="宋体" pitchFamily="-65" charset="-128"/>
+                <a:cs typeface="宋体" pitchFamily="-65" charset="-128"/>
+              </a:rPr>
+              <a:t>AMI4CCM</a:t>
+            </a:r>
+          </a:p>
+        </p:txBody>
+      </p:sp>
+      <p:sp>
+        <p:nvSpPr>
+          <p:cNvPr id="287747" name="Rectangle 3"/>
+          <p:cNvSpPr>
+            <a:spLocks noChangeArrowheads="1"/>
+          </p:cNvSpPr>
+          <p:nvPr/>
+        </p:nvSpPr>
+        <p:spPr bwMode="auto">
+          <a:xfrm>
+            <a:off x="228600" y="1190625"/>
+            <a:ext cx="8763000" cy="4876800"/>
+          </a:xfrm>
+          <a:prstGeom prst="rect">
+            <a:avLst/>
+          </a:prstGeom>
+          <a:noFill/>
+          <a:ln w="9525">
+            <a:noFill/>
+            <a:miter lim="800000"/>
+            <a:headEnd/>
+            <a:tailEnd/>
+          </a:ln>
+        </p:spPr>
+        <p:txBody>
+          <a:bodyPr>
+            <a:prstTxWarp prst="textNoShape">
+              <a:avLst/>
+            </a:prstTxWarp>
+          </a:bodyPr>
+          <a:lstStyle/>
+          <a:p>
+            <a:pPr marL="169863" indent="-169863">
+              <a:spcBef>
+                <a:spcPct val="40000"/>
+              </a:spcBef>
+              <a:buFontTx/>
+              <a:buChar char="•"/>
+            </a:pPr>
+            <a:endParaRPr lang="en-US" altLang="zh-CN" sz="2000" i="0">
+              <a:ea typeface="宋体" pitchFamily="-65" charset="-128"/>
+              <a:cs typeface="Times New Roman" charset="0"/>
+            </a:endParaRPr>
+          </a:p>
+        </p:txBody>
+      </p:sp>
+      <p:sp>
+        <p:nvSpPr>
+          <p:cNvPr id="287748" name="Rectangle 4"/>
+          <p:cNvSpPr>
+            <a:spLocks noChangeArrowheads="1"/>
+          </p:cNvSpPr>
+          <p:nvPr/>
+        </p:nvSpPr>
+        <p:spPr bwMode="auto">
+          <a:xfrm>
+            <a:off x="381000" y="1343025"/>
+            <a:ext cx="8763000" cy="4876800"/>
+          </a:xfrm>
+          <a:prstGeom prst="rect">
+            <a:avLst/>
+          </a:prstGeom>
+          <a:noFill/>
+          <a:ln w="9525">
+            <a:noFill/>
+            <a:miter lim="800000"/>
+            <a:headEnd/>
+            <a:tailEnd/>
+          </a:ln>
+        </p:spPr>
+        <p:txBody>
+          <a:bodyPr>
+            <a:prstTxWarp prst="textNoShape">
+              <a:avLst/>
+            </a:prstTxWarp>
+          </a:bodyPr>
+          <a:lstStyle/>
+          <a:p>
+            <a:pPr marL="169863" indent="-169863">
+              <a:spcBef>
+                <a:spcPct val="40000"/>
+              </a:spcBef>
+              <a:buFontTx/>
+              <a:buChar char="•"/>
+            </a:pPr>
+            <a:r>
+              <a:rPr lang="en-US" altLang="zh-CN" sz="2200" i="0" dirty="0">
+                <a:ea typeface="宋体" pitchFamily="-65" charset="-128"/>
+                <a:cs typeface="Times New Roman" charset="0"/>
+              </a:rPr>
+              <a:t>Tooling will generate an AMI fragment</a:t>
+            </a:r>
+          </a:p>
+          <a:p>
+            <a:pPr marL="169863" indent="-169863">
+              <a:spcBef>
+                <a:spcPct val="40000"/>
+              </a:spcBef>
+              <a:buFontTx/>
+              <a:buChar char="•"/>
+            </a:pPr>
+            <a:r>
+              <a:rPr lang="en-US" altLang="zh-CN" sz="2200" i="0" dirty="0">
+                <a:ea typeface="宋体" pitchFamily="-65" charset="-128"/>
+                <a:cs typeface="Times New Roman" charset="0"/>
+              </a:rPr>
+              <a:t>AMI fragment will handle the asynchronous invocation</a:t>
+            </a:r>
+          </a:p>
+          <a:p>
+            <a:pPr marL="169863" indent="-169863">
+              <a:spcBef>
+                <a:spcPct val="40000"/>
+              </a:spcBef>
+              <a:buFontTx/>
+              <a:buChar char="•"/>
+            </a:pPr>
+            <a:r>
+              <a:rPr lang="en-US" altLang="zh-CN" sz="2200" i="0" dirty="0">
+                <a:ea typeface="宋体" pitchFamily="-65" charset="-128"/>
+                <a:cs typeface="Times New Roman" charset="0"/>
+              </a:rPr>
+              <a:t>AMI fragment uses CORBA AMI (but could use other mechanisms like DDS)</a:t>
+            </a:r>
+          </a:p>
+        </p:txBody>
+      </p:sp>
+      <p:pic>
+        <p:nvPicPr>
+          <p:cNvPr id="287749" name="Picture 2"/>
+          <p:cNvPicPr>
+            <a:picLocks noChangeAspect="1" noChangeArrowheads="1"/>
+          </p:cNvPicPr>
+          <p:nvPr/>
+        </p:nvPicPr>
+        <p:blipFill>
+          <a:blip r:embed="rId2"/>
+          <a:srcRect/>
+          <a:stretch>
+            <a:fillRect/>
+          </a:stretch>
+        </p:blipFill>
+        <p:spPr bwMode="auto">
+          <a:xfrm>
+            <a:off x="1516063" y="3600450"/>
+            <a:ext cx="5360987" cy="1693863"/>
+          </a:xfrm>
+          <a:prstGeom prst="rect">
+            <a:avLst/>
+          </a:prstGeom>
+          <a:noFill/>
+          <a:ln w="9525">
+            <a:noFill/>
+            <a:miter lim="800000"/>
+            <a:headEnd/>
+            <a:tailEnd/>
+          </a:ln>
+        </p:spPr>
+      </p:pic>
+    </p:spTree>
+  </p:cSld>
+  <p:clrMapOvr>
+    <a:masterClrMapping/>
+  </p:clrMapOvr>
+  <p:timing>
+    <p:tnLst>
+      <p:par>
+        <p:cTn id="1" dur="indefinite" restart="never" nodeType="tmRoot"/>
+      </p:par>
+    </p:tnLst>
+  </p:timing>
+</p:sld>
+</file>
+
+<file path=ppt/slides/slide42.xml><?xml version="1.0" encoding="utf-8"?>
 <p:sld xmlns:a="http://schemas.openxmlformats.org/drawingml/2006/main" xmlns:r="http://schemas.openxmlformats.org/officeDocument/2006/relationships" xmlns:p="http://schemas.openxmlformats.org/presentationml/2006/main">
   <p:cSld>
     <p:spTree>
@@ -21952,7 +22307,7 @@
               <a:buChar char="•"/>
             </a:pPr>
             <a:r>
-              <a:rPr lang="en-US" altLang="zh-CN" sz="2000" i="0">
+              <a:rPr lang="en-US" altLang="zh-CN" sz="2200" i="0" dirty="0">
                 <a:ea typeface="宋体" pitchFamily="-65" charset="-128"/>
                 <a:cs typeface="Times New Roman" charset="0"/>
               </a:rPr>
@@ -21968,7 +22323,7 @@
               <a:buChar char="•"/>
             </a:pPr>
             <a:r>
-              <a:rPr lang="en-US" altLang="zh-CN" sz="2000" i="0">
+              <a:rPr lang="en-US" altLang="zh-CN" sz="2200" i="0" dirty="0">
                 <a:ea typeface="宋体" pitchFamily="-65" charset="-128"/>
                 <a:cs typeface="Times New Roman" charset="0"/>
               </a:rPr>
@@ -21983,7 +22338,7 @@
               <a:buFontTx/>
               <a:buChar char="•"/>
             </a:pPr>
-            <a:endParaRPr lang="en-US" altLang="zh-CN" sz="2000" i="0">
+            <a:endParaRPr lang="en-US" altLang="zh-CN" sz="2200" i="0" dirty="0">
               <a:ea typeface="宋体" pitchFamily="-65" charset="-128"/>
               <a:cs typeface="Times New Roman" charset="0"/>
             </a:endParaRPr>
@@ -22005,7 +22360,7 @@
 </p:sld>
 </file>
 
-<file path=ppt/slides/slide41.xml><?xml version="1.0" encoding="utf-8"?>
+<file path=ppt/slides/slide43.xml><?xml version="1.0" encoding="utf-8"?>
 <p:sld xmlns:a="http://schemas.openxmlformats.org/drawingml/2006/main" xmlns:r="http://schemas.openxmlformats.org/officeDocument/2006/relationships" xmlns:p="http://schemas.openxmlformats.org/presentationml/2006/main">
   <p:cSld>
     <p:spTree>
@@ -22328,7 +22683,7 @@
 </p:sld>
 </file>
 
-<file path=ppt/slides/slide42.xml><?xml version="1.0" encoding="utf-8"?>
+<file path=ppt/slides/slide44.xml><?xml version="1.0" encoding="utf-8"?>
 <p:sld xmlns:a="http://schemas.openxmlformats.org/drawingml/2006/main" xmlns:r="http://schemas.openxmlformats.org/officeDocument/2006/relationships" xmlns:p="http://schemas.openxmlformats.org/presentationml/2006/main">
   <p:cSld>
     <p:spTree>
@@ -22561,7 +22916,7 @@
 </p:sld>
 </file>
 
-<file path=ppt/slides/slide43.xml><?xml version="1.0" encoding="utf-8"?>
+<file path=ppt/slides/slide45.xml><?xml version="1.0" encoding="utf-8"?>
 <p:sld xmlns:a="http://schemas.openxmlformats.org/drawingml/2006/main" xmlns:r="http://schemas.openxmlformats.org/officeDocument/2006/relationships" xmlns:p="http://schemas.openxmlformats.org/presentationml/2006/main">
   <p:cSld>
     <p:spTree>
@@ -22871,7 +23226,7 @@
 </p:sld>
 </file>
 
-<file path=ppt/slides/slide44.xml><?xml version="1.0" encoding="utf-8"?>
+<file path=ppt/slides/slide46.xml><?xml version="1.0" encoding="utf-8"?>
 <p:sld xmlns:a="http://schemas.openxmlformats.org/drawingml/2006/main" xmlns:r="http://schemas.openxmlformats.org/officeDocument/2006/relationships" xmlns:p="http://schemas.openxmlformats.org/presentationml/2006/main">
   <p:cSld>
     <p:spTree>
@@ -23158,7 +23513,7 @@
 </p:sld>
 </file>
 
-<file path=ppt/slides/slide45.xml><?xml version="1.0" encoding="utf-8"?>
+<file path=ppt/slides/slide47.xml><?xml version="1.0" encoding="utf-8"?>
 <p:sld xmlns:a="http://schemas.openxmlformats.org/drawingml/2006/main" xmlns:r="http://schemas.openxmlformats.org/officeDocument/2006/relationships" xmlns:p="http://schemas.openxmlformats.org/presentationml/2006/main">
   <p:cSld>
     <p:spTree>
@@ -23509,7 +23864,7 @@
 </p:sld>
 </file>
 
-<file path=ppt/slides/slide46.xml><?xml version="1.0" encoding="utf-8"?>
+<file path=ppt/slides/slide48.xml><?xml version="1.0" encoding="utf-8"?>
 <p:sld xmlns:a="http://schemas.openxmlformats.org/drawingml/2006/main" xmlns:r="http://schemas.openxmlformats.org/officeDocument/2006/relationships" xmlns:p="http://schemas.openxmlformats.org/presentationml/2006/main">
   <p:cSld>
     <p:spTree>
@@ -23818,545 +24173,6 @@
             </a:br>
             <a:endParaRPr lang="nl-NL" sz="1100" i="0" dirty="0">
               <a:latin typeface="Courier New" charset="0"/>
-              <a:ea typeface="Courier New" charset="0"/>
-              <a:cs typeface="Courier New" charset="0"/>
-            </a:endParaRPr>
-          </a:p>
-        </p:txBody>
-      </p:sp>
-    </p:spTree>
-  </p:cSld>
-  <p:clrMapOvr>
-    <a:masterClrMapping/>
-  </p:clrMapOvr>
-  <p:timing>
-    <p:tnLst>
-      <p:par>
-        <p:cTn id="1" dur="indefinite" restart="never" nodeType="tmRoot"/>
-      </p:par>
-    </p:tnLst>
-  </p:timing>
-</p:sld>
-</file>
-
-<file path=ppt/slides/slide47.xml><?xml version="1.0" encoding="utf-8"?>
-<p:sld xmlns:a="http://schemas.openxmlformats.org/drawingml/2006/main" xmlns:r="http://schemas.openxmlformats.org/officeDocument/2006/relationships" xmlns:p="http://schemas.openxmlformats.org/presentationml/2006/main">
-  <p:cSld>
-    <p:spTree>
-      <p:nvGrpSpPr>
-        <p:cNvPr id="1" name=""/>
-        <p:cNvGrpSpPr/>
-        <p:nvPr/>
-      </p:nvGrpSpPr>
-      <p:grpSpPr>
-        <a:xfrm>
-          <a:off x="0" y="0"/>
-          <a:ext cx="0" cy="0"/>
-          <a:chOff x="0" y="0"/>
-          <a:chExt cx="0" cy="0"/>
-        </a:xfrm>
-      </p:grpSpPr>
-      <p:sp>
-        <p:nvSpPr>
-          <p:cNvPr id="294914" name="Rectangle 2"/>
-          <p:cNvSpPr>
-            <a:spLocks noChangeArrowheads="1"/>
-          </p:cNvSpPr>
-          <p:nvPr/>
-        </p:nvSpPr>
-        <p:spPr bwMode="auto">
-          <a:xfrm>
-            <a:off x="0" y="542925"/>
-            <a:ext cx="9144000" cy="381000"/>
-          </a:xfrm>
-          <a:prstGeom prst="rect">
-            <a:avLst/>
-          </a:prstGeom>
-          <a:noFill/>
-          <a:ln w="9525">
-            <a:noFill/>
-            <a:miter lim="800000"/>
-            <a:headEnd/>
-            <a:tailEnd/>
-          </a:ln>
-        </p:spPr>
-        <p:txBody>
-          <a:bodyPr anchor="ctr">
-            <a:prstTxWarp prst="textNoShape">
-              <a:avLst/>
-            </a:prstTxWarp>
-          </a:bodyPr>
-          <a:lstStyle/>
-          <a:p>
-            <a:pPr algn="ctr">
-              <a:spcBef>
-                <a:spcPct val="0"/>
-              </a:spcBef>
-            </a:pPr>
-            <a:r>
-              <a:rPr lang="en-US" altLang="zh-CN" sz="3200" i="0">
-                <a:solidFill>
-                  <a:srgbClr val="FF0000"/>
-                </a:solidFill>
-                <a:ea typeface="宋体" pitchFamily="-65" charset="-128"/>
-                <a:cs typeface="宋体" pitchFamily="-65" charset="-128"/>
-              </a:rPr>
-              <a:t>Invoking the asynchronous callback</a:t>
-            </a:r>
-          </a:p>
-        </p:txBody>
-      </p:sp>
-      <p:sp>
-        <p:nvSpPr>
-          <p:cNvPr id="294915" name="Rectangle 3"/>
-          <p:cNvSpPr>
-            <a:spLocks noChangeArrowheads="1"/>
-          </p:cNvSpPr>
-          <p:nvPr/>
-        </p:nvSpPr>
-        <p:spPr bwMode="auto">
-          <a:xfrm>
-            <a:off x="228600" y="1190625"/>
-            <a:ext cx="8763000" cy="4876800"/>
-          </a:xfrm>
-          <a:prstGeom prst="rect">
-            <a:avLst/>
-          </a:prstGeom>
-          <a:noFill/>
-          <a:ln w="9525">
-            <a:noFill/>
-            <a:miter lim="800000"/>
-            <a:headEnd/>
-            <a:tailEnd/>
-          </a:ln>
-        </p:spPr>
-        <p:txBody>
-          <a:bodyPr>
-            <a:prstTxWarp prst="textNoShape">
-              <a:avLst/>
-            </a:prstTxWarp>
-          </a:bodyPr>
-          <a:lstStyle/>
-          <a:p>
-            <a:pPr marL="169863" indent="-169863">
-              <a:spcBef>
-                <a:spcPct val="40000"/>
-              </a:spcBef>
-              <a:buFontTx/>
-              <a:buChar char="•"/>
-            </a:pPr>
-            <a:endParaRPr lang="en-US" altLang="zh-CN" sz="2000" i="0">
-              <a:ea typeface="宋体" pitchFamily="-65" charset="-128"/>
-              <a:cs typeface="Times New Roman" charset="0"/>
-            </a:endParaRPr>
-          </a:p>
-        </p:txBody>
-      </p:sp>
-      <p:sp>
-        <p:nvSpPr>
-          <p:cNvPr id="294916" name="Rectangle 4"/>
-          <p:cNvSpPr>
-            <a:spLocks noChangeArrowheads="1"/>
-          </p:cNvSpPr>
-          <p:nvPr/>
-        </p:nvSpPr>
-        <p:spPr bwMode="auto">
-          <a:xfrm>
-            <a:off x="381000" y="1343025"/>
-            <a:ext cx="8763000" cy="4876800"/>
-          </a:xfrm>
-          <a:prstGeom prst="rect">
-            <a:avLst/>
-          </a:prstGeom>
-          <a:noFill/>
-          <a:ln w="9525">
-            <a:noFill/>
-            <a:miter lim="800000"/>
-            <a:headEnd/>
-            <a:tailEnd/>
-          </a:ln>
-        </p:spPr>
-        <p:txBody>
-          <a:bodyPr>
-            <a:prstTxWarp prst="textNoShape">
-              <a:avLst/>
-            </a:prstTxWarp>
-          </a:bodyPr>
-          <a:lstStyle/>
-          <a:p>
-            <a:r>
-              <a:rPr lang="en-US" sz="1100" i="0" dirty="0" smtClean="0">
-                <a:latin typeface="Courier New" charset="0"/>
-                <a:ea typeface="Courier New" charset="0"/>
-                <a:cs typeface="Courier New" charset="0"/>
-              </a:rPr>
-              <a:t> ::CCM_AMI::</a:t>
-            </a:r>
-            <a:r>
-              <a:rPr lang="en-US" sz="1100" i="0" dirty="0" err="1" smtClean="0">
-                <a:latin typeface="Courier New" charset="0"/>
-                <a:ea typeface="Courier New" charset="0"/>
-                <a:cs typeface="Courier New" charset="0"/>
-              </a:rPr>
-              <a:t>AMI_MyFoo_var</a:t>
-            </a:r>
-            <a:r>
-              <a:rPr lang="en-US" sz="1100" i="0" dirty="0" smtClean="0">
-                <a:latin typeface="Courier New" charset="0"/>
-                <a:ea typeface="Courier New" charset="0"/>
-                <a:cs typeface="Courier New" charset="0"/>
-              </a:rPr>
-              <a:t> </a:t>
-            </a:r>
-            <a:r>
-              <a:rPr lang="en-US" sz="1100" i="0" dirty="0" err="1" smtClean="0">
-                <a:latin typeface="Courier New" charset="0"/>
-                <a:ea typeface="Courier New" charset="0"/>
-                <a:cs typeface="Courier New" charset="0"/>
-              </a:rPr>
-              <a:t>my_foo_ami</a:t>
-            </a:r>
-            <a:r>
-              <a:rPr lang="en-US" sz="1100" i="0" dirty="0" smtClean="0">
-                <a:latin typeface="Courier New" charset="0"/>
-                <a:ea typeface="Courier New" charset="0"/>
-                <a:cs typeface="Courier New" charset="0"/>
-              </a:rPr>
-              <a:t> =</a:t>
-            </a:r>
-          </a:p>
-          <a:p>
-            <a:r>
-              <a:rPr lang="en-US" sz="1100" i="0" dirty="0" smtClean="0">
-                <a:latin typeface="Courier New" charset="0"/>
-                <a:ea typeface="Courier New" charset="0"/>
-                <a:cs typeface="Courier New" charset="0"/>
-              </a:rPr>
-              <a:t>      this-&gt;context_-&gt;</a:t>
-            </a:r>
-            <a:r>
-              <a:rPr lang="en-US" sz="1100" i="0" dirty="0" err="1" smtClean="0">
-                <a:latin typeface="Courier New" charset="0"/>
-                <a:ea typeface="Courier New" charset="0"/>
-                <a:cs typeface="Courier New" charset="0"/>
-              </a:rPr>
-              <a:t>get_connection_run_asynch_my_foo</a:t>
-            </a:r>
-            <a:r>
-              <a:rPr lang="en-US" sz="1100" i="0" dirty="0" smtClean="0">
-                <a:latin typeface="Courier New" charset="0"/>
-                <a:ea typeface="Courier New" charset="0"/>
-                <a:cs typeface="Courier New" charset="0"/>
-              </a:rPr>
-              <a:t>();</a:t>
-            </a:r>
-          </a:p>
-          <a:p>
-            <a:r>
-              <a:rPr lang="en-US" sz="1100" i="0" dirty="0" smtClean="0">
-                <a:latin typeface="Courier New" charset="0"/>
-                <a:ea typeface="Courier New" charset="0"/>
-                <a:cs typeface="Courier New" charset="0"/>
-              </a:rPr>
-              <a:t> </a:t>
-            </a:r>
-            <a:r>
-              <a:rPr lang="en-US" sz="1100" i="0" dirty="0" err="1" smtClean="0">
-                <a:latin typeface="Courier New" charset="0"/>
-                <a:ea typeface="Courier New" charset="0"/>
-                <a:cs typeface="Courier New" charset="0"/>
-              </a:rPr>
-              <a:t>my_foo_ami</a:t>
-            </a:r>
-            <a:r>
-              <a:rPr lang="en-US" sz="1100" i="0" dirty="0" smtClean="0">
-                <a:latin typeface="Courier New" charset="0"/>
-                <a:ea typeface="Courier New" charset="0"/>
-                <a:cs typeface="Courier New" charset="0"/>
-              </a:rPr>
-              <a:t>_-&gt;</a:t>
-            </a:r>
-            <a:r>
-              <a:rPr lang="en-US" sz="1100" i="0" dirty="0" err="1" smtClean="0">
-                <a:latin typeface="Courier New" charset="0"/>
-                <a:ea typeface="Courier New" charset="0"/>
-                <a:cs typeface="Courier New" charset="0"/>
-              </a:rPr>
-              <a:t>sendc_foo</a:t>
-            </a:r>
-            <a:r>
-              <a:rPr lang="en-US" sz="1100" i="0" dirty="0" smtClean="0">
-                <a:latin typeface="Courier New" charset="0"/>
-                <a:ea typeface="Courier New" charset="0"/>
-                <a:cs typeface="Courier New" charset="0"/>
-              </a:rPr>
-              <a:t> ("Do something asynchronous");</a:t>
-            </a:r>
-            <a:endParaRPr lang="nl-NL" sz="1100" i="0" dirty="0">
-              <a:latin typeface="Courier New" charset="0"/>
-              <a:ea typeface="Courier New" charset="0"/>
-              <a:cs typeface="Courier New" charset="0"/>
-            </a:endParaRPr>
-          </a:p>
-        </p:txBody>
-      </p:sp>
-    </p:spTree>
-  </p:cSld>
-  <p:clrMapOvr>
-    <a:masterClrMapping/>
-  </p:clrMapOvr>
-  <p:timing>
-    <p:tnLst>
-      <p:par>
-        <p:cTn id="1" dur="indefinite" restart="never" nodeType="tmRoot"/>
-      </p:par>
-    </p:tnLst>
-  </p:timing>
-</p:sld>
-</file>
-
-<file path=ppt/slides/slide48.xml><?xml version="1.0" encoding="utf-8"?>
-<p:sld xmlns:a="http://schemas.openxmlformats.org/drawingml/2006/main" xmlns:r="http://schemas.openxmlformats.org/officeDocument/2006/relationships" xmlns:p="http://schemas.openxmlformats.org/presentationml/2006/main">
-  <p:cSld>
-    <p:spTree>
-      <p:nvGrpSpPr>
-        <p:cNvPr id="1" name=""/>
-        <p:cNvGrpSpPr/>
-        <p:nvPr/>
-      </p:nvGrpSpPr>
-      <p:grpSpPr>
-        <a:xfrm>
-          <a:off x="0" y="0"/>
-          <a:ext cx="0" cy="0"/>
-          <a:chOff x="0" y="0"/>
-          <a:chExt cx="0" cy="0"/>
-        </a:xfrm>
-      </p:grpSpPr>
-      <p:sp>
-        <p:nvSpPr>
-          <p:cNvPr id="294914" name="Rectangle 2"/>
-          <p:cNvSpPr>
-            <a:spLocks noChangeArrowheads="1"/>
-          </p:cNvSpPr>
-          <p:nvPr/>
-        </p:nvSpPr>
-        <p:spPr bwMode="auto">
-          <a:xfrm>
-            <a:off x="0" y="542925"/>
-            <a:ext cx="9144000" cy="381000"/>
-          </a:xfrm>
-          <a:prstGeom prst="rect">
-            <a:avLst/>
-          </a:prstGeom>
-          <a:noFill/>
-          <a:ln w="9525">
-            <a:noFill/>
-            <a:miter lim="800000"/>
-            <a:headEnd/>
-            <a:tailEnd/>
-          </a:ln>
-        </p:spPr>
-        <p:txBody>
-          <a:bodyPr anchor="ctr">
-            <a:prstTxWarp prst="textNoShape">
-              <a:avLst/>
-            </a:prstTxWarp>
-          </a:bodyPr>
-          <a:lstStyle/>
-          <a:p>
-            <a:pPr algn="ctr">
-              <a:spcBef>
-                <a:spcPct val="0"/>
-              </a:spcBef>
-            </a:pPr>
-            <a:r>
-              <a:rPr lang="en-US" altLang="zh-CN" sz="3200" i="0" dirty="0" smtClean="0">
-                <a:solidFill>
-                  <a:srgbClr val="FF0000"/>
-                </a:solidFill>
-                <a:ea typeface="宋体" pitchFamily="-65" charset="-128"/>
-                <a:cs typeface="宋体" pitchFamily="-65" charset="-128"/>
-              </a:rPr>
-              <a:t>Prototype</a:t>
-            </a:r>
-            <a:endParaRPr lang="en-US" altLang="zh-CN" sz="3200" i="0" dirty="0">
-              <a:solidFill>
-                <a:srgbClr val="FF0000"/>
-              </a:solidFill>
-              <a:ea typeface="宋体" pitchFamily="-65" charset="-128"/>
-              <a:cs typeface="宋体" pitchFamily="-65" charset="-128"/>
-            </a:endParaRPr>
-          </a:p>
-        </p:txBody>
-      </p:sp>
-      <p:sp>
-        <p:nvSpPr>
-          <p:cNvPr id="294915" name="Rectangle 3"/>
-          <p:cNvSpPr>
-            <a:spLocks noChangeArrowheads="1"/>
-          </p:cNvSpPr>
-          <p:nvPr/>
-        </p:nvSpPr>
-        <p:spPr bwMode="auto">
-          <a:xfrm>
-            <a:off x="228600" y="1190625"/>
-            <a:ext cx="8763000" cy="4876800"/>
-          </a:xfrm>
-          <a:prstGeom prst="rect">
-            <a:avLst/>
-          </a:prstGeom>
-          <a:noFill/>
-          <a:ln w="9525">
-            <a:noFill/>
-            <a:miter lim="800000"/>
-            <a:headEnd/>
-            <a:tailEnd/>
-          </a:ln>
-        </p:spPr>
-        <p:txBody>
-          <a:bodyPr>
-            <a:prstTxWarp prst="textNoShape">
-              <a:avLst/>
-            </a:prstTxWarp>
-          </a:bodyPr>
-          <a:lstStyle/>
-          <a:p>
-            <a:pPr marL="169863" indent="-169863">
-              <a:spcBef>
-                <a:spcPct val="40000"/>
-              </a:spcBef>
-              <a:buFontTx/>
-              <a:buChar char="•"/>
-            </a:pPr>
-            <a:endParaRPr lang="en-US" altLang="zh-CN" sz="2000" i="0">
-              <a:ea typeface="宋体" pitchFamily="-65" charset="-128"/>
-              <a:cs typeface="Times New Roman" charset="0"/>
-            </a:endParaRPr>
-          </a:p>
-        </p:txBody>
-      </p:sp>
-      <p:sp>
-        <p:nvSpPr>
-          <p:cNvPr id="294916" name="Rectangle 4"/>
-          <p:cNvSpPr>
-            <a:spLocks noChangeArrowheads="1"/>
-          </p:cNvSpPr>
-          <p:nvPr/>
-        </p:nvSpPr>
-        <p:spPr bwMode="auto">
-          <a:xfrm>
-            <a:off x="381000" y="1343025"/>
-            <a:ext cx="8763000" cy="4876800"/>
-          </a:xfrm>
-          <a:prstGeom prst="rect">
-            <a:avLst/>
-          </a:prstGeom>
-          <a:noFill/>
-          <a:ln w="9525">
-            <a:noFill/>
-            <a:miter lim="800000"/>
-            <a:headEnd/>
-            <a:tailEnd/>
-          </a:ln>
-        </p:spPr>
-        <p:txBody>
-          <a:bodyPr>
-            <a:prstTxWarp prst="textNoShape">
-              <a:avLst/>
-            </a:prstTxWarp>
-          </a:bodyPr>
-          <a:lstStyle/>
-          <a:p>
-            <a:pPr>
-              <a:buFont typeface="Arial" pitchFamily="34" charset="0"/>
-              <a:buChar char="•"/>
-            </a:pPr>
-            <a:r>
-              <a:rPr lang="en-US" altLang="zh-CN" sz="2000" i="0" dirty="0" smtClean="0">
-                <a:latin typeface="+mn-lt"/>
-                <a:ea typeface="宋体" pitchFamily="-65" charset="-128"/>
-                <a:cs typeface="Times New Roman" charset="0"/>
-              </a:rPr>
-              <a:t>$CIAO_ROOT/connectors/ami4ccm/examples/Hello</a:t>
-            </a:r>
-          </a:p>
-          <a:p>
-            <a:pPr>
-              <a:buFont typeface="Arial" pitchFamily="34" charset="0"/>
-              <a:buChar char="•"/>
-            </a:pPr>
-            <a:r>
-              <a:rPr lang="nl-NL" sz="2000" i="0" dirty="0" smtClean="0">
-                <a:latin typeface="+mn-lt"/>
-                <a:ea typeface="Courier New" charset="0"/>
-                <a:cs typeface="Courier New" charset="0"/>
-              </a:rPr>
-              <a:t>Sender component</a:t>
-            </a:r>
-          </a:p>
-          <a:p>
-            <a:pPr>
-              <a:buFont typeface="Arial" pitchFamily="34" charset="0"/>
-              <a:buChar char="•"/>
-            </a:pPr>
-            <a:r>
-              <a:rPr lang="nl-NL" sz="2000" i="0" dirty="0" smtClean="0">
-                <a:latin typeface="+mn-lt"/>
-                <a:ea typeface="Courier New" charset="0"/>
-                <a:cs typeface="Courier New" charset="0"/>
-              </a:rPr>
-              <a:t>Receiver component</a:t>
-            </a:r>
-          </a:p>
-          <a:p>
-            <a:pPr>
-              <a:buFont typeface="Arial" pitchFamily="34" charset="0"/>
-              <a:buChar char="•"/>
-            </a:pPr>
-            <a:r>
-              <a:rPr lang="nl-NL" sz="2000" i="0" dirty="0" smtClean="0">
-                <a:latin typeface="+mn-lt"/>
-                <a:ea typeface="Courier New" charset="0"/>
-                <a:cs typeface="Courier New" charset="0"/>
-              </a:rPr>
-              <a:t>AMI connector </a:t>
-            </a:r>
-            <a:endParaRPr lang="nl-NL" sz="2000" i="0" dirty="0">
-              <a:latin typeface="+mn-lt"/>
-              <a:ea typeface="Courier New" charset="0"/>
-              <a:cs typeface="Courier New" charset="0"/>
-            </a:endParaRPr>
-          </a:p>
-          <a:p>
-            <a:pPr>
-              <a:buFont typeface="Arial" pitchFamily="34" charset="0"/>
-              <a:buChar char="•"/>
-            </a:pPr>
-            <a:r>
-              <a:rPr lang="nl-NL" sz="2000" i="0" dirty="0" smtClean="0">
-                <a:latin typeface="+mn-lt"/>
-                <a:ea typeface="Courier New" charset="0"/>
-                <a:cs typeface="Courier New" charset="0"/>
-              </a:rPr>
-              <a:t>Deployment plan for these 3 components</a:t>
-            </a:r>
-            <a:r>
-              <a:rPr lang="nl-NL" sz="2000" i="0" dirty="0">
-                <a:latin typeface="+mn-lt"/>
-                <a:ea typeface="Courier New" charset="0"/>
-                <a:cs typeface="Courier New" charset="0"/>
-              </a:rPr>
-              <a:t/>
-            </a:r>
-            <a:br>
-              <a:rPr lang="nl-NL" sz="2000" i="0" dirty="0">
-                <a:latin typeface="+mn-lt"/>
-                <a:ea typeface="Courier New" charset="0"/>
-                <a:cs typeface="Courier New" charset="0"/>
-              </a:rPr>
-            </a:br>
-            <a:endParaRPr lang="nl-NL" sz="2000" i="0" dirty="0">
-              <a:latin typeface="+mn-lt"/>
               <a:ea typeface="Courier New" charset="0"/>
               <a:cs typeface="Courier New" charset="0"/>
             </a:endParaRPr>
@@ -24433,22 +24249,15 @@
               </a:spcBef>
             </a:pPr>
             <a:r>
-              <a:rPr lang="en-US" altLang="zh-CN" sz="3200" i="0" dirty="0" smtClean="0">
+              <a:rPr lang="en-US" altLang="zh-CN" sz="3200" i="0">
                 <a:solidFill>
                   <a:srgbClr val="FF0000"/>
                 </a:solidFill>
                 <a:ea typeface="宋体" pitchFamily="-65" charset="-128"/>
                 <a:cs typeface="宋体" pitchFamily="-65" charset="-128"/>
               </a:rPr>
-              <a:t>Possible OMG Process</a:t>
-            </a:r>
-            <a:endParaRPr lang="en-US" altLang="zh-CN" sz="3200" i="0" dirty="0">
-              <a:solidFill>
-                <a:srgbClr val="FF0000"/>
-              </a:solidFill>
-              <a:ea typeface="宋体" pitchFamily="-65" charset="-128"/>
-              <a:cs typeface="宋体" pitchFamily="-65" charset="-128"/>
-            </a:endParaRPr>
+              <a:t>Invoking the asynchronous callback</a:t>
+            </a:r>
           </a:p>
         </p:txBody>
       </p:sp>
@@ -24530,214 +24339,116 @@
           </a:bodyPr>
           <a:lstStyle/>
           <a:p>
-            <a:pPr>
-              <a:buFont typeface="Arial" pitchFamily="34" charset="0"/>
-              <a:buChar char="•"/>
-            </a:pPr>
-            <a:r>
-              <a:rPr lang="nl-NL" sz="2000" i="0" dirty="0" smtClean="0">
-                <a:latin typeface="+mn-lt"/>
-                <a:ea typeface="Courier New" charset="0"/>
-                <a:cs typeface="Courier New" charset="0"/>
-              </a:rPr>
-              <a:t>AMI4CCM port part anymore of DDS4CCM</a:t>
-            </a:r>
-          </a:p>
-          <a:p>
-            <a:pPr>
-              <a:buFont typeface="Arial" pitchFamily="34" charset="0"/>
-              <a:buChar char="•"/>
-            </a:pPr>
-            <a:r>
-              <a:rPr lang="nl-NL" sz="2000" i="0" dirty="0" smtClean="0">
-                <a:latin typeface="+mn-lt"/>
-                <a:ea typeface="Courier New" charset="0"/>
-                <a:cs typeface="Courier New" charset="0"/>
-              </a:rPr>
-              <a:t>Standardization will take</a:t>
-            </a:r>
-          </a:p>
-          <a:p>
-            <a:pPr lvl="1">
-              <a:buFont typeface="Arial" pitchFamily="34" charset="0"/>
-              <a:buChar char="•"/>
-            </a:pPr>
-            <a:r>
-              <a:rPr lang="nl-NL" sz="2000" i="0" dirty="0" smtClean="0">
-                <a:latin typeface="+mn-lt"/>
-                <a:ea typeface="Courier New" charset="0"/>
-                <a:cs typeface="Courier New" charset="0"/>
-              </a:rPr>
-              <a:t>Request for Proposal (RFP)</a:t>
-            </a:r>
-          </a:p>
-          <a:p>
-            <a:pPr lvl="1">
-              <a:buFont typeface="Arial" pitchFamily="34" charset="0"/>
-              <a:buChar char="•"/>
-            </a:pPr>
-            <a:r>
-              <a:rPr lang="nl-NL" sz="2000" i="0" dirty="0" smtClean="0">
-                <a:latin typeface="+mn-lt"/>
-                <a:ea typeface="Courier New" charset="0"/>
-                <a:cs typeface="Courier New" charset="0"/>
-              </a:rPr>
-              <a:t>Respond to the proposal</a:t>
-            </a:r>
-          </a:p>
-          <a:p>
-            <a:pPr lvl="1">
-              <a:buFont typeface="Arial" pitchFamily="34" charset="0"/>
-              <a:buChar char="•"/>
-            </a:pPr>
-            <a:r>
-              <a:rPr lang="nl-NL" sz="2000" i="0" dirty="0" smtClean="0">
-                <a:latin typeface="+mn-lt"/>
-                <a:ea typeface="Courier New" charset="0"/>
-                <a:cs typeface="Courier New" charset="0"/>
-              </a:rPr>
-              <a:t>Agree on a beta 1 specification</a:t>
-            </a:r>
-          </a:p>
-          <a:p>
-            <a:pPr lvl="1">
-              <a:buFont typeface="Arial" pitchFamily="34" charset="0"/>
-              <a:buChar char="•"/>
-            </a:pPr>
-            <a:r>
-              <a:rPr lang="nl-NL" sz="2000" i="0" dirty="0" smtClean="0">
-                <a:latin typeface="+mn-lt"/>
-                <a:ea typeface="Courier New" charset="0"/>
-                <a:cs typeface="Courier New" charset="0"/>
-              </a:rPr>
-              <a:t>Finalization Task Force (FTF)</a:t>
-            </a:r>
-          </a:p>
-          <a:p>
-            <a:pPr>
-              <a:buFont typeface="Arial" pitchFamily="34" charset="0"/>
-              <a:buChar char="•"/>
-            </a:pPr>
-            <a:r>
-              <a:rPr lang="nl-NL" sz="2000" i="0" dirty="0" smtClean="0">
-                <a:latin typeface="+mn-lt"/>
-                <a:ea typeface="Courier New" charset="0"/>
-                <a:cs typeface="Courier New" charset="0"/>
-              </a:rPr>
-              <a:t>Time commitment</a:t>
-            </a:r>
-          </a:p>
-          <a:p>
-            <a:pPr lvl="1">
-              <a:buFont typeface="Arial" pitchFamily="34" charset="0"/>
-              <a:buChar char="•"/>
-            </a:pPr>
-            <a:r>
-              <a:rPr lang="nl-NL" sz="2000" i="0" dirty="0" smtClean="0">
-                <a:latin typeface="+mn-lt"/>
-                <a:ea typeface="Courier New" charset="0"/>
-                <a:cs typeface="Courier New" charset="0"/>
-              </a:rPr>
-              <a:t>4 visits to a OMG meeting, each one week</a:t>
-            </a:r>
-          </a:p>
-          <a:p>
-            <a:pPr lvl="1">
-              <a:buFont typeface="Arial" pitchFamily="34" charset="0"/>
-              <a:buChar char="•"/>
-            </a:pPr>
-            <a:r>
-              <a:rPr lang="nl-NL" sz="2000" i="0" dirty="0" smtClean="0">
-                <a:latin typeface="+mn-lt"/>
-                <a:ea typeface="Courier New" charset="0"/>
-                <a:cs typeface="Courier New" charset="0"/>
-              </a:rPr>
-              <a:t>Around </a:t>
-            </a:r>
-            <a:r>
-              <a:rPr lang="nl-NL" sz="2000" i="0" dirty="0" smtClean="0">
-                <a:latin typeface="+mn-lt"/>
-                <a:ea typeface="Courier New" charset="0"/>
-                <a:cs typeface="Courier New" charset="0"/>
-              </a:rPr>
-              <a:t>2 </a:t>
-            </a:r>
-            <a:r>
-              <a:rPr lang="nl-NL" sz="2000" i="0" dirty="0" smtClean="0">
-                <a:latin typeface="+mn-lt"/>
-                <a:ea typeface="Courier New" charset="0"/>
-                <a:cs typeface="Courier New" charset="0"/>
-              </a:rPr>
-              <a:t>weeks of </a:t>
-            </a:r>
-            <a:r>
-              <a:rPr lang="nl-NL" sz="2000" i="0" dirty="0" smtClean="0">
-                <a:latin typeface="+mn-lt"/>
-                <a:ea typeface="Courier New" charset="0"/>
-                <a:cs typeface="Courier New" charset="0"/>
-              </a:rPr>
-              <a:t>work </a:t>
-            </a:r>
-            <a:r>
-              <a:rPr lang="nl-NL" sz="2000" i="0" dirty="0" smtClean="0">
-                <a:latin typeface="+mn-lt"/>
-                <a:ea typeface="Courier New" charset="0"/>
-                <a:cs typeface="Courier New" charset="0"/>
-              </a:rPr>
-              <a:t>for each meeting</a:t>
-            </a:r>
-          </a:p>
-          <a:p>
-            <a:pPr lvl="1">
-              <a:buFont typeface="Arial" pitchFamily="34" charset="0"/>
-              <a:buChar char="•"/>
-            </a:pPr>
-            <a:endParaRPr lang="nl-NL" sz="2000" i="0" dirty="0" smtClean="0">
-              <a:latin typeface="+mn-lt"/>
-              <a:ea typeface="Courier New" charset="0"/>
-              <a:cs typeface="Courier New" charset="0"/>
-            </a:endParaRPr>
-          </a:p>
-          <a:p>
-            <a:pPr lvl="1">
-              <a:buFont typeface="Arial" pitchFamily="34" charset="0"/>
-              <a:buChar char="•"/>
-            </a:pPr>
-            <a:endParaRPr lang="nl-NL" sz="2000" i="0" dirty="0" smtClean="0">
-              <a:latin typeface="+mn-lt"/>
-              <a:ea typeface="Courier New" charset="0"/>
-              <a:cs typeface="Courier New" charset="0"/>
-            </a:endParaRPr>
-          </a:p>
-          <a:p>
-            <a:pPr>
-              <a:buFont typeface="Arial" pitchFamily="34" charset="0"/>
-              <a:buChar char="•"/>
-            </a:pPr>
-            <a:endParaRPr lang="nl-NL" sz="2000" i="0" dirty="0">
-              <a:latin typeface="+mn-lt"/>
-              <a:ea typeface="Courier New" charset="0"/>
-              <a:cs typeface="Courier New" charset="0"/>
-            </a:endParaRPr>
-          </a:p>
-          <a:p>
-            <a:r>
-              <a:rPr lang="nl-NL" sz="2000" i="0" dirty="0">
-                <a:latin typeface="+mn-lt"/>
-                <a:ea typeface="Courier New" charset="0"/>
-                <a:cs typeface="Courier New" charset="0"/>
-              </a:rPr>
-              <a:t/>
-            </a:r>
-            <a:br>
-              <a:rPr lang="nl-NL" sz="2000" i="0" dirty="0">
-                <a:latin typeface="+mn-lt"/>
-                <a:ea typeface="Courier New" charset="0"/>
-                <a:cs typeface="Courier New" charset="0"/>
-              </a:rPr>
-            </a:br>
-            <a:endParaRPr lang="nl-NL" sz="2000" i="0" dirty="0">
-              <a:latin typeface="+mn-lt"/>
+            <a:r>
+              <a:rPr lang="en-US" sz="1100" i="0" dirty="0" smtClean="0">
+                <a:latin typeface="Courier New" charset="0"/>
+                <a:ea typeface="Courier New" charset="0"/>
+                <a:cs typeface="Courier New" charset="0"/>
+              </a:rPr>
+              <a:t> ::CCM_AMI::</a:t>
+            </a:r>
+            <a:r>
+              <a:rPr lang="en-US" sz="1100" i="0" dirty="0" err="1" smtClean="0">
+                <a:latin typeface="Courier New" charset="0"/>
+                <a:ea typeface="Courier New" charset="0"/>
+                <a:cs typeface="Courier New" charset="0"/>
+              </a:rPr>
+              <a:t>AMI_MyFoo_var</a:t>
+            </a:r>
+            <a:r>
+              <a:rPr lang="en-US" sz="1100" i="0" dirty="0" smtClean="0">
+                <a:latin typeface="Courier New" charset="0"/>
+                <a:ea typeface="Courier New" charset="0"/>
+                <a:cs typeface="Courier New" charset="0"/>
+              </a:rPr>
+              <a:t> </a:t>
+            </a:r>
+            <a:r>
+              <a:rPr lang="en-US" sz="1100" i="0" dirty="0" err="1" smtClean="0">
+                <a:latin typeface="Courier New" charset="0"/>
+                <a:ea typeface="Courier New" charset="0"/>
+                <a:cs typeface="Courier New" charset="0"/>
+              </a:rPr>
+              <a:t>my_foo_ami</a:t>
+            </a:r>
+            <a:r>
+              <a:rPr lang="en-US" sz="1100" i="0" dirty="0" smtClean="0">
+                <a:latin typeface="Courier New" charset="0"/>
+                <a:ea typeface="Courier New" charset="0"/>
+                <a:cs typeface="Courier New" charset="0"/>
+              </a:rPr>
+              <a:t> =</a:t>
+            </a:r>
+          </a:p>
+          <a:p>
+            <a:r>
+              <a:rPr lang="en-US" sz="1100" i="0" dirty="0" smtClean="0">
+                <a:latin typeface="Courier New" charset="0"/>
+                <a:ea typeface="Courier New" charset="0"/>
+                <a:cs typeface="Courier New" charset="0"/>
+              </a:rPr>
+              <a:t>      this-&gt;context_-&gt;</a:t>
+            </a:r>
+            <a:r>
+              <a:rPr lang="en-US" sz="1100" i="0" dirty="0" err="1" smtClean="0">
+                <a:latin typeface="Courier New" charset="0"/>
+                <a:ea typeface="Courier New" charset="0"/>
+                <a:cs typeface="Courier New" charset="0"/>
+              </a:rPr>
+              <a:t>get_connection_run_asynch_my_foo</a:t>
+            </a:r>
+            <a:r>
+              <a:rPr lang="en-US" sz="1100" i="0" dirty="0" smtClean="0">
+                <a:latin typeface="Courier New" charset="0"/>
+                <a:ea typeface="Courier New" charset="0"/>
+                <a:cs typeface="Courier New" charset="0"/>
+              </a:rPr>
+              <a:t>();</a:t>
+            </a:r>
+          </a:p>
+          <a:p>
+            <a:r>
+              <a:rPr lang="en-US" sz="1100" i="0" dirty="0" smtClean="0">
+                <a:latin typeface="Courier New" charset="0"/>
+                <a:ea typeface="Courier New" charset="0"/>
+                <a:cs typeface="Courier New" charset="0"/>
+              </a:rPr>
+              <a:t> </a:t>
+            </a:r>
+            <a:r>
+              <a:rPr lang="en-US" sz="1100" i="0" dirty="0" err="1" smtClean="0">
+                <a:latin typeface="Courier New" charset="0"/>
+                <a:ea typeface="Courier New" charset="0"/>
+                <a:cs typeface="Courier New" charset="0"/>
+              </a:rPr>
+              <a:t>my_foo_ami</a:t>
+            </a:r>
+            <a:r>
+              <a:rPr lang="en-US" sz="1100" i="0" dirty="0" smtClean="0">
+                <a:latin typeface="Courier New" charset="0"/>
+                <a:ea typeface="Courier New" charset="0"/>
+                <a:cs typeface="Courier New" charset="0"/>
+              </a:rPr>
+              <a:t>_-&gt;</a:t>
+            </a:r>
+            <a:r>
+              <a:rPr lang="en-US" sz="1100" i="0" dirty="0" err="1" smtClean="0">
+                <a:latin typeface="Courier New" charset="0"/>
+                <a:ea typeface="Courier New" charset="0"/>
+                <a:cs typeface="Courier New" charset="0"/>
+              </a:rPr>
+              <a:t>sendc_foo</a:t>
+            </a:r>
+            <a:r>
+              <a:rPr lang="en-US" sz="1100" i="0" dirty="0" smtClean="0">
+                <a:latin typeface="Courier New" charset="0"/>
+                <a:ea typeface="Courier New" charset="0"/>
+                <a:cs typeface="Courier New" charset="0"/>
+              </a:rPr>
+              <a:t> ("Do something asynchronous");</a:t>
+            </a:r>
+            <a:endParaRPr lang="nl-NL" sz="1100" i="0" dirty="0">
+              <a:latin typeface="Courier New" charset="0"/>
               <a:ea typeface="Courier New" charset="0"/>
               <a:cs typeface="Courier New" charset="0"/>
             </a:endParaRPr>
@@ -24953,65 +24664,47 @@
                 <a:ea typeface="宋体" pitchFamily="-65" charset="-128"/>
                 <a:cs typeface="Times New Roman" charset="0"/>
               </a:rPr>
-              <a:t>Add support for specifying QoS </a:t>
-            </a:r>
+              <a:t>Add support for specifying QoS using a XML file</a:t>
+            </a:r>
+          </a:p>
+          <a:p>
+            <a:pPr marL="169863" indent="-169863">
+              <a:spcBef>
+                <a:spcPct val="40000"/>
+              </a:spcBef>
+              <a:buFontTx/>
+              <a:buChar char="•"/>
+            </a:pPr>
             <a:r>
               <a:rPr lang="en-US" altLang="zh-CN" sz="2000" i="0" dirty="0" smtClean="0">
                 <a:ea typeface="宋体" pitchFamily="-65" charset="-128"/>
                 <a:cs typeface="Times New Roman" charset="0"/>
               </a:rPr>
-              <a:t>using</a:t>
+              <a:t>Finalize IDL2+/IDL3+</a:t>
+            </a:r>
+          </a:p>
+          <a:p>
+            <a:pPr marL="627063" lvl="1" indent="-169863">
+              <a:spcBef>
+                <a:spcPct val="40000"/>
+              </a:spcBef>
+              <a:buFontTx/>
+              <a:buChar char="•"/>
+            </a:pPr>
+            <a:r>
+              <a:rPr lang="en-US" altLang="zh-CN" sz="2000" i="0" dirty="0" err="1" smtClean="0">
+                <a:ea typeface="宋体" pitchFamily="-65" charset="-128"/>
+                <a:cs typeface="Times New Roman" charset="0"/>
+              </a:rPr>
+              <a:t>Templated</a:t>
             </a:r>
             <a:r>
               <a:rPr lang="en-US" altLang="zh-CN" sz="2000" i="0" dirty="0" smtClean="0">
                 <a:ea typeface="宋体" pitchFamily="-65" charset="-128"/>
                 <a:cs typeface="Times New Roman" charset="0"/>
               </a:rPr>
-              <a:t> a XML file</a:t>
-            </a:r>
-          </a:p>
-          <a:p>
-            <a:pPr marL="169863" indent="-169863">
-              <a:spcBef>
-                <a:spcPct val="40000"/>
-              </a:spcBef>
-              <a:buFontTx/>
-              <a:buChar char="•"/>
-            </a:pPr>
-            <a:r>
-              <a:rPr lang="en-US" altLang="zh-CN" sz="2000" i="0" dirty="0" smtClean="0">
-                <a:ea typeface="宋体" pitchFamily="-65" charset="-128"/>
-                <a:cs typeface="Times New Roman" charset="0"/>
-              </a:rPr>
-              <a:t>Finalize IDL2+/IDL3+</a:t>
-            </a:r>
-          </a:p>
-          <a:p>
-            <a:pPr marL="627063" lvl="1" indent="-169863">
-              <a:spcBef>
-                <a:spcPct val="40000"/>
-              </a:spcBef>
-              <a:buFontTx/>
-              <a:buChar char="•"/>
-            </a:pPr>
-            <a:r>
-              <a:rPr lang="en-US" altLang="zh-CN" sz="2000" i="0" dirty="0" err="1" smtClean="0">
-                <a:ea typeface="宋体" pitchFamily="-65" charset="-128"/>
-                <a:cs typeface="Times New Roman" charset="0"/>
-              </a:rPr>
-              <a:t>Templated</a:t>
-            </a:r>
-            <a:r>
-              <a:rPr lang="en-US" altLang="zh-CN" sz="2000" i="0" dirty="0" smtClean="0">
-                <a:ea typeface="宋体" pitchFamily="-65" charset="-128"/>
-                <a:cs typeface="Times New Roman" charset="0"/>
-              </a:rPr>
               <a:t> interfaces, modules, ports, and connectors</a:t>
             </a:r>
-            <a:endParaRPr lang="en-US" altLang="zh-CN" sz="2000" i="0" dirty="0" smtClean="0">
-              <a:ea typeface="宋体" pitchFamily="-65" charset="-128"/>
-              <a:cs typeface="Times New Roman" charset="0"/>
-            </a:endParaRPr>
           </a:p>
           <a:p>
             <a:pPr marL="169863" indent="-169863">
@@ -25105,7 +24798,7 @@
                 <a:ea typeface="宋体" pitchFamily="-65" charset="-128"/>
                 <a:cs typeface="宋体" pitchFamily="-65" charset="-128"/>
               </a:rPr>
-              <a:t>Modeling</a:t>
+              <a:t>Prototype</a:t>
             </a:r>
             <a:endParaRPr lang="en-US" altLang="zh-CN" sz="3200" i="0" dirty="0">
               <a:solidFill>
@@ -25200,12 +24893,12 @@
               <a:buChar char="•"/>
             </a:pPr>
             <a:r>
-              <a:rPr lang="nl-NL" sz="2000" i="0" dirty="0" smtClean="0">
+              <a:rPr lang="en-US" altLang="zh-CN" sz="2200" i="0" dirty="0" smtClean="0">
                 <a:latin typeface="+mn-lt"/>
-                <a:ea typeface="Courier New" charset="0"/>
-                <a:cs typeface="Courier New" charset="0"/>
-              </a:rPr>
-              <a:t>Working modeling environment must be avaible for making larger tests</a:t>
+                <a:ea typeface="宋体" pitchFamily="-65" charset="-128"/>
+                <a:cs typeface="Times New Roman" charset="0"/>
+              </a:rPr>
+              <a:t>$CIAO_ROOT/connectors/ami4ccm/examples/Hello</a:t>
             </a:r>
           </a:p>
           <a:p>
@@ -25214,14 +24907,626 @@
               <a:buChar char="•"/>
             </a:pPr>
             <a:r>
-              <a:rPr lang="en-US" sz="2000" i="0" dirty="0" smtClean="0">
+              <a:rPr lang="nl-NL" sz="2200" i="0" dirty="0" smtClean="0">
                 <a:latin typeface="+mn-lt"/>
                 <a:ea typeface="Courier New" charset="0"/>
                 <a:cs typeface="Courier New" charset="0"/>
               </a:rPr>
+              <a:t>Sender component</a:t>
+            </a:r>
+          </a:p>
+          <a:p>
+            <a:pPr>
+              <a:buFont typeface="Arial" pitchFamily="34" charset="0"/>
+              <a:buChar char="•"/>
+            </a:pPr>
+            <a:r>
+              <a:rPr lang="nl-NL" sz="2200" i="0" dirty="0" smtClean="0">
+                <a:latin typeface="+mn-lt"/>
+                <a:ea typeface="Courier New" charset="0"/>
+                <a:cs typeface="Courier New" charset="0"/>
+              </a:rPr>
+              <a:t>Receiver component</a:t>
+            </a:r>
+          </a:p>
+          <a:p>
+            <a:pPr>
+              <a:buFont typeface="Arial" pitchFamily="34" charset="0"/>
+              <a:buChar char="•"/>
+            </a:pPr>
+            <a:r>
+              <a:rPr lang="nl-NL" sz="2200" i="0" dirty="0" smtClean="0">
+                <a:latin typeface="+mn-lt"/>
+                <a:ea typeface="Courier New" charset="0"/>
+                <a:cs typeface="Courier New" charset="0"/>
+              </a:rPr>
+              <a:t>AMI connector </a:t>
+            </a:r>
+            <a:endParaRPr lang="nl-NL" sz="2200" i="0" dirty="0">
+              <a:latin typeface="+mn-lt"/>
+              <a:ea typeface="Courier New" charset="0"/>
+              <a:cs typeface="Courier New" charset="0"/>
+            </a:endParaRPr>
+          </a:p>
+          <a:p>
+            <a:pPr>
+              <a:buFont typeface="Arial" pitchFamily="34" charset="0"/>
+              <a:buChar char="•"/>
+            </a:pPr>
+            <a:r>
+              <a:rPr lang="nl-NL" sz="2200" i="0" dirty="0" smtClean="0">
+                <a:latin typeface="+mn-lt"/>
+                <a:ea typeface="Courier New" charset="0"/>
+                <a:cs typeface="Courier New" charset="0"/>
+              </a:rPr>
+              <a:t>Deployment plan for these 3 components</a:t>
+            </a:r>
+            <a:r>
+              <a:rPr lang="nl-NL" sz="2200" i="0" dirty="0">
+                <a:latin typeface="+mn-lt"/>
+                <a:ea typeface="Courier New" charset="0"/>
+                <a:cs typeface="Courier New" charset="0"/>
+              </a:rPr>
+              <a:t/>
+            </a:r>
+            <a:br>
+              <a:rPr lang="nl-NL" sz="2200" i="0" dirty="0">
+                <a:latin typeface="+mn-lt"/>
+                <a:ea typeface="Courier New" charset="0"/>
+                <a:cs typeface="Courier New" charset="0"/>
+              </a:rPr>
+            </a:br>
+            <a:endParaRPr lang="nl-NL" sz="2200" i="0" dirty="0">
+              <a:latin typeface="+mn-lt"/>
+              <a:ea typeface="Courier New" charset="0"/>
+              <a:cs typeface="Courier New" charset="0"/>
+            </a:endParaRPr>
+          </a:p>
+        </p:txBody>
+      </p:sp>
+    </p:spTree>
+  </p:cSld>
+  <p:clrMapOvr>
+    <a:masterClrMapping/>
+  </p:clrMapOvr>
+  <p:timing>
+    <p:tnLst>
+      <p:par>
+        <p:cTn id="1" dur="indefinite" restart="never" nodeType="tmRoot"/>
+      </p:par>
+    </p:tnLst>
+  </p:timing>
+</p:sld>
+</file>
+
+<file path=ppt/slides/slide51.xml><?xml version="1.0" encoding="utf-8"?>
+<p:sld xmlns:a="http://schemas.openxmlformats.org/drawingml/2006/main" xmlns:r="http://schemas.openxmlformats.org/officeDocument/2006/relationships" xmlns:p="http://schemas.openxmlformats.org/presentationml/2006/main">
+  <p:cSld>
+    <p:spTree>
+      <p:nvGrpSpPr>
+        <p:cNvPr id="1" name=""/>
+        <p:cNvGrpSpPr/>
+        <p:nvPr/>
+      </p:nvGrpSpPr>
+      <p:grpSpPr>
+        <a:xfrm>
+          <a:off x="0" y="0"/>
+          <a:ext cx="0" cy="0"/>
+          <a:chOff x="0" y="0"/>
+          <a:chExt cx="0" cy="0"/>
+        </a:xfrm>
+      </p:grpSpPr>
+      <p:sp>
+        <p:nvSpPr>
+          <p:cNvPr id="294914" name="Rectangle 2"/>
+          <p:cNvSpPr>
+            <a:spLocks noChangeArrowheads="1"/>
+          </p:cNvSpPr>
+          <p:nvPr/>
+        </p:nvSpPr>
+        <p:spPr bwMode="auto">
+          <a:xfrm>
+            <a:off x="0" y="542925"/>
+            <a:ext cx="9144000" cy="381000"/>
+          </a:xfrm>
+          <a:prstGeom prst="rect">
+            <a:avLst/>
+          </a:prstGeom>
+          <a:noFill/>
+          <a:ln w="9525">
+            <a:noFill/>
+            <a:miter lim="800000"/>
+            <a:headEnd/>
+            <a:tailEnd/>
+          </a:ln>
+        </p:spPr>
+        <p:txBody>
+          <a:bodyPr anchor="ctr">
+            <a:prstTxWarp prst="textNoShape">
+              <a:avLst/>
+            </a:prstTxWarp>
+          </a:bodyPr>
+          <a:lstStyle/>
+          <a:p>
+            <a:pPr algn="ctr">
+              <a:spcBef>
+                <a:spcPct val="0"/>
+              </a:spcBef>
+            </a:pPr>
+            <a:r>
+              <a:rPr lang="en-US" altLang="zh-CN" sz="3200" i="0" dirty="0" smtClean="0">
+                <a:solidFill>
+                  <a:srgbClr val="FF0000"/>
+                </a:solidFill>
+                <a:ea typeface="宋体" pitchFamily="-65" charset="-128"/>
+                <a:cs typeface="宋体" pitchFamily="-65" charset="-128"/>
+              </a:rPr>
+              <a:t>Possible OMG Process</a:t>
+            </a:r>
+            <a:endParaRPr lang="en-US" altLang="zh-CN" sz="3200" i="0" dirty="0">
+              <a:solidFill>
+                <a:srgbClr val="FF0000"/>
+              </a:solidFill>
+              <a:ea typeface="宋体" pitchFamily="-65" charset="-128"/>
+              <a:cs typeface="宋体" pitchFamily="-65" charset="-128"/>
+            </a:endParaRPr>
+          </a:p>
+        </p:txBody>
+      </p:sp>
+      <p:sp>
+        <p:nvSpPr>
+          <p:cNvPr id="294915" name="Rectangle 3"/>
+          <p:cNvSpPr>
+            <a:spLocks noChangeArrowheads="1"/>
+          </p:cNvSpPr>
+          <p:nvPr/>
+        </p:nvSpPr>
+        <p:spPr bwMode="auto">
+          <a:xfrm>
+            <a:off x="228600" y="1190625"/>
+            <a:ext cx="8763000" cy="4876800"/>
+          </a:xfrm>
+          <a:prstGeom prst="rect">
+            <a:avLst/>
+          </a:prstGeom>
+          <a:noFill/>
+          <a:ln w="9525">
+            <a:noFill/>
+            <a:miter lim="800000"/>
+            <a:headEnd/>
+            <a:tailEnd/>
+          </a:ln>
+        </p:spPr>
+        <p:txBody>
+          <a:bodyPr>
+            <a:prstTxWarp prst="textNoShape">
+              <a:avLst/>
+            </a:prstTxWarp>
+          </a:bodyPr>
+          <a:lstStyle/>
+          <a:p>
+            <a:pPr marL="169863" indent="-169863">
+              <a:spcBef>
+                <a:spcPct val="40000"/>
+              </a:spcBef>
+              <a:buFontTx/>
+              <a:buChar char="•"/>
+            </a:pPr>
+            <a:endParaRPr lang="en-US" altLang="zh-CN" sz="2000" i="0">
+              <a:ea typeface="宋体" pitchFamily="-65" charset="-128"/>
+              <a:cs typeface="Times New Roman" charset="0"/>
+            </a:endParaRPr>
+          </a:p>
+        </p:txBody>
+      </p:sp>
+      <p:sp>
+        <p:nvSpPr>
+          <p:cNvPr id="294916" name="Rectangle 4"/>
+          <p:cNvSpPr>
+            <a:spLocks noChangeArrowheads="1"/>
+          </p:cNvSpPr>
+          <p:nvPr/>
+        </p:nvSpPr>
+        <p:spPr bwMode="auto">
+          <a:xfrm>
+            <a:off x="381000" y="1343025"/>
+            <a:ext cx="8763000" cy="4876800"/>
+          </a:xfrm>
+          <a:prstGeom prst="rect">
+            <a:avLst/>
+          </a:prstGeom>
+          <a:noFill/>
+          <a:ln w="9525">
+            <a:noFill/>
+            <a:miter lim="800000"/>
+            <a:headEnd/>
+            <a:tailEnd/>
+          </a:ln>
+        </p:spPr>
+        <p:txBody>
+          <a:bodyPr>
+            <a:prstTxWarp prst="textNoShape">
+              <a:avLst/>
+            </a:prstTxWarp>
+          </a:bodyPr>
+          <a:lstStyle/>
+          <a:p>
+            <a:pPr>
+              <a:buFont typeface="Arial" pitchFamily="34" charset="0"/>
+              <a:buChar char="•"/>
+            </a:pPr>
+            <a:r>
+              <a:rPr lang="nl-NL" sz="2200" i="0" dirty="0" smtClean="0">
+                <a:latin typeface="+mn-lt"/>
+                <a:ea typeface="Courier New" charset="0"/>
+                <a:cs typeface="Courier New" charset="0"/>
+              </a:rPr>
+              <a:t>AMI4CCM port part anymore of DDS4CCM</a:t>
+            </a:r>
+          </a:p>
+          <a:p>
+            <a:pPr>
+              <a:buFont typeface="Arial" pitchFamily="34" charset="0"/>
+              <a:buChar char="•"/>
+            </a:pPr>
+            <a:r>
+              <a:rPr lang="nl-NL" sz="2200" i="0" dirty="0" smtClean="0">
+                <a:latin typeface="+mn-lt"/>
+                <a:ea typeface="Courier New" charset="0"/>
+                <a:cs typeface="Courier New" charset="0"/>
+              </a:rPr>
+              <a:t>Standardization will take</a:t>
+            </a:r>
+          </a:p>
+          <a:p>
+            <a:pPr lvl="1">
+              <a:buFont typeface="Arial" pitchFamily="34" charset="0"/>
+              <a:buChar char="•"/>
+            </a:pPr>
+            <a:r>
+              <a:rPr lang="nl-NL" sz="2200" i="0" dirty="0" smtClean="0">
+                <a:latin typeface="+mn-lt"/>
+                <a:ea typeface="Courier New" charset="0"/>
+                <a:cs typeface="Courier New" charset="0"/>
+              </a:rPr>
+              <a:t>Request for Proposal (RFP)</a:t>
+            </a:r>
+          </a:p>
+          <a:p>
+            <a:pPr lvl="1">
+              <a:buFont typeface="Arial" pitchFamily="34" charset="0"/>
+              <a:buChar char="•"/>
+            </a:pPr>
+            <a:r>
+              <a:rPr lang="nl-NL" sz="2200" i="0" dirty="0" smtClean="0">
+                <a:latin typeface="+mn-lt"/>
+                <a:ea typeface="Courier New" charset="0"/>
+                <a:cs typeface="Courier New" charset="0"/>
+              </a:rPr>
+              <a:t>Respond to the proposal</a:t>
+            </a:r>
+          </a:p>
+          <a:p>
+            <a:pPr lvl="1">
+              <a:buFont typeface="Arial" pitchFamily="34" charset="0"/>
+              <a:buChar char="•"/>
+            </a:pPr>
+            <a:r>
+              <a:rPr lang="nl-NL" sz="2200" i="0" dirty="0" smtClean="0">
+                <a:latin typeface="+mn-lt"/>
+                <a:ea typeface="Courier New" charset="0"/>
+                <a:cs typeface="Courier New" charset="0"/>
+              </a:rPr>
+              <a:t>Agree on a beta 1 specification</a:t>
+            </a:r>
+          </a:p>
+          <a:p>
+            <a:pPr lvl="1">
+              <a:buFont typeface="Arial" pitchFamily="34" charset="0"/>
+              <a:buChar char="•"/>
+            </a:pPr>
+            <a:r>
+              <a:rPr lang="nl-NL" sz="2200" i="0" dirty="0" smtClean="0">
+                <a:latin typeface="+mn-lt"/>
+                <a:ea typeface="Courier New" charset="0"/>
+                <a:cs typeface="Courier New" charset="0"/>
+              </a:rPr>
+              <a:t>Finalization Task Force (FTF)</a:t>
+            </a:r>
+          </a:p>
+          <a:p>
+            <a:pPr>
+              <a:buFont typeface="Arial" pitchFamily="34" charset="0"/>
+              <a:buChar char="•"/>
+            </a:pPr>
+            <a:r>
+              <a:rPr lang="nl-NL" sz="2200" i="0" dirty="0" smtClean="0">
+                <a:latin typeface="+mn-lt"/>
+                <a:ea typeface="Courier New" charset="0"/>
+                <a:cs typeface="Courier New" charset="0"/>
+              </a:rPr>
+              <a:t>Time commitment</a:t>
+            </a:r>
+          </a:p>
+          <a:p>
+            <a:pPr lvl="1">
+              <a:buFont typeface="Arial" pitchFamily="34" charset="0"/>
+              <a:buChar char="•"/>
+            </a:pPr>
+            <a:r>
+              <a:rPr lang="nl-NL" sz="2200" i="0" dirty="0" smtClean="0">
+                <a:latin typeface="+mn-lt"/>
+                <a:ea typeface="Courier New" charset="0"/>
+                <a:cs typeface="Courier New" charset="0"/>
+              </a:rPr>
+              <a:t>4 visits to a OMG meeting, each one week</a:t>
+            </a:r>
+          </a:p>
+          <a:p>
+            <a:pPr lvl="1">
+              <a:buFont typeface="Arial" pitchFamily="34" charset="0"/>
+              <a:buChar char="•"/>
+            </a:pPr>
+            <a:r>
+              <a:rPr lang="nl-NL" sz="2200" i="0" dirty="0" smtClean="0">
+                <a:latin typeface="+mn-lt"/>
+                <a:ea typeface="Courier New" charset="0"/>
+                <a:cs typeface="Courier New" charset="0"/>
+              </a:rPr>
+              <a:t>Around 2 weeks of work for each meeting</a:t>
+            </a:r>
+          </a:p>
+          <a:p>
+            <a:pPr lvl="1">
+              <a:buFont typeface="Arial" pitchFamily="34" charset="0"/>
+              <a:buChar char="•"/>
+            </a:pPr>
+            <a:endParaRPr lang="nl-NL" sz="2200" i="0" dirty="0" smtClean="0">
+              <a:latin typeface="+mn-lt"/>
+              <a:ea typeface="Courier New" charset="0"/>
+              <a:cs typeface="Courier New" charset="0"/>
+            </a:endParaRPr>
+          </a:p>
+          <a:p>
+            <a:pPr lvl="1">
+              <a:buFont typeface="Arial" pitchFamily="34" charset="0"/>
+              <a:buChar char="•"/>
+            </a:pPr>
+            <a:endParaRPr lang="nl-NL" sz="2200" i="0" dirty="0" smtClean="0">
+              <a:latin typeface="+mn-lt"/>
+              <a:ea typeface="Courier New" charset="0"/>
+              <a:cs typeface="Courier New" charset="0"/>
+            </a:endParaRPr>
+          </a:p>
+          <a:p>
+            <a:pPr>
+              <a:buFont typeface="Arial" pitchFamily="34" charset="0"/>
+              <a:buChar char="•"/>
+            </a:pPr>
+            <a:endParaRPr lang="nl-NL" sz="2200" i="0" dirty="0">
+              <a:latin typeface="+mn-lt"/>
+              <a:ea typeface="Courier New" charset="0"/>
+              <a:cs typeface="Courier New" charset="0"/>
+            </a:endParaRPr>
+          </a:p>
+          <a:p>
+            <a:r>
+              <a:rPr lang="nl-NL" sz="2200" i="0" dirty="0">
+                <a:latin typeface="+mn-lt"/>
+                <a:ea typeface="Courier New" charset="0"/>
+                <a:cs typeface="Courier New" charset="0"/>
+              </a:rPr>
+              <a:t/>
+            </a:r>
+            <a:br>
+              <a:rPr lang="nl-NL" sz="2200" i="0" dirty="0">
+                <a:latin typeface="+mn-lt"/>
+                <a:ea typeface="Courier New" charset="0"/>
+                <a:cs typeface="Courier New" charset="0"/>
+              </a:rPr>
+            </a:br>
+            <a:endParaRPr lang="nl-NL" sz="2200" i="0" dirty="0">
+              <a:latin typeface="+mn-lt"/>
+              <a:ea typeface="Courier New" charset="0"/>
+              <a:cs typeface="Courier New" charset="0"/>
+            </a:endParaRPr>
+          </a:p>
+        </p:txBody>
+      </p:sp>
+    </p:spTree>
+  </p:cSld>
+  <p:clrMapOvr>
+    <a:masterClrMapping/>
+  </p:clrMapOvr>
+  <p:timing>
+    <p:tnLst>
+      <p:par>
+        <p:cTn id="1" dur="indefinite" restart="never" nodeType="tmRoot"/>
+      </p:par>
+    </p:tnLst>
+  </p:timing>
+</p:sld>
+</file>
+
+<file path=ppt/slides/slide52.xml><?xml version="1.0" encoding="utf-8"?>
+<p:sld xmlns:a="http://schemas.openxmlformats.org/drawingml/2006/main" xmlns:r="http://schemas.openxmlformats.org/officeDocument/2006/relationships" xmlns:p="http://schemas.openxmlformats.org/presentationml/2006/main">
+  <p:cSld>
+    <p:spTree>
+      <p:nvGrpSpPr>
+        <p:cNvPr id="1" name=""/>
+        <p:cNvGrpSpPr/>
+        <p:nvPr/>
+      </p:nvGrpSpPr>
+      <p:grpSpPr>
+        <a:xfrm>
+          <a:off x="0" y="0"/>
+          <a:ext cx="0" cy="0"/>
+          <a:chOff x="0" y="0"/>
+          <a:chExt cx="0" cy="0"/>
+        </a:xfrm>
+      </p:grpSpPr>
+      <p:sp>
+        <p:nvSpPr>
+          <p:cNvPr id="294914" name="Rectangle 2"/>
+          <p:cNvSpPr>
+            <a:spLocks noChangeArrowheads="1"/>
+          </p:cNvSpPr>
+          <p:nvPr/>
+        </p:nvSpPr>
+        <p:spPr bwMode="auto">
+          <a:xfrm>
+            <a:off x="0" y="542925"/>
+            <a:ext cx="9144000" cy="381000"/>
+          </a:xfrm>
+          <a:prstGeom prst="rect">
+            <a:avLst/>
+          </a:prstGeom>
+          <a:noFill/>
+          <a:ln w="9525">
+            <a:noFill/>
+            <a:miter lim="800000"/>
+            <a:headEnd/>
+            <a:tailEnd/>
+          </a:ln>
+        </p:spPr>
+        <p:txBody>
+          <a:bodyPr anchor="ctr">
+            <a:prstTxWarp prst="textNoShape">
+              <a:avLst/>
+            </a:prstTxWarp>
+          </a:bodyPr>
+          <a:lstStyle/>
+          <a:p>
+            <a:pPr algn="ctr">
+              <a:spcBef>
+                <a:spcPct val="0"/>
+              </a:spcBef>
+            </a:pPr>
+            <a:r>
+              <a:rPr lang="en-US" altLang="zh-CN" sz="3200" i="0" dirty="0" smtClean="0">
+                <a:solidFill>
+                  <a:srgbClr val="FF0000"/>
+                </a:solidFill>
+                <a:ea typeface="宋体" pitchFamily="-65" charset="-128"/>
+                <a:cs typeface="宋体" pitchFamily="-65" charset="-128"/>
+              </a:rPr>
+              <a:t>Modeling</a:t>
+            </a:r>
+            <a:endParaRPr lang="en-US" altLang="zh-CN" sz="3200" i="0" dirty="0">
+              <a:solidFill>
+                <a:srgbClr val="FF0000"/>
+              </a:solidFill>
+              <a:ea typeface="宋体" pitchFamily="-65" charset="-128"/>
+              <a:cs typeface="宋体" pitchFamily="-65" charset="-128"/>
+            </a:endParaRPr>
+          </a:p>
+        </p:txBody>
+      </p:sp>
+      <p:sp>
+        <p:nvSpPr>
+          <p:cNvPr id="294915" name="Rectangle 3"/>
+          <p:cNvSpPr>
+            <a:spLocks noChangeArrowheads="1"/>
+          </p:cNvSpPr>
+          <p:nvPr/>
+        </p:nvSpPr>
+        <p:spPr bwMode="auto">
+          <a:xfrm>
+            <a:off x="228600" y="1190625"/>
+            <a:ext cx="8763000" cy="4876800"/>
+          </a:xfrm>
+          <a:prstGeom prst="rect">
+            <a:avLst/>
+          </a:prstGeom>
+          <a:noFill/>
+          <a:ln w="9525">
+            <a:noFill/>
+            <a:miter lim="800000"/>
+            <a:headEnd/>
+            <a:tailEnd/>
+          </a:ln>
+        </p:spPr>
+        <p:txBody>
+          <a:bodyPr>
+            <a:prstTxWarp prst="textNoShape">
+              <a:avLst/>
+            </a:prstTxWarp>
+          </a:bodyPr>
+          <a:lstStyle/>
+          <a:p>
+            <a:pPr marL="169863" indent="-169863">
+              <a:spcBef>
+                <a:spcPct val="40000"/>
+              </a:spcBef>
+              <a:buFontTx/>
+              <a:buChar char="•"/>
+            </a:pPr>
+            <a:endParaRPr lang="en-US" altLang="zh-CN" sz="2000" i="0">
+              <a:ea typeface="宋体" pitchFamily="-65" charset="-128"/>
+              <a:cs typeface="Times New Roman" charset="0"/>
+            </a:endParaRPr>
+          </a:p>
+        </p:txBody>
+      </p:sp>
+      <p:sp>
+        <p:nvSpPr>
+          <p:cNvPr id="294916" name="Rectangle 4"/>
+          <p:cNvSpPr>
+            <a:spLocks noChangeArrowheads="1"/>
+          </p:cNvSpPr>
+          <p:nvPr/>
+        </p:nvSpPr>
+        <p:spPr bwMode="auto">
+          <a:xfrm>
+            <a:off x="381000" y="1343025"/>
+            <a:ext cx="8763000" cy="4876800"/>
+          </a:xfrm>
+          <a:prstGeom prst="rect">
+            <a:avLst/>
+          </a:prstGeom>
+          <a:noFill/>
+          <a:ln w="9525">
+            <a:noFill/>
+            <a:miter lim="800000"/>
+            <a:headEnd/>
+            <a:tailEnd/>
+          </a:ln>
+        </p:spPr>
+        <p:txBody>
+          <a:bodyPr>
+            <a:prstTxWarp prst="textNoShape">
+              <a:avLst/>
+            </a:prstTxWarp>
+          </a:bodyPr>
+          <a:lstStyle/>
+          <a:p>
+            <a:pPr>
+              <a:buFont typeface="Arial" pitchFamily="34" charset="0"/>
+              <a:buChar char="•"/>
+            </a:pPr>
+            <a:r>
+              <a:rPr lang="nl-NL" sz="2200" i="0" dirty="0" smtClean="0">
+                <a:latin typeface="+mn-lt"/>
+                <a:ea typeface="Courier New" charset="0"/>
+                <a:cs typeface="Courier New" charset="0"/>
+              </a:rPr>
+              <a:t>Working modeling environment must be avaible for making larger tests</a:t>
+            </a:r>
+          </a:p>
+          <a:p>
+            <a:pPr>
+              <a:buFont typeface="Arial" pitchFamily="34" charset="0"/>
+              <a:buChar char="•"/>
+            </a:pPr>
+            <a:r>
+              <a:rPr lang="en-US" sz="2200" i="0" dirty="0" smtClean="0">
+                <a:latin typeface="+mn-lt"/>
+                <a:ea typeface="Courier New" charset="0"/>
+                <a:cs typeface="Courier New" charset="0"/>
+              </a:rPr>
               <a:t>Runtime and modeling efforts should be synchronized</a:t>
             </a:r>
-            <a:endParaRPr lang="nl-NL" sz="2000" i="0" dirty="0" smtClean="0">
+            <a:endParaRPr lang="nl-NL" sz="2200" i="0" dirty="0" smtClean="0">
               <a:latin typeface="+mn-lt"/>
               <a:ea typeface="Courier New" charset="0"/>
               <a:cs typeface="Courier New" charset="0"/>
@@ -25910,7 +26215,33 @@
                 <a:effectLst/>
                 <a:latin typeface="Arial" pitchFamily="-65" charset="0"/>
               </a:rPr>
-              <a:t> and may change in the near future!</a:t>
+              <a:t> and </a:t>
+            </a:r>
+            <a:r>
+              <a:rPr kumimoji="0" lang="en-US" sz="2400" b="1" i="0" u="none" strike="noStrike" cap="none" normalizeH="0" dirty="0" smtClean="0">
+                <a:ln>
+                  <a:noFill/>
+                </a:ln>
+                <a:solidFill>
+                  <a:srgbClr val="FF0000"/>
+                </a:solidFill>
+                <a:effectLst/>
+                <a:latin typeface="Arial" pitchFamily="-65" charset="0"/>
+              </a:rPr>
+              <a:t>will change </a:t>
+            </a:r>
+            <a:r>
+              <a:rPr kumimoji="0" lang="en-US" sz="2400" b="1" i="0" u="none" strike="noStrike" cap="none" normalizeH="0" dirty="0" smtClean="0">
+                <a:ln>
+                  <a:noFill/>
+                </a:ln>
+                <a:solidFill>
+                  <a:srgbClr val="FF0000"/>
+                </a:solidFill>
+                <a:effectLst/>
+                <a:latin typeface="Arial" pitchFamily="-65" charset="0"/>
+              </a:rPr>
+              <a:t>in the near future!</a:t>
             </a:r>
             <a:endParaRPr kumimoji="0" lang="en-US" sz="2400" b="1" i="0" u="none" strike="noStrike" cap="none" normalizeH="0" baseline="0" dirty="0">
               <a:ln>

--- a/modules/CIAO/docs/Connectors.pptx
+++ b/modules/CIAO/docs/Connectors.pptx
@@ -1,15 +1,15 @@
 
 <file path=ppt/presentation.xml><?xml version="1.0" encoding="utf-8"?>
-<p:presentation xmlns:a="http://schemas.openxmlformats.org/drawingml/2006/main" xmlns:r="http://schemas.openxmlformats.org/officeDocument/2006/relationships" xmlns:p="http://schemas.openxmlformats.org/presentationml/2006/main" strictFirstAndLastChars="0" saveSubsetFonts="1" autoCompressPictures="0">
+<p:presentation xmlns:a="http://schemas.openxmlformats.org/drawingml/2006/main" xmlns:r="http://schemas.openxmlformats.org/officeDocument/2006/relationships" xmlns:mc="http://schemas.openxmlformats.org/markup-compatibility/2006" xmlns:mv="urn:schemas-microsoft-com:mac:vml" xmlns:p="http://schemas.openxmlformats.org/presentationml/2006/main" mc:Ignorable="mv" mc:PreserveAttributes="mv:*" strictFirstAndLastChars="0" saveSubsetFonts="1" autoCompressPictures="0">
   <p:sldMasterIdLst>
     <p:sldMasterId id="2147483723" r:id="rId1"/>
     <p:sldMasterId id="2147483725" r:id="rId2"/>
   </p:sldMasterIdLst>
   <p:notesMasterIdLst>
-    <p:notesMasterId r:id="rId55"/>
+    <p:notesMasterId r:id="rId58"/>
   </p:notesMasterIdLst>
   <p:handoutMasterIdLst>
-    <p:handoutMasterId r:id="rId56"/>
+    <p:handoutMasterId r:id="rId59"/>
   </p:handoutMasterIdLst>
   <p:sldIdLst>
     <p:sldId id="1087" r:id="rId3"/>
@@ -31,39 +31,42 @@
     <p:sldId id="1048" r:id="rId19"/>
     <p:sldId id="1049" r:id="rId20"/>
     <p:sldId id="1081" r:id="rId21"/>
-    <p:sldId id="1035" r:id="rId22"/>
-    <p:sldId id="1078" r:id="rId23"/>
-    <p:sldId id="1079" r:id="rId24"/>
-    <p:sldId id="1080" r:id="rId25"/>
-    <p:sldId id="1082" r:id="rId26"/>
-    <p:sldId id="1094" r:id="rId27"/>
-    <p:sldId id="1083" r:id="rId28"/>
-    <p:sldId id="1095" r:id="rId29"/>
-    <p:sldId id="1051" r:id="rId30"/>
-    <p:sldId id="1052" r:id="rId31"/>
-    <p:sldId id="1054" r:id="rId32"/>
-    <p:sldId id="1058" r:id="rId33"/>
-    <p:sldId id="1053" r:id="rId34"/>
-    <p:sldId id="1055" r:id="rId35"/>
-    <p:sldId id="1057" r:id="rId36"/>
-    <p:sldId id="1056" r:id="rId37"/>
-    <p:sldId id="1059" r:id="rId38"/>
-    <p:sldId id="1060" r:id="rId39"/>
-    <p:sldId id="1084" r:id="rId40"/>
-    <p:sldId id="1068" r:id="rId41"/>
-    <p:sldId id="1069" r:id="rId42"/>
-    <p:sldId id="1070" r:id="rId43"/>
-    <p:sldId id="1071" r:id="rId44"/>
-    <p:sldId id="1072" r:id="rId45"/>
-    <p:sldId id="1073" r:id="rId46"/>
-    <p:sldId id="1074" r:id="rId47"/>
-    <p:sldId id="1075" r:id="rId48"/>
-    <p:sldId id="1076" r:id="rId49"/>
-    <p:sldId id="1093" r:id="rId50"/>
-    <p:sldId id="1077" r:id="rId51"/>
-    <p:sldId id="1085" r:id="rId52"/>
-    <p:sldId id="1086" r:id="rId53"/>
-    <p:sldId id="1092" r:id="rId54"/>
+    <p:sldId id="1099" r:id="rId22"/>
+    <p:sldId id="1035" r:id="rId23"/>
+    <p:sldId id="1078" r:id="rId24"/>
+    <p:sldId id="1079" r:id="rId25"/>
+    <p:sldId id="1080" r:id="rId26"/>
+    <p:sldId id="1082" r:id="rId27"/>
+    <p:sldId id="1094" r:id="rId28"/>
+    <p:sldId id="1083" r:id="rId29"/>
+    <p:sldId id="1095" r:id="rId30"/>
+    <p:sldId id="1096" r:id="rId31"/>
+    <p:sldId id="1098" r:id="rId32"/>
+    <p:sldId id="1051" r:id="rId33"/>
+    <p:sldId id="1097" r:id="rId34"/>
+    <p:sldId id="1054" r:id="rId35"/>
+    <p:sldId id="1058" r:id="rId36"/>
+    <p:sldId id="1053" r:id="rId37"/>
+    <p:sldId id="1055" r:id="rId38"/>
+    <p:sldId id="1057" r:id="rId39"/>
+    <p:sldId id="1056" r:id="rId40"/>
+    <p:sldId id="1059" r:id="rId41"/>
+    <p:sldId id="1060" r:id="rId42"/>
+    <p:sldId id="1084" r:id="rId43"/>
+    <p:sldId id="1068" r:id="rId44"/>
+    <p:sldId id="1069" r:id="rId45"/>
+    <p:sldId id="1070" r:id="rId46"/>
+    <p:sldId id="1071" r:id="rId47"/>
+    <p:sldId id="1072" r:id="rId48"/>
+    <p:sldId id="1073" r:id="rId49"/>
+    <p:sldId id="1074" r:id="rId50"/>
+    <p:sldId id="1075" r:id="rId51"/>
+    <p:sldId id="1076" r:id="rId52"/>
+    <p:sldId id="1093" r:id="rId53"/>
+    <p:sldId id="1077" r:id="rId54"/>
+    <p:sldId id="1085" r:id="rId55"/>
+    <p:sldId id="1086" r:id="rId56"/>
+    <p:sldId id="1092" r:id="rId57"/>
   </p:sldIdLst>
   <p:sldSz cx="9144000" cy="6858000" type="screen4x3"/>
   <p:notesSz cx="6997700" cy="9283700"/>
@@ -196,7 +199,7 @@
 </file>
 
 <file path=ppt/handoutMasters/handoutMaster1.xml><?xml version="1.0" encoding="utf-8"?>
-<p:handoutMaster xmlns:a="http://schemas.openxmlformats.org/drawingml/2006/main" xmlns:r="http://schemas.openxmlformats.org/officeDocument/2006/relationships" xmlns:p="http://schemas.openxmlformats.org/presentationml/2006/main">
+<p:handoutMaster xmlns:a="http://schemas.openxmlformats.org/drawingml/2006/main" xmlns:r="http://schemas.openxmlformats.org/officeDocument/2006/relationships" xmlns:mc="http://schemas.openxmlformats.org/markup-compatibility/2006" xmlns:mv="urn:schemas-microsoft-com:mac:vml" xmlns:p="http://schemas.openxmlformats.org/presentationml/2006/main" mc:Ignorable="mv" mc:PreserveAttributes="mv:*">
   <p:cSld>
     <p:bg>
       <p:bgPr>
@@ -433,7 +436,7 @@
 </file>
 
 <file path=ppt/notesMasters/notesMaster1.xml><?xml version="1.0" encoding="utf-8"?>
-<p:notesMaster xmlns:a="http://schemas.openxmlformats.org/drawingml/2006/main" xmlns:r="http://schemas.openxmlformats.org/officeDocument/2006/relationships" xmlns:p="http://schemas.openxmlformats.org/presentationml/2006/main">
+<p:notesMaster xmlns:a="http://schemas.openxmlformats.org/drawingml/2006/main" xmlns:r="http://schemas.openxmlformats.org/officeDocument/2006/relationships" xmlns:mc="http://schemas.openxmlformats.org/markup-compatibility/2006" xmlns:mv="urn:schemas-microsoft-com:mac:vml" xmlns:p="http://schemas.openxmlformats.org/presentationml/2006/main" mc:Ignorable="mv" mc:PreserveAttributes="mv:*">
   <p:cSld>
     <p:bg>
       <p:bgPr>
@@ -892,7 +895,7 @@
 </file>
 
 <file path=ppt/slideLayouts/slideLayout1.xml><?xml version="1.0" encoding="utf-8"?>
-<p:sldLayout xmlns:a="http://schemas.openxmlformats.org/drawingml/2006/main" xmlns:r="http://schemas.openxmlformats.org/officeDocument/2006/relationships" xmlns:p="http://schemas.openxmlformats.org/presentationml/2006/main" showMasterSp="0" type="title" preserve="1">
+<p:sldLayout xmlns:a="http://schemas.openxmlformats.org/drawingml/2006/main" xmlns:r="http://schemas.openxmlformats.org/officeDocument/2006/relationships" xmlns:mc="http://schemas.openxmlformats.org/markup-compatibility/2006" xmlns:mv="urn:schemas-microsoft-com:mac:vml" xmlns:p="http://schemas.openxmlformats.org/presentationml/2006/main" mc:Ignorable="mv" mc:PreserveAttributes="mv:*" showMasterSp="0" type="title" preserve="1">
   <p:cSld name="Title Slide">
     <p:spTree>
       <p:nvGrpSpPr>
@@ -1025,7 +1028,7 @@
 </file>
 
 <file path=ppt/slideLayouts/slideLayout10.xml><?xml version="1.0" encoding="utf-8"?>
-<p:sldLayout xmlns:a="http://schemas.openxmlformats.org/drawingml/2006/main" xmlns:r="http://schemas.openxmlformats.org/officeDocument/2006/relationships" xmlns:p="http://schemas.openxmlformats.org/presentationml/2006/main" type="vertTx" preserve="1">
+<p:sldLayout xmlns:a="http://schemas.openxmlformats.org/drawingml/2006/main" xmlns:r="http://schemas.openxmlformats.org/officeDocument/2006/relationships" xmlns:mc="http://schemas.openxmlformats.org/markup-compatibility/2006" xmlns:mv="urn:schemas-microsoft-com:mac:vml" xmlns:p="http://schemas.openxmlformats.org/presentationml/2006/main" mc:Ignorable="mv" mc:PreserveAttributes="mv:*" type="vertTx" preserve="1">
   <p:cSld name="Title and Vertical Text">
     <p:spTree>
       <p:nvGrpSpPr>
@@ -1125,7 +1128,7 @@
 </file>
 
 <file path=ppt/slideLayouts/slideLayout11.xml><?xml version="1.0" encoding="utf-8"?>
-<p:sldLayout xmlns:a="http://schemas.openxmlformats.org/drawingml/2006/main" xmlns:r="http://schemas.openxmlformats.org/officeDocument/2006/relationships" xmlns:p="http://schemas.openxmlformats.org/presentationml/2006/main" type="vertTitleAndTx" preserve="1">
+<p:sldLayout xmlns:a="http://schemas.openxmlformats.org/drawingml/2006/main" xmlns:r="http://schemas.openxmlformats.org/officeDocument/2006/relationships" xmlns:mc="http://schemas.openxmlformats.org/markup-compatibility/2006" xmlns:mv="urn:schemas-microsoft-com:mac:vml" xmlns:p="http://schemas.openxmlformats.org/presentationml/2006/main" mc:Ignorable="mv" mc:PreserveAttributes="mv:*" type="vertTitleAndTx" preserve="1">
   <p:cSld name="Vertical Title and Text">
     <p:spTree>
       <p:nvGrpSpPr>
@@ -1235,7 +1238,7 @@
 </file>
 
 <file path=ppt/slideLayouts/slideLayout12.xml><?xml version="1.0" encoding="utf-8"?>
-<p:sldLayout xmlns:a="http://schemas.openxmlformats.org/drawingml/2006/main" xmlns:r="http://schemas.openxmlformats.org/officeDocument/2006/relationships" xmlns:p="http://schemas.openxmlformats.org/presentationml/2006/main" type="txAndObj" preserve="1">
+<p:sldLayout xmlns:a="http://schemas.openxmlformats.org/drawingml/2006/main" xmlns:r="http://schemas.openxmlformats.org/officeDocument/2006/relationships" xmlns:mc="http://schemas.openxmlformats.org/markup-compatibility/2006" xmlns:mv="urn:schemas-microsoft-com:mac:vml" xmlns:p="http://schemas.openxmlformats.org/presentationml/2006/main" mc:Ignorable="mv" mc:PreserveAttributes="mv:*" type="txAndObj" preserve="1">
   <p:cSld name="Title, Text, and Content">
     <p:spTree>
       <p:nvGrpSpPr>
@@ -1402,7 +1405,7 @@
 </file>
 
 <file path=ppt/slideLayouts/slideLayout13.xml><?xml version="1.0" encoding="utf-8"?>
-<p:sldLayout xmlns:a="http://schemas.openxmlformats.org/drawingml/2006/main" xmlns:r="http://schemas.openxmlformats.org/officeDocument/2006/relationships" xmlns:p="http://schemas.openxmlformats.org/presentationml/2006/main" type="objAndTx" preserve="1">
+<p:sldLayout xmlns:a="http://schemas.openxmlformats.org/drawingml/2006/main" xmlns:r="http://schemas.openxmlformats.org/officeDocument/2006/relationships" xmlns:mc="http://schemas.openxmlformats.org/markup-compatibility/2006" xmlns:mv="urn:schemas-microsoft-com:mac:vml" xmlns:p="http://schemas.openxmlformats.org/presentationml/2006/main" mc:Ignorable="mv" mc:PreserveAttributes="mv:*" type="objAndTx" preserve="1">
   <p:cSld name="Title, Content and Text">
     <p:spTree>
       <p:nvGrpSpPr>
@@ -1569,7 +1572,7 @@
 </file>
 
 <file path=ppt/slideLayouts/slideLayout14.xml><?xml version="1.0" encoding="utf-8"?>
-<p:sldLayout xmlns:a="http://schemas.openxmlformats.org/drawingml/2006/main" xmlns:r="http://schemas.openxmlformats.org/officeDocument/2006/relationships" xmlns:p="http://schemas.openxmlformats.org/presentationml/2006/main" type="txAndTwoObj" preserve="1">
+<p:sldLayout xmlns:a="http://schemas.openxmlformats.org/drawingml/2006/main" xmlns:r="http://schemas.openxmlformats.org/officeDocument/2006/relationships" xmlns:mc="http://schemas.openxmlformats.org/markup-compatibility/2006" xmlns:mv="urn:schemas-microsoft-com:mac:vml" xmlns:p="http://schemas.openxmlformats.org/presentationml/2006/main" mc:Ignorable="mv" mc:PreserveAttributes="mv:*" type="txAndTwoObj" preserve="1">
   <p:cSld name="Title, Text, and 2 Content">
     <p:spTree>
       <p:nvGrpSpPr>
@@ -1793,7 +1796,7 @@
 </file>
 
 <file path=ppt/slideLayouts/slideLayout15.xml><?xml version="1.0" encoding="utf-8"?>
-<p:sldLayout xmlns:a="http://schemas.openxmlformats.org/drawingml/2006/main" xmlns:r="http://schemas.openxmlformats.org/officeDocument/2006/relationships" xmlns:p="http://schemas.openxmlformats.org/presentationml/2006/main" type="twoObjAndTx" preserve="1">
+<p:sldLayout xmlns:a="http://schemas.openxmlformats.org/drawingml/2006/main" xmlns:r="http://schemas.openxmlformats.org/officeDocument/2006/relationships" xmlns:mc="http://schemas.openxmlformats.org/markup-compatibility/2006" xmlns:mv="urn:schemas-microsoft-com:mac:vml" xmlns:p="http://schemas.openxmlformats.org/presentationml/2006/main" mc:Ignorable="mv" mc:PreserveAttributes="mv:*" type="twoObjAndTx" preserve="1">
   <p:cSld name="Title, 2 Content and Text">
     <p:spTree>
       <p:nvGrpSpPr>
@@ -2017,7 +2020,7 @@
 </file>
 
 <file path=ppt/slideLayouts/slideLayout16.xml><?xml version="1.0" encoding="utf-8"?>
-<p:sldLayout xmlns:a="http://schemas.openxmlformats.org/drawingml/2006/main" xmlns:r="http://schemas.openxmlformats.org/officeDocument/2006/relationships" xmlns:p="http://schemas.openxmlformats.org/presentationml/2006/main" type="txOverObj" preserve="1">
+<p:sldLayout xmlns:a="http://schemas.openxmlformats.org/drawingml/2006/main" xmlns:r="http://schemas.openxmlformats.org/officeDocument/2006/relationships" xmlns:mc="http://schemas.openxmlformats.org/markup-compatibility/2006" xmlns:mv="urn:schemas-microsoft-com:mac:vml" xmlns:p="http://schemas.openxmlformats.org/presentationml/2006/main" mc:Ignorable="mv" mc:PreserveAttributes="mv:*" type="txOverObj" preserve="1">
   <p:cSld name="Title and Text over Content">
     <p:spTree>
       <p:nvGrpSpPr>
@@ -2184,7 +2187,7 @@
 </file>
 
 <file path=ppt/slideLayouts/slideLayout17.xml><?xml version="1.0" encoding="utf-8"?>
-<p:sldLayout xmlns:a="http://schemas.openxmlformats.org/drawingml/2006/main" xmlns:r="http://schemas.openxmlformats.org/officeDocument/2006/relationships" xmlns:p="http://schemas.openxmlformats.org/presentationml/2006/main" type="objOnly" preserve="1">
+<p:sldLayout xmlns:a="http://schemas.openxmlformats.org/drawingml/2006/main" xmlns:r="http://schemas.openxmlformats.org/officeDocument/2006/relationships" xmlns:mc="http://schemas.openxmlformats.org/markup-compatibility/2006" xmlns:mv="urn:schemas-microsoft-com:mac:vml" xmlns:p="http://schemas.openxmlformats.org/presentationml/2006/main" mc:Ignorable="mv" mc:PreserveAttributes="mv:*" type="objOnly" preserve="1">
   <p:cSld name="Content">
     <p:spTree>
       <p:nvGrpSpPr>
@@ -2266,7 +2269,7 @@
 </file>
 
 <file path=ppt/slideLayouts/slideLayout18.xml><?xml version="1.0" encoding="utf-8"?>
-<p:sldLayout xmlns:a="http://schemas.openxmlformats.org/drawingml/2006/main" xmlns:r="http://schemas.openxmlformats.org/officeDocument/2006/relationships" xmlns:p="http://schemas.openxmlformats.org/presentationml/2006/main" type="objOverTx" preserve="1">
+<p:sldLayout xmlns:a="http://schemas.openxmlformats.org/drawingml/2006/main" xmlns:r="http://schemas.openxmlformats.org/officeDocument/2006/relationships" xmlns:mc="http://schemas.openxmlformats.org/markup-compatibility/2006" xmlns:mv="urn:schemas-microsoft-com:mac:vml" xmlns:p="http://schemas.openxmlformats.org/presentationml/2006/main" mc:Ignorable="mv" mc:PreserveAttributes="mv:*" type="objOverTx" preserve="1">
   <p:cSld name="Title and Content over Text">
     <p:spTree>
       <p:nvGrpSpPr>
@@ -2433,7 +2436,7 @@
 </file>
 
 <file path=ppt/slideLayouts/slideLayout19.xml><?xml version="1.0" encoding="utf-8"?>
-<p:sldLayout xmlns:a="http://schemas.openxmlformats.org/drawingml/2006/main" xmlns:r="http://schemas.openxmlformats.org/officeDocument/2006/relationships" xmlns:p="http://schemas.openxmlformats.org/presentationml/2006/main" type="objAndTwoObj" preserve="1">
+<p:sldLayout xmlns:a="http://schemas.openxmlformats.org/drawingml/2006/main" xmlns:r="http://schemas.openxmlformats.org/officeDocument/2006/relationships" xmlns:mc="http://schemas.openxmlformats.org/markup-compatibility/2006" xmlns:mv="urn:schemas-microsoft-com:mac:vml" xmlns:p="http://schemas.openxmlformats.org/presentationml/2006/main" mc:Ignorable="mv" mc:PreserveAttributes="mv:*" type="objAndTwoObj" preserve="1">
   <p:cSld name="Title, Content, and 2 Content">
     <p:spTree>
       <p:nvGrpSpPr>
@@ -2657,7 +2660,7 @@
 </file>
 
 <file path=ppt/slideLayouts/slideLayout2.xml><?xml version="1.0" encoding="utf-8"?>
-<p:sldLayout xmlns:a="http://schemas.openxmlformats.org/drawingml/2006/main" xmlns:r="http://schemas.openxmlformats.org/officeDocument/2006/relationships" xmlns:p="http://schemas.openxmlformats.org/presentationml/2006/main" type="obj" preserve="1">
+<p:sldLayout xmlns:a="http://schemas.openxmlformats.org/drawingml/2006/main" xmlns:r="http://schemas.openxmlformats.org/officeDocument/2006/relationships" xmlns:mc="http://schemas.openxmlformats.org/markup-compatibility/2006" xmlns:mv="urn:schemas-microsoft-com:mac:vml" xmlns:p="http://schemas.openxmlformats.org/presentationml/2006/main" mc:Ignorable="mv" mc:PreserveAttributes="mv:*" type="obj" preserve="1">
   <p:cSld name="Title and Content">
     <p:spTree>
       <p:nvGrpSpPr>
@@ -2757,7 +2760,7 @@
 </file>
 
 <file path=ppt/slideLayouts/slideLayout20.xml><?xml version="1.0" encoding="utf-8"?>
-<p:sldLayout xmlns:a="http://schemas.openxmlformats.org/drawingml/2006/main" xmlns:r="http://schemas.openxmlformats.org/officeDocument/2006/relationships" xmlns:p="http://schemas.openxmlformats.org/presentationml/2006/main" type="fourObj" preserve="1">
+<p:sldLayout xmlns:a="http://schemas.openxmlformats.org/drawingml/2006/main" xmlns:r="http://schemas.openxmlformats.org/officeDocument/2006/relationships" xmlns:mc="http://schemas.openxmlformats.org/markup-compatibility/2006" xmlns:mv="urn:schemas-microsoft-com:mac:vml" xmlns:p="http://schemas.openxmlformats.org/presentationml/2006/main" mc:Ignorable="mv" mc:PreserveAttributes="mv:*" type="fourObj" preserve="1">
   <p:cSld name="Title and 4 Content">
     <p:spTree>
       <p:nvGrpSpPr>
@@ -3038,7 +3041,7 @@
 </file>
 
 <file path=ppt/slideLayouts/slideLayout21.xml><?xml version="1.0" encoding="utf-8"?>
-<p:sldLayout xmlns:a="http://schemas.openxmlformats.org/drawingml/2006/main" xmlns:r="http://schemas.openxmlformats.org/officeDocument/2006/relationships" xmlns:p="http://schemas.openxmlformats.org/presentationml/2006/main" showMasterSp="0" type="title" preserve="1">
+<p:sldLayout xmlns:a="http://schemas.openxmlformats.org/drawingml/2006/main" xmlns:r="http://schemas.openxmlformats.org/officeDocument/2006/relationships" xmlns:mc="http://schemas.openxmlformats.org/markup-compatibility/2006" xmlns:mv="urn:schemas-microsoft-com:mac:vml" xmlns:p="http://schemas.openxmlformats.org/presentationml/2006/main" mc:Ignorable="mv" mc:PreserveAttributes="mv:*" showMasterSp="0" type="title" preserve="1">
   <p:cSld name="Title Slide">
     <p:spTree>
       <p:nvGrpSpPr>
@@ -3486,7 +3489,7 @@
 </file>
 
 <file path=ppt/slideLayouts/slideLayout22.xml><?xml version="1.0" encoding="utf-8"?>
-<p:sldLayout xmlns:a="http://schemas.openxmlformats.org/drawingml/2006/main" xmlns:r="http://schemas.openxmlformats.org/officeDocument/2006/relationships" xmlns:p="http://schemas.openxmlformats.org/presentationml/2006/main" type="obj" preserve="1">
+<p:sldLayout xmlns:a="http://schemas.openxmlformats.org/drawingml/2006/main" xmlns:r="http://schemas.openxmlformats.org/officeDocument/2006/relationships" xmlns:mc="http://schemas.openxmlformats.org/markup-compatibility/2006" xmlns:mv="urn:schemas-microsoft-com:mac:vml" xmlns:p="http://schemas.openxmlformats.org/presentationml/2006/main" mc:Ignorable="mv" mc:PreserveAttributes="mv:*" type="obj" preserve="1">
   <p:cSld name="Title and Content">
     <p:spTree>
       <p:nvGrpSpPr>
@@ -3616,7 +3619,7 @@
 </file>
 
 <file path=ppt/slideLayouts/slideLayout23.xml><?xml version="1.0" encoding="utf-8"?>
-<p:sldLayout xmlns:a="http://schemas.openxmlformats.org/drawingml/2006/main" xmlns:r="http://schemas.openxmlformats.org/officeDocument/2006/relationships" xmlns:p="http://schemas.openxmlformats.org/presentationml/2006/main" type="secHead" preserve="1">
+<p:sldLayout xmlns:a="http://schemas.openxmlformats.org/drawingml/2006/main" xmlns:r="http://schemas.openxmlformats.org/officeDocument/2006/relationships" xmlns:mc="http://schemas.openxmlformats.org/markup-compatibility/2006" xmlns:mv="urn:schemas-microsoft-com:mac:vml" xmlns:p="http://schemas.openxmlformats.org/presentationml/2006/main" mc:Ignorable="mv" mc:PreserveAttributes="mv:*" type="secHead" preserve="1">
   <p:cSld name="Section Header">
     <p:spTree>
       <p:nvGrpSpPr>
@@ -3768,7 +3771,7 @@
 </file>
 
 <file path=ppt/slideLayouts/slideLayout24.xml><?xml version="1.0" encoding="utf-8"?>
-<p:sldLayout xmlns:a="http://schemas.openxmlformats.org/drawingml/2006/main" xmlns:r="http://schemas.openxmlformats.org/officeDocument/2006/relationships" xmlns:p="http://schemas.openxmlformats.org/presentationml/2006/main" type="twoObj" preserve="1">
+<p:sldLayout xmlns:a="http://schemas.openxmlformats.org/drawingml/2006/main" xmlns:r="http://schemas.openxmlformats.org/officeDocument/2006/relationships" xmlns:mc="http://schemas.openxmlformats.org/markup-compatibility/2006" xmlns:mv="urn:schemas-microsoft-com:mac:vml" xmlns:p="http://schemas.openxmlformats.org/presentationml/2006/main" mc:Ignorable="mv" mc:PreserveAttributes="mv:*" type="twoObj" preserve="1">
   <p:cSld name="Two Content">
     <p:spTree>
       <p:nvGrpSpPr>
@@ -4016,7 +4019,7 @@
 </file>
 
 <file path=ppt/slideLayouts/slideLayout25.xml><?xml version="1.0" encoding="utf-8"?>
-<p:sldLayout xmlns:a="http://schemas.openxmlformats.org/drawingml/2006/main" xmlns:r="http://schemas.openxmlformats.org/officeDocument/2006/relationships" xmlns:p="http://schemas.openxmlformats.org/presentationml/2006/main" type="twoTxTwoObj" preserve="1">
+<p:sldLayout xmlns:a="http://schemas.openxmlformats.org/drawingml/2006/main" xmlns:r="http://schemas.openxmlformats.org/officeDocument/2006/relationships" xmlns:mc="http://schemas.openxmlformats.org/markup-compatibility/2006" xmlns:mv="urn:schemas-microsoft-com:mac:vml" xmlns:p="http://schemas.openxmlformats.org/presentationml/2006/main" mc:Ignorable="mv" mc:PreserveAttributes="mv:*" type="twoTxTwoObj" preserve="1">
   <p:cSld name="Comparison">
     <p:spTree>
       <p:nvGrpSpPr>
@@ -4403,7 +4406,7 @@
 </file>
 
 <file path=ppt/slideLayouts/slideLayout26.xml><?xml version="1.0" encoding="utf-8"?>
-<p:sldLayout xmlns:a="http://schemas.openxmlformats.org/drawingml/2006/main" xmlns:r="http://schemas.openxmlformats.org/officeDocument/2006/relationships" xmlns:p="http://schemas.openxmlformats.org/presentationml/2006/main" type="titleOnly" preserve="1">
+<p:sldLayout xmlns:a="http://schemas.openxmlformats.org/drawingml/2006/main" xmlns:r="http://schemas.openxmlformats.org/officeDocument/2006/relationships" xmlns:mc="http://schemas.openxmlformats.org/markup-compatibility/2006" xmlns:mv="urn:schemas-microsoft-com:mac:vml" xmlns:p="http://schemas.openxmlformats.org/presentationml/2006/main" mc:Ignorable="mv" mc:PreserveAttributes="mv:*" type="titleOnly" preserve="1">
   <p:cSld name="Title Only">
     <p:spTree>
       <p:nvGrpSpPr>
@@ -4481,7 +4484,7 @@
 </file>
 
 <file path=ppt/slideLayouts/slideLayout27.xml><?xml version="1.0" encoding="utf-8"?>
-<p:sldLayout xmlns:a="http://schemas.openxmlformats.org/drawingml/2006/main" xmlns:r="http://schemas.openxmlformats.org/officeDocument/2006/relationships" xmlns:p="http://schemas.openxmlformats.org/presentationml/2006/main" type="blank" preserve="1">
+<p:sldLayout xmlns:a="http://schemas.openxmlformats.org/drawingml/2006/main" xmlns:r="http://schemas.openxmlformats.org/officeDocument/2006/relationships" xmlns:mc="http://schemas.openxmlformats.org/markup-compatibility/2006" xmlns:mv="urn:schemas-microsoft-com:mac:vml" xmlns:p="http://schemas.openxmlformats.org/presentationml/2006/main" mc:Ignorable="mv" mc:PreserveAttributes="mv:*" type="blank" preserve="1">
   <p:cSld name="Blank">
     <p:spTree>
       <p:nvGrpSpPr>
@@ -4536,7 +4539,7 @@
 </file>
 
 <file path=ppt/slideLayouts/slideLayout28.xml><?xml version="1.0" encoding="utf-8"?>
-<p:sldLayout xmlns:a="http://schemas.openxmlformats.org/drawingml/2006/main" xmlns:r="http://schemas.openxmlformats.org/officeDocument/2006/relationships" xmlns:p="http://schemas.openxmlformats.org/presentationml/2006/main" type="objTx" preserve="1">
+<p:sldLayout xmlns:a="http://schemas.openxmlformats.org/drawingml/2006/main" xmlns:r="http://schemas.openxmlformats.org/officeDocument/2006/relationships" xmlns:mc="http://schemas.openxmlformats.org/markup-compatibility/2006" xmlns:mv="urn:schemas-microsoft-com:mac:vml" xmlns:p="http://schemas.openxmlformats.org/presentationml/2006/main" mc:Ignorable="mv" mc:PreserveAttributes="mv:*" type="objTx" preserve="1">
   <p:cSld name="Content with Caption">
     <p:spTree>
       <p:nvGrpSpPr>
@@ -4773,7 +4776,7 @@
 </file>
 
 <file path=ppt/slideLayouts/slideLayout29.xml><?xml version="1.0" encoding="utf-8"?>
-<p:sldLayout xmlns:a="http://schemas.openxmlformats.org/drawingml/2006/main" xmlns:r="http://schemas.openxmlformats.org/officeDocument/2006/relationships" xmlns:p="http://schemas.openxmlformats.org/presentationml/2006/main" type="picTx" preserve="1">
+<p:sldLayout xmlns:a="http://schemas.openxmlformats.org/drawingml/2006/main" xmlns:r="http://schemas.openxmlformats.org/officeDocument/2006/relationships" xmlns:mc="http://schemas.openxmlformats.org/markup-compatibility/2006" xmlns:mv="urn:schemas-microsoft-com:mac:vml" xmlns:p="http://schemas.openxmlformats.org/presentationml/2006/main" mc:Ignorable="mv" mc:PreserveAttributes="mv:*" type="picTx" preserve="1">
   <p:cSld name="Picture with Caption">
     <p:spTree>
       <p:nvGrpSpPr>
@@ -4987,7 +4990,7 @@
 </file>
 
 <file path=ppt/slideLayouts/slideLayout3.xml><?xml version="1.0" encoding="utf-8"?>
-<p:sldLayout xmlns:a="http://schemas.openxmlformats.org/drawingml/2006/main" xmlns:r="http://schemas.openxmlformats.org/officeDocument/2006/relationships" xmlns:p="http://schemas.openxmlformats.org/presentationml/2006/main" type="secHead" preserve="1">
+<p:sldLayout xmlns:a="http://schemas.openxmlformats.org/drawingml/2006/main" xmlns:r="http://schemas.openxmlformats.org/officeDocument/2006/relationships" xmlns:mc="http://schemas.openxmlformats.org/markup-compatibility/2006" xmlns:mv="urn:schemas-microsoft-com:mac:vml" xmlns:p="http://schemas.openxmlformats.org/presentationml/2006/main" mc:Ignorable="mv" mc:PreserveAttributes="mv:*" type="secHead" preserve="1">
   <p:cSld name="Section Header">
     <p:spTree>
       <p:nvGrpSpPr>
@@ -5109,7 +5112,7 @@
 </file>
 
 <file path=ppt/slideLayouts/slideLayout30.xml><?xml version="1.0" encoding="utf-8"?>
-<p:sldLayout xmlns:a="http://schemas.openxmlformats.org/drawingml/2006/main" xmlns:r="http://schemas.openxmlformats.org/officeDocument/2006/relationships" xmlns:p="http://schemas.openxmlformats.org/presentationml/2006/main" type="vertTx" preserve="1">
+<p:sldLayout xmlns:a="http://schemas.openxmlformats.org/drawingml/2006/main" xmlns:r="http://schemas.openxmlformats.org/officeDocument/2006/relationships" xmlns:mc="http://schemas.openxmlformats.org/markup-compatibility/2006" xmlns:mv="urn:schemas-microsoft-com:mac:vml" xmlns:p="http://schemas.openxmlformats.org/presentationml/2006/main" mc:Ignorable="mv" mc:PreserveAttributes="mv:*" type="vertTx" preserve="1">
   <p:cSld name="Title and Vertical Text">
     <p:spTree>
       <p:nvGrpSpPr>
@@ -5239,7 +5242,7 @@
 </file>
 
 <file path=ppt/slideLayouts/slideLayout31.xml><?xml version="1.0" encoding="utf-8"?>
-<p:sldLayout xmlns:a="http://schemas.openxmlformats.org/drawingml/2006/main" xmlns:r="http://schemas.openxmlformats.org/officeDocument/2006/relationships" xmlns:p="http://schemas.openxmlformats.org/presentationml/2006/main" type="vertTitleAndTx" preserve="1">
+<p:sldLayout xmlns:a="http://schemas.openxmlformats.org/drawingml/2006/main" xmlns:r="http://schemas.openxmlformats.org/officeDocument/2006/relationships" xmlns:mc="http://schemas.openxmlformats.org/markup-compatibility/2006" xmlns:mv="urn:schemas-microsoft-com:mac:vml" xmlns:p="http://schemas.openxmlformats.org/presentationml/2006/main" mc:Ignorable="mv" mc:PreserveAttributes="mv:*" type="vertTitleAndTx" preserve="1">
   <p:cSld name="Vertical Title and Text">
     <p:spTree>
       <p:nvGrpSpPr>
@@ -5379,7 +5382,7 @@
 </file>
 
 <file path=ppt/slideLayouts/slideLayout32.xml><?xml version="1.0" encoding="utf-8"?>
-<p:sldLayout xmlns:a="http://schemas.openxmlformats.org/drawingml/2006/main" xmlns:r="http://schemas.openxmlformats.org/officeDocument/2006/relationships" xmlns:p="http://schemas.openxmlformats.org/presentationml/2006/main" type="objOnly">
+<p:sldLayout xmlns:a="http://schemas.openxmlformats.org/drawingml/2006/main" xmlns:r="http://schemas.openxmlformats.org/officeDocument/2006/relationships" xmlns:mc="http://schemas.openxmlformats.org/markup-compatibility/2006" xmlns:mv="urn:schemas-microsoft-com:mac:vml" xmlns:p="http://schemas.openxmlformats.org/presentationml/2006/main" mc:Ignorable="mv" mc:PreserveAttributes="mv:*" type="objOnly">
   <p:cSld name="Content">
     <p:spTree>
       <p:nvGrpSpPr>
@@ -5461,7 +5464,7 @@
 </file>
 
 <file path=ppt/slideLayouts/slideLayout4.xml><?xml version="1.0" encoding="utf-8"?>
-<p:sldLayout xmlns:a="http://schemas.openxmlformats.org/drawingml/2006/main" xmlns:r="http://schemas.openxmlformats.org/officeDocument/2006/relationships" xmlns:p="http://schemas.openxmlformats.org/presentationml/2006/main" type="twoObj" preserve="1">
+<p:sldLayout xmlns:a="http://schemas.openxmlformats.org/drawingml/2006/main" xmlns:r="http://schemas.openxmlformats.org/officeDocument/2006/relationships" xmlns:mc="http://schemas.openxmlformats.org/markup-compatibility/2006" xmlns:mv="urn:schemas-microsoft-com:mac:vml" xmlns:p="http://schemas.openxmlformats.org/presentationml/2006/main" mc:Ignorable="mv" mc:PreserveAttributes="mv:*" type="twoObj" preserve="1">
   <p:cSld name="Two Content">
     <p:spTree>
       <p:nvGrpSpPr>
@@ -5679,7 +5682,7 @@
 </file>
 
 <file path=ppt/slideLayouts/slideLayout5.xml><?xml version="1.0" encoding="utf-8"?>
-<p:sldLayout xmlns:a="http://schemas.openxmlformats.org/drawingml/2006/main" xmlns:r="http://schemas.openxmlformats.org/officeDocument/2006/relationships" xmlns:p="http://schemas.openxmlformats.org/presentationml/2006/main" type="twoTxTwoObj" preserve="1">
+<p:sldLayout xmlns:a="http://schemas.openxmlformats.org/drawingml/2006/main" xmlns:r="http://schemas.openxmlformats.org/officeDocument/2006/relationships" xmlns:mc="http://schemas.openxmlformats.org/markup-compatibility/2006" xmlns:mv="urn:schemas-microsoft-com:mac:vml" xmlns:p="http://schemas.openxmlformats.org/presentationml/2006/main" mc:Ignorable="mv" mc:PreserveAttributes="mv:*" type="twoTxTwoObj" preserve="1">
   <p:cSld name="Comparison">
     <p:spTree>
       <p:nvGrpSpPr>
@@ -6036,7 +6039,7 @@
 </file>
 
 <file path=ppt/slideLayouts/slideLayout6.xml><?xml version="1.0" encoding="utf-8"?>
-<p:sldLayout xmlns:a="http://schemas.openxmlformats.org/drawingml/2006/main" xmlns:r="http://schemas.openxmlformats.org/officeDocument/2006/relationships" xmlns:p="http://schemas.openxmlformats.org/presentationml/2006/main" type="titleOnly" preserve="1">
+<p:sldLayout xmlns:a="http://schemas.openxmlformats.org/drawingml/2006/main" xmlns:r="http://schemas.openxmlformats.org/officeDocument/2006/relationships" xmlns:mc="http://schemas.openxmlformats.org/markup-compatibility/2006" xmlns:mv="urn:schemas-microsoft-com:mac:vml" xmlns:p="http://schemas.openxmlformats.org/presentationml/2006/main" mc:Ignorable="mv" mc:PreserveAttributes="mv:*" type="titleOnly" preserve="1">
   <p:cSld name="Title Only">
     <p:spTree>
       <p:nvGrpSpPr>
@@ -6084,7 +6087,7 @@
 </file>
 
 <file path=ppt/slideLayouts/slideLayout7.xml><?xml version="1.0" encoding="utf-8"?>
-<p:sldLayout xmlns:a="http://schemas.openxmlformats.org/drawingml/2006/main" xmlns:r="http://schemas.openxmlformats.org/officeDocument/2006/relationships" xmlns:p="http://schemas.openxmlformats.org/presentationml/2006/main" type="blank" preserve="1">
+<p:sldLayout xmlns:a="http://schemas.openxmlformats.org/drawingml/2006/main" xmlns:r="http://schemas.openxmlformats.org/officeDocument/2006/relationships" xmlns:mc="http://schemas.openxmlformats.org/markup-compatibility/2006" xmlns:mv="urn:schemas-microsoft-com:mac:vml" xmlns:p="http://schemas.openxmlformats.org/presentationml/2006/main" mc:Ignorable="mv" mc:PreserveAttributes="mv:*" type="blank" preserve="1">
   <p:cSld name="Blank">
     <p:spTree>
       <p:nvGrpSpPr>
@@ -6109,7 +6112,7 @@
 </file>
 
 <file path=ppt/slideLayouts/slideLayout8.xml><?xml version="1.0" encoding="utf-8"?>
-<p:sldLayout xmlns:a="http://schemas.openxmlformats.org/drawingml/2006/main" xmlns:r="http://schemas.openxmlformats.org/officeDocument/2006/relationships" xmlns:p="http://schemas.openxmlformats.org/presentationml/2006/main" type="objTx" preserve="1">
+<p:sldLayout xmlns:a="http://schemas.openxmlformats.org/drawingml/2006/main" xmlns:r="http://schemas.openxmlformats.org/officeDocument/2006/relationships" xmlns:mc="http://schemas.openxmlformats.org/markup-compatibility/2006" xmlns:mv="urn:schemas-microsoft-com:mac:vml" xmlns:p="http://schemas.openxmlformats.org/presentationml/2006/main" mc:Ignorable="mv" mc:PreserveAttributes="mv:*" type="objTx" preserve="1">
   <p:cSld name="Content with Caption">
     <p:spTree>
       <p:nvGrpSpPr>
@@ -6316,7 +6319,7 @@
 </file>
 
 <file path=ppt/slideLayouts/slideLayout9.xml><?xml version="1.0" encoding="utf-8"?>
-<p:sldLayout xmlns:a="http://schemas.openxmlformats.org/drawingml/2006/main" xmlns:r="http://schemas.openxmlformats.org/officeDocument/2006/relationships" xmlns:p="http://schemas.openxmlformats.org/presentationml/2006/main" type="picTx" preserve="1">
+<p:sldLayout xmlns:a="http://schemas.openxmlformats.org/drawingml/2006/main" xmlns:r="http://schemas.openxmlformats.org/officeDocument/2006/relationships" xmlns:mc="http://schemas.openxmlformats.org/markup-compatibility/2006" xmlns:mv="urn:schemas-microsoft-com:mac:vml" xmlns:p="http://schemas.openxmlformats.org/presentationml/2006/main" mc:Ignorable="mv" mc:PreserveAttributes="mv:*" type="picTx" preserve="1">
   <p:cSld name="Picture with Caption">
     <p:spTree>
       <p:nvGrpSpPr>
@@ -6500,7 +6503,7 @@
 </file>
 
 <file path=ppt/slideMasters/slideMaster1.xml><?xml version="1.0" encoding="utf-8"?>
-<p:sldMaster xmlns:a="http://schemas.openxmlformats.org/drawingml/2006/main" xmlns:r="http://schemas.openxmlformats.org/officeDocument/2006/relationships" xmlns:p="http://schemas.openxmlformats.org/presentationml/2006/main">
+<p:sldMaster xmlns:a="http://schemas.openxmlformats.org/drawingml/2006/main" xmlns:r="http://schemas.openxmlformats.org/officeDocument/2006/relationships" xmlns:mc="http://schemas.openxmlformats.org/markup-compatibility/2006" xmlns:mv="urn:schemas-microsoft-com:mac:vml" xmlns:p="http://schemas.openxmlformats.org/presentationml/2006/main" mc:Ignorable="mv" mc:PreserveAttributes="mv:*">
   <p:cSld>
     <p:bg>
       <p:bgPr>
@@ -7297,7 +7300,7 @@
 </file>
 
 <file path=ppt/slideMasters/slideMaster2.xml><?xml version="1.0" encoding="utf-8"?>
-<p:sldMaster xmlns:a="http://schemas.openxmlformats.org/drawingml/2006/main" xmlns:r="http://schemas.openxmlformats.org/officeDocument/2006/relationships" xmlns:p="http://schemas.openxmlformats.org/presentationml/2006/main">
+<p:sldMaster xmlns:a="http://schemas.openxmlformats.org/drawingml/2006/main" xmlns:r="http://schemas.openxmlformats.org/officeDocument/2006/relationships" xmlns:mc="http://schemas.openxmlformats.org/markup-compatibility/2006" xmlns:mv="urn:schemas-microsoft-com:mac:vml" xmlns:p="http://schemas.openxmlformats.org/presentationml/2006/main" mc:Ignorable="mv" mc:PreserveAttributes="mv:*">
   <p:cSld>
     <p:bg>
       <p:bgPr>
@@ -8300,7 +8303,7 @@
 </file>
 
 <file path=ppt/slides/slide1.xml><?xml version="1.0" encoding="utf-8"?>
-<p:sld xmlns:a="http://schemas.openxmlformats.org/drawingml/2006/main" xmlns:r="http://schemas.openxmlformats.org/officeDocument/2006/relationships" xmlns:p="http://schemas.openxmlformats.org/presentationml/2006/main">
+<p:sld xmlns:a="http://schemas.openxmlformats.org/drawingml/2006/main" xmlns:r="http://schemas.openxmlformats.org/officeDocument/2006/relationships" xmlns:mc="http://schemas.openxmlformats.org/markup-compatibility/2006" xmlns:mv="urn:schemas-microsoft-com:mac:vml" xmlns:p="http://schemas.openxmlformats.org/presentationml/2006/main" mc:Ignorable="mv" mc:PreserveAttributes="mv:*">
   <p:cSld>
     <p:spTree>
       <p:nvGrpSpPr>
@@ -8421,7 +8424,7 @@
 </file>
 
 <file path=ppt/slides/slide10.xml><?xml version="1.0" encoding="utf-8"?>
-<p:sld xmlns:a="http://schemas.openxmlformats.org/drawingml/2006/main" xmlns:r="http://schemas.openxmlformats.org/officeDocument/2006/relationships" xmlns:p="http://schemas.openxmlformats.org/presentationml/2006/main">
+<p:sld xmlns:a="http://schemas.openxmlformats.org/drawingml/2006/main" xmlns:r="http://schemas.openxmlformats.org/officeDocument/2006/relationships" xmlns:mc="http://schemas.openxmlformats.org/markup-compatibility/2006" xmlns:mv="urn:schemas-microsoft-com:mac:vml" xmlns:p="http://schemas.openxmlformats.org/presentationml/2006/main" mc:Ignorable="mv" mc:PreserveAttributes="mv:*">
   <p:cSld>
     <p:spTree>
       <p:nvGrpSpPr>
@@ -10133,7 +10136,7 @@
 </file>
 
 <file path=ppt/slides/slide11.xml><?xml version="1.0" encoding="utf-8"?>
-<p:sld xmlns:a="http://schemas.openxmlformats.org/drawingml/2006/main" xmlns:r="http://schemas.openxmlformats.org/officeDocument/2006/relationships" xmlns:p="http://schemas.openxmlformats.org/presentationml/2006/main">
+<p:sld xmlns:a="http://schemas.openxmlformats.org/drawingml/2006/main" xmlns:r="http://schemas.openxmlformats.org/officeDocument/2006/relationships" xmlns:mc="http://schemas.openxmlformats.org/markup-compatibility/2006" xmlns:mv="urn:schemas-microsoft-com:mac:vml" xmlns:p="http://schemas.openxmlformats.org/presentationml/2006/main" mc:Ignorable="mv" mc:PreserveAttributes="mv:*">
   <p:cSld>
     <p:spTree>
       <p:nvGrpSpPr>
@@ -10930,7 +10933,7 @@
 </file>
 
 <file path=ppt/slides/slide12.xml><?xml version="1.0" encoding="utf-8"?>
-<p:sld xmlns:a="http://schemas.openxmlformats.org/drawingml/2006/main" xmlns:r="http://schemas.openxmlformats.org/officeDocument/2006/relationships" xmlns:p="http://schemas.openxmlformats.org/presentationml/2006/main">
+<p:sld xmlns:a="http://schemas.openxmlformats.org/drawingml/2006/main" xmlns:r="http://schemas.openxmlformats.org/officeDocument/2006/relationships" xmlns:mc="http://schemas.openxmlformats.org/markup-compatibility/2006" xmlns:mv="urn:schemas-microsoft-com:mac:vml" xmlns:p="http://schemas.openxmlformats.org/presentationml/2006/main" mc:Ignorable="mv" mc:PreserveAttributes="mv:*">
   <p:cSld>
     <p:spTree>
       <p:nvGrpSpPr>
@@ -12801,7 +12804,7 @@
 </file>
 
 <file path=ppt/slides/slide13.xml><?xml version="1.0" encoding="utf-8"?>
-<p:sld xmlns:a="http://schemas.openxmlformats.org/drawingml/2006/main" xmlns:r="http://schemas.openxmlformats.org/officeDocument/2006/relationships" xmlns:p="http://schemas.openxmlformats.org/presentationml/2006/main">
+<p:sld xmlns:a="http://schemas.openxmlformats.org/drawingml/2006/main" xmlns:r="http://schemas.openxmlformats.org/officeDocument/2006/relationships" xmlns:mc="http://schemas.openxmlformats.org/markup-compatibility/2006" xmlns:mv="urn:schemas-microsoft-com:mac:vml" xmlns:p="http://schemas.openxmlformats.org/presentationml/2006/main" mc:Ignorable="mv" mc:PreserveAttributes="mv:*">
   <p:cSld>
     <p:spTree>
       <p:nvGrpSpPr>
@@ -12894,7 +12897,7 @@
 </file>
 
 <file path=ppt/slides/slide14.xml><?xml version="1.0" encoding="utf-8"?>
-<p:sld xmlns:a="http://schemas.openxmlformats.org/drawingml/2006/main" xmlns:r="http://schemas.openxmlformats.org/officeDocument/2006/relationships" xmlns:p="http://schemas.openxmlformats.org/presentationml/2006/main">
+<p:sld xmlns:a="http://schemas.openxmlformats.org/drawingml/2006/main" xmlns:r="http://schemas.openxmlformats.org/officeDocument/2006/relationships" xmlns:mc="http://schemas.openxmlformats.org/markup-compatibility/2006" xmlns:mv="urn:schemas-microsoft-com:mac:vml" xmlns:p="http://schemas.openxmlformats.org/presentationml/2006/main" mc:Ignorable="mv" mc:PreserveAttributes="mv:*">
   <p:cSld>
     <p:spTree>
       <p:nvGrpSpPr>
@@ -13010,7 +13013,7 @@
 </file>
 
 <file path=ppt/slides/slide15.xml><?xml version="1.0" encoding="utf-8"?>
-<p:sld xmlns:a="http://schemas.openxmlformats.org/drawingml/2006/main" xmlns:r="http://schemas.openxmlformats.org/officeDocument/2006/relationships" xmlns:p="http://schemas.openxmlformats.org/presentationml/2006/main">
+<p:sld xmlns:a="http://schemas.openxmlformats.org/drawingml/2006/main" xmlns:r="http://schemas.openxmlformats.org/officeDocument/2006/relationships" xmlns:mc="http://schemas.openxmlformats.org/markup-compatibility/2006" xmlns:mv="urn:schemas-microsoft-com:mac:vml" xmlns:p="http://schemas.openxmlformats.org/presentationml/2006/main" mc:Ignorable="mv" mc:PreserveAttributes="mv:*">
   <p:cSld>
     <p:spTree>
       <p:nvGrpSpPr>
@@ -13034,8 +13037,8 @@
           </p:cNvPicPr>
           <p:nvPr/>
         </p:nvPicPr>
-        <mc:AlternateContent xmlns:mc="http://schemas.openxmlformats.org/markup-compatibility/2006">
-          <mc:Choice xmlns="" xmlns:mv="urn:schemas-microsoft-com:mac:vml" xmlns:ma="http://schemas.microsoft.com/office/mac/drawingml/2008/main" Requires="ma">
+        <mc:AlternateContent>
+          <mc:Choice xmlns:ma="http://schemas.microsoft.com/office/mac/drawingml/2008/main" Requires="ma">
             <p:blipFill>
               <a:blip r:embed="rId2"/>
               <a:stretch>
@@ -13223,7 +13226,7 @@
 </file>
 
 <file path=ppt/slides/slide16.xml><?xml version="1.0" encoding="utf-8"?>
-<p:sld xmlns:a="http://schemas.openxmlformats.org/drawingml/2006/main" xmlns:r="http://schemas.openxmlformats.org/officeDocument/2006/relationships" xmlns:p="http://schemas.openxmlformats.org/presentationml/2006/main">
+<p:sld xmlns:a="http://schemas.openxmlformats.org/drawingml/2006/main" xmlns:r="http://schemas.openxmlformats.org/officeDocument/2006/relationships" xmlns:mc="http://schemas.openxmlformats.org/markup-compatibility/2006" xmlns:mv="urn:schemas-microsoft-com:mac:vml" xmlns:p="http://schemas.openxmlformats.org/presentationml/2006/main" mc:Ignorable="mv" mc:PreserveAttributes="mv:*">
   <p:cSld>
     <p:spTree>
       <p:nvGrpSpPr>
@@ -13357,8 +13360,8 @@
           </p:cNvPicPr>
           <p:nvPr/>
         </p:nvPicPr>
-        <mc:AlternateContent xmlns:mc="http://schemas.openxmlformats.org/markup-compatibility/2006">
-          <mc:Choice xmlns="" xmlns:mv="urn:schemas-microsoft-com:mac:vml" xmlns:ma="http://schemas.microsoft.com/office/mac/drawingml/2008/main" Requires="ma">
+        <mc:AlternateContent>
+          <mc:Choice xmlns:ma="http://schemas.microsoft.com/office/mac/drawingml/2008/main" Requires="ma">
             <p:blipFill>
               <a:blip r:embed="rId2"/>
               <a:stretch>
@@ -13401,7 +13404,7 @@
 </file>
 
 <file path=ppt/slides/slide17.xml><?xml version="1.0" encoding="utf-8"?>
-<p:sld xmlns:a="http://schemas.openxmlformats.org/drawingml/2006/main" xmlns:r="http://schemas.openxmlformats.org/officeDocument/2006/relationships" xmlns:p="http://schemas.openxmlformats.org/presentationml/2006/main">
+<p:sld xmlns:a="http://schemas.openxmlformats.org/drawingml/2006/main" xmlns:r="http://schemas.openxmlformats.org/officeDocument/2006/relationships" xmlns:mc="http://schemas.openxmlformats.org/markup-compatibility/2006" xmlns:mv="urn:schemas-microsoft-com:mac:vml" xmlns:p="http://schemas.openxmlformats.org/presentationml/2006/main" mc:Ignorable="mv" mc:PreserveAttributes="mv:*">
   <p:cSld>
     <p:spTree>
       <p:nvGrpSpPr>
@@ -14172,7 +14175,7 @@
 </file>
 
 <file path=ppt/slides/slide18.xml><?xml version="1.0" encoding="utf-8"?>
-<p:sld xmlns:a="http://schemas.openxmlformats.org/drawingml/2006/main" xmlns:r="http://schemas.openxmlformats.org/officeDocument/2006/relationships" xmlns:p="http://schemas.openxmlformats.org/presentationml/2006/main">
+<p:sld xmlns:a="http://schemas.openxmlformats.org/drawingml/2006/main" xmlns:r="http://schemas.openxmlformats.org/officeDocument/2006/relationships" xmlns:mc="http://schemas.openxmlformats.org/markup-compatibility/2006" xmlns:mv="urn:schemas-microsoft-com:mac:vml" xmlns:p="http://schemas.openxmlformats.org/presentationml/2006/main" mc:Ignorable="mv" mc:PreserveAttributes="mv:*">
   <p:cSld>
     <p:spTree>
       <p:nvGrpSpPr>
@@ -14196,8 +14199,8 @@
           </p:cNvPicPr>
           <p:nvPr/>
         </p:nvPicPr>
-        <mc:AlternateContent xmlns:mc="http://schemas.openxmlformats.org/markup-compatibility/2006">
-          <mc:Choice xmlns="" xmlns:mv="urn:schemas-microsoft-com:mac:vml" xmlns:ma="http://schemas.microsoft.com/office/mac/drawingml/2008/main" Requires="ma">
+        <mc:AlternateContent>
+          <mc:Choice xmlns:ma="http://schemas.microsoft.com/office/mac/drawingml/2008/main" Requires="ma">
             <p:blipFill>
               <a:blip r:embed="rId2"/>
               <a:stretch>
@@ -14535,7 +14538,7 @@
 </file>
 
 <file path=ppt/slides/slide19.xml><?xml version="1.0" encoding="utf-8"?>
-<p:sld xmlns:a="http://schemas.openxmlformats.org/drawingml/2006/main" xmlns:r="http://schemas.openxmlformats.org/officeDocument/2006/relationships" xmlns:p="http://schemas.openxmlformats.org/presentationml/2006/main">
+<p:sld xmlns:a="http://schemas.openxmlformats.org/drawingml/2006/main" xmlns:r="http://schemas.openxmlformats.org/officeDocument/2006/relationships" xmlns:mc="http://schemas.openxmlformats.org/markup-compatibility/2006" xmlns:mv="urn:schemas-microsoft-com:mac:vml" xmlns:p="http://schemas.openxmlformats.org/presentationml/2006/main" mc:Ignorable="mv" mc:PreserveAttributes="mv:*">
   <p:cSld>
     <p:spTree>
       <p:nvGrpSpPr>
@@ -14553,12 +14556,12 @@
       </p:grpSpPr>
       <p:sp>
         <p:nvSpPr>
-          <p:cNvPr id="2" name="Content Placeholder 1"/>
+          <p:cNvPr id="5" name="Title 4"/>
           <p:cNvSpPr>
             <a:spLocks noGrp="1"/>
           </p:cNvSpPr>
           <p:nvPr>
-            <p:ph/>
+            <p:ph type="title"/>
           </p:nvPr>
         </p:nvSpPr>
         <p:spPr/>
@@ -14566,6 +14569,68 @@
           <a:bodyPr/>
           <a:lstStyle/>
           <a:p>
+            <a:r>
+              <a:rPr lang="en-US" dirty="0" smtClean="0"/>
+              <a:t>Connector Modeling vs. Deployment (1/2)</a:t>
+            </a:r>
+            <a:endParaRPr lang="en-US" dirty="0"/>
+          </a:p>
+        </p:txBody>
+      </p:sp>
+      <p:sp>
+        <p:nvSpPr>
+          <p:cNvPr id="6" name="Content Placeholder 5"/>
+          <p:cNvSpPr>
+            <a:spLocks noGrp="1"/>
+          </p:cNvSpPr>
+          <p:nvPr>
+            <p:ph sz="half" idx="1"/>
+          </p:nvPr>
+        </p:nvSpPr>
+        <p:spPr/>
+        <p:txBody>
+          <a:bodyPr/>
+          <a:lstStyle/>
+          <a:p>
+            <a:endParaRPr lang="en-US"/>
+          </a:p>
+        </p:txBody>
+      </p:sp>
+      <p:sp>
+        <p:nvSpPr>
+          <p:cNvPr id="7" name="Text Placeholder 6"/>
+          <p:cNvSpPr>
+            <a:spLocks noGrp="1"/>
+          </p:cNvSpPr>
+          <p:nvPr>
+            <p:ph type="body" sz="half" idx="2"/>
+          </p:nvPr>
+        </p:nvSpPr>
+        <p:spPr/>
+        <p:txBody>
+          <a:bodyPr/>
+          <a:lstStyle/>
+          <a:p>
+            <a:r>
+              <a:rPr lang="en-US" dirty="0" smtClean="0"/>
+              <a:t>From a modeling standpoint, connectors appear monolithic</a:t>
+            </a:r>
+          </a:p>
+          <a:p>
+            <a:r>
+              <a:rPr lang="en-US" dirty="0" smtClean="0"/>
+              <a:t>Need not be concerned with ‘fragments’ or how they are deployed</a:t>
+            </a:r>
+          </a:p>
+          <a:p>
+            <a:r>
+              <a:rPr lang="en-US" dirty="0" smtClean="0"/>
+              <a:t>Connections are made from a component to the desired port on the </a:t>
+            </a:r>
+            <a:r>
+              <a:rPr lang="en-US" dirty="0" err="1" smtClean="0"/>
+              <a:t>connecgtor</a:t>
+            </a:r>
             <a:endParaRPr lang="en-US" dirty="0"/>
           </a:p>
         </p:txBody>
@@ -14586,7 +14651,7 @@
         </p:blipFill>
         <p:spPr>
           <a:xfrm>
-            <a:off x="1523254" y="981999"/>
+            <a:off x="1460998" y="1280850"/>
             <a:ext cx="6171429" cy="1930159"/>
           </a:xfrm>
           <a:prstGeom prst="rect">
@@ -14596,42 +14661,6 @@
           <a:ln>
             <a:noFill/>
           </a:ln>
-        </p:spPr>
-      </p:pic>
-      <p:pic>
-        <p:nvPicPr>
-          <p:cNvPr id="4" name="Picture 3"/>
-          <p:cNvPicPr>
-            <a:picLocks noChangeAspect="1"/>
-          </p:cNvPicPr>
-          <p:nvPr/>
-        </p:nvPicPr>
-        <mc:AlternateContent xmlns:mc="http://schemas.openxmlformats.org/markup-compatibility/2006">
-          <mc:Choice xmlns="" xmlns:mv="urn:schemas-microsoft-com:mac:vml" xmlns:ma="http://schemas.microsoft.com/office/mac/drawingml/2008/main" Requires="ma">
-            <p:blipFill>
-              <a:blip r:embed="rId4"/>
-              <a:stretch>
-                <a:fillRect/>
-              </a:stretch>
-            </p:blipFill>
-          </mc:Choice>
-          <mc:Fallback>
-            <p:blipFill>
-              <a:blip r:embed="rId5"/>
-              <a:stretch>
-                <a:fillRect/>
-              </a:stretch>
-            </p:blipFill>
-          </mc:Fallback>
-        </mc:AlternateContent>
-        <p:spPr>
-          <a:xfrm>
-            <a:off x="1535705" y="3279442"/>
-            <a:ext cx="6172200" cy="2565400"/>
-          </a:xfrm>
-          <a:prstGeom prst="rect">
-            <a:avLst/>
-          </a:prstGeom>
         </p:spPr>
       </p:pic>
     </p:spTree>
@@ -14650,7 +14679,7 @@
 </file>
 
 <file path=ppt/slides/slide2.xml><?xml version="1.0" encoding="utf-8"?>
-<p:sld xmlns:a="http://schemas.openxmlformats.org/drawingml/2006/main" xmlns:r="http://schemas.openxmlformats.org/officeDocument/2006/relationships" xmlns:p="http://schemas.openxmlformats.org/presentationml/2006/main">
+<p:sld xmlns:a="http://schemas.openxmlformats.org/drawingml/2006/main" xmlns:r="http://schemas.openxmlformats.org/officeDocument/2006/relationships" xmlns:mc="http://schemas.openxmlformats.org/markup-compatibility/2006" xmlns:mv="urn:schemas-microsoft-com:mac:vml" xmlns:p="http://schemas.openxmlformats.org/presentationml/2006/main" mc:Ignorable="mv" mc:PreserveAttributes="mv:*">
   <p:cSld>
     <p:spTree>
       <p:nvGrpSpPr>
@@ -14918,7 +14947,162 @@
 </file>
 
 <file path=ppt/slides/slide20.xml><?xml version="1.0" encoding="utf-8"?>
-<p:sld xmlns:a="http://schemas.openxmlformats.org/drawingml/2006/main" xmlns:r="http://schemas.openxmlformats.org/officeDocument/2006/relationships" xmlns:p="http://schemas.openxmlformats.org/presentationml/2006/main">
+<p:sld xmlns:a="http://schemas.openxmlformats.org/drawingml/2006/main" xmlns:r="http://schemas.openxmlformats.org/officeDocument/2006/relationships" xmlns:mc="http://schemas.openxmlformats.org/markup-compatibility/2006" xmlns:mv="urn:schemas-microsoft-com:mac:vml" xmlns:p="http://schemas.openxmlformats.org/presentationml/2006/main" mc:Ignorable="mv" mc:PreserveAttributes="mv:*">
+  <p:cSld>
+    <p:spTree>
+      <p:nvGrpSpPr>
+        <p:cNvPr id="1" name=""/>
+        <p:cNvGrpSpPr/>
+        <p:nvPr/>
+      </p:nvGrpSpPr>
+      <p:grpSpPr>
+        <a:xfrm>
+          <a:off x="0" y="0"/>
+          <a:ext cx="0" cy="0"/>
+          <a:chOff x="0" y="0"/>
+          <a:chExt cx="0" cy="0"/>
+        </a:xfrm>
+      </p:grpSpPr>
+      <p:sp>
+        <p:nvSpPr>
+          <p:cNvPr id="5" name="Title 4"/>
+          <p:cNvSpPr>
+            <a:spLocks noGrp="1"/>
+          </p:cNvSpPr>
+          <p:nvPr>
+            <p:ph type="title"/>
+          </p:nvPr>
+        </p:nvSpPr>
+        <p:spPr/>
+        <p:txBody>
+          <a:bodyPr/>
+          <a:lstStyle/>
+          <a:p>
+            <a:r>
+              <a:rPr lang="en-US" dirty="0" smtClean="0"/>
+              <a:t>Connector Modeling vs. Deployment </a:t>
+            </a:r>
+            <a:r>
+              <a:rPr lang="en-US" dirty="0" smtClean="0"/>
+              <a:t>(2/</a:t>
+            </a:r>
+            <a:r>
+              <a:rPr lang="en-US" dirty="0" smtClean="0"/>
+              <a:t>2)</a:t>
+            </a:r>
+            <a:endParaRPr lang="en-US" b="1" dirty="0"/>
+          </a:p>
+        </p:txBody>
+      </p:sp>
+      <p:sp>
+        <p:nvSpPr>
+          <p:cNvPr id="6" name="Content Placeholder 5"/>
+          <p:cNvSpPr>
+            <a:spLocks noGrp="1"/>
+          </p:cNvSpPr>
+          <p:nvPr>
+            <p:ph sz="half" idx="1"/>
+          </p:nvPr>
+        </p:nvSpPr>
+        <p:spPr/>
+        <p:txBody>
+          <a:bodyPr/>
+          <a:lstStyle/>
+          <a:p>
+            <a:endParaRPr lang="en-US"/>
+          </a:p>
+        </p:txBody>
+      </p:sp>
+      <p:sp>
+        <p:nvSpPr>
+          <p:cNvPr id="7" name="Text Placeholder 6"/>
+          <p:cNvSpPr>
+            <a:spLocks noGrp="1"/>
+          </p:cNvSpPr>
+          <p:nvPr>
+            <p:ph type="body" sz="half" idx="2"/>
+          </p:nvPr>
+        </p:nvSpPr>
+        <p:spPr/>
+        <p:txBody>
+          <a:bodyPr/>
+          <a:lstStyle/>
+          <a:p>
+            <a:r>
+              <a:rPr lang="en-US" dirty="0" smtClean="0"/>
+              <a:t>The modeling tool will generate descriptors for the appropriate fragments</a:t>
+            </a:r>
+          </a:p>
+          <a:p>
+            <a:r>
+              <a:rPr lang="en-US" dirty="0" smtClean="0"/>
+              <a:t>Each application component is deployed </a:t>
+            </a:r>
+            <a:r>
+              <a:rPr lang="en-US" dirty="0" err="1" smtClean="0"/>
+              <a:t>colocated</a:t>
+            </a:r>
+            <a:r>
+              <a:rPr lang="en-US" dirty="0" smtClean="0"/>
+              <a:t> with a dedicated fragment for communication</a:t>
+            </a:r>
+            <a:endParaRPr lang="en-US" dirty="0"/>
+          </a:p>
+        </p:txBody>
+      </p:sp>
+      <p:pic>
+        <p:nvPicPr>
+          <p:cNvPr id="4" name="Picture 3"/>
+          <p:cNvPicPr>
+            <a:picLocks noChangeAspect="1"/>
+          </p:cNvPicPr>
+          <p:nvPr/>
+        </p:nvPicPr>
+        <mc:AlternateContent>
+          <mc:Choice xmlns:ma="http://schemas.microsoft.com/office/mac/drawingml/2008/main" Requires="ma">
+            <p:blipFill>
+              <a:blip r:embed="rId2"/>
+              <a:stretch>
+                <a:fillRect/>
+              </a:stretch>
+            </p:blipFill>
+          </mc:Choice>
+          <mc:Fallback>
+            <p:blipFill>
+              <a:blip r:embed="rId3"/>
+              <a:stretch>
+                <a:fillRect/>
+              </a:stretch>
+            </p:blipFill>
+          </mc:Fallback>
+        </mc:AlternateContent>
+        <p:spPr>
+          <a:xfrm>
+            <a:off x="1485899" y="938445"/>
+            <a:ext cx="6172200" cy="2565400"/>
+          </a:xfrm>
+          <a:prstGeom prst="rect">
+            <a:avLst/>
+          </a:prstGeom>
+        </p:spPr>
+      </p:pic>
+    </p:spTree>
+  </p:cSld>
+  <p:clrMapOvr>
+    <a:masterClrMapping/>
+  </p:clrMapOvr>
+  <p:timing>
+    <p:tnLst>
+      <p:par>
+        <p:cTn id="1" dur="indefinite" restart="never" nodeType="tmRoot"/>
+      </p:par>
+    </p:tnLst>
+  </p:timing>
+</p:sld>
+</file>
+
+<file path=ppt/slides/slide21.xml><?xml version="1.0" encoding="utf-8"?>
+<p:sld xmlns:a="http://schemas.openxmlformats.org/drawingml/2006/main" xmlns:r="http://schemas.openxmlformats.org/officeDocument/2006/relationships" xmlns:mc="http://schemas.openxmlformats.org/markup-compatibility/2006" xmlns:mv="urn:schemas-microsoft-com:mac:vml" xmlns:p="http://schemas.openxmlformats.org/presentationml/2006/main" mc:Ignorable="mv" mc:PreserveAttributes="mv:*">
   <p:cSld>
     <p:spTree>
       <p:nvGrpSpPr>
@@ -14954,7 +15138,7 @@
             <a:fld id="{ECDF9960-93E6-2342-923E-9E815A1270E5}" type="slidenum">
               <a:rPr lang="zh-CN" altLang="en-US"/>
               <a:pPr/>
-              <a:t>20</a:t>
+              <a:t>21</a:t>
             </a:fld>
             <a:endParaRPr lang="en-US" altLang="zh-CN"/>
           </a:p>
@@ -15033,8 +15217,8 @@
 </p:sld>
 </file>
 
-<file path=ppt/slides/slide21.xml><?xml version="1.0" encoding="utf-8"?>
-<p:sld xmlns:a="http://schemas.openxmlformats.org/drawingml/2006/main" xmlns:r="http://schemas.openxmlformats.org/officeDocument/2006/relationships" xmlns:p="http://schemas.openxmlformats.org/presentationml/2006/main">
+<file path=ppt/slides/slide22.xml><?xml version="1.0" encoding="utf-8"?>
+<p:sld xmlns:a="http://schemas.openxmlformats.org/drawingml/2006/main" xmlns:r="http://schemas.openxmlformats.org/officeDocument/2006/relationships" xmlns:mc="http://schemas.openxmlformats.org/markup-compatibility/2006" xmlns:mv="urn:schemas-microsoft-com:mac:vml" xmlns:p="http://schemas.openxmlformats.org/presentationml/2006/main" mc:Ignorable="mv" mc:PreserveAttributes="mv:*">
   <p:cSld>
     <p:spTree>
       <p:nvGrpSpPr>
@@ -15181,7 +15365,7 @@
             <a:fld id="{7271AB0F-A3E3-C64A-86C6-4A98DD05B5AF}" type="slidenum">
               <a:rPr lang="zh-CN" altLang="en-US" smtClean="0"/>
               <a:pPr/>
-              <a:t>21</a:t>
+              <a:t>22</a:t>
             </a:fld>
             <a:endParaRPr lang="en-US" altLang="zh-CN"/>
           </a:p>
@@ -15202,8 +15386,8 @@
 </p:sld>
 </file>
 
-<file path=ppt/slides/slide22.xml><?xml version="1.0" encoding="utf-8"?>
-<p:sld xmlns:a="http://schemas.openxmlformats.org/drawingml/2006/main" xmlns:r="http://schemas.openxmlformats.org/officeDocument/2006/relationships" xmlns:p="http://schemas.openxmlformats.org/presentationml/2006/main">
+<file path=ppt/slides/slide23.xml><?xml version="1.0" encoding="utf-8"?>
+<p:sld xmlns:a="http://schemas.openxmlformats.org/drawingml/2006/main" xmlns:r="http://schemas.openxmlformats.org/officeDocument/2006/relationships" xmlns:mc="http://schemas.openxmlformats.org/markup-compatibility/2006" xmlns:mv="urn:schemas-microsoft-com:mac:vml" xmlns:p="http://schemas.openxmlformats.org/presentationml/2006/main" mc:Ignorable="mv" mc:PreserveAttributes="mv:*">
   <p:cSld>
     <p:spTree>
       <p:nvGrpSpPr>
@@ -15335,8 +15519,8 @@
 </p:sld>
 </file>
 
-<file path=ppt/slides/slide23.xml><?xml version="1.0" encoding="utf-8"?>
-<p:sld xmlns:a="http://schemas.openxmlformats.org/drawingml/2006/main" xmlns:r="http://schemas.openxmlformats.org/officeDocument/2006/relationships" xmlns:p="http://schemas.openxmlformats.org/presentationml/2006/main">
+<file path=ppt/slides/slide24.xml><?xml version="1.0" encoding="utf-8"?>
+<p:sld xmlns:a="http://schemas.openxmlformats.org/drawingml/2006/main" xmlns:r="http://schemas.openxmlformats.org/officeDocument/2006/relationships" xmlns:mc="http://schemas.openxmlformats.org/markup-compatibility/2006" xmlns:mv="urn:schemas-microsoft-com:mac:vml" xmlns:p="http://schemas.openxmlformats.org/presentationml/2006/main" mc:Ignorable="mv" mc:PreserveAttributes="mv:*">
   <p:cSld>
     <p:spTree>
       <p:nvGrpSpPr>
@@ -15392,8 +15576,33 @@
           <a:p>
             <a:r>
               <a:rPr lang="en-US" dirty="0" smtClean="0"/>
-              <a:t>Additional design info here</a:t>
-            </a:r>
+              <a:t>Specification tries not to </a:t>
+            </a:r>
+            <a:r>
+              <a:rPr lang="en-US" dirty="0" smtClean="0"/>
+              <a:t>prevent advanced DDS usage</a:t>
+            </a:r>
+          </a:p>
+          <a:p>
+            <a:pPr lvl="1"/>
+            <a:r>
+              <a:rPr lang="en-US" dirty="0" smtClean="0"/>
+              <a:t>All ports provide acces</a:t>
+            </a:r>
+            <a:r>
+              <a:rPr lang="en-US" dirty="0" smtClean="0"/>
+              <a:t>s to a more detailed interface</a:t>
+            </a:r>
+          </a:p>
+          <a:p>
+            <a:pPr lvl="1"/>
+            <a:r>
+              <a:rPr lang="en-US" dirty="0" smtClean="0"/>
+              <a:t>All involved DDS entities can be discovered using this starting point</a:t>
+            </a:r>
+          </a:p>
+          <a:p>
+            <a:pPr lvl="1"/>
             <a:endParaRPr lang="en-US" dirty="0"/>
           </a:p>
         </p:txBody>
@@ -15413,8 +15622,8 @@
 </p:sld>
 </file>
 
-<file path=ppt/slides/slide24.xml><?xml version="1.0" encoding="utf-8"?>
-<p:sld xmlns:a="http://schemas.openxmlformats.org/drawingml/2006/main" xmlns:r="http://schemas.openxmlformats.org/officeDocument/2006/relationships" xmlns:p="http://schemas.openxmlformats.org/presentationml/2006/main">
+<file path=ppt/slides/slide25.xml><?xml version="1.0" encoding="utf-8"?>
+<p:sld xmlns:a="http://schemas.openxmlformats.org/drawingml/2006/main" xmlns:r="http://schemas.openxmlformats.org/officeDocument/2006/relationships" xmlns:mc="http://schemas.openxmlformats.org/markup-compatibility/2006" xmlns:mv="urn:schemas-microsoft-com:mac:vml" xmlns:p="http://schemas.openxmlformats.org/presentationml/2006/main" mc:Ignorable="mv" mc:PreserveAttributes="mv:*">
   <p:cSld>
     <p:spTree>
       <p:nvGrpSpPr>
@@ -15447,11 +15656,11 @@
           <a:p>
             <a:r>
               <a:rPr lang="en-US" dirty="0" smtClean="0"/>
-              <a:t>DDS4CCM Basic Ports (</a:t>
+              <a:t>DDS4CCM Basic Ports (1</a:t>
             </a:r>
             <a:r>
               <a:rPr lang="en-US" dirty="0" smtClean="0"/>
-              <a:t>1/2)</a:t>
+              <a:t>/3)</a:t>
             </a:r>
             <a:endParaRPr lang="en-US" dirty="0"/>
           </a:p>
@@ -15549,6 +15758,275 @@
               <a:t> – Like updater, but acts on groups of instances.  Supports coherent updates. </a:t>
             </a:r>
             <a:endParaRPr lang="en-US" b="1" dirty="0"/>
+          </a:p>
+        </p:txBody>
+      </p:sp>
+    </p:spTree>
+  </p:cSld>
+  <p:clrMapOvr>
+    <a:masterClrMapping/>
+  </p:clrMapOvr>
+  <p:timing>
+    <p:tnLst>
+      <p:par>
+        <p:cTn id="1" dur="indefinite" restart="never" nodeType="tmRoot"/>
+      </p:par>
+    </p:tnLst>
+  </p:timing>
+</p:sld>
+</file>
+
+<file path=ppt/slides/slide26.xml><?xml version="1.0" encoding="utf-8"?>
+<p:sld xmlns:a="http://schemas.openxmlformats.org/drawingml/2006/main" xmlns:r="http://schemas.openxmlformats.org/officeDocument/2006/relationships" xmlns:mc="http://schemas.openxmlformats.org/markup-compatibility/2006" xmlns:mv="urn:schemas-microsoft-com:mac:vml" xmlns:p="http://schemas.openxmlformats.org/presentationml/2006/main" mc:Ignorable="mv" mc:PreserveAttributes="mv:*">
+  <p:cSld>
+    <p:spTree>
+      <p:nvGrpSpPr>
+        <p:cNvPr id="1" name=""/>
+        <p:cNvGrpSpPr/>
+        <p:nvPr/>
+      </p:nvGrpSpPr>
+      <p:grpSpPr>
+        <a:xfrm>
+          <a:off x="0" y="0"/>
+          <a:ext cx="0" cy="0"/>
+          <a:chOff x="0" y="0"/>
+          <a:chExt cx="0" cy="0"/>
+        </a:xfrm>
+      </p:grpSpPr>
+      <p:sp>
+        <p:nvSpPr>
+          <p:cNvPr id="2" name="Title 1"/>
+          <p:cNvSpPr>
+            <a:spLocks noGrp="1"/>
+          </p:cNvSpPr>
+          <p:nvPr>
+            <p:ph type="title"/>
+          </p:nvPr>
+        </p:nvSpPr>
+        <p:spPr/>
+        <p:txBody>
+          <a:bodyPr/>
+          <a:lstStyle/>
+          <a:p>
+            <a:r>
+              <a:rPr lang="en-US" dirty="0" smtClean="0"/>
+              <a:t>DDS4CCM Basic Ports (2/3)</a:t>
+            </a:r>
+            <a:endParaRPr lang="en-US" dirty="0"/>
+          </a:p>
+        </p:txBody>
+      </p:sp>
+      <p:sp>
+        <p:nvSpPr>
+          <p:cNvPr id="3" name="Content Placeholder 2"/>
+          <p:cNvSpPr>
+            <a:spLocks noGrp="1"/>
+          </p:cNvSpPr>
+          <p:nvPr>
+            <p:ph idx="1"/>
+          </p:nvPr>
+        </p:nvSpPr>
+        <p:spPr/>
+        <p:txBody>
+          <a:bodyPr/>
+          <a:lstStyle/>
+          <a:p>
+            <a:r>
+              <a:rPr lang="en-US" b="1" dirty="0" smtClean="0"/>
+              <a:t>Data Access – Subscribing</a:t>
+            </a:r>
+            <a:endParaRPr lang="en-US" dirty="0" smtClean="0"/>
+          </a:p>
+          <a:p>
+            <a:pPr lvl="1"/>
+            <a:r>
+              <a:rPr lang="en-US" b="1" dirty="0" smtClean="0"/>
+              <a:t>Reader</a:t>
+            </a:r>
+            <a:r>
+              <a:rPr lang="en-US" dirty="0" smtClean="0"/>
+              <a:t> – Allows access of one or more instances with non-blocking semantics.</a:t>
+            </a:r>
+          </a:p>
+          <a:p>
+            <a:pPr lvl="1"/>
+            <a:r>
+              <a:rPr lang="en-US" b="1" dirty="0" smtClean="0"/>
+              <a:t>Getter</a:t>
+            </a:r>
+            <a:r>
+              <a:rPr lang="en-US" dirty="0" smtClean="0"/>
+              <a:t> – Allows access of one or more instances with blocking semantics.</a:t>
+            </a:r>
+          </a:p>
+          <a:p>
+            <a:pPr lvl="1"/>
+            <a:r>
+              <a:rPr lang="en-US" b="1" dirty="0" err="1" smtClean="0"/>
+              <a:t>RawListener</a:t>
+            </a:r>
+            <a:r>
+              <a:rPr lang="en-US" dirty="0" smtClean="0"/>
+              <a:t> – Provides a callback mechanism to the application when new data arrives, regardless of instance state</a:t>
+            </a:r>
+          </a:p>
+          <a:p>
+            <a:pPr lvl="1"/>
+            <a:r>
+              <a:rPr lang="en-US" b="1" dirty="0" err="1" smtClean="0"/>
+              <a:t>StateListener</a:t>
+            </a:r>
+            <a:r>
+              <a:rPr lang="en-US" dirty="0" smtClean="0"/>
+              <a:t> – Provides a callback mechanism to the application when new data arrives, with different operations depending on state</a:t>
+            </a:r>
+          </a:p>
+          <a:p>
+            <a:pPr lvl="1"/>
+            <a:r>
+              <a:rPr lang="en-US" b="1" dirty="0" err="1" smtClean="0"/>
+              <a:t>MultiListener</a:t>
+            </a:r>
+            <a:r>
+              <a:rPr lang="en-US" dirty="0" smtClean="0"/>
+              <a:t> – Provides a callback like </a:t>
+            </a:r>
+            <a:r>
+              <a:rPr lang="en-US" dirty="0" err="1" smtClean="0"/>
+              <a:t>RawListener</a:t>
+            </a:r>
+            <a:r>
+              <a:rPr lang="en-US" dirty="0" smtClean="0"/>
+              <a:t>, except a sequence of instances may be provided</a:t>
+            </a:r>
+            <a:endParaRPr lang="en-US" b="1" dirty="0"/>
+          </a:p>
+        </p:txBody>
+      </p:sp>
+    </p:spTree>
+  </p:cSld>
+  <p:clrMapOvr>
+    <a:masterClrMapping/>
+  </p:clrMapOvr>
+  <p:timing>
+    <p:tnLst>
+      <p:par>
+        <p:cTn id="1" dur="indefinite" restart="never" nodeType="tmRoot"/>
+      </p:par>
+    </p:tnLst>
+  </p:timing>
+</p:sld>
+</file>
+
+<file path=ppt/slides/slide27.xml><?xml version="1.0" encoding="utf-8"?>
+<p:sld xmlns:a="http://schemas.openxmlformats.org/drawingml/2006/main" xmlns:r="http://schemas.openxmlformats.org/officeDocument/2006/relationships" xmlns:mc="http://schemas.openxmlformats.org/markup-compatibility/2006" xmlns:mv="urn:schemas-microsoft-com:mac:vml" xmlns:p="http://schemas.openxmlformats.org/presentationml/2006/main" mc:Ignorable="mv" mc:PreserveAttributes="mv:*">
+  <p:cSld>
+    <p:spTree>
+      <p:nvGrpSpPr>
+        <p:cNvPr id="1" name=""/>
+        <p:cNvGrpSpPr/>
+        <p:nvPr/>
+      </p:nvGrpSpPr>
+      <p:grpSpPr>
+        <a:xfrm>
+          <a:off x="0" y="0"/>
+          <a:ext cx="0" cy="0"/>
+          <a:chOff x="0" y="0"/>
+          <a:chExt cx="0" cy="0"/>
+        </a:xfrm>
+      </p:grpSpPr>
+      <p:sp>
+        <p:nvSpPr>
+          <p:cNvPr id="2" name="Title 1"/>
+          <p:cNvSpPr>
+            <a:spLocks noGrp="1"/>
+          </p:cNvSpPr>
+          <p:nvPr>
+            <p:ph type="title"/>
+          </p:nvPr>
+        </p:nvSpPr>
+        <p:spPr/>
+        <p:txBody>
+          <a:bodyPr/>
+          <a:lstStyle/>
+          <a:p>
+            <a:r>
+              <a:rPr lang="en-US" dirty="0" smtClean="0"/>
+              <a:t>DDS4CCM Basic Ports (3/3)</a:t>
+            </a:r>
+            <a:endParaRPr lang="en-US" dirty="0"/>
+          </a:p>
+        </p:txBody>
+      </p:sp>
+      <p:sp>
+        <p:nvSpPr>
+          <p:cNvPr id="3" name="Content Placeholder 2"/>
+          <p:cNvSpPr>
+            <a:spLocks noGrp="1"/>
+          </p:cNvSpPr>
+          <p:nvPr>
+            <p:ph idx="1"/>
+          </p:nvPr>
+        </p:nvSpPr>
+        <p:spPr/>
+        <p:txBody>
+          <a:bodyPr/>
+          <a:lstStyle/>
+          <a:p>
+            <a:r>
+              <a:rPr lang="en-US" b="1" dirty="0" smtClean="0"/>
+              <a:t>Status Access</a:t>
+            </a:r>
+            <a:endParaRPr lang="en-US" dirty="0" smtClean="0"/>
+          </a:p>
+          <a:p>
+            <a:pPr lvl="1"/>
+            <a:r>
+              <a:rPr lang="en-US" b="1" dirty="0" err="1" smtClean="0"/>
+              <a:t>PortStatusListener</a:t>
+            </a:r>
+            <a:r>
+              <a:rPr lang="en-US" dirty="0" smtClean="0"/>
+              <a:t> –</a:t>
+            </a:r>
+            <a:r>
+              <a:rPr lang="en-US" dirty="0" smtClean="0"/>
+              <a:t> Delivers status relevant to ports related to dat</a:t>
+            </a:r>
+            <a:r>
+              <a:rPr lang="en-US" dirty="0" smtClean="0"/>
+              <a:t>a subscribers.</a:t>
+            </a:r>
+            <a:r>
+              <a:rPr lang="en-US" dirty="0" smtClean="0"/>
+              <a:t> </a:t>
+            </a:r>
+            <a:endParaRPr lang="en-US" dirty="0" smtClean="0"/>
+          </a:p>
+          <a:p>
+            <a:pPr lvl="1"/>
+            <a:r>
+              <a:rPr lang="en-US" b="1" dirty="0" err="1" smtClean="0"/>
+              <a:t>ConnectorStatusListener</a:t>
+            </a:r>
+            <a:r>
+              <a:rPr lang="en-US" dirty="0" smtClean="0"/>
+              <a:t> –</a:t>
+            </a:r>
+            <a:r>
+              <a:rPr lang="en-US" dirty="0" smtClean="0"/>
+              <a:t> Delivers status updates that are relevant system-</a:t>
+            </a:r>
+            <a:r>
+              <a:rPr lang="en-US" dirty="0" smtClean="0"/>
+              <a:t>wide. 	</a:t>
+            </a:r>
+          </a:p>
+          <a:p>
+            <a:pPr>
+              <a:buNone/>
+            </a:pPr>
+            <a:endParaRPr lang="en-US" dirty="0" smtClean="0"/>
           </a:p>
         </p:txBody>
       </p:sp>
@@ -15738,8 +16216,8 @@
 </p:sld>
 </file>
 
-<file path=ppt/slides/slide25.xml><?xml version="1.0" encoding="utf-8"?>
-<p:sld xmlns:a="http://schemas.openxmlformats.org/drawingml/2006/main" xmlns:r="http://schemas.openxmlformats.org/officeDocument/2006/relationships" xmlns:p="http://schemas.openxmlformats.org/presentationml/2006/main">
+<file path=ppt/slides/slide28.xml><?xml version="1.0" encoding="utf-8"?>
+<p:sld xmlns:a="http://schemas.openxmlformats.org/drawingml/2006/main" xmlns:r="http://schemas.openxmlformats.org/officeDocument/2006/relationships" xmlns:mc="http://schemas.openxmlformats.org/markup-compatibility/2006" xmlns:mv="urn:schemas-microsoft-com:mac:vml" xmlns:p="http://schemas.openxmlformats.org/presentationml/2006/main" mc:Ignorable="mv" mc:PreserveAttributes="mv:*">
   <p:cSld>
     <p:spTree>
       <p:nvGrpSpPr>
@@ -15772,11 +16250,11 @@
           <a:p>
             <a:r>
               <a:rPr lang="en-US" dirty="0" smtClean="0"/>
-              <a:t>DDS4CCM Basic Ports (</a:t>
+              <a:t>DDS4CCM Extended </a:t>
             </a:r>
             <a:r>
               <a:rPr lang="en-US" dirty="0" smtClean="0"/>
-              <a:t>2/3)</a:t>
+              <a:t>Ports (1/2)</a:t>
             </a:r>
             <a:endParaRPr lang="en-US" dirty="0"/>
           </a:p>
@@ -15792,80 +16270,325 @@
             <p:ph idx="1"/>
           </p:nvPr>
         </p:nvSpPr>
-        <p:spPr/>
+        <p:spPr>
+          <a:xfrm>
+            <a:off x="152400" y="990600"/>
+            <a:ext cx="8839200" cy="2596447"/>
+          </a:xfrm>
+        </p:spPr>
         <p:txBody>
           <a:bodyPr/>
           <a:lstStyle/>
           <a:p>
             <a:r>
-              <a:rPr lang="en-US" b="1" dirty="0" smtClean="0"/>
-              <a:t>Data Access – Subscribing</a:t>
+              <a:rPr lang="en-US" dirty="0" smtClean="0"/>
+              <a:t>The extended ports – in most cases – combine a basic port with the corresponding DCPS IDL interface</a:t>
+            </a:r>
+          </a:p>
+          <a:p>
+            <a:pPr lvl="1"/>
+            <a:r>
+              <a:rPr lang="en-US" dirty="0" smtClean="0"/>
+              <a:t>Provides the opportunity to access advanced DDS features</a:t>
+            </a:r>
+          </a:p>
+          <a:p>
+            <a:pPr lvl="1"/>
+            <a:r>
+              <a:rPr lang="en-US" dirty="0" smtClean="0"/>
+              <a:t>Increases code portability by not exposing DDS implementation directly</a:t>
             </a:r>
             <a:endParaRPr lang="en-US" dirty="0" smtClean="0"/>
           </a:p>
           <a:p>
             <a:pPr lvl="1"/>
             <a:r>
-              <a:rPr lang="en-US" b="1" dirty="0" smtClean="0"/>
-              <a:t>Reader</a:t>
-            </a:r>
-            <a:r>
               <a:rPr lang="en-US" dirty="0" smtClean="0"/>
-              <a:t> – Allows access of one or more instances with non-blocking semantics.</a:t>
-            </a:r>
-          </a:p>
-          <a:p>
-            <a:pPr lvl="1"/>
-            <a:r>
-              <a:rPr lang="en-US" b="1" dirty="0" smtClean="0"/>
-              <a:t>Getter</a:t>
-            </a:r>
-            <a:r>
-              <a:rPr lang="en-US" dirty="0" smtClean="0"/>
-              <a:t> – Allows access of one or more instances with blocking semantics.</a:t>
-            </a:r>
-          </a:p>
-          <a:p>
-            <a:pPr lvl="1"/>
-            <a:r>
-              <a:rPr lang="en-US" b="1" dirty="0" err="1" smtClean="0"/>
-              <a:t>RawListener</a:t>
-            </a:r>
-            <a:r>
-              <a:rPr lang="en-US" dirty="0" smtClean="0"/>
-              <a:t> – Provides a callback mechanism to the application when new data arrives, regardless of instance state</a:t>
-            </a:r>
-          </a:p>
-          <a:p>
-            <a:pPr lvl="1"/>
-            <a:r>
-              <a:rPr lang="en-US" b="1" dirty="0" err="1" smtClean="0"/>
-              <a:t>StateListener</a:t>
-            </a:r>
-            <a:r>
-              <a:rPr lang="en-US" dirty="0" smtClean="0"/>
-              <a:t> – Provides a callback mechanism to the application when new data arrives, with different operations depending on state</a:t>
-            </a:r>
-          </a:p>
-          <a:p>
-            <a:pPr lvl="1"/>
-            <a:r>
-              <a:rPr lang="en-US" b="1" dirty="0" err="1" smtClean="0"/>
-              <a:t>MultiListener</a:t>
-            </a:r>
-            <a:r>
-              <a:rPr lang="en-US" dirty="0" smtClean="0"/>
-              <a:t> – Provides a callback like </a:t>
+              <a:t>Subscriber ports also include a </a:t>
             </a:r>
             <a:r>
               <a:rPr lang="en-US" dirty="0" err="1" smtClean="0"/>
-              <a:t>RawListener</a:t>
-            </a:r>
-            <a:r>
-              <a:rPr lang="en-US" dirty="0" smtClean="0"/>
-              <a:t>, except a sequence of instances may be provided</a:t>
-            </a:r>
-            <a:endParaRPr lang="en-US" b="1" dirty="0"/>
+              <a:t>PortStatusLinstener</a:t>
+            </a:r>
+            <a:endParaRPr lang="en-US" dirty="0" smtClean="0"/>
+          </a:p>
+          <a:p>
+            <a:endParaRPr lang="en-US" dirty="0" smtClean="0"/>
+          </a:p>
+        </p:txBody>
+      </p:sp>
+      <p:sp>
+        <p:nvSpPr>
+          <p:cNvPr id="4" name="TextBox 3"/>
+          <p:cNvSpPr txBox="1"/>
+          <p:nvPr/>
+        </p:nvSpPr>
+        <p:spPr>
+          <a:xfrm>
+            <a:off x="423359" y="3587047"/>
+            <a:ext cx="4021912" cy="1277273"/>
+          </a:xfrm>
+          <a:prstGeom prst="rect">
+            <a:avLst/>
+          </a:prstGeom>
+          <a:noFill/>
+        </p:spPr>
+        <p:txBody>
+          <a:bodyPr wrap="square" rtlCol="0">
+            <a:spAutoFit/>
+          </a:bodyPr>
+          <a:lstStyle/>
+          <a:p>
+            <a:r>
+              <a:rPr lang="en-US" sz="1400" i="0" dirty="0" err="1" smtClean="0">
+                <a:latin typeface="Courier New"/>
+                <a:cs typeface="Courier New"/>
+              </a:rPr>
+              <a:t>Porttype</a:t>
+            </a:r>
+            <a:r>
+              <a:rPr lang="en-US" sz="1400" i="0" dirty="0" smtClean="0">
+                <a:latin typeface="Courier New"/>
+                <a:cs typeface="Courier New"/>
+              </a:rPr>
+              <a:t> </a:t>
+            </a:r>
+            <a:r>
+              <a:rPr lang="en-US" sz="1400" i="0" dirty="0" err="1" smtClean="0">
+                <a:latin typeface="Courier New"/>
+                <a:cs typeface="Courier New"/>
+              </a:rPr>
+              <a:t>DDS_Write</a:t>
+            </a:r>
+            <a:r>
+              <a:rPr lang="en-US" sz="1400" i="0" dirty="0" smtClean="0">
+                <a:latin typeface="Courier New"/>
+                <a:cs typeface="Courier New"/>
+              </a:rPr>
+              <a:t>&lt;</a:t>
+            </a:r>
+            <a:r>
+              <a:rPr lang="en-US" sz="1400" i="0" dirty="0" err="1" smtClean="0">
+                <a:latin typeface="Courier New"/>
+                <a:cs typeface="Courier New"/>
+              </a:rPr>
+              <a:t>typename</a:t>
+            </a:r>
+            <a:r>
+              <a:rPr lang="en-US" sz="1400" i="0" dirty="0" smtClean="0">
+                <a:latin typeface="Courier New"/>
+                <a:cs typeface="Courier New"/>
+              </a:rPr>
+              <a:t> T&gt; {</a:t>
+            </a:r>
+          </a:p>
+          <a:p>
+            <a:r>
+              <a:rPr lang="en-US" sz="1400" i="0" dirty="0" smtClean="0">
+                <a:latin typeface="Courier New"/>
+                <a:cs typeface="Courier New"/>
+              </a:rPr>
+              <a:t>  uses Writer&lt;T&gt; data;</a:t>
+            </a:r>
+          </a:p>
+          <a:p>
+            <a:r>
+              <a:rPr lang="en-US" sz="1400" i="0" dirty="0" smtClean="0">
+                <a:latin typeface="Courier New"/>
+                <a:cs typeface="Courier New"/>
+              </a:rPr>
+              <a:t>  uses </a:t>
+            </a:r>
+            <a:r>
+              <a:rPr lang="en-US" sz="1400" i="0" dirty="0" err="1" smtClean="0">
+                <a:latin typeface="Courier New"/>
+                <a:cs typeface="Courier New"/>
+              </a:rPr>
+              <a:t>DDS::DataWriter</a:t>
+            </a:r>
+            <a:r>
+              <a:rPr lang="en-US" sz="1400" i="0" dirty="0" smtClean="0">
+                <a:latin typeface="Courier New"/>
+                <a:cs typeface="Courier New"/>
+              </a:rPr>
+              <a:t> </a:t>
+            </a:r>
+            <a:r>
+              <a:rPr lang="en-US" sz="1400" i="0" dirty="0" err="1" smtClean="0">
+                <a:latin typeface="Courier New"/>
+                <a:cs typeface="Courier New"/>
+              </a:rPr>
+              <a:t>dds_entity</a:t>
+            </a:r>
+            <a:r>
+              <a:rPr lang="en-US" sz="1400" i="0" dirty="0" smtClean="0">
+                <a:latin typeface="Courier New"/>
+                <a:cs typeface="Courier New"/>
+              </a:rPr>
+              <a:t>;</a:t>
+            </a:r>
+          </a:p>
+          <a:p>
+            <a:r>
+              <a:rPr lang="en-US" sz="1400" i="0" dirty="0" smtClean="0">
+                <a:latin typeface="Courier New"/>
+                <a:cs typeface="Courier New"/>
+              </a:rPr>
+              <a:t>};</a:t>
+            </a:r>
+            <a:endParaRPr lang="en-US" sz="1400" i="0" dirty="0">
+              <a:latin typeface="Courier New"/>
+              <a:cs typeface="Courier New"/>
+            </a:endParaRPr>
+          </a:p>
+        </p:txBody>
+      </p:sp>
+      <p:sp>
+        <p:nvSpPr>
+          <p:cNvPr id="5" name="TextBox 4"/>
+          <p:cNvSpPr txBox="1"/>
+          <p:nvPr/>
+        </p:nvSpPr>
+        <p:spPr>
+          <a:xfrm>
+            <a:off x="4686798" y="3583489"/>
+            <a:ext cx="4457201" cy="1600438"/>
+          </a:xfrm>
+          <a:prstGeom prst="rect">
+            <a:avLst/>
+          </a:prstGeom>
+          <a:noFill/>
+        </p:spPr>
+        <p:txBody>
+          <a:bodyPr wrap="square" rtlCol="0">
+            <a:spAutoFit/>
+          </a:bodyPr>
+          <a:lstStyle/>
+          <a:p>
+            <a:r>
+              <a:rPr lang="en-US" sz="1400" i="0" dirty="0" err="1" smtClean="0">
+                <a:latin typeface="Courier New"/>
+                <a:cs typeface="Courier New"/>
+              </a:rPr>
+              <a:t>Porttype</a:t>
+            </a:r>
+            <a:r>
+              <a:rPr lang="en-US" sz="1400" i="0" dirty="0" smtClean="0">
+                <a:latin typeface="Courier New"/>
+                <a:cs typeface="Courier New"/>
+              </a:rPr>
+              <a:t> </a:t>
+            </a:r>
+            <a:r>
+              <a:rPr lang="en-US" sz="1400" i="0" dirty="0" err="1" smtClean="0">
+                <a:latin typeface="Courier New"/>
+                <a:cs typeface="Courier New"/>
+              </a:rPr>
+              <a:t>DDS_Read</a:t>
+            </a:r>
+            <a:r>
+              <a:rPr lang="en-US" sz="1400" i="0" dirty="0" smtClean="0">
+                <a:latin typeface="Courier New"/>
+                <a:cs typeface="Courier New"/>
+              </a:rPr>
+              <a:t>&lt;</a:t>
+            </a:r>
+            <a:r>
+              <a:rPr lang="en-US" sz="1400" i="0" dirty="0" err="1" smtClean="0">
+                <a:latin typeface="Courier New"/>
+                <a:cs typeface="Courier New"/>
+              </a:rPr>
+              <a:t>typename</a:t>
+            </a:r>
+            <a:r>
+              <a:rPr lang="en-US" sz="1400" i="0" dirty="0" smtClean="0">
+                <a:latin typeface="Courier New"/>
+                <a:cs typeface="Courier New"/>
+              </a:rPr>
+              <a:t> T&gt; {</a:t>
+            </a:r>
+          </a:p>
+          <a:p>
+            <a:r>
+              <a:rPr lang="en-US" sz="1400" i="0" dirty="0" smtClean="0">
+                <a:latin typeface="Courier New"/>
+                <a:cs typeface="Courier New"/>
+              </a:rPr>
+              <a:t>  uses Reader&lt;T&gt; data;</a:t>
+            </a:r>
+          </a:p>
+          <a:p>
+            <a:r>
+              <a:rPr lang="en-US" sz="1400" i="0" dirty="0" smtClean="0">
+                <a:latin typeface="Courier New"/>
+                <a:cs typeface="Courier New"/>
+              </a:rPr>
+              <a:t>  uses </a:t>
+            </a:r>
+            <a:r>
+              <a:rPr lang="en-US" sz="1400" i="0" dirty="0" err="1" smtClean="0">
+                <a:latin typeface="Courier New"/>
+                <a:cs typeface="Courier New"/>
+              </a:rPr>
+              <a:t>DDS::DataReader</a:t>
+            </a:r>
+            <a:r>
+              <a:rPr lang="en-US" sz="1400" i="0" dirty="0" smtClean="0">
+                <a:latin typeface="Courier New"/>
+                <a:cs typeface="Courier New"/>
+              </a:rPr>
+              <a:t> </a:t>
+            </a:r>
+            <a:r>
+              <a:rPr lang="en-US" sz="1400" i="0" dirty="0" err="1" smtClean="0">
+                <a:latin typeface="Courier New"/>
+                <a:cs typeface="Courier New"/>
+              </a:rPr>
+              <a:t>dds_entity</a:t>
+            </a:r>
+            <a:r>
+              <a:rPr lang="en-US" sz="1400" i="0" dirty="0" smtClean="0">
+                <a:latin typeface="Courier New"/>
+                <a:cs typeface="Courier New"/>
+              </a:rPr>
+              <a:t>;</a:t>
+            </a:r>
+          </a:p>
+          <a:p>
+            <a:r>
+              <a:rPr lang="en-US" sz="1400" i="0" dirty="0" smtClean="0">
+                <a:latin typeface="Courier New"/>
+                <a:cs typeface="Courier New"/>
+              </a:rPr>
+              <a:t>  provides </a:t>
+            </a:r>
+            <a:r>
+              <a:rPr lang="en-US" sz="1400" i="0" dirty="0" err="1" smtClean="0">
+                <a:latin typeface="Courier New"/>
+                <a:cs typeface="Courier New"/>
+              </a:rPr>
+              <a:t>PortStatusListener</a:t>
+            </a:r>
+            <a:r>
+              <a:rPr lang="en-US" sz="1400" i="0" dirty="0" smtClean="0">
+                <a:latin typeface="Courier New"/>
+                <a:cs typeface="Courier New"/>
+              </a:rPr>
+              <a:t> status;</a:t>
+            </a:r>
+          </a:p>
+          <a:p>
+            <a:r>
+              <a:rPr lang="en-US" sz="1400" i="0" dirty="0" smtClean="0">
+                <a:latin typeface="Courier New"/>
+                <a:cs typeface="Courier New"/>
+              </a:rPr>
+              <a:t>};</a:t>
+            </a:r>
+            <a:endParaRPr lang="en-US" sz="1400" i="0" dirty="0">
+              <a:latin typeface="Courier New"/>
+              <a:cs typeface="Courier New"/>
+            </a:endParaRPr>
           </a:p>
         </p:txBody>
       </p:sp>
@@ -15884,8 +16607,8 @@
 </p:sld>
 </file>
 
-<file path=ppt/slides/slide26.xml><?xml version="1.0" encoding="utf-8"?>
-<p:sld xmlns:a="http://schemas.openxmlformats.org/drawingml/2006/main" xmlns:r="http://schemas.openxmlformats.org/officeDocument/2006/relationships" xmlns:p="http://schemas.openxmlformats.org/presentationml/2006/main">
+<file path=ppt/slides/slide29.xml><?xml version="1.0" encoding="utf-8"?>
+<p:sld xmlns:a="http://schemas.openxmlformats.org/drawingml/2006/main" xmlns:r="http://schemas.openxmlformats.org/officeDocument/2006/relationships" xmlns:mc="http://schemas.openxmlformats.org/markup-compatibility/2006" xmlns:mv="urn:schemas-microsoft-com:mac:vml" xmlns:p="http://schemas.openxmlformats.org/presentationml/2006/main" mc:Ignorable="mv" mc:PreserveAttributes="mv:*">
   <p:cSld>
     <p:spTree>
       <p:nvGrpSpPr>
@@ -15918,11 +16641,7 @@
           <a:p>
             <a:r>
               <a:rPr lang="en-US" dirty="0" smtClean="0"/>
-              <a:t>DDS4CCM Basic Ports </a:t>
-            </a:r>
-            <a:r>
-              <a:rPr lang="en-US" dirty="0" smtClean="0"/>
-              <a:t>(3/3)</a:t>
+              <a:t>DDS4CCM Extended Ports (2/2)</a:t>
             </a:r>
             <a:endParaRPr lang="en-US" dirty="0"/>
           </a:p>
@@ -15938,646 +16657,413 @@
             <p:ph idx="1"/>
           </p:nvPr>
         </p:nvSpPr>
-        <p:spPr/>
+        <p:spPr>
+          <a:xfrm>
+            <a:off x="152400" y="990600"/>
+            <a:ext cx="8839200" cy="2485048"/>
+          </a:xfrm>
+        </p:spPr>
         <p:txBody>
           <a:bodyPr/>
           <a:lstStyle/>
           <a:p>
             <a:r>
-              <a:rPr lang="en-US" b="1" dirty="0" smtClean="0"/>
-              <a:t>Status Access</a:t>
-            </a:r>
-            <a:endParaRPr lang="en-US" dirty="0" smtClean="0"/>
+              <a:rPr lang="en-US" dirty="0" smtClean="0"/>
+              <a:t>Listener ports (updates are pushed to the component) contain both Reader and Listener ports</a:t>
+            </a:r>
           </a:p>
           <a:p>
             <a:pPr lvl="1"/>
             <a:r>
-              <a:rPr lang="en-US" b="1" dirty="0" err="1" smtClean="0"/>
-              <a:t>PortStatusListener</a:t>
-            </a:r>
-            <a:r>
               <a:rPr lang="en-US" dirty="0" smtClean="0"/>
-              <a:t> </a:t>
-            </a:r>
+              <a:t>‘Reader’ portion of the extended port is used to configure criteria used to select updates</a:t>
+            </a:r>
+          </a:p>
+          <a:p>
+            <a:pPr lvl="1"/>
             <a:r>
               <a:rPr lang="en-US" dirty="0" smtClean="0"/>
-              <a:t>– </a:t>
-            </a:r>
-            <a:r>
-              <a:rPr lang="en-US" dirty="0" smtClean="0"/>
-              <a:t>Status relevant to the component </a:t>
+              <a:t>Selected updates are pushed to the component</a:t>
             </a:r>
           </a:p>
           <a:p>
             <a:pPr lvl="1"/>
-            <a:r>
-              <a:rPr lang="en-US" b="1" dirty="0" err="1" smtClean="0"/>
-              <a:t>ConnectorStatusListener</a:t>
-            </a:r>
-            <a:r>
-              <a:rPr lang="en-US" dirty="0" smtClean="0"/>
-              <a:t> </a:t>
-            </a:r>
-            <a:r>
-              <a:rPr lang="en-US" dirty="0" smtClean="0"/>
-              <a:t>– </a:t>
-            </a:r>
-            <a:r>
-              <a:rPr lang="en-US" dirty="0" smtClean="0"/>
-              <a:t>System wide status</a:t>
-            </a:r>
-            <a:endParaRPr lang="en-US" dirty="0" smtClean="0"/>
-          </a:p>
-        </p:txBody>
-      </p:sp>
-    </p:spTree>
-  </p:cSld>
-  <p:clrMapOvr>
-    <a:masterClrMapping/>
-  </p:clrMapOvr>
-  <p:timing>
-    <p:tnLst>
-      <p:par>
-        <p:cTn id="1" dur="indefinite" restart="never" nodeType="tmRoot"/>
-      </p:par>
-    </p:tnLst>
-  </p:timing>
-</p:sld>
-</file>
-
-<file path=ppt/slides/slide27.xml><?xml version="1.0" encoding="utf-8"?>
-<p:sld xmlns:a="http://schemas.openxmlformats.org/drawingml/2006/main" xmlns:r="http://schemas.openxmlformats.org/officeDocument/2006/relationships" xmlns:p="http://schemas.openxmlformats.org/presentationml/2006/main">
-  <p:cSld>
-    <p:spTree>
-      <p:nvGrpSpPr>
-        <p:cNvPr id="1" name=""/>
-        <p:cNvGrpSpPr/>
-        <p:nvPr/>
-      </p:nvGrpSpPr>
-      <p:grpSpPr>
-        <a:xfrm>
-          <a:off x="0" y="0"/>
-          <a:ext cx="0" cy="0"/>
-          <a:chOff x="0" y="0"/>
-          <a:chExt cx="0" cy="0"/>
-        </a:xfrm>
-      </p:grpSpPr>
-      <p:sp>
-        <p:nvSpPr>
-          <p:cNvPr id="2" name="Title 1"/>
-          <p:cNvSpPr>
-            <a:spLocks noGrp="1"/>
-          </p:cNvSpPr>
-          <p:nvPr>
-            <p:ph type="title"/>
-          </p:nvPr>
-        </p:nvSpPr>
-        <p:spPr/>
-        <p:txBody>
-          <a:bodyPr/>
-          <a:lstStyle/>
-          <a:p>
-            <a:r>
-              <a:rPr lang="en-US" dirty="0" smtClean="0"/>
-              <a:t>DDS4CCM </a:t>
-            </a:r>
-            <a:r>
-              <a:rPr lang="en-US" dirty="0" smtClean="0"/>
-              <a:t>Extended Ports</a:t>
-            </a:r>
             <a:endParaRPr lang="en-US" dirty="0"/>
           </a:p>
         </p:txBody>
       </p:sp>
       <p:sp>
         <p:nvSpPr>
-          <p:cNvPr id="3" name="Content Placeholder 2"/>
-          <p:cNvSpPr>
-            <a:spLocks noGrp="1"/>
-          </p:cNvSpPr>
-          <p:nvPr>
-            <p:ph idx="1"/>
-          </p:nvPr>
-        </p:nvSpPr>
-        <p:spPr/>
-        <p:txBody>
-          <a:bodyPr/>
-          <a:lstStyle/>
-          <a:p>
-            <a:r>
-              <a:rPr lang="en-US" b="1" dirty="0" smtClean="0"/>
-              <a:t>Assemble DDS4CCM Basic Ports and DDS interfaces to form extended ports</a:t>
-            </a:r>
-            <a:endParaRPr lang="en-US" dirty="0" smtClean="0"/>
-          </a:p>
-        </p:txBody>
-      </p:sp>
-    </p:spTree>
-  </p:cSld>
-  <p:clrMapOvr>
-    <a:masterClrMapping/>
-  </p:clrMapOvr>
-  <p:timing>
-    <p:tnLst>
-      <p:par>
-        <p:cTn id="1" dur="indefinite" restart="never" nodeType="tmRoot"/>
-      </p:par>
-    </p:tnLst>
-  </p:timing>
-</p:sld>
-</file>
-
-<file path=ppt/slides/slide28.xml><?xml version="1.0" encoding="utf-8"?>
-<p:sld xmlns:a="http://schemas.openxmlformats.org/drawingml/2006/main" xmlns:r="http://schemas.openxmlformats.org/officeDocument/2006/relationships" xmlns:p="http://schemas.openxmlformats.org/presentationml/2006/main">
-  <p:cSld>
-    <p:spTree>
-      <p:nvGrpSpPr>
-        <p:cNvPr id="1" name=""/>
-        <p:cNvGrpSpPr/>
-        <p:nvPr/>
-      </p:nvGrpSpPr>
-      <p:grpSpPr>
-        <a:xfrm>
-          <a:off x="0" y="0"/>
-          <a:ext cx="0" cy="0"/>
-          <a:chOff x="0" y="0"/>
-          <a:chExt cx="0" cy="0"/>
-        </a:xfrm>
-      </p:grpSpPr>
-      <p:sp>
-        <p:nvSpPr>
-          <p:cNvPr id="275458" name="Title 4"/>
-          <p:cNvSpPr>
-            <a:spLocks noGrp="1"/>
-          </p:cNvSpPr>
-          <p:nvPr>
-            <p:ph type="title"/>
-          </p:nvPr>
-        </p:nvSpPr>
-        <p:spPr/>
-        <p:txBody>
-          <a:bodyPr/>
-          <a:lstStyle/>
-          <a:p>
-            <a:r>
-              <a:rPr lang="en-US"/>
-              <a:t>Example</a:t>
-            </a:r>
-            <a:endParaRPr lang="nl-NL"/>
-          </a:p>
-        </p:txBody>
-      </p:sp>
-      <p:sp>
-        <p:nvSpPr>
-          <p:cNvPr id="275459" name="Rectangle 3"/>
-          <p:cNvSpPr>
-            <a:spLocks noChangeArrowheads="1"/>
-          </p:cNvSpPr>
+          <p:cNvPr id="4" name="TextBox 3"/>
+          <p:cNvSpPr txBox="1"/>
           <p:nvPr/>
         </p:nvSpPr>
-        <p:spPr bwMode="auto">
+        <p:spPr>
           <a:xfrm>
-            <a:off x="228600" y="1190625"/>
-            <a:ext cx="8763000" cy="4876800"/>
+            <a:off x="178257" y="3252850"/>
+            <a:ext cx="4211309" cy="2246769"/>
           </a:xfrm>
           <a:prstGeom prst="rect">
             <a:avLst/>
           </a:prstGeom>
           <a:noFill/>
-          <a:ln w="9525">
-            <a:noFill/>
-            <a:miter lim="800000"/>
-            <a:headEnd/>
-            <a:tailEnd/>
-          </a:ln>
         </p:spPr>
         <p:txBody>
-          <a:bodyPr>
-            <a:prstTxWarp prst="textNoShape">
-              <a:avLst/>
-            </a:prstTxWarp>
+          <a:bodyPr wrap="square" rtlCol="0">
+            <a:spAutoFit/>
           </a:bodyPr>
           <a:lstStyle/>
           <a:p>
-            <a:pPr marL="169863" indent="-169863">
-              <a:spcBef>
-                <a:spcPct val="40000"/>
-              </a:spcBef>
-              <a:buFontTx/>
-              <a:buChar char="•"/>
-            </a:pPr>
-            <a:endParaRPr lang="en-US" altLang="zh-CN" sz="2000" i="0">
-              <a:ea typeface="宋体" pitchFamily="-65" charset="-128"/>
-              <a:cs typeface="Times New Roman" charset="0"/>
+            <a:r>
+              <a:rPr lang="en-US" sz="1400" i="0" dirty="0" err="1" smtClean="0">
+                <a:latin typeface="Courier New"/>
+                <a:cs typeface="Courier New"/>
+              </a:rPr>
+              <a:t>p</a:t>
+            </a:r>
+            <a:r>
+              <a:rPr lang="en-US" sz="1400" i="0" dirty="0" err="1" smtClean="0">
+                <a:latin typeface="Courier New"/>
+                <a:cs typeface="Courier New"/>
+              </a:rPr>
+              <a:t>orttype</a:t>
+            </a:r>
+            <a:r>
+              <a:rPr lang="en-US" sz="1400" i="0" dirty="0" smtClean="0">
+                <a:latin typeface="Courier New"/>
+                <a:cs typeface="Courier New"/>
+              </a:rPr>
+              <a:t> </a:t>
+            </a:r>
+            <a:r>
+              <a:rPr lang="en-US" sz="1400" i="0" dirty="0" err="1" smtClean="0">
+                <a:latin typeface="Courier New"/>
+                <a:cs typeface="Courier New"/>
+              </a:rPr>
+              <a:t>DDS_RawListen</a:t>
+            </a:r>
+            <a:r>
+              <a:rPr lang="en-US" sz="1400" i="0" dirty="0" smtClean="0">
+                <a:latin typeface="Courier New"/>
+                <a:cs typeface="Courier New"/>
+              </a:rPr>
+              <a:t> {</a:t>
+            </a:r>
+          </a:p>
+          <a:p>
+            <a:r>
+              <a:rPr lang="en-US" sz="1400" i="0" dirty="0" smtClean="0">
+                <a:latin typeface="Courier New"/>
+                <a:cs typeface="Courier New"/>
+              </a:rPr>
+              <a:t>  uses Reader&lt;T&gt; data;</a:t>
+            </a:r>
+          </a:p>
+          <a:p>
+            <a:r>
+              <a:rPr lang="en-US" sz="1400" i="0" dirty="0" smtClean="0">
+                <a:latin typeface="Courier New"/>
+                <a:cs typeface="Courier New"/>
+              </a:rPr>
+              <a:t>  uses </a:t>
+            </a:r>
+            <a:r>
+              <a:rPr lang="en-US" sz="1400" i="0" dirty="0" err="1" smtClean="0">
+                <a:latin typeface="Courier New"/>
+                <a:cs typeface="Courier New"/>
+              </a:rPr>
+              <a:t>ListenerControl</a:t>
+            </a:r>
+            <a:r>
+              <a:rPr lang="en-US" sz="1400" i="0" dirty="0" smtClean="0">
+                <a:latin typeface="Courier New"/>
+                <a:cs typeface="Courier New"/>
+              </a:rPr>
+              <a:t> control;</a:t>
+            </a:r>
+          </a:p>
+          <a:p>
+            <a:r>
+              <a:rPr lang="en-US" sz="1400" i="0" dirty="0" smtClean="0">
+                <a:latin typeface="Courier New"/>
+                <a:cs typeface="Courier New"/>
+              </a:rPr>
+              <a:t>  provides </a:t>
+            </a:r>
+            <a:r>
+              <a:rPr lang="en-US" sz="1400" i="0" dirty="0" err="1" smtClean="0">
+                <a:latin typeface="Courier New"/>
+                <a:cs typeface="Courier New"/>
+              </a:rPr>
+              <a:t>RawListener</a:t>
+            </a:r>
+            <a:r>
+              <a:rPr lang="en-US" sz="1400" i="0" dirty="0" smtClean="0">
+                <a:latin typeface="Courier New"/>
+                <a:cs typeface="Courier New"/>
+              </a:rPr>
+              <a:t>&lt;T&gt; listener;</a:t>
+            </a:r>
+          </a:p>
+          <a:p>
+            <a:r>
+              <a:rPr lang="en-US" sz="1400" i="0" dirty="0" smtClean="0">
+                <a:latin typeface="Courier New"/>
+                <a:cs typeface="Courier New"/>
+              </a:rPr>
+              <a:t>  uses </a:t>
+            </a:r>
+            <a:r>
+              <a:rPr lang="en-US" sz="1400" i="0" dirty="0" err="1" smtClean="0">
+                <a:latin typeface="Courier New"/>
+                <a:cs typeface="Courier New"/>
+              </a:rPr>
+              <a:t>DDS::DataReader</a:t>
+            </a:r>
+            <a:r>
+              <a:rPr lang="en-US" sz="1400" i="0" dirty="0" smtClean="0">
+                <a:latin typeface="Courier New"/>
+                <a:cs typeface="Courier New"/>
+              </a:rPr>
+              <a:t> </a:t>
+            </a:r>
+            <a:r>
+              <a:rPr lang="en-US" sz="1400" i="0" dirty="0" err="1" smtClean="0">
+                <a:latin typeface="Courier New"/>
+                <a:cs typeface="Courier New"/>
+              </a:rPr>
+              <a:t>dds_entity</a:t>
+            </a:r>
+            <a:r>
+              <a:rPr lang="en-US" sz="1400" i="0" dirty="0" smtClean="0">
+                <a:latin typeface="Courier New"/>
+                <a:cs typeface="Courier New"/>
+              </a:rPr>
+              <a:t>;</a:t>
+            </a:r>
+          </a:p>
+          <a:p>
+            <a:r>
+              <a:rPr lang="en-US" sz="1400" i="0" dirty="0" smtClean="0">
+                <a:latin typeface="Courier New"/>
+                <a:cs typeface="Courier New"/>
+              </a:rPr>
+              <a:t>  provides </a:t>
+            </a:r>
+            <a:r>
+              <a:rPr lang="en-US" sz="1400" i="0" dirty="0" err="1" smtClean="0">
+                <a:latin typeface="Courier New"/>
+                <a:cs typeface="Courier New"/>
+              </a:rPr>
+              <a:t>PortStatusListener</a:t>
+            </a:r>
+            <a:r>
+              <a:rPr lang="en-US" sz="1400" i="0" dirty="0" smtClean="0">
+                <a:latin typeface="Courier New"/>
+                <a:cs typeface="Courier New"/>
+              </a:rPr>
+              <a:t> status;</a:t>
+            </a:r>
+          </a:p>
+          <a:p>
+            <a:r>
+              <a:rPr lang="en-US" sz="1400" i="0" dirty="0" smtClean="0">
+                <a:latin typeface="Courier New"/>
+                <a:cs typeface="Courier New"/>
+              </a:rPr>
+              <a:t>};   </a:t>
+            </a:r>
+            <a:endParaRPr lang="en-US" sz="1400" i="0" dirty="0">
+              <a:latin typeface="Courier New"/>
+              <a:cs typeface="Courier New"/>
             </a:endParaRPr>
           </a:p>
         </p:txBody>
       </p:sp>
       <p:sp>
         <p:nvSpPr>
-          <p:cNvPr id="275460" name="Rectangle 3"/>
-          <p:cNvSpPr>
-            <a:spLocks noChangeArrowheads="1"/>
-          </p:cNvSpPr>
+          <p:cNvPr id="5" name="TextBox 4"/>
+          <p:cNvSpPr txBox="1"/>
           <p:nvPr/>
         </p:nvSpPr>
-        <p:spPr bwMode="auto">
+        <p:spPr>
           <a:xfrm>
-            <a:off x="381000" y="1343025"/>
-            <a:ext cx="8763000" cy="4876800"/>
+            <a:off x="4754435" y="3249292"/>
+            <a:ext cx="4211309" cy="2246769"/>
           </a:xfrm>
           <a:prstGeom prst="rect">
             <a:avLst/>
           </a:prstGeom>
           <a:noFill/>
-          <a:ln w="9525">
-            <a:noFill/>
-            <a:miter lim="800000"/>
-            <a:headEnd/>
-            <a:tailEnd/>
-          </a:ln>
         </p:spPr>
         <p:txBody>
-          <a:bodyPr>
-            <a:prstTxWarp prst="textNoShape">
-              <a:avLst/>
-            </a:prstTxWarp>
+          <a:bodyPr wrap="square" rtlCol="0">
+            <a:spAutoFit/>
           </a:bodyPr>
           <a:lstStyle/>
           <a:p>
-            <a:pPr marL="169863" indent="-169863">
-              <a:spcBef>
-                <a:spcPct val="40000"/>
-              </a:spcBef>
-              <a:buFontTx/>
-              <a:buChar char="•"/>
-            </a:pPr>
-            <a:r>
-              <a:rPr lang="en-US" altLang="zh-CN" sz="2200" i="0" dirty="0">
-                <a:latin typeface="+mn-lt"/>
-                <a:ea typeface="宋体" pitchFamily="-65" charset="-128"/>
-                <a:cs typeface="Times New Roman" charset="0"/>
-              </a:rPr>
-              <a:t>Sender and Receiver component that exchange a string</a:t>
-            </a:r>
-          </a:p>
-          <a:p>
-            <a:pPr marL="169863" indent="-169863">
-              <a:spcBef>
-                <a:spcPct val="40000"/>
-              </a:spcBef>
-              <a:buFontTx/>
-              <a:buChar char="•"/>
-            </a:pPr>
-            <a:r>
-              <a:rPr lang="en-US" altLang="zh-CN" sz="2200" i="0" dirty="0">
-                <a:latin typeface="+mn-lt"/>
-                <a:ea typeface="宋体" pitchFamily="-65" charset="-128"/>
-                <a:cs typeface="Times New Roman" charset="0"/>
-              </a:rPr>
-              <a:t>Components communicate through a DDS connector</a:t>
-            </a:r>
-          </a:p>
-        </p:txBody>
-      </p:sp>
-    </p:spTree>
-  </p:cSld>
-  <p:clrMapOvr>
-    <a:masterClrMapping/>
-  </p:clrMapOvr>
-  <p:timing>
-    <p:tnLst>
-      <p:par>
-        <p:cTn id="1" dur="indefinite" restart="never" nodeType="tmRoot"/>
-      </p:par>
-    </p:tnLst>
-  </p:timing>
-</p:sld>
-</file>
-
-<file path=ppt/slides/slide29.xml><?xml version="1.0" encoding="utf-8"?>
-<p:sld xmlns:a="http://schemas.openxmlformats.org/drawingml/2006/main" xmlns:r="http://schemas.openxmlformats.org/officeDocument/2006/relationships" xmlns:p="http://schemas.openxmlformats.org/presentationml/2006/main">
-  <p:cSld>
-    <p:spTree>
-      <p:nvGrpSpPr>
-        <p:cNvPr id="1" name=""/>
-        <p:cNvGrpSpPr/>
-        <p:nvPr/>
-      </p:nvGrpSpPr>
-      <p:grpSpPr>
-        <a:xfrm>
-          <a:off x="0" y="0"/>
-          <a:ext cx="0" cy="0"/>
-          <a:chOff x="0" y="0"/>
-          <a:chExt cx="0" cy="0"/>
-        </a:xfrm>
-      </p:grpSpPr>
-      <p:sp>
-        <p:nvSpPr>
-          <p:cNvPr id="276482" name="Title 4"/>
-          <p:cNvSpPr>
-            <a:spLocks noGrp="1"/>
-          </p:cNvSpPr>
-          <p:nvPr>
-            <p:ph type="title"/>
-          </p:nvPr>
-        </p:nvSpPr>
-        <p:spPr/>
-        <p:txBody>
-          <a:bodyPr/>
-          <a:lstStyle/>
-          <a:p>
-            <a:r>
-              <a:rPr lang="en-US"/>
-              <a:t>Sender IDL3+</a:t>
-            </a:r>
-            <a:endParaRPr lang="nl-NL"/>
-          </a:p>
-        </p:txBody>
-      </p:sp>
-      <p:sp>
-        <p:nvSpPr>
-          <p:cNvPr id="276483" name="Rectangle 3"/>
-          <p:cNvSpPr>
-            <a:spLocks noChangeArrowheads="1"/>
-          </p:cNvSpPr>
-          <p:nvPr/>
-        </p:nvSpPr>
-        <p:spPr bwMode="auto">
-          <a:xfrm>
-            <a:off x="228600" y="1190625"/>
-            <a:ext cx="8763000" cy="4876800"/>
-          </a:xfrm>
-          <a:prstGeom prst="rect">
-            <a:avLst/>
-          </a:prstGeom>
-          <a:noFill/>
-          <a:ln w="9525">
-            <a:noFill/>
-            <a:miter lim="800000"/>
-            <a:headEnd/>
-            <a:tailEnd/>
-          </a:ln>
-        </p:spPr>
-        <p:txBody>
-          <a:bodyPr>
-            <a:prstTxWarp prst="textNoShape">
-              <a:avLst/>
-            </a:prstTxWarp>
-          </a:bodyPr>
-          <a:lstStyle/>
-          <a:p>
-            <a:pPr marL="169863" indent="-169863">
-              <a:spcBef>
-                <a:spcPct val="40000"/>
-              </a:spcBef>
-              <a:buFontTx/>
-              <a:buChar char="•"/>
-            </a:pPr>
-            <a:endParaRPr lang="en-US" altLang="zh-CN" sz="2000" i="0">
-              <a:ea typeface="宋体" pitchFamily="-65" charset="-128"/>
-              <a:cs typeface="Times New Roman" charset="0"/>
-            </a:endParaRPr>
-          </a:p>
-        </p:txBody>
-      </p:sp>
-      <p:sp>
-        <p:nvSpPr>
-          <p:cNvPr id="4" name="Rectangle 3"/>
-          <p:cNvSpPr>
-            <a:spLocks noChangeArrowheads="1"/>
-          </p:cNvSpPr>
-          <p:nvPr/>
-        </p:nvSpPr>
-        <p:spPr bwMode="auto">
-          <a:xfrm>
-            <a:off x="381000" y="1343025"/>
-            <a:ext cx="8763000" cy="4876800"/>
-          </a:xfrm>
-          <a:prstGeom prst="rect">
-            <a:avLst/>
-          </a:prstGeom>
-          <a:noFill/>
-          <a:ln w="9525">
-            <a:noFill/>
-            <a:miter lim="800000"/>
-            <a:headEnd/>
-            <a:tailEnd/>
-          </a:ln>
-        </p:spPr>
-        <p:txBody>
-          <a:bodyPr>
-            <a:prstTxWarp prst="textNoShape">
-              <a:avLst/>
-            </a:prstTxWarp>
-          </a:bodyPr>
-          <a:lstStyle/>
-          <a:p>
-            <a:pPr marL="169863" indent="-169863">
-              <a:spcBef>
-                <a:spcPct val="40000"/>
-              </a:spcBef>
-              <a:buFont typeface="Arial" charset="0"/>
-              <a:buChar char="•"/>
-            </a:pPr>
-            <a:r>
-              <a:rPr lang="en-US" altLang="zh-CN" sz="2200" i="0" dirty="0">
-                <a:latin typeface="+mn-lt"/>
-                <a:ea typeface="宋体" pitchFamily="-65" charset="-128"/>
-                <a:cs typeface="Courier New" charset="0"/>
-              </a:rPr>
-              <a:t>Uses the standardized </a:t>
-            </a:r>
-            <a:r>
-              <a:rPr lang="en-US" altLang="zh-CN" sz="2200" i="0" dirty="0" err="1">
-                <a:latin typeface="+mn-lt"/>
-                <a:ea typeface="宋体" pitchFamily="-65" charset="-128"/>
-                <a:cs typeface="Courier New" charset="0"/>
-              </a:rPr>
-              <a:t>DDS_Write</a:t>
-            </a:r>
-            <a:r>
-              <a:rPr lang="en-US" altLang="zh-CN" sz="2200" i="0" dirty="0">
-                <a:latin typeface="+mn-lt"/>
-                <a:ea typeface="宋体" pitchFamily="-65" charset="-128"/>
-                <a:cs typeface="Courier New" charset="0"/>
+            <a:r>
+              <a:rPr lang="en-US" sz="1400" i="0" dirty="0" err="1" smtClean="0">
+                <a:latin typeface="Courier New"/>
+                <a:cs typeface="Courier New"/>
+              </a:rPr>
+              <a:t>p</a:t>
+            </a:r>
+            <a:r>
+              <a:rPr lang="en-US" sz="1400" i="0" dirty="0" err="1" smtClean="0">
+                <a:latin typeface="Courier New"/>
+                <a:cs typeface="Courier New"/>
+              </a:rPr>
+              <a:t>orttype</a:t>
+            </a:r>
+            <a:r>
+              <a:rPr lang="en-US" sz="1400" i="0" dirty="0" smtClean="0">
+                <a:latin typeface="Courier New"/>
+                <a:cs typeface="Courier New"/>
               </a:rPr>
               <a:t> </a:t>
             </a:r>
             <a:r>
-              <a:rPr lang="en-US" altLang="zh-CN" sz="2200" i="0" dirty="0" smtClean="0">
-                <a:latin typeface="+mn-lt"/>
-                <a:ea typeface="宋体" pitchFamily="-65" charset="-128"/>
-                <a:cs typeface="Courier New" charset="0"/>
-              </a:rPr>
-              <a:t>extended port</a:t>
-            </a:r>
-            <a:endParaRPr lang="en-US" altLang="zh-CN" sz="2200" i="0" dirty="0">
-              <a:latin typeface="+mn-lt"/>
-              <a:ea typeface="宋体" pitchFamily="-65" charset="-128"/>
-              <a:cs typeface="Courier New" charset="0"/>
-            </a:endParaRPr>
-          </a:p>
-          <a:p>
-            <a:pPr marL="169863" indent="-169863">
-              <a:spcBef>
-                <a:spcPct val="40000"/>
-              </a:spcBef>
-            </a:pPr>
-            <a:r>
-              <a:rPr lang="en-US" altLang="zh-CN" sz="1400" i="0" dirty="0">
-                <a:latin typeface="Courier New" charset="0"/>
-                <a:ea typeface="宋体" pitchFamily="-65" charset="-128"/>
-                <a:cs typeface="Courier New" charset="0"/>
-              </a:rPr>
-              <a:t>module </a:t>
-            </a:r>
-            <a:r>
-              <a:rPr lang="en-US" altLang="zh-CN" sz="1400" i="0" dirty="0" err="1">
-                <a:latin typeface="Courier New" charset="0"/>
-                <a:ea typeface="宋体" pitchFamily="-65" charset="-128"/>
-                <a:cs typeface="Courier New" charset="0"/>
-              </a:rPr>
-              <a:t>Hello_DDS</a:t>
-            </a:r>
-            <a:endParaRPr lang="en-US" altLang="zh-CN" sz="1400" i="0" dirty="0">
-              <a:latin typeface="Courier New" charset="0"/>
-              <a:ea typeface="宋体" pitchFamily="-65" charset="-128"/>
-              <a:cs typeface="Courier New" charset="0"/>
-            </a:endParaRPr>
-          </a:p>
-          <a:p>
-            <a:pPr marL="169863" indent="-169863">
-              <a:spcBef>
-                <a:spcPct val="40000"/>
-              </a:spcBef>
-            </a:pPr>
-            <a:r>
-              <a:rPr lang="en-US" altLang="zh-CN" sz="1400" i="0" dirty="0">
-                <a:latin typeface="Courier New" charset="0"/>
-                <a:ea typeface="宋体" pitchFamily="-65" charset="-128"/>
-                <a:cs typeface="Courier New" charset="0"/>
-              </a:rPr>
-              <a:t>{</a:t>
-            </a:r>
-          </a:p>
-          <a:p>
-            <a:pPr marL="169863" indent="-169863">
-              <a:spcBef>
-                <a:spcPct val="40000"/>
-              </a:spcBef>
-            </a:pPr>
-            <a:r>
-              <a:rPr lang="en-US" altLang="zh-CN" sz="1400" i="0" dirty="0">
-                <a:latin typeface="Courier New" charset="0"/>
-                <a:ea typeface="宋体" pitchFamily="-65" charset="-128"/>
-                <a:cs typeface="Courier New" charset="0"/>
-              </a:rPr>
-              <a:t>  component Sender</a:t>
-            </a:r>
-          </a:p>
-          <a:p>
-            <a:pPr marL="169863" indent="-169863">
-              <a:spcBef>
-                <a:spcPct val="40000"/>
-              </a:spcBef>
-            </a:pPr>
-            <a:r>
-              <a:rPr lang="en-US" altLang="zh-CN" sz="1400" i="0" dirty="0">
-                <a:latin typeface="Courier New" charset="0"/>
-                <a:ea typeface="宋体" pitchFamily="-65" charset="-128"/>
-                <a:cs typeface="Courier New" charset="0"/>
-              </a:rPr>
-              <a:t>  {</a:t>
-            </a:r>
-          </a:p>
-          <a:p>
-            <a:pPr marL="169863" indent="-169863">
-              <a:spcBef>
-                <a:spcPct val="40000"/>
-              </a:spcBef>
-            </a:pPr>
-            <a:r>
-              <a:rPr lang="en-US" altLang="zh-CN" sz="1400" i="0" dirty="0">
-                <a:latin typeface="Courier New" charset="0"/>
-                <a:ea typeface="宋体" pitchFamily="-65" charset="-128"/>
-                <a:cs typeface="Courier New" charset="0"/>
-              </a:rPr>
-              <a:t>    port </a:t>
-            </a:r>
-            <a:r>
-              <a:rPr lang="en-US" altLang="zh-CN" sz="1400" i="0" dirty="0" err="1">
-                <a:latin typeface="Courier New" charset="0"/>
-                <a:ea typeface="宋体" pitchFamily="-65" charset="-128"/>
-                <a:cs typeface="Courier New" charset="0"/>
-              </a:rPr>
-              <a:t>DDS_Write</a:t>
-            </a:r>
-            <a:r>
-              <a:rPr lang="en-US" altLang="zh-CN" sz="1400" i="0" dirty="0">
-                <a:latin typeface="Courier New" charset="0"/>
-                <a:ea typeface="宋体" pitchFamily="-65" charset="-128"/>
-                <a:cs typeface="Courier New" charset="0"/>
-              </a:rPr>
-              <a:t>&lt;string&gt; </a:t>
-            </a:r>
-            <a:r>
-              <a:rPr lang="en-US" altLang="zh-CN" sz="1400" i="0" dirty="0" err="1">
-                <a:latin typeface="Courier New" charset="0"/>
-                <a:ea typeface="宋体" pitchFamily="-65" charset="-128"/>
-                <a:cs typeface="Courier New" charset="0"/>
-              </a:rPr>
-              <a:t>push_message</a:t>
-            </a:r>
-            <a:r>
-              <a:rPr lang="en-US" altLang="zh-CN" sz="1400" i="0" dirty="0">
-                <a:latin typeface="Courier New" charset="0"/>
-                <a:ea typeface="宋体" pitchFamily="-65" charset="-128"/>
-                <a:cs typeface="Courier New" charset="0"/>
+              <a:rPr lang="en-US" sz="1400" i="0" dirty="0" err="1" smtClean="0">
+                <a:latin typeface="Courier New"/>
+                <a:cs typeface="Courier New"/>
+              </a:rPr>
+              <a:t>DDS_StateListen</a:t>
+            </a:r>
+            <a:r>
+              <a:rPr lang="en-US" sz="1400" i="0" dirty="0" smtClean="0">
+                <a:latin typeface="Courier New"/>
+                <a:cs typeface="Courier New"/>
+              </a:rPr>
+              <a:t> {</a:t>
+            </a:r>
+          </a:p>
+          <a:p>
+            <a:r>
+              <a:rPr lang="en-US" sz="1400" i="0" dirty="0" smtClean="0">
+                <a:latin typeface="Courier New"/>
+                <a:cs typeface="Courier New"/>
+              </a:rPr>
+              <a:t>  uses Reader&lt;T&gt; data;</a:t>
+            </a:r>
+          </a:p>
+          <a:p>
+            <a:r>
+              <a:rPr lang="en-US" sz="1400" i="0" dirty="0" smtClean="0">
+                <a:latin typeface="Courier New"/>
+                <a:cs typeface="Courier New"/>
+              </a:rPr>
+              <a:t>  uses </a:t>
+            </a:r>
+            <a:r>
+              <a:rPr lang="en-US" sz="1400" i="0" dirty="0" err="1" smtClean="0">
+                <a:latin typeface="Courier New"/>
+                <a:cs typeface="Courier New"/>
+              </a:rPr>
+              <a:t>ListenerControl</a:t>
+            </a:r>
+            <a:r>
+              <a:rPr lang="en-US" sz="1400" i="0" dirty="0" smtClean="0">
+                <a:latin typeface="Courier New"/>
+                <a:cs typeface="Courier New"/>
+              </a:rPr>
+              <a:t> control;</a:t>
+            </a:r>
+          </a:p>
+          <a:p>
+            <a:r>
+              <a:rPr lang="en-US" sz="1400" i="0" dirty="0" smtClean="0">
+                <a:latin typeface="Courier New"/>
+                <a:cs typeface="Courier New"/>
+              </a:rPr>
+              <a:t>  provides </a:t>
+            </a:r>
+            <a:r>
+              <a:rPr lang="en-US" sz="1400" i="0" dirty="0" err="1" smtClean="0">
+                <a:latin typeface="Courier New"/>
+                <a:cs typeface="Courier New"/>
+              </a:rPr>
+              <a:t>StateListener</a:t>
+            </a:r>
+            <a:r>
+              <a:rPr lang="en-US" sz="1400" i="0" dirty="0" smtClean="0">
+                <a:latin typeface="Courier New"/>
+                <a:cs typeface="Courier New"/>
+              </a:rPr>
+              <a:t>&lt;T&gt; listener;</a:t>
+            </a:r>
+          </a:p>
+          <a:p>
+            <a:r>
+              <a:rPr lang="en-US" sz="1400" i="0" dirty="0" smtClean="0">
+                <a:latin typeface="Courier New"/>
+                <a:cs typeface="Courier New"/>
+              </a:rPr>
+              <a:t>  uses </a:t>
+            </a:r>
+            <a:r>
+              <a:rPr lang="en-US" sz="1400" i="0" dirty="0" err="1" smtClean="0">
+                <a:latin typeface="Courier New"/>
+                <a:cs typeface="Courier New"/>
+              </a:rPr>
+              <a:t>DDS::DataReader</a:t>
+            </a:r>
+            <a:r>
+              <a:rPr lang="en-US" sz="1400" i="0" dirty="0" smtClean="0">
+                <a:latin typeface="Courier New"/>
+                <a:cs typeface="Courier New"/>
+              </a:rPr>
+              <a:t> </a:t>
+            </a:r>
+            <a:r>
+              <a:rPr lang="en-US" sz="1400" i="0" dirty="0" err="1" smtClean="0">
+                <a:latin typeface="Courier New"/>
+                <a:cs typeface="Courier New"/>
+              </a:rPr>
+              <a:t>dds_entity</a:t>
+            </a:r>
+            <a:r>
+              <a:rPr lang="en-US" sz="1400" i="0" dirty="0" smtClean="0">
+                <a:latin typeface="Courier New"/>
+                <a:cs typeface="Courier New"/>
               </a:rPr>
               <a:t>;</a:t>
             </a:r>
           </a:p>
           <a:p>
-            <a:pPr marL="169863" indent="-169863">
-              <a:spcBef>
-                <a:spcPct val="40000"/>
-              </a:spcBef>
-            </a:pPr>
-            <a:r>
-              <a:rPr lang="en-US" altLang="zh-CN" sz="1400" i="0" dirty="0">
-                <a:latin typeface="Courier New" charset="0"/>
-                <a:ea typeface="宋体" pitchFamily="-65" charset="-128"/>
-                <a:cs typeface="Courier New" charset="0"/>
-              </a:rPr>
-              <a:t>  };</a:t>
-            </a:r>
-          </a:p>
-          <a:p>
-            <a:pPr marL="169863" indent="-169863">
-              <a:spcBef>
-                <a:spcPct val="40000"/>
-              </a:spcBef>
-            </a:pPr>
-            <a:r>
-              <a:rPr lang="en-US" altLang="zh-CN" sz="1400" i="0" dirty="0">
-                <a:latin typeface="Courier New" charset="0"/>
-                <a:ea typeface="宋体" pitchFamily="-65" charset="-128"/>
-                <a:cs typeface="Courier New" charset="0"/>
-              </a:rPr>
-              <a:t>};</a:t>
-            </a:r>
-          </a:p>
-          <a:p>
-            <a:pPr marL="169863" indent="-169863">
-              <a:spcBef>
-                <a:spcPct val="40000"/>
-              </a:spcBef>
-            </a:pPr>
-            <a:endParaRPr lang="en-US" altLang="zh-CN" sz="1400" i="0" dirty="0">
-              <a:latin typeface="Courier New" charset="0"/>
-              <a:ea typeface="宋体" pitchFamily="-65" charset="-128"/>
-              <a:cs typeface="Courier New" charset="0"/>
+            <a:r>
+              <a:rPr lang="en-US" sz="1400" i="0" dirty="0" smtClean="0">
+                <a:latin typeface="Courier New"/>
+                <a:cs typeface="Courier New"/>
+              </a:rPr>
+              <a:t>  provides </a:t>
+            </a:r>
+            <a:r>
+              <a:rPr lang="en-US" sz="1400" i="0" dirty="0" err="1" smtClean="0">
+                <a:latin typeface="Courier New"/>
+                <a:cs typeface="Courier New"/>
+              </a:rPr>
+              <a:t>PortStatusListener</a:t>
+            </a:r>
+            <a:r>
+              <a:rPr lang="en-US" sz="1400" i="0" dirty="0" smtClean="0">
+                <a:latin typeface="Courier New"/>
+                <a:cs typeface="Courier New"/>
+              </a:rPr>
+              <a:t> status;</a:t>
+            </a:r>
+          </a:p>
+          <a:p>
+            <a:r>
+              <a:rPr lang="en-US" sz="1400" i="0" dirty="0" smtClean="0">
+                <a:latin typeface="Courier New"/>
+                <a:cs typeface="Courier New"/>
+              </a:rPr>
+              <a:t>};   </a:t>
+            </a:r>
+            <a:endParaRPr lang="en-US" sz="1400" i="0" dirty="0">
+              <a:latin typeface="Courier New"/>
+              <a:cs typeface="Courier New"/>
             </a:endParaRPr>
           </a:p>
         </p:txBody>
@@ -16598,7 +17084,7 @@
 </file>
 
 <file path=ppt/slides/slide3.xml><?xml version="1.0" encoding="utf-8"?>
-<p:sld xmlns:a="http://schemas.openxmlformats.org/drawingml/2006/main" xmlns:r="http://schemas.openxmlformats.org/officeDocument/2006/relationships" xmlns:p="http://schemas.openxmlformats.org/presentationml/2006/main">
+<p:sld xmlns:a="http://schemas.openxmlformats.org/drawingml/2006/main" xmlns:r="http://schemas.openxmlformats.org/officeDocument/2006/relationships" xmlns:mc="http://schemas.openxmlformats.org/markup-compatibility/2006" xmlns:mv="urn:schemas-microsoft-com:mac:vml" xmlns:p="http://schemas.openxmlformats.org/presentationml/2006/main" mc:Ignorable="mv" mc:PreserveAttributes="mv:*">
   <p:cSld>
     <p:spTree>
       <p:nvGrpSpPr>
@@ -16866,7 +17352,1885 @@
 </file>
 
 <file path=ppt/slides/slide30.xml><?xml version="1.0" encoding="utf-8"?>
-<p:sld xmlns:a="http://schemas.openxmlformats.org/drawingml/2006/main" xmlns:r="http://schemas.openxmlformats.org/officeDocument/2006/relationships" xmlns:p="http://schemas.openxmlformats.org/presentationml/2006/main">
+<p:sld xmlns:a="http://schemas.openxmlformats.org/drawingml/2006/main" xmlns:r="http://schemas.openxmlformats.org/officeDocument/2006/relationships" xmlns:mc="http://schemas.openxmlformats.org/markup-compatibility/2006" xmlns:mv="urn:schemas-microsoft-com:mac:vml" xmlns:p="http://schemas.openxmlformats.org/presentationml/2006/main" mc:Ignorable="mv" mc:PreserveAttributes="mv:*">
+  <p:cSld>
+    <p:spTree>
+      <p:nvGrpSpPr>
+        <p:cNvPr id="1" name=""/>
+        <p:cNvGrpSpPr/>
+        <p:nvPr/>
+      </p:nvGrpSpPr>
+      <p:grpSpPr>
+        <a:xfrm>
+          <a:off x="0" y="0"/>
+          <a:ext cx="0" cy="0"/>
+          <a:chOff x="0" y="0"/>
+          <a:chExt cx="0" cy="0"/>
+        </a:xfrm>
+      </p:grpSpPr>
+      <p:sp>
+        <p:nvSpPr>
+          <p:cNvPr id="2" name="Title 1"/>
+          <p:cNvSpPr>
+            <a:spLocks noGrp="1"/>
+          </p:cNvSpPr>
+          <p:nvPr>
+            <p:ph type="title"/>
+          </p:nvPr>
+        </p:nvSpPr>
+        <p:spPr/>
+        <p:txBody>
+          <a:bodyPr/>
+          <a:lstStyle/>
+          <a:p>
+            <a:r>
+              <a:rPr lang="en-US" dirty="0" smtClean="0"/>
+              <a:t>DDS4CCM Standard Connectors (1/2)</a:t>
+            </a:r>
+            <a:endParaRPr lang="en-US" dirty="0"/>
+          </a:p>
+        </p:txBody>
+      </p:sp>
+      <p:sp>
+        <p:nvSpPr>
+          <p:cNvPr id="3" name="Content Placeholder 2"/>
+          <p:cNvSpPr>
+            <a:spLocks noGrp="1"/>
+          </p:cNvSpPr>
+          <p:nvPr>
+            <p:ph sz="half" idx="1"/>
+          </p:nvPr>
+        </p:nvSpPr>
+        <p:spPr/>
+        <p:txBody>
+          <a:bodyPr/>
+          <a:lstStyle/>
+          <a:p>
+            <a:r>
+              <a:rPr lang="en-US" sz="2000" dirty="0" smtClean="0"/>
+              <a:t>Gathers connectors for all roles in a given use pattern</a:t>
+            </a:r>
+          </a:p>
+          <a:p>
+            <a:pPr lvl="1"/>
+            <a:r>
+              <a:rPr lang="en-US" sz="2000" dirty="0" smtClean="0"/>
+              <a:t>One or more DDS4CCM Extended Ports (as </a:t>
+            </a:r>
+            <a:r>
+              <a:rPr lang="en-US" sz="2000" dirty="0" err="1" smtClean="0"/>
+              <a:t>mirrorports</a:t>
+            </a:r>
+            <a:r>
+              <a:rPr lang="en-US" sz="2000" dirty="0" smtClean="0"/>
+              <a:t>)</a:t>
+            </a:r>
+          </a:p>
+          <a:p>
+            <a:pPr lvl="1"/>
+            <a:r>
+              <a:rPr lang="en-US" sz="2000" dirty="0" smtClean="0"/>
+              <a:t>Configuration meta-data (domain ID, topic name, </a:t>
+            </a:r>
+            <a:r>
+              <a:rPr lang="en-US" sz="2000" dirty="0" err="1" smtClean="0"/>
+              <a:t>QoS</a:t>
+            </a:r>
+            <a:r>
+              <a:rPr lang="en-US" sz="2000" dirty="0" smtClean="0"/>
+              <a:t> profiles)</a:t>
+            </a:r>
+          </a:p>
+          <a:p>
+            <a:r>
+              <a:rPr lang="en-US" sz="2000" dirty="0" smtClean="0"/>
+              <a:t>Two standard defined ‘base connectors</a:t>
+            </a:r>
+          </a:p>
+          <a:p>
+            <a:pPr lvl="1"/>
+            <a:r>
+              <a:rPr lang="en-US" sz="2000" dirty="0" err="1" smtClean="0"/>
+              <a:t>DDS_Base</a:t>
+            </a:r>
+            <a:endParaRPr lang="en-US" sz="2000" dirty="0" smtClean="0"/>
+          </a:p>
+          <a:p>
+            <a:pPr lvl="1"/>
+            <a:r>
+              <a:rPr lang="en-US" sz="2000" dirty="0" err="1" smtClean="0"/>
+              <a:t>DDS_TopicBase</a:t>
+            </a:r>
+            <a:endParaRPr lang="en-US" sz="2000" dirty="0" smtClean="0"/>
+          </a:p>
+          <a:p>
+            <a:r>
+              <a:rPr lang="en-US" sz="2000" dirty="0" smtClean="0"/>
+              <a:t>Two standard defined connectors</a:t>
+            </a:r>
+          </a:p>
+          <a:p>
+            <a:pPr lvl="1"/>
+            <a:r>
+              <a:rPr lang="en-US" sz="2000" dirty="0" smtClean="0"/>
+              <a:t>Pattern State Transfer</a:t>
+            </a:r>
+          </a:p>
+          <a:p>
+            <a:pPr lvl="1"/>
+            <a:r>
+              <a:rPr lang="en-US" sz="2000" dirty="0" smtClean="0"/>
+              <a:t>Pattern Event Transfer</a:t>
+            </a:r>
+          </a:p>
+          <a:p>
+            <a:endParaRPr lang="en-US" sz="2000" dirty="0" smtClean="0"/>
+          </a:p>
+        </p:txBody>
+      </p:sp>
+      <p:sp>
+        <p:nvSpPr>
+          <p:cNvPr id="4" name="Content Placeholder 3"/>
+          <p:cNvSpPr>
+            <a:spLocks noGrp="1"/>
+          </p:cNvSpPr>
+          <p:nvPr>
+            <p:ph sz="half" idx="2"/>
+          </p:nvPr>
+        </p:nvSpPr>
+        <p:spPr>
+          <a:xfrm>
+            <a:off x="4648200" y="990600"/>
+            <a:ext cx="4495800" cy="5181600"/>
+          </a:xfrm>
+        </p:spPr>
+        <p:txBody>
+          <a:bodyPr/>
+          <a:lstStyle/>
+          <a:p>
+            <a:pPr>
+              <a:buNone/>
+            </a:pPr>
+            <a:r>
+              <a:rPr lang="en-US" sz="1500" dirty="0" smtClean="0">
+                <a:latin typeface="Courier New"/>
+                <a:cs typeface="Courier New"/>
+              </a:rPr>
+              <a:t>c</a:t>
+            </a:r>
+            <a:r>
+              <a:rPr lang="en-US" sz="1500" dirty="0" smtClean="0">
+                <a:latin typeface="Courier New"/>
+                <a:cs typeface="Courier New"/>
+              </a:rPr>
+              <a:t>onnector </a:t>
+            </a:r>
+            <a:r>
+              <a:rPr lang="en-US" sz="1500" dirty="0" err="1" smtClean="0">
+                <a:latin typeface="Courier New"/>
+                <a:cs typeface="Courier New"/>
+              </a:rPr>
+              <a:t>DDS_Base</a:t>
+            </a:r>
+            <a:r>
+              <a:rPr lang="en-US" sz="1500" dirty="0" smtClean="0">
+                <a:latin typeface="Courier New"/>
+                <a:cs typeface="Courier New"/>
+              </a:rPr>
+              <a:t> {</a:t>
+            </a:r>
+          </a:p>
+          <a:p>
+            <a:pPr>
+              <a:buNone/>
+            </a:pPr>
+            <a:r>
+              <a:rPr lang="en-US" sz="1500" dirty="0" smtClean="0">
+                <a:latin typeface="Courier New"/>
+                <a:cs typeface="Courier New"/>
+              </a:rPr>
+              <a:t>  uses </a:t>
+            </a:r>
+            <a:r>
+              <a:rPr lang="en-US" sz="1500" dirty="0" err="1" smtClean="0">
+                <a:latin typeface="Courier New"/>
+                <a:cs typeface="Courier New"/>
+              </a:rPr>
+              <a:t>ConnectorStatusListener</a:t>
+            </a:r>
+            <a:r>
+              <a:rPr lang="en-US" sz="1500" dirty="0" smtClean="0">
+                <a:latin typeface="Courier New"/>
+                <a:cs typeface="Courier New"/>
+              </a:rPr>
+              <a:t>;</a:t>
+            </a:r>
+          </a:p>
+          <a:p>
+            <a:pPr>
+              <a:buNone/>
+            </a:pPr>
+            <a:r>
+              <a:rPr lang="en-US" sz="1500" dirty="0" smtClean="0">
+                <a:latin typeface="Courier New"/>
+                <a:cs typeface="Courier New"/>
+              </a:rPr>
+              <a:t>  </a:t>
+            </a:r>
+            <a:r>
+              <a:rPr lang="en-US" sz="1500" dirty="0" err="1" smtClean="0">
+                <a:latin typeface="Courier New"/>
+                <a:cs typeface="Courier New"/>
+              </a:rPr>
+              <a:t>readonly</a:t>
+            </a:r>
+            <a:r>
+              <a:rPr lang="en-US" sz="1500" dirty="0" smtClean="0">
+                <a:latin typeface="Courier New"/>
+                <a:cs typeface="Courier New"/>
+              </a:rPr>
+              <a:t> attribute </a:t>
+            </a:r>
+          </a:p>
+          <a:p>
+            <a:pPr>
+              <a:buNone/>
+            </a:pPr>
+            <a:r>
+              <a:rPr lang="en-US" sz="1500" dirty="0" smtClean="0">
+                <a:latin typeface="Courier New"/>
+                <a:cs typeface="Courier New"/>
+              </a:rPr>
+              <a:t>    </a:t>
+            </a:r>
+            <a:r>
+              <a:rPr lang="en-US" sz="1500" dirty="0" err="1" smtClean="0">
+                <a:latin typeface="Courier New"/>
+                <a:cs typeface="Courier New"/>
+              </a:rPr>
+              <a:t>DDS::DomainId_t</a:t>
+            </a:r>
+            <a:r>
+              <a:rPr lang="en-US" sz="1500" dirty="0" smtClean="0">
+                <a:latin typeface="Courier New"/>
+                <a:cs typeface="Courier New"/>
+              </a:rPr>
+              <a:t> </a:t>
+            </a:r>
+            <a:r>
+              <a:rPr lang="en-US" sz="1500" dirty="0" err="1" smtClean="0">
+                <a:latin typeface="Courier New"/>
+                <a:cs typeface="Courier New"/>
+              </a:rPr>
+              <a:t>domain_id</a:t>
+            </a:r>
+            <a:r>
+              <a:rPr lang="en-US" sz="1500" dirty="0" smtClean="0">
+                <a:latin typeface="Courier New"/>
+                <a:cs typeface="Courier New"/>
+              </a:rPr>
+              <a:t>;</a:t>
+            </a:r>
+          </a:p>
+          <a:p>
+            <a:pPr>
+              <a:buNone/>
+            </a:pPr>
+            <a:r>
+              <a:rPr lang="en-US" sz="1500" dirty="0" smtClean="0">
+                <a:latin typeface="Courier New"/>
+                <a:cs typeface="Courier New"/>
+              </a:rPr>
+              <a:t>  </a:t>
+            </a:r>
+            <a:r>
+              <a:rPr lang="en-US" sz="1500" dirty="0" err="1" smtClean="0">
+                <a:latin typeface="Courier New"/>
+                <a:cs typeface="Courier New"/>
+              </a:rPr>
+              <a:t>readonly</a:t>
+            </a:r>
+            <a:r>
+              <a:rPr lang="en-US" sz="1500" dirty="0" smtClean="0">
+                <a:latin typeface="Courier New"/>
+                <a:cs typeface="Courier New"/>
+              </a:rPr>
+              <a:t> attribute string </a:t>
+            </a:r>
+            <a:r>
+              <a:rPr lang="en-US" sz="1500" dirty="0" err="1" smtClean="0">
+                <a:latin typeface="Courier New"/>
+                <a:cs typeface="Courier New"/>
+              </a:rPr>
+              <a:t>qos_profile</a:t>
+            </a:r>
+            <a:endParaRPr lang="en-US" sz="1500" dirty="0" smtClean="0">
+              <a:latin typeface="Courier New"/>
+              <a:cs typeface="Courier New"/>
+            </a:endParaRPr>
+          </a:p>
+          <a:p>
+            <a:pPr>
+              <a:buNone/>
+            </a:pPr>
+            <a:r>
+              <a:rPr lang="en-US" sz="1500" dirty="0" smtClean="0">
+                <a:latin typeface="Courier New"/>
+                <a:cs typeface="Courier New"/>
+              </a:rPr>
+              <a:t>};</a:t>
+            </a:r>
+          </a:p>
+          <a:p>
+            <a:pPr>
+              <a:buNone/>
+            </a:pPr>
+            <a:endParaRPr lang="en-US" sz="1500" dirty="0" smtClean="0">
+              <a:latin typeface="Courier New"/>
+              <a:cs typeface="Courier New"/>
+            </a:endParaRPr>
+          </a:p>
+          <a:p>
+            <a:pPr>
+              <a:buNone/>
+            </a:pPr>
+            <a:r>
+              <a:rPr lang="en-US" sz="1500" dirty="0" smtClean="0">
+                <a:latin typeface="Courier New"/>
+                <a:cs typeface="Courier New"/>
+              </a:rPr>
+              <a:t>connector </a:t>
+            </a:r>
+            <a:r>
+              <a:rPr lang="en-US" sz="1500" dirty="0" err="1" smtClean="0">
+                <a:latin typeface="Courier New"/>
+                <a:cs typeface="Courier New"/>
+              </a:rPr>
+              <a:t>DDS_TopicBase</a:t>
+            </a:r>
+            <a:r>
+              <a:rPr lang="en-US" sz="1500" dirty="0" smtClean="0">
+                <a:latin typeface="Courier New"/>
+                <a:cs typeface="Courier New"/>
+              </a:rPr>
+              <a:t> : </a:t>
+            </a:r>
+            <a:r>
+              <a:rPr lang="en-US" sz="1500" dirty="0" err="1" smtClean="0">
+                <a:latin typeface="Courier New"/>
+                <a:cs typeface="Courier New"/>
+              </a:rPr>
+              <a:t>DDS_Base</a:t>
+            </a:r>
+            <a:r>
+              <a:rPr lang="en-US" sz="1500" dirty="0" smtClean="0">
+                <a:latin typeface="Courier New"/>
+                <a:cs typeface="Courier New"/>
+              </a:rPr>
+              <a:t> {</a:t>
+            </a:r>
+          </a:p>
+          <a:p>
+            <a:pPr>
+              <a:buNone/>
+            </a:pPr>
+            <a:r>
+              <a:rPr lang="en-US" sz="1500" dirty="0" smtClean="0">
+                <a:latin typeface="Courier New"/>
+                <a:cs typeface="Courier New"/>
+              </a:rPr>
+              <a:t>  </a:t>
+            </a:r>
+            <a:r>
+              <a:rPr lang="en-US" sz="1500" dirty="0" err="1" smtClean="0">
+                <a:latin typeface="Courier New"/>
+                <a:cs typeface="Courier New"/>
+              </a:rPr>
+              <a:t>readonly</a:t>
+            </a:r>
+            <a:r>
+              <a:rPr lang="en-US" sz="1500" dirty="0" smtClean="0">
+                <a:latin typeface="Courier New"/>
+                <a:cs typeface="Courier New"/>
+              </a:rPr>
+              <a:t> attribute string   </a:t>
+            </a:r>
+            <a:r>
+              <a:rPr lang="en-US" sz="1500" dirty="0" err="1" smtClean="0">
+                <a:latin typeface="Courier New"/>
+                <a:cs typeface="Courier New"/>
+              </a:rPr>
+              <a:t>topic_name</a:t>
+            </a:r>
+            <a:r>
+              <a:rPr lang="en-US" sz="1500" dirty="0" smtClean="0">
+                <a:latin typeface="Courier New"/>
+                <a:cs typeface="Courier New"/>
+              </a:rPr>
+              <a:t>;</a:t>
+            </a:r>
+          </a:p>
+          <a:p>
+            <a:pPr>
+              <a:buNone/>
+            </a:pPr>
+            <a:r>
+              <a:rPr lang="en-US" sz="1500" dirty="0" smtClean="0">
+                <a:latin typeface="Courier New"/>
+                <a:cs typeface="Courier New"/>
+              </a:rPr>
+              <a:t>  </a:t>
+            </a:r>
+            <a:r>
+              <a:rPr lang="en-US" sz="1500" dirty="0" err="1" smtClean="0">
+                <a:latin typeface="Courier New"/>
+                <a:cs typeface="Courier New"/>
+              </a:rPr>
+              <a:t>readonly</a:t>
+            </a:r>
+            <a:r>
+              <a:rPr lang="en-US" sz="1500" dirty="0" smtClean="0">
+                <a:latin typeface="Courier New"/>
+                <a:cs typeface="Courier New"/>
+              </a:rPr>
+              <a:t> attribute </a:t>
+            </a:r>
+            <a:r>
+              <a:rPr lang="en-US" sz="1500" dirty="0" err="1" smtClean="0">
+                <a:latin typeface="Courier New"/>
+                <a:cs typeface="Courier New"/>
+              </a:rPr>
+              <a:t>StringSeq</a:t>
+            </a:r>
+            <a:r>
+              <a:rPr lang="en-US" sz="1500" dirty="0" smtClean="0">
+                <a:latin typeface="Courier New"/>
+                <a:cs typeface="Courier New"/>
+              </a:rPr>
+              <a:t>   </a:t>
+            </a:r>
+            <a:r>
+              <a:rPr lang="en-US" sz="1500" dirty="0" err="1" smtClean="0">
+                <a:latin typeface="Courier New"/>
+                <a:cs typeface="Courier New"/>
+              </a:rPr>
+              <a:t>key_fields</a:t>
+            </a:r>
+            <a:endParaRPr lang="en-US" sz="1500" dirty="0" smtClean="0">
+              <a:latin typeface="Courier New"/>
+              <a:cs typeface="Courier New"/>
+            </a:endParaRPr>
+          </a:p>
+          <a:p>
+            <a:pPr>
+              <a:buNone/>
+            </a:pPr>
+            <a:r>
+              <a:rPr lang="en-US" sz="1500" dirty="0" smtClean="0">
+                <a:latin typeface="Courier New"/>
+                <a:cs typeface="Courier New"/>
+              </a:rPr>
+              <a:t>};</a:t>
+            </a:r>
+            <a:endParaRPr lang="en-US" sz="1500" dirty="0">
+              <a:latin typeface="Courier New"/>
+              <a:cs typeface="Courier New"/>
+            </a:endParaRPr>
+          </a:p>
+        </p:txBody>
+      </p:sp>
+    </p:spTree>
+  </p:cSld>
+  <p:clrMapOvr>
+    <a:masterClrMapping/>
+  </p:clrMapOvr>
+</p:sld>
+</file>
+
+<file path=ppt/slides/slide31.xml><?xml version="1.0" encoding="utf-8"?>
+<p:sld xmlns:a="http://schemas.openxmlformats.org/drawingml/2006/main" xmlns:r="http://schemas.openxmlformats.org/officeDocument/2006/relationships" xmlns:mc="http://schemas.openxmlformats.org/markup-compatibility/2006" xmlns:mv="urn:schemas-microsoft-com:mac:vml" xmlns:p="http://schemas.openxmlformats.org/presentationml/2006/main" mc:Ignorable="mv" mc:PreserveAttributes="mv:*">
+  <p:cSld>
+    <p:spTree>
+      <p:nvGrpSpPr>
+        <p:cNvPr id="1" name=""/>
+        <p:cNvGrpSpPr/>
+        <p:nvPr/>
+      </p:nvGrpSpPr>
+      <p:grpSpPr>
+        <a:xfrm>
+          <a:off x="0" y="0"/>
+          <a:ext cx="0" cy="0"/>
+          <a:chOff x="0" y="0"/>
+          <a:chExt cx="0" cy="0"/>
+        </a:xfrm>
+      </p:grpSpPr>
+      <p:sp>
+        <p:nvSpPr>
+          <p:cNvPr id="275458" name="Title 4"/>
+          <p:cNvSpPr>
+            <a:spLocks noGrp="1"/>
+          </p:cNvSpPr>
+          <p:nvPr>
+            <p:ph type="title"/>
+          </p:nvPr>
+        </p:nvSpPr>
+        <p:spPr/>
+        <p:txBody>
+          <a:bodyPr/>
+          <a:lstStyle/>
+          <a:p>
+            <a:r>
+              <a:rPr lang="en-US"/>
+              <a:t>Example</a:t>
+            </a:r>
+            <a:endParaRPr lang="nl-NL"/>
+          </a:p>
+        </p:txBody>
+      </p:sp>
+      <p:sp>
+        <p:nvSpPr>
+          <p:cNvPr id="275459" name="Rectangle 3"/>
+          <p:cNvSpPr>
+            <a:spLocks noChangeArrowheads="1"/>
+          </p:cNvSpPr>
+          <p:nvPr/>
+        </p:nvSpPr>
+        <p:spPr bwMode="auto">
+          <a:xfrm>
+            <a:off x="228600" y="1190625"/>
+            <a:ext cx="8763000" cy="4876800"/>
+          </a:xfrm>
+          <a:prstGeom prst="rect">
+            <a:avLst/>
+          </a:prstGeom>
+          <a:noFill/>
+          <a:ln w="9525">
+            <a:noFill/>
+            <a:miter lim="800000"/>
+            <a:headEnd/>
+            <a:tailEnd/>
+          </a:ln>
+        </p:spPr>
+        <p:txBody>
+          <a:bodyPr>
+            <a:prstTxWarp prst="textNoShape">
+              <a:avLst/>
+            </a:prstTxWarp>
+          </a:bodyPr>
+          <a:lstStyle/>
+          <a:p>
+            <a:pPr marL="169863" indent="-169863">
+              <a:spcBef>
+                <a:spcPct val="40000"/>
+              </a:spcBef>
+              <a:buFontTx/>
+              <a:buChar char="•"/>
+            </a:pPr>
+            <a:endParaRPr lang="en-US" altLang="zh-CN" sz="2000" i="0">
+              <a:ea typeface="宋体" pitchFamily="-65" charset="-128"/>
+              <a:cs typeface="Times New Roman" charset="0"/>
+            </a:endParaRPr>
+          </a:p>
+        </p:txBody>
+      </p:sp>
+      <p:sp>
+        <p:nvSpPr>
+          <p:cNvPr id="275460" name="Rectangle 3"/>
+          <p:cNvSpPr>
+            <a:spLocks noChangeArrowheads="1"/>
+          </p:cNvSpPr>
+          <p:nvPr/>
+        </p:nvSpPr>
+        <p:spPr bwMode="auto">
+          <a:xfrm>
+            <a:off x="381000" y="1042248"/>
+            <a:ext cx="8763000" cy="4876800"/>
+          </a:xfrm>
+          <a:prstGeom prst="rect">
+            <a:avLst/>
+          </a:prstGeom>
+          <a:noFill/>
+          <a:ln w="9525">
+            <a:noFill/>
+            <a:miter lim="800000"/>
+            <a:headEnd/>
+            <a:tailEnd/>
+          </a:ln>
+        </p:spPr>
+        <p:txBody>
+          <a:bodyPr>
+            <a:prstTxWarp prst="textNoShape">
+              <a:avLst/>
+            </a:prstTxWarp>
+          </a:bodyPr>
+          <a:lstStyle/>
+          <a:p>
+            <a:pPr marL="169863" indent="-169863">
+              <a:spcBef>
+                <a:spcPct val="40000"/>
+              </a:spcBef>
+              <a:buFontTx/>
+              <a:buChar char="•"/>
+            </a:pPr>
+            <a:r>
+              <a:rPr lang="en-US" altLang="zh-CN" sz="2200" i="0" dirty="0" smtClean="0">
+                <a:latin typeface="+mn-lt"/>
+                <a:ea typeface="宋体" pitchFamily="-65" charset="-128"/>
+                <a:cs typeface="Times New Roman" charset="0"/>
+              </a:rPr>
+              <a:t>Initial proof of concept is a derivation of the </a:t>
+            </a:r>
+            <a:r>
+              <a:rPr lang="en-US" altLang="zh-CN" sz="2200" i="0" dirty="0" smtClean="0">
+                <a:latin typeface="+mn-lt"/>
+                <a:ea typeface="宋体" pitchFamily="-65" charset="-128"/>
+                <a:cs typeface="Times New Roman" charset="0"/>
+              </a:rPr>
+              <a:t>“Hello, World!” CCM example</a:t>
+            </a:r>
+          </a:p>
+          <a:p>
+            <a:pPr marL="169863" indent="-169863">
+              <a:spcBef>
+                <a:spcPct val="40000"/>
+              </a:spcBef>
+            </a:pPr>
+            <a:endParaRPr lang="en-US" altLang="zh-CN" sz="2200" i="0" dirty="0" smtClean="0">
+              <a:latin typeface="+mn-lt"/>
+              <a:ea typeface="宋体" pitchFamily="-65" charset="-128"/>
+              <a:cs typeface="Times New Roman" charset="0"/>
+            </a:endParaRPr>
+          </a:p>
+          <a:p>
+            <a:pPr marL="169863" indent="-169863">
+              <a:spcBef>
+                <a:spcPct val="40000"/>
+              </a:spcBef>
+              <a:buFontTx/>
+              <a:buChar char="•"/>
+            </a:pPr>
+            <a:r>
+              <a:rPr lang="en-US" altLang="zh-CN" sz="2200" i="0" dirty="0" smtClean="0">
+                <a:latin typeface="+mn-lt"/>
+                <a:ea typeface="宋体" pitchFamily="-65" charset="-128"/>
+                <a:cs typeface="Times New Roman" charset="0"/>
+              </a:rPr>
+              <a:t>The example uses DDS to communicate a simple string between two components</a:t>
+            </a:r>
+          </a:p>
+          <a:p>
+            <a:pPr marL="169863" indent="-169863">
+              <a:spcBef>
+                <a:spcPct val="40000"/>
+              </a:spcBef>
+              <a:buFontTx/>
+              <a:buChar char="•"/>
+            </a:pPr>
+            <a:endParaRPr lang="en-US" altLang="zh-CN" sz="2200" i="0" dirty="0" smtClean="0">
+              <a:latin typeface="+mn-lt"/>
+              <a:ea typeface="宋体" pitchFamily="-65" charset="-128"/>
+              <a:cs typeface="Times New Roman" charset="0"/>
+            </a:endParaRPr>
+          </a:p>
+          <a:p>
+            <a:pPr marL="169863" indent="-169863">
+              <a:spcBef>
+                <a:spcPct val="40000"/>
+              </a:spcBef>
+              <a:buFontTx/>
+              <a:buChar char="•"/>
+            </a:pPr>
+            <a:endParaRPr lang="en-US" altLang="zh-CN" sz="2200" i="0" dirty="0" smtClean="0">
+              <a:latin typeface="+mn-lt"/>
+              <a:ea typeface="宋体" pitchFamily="-65" charset="-128"/>
+              <a:cs typeface="Times New Roman" charset="0"/>
+            </a:endParaRPr>
+          </a:p>
+          <a:p>
+            <a:pPr marL="169863" indent="-169863">
+              <a:spcBef>
+                <a:spcPct val="40000"/>
+              </a:spcBef>
+              <a:buFontTx/>
+              <a:buChar char="•"/>
+            </a:pPr>
+            <a:r>
+              <a:rPr lang="en-US" altLang="zh-CN" sz="2200" i="0" dirty="0" smtClean="0">
+                <a:latin typeface="+mn-lt"/>
+                <a:ea typeface="宋体" pitchFamily="-65" charset="-128"/>
+                <a:cs typeface="Times New Roman" charset="0"/>
+              </a:rPr>
+              <a:t>Example includes a connector implemented as two fragments to accomplish DDS communication</a:t>
+            </a:r>
+          </a:p>
+          <a:p>
+            <a:pPr marL="169863" indent="-169863">
+              <a:spcBef>
+                <a:spcPct val="40000"/>
+              </a:spcBef>
+              <a:buFontTx/>
+              <a:buChar char="•"/>
+            </a:pPr>
+            <a:endParaRPr lang="en-US" altLang="zh-CN" sz="2200" i="0" dirty="0" smtClean="0">
+              <a:latin typeface="+mn-lt"/>
+              <a:ea typeface="宋体" pitchFamily="-65" charset="-128"/>
+              <a:cs typeface="Times New Roman" charset="0"/>
+            </a:endParaRPr>
+          </a:p>
+          <a:p>
+            <a:pPr marL="169863" indent="-169863">
+              <a:spcBef>
+                <a:spcPct val="40000"/>
+              </a:spcBef>
+              <a:buFontTx/>
+              <a:buChar char="•"/>
+            </a:pPr>
+            <a:endParaRPr lang="en-US" altLang="zh-CN" sz="2200" i="0" dirty="0">
+              <a:latin typeface="+mn-lt"/>
+              <a:ea typeface="宋体" pitchFamily="-65" charset="-128"/>
+              <a:cs typeface="Times New Roman" charset="0"/>
+            </a:endParaRPr>
+          </a:p>
+        </p:txBody>
+      </p:sp>
+      <p:pic>
+        <p:nvPicPr>
+          <p:cNvPr id="5" name="Picture 4"/>
+          <p:cNvPicPr>
+            <a:picLocks noChangeAspect="1"/>
+          </p:cNvPicPr>
+          <p:nvPr/>
+        </p:nvPicPr>
+        <mc:AlternateContent>
+          <mc:Choice xmlns:ma="http://schemas.microsoft.com/office/mac/drawingml/2008/main" Requires="ma">
+            <p:blipFill>
+              <a:blip r:embed="rId2"/>
+              <a:stretch>
+                <a:fillRect/>
+              </a:stretch>
+            </p:blipFill>
+          </mc:Choice>
+          <mc:Fallback>
+            <p:blipFill>
+              <a:blip r:embed="rId3"/>
+              <a:stretch>
+                <a:fillRect/>
+              </a:stretch>
+            </p:blipFill>
+          </mc:Fallback>
+        </mc:AlternateContent>
+        <p:spPr>
+          <a:xfrm>
+            <a:off x="2699624" y="1447304"/>
+            <a:ext cx="3187700" cy="977900"/>
+          </a:xfrm>
+          <a:prstGeom prst="rect">
+            <a:avLst/>
+          </a:prstGeom>
+        </p:spPr>
+      </p:pic>
+      <p:pic>
+        <p:nvPicPr>
+          <p:cNvPr id="6" name="Picture 5"/>
+          <p:cNvPicPr>
+            <a:picLocks noChangeAspect="1"/>
+          </p:cNvPicPr>
+          <p:nvPr/>
+        </p:nvPicPr>
+        <mc:AlternateContent>
+          <mc:Choice xmlns:ma="http://schemas.microsoft.com/office/mac/drawingml/2008/main" Requires="ma">
+            <p:blipFill>
+              <a:blip r:embed="rId4"/>
+              <a:stretch>
+                <a:fillRect/>
+              </a:stretch>
+            </p:blipFill>
+          </mc:Choice>
+          <mc:Fallback>
+            <p:blipFill>
+              <a:blip r:embed="rId5"/>
+              <a:stretch>
+                <a:fillRect/>
+              </a:stretch>
+            </p:blipFill>
+          </mc:Fallback>
+        </mc:AlternateContent>
+        <p:spPr>
+          <a:xfrm>
+            <a:off x="2699624" y="2862072"/>
+            <a:ext cx="3187700" cy="977900"/>
+          </a:xfrm>
+          <a:prstGeom prst="rect">
+            <a:avLst/>
+          </a:prstGeom>
+        </p:spPr>
+      </p:pic>
+      <p:pic>
+        <p:nvPicPr>
+          <p:cNvPr id="7" name="Picture 6"/>
+          <p:cNvPicPr>
+            <a:picLocks noChangeAspect="1"/>
+          </p:cNvPicPr>
+          <p:nvPr/>
+        </p:nvPicPr>
+        <mc:AlternateContent>
+          <mc:Choice xmlns:ma="http://schemas.microsoft.com/office/mac/drawingml/2008/main" Requires="ma">
+            <p:blipFill>
+              <a:blip r:embed="rId6"/>
+              <a:stretch>
+                <a:fillRect/>
+              </a:stretch>
+            </p:blipFill>
+          </mc:Choice>
+          <mc:Fallback>
+            <p:blipFill>
+              <a:blip r:embed="rId7"/>
+              <a:stretch>
+                <a:fillRect/>
+              </a:stretch>
+            </p:blipFill>
+          </mc:Fallback>
+        </mc:AlternateContent>
+        <p:spPr>
+          <a:xfrm>
+            <a:off x="1772525" y="4884524"/>
+            <a:ext cx="5041900" cy="787400"/>
+          </a:xfrm>
+          <a:prstGeom prst="rect">
+            <a:avLst/>
+          </a:prstGeom>
+        </p:spPr>
+      </p:pic>
+    </p:spTree>
+  </p:cSld>
+  <p:clrMapOvr>
+    <a:masterClrMapping/>
+  </p:clrMapOvr>
+  <p:timing>
+    <p:tnLst>
+      <p:par>
+        <p:cTn id="1" dur="indefinite" restart="never" nodeType="tmRoot"/>
+      </p:par>
+    </p:tnLst>
+  </p:timing>
+</p:sld>
+</file>
+
+<file path=ppt/slides/slide32.xml><?xml version="1.0" encoding="utf-8"?>
+<p:sld xmlns:a="http://schemas.openxmlformats.org/drawingml/2006/main" xmlns:r="http://schemas.openxmlformats.org/officeDocument/2006/relationships" xmlns:mc="http://schemas.openxmlformats.org/markup-compatibility/2006" xmlns:mv="urn:schemas-microsoft-com:mac:vml" xmlns:p="http://schemas.openxmlformats.org/presentationml/2006/main" mc:Ignorable="mv" mc:PreserveAttributes="mv:*">
+  <p:cSld>
+    <p:spTree>
+      <p:nvGrpSpPr>
+        <p:cNvPr id="1" name=""/>
+        <p:cNvGrpSpPr/>
+        <p:nvPr/>
+      </p:nvGrpSpPr>
+      <p:grpSpPr>
+        <a:xfrm>
+          <a:off x="0" y="0"/>
+          <a:ext cx="0" cy="0"/>
+          <a:chOff x="0" y="0"/>
+          <a:chExt cx="0" cy="0"/>
+        </a:xfrm>
+      </p:grpSpPr>
+      <p:sp>
+        <p:nvSpPr>
+          <p:cNvPr id="2" name="Title 1"/>
+          <p:cNvSpPr>
+            <a:spLocks noGrp="1"/>
+          </p:cNvSpPr>
+          <p:nvPr>
+            <p:ph type="title"/>
+          </p:nvPr>
+        </p:nvSpPr>
+        <p:spPr/>
+        <p:txBody>
+          <a:bodyPr/>
+          <a:lstStyle/>
+          <a:p>
+            <a:r>
+              <a:rPr lang="en-US" dirty="0" smtClean="0"/>
+              <a:t>Hello, World! IDL</a:t>
+            </a:r>
+            <a:endParaRPr lang="en-US" dirty="0"/>
+          </a:p>
+        </p:txBody>
+      </p:sp>
+      <p:pic>
+        <p:nvPicPr>
+          <p:cNvPr id="3" name="Picture 2"/>
+          <p:cNvPicPr>
+            <a:picLocks noChangeAspect="1"/>
+          </p:cNvPicPr>
+          <p:nvPr/>
+        </p:nvPicPr>
+        <mc:AlternateContent>
+          <mc:Choice xmlns:ma="http://schemas.microsoft.com/office/mac/drawingml/2008/main" Requires="ma">
+            <p:blipFill>
+              <a:blip r:embed="rId2"/>
+              <a:stretch>
+                <a:fillRect/>
+              </a:stretch>
+            </p:blipFill>
+          </mc:Choice>
+          <mc:Fallback>
+            <p:blipFill>
+              <a:blip r:embed="rId3"/>
+              <a:stretch>
+                <a:fillRect/>
+              </a:stretch>
+            </p:blipFill>
+          </mc:Fallback>
+        </mc:AlternateContent>
+        <p:spPr>
+          <a:xfrm>
+            <a:off x="1872794" y="1152658"/>
+            <a:ext cx="5041900" cy="787400"/>
+          </a:xfrm>
+          <a:prstGeom prst="rect">
+            <a:avLst/>
+          </a:prstGeom>
+        </p:spPr>
+      </p:pic>
+      <p:sp>
+        <p:nvSpPr>
+          <p:cNvPr id="4" name="Rounded Rectangular Callout 3"/>
+          <p:cNvSpPr/>
+          <p:nvPr/>
+        </p:nvSpPr>
+        <p:spPr bwMode="auto">
+          <a:xfrm>
+            <a:off x="0" y="2606736"/>
+            <a:ext cx="3476002" cy="1055608"/>
+          </a:xfrm>
+          <a:prstGeom prst="wedgeRoundRectCallout">
+            <a:avLst>
+              <a:gd name="adj1" fmla="val 20334"/>
+              <a:gd name="adj2" fmla="val -125531"/>
+              <a:gd name="adj3" fmla="val 16667"/>
+            </a:avLst>
+          </a:prstGeom>
+          <a:solidFill>
+            <a:srgbClr val="FFFF99"/>
+          </a:solidFill>
+          <a:ln w="9525" cap="flat" cmpd="sng" algn="ctr">
+            <a:noFill/>
+            <a:prstDash val="solid"/>
+            <a:round/>
+            <a:headEnd type="none" w="med" len="med"/>
+            <a:tailEnd type="none" w="med" len="med"/>
+          </a:ln>
+          <a:effectLst/>
+        </p:spPr>
+        <p:txBody>
+          <a:bodyPr vert="horz" wrap="square" lIns="91440" tIns="45720" rIns="91440" bIns="45720" numCol="1" rtlCol="0" anchor="t" anchorCtr="0" compatLnSpc="1">
+            <a:prstTxWarp prst="textNoShape">
+              <a:avLst/>
+            </a:prstTxWarp>
+            <a:spAutoFit/>
+          </a:bodyPr>
+          <a:lstStyle/>
+          <a:p>
+            <a:pPr marL="0" marR="0" indent="0" algn="l" defTabSz="914400" rtl="0" eaLnBrk="1" fontAlgn="base" latinLnBrk="0" hangingPunct="1">
+              <a:lnSpc>
+                <a:spcPct val="100000"/>
+              </a:lnSpc>
+              <a:spcBef>
+                <a:spcPct val="50000"/>
+              </a:spcBef>
+              <a:spcAft>
+                <a:spcPct val="0"/>
+              </a:spcAft>
+              <a:buClrTx/>
+              <a:buSzTx/>
+              <a:buFontTx/>
+              <a:buNone/>
+              <a:tabLst/>
+            </a:pPr>
+            <a:r>
+              <a:rPr lang="en-US" sz="1400" i="0" dirty="0" smtClean="0">
+                <a:latin typeface="Courier New"/>
+                <a:cs typeface="Courier New"/>
+              </a:rPr>
+              <a:t>c</a:t>
+            </a:r>
+            <a:r>
+              <a:rPr kumimoji="0" lang="en-US" sz="1400" b="0" i="0" u="none" strike="noStrike" cap="none" normalizeH="0" baseline="0" dirty="0" smtClean="0">
+                <a:ln>
+                  <a:noFill/>
+                </a:ln>
+                <a:solidFill>
+                  <a:schemeClr val="tx1"/>
+                </a:solidFill>
+                <a:effectLst/>
+                <a:latin typeface="Courier New"/>
+                <a:cs typeface="Courier New"/>
+              </a:rPr>
+              <a:t>omponent </a:t>
+            </a:r>
+            <a:r>
+              <a:rPr lang="en-US" sz="1400" i="0" dirty="0" smtClean="0">
+                <a:latin typeface="Courier New"/>
+                <a:cs typeface="Courier New"/>
+              </a:rPr>
+              <a:t>Sender {</a:t>
+            </a:r>
+          </a:p>
+          <a:p>
+            <a:pPr marL="0" marR="0" indent="0" algn="l" defTabSz="914400" rtl="0" eaLnBrk="1" fontAlgn="base" latinLnBrk="0" hangingPunct="1">
+              <a:lnSpc>
+                <a:spcPct val="100000"/>
+              </a:lnSpc>
+              <a:spcBef>
+                <a:spcPct val="50000"/>
+              </a:spcBef>
+              <a:spcAft>
+                <a:spcPct val="0"/>
+              </a:spcAft>
+              <a:buClrTx/>
+              <a:buSzTx/>
+              <a:buFontTx/>
+              <a:buNone/>
+              <a:tabLst/>
+            </a:pPr>
+            <a:r>
+              <a:rPr kumimoji="0" lang="en-US" sz="1400" b="0" i="0" u="none" strike="noStrike" cap="none" normalizeH="0" baseline="0" dirty="0" smtClean="0">
+                <a:ln>
+                  <a:noFill/>
+                </a:ln>
+                <a:solidFill>
+                  <a:schemeClr val="tx1"/>
+                </a:solidFill>
+                <a:effectLst/>
+                <a:latin typeface="Courier New"/>
+                <a:cs typeface="Courier New"/>
+              </a:rPr>
+              <a:t>  uses </a:t>
+            </a:r>
+            <a:r>
+              <a:rPr kumimoji="0" lang="en-US" sz="1400" b="0" i="0" u="none" strike="noStrike" cap="none" normalizeH="0" baseline="0" dirty="0" err="1" smtClean="0">
+                <a:ln>
+                  <a:noFill/>
+                </a:ln>
+                <a:solidFill>
+                  <a:schemeClr val="tx1"/>
+                </a:solidFill>
+                <a:effectLst/>
+                <a:latin typeface="Courier New"/>
+                <a:cs typeface="Courier New"/>
+              </a:rPr>
+              <a:t>DDS_Write</a:t>
+            </a:r>
+            <a:r>
+              <a:rPr kumimoji="0" lang="en-US" sz="1400" b="0" i="0" u="none" strike="noStrike" cap="none" normalizeH="0" baseline="0" dirty="0" smtClean="0">
+                <a:ln>
+                  <a:noFill/>
+                </a:ln>
+                <a:solidFill>
+                  <a:schemeClr val="tx1"/>
+                </a:solidFill>
+                <a:effectLst/>
+                <a:latin typeface="Courier New"/>
+                <a:cs typeface="Courier New"/>
+              </a:rPr>
+              <a:t>&lt;string&gt; </a:t>
+            </a:r>
+            <a:r>
+              <a:rPr kumimoji="0" lang="en-US" sz="1400" b="0" i="0" u="none" strike="noStrike" cap="none" normalizeH="0" baseline="0" dirty="0" err="1" smtClean="0">
+                <a:ln>
+                  <a:noFill/>
+                </a:ln>
+                <a:solidFill>
+                  <a:schemeClr val="tx1"/>
+                </a:solidFill>
+                <a:effectLst/>
+                <a:latin typeface="Courier New"/>
+                <a:cs typeface="Courier New"/>
+              </a:rPr>
+              <a:t>msg</a:t>
+            </a:r>
+            <a:r>
+              <a:rPr kumimoji="0" lang="en-US" sz="1400" b="0" i="0" u="none" strike="noStrike" cap="none" normalizeH="0" baseline="0" dirty="0" smtClean="0">
+                <a:ln>
+                  <a:noFill/>
+                </a:ln>
+                <a:solidFill>
+                  <a:schemeClr val="tx1"/>
+                </a:solidFill>
+                <a:effectLst/>
+                <a:latin typeface="Courier New"/>
+                <a:cs typeface="Courier New"/>
+              </a:rPr>
+              <a:t>;</a:t>
+            </a:r>
+          </a:p>
+          <a:p>
+            <a:pPr marL="0" marR="0" indent="0" algn="l" defTabSz="914400" rtl="0" eaLnBrk="1" fontAlgn="base" latinLnBrk="0" hangingPunct="1">
+              <a:lnSpc>
+                <a:spcPct val="100000"/>
+              </a:lnSpc>
+              <a:spcBef>
+                <a:spcPct val="50000"/>
+              </a:spcBef>
+              <a:spcAft>
+                <a:spcPct val="0"/>
+              </a:spcAft>
+              <a:buClrTx/>
+              <a:buSzTx/>
+              <a:buFontTx/>
+              <a:buNone/>
+              <a:tabLst/>
+            </a:pPr>
+            <a:r>
+              <a:rPr lang="en-US" sz="1400" i="0" dirty="0" smtClean="0">
+                <a:latin typeface="Courier New"/>
+                <a:cs typeface="Courier New"/>
+              </a:rPr>
+              <a:t>}</a:t>
+            </a:r>
+            <a:endParaRPr kumimoji="0" lang="en-US" sz="1400" b="0" i="0" u="none" strike="noStrike" cap="none" normalizeH="0" baseline="0" dirty="0">
+              <a:ln>
+                <a:noFill/>
+              </a:ln>
+              <a:solidFill>
+                <a:schemeClr val="tx1"/>
+              </a:solidFill>
+              <a:effectLst/>
+              <a:latin typeface="Courier New"/>
+              <a:cs typeface="Courier New"/>
+            </a:endParaRPr>
+          </a:p>
+        </p:txBody>
+      </p:sp>
+      <p:sp>
+        <p:nvSpPr>
+          <p:cNvPr id="5" name="Rounded Rectangular Callout 4"/>
+          <p:cNvSpPr/>
+          <p:nvPr/>
+        </p:nvSpPr>
+        <p:spPr bwMode="auto">
+          <a:xfrm>
+            <a:off x="5314271" y="2703437"/>
+            <a:ext cx="3829729" cy="1055608"/>
+          </a:xfrm>
+          <a:prstGeom prst="wedgeRoundRectCallout">
+            <a:avLst>
+              <a:gd name="adj1" fmla="val -23212"/>
+              <a:gd name="adj2" fmla="val -139250"/>
+              <a:gd name="adj3" fmla="val 16667"/>
+            </a:avLst>
+          </a:prstGeom>
+          <a:solidFill>
+            <a:srgbClr val="FFFF99"/>
+          </a:solidFill>
+          <a:ln w="9525" cap="flat" cmpd="sng" algn="ctr">
+            <a:noFill/>
+            <a:prstDash val="solid"/>
+            <a:round/>
+            <a:headEnd type="none" w="med" len="med"/>
+            <a:tailEnd type="none" w="med" len="med"/>
+          </a:ln>
+          <a:effectLst/>
+        </p:spPr>
+        <p:txBody>
+          <a:bodyPr vert="horz" wrap="square" lIns="91440" tIns="45720" rIns="91440" bIns="45720" numCol="1" rtlCol="0" anchor="t" anchorCtr="0" compatLnSpc="1">
+            <a:prstTxWarp prst="textNoShape">
+              <a:avLst/>
+            </a:prstTxWarp>
+            <a:spAutoFit/>
+          </a:bodyPr>
+          <a:lstStyle/>
+          <a:p>
+            <a:pPr marL="0" marR="0" indent="0" algn="l" defTabSz="914400" rtl="0" eaLnBrk="1" fontAlgn="base" latinLnBrk="0" hangingPunct="1">
+              <a:lnSpc>
+                <a:spcPct val="100000"/>
+              </a:lnSpc>
+              <a:spcBef>
+                <a:spcPct val="50000"/>
+              </a:spcBef>
+              <a:spcAft>
+                <a:spcPct val="0"/>
+              </a:spcAft>
+              <a:buClrTx/>
+              <a:buSzTx/>
+              <a:buFontTx/>
+              <a:buNone/>
+              <a:tabLst/>
+            </a:pPr>
+            <a:r>
+              <a:rPr lang="en-US" sz="1400" i="0" dirty="0" smtClean="0">
+                <a:latin typeface="Courier New"/>
+                <a:cs typeface="Courier New"/>
+              </a:rPr>
+              <a:t>c</a:t>
+            </a:r>
+            <a:r>
+              <a:rPr kumimoji="0" lang="en-US" sz="1400" b="0" i="0" u="none" strike="noStrike" cap="none" normalizeH="0" baseline="0" dirty="0" smtClean="0">
+                <a:ln>
+                  <a:noFill/>
+                </a:ln>
+                <a:solidFill>
+                  <a:schemeClr val="tx1"/>
+                </a:solidFill>
+                <a:effectLst/>
+                <a:latin typeface="Courier New"/>
+                <a:cs typeface="Courier New"/>
+              </a:rPr>
+              <a:t>omponent </a:t>
+            </a:r>
+            <a:r>
+              <a:rPr lang="en-US" sz="1400" i="0" dirty="0" smtClean="0">
+                <a:latin typeface="Courier New"/>
+                <a:cs typeface="Courier New"/>
+              </a:rPr>
+              <a:t>Receiver{</a:t>
+            </a:r>
+          </a:p>
+          <a:p>
+            <a:pPr marL="0" marR="0" indent="0" algn="l" defTabSz="914400" rtl="0" eaLnBrk="1" fontAlgn="base" latinLnBrk="0" hangingPunct="1">
+              <a:lnSpc>
+                <a:spcPct val="100000"/>
+              </a:lnSpc>
+              <a:spcBef>
+                <a:spcPct val="50000"/>
+              </a:spcBef>
+              <a:spcAft>
+                <a:spcPct val="0"/>
+              </a:spcAft>
+              <a:buClrTx/>
+              <a:buSzTx/>
+              <a:buFontTx/>
+              <a:buNone/>
+              <a:tabLst/>
+            </a:pPr>
+            <a:r>
+              <a:rPr kumimoji="0" lang="en-US" sz="1400" b="0" i="0" u="none" strike="noStrike" cap="none" normalizeH="0" baseline="0" dirty="0" smtClean="0">
+                <a:ln>
+                  <a:noFill/>
+                </a:ln>
+                <a:solidFill>
+                  <a:schemeClr val="tx1"/>
+                </a:solidFill>
+                <a:effectLst/>
+                <a:latin typeface="Courier New"/>
+                <a:cs typeface="Courier New"/>
+              </a:rPr>
+              <a:t>  uses </a:t>
+            </a:r>
+            <a:r>
+              <a:rPr kumimoji="0" lang="en-US" sz="1400" b="0" i="0" u="none" strike="noStrike" cap="none" normalizeH="0" baseline="0" dirty="0" err="1" smtClean="0">
+                <a:ln>
+                  <a:noFill/>
+                </a:ln>
+                <a:solidFill>
+                  <a:schemeClr val="tx1"/>
+                </a:solidFill>
+                <a:effectLst/>
+                <a:latin typeface="Courier New"/>
+                <a:cs typeface="Courier New"/>
+              </a:rPr>
+              <a:t>DDS_RawListen</a:t>
+            </a:r>
+            <a:r>
+              <a:rPr kumimoji="0" lang="en-US" sz="1400" b="0" i="0" u="none" strike="noStrike" cap="none" normalizeH="0" baseline="0" dirty="0" smtClean="0">
+                <a:ln>
+                  <a:noFill/>
+                </a:ln>
+                <a:solidFill>
+                  <a:schemeClr val="tx1"/>
+                </a:solidFill>
+                <a:effectLst/>
+                <a:latin typeface="Courier New"/>
+                <a:cs typeface="Courier New"/>
+              </a:rPr>
+              <a:t>&lt;string&gt; </a:t>
+            </a:r>
+            <a:r>
+              <a:rPr kumimoji="0" lang="en-US" sz="1400" b="0" i="0" u="none" strike="noStrike" cap="none" normalizeH="0" baseline="0" dirty="0" err="1" smtClean="0">
+                <a:ln>
+                  <a:noFill/>
+                </a:ln>
+                <a:solidFill>
+                  <a:schemeClr val="tx1"/>
+                </a:solidFill>
+                <a:effectLst/>
+                <a:latin typeface="Courier New"/>
+                <a:cs typeface="Courier New"/>
+              </a:rPr>
+              <a:t>msg</a:t>
+            </a:r>
+            <a:r>
+              <a:rPr kumimoji="0" lang="en-US" sz="1400" b="0" i="0" u="none" strike="noStrike" cap="none" normalizeH="0" baseline="0" dirty="0" smtClean="0">
+                <a:ln>
+                  <a:noFill/>
+                </a:ln>
+                <a:solidFill>
+                  <a:schemeClr val="tx1"/>
+                </a:solidFill>
+                <a:effectLst/>
+                <a:latin typeface="Courier New"/>
+                <a:cs typeface="Courier New"/>
+              </a:rPr>
+              <a:t>;</a:t>
+            </a:r>
+          </a:p>
+          <a:p>
+            <a:pPr marL="0" marR="0" indent="0" algn="l" defTabSz="914400" rtl="0" eaLnBrk="1" fontAlgn="base" latinLnBrk="0" hangingPunct="1">
+              <a:lnSpc>
+                <a:spcPct val="100000"/>
+              </a:lnSpc>
+              <a:spcBef>
+                <a:spcPct val="50000"/>
+              </a:spcBef>
+              <a:spcAft>
+                <a:spcPct val="0"/>
+              </a:spcAft>
+              <a:buClrTx/>
+              <a:buSzTx/>
+              <a:buFontTx/>
+              <a:buNone/>
+              <a:tabLst/>
+            </a:pPr>
+            <a:r>
+              <a:rPr lang="en-US" sz="1400" i="0" dirty="0" smtClean="0">
+                <a:latin typeface="Courier New"/>
+                <a:cs typeface="Courier New"/>
+              </a:rPr>
+              <a:t>}</a:t>
+            </a:r>
+            <a:endParaRPr kumimoji="0" lang="en-US" sz="1400" b="0" i="0" u="none" strike="noStrike" cap="none" normalizeH="0" baseline="0" dirty="0">
+              <a:ln>
+                <a:noFill/>
+              </a:ln>
+              <a:solidFill>
+                <a:schemeClr val="tx1"/>
+              </a:solidFill>
+              <a:effectLst/>
+              <a:latin typeface="Courier New"/>
+              <a:cs typeface="Courier New"/>
+            </a:endParaRPr>
+          </a:p>
+        </p:txBody>
+      </p:sp>
+      <p:sp>
+        <p:nvSpPr>
+          <p:cNvPr id="6" name="Rounded Rectangular Callout 5"/>
+          <p:cNvSpPr/>
+          <p:nvPr/>
+        </p:nvSpPr>
+        <p:spPr bwMode="auto">
+          <a:xfrm>
+            <a:off x="419782" y="4304025"/>
+            <a:ext cx="4994757" cy="1413153"/>
+          </a:xfrm>
+          <a:prstGeom prst="wedgeRoundRectCallout">
+            <a:avLst>
+              <a:gd name="adj1" fmla="val 30600"/>
+              <a:gd name="adj2" fmla="val -235550"/>
+              <a:gd name="adj3" fmla="val 16667"/>
+            </a:avLst>
+          </a:prstGeom>
+          <a:solidFill>
+            <a:srgbClr val="FFFF99"/>
+          </a:solidFill>
+          <a:ln w="9525" cap="flat" cmpd="sng" algn="ctr">
+            <a:noFill/>
+            <a:prstDash val="solid"/>
+            <a:round/>
+            <a:headEnd type="none" w="med" len="med"/>
+            <a:tailEnd type="none" w="med" len="med"/>
+          </a:ln>
+          <a:effectLst/>
+        </p:spPr>
+        <p:txBody>
+          <a:bodyPr vert="horz" wrap="square" lIns="91440" tIns="45720" rIns="91440" bIns="45720" numCol="1" rtlCol="0" anchor="t" anchorCtr="0" compatLnSpc="1">
+            <a:prstTxWarp prst="textNoShape">
+              <a:avLst/>
+            </a:prstTxWarp>
+            <a:spAutoFit/>
+          </a:bodyPr>
+          <a:lstStyle/>
+          <a:p>
+            <a:pPr marL="0" marR="0" indent="0" algn="l" defTabSz="914400" rtl="0" eaLnBrk="1" fontAlgn="base" latinLnBrk="0" hangingPunct="1">
+              <a:lnSpc>
+                <a:spcPct val="100000"/>
+              </a:lnSpc>
+              <a:spcBef>
+                <a:spcPct val="50000"/>
+              </a:spcBef>
+              <a:spcAft>
+                <a:spcPct val="0"/>
+              </a:spcAft>
+              <a:buClrTx/>
+              <a:buSzTx/>
+              <a:buFontTx/>
+              <a:buNone/>
+              <a:tabLst/>
+            </a:pPr>
+            <a:r>
+              <a:rPr lang="en-US" sz="1400" i="0" dirty="0" smtClean="0">
+                <a:latin typeface="Courier New"/>
+                <a:cs typeface="Courier New"/>
+              </a:rPr>
+              <a:t>c</a:t>
+            </a:r>
+            <a:r>
+              <a:rPr kumimoji="0" lang="en-US" sz="1400" b="0" i="0" u="none" strike="noStrike" cap="none" normalizeH="0" baseline="0" dirty="0" smtClean="0">
+                <a:ln>
+                  <a:noFill/>
+                </a:ln>
+                <a:solidFill>
+                  <a:schemeClr val="tx1"/>
+                </a:solidFill>
+                <a:effectLst/>
+                <a:latin typeface="Courier New"/>
+                <a:cs typeface="Courier New"/>
+              </a:rPr>
+              <a:t>omponent </a:t>
+            </a:r>
+            <a:r>
+              <a:rPr lang="en-US" sz="1400" i="0" dirty="0" err="1" smtClean="0">
+                <a:latin typeface="Courier New"/>
+                <a:cs typeface="Courier New"/>
+              </a:rPr>
+              <a:t>Hello_Connector</a:t>
+            </a:r>
+            <a:r>
+              <a:rPr lang="en-US" sz="1400" i="0" dirty="0" smtClean="0">
+                <a:latin typeface="Courier New"/>
+                <a:cs typeface="Courier New"/>
+              </a:rPr>
+              <a:t> {</a:t>
+            </a:r>
+          </a:p>
+          <a:p>
+            <a:pPr marL="0" marR="0" indent="0" algn="l" defTabSz="914400" rtl="0" eaLnBrk="1" fontAlgn="base" latinLnBrk="0" hangingPunct="1">
+              <a:lnSpc>
+                <a:spcPct val="100000"/>
+              </a:lnSpc>
+              <a:spcBef>
+                <a:spcPct val="50000"/>
+              </a:spcBef>
+              <a:spcAft>
+                <a:spcPct val="0"/>
+              </a:spcAft>
+              <a:buClrTx/>
+              <a:buSzTx/>
+              <a:buFontTx/>
+              <a:buNone/>
+              <a:tabLst/>
+            </a:pPr>
+            <a:r>
+              <a:rPr lang="en-US" sz="1400" i="0" dirty="0" smtClean="0">
+                <a:latin typeface="Courier New"/>
+                <a:cs typeface="Courier New"/>
+              </a:rPr>
+              <a:t>  provides </a:t>
+            </a:r>
+            <a:r>
+              <a:rPr lang="en-US" sz="1400" i="0" dirty="0" err="1" smtClean="0">
+                <a:latin typeface="Courier New"/>
+                <a:cs typeface="Courier New"/>
+              </a:rPr>
+              <a:t>DDS_Write</a:t>
+            </a:r>
+            <a:r>
+              <a:rPr lang="en-US" sz="1400" i="0" dirty="0" smtClean="0">
+                <a:latin typeface="Courier New"/>
+                <a:cs typeface="Courier New"/>
+              </a:rPr>
+              <a:t>&lt;string&gt; </a:t>
+            </a:r>
+            <a:r>
+              <a:rPr lang="en-US" sz="1400" i="0" dirty="0" err="1" smtClean="0">
+                <a:latin typeface="Courier New"/>
+                <a:cs typeface="Courier New"/>
+              </a:rPr>
+              <a:t>in_msg</a:t>
+            </a:r>
+            <a:r>
+              <a:rPr lang="en-US" sz="1400" i="0" dirty="0" smtClean="0">
+                <a:latin typeface="Courier New"/>
+                <a:cs typeface="Courier New"/>
+              </a:rPr>
+              <a:t>;</a:t>
+            </a:r>
+          </a:p>
+          <a:p>
+            <a:pPr marL="0" marR="0" indent="0" algn="l" defTabSz="914400" rtl="0" eaLnBrk="1" fontAlgn="base" latinLnBrk="0" hangingPunct="1">
+              <a:lnSpc>
+                <a:spcPct val="100000"/>
+              </a:lnSpc>
+              <a:spcBef>
+                <a:spcPct val="50000"/>
+              </a:spcBef>
+              <a:spcAft>
+                <a:spcPct val="0"/>
+              </a:spcAft>
+              <a:buClrTx/>
+              <a:buSzTx/>
+              <a:buFontTx/>
+              <a:buNone/>
+              <a:tabLst/>
+            </a:pPr>
+            <a:r>
+              <a:rPr kumimoji="0" lang="en-US" sz="1400" b="0" i="0" u="none" strike="noStrike" cap="none" normalizeH="0" baseline="0" dirty="0" smtClean="0">
+                <a:ln>
+                  <a:noFill/>
+                </a:ln>
+                <a:solidFill>
+                  <a:schemeClr val="tx1"/>
+                </a:solidFill>
+                <a:effectLst/>
+                <a:latin typeface="Courier New"/>
+                <a:cs typeface="Courier New"/>
+              </a:rPr>
+              <a:t>  provides </a:t>
+            </a:r>
+            <a:r>
+              <a:rPr kumimoji="0" lang="en-US" sz="1400" b="0" i="0" u="none" strike="noStrike" cap="none" normalizeH="0" baseline="0" dirty="0" err="1" smtClean="0">
+                <a:ln>
+                  <a:noFill/>
+                </a:ln>
+                <a:solidFill>
+                  <a:schemeClr val="tx1"/>
+                </a:solidFill>
+                <a:effectLst/>
+                <a:latin typeface="Courier New"/>
+                <a:cs typeface="Courier New"/>
+              </a:rPr>
+              <a:t>DDS_RawListen</a:t>
+            </a:r>
+            <a:r>
+              <a:rPr kumimoji="0" lang="en-US" sz="1400" b="0" i="0" u="none" strike="noStrike" cap="none" normalizeH="0" baseline="0" dirty="0" smtClean="0">
+                <a:ln>
+                  <a:noFill/>
+                </a:ln>
+                <a:solidFill>
+                  <a:schemeClr val="tx1"/>
+                </a:solidFill>
+                <a:effectLst/>
+                <a:latin typeface="Courier New"/>
+                <a:cs typeface="Courier New"/>
+              </a:rPr>
+              <a:t>&lt;string&gt; </a:t>
+            </a:r>
+            <a:r>
+              <a:rPr lang="en-US" sz="1400" i="0" dirty="0" err="1" smtClean="0">
+                <a:latin typeface="Courier New"/>
+                <a:cs typeface="Courier New"/>
+              </a:rPr>
+              <a:t>out</a:t>
+            </a:r>
+            <a:r>
+              <a:rPr kumimoji="0" lang="en-US" sz="1400" b="0" i="0" u="none" strike="noStrike" cap="none" normalizeH="0" baseline="0" dirty="0" err="1" smtClean="0">
+                <a:ln>
+                  <a:noFill/>
+                </a:ln>
+                <a:solidFill>
+                  <a:schemeClr val="tx1"/>
+                </a:solidFill>
+                <a:effectLst/>
+                <a:latin typeface="Courier New"/>
+                <a:cs typeface="Courier New"/>
+              </a:rPr>
+              <a:t>_msg</a:t>
+            </a:r>
+            <a:r>
+              <a:rPr kumimoji="0" lang="en-US" sz="1400" b="0" i="0" u="none" strike="noStrike" cap="none" normalizeH="0" baseline="0" dirty="0" smtClean="0">
+                <a:ln>
+                  <a:noFill/>
+                </a:ln>
+                <a:solidFill>
+                  <a:schemeClr val="tx1"/>
+                </a:solidFill>
+                <a:effectLst/>
+                <a:latin typeface="Courier New"/>
+                <a:cs typeface="Courier New"/>
+              </a:rPr>
+              <a:t>;</a:t>
+            </a:r>
+          </a:p>
+          <a:p>
+            <a:pPr marL="0" marR="0" indent="0" algn="l" defTabSz="914400" rtl="0" eaLnBrk="1" fontAlgn="base" latinLnBrk="0" hangingPunct="1">
+              <a:lnSpc>
+                <a:spcPct val="100000"/>
+              </a:lnSpc>
+              <a:spcBef>
+                <a:spcPct val="50000"/>
+              </a:spcBef>
+              <a:spcAft>
+                <a:spcPct val="0"/>
+              </a:spcAft>
+              <a:buClrTx/>
+              <a:buSzTx/>
+              <a:buFontTx/>
+              <a:buNone/>
+              <a:tabLst/>
+            </a:pPr>
+            <a:r>
+              <a:rPr lang="en-US" sz="1400" i="0" dirty="0" smtClean="0">
+                <a:latin typeface="Courier New"/>
+                <a:cs typeface="Courier New"/>
+              </a:rPr>
+              <a:t>}</a:t>
+            </a:r>
+            <a:endParaRPr kumimoji="0" lang="en-US" sz="1400" b="0" i="0" u="none" strike="noStrike" cap="none" normalizeH="0" baseline="0" dirty="0">
+              <a:ln>
+                <a:noFill/>
+              </a:ln>
+              <a:solidFill>
+                <a:schemeClr val="tx1"/>
+              </a:solidFill>
+              <a:effectLst/>
+              <a:latin typeface="Courier New"/>
+              <a:cs typeface="Courier New"/>
+            </a:endParaRPr>
+          </a:p>
+        </p:txBody>
+      </p:sp>
+      <p:sp>
+        <p:nvSpPr>
+          <p:cNvPr id="8" name="Rectangle 7"/>
+          <p:cNvSpPr/>
+          <p:nvPr/>
+        </p:nvSpPr>
+        <p:spPr bwMode="auto">
+          <a:xfrm>
+            <a:off x="440755" y="5842815"/>
+            <a:ext cx="8267733" cy="830997"/>
+          </a:xfrm>
+          <a:prstGeom prst="rect">
+            <a:avLst/>
+          </a:prstGeom>
+          <a:solidFill>
+            <a:srgbClr val="FFFF99"/>
+          </a:solidFill>
+          <a:ln w="9525" cap="flat" cmpd="sng" algn="ctr">
+            <a:solidFill>
+              <a:schemeClr val="tx1"/>
+            </a:solidFill>
+            <a:prstDash val="solid"/>
+            <a:round/>
+            <a:headEnd type="none" w="med" len="med"/>
+            <a:tailEnd type="none" w="med" len="med"/>
+          </a:ln>
+          <a:effectLst/>
+        </p:spPr>
+        <p:txBody>
+          <a:bodyPr vert="horz" wrap="square" lIns="91440" tIns="45720" rIns="91440" bIns="45720" numCol="1" rtlCol="0" anchor="t" anchorCtr="0" compatLnSpc="1">
+            <a:prstTxWarp prst="textNoShape">
+              <a:avLst/>
+            </a:prstTxWarp>
+            <a:spAutoFit/>
+          </a:bodyPr>
+          <a:lstStyle/>
+          <a:p>
+            <a:pPr marL="0" marR="0" indent="0" algn="ctr" defTabSz="914400" rtl="0" eaLnBrk="1" fontAlgn="base" latinLnBrk="0" hangingPunct="1">
+              <a:lnSpc>
+                <a:spcPct val="100000"/>
+              </a:lnSpc>
+              <a:spcBef>
+                <a:spcPct val="50000"/>
+              </a:spcBef>
+              <a:spcAft>
+                <a:spcPct val="0"/>
+              </a:spcAft>
+              <a:buClrTx/>
+              <a:buSzTx/>
+              <a:buFontTx/>
+              <a:buNone/>
+              <a:tabLst/>
+            </a:pPr>
+            <a:r>
+              <a:rPr kumimoji="0" lang="en-US" sz="2400" b="1" i="0" u="none" strike="noStrike" cap="none" normalizeH="0" baseline="0" dirty="0" smtClean="0">
+                <a:ln>
+                  <a:noFill/>
+                </a:ln>
+                <a:solidFill>
+                  <a:srgbClr val="FF0000"/>
+                </a:solidFill>
+                <a:effectLst/>
+                <a:latin typeface="Arial" pitchFamily="-65" charset="0"/>
+              </a:rPr>
+              <a:t>We will focus on the implementation</a:t>
+            </a:r>
+            <a:r>
+              <a:rPr kumimoji="0" lang="en-US" sz="2400" b="1" i="0" u="none" strike="noStrike" cap="none" normalizeH="0" dirty="0" smtClean="0">
+                <a:ln>
+                  <a:noFill/>
+                </a:ln>
+                <a:solidFill>
+                  <a:srgbClr val="FF0000"/>
+                </a:solidFill>
+                <a:effectLst/>
+                <a:latin typeface="Arial" pitchFamily="-65" charset="0"/>
+              </a:rPr>
+              <a:t> of the components, not the connector!</a:t>
+            </a:r>
+            <a:endParaRPr kumimoji="0" lang="en-US" sz="2400" b="1" i="0" u="none" strike="noStrike" cap="none" normalizeH="0" baseline="0" dirty="0">
+              <a:ln>
+                <a:noFill/>
+              </a:ln>
+              <a:solidFill>
+                <a:srgbClr val="FF0000"/>
+              </a:solidFill>
+              <a:effectLst/>
+              <a:latin typeface="Arial" pitchFamily="-65" charset="0"/>
+            </a:endParaRPr>
+          </a:p>
+        </p:txBody>
+      </p:sp>
+      <p:cxnSp>
+        <p:nvCxnSpPr>
+          <p:cNvPr id="10" name="Straight Arrow Connector 9"/>
+          <p:cNvCxnSpPr/>
+          <p:nvPr/>
+        </p:nvCxnSpPr>
+        <p:spPr bwMode="auto">
+          <a:xfrm rot="16200000" flipV="1">
+            <a:off x="2757481" y="3481166"/>
+            <a:ext cx="1503890" cy="1024977"/>
+          </a:xfrm>
+          <a:prstGeom prst="straightConnector1">
+            <a:avLst/>
+          </a:prstGeom>
+          <a:noFill/>
+          <a:ln w="19050" cap="flat" cmpd="sng" algn="ctr">
+            <a:solidFill>
+              <a:schemeClr val="tx1"/>
+            </a:solidFill>
+            <a:prstDash val="solid"/>
+            <a:round/>
+            <a:headEnd type="none" w="med" len="med"/>
+            <a:tailEnd type="arrow"/>
+          </a:ln>
+          <a:effectLst/>
+        </p:spPr>
+      </p:cxnSp>
+      <p:cxnSp>
+        <p:nvCxnSpPr>
+          <p:cNvPr id="14" name="Straight Arrow Connector 13"/>
+          <p:cNvCxnSpPr/>
+          <p:nvPr/>
+        </p:nvCxnSpPr>
+        <p:spPr bwMode="auto">
+          <a:xfrm flipV="1">
+            <a:off x="4790645" y="3353109"/>
+            <a:ext cx="3888217" cy="1782385"/>
+          </a:xfrm>
+          <a:prstGeom prst="straightConnector1">
+            <a:avLst/>
+          </a:prstGeom>
+          <a:noFill/>
+          <a:ln w="19050" cap="flat" cmpd="sng" algn="ctr">
+            <a:solidFill>
+              <a:schemeClr val="tx1"/>
+            </a:solidFill>
+            <a:prstDash val="solid"/>
+            <a:round/>
+            <a:headEnd type="none" w="med" len="med"/>
+            <a:tailEnd type="arrow"/>
+          </a:ln>
+          <a:effectLst/>
+        </p:spPr>
+      </p:cxnSp>
+    </p:spTree>
+  </p:cSld>
+  <p:clrMapOvr>
+    <a:masterClrMapping/>
+  </p:clrMapOvr>
+  <p:timing>
+    <p:tnLst>
+      <p:par>
+        <p:cTn id="1" dur="indefinite" restart="never" nodeType="tmRoot">
+          <p:childTnLst>
+            <p:seq concurrent="1" nextAc="seek">
+              <p:cTn id="2" dur="indefinite" nodeType="mainSeq">
+                <p:childTnLst>
+                  <p:par>
+                    <p:cTn id="3" fill="hold">
+                      <p:stCondLst>
+                        <p:cond delay="indefinite"/>
+                      </p:stCondLst>
+                      <p:childTnLst>
+                        <p:par>
+                          <p:cTn id="4" fill="hold">
+                            <p:stCondLst>
+                              <p:cond delay="0"/>
+                            </p:stCondLst>
+                            <p:childTnLst>
+                              <p:par>
+                                <p:cTn id="5" presetID="10" presetClass="entr" presetSubtype="0" fill="hold" grpId="0" nodeType="clickEffect">
+                                  <p:stCondLst>
+                                    <p:cond delay="0"/>
+                                  </p:stCondLst>
+                                  <p:childTnLst>
+                                    <p:set>
+                                      <p:cBhvr>
+                                        <p:cTn id="6" dur="1" fill="hold">
+                                          <p:stCondLst>
+                                            <p:cond delay="0"/>
+                                          </p:stCondLst>
+                                        </p:cTn>
+                                        <p:tgtEl>
+                                          <p:spTgt spid="8"/>
+                                        </p:tgtEl>
+                                        <p:attrNameLst>
+                                          <p:attrName>style.visibility</p:attrName>
+                                        </p:attrNameLst>
+                                      </p:cBhvr>
+                                      <p:to>
+                                        <p:strVal val="visible"/>
+                                      </p:to>
+                                    </p:set>
+                                    <p:animEffect transition="in" filter="fade">
+                                      <p:cBhvr>
+                                        <p:cTn id="7" dur="500"/>
+                                        <p:tgtEl>
+                                          <p:spTgt spid="8"/>
+                                        </p:tgtEl>
+                                      </p:cBhvr>
+                                    </p:animEffect>
+                                  </p:childTnLst>
+                                </p:cTn>
+                              </p:par>
+                            </p:childTnLst>
+                          </p:cTn>
+                        </p:par>
+                      </p:childTnLst>
+                    </p:cTn>
+                  </p:par>
+                </p:childTnLst>
+              </p:cTn>
+              <p:prevCondLst>
+                <p:cond evt="onPrev" delay="0">
+                  <p:tgtEl>
+                    <p:sldTgt/>
+                  </p:tgtEl>
+                </p:cond>
+              </p:prevCondLst>
+              <p:nextCondLst>
+                <p:cond evt="onNext" delay="0">
+                  <p:tgtEl>
+                    <p:sldTgt/>
+                  </p:tgtEl>
+                </p:cond>
+              </p:nextCondLst>
+            </p:seq>
+          </p:childTnLst>
+        </p:cTn>
+      </p:par>
+    </p:tnLst>
+    <p:bldLst>
+      <p:bldP spid="8" grpId="0" animBg="1"/>
+    </p:bldLst>
+  </p:timing>
+</p:sld>
+</file>
+
+<file path=ppt/slides/slide33.xml><?xml version="1.0" encoding="utf-8"?>
+<p:sld xmlns:a="http://schemas.openxmlformats.org/drawingml/2006/main" xmlns:r="http://schemas.openxmlformats.org/officeDocument/2006/relationships" xmlns:mc="http://schemas.openxmlformats.org/markup-compatibility/2006" xmlns:mv="urn:schemas-microsoft-com:mac:vml" xmlns:p="http://schemas.openxmlformats.org/presentationml/2006/main" mc:Ignorable="mv" mc:PreserveAttributes="mv:*">
   <p:cSld>
     <p:spTree>
       <p:nvGrpSpPr>
@@ -17278,8 +19642,8 @@
 </p:sld>
 </file>
 
-<file path=ppt/slides/slide31.xml><?xml version="1.0" encoding="utf-8"?>
-<p:sld xmlns:a="http://schemas.openxmlformats.org/drawingml/2006/main" xmlns:r="http://schemas.openxmlformats.org/officeDocument/2006/relationships" xmlns:p="http://schemas.openxmlformats.org/presentationml/2006/main">
+<file path=ppt/slides/slide34.xml><?xml version="1.0" encoding="utf-8"?>
+<p:sld xmlns:a="http://schemas.openxmlformats.org/drawingml/2006/main" xmlns:r="http://schemas.openxmlformats.org/officeDocument/2006/relationships" xmlns:mc="http://schemas.openxmlformats.org/markup-compatibility/2006" xmlns:mv="urn:schemas-microsoft-com:mac:vml" xmlns:p="http://schemas.openxmlformats.org/presentationml/2006/main" mc:Ignorable="mv" mc:PreserveAttributes="mv:*">
   <p:cSld>
     <p:spTree>
       <p:nvGrpSpPr>
@@ -17580,8 +19944,8 @@
 </p:sld>
 </file>
 
-<file path=ppt/slides/slide32.xml><?xml version="1.0" encoding="utf-8"?>
-<p:sld xmlns:a="http://schemas.openxmlformats.org/drawingml/2006/main" xmlns:r="http://schemas.openxmlformats.org/officeDocument/2006/relationships" xmlns:p="http://schemas.openxmlformats.org/presentationml/2006/main">
+<file path=ppt/slides/slide35.xml><?xml version="1.0" encoding="utf-8"?>
+<p:sld xmlns:a="http://schemas.openxmlformats.org/drawingml/2006/main" xmlns:r="http://schemas.openxmlformats.org/officeDocument/2006/relationships" xmlns:mc="http://schemas.openxmlformats.org/markup-compatibility/2006" xmlns:mv="urn:schemas-microsoft-com:mac:vml" xmlns:p="http://schemas.openxmlformats.org/presentationml/2006/main" mc:Ignorable="mv" mc:PreserveAttributes="mv:*">
   <p:cSld>
     <p:spTree>
       <p:nvGrpSpPr>
@@ -17927,8 +20291,8 @@
 </p:sld>
 </file>
 
-<file path=ppt/slides/slide33.xml><?xml version="1.0" encoding="utf-8"?>
-<p:sld xmlns:a="http://schemas.openxmlformats.org/drawingml/2006/main" xmlns:r="http://schemas.openxmlformats.org/officeDocument/2006/relationships" xmlns:p="http://schemas.openxmlformats.org/presentationml/2006/main">
+<file path=ppt/slides/slide36.xml><?xml version="1.0" encoding="utf-8"?>
+<p:sld xmlns:a="http://schemas.openxmlformats.org/drawingml/2006/main" xmlns:r="http://schemas.openxmlformats.org/officeDocument/2006/relationships" xmlns:mc="http://schemas.openxmlformats.org/markup-compatibility/2006" xmlns:mv="urn:schemas-microsoft-com:mac:vml" xmlns:p="http://schemas.openxmlformats.org/presentationml/2006/main" mc:Ignorable="mv" mc:PreserveAttributes="mv:*">
   <p:cSld>
     <p:spTree>
       <p:nvGrpSpPr>
@@ -18856,8 +21220,8 @@
 </p:sld>
 </file>
 
-<file path=ppt/slides/slide34.xml><?xml version="1.0" encoding="utf-8"?>
-<p:sld xmlns:a="http://schemas.openxmlformats.org/drawingml/2006/main" xmlns:r="http://schemas.openxmlformats.org/officeDocument/2006/relationships" xmlns:p="http://schemas.openxmlformats.org/presentationml/2006/main">
+<file path=ppt/slides/slide37.xml><?xml version="1.0" encoding="utf-8"?>
+<p:sld xmlns:a="http://schemas.openxmlformats.org/drawingml/2006/main" xmlns:r="http://schemas.openxmlformats.org/officeDocument/2006/relationships" xmlns:mc="http://schemas.openxmlformats.org/markup-compatibility/2006" xmlns:mv="urn:schemas-microsoft-com:mac:vml" xmlns:p="http://schemas.openxmlformats.org/presentationml/2006/main" mc:Ignorable="mv" mc:PreserveAttributes="mv:*">
   <p:cSld>
     <p:spTree>
       <p:nvGrpSpPr>
@@ -19198,8 +21562,8 @@
 </p:sld>
 </file>
 
-<file path=ppt/slides/slide35.xml><?xml version="1.0" encoding="utf-8"?>
-<p:sld xmlns:a="http://schemas.openxmlformats.org/drawingml/2006/main" xmlns:r="http://schemas.openxmlformats.org/officeDocument/2006/relationships" xmlns:p="http://schemas.openxmlformats.org/presentationml/2006/main">
+<file path=ppt/slides/slide38.xml><?xml version="1.0" encoding="utf-8"?>
+<p:sld xmlns:a="http://schemas.openxmlformats.org/drawingml/2006/main" xmlns:r="http://schemas.openxmlformats.org/officeDocument/2006/relationships" xmlns:mc="http://schemas.openxmlformats.org/markup-compatibility/2006" xmlns:mv="urn:schemas-microsoft-com:mac:vml" xmlns:p="http://schemas.openxmlformats.org/presentationml/2006/main" mc:Ignorable="mv" mc:PreserveAttributes="mv:*">
   <p:cSld>
     <p:spTree>
       <p:nvGrpSpPr>
@@ -19482,8 +21846,8 @@
 </p:sld>
 </file>
 
-<file path=ppt/slides/slide36.xml><?xml version="1.0" encoding="utf-8"?>
-<p:sld xmlns:a="http://schemas.openxmlformats.org/drawingml/2006/main" xmlns:r="http://schemas.openxmlformats.org/officeDocument/2006/relationships" xmlns:p="http://schemas.openxmlformats.org/presentationml/2006/main">
+<file path=ppt/slides/slide39.xml><?xml version="1.0" encoding="utf-8"?>
+<p:sld xmlns:a="http://schemas.openxmlformats.org/drawingml/2006/main" xmlns:r="http://schemas.openxmlformats.org/officeDocument/2006/relationships" xmlns:mc="http://schemas.openxmlformats.org/markup-compatibility/2006" xmlns:mv="urn:schemas-microsoft-com:mac:vml" xmlns:p="http://schemas.openxmlformats.org/presentationml/2006/main" mc:Ignorable="mv" mc:PreserveAttributes="mv:*">
   <p:cSld>
     <p:spTree>
       <p:nvGrpSpPr>
@@ -20351,8 +22715,301 @@
 </p:sld>
 </file>
 
-<file path=ppt/slides/slide37.xml><?xml version="1.0" encoding="utf-8"?>
-<p:sld xmlns:a="http://schemas.openxmlformats.org/drawingml/2006/main" xmlns:r="http://schemas.openxmlformats.org/officeDocument/2006/relationships" xmlns:p="http://schemas.openxmlformats.org/presentationml/2006/main">
+<file path=ppt/slides/slide4.xml><?xml version="1.0" encoding="utf-8"?>
+<p:sld xmlns:a="http://schemas.openxmlformats.org/drawingml/2006/main" xmlns:r="http://schemas.openxmlformats.org/officeDocument/2006/relationships" xmlns:mc="http://schemas.openxmlformats.org/markup-compatibility/2006" xmlns:mv="urn:schemas-microsoft-com:mac:vml" xmlns:p="http://schemas.openxmlformats.org/presentationml/2006/main" mc:Ignorable="mv" mc:PreserveAttributes="mv:*">
+  <p:cSld>
+    <p:spTree>
+      <p:nvGrpSpPr>
+        <p:cNvPr id="1" name=""/>
+        <p:cNvGrpSpPr/>
+        <p:nvPr/>
+      </p:nvGrpSpPr>
+      <p:grpSpPr>
+        <a:xfrm>
+          <a:off x="0" y="0"/>
+          <a:ext cx="0" cy="0"/>
+          <a:chOff x="0" y="0"/>
+          <a:chExt cx="0" cy="0"/>
+        </a:xfrm>
+      </p:grpSpPr>
+      <p:sp>
+        <p:nvSpPr>
+          <p:cNvPr id="260098" name="Rectangle 2"/>
+          <p:cNvSpPr>
+            <a:spLocks noChangeArrowheads="1"/>
+          </p:cNvSpPr>
+          <p:nvPr/>
+        </p:nvSpPr>
+        <p:spPr bwMode="auto">
+          <a:xfrm>
+            <a:off x="0" y="542925"/>
+            <a:ext cx="9144000" cy="381000"/>
+          </a:xfrm>
+          <a:prstGeom prst="rect">
+            <a:avLst/>
+          </a:prstGeom>
+          <a:noFill/>
+          <a:ln w="9525">
+            <a:noFill/>
+            <a:miter lim="800000"/>
+            <a:headEnd/>
+            <a:tailEnd/>
+          </a:ln>
+        </p:spPr>
+        <p:txBody>
+          <a:bodyPr anchor="ctr">
+            <a:prstTxWarp prst="textNoShape">
+              <a:avLst/>
+            </a:prstTxWarp>
+          </a:bodyPr>
+          <a:lstStyle/>
+          <a:p>
+            <a:pPr algn="ctr">
+              <a:spcBef>
+                <a:spcPct val="0"/>
+              </a:spcBef>
+            </a:pPr>
+            <a:r>
+              <a:rPr lang="en-US" altLang="zh-CN" sz="3200" i="0" dirty="0" smtClean="0">
+                <a:solidFill>
+                  <a:srgbClr val="FF0000"/>
+                </a:solidFill>
+                <a:ea typeface="宋体" pitchFamily="-65" charset="-128"/>
+                <a:cs typeface="宋体" pitchFamily="-65" charset="-128"/>
+              </a:rPr>
+              <a:t>Results iteration 2</a:t>
+            </a:r>
+            <a:endParaRPr lang="en-US" altLang="zh-CN" sz="3200" i="0" dirty="0">
+              <a:solidFill>
+                <a:srgbClr val="FF0000"/>
+              </a:solidFill>
+              <a:ea typeface="宋体" pitchFamily="-65" charset="-128"/>
+              <a:cs typeface="宋体" pitchFamily="-65" charset="-128"/>
+            </a:endParaRPr>
+          </a:p>
+        </p:txBody>
+      </p:sp>
+      <p:sp>
+        <p:nvSpPr>
+          <p:cNvPr id="260099" name="Rectangle 3"/>
+          <p:cNvSpPr>
+            <a:spLocks noChangeArrowheads="1"/>
+          </p:cNvSpPr>
+          <p:nvPr/>
+        </p:nvSpPr>
+        <p:spPr bwMode="auto">
+          <a:xfrm>
+            <a:off x="228600" y="1190625"/>
+            <a:ext cx="8763000" cy="4876800"/>
+          </a:xfrm>
+          <a:prstGeom prst="rect">
+            <a:avLst/>
+          </a:prstGeom>
+          <a:noFill/>
+          <a:ln w="9525">
+            <a:noFill/>
+            <a:miter lim="800000"/>
+            <a:headEnd/>
+            <a:tailEnd/>
+          </a:ln>
+        </p:spPr>
+        <p:txBody>
+          <a:bodyPr>
+            <a:prstTxWarp prst="textNoShape">
+              <a:avLst/>
+            </a:prstTxWarp>
+          </a:bodyPr>
+          <a:lstStyle/>
+          <a:p>
+            <a:pPr marL="169863" indent="-169863">
+              <a:spcBef>
+                <a:spcPct val="40000"/>
+              </a:spcBef>
+              <a:buFontTx/>
+              <a:buChar char="•"/>
+            </a:pPr>
+            <a:endParaRPr lang="en-US" altLang="zh-CN" sz="2000" i="0" dirty="0">
+              <a:ea typeface="宋体" pitchFamily="-65" charset="-128"/>
+              <a:cs typeface="Times New Roman" charset="0"/>
+            </a:endParaRPr>
+          </a:p>
+        </p:txBody>
+      </p:sp>
+      <p:sp>
+        <p:nvSpPr>
+          <p:cNvPr id="260100" name="Rectangle 3"/>
+          <p:cNvSpPr>
+            <a:spLocks noChangeArrowheads="1"/>
+          </p:cNvSpPr>
+          <p:nvPr/>
+        </p:nvSpPr>
+        <p:spPr bwMode="auto">
+          <a:xfrm>
+            <a:off x="0" y="1058429"/>
+            <a:ext cx="8064708" cy="5161396"/>
+          </a:xfrm>
+          <a:prstGeom prst="rect">
+            <a:avLst/>
+          </a:prstGeom>
+          <a:noFill/>
+          <a:ln w="9525">
+            <a:noFill/>
+            <a:miter lim="800000"/>
+            <a:headEnd/>
+            <a:tailEnd/>
+          </a:ln>
+        </p:spPr>
+        <p:txBody>
+          <a:bodyPr>
+            <a:prstTxWarp prst="textNoShape">
+              <a:avLst/>
+            </a:prstTxWarp>
+          </a:bodyPr>
+          <a:lstStyle/>
+          <a:p>
+            <a:pPr marL="169863" indent="-169863">
+              <a:spcBef>
+                <a:spcPct val="40000"/>
+              </a:spcBef>
+              <a:buFontTx/>
+              <a:buChar char="•"/>
+            </a:pPr>
+            <a:r>
+              <a:rPr lang="en-US" altLang="zh-CN" sz="2000" i="0" dirty="0" smtClean="0">
+                <a:ea typeface="宋体" pitchFamily="-65" charset="-128"/>
+                <a:cs typeface="Times New Roman" charset="0"/>
+              </a:rPr>
+              <a:t>DDS4CCM first initial prototype</a:t>
+            </a:r>
+          </a:p>
+          <a:p>
+            <a:pPr marL="169863" indent="-169863">
+              <a:spcBef>
+                <a:spcPct val="40000"/>
+              </a:spcBef>
+              <a:buFontTx/>
+              <a:buChar char="•"/>
+            </a:pPr>
+            <a:r>
+              <a:rPr lang="en-US" altLang="zh-CN" sz="2000" i="0" dirty="0" smtClean="0">
+                <a:ea typeface="宋体" pitchFamily="-65" charset="-128"/>
+                <a:cs typeface="Times New Roman" charset="0"/>
+              </a:rPr>
+              <a:t>Reported a list with issues to the OMG for discussion</a:t>
+            </a:r>
+          </a:p>
+          <a:p>
+            <a:pPr marL="169863" indent="-169863">
+              <a:spcBef>
+                <a:spcPct val="40000"/>
+              </a:spcBef>
+              <a:buFontTx/>
+              <a:buChar char="•"/>
+            </a:pPr>
+            <a:r>
+              <a:rPr lang="en-US" altLang="zh-CN" sz="2000" i="0" dirty="0" smtClean="0">
+                <a:ea typeface="宋体" pitchFamily="-65" charset="-128"/>
+                <a:cs typeface="Times New Roman" charset="0"/>
+              </a:rPr>
+              <a:t>Some issues caused uncertainties for the prototype</a:t>
+            </a:r>
+          </a:p>
+          <a:p>
+            <a:pPr marL="627063" lvl="1" indent="-169863">
+              <a:spcBef>
+                <a:spcPct val="40000"/>
+              </a:spcBef>
+              <a:buFontTx/>
+              <a:buChar char="•"/>
+            </a:pPr>
+            <a:r>
+              <a:rPr lang="en-US" altLang="zh-CN" sz="2000" i="0" dirty="0" smtClean="0">
+                <a:ea typeface="宋体" pitchFamily="-65" charset="-128"/>
+                <a:cs typeface="Times New Roman" charset="0"/>
+              </a:rPr>
+              <a:t>Started IDL3+ implementation in the TAO_IDL front end</a:t>
+            </a:r>
+          </a:p>
+          <a:p>
+            <a:pPr marL="627063" lvl="1" indent="-169863">
+              <a:spcBef>
+                <a:spcPct val="40000"/>
+              </a:spcBef>
+              <a:buFontTx/>
+              <a:buChar char="•"/>
+            </a:pPr>
+            <a:r>
+              <a:rPr lang="en-US" altLang="zh-CN" sz="2000" i="0" dirty="0" smtClean="0">
+                <a:ea typeface="宋体" pitchFamily="-65" charset="-128"/>
+                <a:cs typeface="Times New Roman" charset="0"/>
+              </a:rPr>
+              <a:t>Worked on a first concept of AMI4CCM</a:t>
+            </a:r>
+          </a:p>
+          <a:p>
+            <a:pPr marL="627063" lvl="1" indent="-169863">
+              <a:spcBef>
+                <a:spcPct val="40000"/>
+              </a:spcBef>
+              <a:buFontTx/>
+              <a:buChar char="•"/>
+            </a:pPr>
+            <a:r>
+              <a:rPr lang="en-US" altLang="zh-CN" sz="2000" i="0" dirty="0" smtClean="0">
+                <a:ea typeface="宋体" pitchFamily="-65" charset="-128"/>
+                <a:cs typeface="Times New Roman" charset="0"/>
+              </a:rPr>
+              <a:t>Delayed implementing more DDS ports in the prototype</a:t>
+            </a:r>
+          </a:p>
+          <a:p>
+            <a:pPr marL="627063" lvl="1" indent="-169863">
+              <a:spcBef>
+                <a:spcPct val="40000"/>
+              </a:spcBef>
+              <a:buFontTx/>
+              <a:buChar char="•"/>
+            </a:pPr>
+            <a:r>
+              <a:rPr lang="en-US" altLang="zh-CN" sz="2000" i="0" dirty="0" smtClean="0">
+                <a:ea typeface="宋体" pitchFamily="-65" charset="-128"/>
+                <a:cs typeface="Times New Roman" charset="0"/>
+              </a:rPr>
+              <a:t>Delayed detailed spec compliance check</a:t>
+            </a:r>
+          </a:p>
+          <a:p>
+            <a:pPr marL="169863" indent="-169863">
+              <a:spcBef>
+                <a:spcPct val="40000"/>
+              </a:spcBef>
+              <a:buFontTx/>
+              <a:buChar char="•"/>
+            </a:pPr>
+            <a:endParaRPr lang="en-US" altLang="zh-CN" sz="2000" i="0" dirty="0">
+              <a:ea typeface="宋体" pitchFamily="-65" charset="-128"/>
+              <a:cs typeface="Times New Roman" charset="0"/>
+            </a:endParaRPr>
+          </a:p>
+        </p:txBody>
+      </p:sp>
+    </p:spTree>
+  </p:cSld>
+  <p:clrMapOvr>
+    <a:masterClrMapping/>
+  </p:clrMapOvr>
+  <p:timing>
+    <p:tnLst>
+      <p:par>
+        <p:cTn id="1" dur="indefinite" restart="never" nodeType="tmRoot"/>
+      </p:par>
+    </p:tnLst>
+  </p:timing>
+</p:sld>
+</file>
+
+<file path=ppt/slides/slide40.xml><?xml version="1.0" encoding="utf-8"?>
+<p:sld xmlns:a="http://schemas.openxmlformats.org/drawingml/2006/main" xmlns:r="http://schemas.openxmlformats.org/officeDocument/2006/relationships" xmlns:mc="http://schemas.openxmlformats.org/markup-compatibility/2006" xmlns:mv="urn:schemas-microsoft-com:mac:vml" xmlns:p="http://schemas.openxmlformats.org/presentationml/2006/main" mc:Ignorable="mv" mc:PreserveAttributes="mv:*">
   <p:cSld>
     <p:spTree>
       <p:nvGrpSpPr>
@@ -20933,8 +23590,8 @@
 </p:sld>
 </file>
 
-<file path=ppt/slides/slide38.xml><?xml version="1.0" encoding="utf-8"?>
-<p:sld xmlns:a="http://schemas.openxmlformats.org/drawingml/2006/main" xmlns:r="http://schemas.openxmlformats.org/officeDocument/2006/relationships" xmlns:p="http://schemas.openxmlformats.org/presentationml/2006/main">
+<file path=ppt/slides/slide41.xml><?xml version="1.0" encoding="utf-8"?>
+<p:sld xmlns:a="http://schemas.openxmlformats.org/drawingml/2006/main" xmlns:r="http://schemas.openxmlformats.org/officeDocument/2006/relationships" xmlns:mc="http://schemas.openxmlformats.org/markup-compatibility/2006" xmlns:mv="urn:schemas-microsoft-com:mac:vml" xmlns:p="http://schemas.openxmlformats.org/presentationml/2006/main" mc:Ignorable="mv" mc:PreserveAttributes="mv:*">
   <p:cSld>
     <p:spTree>
       <p:nvGrpSpPr>
@@ -21259,8 +23916,8 @@
 </p:sld>
 </file>
 
-<file path=ppt/slides/slide39.xml><?xml version="1.0" encoding="utf-8"?>
-<p:sld xmlns:a="http://schemas.openxmlformats.org/drawingml/2006/main" xmlns:r="http://schemas.openxmlformats.org/officeDocument/2006/relationships" xmlns:p="http://schemas.openxmlformats.org/presentationml/2006/main">
+<file path=ppt/slides/slide42.xml><?xml version="1.0" encoding="utf-8"?>
+<p:sld xmlns:a="http://schemas.openxmlformats.org/drawingml/2006/main" xmlns:r="http://schemas.openxmlformats.org/officeDocument/2006/relationships" xmlns:mc="http://schemas.openxmlformats.org/markup-compatibility/2006" xmlns:mv="urn:schemas-microsoft-com:mac:vml" xmlns:p="http://schemas.openxmlformats.org/presentationml/2006/main" mc:Ignorable="mv" mc:PreserveAttributes="mv:*">
   <p:cSld>
     <p:spTree>
       <p:nvGrpSpPr>
@@ -21303,7 +23960,7 @@
             <a:fld id="{5CB601B8-8FA2-AE48-A3A2-26C7472E0B50}" type="slidenum">
               <a:rPr lang="zh-CN" altLang="en-US"/>
               <a:pPr/>
-              <a:t>39</a:t>
+              <a:t>42</a:t>
             </a:fld>
             <a:endParaRPr lang="en-US" altLang="zh-CN"/>
           </a:p>
@@ -21382,301 +24039,8 @@
 </p:sld>
 </file>
 
-<file path=ppt/slides/slide4.xml><?xml version="1.0" encoding="utf-8"?>
-<p:sld xmlns:a="http://schemas.openxmlformats.org/drawingml/2006/main" xmlns:r="http://schemas.openxmlformats.org/officeDocument/2006/relationships" xmlns:p="http://schemas.openxmlformats.org/presentationml/2006/main">
-  <p:cSld>
-    <p:spTree>
-      <p:nvGrpSpPr>
-        <p:cNvPr id="1" name=""/>
-        <p:cNvGrpSpPr/>
-        <p:nvPr/>
-      </p:nvGrpSpPr>
-      <p:grpSpPr>
-        <a:xfrm>
-          <a:off x="0" y="0"/>
-          <a:ext cx="0" cy="0"/>
-          <a:chOff x="0" y="0"/>
-          <a:chExt cx="0" cy="0"/>
-        </a:xfrm>
-      </p:grpSpPr>
-      <p:sp>
-        <p:nvSpPr>
-          <p:cNvPr id="260098" name="Rectangle 2"/>
-          <p:cNvSpPr>
-            <a:spLocks noChangeArrowheads="1"/>
-          </p:cNvSpPr>
-          <p:nvPr/>
-        </p:nvSpPr>
-        <p:spPr bwMode="auto">
-          <a:xfrm>
-            <a:off x="0" y="542925"/>
-            <a:ext cx="9144000" cy="381000"/>
-          </a:xfrm>
-          <a:prstGeom prst="rect">
-            <a:avLst/>
-          </a:prstGeom>
-          <a:noFill/>
-          <a:ln w="9525">
-            <a:noFill/>
-            <a:miter lim="800000"/>
-            <a:headEnd/>
-            <a:tailEnd/>
-          </a:ln>
-        </p:spPr>
-        <p:txBody>
-          <a:bodyPr anchor="ctr">
-            <a:prstTxWarp prst="textNoShape">
-              <a:avLst/>
-            </a:prstTxWarp>
-          </a:bodyPr>
-          <a:lstStyle/>
-          <a:p>
-            <a:pPr algn="ctr">
-              <a:spcBef>
-                <a:spcPct val="0"/>
-              </a:spcBef>
-            </a:pPr>
-            <a:r>
-              <a:rPr lang="en-US" altLang="zh-CN" sz="3200" i="0" dirty="0" smtClean="0">
-                <a:solidFill>
-                  <a:srgbClr val="FF0000"/>
-                </a:solidFill>
-                <a:ea typeface="宋体" pitchFamily="-65" charset="-128"/>
-                <a:cs typeface="宋体" pitchFamily="-65" charset="-128"/>
-              </a:rPr>
-              <a:t>Results iteration 2</a:t>
-            </a:r>
-            <a:endParaRPr lang="en-US" altLang="zh-CN" sz="3200" i="0" dirty="0">
-              <a:solidFill>
-                <a:srgbClr val="FF0000"/>
-              </a:solidFill>
-              <a:ea typeface="宋体" pitchFamily="-65" charset="-128"/>
-              <a:cs typeface="宋体" pitchFamily="-65" charset="-128"/>
-            </a:endParaRPr>
-          </a:p>
-        </p:txBody>
-      </p:sp>
-      <p:sp>
-        <p:nvSpPr>
-          <p:cNvPr id="260099" name="Rectangle 3"/>
-          <p:cNvSpPr>
-            <a:spLocks noChangeArrowheads="1"/>
-          </p:cNvSpPr>
-          <p:nvPr/>
-        </p:nvSpPr>
-        <p:spPr bwMode="auto">
-          <a:xfrm>
-            <a:off x="228600" y="1190625"/>
-            <a:ext cx="8763000" cy="4876800"/>
-          </a:xfrm>
-          <a:prstGeom prst="rect">
-            <a:avLst/>
-          </a:prstGeom>
-          <a:noFill/>
-          <a:ln w="9525">
-            <a:noFill/>
-            <a:miter lim="800000"/>
-            <a:headEnd/>
-            <a:tailEnd/>
-          </a:ln>
-        </p:spPr>
-        <p:txBody>
-          <a:bodyPr>
-            <a:prstTxWarp prst="textNoShape">
-              <a:avLst/>
-            </a:prstTxWarp>
-          </a:bodyPr>
-          <a:lstStyle/>
-          <a:p>
-            <a:pPr marL="169863" indent="-169863">
-              <a:spcBef>
-                <a:spcPct val="40000"/>
-              </a:spcBef>
-              <a:buFontTx/>
-              <a:buChar char="•"/>
-            </a:pPr>
-            <a:endParaRPr lang="en-US" altLang="zh-CN" sz="2000" i="0" dirty="0">
-              <a:ea typeface="宋体" pitchFamily="-65" charset="-128"/>
-              <a:cs typeface="Times New Roman" charset="0"/>
-            </a:endParaRPr>
-          </a:p>
-        </p:txBody>
-      </p:sp>
-      <p:sp>
-        <p:nvSpPr>
-          <p:cNvPr id="260100" name="Rectangle 3"/>
-          <p:cNvSpPr>
-            <a:spLocks noChangeArrowheads="1"/>
-          </p:cNvSpPr>
-          <p:nvPr/>
-        </p:nvSpPr>
-        <p:spPr bwMode="auto">
-          <a:xfrm>
-            <a:off x="0" y="1058429"/>
-            <a:ext cx="8064708" cy="5161396"/>
-          </a:xfrm>
-          <a:prstGeom prst="rect">
-            <a:avLst/>
-          </a:prstGeom>
-          <a:noFill/>
-          <a:ln w="9525">
-            <a:noFill/>
-            <a:miter lim="800000"/>
-            <a:headEnd/>
-            <a:tailEnd/>
-          </a:ln>
-        </p:spPr>
-        <p:txBody>
-          <a:bodyPr>
-            <a:prstTxWarp prst="textNoShape">
-              <a:avLst/>
-            </a:prstTxWarp>
-          </a:bodyPr>
-          <a:lstStyle/>
-          <a:p>
-            <a:pPr marL="169863" indent="-169863">
-              <a:spcBef>
-                <a:spcPct val="40000"/>
-              </a:spcBef>
-              <a:buFontTx/>
-              <a:buChar char="•"/>
-            </a:pPr>
-            <a:r>
-              <a:rPr lang="en-US" altLang="zh-CN" sz="2000" i="0" dirty="0" smtClean="0">
-                <a:ea typeface="宋体" pitchFamily="-65" charset="-128"/>
-                <a:cs typeface="Times New Roman" charset="0"/>
-              </a:rPr>
-              <a:t>DDS4CCM first initial prototype</a:t>
-            </a:r>
-          </a:p>
-          <a:p>
-            <a:pPr marL="169863" indent="-169863">
-              <a:spcBef>
-                <a:spcPct val="40000"/>
-              </a:spcBef>
-              <a:buFontTx/>
-              <a:buChar char="•"/>
-            </a:pPr>
-            <a:r>
-              <a:rPr lang="en-US" altLang="zh-CN" sz="2000" i="0" dirty="0" smtClean="0">
-                <a:ea typeface="宋体" pitchFamily="-65" charset="-128"/>
-                <a:cs typeface="Times New Roman" charset="0"/>
-              </a:rPr>
-              <a:t>Reported a list with issues to the OMG for discussion</a:t>
-            </a:r>
-          </a:p>
-          <a:p>
-            <a:pPr marL="169863" indent="-169863">
-              <a:spcBef>
-                <a:spcPct val="40000"/>
-              </a:spcBef>
-              <a:buFontTx/>
-              <a:buChar char="•"/>
-            </a:pPr>
-            <a:r>
-              <a:rPr lang="en-US" altLang="zh-CN" sz="2000" i="0" dirty="0" smtClean="0">
-                <a:ea typeface="宋体" pitchFamily="-65" charset="-128"/>
-                <a:cs typeface="Times New Roman" charset="0"/>
-              </a:rPr>
-              <a:t>Some issues caused uncertainties for the prototype</a:t>
-            </a:r>
-          </a:p>
-          <a:p>
-            <a:pPr marL="627063" lvl="1" indent="-169863">
-              <a:spcBef>
-                <a:spcPct val="40000"/>
-              </a:spcBef>
-              <a:buFontTx/>
-              <a:buChar char="•"/>
-            </a:pPr>
-            <a:r>
-              <a:rPr lang="en-US" altLang="zh-CN" sz="2000" i="0" dirty="0" smtClean="0">
-                <a:ea typeface="宋体" pitchFamily="-65" charset="-128"/>
-                <a:cs typeface="Times New Roman" charset="0"/>
-              </a:rPr>
-              <a:t>Started IDL3+ implementation in the TAO_IDL front end</a:t>
-            </a:r>
-          </a:p>
-          <a:p>
-            <a:pPr marL="627063" lvl="1" indent="-169863">
-              <a:spcBef>
-                <a:spcPct val="40000"/>
-              </a:spcBef>
-              <a:buFontTx/>
-              <a:buChar char="•"/>
-            </a:pPr>
-            <a:r>
-              <a:rPr lang="en-US" altLang="zh-CN" sz="2000" i="0" dirty="0" smtClean="0">
-                <a:ea typeface="宋体" pitchFamily="-65" charset="-128"/>
-                <a:cs typeface="Times New Roman" charset="0"/>
-              </a:rPr>
-              <a:t>Worked on a first concept of AMI4CCM</a:t>
-            </a:r>
-          </a:p>
-          <a:p>
-            <a:pPr marL="627063" lvl="1" indent="-169863">
-              <a:spcBef>
-                <a:spcPct val="40000"/>
-              </a:spcBef>
-              <a:buFontTx/>
-              <a:buChar char="•"/>
-            </a:pPr>
-            <a:r>
-              <a:rPr lang="en-US" altLang="zh-CN" sz="2000" i="0" dirty="0" smtClean="0">
-                <a:ea typeface="宋体" pitchFamily="-65" charset="-128"/>
-                <a:cs typeface="Times New Roman" charset="0"/>
-              </a:rPr>
-              <a:t>Delayed implementing more DDS ports in the prototype</a:t>
-            </a:r>
-          </a:p>
-          <a:p>
-            <a:pPr marL="627063" lvl="1" indent="-169863">
-              <a:spcBef>
-                <a:spcPct val="40000"/>
-              </a:spcBef>
-              <a:buFontTx/>
-              <a:buChar char="•"/>
-            </a:pPr>
-            <a:r>
-              <a:rPr lang="en-US" altLang="zh-CN" sz="2000" i="0" dirty="0" smtClean="0">
-                <a:ea typeface="宋体" pitchFamily="-65" charset="-128"/>
-                <a:cs typeface="Times New Roman" charset="0"/>
-              </a:rPr>
-              <a:t>Delayed detailed spec compliance check</a:t>
-            </a:r>
-          </a:p>
-          <a:p>
-            <a:pPr marL="169863" indent="-169863">
-              <a:spcBef>
-                <a:spcPct val="40000"/>
-              </a:spcBef>
-              <a:buFontTx/>
-              <a:buChar char="•"/>
-            </a:pPr>
-            <a:endParaRPr lang="en-US" altLang="zh-CN" sz="2000" i="0" dirty="0">
-              <a:ea typeface="宋体" pitchFamily="-65" charset="-128"/>
-              <a:cs typeface="Times New Roman" charset="0"/>
-            </a:endParaRPr>
-          </a:p>
-        </p:txBody>
-      </p:sp>
-    </p:spTree>
-  </p:cSld>
-  <p:clrMapOvr>
-    <a:masterClrMapping/>
-  </p:clrMapOvr>
-  <p:timing>
-    <p:tnLst>
-      <p:par>
-        <p:cTn id="1" dur="indefinite" restart="never" nodeType="tmRoot"/>
-      </p:par>
-    </p:tnLst>
-  </p:timing>
-</p:sld>
-</file>
-
-<file path=ppt/slides/slide40.xml><?xml version="1.0" encoding="utf-8"?>
-<p:sld xmlns:a="http://schemas.openxmlformats.org/drawingml/2006/main" xmlns:r="http://schemas.openxmlformats.org/officeDocument/2006/relationships" xmlns:p="http://schemas.openxmlformats.org/presentationml/2006/main">
+<file path=ppt/slides/slide43.xml><?xml version="1.0" encoding="utf-8"?>
+<p:sld xmlns:a="http://schemas.openxmlformats.org/drawingml/2006/main" xmlns:r="http://schemas.openxmlformats.org/officeDocument/2006/relationships" xmlns:mc="http://schemas.openxmlformats.org/markup-compatibility/2006" xmlns:mv="urn:schemas-microsoft-com:mac:vml" xmlns:p="http://schemas.openxmlformats.org/presentationml/2006/main" mc:Ignorable="mv" mc:PreserveAttributes="mv:*">
   <p:cSld>
     <p:spTree>
       <p:nvGrpSpPr>
@@ -21913,8 +24277,8 @@
 </p:sld>
 </file>
 
-<file path=ppt/slides/slide41.xml><?xml version="1.0" encoding="utf-8"?>
-<p:sld xmlns:a="http://schemas.openxmlformats.org/drawingml/2006/main" xmlns:r="http://schemas.openxmlformats.org/officeDocument/2006/relationships" xmlns:p="http://schemas.openxmlformats.org/presentationml/2006/main">
+<file path=ppt/slides/slide44.xml><?xml version="1.0" encoding="utf-8"?>
+<p:sld xmlns:a="http://schemas.openxmlformats.org/drawingml/2006/main" xmlns:r="http://schemas.openxmlformats.org/officeDocument/2006/relationships" xmlns:mc="http://schemas.openxmlformats.org/markup-compatibility/2006" xmlns:mv="urn:schemas-microsoft-com:mac:vml" xmlns:p="http://schemas.openxmlformats.org/presentationml/2006/main" mc:Ignorable="mv" mc:PreserveAttributes="mv:*">
   <p:cSld>
     <p:spTree>
       <p:nvGrpSpPr>
@@ -22154,8 +24518,8 @@
 </p:sld>
 </file>
 
-<file path=ppt/slides/slide42.xml><?xml version="1.0" encoding="utf-8"?>
-<p:sld xmlns:a="http://schemas.openxmlformats.org/drawingml/2006/main" xmlns:r="http://schemas.openxmlformats.org/officeDocument/2006/relationships" xmlns:p="http://schemas.openxmlformats.org/presentationml/2006/main">
+<file path=ppt/slides/slide45.xml><?xml version="1.0" encoding="utf-8"?>
+<p:sld xmlns:a="http://schemas.openxmlformats.org/drawingml/2006/main" xmlns:r="http://schemas.openxmlformats.org/officeDocument/2006/relationships" xmlns:mc="http://schemas.openxmlformats.org/markup-compatibility/2006" xmlns:mv="urn:schemas-microsoft-com:mac:vml" xmlns:p="http://schemas.openxmlformats.org/presentationml/2006/main" mc:Ignorable="mv" mc:PreserveAttributes="mv:*">
   <p:cSld>
     <p:spTree>
       <p:nvGrpSpPr>
@@ -22360,8 +24724,8 @@
 </p:sld>
 </file>
 
-<file path=ppt/slides/slide43.xml><?xml version="1.0" encoding="utf-8"?>
-<p:sld xmlns:a="http://schemas.openxmlformats.org/drawingml/2006/main" xmlns:r="http://schemas.openxmlformats.org/officeDocument/2006/relationships" xmlns:p="http://schemas.openxmlformats.org/presentationml/2006/main">
+<file path=ppt/slides/slide46.xml><?xml version="1.0" encoding="utf-8"?>
+<p:sld xmlns:a="http://schemas.openxmlformats.org/drawingml/2006/main" xmlns:r="http://schemas.openxmlformats.org/officeDocument/2006/relationships" xmlns:mc="http://schemas.openxmlformats.org/markup-compatibility/2006" xmlns:mv="urn:schemas-microsoft-com:mac:vml" xmlns:p="http://schemas.openxmlformats.org/presentationml/2006/main" mc:Ignorable="mv" mc:PreserveAttributes="mv:*">
   <p:cSld>
     <p:spTree>
       <p:nvGrpSpPr>
@@ -22683,8 +25047,8 @@
 </p:sld>
 </file>
 
-<file path=ppt/slides/slide44.xml><?xml version="1.0" encoding="utf-8"?>
-<p:sld xmlns:a="http://schemas.openxmlformats.org/drawingml/2006/main" xmlns:r="http://schemas.openxmlformats.org/officeDocument/2006/relationships" xmlns:p="http://schemas.openxmlformats.org/presentationml/2006/main">
+<file path=ppt/slides/slide47.xml><?xml version="1.0" encoding="utf-8"?>
+<p:sld xmlns:a="http://schemas.openxmlformats.org/drawingml/2006/main" xmlns:r="http://schemas.openxmlformats.org/officeDocument/2006/relationships" xmlns:mc="http://schemas.openxmlformats.org/markup-compatibility/2006" xmlns:mv="urn:schemas-microsoft-com:mac:vml" xmlns:p="http://schemas.openxmlformats.org/presentationml/2006/main" mc:Ignorable="mv" mc:PreserveAttributes="mv:*">
   <p:cSld>
     <p:spTree>
       <p:nvGrpSpPr>
@@ -22916,8 +25280,8 @@
 </p:sld>
 </file>
 
-<file path=ppt/slides/slide45.xml><?xml version="1.0" encoding="utf-8"?>
-<p:sld xmlns:a="http://schemas.openxmlformats.org/drawingml/2006/main" xmlns:r="http://schemas.openxmlformats.org/officeDocument/2006/relationships" xmlns:p="http://schemas.openxmlformats.org/presentationml/2006/main">
+<file path=ppt/slides/slide48.xml><?xml version="1.0" encoding="utf-8"?>
+<p:sld xmlns:a="http://schemas.openxmlformats.org/drawingml/2006/main" xmlns:r="http://schemas.openxmlformats.org/officeDocument/2006/relationships" xmlns:mc="http://schemas.openxmlformats.org/markup-compatibility/2006" xmlns:mv="urn:schemas-microsoft-com:mac:vml" xmlns:p="http://schemas.openxmlformats.org/presentationml/2006/main" mc:Ignorable="mv" mc:PreserveAttributes="mv:*">
   <p:cSld>
     <p:spTree>
       <p:nvGrpSpPr>
@@ -23226,8 +25590,8 @@
 </p:sld>
 </file>
 
-<file path=ppt/slides/slide46.xml><?xml version="1.0" encoding="utf-8"?>
-<p:sld xmlns:a="http://schemas.openxmlformats.org/drawingml/2006/main" xmlns:r="http://schemas.openxmlformats.org/officeDocument/2006/relationships" xmlns:p="http://schemas.openxmlformats.org/presentationml/2006/main">
+<file path=ppt/slides/slide49.xml><?xml version="1.0" encoding="utf-8"?>
+<p:sld xmlns:a="http://schemas.openxmlformats.org/drawingml/2006/main" xmlns:r="http://schemas.openxmlformats.org/officeDocument/2006/relationships" xmlns:mc="http://schemas.openxmlformats.org/markup-compatibility/2006" xmlns:mv="urn:schemas-microsoft-com:mac:vml" xmlns:p="http://schemas.openxmlformats.org/presentationml/2006/main" mc:Ignorable="mv" mc:PreserveAttributes="mv:*">
   <p:cSld>
     <p:spTree>
       <p:nvGrpSpPr>
@@ -23513,8 +25877,274 @@
 </p:sld>
 </file>
 
-<file path=ppt/slides/slide47.xml><?xml version="1.0" encoding="utf-8"?>
-<p:sld xmlns:a="http://schemas.openxmlformats.org/drawingml/2006/main" xmlns:r="http://schemas.openxmlformats.org/officeDocument/2006/relationships" xmlns:p="http://schemas.openxmlformats.org/presentationml/2006/main">
+<file path=ppt/slides/slide5.xml><?xml version="1.0" encoding="utf-8"?>
+<p:sld xmlns:a="http://schemas.openxmlformats.org/drawingml/2006/main" xmlns:r="http://schemas.openxmlformats.org/officeDocument/2006/relationships" xmlns:mc="http://schemas.openxmlformats.org/markup-compatibility/2006" xmlns:mv="urn:schemas-microsoft-com:mac:vml" xmlns:p="http://schemas.openxmlformats.org/presentationml/2006/main" mc:Ignorable="mv" mc:PreserveAttributes="mv:*">
+  <p:cSld>
+    <p:spTree>
+      <p:nvGrpSpPr>
+        <p:cNvPr id="1" name=""/>
+        <p:cNvGrpSpPr/>
+        <p:nvPr/>
+      </p:nvGrpSpPr>
+      <p:grpSpPr>
+        <a:xfrm>
+          <a:off x="0" y="0"/>
+          <a:ext cx="0" cy="0"/>
+          <a:chOff x="0" y="0"/>
+          <a:chExt cx="0" cy="0"/>
+        </a:xfrm>
+      </p:grpSpPr>
+      <p:sp>
+        <p:nvSpPr>
+          <p:cNvPr id="260098" name="Rectangle 2"/>
+          <p:cNvSpPr>
+            <a:spLocks noChangeArrowheads="1"/>
+          </p:cNvSpPr>
+          <p:nvPr/>
+        </p:nvSpPr>
+        <p:spPr bwMode="auto">
+          <a:xfrm>
+            <a:off x="0" y="542925"/>
+            <a:ext cx="9144000" cy="381000"/>
+          </a:xfrm>
+          <a:prstGeom prst="rect">
+            <a:avLst/>
+          </a:prstGeom>
+          <a:noFill/>
+          <a:ln w="9525">
+            <a:noFill/>
+            <a:miter lim="800000"/>
+            <a:headEnd/>
+            <a:tailEnd/>
+          </a:ln>
+        </p:spPr>
+        <p:txBody>
+          <a:bodyPr anchor="ctr">
+            <a:prstTxWarp prst="textNoShape">
+              <a:avLst/>
+            </a:prstTxWarp>
+          </a:bodyPr>
+          <a:lstStyle/>
+          <a:p>
+            <a:pPr algn="ctr">
+              <a:spcBef>
+                <a:spcPct val="0"/>
+              </a:spcBef>
+            </a:pPr>
+            <a:r>
+              <a:rPr lang="en-US" altLang="zh-CN" sz="3200" i="0" dirty="0" smtClean="0">
+                <a:solidFill>
+                  <a:srgbClr val="FF0000"/>
+                </a:solidFill>
+                <a:ea typeface="宋体" pitchFamily="-65" charset="-128"/>
+                <a:cs typeface="宋体" pitchFamily="-65" charset="-128"/>
+              </a:rPr>
+              <a:t>Iteration 3</a:t>
+            </a:r>
+            <a:endParaRPr lang="en-US" altLang="zh-CN" sz="3200" i="0" dirty="0">
+              <a:solidFill>
+                <a:srgbClr val="FF0000"/>
+              </a:solidFill>
+              <a:ea typeface="宋体" pitchFamily="-65" charset="-128"/>
+              <a:cs typeface="宋体" pitchFamily="-65" charset="-128"/>
+            </a:endParaRPr>
+          </a:p>
+        </p:txBody>
+      </p:sp>
+      <p:sp>
+        <p:nvSpPr>
+          <p:cNvPr id="260099" name="Rectangle 3"/>
+          <p:cNvSpPr>
+            <a:spLocks noChangeArrowheads="1"/>
+          </p:cNvSpPr>
+          <p:nvPr/>
+        </p:nvSpPr>
+        <p:spPr bwMode="auto">
+          <a:xfrm>
+            <a:off x="228600" y="1190625"/>
+            <a:ext cx="8763000" cy="4876800"/>
+          </a:xfrm>
+          <a:prstGeom prst="rect">
+            <a:avLst/>
+          </a:prstGeom>
+          <a:noFill/>
+          <a:ln w="9525">
+            <a:noFill/>
+            <a:miter lim="800000"/>
+            <a:headEnd/>
+            <a:tailEnd/>
+          </a:ln>
+        </p:spPr>
+        <p:txBody>
+          <a:bodyPr>
+            <a:prstTxWarp prst="textNoShape">
+              <a:avLst/>
+            </a:prstTxWarp>
+          </a:bodyPr>
+          <a:lstStyle/>
+          <a:p>
+            <a:pPr marL="169863" indent="-169863">
+              <a:spcBef>
+                <a:spcPct val="40000"/>
+              </a:spcBef>
+              <a:buFontTx/>
+              <a:buChar char="•"/>
+            </a:pPr>
+            <a:endParaRPr lang="en-US" altLang="zh-CN" sz="2000" i="0" dirty="0">
+              <a:ea typeface="宋体" pitchFamily="-65" charset="-128"/>
+              <a:cs typeface="Times New Roman" charset="0"/>
+            </a:endParaRPr>
+          </a:p>
+        </p:txBody>
+      </p:sp>
+      <p:sp>
+        <p:nvSpPr>
+          <p:cNvPr id="260100" name="Rectangle 3"/>
+          <p:cNvSpPr>
+            <a:spLocks noChangeArrowheads="1"/>
+          </p:cNvSpPr>
+          <p:nvPr/>
+        </p:nvSpPr>
+        <p:spPr bwMode="auto">
+          <a:xfrm>
+            <a:off x="0" y="1058429"/>
+            <a:ext cx="8064708" cy="5161396"/>
+          </a:xfrm>
+          <a:prstGeom prst="rect">
+            <a:avLst/>
+          </a:prstGeom>
+          <a:noFill/>
+          <a:ln w="9525">
+            <a:noFill/>
+            <a:miter lim="800000"/>
+            <a:headEnd/>
+            <a:tailEnd/>
+          </a:ln>
+        </p:spPr>
+        <p:txBody>
+          <a:bodyPr>
+            <a:prstTxWarp prst="textNoShape">
+              <a:avLst/>
+            </a:prstTxWarp>
+          </a:bodyPr>
+          <a:lstStyle/>
+          <a:p>
+            <a:pPr marL="169863" indent="-169863">
+              <a:spcBef>
+                <a:spcPct val="40000"/>
+              </a:spcBef>
+              <a:buFontTx/>
+              <a:buChar char="•"/>
+            </a:pPr>
+            <a:r>
+              <a:rPr lang="en-US" altLang="zh-CN" sz="2000" i="0" dirty="0" smtClean="0">
+                <a:ea typeface="宋体" pitchFamily="-65" charset="-128"/>
+                <a:cs typeface="Times New Roman" charset="0"/>
+              </a:rPr>
+              <a:t>Use RTI </a:t>
+            </a:r>
+            <a:r>
+              <a:rPr lang="en-US" altLang="zh-CN" sz="2000" i="0" dirty="0" err="1" smtClean="0">
+                <a:ea typeface="宋体" pitchFamily="-65" charset="-128"/>
+                <a:cs typeface="Times New Roman" charset="0"/>
+              </a:rPr>
+              <a:t>Corba</a:t>
+            </a:r>
+            <a:r>
+              <a:rPr lang="en-US" altLang="zh-CN" sz="2000" i="0" dirty="0" smtClean="0">
+                <a:ea typeface="宋体" pitchFamily="-65" charset="-128"/>
+                <a:cs typeface="Times New Roman" charset="0"/>
+              </a:rPr>
+              <a:t> Compatibility kit for the prototype</a:t>
+            </a:r>
+          </a:p>
+          <a:p>
+            <a:pPr marL="169863" indent="-169863">
+              <a:spcBef>
+                <a:spcPct val="40000"/>
+              </a:spcBef>
+              <a:buFontTx/>
+              <a:buChar char="•"/>
+            </a:pPr>
+            <a:r>
+              <a:rPr lang="en-US" altLang="zh-CN" sz="2000" i="0" dirty="0" smtClean="0">
+                <a:ea typeface="宋体" pitchFamily="-65" charset="-128"/>
+                <a:cs typeface="Times New Roman" charset="0"/>
+              </a:rPr>
+              <a:t>Add support for specifying QoS using a XML file</a:t>
+            </a:r>
+          </a:p>
+          <a:p>
+            <a:pPr marL="169863" indent="-169863">
+              <a:spcBef>
+                <a:spcPct val="40000"/>
+              </a:spcBef>
+              <a:buFontTx/>
+              <a:buChar char="•"/>
+            </a:pPr>
+            <a:r>
+              <a:rPr lang="en-US" altLang="zh-CN" sz="2000" i="0" dirty="0" smtClean="0">
+                <a:ea typeface="宋体" pitchFamily="-65" charset="-128"/>
+                <a:cs typeface="Times New Roman" charset="0"/>
+              </a:rPr>
+              <a:t>Finalize IDL2+/IDL3+</a:t>
+            </a:r>
+          </a:p>
+          <a:p>
+            <a:pPr marL="627063" lvl="1" indent="-169863">
+              <a:spcBef>
+                <a:spcPct val="40000"/>
+              </a:spcBef>
+              <a:buFontTx/>
+              <a:buChar char="•"/>
+            </a:pPr>
+            <a:r>
+              <a:rPr lang="en-US" altLang="zh-CN" sz="2000" i="0" dirty="0" err="1" smtClean="0">
+                <a:ea typeface="宋体" pitchFamily="-65" charset="-128"/>
+                <a:cs typeface="Times New Roman" charset="0"/>
+              </a:rPr>
+              <a:t>Templated</a:t>
+            </a:r>
+            <a:r>
+              <a:rPr lang="en-US" altLang="zh-CN" sz="2000" i="0" dirty="0" smtClean="0">
+                <a:ea typeface="宋体" pitchFamily="-65" charset="-128"/>
+                <a:cs typeface="Times New Roman" charset="0"/>
+              </a:rPr>
+              <a:t> interfaces, modules, ports, and connectors</a:t>
+            </a:r>
+          </a:p>
+          <a:p>
+            <a:pPr marL="169863" indent="-169863">
+              <a:spcBef>
+                <a:spcPct val="40000"/>
+              </a:spcBef>
+              <a:buFontTx/>
+              <a:buChar char="•"/>
+            </a:pPr>
+            <a:endParaRPr lang="en-US" altLang="zh-CN" sz="2000" i="0" dirty="0" smtClean="0">
+              <a:ea typeface="宋体" pitchFamily="-65" charset="-128"/>
+              <a:cs typeface="Times New Roman" charset="0"/>
+            </a:endParaRPr>
+          </a:p>
+        </p:txBody>
+      </p:sp>
+    </p:spTree>
+  </p:cSld>
+  <p:clrMapOvr>
+    <a:masterClrMapping/>
+  </p:clrMapOvr>
+  <p:timing>
+    <p:tnLst>
+      <p:par>
+        <p:cTn id="1" dur="indefinite" restart="never" nodeType="tmRoot"/>
+      </p:par>
+    </p:tnLst>
+  </p:timing>
+</p:sld>
+</file>
+
+<file path=ppt/slides/slide50.xml><?xml version="1.0" encoding="utf-8"?>
+<p:sld xmlns:a="http://schemas.openxmlformats.org/drawingml/2006/main" xmlns:r="http://schemas.openxmlformats.org/officeDocument/2006/relationships" xmlns:mc="http://schemas.openxmlformats.org/markup-compatibility/2006" xmlns:mv="urn:schemas-microsoft-com:mac:vml" xmlns:p="http://schemas.openxmlformats.org/presentationml/2006/main" mc:Ignorable="mv" mc:PreserveAttributes="mv:*">
   <p:cSld>
     <p:spTree>
       <p:nvGrpSpPr>
@@ -23864,8 +26494,8 @@
 </p:sld>
 </file>
 
-<file path=ppt/slides/slide48.xml><?xml version="1.0" encoding="utf-8"?>
-<p:sld xmlns:a="http://schemas.openxmlformats.org/drawingml/2006/main" xmlns:r="http://schemas.openxmlformats.org/officeDocument/2006/relationships" xmlns:p="http://schemas.openxmlformats.org/presentationml/2006/main">
+<file path=ppt/slides/slide51.xml><?xml version="1.0" encoding="utf-8"?>
+<p:sld xmlns:a="http://schemas.openxmlformats.org/drawingml/2006/main" xmlns:r="http://schemas.openxmlformats.org/officeDocument/2006/relationships" xmlns:mc="http://schemas.openxmlformats.org/markup-compatibility/2006" xmlns:mv="urn:schemas-microsoft-com:mac:vml" xmlns:p="http://schemas.openxmlformats.org/presentationml/2006/main" mc:Ignorable="mv" mc:PreserveAttributes="mv:*">
   <p:cSld>
     <p:spTree>
       <p:nvGrpSpPr>
@@ -24194,8 +26824,8 @@
 </p:sld>
 </file>
 
-<file path=ppt/slides/slide49.xml><?xml version="1.0" encoding="utf-8"?>
-<p:sld xmlns:a="http://schemas.openxmlformats.org/drawingml/2006/main" xmlns:r="http://schemas.openxmlformats.org/officeDocument/2006/relationships" xmlns:p="http://schemas.openxmlformats.org/presentationml/2006/main">
+<file path=ppt/slides/slide52.xml><?xml version="1.0" encoding="utf-8"?>
+<p:sld xmlns:a="http://schemas.openxmlformats.org/drawingml/2006/main" xmlns:r="http://schemas.openxmlformats.org/officeDocument/2006/relationships" xmlns:mc="http://schemas.openxmlformats.org/markup-compatibility/2006" xmlns:mv="urn:schemas-microsoft-com:mac:vml" xmlns:p="http://schemas.openxmlformats.org/presentationml/2006/main" mc:Ignorable="mv" mc:PreserveAttributes="mv:*">
   <p:cSld>
     <p:spTree>
       <p:nvGrpSpPr>
@@ -24470,8 +27100,937 @@
 </p:sld>
 </file>
 
-<file path=ppt/slides/slide5.xml><?xml version="1.0" encoding="utf-8"?>
-<p:sld xmlns:a="http://schemas.openxmlformats.org/drawingml/2006/main" xmlns:r="http://schemas.openxmlformats.org/officeDocument/2006/relationships" xmlns:p="http://schemas.openxmlformats.org/presentationml/2006/main">
+<file path=ppt/slides/slide53.xml><?xml version="1.0" encoding="utf-8"?>
+<p:sld xmlns:a="http://schemas.openxmlformats.org/drawingml/2006/main" xmlns:r="http://schemas.openxmlformats.org/officeDocument/2006/relationships" xmlns:mc="http://schemas.openxmlformats.org/markup-compatibility/2006" xmlns:mv="urn:schemas-microsoft-com:mac:vml" xmlns:p="http://schemas.openxmlformats.org/presentationml/2006/main" mc:Ignorable="mv" mc:PreserveAttributes="mv:*">
+  <p:cSld>
+    <p:spTree>
+      <p:nvGrpSpPr>
+        <p:cNvPr id="1" name=""/>
+        <p:cNvGrpSpPr/>
+        <p:nvPr/>
+      </p:nvGrpSpPr>
+      <p:grpSpPr>
+        <a:xfrm>
+          <a:off x="0" y="0"/>
+          <a:ext cx="0" cy="0"/>
+          <a:chOff x="0" y="0"/>
+          <a:chExt cx="0" cy="0"/>
+        </a:xfrm>
+      </p:grpSpPr>
+      <p:sp>
+        <p:nvSpPr>
+          <p:cNvPr id="294914" name="Rectangle 2"/>
+          <p:cNvSpPr>
+            <a:spLocks noChangeArrowheads="1"/>
+          </p:cNvSpPr>
+          <p:nvPr/>
+        </p:nvSpPr>
+        <p:spPr bwMode="auto">
+          <a:xfrm>
+            <a:off x="0" y="542925"/>
+            <a:ext cx="9144000" cy="381000"/>
+          </a:xfrm>
+          <a:prstGeom prst="rect">
+            <a:avLst/>
+          </a:prstGeom>
+          <a:noFill/>
+          <a:ln w="9525">
+            <a:noFill/>
+            <a:miter lim="800000"/>
+            <a:headEnd/>
+            <a:tailEnd/>
+          </a:ln>
+        </p:spPr>
+        <p:txBody>
+          <a:bodyPr anchor="ctr">
+            <a:prstTxWarp prst="textNoShape">
+              <a:avLst/>
+            </a:prstTxWarp>
+          </a:bodyPr>
+          <a:lstStyle/>
+          <a:p>
+            <a:pPr algn="ctr">
+              <a:spcBef>
+                <a:spcPct val="0"/>
+              </a:spcBef>
+            </a:pPr>
+            <a:r>
+              <a:rPr lang="en-US" altLang="zh-CN" sz="3200" i="0" dirty="0" smtClean="0">
+                <a:solidFill>
+                  <a:srgbClr val="FF0000"/>
+                </a:solidFill>
+                <a:ea typeface="宋体" pitchFamily="-65" charset="-128"/>
+                <a:cs typeface="宋体" pitchFamily="-65" charset="-128"/>
+              </a:rPr>
+              <a:t>Prototype</a:t>
+            </a:r>
+            <a:endParaRPr lang="en-US" altLang="zh-CN" sz="3200" i="0" dirty="0">
+              <a:solidFill>
+                <a:srgbClr val="FF0000"/>
+              </a:solidFill>
+              <a:ea typeface="宋体" pitchFamily="-65" charset="-128"/>
+              <a:cs typeface="宋体" pitchFamily="-65" charset="-128"/>
+            </a:endParaRPr>
+          </a:p>
+        </p:txBody>
+      </p:sp>
+      <p:sp>
+        <p:nvSpPr>
+          <p:cNvPr id="294915" name="Rectangle 3"/>
+          <p:cNvSpPr>
+            <a:spLocks noChangeArrowheads="1"/>
+          </p:cNvSpPr>
+          <p:nvPr/>
+        </p:nvSpPr>
+        <p:spPr bwMode="auto">
+          <a:xfrm>
+            <a:off x="228600" y="1190625"/>
+            <a:ext cx="8763000" cy="4876800"/>
+          </a:xfrm>
+          <a:prstGeom prst="rect">
+            <a:avLst/>
+          </a:prstGeom>
+          <a:noFill/>
+          <a:ln w="9525">
+            <a:noFill/>
+            <a:miter lim="800000"/>
+            <a:headEnd/>
+            <a:tailEnd/>
+          </a:ln>
+        </p:spPr>
+        <p:txBody>
+          <a:bodyPr>
+            <a:prstTxWarp prst="textNoShape">
+              <a:avLst/>
+            </a:prstTxWarp>
+          </a:bodyPr>
+          <a:lstStyle/>
+          <a:p>
+            <a:pPr marL="169863" indent="-169863">
+              <a:spcBef>
+                <a:spcPct val="40000"/>
+              </a:spcBef>
+              <a:buFontTx/>
+              <a:buChar char="•"/>
+            </a:pPr>
+            <a:endParaRPr lang="en-US" altLang="zh-CN" sz="2000" i="0">
+              <a:ea typeface="宋体" pitchFamily="-65" charset="-128"/>
+              <a:cs typeface="Times New Roman" charset="0"/>
+            </a:endParaRPr>
+          </a:p>
+        </p:txBody>
+      </p:sp>
+      <p:sp>
+        <p:nvSpPr>
+          <p:cNvPr id="294916" name="Rectangle 4"/>
+          <p:cNvSpPr>
+            <a:spLocks noChangeArrowheads="1"/>
+          </p:cNvSpPr>
+          <p:nvPr/>
+        </p:nvSpPr>
+        <p:spPr bwMode="auto">
+          <a:xfrm>
+            <a:off x="381000" y="1343025"/>
+            <a:ext cx="8763000" cy="4876800"/>
+          </a:xfrm>
+          <a:prstGeom prst="rect">
+            <a:avLst/>
+          </a:prstGeom>
+          <a:noFill/>
+          <a:ln w="9525">
+            <a:noFill/>
+            <a:miter lim="800000"/>
+            <a:headEnd/>
+            <a:tailEnd/>
+          </a:ln>
+        </p:spPr>
+        <p:txBody>
+          <a:bodyPr>
+            <a:prstTxWarp prst="textNoShape">
+              <a:avLst/>
+            </a:prstTxWarp>
+          </a:bodyPr>
+          <a:lstStyle/>
+          <a:p>
+            <a:pPr>
+              <a:buFont typeface="Arial" pitchFamily="34" charset="0"/>
+              <a:buChar char="•"/>
+            </a:pPr>
+            <a:r>
+              <a:rPr lang="en-US" altLang="zh-CN" sz="2200" i="0" dirty="0" smtClean="0">
+                <a:latin typeface="+mn-lt"/>
+                <a:ea typeface="宋体" pitchFamily="-65" charset="-128"/>
+                <a:cs typeface="Times New Roman" charset="0"/>
+              </a:rPr>
+              <a:t>$CIAO_ROOT/connectors/ami4ccm/examples/Hello</a:t>
+            </a:r>
+          </a:p>
+          <a:p>
+            <a:pPr>
+              <a:buFont typeface="Arial" pitchFamily="34" charset="0"/>
+              <a:buChar char="•"/>
+            </a:pPr>
+            <a:r>
+              <a:rPr lang="nl-NL" sz="2200" i="0" dirty="0" smtClean="0">
+                <a:latin typeface="+mn-lt"/>
+                <a:ea typeface="Courier New" charset="0"/>
+                <a:cs typeface="Courier New" charset="0"/>
+              </a:rPr>
+              <a:t>Sender component</a:t>
+            </a:r>
+          </a:p>
+          <a:p>
+            <a:pPr>
+              <a:buFont typeface="Arial" pitchFamily="34" charset="0"/>
+              <a:buChar char="•"/>
+            </a:pPr>
+            <a:r>
+              <a:rPr lang="nl-NL" sz="2200" i="0" dirty="0" smtClean="0">
+                <a:latin typeface="+mn-lt"/>
+                <a:ea typeface="Courier New" charset="0"/>
+                <a:cs typeface="Courier New" charset="0"/>
+              </a:rPr>
+              <a:t>Receiver component</a:t>
+            </a:r>
+          </a:p>
+          <a:p>
+            <a:pPr>
+              <a:buFont typeface="Arial" pitchFamily="34" charset="0"/>
+              <a:buChar char="•"/>
+            </a:pPr>
+            <a:r>
+              <a:rPr lang="nl-NL" sz="2200" i="0" dirty="0" smtClean="0">
+                <a:latin typeface="+mn-lt"/>
+                <a:ea typeface="Courier New" charset="0"/>
+                <a:cs typeface="Courier New" charset="0"/>
+              </a:rPr>
+              <a:t>AMI connector </a:t>
+            </a:r>
+            <a:endParaRPr lang="nl-NL" sz="2200" i="0" dirty="0">
+              <a:latin typeface="+mn-lt"/>
+              <a:ea typeface="Courier New" charset="0"/>
+              <a:cs typeface="Courier New" charset="0"/>
+            </a:endParaRPr>
+          </a:p>
+          <a:p>
+            <a:pPr>
+              <a:buFont typeface="Arial" pitchFamily="34" charset="0"/>
+              <a:buChar char="•"/>
+            </a:pPr>
+            <a:r>
+              <a:rPr lang="nl-NL" sz="2200" i="0" dirty="0" smtClean="0">
+                <a:latin typeface="+mn-lt"/>
+                <a:ea typeface="Courier New" charset="0"/>
+                <a:cs typeface="Courier New" charset="0"/>
+              </a:rPr>
+              <a:t>Deployment plan for these 3 components</a:t>
+            </a:r>
+            <a:r>
+              <a:rPr lang="nl-NL" sz="2200" i="0" dirty="0">
+                <a:latin typeface="+mn-lt"/>
+                <a:ea typeface="Courier New" charset="0"/>
+                <a:cs typeface="Courier New" charset="0"/>
+              </a:rPr>
+              <a:t/>
+            </a:r>
+            <a:br>
+              <a:rPr lang="nl-NL" sz="2200" i="0" dirty="0">
+                <a:latin typeface="+mn-lt"/>
+                <a:ea typeface="Courier New" charset="0"/>
+                <a:cs typeface="Courier New" charset="0"/>
+              </a:rPr>
+            </a:br>
+            <a:endParaRPr lang="nl-NL" sz="2200" i="0" dirty="0">
+              <a:latin typeface="+mn-lt"/>
+              <a:ea typeface="Courier New" charset="0"/>
+              <a:cs typeface="Courier New" charset="0"/>
+            </a:endParaRPr>
+          </a:p>
+        </p:txBody>
+      </p:sp>
+    </p:spTree>
+  </p:cSld>
+  <p:clrMapOvr>
+    <a:masterClrMapping/>
+  </p:clrMapOvr>
+  <p:timing>
+    <p:tnLst>
+      <p:par>
+        <p:cTn id="1" dur="indefinite" restart="never" nodeType="tmRoot"/>
+      </p:par>
+    </p:tnLst>
+  </p:timing>
+</p:sld>
+</file>
+
+<file path=ppt/slides/slide54.xml><?xml version="1.0" encoding="utf-8"?>
+<p:sld xmlns:a="http://schemas.openxmlformats.org/drawingml/2006/main" xmlns:r="http://schemas.openxmlformats.org/officeDocument/2006/relationships" xmlns:mc="http://schemas.openxmlformats.org/markup-compatibility/2006" xmlns:mv="urn:schemas-microsoft-com:mac:vml" xmlns:p="http://schemas.openxmlformats.org/presentationml/2006/main" mc:Ignorable="mv" mc:PreserveAttributes="mv:*">
+  <p:cSld>
+    <p:spTree>
+      <p:nvGrpSpPr>
+        <p:cNvPr id="1" name=""/>
+        <p:cNvGrpSpPr/>
+        <p:nvPr/>
+      </p:nvGrpSpPr>
+      <p:grpSpPr>
+        <a:xfrm>
+          <a:off x="0" y="0"/>
+          <a:ext cx="0" cy="0"/>
+          <a:chOff x="0" y="0"/>
+          <a:chExt cx="0" cy="0"/>
+        </a:xfrm>
+      </p:grpSpPr>
+      <p:sp>
+        <p:nvSpPr>
+          <p:cNvPr id="294914" name="Rectangle 2"/>
+          <p:cNvSpPr>
+            <a:spLocks noChangeArrowheads="1"/>
+          </p:cNvSpPr>
+          <p:nvPr/>
+        </p:nvSpPr>
+        <p:spPr bwMode="auto">
+          <a:xfrm>
+            <a:off x="0" y="542925"/>
+            <a:ext cx="9144000" cy="381000"/>
+          </a:xfrm>
+          <a:prstGeom prst="rect">
+            <a:avLst/>
+          </a:prstGeom>
+          <a:noFill/>
+          <a:ln w="9525">
+            <a:noFill/>
+            <a:miter lim="800000"/>
+            <a:headEnd/>
+            <a:tailEnd/>
+          </a:ln>
+        </p:spPr>
+        <p:txBody>
+          <a:bodyPr anchor="ctr">
+            <a:prstTxWarp prst="textNoShape">
+              <a:avLst/>
+            </a:prstTxWarp>
+          </a:bodyPr>
+          <a:lstStyle/>
+          <a:p>
+            <a:pPr algn="ctr">
+              <a:spcBef>
+                <a:spcPct val="0"/>
+              </a:spcBef>
+            </a:pPr>
+            <a:r>
+              <a:rPr lang="en-US" altLang="zh-CN" sz="3200" i="0" dirty="0" smtClean="0">
+                <a:solidFill>
+                  <a:srgbClr val="FF0000"/>
+                </a:solidFill>
+                <a:ea typeface="宋体" pitchFamily="-65" charset="-128"/>
+                <a:cs typeface="宋体" pitchFamily="-65" charset="-128"/>
+              </a:rPr>
+              <a:t>Possible OMG Process</a:t>
+            </a:r>
+            <a:endParaRPr lang="en-US" altLang="zh-CN" sz="3200" i="0" dirty="0">
+              <a:solidFill>
+                <a:srgbClr val="FF0000"/>
+              </a:solidFill>
+              <a:ea typeface="宋体" pitchFamily="-65" charset="-128"/>
+              <a:cs typeface="宋体" pitchFamily="-65" charset="-128"/>
+            </a:endParaRPr>
+          </a:p>
+        </p:txBody>
+      </p:sp>
+      <p:sp>
+        <p:nvSpPr>
+          <p:cNvPr id="294915" name="Rectangle 3"/>
+          <p:cNvSpPr>
+            <a:spLocks noChangeArrowheads="1"/>
+          </p:cNvSpPr>
+          <p:nvPr/>
+        </p:nvSpPr>
+        <p:spPr bwMode="auto">
+          <a:xfrm>
+            <a:off x="228600" y="1190625"/>
+            <a:ext cx="8763000" cy="4876800"/>
+          </a:xfrm>
+          <a:prstGeom prst="rect">
+            <a:avLst/>
+          </a:prstGeom>
+          <a:noFill/>
+          <a:ln w="9525">
+            <a:noFill/>
+            <a:miter lim="800000"/>
+            <a:headEnd/>
+            <a:tailEnd/>
+          </a:ln>
+        </p:spPr>
+        <p:txBody>
+          <a:bodyPr>
+            <a:prstTxWarp prst="textNoShape">
+              <a:avLst/>
+            </a:prstTxWarp>
+          </a:bodyPr>
+          <a:lstStyle/>
+          <a:p>
+            <a:pPr marL="169863" indent="-169863">
+              <a:spcBef>
+                <a:spcPct val="40000"/>
+              </a:spcBef>
+              <a:buFontTx/>
+              <a:buChar char="•"/>
+            </a:pPr>
+            <a:endParaRPr lang="en-US" altLang="zh-CN" sz="2000" i="0">
+              <a:ea typeface="宋体" pitchFamily="-65" charset="-128"/>
+              <a:cs typeface="Times New Roman" charset="0"/>
+            </a:endParaRPr>
+          </a:p>
+        </p:txBody>
+      </p:sp>
+      <p:sp>
+        <p:nvSpPr>
+          <p:cNvPr id="294916" name="Rectangle 4"/>
+          <p:cNvSpPr>
+            <a:spLocks noChangeArrowheads="1"/>
+          </p:cNvSpPr>
+          <p:nvPr/>
+        </p:nvSpPr>
+        <p:spPr bwMode="auto">
+          <a:xfrm>
+            <a:off x="381000" y="1343025"/>
+            <a:ext cx="8763000" cy="4876800"/>
+          </a:xfrm>
+          <a:prstGeom prst="rect">
+            <a:avLst/>
+          </a:prstGeom>
+          <a:noFill/>
+          <a:ln w="9525">
+            <a:noFill/>
+            <a:miter lim="800000"/>
+            <a:headEnd/>
+            <a:tailEnd/>
+          </a:ln>
+        </p:spPr>
+        <p:txBody>
+          <a:bodyPr>
+            <a:prstTxWarp prst="textNoShape">
+              <a:avLst/>
+            </a:prstTxWarp>
+          </a:bodyPr>
+          <a:lstStyle/>
+          <a:p>
+            <a:pPr>
+              <a:buFont typeface="Arial" pitchFamily="34" charset="0"/>
+              <a:buChar char="•"/>
+            </a:pPr>
+            <a:r>
+              <a:rPr lang="nl-NL" sz="2200" i="0" dirty="0" smtClean="0">
+                <a:latin typeface="+mn-lt"/>
+                <a:ea typeface="Courier New" charset="0"/>
+                <a:cs typeface="Courier New" charset="0"/>
+              </a:rPr>
+              <a:t>AMI4CCM port part anymore of DDS4CCM</a:t>
+            </a:r>
+          </a:p>
+          <a:p>
+            <a:pPr>
+              <a:buFont typeface="Arial" pitchFamily="34" charset="0"/>
+              <a:buChar char="•"/>
+            </a:pPr>
+            <a:r>
+              <a:rPr lang="nl-NL" sz="2200" i="0" dirty="0" smtClean="0">
+                <a:latin typeface="+mn-lt"/>
+                <a:ea typeface="Courier New" charset="0"/>
+                <a:cs typeface="Courier New" charset="0"/>
+              </a:rPr>
+              <a:t>Standardization will take</a:t>
+            </a:r>
+          </a:p>
+          <a:p>
+            <a:pPr lvl="1">
+              <a:buFont typeface="Arial" pitchFamily="34" charset="0"/>
+              <a:buChar char="•"/>
+            </a:pPr>
+            <a:r>
+              <a:rPr lang="nl-NL" sz="2200" i="0" dirty="0" smtClean="0">
+                <a:latin typeface="+mn-lt"/>
+                <a:ea typeface="Courier New" charset="0"/>
+                <a:cs typeface="Courier New" charset="0"/>
+              </a:rPr>
+              <a:t>Request for Proposal (RFP)</a:t>
+            </a:r>
+          </a:p>
+          <a:p>
+            <a:pPr lvl="1">
+              <a:buFont typeface="Arial" pitchFamily="34" charset="0"/>
+              <a:buChar char="•"/>
+            </a:pPr>
+            <a:r>
+              <a:rPr lang="nl-NL" sz="2200" i="0" dirty="0" smtClean="0">
+                <a:latin typeface="+mn-lt"/>
+                <a:ea typeface="Courier New" charset="0"/>
+                <a:cs typeface="Courier New" charset="0"/>
+              </a:rPr>
+              <a:t>Respond to the proposal</a:t>
+            </a:r>
+          </a:p>
+          <a:p>
+            <a:pPr lvl="1">
+              <a:buFont typeface="Arial" pitchFamily="34" charset="0"/>
+              <a:buChar char="•"/>
+            </a:pPr>
+            <a:r>
+              <a:rPr lang="nl-NL" sz="2200" i="0" dirty="0" smtClean="0">
+                <a:latin typeface="+mn-lt"/>
+                <a:ea typeface="Courier New" charset="0"/>
+                <a:cs typeface="Courier New" charset="0"/>
+              </a:rPr>
+              <a:t>Agree on a beta 1 specification</a:t>
+            </a:r>
+          </a:p>
+          <a:p>
+            <a:pPr lvl="1">
+              <a:buFont typeface="Arial" pitchFamily="34" charset="0"/>
+              <a:buChar char="•"/>
+            </a:pPr>
+            <a:r>
+              <a:rPr lang="nl-NL" sz="2200" i="0" dirty="0" smtClean="0">
+                <a:latin typeface="+mn-lt"/>
+                <a:ea typeface="Courier New" charset="0"/>
+                <a:cs typeface="Courier New" charset="0"/>
+              </a:rPr>
+              <a:t>Finalization Task Force (FTF)</a:t>
+            </a:r>
+          </a:p>
+          <a:p>
+            <a:pPr>
+              <a:buFont typeface="Arial" pitchFamily="34" charset="0"/>
+              <a:buChar char="•"/>
+            </a:pPr>
+            <a:r>
+              <a:rPr lang="nl-NL" sz="2200" i="0" dirty="0" smtClean="0">
+                <a:latin typeface="+mn-lt"/>
+                <a:ea typeface="Courier New" charset="0"/>
+                <a:cs typeface="Courier New" charset="0"/>
+              </a:rPr>
+              <a:t>Time commitment</a:t>
+            </a:r>
+          </a:p>
+          <a:p>
+            <a:pPr lvl="1">
+              <a:buFont typeface="Arial" pitchFamily="34" charset="0"/>
+              <a:buChar char="•"/>
+            </a:pPr>
+            <a:r>
+              <a:rPr lang="nl-NL" sz="2200" i="0" dirty="0" smtClean="0">
+                <a:latin typeface="+mn-lt"/>
+                <a:ea typeface="Courier New" charset="0"/>
+                <a:cs typeface="Courier New" charset="0"/>
+              </a:rPr>
+              <a:t>4 visits to a OMG meeting, each one week</a:t>
+            </a:r>
+          </a:p>
+          <a:p>
+            <a:pPr lvl="1">
+              <a:buFont typeface="Arial" pitchFamily="34" charset="0"/>
+              <a:buChar char="•"/>
+            </a:pPr>
+            <a:r>
+              <a:rPr lang="nl-NL" sz="2200" i="0" dirty="0" smtClean="0">
+                <a:latin typeface="+mn-lt"/>
+                <a:ea typeface="Courier New" charset="0"/>
+                <a:cs typeface="Courier New" charset="0"/>
+              </a:rPr>
+              <a:t>Around 2 weeks of work for each meeting</a:t>
+            </a:r>
+          </a:p>
+          <a:p>
+            <a:pPr lvl="1">
+              <a:buFont typeface="Arial" pitchFamily="34" charset="0"/>
+              <a:buChar char="•"/>
+            </a:pPr>
+            <a:endParaRPr lang="nl-NL" sz="2200" i="0" dirty="0" smtClean="0">
+              <a:latin typeface="+mn-lt"/>
+              <a:ea typeface="Courier New" charset="0"/>
+              <a:cs typeface="Courier New" charset="0"/>
+            </a:endParaRPr>
+          </a:p>
+          <a:p>
+            <a:pPr lvl="1">
+              <a:buFont typeface="Arial" pitchFamily="34" charset="0"/>
+              <a:buChar char="•"/>
+            </a:pPr>
+            <a:endParaRPr lang="nl-NL" sz="2200" i="0" dirty="0" smtClean="0">
+              <a:latin typeface="+mn-lt"/>
+              <a:ea typeface="Courier New" charset="0"/>
+              <a:cs typeface="Courier New" charset="0"/>
+            </a:endParaRPr>
+          </a:p>
+          <a:p>
+            <a:pPr>
+              <a:buFont typeface="Arial" pitchFamily="34" charset="0"/>
+              <a:buChar char="•"/>
+            </a:pPr>
+            <a:endParaRPr lang="nl-NL" sz="2200" i="0" dirty="0">
+              <a:latin typeface="+mn-lt"/>
+              <a:ea typeface="Courier New" charset="0"/>
+              <a:cs typeface="Courier New" charset="0"/>
+            </a:endParaRPr>
+          </a:p>
+          <a:p>
+            <a:r>
+              <a:rPr lang="nl-NL" sz="2200" i="0" dirty="0">
+                <a:latin typeface="+mn-lt"/>
+                <a:ea typeface="Courier New" charset="0"/>
+                <a:cs typeface="Courier New" charset="0"/>
+              </a:rPr>
+              <a:t/>
+            </a:r>
+            <a:br>
+              <a:rPr lang="nl-NL" sz="2200" i="0" dirty="0">
+                <a:latin typeface="+mn-lt"/>
+                <a:ea typeface="Courier New" charset="0"/>
+                <a:cs typeface="Courier New" charset="0"/>
+              </a:rPr>
+            </a:br>
+            <a:endParaRPr lang="nl-NL" sz="2200" i="0" dirty="0">
+              <a:latin typeface="+mn-lt"/>
+              <a:ea typeface="Courier New" charset="0"/>
+              <a:cs typeface="Courier New" charset="0"/>
+            </a:endParaRPr>
+          </a:p>
+        </p:txBody>
+      </p:sp>
+    </p:spTree>
+  </p:cSld>
+  <p:clrMapOvr>
+    <a:masterClrMapping/>
+  </p:clrMapOvr>
+  <p:timing>
+    <p:tnLst>
+      <p:par>
+        <p:cTn id="1" dur="indefinite" restart="never" nodeType="tmRoot"/>
+      </p:par>
+    </p:tnLst>
+  </p:timing>
+</p:sld>
+</file>
+
+<file path=ppt/slides/slide55.xml><?xml version="1.0" encoding="utf-8"?>
+<p:sld xmlns:a="http://schemas.openxmlformats.org/drawingml/2006/main" xmlns:r="http://schemas.openxmlformats.org/officeDocument/2006/relationships" xmlns:mc="http://schemas.openxmlformats.org/markup-compatibility/2006" xmlns:mv="urn:schemas-microsoft-com:mac:vml" xmlns:p="http://schemas.openxmlformats.org/presentationml/2006/main" mc:Ignorable="mv" mc:PreserveAttributes="mv:*">
+  <p:cSld>
+    <p:spTree>
+      <p:nvGrpSpPr>
+        <p:cNvPr id="1" name=""/>
+        <p:cNvGrpSpPr/>
+        <p:nvPr/>
+      </p:nvGrpSpPr>
+      <p:grpSpPr>
+        <a:xfrm>
+          <a:off x="0" y="0"/>
+          <a:ext cx="0" cy="0"/>
+          <a:chOff x="0" y="0"/>
+          <a:chExt cx="0" cy="0"/>
+        </a:xfrm>
+      </p:grpSpPr>
+      <p:sp>
+        <p:nvSpPr>
+          <p:cNvPr id="294914" name="Rectangle 2"/>
+          <p:cNvSpPr>
+            <a:spLocks noChangeArrowheads="1"/>
+          </p:cNvSpPr>
+          <p:nvPr/>
+        </p:nvSpPr>
+        <p:spPr bwMode="auto">
+          <a:xfrm>
+            <a:off x="0" y="542925"/>
+            <a:ext cx="9144000" cy="381000"/>
+          </a:xfrm>
+          <a:prstGeom prst="rect">
+            <a:avLst/>
+          </a:prstGeom>
+          <a:noFill/>
+          <a:ln w="9525">
+            <a:noFill/>
+            <a:miter lim="800000"/>
+            <a:headEnd/>
+            <a:tailEnd/>
+          </a:ln>
+        </p:spPr>
+        <p:txBody>
+          <a:bodyPr anchor="ctr">
+            <a:prstTxWarp prst="textNoShape">
+              <a:avLst/>
+            </a:prstTxWarp>
+          </a:bodyPr>
+          <a:lstStyle/>
+          <a:p>
+            <a:pPr algn="ctr">
+              <a:spcBef>
+                <a:spcPct val="0"/>
+              </a:spcBef>
+            </a:pPr>
+            <a:r>
+              <a:rPr lang="en-US" altLang="zh-CN" sz="3200" i="0" dirty="0" smtClean="0">
+                <a:solidFill>
+                  <a:srgbClr val="FF0000"/>
+                </a:solidFill>
+                <a:ea typeface="宋体" pitchFamily="-65" charset="-128"/>
+                <a:cs typeface="宋体" pitchFamily="-65" charset="-128"/>
+              </a:rPr>
+              <a:t>Modeling</a:t>
+            </a:r>
+            <a:endParaRPr lang="en-US" altLang="zh-CN" sz="3200" i="0" dirty="0">
+              <a:solidFill>
+                <a:srgbClr val="FF0000"/>
+              </a:solidFill>
+              <a:ea typeface="宋体" pitchFamily="-65" charset="-128"/>
+              <a:cs typeface="宋体" pitchFamily="-65" charset="-128"/>
+            </a:endParaRPr>
+          </a:p>
+        </p:txBody>
+      </p:sp>
+      <p:sp>
+        <p:nvSpPr>
+          <p:cNvPr id="294915" name="Rectangle 3"/>
+          <p:cNvSpPr>
+            <a:spLocks noChangeArrowheads="1"/>
+          </p:cNvSpPr>
+          <p:nvPr/>
+        </p:nvSpPr>
+        <p:spPr bwMode="auto">
+          <a:xfrm>
+            <a:off x="228600" y="1190625"/>
+            <a:ext cx="8763000" cy="4876800"/>
+          </a:xfrm>
+          <a:prstGeom prst="rect">
+            <a:avLst/>
+          </a:prstGeom>
+          <a:noFill/>
+          <a:ln w="9525">
+            <a:noFill/>
+            <a:miter lim="800000"/>
+            <a:headEnd/>
+            <a:tailEnd/>
+          </a:ln>
+        </p:spPr>
+        <p:txBody>
+          <a:bodyPr>
+            <a:prstTxWarp prst="textNoShape">
+              <a:avLst/>
+            </a:prstTxWarp>
+          </a:bodyPr>
+          <a:lstStyle/>
+          <a:p>
+            <a:pPr marL="169863" indent="-169863">
+              <a:spcBef>
+                <a:spcPct val="40000"/>
+              </a:spcBef>
+              <a:buFontTx/>
+              <a:buChar char="•"/>
+            </a:pPr>
+            <a:endParaRPr lang="en-US" altLang="zh-CN" sz="2000" i="0">
+              <a:ea typeface="宋体" pitchFamily="-65" charset="-128"/>
+              <a:cs typeface="Times New Roman" charset="0"/>
+            </a:endParaRPr>
+          </a:p>
+        </p:txBody>
+      </p:sp>
+      <p:sp>
+        <p:nvSpPr>
+          <p:cNvPr id="294916" name="Rectangle 4"/>
+          <p:cNvSpPr>
+            <a:spLocks noChangeArrowheads="1"/>
+          </p:cNvSpPr>
+          <p:nvPr/>
+        </p:nvSpPr>
+        <p:spPr bwMode="auto">
+          <a:xfrm>
+            <a:off x="381000" y="1343025"/>
+            <a:ext cx="8763000" cy="4876800"/>
+          </a:xfrm>
+          <a:prstGeom prst="rect">
+            <a:avLst/>
+          </a:prstGeom>
+          <a:noFill/>
+          <a:ln w="9525">
+            <a:noFill/>
+            <a:miter lim="800000"/>
+            <a:headEnd/>
+            <a:tailEnd/>
+          </a:ln>
+        </p:spPr>
+        <p:txBody>
+          <a:bodyPr>
+            <a:prstTxWarp prst="textNoShape">
+              <a:avLst/>
+            </a:prstTxWarp>
+          </a:bodyPr>
+          <a:lstStyle/>
+          <a:p>
+            <a:pPr>
+              <a:buFont typeface="Arial" pitchFamily="34" charset="0"/>
+              <a:buChar char="•"/>
+            </a:pPr>
+            <a:r>
+              <a:rPr lang="nl-NL" sz="2200" i="0" dirty="0" smtClean="0">
+                <a:latin typeface="+mn-lt"/>
+                <a:ea typeface="Courier New" charset="0"/>
+                <a:cs typeface="Courier New" charset="0"/>
+              </a:rPr>
+              <a:t>Working modeling environment must be avaible for making larger tests</a:t>
+            </a:r>
+          </a:p>
+          <a:p>
+            <a:pPr>
+              <a:buFont typeface="Arial" pitchFamily="34" charset="0"/>
+              <a:buChar char="•"/>
+            </a:pPr>
+            <a:r>
+              <a:rPr lang="en-US" sz="2200" i="0" dirty="0" smtClean="0">
+                <a:latin typeface="+mn-lt"/>
+                <a:ea typeface="Courier New" charset="0"/>
+                <a:cs typeface="Courier New" charset="0"/>
+              </a:rPr>
+              <a:t>Runtime and modeling efforts should be synchronized</a:t>
+            </a:r>
+            <a:endParaRPr lang="nl-NL" sz="2200" i="0" dirty="0" smtClean="0">
+              <a:latin typeface="+mn-lt"/>
+              <a:ea typeface="Courier New" charset="0"/>
+              <a:cs typeface="Courier New" charset="0"/>
+            </a:endParaRPr>
+          </a:p>
+        </p:txBody>
+      </p:sp>
+    </p:spTree>
+  </p:cSld>
+  <p:clrMapOvr>
+    <a:masterClrMapping/>
+  </p:clrMapOvr>
+  <p:timing>
+    <p:tnLst>
+      <p:par>
+        <p:cTn id="1" dur="indefinite" restart="never" nodeType="tmRoot"/>
+      </p:par>
+    </p:tnLst>
+  </p:timing>
+</p:sld>
+</file>
+
+<file path=ppt/slides/slide6.xml><?xml version="1.0" encoding="utf-8"?>
+<p:sld xmlns:a="http://schemas.openxmlformats.org/drawingml/2006/main" xmlns:r="http://schemas.openxmlformats.org/officeDocument/2006/relationships" xmlns:mc="http://schemas.openxmlformats.org/markup-compatibility/2006" xmlns:mv="urn:schemas-microsoft-com:mac:vml" xmlns:p="http://schemas.openxmlformats.org/presentationml/2006/main" mc:Ignorable="mv" mc:PreserveAttributes="mv:*">
+  <p:cSld>
+    <p:spTree>
+      <p:nvGrpSpPr>
+        <p:cNvPr id="1" name=""/>
+        <p:cNvGrpSpPr/>
+        <p:nvPr/>
+      </p:nvGrpSpPr>
+      <p:grpSpPr>
+        <a:xfrm>
+          <a:off x="0" y="0"/>
+          <a:ext cx="0" cy="0"/>
+          <a:chOff x="0" y="0"/>
+          <a:chExt cx="0" cy="0"/>
+        </a:xfrm>
+      </p:grpSpPr>
+      <p:sp>
+        <p:nvSpPr>
+          <p:cNvPr id="259074" name="Slide Number Placeholder 4"/>
+          <p:cNvSpPr>
+            <a:spLocks noGrp="1"/>
+          </p:cNvSpPr>
+          <p:nvPr>
+            <p:ph type="sldNum" sz="quarter" idx="10"/>
+          </p:nvPr>
+        </p:nvSpPr>
+        <p:spPr>
+          <a:noFill/>
+        </p:spPr>
+        <p:txBody>
+          <a:bodyPr/>
+          <a:lstStyle/>
+          <a:p>
+            <a:fld id="{5F5EAC2B-714A-C24E-A801-C1792E385BC6}" type="slidenum">
+              <a:rPr lang="zh-CN" altLang="en-US"/>
+              <a:pPr/>
+              <a:t>6</a:t>
+            </a:fld>
+            <a:endParaRPr lang="en-US" altLang="zh-CN" dirty="0"/>
+          </a:p>
+        </p:txBody>
+      </p:sp>
+      <p:sp>
+        <p:nvSpPr>
+          <p:cNvPr id="259075" name="Rectangle 2"/>
+          <p:cNvSpPr>
+            <a:spLocks noGrp="1" noChangeArrowheads="1"/>
+          </p:cNvSpPr>
+          <p:nvPr>
+            <p:ph type="body" idx="1"/>
+          </p:nvPr>
+        </p:nvSpPr>
+        <p:spPr>
+          <a:xfrm>
+            <a:off x="1311275" y="1066800"/>
+            <a:ext cx="7213600" cy="5019675"/>
+          </a:xfrm>
+          <a:noFill/>
+        </p:spPr>
+        <p:txBody>
+          <a:bodyPr anchor="ctr" anchorCtr="1"/>
+          <a:lstStyle/>
+          <a:p>
+            <a:pPr algn="ctr" eaLnBrk="1" hangingPunct="1">
+              <a:buFont typeface="Wingdings" charset="2"/>
+              <a:buNone/>
+            </a:pPr>
+            <a:endParaRPr lang="zh-CN" altLang="en-US" sz="5400">
+              <a:solidFill>
+                <a:srgbClr val="FF3300"/>
+              </a:solidFill>
+            </a:endParaRPr>
+          </a:p>
+          <a:p>
+            <a:pPr algn="ctr" eaLnBrk="1" hangingPunct="1">
+              <a:buFont typeface="Wingdings" charset="2"/>
+              <a:buNone/>
+            </a:pPr>
+            <a:r>
+              <a:rPr lang="en-US" altLang="zh-CN" sz="5400" dirty="0">
+                <a:solidFill>
+                  <a:srgbClr val="FF3300"/>
+                </a:solidFill>
+              </a:rPr>
+              <a:t>IDL3+</a:t>
+            </a:r>
+          </a:p>
+          <a:p>
+            <a:pPr algn="ctr" eaLnBrk="1" hangingPunct="1">
+              <a:buFont typeface="Wingdings" charset="2"/>
+              <a:buNone/>
+            </a:pPr>
+            <a:endParaRPr lang="zh-CN" altLang="en-US" sz="5400">
+              <a:solidFill>
+                <a:srgbClr val="FF3300"/>
+              </a:solidFill>
+            </a:endParaRPr>
+          </a:p>
+        </p:txBody>
+      </p:sp>
+    </p:spTree>
+  </p:cSld>
+  <p:clrMapOvr>
+    <a:masterClrMapping/>
+  </p:clrMapOvr>
+  <p:timing>
+    <p:tnLst>
+      <p:par>
+        <p:cTn id="1" dur="indefinite" restart="never" nodeType="tmRoot"/>
+      </p:par>
+    </p:tnLst>
+  </p:timing>
+</p:sld>
+</file>
+
+<file path=ppt/slides/slide7.xml><?xml version="1.0" encoding="utf-8"?>
+<p:sld xmlns:a="http://schemas.openxmlformats.org/drawingml/2006/main" xmlns:r="http://schemas.openxmlformats.org/officeDocument/2006/relationships" xmlns:mc="http://schemas.openxmlformats.org/markup-compatibility/2006" xmlns:mv="urn:schemas-microsoft-com:mac:vml" xmlns:p="http://schemas.openxmlformats.org/presentationml/2006/main" mc:Ignorable="mv" mc:PreserveAttributes="mv:*">
   <p:cSld>
     <p:spTree>
       <p:nvGrpSpPr>
@@ -24532,7 +28091,7 @@
                 <a:ea typeface="宋体" pitchFamily="-65" charset="-128"/>
                 <a:cs typeface="宋体" pitchFamily="-65" charset="-128"/>
               </a:rPr>
-              <a:t>Iteration 3</a:t>
+              <a:t>Grouping Related Services</a:t>
             </a:r>
             <a:endParaRPr lang="en-US" altLang="zh-CN" sz="3200" i="0" dirty="0">
               <a:solidFill>
@@ -24601,1201 +28160,6 @@
         <p:spPr bwMode="auto">
           <a:xfrm>
             <a:off x="0" y="1058429"/>
-            <a:ext cx="8064708" cy="5161396"/>
-          </a:xfrm>
-          <a:prstGeom prst="rect">
-            <a:avLst/>
-          </a:prstGeom>
-          <a:noFill/>
-          <a:ln w="9525">
-            <a:noFill/>
-            <a:miter lim="800000"/>
-            <a:headEnd/>
-            <a:tailEnd/>
-          </a:ln>
-        </p:spPr>
-        <p:txBody>
-          <a:bodyPr>
-            <a:prstTxWarp prst="textNoShape">
-              <a:avLst/>
-            </a:prstTxWarp>
-          </a:bodyPr>
-          <a:lstStyle/>
-          <a:p>
-            <a:pPr marL="169863" indent="-169863">
-              <a:spcBef>
-                <a:spcPct val="40000"/>
-              </a:spcBef>
-              <a:buFontTx/>
-              <a:buChar char="•"/>
-            </a:pPr>
-            <a:r>
-              <a:rPr lang="en-US" altLang="zh-CN" sz="2000" i="0" dirty="0" smtClean="0">
-                <a:ea typeface="宋体" pitchFamily="-65" charset="-128"/>
-                <a:cs typeface="Times New Roman" charset="0"/>
-              </a:rPr>
-              <a:t>Use RTI </a:t>
-            </a:r>
-            <a:r>
-              <a:rPr lang="en-US" altLang="zh-CN" sz="2000" i="0" dirty="0" err="1" smtClean="0">
-                <a:ea typeface="宋体" pitchFamily="-65" charset="-128"/>
-                <a:cs typeface="Times New Roman" charset="0"/>
-              </a:rPr>
-              <a:t>Corba</a:t>
-            </a:r>
-            <a:r>
-              <a:rPr lang="en-US" altLang="zh-CN" sz="2000" i="0" dirty="0" smtClean="0">
-                <a:ea typeface="宋体" pitchFamily="-65" charset="-128"/>
-                <a:cs typeface="Times New Roman" charset="0"/>
-              </a:rPr>
-              <a:t> Compatibility kit for the prototype</a:t>
-            </a:r>
-          </a:p>
-          <a:p>
-            <a:pPr marL="169863" indent="-169863">
-              <a:spcBef>
-                <a:spcPct val="40000"/>
-              </a:spcBef>
-              <a:buFontTx/>
-              <a:buChar char="•"/>
-            </a:pPr>
-            <a:r>
-              <a:rPr lang="en-US" altLang="zh-CN" sz="2000" i="0" dirty="0" smtClean="0">
-                <a:ea typeface="宋体" pitchFamily="-65" charset="-128"/>
-                <a:cs typeface="Times New Roman" charset="0"/>
-              </a:rPr>
-              <a:t>Add support for specifying QoS using a XML file</a:t>
-            </a:r>
-          </a:p>
-          <a:p>
-            <a:pPr marL="169863" indent="-169863">
-              <a:spcBef>
-                <a:spcPct val="40000"/>
-              </a:spcBef>
-              <a:buFontTx/>
-              <a:buChar char="•"/>
-            </a:pPr>
-            <a:r>
-              <a:rPr lang="en-US" altLang="zh-CN" sz="2000" i="0" dirty="0" smtClean="0">
-                <a:ea typeface="宋体" pitchFamily="-65" charset="-128"/>
-                <a:cs typeface="Times New Roman" charset="0"/>
-              </a:rPr>
-              <a:t>Finalize IDL2+/IDL3+</a:t>
-            </a:r>
-          </a:p>
-          <a:p>
-            <a:pPr marL="627063" lvl="1" indent="-169863">
-              <a:spcBef>
-                <a:spcPct val="40000"/>
-              </a:spcBef>
-              <a:buFontTx/>
-              <a:buChar char="•"/>
-            </a:pPr>
-            <a:r>
-              <a:rPr lang="en-US" altLang="zh-CN" sz="2000" i="0" dirty="0" err="1" smtClean="0">
-                <a:ea typeface="宋体" pitchFamily="-65" charset="-128"/>
-                <a:cs typeface="Times New Roman" charset="0"/>
-              </a:rPr>
-              <a:t>Templated</a:t>
-            </a:r>
-            <a:r>
-              <a:rPr lang="en-US" altLang="zh-CN" sz="2000" i="0" dirty="0" smtClean="0">
-                <a:ea typeface="宋体" pitchFamily="-65" charset="-128"/>
-                <a:cs typeface="Times New Roman" charset="0"/>
-              </a:rPr>
-              <a:t> interfaces, modules, ports, and connectors</a:t>
-            </a:r>
-          </a:p>
-          <a:p>
-            <a:pPr marL="169863" indent="-169863">
-              <a:spcBef>
-                <a:spcPct val="40000"/>
-              </a:spcBef>
-              <a:buFontTx/>
-              <a:buChar char="•"/>
-            </a:pPr>
-            <a:endParaRPr lang="en-US" altLang="zh-CN" sz="2000" i="0" dirty="0" smtClean="0">
-              <a:ea typeface="宋体" pitchFamily="-65" charset="-128"/>
-              <a:cs typeface="Times New Roman" charset="0"/>
-            </a:endParaRPr>
-          </a:p>
-        </p:txBody>
-      </p:sp>
-    </p:spTree>
-  </p:cSld>
-  <p:clrMapOvr>
-    <a:masterClrMapping/>
-  </p:clrMapOvr>
-  <p:timing>
-    <p:tnLst>
-      <p:par>
-        <p:cTn id="1" dur="indefinite" restart="never" nodeType="tmRoot"/>
-      </p:par>
-    </p:tnLst>
-  </p:timing>
-</p:sld>
-</file>
-
-<file path=ppt/slides/slide50.xml><?xml version="1.0" encoding="utf-8"?>
-<p:sld xmlns:a="http://schemas.openxmlformats.org/drawingml/2006/main" xmlns:r="http://schemas.openxmlformats.org/officeDocument/2006/relationships" xmlns:p="http://schemas.openxmlformats.org/presentationml/2006/main">
-  <p:cSld>
-    <p:spTree>
-      <p:nvGrpSpPr>
-        <p:cNvPr id="1" name=""/>
-        <p:cNvGrpSpPr/>
-        <p:nvPr/>
-      </p:nvGrpSpPr>
-      <p:grpSpPr>
-        <a:xfrm>
-          <a:off x="0" y="0"/>
-          <a:ext cx="0" cy="0"/>
-          <a:chOff x="0" y="0"/>
-          <a:chExt cx="0" cy="0"/>
-        </a:xfrm>
-      </p:grpSpPr>
-      <p:sp>
-        <p:nvSpPr>
-          <p:cNvPr id="294914" name="Rectangle 2"/>
-          <p:cNvSpPr>
-            <a:spLocks noChangeArrowheads="1"/>
-          </p:cNvSpPr>
-          <p:nvPr/>
-        </p:nvSpPr>
-        <p:spPr bwMode="auto">
-          <a:xfrm>
-            <a:off x="0" y="542925"/>
-            <a:ext cx="9144000" cy="381000"/>
-          </a:xfrm>
-          <a:prstGeom prst="rect">
-            <a:avLst/>
-          </a:prstGeom>
-          <a:noFill/>
-          <a:ln w="9525">
-            <a:noFill/>
-            <a:miter lim="800000"/>
-            <a:headEnd/>
-            <a:tailEnd/>
-          </a:ln>
-        </p:spPr>
-        <p:txBody>
-          <a:bodyPr anchor="ctr">
-            <a:prstTxWarp prst="textNoShape">
-              <a:avLst/>
-            </a:prstTxWarp>
-          </a:bodyPr>
-          <a:lstStyle/>
-          <a:p>
-            <a:pPr algn="ctr">
-              <a:spcBef>
-                <a:spcPct val="0"/>
-              </a:spcBef>
-            </a:pPr>
-            <a:r>
-              <a:rPr lang="en-US" altLang="zh-CN" sz="3200" i="0" dirty="0" smtClean="0">
-                <a:solidFill>
-                  <a:srgbClr val="FF0000"/>
-                </a:solidFill>
-                <a:ea typeface="宋体" pitchFamily="-65" charset="-128"/>
-                <a:cs typeface="宋体" pitchFamily="-65" charset="-128"/>
-              </a:rPr>
-              <a:t>Prototype</a:t>
-            </a:r>
-            <a:endParaRPr lang="en-US" altLang="zh-CN" sz="3200" i="0" dirty="0">
-              <a:solidFill>
-                <a:srgbClr val="FF0000"/>
-              </a:solidFill>
-              <a:ea typeface="宋体" pitchFamily="-65" charset="-128"/>
-              <a:cs typeface="宋体" pitchFamily="-65" charset="-128"/>
-            </a:endParaRPr>
-          </a:p>
-        </p:txBody>
-      </p:sp>
-      <p:sp>
-        <p:nvSpPr>
-          <p:cNvPr id="294915" name="Rectangle 3"/>
-          <p:cNvSpPr>
-            <a:spLocks noChangeArrowheads="1"/>
-          </p:cNvSpPr>
-          <p:nvPr/>
-        </p:nvSpPr>
-        <p:spPr bwMode="auto">
-          <a:xfrm>
-            <a:off x="228600" y="1190625"/>
-            <a:ext cx="8763000" cy="4876800"/>
-          </a:xfrm>
-          <a:prstGeom prst="rect">
-            <a:avLst/>
-          </a:prstGeom>
-          <a:noFill/>
-          <a:ln w="9525">
-            <a:noFill/>
-            <a:miter lim="800000"/>
-            <a:headEnd/>
-            <a:tailEnd/>
-          </a:ln>
-        </p:spPr>
-        <p:txBody>
-          <a:bodyPr>
-            <a:prstTxWarp prst="textNoShape">
-              <a:avLst/>
-            </a:prstTxWarp>
-          </a:bodyPr>
-          <a:lstStyle/>
-          <a:p>
-            <a:pPr marL="169863" indent="-169863">
-              <a:spcBef>
-                <a:spcPct val="40000"/>
-              </a:spcBef>
-              <a:buFontTx/>
-              <a:buChar char="•"/>
-            </a:pPr>
-            <a:endParaRPr lang="en-US" altLang="zh-CN" sz="2000" i="0">
-              <a:ea typeface="宋体" pitchFamily="-65" charset="-128"/>
-              <a:cs typeface="Times New Roman" charset="0"/>
-            </a:endParaRPr>
-          </a:p>
-        </p:txBody>
-      </p:sp>
-      <p:sp>
-        <p:nvSpPr>
-          <p:cNvPr id="294916" name="Rectangle 4"/>
-          <p:cNvSpPr>
-            <a:spLocks noChangeArrowheads="1"/>
-          </p:cNvSpPr>
-          <p:nvPr/>
-        </p:nvSpPr>
-        <p:spPr bwMode="auto">
-          <a:xfrm>
-            <a:off x="381000" y="1343025"/>
-            <a:ext cx="8763000" cy="4876800"/>
-          </a:xfrm>
-          <a:prstGeom prst="rect">
-            <a:avLst/>
-          </a:prstGeom>
-          <a:noFill/>
-          <a:ln w="9525">
-            <a:noFill/>
-            <a:miter lim="800000"/>
-            <a:headEnd/>
-            <a:tailEnd/>
-          </a:ln>
-        </p:spPr>
-        <p:txBody>
-          <a:bodyPr>
-            <a:prstTxWarp prst="textNoShape">
-              <a:avLst/>
-            </a:prstTxWarp>
-          </a:bodyPr>
-          <a:lstStyle/>
-          <a:p>
-            <a:pPr>
-              <a:buFont typeface="Arial" pitchFamily="34" charset="0"/>
-              <a:buChar char="•"/>
-            </a:pPr>
-            <a:r>
-              <a:rPr lang="en-US" altLang="zh-CN" sz="2200" i="0" dirty="0" smtClean="0">
-                <a:latin typeface="+mn-lt"/>
-                <a:ea typeface="宋体" pitchFamily="-65" charset="-128"/>
-                <a:cs typeface="Times New Roman" charset="0"/>
-              </a:rPr>
-              <a:t>$CIAO_ROOT/connectors/ami4ccm/examples/Hello</a:t>
-            </a:r>
-          </a:p>
-          <a:p>
-            <a:pPr>
-              <a:buFont typeface="Arial" pitchFamily="34" charset="0"/>
-              <a:buChar char="•"/>
-            </a:pPr>
-            <a:r>
-              <a:rPr lang="nl-NL" sz="2200" i="0" dirty="0" smtClean="0">
-                <a:latin typeface="+mn-lt"/>
-                <a:ea typeface="Courier New" charset="0"/>
-                <a:cs typeface="Courier New" charset="0"/>
-              </a:rPr>
-              <a:t>Sender component</a:t>
-            </a:r>
-          </a:p>
-          <a:p>
-            <a:pPr>
-              <a:buFont typeface="Arial" pitchFamily="34" charset="0"/>
-              <a:buChar char="•"/>
-            </a:pPr>
-            <a:r>
-              <a:rPr lang="nl-NL" sz="2200" i="0" dirty="0" smtClean="0">
-                <a:latin typeface="+mn-lt"/>
-                <a:ea typeface="Courier New" charset="0"/>
-                <a:cs typeface="Courier New" charset="0"/>
-              </a:rPr>
-              <a:t>Receiver component</a:t>
-            </a:r>
-          </a:p>
-          <a:p>
-            <a:pPr>
-              <a:buFont typeface="Arial" pitchFamily="34" charset="0"/>
-              <a:buChar char="•"/>
-            </a:pPr>
-            <a:r>
-              <a:rPr lang="nl-NL" sz="2200" i="0" dirty="0" smtClean="0">
-                <a:latin typeface="+mn-lt"/>
-                <a:ea typeface="Courier New" charset="0"/>
-                <a:cs typeface="Courier New" charset="0"/>
-              </a:rPr>
-              <a:t>AMI connector </a:t>
-            </a:r>
-            <a:endParaRPr lang="nl-NL" sz="2200" i="0" dirty="0">
-              <a:latin typeface="+mn-lt"/>
-              <a:ea typeface="Courier New" charset="0"/>
-              <a:cs typeface="Courier New" charset="0"/>
-            </a:endParaRPr>
-          </a:p>
-          <a:p>
-            <a:pPr>
-              <a:buFont typeface="Arial" pitchFamily="34" charset="0"/>
-              <a:buChar char="•"/>
-            </a:pPr>
-            <a:r>
-              <a:rPr lang="nl-NL" sz="2200" i="0" dirty="0" smtClean="0">
-                <a:latin typeface="+mn-lt"/>
-                <a:ea typeface="Courier New" charset="0"/>
-                <a:cs typeface="Courier New" charset="0"/>
-              </a:rPr>
-              <a:t>Deployment plan for these 3 components</a:t>
-            </a:r>
-            <a:r>
-              <a:rPr lang="nl-NL" sz="2200" i="0" dirty="0">
-                <a:latin typeface="+mn-lt"/>
-                <a:ea typeface="Courier New" charset="0"/>
-                <a:cs typeface="Courier New" charset="0"/>
-              </a:rPr>
-              <a:t/>
-            </a:r>
-            <a:br>
-              <a:rPr lang="nl-NL" sz="2200" i="0" dirty="0">
-                <a:latin typeface="+mn-lt"/>
-                <a:ea typeface="Courier New" charset="0"/>
-                <a:cs typeface="Courier New" charset="0"/>
-              </a:rPr>
-            </a:br>
-            <a:endParaRPr lang="nl-NL" sz="2200" i="0" dirty="0">
-              <a:latin typeface="+mn-lt"/>
-              <a:ea typeface="Courier New" charset="0"/>
-              <a:cs typeface="Courier New" charset="0"/>
-            </a:endParaRPr>
-          </a:p>
-        </p:txBody>
-      </p:sp>
-    </p:spTree>
-  </p:cSld>
-  <p:clrMapOvr>
-    <a:masterClrMapping/>
-  </p:clrMapOvr>
-  <p:timing>
-    <p:tnLst>
-      <p:par>
-        <p:cTn id="1" dur="indefinite" restart="never" nodeType="tmRoot"/>
-      </p:par>
-    </p:tnLst>
-  </p:timing>
-</p:sld>
-</file>
-
-<file path=ppt/slides/slide51.xml><?xml version="1.0" encoding="utf-8"?>
-<p:sld xmlns:a="http://schemas.openxmlformats.org/drawingml/2006/main" xmlns:r="http://schemas.openxmlformats.org/officeDocument/2006/relationships" xmlns:p="http://schemas.openxmlformats.org/presentationml/2006/main">
-  <p:cSld>
-    <p:spTree>
-      <p:nvGrpSpPr>
-        <p:cNvPr id="1" name=""/>
-        <p:cNvGrpSpPr/>
-        <p:nvPr/>
-      </p:nvGrpSpPr>
-      <p:grpSpPr>
-        <a:xfrm>
-          <a:off x="0" y="0"/>
-          <a:ext cx="0" cy="0"/>
-          <a:chOff x="0" y="0"/>
-          <a:chExt cx="0" cy="0"/>
-        </a:xfrm>
-      </p:grpSpPr>
-      <p:sp>
-        <p:nvSpPr>
-          <p:cNvPr id="294914" name="Rectangle 2"/>
-          <p:cNvSpPr>
-            <a:spLocks noChangeArrowheads="1"/>
-          </p:cNvSpPr>
-          <p:nvPr/>
-        </p:nvSpPr>
-        <p:spPr bwMode="auto">
-          <a:xfrm>
-            <a:off x="0" y="542925"/>
-            <a:ext cx="9144000" cy="381000"/>
-          </a:xfrm>
-          <a:prstGeom prst="rect">
-            <a:avLst/>
-          </a:prstGeom>
-          <a:noFill/>
-          <a:ln w="9525">
-            <a:noFill/>
-            <a:miter lim="800000"/>
-            <a:headEnd/>
-            <a:tailEnd/>
-          </a:ln>
-        </p:spPr>
-        <p:txBody>
-          <a:bodyPr anchor="ctr">
-            <a:prstTxWarp prst="textNoShape">
-              <a:avLst/>
-            </a:prstTxWarp>
-          </a:bodyPr>
-          <a:lstStyle/>
-          <a:p>
-            <a:pPr algn="ctr">
-              <a:spcBef>
-                <a:spcPct val="0"/>
-              </a:spcBef>
-            </a:pPr>
-            <a:r>
-              <a:rPr lang="en-US" altLang="zh-CN" sz="3200" i="0" dirty="0" smtClean="0">
-                <a:solidFill>
-                  <a:srgbClr val="FF0000"/>
-                </a:solidFill>
-                <a:ea typeface="宋体" pitchFamily="-65" charset="-128"/>
-                <a:cs typeface="宋体" pitchFamily="-65" charset="-128"/>
-              </a:rPr>
-              <a:t>Possible OMG Process</a:t>
-            </a:r>
-            <a:endParaRPr lang="en-US" altLang="zh-CN" sz="3200" i="0" dirty="0">
-              <a:solidFill>
-                <a:srgbClr val="FF0000"/>
-              </a:solidFill>
-              <a:ea typeface="宋体" pitchFamily="-65" charset="-128"/>
-              <a:cs typeface="宋体" pitchFamily="-65" charset="-128"/>
-            </a:endParaRPr>
-          </a:p>
-        </p:txBody>
-      </p:sp>
-      <p:sp>
-        <p:nvSpPr>
-          <p:cNvPr id="294915" name="Rectangle 3"/>
-          <p:cNvSpPr>
-            <a:spLocks noChangeArrowheads="1"/>
-          </p:cNvSpPr>
-          <p:nvPr/>
-        </p:nvSpPr>
-        <p:spPr bwMode="auto">
-          <a:xfrm>
-            <a:off x="228600" y="1190625"/>
-            <a:ext cx="8763000" cy="4876800"/>
-          </a:xfrm>
-          <a:prstGeom prst="rect">
-            <a:avLst/>
-          </a:prstGeom>
-          <a:noFill/>
-          <a:ln w="9525">
-            <a:noFill/>
-            <a:miter lim="800000"/>
-            <a:headEnd/>
-            <a:tailEnd/>
-          </a:ln>
-        </p:spPr>
-        <p:txBody>
-          <a:bodyPr>
-            <a:prstTxWarp prst="textNoShape">
-              <a:avLst/>
-            </a:prstTxWarp>
-          </a:bodyPr>
-          <a:lstStyle/>
-          <a:p>
-            <a:pPr marL="169863" indent="-169863">
-              <a:spcBef>
-                <a:spcPct val="40000"/>
-              </a:spcBef>
-              <a:buFontTx/>
-              <a:buChar char="•"/>
-            </a:pPr>
-            <a:endParaRPr lang="en-US" altLang="zh-CN" sz="2000" i="0">
-              <a:ea typeface="宋体" pitchFamily="-65" charset="-128"/>
-              <a:cs typeface="Times New Roman" charset="0"/>
-            </a:endParaRPr>
-          </a:p>
-        </p:txBody>
-      </p:sp>
-      <p:sp>
-        <p:nvSpPr>
-          <p:cNvPr id="294916" name="Rectangle 4"/>
-          <p:cNvSpPr>
-            <a:spLocks noChangeArrowheads="1"/>
-          </p:cNvSpPr>
-          <p:nvPr/>
-        </p:nvSpPr>
-        <p:spPr bwMode="auto">
-          <a:xfrm>
-            <a:off x="381000" y="1343025"/>
-            <a:ext cx="8763000" cy="4876800"/>
-          </a:xfrm>
-          <a:prstGeom prst="rect">
-            <a:avLst/>
-          </a:prstGeom>
-          <a:noFill/>
-          <a:ln w="9525">
-            <a:noFill/>
-            <a:miter lim="800000"/>
-            <a:headEnd/>
-            <a:tailEnd/>
-          </a:ln>
-        </p:spPr>
-        <p:txBody>
-          <a:bodyPr>
-            <a:prstTxWarp prst="textNoShape">
-              <a:avLst/>
-            </a:prstTxWarp>
-          </a:bodyPr>
-          <a:lstStyle/>
-          <a:p>
-            <a:pPr>
-              <a:buFont typeface="Arial" pitchFamily="34" charset="0"/>
-              <a:buChar char="•"/>
-            </a:pPr>
-            <a:r>
-              <a:rPr lang="nl-NL" sz="2200" i="0" dirty="0" smtClean="0">
-                <a:latin typeface="+mn-lt"/>
-                <a:ea typeface="Courier New" charset="0"/>
-                <a:cs typeface="Courier New" charset="0"/>
-              </a:rPr>
-              <a:t>AMI4CCM port part anymore of DDS4CCM</a:t>
-            </a:r>
-          </a:p>
-          <a:p>
-            <a:pPr>
-              <a:buFont typeface="Arial" pitchFamily="34" charset="0"/>
-              <a:buChar char="•"/>
-            </a:pPr>
-            <a:r>
-              <a:rPr lang="nl-NL" sz="2200" i="0" dirty="0" smtClean="0">
-                <a:latin typeface="+mn-lt"/>
-                <a:ea typeface="Courier New" charset="0"/>
-                <a:cs typeface="Courier New" charset="0"/>
-              </a:rPr>
-              <a:t>Standardization will take</a:t>
-            </a:r>
-          </a:p>
-          <a:p>
-            <a:pPr lvl="1">
-              <a:buFont typeface="Arial" pitchFamily="34" charset="0"/>
-              <a:buChar char="•"/>
-            </a:pPr>
-            <a:r>
-              <a:rPr lang="nl-NL" sz="2200" i="0" dirty="0" smtClean="0">
-                <a:latin typeface="+mn-lt"/>
-                <a:ea typeface="Courier New" charset="0"/>
-                <a:cs typeface="Courier New" charset="0"/>
-              </a:rPr>
-              <a:t>Request for Proposal (RFP)</a:t>
-            </a:r>
-          </a:p>
-          <a:p>
-            <a:pPr lvl="1">
-              <a:buFont typeface="Arial" pitchFamily="34" charset="0"/>
-              <a:buChar char="•"/>
-            </a:pPr>
-            <a:r>
-              <a:rPr lang="nl-NL" sz="2200" i="0" dirty="0" smtClean="0">
-                <a:latin typeface="+mn-lt"/>
-                <a:ea typeface="Courier New" charset="0"/>
-                <a:cs typeface="Courier New" charset="0"/>
-              </a:rPr>
-              <a:t>Respond to the proposal</a:t>
-            </a:r>
-          </a:p>
-          <a:p>
-            <a:pPr lvl="1">
-              <a:buFont typeface="Arial" pitchFamily="34" charset="0"/>
-              <a:buChar char="•"/>
-            </a:pPr>
-            <a:r>
-              <a:rPr lang="nl-NL" sz="2200" i="0" dirty="0" smtClean="0">
-                <a:latin typeface="+mn-lt"/>
-                <a:ea typeface="Courier New" charset="0"/>
-                <a:cs typeface="Courier New" charset="0"/>
-              </a:rPr>
-              <a:t>Agree on a beta 1 specification</a:t>
-            </a:r>
-          </a:p>
-          <a:p>
-            <a:pPr lvl="1">
-              <a:buFont typeface="Arial" pitchFamily="34" charset="0"/>
-              <a:buChar char="•"/>
-            </a:pPr>
-            <a:r>
-              <a:rPr lang="nl-NL" sz="2200" i="0" dirty="0" smtClean="0">
-                <a:latin typeface="+mn-lt"/>
-                <a:ea typeface="Courier New" charset="0"/>
-                <a:cs typeface="Courier New" charset="0"/>
-              </a:rPr>
-              <a:t>Finalization Task Force (FTF)</a:t>
-            </a:r>
-          </a:p>
-          <a:p>
-            <a:pPr>
-              <a:buFont typeface="Arial" pitchFamily="34" charset="0"/>
-              <a:buChar char="•"/>
-            </a:pPr>
-            <a:r>
-              <a:rPr lang="nl-NL" sz="2200" i="0" dirty="0" smtClean="0">
-                <a:latin typeface="+mn-lt"/>
-                <a:ea typeface="Courier New" charset="0"/>
-                <a:cs typeface="Courier New" charset="0"/>
-              </a:rPr>
-              <a:t>Time commitment</a:t>
-            </a:r>
-          </a:p>
-          <a:p>
-            <a:pPr lvl="1">
-              <a:buFont typeface="Arial" pitchFamily="34" charset="0"/>
-              <a:buChar char="•"/>
-            </a:pPr>
-            <a:r>
-              <a:rPr lang="nl-NL" sz="2200" i="0" dirty="0" smtClean="0">
-                <a:latin typeface="+mn-lt"/>
-                <a:ea typeface="Courier New" charset="0"/>
-                <a:cs typeface="Courier New" charset="0"/>
-              </a:rPr>
-              <a:t>4 visits to a OMG meeting, each one week</a:t>
-            </a:r>
-          </a:p>
-          <a:p>
-            <a:pPr lvl="1">
-              <a:buFont typeface="Arial" pitchFamily="34" charset="0"/>
-              <a:buChar char="•"/>
-            </a:pPr>
-            <a:r>
-              <a:rPr lang="nl-NL" sz="2200" i="0" dirty="0" smtClean="0">
-                <a:latin typeface="+mn-lt"/>
-                <a:ea typeface="Courier New" charset="0"/>
-                <a:cs typeface="Courier New" charset="0"/>
-              </a:rPr>
-              <a:t>Around 2 weeks of work for each meeting</a:t>
-            </a:r>
-          </a:p>
-          <a:p>
-            <a:pPr lvl="1">
-              <a:buFont typeface="Arial" pitchFamily="34" charset="0"/>
-              <a:buChar char="•"/>
-            </a:pPr>
-            <a:endParaRPr lang="nl-NL" sz="2200" i="0" dirty="0" smtClean="0">
-              <a:latin typeface="+mn-lt"/>
-              <a:ea typeface="Courier New" charset="0"/>
-              <a:cs typeface="Courier New" charset="0"/>
-            </a:endParaRPr>
-          </a:p>
-          <a:p>
-            <a:pPr lvl="1">
-              <a:buFont typeface="Arial" pitchFamily="34" charset="0"/>
-              <a:buChar char="•"/>
-            </a:pPr>
-            <a:endParaRPr lang="nl-NL" sz="2200" i="0" dirty="0" smtClean="0">
-              <a:latin typeface="+mn-lt"/>
-              <a:ea typeface="Courier New" charset="0"/>
-              <a:cs typeface="Courier New" charset="0"/>
-            </a:endParaRPr>
-          </a:p>
-          <a:p>
-            <a:pPr>
-              <a:buFont typeface="Arial" pitchFamily="34" charset="0"/>
-              <a:buChar char="•"/>
-            </a:pPr>
-            <a:endParaRPr lang="nl-NL" sz="2200" i="0" dirty="0">
-              <a:latin typeface="+mn-lt"/>
-              <a:ea typeface="Courier New" charset="0"/>
-              <a:cs typeface="Courier New" charset="0"/>
-            </a:endParaRPr>
-          </a:p>
-          <a:p>
-            <a:r>
-              <a:rPr lang="nl-NL" sz="2200" i="0" dirty="0">
-                <a:latin typeface="+mn-lt"/>
-                <a:ea typeface="Courier New" charset="0"/>
-                <a:cs typeface="Courier New" charset="0"/>
-              </a:rPr>
-              <a:t/>
-            </a:r>
-            <a:br>
-              <a:rPr lang="nl-NL" sz="2200" i="0" dirty="0">
-                <a:latin typeface="+mn-lt"/>
-                <a:ea typeface="Courier New" charset="0"/>
-                <a:cs typeface="Courier New" charset="0"/>
-              </a:rPr>
-            </a:br>
-            <a:endParaRPr lang="nl-NL" sz="2200" i="0" dirty="0">
-              <a:latin typeface="+mn-lt"/>
-              <a:ea typeface="Courier New" charset="0"/>
-              <a:cs typeface="Courier New" charset="0"/>
-            </a:endParaRPr>
-          </a:p>
-        </p:txBody>
-      </p:sp>
-    </p:spTree>
-  </p:cSld>
-  <p:clrMapOvr>
-    <a:masterClrMapping/>
-  </p:clrMapOvr>
-  <p:timing>
-    <p:tnLst>
-      <p:par>
-        <p:cTn id="1" dur="indefinite" restart="never" nodeType="tmRoot"/>
-      </p:par>
-    </p:tnLst>
-  </p:timing>
-</p:sld>
-</file>
-
-<file path=ppt/slides/slide52.xml><?xml version="1.0" encoding="utf-8"?>
-<p:sld xmlns:a="http://schemas.openxmlformats.org/drawingml/2006/main" xmlns:r="http://schemas.openxmlformats.org/officeDocument/2006/relationships" xmlns:p="http://schemas.openxmlformats.org/presentationml/2006/main">
-  <p:cSld>
-    <p:spTree>
-      <p:nvGrpSpPr>
-        <p:cNvPr id="1" name=""/>
-        <p:cNvGrpSpPr/>
-        <p:nvPr/>
-      </p:nvGrpSpPr>
-      <p:grpSpPr>
-        <a:xfrm>
-          <a:off x="0" y="0"/>
-          <a:ext cx="0" cy="0"/>
-          <a:chOff x="0" y="0"/>
-          <a:chExt cx="0" cy="0"/>
-        </a:xfrm>
-      </p:grpSpPr>
-      <p:sp>
-        <p:nvSpPr>
-          <p:cNvPr id="294914" name="Rectangle 2"/>
-          <p:cNvSpPr>
-            <a:spLocks noChangeArrowheads="1"/>
-          </p:cNvSpPr>
-          <p:nvPr/>
-        </p:nvSpPr>
-        <p:spPr bwMode="auto">
-          <a:xfrm>
-            <a:off x="0" y="542925"/>
-            <a:ext cx="9144000" cy="381000"/>
-          </a:xfrm>
-          <a:prstGeom prst="rect">
-            <a:avLst/>
-          </a:prstGeom>
-          <a:noFill/>
-          <a:ln w="9525">
-            <a:noFill/>
-            <a:miter lim="800000"/>
-            <a:headEnd/>
-            <a:tailEnd/>
-          </a:ln>
-        </p:spPr>
-        <p:txBody>
-          <a:bodyPr anchor="ctr">
-            <a:prstTxWarp prst="textNoShape">
-              <a:avLst/>
-            </a:prstTxWarp>
-          </a:bodyPr>
-          <a:lstStyle/>
-          <a:p>
-            <a:pPr algn="ctr">
-              <a:spcBef>
-                <a:spcPct val="0"/>
-              </a:spcBef>
-            </a:pPr>
-            <a:r>
-              <a:rPr lang="en-US" altLang="zh-CN" sz="3200" i="0" dirty="0" smtClean="0">
-                <a:solidFill>
-                  <a:srgbClr val="FF0000"/>
-                </a:solidFill>
-                <a:ea typeface="宋体" pitchFamily="-65" charset="-128"/>
-                <a:cs typeface="宋体" pitchFamily="-65" charset="-128"/>
-              </a:rPr>
-              <a:t>Modeling</a:t>
-            </a:r>
-            <a:endParaRPr lang="en-US" altLang="zh-CN" sz="3200" i="0" dirty="0">
-              <a:solidFill>
-                <a:srgbClr val="FF0000"/>
-              </a:solidFill>
-              <a:ea typeface="宋体" pitchFamily="-65" charset="-128"/>
-              <a:cs typeface="宋体" pitchFamily="-65" charset="-128"/>
-            </a:endParaRPr>
-          </a:p>
-        </p:txBody>
-      </p:sp>
-      <p:sp>
-        <p:nvSpPr>
-          <p:cNvPr id="294915" name="Rectangle 3"/>
-          <p:cNvSpPr>
-            <a:spLocks noChangeArrowheads="1"/>
-          </p:cNvSpPr>
-          <p:nvPr/>
-        </p:nvSpPr>
-        <p:spPr bwMode="auto">
-          <a:xfrm>
-            <a:off x="228600" y="1190625"/>
-            <a:ext cx="8763000" cy="4876800"/>
-          </a:xfrm>
-          <a:prstGeom prst="rect">
-            <a:avLst/>
-          </a:prstGeom>
-          <a:noFill/>
-          <a:ln w="9525">
-            <a:noFill/>
-            <a:miter lim="800000"/>
-            <a:headEnd/>
-            <a:tailEnd/>
-          </a:ln>
-        </p:spPr>
-        <p:txBody>
-          <a:bodyPr>
-            <a:prstTxWarp prst="textNoShape">
-              <a:avLst/>
-            </a:prstTxWarp>
-          </a:bodyPr>
-          <a:lstStyle/>
-          <a:p>
-            <a:pPr marL="169863" indent="-169863">
-              <a:spcBef>
-                <a:spcPct val="40000"/>
-              </a:spcBef>
-              <a:buFontTx/>
-              <a:buChar char="•"/>
-            </a:pPr>
-            <a:endParaRPr lang="en-US" altLang="zh-CN" sz="2000" i="0">
-              <a:ea typeface="宋体" pitchFamily="-65" charset="-128"/>
-              <a:cs typeface="Times New Roman" charset="0"/>
-            </a:endParaRPr>
-          </a:p>
-        </p:txBody>
-      </p:sp>
-      <p:sp>
-        <p:nvSpPr>
-          <p:cNvPr id="294916" name="Rectangle 4"/>
-          <p:cNvSpPr>
-            <a:spLocks noChangeArrowheads="1"/>
-          </p:cNvSpPr>
-          <p:nvPr/>
-        </p:nvSpPr>
-        <p:spPr bwMode="auto">
-          <a:xfrm>
-            <a:off x="381000" y="1343025"/>
-            <a:ext cx="8763000" cy="4876800"/>
-          </a:xfrm>
-          <a:prstGeom prst="rect">
-            <a:avLst/>
-          </a:prstGeom>
-          <a:noFill/>
-          <a:ln w="9525">
-            <a:noFill/>
-            <a:miter lim="800000"/>
-            <a:headEnd/>
-            <a:tailEnd/>
-          </a:ln>
-        </p:spPr>
-        <p:txBody>
-          <a:bodyPr>
-            <a:prstTxWarp prst="textNoShape">
-              <a:avLst/>
-            </a:prstTxWarp>
-          </a:bodyPr>
-          <a:lstStyle/>
-          <a:p>
-            <a:pPr>
-              <a:buFont typeface="Arial" pitchFamily="34" charset="0"/>
-              <a:buChar char="•"/>
-            </a:pPr>
-            <a:r>
-              <a:rPr lang="nl-NL" sz="2200" i="0" dirty="0" smtClean="0">
-                <a:latin typeface="+mn-lt"/>
-                <a:ea typeface="Courier New" charset="0"/>
-                <a:cs typeface="Courier New" charset="0"/>
-              </a:rPr>
-              <a:t>Working modeling environment must be avaible for making larger tests</a:t>
-            </a:r>
-          </a:p>
-          <a:p>
-            <a:pPr>
-              <a:buFont typeface="Arial" pitchFamily="34" charset="0"/>
-              <a:buChar char="•"/>
-            </a:pPr>
-            <a:r>
-              <a:rPr lang="en-US" sz="2200" i="0" dirty="0" smtClean="0">
-                <a:latin typeface="+mn-lt"/>
-                <a:ea typeface="Courier New" charset="0"/>
-                <a:cs typeface="Courier New" charset="0"/>
-              </a:rPr>
-              <a:t>Runtime and modeling efforts should be synchronized</a:t>
-            </a:r>
-            <a:endParaRPr lang="nl-NL" sz="2200" i="0" dirty="0" smtClean="0">
-              <a:latin typeface="+mn-lt"/>
-              <a:ea typeface="Courier New" charset="0"/>
-              <a:cs typeface="Courier New" charset="0"/>
-            </a:endParaRPr>
-          </a:p>
-        </p:txBody>
-      </p:sp>
-    </p:spTree>
-  </p:cSld>
-  <p:clrMapOvr>
-    <a:masterClrMapping/>
-  </p:clrMapOvr>
-  <p:timing>
-    <p:tnLst>
-      <p:par>
-        <p:cTn id="1" dur="indefinite" restart="never" nodeType="tmRoot"/>
-      </p:par>
-    </p:tnLst>
-  </p:timing>
-</p:sld>
-</file>
-
-<file path=ppt/slides/slide6.xml><?xml version="1.0" encoding="utf-8"?>
-<p:sld xmlns:a="http://schemas.openxmlformats.org/drawingml/2006/main" xmlns:r="http://schemas.openxmlformats.org/officeDocument/2006/relationships" xmlns:p="http://schemas.openxmlformats.org/presentationml/2006/main">
-  <p:cSld>
-    <p:spTree>
-      <p:nvGrpSpPr>
-        <p:cNvPr id="1" name=""/>
-        <p:cNvGrpSpPr/>
-        <p:nvPr/>
-      </p:nvGrpSpPr>
-      <p:grpSpPr>
-        <a:xfrm>
-          <a:off x="0" y="0"/>
-          <a:ext cx="0" cy="0"/>
-          <a:chOff x="0" y="0"/>
-          <a:chExt cx="0" cy="0"/>
-        </a:xfrm>
-      </p:grpSpPr>
-      <p:sp>
-        <p:nvSpPr>
-          <p:cNvPr id="259074" name="Slide Number Placeholder 4"/>
-          <p:cNvSpPr>
-            <a:spLocks noGrp="1"/>
-          </p:cNvSpPr>
-          <p:nvPr>
-            <p:ph type="sldNum" sz="quarter" idx="10"/>
-          </p:nvPr>
-        </p:nvSpPr>
-        <p:spPr>
-          <a:noFill/>
-        </p:spPr>
-        <p:txBody>
-          <a:bodyPr/>
-          <a:lstStyle/>
-          <a:p>
-            <a:fld id="{5F5EAC2B-714A-C24E-A801-C1792E385BC6}" type="slidenum">
-              <a:rPr lang="zh-CN" altLang="en-US"/>
-              <a:pPr/>
-              <a:t>6</a:t>
-            </a:fld>
-            <a:endParaRPr lang="en-US" altLang="zh-CN" dirty="0"/>
-          </a:p>
-        </p:txBody>
-      </p:sp>
-      <p:sp>
-        <p:nvSpPr>
-          <p:cNvPr id="259075" name="Rectangle 2"/>
-          <p:cNvSpPr>
-            <a:spLocks noGrp="1" noChangeArrowheads="1"/>
-          </p:cNvSpPr>
-          <p:nvPr>
-            <p:ph type="body" idx="1"/>
-          </p:nvPr>
-        </p:nvSpPr>
-        <p:spPr>
-          <a:xfrm>
-            <a:off x="1311275" y="1066800"/>
-            <a:ext cx="7213600" cy="5019675"/>
-          </a:xfrm>
-          <a:noFill/>
-        </p:spPr>
-        <p:txBody>
-          <a:bodyPr anchor="ctr" anchorCtr="1"/>
-          <a:lstStyle/>
-          <a:p>
-            <a:pPr algn="ctr" eaLnBrk="1" hangingPunct="1">
-              <a:buFont typeface="Wingdings" charset="2"/>
-              <a:buNone/>
-            </a:pPr>
-            <a:endParaRPr lang="zh-CN" altLang="en-US" sz="5400">
-              <a:solidFill>
-                <a:srgbClr val="FF3300"/>
-              </a:solidFill>
-            </a:endParaRPr>
-          </a:p>
-          <a:p>
-            <a:pPr algn="ctr" eaLnBrk="1" hangingPunct="1">
-              <a:buFont typeface="Wingdings" charset="2"/>
-              <a:buNone/>
-            </a:pPr>
-            <a:r>
-              <a:rPr lang="en-US" altLang="zh-CN" sz="5400" dirty="0">
-                <a:solidFill>
-                  <a:srgbClr val="FF3300"/>
-                </a:solidFill>
-              </a:rPr>
-              <a:t>IDL3+</a:t>
-            </a:r>
-          </a:p>
-          <a:p>
-            <a:pPr algn="ctr" eaLnBrk="1" hangingPunct="1">
-              <a:buFont typeface="Wingdings" charset="2"/>
-              <a:buNone/>
-            </a:pPr>
-            <a:endParaRPr lang="zh-CN" altLang="en-US" sz="5400">
-              <a:solidFill>
-                <a:srgbClr val="FF3300"/>
-              </a:solidFill>
-            </a:endParaRPr>
-          </a:p>
-        </p:txBody>
-      </p:sp>
-    </p:spTree>
-  </p:cSld>
-  <p:clrMapOvr>
-    <a:masterClrMapping/>
-  </p:clrMapOvr>
-  <p:timing>
-    <p:tnLst>
-      <p:par>
-        <p:cTn id="1" dur="indefinite" restart="never" nodeType="tmRoot"/>
-      </p:par>
-    </p:tnLst>
-  </p:timing>
-</p:sld>
-</file>
-
-<file path=ppt/slides/slide7.xml><?xml version="1.0" encoding="utf-8"?>
-<p:sld xmlns:a="http://schemas.openxmlformats.org/drawingml/2006/main" xmlns:r="http://schemas.openxmlformats.org/officeDocument/2006/relationships" xmlns:p="http://schemas.openxmlformats.org/presentationml/2006/main">
-  <p:cSld>
-    <p:spTree>
-      <p:nvGrpSpPr>
-        <p:cNvPr id="1" name=""/>
-        <p:cNvGrpSpPr/>
-        <p:nvPr/>
-      </p:nvGrpSpPr>
-      <p:grpSpPr>
-        <a:xfrm>
-          <a:off x="0" y="0"/>
-          <a:ext cx="0" cy="0"/>
-          <a:chOff x="0" y="0"/>
-          <a:chExt cx="0" cy="0"/>
-        </a:xfrm>
-      </p:grpSpPr>
-      <p:sp>
-        <p:nvSpPr>
-          <p:cNvPr id="260098" name="Rectangle 2"/>
-          <p:cNvSpPr>
-            <a:spLocks noChangeArrowheads="1"/>
-          </p:cNvSpPr>
-          <p:nvPr/>
-        </p:nvSpPr>
-        <p:spPr bwMode="auto">
-          <a:xfrm>
-            <a:off x="0" y="542925"/>
-            <a:ext cx="9144000" cy="381000"/>
-          </a:xfrm>
-          <a:prstGeom prst="rect">
-            <a:avLst/>
-          </a:prstGeom>
-          <a:noFill/>
-          <a:ln w="9525">
-            <a:noFill/>
-            <a:miter lim="800000"/>
-            <a:headEnd/>
-            <a:tailEnd/>
-          </a:ln>
-        </p:spPr>
-        <p:txBody>
-          <a:bodyPr anchor="ctr">
-            <a:prstTxWarp prst="textNoShape">
-              <a:avLst/>
-            </a:prstTxWarp>
-          </a:bodyPr>
-          <a:lstStyle/>
-          <a:p>
-            <a:pPr algn="ctr">
-              <a:spcBef>
-                <a:spcPct val="0"/>
-              </a:spcBef>
-            </a:pPr>
-            <a:r>
-              <a:rPr lang="en-US" altLang="zh-CN" sz="3200" i="0" dirty="0" smtClean="0">
-                <a:solidFill>
-                  <a:srgbClr val="FF0000"/>
-                </a:solidFill>
-                <a:ea typeface="宋体" pitchFamily="-65" charset="-128"/>
-                <a:cs typeface="宋体" pitchFamily="-65" charset="-128"/>
-              </a:rPr>
-              <a:t>Grouping Related Services</a:t>
-            </a:r>
-            <a:endParaRPr lang="en-US" altLang="zh-CN" sz="3200" i="0" dirty="0">
-              <a:solidFill>
-                <a:srgbClr val="FF0000"/>
-              </a:solidFill>
-              <a:ea typeface="宋体" pitchFamily="-65" charset="-128"/>
-              <a:cs typeface="宋体" pitchFamily="-65" charset="-128"/>
-            </a:endParaRPr>
-          </a:p>
-        </p:txBody>
-      </p:sp>
-      <p:sp>
-        <p:nvSpPr>
-          <p:cNvPr id="260099" name="Rectangle 3"/>
-          <p:cNvSpPr>
-            <a:spLocks noChangeArrowheads="1"/>
-          </p:cNvSpPr>
-          <p:nvPr/>
-        </p:nvSpPr>
-        <p:spPr bwMode="auto">
-          <a:xfrm>
-            <a:off x="228600" y="1190625"/>
-            <a:ext cx="8763000" cy="4876800"/>
-          </a:xfrm>
-          <a:prstGeom prst="rect">
-            <a:avLst/>
-          </a:prstGeom>
-          <a:noFill/>
-          <a:ln w="9525">
-            <a:noFill/>
-            <a:miter lim="800000"/>
-            <a:headEnd/>
-            <a:tailEnd/>
-          </a:ln>
-        </p:spPr>
-        <p:txBody>
-          <a:bodyPr>
-            <a:prstTxWarp prst="textNoShape">
-              <a:avLst/>
-            </a:prstTxWarp>
-          </a:bodyPr>
-          <a:lstStyle/>
-          <a:p>
-            <a:pPr marL="169863" indent="-169863">
-              <a:spcBef>
-                <a:spcPct val="40000"/>
-              </a:spcBef>
-              <a:buFontTx/>
-              <a:buChar char="•"/>
-            </a:pPr>
-            <a:endParaRPr lang="en-US" altLang="zh-CN" sz="2000" i="0" dirty="0">
-              <a:ea typeface="宋体" pitchFamily="-65" charset="-128"/>
-              <a:cs typeface="Times New Roman" charset="0"/>
-            </a:endParaRPr>
-          </a:p>
-        </p:txBody>
-      </p:sp>
-      <p:sp>
-        <p:nvSpPr>
-          <p:cNvPr id="260100" name="Rectangle 3"/>
-          <p:cNvSpPr>
-            <a:spLocks noChangeArrowheads="1"/>
-          </p:cNvSpPr>
-          <p:nvPr/>
-        </p:nvSpPr>
-        <p:spPr bwMode="auto">
-          <a:xfrm>
-            <a:off x="0" y="1058429"/>
             <a:ext cx="6985238" cy="5161396"/>
           </a:xfrm>
           <a:prstGeom prst="rect">
@@ -25984,7 +28348,7 @@
 </file>
 
 <file path=ppt/slides/slide8.xml><?xml version="1.0" encoding="utf-8"?>
-<p:sld xmlns:a="http://schemas.openxmlformats.org/drawingml/2006/main" xmlns:r="http://schemas.openxmlformats.org/officeDocument/2006/relationships" xmlns:p="http://schemas.openxmlformats.org/presentationml/2006/main">
+<p:sld xmlns:a="http://schemas.openxmlformats.org/drawingml/2006/main" xmlns:r="http://schemas.openxmlformats.org/officeDocument/2006/relationships" xmlns:mc="http://schemas.openxmlformats.org/markup-compatibility/2006" xmlns:mv="urn:schemas-microsoft-com:mac:vml" xmlns:p="http://schemas.openxmlformats.org/presentationml/2006/main" mc:Ignorable="mv" mc:PreserveAttributes="mv:*">
   <p:cSld>
     <p:spTree>
       <p:nvGrpSpPr>
@@ -26215,33 +28579,7 @@
                 <a:effectLst/>
                 <a:latin typeface="Arial" pitchFamily="-65" charset="0"/>
               </a:rPr>
-              <a:t> and </a:t>
-            </a:r>
-            <a:r>
-              <a:rPr kumimoji="0" lang="en-US" sz="2400" b="1" i="0" u="none" strike="noStrike" cap="none" normalizeH="0" dirty="0" smtClean="0">
-                <a:ln>
-                  <a:noFill/>
-                </a:ln>
-                <a:solidFill>
-                  <a:srgbClr val="FF0000"/>
-                </a:solidFill>
-                <a:effectLst/>
-                <a:latin typeface="Arial" pitchFamily="-65" charset="0"/>
-              </a:rPr>
-              <a:t>will change </a:t>
-            </a:r>
-            <a:r>
-              <a:rPr kumimoji="0" lang="en-US" sz="2400" b="1" i="0" u="none" strike="noStrike" cap="none" normalizeH="0" dirty="0" smtClean="0">
-                <a:ln>
-                  <a:noFill/>
-                </a:ln>
-                <a:solidFill>
-                  <a:srgbClr val="FF0000"/>
-                </a:solidFill>
-                <a:effectLst/>
-                <a:latin typeface="Arial" pitchFamily="-65" charset="0"/>
-              </a:rPr>
-              <a:t>in the near future!</a:t>
+              <a:t> and will change in the near future!</a:t>
             </a:r>
             <a:endParaRPr kumimoji="0" lang="en-US" sz="2400" b="1" i="0" u="none" strike="noStrike" cap="none" normalizeH="0" baseline="0" dirty="0">
               <a:ln>
@@ -26351,7 +28689,7 @@
 </file>
 
 <file path=ppt/slides/slide9.xml><?xml version="1.0" encoding="utf-8"?>
-<p:sld xmlns:a="http://schemas.openxmlformats.org/drawingml/2006/main" xmlns:r="http://schemas.openxmlformats.org/officeDocument/2006/relationships" xmlns:p="http://schemas.openxmlformats.org/presentationml/2006/main">
+<p:sld xmlns:a="http://schemas.openxmlformats.org/drawingml/2006/main" xmlns:r="http://schemas.openxmlformats.org/officeDocument/2006/relationships" xmlns:mc="http://schemas.openxmlformats.org/markup-compatibility/2006" xmlns:mv="urn:schemas-microsoft-com:mac:vml" xmlns:p="http://schemas.openxmlformats.org/presentationml/2006/main" mc:Ignorable="mv" mc:PreserveAttributes="mv:*">
   <p:cSld>
     <p:spTree>
       <p:nvGrpSpPr>

--- a/modules/CIAO/docs/Connectors.pptx
+++ b/modules/CIAO/docs/Connectors.pptx
@@ -1,6 +1,6 @@
 
 <file path=ppt/presentation.xml><?xml version="1.0" encoding="utf-8"?>
-<p:presentation xmlns:a="http://schemas.openxmlformats.org/drawingml/2006/main" xmlns:r="http://schemas.openxmlformats.org/officeDocument/2006/relationships" xmlns:mc="http://schemas.openxmlformats.org/markup-compatibility/2006" xmlns:mv="urn:schemas-microsoft-com:mac:vml" xmlns:p="http://schemas.openxmlformats.org/presentationml/2006/main" mc:Ignorable="mv" mc:PreserveAttributes="mv:*" strictFirstAndLastChars="0" saveSubsetFonts="1" autoCompressPictures="0">
+<p:presentation xmlns:a="http://schemas.openxmlformats.org/drawingml/2006/main" xmlns:r="http://schemas.openxmlformats.org/officeDocument/2006/relationships" xmlns:p="http://schemas.openxmlformats.org/presentationml/2006/main" strictFirstAndLastChars="0" saveSubsetFonts="1" autoCompressPictures="0">
   <p:sldMasterIdLst>
     <p:sldMasterId id="2147483723" r:id="rId1"/>
     <p:sldMasterId id="2147483725" r:id="rId2"/>
@@ -195,7 +195,7 @@
 </file>
 
 <file path=ppt/handoutMasters/handoutMaster1.xml><?xml version="1.0" encoding="utf-8"?>
-<p:handoutMaster xmlns:a="http://schemas.openxmlformats.org/drawingml/2006/main" xmlns:r="http://schemas.openxmlformats.org/officeDocument/2006/relationships" xmlns:mc="http://schemas.openxmlformats.org/markup-compatibility/2006" xmlns:mv="urn:schemas-microsoft-com:mac:vml" xmlns:p="http://schemas.openxmlformats.org/presentationml/2006/main" mc:Ignorable="mv" mc:PreserveAttributes="mv:*">
+<p:handoutMaster xmlns:a="http://schemas.openxmlformats.org/drawingml/2006/main" xmlns:r="http://schemas.openxmlformats.org/officeDocument/2006/relationships" xmlns:p="http://schemas.openxmlformats.org/presentationml/2006/main">
   <p:cSld>
     <p:bg>
       <p:bgPr>
@@ -432,7 +432,7 @@
 </file>
 
 <file path=ppt/notesMasters/notesMaster1.xml><?xml version="1.0" encoding="utf-8"?>
-<p:notesMaster xmlns:a="http://schemas.openxmlformats.org/drawingml/2006/main" xmlns:r="http://schemas.openxmlformats.org/officeDocument/2006/relationships" xmlns:mc="http://schemas.openxmlformats.org/markup-compatibility/2006" xmlns:mv="urn:schemas-microsoft-com:mac:vml" xmlns:p="http://schemas.openxmlformats.org/presentationml/2006/main" mc:Ignorable="mv" mc:PreserveAttributes="mv:*">
+<p:notesMaster xmlns:a="http://schemas.openxmlformats.org/drawingml/2006/main" xmlns:r="http://schemas.openxmlformats.org/officeDocument/2006/relationships" xmlns:p="http://schemas.openxmlformats.org/presentationml/2006/main">
   <p:cSld>
     <p:bg>
       <p:bgPr>
@@ -891,7 +891,7 @@
 </file>
 
 <file path=ppt/slideLayouts/slideLayout1.xml><?xml version="1.0" encoding="utf-8"?>
-<p:sldLayout xmlns:a="http://schemas.openxmlformats.org/drawingml/2006/main" xmlns:r="http://schemas.openxmlformats.org/officeDocument/2006/relationships" xmlns:mc="http://schemas.openxmlformats.org/markup-compatibility/2006" xmlns:mv="urn:schemas-microsoft-com:mac:vml" xmlns:p="http://schemas.openxmlformats.org/presentationml/2006/main" mc:Ignorable="mv" mc:PreserveAttributes="mv:*" showMasterSp="0" type="title" preserve="1">
+<p:sldLayout xmlns:a="http://schemas.openxmlformats.org/drawingml/2006/main" xmlns:r="http://schemas.openxmlformats.org/officeDocument/2006/relationships" xmlns:p="http://schemas.openxmlformats.org/presentationml/2006/main" showMasterSp="0" type="title" preserve="1">
   <p:cSld name="Title Slide">
     <p:spTree>
       <p:nvGrpSpPr>
@@ -1024,7 +1024,7 @@
 </file>
 
 <file path=ppt/slideLayouts/slideLayout10.xml><?xml version="1.0" encoding="utf-8"?>
-<p:sldLayout xmlns:a="http://schemas.openxmlformats.org/drawingml/2006/main" xmlns:r="http://schemas.openxmlformats.org/officeDocument/2006/relationships" xmlns:mc="http://schemas.openxmlformats.org/markup-compatibility/2006" xmlns:mv="urn:schemas-microsoft-com:mac:vml" xmlns:p="http://schemas.openxmlformats.org/presentationml/2006/main" mc:Ignorable="mv" mc:PreserveAttributes="mv:*" type="vertTx" preserve="1">
+<p:sldLayout xmlns:a="http://schemas.openxmlformats.org/drawingml/2006/main" xmlns:r="http://schemas.openxmlformats.org/officeDocument/2006/relationships" xmlns:p="http://schemas.openxmlformats.org/presentationml/2006/main" type="vertTx" preserve="1">
   <p:cSld name="Title and Vertical Text">
     <p:spTree>
       <p:nvGrpSpPr>
@@ -1124,7 +1124,7 @@
 </file>
 
 <file path=ppt/slideLayouts/slideLayout11.xml><?xml version="1.0" encoding="utf-8"?>
-<p:sldLayout xmlns:a="http://schemas.openxmlformats.org/drawingml/2006/main" xmlns:r="http://schemas.openxmlformats.org/officeDocument/2006/relationships" xmlns:mc="http://schemas.openxmlformats.org/markup-compatibility/2006" xmlns:mv="urn:schemas-microsoft-com:mac:vml" xmlns:p="http://schemas.openxmlformats.org/presentationml/2006/main" mc:Ignorable="mv" mc:PreserveAttributes="mv:*" type="vertTitleAndTx" preserve="1">
+<p:sldLayout xmlns:a="http://schemas.openxmlformats.org/drawingml/2006/main" xmlns:r="http://schemas.openxmlformats.org/officeDocument/2006/relationships" xmlns:p="http://schemas.openxmlformats.org/presentationml/2006/main" type="vertTitleAndTx" preserve="1">
   <p:cSld name="Vertical Title and Text">
     <p:spTree>
       <p:nvGrpSpPr>
@@ -1234,7 +1234,7 @@
 </file>
 
 <file path=ppt/slideLayouts/slideLayout12.xml><?xml version="1.0" encoding="utf-8"?>
-<p:sldLayout xmlns:a="http://schemas.openxmlformats.org/drawingml/2006/main" xmlns:r="http://schemas.openxmlformats.org/officeDocument/2006/relationships" xmlns:mc="http://schemas.openxmlformats.org/markup-compatibility/2006" xmlns:mv="urn:schemas-microsoft-com:mac:vml" xmlns:p="http://schemas.openxmlformats.org/presentationml/2006/main" mc:Ignorable="mv" mc:PreserveAttributes="mv:*" type="txAndObj" preserve="1">
+<p:sldLayout xmlns:a="http://schemas.openxmlformats.org/drawingml/2006/main" xmlns:r="http://schemas.openxmlformats.org/officeDocument/2006/relationships" xmlns:p="http://schemas.openxmlformats.org/presentationml/2006/main" type="txAndObj" preserve="1">
   <p:cSld name="Title, Text, and Content">
     <p:spTree>
       <p:nvGrpSpPr>
@@ -1401,7 +1401,7 @@
 </file>
 
 <file path=ppt/slideLayouts/slideLayout13.xml><?xml version="1.0" encoding="utf-8"?>
-<p:sldLayout xmlns:a="http://schemas.openxmlformats.org/drawingml/2006/main" xmlns:r="http://schemas.openxmlformats.org/officeDocument/2006/relationships" xmlns:mc="http://schemas.openxmlformats.org/markup-compatibility/2006" xmlns:mv="urn:schemas-microsoft-com:mac:vml" xmlns:p="http://schemas.openxmlformats.org/presentationml/2006/main" mc:Ignorable="mv" mc:PreserveAttributes="mv:*" type="objAndTx" preserve="1">
+<p:sldLayout xmlns:a="http://schemas.openxmlformats.org/drawingml/2006/main" xmlns:r="http://schemas.openxmlformats.org/officeDocument/2006/relationships" xmlns:p="http://schemas.openxmlformats.org/presentationml/2006/main" type="objAndTx" preserve="1">
   <p:cSld name="Title, Content and Text">
     <p:spTree>
       <p:nvGrpSpPr>
@@ -1568,7 +1568,7 @@
 </file>
 
 <file path=ppt/slideLayouts/slideLayout14.xml><?xml version="1.0" encoding="utf-8"?>
-<p:sldLayout xmlns:a="http://schemas.openxmlformats.org/drawingml/2006/main" xmlns:r="http://schemas.openxmlformats.org/officeDocument/2006/relationships" xmlns:mc="http://schemas.openxmlformats.org/markup-compatibility/2006" xmlns:mv="urn:schemas-microsoft-com:mac:vml" xmlns:p="http://schemas.openxmlformats.org/presentationml/2006/main" mc:Ignorable="mv" mc:PreserveAttributes="mv:*" type="txAndTwoObj" preserve="1">
+<p:sldLayout xmlns:a="http://schemas.openxmlformats.org/drawingml/2006/main" xmlns:r="http://schemas.openxmlformats.org/officeDocument/2006/relationships" xmlns:p="http://schemas.openxmlformats.org/presentationml/2006/main" type="txAndTwoObj" preserve="1">
   <p:cSld name="Title, Text, and 2 Content">
     <p:spTree>
       <p:nvGrpSpPr>
@@ -1792,7 +1792,7 @@
 </file>
 
 <file path=ppt/slideLayouts/slideLayout15.xml><?xml version="1.0" encoding="utf-8"?>
-<p:sldLayout xmlns:a="http://schemas.openxmlformats.org/drawingml/2006/main" xmlns:r="http://schemas.openxmlformats.org/officeDocument/2006/relationships" xmlns:mc="http://schemas.openxmlformats.org/markup-compatibility/2006" xmlns:mv="urn:schemas-microsoft-com:mac:vml" xmlns:p="http://schemas.openxmlformats.org/presentationml/2006/main" mc:Ignorable="mv" mc:PreserveAttributes="mv:*" type="twoObjAndTx" preserve="1">
+<p:sldLayout xmlns:a="http://schemas.openxmlformats.org/drawingml/2006/main" xmlns:r="http://schemas.openxmlformats.org/officeDocument/2006/relationships" xmlns:p="http://schemas.openxmlformats.org/presentationml/2006/main" type="twoObjAndTx" preserve="1">
   <p:cSld name="Title, 2 Content and Text">
     <p:spTree>
       <p:nvGrpSpPr>
@@ -2016,7 +2016,7 @@
 </file>
 
 <file path=ppt/slideLayouts/slideLayout16.xml><?xml version="1.0" encoding="utf-8"?>
-<p:sldLayout xmlns:a="http://schemas.openxmlformats.org/drawingml/2006/main" xmlns:r="http://schemas.openxmlformats.org/officeDocument/2006/relationships" xmlns:mc="http://schemas.openxmlformats.org/markup-compatibility/2006" xmlns:mv="urn:schemas-microsoft-com:mac:vml" xmlns:p="http://schemas.openxmlformats.org/presentationml/2006/main" mc:Ignorable="mv" mc:PreserveAttributes="mv:*" type="txOverObj" preserve="1">
+<p:sldLayout xmlns:a="http://schemas.openxmlformats.org/drawingml/2006/main" xmlns:r="http://schemas.openxmlformats.org/officeDocument/2006/relationships" xmlns:p="http://schemas.openxmlformats.org/presentationml/2006/main" type="txOverObj" preserve="1">
   <p:cSld name="Title and Text over Content">
     <p:spTree>
       <p:nvGrpSpPr>
@@ -2183,7 +2183,7 @@
 </file>
 
 <file path=ppt/slideLayouts/slideLayout17.xml><?xml version="1.0" encoding="utf-8"?>
-<p:sldLayout xmlns:a="http://schemas.openxmlformats.org/drawingml/2006/main" xmlns:r="http://schemas.openxmlformats.org/officeDocument/2006/relationships" xmlns:mc="http://schemas.openxmlformats.org/markup-compatibility/2006" xmlns:mv="urn:schemas-microsoft-com:mac:vml" xmlns:p="http://schemas.openxmlformats.org/presentationml/2006/main" mc:Ignorable="mv" mc:PreserveAttributes="mv:*" type="objOnly" preserve="1">
+<p:sldLayout xmlns:a="http://schemas.openxmlformats.org/drawingml/2006/main" xmlns:r="http://schemas.openxmlformats.org/officeDocument/2006/relationships" xmlns:p="http://schemas.openxmlformats.org/presentationml/2006/main" type="objOnly" preserve="1">
   <p:cSld name="Content">
     <p:spTree>
       <p:nvGrpSpPr>
@@ -2265,7 +2265,7 @@
 </file>
 
 <file path=ppt/slideLayouts/slideLayout18.xml><?xml version="1.0" encoding="utf-8"?>
-<p:sldLayout xmlns:a="http://schemas.openxmlformats.org/drawingml/2006/main" xmlns:r="http://schemas.openxmlformats.org/officeDocument/2006/relationships" xmlns:mc="http://schemas.openxmlformats.org/markup-compatibility/2006" xmlns:mv="urn:schemas-microsoft-com:mac:vml" xmlns:p="http://schemas.openxmlformats.org/presentationml/2006/main" mc:Ignorable="mv" mc:PreserveAttributes="mv:*" type="objOverTx" preserve="1">
+<p:sldLayout xmlns:a="http://schemas.openxmlformats.org/drawingml/2006/main" xmlns:r="http://schemas.openxmlformats.org/officeDocument/2006/relationships" xmlns:p="http://schemas.openxmlformats.org/presentationml/2006/main" type="objOverTx" preserve="1">
   <p:cSld name="Title and Content over Text">
     <p:spTree>
       <p:nvGrpSpPr>
@@ -2432,7 +2432,7 @@
 </file>
 
 <file path=ppt/slideLayouts/slideLayout19.xml><?xml version="1.0" encoding="utf-8"?>
-<p:sldLayout xmlns:a="http://schemas.openxmlformats.org/drawingml/2006/main" xmlns:r="http://schemas.openxmlformats.org/officeDocument/2006/relationships" xmlns:mc="http://schemas.openxmlformats.org/markup-compatibility/2006" xmlns:mv="urn:schemas-microsoft-com:mac:vml" xmlns:p="http://schemas.openxmlformats.org/presentationml/2006/main" mc:Ignorable="mv" mc:PreserveAttributes="mv:*" type="objAndTwoObj" preserve="1">
+<p:sldLayout xmlns:a="http://schemas.openxmlformats.org/drawingml/2006/main" xmlns:r="http://schemas.openxmlformats.org/officeDocument/2006/relationships" xmlns:p="http://schemas.openxmlformats.org/presentationml/2006/main" type="objAndTwoObj" preserve="1">
   <p:cSld name="Title, Content, and 2 Content">
     <p:spTree>
       <p:nvGrpSpPr>
@@ -2656,7 +2656,7 @@
 </file>
 
 <file path=ppt/slideLayouts/slideLayout2.xml><?xml version="1.0" encoding="utf-8"?>
-<p:sldLayout xmlns:a="http://schemas.openxmlformats.org/drawingml/2006/main" xmlns:r="http://schemas.openxmlformats.org/officeDocument/2006/relationships" xmlns:mc="http://schemas.openxmlformats.org/markup-compatibility/2006" xmlns:mv="urn:schemas-microsoft-com:mac:vml" xmlns:p="http://schemas.openxmlformats.org/presentationml/2006/main" mc:Ignorable="mv" mc:PreserveAttributes="mv:*" type="obj" preserve="1">
+<p:sldLayout xmlns:a="http://schemas.openxmlformats.org/drawingml/2006/main" xmlns:r="http://schemas.openxmlformats.org/officeDocument/2006/relationships" xmlns:p="http://schemas.openxmlformats.org/presentationml/2006/main" type="obj" preserve="1">
   <p:cSld name="Title and Content">
     <p:spTree>
       <p:nvGrpSpPr>
@@ -2756,7 +2756,7 @@
 </file>
 
 <file path=ppt/slideLayouts/slideLayout20.xml><?xml version="1.0" encoding="utf-8"?>
-<p:sldLayout xmlns:a="http://schemas.openxmlformats.org/drawingml/2006/main" xmlns:r="http://schemas.openxmlformats.org/officeDocument/2006/relationships" xmlns:mc="http://schemas.openxmlformats.org/markup-compatibility/2006" xmlns:mv="urn:schemas-microsoft-com:mac:vml" xmlns:p="http://schemas.openxmlformats.org/presentationml/2006/main" mc:Ignorable="mv" mc:PreserveAttributes="mv:*" type="fourObj" preserve="1">
+<p:sldLayout xmlns:a="http://schemas.openxmlformats.org/drawingml/2006/main" xmlns:r="http://schemas.openxmlformats.org/officeDocument/2006/relationships" xmlns:p="http://schemas.openxmlformats.org/presentationml/2006/main" type="fourObj" preserve="1">
   <p:cSld name="Title and 4 Content">
     <p:spTree>
       <p:nvGrpSpPr>
@@ -3037,7 +3037,7 @@
 </file>
 
 <file path=ppt/slideLayouts/slideLayout21.xml><?xml version="1.0" encoding="utf-8"?>
-<p:sldLayout xmlns:a="http://schemas.openxmlformats.org/drawingml/2006/main" xmlns:r="http://schemas.openxmlformats.org/officeDocument/2006/relationships" xmlns:mc="http://schemas.openxmlformats.org/markup-compatibility/2006" xmlns:mv="urn:schemas-microsoft-com:mac:vml" xmlns:p="http://schemas.openxmlformats.org/presentationml/2006/main" mc:Ignorable="mv" mc:PreserveAttributes="mv:*" showMasterSp="0" type="title" preserve="1">
+<p:sldLayout xmlns:a="http://schemas.openxmlformats.org/drawingml/2006/main" xmlns:r="http://schemas.openxmlformats.org/officeDocument/2006/relationships" xmlns:p="http://schemas.openxmlformats.org/presentationml/2006/main" showMasterSp="0" type="title" preserve="1">
   <p:cSld name="Title Slide">
     <p:spTree>
       <p:nvGrpSpPr>
@@ -3485,7 +3485,7 @@
 </file>
 
 <file path=ppt/slideLayouts/slideLayout22.xml><?xml version="1.0" encoding="utf-8"?>
-<p:sldLayout xmlns:a="http://schemas.openxmlformats.org/drawingml/2006/main" xmlns:r="http://schemas.openxmlformats.org/officeDocument/2006/relationships" xmlns:mc="http://schemas.openxmlformats.org/markup-compatibility/2006" xmlns:mv="urn:schemas-microsoft-com:mac:vml" xmlns:p="http://schemas.openxmlformats.org/presentationml/2006/main" mc:Ignorable="mv" mc:PreserveAttributes="mv:*" type="obj" preserve="1">
+<p:sldLayout xmlns:a="http://schemas.openxmlformats.org/drawingml/2006/main" xmlns:r="http://schemas.openxmlformats.org/officeDocument/2006/relationships" xmlns:p="http://schemas.openxmlformats.org/presentationml/2006/main" type="obj" preserve="1">
   <p:cSld name="Title and Content">
     <p:spTree>
       <p:nvGrpSpPr>
@@ -3615,7 +3615,7 @@
 </file>
 
 <file path=ppt/slideLayouts/slideLayout23.xml><?xml version="1.0" encoding="utf-8"?>
-<p:sldLayout xmlns:a="http://schemas.openxmlformats.org/drawingml/2006/main" xmlns:r="http://schemas.openxmlformats.org/officeDocument/2006/relationships" xmlns:mc="http://schemas.openxmlformats.org/markup-compatibility/2006" xmlns:mv="urn:schemas-microsoft-com:mac:vml" xmlns:p="http://schemas.openxmlformats.org/presentationml/2006/main" mc:Ignorable="mv" mc:PreserveAttributes="mv:*" type="secHead" preserve="1">
+<p:sldLayout xmlns:a="http://schemas.openxmlformats.org/drawingml/2006/main" xmlns:r="http://schemas.openxmlformats.org/officeDocument/2006/relationships" xmlns:p="http://schemas.openxmlformats.org/presentationml/2006/main" type="secHead" preserve="1">
   <p:cSld name="Section Header">
     <p:spTree>
       <p:nvGrpSpPr>
@@ -3767,7 +3767,7 @@
 </file>
 
 <file path=ppt/slideLayouts/slideLayout24.xml><?xml version="1.0" encoding="utf-8"?>
-<p:sldLayout xmlns:a="http://schemas.openxmlformats.org/drawingml/2006/main" xmlns:r="http://schemas.openxmlformats.org/officeDocument/2006/relationships" xmlns:mc="http://schemas.openxmlformats.org/markup-compatibility/2006" xmlns:mv="urn:schemas-microsoft-com:mac:vml" xmlns:p="http://schemas.openxmlformats.org/presentationml/2006/main" mc:Ignorable="mv" mc:PreserveAttributes="mv:*" type="twoObj" preserve="1">
+<p:sldLayout xmlns:a="http://schemas.openxmlformats.org/drawingml/2006/main" xmlns:r="http://schemas.openxmlformats.org/officeDocument/2006/relationships" xmlns:p="http://schemas.openxmlformats.org/presentationml/2006/main" type="twoObj" preserve="1">
   <p:cSld name="Two Content">
     <p:spTree>
       <p:nvGrpSpPr>
@@ -4015,7 +4015,7 @@
 </file>
 
 <file path=ppt/slideLayouts/slideLayout25.xml><?xml version="1.0" encoding="utf-8"?>
-<p:sldLayout xmlns:a="http://schemas.openxmlformats.org/drawingml/2006/main" xmlns:r="http://schemas.openxmlformats.org/officeDocument/2006/relationships" xmlns:mc="http://schemas.openxmlformats.org/markup-compatibility/2006" xmlns:mv="urn:schemas-microsoft-com:mac:vml" xmlns:p="http://schemas.openxmlformats.org/presentationml/2006/main" mc:Ignorable="mv" mc:PreserveAttributes="mv:*" type="twoTxTwoObj" preserve="1">
+<p:sldLayout xmlns:a="http://schemas.openxmlformats.org/drawingml/2006/main" xmlns:r="http://schemas.openxmlformats.org/officeDocument/2006/relationships" xmlns:p="http://schemas.openxmlformats.org/presentationml/2006/main" type="twoTxTwoObj" preserve="1">
   <p:cSld name="Comparison">
     <p:spTree>
       <p:nvGrpSpPr>
@@ -4402,7 +4402,7 @@
 </file>
 
 <file path=ppt/slideLayouts/slideLayout26.xml><?xml version="1.0" encoding="utf-8"?>
-<p:sldLayout xmlns:a="http://schemas.openxmlformats.org/drawingml/2006/main" xmlns:r="http://schemas.openxmlformats.org/officeDocument/2006/relationships" xmlns:mc="http://schemas.openxmlformats.org/markup-compatibility/2006" xmlns:mv="urn:schemas-microsoft-com:mac:vml" xmlns:p="http://schemas.openxmlformats.org/presentationml/2006/main" mc:Ignorable="mv" mc:PreserveAttributes="mv:*" type="titleOnly" preserve="1">
+<p:sldLayout xmlns:a="http://schemas.openxmlformats.org/drawingml/2006/main" xmlns:r="http://schemas.openxmlformats.org/officeDocument/2006/relationships" xmlns:p="http://schemas.openxmlformats.org/presentationml/2006/main" type="titleOnly" preserve="1">
   <p:cSld name="Title Only">
     <p:spTree>
       <p:nvGrpSpPr>
@@ -4480,7 +4480,7 @@
 </file>
 
 <file path=ppt/slideLayouts/slideLayout27.xml><?xml version="1.0" encoding="utf-8"?>
-<p:sldLayout xmlns:a="http://schemas.openxmlformats.org/drawingml/2006/main" xmlns:r="http://schemas.openxmlformats.org/officeDocument/2006/relationships" xmlns:mc="http://schemas.openxmlformats.org/markup-compatibility/2006" xmlns:mv="urn:schemas-microsoft-com:mac:vml" xmlns:p="http://schemas.openxmlformats.org/presentationml/2006/main" mc:Ignorable="mv" mc:PreserveAttributes="mv:*" type="blank" preserve="1">
+<p:sldLayout xmlns:a="http://schemas.openxmlformats.org/drawingml/2006/main" xmlns:r="http://schemas.openxmlformats.org/officeDocument/2006/relationships" xmlns:p="http://schemas.openxmlformats.org/presentationml/2006/main" type="blank" preserve="1">
   <p:cSld name="Blank">
     <p:spTree>
       <p:nvGrpSpPr>
@@ -4535,7 +4535,7 @@
 </file>
 
 <file path=ppt/slideLayouts/slideLayout28.xml><?xml version="1.0" encoding="utf-8"?>
-<p:sldLayout xmlns:a="http://schemas.openxmlformats.org/drawingml/2006/main" xmlns:r="http://schemas.openxmlformats.org/officeDocument/2006/relationships" xmlns:mc="http://schemas.openxmlformats.org/markup-compatibility/2006" xmlns:mv="urn:schemas-microsoft-com:mac:vml" xmlns:p="http://schemas.openxmlformats.org/presentationml/2006/main" mc:Ignorable="mv" mc:PreserveAttributes="mv:*" type="objTx" preserve="1">
+<p:sldLayout xmlns:a="http://schemas.openxmlformats.org/drawingml/2006/main" xmlns:r="http://schemas.openxmlformats.org/officeDocument/2006/relationships" xmlns:p="http://schemas.openxmlformats.org/presentationml/2006/main" type="objTx" preserve="1">
   <p:cSld name="Content with Caption">
     <p:spTree>
       <p:nvGrpSpPr>
@@ -4772,7 +4772,7 @@
 </file>
 
 <file path=ppt/slideLayouts/slideLayout29.xml><?xml version="1.0" encoding="utf-8"?>
-<p:sldLayout xmlns:a="http://schemas.openxmlformats.org/drawingml/2006/main" xmlns:r="http://schemas.openxmlformats.org/officeDocument/2006/relationships" xmlns:mc="http://schemas.openxmlformats.org/markup-compatibility/2006" xmlns:mv="urn:schemas-microsoft-com:mac:vml" xmlns:p="http://schemas.openxmlformats.org/presentationml/2006/main" mc:Ignorable="mv" mc:PreserveAttributes="mv:*" type="picTx" preserve="1">
+<p:sldLayout xmlns:a="http://schemas.openxmlformats.org/drawingml/2006/main" xmlns:r="http://schemas.openxmlformats.org/officeDocument/2006/relationships" xmlns:p="http://schemas.openxmlformats.org/presentationml/2006/main" type="picTx" preserve="1">
   <p:cSld name="Picture with Caption">
     <p:spTree>
       <p:nvGrpSpPr>
@@ -4986,7 +4986,7 @@
 </file>
 
 <file path=ppt/slideLayouts/slideLayout3.xml><?xml version="1.0" encoding="utf-8"?>
-<p:sldLayout xmlns:a="http://schemas.openxmlformats.org/drawingml/2006/main" xmlns:r="http://schemas.openxmlformats.org/officeDocument/2006/relationships" xmlns:mc="http://schemas.openxmlformats.org/markup-compatibility/2006" xmlns:mv="urn:schemas-microsoft-com:mac:vml" xmlns:p="http://schemas.openxmlformats.org/presentationml/2006/main" mc:Ignorable="mv" mc:PreserveAttributes="mv:*" type="secHead" preserve="1">
+<p:sldLayout xmlns:a="http://schemas.openxmlformats.org/drawingml/2006/main" xmlns:r="http://schemas.openxmlformats.org/officeDocument/2006/relationships" xmlns:p="http://schemas.openxmlformats.org/presentationml/2006/main" type="secHead" preserve="1">
   <p:cSld name="Section Header">
     <p:spTree>
       <p:nvGrpSpPr>
@@ -5108,7 +5108,7 @@
 </file>
 
 <file path=ppt/slideLayouts/slideLayout30.xml><?xml version="1.0" encoding="utf-8"?>
-<p:sldLayout xmlns:a="http://schemas.openxmlformats.org/drawingml/2006/main" xmlns:r="http://schemas.openxmlformats.org/officeDocument/2006/relationships" xmlns:mc="http://schemas.openxmlformats.org/markup-compatibility/2006" xmlns:mv="urn:schemas-microsoft-com:mac:vml" xmlns:p="http://schemas.openxmlformats.org/presentationml/2006/main" mc:Ignorable="mv" mc:PreserveAttributes="mv:*" type="vertTx" preserve="1">
+<p:sldLayout xmlns:a="http://schemas.openxmlformats.org/drawingml/2006/main" xmlns:r="http://schemas.openxmlformats.org/officeDocument/2006/relationships" xmlns:p="http://schemas.openxmlformats.org/presentationml/2006/main" type="vertTx" preserve="1">
   <p:cSld name="Title and Vertical Text">
     <p:spTree>
       <p:nvGrpSpPr>
@@ -5238,7 +5238,7 @@
 </file>
 
 <file path=ppt/slideLayouts/slideLayout31.xml><?xml version="1.0" encoding="utf-8"?>
-<p:sldLayout xmlns:a="http://schemas.openxmlformats.org/drawingml/2006/main" xmlns:r="http://schemas.openxmlformats.org/officeDocument/2006/relationships" xmlns:mc="http://schemas.openxmlformats.org/markup-compatibility/2006" xmlns:mv="urn:schemas-microsoft-com:mac:vml" xmlns:p="http://schemas.openxmlformats.org/presentationml/2006/main" mc:Ignorable="mv" mc:PreserveAttributes="mv:*" type="vertTitleAndTx" preserve="1">
+<p:sldLayout xmlns:a="http://schemas.openxmlformats.org/drawingml/2006/main" xmlns:r="http://schemas.openxmlformats.org/officeDocument/2006/relationships" xmlns:p="http://schemas.openxmlformats.org/presentationml/2006/main" type="vertTitleAndTx" preserve="1">
   <p:cSld name="Vertical Title and Text">
     <p:spTree>
       <p:nvGrpSpPr>
@@ -5378,7 +5378,7 @@
 </file>
 
 <file path=ppt/slideLayouts/slideLayout32.xml><?xml version="1.0" encoding="utf-8"?>
-<p:sldLayout xmlns:a="http://schemas.openxmlformats.org/drawingml/2006/main" xmlns:r="http://schemas.openxmlformats.org/officeDocument/2006/relationships" xmlns:mc="http://schemas.openxmlformats.org/markup-compatibility/2006" xmlns:mv="urn:schemas-microsoft-com:mac:vml" xmlns:p="http://schemas.openxmlformats.org/presentationml/2006/main" mc:Ignorable="mv" mc:PreserveAttributes="mv:*" type="objOnly">
+<p:sldLayout xmlns:a="http://schemas.openxmlformats.org/drawingml/2006/main" xmlns:r="http://schemas.openxmlformats.org/officeDocument/2006/relationships" xmlns:p="http://schemas.openxmlformats.org/presentationml/2006/main" type="objOnly">
   <p:cSld name="Content">
     <p:spTree>
       <p:nvGrpSpPr>
@@ -5460,7 +5460,7 @@
 </file>
 
 <file path=ppt/slideLayouts/slideLayout4.xml><?xml version="1.0" encoding="utf-8"?>
-<p:sldLayout xmlns:a="http://schemas.openxmlformats.org/drawingml/2006/main" xmlns:r="http://schemas.openxmlformats.org/officeDocument/2006/relationships" xmlns:mc="http://schemas.openxmlformats.org/markup-compatibility/2006" xmlns:mv="urn:schemas-microsoft-com:mac:vml" xmlns:p="http://schemas.openxmlformats.org/presentationml/2006/main" mc:Ignorable="mv" mc:PreserveAttributes="mv:*" type="twoObj" preserve="1">
+<p:sldLayout xmlns:a="http://schemas.openxmlformats.org/drawingml/2006/main" xmlns:r="http://schemas.openxmlformats.org/officeDocument/2006/relationships" xmlns:p="http://schemas.openxmlformats.org/presentationml/2006/main" type="twoObj" preserve="1">
   <p:cSld name="Two Content">
     <p:spTree>
       <p:nvGrpSpPr>
@@ -5678,7 +5678,7 @@
 </file>
 
 <file path=ppt/slideLayouts/slideLayout5.xml><?xml version="1.0" encoding="utf-8"?>
-<p:sldLayout xmlns:a="http://schemas.openxmlformats.org/drawingml/2006/main" xmlns:r="http://schemas.openxmlformats.org/officeDocument/2006/relationships" xmlns:mc="http://schemas.openxmlformats.org/markup-compatibility/2006" xmlns:mv="urn:schemas-microsoft-com:mac:vml" xmlns:p="http://schemas.openxmlformats.org/presentationml/2006/main" mc:Ignorable="mv" mc:PreserveAttributes="mv:*" type="twoTxTwoObj" preserve="1">
+<p:sldLayout xmlns:a="http://schemas.openxmlformats.org/drawingml/2006/main" xmlns:r="http://schemas.openxmlformats.org/officeDocument/2006/relationships" xmlns:p="http://schemas.openxmlformats.org/presentationml/2006/main" type="twoTxTwoObj" preserve="1">
   <p:cSld name="Comparison">
     <p:spTree>
       <p:nvGrpSpPr>
@@ -6035,7 +6035,7 @@
 </file>
 
 <file path=ppt/slideLayouts/slideLayout6.xml><?xml version="1.0" encoding="utf-8"?>
-<p:sldLayout xmlns:a="http://schemas.openxmlformats.org/drawingml/2006/main" xmlns:r="http://schemas.openxmlformats.org/officeDocument/2006/relationships" xmlns:mc="http://schemas.openxmlformats.org/markup-compatibility/2006" xmlns:mv="urn:schemas-microsoft-com:mac:vml" xmlns:p="http://schemas.openxmlformats.org/presentationml/2006/main" mc:Ignorable="mv" mc:PreserveAttributes="mv:*" type="titleOnly" preserve="1">
+<p:sldLayout xmlns:a="http://schemas.openxmlformats.org/drawingml/2006/main" xmlns:r="http://schemas.openxmlformats.org/officeDocument/2006/relationships" xmlns:p="http://schemas.openxmlformats.org/presentationml/2006/main" type="titleOnly" preserve="1">
   <p:cSld name="Title Only">
     <p:spTree>
       <p:nvGrpSpPr>
@@ -6083,7 +6083,7 @@
 </file>
 
 <file path=ppt/slideLayouts/slideLayout7.xml><?xml version="1.0" encoding="utf-8"?>
-<p:sldLayout xmlns:a="http://schemas.openxmlformats.org/drawingml/2006/main" xmlns:r="http://schemas.openxmlformats.org/officeDocument/2006/relationships" xmlns:mc="http://schemas.openxmlformats.org/markup-compatibility/2006" xmlns:mv="urn:schemas-microsoft-com:mac:vml" xmlns:p="http://schemas.openxmlformats.org/presentationml/2006/main" mc:Ignorable="mv" mc:PreserveAttributes="mv:*" type="blank" preserve="1">
+<p:sldLayout xmlns:a="http://schemas.openxmlformats.org/drawingml/2006/main" xmlns:r="http://schemas.openxmlformats.org/officeDocument/2006/relationships" xmlns:p="http://schemas.openxmlformats.org/presentationml/2006/main" type="blank" preserve="1">
   <p:cSld name="Blank">
     <p:spTree>
       <p:nvGrpSpPr>
@@ -6108,7 +6108,7 @@
 </file>
 
 <file path=ppt/slideLayouts/slideLayout8.xml><?xml version="1.0" encoding="utf-8"?>
-<p:sldLayout xmlns:a="http://schemas.openxmlformats.org/drawingml/2006/main" xmlns:r="http://schemas.openxmlformats.org/officeDocument/2006/relationships" xmlns:mc="http://schemas.openxmlformats.org/markup-compatibility/2006" xmlns:mv="urn:schemas-microsoft-com:mac:vml" xmlns:p="http://schemas.openxmlformats.org/presentationml/2006/main" mc:Ignorable="mv" mc:PreserveAttributes="mv:*" type="objTx" preserve="1">
+<p:sldLayout xmlns:a="http://schemas.openxmlformats.org/drawingml/2006/main" xmlns:r="http://schemas.openxmlformats.org/officeDocument/2006/relationships" xmlns:p="http://schemas.openxmlformats.org/presentationml/2006/main" type="objTx" preserve="1">
   <p:cSld name="Content with Caption">
     <p:spTree>
       <p:nvGrpSpPr>
@@ -6315,7 +6315,7 @@
 </file>
 
 <file path=ppt/slideLayouts/slideLayout9.xml><?xml version="1.0" encoding="utf-8"?>
-<p:sldLayout xmlns:a="http://schemas.openxmlformats.org/drawingml/2006/main" xmlns:r="http://schemas.openxmlformats.org/officeDocument/2006/relationships" xmlns:mc="http://schemas.openxmlformats.org/markup-compatibility/2006" xmlns:mv="urn:schemas-microsoft-com:mac:vml" xmlns:p="http://schemas.openxmlformats.org/presentationml/2006/main" mc:Ignorable="mv" mc:PreserveAttributes="mv:*" type="picTx" preserve="1">
+<p:sldLayout xmlns:a="http://schemas.openxmlformats.org/drawingml/2006/main" xmlns:r="http://schemas.openxmlformats.org/officeDocument/2006/relationships" xmlns:p="http://schemas.openxmlformats.org/presentationml/2006/main" type="picTx" preserve="1">
   <p:cSld name="Picture with Caption">
     <p:spTree>
       <p:nvGrpSpPr>
@@ -6499,7 +6499,7 @@
 </file>
 
 <file path=ppt/slideMasters/slideMaster1.xml><?xml version="1.0" encoding="utf-8"?>
-<p:sldMaster xmlns:a="http://schemas.openxmlformats.org/drawingml/2006/main" xmlns:r="http://schemas.openxmlformats.org/officeDocument/2006/relationships" xmlns:mc="http://schemas.openxmlformats.org/markup-compatibility/2006" xmlns:mv="urn:schemas-microsoft-com:mac:vml" xmlns:p="http://schemas.openxmlformats.org/presentationml/2006/main" mc:Ignorable="mv" mc:PreserveAttributes="mv:*">
+<p:sldMaster xmlns:a="http://schemas.openxmlformats.org/drawingml/2006/main" xmlns:r="http://schemas.openxmlformats.org/officeDocument/2006/relationships" xmlns:p="http://schemas.openxmlformats.org/presentationml/2006/main">
   <p:cSld>
     <p:bg>
       <p:bgPr>
@@ -7296,7 +7296,7 @@
 </file>
 
 <file path=ppt/slideMasters/slideMaster2.xml><?xml version="1.0" encoding="utf-8"?>
-<p:sldMaster xmlns:a="http://schemas.openxmlformats.org/drawingml/2006/main" xmlns:r="http://schemas.openxmlformats.org/officeDocument/2006/relationships" xmlns:mc="http://schemas.openxmlformats.org/markup-compatibility/2006" xmlns:mv="urn:schemas-microsoft-com:mac:vml" xmlns:p="http://schemas.openxmlformats.org/presentationml/2006/main" mc:Ignorable="mv" mc:PreserveAttributes="mv:*">
+<p:sldMaster xmlns:a="http://schemas.openxmlformats.org/drawingml/2006/main" xmlns:r="http://schemas.openxmlformats.org/officeDocument/2006/relationships" xmlns:p="http://schemas.openxmlformats.org/presentationml/2006/main">
   <p:cSld>
     <p:bg>
       <p:bgPr>
@@ -8299,7 +8299,7 @@
 </file>
 
 <file path=ppt/slides/slide1.xml><?xml version="1.0" encoding="utf-8"?>
-<p:sld xmlns:a="http://schemas.openxmlformats.org/drawingml/2006/main" xmlns:r="http://schemas.openxmlformats.org/officeDocument/2006/relationships" xmlns:mc="http://schemas.openxmlformats.org/markup-compatibility/2006" xmlns:mv="urn:schemas-microsoft-com:mac:vml" xmlns:p="http://schemas.openxmlformats.org/presentationml/2006/main" mc:Ignorable="mv" mc:PreserveAttributes="mv:*">
+<p:sld xmlns:a="http://schemas.openxmlformats.org/drawingml/2006/main" xmlns:r="http://schemas.openxmlformats.org/officeDocument/2006/relationships" xmlns:p="http://schemas.openxmlformats.org/presentationml/2006/main">
   <p:cSld>
     <p:spTree>
       <p:nvGrpSpPr>
@@ -8420,7 +8420,7 @@
 </file>
 
 <file path=ppt/slides/slide10.xml><?xml version="1.0" encoding="utf-8"?>
-<p:sld xmlns:a="http://schemas.openxmlformats.org/drawingml/2006/main" xmlns:r="http://schemas.openxmlformats.org/officeDocument/2006/relationships" xmlns:mc="http://schemas.openxmlformats.org/markup-compatibility/2006" xmlns:mv="urn:schemas-microsoft-com:mac:vml" xmlns:p="http://schemas.openxmlformats.org/presentationml/2006/main" mc:Ignorable="mv" mc:PreserveAttributes="mv:*">
+<p:sld xmlns:a="http://schemas.openxmlformats.org/drawingml/2006/main" xmlns:r="http://schemas.openxmlformats.org/officeDocument/2006/relationships" xmlns:p="http://schemas.openxmlformats.org/presentationml/2006/main">
   <p:cSld>
     <p:spTree>
       <p:nvGrpSpPr>
@@ -10132,7 +10132,7 @@
 </file>
 
 <file path=ppt/slides/slide11.xml><?xml version="1.0" encoding="utf-8"?>
-<p:sld xmlns:a="http://schemas.openxmlformats.org/drawingml/2006/main" xmlns:r="http://schemas.openxmlformats.org/officeDocument/2006/relationships" xmlns:mc="http://schemas.openxmlformats.org/markup-compatibility/2006" xmlns:mv="urn:schemas-microsoft-com:mac:vml" xmlns:p="http://schemas.openxmlformats.org/presentationml/2006/main" mc:Ignorable="mv" mc:PreserveAttributes="mv:*">
+<p:sld xmlns:a="http://schemas.openxmlformats.org/drawingml/2006/main" xmlns:r="http://schemas.openxmlformats.org/officeDocument/2006/relationships" xmlns:p="http://schemas.openxmlformats.org/presentationml/2006/main">
   <p:cSld>
     <p:spTree>
       <p:nvGrpSpPr>
@@ -10929,7 +10929,7 @@
 </file>
 
 <file path=ppt/slides/slide12.xml><?xml version="1.0" encoding="utf-8"?>
-<p:sld xmlns:a="http://schemas.openxmlformats.org/drawingml/2006/main" xmlns:r="http://schemas.openxmlformats.org/officeDocument/2006/relationships" xmlns:mc="http://schemas.openxmlformats.org/markup-compatibility/2006" xmlns:mv="urn:schemas-microsoft-com:mac:vml" xmlns:p="http://schemas.openxmlformats.org/presentationml/2006/main" mc:Ignorable="mv" mc:PreserveAttributes="mv:*">
+<p:sld xmlns:a="http://schemas.openxmlformats.org/drawingml/2006/main" xmlns:r="http://schemas.openxmlformats.org/officeDocument/2006/relationships" xmlns:p="http://schemas.openxmlformats.org/presentationml/2006/main">
   <p:cSld>
     <p:spTree>
       <p:nvGrpSpPr>
@@ -12800,7 +12800,7 @@
 </file>
 
 <file path=ppt/slides/slide13.xml><?xml version="1.0" encoding="utf-8"?>
-<p:sld xmlns:a="http://schemas.openxmlformats.org/drawingml/2006/main" xmlns:r="http://schemas.openxmlformats.org/officeDocument/2006/relationships" xmlns:mc="http://schemas.openxmlformats.org/markup-compatibility/2006" xmlns:mv="urn:schemas-microsoft-com:mac:vml" xmlns:p="http://schemas.openxmlformats.org/presentationml/2006/main" mc:Ignorable="mv" mc:PreserveAttributes="mv:*">
+<p:sld xmlns:a="http://schemas.openxmlformats.org/drawingml/2006/main" xmlns:r="http://schemas.openxmlformats.org/officeDocument/2006/relationships" xmlns:p="http://schemas.openxmlformats.org/presentationml/2006/main">
   <p:cSld>
     <p:spTree>
       <p:nvGrpSpPr>
@@ -12852,11 +12852,7 @@
           <a:p>
             <a:r>
               <a:rPr lang="en-US" dirty="0" smtClean="0"/>
-              <a:t>We may want to include examples of </a:t>
-            </a:r>
-            <a:r>
-              <a:rPr lang="en-US" dirty="0" smtClean="0"/>
-              <a:t>parameterized modules, etc if the details are finalized before the meeting</a:t>
+              <a:t>We may want to include examples of parameterized modules, etc if the details are finalized before the meeting</a:t>
             </a:r>
             <a:endParaRPr lang="en-US" dirty="0"/>
           </a:p>
@@ -12897,7 +12893,7 @@
 </file>
 
 <file path=ppt/slides/slide14.xml><?xml version="1.0" encoding="utf-8"?>
-<p:sld xmlns:a="http://schemas.openxmlformats.org/drawingml/2006/main" xmlns:r="http://schemas.openxmlformats.org/officeDocument/2006/relationships" xmlns:mc="http://schemas.openxmlformats.org/markup-compatibility/2006" xmlns:mv="urn:schemas-microsoft-com:mac:vml" xmlns:p="http://schemas.openxmlformats.org/presentationml/2006/main" mc:Ignorable="mv" mc:PreserveAttributes="mv:*">
+<p:sld xmlns:a="http://schemas.openxmlformats.org/drawingml/2006/main" xmlns:r="http://schemas.openxmlformats.org/officeDocument/2006/relationships" xmlns:p="http://schemas.openxmlformats.org/presentationml/2006/main">
   <p:cSld>
     <p:spTree>
       <p:nvGrpSpPr>
@@ -13013,7 +13009,7 @@
 </file>
 
 <file path=ppt/slides/slide15.xml><?xml version="1.0" encoding="utf-8"?>
-<p:sld xmlns:a="http://schemas.openxmlformats.org/drawingml/2006/main" xmlns:r="http://schemas.openxmlformats.org/officeDocument/2006/relationships" xmlns:mc="http://schemas.openxmlformats.org/markup-compatibility/2006" xmlns:mv="urn:schemas-microsoft-com:mac:vml" xmlns:p="http://schemas.openxmlformats.org/presentationml/2006/main" mc:Ignorable="mv" mc:PreserveAttributes="mv:*">
+<p:sld xmlns:a="http://schemas.openxmlformats.org/drawingml/2006/main" xmlns:r="http://schemas.openxmlformats.org/officeDocument/2006/relationships" xmlns:p="http://schemas.openxmlformats.org/presentationml/2006/main">
   <p:cSld>
     <p:spTree>
       <p:nvGrpSpPr>
@@ -13037,8 +13033,8 @@
           </p:cNvPicPr>
           <p:nvPr/>
         </p:nvPicPr>
-        <mc:AlternateContent>
-          <mc:Choice xmlns:ma="http://schemas.microsoft.com/office/mac/drawingml/2008/main" Requires="ma">
+        <mc:AlternateContent xmlns:mc="http://schemas.openxmlformats.org/markup-compatibility/2006">
+          <mc:Choice xmlns:ma="http://schemas.microsoft.com/office/mac/drawingml/2008/main" xmlns:mv="urn:schemas-microsoft-com:mac:vml" xmlns="" Requires="ma">
             <p:blipFill>
               <a:blip r:embed="rId2"/>
               <a:stretch>
@@ -13226,7 +13222,7 @@
 </file>
 
 <file path=ppt/slides/slide16.xml><?xml version="1.0" encoding="utf-8"?>
-<p:sld xmlns:a="http://schemas.openxmlformats.org/drawingml/2006/main" xmlns:r="http://schemas.openxmlformats.org/officeDocument/2006/relationships" xmlns:mc="http://schemas.openxmlformats.org/markup-compatibility/2006" xmlns:mv="urn:schemas-microsoft-com:mac:vml" xmlns:p="http://schemas.openxmlformats.org/presentationml/2006/main" mc:Ignorable="mv" mc:PreserveAttributes="mv:*">
+<p:sld xmlns:a="http://schemas.openxmlformats.org/drawingml/2006/main" xmlns:r="http://schemas.openxmlformats.org/officeDocument/2006/relationships" xmlns:p="http://schemas.openxmlformats.org/presentationml/2006/main">
   <p:cSld>
     <p:spTree>
       <p:nvGrpSpPr>
@@ -13360,8 +13356,8 @@
           </p:cNvPicPr>
           <p:nvPr/>
         </p:nvPicPr>
-        <mc:AlternateContent>
-          <mc:Choice xmlns:ma="http://schemas.microsoft.com/office/mac/drawingml/2008/main" Requires="ma">
+        <mc:AlternateContent xmlns:mc="http://schemas.openxmlformats.org/markup-compatibility/2006">
+          <mc:Choice xmlns:ma="http://schemas.microsoft.com/office/mac/drawingml/2008/main" xmlns:mv="urn:schemas-microsoft-com:mac:vml" xmlns="" Requires="ma">
             <p:blipFill>
               <a:blip r:embed="rId2"/>
               <a:stretch>
@@ -13404,7 +13400,7 @@
 </file>
 
 <file path=ppt/slides/slide17.xml><?xml version="1.0" encoding="utf-8"?>
-<p:sld xmlns:a="http://schemas.openxmlformats.org/drawingml/2006/main" xmlns:r="http://schemas.openxmlformats.org/officeDocument/2006/relationships" xmlns:mc="http://schemas.openxmlformats.org/markup-compatibility/2006" xmlns:mv="urn:schemas-microsoft-com:mac:vml" xmlns:p="http://schemas.openxmlformats.org/presentationml/2006/main" mc:Ignorable="mv" mc:PreserveAttributes="mv:*">
+<p:sld xmlns:a="http://schemas.openxmlformats.org/drawingml/2006/main" xmlns:r="http://schemas.openxmlformats.org/officeDocument/2006/relationships" xmlns:p="http://schemas.openxmlformats.org/presentationml/2006/main">
   <p:cSld>
     <p:spTree>
       <p:nvGrpSpPr>
@@ -14175,7 +14171,7 @@
 </file>
 
 <file path=ppt/slides/slide18.xml><?xml version="1.0" encoding="utf-8"?>
-<p:sld xmlns:a="http://schemas.openxmlformats.org/drawingml/2006/main" xmlns:r="http://schemas.openxmlformats.org/officeDocument/2006/relationships" xmlns:mc="http://schemas.openxmlformats.org/markup-compatibility/2006" xmlns:mv="urn:schemas-microsoft-com:mac:vml" xmlns:p="http://schemas.openxmlformats.org/presentationml/2006/main" mc:Ignorable="mv" mc:PreserveAttributes="mv:*">
+<p:sld xmlns:a="http://schemas.openxmlformats.org/drawingml/2006/main" xmlns:r="http://schemas.openxmlformats.org/officeDocument/2006/relationships" xmlns:p="http://schemas.openxmlformats.org/presentationml/2006/main">
   <p:cSld>
     <p:spTree>
       <p:nvGrpSpPr>
@@ -14199,8 +14195,8 @@
           </p:cNvPicPr>
           <p:nvPr/>
         </p:nvPicPr>
-        <mc:AlternateContent>
-          <mc:Choice xmlns:ma="http://schemas.microsoft.com/office/mac/drawingml/2008/main" Requires="ma">
+        <mc:AlternateContent xmlns:mc="http://schemas.openxmlformats.org/markup-compatibility/2006">
+          <mc:Choice xmlns:ma="http://schemas.microsoft.com/office/mac/drawingml/2008/main" xmlns:mv="urn:schemas-microsoft-com:mac:vml" xmlns="" Requires="ma">
             <p:blipFill>
               <a:blip r:embed="rId2"/>
               <a:stretch>
@@ -14401,21 +14397,7 @@
                 <a:ea typeface="宋体" pitchFamily="-65" charset="-128"/>
                 <a:cs typeface="Times New Roman" charset="0"/>
               </a:rPr>
-              <a:t>Each fragment is co-located with the component  </a:t>
-            </a:r>
-            <a:r>
-              <a:rPr lang="en-US" altLang="zh-CN" sz="2000" i="0" dirty="0" smtClean="0">
-                <a:ea typeface="宋体" pitchFamily="-65" charset="-128"/>
-                <a:cs typeface="Times New Roman" charset="0"/>
-              </a:rPr>
-              <a:t>instance it </a:t>
-            </a:r>
-            <a:r>
-              <a:rPr lang="en-US" altLang="zh-CN" sz="2000" i="0" dirty="0" smtClean="0">
-                <a:ea typeface="宋体" pitchFamily="-65" charset="-128"/>
-                <a:cs typeface="Times New Roman" charset="0"/>
-              </a:rPr>
-              <a:t>is connected to</a:t>
+              <a:t>Each fragment is co-located with the component  instance it is connected to</a:t>
             </a:r>
           </a:p>
           <a:p>
@@ -14552,7 +14534,7 @@
 </file>
 
 <file path=ppt/slides/slide19.xml><?xml version="1.0" encoding="utf-8"?>
-<p:sld xmlns:a="http://schemas.openxmlformats.org/drawingml/2006/main" xmlns:r="http://schemas.openxmlformats.org/officeDocument/2006/relationships" xmlns:mc="http://schemas.openxmlformats.org/markup-compatibility/2006" xmlns:mv="urn:schemas-microsoft-com:mac:vml" xmlns:p="http://schemas.openxmlformats.org/presentationml/2006/main" mc:Ignorable="mv" mc:PreserveAttributes="mv:*">
+<p:sld xmlns:a="http://schemas.openxmlformats.org/drawingml/2006/main" xmlns:r="http://schemas.openxmlformats.org/officeDocument/2006/relationships" xmlns:p="http://schemas.openxmlformats.org/presentationml/2006/main">
   <p:cSld>
     <p:spTree>
       <p:nvGrpSpPr>
@@ -14689,7 +14671,7 @@
 </file>
 
 <file path=ppt/slides/slide2.xml><?xml version="1.0" encoding="utf-8"?>
-<p:sld xmlns:a="http://schemas.openxmlformats.org/drawingml/2006/main" xmlns:r="http://schemas.openxmlformats.org/officeDocument/2006/relationships" xmlns:mc="http://schemas.openxmlformats.org/markup-compatibility/2006" xmlns:mv="urn:schemas-microsoft-com:mac:vml" xmlns:p="http://schemas.openxmlformats.org/presentationml/2006/main" mc:Ignorable="mv" mc:PreserveAttributes="mv:*">
+<p:sld xmlns:a="http://schemas.openxmlformats.org/drawingml/2006/main" xmlns:r="http://schemas.openxmlformats.org/officeDocument/2006/relationships" xmlns:p="http://schemas.openxmlformats.org/presentationml/2006/main">
   <p:cSld>
     <p:spTree>
       <p:nvGrpSpPr>
@@ -14957,7 +14939,7 @@
 </file>
 
 <file path=ppt/slides/slide20.xml><?xml version="1.0" encoding="utf-8"?>
-<p:sld xmlns:a="http://schemas.openxmlformats.org/drawingml/2006/main" xmlns:r="http://schemas.openxmlformats.org/officeDocument/2006/relationships" xmlns:mc="http://schemas.openxmlformats.org/markup-compatibility/2006" xmlns:mv="urn:schemas-microsoft-com:mac:vml" xmlns:p="http://schemas.openxmlformats.org/presentationml/2006/main" mc:Ignorable="mv" mc:PreserveAttributes="mv:*">
+<p:sld xmlns:a="http://schemas.openxmlformats.org/drawingml/2006/main" xmlns:r="http://schemas.openxmlformats.org/officeDocument/2006/relationships" xmlns:p="http://schemas.openxmlformats.org/presentationml/2006/main">
   <p:cSld>
     <p:spTree>
       <p:nvGrpSpPr>
@@ -14990,15 +14972,7 @@
           <a:p>
             <a:r>
               <a:rPr lang="en-US" dirty="0" smtClean="0"/>
-              <a:t>Connector Modeling vs. Deployment </a:t>
-            </a:r>
-            <a:r>
-              <a:rPr lang="en-US" dirty="0" smtClean="0"/>
-              <a:t>(2/</a:t>
-            </a:r>
-            <a:r>
-              <a:rPr lang="en-US" dirty="0" smtClean="0"/>
-              <a:t>2)</a:t>
+              <a:t>Connector Modeling vs. Deployment (2/2)</a:t>
             </a:r>
             <a:endParaRPr lang="en-US" b="1" dirty="0"/>
           </a:p>
@@ -15074,8 +15048,8 @@
           </p:cNvPicPr>
           <p:nvPr/>
         </p:nvPicPr>
-        <mc:AlternateContent>
-          <mc:Choice xmlns:ma="http://schemas.microsoft.com/office/mac/drawingml/2008/main" Requires="ma">
+        <mc:AlternateContent xmlns:mc="http://schemas.openxmlformats.org/markup-compatibility/2006">
+          <mc:Choice xmlns:ma="http://schemas.microsoft.com/office/mac/drawingml/2008/main" xmlns:mv="urn:schemas-microsoft-com:mac:vml" xmlns="" Requires="ma">
             <p:blipFill>
               <a:blip r:embed="rId2"/>
               <a:stretch>
@@ -15118,7 +15092,7 @@
 </file>
 
 <file path=ppt/slides/slide21.xml><?xml version="1.0" encoding="utf-8"?>
-<p:sld xmlns:a="http://schemas.openxmlformats.org/drawingml/2006/main" xmlns:r="http://schemas.openxmlformats.org/officeDocument/2006/relationships" xmlns:mc="http://schemas.openxmlformats.org/markup-compatibility/2006" xmlns:mv="urn:schemas-microsoft-com:mac:vml" xmlns:p="http://schemas.openxmlformats.org/presentationml/2006/main" mc:Ignorable="mv" mc:PreserveAttributes="mv:*">
+<p:sld xmlns:a="http://schemas.openxmlformats.org/drawingml/2006/main" xmlns:r="http://schemas.openxmlformats.org/officeDocument/2006/relationships" xmlns:p="http://schemas.openxmlformats.org/presentationml/2006/main">
   <p:cSld>
     <p:spTree>
       <p:nvGrpSpPr>
@@ -15234,7 +15208,7 @@
 </file>
 
 <file path=ppt/slides/slide22.xml><?xml version="1.0" encoding="utf-8"?>
-<p:sld xmlns:a="http://schemas.openxmlformats.org/drawingml/2006/main" xmlns:r="http://schemas.openxmlformats.org/officeDocument/2006/relationships" xmlns:mc="http://schemas.openxmlformats.org/markup-compatibility/2006" xmlns:mv="urn:schemas-microsoft-com:mac:vml" xmlns:p="http://schemas.openxmlformats.org/presentationml/2006/main" mc:Ignorable="mv" mc:PreserveAttributes="mv:*">
+<p:sld xmlns:a="http://schemas.openxmlformats.org/drawingml/2006/main" xmlns:r="http://schemas.openxmlformats.org/officeDocument/2006/relationships" xmlns:p="http://schemas.openxmlformats.org/presentationml/2006/main">
   <p:cSld>
     <p:spTree>
       <p:nvGrpSpPr>
@@ -15344,13 +15318,8 @@
             <a:pPr lvl="1"/>
             <a:r>
               <a:rPr lang="en-US" dirty="0" smtClean="0"/>
-              <a:t>Must develop ad-hoc and proprietary ways to store and apply configuration </a:t>
-            </a:r>
-            <a:r>
-              <a:rPr lang="en-US" dirty="0" smtClean="0"/>
-              <a:t>data</a:t>
-            </a:r>
-            <a:endParaRPr lang="en-US" dirty="0" smtClean="0"/>
+              <a:t>Must develop ad-hoc and proprietary ways to store and apply configuration data</a:t>
+            </a:r>
           </a:p>
         </p:txBody>
       </p:sp>
@@ -15432,52 +15401,23 @@
                   <a:srgbClr val="FF0000"/>
                 </a:solidFill>
               </a:rPr>
-              <a:t>The DDS for Lightweight CCM (DDS4CCM) attempts to</a:t>
-            </a:r>
+              <a:t>The DDS for Lightweight CCM (DDS4CCM) attempts to </a:t>
+            </a:r>
+          </a:p>
+          <a:p>
+            <a:pPr algn="ctr">
+              <a:spcBef>
+                <a:spcPts val="0"/>
+              </a:spcBef>
+            </a:pPr>
             <a:r>
               <a:rPr lang="en-US" sz="2200" b="1" i="0" dirty="0" smtClean="0">
                 <a:solidFill>
                   <a:srgbClr val="FF0000"/>
                 </a:solidFill>
               </a:rPr>
-              <a:t> </a:t>
-            </a:r>
-          </a:p>
-          <a:p>
-            <a:pPr algn="ctr">
-              <a:spcBef>
-                <a:spcPts val="0"/>
-              </a:spcBef>
-            </a:pPr>
-            <a:r>
-              <a:rPr lang="en-US" sz="2200" b="1" i="0" dirty="0" smtClean="0">
-                <a:solidFill>
-                  <a:srgbClr val="FF0000"/>
-                </a:solidFill>
-              </a:rPr>
-              <a:t>resolve </a:t>
-            </a:r>
-            <a:r>
-              <a:rPr lang="en-US" sz="2200" b="1" i="0" dirty="0" smtClean="0">
-                <a:solidFill>
-                  <a:srgbClr val="FF0000"/>
-                </a:solidFill>
-              </a:rPr>
-              <a:t>these </a:t>
-            </a:r>
-            <a:r>
-              <a:rPr lang="en-US" sz="2200" b="1" i="0" dirty="0" smtClean="0">
-                <a:solidFill>
-                  <a:srgbClr val="FF0000"/>
-                </a:solidFill>
-              </a:rPr>
-              <a:t>challenges</a:t>
-            </a:r>
-            <a:endParaRPr lang="en-US" sz="2200" b="1" i="0" dirty="0" smtClean="0">
-              <a:solidFill>
-                <a:srgbClr val="FF0000"/>
-              </a:solidFill>
-            </a:endParaRPr>
+              <a:t>resolve these challenges</a:t>
+            </a:r>
           </a:p>
         </p:txBody>
       </p:sp>
@@ -15497,7 +15437,7 @@
 </file>
 
 <file path=ppt/slides/slide23.xml><?xml version="1.0" encoding="utf-8"?>
-<p:sld xmlns:a="http://schemas.openxmlformats.org/drawingml/2006/main" xmlns:r="http://schemas.openxmlformats.org/officeDocument/2006/relationships" xmlns:mc="http://schemas.openxmlformats.org/markup-compatibility/2006" xmlns:mv="urn:schemas-microsoft-com:mac:vml" xmlns:p="http://schemas.openxmlformats.org/presentationml/2006/main" mc:Ignorable="mv" mc:PreserveAttributes="mv:*">
+<p:sld xmlns:a="http://schemas.openxmlformats.org/drawingml/2006/main" xmlns:r="http://schemas.openxmlformats.org/officeDocument/2006/relationships" xmlns:p="http://schemas.openxmlformats.org/presentationml/2006/main">
   <p:cSld>
     <p:spTree>
       <p:nvGrpSpPr>
@@ -15630,7 +15570,7 @@
 </file>
 
 <file path=ppt/slides/slide24.xml><?xml version="1.0" encoding="utf-8"?>
-<p:sld xmlns:a="http://schemas.openxmlformats.org/drawingml/2006/main" xmlns:r="http://schemas.openxmlformats.org/officeDocument/2006/relationships" xmlns:mc="http://schemas.openxmlformats.org/markup-compatibility/2006" xmlns:mv="urn:schemas-microsoft-com:mac:vml" xmlns:p="http://schemas.openxmlformats.org/presentationml/2006/main" mc:Ignorable="mv" mc:PreserveAttributes="mv:*">
+<p:sld xmlns:a="http://schemas.openxmlformats.org/drawingml/2006/main" xmlns:r="http://schemas.openxmlformats.org/officeDocument/2006/relationships" xmlns:p="http://schemas.openxmlformats.org/presentationml/2006/main">
   <p:cSld>
     <p:spTree>
       <p:nvGrpSpPr>
@@ -15686,22 +15626,14 @@
           <a:p>
             <a:r>
               <a:rPr lang="en-US" dirty="0" smtClean="0"/>
-              <a:t>Specification tries not to </a:t>
-            </a:r>
+              <a:t>Specification tries not to prevent advanced DDS usage</a:t>
+            </a:r>
+          </a:p>
+          <a:p>
+            <a:pPr lvl="1"/>
             <a:r>
               <a:rPr lang="en-US" dirty="0" smtClean="0"/>
-              <a:t>prevent advanced DDS usage</a:t>
-            </a:r>
-          </a:p>
-          <a:p>
-            <a:pPr lvl="1"/>
-            <a:r>
-              <a:rPr lang="en-US" dirty="0" smtClean="0"/>
-              <a:t>All ports provide acces</a:t>
-            </a:r>
-            <a:r>
-              <a:rPr lang="en-US" dirty="0" smtClean="0"/>
-              <a:t>s to a more detailed interface</a:t>
+              <a:t>All ports provide access to a more detailed interface</a:t>
             </a:r>
           </a:p>
           <a:p>
@@ -15733,7 +15665,7 @@
 </file>
 
 <file path=ppt/slides/slide25.xml><?xml version="1.0" encoding="utf-8"?>
-<p:sld xmlns:a="http://schemas.openxmlformats.org/drawingml/2006/main" xmlns:r="http://schemas.openxmlformats.org/officeDocument/2006/relationships" xmlns:mc="http://schemas.openxmlformats.org/markup-compatibility/2006" xmlns:mv="urn:schemas-microsoft-com:mac:vml" xmlns:p="http://schemas.openxmlformats.org/presentationml/2006/main" mc:Ignorable="mv" mc:PreserveAttributes="mv:*">
+<p:sld xmlns:a="http://schemas.openxmlformats.org/drawingml/2006/main" xmlns:r="http://schemas.openxmlformats.org/officeDocument/2006/relationships" xmlns:p="http://schemas.openxmlformats.org/presentationml/2006/main">
   <p:cSld>
     <p:spTree>
       <p:nvGrpSpPr>
@@ -15766,11 +15698,7 @@
           <a:p>
             <a:r>
               <a:rPr lang="en-US" dirty="0" smtClean="0"/>
-              <a:t>DDS4CCM Basic Ports (1</a:t>
-            </a:r>
-            <a:r>
-              <a:rPr lang="en-US" dirty="0" smtClean="0"/>
-              <a:t>/3)</a:t>
+              <a:t>DDS4CCM Basic Ports (1/3)</a:t>
             </a:r>
             <a:endParaRPr lang="en-US" dirty="0"/>
           </a:p>
@@ -15824,15 +15752,7 @@
             </a:r>
             <a:r>
               <a:rPr lang="en-US" dirty="0" smtClean="0"/>
-              <a:t> – Allows publication of data on a topic without regard to</a:t>
-            </a:r>
-            <a:r>
-              <a:rPr lang="en-US" dirty="0" smtClean="0"/>
-              <a:t> the instance </a:t>
-            </a:r>
-            <a:r>
-              <a:rPr lang="en-US" dirty="0" smtClean="0"/>
-              <a:t>lifecycle.</a:t>
+              <a:t> – Allows publication of data on a topic without regard to the instance lifecycle.</a:t>
             </a:r>
           </a:p>
           <a:p>
@@ -15895,7 +15815,7 @@
 </file>
 
 <file path=ppt/slides/slide26.xml><?xml version="1.0" encoding="utf-8"?>
-<p:sld xmlns:a="http://schemas.openxmlformats.org/drawingml/2006/main" xmlns:r="http://schemas.openxmlformats.org/officeDocument/2006/relationships" xmlns:mc="http://schemas.openxmlformats.org/markup-compatibility/2006" xmlns:mv="urn:schemas-microsoft-com:mac:vml" xmlns:p="http://schemas.openxmlformats.org/presentationml/2006/main" mc:Ignorable="mv" mc:PreserveAttributes="mv:*">
+<p:sld xmlns:a="http://schemas.openxmlformats.org/drawingml/2006/main" xmlns:r="http://schemas.openxmlformats.org/officeDocument/2006/relationships" xmlns:p="http://schemas.openxmlformats.org/presentationml/2006/main">
   <p:cSld>
     <p:spTree>
       <p:nvGrpSpPr>
@@ -15963,15 +15883,7 @@
             </a:r>
             <a:r>
               <a:rPr lang="en-US" dirty="0" smtClean="0"/>
-              <a:t> – Allows access</a:t>
-            </a:r>
-            <a:r>
-              <a:rPr lang="en-US" dirty="0" smtClean="0"/>
-              <a:t> to one </a:t>
-            </a:r>
-            <a:r>
-              <a:rPr lang="en-US" dirty="0" smtClean="0"/>
-              <a:t>or more instances with non-blocking semantics.</a:t>
+              <a:t> – Allows access to one or more instances with non-blocking semantics.</a:t>
             </a:r>
           </a:p>
           <a:p>
@@ -15982,15 +15894,7 @@
             </a:r>
             <a:r>
               <a:rPr lang="en-US" dirty="0" smtClean="0"/>
-              <a:t> – Allows access</a:t>
-            </a:r>
-            <a:r>
-              <a:rPr lang="en-US" dirty="0" smtClean="0"/>
-              <a:t> to one </a:t>
-            </a:r>
-            <a:r>
-              <a:rPr lang="en-US" dirty="0" smtClean="0"/>
-              <a:t>or more instances with blocking semantics.</a:t>
+              <a:t> – Allows access to one or more instances with blocking semantics.</a:t>
             </a:r>
           </a:p>
           <a:p>
@@ -16053,7 +15957,7 @@
 </file>
 
 <file path=ppt/slides/slide27.xml><?xml version="1.0" encoding="utf-8"?>
-<p:sld xmlns:a="http://schemas.openxmlformats.org/drawingml/2006/main" xmlns:r="http://schemas.openxmlformats.org/officeDocument/2006/relationships" xmlns:mc="http://schemas.openxmlformats.org/markup-compatibility/2006" xmlns:mv="urn:schemas-microsoft-com:mac:vml" xmlns:p="http://schemas.openxmlformats.org/presentationml/2006/main" mc:Ignorable="mv" mc:PreserveAttributes="mv:*">
+<p:sld xmlns:a="http://schemas.openxmlformats.org/drawingml/2006/main" xmlns:r="http://schemas.openxmlformats.org/officeDocument/2006/relationships" xmlns:p="http://schemas.openxmlformats.org/presentationml/2006/main">
   <p:cSld>
     <p:spTree>
       <p:nvGrpSpPr>
@@ -16121,21 +16025,8 @@
             </a:r>
             <a:r>
               <a:rPr lang="en-US" dirty="0" smtClean="0"/>
-              <a:t> –</a:t>
-            </a:r>
-            <a:r>
-              <a:rPr lang="en-US" dirty="0" smtClean="0"/>
-              <a:t> Delivers status related to ports, this information is relevant to dat</a:t>
-            </a:r>
-            <a:r>
-              <a:rPr lang="en-US" dirty="0" smtClean="0"/>
-              <a:t>a subscribers.</a:t>
-            </a:r>
-            <a:r>
-              <a:rPr lang="en-US" dirty="0" smtClean="0"/>
-              <a:t> </a:t>
-            </a:r>
-            <a:endParaRPr lang="en-US" dirty="0" smtClean="0"/>
+              <a:t> – Delivers status related to ports, this information is relevant to data subscribers. </a:t>
+            </a:r>
           </a:p>
           <a:p>
             <a:pPr lvl="1"/>
@@ -16145,15 +16036,7 @@
             </a:r>
             <a:r>
               <a:rPr lang="en-US" dirty="0" smtClean="0"/>
-              <a:t> –</a:t>
-            </a:r>
-            <a:r>
-              <a:rPr lang="en-US" dirty="0" smtClean="0"/>
-              <a:t> Delivers status updates that are relevant system-</a:t>
-            </a:r>
-            <a:r>
-              <a:rPr lang="en-US" dirty="0" smtClean="0"/>
-              <a:t>wide. 	</a:t>
+              <a:t> – Delivers status updates that are relevant system-wide. 	</a:t>
             </a:r>
           </a:p>
           <a:p>
@@ -16351,7 +16234,7 @@
 </file>
 
 <file path=ppt/slides/slide28.xml><?xml version="1.0" encoding="utf-8"?>
-<p:sld xmlns:a="http://schemas.openxmlformats.org/drawingml/2006/main" xmlns:r="http://schemas.openxmlformats.org/officeDocument/2006/relationships" xmlns:mc="http://schemas.openxmlformats.org/markup-compatibility/2006" xmlns:mv="urn:schemas-microsoft-com:mac:vml" xmlns:p="http://schemas.openxmlformats.org/presentationml/2006/main" mc:Ignorable="mv" mc:PreserveAttributes="mv:*">
+<p:sld xmlns:a="http://schemas.openxmlformats.org/drawingml/2006/main" xmlns:r="http://schemas.openxmlformats.org/officeDocument/2006/relationships" xmlns:p="http://schemas.openxmlformats.org/presentationml/2006/main">
   <p:cSld>
     <p:spTree>
       <p:nvGrpSpPr>
@@ -16384,11 +16267,7 @@
           <a:p>
             <a:r>
               <a:rPr lang="en-US" dirty="0" smtClean="0"/>
-              <a:t>DDS4CCM Extended </a:t>
-            </a:r>
-            <a:r>
-              <a:rPr lang="en-US" dirty="0" smtClean="0"/>
-              <a:t>Ports (1/2)</a:t>
+              <a:t>DDS4CCM Extended Ports (1/2)</a:t>
             </a:r>
             <a:endParaRPr lang="en-US" dirty="0"/>
           </a:p>
@@ -16432,7 +16311,6 @@
               <a:rPr lang="en-US" dirty="0" smtClean="0"/>
               <a:t>Increases code portability by not exposing DDS implementation directly</a:t>
             </a:r>
-            <a:endParaRPr lang="en-US" dirty="0" smtClean="0"/>
           </a:p>
           <a:p>
             <a:pPr lvl="1"/>
@@ -16742,7 +16620,7 @@
 </file>
 
 <file path=ppt/slides/slide29.xml><?xml version="1.0" encoding="utf-8"?>
-<p:sld xmlns:a="http://schemas.openxmlformats.org/drawingml/2006/main" xmlns:r="http://schemas.openxmlformats.org/officeDocument/2006/relationships" xmlns:mc="http://schemas.openxmlformats.org/markup-compatibility/2006" xmlns:mv="urn:schemas-microsoft-com:mac:vml" xmlns:p="http://schemas.openxmlformats.org/presentationml/2006/main" mc:Ignorable="mv" mc:PreserveAttributes="mv:*">
+<p:sld xmlns:a="http://schemas.openxmlformats.org/drawingml/2006/main" xmlns:r="http://schemas.openxmlformats.org/officeDocument/2006/relationships" xmlns:p="http://schemas.openxmlformats.org/presentationml/2006/main">
   <p:cSld>
     <p:spTree>
       <p:nvGrpSpPr>
@@ -16853,14 +16731,7 @@
                 <a:latin typeface="Courier New"/>
                 <a:cs typeface="Courier New"/>
               </a:rPr>
-              <a:t>p</a:t>
-            </a:r>
-            <a:r>
-              <a:rPr lang="en-US" sz="1400" i="0" dirty="0" err="1" smtClean="0">
-                <a:latin typeface="Courier New"/>
-                <a:cs typeface="Courier New"/>
-              </a:rPr>
-              <a:t>orttype</a:t>
+              <a:t>porttype</a:t>
             </a:r>
             <a:r>
               <a:rPr lang="en-US" sz="1400" i="0" dirty="0" smtClean="0">
@@ -17041,14 +16912,7 @@
                 <a:latin typeface="Courier New"/>
                 <a:cs typeface="Courier New"/>
               </a:rPr>
-              <a:t>p</a:t>
-            </a:r>
-            <a:r>
-              <a:rPr lang="en-US" sz="1400" i="0" dirty="0" err="1" smtClean="0">
-                <a:latin typeface="Courier New"/>
-                <a:cs typeface="Courier New"/>
-              </a:rPr>
-              <a:t>orttype</a:t>
+              <a:t>porttype</a:t>
             </a:r>
             <a:r>
               <a:rPr lang="en-US" sz="1400" i="0" dirty="0" smtClean="0">
@@ -17218,7 +17082,7 @@
 </file>
 
 <file path=ppt/slides/slide3.xml><?xml version="1.0" encoding="utf-8"?>
-<p:sld xmlns:a="http://schemas.openxmlformats.org/drawingml/2006/main" xmlns:r="http://schemas.openxmlformats.org/officeDocument/2006/relationships" xmlns:mc="http://schemas.openxmlformats.org/markup-compatibility/2006" xmlns:mv="urn:schemas-microsoft-com:mac:vml" xmlns:p="http://schemas.openxmlformats.org/presentationml/2006/main" mc:Ignorable="mv" mc:PreserveAttributes="mv:*">
+<p:sld xmlns:a="http://schemas.openxmlformats.org/drawingml/2006/main" xmlns:r="http://schemas.openxmlformats.org/officeDocument/2006/relationships" xmlns:p="http://schemas.openxmlformats.org/presentationml/2006/main">
   <p:cSld>
     <p:spTree>
       <p:nvGrpSpPr>
@@ -17486,7 +17350,7 @@
 </file>
 
 <file path=ppt/slides/slide30.xml><?xml version="1.0" encoding="utf-8"?>
-<p:sld xmlns:a="http://schemas.openxmlformats.org/drawingml/2006/main" xmlns:r="http://schemas.openxmlformats.org/officeDocument/2006/relationships" xmlns:mc="http://schemas.openxmlformats.org/markup-compatibility/2006" xmlns:mv="urn:schemas-microsoft-com:mac:vml" xmlns:p="http://schemas.openxmlformats.org/presentationml/2006/main" mc:Ignorable="mv" mc:PreserveAttributes="mv:*">
+<p:sld xmlns:a="http://schemas.openxmlformats.org/drawingml/2006/main" xmlns:r="http://schemas.openxmlformats.org/officeDocument/2006/relationships" xmlns:p="http://schemas.openxmlformats.org/presentationml/2006/main">
   <p:cSld>
     <p:spTree>
       <p:nvGrpSpPr>
@@ -17650,14 +17514,7 @@
                 <a:latin typeface="Courier New"/>
                 <a:cs typeface="Courier New"/>
               </a:rPr>
-              <a:t>c</a:t>
-            </a:r>
-            <a:r>
-              <a:rPr lang="en-US" sz="1500" dirty="0" smtClean="0">
-                <a:latin typeface="Courier New"/>
-                <a:cs typeface="Courier New"/>
-              </a:rPr>
-              <a:t>onnector </a:t>
+              <a:t>connector </a:t>
             </a:r>
             <a:r>
               <a:rPr lang="en-US" sz="1500" dirty="0" err="1" smtClean="0">
@@ -17982,7 +17839,7 @@
 </file>
 
 <file path=ppt/slides/slide31.xml><?xml version="1.0" encoding="utf-8"?>
-<p:sld xmlns:a="http://schemas.openxmlformats.org/drawingml/2006/main" xmlns:r="http://schemas.openxmlformats.org/officeDocument/2006/relationships" xmlns:mc="http://schemas.openxmlformats.org/markup-compatibility/2006" xmlns:mv="urn:schemas-microsoft-com:mac:vml" xmlns:p="http://schemas.openxmlformats.org/presentationml/2006/main" mc:Ignorable="mv" mc:PreserveAttributes="mv:*">
+<p:sld xmlns:a="http://schemas.openxmlformats.org/drawingml/2006/main" xmlns:r="http://schemas.openxmlformats.org/officeDocument/2006/relationships" xmlns:p="http://schemas.openxmlformats.org/presentationml/2006/main">
   <p:cSld>
     <p:spTree>
       <p:nvGrpSpPr>
@@ -18015,15 +17872,7 @@
           <a:p>
             <a:r>
               <a:rPr lang="en-US" dirty="0" smtClean="0"/>
-              <a:t>DDS4CCM Standard Connectors </a:t>
-            </a:r>
-            <a:r>
-              <a:rPr lang="en-US" dirty="0" smtClean="0"/>
-              <a:t>(2/</a:t>
-            </a:r>
-            <a:r>
-              <a:rPr lang="en-US" dirty="0" smtClean="0"/>
-              <a:t>2)</a:t>
+              <a:t>DDS4CCM Standard Connectors (2/2)</a:t>
             </a:r>
             <a:endParaRPr lang="en-US" dirty="0"/>
           </a:p>
@@ -18142,42 +17991,58 @@
                 <a:latin typeface="Courier New"/>
                 <a:cs typeface="Courier New"/>
               </a:rPr>
-              <a:t>c</a:t>
+              <a:t>connector </a:t>
+            </a:r>
+            <a:r>
+              <a:rPr lang="en-US" sz="1400" i="0" dirty="0" err="1" smtClean="0">
+                <a:latin typeface="Courier New"/>
+                <a:cs typeface="Courier New"/>
+              </a:rPr>
+              <a:t>DDS_State</a:t>
             </a:r>
             <a:r>
               <a:rPr lang="en-US" sz="1400" i="0" dirty="0" smtClean="0">
                 <a:latin typeface="Courier New"/>
                 <a:cs typeface="Courier New"/>
               </a:rPr>
-              <a:t>onnector </a:t>
+              <a:t>&lt;</a:t>
             </a:r>
             <a:r>
               <a:rPr lang="en-US" sz="1400" i="0" dirty="0" err="1" smtClean="0">
                 <a:latin typeface="Courier New"/>
                 <a:cs typeface="Courier New"/>
               </a:rPr>
-              <a:t>DDS_State</a:t>
+              <a:t>typename</a:t>
             </a:r>
             <a:r>
               <a:rPr lang="en-US" sz="1400" i="0" dirty="0" smtClean="0">
                 <a:latin typeface="Courier New"/>
                 <a:cs typeface="Courier New"/>
               </a:rPr>
-              <a:t>&lt;</a:t>
+              <a:t> T&gt;</a:t>
+            </a:r>
+          </a:p>
+          <a:p>
+            <a:r>
+              <a:rPr lang="en-US" sz="1400" i="0" dirty="0" smtClean="0">
+                <a:latin typeface="Courier New"/>
+                <a:cs typeface="Courier New"/>
+              </a:rPr>
+              <a:t>   : </a:t>
             </a:r>
             <a:r>
               <a:rPr lang="en-US" sz="1400" i="0" dirty="0" err="1" smtClean="0">
                 <a:latin typeface="Courier New"/>
                 <a:cs typeface="Courier New"/>
               </a:rPr>
-              <a:t>typename</a:t>
+              <a:t>DDS_TopicBase</a:t>
             </a:r>
             <a:r>
               <a:rPr lang="en-US" sz="1400" i="0" dirty="0" smtClean="0">
                 <a:latin typeface="Courier New"/>
                 <a:cs typeface="Courier New"/>
               </a:rPr>
-              <a:t> T&gt;</a:t>
+              <a:t> {</a:t>
             </a:r>
           </a:p>
           <a:p>
@@ -18186,29 +18051,43 @@
                 <a:latin typeface="Courier New"/>
                 <a:cs typeface="Courier New"/>
               </a:rPr>
-              <a:t>   : </a:t>
+              <a:t>  </a:t>
             </a:r>
             <a:r>
               <a:rPr lang="en-US" sz="1400" i="0" dirty="0" err="1" smtClean="0">
                 <a:latin typeface="Courier New"/>
                 <a:cs typeface="Courier New"/>
               </a:rPr>
-              <a:t>DDS_TopicBase</a:t>
+              <a:t>mirrorport</a:t>
             </a:r>
             <a:r>
               <a:rPr lang="en-US" sz="1400" i="0" dirty="0" smtClean="0">
                 <a:latin typeface="Courier New"/>
                 <a:cs typeface="Courier New"/>
               </a:rPr>
-              <a:t> {</a:t>
-            </a:r>
-          </a:p>
-          <a:p>
+              <a:t> </a:t>
+            </a:r>
+            <a:r>
+              <a:rPr lang="en-US" sz="1400" i="0" dirty="0" err="1" smtClean="0">
+                <a:latin typeface="Courier New"/>
+                <a:cs typeface="Courier New"/>
+              </a:rPr>
+              <a:t>DDS_Update</a:t>
+            </a:r>
             <a:r>
               <a:rPr lang="en-US" sz="1400" i="0" dirty="0" smtClean="0">
                 <a:latin typeface="Courier New"/>
                 <a:cs typeface="Courier New"/>
               </a:rPr>
+              <a:t>&lt;T&gt; observable;</a:t>
+            </a:r>
+          </a:p>
+          <a:p>
+            <a:r>
+              <a:rPr lang="en-US" sz="1400" i="0" dirty="0" smtClean="0">
+                <a:latin typeface="Courier New"/>
+                <a:cs typeface="Courier New"/>
+              </a:rPr>
               <a:t>  </a:t>
             </a:r>
             <a:r>
@@ -18230,21 +18109,28 @@
                 <a:latin typeface="Courier New"/>
                 <a:cs typeface="Courier New"/>
               </a:rPr>
-              <a:t>DDS_Update</a:t>
+              <a:t>DDS_Read</a:t>
             </a:r>
             <a:r>
               <a:rPr lang="en-US" sz="1400" i="0" dirty="0" smtClean="0">
                 <a:latin typeface="Courier New"/>
                 <a:cs typeface="Courier New"/>
               </a:rPr>
-              <a:t>&lt;T</a:t>
+              <a:t>&lt;T&gt; </a:t>
+            </a:r>
+            <a:r>
+              <a:rPr lang="en-US" sz="1400" i="0" dirty="0" err="1" smtClean="0">
+                <a:latin typeface="Courier New"/>
+                <a:cs typeface="Courier New"/>
+              </a:rPr>
+              <a:t>passive_observer</a:t>
             </a:r>
             <a:r>
               <a:rPr lang="en-US" sz="1400" i="0" dirty="0" smtClean="0">
                 <a:latin typeface="Courier New"/>
                 <a:cs typeface="Courier New"/>
               </a:rPr>
-              <a:t>&gt; observable;</a:t>
+              <a:t>;    </a:t>
             </a:r>
           </a:p>
           <a:p>
@@ -18274,137 +18160,65 @@
                 <a:latin typeface="Courier New"/>
                 <a:cs typeface="Courier New"/>
               </a:rPr>
-              <a:t>DDS_Read</a:t>
+              <a:t>DDS_Get</a:t>
             </a:r>
             <a:r>
               <a:rPr lang="en-US" sz="1400" i="0" dirty="0" smtClean="0">
                 <a:latin typeface="Courier New"/>
                 <a:cs typeface="Courier New"/>
               </a:rPr>
-              <a:t>&lt;T</a:t>
+              <a:t>&lt;T&gt; </a:t>
+            </a:r>
+            <a:r>
+              <a:rPr lang="en-US" sz="1400" i="0" dirty="0" err="1" smtClean="0">
+                <a:latin typeface="Courier New"/>
+                <a:cs typeface="Courier New"/>
+              </a:rPr>
+              <a:t>pull_observer</a:t>
             </a:r>
             <a:r>
               <a:rPr lang="en-US" sz="1400" i="0" dirty="0" smtClean="0">
                 <a:latin typeface="Courier New"/>
                 <a:cs typeface="Courier New"/>
               </a:rPr>
-              <a:t>&gt; </a:t>
+              <a:t>; </a:t>
+            </a:r>
+          </a:p>
+          <a:p>
+            <a:r>
+              <a:rPr lang="en-US" sz="1400" i="0" dirty="0" smtClean="0">
+                <a:latin typeface="Courier New"/>
+                <a:cs typeface="Courier New"/>
+              </a:rPr>
+              <a:t>  </a:t>
             </a:r>
             <a:r>
               <a:rPr lang="en-US" sz="1400" i="0" dirty="0" err="1" smtClean="0">
                 <a:latin typeface="Courier New"/>
                 <a:cs typeface="Courier New"/>
               </a:rPr>
-              <a:t>passive_observer</a:t>
+              <a:t>mirrorport</a:t>
             </a:r>
             <a:r>
               <a:rPr lang="en-US" sz="1400" i="0" dirty="0" smtClean="0">
                 <a:latin typeface="Courier New"/>
                 <a:cs typeface="Courier New"/>
               </a:rPr>
-              <a:t>;    </a:t>
-            </a:r>
-          </a:p>
-          <a:p>
+              <a:t> </a:t>
+            </a:r>
+            <a:r>
+              <a:rPr lang="en-US" sz="1400" i="0" dirty="0" err="1" smtClean="0">
+                <a:latin typeface="Courier New"/>
+                <a:cs typeface="Courier New"/>
+              </a:rPr>
+              <a:t>DDS_StateListen</a:t>
+            </a:r>
             <a:r>
               <a:rPr lang="en-US" sz="1400" i="0" dirty="0" smtClean="0">
                 <a:latin typeface="Courier New"/>
                 <a:cs typeface="Courier New"/>
               </a:rPr>
-              <a:t>  </a:t>
-            </a:r>
-            <a:r>
-              <a:rPr lang="en-US" sz="1400" i="0" dirty="0" err="1" smtClean="0">
-                <a:latin typeface="Courier New"/>
-                <a:cs typeface="Courier New"/>
-              </a:rPr>
-              <a:t>mirrorport</a:t>
-            </a:r>
-            <a:r>
-              <a:rPr lang="en-US" sz="1400" i="0" dirty="0" smtClean="0">
-                <a:latin typeface="Courier New"/>
-                <a:cs typeface="Courier New"/>
-              </a:rPr>
-              <a:t> </a:t>
-            </a:r>
-            <a:r>
-              <a:rPr lang="en-US" sz="1400" i="0" dirty="0" err="1" smtClean="0">
-                <a:latin typeface="Courier New"/>
-                <a:cs typeface="Courier New"/>
-              </a:rPr>
-              <a:t>DDS_Get</a:t>
-            </a:r>
-            <a:r>
-              <a:rPr lang="en-US" sz="1400" i="0" dirty="0" smtClean="0">
-                <a:latin typeface="Courier New"/>
-                <a:cs typeface="Courier New"/>
-              </a:rPr>
-              <a:t>&lt;T</a:t>
-            </a:r>
-            <a:r>
-              <a:rPr lang="en-US" sz="1400" i="0" dirty="0" smtClean="0">
-                <a:latin typeface="Courier New"/>
-                <a:cs typeface="Courier New"/>
-              </a:rPr>
-              <a:t>&gt; </a:t>
-            </a:r>
-            <a:r>
-              <a:rPr lang="en-US" sz="1400" i="0" dirty="0" err="1" smtClean="0">
-                <a:latin typeface="Courier New"/>
-                <a:cs typeface="Courier New"/>
-              </a:rPr>
-              <a:t>pull_observer</a:t>
-            </a:r>
-            <a:r>
-              <a:rPr lang="en-US" sz="1400" i="0" dirty="0" smtClean="0">
-                <a:latin typeface="Courier New"/>
-                <a:cs typeface="Courier New"/>
-              </a:rPr>
-              <a:t>; </a:t>
-            </a:r>
-          </a:p>
-          <a:p>
-            <a:r>
-              <a:rPr lang="en-US" sz="1400" i="0" dirty="0" smtClean="0">
-                <a:latin typeface="Courier New"/>
-                <a:cs typeface="Courier New"/>
-              </a:rPr>
-              <a:t>  </a:t>
-            </a:r>
-            <a:r>
-              <a:rPr lang="en-US" sz="1400" i="0" dirty="0" err="1" smtClean="0">
-                <a:latin typeface="Courier New"/>
-                <a:cs typeface="Courier New"/>
-              </a:rPr>
-              <a:t>mirrorport</a:t>
-            </a:r>
-            <a:r>
-              <a:rPr lang="en-US" sz="1400" i="0" dirty="0" smtClean="0">
-                <a:latin typeface="Courier New"/>
-                <a:cs typeface="Courier New"/>
-              </a:rPr>
-              <a:t> </a:t>
-            </a:r>
-            <a:r>
-              <a:rPr lang="en-US" sz="1400" i="0" dirty="0" err="1" smtClean="0">
-                <a:latin typeface="Courier New"/>
-                <a:cs typeface="Courier New"/>
-              </a:rPr>
-              <a:t>DDS_StateListen</a:t>
-            </a:r>
-            <a:r>
-              <a:rPr lang="en-US" sz="1400" i="0" dirty="0" smtClean="0">
-                <a:latin typeface="Courier New"/>
-                <a:cs typeface="Courier New"/>
-              </a:rPr>
-              <a:t>&lt;T</a:t>
-            </a:r>
-            <a:r>
-              <a:rPr lang="en-US" sz="1400" i="0" dirty="0" smtClean="0">
-                <a:latin typeface="Courier New"/>
-                <a:cs typeface="Courier New"/>
-              </a:rPr>
-              <a:t>&gt;</a:t>
+              <a:t>&lt;T&gt;</a:t>
             </a:r>
           </a:p>
           <a:p>
@@ -18468,42 +18282,58 @@
                 <a:latin typeface="Courier New"/>
                 <a:cs typeface="Courier New"/>
               </a:rPr>
-              <a:t>c</a:t>
+              <a:t>connector </a:t>
+            </a:r>
+            <a:r>
+              <a:rPr lang="en-US" sz="1400" i="0" dirty="0" err="1" smtClean="0">
+                <a:latin typeface="Courier New"/>
+                <a:cs typeface="Courier New"/>
+              </a:rPr>
+              <a:t>DDS_Event</a:t>
             </a:r>
             <a:r>
               <a:rPr lang="en-US" sz="1400" i="0" dirty="0" smtClean="0">
                 <a:latin typeface="Courier New"/>
                 <a:cs typeface="Courier New"/>
               </a:rPr>
-              <a:t>onnector </a:t>
+              <a:t>&lt;</a:t>
             </a:r>
             <a:r>
               <a:rPr lang="en-US" sz="1400" i="0" dirty="0" err="1" smtClean="0">
                 <a:latin typeface="Courier New"/>
                 <a:cs typeface="Courier New"/>
               </a:rPr>
-              <a:t>DDS_Event</a:t>
+              <a:t>typename</a:t>
             </a:r>
             <a:r>
               <a:rPr lang="en-US" sz="1400" i="0" dirty="0" smtClean="0">
                 <a:latin typeface="Courier New"/>
                 <a:cs typeface="Courier New"/>
               </a:rPr>
-              <a:t>&lt;</a:t>
+              <a:t> T&gt;</a:t>
+            </a:r>
+          </a:p>
+          <a:p>
+            <a:r>
+              <a:rPr lang="en-US" sz="1400" i="0" dirty="0" smtClean="0">
+                <a:latin typeface="Courier New"/>
+                <a:cs typeface="Courier New"/>
+              </a:rPr>
+              <a:t>   : </a:t>
             </a:r>
             <a:r>
               <a:rPr lang="en-US" sz="1400" i="0" dirty="0" err="1" smtClean="0">
                 <a:latin typeface="Courier New"/>
                 <a:cs typeface="Courier New"/>
               </a:rPr>
-              <a:t>typename</a:t>
+              <a:t>DDS_TopicBase</a:t>
             </a:r>
             <a:r>
               <a:rPr lang="en-US" sz="1400" i="0" dirty="0" smtClean="0">
                 <a:latin typeface="Courier New"/>
                 <a:cs typeface="Courier New"/>
               </a:rPr>
-              <a:t> T&gt;</a:t>
+              <a:t> {</a:t>
             </a:r>
           </a:p>
           <a:p>
@@ -18512,29 +18342,43 @@
                 <a:latin typeface="Courier New"/>
                 <a:cs typeface="Courier New"/>
               </a:rPr>
-              <a:t>   : </a:t>
+              <a:t>  </a:t>
             </a:r>
             <a:r>
               <a:rPr lang="en-US" sz="1400" i="0" dirty="0" err="1" smtClean="0">
                 <a:latin typeface="Courier New"/>
                 <a:cs typeface="Courier New"/>
               </a:rPr>
-              <a:t>DDS_TopicBase</a:t>
+              <a:t>mirrorport</a:t>
             </a:r>
             <a:r>
               <a:rPr lang="en-US" sz="1400" i="0" dirty="0" smtClean="0">
                 <a:latin typeface="Courier New"/>
                 <a:cs typeface="Courier New"/>
               </a:rPr>
-              <a:t> {</a:t>
-            </a:r>
-          </a:p>
-          <a:p>
+              <a:t> </a:t>
+            </a:r>
+            <a:r>
+              <a:rPr lang="en-US" sz="1400" i="0" dirty="0" err="1" smtClean="0">
+                <a:latin typeface="Courier New"/>
+                <a:cs typeface="Courier New"/>
+              </a:rPr>
+              <a:t>DDS_Write</a:t>
+            </a:r>
             <a:r>
               <a:rPr lang="en-US" sz="1400" i="0" dirty="0" smtClean="0">
                 <a:latin typeface="Courier New"/>
                 <a:cs typeface="Courier New"/>
               </a:rPr>
+              <a:t>&lt;T&gt; supplier;</a:t>
+            </a:r>
+          </a:p>
+          <a:p>
+            <a:r>
+              <a:rPr lang="en-US" sz="1400" i="0" dirty="0" smtClean="0">
+                <a:latin typeface="Courier New"/>
+                <a:cs typeface="Courier New"/>
+              </a:rPr>
               <a:t>  </a:t>
             </a:r>
             <a:r>
@@ -18556,144 +18400,65 @@
                 <a:latin typeface="Courier New"/>
                 <a:cs typeface="Courier New"/>
               </a:rPr>
-              <a:t>DDS_Write</a:t>
+              <a:t>DDS_Get</a:t>
             </a:r>
             <a:r>
               <a:rPr lang="en-US" sz="1400" i="0" dirty="0" smtClean="0">
                 <a:latin typeface="Courier New"/>
                 <a:cs typeface="Courier New"/>
               </a:rPr>
-              <a:t>&lt;</a:t>
+              <a:t>&lt;T&gt; </a:t>
+            </a:r>
+            <a:r>
+              <a:rPr lang="en-US" sz="1400" i="0" dirty="0" err="1" smtClean="0">
+                <a:latin typeface="Courier New"/>
+                <a:cs typeface="Courier New"/>
+              </a:rPr>
+              <a:t>pull_consumer</a:t>
             </a:r>
             <a:r>
               <a:rPr lang="en-US" sz="1400" i="0" dirty="0" smtClean="0">
                 <a:latin typeface="Courier New"/>
                 <a:cs typeface="Courier New"/>
               </a:rPr>
-              <a:t>T</a:t>
-            </a:r>
+              <a:t>;    </a:t>
+            </a:r>
+          </a:p>
+          <a:p>
             <a:r>
               <a:rPr lang="en-US" sz="1400" i="0" dirty="0" smtClean="0">
                 <a:latin typeface="Courier New"/>
                 <a:cs typeface="Courier New"/>
               </a:rPr>
-              <a:t>&gt; supplier;</a:t>
-            </a:r>
-          </a:p>
-          <a:p>
+              <a:t>  </a:t>
+            </a:r>
+            <a:r>
+              <a:rPr lang="en-US" sz="1400" i="0" dirty="0" err="1" smtClean="0">
+                <a:latin typeface="Courier New"/>
+                <a:cs typeface="Courier New"/>
+              </a:rPr>
+              <a:t>mirrorport</a:t>
+            </a:r>
             <a:r>
               <a:rPr lang="en-US" sz="1400" i="0" dirty="0" smtClean="0">
                 <a:latin typeface="Courier New"/>
                 <a:cs typeface="Courier New"/>
               </a:rPr>
-              <a:t>  </a:t>
+              <a:t> </a:t>
             </a:r>
             <a:r>
               <a:rPr lang="en-US" sz="1400" i="0" dirty="0" err="1" smtClean="0">
                 <a:latin typeface="Courier New"/>
                 <a:cs typeface="Courier New"/>
               </a:rPr>
-              <a:t>mirrorport</a:t>
+              <a:t>DDS_Listen</a:t>
             </a:r>
             <a:r>
               <a:rPr lang="en-US" sz="1400" i="0" dirty="0" smtClean="0">
                 <a:latin typeface="Courier New"/>
                 <a:cs typeface="Courier New"/>
               </a:rPr>
-              <a:t> </a:t>
-            </a:r>
-            <a:r>
-              <a:rPr lang="en-US" sz="1400" i="0" dirty="0" err="1" smtClean="0">
-                <a:latin typeface="Courier New"/>
-                <a:cs typeface="Courier New"/>
-              </a:rPr>
-              <a:t>DDS_Get</a:t>
-            </a:r>
-            <a:r>
-              <a:rPr lang="en-US" sz="1400" i="0" dirty="0" smtClean="0">
-                <a:latin typeface="Courier New"/>
-                <a:cs typeface="Courier New"/>
-              </a:rPr>
-              <a:t>&lt;</a:t>
-            </a:r>
-            <a:r>
-              <a:rPr lang="en-US" sz="1400" i="0" dirty="0" smtClean="0">
-                <a:latin typeface="Courier New"/>
-                <a:cs typeface="Courier New"/>
-              </a:rPr>
-              <a:t>T</a:t>
-            </a:r>
-            <a:r>
-              <a:rPr lang="en-US" sz="1400" i="0" dirty="0" smtClean="0">
-                <a:latin typeface="Courier New"/>
-                <a:cs typeface="Courier New"/>
-              </a:rPr>
-              <a:t>&gt; </a:t>
-            </a:r>
-            <a:r>
-              <a:rPr lang="en-US" sz="1400" i="0" dirty="0" err="1" smtClean="0">
-                <a:latin typeface="Courier New"/>
-                <a:cs typeface="Courier New"/>
-              </a:rPr>
-              <a:t>pull_consumer</a:t>
-            </a:r>
-            <a:r>
-              <a:rPr lang="en-US" sz="1400" i="0" dirty="0" smtClean="0">
-                <a:latin typeface="Courier New"/>
-                <a:cs typeface="Courier New"/>
-              </a:rPr>
-              <a:t>;    </a:t>
-            </a:r>
-          </a:p>
-          <a:p>
-            <a:r>
-              <a:rPr lang="en-US" sz="1400" i="0" dirty="0" smtClean="0">
-                <a:latin typeface="Courier New"/>
-                <a:cs typeface="Courier New"/>
-              </a:rPr>
-              <a:t>  </a:t>
-            </a:r>
-            <a:r>
-              <a:rPr lang="en-US" sz="1400" i="0" dirty="0" err="1" smtClean="0">
-                <a:latin typeface="Courier New"/>
-                <a:cs typeface="Courier New"/>
-              </a:rPr>
-              <a:t>mirrorport</a:t>
-            </a:r>
-            <a:r>
-              <a:rPr lang="en-US" sz="1400" i="0" dirty="0" smtClean="0">
-                <a:latin typeface="Courier New"/>
-                <a:cs typeface="Courier New"/>
-              </a:rPr>
-              <a:t> </a:t>
-            </a:r>
-            <a:r>
-              <a:rPr lang="en-US" sz="1400" i="0" dirty="0" err="1" smtClean="0">
-                <a:latin typeface="Courier New"/>
-                <a:cs typeface="Courier New"/>
-              </a:rPr>
-              <a:t>DDS_Listen</a:t>
-            </a:r>
-            <a:r>
-              <a:rPr lang="en-US" sz="1400" i="0" dirty="0" smtClean="0">
-                <a:latin typeface="Courier New"/>
-                <a:cs typeface="Courier New"/>
-              </a:rPr>
-              <a:t>&lt;</a:t>
-            </a:r>
-            <a:r>
-              <a:rPr lang="en-US" sz="1400" i="0" dirty="0" smtClean="0">
-                <a:latin typeface="Courier New"/>
-                <a:cs typeface="Courier New"/>
-              </a:rPr>
-              <a:t>T</a:t>
-            </a:r>
-            <a:r>
-              <a:rPr lang="en-US" sz="1400" i="0" dirty="0" smtClean="0">
-                <a:latin typeface="Courier New"/>
-                <a:cs typeface="Courier New"/>
-              </a:rPr>
-              <a:t>&gt; </a:t>
+              <a:t>&lt;T&gt; </a:t>
             </a:r>
             <a:r>
               <a:rPr lang="en-US" sz="1400" i="0" dirty="0" err="1" smtClean="0">
@@ -18908,7 +18673,7 @@
 </file>
 
 <file path=ppt/slides/slide32.xml><?xml version="1.0" encoding="utf-8"?>
-<p:sld xmlns:a="http://schemas.openxmlformats.org/drawingml/2006/main" xmlns:r="http://schemas.openxmlformats.org/officeDocument/2006/relationships" xmlns:mc="http://schemas.openxmlformats.org/markup-compatibility/2006" xmlns:mv="urn:schemas-microsoft-com:mac:vml" xmlns:p="http://schemas.openxmlformats.org/presentationml/2006/main" mc:Ignorable="mv" mc:PreserveAttributes="mv:*">
+<p:sld xmlns:a="http://schemas.openxmlformats.org/drawingml/2006/main" xmlns:r="http://schemas.openxmlformats.org/officeDocument/2006/relationships" xmlns:p="http://schemas.openxmlformats.org/presentationml/2006/main">
   <p:cSld>
     <p:spTree>
       <p:nvGrpSpPr>
@@ -19038,15 +18803,7 @@
                 <a:ea typeface="宋体" pitchFamily="-65" charset="-128"/>
                 <a:cs typeface="Times New Roman" charset="0"/>
               </a:rPr>
-              <a:t>Initial proof of concept is a derivation of the </a:t>
-            </a:r>
-            <a:r>
-              <a:rPr lang="en-US" altLang="zh-CN" sz="2200" i="0" dirty="0" smtClean="0">
-                <a:latin typeface="+mn-lt"/>
-                <a:ea typeface="宋体" pitchFamily="-65" charset="-128"/>
-                <a:cs typeface="Times New Roman" charset="0"/>
-              </a:rPr>
-              <a:t>“Hello, World!” CCM example</a:t>
+              <a:t>Initial proof of concept is a derivation of the “Hello, World!” CCM example</a:t>
             </a:r>
           </a:p>
           <a:p>
@@ -19161,8 +18918,8 @@
           </p:cNvPicPr>
           <p:nvPr/>
         </p:nvPicPr>
-        <mc:AlternateContent>
-          <mc:Choice xmlns:ma="http://schemas.microsoft.com/office/mac/drawingml/2008/main" Requires="ma">
+        <mc:AlternateContent xmlns:mc="http://schemas.openxmlformats.org/markup-compatibility/2006">
+          <mc:Choice xmlns:ma="http://schemas.microsoft.com/office/mac/drawingml/2008/main" xmlns:mv="urn:schemas-microsoft-com:mac:vml" xmlns="" Requires="ma">
             <p:blipFill>
               <a:blip r:embed="rId2"/>
               <a:stretch>
@@ -19197,8 +18954,8 @@
           </p:cNvPicPr>
           <p:nvPr/>
         </p:nvPicPr>
-        <mc:AlternateContent>
-          <mc:Choice xmlns:ma="http://schemas.microsoft.com/office/mac/drawingml/2008/main" Requires="ma">
+        <mc:AlternateContent xmlns:mc="http://schemas.openxmlformats.org/markup-compatibility/2006">
+          <mc:Choice xmlns:ma="http://schemas.microsoft.com/office/mac/drawingml/2008/main" xmlns:mv="urn:schemas-microsoft-com:mac:vml" xmlns="" Requires="ma">
             <p:blipFill>
               <a:blip r:embed="rId4"/>
               <a:stretch>
@@ -19233,8 +18990,8 @@
           </p:cNvPicPr>
           <p:nvPr/>
         </p:nvPicPr>
-        <mc:AlternateContent>
-          <mc:Choice xmlns:ma="http://schemas.microsoft.com/office/mac/drawingml/2008/main" Requires="ma">
+        <mc:AlternateContent xmlns:mc="http://schemas.openxmlformats.org/markup-compatibility/2006">
+          <mc:Choice xmlns:ma="http://schemas.microsoft.com/office/mac/drawingml/2008/main" xmlns:mv="urn:schemas-microsoft-com:mac:vml" xmlns="" Requires="ma">
             <p:blipFill>
               <a:blip r:embed="rId6"/>
               <a:stretch>
@@ -19277,7 +19034,7 @@
 </file>
 
 <file path=ppt/slides/slide33.xml><?xml version="1.0" encoding="utf-8"?>
-<p:sld xmlns:a="http://schemas.openxmlformats.org/drawingml/2006/main" xmlns:r="http://schemas.openxmlformats.org/officeDocument/2006/relationships" xmlns:mc="http://schemas.openxmlformats.org/markup-compatibility/2006" xmlns:mv="urn:schemas-microsoft-com:mac:vml" xmlns:p="http://schemas.openxmlformats.org/presentationml/2006/main" mc:Ignorable="mv" mc:PreserveAttributes="mv:*">
+<p:sld xmlns:a="http://schemas.openxmlformats.org/drawingml/2006/main" xmlns:r="http://schemas.openxmlformats.org/officeDocument/2006/relationships" xmlns:p="http://schemas.openxmlformats.org/presentationml/2006/main">
   <p:cSld>
     <p:spTree>
       <p:nvGrpSpPr>
@@ -19324,8 +19081,8 @@
           </p:cNvPicPr>
           <p:nvPr/>
         </p:nvPicPr>
-        <mc:AlternateContent>
-          <mc:Choice xmlns:ma="http://schemas.microsoft.com/office/mac/drawingml/2008/main" Requires="ma">
+        <mc:AlternateContent xmlns:mc="http://schemas.openxmlformats.org/markup-compatibility/2006">
+          <mc:Choice xmlns:ma="http://schemas.microsoft.com/office/mac/drawingml/2008/main" xmlns:mv="urn:schemas-microsoft-com:mac:vml" xmlns="" Requires="ma">
             <p:blipFill>
               <a:blip r:embed="rId2"/>
               <a:stretch>
@@ -20290,7 +20047,7 @@
 </file>
 
 <file path=ppt/slides/slide34.xml><?xml version="1.0" encoding="utf-8"?>
-<p:sld xmlns:a="http://schemas.openxmlformats.org/drawingml/2006/main" xmlns:r="http://schemas.openxmlformats.org/officeDocument/2006/relationships" xmlns:mc="http://schemas.openxmlformats.org/markup-compatibility/2006" xmlns:mv="urn:schemas-microsoft-com:mac:vml" xmlns:p="http://schemas.openxmlformats.org/presentationml/2006/main" mc:Ignorable="mv" mc:PreserveAttributes="mv:*">
+<p:sld xmlns:a="http://schemas.openxmlformats.org/drawingml/2006/main" xmlns:r="http://schemas.openxmlformats.org/officeDocument/2006/relationships" xmlns:p="http://schemas.openxmlformats.org/presentationml/2006/main">
   <p:cSld>
     <p:spTree>
       <p:nvGrpSpPr>
@@ -20901,14 +20658,7 @@
                 <a:latin typeface="Courier New"/>
                 <a:cs typeface="Courier New"/>
               </a:rPr>
-              <a:t>v</a:t>
-            </a:r>
-            <a:r>
-              <a:rPr lang="en-US" sz="1400" i="0" dirty="0" smtClean="0">
-                <a:latin typeface="Courier New"/>
-                <a:cs typeface="Courier New"/>
-              </a:rPr>
-              <a:t>oid </a:t>
+              <a:t>void </a:t>
             </a:r>
             <a:r>
               <a:rPr lang="en-US" sz="1400" i="0" dirty="0" err="1" smtClean="0">
@@ -21017,15 +20767,7 @@
                 <a:ea typeface="宋体" pitchFamily="-65" charset="-128"/>
                 <a:cs typeface="Courier New" charset="0"/>
               </a:rPr>
-              <a:t>    writer </a:t>
-            </a:r>
-            <a:r>
-              <a:rPr lang="en-US" altLang="zh-CN" sz="1400" i="0" dirty="0" smtClean="0">
-                <a:latin typeface="Courier New" charset="0"/>
-                <a:ea typeface="宋体" pitchFamily="-65" charset="-128"/>
-                <a:cs typeface="Courier New" charset="0"/>
-              </a:rPr>
-              <a:t>=</a:t>
+              <a:t>    writer =</a:t>
             </a:r>
             <a:r>
               <a:rPr lang="en-US" sz="1400" i="0" dirty="0" smtClean="0">
@@ -21477,7 +21219,7 @@
 </file>
 
 <file path=ppt/slides/slide35.xml><?xml version="1.0" encoding="utf-8"?>
-<p:sld xmlns:a="http://schemas.openxmlformats.org/drawingml/2006/main" xmlns:r="http://schemas.openxmlformats.org/officeDocument/2006/relationships" xmlns:mc="http://schemas.openxmlformats.org/markup-compatibility/2006" xmlns:mv="urn:schemas-microsoft-com:mac:vml" xmlns:p="http://schemas.openxmlformats.org/presentationml/2006/main" mc:Ignorable="mv" mc:PreserveAttributes="mv:*">
+<p:sld xmlns:a="http://schemas.openxmlformats.org/drawingml/2006/main" xmlns:r="http://schemas.openxmlformats.org/officeDocument/2006/relationships" xmlns:p="http://schemas.openxmlformats.org/presentationml/2006/main">
   <p:cSld>
     <p:spTree>
       <p:nvGrpSpPr>
@@ -22611,7 +22353,33 @@
                 <a:effectLst/>
                 <a:latin typeface="Arial" pitchFamily="-65" charset="0"/>
               </a:rPr>
-              <a:t> World prototype currently only implements the </a:t>
+              <a:t> World prototype currently </a:t>
+            </a:r>
+            <a:r>
+              <a:rPr kumimoji="0" lang="en-US" sz="2400" b="1" i="0" u="none" strike="noStrike" cap="none" normalizeH="0" dirty="0" smtClean="0">
+                <a:ln>
+                  <a:noFill/>
+                </a:ln>
+                <a:solidFill>
+                  <a:srgbClr val="FF0000"/>
+                </a:solidFill>
+                <a:effectLst/>
+                <a:latin typeface="Arial" pitchFamily="-65" charset="0"/>
+              </a:rPr>
+              <a:t>implements </a:t>
+            </a:r>
+            <a:r>
+              <a:rPr kumimoji="0" lang="en-US" sz="2400" b="1" i="0" u="none" strike="noStrike" cap="none" normalizeH="0" dirty="0" smtClean="0">
+                <a:ln>
+                  <a:noFill/>
+                </a:ln>
+                <a:solidFill>
+                  <a:srgbClr val="FF0000"/>
+                </a:solidFill>
+                <a:effectLst/>
+                <a:latin typeface="Arial" pitchFamily="-65" charset="0"/>
+              </a:rPr>
+              <a:t>the </a:t>
             </a:r>
             <a:r>
               <a:rPr kumimoji="0" lang="en-US" sz="2400" b="1" i="0" u="none" strike="noStrike" cap="none" normalizeH="0" dirty="0" err="1" smtClean="0">
@@ -22637,7 +22405,20 @@
                 <a:effectLst/>
                 <a:latin typeface="Arial" pitchFamily="-65" charset="0"/>
               </a:rPr>
-              <a:t> port.</a:t>
+              <a:t> </a:t>
+            </a:r>
+            <a:r>
+              <a:rPr kumimoji="0" lang="en-US" sz="2400" b="1" i="0" u="none" strike="noStrike" cap="none" normalizeH="0" dirty="0" smtClean="0">
+                <a:ln>
+                  <a:noFill/>
+                </a:ln>
+                <a:solidFill>
+                  <a:srgbClr val="FF0000"/>
+                </a:solidFill>
+                <a:effectLst/>
+                <a:latin typeface="Arial" pitchFamily="-65" charset="0"/>
+              </a:rPr>
+              <a:t>port and part of the Reader port.</a:t>
             </a:r>
             <a:endParaRPr kumimoji="0" lang="en-US" sz="2400" b="1" i="0" u="none" strike="noStrike" cap="none" normalizeH="0" baseline="0" dirty="0">
               <a:ln>
@@ -22747,7 +22528,7 @@
 </file>
 
 <file path=ppt/slides/slide36.xml><?xml version="1.0" encoding="utf-8"?>
-<p:sld xmlns:a="http://schemas.openxmlformats.org/drawingml/2006/main" xmlns:r="http://schemas.openxmlformats.org/officeDocument/2006/relationships" xmlns:mc="http://schemas.openxmlformats.org/markup-compatibility/2006" xmlns:mv="urn:schemas-microsoft-com:mac:vml" xmlns:p="http://schemas.openxmlformats.org/presentationml/2006/main" mc:Ignorable="mv" mc:PreserveAttributes="mv:*">
+<p:sld xmlns:a="http://schemas.openxmlformats.org/drawingml/2006/main" xmlns:r="http://schemas.openxmlformats.org/officeDocument/2006/relationships" xmlns:p="http://schemas.openxmlformats.org/presentationml/2006/main">
   <p:cSld>
     <p:spTree>
       <p:nvGrpSpPr>
@@ -23014,15 +22795,7 @@
                 <a:ea typeface="宋体" pitchFamily="-65" charset="-128"/>
                 <a:cs typeface="Courier New" charset="0"/>
               </a:rPr>
-              <a:t>                  </a:t>
-            </a:r>
-            <a:r>
-              <a:rPr lang="en-US" altLang="zh-CN" sz="1400" i="0" dirty="0" smtClean="0">
-                <a:latin typeface="Courier New" charset="0"/>
-                <a:ea typeface="宋体" pitchFamily="-65" charset="-128"/>
-                <a:cs typeface="Courier New" charset="0"/>
-              </a:rPr>
-              <a:t>in </a:t>
+              <a:t>                  in </a:t>
             </a:r>
             <a:r>
               <a:rPr lang="en-US" altLang="zh-CN" sz="1400" i="0" dirty="0" err="1">
@@ -23115,15 +22888,7 @@
                 <a:ea typeface="宋体" pitchFamily="-65" charset="-128"/>
                 <a:cs typeface="Courier New" charset="0"/>
               </a:rPr>
-              <a:t> class</a:t>
-            </a:r>
-            <a:r>
-              <a:rPr lang="en-US" altLang="zh-CN" sz="1400" i="0" dirty="0" smtClean="0">
-                <a:latin typeface="Courier New" charset="0"/>
-                <a:ea typeface="宋体" pitchFamily="-65" charset="-128"/>
-                <a:cs typeface="Courier New" charset="0"/>
-              </a:rPr>
-              <a:t> </a:t>
+              <a:t> class </a:t>
             </a:r>
             <a:r>
               <a:rPr lang="en-US" altLang="zh-CN" sz="1400" i="0" dirty="0" err="1" smtClean="0">
@@ -23151,15 +22916,7 @@
                 <a:ea typeface="宋体" pitchFamily="-65" charset="-128"/>
                 <a:cs typeface="Courier New" charset="0"/>
               </a:rPr>
-              <a:t>    : public virtual</a:t>
-            </a:r>
-            <a:r>
-              <a:rPr lang="en-US" altLang="zh-CN" sz="1400" i="0" dirty="0" smtClean="0">
-                <a:latin typeface="Courier New" charset="0"/>
-                <a:ea typeface="宋体" pitchFamily="-65" charset="-128"/>
-                <a:cs typeface="Courier New" charset="0"/>
-              </a:rPr>
-              <a:t> </a:t>
+              <a:t>    : public virtual </a:t>
             </a:r>
           </a:p>
           <a:p>
@@ -23174,15 +22931,7 @@
                 <a:ea typeface="宋体" pitchFamily="-65" charset="-128"/>
                 <a:cs typeface="Courier New" charset="0"/>
               </a:rPr>
-              <a:t>       :</a:t>
-            </a:r>
-            <a:r>
-              <a:rPr lang="en-US" altLang="zh-CN" sz="1400" i="0" dirty="0" smtClean="0">
-                <a:latin typeface="Courier New" charset="0"/>
-                <a:ea typeface="宋体" pitchFamily="-65" charset="-128"/>
-                <a:cs typeface="Courier New" charset="0"/>
-              </a:rPr>
-              <a:t>:</a:t>
+              <a:t>       ::</a:t>
             </a:r>
             <a:r>
               <a:rPr lang="en-US" altLang="zh-CN" sz="1400" i="0" dirty="0" err="1" smtClean="0">
@@ -23213,15 +22962,7 @@
                 <a:ea typeface="宋体" pitchFamily="-65" charset="-128"/>
                 <a:cs typeface="Courier New" charset="0"/>
               </a:rPr>
-              <a:t>      public virtual</a:t>
-            </a:r>
-            <a:r>
-              <a:rPr lang="en-US" altLang="zh-CN" sz="1400" i="0" dirty="0" smtClean="0">
-                <a:latin typeface="Courier New" charset="0"/>
-                <a:ea typeface="宋体" pitchFamily="-65" charset="-128"/>
-                <a:cs typeface="Courier New" charset="0"/>
-              </a:rPr>
-              <a:t> </a:t>
+              <a:t>      public virtual </a:t>
             </a:r>
           </a:p>
           <a:p>
@@ -23236,15 +22977,7 @@
                 <a:ea typeface="宋体" pitchFamily="-65" charset="-128"/>
                 <a:cs typeface="Courier New" charset="0"/>
               </a:rPr>
-              <a:t>       :</a:t>
-            </a:r>
-            <a:r>
-              <a:rPr lang="en-US" altLang="zh-CN" sz="1400" i="0" dirty="0" smtClean="0">
-                <a:latin typeface="Courier New" charset="0"/>
-                <a:ea typeface="宋体" pitchFamily="-65" charset="-128"/>
-                <a:cs typeface="Courier New" charset="0"/>
-              </a:rPr>
-              <a:t>:</a:t>
+              <a:t>       ::</a:t>
             </a:r>
             <a:r>
               <a:rPr lang="en-US" altLang="zh-CN" sz="1400" i="0" dirty="0" err="1" smtClean="0">
@@ -23274,11 +23007,6 @@
               </a:rPr>
               <a:t>{</a:t>
             </a:r>
-            <a:endParaRPr lang="en-US" altLang="zh-CN" sz="1400" i="0" dirty="0" smtClean="0">
-              <a:latin typeface="Courier New" charset="0"/>
-              <a:ea typeface="宋体" pitchFamily="-65" charset="-128"/>
-              <a:cs typeface="Courier New" charset="0"/>
-            </a:endParaRPr>
           </a:p>
           <a:p>
             <a:pPr marL="169863" indent="-169863">
@@ -23369,7 +23097,15 @@
                 <a:ea typeface="宋体" pitchFamily="-65" charset="-128"/>
                 <a:cs typeface="Courier New" charset="0"/>
               </a:rPr>
-              <a:t>     </a:t>
+              <a:t>      const ::</a:t>
+            </a:r>
+            <a:r>
+              <a:rPr lang="en-US" altLang="zh-CN" sz="1400" i="0" dirty="0" err="1" smtClean="0">
+                <a:latin typeface="Courier New" charset="0"/>
+                <a:ea typeface="宋体" pitchFamily="-65" charset="-128"/>
+                <a:cs typeface="Courier New" charset="0"/>
+              </a:rPr>
+              <a:t>CCM_DDS::ReadInfo</a:t>
             </a:r>
             <a:r>
               <a:rPr lang="en-US" altLang="zh-CN" sz="1400" i="0" dirty="0" smtClean="0">
@@ -23377,39 +23113,7 @@
                 <a:ea typeface="宋体" pitchFamily="-65" charset="-128"/>
                 <a:cs typeface="Courier New" charset="0"/>
               </a:rPr>
-              <a:t> const </a:t>
-            </a:r>
-            <a:r>
-              <a:rPr lang="en-US" altLang="zh-CN" sz="1400" i="0" dirty="0" smtClean="0">
-                <a:latin typeface="Courier New" charset="0"/>
-                <a:ea typeface="宋体" pitchFamily="-65" charset="-128"/>
-                <a:cs typeface="Courier New" charset="0"/>
-              </a:rPr>
-              <a:t>::</a:t>
-            </a:r>
-            <a:r>
-              <a:rPr lang="en-US" altLang="zh-CN" sz="1400" i="0" dirty="0" err="1" smtClean="0">
-                <a:latin typeface="Courier New" charset="0"/>
-                <a:ea typeface="宋体" pitchFamily="-65" charset="-128"/>
-                <a:cs typeface="Courier New" charset="0"/>
-              </a:rPr>
-              <a:t>CCM_DDS::ReadInfo</a:t>
-            </a:r>
-            <a:r>
-              <a:rPr lang="en-US" altLang="zh-CN" sz="1400" i="0" dirty="0" smtClean="0">
-                <a:latin typeface="Courier New" charset="0"/>
-                <a:ea typeface="宋体" pitchFamily="-65" charset="-128"/>
-                <a:cs typeface="Courier New" charset="0"/>
-              </a:rPr>
-              <a:t> &amp; info</a:t>
-            </a:r>
-            <a:r>
-              <a:rPr lang="en-US" altLang="zh-CN" sz="1400" i="0" dirty="0" smtClean="0">
-                <a:latin typeface="Courier New" charset="0"/>
-                <a:ea typeface="宋体" pitchFamily="-65" charset="-128"/>
-                <a:cs typeface="Courier New" charset="0"/>
-              </a:rPr>
-              <a:t>)</a:t>
+              <a:t> &amp; info)</a:t>
             </a:r>
           </a:p>
           <a:p>
@@ -23971,23 +23675,7 @@
                 <a:ea typeface="宋体" pitchFamily="-65" charset="-128"/>
                 <a:cs typeface="Courier New" charset="0"/>
               </a:rPr>
-              <a:t> </a:t>
-            </a:r>
-            <a:r>
-              <a:rPr lang="en-US" altLang="zh-CN" sz="1400" i="0" dirty="0" smtClean="0">
-                <a:latin typeface="Courier New" charset="0"/>
-                <a:ea typeface="宋体" pitchFamily="-65" charset="-128"/>
-                <a:cs typeface="Courier New" charset="0"/>
-              </a:rPr>
-              <a:t>virtual</a:t>
-            </a:r>
-            <a:r>
-              <a:rPr lang="en-US" altLang="zh-CN" sz="1400" i="0" dirty="0" smtClean="0">
-                <a:latin typeface="Courier New" charset="0"/>
-                <a:ea typeface="宋体" pitchFamily="-65" charset="-128"/>
-                <a:cs typeface="Courier New" charset="0"/>
-              </a:rPr>
-              <a:t> </a:t>
+              <a:t> virtual </a:t>
             </a:r>
           </a:p>
           <a:p>
@@ -24002,15 +23690,7 @@
                 <a:ea typeface="宋体" pitchFamily="-65" charset="-128"/>
                 <a:cs typeface="Courier New" charset="0"/>
               </a:rPr>
-              <a:t>:</a:t>
-            </a:r>
-            <a:r>
-              <a:rPr lang="en-US" altLang="zh-CN" sz="1400" i="0" dirty="0" smtClean="0">
-                <a:latin typeface="Courier New" charset="0"/>
-                <a:ea typeface="宋体" pitchFamily="-65" charset="-128"/>
-                <a:cs typeface="Courier New" charset="0"/>
-              </a:rPr>
-              <a:t>:</a:t>
+              <a:t>::</a:t>
             </a:r>
             <a:r>
               <a:rPr lang="en-US" altLang="zh-CN" sz="1400" i="0" dirty="0" err="1" smtClean="0">
@@ -24054,15 +23734,7 @@
                 <a:ea typeface="宋体" pitchFamily="-65" charset="-128"/>
                 <a:cs typeface="Courier New" charset="0"/>
               </a:rPr>
-              <a:t> (void</a:t>
-            </a:r>
-            <a:r>
-              <a:rPr lang="en-US" altLang="zh-CN" sz="1400" i="0" dirty="0" smtClean="0">
-                <a:latin typeface="Courier New" charset="0"/>
-                <a:ea typeface="宋体" pitchFamily="-65" charset="-128"/>
-                <a:cs typeface="Courier New" charset="0"/>
-              </a:rPr>
-              <a:t>) {</a:t>
+              <a:t> (void) {</a:t>
             </a:r>
           </a:p>
           <a:p>
@@ -24256,7 +23928,7 @@
 </file>
 
 <file path=ppt/slides/slide37.xml><?xml version="1.0" encoding="utf-8"?>
-<p:sld xmlns:a="http://schemas.openxmlformats.org/drawingml/2006/main" xmlns:r="http://schemas.openxmlformats.org/officeDocument/2006/relationships" xmlns:mc="http://schemas.openxmlformats.org/markup-compatibility/2006" xmlns:mv="urn:schemas-microsoft-com:mac:vml" xmlns:p="http://schemas.openxmlformats.org/presentationml/2006/main" mc:Ignorable="mv" mc:PreserveAttributes="mv:*">
+<p:sld xmlns:a="http://schemas.openxmlformats.org/drawingml/2006/main" xmlns:r="http://schemas.openxmlformats.org/officeDocument/2006/relationships" xmlns:p="http://schemas.openxmlformats.org/presentationml/2006/main">
   <p:cSld>
     <p:spTree>
       <p:nvGrpSpPr>
@@ -24559,7 +24231,7 @@
 </file>
 
 <file path=ppt/slides/slide38.xml><?xml version="1.0" encoding="utf-8"?>
-<p:sld xmlns:a="http://schemas.openxmlformats.org/drawingml/2006/main" xmlns:r="http://schemas.openxmlformats.org/officeDocument/2006/relationships" xmlns:mc="http://schemas.openxmlformats.org/markup-compatibility/2006" xmlns:mv="urn:schemas-microsoft-com:mac:vml" xmlns:p="http://schemas.openxmlformats.org/presentationml/2006/main" mc:Ignorable="mv" mc:PreserveAttributes="mv:*">
+<p:sld xmlns:a="http://schemas.openxmlformats.org/drawingml/2006/main" xmlns:r="http://schemas.openxmlformats.org/officeDocument/2006/relationships" xmlns:p="http://schemas.openxmlformats.org/presentationml/2006/main">
   <p:cSld>
     <p:spTree>
       <p:nvGrpSpPr>
@@ -24682,7 +24354,7 @@
 </file>
 
 <file path=ppt/slides/slide39.xml><?xml version="1.0" encoding="utf-8"?>
-<p:sld xmlns:a="http://schemas.openxmlformats.org/drawingml/2006/main" xmlns:r="http://schemas.openxmlformats.org/officeDocument/2006/relationships" xmlns:mc="http://schemas.openxmlformats.org/markup-compatibility/2006" xmlns:mv="urn:schemas-microsoft-com:mac:vml" xmlns:p="http://schemas.openxmlformats.org/presentationml/2006/main" mc:Ignorable="mv" mc:PreserveAttributes="mv:*">
+<p:sld xmlns:a="http://schemas.openxmlformats.org/drawingml/2006/main" xmlns:r="http://schemas.openxmlformats.org/officeDocument/2006/relationships" xmlns:p="http://schemas.openxmlformats.org/presentationml/2006/main">
   <p:cSld>
     <p:spTree>
       <p:nvGrpSpPr>
@@ -24920,7 +24592,7 @@
 </file>
 
 <file path=ppt/slides/slide4.xml><?xml version="1.0" encoding="utf-8"?>
-<p:sld xmlns:a="http://schemas.openxmlformats.org/drawingml/2006/main" xmlns:r="http://schemas.openxmlformats.org/officeDocument/2006/relationships" xmlns:mc="http://schemas.openxmlformats.org/markup-compatibility/2006" xmlns:mv="urn:schemas-microsoft-com:mac:vml" xmlns:p="http://schemas.openxmlformats.org/presentationml/2006/main" mc:Ignorable="mv" mc:PreserveAttributes="mv:*">
+<p:sld xmlns:a="http://schemas.openxmlformats.org/drawingml/2006/main" xmlns:r="http://schemas.openxmlformats.org/officeDocument/2006/relationships" xmlns:p="http://schemas.openxmlformats.org/presentationml/2006/main">
   <p:cSld>
     <p:spTree>
       <p:nvGrpSpPr>
@@ -25213,7 +24885,7 @@
 </file>
 
 <file path=ppt/slides/slide40.xml><?xml version="1.0" encoding="utf-8"?>
-<p:sld xmlns:a="http://schemas.openxmlformats.org/drawingml/2006/main" xmlns:r="http://schemas.openxmlformats.org/officeDocument/2006/relationships" xmlns:mc="http://schemas.openxmlformats.org/markup-compatibility/2006" xmlns:mv="urn:schemas-microsoft-com:mac:vml" xmlns:p="http://schemas.openxmlformats.org/presentationml/2006/main" mc:Ignorable="mv" mc:PreserveAttributes="mv:*">
+<p:sld xmlns:a="http://schemas.openxmlformats.org/drawingml/2006/main" xmlns:r="http://schemas.openxmlformats.org/officeDocument/2006/relationships" xmlns:p="http://schemas.openxmlformats.org/presentationml/2006/main">
   <p:cSld>
     <p:spTree>
       <p:nvGrpSpPr>
@@ -25454,7 +25126,7 @@
 </file>
 
 <file path=ppt/slides/slide41.xml><?xml version="1.0" encoding="utf-8"?>
-<p:sld xmlns:a="http://schemas.openxmlformats.org/drawingml/2006/main" xmlns:r="http://schemas.openxmlformats.org/officeDocument/2006/relationships" xmlns:mc="http://schemas.openxmlformats.org/markup-compatibility/2006" xmlns:mv="urn:schemas-microsoft-com:mac:vml" xmlns:p="http://schemas.openxmlformats.org/presentationml/2006/main" mc:Ignorable="mv" mc:PreserveAttributes="mv:*">
+<p:sld xmlns:a="http://schemas.openxmlformats.org/drawingml/2006/main" xmlns:r="http://schemas.openxmlformats.org/officeDocument/2006/relationships" xmlns:p="http://schemas.openxmlformats.org/presentationml/2006/main">
   <p:cSld>
     <p:spTree>
       <p:nvGrpSpPr>
@@ -25660,7 +25332,7 @@
 </file>
 
 <file path=ppt/slides/slide42.xml><?xml version="1.0" encoding="utf-8"?>
-<p:sld xmlns:a="http://schemas.openxmlformats.org/drawingml/2006/main" xmlns:r="http://schemas.openxmlformats.org/officeDocument/2006/relationships" xmlns:mc="http://schemas.openxmlformats.org/markup-compatibility/2006" xmlns:mv="urn:schemas-microsoft-com:mac:vml" xmlns:p="http://schemas.openxmlformats.org/presentationml/2006/main" mc:Ignorable="mv" mc:PreserveAttributes="mv:*">
+<p:sld xmlns:a="http://schemas.openxmlformats.org/drawingml/2006/main" xmlns:r="http://schemas.openxmlformats.org/officeDocument/2006/relationships" xmlns:p="http://schemas.openxmlformats.org/presentationml/2006/main">
   <p:cSld>
     <p:spTree>
       <p:nvGrpSpPr>
@@ -25983,7 +25655,7 @@
 </file>
 
 <file path=ppt/slides/slide43.xml><?xml version="1.0" encoding="utf-8"?>
-<p:sld xmlns:a="http://schemas.openxmlformats.org/drawingml/2006/main" xmlns:r="http://schemas.openxmlformats.org/officeDocument/2006/relationships" xmlns:mc="http://schemas.openxmlformats.org/markup-compatibility/2006" xmlns:mv="urn:schemas-microsoft-com:mac:vml" xmlns:p="http://schemas.openxmlformats.org/presentationml/2006/main" mc:Ignorable="mv" mc:PreserveAttributes="mv:*">
+<p:sld xmlns:a="http://schemas.openxmlformats.org/drawingml/2006/main" xmlns:r="http://schemas.openxmlformats.org/officeDocument/2006/relationships" xmlns:p="http://schemas.openxmlformats.org/presentationml/2006/main">
   <p:cSld>
     <p:spTree>
       <p:nvGrpSpPr>
@@ -26216,7 +25888,7 @@
 </file>
 
 <file path=ppt/slides/slide44.xml><?xml version="1.0" encoding="utf-8"?>
-<p:sld xmlns:a="http://schemas.openxmlformats.org/drawingml/2006/main" xmlns:r="http://schemas.openxmlformats.org/officeDocument/2006/relationships" xmlns:mc="http://schemas.openxmlformats.org/markup-compatibility/2006" xmlns:mv="urn:schemas-microsoft-com:mac:vml" xmlns:p="http://schemas.openxmlformats.org/presentationml/2006/main" mc:Ignorable="mv" mc:PreserveAttributes="mv:*">
+<p:sld xmlns:a="http://schemas.openxmlformats.org/drawingml/2006/main" xmlns:r="http://schemas.openxmlformats.org/officeDocument/2006/relationships" xmlns:p="http://schemas.openxmlformats.org/presentationml/2006/main">
   <p:cSld>
     <p:spTree>
       <p:nvGrpSpPr>
@@ -26526,7 +26198,7 @@
 </file>
 
 <file path=ppt/slides/slide45.xml><?xml version="1.0" encoding="utf-8"?>
-<p:sld xmlns:a="http://schemas.openxmlformats.org/drawingml/2006/main" xmlns:r="http://schemas.openxmlformats.org/officeDocument/2006/relationships" xmlns:mc="http://schemas.openxmlformats.org/markup-compatibility/2006" xmlns:mv="urn:schemas-microsoft-com:mac:vml" xmlns:p="http://schemas.openxmlformats.org/presentationml/2006/main" mc:Ignorable="mv" mc:PreserveAttributes="mv:*">
+<p:sld xmlns:a="http://schemas.openxmlformats.org/drawingml/2006/main" xmlns:r="http://schemas.openxmlformats.org/officeDocument/2006/relationships" xmlns:p="http://schemas.openxmlformats.org/presentationml/2006/main">
   <p:cSld>
     <p:spTree>
       <p:nvGrpSpPr>
@@ -26813,7 +26485,7 @@
 </file>
 
 <file path=ppt/slides/slide46.xml><?xml version="1.0" encoding="utf-8"?>
-<p:sld xmlns:a="http://schemas.openxmlformats.org/drawingml/2006/main" xmlns:r="http://schemas.openxmlformats.org/officeDocument/2006/relationships" xmlns:mc="http://schemas.openxmlformats.org/markup-compatibility/2006" xmlns:mv="urn:schemas-microsoft-com:mac:vml" xmlns:p="http://schemas.openxmlformats.org/presentationml/2006/main" mc:Ignorable="mv" mc:PreserveAttributes="mv:*">
+<p:sld xmlns:a="http://schemas.openxmlformats.org/drawingml/2006/main" xmlns:r="http://schemas.openxmlformats.org/officeDocument/2006/relationships" xmlns:p="http://schemas.openxmlformats.org/presentationml/2006/main">
   <p:cSld>
     <p:spTree>
       <p:nvGrpSpPr>
@@ -27164,7 +26836,7 @@
 </file>
 
 <file path=ppt/slides/slide47.xml><?xml version="1.0" encoding="utf-8"?>
-<p:sld xmlns:a="http://schemas.openxmlformats.org/drawingml/2006/main" xmlns:r="http://schemas.openxmlformats.org/officeDocument/2006/relationships" xmlns:mc="http://schemas.openxmlformats.org/markup-compatibility/2006" xmlns:mv="urn:schemas-microsoft-com:mac:vml" xmlns:p="http://schemas.openxmlformats.org/presentationml/2006/main" mc:Ignorable="mv" mc:PreserveAttributes="mv:*">
+<p:sld xmlns:a="http://schemas.openxmlformats.org/drawingml/2006/main" xmlns:r="http://schemas.openxmlformats.org/officeDocument/2006/relationships" xmlns:p="http://schemas.openxmlformats.org/presentationml/2006/main">
   <p:cSld>
     <p:spTree>
       <p:nvGrpSpPr>
@@ -27494,7 +27166,7 @@
 </file>
 
 <file path=ppt/slides/slide48.xml><?xml version="1.0" encoding="utf-8"?>
-<p:sld xmlns:a="http://schemas.openxmlformats.org/drawingml/2006/main" xmlns:r="http://schemas.openxmlformats.org/officeDocument/2006/relationships" xmlns:mc="http://schemas.openxmlformats.org/markup-compatibility/2006" xmlns:mv="urn:schemas-microsoft-com:mac:vml" xmlns:p="http://schemas.openxmlformats.org/presentationml/2006/main" mc:Ignorable="mv" mc:PreserveAttributes="mv:*">
+<p:sld xmlns:a="http://schemas.openxmlformats.org/drawingml/2006/main" xmlns:r="http://schemas.openxmlformats.org/officeDocument/2006/relationships" xmlns:p="http://schemas.openxmlformats.org/presentationml/2006/main">
   <p:cSld>
     <p:spTree>
       <p:nvGrpSpPr>
@@ -27770,7 +27442,7 @@
 </file>
 
 <file path=ppt/slides/slide49.xml><?xml version="1.0" encoding="utf-8"?>
-<p:sld xmlns:a="http://schemas.openxmlformats.org/drawingml/2006/main" xmlns:r="http://schemas.openxmlformats.org/officeDocument/2006/relationships" xmlns:mc="http://schemas.openxmlformats.org/markup-compatibility/2006" xmlns:mv="urn:schemas-microsoft-com:mac:vml" xmlns:p="http://schemas.openxmlformats.org/presentationml/2006/main" mc:Ignorable="mv" mc:PreserveAttributes="mv:*">
+<p:sld xmlns:a="http://schemas.openxmlformats.org/drawingml/2006/main" xmlns:r="http://schemas.openxmlformats.org/officeDocument/2006/relationships" xmlns:p="http://schemas.openxmlformats.org/presentationml/2006/main">
   <p:cSld>
     <p:spTree>
       <p:nvGrpSpPr>
@@ -28033,7 +27705,7 @@
 </file>
 
 <file path=ppt/slides/slide5.xml><?xml version="1.0" encoding="utf-8"?>
-<p:sld xmlns:a="http://schemas.openxmlformats.org/drawingml/2006/main" xmlns:r="http://schemas.openxmlformats.org/officeDocument/2006/relationships" xmlns:mc="http://schemas.openxmlformats.org/markup-compatibility/2006" xmlns:mv="urn:schemas-microsoft-com:mac:vml" xmlns:p="http://schemas.openxmlformats.org/presentationml/2006/main" mc:Ignorable="mv" mc:PreserveAttributes="mv:*">
+<p:sld xmlns:a="http://schemas.openxmlformats.org/drawingml/2006/main" xmlns:r="http://schemas.openxmlformats.org/officeDocument/2006/relationships" xmlns:p="http://schemas.openxmlformats.org/presentationml/2006/main">
   <p:cSld>
     <p:spTree>
       <p:nvGrpSpPr>
@@ -28299,7 +27971,7 @@
 </file>
 
 <file path=ppt/slides/slide50.xml><?xml version="1.0" encoding="utf-8"?>
-<p:sld xmlns:a="http://schemas.openxmlformats.org/drawingml/2006/main" xmlns:r="http://schemas.openxmlformats.org/officeDocument/2006/relationships" xmlns:mc="http://schemas.openxmlformats.org/markup-compatibility/2006" xmlns:mv="urn:schemas-microsoft-com:mac:vml" xmlns:p="http://schemas.openxmlformats.org/presentationml/2006/main" mc:Ignorable="mv" mc:PreserveAttributes="mv:*">
+<p:sld xmlns:a="http://schemas.openxmlformats.org/drawingml/2006/main" xmlns:r="http://schemas.openxmlformats.org/officeDocument/2006/relationships" xmlns:p="http://schemas.openxmlformats.org/presentationml/2006/main">
   <p:cSld>
     <p:spTree>
       <p:nvGrpSpPr>
@@ -28648,7 +28320,7 @@
 </file>
 
 <file path=ppt/slides/slide51.xml><?xml version="1.0" encoding="utf-8"?>
-<p:sld xmlns:a="http://schemas.openxmlformats.org/drawingml/2006/main" xmlns:r="http://schemas.openxmlformats.org/officeDocument/2006/relationships" xmlns:mc="http://schemas.openxmlformats.org/markup-compatibility/2006" xmlns:mv="urn:schemas-microsoft-com:mac:vml" xmlns:p="http://schemas.openxmlformats.org/presentationml/2006/main" mc:Ignorable="mv" mc:PreserveAttributes="mv:*">
+<p:sld xmlns:a="http://schemas.openxmlformats.org/drawingml/2006/main" xmlns:r="http://schemas.openxmlformats.org/officeDocument/2006/relationships" xmlns:p="http://schemas.openxmlformats.org/presentationml/2006/main">
   <p:cSld>
     <p:spTree>
       <p:nvGrpSpPr>
@@ -28849,7 +28521,7 @@
 </file>
 
 <file path=ppt/slides/slide6.xml><?xml version="1.0" encoding="utf-8"?>
-<p:sld xmlns:a="http://schemas.openxmlformats.org/drawingml/2006/main" xmlns:r="http://schemas.openxmlformats.org/officeDocument/2006/relationships" xmlns:mc="http://schemas.openxmlformats.org/markup-compatibility/2006" xmlns:mv="urn:schemas-microsoft-com:mac:vml" xmlns:p="http://schemas.openxmlformats.org/presentationml/2006/main" mc:Ignorable="mv" mc:PreserveAttributes="mv:*">
+<p:sld xmlns:a="http://schemas.openxmlformats.org/drawingml/2006/main" xmlns:r="http://schemas.openxmlformats.org/officeDocument/2006/relationships" xmlns:p="http://schemas.openxmlformats.org/presentationml/2006/main">
   <p:cSld>
     <p:spTree>
       <p:nvGrpSpPr>
@@ -28965,7 +28637,7 @@
 </file>
 
 <file path=ppt/slides/slide7.xml><?xml version="1.0" encoding="utf-8"?>
-<p:sld xmlns:a="http://schemas.openxmlformats.org/drawingml/2006/main" xmlns:r="http://schemas.openxmlformats.org/officeDocument/2006/relationships" xmlns:mc="http://schemas.openxmlformats.org/markup-compatibility/2006" xmlns:mv="urn:schemas-microsoft-com:mac:vml" xmlns:p="http://schemas.openxmlformats.org/presentationml/2006/main" mc:Ignorable="mv" mc:PreserveAttributes="mv:*">
+<p:sld xmlns:a="http://schemas.openxmlformats.org/drawingml/2006/main" xmlns:r="http://schemas.openxmlformats.org/officeDocument/2006/relationships" xmlns:p="http://schemas.openxmlformats.org/presentationml/2006/main">
   <p:cSld>
     <p:spTree>
       <p:nvGrpSpPr>
@@ -29203,21 +28875,7 @@
                 <a:ea typeface="宋体" pitchFamily="-65" charset="-128"/>
                 <a:cs typeface="Times New Roman" charset="0"/>
               </a:rPr>
-              <a:t>Solution – Create an ‘extended’ port type that may be</a:t>
-            </a:r>
-            <a:r>
-              <a:rPr lang="en-US" altLang="zh-CN" sz="2000" i="0" dirty="0" smtClean="0">
-                <a:ea typeface="宋体" pitchFamily="-65" charset="-128"/>
-                <a:cs typeface="Times New Roman" charset="0"/>
-              </a:rPr>
-              <a:t> offered </a:t>
-            </a:r>
-            <a:r>
-              <a:rPr lang="en-US" altLang="zh-CN" sz="2000" i="0" dirty="0" smtClean="0">
-                <a:ea typeface="宋体" pitchFamily="-65" charset="-128"/>
-                <a:cs typeface="Times New Roman" charset="0"/>
-              </a:rPr>
-              <a:t>by a component</a:t>
+              <a:t>Solution – Create an ‘extended’ port type that may be offered by a component</a:t>
             </a:r>
           </a:p>
           <a:p>
@@ -29297,7 +28955,7 @@
 </file>
 
 <file path=ppt/slides/slide8.xml><?xml version="1.0" encoding="utf-8"?>
-<p:sld xmlns:a="http://schemas.openxmlformats.org/drawingml/2006/main" xmlns:r="http://schemas.openxmlformats.org/officeDocument/2006/relationships" xmlns:mc="http://schemas.openxmlformats.org/markup-compatibility/2006" xmlns:mv="urn:schemas-microsoft-com:mac:vml" xmlns:p="http://schemas.openxmlformats.org/presentationml/2006/main" mc:Ignorable="mv" mc:PreserveAttributes="mv:*">
+<p:sld xmlns:a="http://schemas.openxmlformats.org/drawingml/2006/main" xmlns:r="http://schemas.openxmlformats.org/officeDocument/2006/relationships" xmlns:p="http://schemas.openxmlformats.org/presentationml/2006/main">
   <p:cSld>
     <p:spTree>
       <p:nvGrpSpPr>
@@ -29638,7 +29296,7 @@
 </file>
 
 <file path=ppt/slides/slide9.xml><?xml version="1.0" encoding="utf-8"?>
-<p:sld xmlns:a="http://schemas.openxmlformats.org/drawingml/2006/main" xmlns:r="http://schemas.openxmlformats.org/officeDocument/2006/relationships" xmlns:mc="http://schemas.openxmlformats.org/markup-compatibility/2006" xmlns:mv="urn:schemas-microsoft-com:mac:vml" xmlns:p="http://schemas.openxmlformats.org/presentationml/2006/main" mc:Ignorable="mv" mc:PreserveAttributes="mv:*">
+<p:sld xmlns:a="http://schemas.openxmlformats.org/drawingml/2006/main" xmlns:r="http://schemas.openxmlformats.org/officeDocument/2006/relationships" xmlns:p="http://schemas.openxmlformats.org/presentationml/2006/main">
   <p:cSld>
     <p:spTree>
       <p:nvGrpSpPr>

--- a/modules/CIAO/docs/Connectors.pptx
+++ b/modules/CIAO/docs/Connectors.pptx
@@ -17835,6 +17835,13 @@
   <p:clrMapOvr>
     <a:masterClrMapping/>
   </p:clrMapOvr>
+  <p:timing>
+    <p:tnLst>
+      <p:par>
+        <p:cTn id="1" dur="indefinite" restart="never" nodeType="tmRoot"/>
+      </p:par>
+    </p:tnLst>
+  </p:timing>
 </p:sld>
 </file>
 
@@ -18234,7 +18241,7 @@
                 <a:latin typeface="Courier New"/>
                 <a:cs typeface="Courier New"/>
               </a:rPr>
-              <a:t>push_obverver</a:t>
+              <a:t>push_observer</a:t>
             </a:r>
             <a:r>
               <a:rPr lang="en-US" sz="1400" i="0" dirty="0" smtClean="0">
@@ -20700,7 +20707,14 @@
                 <a:latin typeface="Courier New"/>
                 <a:cs typeface="Courier New"/>
               </a:rPr>
-              <a:t>  //obtain </a:t>
+              <a:t>  </a:t>
+            </a:r>
+            <a:r>
+              <a:rPr lang="en-US" sz="1400" i="0" dirty="0" smtClean="0">
+                <a:latin typeface="Courier New"/>
+                <a:cs typeface="Courier New"/>
+              </a:rPr>
+              <a:t>// obtain </a:t>
             </a:r>
             <a:r>
               <a:rPr lang="en-US" sz="1400" i="0" dirty="0" err="1" smtClean="0">

--- a/modules/CIAO/docs/Connectors.pptx
+++ b/modules/CIAO/docs/Connectors.pptx
@@ -17655,6 +17655,13 @@
               </a:rPr>
               <a:t>qos_profile</a:t>
             </a:r>
+            <a:r>
+              <a:rPr lang="en-US" sz="1500" dirty="0" smtClean="0">
+                <a:latin typeface="Courier New"/>
+                <a:cs typeface="Courier New"/>
+              </a:rPr>
+              <a:t>;</a:t>
+            </a:r>
             <a:endParaRPr lang="en-US" sz="1500" dirty="0" smtClean="0">
               <a:latin typeface="Courier New"/>
               <a:cs typeface="Courier New"/>
@@ -17806,6 +17813,13 @@
                 <a:cs typeface="Courier New"/>
               </a:rPr>
               <a:t>key_fields</a:t>
+            </a:r>
+            <a:r>
+              <a:rPr lang="en-US" sz="1500" dirty="0" smtClean="0">
+                <a:latin typeface="Courier New"/>
+                <a:cs typeface="Courier New"/>
+              </a:rPr>
+              <a:t>;</a:t>
             </a:r>
             <a:endParaRPr lang="en-US" sz="1500" dirty="0" smtClean="0">
               <a:latin typeface="Courier New"/>
@@ -20781,14 +20795,37 @@
                 <a:ea typeface="宋体" pitchFamily="-65" charset="-128"/>
                 <a:cs typeface="Courier New" charset="0"/>
               </a:rPr>
-              <a:t>    writer =</a:t>
+              <a:t>    </a:t>
+            </a:r>
+            <a:r>
+              <a:rPr lang="en-US" altLang="zh-CN" sz="1400" i="0" smtClean="0">
+                <a:latin typeface="Courier New" charset="0"/>
+                <a:ea typeface="宋体" pitchFamily="-65" charset="-128"/>
+                <a:cs typeface="Courier New" charset="0"/>
+              </a:rPr>
+              <a:t>writer </a:t>
+            </a:r>
+            <a:r>
+              <a:rPr lang="en-US" altLang="zh-CN" sz="1400" i="0" smtClean="0">
+                <a:latin typeface="Courier New" charset="0"/>
+                <a:ea typeface="宋体" pitchFamily="-65" charset="-128"/>
+                <a:cs typeface="Courier New" charset="0"/>
+              </a:rPr>
+              <a:t>= </a:t>
+            </a:r>
+            <a:r>
+              <a:rPr lang="en-US" sz="1400" i="0" smtClean="0">
+                <a:latin typeface="Courier New"/>
+                <a:cs typeface="Courier New"/>
+              </a:rPr>
+              <a:t>this-</a:t>
             </a:r>
             <a:r>
               <a:rPr lang="en-US" sz="1400" i="0" dirty="0" smtClean="0">
                 <a:latin typeface="Courier New"/>
                 <a:cs typeface="Courier New"/>
               </a:rPr>
-              <a:t>this-&gt;context_-&gt;</a:t>
+              <a:t>&gt;context_-&gt;</a:t>
             </a:r>
           </a:p>
           <a:p>
@@ -23704,7 +23741,15 @@
                 <a:ea typeface="宋体" pitchFamily="-65" charset="-128"/>
                 <a:cs typeface="Courier New" charset="0"/>
               </a:rPr>
-              <a:t>::</a:t>
+              <a:t> ::</a:t>
+            </a:r>
+            <a:r>
+              <a:rPr lang="en-US" altLang="zh-CN" sz="1400" i="0" dirty="0" smtClean="0">
+                <a:latin typeface="Courier New" charset="0"/>
+                <a:ea typeface="宋体" pitchFamily="-65" charset="-128"/>
+                <a:cs typeface="Courier New" charset="0"/>
+              </a:rPr>
+              <a:t>CCM_DDS::</a:t>
             </a:r>
             <a:r>
               <a:rPr lang="en-US" altLang="zh-CN" sz="1400" i="0" dirty="0" err="1" smtClean="0">
@@ -23712,7 +23757,7 @@
                 <a:ea typeface="宋体" pitchFamily="-65" charset="-128"/>
                 <a:cs typeface="Courier New" charset="0"/>
               </a:rPr>
-              <a:t>CCM_DDS::CCM_string_RawListener_ptr</a:t>
+              <a:t>CCM_string_RawListener_ptr</a:t>
             </a:r>
             <a:endParaRPr lang="en-US" altLang="zh-CN" sz="1400" i="0" dirty="0" smtClean="0">
               <a:latin typeface="Courier New" charset="0"/>

--- a/modules/CIAO/docs/Connectors.pptx
+++ b/modules/CIAO/docs/Connectors.pptx
@@ -20795,26 +20795,18 @@
                 <a:ea typeface="宋体" pitchFamily="-65" charset="-128"/>
                 <a:cs typeface="Courier New" charset="0"/>
               </a:rPr>
-              <a:t>    </a:t>
-            </a:r>
-            <a:r>
-              <a:rPr lang="en-US" altLang="zh-CN" sz="1400" i="0" smtClean="0">
+              <a:t>    writer </a:t>
+            </a:r>
+            <a:r>
+              <a:rPr lang="en-US" altLang="zh-CN" sz="1400" i="0" dirty="0" smtClean="0">
                 <a:latin typeface="Courier New" charset="0"/>
                 <a:ea typeface="宋体" pitchFamily="-65" charset="-128"/>
                 <a:cs typeface="Courier New" charset="0"/>
               </a:rPr>
-              <a:t>writer </a:t>
-            </a:r>
-            <a:r>
-              <a:rPr lang="en-US" altLang="zh-CN" sz="1400" i="0" smtClean="0">
-                <a:latin typeface="Courier New" charset="0"/>
-                <a:ea typeface="宋体" pitchFamily="-65" charset="-128"/>
-                <a:cs typeface="Courier New" charset="0"/>
-              </a:rPr>
               <a:t>= </a:t>
             </a:r>
             <a:r>
-              <a:rPr lang="en-US" sz="1400" i="0" smtClean="0">
+              <a:rPr lang="en-US" sz="1400" i="0" dirty="0" smtClean="0">
                 <a:latin typeface="Courier New"/>
                 <a:cs typeface="Courier New"/>
               </a:rPr>
@@ -24585,8 +24577,88 @@
                 <a:ea typeface="宋体" pitchFamily="-65" charset="-128"/>
                 <a:cs typeface="Times New Roman" charset="0"/>
               </a:rPr>
-              <a:t>AMI4CCM doesn’t use IDL3+, just IDL3</a:t>
-            </a:r>
+              <a:t>AMI4CCM </a:t>
+            </a:r>
+            <a:r>
+              <a:rPr lang="en-US" altLang="zh-CN" sz="2200" i="0" dirty="0" smtClean="0">
+                <a:ea typeface="宋体" pitchFamily="-65" charset="-128"/>
+                <a:cs typeface="Times New Roman" charset="0"/>
+              </a:rPr>
+              <a:t>will use </a:t>
+            </a:r>
+            <a:r>
+              <a:rPr lang="en-US" altLang="zh-CN" sz="2200" i="0" dirty="0">
+                <a:ea typeface="宋体" pitchFamily="-65" charset="-128"/>
+                <a:cs typeface="Times New Roman" charset="0"/>
+              </a:rPr>
+              <a:t>IDL3</a:t>
+            </a:r>
+            <a:r>
+              <a:rPr lang="en-US" altLang="zh-CN" sz="2200" i="0" dirty="0" smtClean="0">
+                <a:ea typeface="宋体" pitchFamily="-65" charset="-128"/>
+                <a:cs typeface="Times New Roman" charset="0"/>
+              </a:rPr>
+              <a:t>+ </a:t>
+            </a:r>
+            <a:r>
+              <a:rPr lang="en-US" altLang="zh-CN" sz="2200" i="0" dirty="0" err="1" smtClean="0">
+                <a:ea typeface="宋体" pitchFamily="-65" charset="-128"/>
+                <a:cs typeface="Times New Roman" charset="0"/>
+              </a:rPr>
+              <a:t>porttype</a:t>
+            </a:r>
+            <a:r>
+              <a:rPr lang="en-US" altLang="zh-CN" sz="2200" i="0" dirty="0" smtClean="0">
+                <a:ea typeface="宋体" pitchFamily="-65" charset="-128"/>
+                <a:cs typeface="Times New Roman" charset="0"/>
+              </a:rPr>
+              <a:t>/port/</a:t>
+            </a:r>
+            <a:r>
+              <a:rPr lang="en-US" altLang="zh-CN" sz="2200" i="0" dirty="0" err="1" smtClean="0">
+                <a:ea typeface="宋体" pitchFamily="-65" charset="-128"/>
+                <a:cs typeface="Times New Roman" charset="0"/>
+              </a:rPr>
+              <a:t>mirrorport</a:t>
+            </a:r>
+            <a:endParaRPr lang="en-US" altLang="zh-CN" sz="2200" i="0" dirty="0" smtClean="0">
+              <a:ea typeface="宋体" pitchFamily="-65" charset="-128"/>
+              <a:cs typeface="Times New Roman" charset="0"/>
+            </a:endParaRPr>
+          </a:p>
+          <a:p>
+            <a:pPr marL="169863" indent="-169863">
+              <a:spcBef>
+                <a:spcPct val="40000"/>
+              </a:spcBef>
+              <a:buFontTx/>
+              <a:buChar char="•"/>
+            </a:pPr>
+            <a:r>
+              <a:rPr lang="en-US" altLang="zh-CN" sz="2200" i="0" dirty="0" smtClean="0">
+                <a:ea typeface="宋体" pitchFamily="-65" charset="-128"/>
+                <a:cs typeface="Times New Roman" charset="0"/>
+              </a:rPr>
+              <a:t>AMI4CCM doesn’t use </a:t>
+            </a:r>
+            <a:r>
+              <a:rPr lang="en-US" altLang="zh-CN" sz="2200" i="0" dirty="0" err="1" smtClean="0">
+                <a:ea typeface="宋体" pitchFamily="-65" charset="-128"/>
+                <a:cs typeface="Times New Roman" charset="0"/>
+              </a:rPr>
+              <a:t>templated</a:t>
+            </a:r>
+            <a:r>
+              <a:rPr lang="en-US" altLang="zh-CN" sz="2200" i="0" dirty="0" smtClean="0">
+                <a:ea typeface="宋体" pitchFamily="-65" charset="-128"/>
+                <a:cs typeface="Times New Roman" charset="0"/>
+              </a:rPr>
+              <a:t> interfaces</a:t>
+            </a:r>
+            <a:endParaRPr lang="en-US" altLang="zh-CN" sz="2200" i="0" dirty="0">
+              <a:ea typeface="宋体" pitchFamily="-65" charset="-128"/>
+              <a:cs typeface="Times New Roman" charset="0"/>
+            </a:endParaRPr>
           </a:p>
           <a:p>
             <a:pPr marL="169863" indent="-169863">

--- a/modules/CIAO/docs/Connectors.pptx
+++ b/modules/CIAO/docs/Connectors.pptx
@@ -25585,8 +25585,8 @@
         </p:nvSpPr>
         <p:spPr bwMode="auto">
           <a:xfrm>
-            <a:off x="381000" y="1343025"/>
-            <a:ext cx="8763000" cy="4876800"/>
+            <a:off x="381000" y="1184223"/>
+            <a:ext cx="8763000" cy="5035601"/>
           </a:xfrm>
           <a:prstGeom prst="rect">
             <a:avLst/>
@@ -25607,18 +25607,44 @@
           </a:bodyPr>
           <a:lstStyle/>
           <a:p>
-            <a:r>
-              <a:rPr lang="en-US" sz="1400" i="0">
-                <a:latin typeface="Courier New" charset="0"/>
-                <a:ea typeface="Courier New" charset="0"/>
-                <a:cs typeface="Courier New" charset="0"/>
-              </a:rPr>
-              <a:t>interface MyFoo </a:t>
-            </a:r>
-          </a:p>
-          <a:p>
-            <a:r>
-              <a:rPr lang="en-US" sz="1400" i="0">
+            <a:pPr>
+              <a:spcBef>
+                <a:spcPts val="0"/>
+              </a:spcBef>
+            </a:pPr>
+            <a:r>
+              <a:rPr lang="en-US" sz="1400" i="0" dirty="0" smtClean="0">
+                <a:latin typeface="Courier New" charset="0"/>
+                <a:ea typeface="Courier New" charset="0"/>
+                <a:cs typeface="Courier New" charset="0"/>
+              </a:rPr>
+              <a:t>interface </a:t>
+            </a:r>
+            <a:r>
+              <a:rPr lang="en-US" sz="1400" i="0" dirty="0" err="1" smtClean="0">
+                <a:latin typeface="Courier New" charset="0"/>
+                <a:ea typeface="Courier New" charset="0"/>
+                <a:cs typeface="Courier New" charset="0"/>
+              </a:rPr>
+              <a:t>MyFoo</a:t>
+            </a:r>
+            <a:r>
+              <a:rPr lang="en-US" sz="1400" i="0" dirty="0" smtClean="0">
+                <a:latin typeface="Courier New" charset="0"/>
+                <a:ea typeface="Courier New" charset="0"/>
+                <a:cs typeface="Courier New" charset="0"/>
+              </a:rPr>
+              <a:t> </a:t>
+            </a:r>
+          </a:p>
+          <a:p>
+            <a:pPr>
+              <a:spcBef>
+                <a:spcPts val="0"/>
+              </a:spcBef>
+            </a:pPr>
+            <a:r>
+              <a:rPr lang="en-US" sz="1400" i="0" dirty="0" smtClean="0">
                 <a:latin typeface="Courier New" charset="0"/>
                 <a:ea typeface="Courier New" charset="0"/>
                 <a:cs typeface="Courier New" charset="0"/>
@@ -25627,18 +25653,91 @@
             </a:r>
           </a:p>
           <a:p>
-            <a:r>
-              <a:rPr lang="en-US" sz="1400" i="0">
-                <a:latin typeface="Courier New" charset="0"/>
-                <a:ea typeface="Courier New" charset="0"/>
-                <a:cs typeface="Courier New" charset="0"/>
-              </a:rPr>
-              <a:t>  long foo (in string in_str, out string answer) raises (my_exception);</a:t>
-            </a:r>
-          </a:p>
-          <a:p>
-            <a:r>
-              <a:rPr lang="en-US" sz="1400" i="0">
+            <a:pPr>
+              <a:spcBef>
+                <a:spcPts val="0"/>
+              </a:spcBef>
+            </a:pPr>
+            <a:r>
+              <a:rPr lang="en-US" sz="1400" i="0" dirty="0" smtClean="0">
+                <a:latin typeface="Courier New" charset="0"/>
+                <a:ea typeface="Courier New" charset="0"/>
+                <a:cs typeface="Courier New" charset="0"/>
+              </a:rPr>
+              <a:t>  long </a:t>
+            </a:r>
+            <a:r>
+              <a:rPr lang="en-US" sz="1400" i="0" dirty="0" err="1" smtClean="0">
+                <a:latin typeface="Courier New" charset="0"/>
+                <a:ea typeface="Courier New" charset="0"/>
+                <a:cs typeface="Courier New" charset="0"/>
+              </a:rPr>
+              <a:t>foo</a:t>
+            </a:r>
+            <a:r>
+              <a:rPr lang="en-US" sz="1400" i="0" dirty="0" smtClean="0">
+                <a:latin typeface="Courier New" charset="0"/>
+                <a:ea typeface="Courier New" charset="0"/>
+                <a:cs typeface="Courier New" charset="0"/>
+              </a:rPr>
+              <a:t> (in string </a:t>
+            </a:r>
+            <a:r>
+              <a:rPr lang="en-US" sz="1400" i="0" dirty="0" err="1" smtClean="0">
+                <a:latin typeface="Courier New" charset="0"/>
+                <a:ea typeface="Courier New" charset="0"/>
+                <a:cs typeface="Courier New" charset="0"/>
+              </a:rPr>
+              <a:t>in_str</a:t>
+            </a:r>
+            <a:r>
+              <a:rPr lang="en-US" sz="1400" i="0" dirty="0" smtClean="0">
+                <a:latin typeface="Courier New" charset="0"/>
+                <a:ea typeface="Courier New" charset="0"/>
+                <a:cs typeface="Courier New" charset="0"/>
+              </a:rPr>
+              <a:t>, out string answer)</a:t>
+            </a:r>
+          </a:p>
+          <a:p>
+            <a:pPr>
+              <a:spcBef>
+                <a:spcPts val="0"/>
+              </a:spcBef>
+            </a:pPr>
+            <a:r>
+              <a:rPr lang="en-US" sz="1400" i="0" dirty="0" smtClean="0">
+                <a:latin typeface="Courier New" charset="0"/>
+                <a:ea typeface="Courier New" charset="0"/>
+                <a:cs typeface="Courier New" charset="0"/>
+              </a:rPr>
+              <a:t>    raises (</a:t>
+            </a:r>
+            <a:r>
+              <a:rPr lang="en-US" sz="1400" i="0" dirty="0" err="1" smtClean="0">
+                <a:latin typeface="Courier New" charset="0"/>
+                <a:ea typeface="Courier New" charset="0"/>
+                <a:cs typeface="Courier New" charset="0"/>
+              </a:rPr>
+              <a:t>my_exception</a:t>
+            </a:r>
+            <a:r>
+              <a:rPr lang="en-US" sz="1400" i="0" dirty="0" smtClean="0">
+                <a:latin typeface="Courier New" charset="0"/>
+                <a:ea typeface="Courier New" charset="0"/>
+                <a:cs typeface="Courier New" charset="0"/>
+              </a:rPr>
+              <a:t>);</a:t>
+            </a:r>
+          </a:p>
+          <a:p>
+            <a:pPr>
+              <a:spcBef>
+                <a:spcPts val="0"/>
+              </a:spcBef>
+            </a:pPr>
+            <a:r>
+              <a:rPr lang="en-US" sz="1400" i="0" dirty="0" smtClean="0">
                 <a:latin typeface="Courier New" charset="0"/>
                 <a:ea typeface="Courier New" charset="0"/>
                 <a:cs typeface="Courier New" charset="0"/>
@@ -25647,8 +25746,25 @@
             </a:r>
           </a:p>
           <a:p>
-            <a:r>
-              <a:rPr lang="en-US" sz="1400" i="0">
+            <a:pPr>
+              <a:spcBef>
+                <a:spcPts val="0"/>
+              </a:spcBef>
+            </a:pPr>
+            <a:endParaRPr lang="en-US" sz="1400" i="0" dirty="0">
+              <a:latin typeface="Courier New" charset="0"/>
+              <a:ea typeface="Courier New" charset="0"/>
+              <a:cs typeface="Courier New" charset="0"/>
+            </a:endParaRPr>
+          </a:p>
+          <a:p>
+            <a:pPr>
+              <a:spcBef>
+                <a:spcPts val="0"/>
+              </a:spcBef>
+            </a:pPr>
+            <a:r>
+              <a:rPr lang="en-US" sz="1400" i="0" dirty="0">
                 <a:latin typeface="Courier New" charset="0"/>
                 <a:ea typeface="Courier New" charset="0"/>
                 <a:cs typeface="Courier New" charset="0"/>
@@ -25657,48 +25773,155 @@
             </a:r>
           </a:p>
           <a:p>
-            <a:r>
-              <a:rPr lang="en-US" sz="1400" i="0">
-                <a:latin typeface="Courier New" charset="0"/>
-                <a:ea typeface="Courier New" charset="0"/>
-                <a:cs typeface="Courier New" charset="0"/>
-              </a:rPr>
-              <a:t>interface AMI_MyFoo_callback</a:t>
-            </a:r>
-          </a:p>
-          <a:p>
-            <a:r>
-              <a:rPr lang="en-US" sz="1400" i="0">
+            <a:pPr>
+              <a:spcBef>
+                <a:spcPts val="0"/>
+              </a:spcBef>
+            </a:pPr>
+            <a:r>
+              <a:rPr lang="en-US" sz="1400" i="0" dirty="0" smtClean="0">
+                <a:latin typeface="Courier New" charset="0"/>
+                <a:ea typeface="Courier New" charset="0"/>
+                <a:cs typeface="Courier New" charset="0"/>
+              </a:rPr>
+              <a:t>interface </a:t>
+            </a:r>
+            <a:r>
+              <a:rPr lang="en-US" sz="1400" i="0" dirty="0" err="1" smtClean="0">
+                <a:latin typeface="Courier New" charset="0"/>
+                <a:ea typeface="Courier New" charset="0"/>
+                <a:cs typeface="Courier New" charset="0"/>
+              </a:rPr>
+              <a:t>AMI_MyFoo_callback</a:t>
+            </a:r>
+            <a:endParaRPr lang="en-US" sz="1400" i="0" dirty="0" smtClean="0">
+              <a:latin typeface="Courier New" charset="0"/>
+              <a:ea typeface="Courier New" charset="0"/>
+              <a:cs typeface="Courier New" charset="0"/>
+            </a:endParaRPr>
+          </a:p>
+          <a:p>
+            <a:pPr>
+              <a:spcBef>
+                <a:spcPts val="0"/>
+              </a:spcBef>
+            </a:pPr>
+            <a:r>
+              <a:rPr lang="en-US" sz="1400" i="0" dirty="0" smtClean="0">
                 <a:latin typeface="Courier New" charset="0"/>
                 <a:ea typeface="Courier New" charset="0"/>
                 <a:cs typeface="Courier New" charset="0"/>
               </a:rPr>
               <a:t>{</a:t>
             </a:r>
-          </a:p>
-          <a:p>
-            <a:r>
-              <a:rPr lang="en-US" sz="1400" i="0">
-                <a:latin typeface="Courier New" charset="0"/>
-                <a:ea typeface="Courier New" charset="0"/>
-                <a:cs typeface="Courier New" charset="0"/>
-              </a:rPr>
-              <a:t>  void foo_callback_handler (in long result, in string answer);</a:t>
-            </a:r>
-          </a:p>
-          <a:p>
-            <a:r>
-              <a:rPr lang="en-US" sz="1400" i="0">
-                <a:latin typeface="Courier New" charset="0"/>
-                <a:ea typeface="Courier New" charset="0"/>
-                <a:cs typeface="Courier New" charset="0"/>
-              </a:rPr>
-              <a:t>  void foo_callback_excep (in InternalException exception_holder);</a:t>
-            </a:r>
-          </a:p>
-          <a:p>
-            <a:r>
-              <a:rPr lang="en-US" sz="1400" i="0">
+            <a:endParaRPr lang="en-US" sz="1400" i="0" dirty="0">
+              <a:latin typeface="Courier New" charset="0"/>
+              <a:ea typeface="Courier New" charset="0"/>
+              <a:cs typeface="Courier New" charset="0"/>
+            </a:endParaRPr>
+          </a:p>
+          <a:p>
+            <a:pPr>
+              <a:spcBef>
+                <a:spcPts val="0"/>
+              </a:spcBef>
+            </a:pPr>
+            <a:r>
+              <a:rPr lang="en-US" sz="1400" i="0" dirty="0">
+                <a:latin typeface="Courier New" charset="0"/>
+                <a:ea typeface="Courier New" charset="0"/>
+                <a:cs typeface="Courier New" charset="0"/>
+              </a:rPr>
+              <a:t>  void </a:t>
+            </a:r>
+            <a:r>
+              <a:rPr lang="en-US" sz="1400" i="0" dirty="0" err="1">
+                <a:latin typeface="Courier New" charset="0"/>
+                <a:ea typeface="Courier New" charset="0"/>
+                <a:cs typeface="Courier New" charset="0"/>
+              </a:rPr>
+              <a:t>foo_callback_handler</a:t>
+            </a:r>
+            <a:r>
+              <a:rPr lang="en-US" sz="1400" i="0" dirty="0">
+                <a:latin typeface="Courier New" charset="0"/>
+                <a:ea typeface="Courier New" charset="0"/>
+                <a:cs typeface="Courier New" charset="0"/>
+              </a:rPr>
+              <a:t> (in long result, in string answer);</a:t>
+            </a:r>
+          </a:p>
+          <a:p>
+            <a:pPr>
+              <a:spcBef>
+                <a:spcPts val="0"/>
+              </a:spcBef>
+            </a:pPr>
+            <a:r>
+              <a:rPr lang="en-US" sz="1400" i="0" dirty="0">
+                <a:latin typeface="Courier New" charset="0"/>
+                <a:ea typeface="Courier New" charset="0"/>
+                <a:cs typeface="Courier New" charset="0"/>
+              </a:rPr>
+              <a:t>  void </a:t>
+            </a:r>
+            <a:r>
+              <a:rPr lang="en-US" sz="1400" i="0" dirty="0" err="1">
+                <a:latin typeface="Courier New" charset="0"/>
+                <a:ea typeface="Courier New" charset="0"/>
+                <a:cs typeface="Courier New" charset="0"/>
+              </a:rPr>
+              <a:t>foo_callback_excep</a:t>
+            </a:r>
+            <a:r>
+              <a:rPr lang="en-US" sz="1400" i="0" dirty="0">
+                <a:latin typeface="Courier New" charset="0"/>
+                <a:ea typeface="Courier New" charset="0"/>
+                <a:cs typeface="Courier New" charset="0"/>
+              </a:rPr>
+              <a:t> (in </a:t>
+            </a:r>
+            <a:r>
+              <a:rPr lang="en-US" sz="1400" i="0" dirty="0" err="1">
+                <a:latin typeface="Courier New" charset="0"/>
+                <a:ea typeface="Courier New" charset="0"/>
+                <a:cs typeface="Courier New" charset="0"/>
+              </a:rPr>
+              <a:t>InternalException</a:t>
+            </a:r>
+            <a:r>
+              <a:rPr lang="en-US" sz="1400" i="0" dirty="0">
+                <a:latin typeface="Courier New" charset="0"/>
+                <a:ea typeface="Courier New" charset="0"/>
+                <a:cs typeface="Courier New" charset="0"/>
+              </a:rPr>
+              <a:t> </a:t>
+            </a:r>
+            <a:r>
+              <a:rPr lang="en-US" sz="1400" i="0" dirty="0" err="1">
+                <a:latin typeface="Courier New" charset="0"/>
+                <a:ea typeface="Courier New" charset="0"/>
+                <a:cs typeface="Courier New" charset="0"/>
+              </a:rPr>
+              <a:t>exception_holder</a:t>
+            </a:r>
+            <a:r>
+              <a:rPr lang="en-US" sz="1400" i="0" dirty="0">
+                <a:latin typeface="Courier New" charset="0"/>
+                <a:ea typeface="Courier New" charset="0"/>
+                <a:cs typeface="Courier New" charset="0"/>
+              </a:rPr>
+              <a:t>);</a:t>
+            </a:r>
+          </a:p>
+          <a:p>
+            <a:pPr>
+              <a:spcBef>
+                <a:spcPts val="0"/>
+              </a:spcBef>
+            </a:pPr>
+            <a:r>
+              <a:rPr lang="en-US" sz="1400" i="0" dirty="0">
                 <a:latin typeface="Courier New" charset="0"/>
                 <a:ea typeface="Courier New" charset="0"/>
                 <a:cs typeface="Courier New" charset="0"/>
@@ -25707,8 +25930,13 @@
             </a:r>
           </a:p>
           <a:p>
-            <a:r>
-              <a:rPr lang="en-US" sz="1400" i="0">
+            <a:pPr>
+              <a:spcBef>
+                <a:spcPts val="0"/>
+              </a:spcBef>
+            </a:pPr>
+            <a:r>
+              <a:rPr lang="en-US" sz="1400" i="0" dirty="0">
                 <a:latin typeface="Courier New" charset="0"/>
                 <a:ea typeface="Courier New" charset="0"/>
                 <a:cs typeface="Courier New" charset="0"/>
@@ -25716,24 +25944,42 @@
               <a:t/>
             </a:r>
             <a:br>
-              <a:rPr lang="en-US" sz="1400" i="0">
+              <a:rPr lang="en-US" sz="1400" i="0" dirty="0">
                 <a:latin typeface="Courier New" charset="0"/>
                 <a:ea typeface="Courier New" charset="0"/>
                 <a:cs typeface="Courier New" charset="0"/>
               </a:rPr>
             </a:br>
             <a:r>
-              <a:rPr lang="en-US" sz="1400" i="0">
-                <a:latin typeface="Courier New" charset="0"/>
-                <a:ea typeface="Courier New" charset="0"/>
-                <a:cs typeface="Courier New" charset="0"/>
-              </a:rPr>
-              <a:t>interface AMI_MyFoo</a:t>
-            </a:r>
-          </a:p>
-          <a:p>
-            <a:r>
-              <a:rPr lang="en-US" sz="1400" i="0">
+              <a:rPr lang="en-US" sz="1400" i="0" dirty="0">
+                <a:latin typeface="Courier New" charset="0"/>
+                <a:ea typeface="Courier New" charset="0"/>
+                <a:cs typeface="Courier New" charset="0"/>
+              </a:rPr>
+              <a:t>interface </a:t>
+            </a:r>
+            <a:r>
+              <a:rPr lang="en-US" sz="1400" i="0" dirty="0" err="1">
+                <a:latin typeface="Courier New" charset="0"/>
+                <a:ea typeface="Courier New" charset="0"/>
+                <a:cs typeface="Courier New" charset="0"/>
+              </a:rPr>
+              <a:t>AMI_MyFoo</a:t>
+            </a:r>
+            <a:endParaRPr lang="en-US" sz="1400" i="0" dirty="0">
+              <a:latin typeface="Courier New" charset="0"/>
+              <a:ea typeface="Courier New" charset="0"/>
+              <a:cs typeface="Courier New" charset="0"/>
+            </a:endParaRPr>
+          </a:p>
+          <a:p>
+            <a:pPr>
+              <a:spcBef>
+                <a:spcPts val="0"/>
+              </a:spcBef>
+            </a:pPr>
+            <a:r>
+              <a:rPr lang="en-US" sz="1400" i="0" dirty="0">
                 <a:latin typeface="Courier New" charset="0"/>
                 <a:ea typeface="Courier New" charset="0"/>
                 <a:cs typeface="Courier New" charset="0"/>
@@ -25742,18 +25988,92 @@
             </a:r>
           </a:p>
           <a:p>
-            <a:r>
-              <a:rPr lang="en-US" sz="1400" i="0">
-                <a:latin typeface="Courier New" charset="0"/>
-                <a:ea typeface="Courier New" charset="0"/>
-                <a:cs typeface="Courier New" charset="0"/>
-              </a:rPr>
-              <a:t>  void sendc_foo (in AMI_MyFoo_callback cb_handler, in string in_str);</a:t>
-            </a:r>
-          </a:p>
-          <a:p>
-            <a:r>
-              <a:rPr lang="en-US" sz="1400" i="0">
+            <a:pPr>
+              <a:spcBef>
+                <a:spcPts val="0"/>
+              </a:spcBef>
+            </a:pPr>
+            <a:r>
+              <a:rPr lang="en-US" sz="1400" i="0" dirty="0">
+                <a:latin typeface="Courier New" charset="0"/>
+                <a:ea typeface="Courier New" charset="0"/>
+                <a:cs typeface="Courier New" charset="0"/>
+              </a:rPr>
+              <a:t>  void </a:t>
+            </a:r>
+            <a:r>
+              <a:rPr lang="en-US" sz="1400" i="0" dirty="0" err="1">
+                <a:latin typeface="Courier New" charset="0"/>
+                <a:ea typeface="Courier New" charset="0"/>
+                <a:cs typeface="Courier New" charset="0"/>
+              </a:rPr>
+              <a:t>sendc_foo</a:t>
+            </a:r>
+            <a:r>
+              <a:rPr lang="en-US" sz="1400" i="0" dirty="0">
+                <a:latin typeface="Courier New" charset="0"/>
+                <a:ea typeface="Courier New" charset="0"/>
+                <a:cs typeface="Courier New" charset="0"/>
+              </a:rPr>
+              <a:t> (in </a:t>
+            </a:r>
+            <a:r>
+              <a:rPr lang="en-US" sz="1400" i="0" dirty="0" err="1">
+                <a:latin typeface="Courier New" charset="0"/>
+                <a:ea typeface="Courier New" charset="0"/>
+                <a:cs typeface="Courier New" charset="0"/>
+              </a:rPr>
+              <a:t>AMI_MyFoo_callback</a:t>
+            </a:r>
+            <a:r>
+              <a:rPr lang="en-US" sz="1400" i="0" dirty="0">
+                <a:latin typeface="Courier New" charset="0"/>
+                <a:ea typeface="Courier New" charset="0"/>
+                <a:cs typeface="Courier New" charset="0"/>
+              </a:rPr>
+              <a:t> </a:t>
+            </a:r>
+            <a:r>
+              <a:rPr lang="en-US" sz="1400" i="0" dirty="0" err="1">
+                <a:latin typeface="Courier New" charset="0"/>
+                <a:ea typeface="Courier New" charset="0"/>
+                <a:cs typeface="Courier New" charset="0"/>
+              </a:rPr>
+              <a:t>cb_handler</a:t>
+            </a:r>
+            <a:r>
+              <a:rPr lang="en-US" sz="1400" i="0" dirty="0">
+                <a:latin typeface="Courier New" charset="0"/>
+                <a:ea typeface="Courier New" charset="0"/>
+                <a:cs typeface="Courier New" charset="0"/>
+              </a:rPr>
+              <a:t>, in string </a:t>
+            </a:r>
+            <a:r>
+              <a:rPr lang="en-US" sz="1400" i="0" dirty="0" err="1">
+                <a:latin typeface="Courier New" charset="0"/>
+                <a:ea typeface="Courier New" charset="0"/>
+                <a:cs typeface="Courier New" charset="0"/>
+              </a:rPr>
+              <a:t>in_str</a:t>
+            </a:r>
+            <a:r>
+              <a:rPr lang="en-US" sz="1400" i="0" dirty="0">
+                <a:latin typeface="Courier New" charset="0"/>
+                <a:ea typeface="Courier New" charset="0"/>
+                <a:cs typeface="Courier New" charset="0"/>
+              </a:rPr>
+              <a:t>);</a:t>
+            </a:r>
+          </a:p>
+          <a:p>
+            <a:pPr>
+              <a:spcBef>
+                <a:spcPts val="0"/>
+              </a:spcBef>
+            </a:pPr>
+            <a:r>
+              <a:rPr lang="en-US" sz="1400" i="0" dirty="0">
                 <a:latin typeface="Courier New" charset="0"/>
                 <a:ea typeface="Courier New" charset="0"/>
                 <a:cs typeface="Courier New" charset="0"/>
@@ -25762,7 +26082,12 @@
             </a:r>
           </a:p>
           <a:p>
-            <a:endParaRPr lang="en-US" sz="1400" i="0">
+            <a:pPr>
+              <a:spcBef>
+                <a:spcPts val="0"/>
+              </a:spcBef>
+            </a:pPr>
+            <a:endParaRPr lang="en-US" sz="1400" i="0" dirty="0">
               <a:latin typeface="Courier New" charset="0"/>
               <a:ea typeface="Courier New" charset="0"/>
               <a:cs typeface="Courier New" charset="0"/>
@@ -26739,7 +27064,7 @@
         <p:spPr bwMode="auto">
           <a:xfrm>
             <a:off x="381000" y="1343025"/>
-            <a:ext cx="8763000" cy="4876800"/>
+            <a:ext cx="5420193" cy="4876800"/>
           </a:xfrm>
           <a:prstGeom prst="rect">
             <a:avLst/>
@@ -26766,17 +27091,15 @@
                 <a:ea typeface="Courier New" charset="0"/>
                 <a:cs typeface="Courier New" charset="0"/>
               </a:rPr>
-              <a:t> class  MyFoo_callback_exec_i</a:t>
-            </a:r>
-          </a:p>
-          <a:p>
+              <a:t>class  </a:t>
+            </a:r>
             <a:r>
               <a:rPr lang="nl-NL" sz="1100" i="0" dirty="0" smtClean="0">
                 <a:latin typeface="Courier New" charset="0"/>
                 <a:ea typeface="Courier New" charset="0"/>
                 <a:cs typeface="Courier New" charset="0"/>
               </a:rPr>
-              <a:t>    : public virtual ::CCM_AMI::CCM_AMI_MyFoo_callback,</a:t>
+              <a:t>MyFoo_callback_exec_i</a:t>
             </a:r>
           </a:p>
           <a:p>
@@ -26786,17 +27109,15 @@
                 <a:ea typeface="Courier New" charset="0"/>
                 <a:cs typeface="Courier New" charset="0"/>
               </a:rPr>
-              <a:t>      public virtual ::CORBA::LocalObject</a:t>
-            </a:r>
-          </a:p>
-          <a:p>
+              <a:t>   </a:t>
+            </a:r>
             <a:r>
               <a:rPr lang="nl-NL" sz="1100" i="0" dirty="0" smtClean="0">
                 <a:latin typeface="Courier New" charset="0"/>
                 <a:ea typeface="Courier New" charset="0"/>
                 <a:cs typeface="Courier New" charset="0"/>
               </a:rPr>
-              <a:t>  {</a:t>
+              <a:t>: public virtual ::CCM_AMI::CCM_AMI_MyFoo_callback,</a:t>
             </a:r>
           </a:p>
           <a:p>
@@ -26806,6 +27127,39 @@
                 <a:ea typeface="Courier New" charset="0"/>
                 <a:cs typeface="Courier New" charset="0"/>
               </a:rPr>
+              <a:t>     </a:t>
+            </a:r>
+            <a:r>
+              <a:rPr lang="nl-NL" sz="1100" i="0" dirty="0" smtClean="0">
+                <a:latin typeface="Courier New" charset="0"/>
+                <a:ea typeface="Courier New" charset="0"/>
+                <a:cs typeface="Courier New" charset="0"/>
+              </a:rPr>
+              <a:t>public virtual ::CORBA::LocalObject</a:t>
+            </a:r>
+          </a:p>
+          <a:p>
+            <a:r>
+              <a:rPr lang="nl-NL" sz="1100" i="0" dirty="0" smtClean="0">
+                <a:latin typeface="Courier New" charset="0"/>
+                <a:ea typeface="Courier New" charset="0"/>
+                <a:cs typeface="Courier New" charset="0"/>
+              </a:rPr>
+              <a:t>{</a:t>
+            </a:r>
+            <a:endParaRPr lang="nl-NL" sz="1100" i="0" dirty="0" smtClean="0">
+              <a:latin typeface="Courier New" charset="0"/>
+              <a:ea typeface="Courier New" charset="0"/>
+              <a:cs typeface="Courier New" charset="0"/>
+            </a:endParaRPr>
+          </a:p>
+          <a:p>
+            <a:r>
+              <a:rPr lang="nl-NL" sz="1100" i="0" dirty="0" smtClean="0">
+                <a:latin typeface="Courier New" charset="0"/>
+                <a:ea typeface="Courier New" charset="0"/>
+                <a:cs typeface="Courier New" charset="0"/>
+              </a:rPr>
               <a:t>  public:</a:t>
             </a:r>
           </a:p>
@@ -26816,17 +27170,15 @@
                 <a:ea typeface="Courier New" charset="0"/>
                 <a:cs typeface="Courier New" charset="0"/>
               </a:rPr>
-              <a:t>    MyFoo_callback_exec_i (void);</a:t>
-            </a:r>
-          </a:p>
-          <a:p>
+              <a:t>   virtual </a:t>
+            </a:r>
             <a:r>
               <a:rPr lang="nl-NL" sz="1100" i="0" dirty="0" smtClean="0">
                 <a:latin typeface="Courier New" charset="0"/>
                 <a:ea typeface="Courier New" charset="0"/>
                 <a:cs typeface="Courier New" charset="0"/>
               </a:rPr>
-              <a:t>    virtual ~MyFoo_callback_exec_i (void);</a:t>
+              <a:t>void</a:t>
             </a:r>
           </a:p>
           <a:p>
@@ -26836,6 +27188,36 @@
                 <a:ea typeface="Courier New" charset="0"/>
                 <a:cs typeface="Courier New" charset="0"/>
               </a:rPr>
+              <a:t>    foo_callback_handler (</a:t>
+            </a:r>
+          </a:p>
+          <a:p>
+            <a:r>
+              <a:rPr lang="nl-NL" sz="1100" i="0" dirty="0" smtClean="0">
+                <a:latin typeface="Courier New" charset="0"/>
+                <a:ea typeface="Courier New" charset="0"/>
+                <a:cs typeface="Courier New" charset="0"/>
+              </a:rPr>
+              <a:t>      ::CORBA::Long result,</a:t>
+            </a:r>
+          </a:p>
+          <a:p>
+            <a:r>
+              <a:rPr lang="nl-NL" sz="1100" i="0" dirty="0" smtClean="0">
+                <a:latin typeface="Courier New" charset="0"/>
+                <a:ea typeface="Courier New" charset="0"/>
+                <a:cs typeface="Courier New" charset="0"/>
+              </a:rPr>
+              <a:t>      const char * answer);</a:t>
+            </a:r>
+          </a:p>
+          <a:p>
+            <a:r>
+              <a:rPr lang="nl-NL" sz="1100" i="0" dirty="0" smtClean="0">
+                <a:latin typeface="Courier New" charset="0"/>
+                <a:ea typeface="Courier New" charset="0"/>
+                <a:cs typeface="Courier New" charset="0"/>
+              </a:rPr>
               <a:t>    </a:t>
             </a:r>
           </a:p>
@@ -26856,7 +27238,7 @@
                 <a:ea typeface="Courier New" charset="0"/>
                 <a:cs typeface="Courier New" charset="0"/>
               </a:rPr>
-              <a:t>    foo_callback_handler (</a:t>
+              <a:t>    foo_callback_excep (</a:t>
             </a:r>
           </a:p>
           <a:p>
@@ -26866,7 +27248,7 @@
                 <a:ea typeface="Courier New" charset="0"/>
                 <a:cs typeface="Courier New" charset="0"/>
               </a:rPr>
-              <a:t>      ::CORBA::Long result,</a:t>
+              <a:t>      const ::CCM_AMI::InternalException &amp; exception_holder);</a:t>
             </a:r>
           </a:p>
           <a:p>
@@ -26876,57 +27258,7 @@
                 <a:ea typeface="Courier New" charset="0"/>
                 <a:cs typeface="Courier New" charset="0"/>
               </a:rPr>
-              <a:t>      const char * answer);</a:t>
-            </a:r>
-          </a:p>
-          <a:p>
-            <a:r>
-              <a:rPr lang="nl-NL" sz="1100" i="0" dirty="0" smtClean="0">
-                <a:latin typeface="Courier New" charset="0"/>
-                <a:ea typeface="Courier New" charset="0"/>
-                <a:cs typeface="Courier New" charset="0"/>
-              </a:rPr>
-              <a:t>    </a:t>
-            </a:r>
-          </a:p>
-          <a:p>
-            <a:r>
-              <a:rPr lang="nl-NL" sz="1100" i="0" dirty="0" smtClean="0">
-                <a:latin typeface="Courier New" charset="0"/>
-                <a:ea typeface="Courier New" charset="0"/>
-                <a:cs typeface="Courier New" charset="0"/>
-              </a:rPr>
-              <a:t>    virtual void</a:t>
-            </a:r>
-          </a:p>
-          <a:p>
-            <a:r>
-              <a:rPr lang="nl-NL" sz="1100" i="0" dirty="0" smtClean="0">
-                <a:latin typeface="Courier New" charset="0"/>
-                <a:ea typeface="Courier New" charset="0"/>
-                <a:cs typeface="Courier New" charset="0"/>
-              </a:rPr>
-              <a:t>    foo_callback_excep (</a:t>
-            </a:r>
-          </a:p>
-          <a:p>
-            <a:r>
-              <a:rPr lang="nl-NL" sz="1100" i="0" dirty="0" smtClean="0">
-                <a:latin typeface="Courier New" charset="0"/>
-                <a:ea typeface="Courier New" charset="0"/>
-                <a:cs typeface="Courier New" charset="0"/>
-              </a:rPr>
-              <a:t>      const ::CCM_AMI::InternalException &amp; exception_holder);</a:t>
-            </a:r>
-          </a:p>
-          <a:p>
-            <a:r>
-              <a:rPr lang="nl-NL" sz="1100" i="0" dirty="0" smtClean="0">
-                <a:latin typeface="Courier New" charset="0"/>
-                <a:ea typeface="Courier New" charset="0"/>
-                <a:cs typeface="Courier New" charset="0"/>
-              </a:rPr>
-              <a:t>  };</a:t>
+              <a:t>};</a:t>
             </a:r>
             <a:r>
               <a:rPr lang="nl-NL" sz="1100" i="0" dirty="0">
@@ -27117,70 +27449,8 @@
                 <a:ea typeface="Courier New" charset="0"/>
                 <a:cs typeface="Courier New" charset="0"/>
               </a:rPr>
-              <a:t>Void</a:t>
-            </a:r>
-          </a:p>
-          <a:p>
-            <a:r>
-              <a:rPr lang="nl-NL" sz="1100" i="0" dirty="0" smtClean="0">
-                <a:latin typeface="Courier New" charset="0"/>
-                <a:ea typeface="Courier New" charset="0"/>
-                <a:cs typeface="Courier New" charset="0"/>
-              </a:rPr>
-              <a:t>MyFoo_callback_exec_i::foo_callback_handler (</a:t>
-            </a:r>
-          </a:p>
-          <a:p>
-            <a:r>
-              <a:rPr lang="nl-NL" sz="1100" i="0" dirty="0" smtClean="0">
-                <a:latin typeface="Courier New" charset="0"/>
-                <a:ea typeface="Courier New" charset="0"/>
-                <a:cs typeface="Courier New" charset="0"/>
-              </a:rPr>
-              <a:t>    ::CORBA::Long result,</a:t>
-            </a:r>
-          </a:p>
-          <a:p>
-            <a:r>
-              <a:rPr lang="nl-NL" sz="1100" i="0" dirty="0" smtClean="0">
-                <a:latin typeface="Courier New" charset="0"/>
-                <a:ea typeface="Courier New" charset="0"/>
-                <a:cs typeface="Courier New" charset="0"/>
-              </a:rPr>
-              <a:t>    const char * answer)</a:t>
-            </a:r>
-          </a:p>
-          <a:p>
-            <a:r>
-              <a:rPr lang="nl-NL" sz="1100" i="0" dirty="0" smtClean="0">
-                <a:latin typeface="Courier New" charset="0"/>
-                <a:ea typeface="Courier New" charset="0"/>
-                <a:cs typeface="Courier New" charset="0"/>
-              </a:rPr>
-              <a:t>  {</a:t>
-            </a:r>
-          </a:p>
-          <a:p>
-            <a:r>
-              <a:rPr lang="nl-NL" sz="1100" i="0" dirty="0" smtClean="0">
-                <a:latin typeface="Courier New" charset="0"/>
-                <a:ea typeface="Courier New" charset="0"/>
-                <a:cs typeface="Courier New" charset="0"/>
-              </a:rPr>
-              <a:t>    printf ("Sender (FOO) :\tCallback from AMI : result &lt;%d&gt; answer &lt;%s&gt;\n", result, answer);</a:t>
-            </a:r>
-          </a:p>
-          <a:p>
-            <a:r>
-              <a:rPr lang="nl-NL" sz="1100" i="0" dirty="0" smtClean="0">
-                <a:latin typeface="Courier New" charset="0"/>
-                <a:ea typeface="Courier New" charset="0"/>
-                <a:cs typeface="Courier New" charset="0"/>
-              </a:rPr>
-              <a:t>  }</a:t>
-            </a:r>
-          </a:p>
-          <a:p>
+              <a:t>void</a:t>
+            </a:r>
             <a:endParaRPr lang="nl-NL" sz="1100" i="0" dirty="0" smtClean="0">
               <a:latin typeface="Courier New" charset="0"/>
               <a:ea typeface="Courier New" charset="0"/>
@@ -27194,7 +27464,7 @@
                 <a:ea typeface="Courier New" charset="0"/>
                 <a:cs typeface="Courier New" charset="0"/>
               </a:rPr>
-              <a:t>  void</a:t>
+              <a:t>MyFoo_callback_exec_i::foo_callback_handler (</a:t>
             </a:r>
           </a:p>
           <a:p>
@@ -27204,7 +27474,7 @@
                 <a:ea typeface="Courier New" charset="0"/>
                 <a:cs typeface="Courier New" charset="0"/>
               </a:rPr>
-              <a:t>  MyFoo_callback_exec_i::foo_callback_excep (</a:t>
+              <a:t>    ::CORBA::Long result,</a:t>
             </a:r>
           </a:p>
           <a:p>
@@ -27214,7 +27484,7 @@
                 <a:ea typeface="Courier New" charset="0"/>
                 <a:cs typeface="Courier New" charset="0"/>
               </a:rPr>
-              <a:t>      const ::CCM_AMI::InternalException &amp; exception_holder)</a:t>
+              <a:t>    const char * answer)</a:t>
             </a:r>
           </a:p>
           <a:p>
@@ -27224,8 +27494,13 @@
                 <a:ea typeface="Courier New" charset="0"/>
                 <a:cs typeface="Courier New" charset="0"/>
               </a:rPr>
-              <a:t>  {</a:t>
-            </a:r>
+              <a:t>{</a:t>
+            </a:r>
+            <a:endParaRPr lang="nl-NL" sz="1100" i="0" dirty="0" smtClean="0">
+              <a:latin typeface="Courier New" charset="0"/>
+              <a:ea typeface="Courier New" charset="0"/>
+              <a:cs typeface="Courier New" charset="0"/>
+            </a:endParaRPr>
           </a:p>
           <a:p>
             <a:r>
@@ -27234,28 +27509,201 @@
                 <a:ea typeface="Courier New" charset="0"/>
                 <a:cs typeface="Courier New" charset="0"/>
               </a:rPr>
-              <a:t>    printf ("Sender (FOO) :\tCallback except from AMI : excepti id : &lt;%d&gt; except string : &lt;%s&gt;\n",</a:t>
-            </a:r>
-          </a:p>
-          <a:p>
+              <a:t>  </a:t>
+            </a:r>
             <a:r>
               <a:rPr lang="nl-NL" sz="1100" i="0" dirty="0" smtClean="0">
                 <a:latin typeface="Courier New" charset="0"/>
                 <a:ea typeface="Courier New" charset="0"/>
                 <a:cs typeface="Courier New" charset="0"/>
               </a:rPr>
-              <a:t>      exception_holder.id, exception_holder.error_string.in ());</a:t>
-            </a:r>
-          </a:p>
-          <a:p>
+              <a:t>printf </a:t>
+            </a:r>
             <a:r>
               <a:rPr lang="nl-NL" sz="1100" i="0" dirty="0" smtClean="0">
                 <a:latin typeface="Courier New" charset="0"/>
                 <a:ea typeface="Courier New" charset="0"/>
                 <a:cs typeface="Courier New" charset="0"/>
               </a:rPr>
-              <a:t>  }</a:t>
-            </a:r>
+              <a:t>(“Answer </a:t>
+            </a:r>
+            <a:r>
+              <a:rPr lang="nl-NL" sz="1100" i="0" dirty="0" smtClean="0">
+                <a:latin typeface="Courier New" charset="0"/>
+                <a:ea typeface="Courier New" charset="0"/>
+                <a:cs typeface="Courier New" charset="0"/>
+              </a:rPr>
+              <a:t>&lt;%s&gt;\n", </a:t>
+            </a:r>
+            <a:r>
+              <a:rPr lang="nl-NL" sz="1100" i="0" dirty="0" smtClean="0">
+                <a:latin typeface="Courier New" charset="0"/>
+                <a:ea typeface="Courier New" charset="0"/>
+                <a:cs typeface="Courier New" charset="0"/>
+              </a:rPr>
+              <a:t>answer</a:t>
+            </a:r>
+            <a:r>
+              <a:rPr lang="nl-NL" sz="1100" i="0" dirty="0" smtClean="0">
+                <a:latin typeface="Courier New" charset="0"/>
+                <a:ea typeface="Courier New" charset="0"/>
+                <a:cs typeface="Courier New" charset="0"/>
+              </a:rPr>
+              <a:t>);</a:t>
+            </a:r>
+          </a:p>
+          <a:p>
+            <a:r>
+              <a:rPr lang="nl-NL" sz="1100" i="0" dirty="0" smtClean="0">
+                <a:latin typeface="Courier New" charset="0"/>
+                <a:ea typeface="Courier New" charset="0"/>
+                <a:cs typeface="Courier New" charset="0"/>
+              </a:rPr>
+              <a:t>}</a:t>
+            </a:r>
+            <a:endParaRPr lang="nl-NL" sz="1100" i="0" dirty="0" smtClean="0">
+              <a:latin typeface="Courier New" charset="0"/>
+              <a:ea typeface="Courier New" charset="0"/>
+              <a:cs typeface="Courier New" charset="0"/>
+            </a:endParaRPr>
+          </a:p>
+          <a:p>
+            <a:endParaRPr lang="nl-NL" sz="1100" i="0" dirty="0" smtClean="0">
+              <a:latin typeface="Courier New" charset="0"/>
+              <a:ea typeface="Courier New" charset="0"/>
+              <a:cs typeface="Courier New" charset="0"/>
+            </a:endParaRPr>
+          </a:p>
+          <a:p>
+            <a:r>
+              <a:rPr lang="nl-NL" sz="1100" i="0" dirty="0" smtClean="0">
+                <a:latin typeface="Courier New" charset="0"/>
+                <a:ea typeface="Courier New" charset="0"/>
+                <a:cs typeface="Courier New" charset="0"/>
+              </a:rPr>
+              <a:t>Void</a:t>
+            </a:r>
+            <a:endParaRPr lang="nl-NL" sz="1100" i="0" dirty="0" smtClean="0">
+              <a:latin typeface="Courier New" charset="0"/>
+              <a:ea typeface="Courier New" charset="0"/>
+              <a:cs typeface="Courier New" charset="0"/>
+            </a:endParaRPr>
+          </a:p>
+          <a:p>
+            <a:r>
+              <a:rPr lang="nl-NL" sz="1100" i="0" dirty="0" smtClean="0">
+                <a:latin typeface="Courier New" charset="0"/>
+                <a:ea typeface="Courier New" charset="0"/>
+                <a:cs typeface="Courier New" charset="0"/>
+              </a:rPr>
+              <a:t>MyFoo_callback_exec_i</a:t>
+            </a:r>
+            <a:r>
+              <a:rPr lang="nl-NL" sz="1100" i="0" dirty="0" smtClean="0">
+                <a:latin typeface="Courier New" charset="0"/>
+                <a:ea typeface="Courier New" charset="0"/>
+                <a:cs typeface="Courier New" charset="0"/>
+              </a:rPr>
+              <a:t>::foo_callback_excep (</a:t>
+            </a:r>
+          </a:p>
+          <a:p>
+            <a:r>
+              <a:rPr lang="nl-NL" sz="1100" i="0" dirty="0" smtClean="0">
+                <a:latin typeface="Courier New" charset="0"/>
+                <a:ea typeface="Courier New" charset="0"/>
+                <a:cs typeface="Courier New" charset="0"/>
+              </a:rPr>
+              <a:t>    </a:t>
+            </a:r>
+            <a:r>
+              <a:rPr lang="nl-NL" sz="1100" i="0" dirty="0" smtClean="0">
+                <a:latin typeface="Courier New" charset="0"/>
+                <a:ea typeface="Courier New" charset="0"/>
+                <a:cs typeface="Courier New" charset="0"/>
+              </a:rPr>
+              <a:t>const ::CCM_AMI::InternalException &amp; exception_holder)</a:t>
+            </a:r>
+          </a:p>
+          <a:p>
+            <a:r>
+              <a:rPr lang="nl-NL" sz="1100" i="0" dirty="0" smtClean="0">
+                <a:latin typeface="Courier New" charset="0"/>
+                <a:ea typeface="Courier New" charset="0"/>
+                <a:cs typeface="Courier New" charset="0"/>
+              </a:rPr>
+              <a:t>{</a:t>
+            </a:r>
+            <a:endParaRPr lang="nl-NL" sz="1100" i="0" dirty="0" smtClean="0">
+              <a:latin typeface="Courier New" charset="0"/>
+              <a:ea typeface="Courier New" charset="0"/>
+              <a:cs typeface="Courier New" charset="0"/>
+            </a:endParaRPr>
+          </a:p>
+          <a:p>
+            <a:r>
+              <a:rPr lang="nl-NL" sz="1100" i="0" dirty="0" smtClean="0">
+                <a:latin typeface="Courier New" charset="0"/>
+                <a:ea typeface="Courier New" charset="0"/>
+                <a:cs typeface="Courier New" charset="0"/>
+              </a:rPr>
+              <a:t>  </a:t>
+            </a:r>
+            <a:r>
+              <a:rPr lang="nl-NL" sz="1100" i="0" dirty="0" smtClean="0">
+                <a:latin typeface="Courier New" charset="0"/>
+                <a:ea typeface="Courier New" charset="0"/>
+                <a:cs typeface="Courier New" charset="0"/>
+              </a:rPr>
+              <a:t>printf </a:t>
+            </a:r>
+            <a:r>
+              <a:rPr lang="nl-NL" sz="1100" i="0" dirty="0" smtClean="0">
+                <a:latin typeface="Courier New" charset="0"/>
+                <a:ea typeface="Courier New" charset="0"/>
+                <a:cs typeface="Courier New" charset="0"/>
+              </a:rPr>
+              <a:t>(“Exception &lt;%</a:t>
+            </a:r>
+            <a:r>
+              <a:rPr lang="nl-NL" sz="1100" i="0" dirty="0" smtClean="0">
+                <a:latin typeface="Courier New" charset="0"/>
+                <a:ea typeface="Courier New" charset="0"/>
+                <a:cs typeface="Courier New" charset="0"/>
+              </a:rPr>
+              <a:t>s&gt;\</a:t>
+            </a:r>
+            <a:r>
+              <a:rPr lang="nl-NL" sz="1100" i="0" dirty="0" smtClean="0">
+                <a:latin typeface="Courier New" charset="0"/>
+                <a:ea typeface="Courier New" charset="0"/>
+                <a:cs typeface="Courier New" charset="0"/>
+              </a:rPr>
+              <a:t>n“, exception_holder.error_string.in </a:t>
+            </a:r>
+            <a:r>
+              <a:rPr lang="nl-NL" sz="1100" i="0" dirty="0" smtClean="0">
+                <a:latin typeface="Courier New" charset="0"/>
+                <a:ea typeface="Courier New" charset="0"/>
+                <a:cs typeface="Courier New" charset="0"/>
+              </a:rPr>
+              <a:t>());</a:t>
+            </a:r>
+          </a:p>
+          <a:p>
+            <a:r>
+              <a:rPr lang="nl-NL" sz="1100" i="0" dirty="0" smtClean="0">
+                <a:latin typeface="Courier New" charset="0"/>
+                <a:ea typeface="Courier New" charset="0"/>
+                <a:cs typeface="Courier New" charset="0"/>
+              </a:rPr>
+              <a:t>}</a:t>
+            </a:r>
+            <a:endParaRPr lang="nl-NL" sz="1100" i="0" dirty="0" smtClean="0">
+              <a:latin typeface="Courier New" charset="0"/>
+              <a:ea typeface="Courier New" charset="0"/>
+              <a:cs typeface="Courier New" charset="0"/>
+            </a:endParaRPr>
           </a:p>
           <a:p>
             <a:r>

--- a/modules/CIAO/docs/Connectors.pptx
+++ b/modules/CIAO/docs/Connectors.pptx
@@ -6,10 +6,10 @@
     <p:sldMasterId id="2147483725" r:id="rId2"/>
   </p:sldMasterIdLst>
   <p:notesMasterIdLst>
-    <p:notesMasterId r:id="rId54"/>
+    <p:notesMasterId r:id="rId53"/>
   </p:notesMasterIdLst>
   <p:handoutMasterIdLst>
-    <p:handoutMasterId r:id="rId55"/>
+    <p:handoutMasterId r:id="rId54"/>
   </p:handoutMasterIdLst>
   <p:sldIdLst>
     <p:sldId id="1087" r:id="rId3"/>
@@ -58,11 +58,10 @@
     <p:sldId id="1074" r:id="rId46"/>
     <p:sldId id="1075" r:id="rId47"/>
     <p:sldId id="1076" r:id="rId48"/>
-    <p:sldId id="1093" r:id="rId49"/>
-    <p:sldId id="1077" r:id="rId50"/>
-    <p:sldId id="1085" r:id="rId51"/>
-    <p:sldId id="1086" r:id="rId52"/>
-    <p:sldId id="1092" r:id="rId53"/>
+    <p:sldId id="1077" r:id="rId49"/>
+    <p:sldId id="1085" r:id="rId50"/>
+    <p:sldId id="1086" r:id="rId51"/>
+    <p:sldId id="1092" r:id="rId52"/>
   </p:sldIdLst>
   <p:sldSz cx="9144000" cy="6858000" type="screen4x3"/>
   <p:notesSz cx="6997700" cy="9283700"/>
@@ -27064,7 +27063,7 @@
         <p:spPr bwMode="auto">
           <a:xfrm>
             <a:off x="381000" y="1343025"/>
-            <a:ext cx="5420193" cy="4876800"/>
+            <a:ext cx="3958651" cy="4876800"/>
           </a:xfrm>
           <a:prstGeom prst="rect">
             <a:avLst/>
@@ -27085,67 +27084,18 @@
           </a:bodyPr>
           <a:lstStyle/>
           <a:p>
+            <a:pPr>
+              <a:spcBef>
+                <a:spcPts val="0"/>
+              </a:spcBef>
+            </a:pPr>
             <a:r>
               <a:rPr lang="nl-NL" sz="1100" i="0" dirty="0" smtClean="0">
                 <a:latin typeface="Courier New" charset="0"/>
                 <a:ea typeface="Courier New" charset="0"/>
                 <a:cs typeface="Courier New" charset="0"/>
               </a:rPr>
-              <a:t>class  </a:t>
-            </a:r>
-            <a:r>
-              <a:rPr lang="nl-NL" sz="1100" i="0" dirty="0" smtClean="0">
-                <a:latin typeface="Courier New" charset="0"/>
-                <a:ea typeface="Courier New" charset="0"/>
-                <a:cs typeface="Courier New" charset="0"/>
-              </a:rPr>
-              <a:t>MyFoo_callback_exec_i</a:t>
-            </a:r>
-          </a:p>
-          <a:p>
-            <a:r>
-              <a:rPr lang="nl-NL" sz="1100" i="0" dirty="0" smtClean="0">
-                <a:latin typeface="Courier New" charset="0"/>
-                <a:ea typeface="Courier New" charset="0"/>
-                <a:cs typeface="Courier New" charset="0"/>
-              </a:rPr>
-              <a:t>   </a:t>
-            </a:r>
-            <a:r>
-              <a:rPr lang="nl-NL" sz="1100" i="0" dirty="0" smtClean="0">
-                <a:latin typeface="Courier New" charset="0"/>
-                <a:ea typeface="Courier New" charset="0"/>
-                <a:cs typeface="Courier New" charset="0"/>
-              </a:rPr>
-              <a:t>: public virtual ::CCM_AMI::CCM_AMI_MyFoo_callback,</a:t>
-            </a:r>
-          </a:p>
-          <a:p>
-            <a:r>
-              <a:rPr lang="nl-NL" sz="1100" i="0" dirty="0" smtClean="0">
-                <a:latin typeface="Courier New" charset="0"/>
-                <a:ea typeface="Courier New" charset="0"/>
-                <a:cs typeface="Courier New" charset="0"/>
-              </a:rPr>
-              <a:t>     </a:t>
-            </a:r>
-            <a:r>
-              <a:rPr lang="nl-NL" sz="1100" i="0" dirty="0" smtClean="0">
-                <a:latin typeface="Courier New" charset="0"/>
-                <a:ea typeface="Courier New" charset="0"/>
-                <a:cs typeface="Courier New" charset="0"/>
-              </a:rPr>
-              <a:t>public virtual ::CORBA::LocalObject</a:t>
-            </a:r>
-          </a:p>
-          <a:p>
-            <a:r>
-              <a:rPr lang="nl-NL" sz="1100" i="0" dirty="0" smtClean="0">
-                <a:latin typeface="Courier New" charset="0"/>
-                <a:ea typeface="Courier New" charset="0"/>
-                <a:cs typeface="Courier New" charset="0"/>
-              </a:rPr>
-              <a:t>{</a:t>
+              <a:t>class  Callback_exec_i</a:t>
             </a:r>
             <a:endParaRPr lang="nl-NL" sz="1100" i="0" dirty="0" smtClean="0">
               <a:latin typeface="Courier New" charset="0"/>
@@ -27154,104 +27104,451 @@
             </a:endParaRPr>
           </a:p>
           <a:p>
+            <a:pPr>
+              <a:spcBef>
+                <a:spcPts val="0"/>
+              </a:spcBef>
+            </a:pPr>
             <a:r>
               <a:rPr lang="nl-NL" sz="1100" i="0" dirty="0" smtClean="0">
                 <a:latin typeface="Courier New" charset="0"/>
                 <a:ea typeface="Courier New" charset="0"/>
                 <a:cs typeface="Courier New" charset="0"/>
               </a:rPr>
-              <a:t>  public:</a:t>
-            </a:r>
-          </a:p>
-          <a:p>
+              <a:t>   </a:t>
+            </a:r>
             <a:r>
               <a:rPr lang="nl-NL" sz="1100" i="0" dirty="0" smtClean="0">
                 <a:latin typeface="Courier New" charset="0"/>
                 <a:ea typeface="Courier New" charset="0"/>
                 <a:cs typeface="Courier New" charset="0"/>
               </a:rPr>
-              <a:t>   virtual </a:t>
-            </a:r>
+              <a:t>: public virtual </a:t>
+            </a:r>
+            <a:endParaRPr lang="nl-NL" sz="1100" i="0" dirty="0" smtClean="0">
+              <a:latin typeface="Courier New" charset="0"/>
+              <a:ea typeface="Courier New" charset="0"/>
+              <a:cs typeface="Courier New" charset="0"/>
+            </a:endParaRPr>
+          </a:p>
+          <a:p>
+            <a:pPr>
+              <a:spcBef>
+                <a:spcPts val="0"/>
+              </a:spcBef>
+            </a:pPr>
             <a:r>
               <a:rPr lang="nl-NL" sz="1100" i="0" dirty="0" smtClean="0">
                 <a:latin typeface="Courier New" charset="0"/>
                 <a:ea typeface="Courier New" charset="0"/>
                 <a:cs typeface="Courier New" charset="0"/>
               </a:rPr>
+              <a:t> </a:t>
+            </a:r>
+            <a:r>
+              <a:rPr lang="nl-NL" sz="1100" i="0" dirty="0" smtClean="0">
+                <a:latin typeface="Courier New" charset="0"/>
+                <a:ea typeface="Courier New" charset="0"/>
+                <a:cs typeface="Courier New" charset="0"/>
+              </a:rPr>
+              <a:t>      </a:t>
+            </a:r>
+            <a:r>
+              <a:rPr lang="nl-NL" sz="1100" i="0" dirty="0" smtClean="0">
+                <a:latin typeface="Courier New" charset="0"/>
+                <a:ea typeface="Courier New" charset="0"/>
+                <a:cs typeface="Courier New" charset="0"/>
+              </a:rPr>
+              <a:t>::</a:t>
+            </a:r>
+            <a:r>
+              <a:rPr lang="nl-NL" sz="1100" i="0" dirty="0" smtClean="0">
+                <a:latin typeface="Courier New" charset="0"/>
+                <a:ea typeface="Courier New" charset="0"/>
+                <a:cs typeface="Courier New" charset="0"/>
+              </a:rPr>
+              <a:t>CCM_AMI::CCM_AMI_MyFoo_callback,</a:t>
+            </a:r>
+          </a:p>
+          <a:p>
+            <a:pPr>
+              <a:spcBef>
+                <a:spcPts val="0"/>
+              </a:spcBef>
+            </a:pPr>
+            <a:r>
+              <a:rPr lang="nl-NL" sz="1100" i="0" dirty="0" smtClean="0">
+                <a:latin typeface="Courier New" charset="0"/>
+                <a:ea typeface="Courier New" charset="0"/>
+                <a:cs typeface="Courier New" charset="0"/>
+              </a:rPr>
+              <a:t>     </a:t>
+            </a:r>
+            <a:r>
+              <a:rPr lang="nl-NL" sz="1100" i="0" dirty="0" smtClean="0">
+                <a:latin typeface="Courier New" charset="0"/>
+                <a:ea typeface="Courier New" charset="0"/>
+                <a:cs typeface="Courier New" charset="0"/>
+              </a:rPr>
+              <a:t>public </a:t>
+            </a:r>
+            <a:endParaRPr lang="nl-NL" sz="1100" i="0" dirty="0" smtClean="0">
+              <a:latin typeface="Courier New" charset="0"/>
+              <a:ea typeface="Courier New" charset="0"/>
+              <a:cs typeface="Courier New" charset="0"/>
+            </a:endParaRPr>
+          </a:p>
+          <a:p>
+            <a:pPr>
+              <a:spcBef>
+                <a:spcPts val="0"/>
+              </a:spcBef>
+            </a:pPr>
+            <a:r>
+              <a:rPr lang="nl-NL" sz="1100" i="0" dirty="0" smtClean="0">
+                <a:latin typeface="Courier New" charset="0"/>
+                <a:ea typeface="Courier New" charset="0"/>
+                <a:cs typeface="Courier New" charset="0"/>
+              </a:rPr>
+              <a:t> </a:t>
+            </a:r>
+            <a:r>
+              <a:rPr lang="nl-NL" sz="1100" i="0" dirty="0" smtClean="0">
+                <a:latin typeface="Courier New" charset="0"/>
+                <a:ea typeface="Courier New" charset="0"/>
+                <a:cs typeface="Courier New" charset="0"/>
+              </a:rPr>
+              <a:t>      </a:t>
+            </a:r>
+            <a:r>
+              <a:rPr lang="nl-NL" sz="1100" i="0" dirty="0" smtClean="0">
+                <a:latin typeface="Courier New" charset="0"/>
+                <a:ea typeface="Courier New" charset="0"/>
+                <a:cs typeface="Courier New" charset="0"/>
+              </a:rPr>
+              <a:t>virtual </a:t>
+            </a:r>
+            <a:r>
+              <a:rPr lang="nl-NL" sz="1100" i="0" dirty="0" smtClean="0">
+                <a:latin typeface="Courier New" charset="0"/>
+                <a:ea typeface="Courier New" charset="0"/>
+                <a:cs typeface="Courier New" charset="0"/>
+              </a:rPr>
+              <a:t>::CORBA::LocalObject</a:t>
+            </a:r>
+          </a:p>
+          <a:p>
+            <a:pPr>
+              <a:spcBef>
+                <a:spcPts val="0"/>
+              </a:spcBef>
+            </a:pPr>
+            <a:r>
+              <a:rPr lang="nl-NL" sz="1100" i="0" dirty="0" smtClean="0">
+                <a:latin typeface="Courier New" charset="0"/>
+                <a:ea typeface="Courier New" charset="0"/>
+                <a:cs typeface="Courier New" charset="0"/>
+              </a:rPr>
+              <a:t>{</a:t>
+            </a:r>
+            <a:endParaRPr lang="nl-NL" sz="1100" i="0" dirty="0" smtClean="0">
+              <a:latin typeface="Courier New" charset="0"/>
+              <a:ea typeface="Courier New" charset="0"/>
+              <a:cs typeface="Courier New" charset="0"/>
+            </a:endParaRPr>
+          </a:p>
+          <a:p>
+            <a:pPr>
+              <a:spcBef>
+                <a:spcPts val="0"/>
+              </a:spcBef>
+            </a:pPr>
+            <a:r>
+              <a:rPr lang="nl-NL" sz="1100" i="0" dirty="0" smtClean="0">
+                <a:latin typeface="Courier New" charset="0"/>
+                <a:ea typeface="Courier New" charset="0"/>
+                <a:cs typeface="Courier New" charset="0"/>
+              </a:rPr>
+              <a:t>public</a:t>
+            </a:r>
+            <a:r>
+              <a:rPr lang="nl-NL" sz="1100" i="0" dirty="0" smtClean="0">
+                <a:latin typeface="Courier New" charset="0"/>
+                <a:ea typeface="Courier New" charset="0"/>
+                <a:cs typeface="Courier New" charset="0"/>
+              </a:rPr>
+              <a:t>:</a:t>
+            </a:r>
+          </a:p>
+          <a:p>
+            <a:pPr>
+              <a:spcBef>
+                <a:spcPts val="0"/>
+              </a:spcBef>
+            </a:pPr>
+            <a:r>
+              <a:rPr lang="nl-NL" sz="1100" i="0" dirty="0" smtClean="0">
+                <a:latin typeface="Courier New" charset="0"/>
+                <a:ea typeface="Courier New" charset="0"/>
+                <a:cs typeface="Courier New" charset="0"/>
+              </a:rPr>
+              <a:t>  virtual </a:t>
+            </a:r>
+            <a:r>
+              <a:rPr lang="nl-NL" sz="1100" i="0" dirty="0" smtClean="0">
+                <a:latin typeface="Courier New" charset="0"/>
+                <a:ea typeface="Courier New" charset="0"/>
+                <a:cs typeface="Courier New" charset="0"/>
+              </a:rPr>
               <a:t>void</a:t>
             </a:r>
           </a:p>
           <a:p>
+            <a:pPr>
+              <a:spcBef>
+                <a:spcPts val="0"/>
+              </a:spcBef>
+            </a:pPr>
             <a:r>
               <a:rPr lang="nl-NL" sz="1100" i="0" dirty="0" smtClean="0">
                 <a:latin typeface="Courier New" charset="0"/>
                 <a:ea typeface="Courier New" charset="0"/>
                 <a:cs typeface="Courier New" charset="0"/>
               </a:rPr>
-              <a:t>    foo_callback_handler (</a:t>
-            </a:r>
-          </a:p>
-          <a:p>
+              <a:t> </a:t>
+            </a:r>
             <a:r>
               <a:rPr lang="nl-NL" sz="1100" i="0" dirty="0" smtClean="0">
                 <a:latin typeface="Courier New" charset="0"/>
                 <a:ea typeface="Courier New" charset="0"/>
                 <a:cs typeface="Courier New" charset="0"/>
               </a:rPr>
-              <a:t>      ::CORBA::Long result,</a:t>
-            </a:r>
-          </a:p>
-          <a:p>
+              <a:t> </a:t>
+            </a:r>
             <a:r>
               <a:rPr lang="nl-NL" sz="1100" i="0" dirty="0" smtClean="0">
                 <a:latin typeface="Courier New" charset="0"/>
                 <a:ea typeface="Courier New" charset="0"/>
                 <a:cs typeface="Courier New" charset="0"/>
               </a:rPr>
-              <a:t>      const char * answer);</a:t>
-            </a:r>
-          </a:p>
-          <a:p>
+              <a:t>foo_callback_handler (</a:t>
+            </a:r>
+          </a:p>
+          <a:p>
+            <a:pPr>
+              <a:spcBef>
+                <a:spcPts val="0"/>
+              </a:spcBef>
+            </a:pPr>
             <a:r>
               <a:rPr lang="nl-NL" sz="1100" i="0" dirty="0" smtClean="0">
                 <a:latin typeface="Courier New" charset="0"/>
                 <a:ea typeface="Courier New" charset="0"/>
                 <a:cs typeface="Courier New" charset="0"/>
               </a:rPr>
+              <a:t> </a:t>
+            </a:r>
+            <a:r>
+              <a:rPr lang="nl-NL" sz="1100" i="0" dirty="0" smtClean="0">
+                <a:latin typeface="Courier New" charset="0"/>
+                <a:ea typeface="Courier New" charset="0"/>
+                <a:cs typeface="Courier New" charset="0"/>
+              </a:rPr>
+              <a:t>   </a:t>
+            </a:r>
+            <a:r>
+              <a:rPr lang="nl-NL" sz="1100" i="0" dirty="0" smtClean="0">
+                <a:latin typeface="Courier New" charset="0"/>
+                <a:ea typeface="Courier New" charset="0"/>
+                <a:cs typeface="Courier New" charset="0"/>
+              </a:rPr>
+              <a:t>::CORBA::Long result,</a:t>
+            </a:r>
+          </a:p>
+          <a:p>
+            <a:pPr>
+              <a:spcBef>
+                <a:spcPts val="0"/>
+              </a:spcBef>
+            </a:pPr>
+            <a:r>
+              <a:rPr lang="nl-NL" sz="1100" i="0" dirty="0" smtClean="0">
+                <a:latin typeface="Courier New" charset="0"/>
+                <a:ea typeface="Courier New" charset="0"/>
+                <a:cs typeface="Courier New" charset="0"/>
+              </a:rPr>
+              <a:t> </a:t>
+            </a:r>
+            <a:r>
+              <a:rPr lang="nl-NL" sz="1100" i="0" dirty="0" smtClean="0">
+                <a:latin typeface="Courier New" charset="0"/>
+                <a:ea typeface="Courier New" charset="0"/>
+                <a:cs typeface="Courier New" charset="0"/>
+              </a:rPr>
+              <a:t>   </a:t>
+            </a:r>
+            <a:r>
+              <a:rPr lang="nl-NL" sz="1100" i="0" dirty="0" smtClean="0">
+                <a:latin typeface="Courier New" charset="0"/>
+                <a:ea typeface="Courier New" charset="0"/>
+                <a:cs typeface="Courier New" charset="0"/>
+              </a:rPr>
+              <a:t>const char * answer);</a:t>
+            </a:r>
+          </a:p>
+          <a:p>
+            <a:pPr>
+              <a:spcBef>
+                <a:spcPts val="0"/>
+              </a:spcBef>
+            </a:pPr>
+            <a:r>
+              <a:rPr lang="nl-NL" sz="1100" i="0" dirty="0" smtClean="0">
+                <a:latin typeface="Courier New" charset="0"/>
+                <a:ea typeface="Courier New" charset="0"/>
+                <a:cs typeface="Courier New" charset="0"/>
+              </a:rPr>
               <a:t>    </a:t>
             </a:r>
           </a:p>
           <a:p>
+            <a:pPr>
+              <a:spcBef>
+                <a:spcPts val="0"/>
+              </a:spcBef>
+            </a:pPr>
             <a:r>
               <a:rPr lang="nl-NL" sz="1100" i="0" dirty="0" smtClean="0">
                 <a:latin typeface="Courier New" charset="0"/>
                 <a:ea typeface="Courier New" charset="0"/>
                 <a:cs typeface="Courier New" charset="0"/>
               </a:rPr>
-              <a:t>    virtual void</a:t>
-            </a:r>
-          </a:p>
-          <a:p>
+              <a:t> </a:t>
+            </a:r>
             <a:r>
               <a:rPr lang="nl-NL" sz="1100" i="0" dirty="0" smtClean="0">
                 <a:latin typeface="Courier New" charset="0"/>
                 <a:ea typeface="Courier New" charset="0"/>
                 <a:cs typeface="Courier New" charset="0"/>
               </a:rPr>
-              <a:t>    foo_callback_excep (</a:t>
-            </a:r>
-          </a:p>
-          <a:p>
+              <a:t> </a:t>
+            </a:r>
             <a:r>
               <a:rPr lang="nl-NL" sz="1100" i="0" dirty="0" smtClean="0">
                 <a:latin typeface="Courier New" charset="0"/>
                 <a:ea typeface="Courier New" charset="0"/>
                 <a:cs typeface="Courier New" charset="0"/>
               </a:rPr>
-              <a:t>      const ::CCM_AMI::InternalException &amp; exception_holder);</a:t>
-            </a:r>
-          </a:p>
-          <a:p>
+              <a:t>virtual void</a:t>
+            </a:r>
+          </a:p>
+          <a:p>
+            <a:pPr>
+              <a:spcBef>
+                <a:spcPts val="0"/>
+              </a:spcBef>
+            </a:pPr>
+            <a:r>
+              <a:rPr lang="nl-NL" sz="1100" i="0" dirty="0" smtClean="0">
+                <a:latin typeface="Courier New" charset="0"/>
+                <a:ea typeface="Courier New" charset="0"/>
+                <a:cs typeface="Courier New" charset="0"/>
+              </a:rPr>
+              <a:t> </a:t>
+            </a:r>
+            <a:r>
+              <a:rPr lang="nl-NL" sz="1100" i="0" dirty="0" smtClean="0">
+                <a:latin typeface="Courier New" charset="0"/>
+                <a:ea typeface="Courier New" charset="0"/>
+                <a:cs typeface="Courier New" charset="0"/>
+              </a:rPr>
+              <a:t> </a:t>
+            </a:r>
+            <a:r>
+              <a:rPr lang="nl-NL" sz="1100" i="0" dirty="0" smtClean="0">
+                <a:latin typeface="Courier New" charset="0"/>
+                <a:ea typeface="Courier New" charset="0"/>
+                <a:cs typeface="Courier New" charset="0"/>
+              </a:rPr>
+              <a:t>foo_callback_excep </a:t>
+            </a:r>
+            <a:r>
+              <a:rPr lang="nl-NL" sz="1100" i="0" dirty="0" smtClean="0">
+                <a:latin typeface="Courier New" charset="0"/>
+                <a:ea typeface="Courier New" charset="0"/>
+                <a:cs typeface="Courier New" charset="0"/>
+              </a:rPr>
+              <a:t>(</a:t>
+            </a:r>
+          </a:p>
+          <a:p>
+            <a:pPr>
+              <a:spcBef>
+                <a:spcPts val="0"/>
+              </a:spcBef>
+            </a:pPr>
+            <a:r>
+              <a:rPr lang="nl-NL" sz="1100" i="0" dirty="0" smtClean="0">
+                <a:latin typeface="Courier New" charset="0"/>
+                <a:ea typeface="Courier New" charset="0"/>
+                <a:cs typeface="Courier New" charset="0"/>
+              </a:rPr>
+              <a:t>    </a:t>
+            </a:r>
+            <a:r>
+              <a:rPr lang="nl-NL" sz="1100" i="0" dirty="0" smtClean="0">
+                <a:latin typeface="Courier New" charset="0"/>
+                <a:ea typeface="Courier New" charset="0"/>
+                <a:cs typeface="Courier New" charset="0"/>
+              </a:rPr>
+              <a:t>const ::CCM_AMI::InternalException </a:t>
+            </a:r>
+            <a:r>
+              <a:rPr lang="nl-NL" sz="1100" i="0" dirty="0" smtClean="0">
+                <a:latin typeface="Courier New" charset="0"/>
+                <a:ea typeface="Courier New" charset="0"/>
+                <a:cs typeface="Courier New" charset="0"/>
+              </a:rPr>
+              <a:t>&amp;</a:t>
+            </a:r>
+          </a:p>
+          <a:p>
+            <a:pPr>
+              <a:spcBef>
+                <a:spcPts val="0"/>
+              </a:spcBef>
+            </a:pPr>
+            <a:r>
+              <a:rPr lang="nl-NL" sz="1100" i="0" dirty="0" smtClean="0">
+                <a:latin typeface="Courier New" charset="0"/>
+                <a:ea typeface="Courier New" charset="0"/>
+                <a:cs typeface="Courier New" charset="0"/>
+              </a:rPr>
+              <a:t> </a:t>
+            </a:r>
+            <a:r>
+              <a:rPr lang="nl-NL" sz="1100" i="0" dirty="0" smtClean="0">
+                <a:latin typeface="Courier New" charset="0"/>
+                <a:ea typeface="Courier New" charset="0"/>
+                <a:cs typeface="Courier New" charset="0"/>
+              </a:rPr>
+              <a:t>   exception_holder</a:t>
+            </a:r>
+            <a:r>
+              <a:rPr lang="nl-NL" sz="1100" i="0" dirty="0" smtClean="0">
+                <a:latin typeface="Courier New" charset="0"/>
+                <a:ea typeface="Courier New" charset="0"/>
+                <a:cs typeface="Courier New" charset="0"/>
+              </a:rPr>
+              <a:t>);</a:t>
+            </a:r>
+          </a:p>
+          <a:p>
+            <a:pPr>
+              <a:spcBef>
+                <a:spcPts val="0"/>
+              </a:spcBef>
+            </a:pPr>
             <a:r>
               <a:rPr lang="nl-NL" sz="1100" i="0" dirty="0" smtClean="0">
                 <a:latin typeface="Courier New" charset="0"/>
@@ -27270,6 +27567,469 @@
             </a:r>
             <a:br>
               <a:rPr lang="nl-NL" sz="1100" i="0" dirty="0">
+                <a:latin typeface="Courier New" charset="0"/>
+                <a:ea typeface="Courier New" charset="0"/>
+                <a:cs typeface="Courier New" charset="0"/>
+              </a:rPr>
+            </a:br>
+            <a:endParaRPr lang="nl-NL" sz="1100" i="0" dirty="0">
+              <a:latin typeface="Courier New" charset="0"/>
+              <a:ea typeface="Courier New" charset="0"/>
+              <a:cs typeface="Courier New" charset="0"/>
+            </a:endParaRPr>
+          </a:p>
+        </p:txBody>
+      </p:sp>
+      <p:sp>
+        <p:nvSpPr>
+          <p:cNvPr id="5" name="Rectangle 4"/>
+          <p:cNvSpPr>
+            <a:spLocks noChangeArrowheads="1"/>
+          </p:cNvSpPr>
+          <p:nvPr/>
+        </p:nvSpPr>
+        <p:spPr bwMode="auto">
+          <a:xfrm>
+            <a:off x="4900534" y="1343025"/>
+            <a:ext cx="3718810" cy="4876800"/>
+          </a:xfrm>
+          <a:prstGeom prst="rect">
+            <a:avLst/>
+          </a:prstGeom>
+          <a:noFill/>
+          <a:ln w="9525">
+            <a:noFill/>
+            <a:miter lim="800000"/>
+            <a:headEnd/>
+            <a:tailEnd/>
+          </a:ln>
+        </p:spPr>
+        <p:txBody>
+          <a:bodyPr>
+            <a:prstTxWarp prst="textNoShape">
+              <a:avLst/>
+            </a:prstTxWarp>
+          </a:bodyPr>
+          <a:lstStyle/>
+          <a:p>
+            <a:pPr>
+              <a:spcBef>
+                <a:spcPts val="0"/>
+              </a:spcBef>
+            </a:pPr>
+            <a:r>
+              <a:rPr lang="nl-NL" sz="1100" i="0" dirty="0" smtClean="0">
+                <a:latin typeface="Courier New" charset="0"/>
+                <a:ea typeface="Courier New" charset="0"/>
+                <a:cs typeface="Courier New" charset="0"/>
+              </a:rPr>
+              <a:t>void</a:t>
+            </a:r>
+            <a:endParaRPr lang="nl-NL" sz="1100" i="0" dirty="0" smtClean="0">
+              <a:latin typeface="Courier New" charset="0"/>
+              <a:ea typeface="Courier New" charset="0"/>
+              <a:cs typeface="Courier New" charset="0"/>
+            </a:endParaRPr>
+          </a:p>
+          <a:p>
+            <a:pPr>
+              <a:spcBef>
+                <a:spcPts val="0"/>
+              </a:spcBef>
+            </a:pPr>
+            <a:r>
+              <a:rPr lang="nl-NL" sz="1100" i="0" dirty="0" smtClean="0">
+                <a:latin typeface="Courier New" charset="0"/>
+                <a:ea typeface="Courier New" charset="0"/>
+                <a:cs typeface="Courier New" charset="0"/>
+              </a:rPr>
+              <a:t>Callback_exec_i</a:t>
+            </a:r>
+            <a:r>
+              <a:rPr lang="nl-NL" sz="1100" i="0" dirty="0" smtClean="0">
+                <a:latin typeface="Courier New" charset="0"/>
+                <a:ea typeface="Courier New" charset="0"/>
+                <a:cs typeface="Courier New" charset="0"/>
+              </a:rPr>
+              <a:t>::foo_callback_handler (</a:t>
+            </a:r>
+          </a:p>
+          <a:p>
+            <a:pPr>
+              <a:spcBef>
+                <a:spcPts val="0"/>
+              </a:spcBef>
+            </a:pPr>
+            <a:r>
+              <a:rPr lang="nl-NL" sz="1100" i="0" dirty="0" smtClean="0">
+                <a:latin typeface="Courier New" charset="0"/>
+                <a:ea typeface="Courier New" charset="0"/>
+                <a:cs typeface="Courier New" charset="0"/>
+              </a:rPr>
+              <a:t>    ::CORBA::Long result,</a:t>
+            </a:r>
+          </a:p>
+          <a:p>
+            <a:pPr>
+              <a:spcBef>
+                <a:spcPts val="0"/>
+              </a:spcBef>
+            </a:pPr>
+            <a:r>
+              <a:rPr lang="nl-NL" sz="1100" i="0" dirty="0" smtClean="0">
+                <a:latin typeface="Courier New" charset="0"/>
+                <a:ea typeface="Courier New" charset="0"/>
+                <a:cs typeface="Courier New" charset="0"/>
+              </a:rPr>
+              <a:t>    const char * answer)</a:t>
+            </a:r>
+          </a:p>
+          <a:p>
+            <a:pPr>
+              <a:spcBef>
+                <a:spcPts val="0"/>
+              </a:spcBef>
+            </a:pPr>
+            <a:r>
+              <a:rPr lang="nl-NL" sz="1100" i="0" dirty="0" smtClean="0">
+                <a:latin typeface="Courier New" charset="0"/>
+                <a:ea typeface="Courier New" charset="0"/>
+                <a:cs typeface="Courier New" charset="0"/>
+              </a:rPr>
+              <a:t>{</a:t>
+            </a:r>
+            <a:endParaRPr lang="nl-NL" sz="1100" i="0" dirty="0" smtClean="0">
+              <a:latin typeface="Courier New" charset="0"/>
+              <a:ea typeface="Courier New" charset="0"/>
+              <a:cs typeface="Courier New" charset="0"/>
+            </a:endParaRPr>
+          </a:p>
+          <a:p>
+            <a:pPr>
+              <a:spcBef>
+                <a:spcPts val="0"/>
+              </a:spcBef>
+            </a:pPr>
+            <a:r>
+              <a:rPr lang="nl-NL" sz="1100" i="0" dirty="0" smtClean="0">
+                <a:latin typeface="Courier New" charset="0"/>
+                <a:ea typeface="Courier New" charset="0"/>
+                <a:cs typeface="Courier New" charset="0"/>
+              </a:rPr>
+              <a:t>  </a:t>
+            </a:r>
+            <a:r>
+              <a:rPr lang="nl-NL" sz="1100" i="0" dirty="0" smtClean="0">
+                <a:latin typeface="Courier New" charset="0"/>
+                <a:ea typeface="Courier New" charset="0"/>
+                <a:cs typeface="Courier New" charset="0"/>
+              </a:rPr>
+              <a:t>printf </a:t>
+            </a:r>
+            <a:r>
+              <a:rPr lang="nl-NL" sz="1100" i="0" dirty="0" smtClean="0">
+                <a:latin typeface="Courier New" charset="0"/>
+                <a:ea typeface="Courier New" charset="0"/>
+                <a:cs typeface="Courier New" charset="0"/>
+              </a:rPr>
+              <a:t>(“Answer </a:t>
+            </a:r>
+            <a:r>
+              <a:rPr lang="nl-NL" sz="1100" i="0" dirty="0" smtClean="0">
+                <a:latin typeface="Courier New" charset="0"/>
+                <a:ea typeface="Courier New" charset="0"/>
+                <a:cs typeface="Courier New" charset="0"/>
+              </a:rPr>
+              <a:t>&lt;%s&gt;\n", </a:t>
+            </a:r>
+            <a:r>
+              <a:rPr lang="nl-NL" sz="1100" i="0" dirty="0" smtClean="0">
+                <a:latin typeface="Courier New" charset="0"/>
+                <a:ea typeface="Courier New" charset="0"/>
+                <a:cs typeface="Courier New" charset="0"/>
+              </a:rPr>
+              <a:t>answer</a:t>
+            </a:r>
+            <a:r>
+              <a:rPr lang="nl-NL" sz="1100" i="0" dirty="0" smtClean="0">
+                <a:latin typeface="Courier New" charset="0"/>
+                <a:ea typeface="Courier New" charset="0"/>
+                <a:cs typeface="Courier New" charset="0"/>
+              </a:rPr>
+              <a:t>);</a:t>
+            </a:r>
+          </a:p>
+          <a:p>
+            <a:pPr>
+              <a:spcBef>
+                <a:spcPts val="0"/>
+              </a:spcBef>
+            </a:pPr>
+            <a:r>
+              <a:rPr lang="nl-NL" sz="1100" i="0" dirty="0" smtClean="0">
+                <a:latin typeface="Courier New" charset="0"/>
+                <a:ea typeface="Courier New" charset="0"/>
+                <a:cs typeface="Courier New" charset="0"/>
+              </a:rPr>
+              <a:t>}</a:t>
+            </a:r>
+            <a:endParaRPr lang="nl-NL" sz="1100" i="0" dirty="0" smtClean="0">
+              <a:latin typeface="Courier New" charset="0"/>
+              <a:ea typeface="Courier New" charset="0"/>
+              <a:cs typeface="Courier New" charset="0"/>
+            </a:endParaRPr>
+          </a:p>
+          <a:p>
+            <a:pPr>
+              <a:spcBef>
+                <a:spcPts val="0"/>
+              </a:spcBef>
+            </a:pPr>
+            <a:endParaRPr lang="nl-NL" sz="1100" i="0" dirty="0" smtClean="0">
+              <a:latin typeface="Courier New" charset="0"/>
+              <a:ea typeface="Courier New" charset="0"/>
+              <a:cs typeface="Courier New" charset="0"/>
+            </a:endParaRPr>
+          </a:p>
+          <a:p>
+            <a:pPr>
+              <a:spcBef>
+                <a:spcPts val="0"/>
+              </a:spcBef>
+            </a:pPr>
+            <a:r>
+              <a:rPr lang="nl-NL" sz="1100" i="0" dirty="0" smtClean="0">
+                <a:latin typeface="Courier New" charset="0"/>
+                <a:ea typeface="Courier New" charset="0"/>
+                <a:cs typeface="Courier New" charset="0"/>
+              </a:rPr>
+              <a:t>void</a:t>
+            </a:r>
+            <a:endParaRPr lang="nl-NL" sz="1100" i="0" dirty="0" smtClean="0">
+              <a:latin typeface="Courier New" charset="0"/>
+              <a:ea typeface="Courier New" charset="0"/>
+              <a:cs typeface="Courier New" charset="0"/>
+            </a:endParaRPr>
+          </a:p>
+          <a:p>
+            <a:pPr>
+              <a:spcBef>
+                <a:spcPts val="0"/>
+              </a:spcBef>
+            </a:pPr>
+            <a:r>
+              <a:rPr lang="nl-NL" sz="1100" i="0" dirty="0" smtClean="0">
+                <a:latin typeface="Courier New" charset="0"/>
+                <a:ea typeface="Courier New" charset="0"/>
+                <a:cs typeface="Courier New" charset="0"/>
+              </a:rPr>
+              <a:t>Callback_exec_i</a:t>
+            </a:r>
+            <a:r>
+              <a:rPr lang="nl-NL" sz="1100" i="0" dirty="0" smtClean="0">
+                <a:latin typeface="Courier New" charset="0"/>
+                <a:ea typeface="Courier New" charset="0"/>
+                <a:cs typeface="Courier New" charset="0"/>
+              </a:rPr>
+              <a:t>::foo_callback_excep (</a:t>
+            </a:r>
+          </a:p>
+          <a:p>
+            <a:pPr>
+              <a:spcBef>
+                <a:spcPts val="0"/>
+              </a:spcBef>
+            </a:pPr>
+            <a:r>
+              <a:rPr lang="nl-NL" sz="1100" i="0" dirty="0" smtClean="0">
+                <a:latin typeface="Courier New" charset="0"/>
+                <a:ea typeface="Courier New" charset="0"/>
+                <a:cs typeface="Courier New" charset="0"/>
+              </a:rPr>
+              <a:t>  </a:t>
+            </a:r>
+            <a:r>
+              <a:rPr lang="nl-NL" sz="1100" i="0" dirty="0" smtClean="0">
+                <a:latin typeface="Courier New" charset="0"/>
+                <a:ea typeface="Courier New" charset="0"/>
+                <a:cs typeface="Courier New" charset="0"/>
+              </a:rPr>
+              <a:t>const ::CCM_AMI::InternalException </a:t>
+            </a:r>
+            <a:r>
+              <a:rPr lang="nl-NL" sz="1100" i="0" dirty="0" smtClean="0">
+                <a:latin typeface="Courier New" charset="0"/>
+                <a:ea typeface="Courier New" charset="0"/>
+                <a:cs typeface="Courier New" charset="0"/>
+              </a:rPr>
+              <a:t>&amp;</a:t>
+            </a:r>
+          </a:p>
+          <a:p>
+            <a:pPr>
+              <a:spcBef>
+                <a:spcPts val="0"/>
+              </a:spcBef>
+            </a:pPr>
+            <a:r>
+              <a:rPr lang="nl-NL" sz="1100" i="0" dirty="0" smtClean="0">
+                <a:latin typeface="Courier New" charset="0"/>
+                <a:ea typeface="Courier New" charset="0"/>
+                <a:cs typeface="Courier New" charset="0"/>
+              </a:rPr>
+              <a:t>  exception_holder</a:t>
+            </a:r>
+            <a:r>
+              <a:rPr lang="nl-NL" sz="1100" i="0" dirty="0" smtClean="0">
+                <a:latin typeface="Courier New" charset="0"/>
+                <a:ea typeface="Courier New" charset="0"/>
+                <a:cs typeface="Courier New" charset="0"/>
+              </a:rPr>
+              <a:t>)</a:t>
+            </a:r>
+          </a:p>
+          <a:p>
+            <a:pPr>
+              <a:spcBef>
+                <a:spcPts val="0"/>
+              </a:spcBef>
+            </a:pPr>
+            <a:r>
+              <a:rPr lang="nl-NL" sz="1100" i="0" dirty="0" smtClean="0">
+                <a:latin typeface="Courier New" charset="0"/>
+                <a:ea typeface="Courier New" charset="0"/>
+                <a:cs typeface="Courier New" charset="0"/>
+              </a:rPr>
+              <a:t>{</a:t>
+            </a:r>
+            <a:endParaRPr lang="nl-NL" sz="1100" i="0" dirty="0" smtClean="0">
+              <a:latin typeface="Courier New" charset="0"/>
+              <a:ea typeface="Courier New" charset="0"/>
+              <a:cs typeface="Courier New" charset="0"/>
+            </a:endParaRPr>
+          </a:p>
+          <a:p>
+            <a:pPr>
+              <a:spcBef>
+                <a:spcPts val="0"/>
+              </a:spcBef>
+            </a:pPr>
+            <a:r>
+              <a:rPr lang="nl-NL" sz="1100" i="0" dirty="0" smtClean="0">
+                <a:latin typeface="Courier New" charset="0"/>
+                <a:ea typeface="Courier New" charset="0"/>
+                <a:cs typeface="Courier New" charset="0"/>
+              </a:rPr>
+              <a:t>  </a:t>
+            </a:r>
+            <a:r>
+              <a:rPr lang="nl-NL" sz="1100" i="0" dirty="0" smtClean="0">
+                <a:latin typeface="Courier New" charset="0"/>
+                <a:ea typeface="Courier New" charset="0"/>
+                <a:cs typeface="Courier New" charset="0"/>
+              </a:rPr>
+              <a:t>printf </a:t>
+            </a:r>
+            <a:r>
+              <a:rPr lang="nl-NL" sz="1100" i="0" dirty="0" smtClean="0">
+                <a:latin typeface="Courier New" charset="0"/>
+                <a:ea typeface="Courier New" charset="0"/>
+                <a:cs typeface="Courier New" charset="0"/>
+              </a:rPr>
+              <a:t>(“Exception &lt;%</a:t>
+            </a:r>
+            <a:r>
+              <a:rPr lang="nl-NL" sz="1100" i="0" dirty="0" smtClean="0">
+                <a:latin typeface="Courier New" charset="0"/>
+                <a:ea typeface="Courier New" charset="0"/>
+                <a:cs typeface="Courier New" charset="0"/>
+              </a:rPr>
+              <a:t>s&gt;\</a:t>
+            </a:r>
+            <a:r>
+              <a:rPr lang="nl-NL" sz="1100" i="0" dirty="0" smtClean="0">
+                <a:latin typeface="Courier New" charset="0"/>
+                <a:ea typeface="Courier New" charset="0"/>
+                <a:cs typeface="Courier New" charset="0"/>
+              </a:rPr>
+              <a:t>n“,    </a:t>
+            </a:r>
+          </a:p>
+          <a:p>
+            <a:pPr>
+              <a:spcBef>
+                <a:spcPts val="0"/>
+              </a:spcBef>
+            </a:pPr>
+            <a:r>
+              <a:rPr lang="nl-NL" sz="1100" i="0" dirty="0" smtClean="0">
+                <a:latin typeface="Courier New" charset="0"/>
+                <a:ea typeface="Courier New" charset="0"/>
+                <a:cs typeface="Courier New" charset="0"/>
+              </a:rPr>
+              <a:t> </a:t>
+            </a:r>
+            <a:r>
+              <a:rPr lang="nl-NL" sz="1100" i="0" dirty="0" smtClean="0">
+                <a:latin typeface="Courier New" charset="0"/>
+                <a:ea typeface="Courier New" charset="0"/>
+                <a:cs typeface="Courier New" charset="0"/>
+              </a:rPr>
+              <a:t>   </a:t>
+            </a:r>
+            <a:r>
+              <a:rPr lang="nl-NL" sz="1100" i="0" dirty="0" smtClean="0">
+                <a:latin typeface="Courier New" charset="0"/>
+                <a:ea typeface="Courier New" charset="0"/>
+                <a:cs typeface="Courier New" charset="0"/>
+              </a:rPr>
+              <a:t>exception_holder.error_string.in </a:t>
+            </a:r>
+            <a:r>
+              <a:rPr lang="nl-NL" sz="1100" i="0" dirty="0" smtClean="0">
+                <a:latin typeface="Courier New" charset="0"/>
+                <a:ea typeface="Courier New" charset="0"/>
+                <a:cs typeface="Courier New" charset="0"/>
+              </a:rPr>
+              <a:t>());</a:t>
+            </a:r>
+          </a:p>
+          <a:p>
+            <a:pPr>
+              <a:spcBef>
+                <a:spcPts val="0"/>
+              </a:spcBef>
+            </a:pPr>
+            <a:r>
+              <a:rPr lang="nl-NL" sz="1100" i="0" dirty="0" smtClean="0">
+                <a:latin typeface="Courier New" charset="0"/>
+                <a:ea typeface="Courier New" charset="0"/>
+                <a:cs typeface="Courier New" charset="0"/>
+              </a:rPr>
+              <a:t>}</a:t>
+            </a:r>
+            <a:endParaRPr lang="nl-NL" sz="1100" i="0" dirty="0" smtClean="0">
+              <a:latin typeface="Courier New" charset="0"/>
+              <a:ea typeface="Courier New" charset="0"/>
+              <a:cs typeface="Courier New" charset="0"/>
+            </a:endParaRPr>
+          </a:p>
+          <a:p>
+            <a:pPr>
+              <a:spcBef>
+                <a:spcPts val="0"/>
+              </a:spcBef>
+            </a:pPr>
+            <a:r>
+              <a:rPr lang="nl-NL" sz="1100" i="0" dirty="0" smtClean="0">
+                <a:latin typeface="Courier New" charset="0"/>
+                <a:ea typeface="Courier New" charset="0"/>
+                <a:cs typeface="Courier New" charset="0"/>
+              </a:rPr>
+              <a:t/>
+            </a:r>
+            <a:br>
+              <a:rPr lang="nl-NL" sz="1100" i="0" dirty="0" smtClean="0">
                 <a:latin typeface="Courier New" charset="0"/>
                 <a:ea typeface="Courier New" charset="0"/>
                 <a:cs typeface="Courier New" charset="0"/>
@@ -27317,7 +28077,7 @@
       </p:grpSpPr>
       <p:sp>
         <p:nvSpPr>
-          <p:cNvPr id="293890" name="Rectangle 2"/>
+          <p:cNvPr id="294914" name="Rectangle 2"/>
           <p:cNvSpPr>
             <a:spLocks noChangeArrowheads="1"/>
           </p:cNvSpPr>
@@ -27360,14 +28120,14 @@
                 <a:ea typeface="宋体" pitchFamily="-65" charset="-128"/>
                 <a:cs typeface="宋体" pitchFamily="-65" charset="-128"/>
               </a:rPr>
-              <a:t>Implement the callback handler</a:t>
+              <a:t>Invoking the asynchronous callback</a:t>
             </a:r>
           </a:p>
         </p:txBody>
       </p:sp>
       <p:sp>
         <p:nvSpPr>
-          <p:cNvPr id="293891" name="Rectangle 3"/>
+          <p:cNvPr id="294915" name="Rectangle 3"/>
           <p:cNvSpPr>
             <a:spLocks noChangeArrowheads="1"/>
           </p:cNvSpPr>
@@ -27413,7 +28173,7 @@
       </p:sp>
       <p:sp>
         <p:nvSpPr>
-          <p:cNvPr id="293892" name="Rectangle 4"/>
+          <p:cNvPr id="294916" name="Rectangle 4"/>
           <p:cNvSpPr>
             <a:spLocks noChangeArrowheads="1"/>
           </p:cNvSpPr>
@@ -27444,283 +28204,113 @@
           <a:lstStyle/>
           <a:p>
             <a:r>
-              <a:rPr lang="nl-NL" sz="1100" i="0" dirty="0" smtClean="0">
-                <a:latin typeface="Courier New" charset="0"/>
-                <a:ea typeface="Courier New" charset="0"/>
-                <a:cs typeface="Courier New" charset="0"/>
-              </a:rPr>
-              <a:t>void</a:t>
-            </a:r>
-            <a:endParaRPr lang="nl-NL" sz="1100" i="0" dirty="0" smtClean="0">
-              <a:latin typeface="Courier New" charset="0"/>
-              <a:ea typeface="Courier New" charset="0"/>
-              <a:cs typeface="Courier New" charset="0"/>
-            </a:endParaRPr>
-          </a:p>
-          <a:p>
-            <a:r>
-              <a:rPr lang="nl-NL" sz="1100" i="0" dirty="0" smtClean="0">
-                <a:latin typeface="Courier New" charset="0"/>
-                <a:ea typeface="Courier New" charset="0"/>
-                <a:cs typeface="Courier New" charset="0"/>
-              </a:rPr>
-              <a:t>MyFoo_callback_exec_i::foo_callback_handler (</a:t>
-            </a:r>
-          </a:p>
-          <a:p>
-            <a:r>
-              <a:rPr lang="nl-NL" sz="1100" i="0" dirty="0" smtClean="0">
-                <a:latin typeface="Courier New" charset="0"/>
-                <a:ea typeface="Courier New" charset="0"/>
-                <a:cs typeface="Courier New" charset="0"/>
-              </a:rPr>
-              <a:t>    ::CORBA::Long result,</a:t>
-            </a:r>
-          </a:p>
-          <a:p>
-            <a:r>
-              <a:rPr lang="nl-NL" sz="1100" i="0" dirty="0" smtClean="0">
-                <a:latin typeface="Courier New" charset="0"/>
-                <a:ea typeface="Courier New" charset="0"/>
-                <a:cs typeface="Courier New" charset="0"/>
-              </a:rPr>
-              <a:t>    const char * answer)</a:t>
-            </a:r>
-          </a:p>
-          <a:p>
-            <a:r>
-              <a:rPr lang="nl-NL" sz="1100" i="0" dirty="0" smtClean="0">
-                <a:latin typeface="Courier New" charset="0"/>
-                <a:ea typeface="Courier New" charset="0"/>
-                <a:cs typeface="Courier New" charset="0"/>
-              </a:rPr>
-              <a:t>{</a:t>
-            </a:r>
-            <a:endParaRPr lang="nl-NL" sz="1100" i="0" dirty="0" smtClean="0">
-              <a:latin typeface="Courier New" charset="0"/>
-              <a:ea typeface="Courier New" charset="0"/>
-              <a:cs typeface="Courier New" charset="0"/>
-            </a:endParaRPr>
-          </a:p>
-          <a:p>
-            <a:r>
-              <a:rPr lang="nl-NL" sz="1100" i="0" dirty="0" smtClean="0">
-                <a:latin typeface="Courier New" charset="0"/>
-                <a:ea typeface="Courier New" charset="0"/>
-                <a:cs typeface="Courier New" charset="0"/>
-              </a:rPr>
-              <a:t>  </a:t>
-            </a:r>
-            <a:r>
-              <a:rPr lang="nl-NL" sz="1100" i="0" dirty="0" smtClean="0">
-                <a:latin typeface="Courier New" charset="0"/>
-                <a:ea typeface="Courier New" charset="0"/>
-                <a:cs typeface="Courier New" charset="0"/>
-              </a:rPr>
-              <a:t>printf </a:t>
-            </a:r>
-            <a:r>
-              <a:rPr lang="nl-NL" sz="1100" i="0" dirty="0" smtClean="0">
-                <a:latin typeface="Courier New" charset="0"/>
-                <a:ea typeface="Courier New" charset="0"/>
-                <a:cs typeface="Courier New" charset="0"/>
-              </a:rPr>
-              <a:t>(“Answer </a:t>
-            </a:r>
-            <a:r>
-              <a:rPr lang="nl-NL" sz="1100" i="0" dirty="0" smtClean="0">
-                <a:latin typeface="Courier New" charset="0"/>
-                <a:ea typeface="Courier New" charset="0"/>
-                <a:cs typeface="Courier New" charset="0"/>
-              </a:rPr>
-              <a:t>&lt;%s&gt;\n", </a:t>
-            </a:r>
-            <a:r>
-              <a:rPr lang="nl-NL" sz="1100" i="0" dirty="0" smtClean="0">
-                <a:latin typeface="Courier New" charset="0"/>
-                <a:ea typeface="Courier New" charset="0"/>
-                <a:cs typeface="Courier New" charset="0"/>
-              </a:rPr>
-              <a:t>answer</a:t>
-            </a:r>
-            <a:r>
-              <a:rPr lang="nl-NL" sz="1100" i="0" dirty="0" smtClean="0">
-                <a:latin typeface="Courier New" charset="0"/>
-                <a:ea typeface="Courier New" charset="0"/>
-                <a:cs typeface="Courier New" charset="0"/>
-              </a:rPr>
-              <a:t>);</a:t>
-            </a:r>
-          </a:p>
-          <a:p>
-            <a:r>
-              <a:rPr lang="nl-NL" sz="1100" i="0" dirty="0" smtClean="0">
-                <a:latin typeface="Courier New" charset="0"/>
-                <a:ea typeface="Courier New" charset="0"/>
-                <a:cs typeface="Courier New" charset="0"/>
-              </a:rPr>
-              <a:t>}</a:t>
-            </a:r>
-            <a:endParaRPr lang="nl-NL" sz="1100" i="0" dirty="0" smtClean="0">
-              <a:latin typeface="Courier New" charset="0"/>
-              <a:ea typeface="Courier New" charset="0"/>
-              <a:cs typeface="Courier New" charset="0"/>
-            </a:endParaRPr>
-          </a:p>
-          <a:p>
-            <a:endParaRPr lang="nl-NL" sz="1100" i="0" dirty="0" smtClean="0">
-              <a:latin typeface="Courier New" charset="0"/>
-              <a:ea typeface="Courier New" charset="0"/>
-              <a:cs typeface="Courier New" charset="0"/>
-            </a:endParaRPr>
-          </a:p>
-          <a:p>
-            <a:r>
-              <a:rPr lang="nl-NL" sz="1100" i="0" dirty="0" smtClean="0">
-                <a:latin typeface="Courier New" charset="0"/>
-                <a:ea typeface="Courier New" charset="0"/>
-                <a:cs typeface="Courier New" charset="0"/>
-              </a:rPr>
-              <a:t>Void</a:t>
-            </a:r>
-            <a:endParaRPr lang="nl-NL" sz="1100" i="0" dirty="0" smtClean="0">
-              <a:latin typeface="Courier New" charset="0"/>
-              <a:ea typeface="Courier New" charset="0"/>
-              <a:cs typeface="Courier New" charset="0"/>
-            </a:endParaRPr>
-          </a:p>
-          <a:p>
-            <a:r>
-              <a:rPr lang="nl-NL" sz="1100" i="0" dirty="0" smtClean="0">
-                <a:latin typeface="Courier New" charset="0"/>
-                <a:ea typeface="Courier New" charset="0"/>
-                <a:cs typeface="Courier New" charset="0"/>
-              </a:rPr>
-              <a:t>MyFoo_callback_exec_i</a:t>
-            </a:r>
-            <a:r>
-              <a:rPr lang="nl-NL" sz="1100" i="0" dirty="0" smtClean="0">
-                <a:latin typeface="Courier New" charset="0"/>
-                <a:ea typeface="Courier New" charset="0"/>
-                <a:cs typeface="Courier New" charset="0"/>
-              </a:rPr>
-              <a:t>::foo_callback_excep (</a:t>
-            </a:r>
-          </a:p>
-          <a:p>
-            <a:r>
-              <a:rPr lang="nl-NL" sz="1100" i="0" dirty="0" smtClean="0">
-                <a:latin typeface="Courier New" charset="0"/>
-                <a:ea typeface="Courier New" charset="0"/>
-                <a:cs typeface="Courier New" charset="0"/>
-              </a:rPr>
-              <a:t>    </a:t>
-            </a:r>
-            <a:r>
-              <a:rPr lang="nl-NL" sz="1100" i="0" dirty="0" smtClean="0">
-                <a:latin typeface="Courier New" charset="0"/>
-                <a:ea typeface="Courier New" charset="0"/>
-                <a:cs typeface="Courier New" charset="0"/>
-              </a:rPr>
-              <a:t>const ::CCM_AMI::InternalException &amp; exception_holder)</a:t>
-            </a:r>
-          </a:p>
-          <a:p>
-            <a:r>
-              <a:rPr lang="nl-NL" sz="1100" i="0" dirty="0" smtClean="0">
-                <a:latin typeface="Courier New" charset="0"/>
-                <a:ea typeface="Courier New" charset="0"/>
-                <a:cs typeface="Courier New" charset="0"/>
-              </a:rPr>
-              <a:t>{</a:t>
-            </a:r>
-            <a:endParaRPr lang="nl-NL" sz="1100" i="0" dirty="0" smtClean="0">
-              <a:latin typeface="Courier New" charset="0"/>
-              <a:ea typeface="Courier New" charset="0"/>
-              <a:cs typeface="Courier New" charset="0"/>
-            </a:endParaRPr>
-          </a:p>
-          <a:p>
-            <a:r>
-              <a:rPr lang="nl-NL" sz="1100" i="0" dirty="0" smtClean="0">
-                <a:latin typeface="Courier New" charset="0"/>
-                <a:ea typeface="Courier New" charset="0"/>
-                <a:cs typeface="Courier New" charset="0"/>
-              </a:rPr>
-              <a:t>  </a:t>
-            </a:r>
-            <a:r>
-              <a:rPr lang="nl-NL" sz="1100" i="0" dirty="0" smtClean="0">
-                <a:latin typeface="Courier New" charset="0"/>
-                <a:ea typeface="Courier New" charset="0"/>
-                <a:cs typeface="Courier New" charset="0"/>
-              </a:rPr>
-              <a:t>printf </a:t>
-            </a:r>
-            <a:r>
-              <a:rPr lang="nl-NL" sz="1100" i="0" dirty="0" smtClean="0">
-                <a:latin typeface="Courier New" charset="0"/>
-                <a:ea typeface="Courier New" charset="0"/>
-                <a:cs typeface="Courier New" charset="0"/>
-              </a:rPr>
-              <a:t>(“Exception &lt;%</a:t>
-            </a:r>
-            <a:r>
-              <a:rPr lang="nl-NL" sz="1100" i="0" dirty="0" smtClean="0">
-                <a:latin typeface="Courier New" charset="0"/>
-                <a:ea typeface="Courier New" charset="0"/>
-                <a:cs typeface="Courier New" charset="0"/>
-              </a:rPr>
-              <a:t>s&gt;\</a:t>
-            </a:r>
-            <a:r>
-              <a:rPr lang="nl-NL" sz="1100" i="0" dirty="0" smtClean="0">
-                <a:latin typeface="Courier New" charset="0"/>
-                <a:ea typeface="Courier New" charset="0"/>
-                <a:cs typeface="Courier New" charset="0"/>
-              </a:rPr>
-              <a:t>n“, exception_holder.error_string.in </a:t>
-            </a:r>
-            <a:r>
-              <a:rPr lang="nl-NL" sz="1100" i="0" dirty="0" smtClean="0">
-                <a:latin typeface="Courier New" charset="0"/>
-                <a:ea typeface="Courier New" charset="0"/>
-                <a:cs typeface="Courier New" charset="0"/>
-              </a:rPr>
-              <a:t>());</a:t>
-            </a:r>
-          </a:p>
-          <a:p>
-            <a:r>
-              <a:rPr lang="nl-NL" sz="1100" i="0" dirty="0" smtClean="0">
-                <a:latin typeface="Courier New" charset="0"/>
-                <a:ea typeface="Courier New" charset="0"/>
-                <a:cs typeface="Courier New" charset="0"/>
-              </a:rPr>
-              <a:t>}</a:t>
-            </a:r>
-            <a:endParaRPr lang="nl-NL" sz="1100" i="0" dirty="0" smtClean="0">
-              <a:latin typeface="Courier New" charset="0"/>
-              <a:ea typeface="Courier New" charset="0"/>
-              <a:cs typeface="Courier New" charset="0"/>
-            </a:endParaRPr>
-          </a:p>
-          <a:p>
-            <a:r>
-              <a:rPr lang="nl-NL" sz="1100" i="0" dirty="0" smtClean="0">
-                <a:latin typeface="Courier New" charset="0"/>
-                <a:ea typeface="Courier New" charset="0"/>
-                <a:cs typeface="Courier New" charset="0"/>
-              </a:rPr>
-              <a:t/>
-            </a:r>
-            <a:br>
-              <a:rPr lang="nl-NL" sz="1100" i="0" dirty="0" smtClean="0">
-                <a:latin typeface="Courier New" charset="0"/>
-                <a:ea typeface="Courier New" charset="0"/>
-                <a:cs typeface="Courier New" charset="0"/>
-              </a:rPr>
-            </a:br>
+              <a:rPr lang="en-US" sz="1100" i="0" dirty="0" smtClean="0">
+                <a:latin typeface="Courier New" charset="0"/>
+                <a:ea typeface="Courier New" charset="0"/>
+                <a:cs typeface="Courier New" charset="0"/>
+              </a:rPr>
+              <a:t> ::CCM_AMI::</a:t>
+            </a:r>
+            <a:r>
+              <a:rPr lang="en-US" sz="1100" i="0" dirty="0" err="1" smtClean="0">
+                <a:latin typeface="Courier New" charset="0"/>
+                <a:ea typeface="Courier New" charset="0"/>
+                <a:cs typeface="Courier New" charset="0"/>
+              </a:rPr>
+              <a:t>AMI_MyFoo_var</a:t>
+            </a:r>
+            <a:r>
+              <a:rPr lang="en-US" sz="1100" i="0" dirty="0" smtClean="0">
+                <a:latin typeface="Courier New" charset="0"/>
+                <a:ea typeface="Courier New" charset="0"/>
+                <a:cs typeface="Courier New" charset="0"/>
+              </a:rPr>
+              <a:t> </a:t>
+            </a:r>
+            <a:r>
+              <a:rPr lang="en-US" sz="1100" i="0" dirty="0" err="1" smtClean="0">
+                <a:latin typeface="Courier New" charset="0"/>
+                <a:ea typeface="Courier New" charset="0"/>
+                <a:cs typeface="Courier New" charset="0"/>
+              </a:rPr>
+              <a:t>my_foo_ami</a:t>
+            </a:r>
+            <a:r>
+              <a:rPr lang="en-US" sz="1100" i="0" dirty="0" smtClean="0">
+                <a:latin typeface="Courier New" charset="0"/>
+                <a:ea typeface="Courier New" charset="0"/>
+                <a:cs typeface="Courier New" charset="0"/>
+              </a:rPr>
+              <a:t> =</a:t>
+            </a:r>
+          </a:p>
+          <a:p>
+            <a:r>
+              <a:rPr lang="en-US" sz="1100" i="0" dirty="0" smtClean="0">
+                <a:latin typeface="Courier New" charset="0"/>
+                <a:ea typeface="Courier New" charset="0"/>
+                <a:cs typeface="Courier New" charset="0"/>
+              </a:rPr>
+              <a:t>      this-&gt;context_-&gt;</a:t>
+            </a:r>
+            <a:r>
+              <a:rPr lang="en-US" sz="1100" i="0" dirty="0" err="1" smtClean="0">
+                <a:latin typeface="Courier New" charset="0"/>
+                <a:ea typeface="Courier New" charset="0"/>
+                <a:cs typeface="Courier New" charset="0"/>
+              </a:rPr>
+              <a:t>get_connection_run_asynch_my_foo</a:t>
+            </a:r>
+            <a:r>
+              <a:rPr lang="en-US" sz="1100" i="0" dirty="0" smtClean="0">
+                <a:latin typeface="Courier New" charset="0"/>
+                <a:ea typeface="Courier New" charset="0"/>
+                <a:cs typeface="Courier New" charset="0"/>
+              </a:rPr>
+              <a:t>();</a:t>
+            </a:r>
+          </a:p>
+          <a:p>
+            <a:r>
+              <a:rPr lang="en-US" sz="1100" i="0" dirty="0" smtClean="0">
+                <a:latin typeface="Courier New" charset="0"/>
+                <a:ea typeface="Courier New" charset="0"/>
+                <a:cs typeface="Courier New" charset="0"/>
+              </a:rPr>
+              <a:t> </a:t>
+            </a:r>
+            <a:r>
+              <a:rPr lang="en-US" sz="1100" i="0" dirty="0" err="1" smtClean="0">
+                <a:latin typeface="Courier New" charset="0"/>
+                <a:ea typeface="Courier New" charset="0"/>
+                <a:cs typeface="Courier New" charset="0"/>
+              </a:rPr>
+              <a:t>my_foo_ami</a:t>
+            </a:r>
+            <a:r>
+              <a:rPr lang="en-US" sz="1100" i="0" dirty="0" smtClean="0">
+                <a:latin typeface="Courier New" charset="0"/>
+                <a:ea typeface="Courier New" charset="0"/>
+                <a:cs typeface="Courier New" charset="0"/>
+              </a:rPr>
+              <a:t>_-&gt;</a:t>
+            </a:r>
+            <a:r>
+              <a:rPr lang="en-US" sz="1100" i="0" dirty="0" err="1" smtClean="0">
+                <a:latin typeface="Courier New" charset="0"/>
+                <a:ea typeface="Courier New" charset="0"/>
+                <a:cs typeface="Courier New" charset="0"/>
+              </a:rPr>
+              <a:t>sendc_foo</a:t>
+            </a:r>
+            <a:r>
+              <a:rPr lang="en-US" sz="1100" i="0" dirty="0" smtClean="0">
+                <a:latin typeface="Courier New" charset="0"/>
+                <a:ea typeface="Courier New" charset="0"/>
+                <a:cs typeface="Courier New" charset="0"/>
+              </a:rPr>
+              <a:t> ("Do something asynchronous");</a:t>
+            </a:r>
             <a:endParaRPr lang="nl-NL" sz="1100" i="0" dirty="0">
               <a:latin typeface="Courier New" charset="0"/>
               <a:ea typeface="Courier New" charset="0"/>
@@ -27799,15 +28389,22 @@
               </a:spcBef>
             </a:pPr>
             <a:r>
-              <a:rPr lang="en-US" altLang="zh-CN" sz="3200" i="0">
+              <a:rPr lang="en-US" altLang="zh-CN" sz="3200" i="0" dirty="0" smtClean="0">
                 <a:solidFill>
                   <a:srgbClr val="FF0000"/>
                 </a:solidFill>
                 <a:ea typeface="宋体" pitchFamily="-65" charset="-128"/>
                 <a:cs typeface="宋体" pitchFamily="-65" charset="-128"/>
               </a:rPr>
-              <a:t>Invoking the asynchronous callback</a:t>
-            </a:r>
+              <a:t>Prototype</a:t>
+            </a:r>
+            <a:endParaRPr lang="en-US" altLang="zh-CN" sz="3200" i="0" dirty="0">
+              <a:solidFill>
+                <a:srgbClr val="FF0000"/>
+              </a:solidFill>
+              <a:ea typeface="宋体" pitchFamily="-65" charset="-128"/>
+              <a:cs typeface="宋体" pitchFamily="-65" charset="-128"/>
+            </a:endParaRPr>
           </a:p>
         </p:txBody>
       </p:sp>
@@ -27889,116 +28486,96 @@
           </a:bodyPr>
           <a:lstStyle/>
           <a:p>
-            <a:r>
-              <a:rPr lang="en-US" sz="1100" i="0" dirty="0" smtClean="0">
-                <a:latin typeface="Courier New" charset="0"/>
-                <a:ea typeface="Courier New" charset="0"/>
-                <a:cs typeface="Courier New" charset="0"/>
-              </a:rPr>
-              <a:t> ::CCM_AMI::</a:t>
-            </a:r>
-            <a:r>
-              <a:rPr lang="en-US" sz="1100" i="0" dirty="0" err="1" smtClean="0">
-                <a:latin typeface="Courier New" charset="0"/>
-                <a:ea typeface="Courier New" charset="0"/>
-                <a:cs typeface="Courier New" charset="0"/>
-              </a:rPr>
-              <a:t>AMI_MyFoo_var</a:t>
-            </a:r>
-            <a:r>
-              <a:rPr lang="en-US" sz="1100" i="0" dirty="0" smtClean="0">
-                <a:latin typeface="Courier New" charset="0"/>
-                <a:ea typeface="Courier New" charset="0"/>
-                <a:cs typeface="Courier New" charset="0"/>
-              </a:rPr>
-              <a:t> </a:t>
-            </a:r>
-            <a:r>
-              <a:rPr lang="en-US" sz="1100" i="0" dirty="0" err="1" smtClean="0">
-                <a:latin typeface="Courier New" charset="0"/>
-                <a:ea typeface="Courier New" charset="0"/>
-                <a:cs typeface="Courier New" charset="0"/>
-              </a:rPr>
-              <a:t>my_foo_ami</a:t>
-            </a:r>
-            <a:r>
-              <a:rPr lang="en-US" sz="1100" i="0" dirty="0" smtClean="0">
-                <a:latin typeface="Courier New" charset="0"/>
-                <a:ea typeface="Courier New" charset="0"/>
-                <a:cs typeface="Courier New" charset="0"/>
-              </a:rPr>
-              <a:t> =</a:t>
-            </a:r>
-          </a:p>
-          <a:p>
-            <a:r>
-              <a:rPr lang="en-US" sz="1100" i="0" dirty="0" smtClean="0">
-                <a:latin typeface="Courier New" charset="0"/>
-                <a:ea typeface="Courier New" charset="0"/>
-                <a:cs typeface="Courier New" charset="0"/>
-              </a:rPr>
-              <a:t>      this-&gt;context_-&gt;</a:t>
-            </a:r>
-            <a:r>
-              <a:rPr lang="en-US" sz="1100" i="0" dirty="0" err="1" smtClean="0">
-                <a:latin typeface="Courier New" charset="0"/>
-                <a:ea typeface="Courier New" charset="0"/>
-                <a:cs typeface="Courier New" charset="0"/>
-              </a:rPr>
-              <a:t>get_connection_run_asynch_my_foo</a:t>
-            </a:r>
-            <a:r>
-              <a:rPr lang="en-US" sz="1100" i="0" dirty="0" smtClean="0">
-                <a:latin typeface="Courier New" charset="0"/>
-                <a:ea typeface="Courier New" charset="0"/>
-                <a:cs typeface="Courier New" charset="0"/>
-              </a:rPr>
-              <a:t>();</a:t>
-            </a:r>
-          </a:p>
-          <a:p>
-            <a:r>
-              <a:rPr lang="en-US" sz="1100" i="0" dirty="0" smtClean="0">
-                <a:latin typeface="Courier New" charset="0"/>
-                <a:ea typeface="Courier New" charset="0"/>
-                <a:cs typeface="Courier New" charset="0"/>
-              </a:rPr>
-              <a:t> </a:t>
-            </a:r>
-            <a:r>
-              <a:rPr lang="en-US" sz="1100" i="0" dirty="0" err="1" smtClean="0">
-                <a:latin typeface="Courier New" charset="0"/>
-                <a:ea typeface="Courier New" charset="0"/>
-                <a:cs typeface="Courier New" charset="0"/>
-              </a:rPr>
-              <a:t>my_foo_ami</a:t>
-            </a:r>
-            <a:r>
-              <a:rPr lang="en-US" sz="1100" i="0" dirty="0" smtClean="0">
-                <a:latin typeface="Courier New" charset="0"/>
-                <a:ea typeface="Courier New" charset="0"/>
-                <a:cs typeface="Courier New" charset="0"/>
-              </a:rPr>
-              <a:t>_-&gt;</a:t>
-            </a:r>
-            <a:r>
-              <a:rPr lang="en-US" sz="1100" i="0" dirty="0" err="1" smtClean="0">
-                <a:latin typeface="Courier New" charset="0"/>
-                <a:ea typeface="Courier New" charset="0"/>
-                <a:cs typeface="Courier New" charset="0"/>
-              </a:rPr>
-              <a:t>sendc_foo</a:t>
-            </a:r>
-            <a:r>
-              <a:rPr lang="en-US" sz="1100" i="0" dirty="0" smtClean="0">
-                <a:latin typeface="Courier New" charset="0"/>
-                <a:ea typeface="Courier New" charset="0"/>
-                <a:cs typeface="Courier New" charset="0"/>
-              </a:rPr>
-              <a:t> ("Do something asynchronous");</a:t>
-            </a:r>
-            <a:endParaRPr lang="nl-NL" sz="1100" i="0" dirty="0">
-              <a:latin typeface="Courier New" charset="0"/>
+            <a:pPr>
+              <a:buFont typeface="Arial" pitchFamily="34" charset="0"/>
+              <a:buChar char="•"/>
+            </a:pPr>
+            <a:r>
+              <a:rPr lang="en-US" altLang="zh-CN" sz="2200" i="0" dirty="0" smtClean="0">
+                <a:latin typeface="+mn-lt"/>
+                <a:ea typeface="宋体" pitchFamily="-65" charset="-128"/>
+                <a:cs typeface="Times New Roman" charset="0"/>
+              </a:rPr>
+              <a:t>$CIAO_ROOT/connectors/ami4ccm/examples/Hello</a:t>
+            </a:r>
+          </a:p>
+          <a:p>
+            <a:pPr>
+              <a:buFont typeface="Arial" pitchFamily="34" charset="0"/>
+              <a:buChar char="•"/>
+            </a:pPr>
+            <a:r>
+              <a:rPr lang="nl-NL" sz="2200" i="0" dirty="0" smtClean="0">
+                <a:latin typeface="+mn-lt"/>
+                <a:ea typeface="Courier New" charset="0"/>
+                <a:cs typeface="Courier New" charset="0"/>
+              </a:rPr>
+              <a:t>Sender component</a:t>
+            </a:r>
+          </a:p>
+          <a:p>
+            <a:pPr>
+              <a:buFont typeface="Arial" pitchFamily="34" charset="0"/>
+              <a:buChar char="•"/>
+            </a:pPr>
+            <a:r>
+              <a:rPr lang="nl-NL" sz="2200" i="0" dirty="0" smtClean="0">
+                <a:latin typeface="+mn-lt"/>
+                <a:ea typeface="Courier New" charset="0"/>
+                <a:cs typeface="Courier New" charset="0"/>
+              </a:rPr>
+              <a:t>Receiver component</a:t>
+            </a:r>
+          </a:p>
+          <a:p>
+            <a:pPr>
+              <a:buFont typeface="Arial" pitchFamily="34" charset="0"/>
+              <a:buChar char="•"/>
+            </a:pPr>
+            <a:r>
+              <a:rPr lang="nl-NL" sz="2200" i="0" dirty="0" smtClean="0">
+                <a:latin typeface="+mn-lt"/>
+                <a:ea typeface="Courier New" charset="0"/>
+                <a:cs typeface="Courier New" charset="0"/>
+              </a:rPr>
+              <a:t>AMI connector </a:t>
+            </a:r>
+            <a:endParaRPr lang="nl-NL" sz="2200" i="0" dirty="0">
+              <a:latin typeface="+mn-lt"/>
+              <a:ea typeface="Courier New" charset="0"/>
+              <a:cs typeface="Courier New" charset="0"/>
+            </a:endParaRPr>
+          </a:p>
+          <a:p>
+            <a:pPr>
+              <a:buFont typeface="Arial" pitchFamily="34" charset="0"/>
+              <a:buChar char="•"/>
+            </a:pPr>
+            <a:r>
+              <a:rPr lang="nl-NL" sz="2200" i="0" dirty="0" smtClean="0">
+                <a:latin typeface="+mn-lt"/>
+                <a:ea typeface="Courier New" charset="0"/>
+                <a:cs typeface="Courier New" charset="0"/>
+              </a:rPr>
+              <a:t>Deployment plan for these 3 components</a:t>
+            </a:r>
+            <a:r>
+              <a:rPr lang="nl-NL" sz="2200" i="0" dirty="0">
+                <a:latin typeface="+mn-lt"/>
+                <a:ea typeface="Courier New" charset="0"/>
+                <a:cs typeface="Courier New" charset="0"/>
+              </a:rPr>
+              <a:t/>
+            </a:r>
+            <a:br>
+              <a:rPr lang="nl-NL" sz="2200" i="0" dirty="0">
+                <a:latin typeface="+mn-lt"/>
+                <a:ea typeface="Courier New" charset="0"/>
+                <a:cs typeface="Courier New" charset="0"/>
+              </a:rPr>
+            </a:br>
+            <a:endParaRPr lang="nl-NL" sz="2200" i="0" dirty="0">
+              <a:latin typeface="+mn-lt"/>
               <a:ea typeface="Courier New" charset="0"/>
               <a:cs typeface="Courier New" charset="0"/>
             </a:endParaRPr>
@@ -28082,7 +28659,7 @@
                 <a:ea typeface="宋体" pitchFamily="-65" charset="-128"/>
                 <a:cs typeface="宋体" pitchFamily="-65" charset="-128"/>
               </a:rPr>
-              <a:t>Prototype</a:t>
+              <a:t>Possible OMG Process</a:t>
             </a:r>
             <a:endParaRPr lang="en-US" altLang="zh-CN" sz="3200" i="0" dirty="0">
               <a:solidFill>
@@ -28177,12 +28754,12 @@
               <a:buChar char="•"/>
             </a:pPr>
             <a:r>
-              <a:rPr lang="en-US" altLang="zh-CN" sz="2200" i="0" dirty="0" smtClean="0">
+              <a:rPr lang="nl-NL" sz="2200" i="0" dirty="0" smtClean="0">
                 <a:latin typeface="+mn-lt"/>
-                <a:ea typeface="宋体" pitchFamily="-65" charset="-128"/>
-                <a:cs typeface="Times New Roman" charset="0"/>
-              </a:rPr>
-              <a:t>$CIAO_ROOT/connectors/ami4ccm/examples/Hello</a:t>
+                <a:ea typeface="Courier New" charset="0"/>
+                <a:cs typeface="Courier New" charset="0"/>
+              </a:rPr>
+              <a:t>AMI4CCM port part anymore of DDS4CCM</a:t>
             </a:r>
           </a:p>
           <a:p>
@@ -28196,7 +28773,63 @@
                 <a:ea typeface="Courier New" charset="0"/>
                 <a:cs typeface="Courier New" charset="0"/>
               </a:rPr>
-              <a:t>Sender component</a:t>
+              <a:t>Standardization will take</a:t>
+            </a:r>
+          </a:p>
+          <a:p>
+            <a:pPr lvl="1">
+              <a:buFont typeface="Arial" pitchFamily="34" charset="0"/>
+              <a:buChar char="•"/>
+            </a:pPr>
+            <a:r>
+              <a:rPr lang="nl-NL" sz="2200" i="0" dirty="0" smtClean="0">
+                <a:latin typeface="+mn-lt"/>
+                <a:ea typeface="Courier New" charset="0"/>
+                <a:cs typeface="Courier New" charset="0"/>
+              </a:rPr>
+              <a:t>Request for Proposal (RFP)</a:t>
+            </a:r>
+          </a:p>
+          <a:p>
+            <a:pPr lvl="1">
+              <a:buFont typeface="Arial" pitchFamily="34" charset="0"/>
+              <a:buChar char="•"/>
+            </a:pPr>
+            <a:r>
+              <a:rPr lang="nl-NL" sz="2200" i="0" dirty="0" smtClean="0">
+                <a:latin typeface="+mn-lt"/>
+                <a:ea typeface="Courier New" charset="0"/>
+                <a:cs typeface="Courier New" charset="0"/>
+              </a:rPr>
+              <a:t>Respond to the proposal</a:t>
+            </a:r>
+          </a:p>
+          <a:p>
+            <a:pPr lvl="1">
+              <a:buFont typeface="Arial" pitchFamily="34" charset="0"/>
+              <a:buChar char="•"/>
+            </a:pPr>
+            <a:r>
+              <a:rPr lang="nl-NL" sz="2200" i="0" dirty="0" smtClean="0">
+                <a:latin typeface="+mn-lt"/>
+                <a:ea typeface="Courier New" charset="0"/>
+                <a:cs typeface="Courier New" charset="0"/>
+              </a:rPr>
+              <a:t>Agree on a beta 1 specification</a:t>
+            </a:r>
+          </a:p>
+          <a:p>
+            <a:pPr lvl="1">
+              <a:buFont typeface="Arial" pitchFamily="34" charset="0"/>
+              <a:buChar char="•"/>
+            </a:pPr>
+            <a:r>
+              <a:rPr lang="nl-NL" sz="2200" i="0" dirty="0" smtClean="0">
+                <a:latin typeface="+mn-lt"/>
+                <a:ea typeface="Courier New" charset="0"/>
+                <a:cs typeface="Courier New" charset="0"/>
+              </a:rPr>
+              <a:t>Finalization Task Force (FTF)</a:t>
             </a:r>
           </a:p>
           <a:p>
@@ -28210,22 +28843,64 @@
                 <a:ea typeface="Courier New" charset="0"/>
                 <a:cs typeface="Courier New" charset="0"/>
               </a:rPr>
-              <a:t>Receiver component</a:t>
-            </a:r>
+              <a:t>Time commitment</a:t>
+            </a:r>
+          </a:p>
+          <a:p>
+            <a:pPr lvl="1">
+              <a:buFont typeface="Arial" pitchFamily="34" charset="0"/>
+              <a:buChar char="•"/>
+            </a:pPr>
+            <a:r>
+              <a:rPr lang="nl-NL" sz="2200" i="0" dirty="0" smtClean="0">
+                <a:latin typeface="+mn-lt"/>
+                <a:ea typeface="Courier New" charset="0"/>
+                <a:cs typeface="Courier New" charset="0"/>
+              </a:rPr>
+              <a:t>4 visits to a OMG meeting, each one week</a:t>
+            </a:r>
+          </a:p>
+          <a:p>
+            <a:pPr lvl="1">
+              <a:buFont typeface="Arial" pitchFamily="34" charset="0"/>
+              <a:buChar char="•"/>
+            </a:pPr>
+            <a:r>
+              <a:rPr lang="nl-NL" sz="2200" i="0" dirty="0" smtClean="0">
+                <a:latin typeface="+mn-lt"/>
+                <a:ea typeface="Courier New" charset="0"/>
+                <a:cs typeface="Courier New" charset="0"/>
+              </a:rPr>
+              <a:t>Around 2 weeks of work for each meeting</a:t>
+            </a:r>
+          </a:p>
+          <a:p>
+            <a:pPr lvl="1">
+              <a:buFont typeface="Arial" pitchFamily="34" charset="0"/>
+              <a:buChar char="•"/>
+            </a:pPr>
+            <a:endParaRPr lang="nl-NL" sz="2200" i="0" dirty="0" smtClean="0">
+              <a:latin typeface="+mn-lt"/>
+              <a:ea typeface="Courier New" charset="0"/>
+              <a:cs typeface="Courier New" charset="0"/>
+            </a:endParaRPr>
+          </a:p>
+          <a:p>
+            <a:pPr lvl="1">
+              <a:buFont typeface="Arial" pitchFamily="34" charset="0"/>
+              <a:buChar char="•"/>
+            </a:pPr>
+            <a:endParaRPr lang="nl-NL" sz="2200" i="0" dirty="0" smtClean="0">
+              <a:latin typeface="+mn-lt"/>
+              <a:ea typeface="Courier New" charset="0"/>
+              <a:cs typeface="Courier New" charset="0"/>
+            </a:endParaRPr>
           </a:p>
           <a:p>
             <a:pPr>
               <a:buFont typeface="Arial" pitchFamily="34" charset="0"/>
               <a:buChar char="•"/>
             </a:pPr>
-            <a:r>
-              <a:rPr lang="nl-NL" sz="2200" i="0" dirty="0" smtClean="0">
-                <a:latin typeface="+mn-lt"/>
-                <a:ea typeface="Courier New" charset="0"/>
-                <a:cs typeface="Courier New" charset="0"/>
-              </a:rPr>
-              <a:t>AMI connector </a:t>
-            </a:r>
             <a:endParaRPr lang="nl-NL" sz="2200" i="0" dirty="0">
               <a:latin typeface="+mn-lt"/>
               <a:ea typeface="Courier New" charset="0"/>
@@ -28233,18 +28908,6 @@
             </a:endParaRPr>
           </a:p>
           <a:p>
-            <a:pPr>
-              <a:buFont typeface="Arial" pitchFamily="34" charset="0"/>
-              <a:buChar char="•"/>
-            </a:pPr>
-            <a:r>
-              <a:rPr lang="nl-NL" sz="2200" i="0" dirty="0" smtClean="0">
-                <a:latin typeface="+mn-lt"/>
-                <a:ea typeface="Courier New" charset="0"/>
-                <a:cs typeface="Courier New" charset="0"/>
-              </a:rPr>
-              <a:t>Deployment plan for these 3 components</a:t>
-            </a:r>
             <a:r>
               <a:rPr lang="nl-NL" sz="2200" i="0" dirty="0">
                 <a:latin typeface="+mn-lt"/>
@@ -28550,355 +29213,6 @@
 </file>
 
 <file path=ppt/slides/slide50.xml><?xml version="1.0" encoding="utf-8"?>
-<p:sld xmlns:a="http://schemas.openxmlformats.org/drawingml/2006/main" xmlns:r="http://schemas.openxmlformats.org/officeDocument/2006/relationships" xmlns:p="http://schemas.openxmlformats.org/presentationml/2006/main">
-  <p:cSld>
-    <p:spTree>
-      <p:nvGrpSpPr>
-        <p:cNvPr id="1" name=""/>
-        <p:cNvGrpSpPr/>
-        <p:nvPr/>
-      </p:nvGrpSpPr>
-      <p:grpSpPr>
-        <a:xfrm>
-          <a:off x="0" y="0"/>
-          <a:ext cx="0" cy="0"/>
-          <a:chOff x="0" y="0"/>
-          <a:chExt cx="0" cy="0"/>
-        </a:xfrm>
-      </p:grpSpPr>
-      <p:sp>
-        <p:nvSpPr>
-          <p:cNvPr id="294914" name="Rectangle 2"/>
-          <p:cNvSpPr>
-            <a:spLocks noChangeArrowheads="1"/>
-          </p:cNvSpPr>
-          <p:nvPr/>
-        </p:nvSpPr>
-        <p:spPr bwMode="auto">
-          <a:xfrm>
-            <a:off x="0" y="542925"/>
-            <a:ext cx="9144000" cy="381000"/>
-          </a:xfrm>
-          <a:prstGeom prst="rect">
-            <a:avLst/>
-          </a:prstGeom>
-          <a:noFill/>
-          <a:ln w="9525">
-            <a:noFill/>
-            <a:miter lim="800000"/>
-            <a:headEnd/>
-            <a:tailEnd/>
-          </a:ln>
-        </p:spPr>
-        <p:txBody>
-          <a:bodyPr anchor="ctr">
-            <a:prstTxWarp prst="textNoShape">
-              <a:avLst/>
-            </a:prstTxWarp>
-          </a:bodyPr>
-          <a:lstStyle/>
-          <a:p>
-            <a:pPr algn="ctr">
-              <a:spcBef>
-                <a:spcPct val="0"/>
-              </a:spcBef>
-            </a:pPr>
-            <a:r>
-              <a:rPr lang="en-US" altLang="zh-CN" sz="3200" i="0" dirty="0" smtClean="0">
-                <a:solidFill>
-                  <a:srgbClr val="FF0000"/>
-                </a:solidFill>
-                <a:ea typeface="宋体" pitchFamily="-65" charset="-128"/>
-                <a:cs typeface="宋体" pitchFamily="-65" charset="-128"/>
-              </a:rPr>
-              <a:t>Possible OMG Process</a:t>
-            </a:r>
-            <a:endParaRPr lang="en-US" altLang="zh-CN" sz="3200" i="0" dirty="0">
-              <a:solidFill>
-                <a:srgbClr val="FF0000"/>
-              </a:solidFill>
-              <a:ea typeface="宋体" pitchFamily="-65" charset="-128"/>
-              <a:cs typeface="宋体" pitchFamily="-65" charset="-128"/>
-            </a:endParaRPr>
-          </a:p>
-        </p:txBody>
-      </p:sp>
-      <p:sp>
-        <p:nvSpPr>
-          <p:cNvPr id="294915" name="Rectangle 3"/>
-          <p:cNvSpPr>
-            <a:spLocks noChangeArrowheads="1"/>
-          </p:cNvSpPr>
-          <p:nvPr/>
-        </p:nvSpPr>
-        <p:spPr bwMode="auto">
-          <a:xfrm>
-            <a:off x="228600" y="1190625"/>
-            <a:ext cx="8763000" cy="4876800"/>
-          </a:xfrm>
-          <a:prstGeom prst="rect">
-            <a:avLst/>
-          </a:prstGeom>
-          <a:noFill/>
-          <a:ln w="9525">
-            <a:noFill/>
-            <a:miter lim="800000"/>
-            <a:headEnd/>
-            <a:tailEnd/>
-          </a:ln>
-        </p:spPr>
-        <p:txBody>
-          <a:bodyPr>
-            <a:prstTxWarp prst="textNoShape">
-              <a:avLst/>
-            </a:prstTxWarp>
-          </a:bodyPr>
-          <a:lstStyle/>
-          <a:p>
-            <a:pPr marL="169863" indent="-169863">
-              <a:spcBef>
-                <a:spcPct val="40000"/>
-              </a:spcBef>
-              <a:buFontTx/>
-              <a:buChar char="•"/>
-            </a:pPr>
-            <a:endParaRPr lang="en-US" altLang="zh-CN" sz="2000" i="0">
-              <a:ea typeface="宋体" pitchFamily="-65" charset="-128"/>
-              <a:cs typeface="Times New Roman" charset="0"/>
-            </a:endParaRPr>
-          </a:p>
-        </p:txBody>
-      </p:sp>
-      <p:sp>
-        <p:nvSpPr>
-          <p:cNvPr id="294916" name="Rectangle 4"/>
-          <p:cNvSpPr>
-            <a:spLocks noChangeArrowheads="1"/>
-          </p:cNvSpPr>
-          <p:nvPr/>
-        </p:nvSpPr>
-        <p:spPr bwMode="auto">
-          <a:xfrm>
-            <a:off x="381000" y="1343025"/>
-            <a:ext cx="8763000" cy="4876800"/>
-          </a:xfrm>
-          <a:prstGeom prst="rect">
-            <a:avLst/>
-          </a:prstGeom>
-          <a:noFill/>
-          <a:ln w="9525">
-            <a:noFill/>
-            <a:miter lim="800000"/>
-            <a:headEnd/>
-            <a:tailEnd/>
-          </a:ln>
-        </p:spPr>
-        <p:txBody>
-          <a:bodyPr>
-            <a:prstTxWarp prst="textNoShape">
-              <a:avLst/>
-            </a:prstTxWarp>
-          </a:bodyPr>
-          <a:lstStyle/>
-          <a:p>
-            <a:pPr>
-              <a:buFont typeface="Arial" pitchFamily="34" charset="0"/>
-              <a:buChar char="•"/>
-            </a:pPr>
-            <a:r>
-              <a:rPr lang="nl-NL" sz="2200" i="0" dirty="0" smtClean="0">
-                <a:latin typeface="+mn-lt"/>
-                <a:ea typeface="Courier New" charset="0"/>
-                <a:cs typeface="Courier New" charset="0"/>
-              </a:rPr>
-              <a:t>AMI4CCM port part anymore of DDS4CCM</a:t>
-            </a:r>
-          </a:p>
-          <a:p>
-            <a:pPr>
-              <a:buFont typeface="Arial" pitchFamily="34" charset="0"/>
-              <a:buChar char="•"/>
-            </a:pPr>
-            <a:r>
-              <a:rPr lang="nl-NL" sz="2200" i="0" dirty="0" smtClean="0">
-                <a:latin typeface="+mn-lt"/>
-                <a:ea typeface="Courier New" charset="0"/>
-                <a:cs typeface="Courier New" charset="0"/>
-              </a:rPr>
-              <a:t>Standardization will take</a:t>
-            </a:r>
-          </a:p>
-          <a:p>
-            <a:pPr lvl="1">
-              <a:buFont typeface="Arial" pitchFamily="34" charset="0"/>
-              <a:buChar char="•"/>
-            </a:pPr>
-            <a:r>
-              <a:rPr lang="nl-NL" sz="2200" i="0" dirty="0" smtClean="0">
-                <a:latin typeface="+mn-lt"/>
-                <a:ea typeface="Courier New" charset="0"/>
-                <a:cs typeface="Courier New" charset="0"/>
-              </a:rPr>
-              <a:t>Request for Proposal (RFP)</a:t>
-            </a:r>
-          </a:p>
-          <a:p>
-            <a:pPr lvl="1">
-              <a:buFont typeface="Arial" pitchFamily="34" charset="0"/>
-              <a:buChar char="•"/>
-            </a:pPr>
-            <a:r>
-              <a:rPr lang="nl-NL" sz="2200" i="0" dirty="0" smtClean="0">
-                <a:latin typeface="+mn-lt"/>
-                <a:ea typeface="Courier New" charset="0"/>
-                <a:cs typeface="Courier New" charset="0"/>
-              </a:rPr>
-              <a:t>Respond to the proposal</a:t>
-            </a:r>
-          </a:p>
-          <a:p>
-            <a:pPr lvl="1">
-              <a:buFont typeface="Arial" pitchFamily="34" charset="0"/>
-              <a:buChar char="•"/>
-            </a:pPr>
-            <a:r>
-              <a:rPr lang="nl-NL" sz="2200" i="0" dirty="0" smtClean="0">
-                <a:latin typeface="+mn-lt"/>
-                <a:ea typeface="Courier New" charset="0"/>
-                <a:cs typeface="Courier New" charset="0"/>
-              </a:rPr>
-              <a:t>Agree on a beta 1 specification</a:t>
-            </a:r>
-          </a:p>
-          <a:p>
-            <a:pPr lvl="1">
-              <a:buFont typeface="Arial" pitchFamily="34" charset="0"/>
-              <a:buChar char="•"/>
-            </a:pPr>
-            <a:r>
-              <a:rPr lang="nl-NL" sz="2200" i="0" dirty="0" smtClean="0">
-                <a:latin typeface="+mn-lt"/>
-                <a:ea typeface="Courier New" charset="0"/>
-                <a:cs typeface="Courier New" charset="0"/>
-              </a:rPr>
-              <a:t>Finalization Task Force (FTF)</a:t>
-            </a:r>
-          </a:p>
-          <a:p>
-            <a:pPr>
-              <a:buFont typeface="Arial" pitchFamily="34" charset="0"/>
-              <a:buChar char="•"/>
-            </a:pPr>
-            <a:r>
-              <a:rPr lang="nl-NL" sz="2200" i="0" dirty="0" smtClean="0">
-                <a:latin typeface="+mn-lt"/>
-                <a:ea typeface="Courier New" charset="0"/>
-                <a:cs typeface="Courier New" charset="0"/>
-              </a:rPr>
-              <a:t>Time commitment</a:t>
-            </a:r>
-          </a:p>
-          <a:p>
-            <a:pPr lvl="1">
-              <a:buFont typeface="Arial" pitchFamily="34" charset="0"/>
-              <a:buChar char="•"/>
-            </a:pPr>
-            <a:r>
-              <a:rPr lang="nl-NL" sz="2200" i="0" dirty="0" smtClean="0">
-                <a:latin typeface="+mn-lt"/>
-                <a:ea typeface="Courier New" charset="0"/>
-                <a:cs typeface="Courier New" charset="0"/>
-              </a:rPr>
-              <a:t>4 visits to a OMG meeting, each one week</a:t>
-            </a:r>
-          </a:p>
-          <a:p>
-            <a:pPr lvl="1">
-              <a:buFont typeface="Arial" pitchFamily="34" charset="0"/>
-              <a:buChar char="•"/>
-            </a:pPr>
-            <a:r>
-              <a:rPr lang="nl-NL" sz="2200" i="0" dirty="0" smtClean="0">
-                <a:latin typeface="+mn-lt"/>
-                <a:ea typeface="Courier New" charset="0"/>
-                <a:cs typeface="Courier New" charset="0"/>
-              </a:rPr>
-              <a:t>Around 2 weeks of work for each meeting</a:t>
-            </a:r>
-          </a:p>
-          <a:p>
-            <a:pPr lvl="1">
-              <a:buFont typeface="Arial" pitchFamily="34" charset="0"/>
-              <a:buChar char="•"/>
-            </a:pPr>
-            <a:endParaRPr lang="nl-NL" sz="2200" i="0" dirty="0" smtClean="0">
-              <a:latin typeface="+mn-lt"/>
-              <a:ea typeface="Courier New" charset="0"/>
-              <a:cs typeface="Courier New" charset="0"/>
-            </a:endParaRPr>
-          </a:p>
-          <a:p>
-            <a:pPr lvl="1">
-              <a:buFont typeface="Arial" pitchFamily="34" charset="0"/>
-              <a:buChar char="•"/>
-            </a:pPr>
-            <a:endParaRPr lang="nl-NL" sz="2200" i="0" dirty="0" smtClean="0">
-              <a:latin typeface="+mn-lt"/>
-              <a:ea typeface="Courier New" charset="0"/>
-              <a:cs typeface="Courier New" charset="0"/>
-            </a:endParaRPr>
-          </a:p>
-          <a:p>
-            <a:pPr>
-              <a:buFont typeface="Arial" pitchFamily="34" charset="0"/>
-              <a:buChar char="•"/>
-            </a:pPr>
-            <a:endParaRPr lang="nl-NL" sz="2200" i="0" dirty="0">
-              <a:latin typeface="+mn-lt"/>
-              <a:ea typeface="Courier New" charset="0"/>
-              <a:cs typeface="Courier New" charset="0"/>
-            </a:endParaRPr>
-          </a:p>
-          <a:p>
-            <a:r>
-              <a:rPr lang="nl-NL" sz="2200" i="0" dirty="0">
-                <a:latin typeface="+mn-lt"/>
-                <a:ea typeface="Courier New" charset="0"/>
-                <a:cs typeface="Courier New" charset="0"/>
-              </a:rPr>
-              <a:t/>
-            </a:r>
-            <a:br>
-              <a:rPr lang="nl-NL" sz="2200" i="0" dirty="0">
-                <a:latin typeface="+mn-lt"/>
-                <a:ea typeface="Courier New" charset="0"/>
-                <a:cs typeface="Courier New" charset="0"/>
-              </a:rPr>
-            </a:br>
-            <a:endParaRPr lang="nl-NL" sz="2200" i="0" dirty="0">
-              <a:latin typeface="+mn-lt"/>
-              <a:ea typeface="Courier New" charset="0"/>
-              <a:cs typeface="Courier New" charset="0"/>
-            </a:endParaRPr>
-          </a:p>
-        </p:txBody>
-      </p:sp>
-    </p:spTree>
-  </p:cSld>
-  <p:clrMapOvr>
-    <a:masterClrMapping/>
-  </p:clrMapOvr>
-  <p:timing>
-    <p:tnLst>
-      <p:par>
-        <p:cTn id="1" dur="indefinite" restart="never" nodeType="tmRoot"/>
-      </p:par>
-    </p:tnLst>
-  </p:timing>
-</p:sld>
-</file>
-
-<file path=ppt/slides/slide51.xml><?xml version="1.0" encoding="utf-8"?>
 <p:sld xmlns:a="http://schemas.openxmlformats.org/drawingml/2006/main" xmlns:r="http://schemas.openxmlformats.org/officeDocument/2006/relationships" xmlns:p="http://schemas.openxmlformats.org/presentationml/2006/main">
   <p:cSld>
     <p:spTree>

--- a/modules/CIAO/docs/Connectors.pptx
+++ b/modules/CIAO/docs/Connectors.pptx
@@ -25584,8 +25584,8 @@
         </p:nvSpPr>
         <p:spPr bwMode="auto">
           <a:xfrm>
-            <a:off x="381000" y="1184223"/>
-            <a:ext cx="8763000" cy="5035601"/>
+            <a:off x="1377843" y="1139253"/>
+            <a:ext cx="5847415" cy="1446551"/>
           </a:xfrm>
           <a:prstGeom prst="rect">
             <a:avLst/>
@@ -25679,7 +25679,46 @@
                 <a:ea typeface="Courier New" charset="0"/>
                 <a:cs typeface="Courier New" charset="0"/>
               </a:rPr>
-              <a:t> (in string </a:t>
+              <a:t> </a:t>
+            </a:r>
+            <a:r>
+              <a:rPr lang="en-US" sz="1400" i="0" dirty="0" smtClean="0">
+                <a:latin typeface="Courier New" charset="0"/>
+                <a:ea typeface="Courier New" charset="0"/>
+                <a:cs typeface="Courier New" charset="0"/>
+              </a:rPr>
+              <a:t>(</a:t>
+            </a:r>
+          </a:p>
+          <a:p>
+            <a:pPr>
+              <a:spcBef>
+                <a:spcPts val="0"/>
+              </a:spcBef>
+            </a:pPr>
+            <a:r>
+              <a:rPr lang="en-US" sz="1400" i="0" dirty="0" smtClean="0">
+                <a:latin typeface="Courier New" charset="0"/>
+                <a:ea typeface="Courier New" charset="0"/>
+                <a:cs typeface="Courier New" charset="0"/>
+              </a:rPr>
+              <a:t> </a:t>
+            </a:r>
+            <a:r>
+              <a:rPr lang="en-US" sz="1400" i="0" dirty="0" smtClean="0">
+                <a:latin typeface="Courier New" charset="0"/>
+                <a:ea typeface="Courier New" charset="0"/>
+                <a:cs typeface="Courier New" charset="0"/>
+              </a:rPr>
+              <a:t>   in </a:t>
+            </a:r>
+            <a:r>
+              <a:rPr lang="en-US" sz="1400" i="0" dirty="0" smtClean="0">
+                <a:latin typeface="Courier New" charset="0"/>
+                <a:ea typeface="Courier New" charset="0"/>
+                <a:cs typeface="Courier New" charset="0"/>
+              </a:rPr>
+              <a:t>string </a:t>
             </a:r>
             <a:r>
               <a:rPr lang="en-US" sz="1400" i="0" dirty="0" err="1" smtClean="0">
@@ -25756,6 +25795,39 @@
               <a:cs typeface="Courier New" charset="0"/>
             </a:endParaRPr>
           </a:p>
+        </p:txBody>
+      </p:sp>
+      <p:sp>
+        <p:nvSpPr>
+          <p:cNvPr id="7" name="Rectangle 4"/>
+          <p:cNvSpPr>
+            <a:spLocks noChangeArrowheads="1"/>
+          </p:cNvSpPr>
+          <p:nvPr/>
+        </p:nvSpPr>
+        <p:spPr bwMode="auto">
+          <a:xfrm>
+            <a:off x="405984" y="2788171"/>
+            <a:ext cx="3701322" cy="3381687"/>
+          </a:xfrm>
+          <a:prstGeom prst="rect">
+            <a:avLst/>
+          </a:prstGeom>
+          <a:noFill/>
+          <a:ln w="9525">
+            <a:noFill/>
+            <a:miter lim="800000"/>
+            <a:headEnd/>
+            <a:tailEnd/>
+          </a:ln>
+        </p:spPr>
+        <p:txBody>
+          <a:bodyPr>
+            <a:prstTxWarp prst="textNoShape">
+              <a:avLst/>
+            </a:prstTxWarp>
+          </a:bodyPr>
+          <a:lstStyle/>
           <a:p>
             <a:pPr>
               <a:spcBef>
@@ -25763,12 +25835,20 @@
               </a:spcBef>
             </a:pPr>
             <a:r>
+              <a:rPr lang="en-US" sz="1400" i="0" dirty="0" smtClean="0">
+                <a:latin typeface="Courier New" charset="0"/>
+                <a:ea typeface="Courier New" charset="0"/>
+                <a:cs typeface="Courier New" charset="0"/>
+              </a:rPr>
+              <a:t>// </a:t>
+            </a:r>
+            <a:r>
               <a:rPr lang="en-US" sz="1400" i="0" dirty="0">
                 <a:latin typeface="Courier New" charset="0"/>
                 <a:ea typeface="Courier New" charset="0"/>
                 <a:cs typeface="Courier New" charset="0"/>
               </a:rPr>
-              <a:t>// Implied IDL</a:t>
+              <a:t>Implied IDL</a:t>
             </a:r>
           </a:p>
           <a:p>
@@ -25847,7 +25927,15 @@
                 <a:ea typeface="Courier New" charset="0"/>
                 <a:cs typeface="Courier New" charset="0"/>
               </a:rPr>
-              <a:t> (in long result, in string answer);</a:t>
+              <a:t> </a:t>
+            </a:r>
+            <a:r>
+              <a:rPr lang="en-US" sz="1400" i="0" dirty="0" smtClean="0">
+                <a:latin typeface="Courier New" charset="0"/>
+                <a:ea typeface="Courier New" charset="0"/>
+                <a:cs typeface="Courier New" charset="0"/>
+              </a:rPr>
+              <a:t>(</a:t>
             </a:r>
           </a:p>
           <a:p>
@@ -25857,11 +25945,94 @@
               </a:spcBef>
             </a:pPr>
             <a:r>
+              <a:rPr lang="en-US" sz="1400" i="0" dirty="0" smtClean="0">
+                <a:latin typeface="Courier New" charset="0"/>
+                <a:ea typeface="Courier New" charset="0"/>
+                <a:cs typeface="Courier New" charset="0"/>
+              </a:rPr>
+              <a:t> </a:t>
+            </a:r>
+            <a:r>
+              <a:rPr lang="en-US" sz="1400" i="0" dirty="0" smtClean="0">
+                <a:latin typeface="Courier New" charset="0"/>
+                <a:ea typeface="Courier New" charset="0"/>
+                <a:cs typeface="Courier New" charset="0"/>
+              </a:rPr>
+              <a:t>   </a:t>
+            </a:r>
+            <a:r>
+              <a:rPr lang="en-US" sz="1400" i="0" dirty="0" smtClean="0">
+                <a:latin typeface="Courier New" charset="0"/>
+                <a:ea typeface="Courier New" charset="0"/>
+                <a:cs typeface="Courier New" charset="0"/>
+              </a:rPr>
+              <a:t>in </a:t>
+            </a:r>
+            <a:r>
               <a:rPr lang="en-US" sz="1400" i="0" dirty="0">
                 <a:latin typeface="Courier New" charset="0"/>
                 <a:ea typeface="Courier New" charset="0"/>
                 <a:cs typeface="Courier New" charset="0"/>
               </a:rPr>
+              <a:t>long result, </a:t>
+            </a:r>
+            <a:endParaRPr lang="en-US" sz="1400" i="0" dirty="0" smtClean="0">
+              <a:latin typeface="Courier New" charset="0"/>
+              <a:ea typeface="Courier New" charset="0"/>
+              <a:cs typeface="Courier New" charset="0"/>
+            </a:endParaRPr>
+          </a:p>
+          <a:p>
+            <a:pPr>
+              <a:spcBef>
+                <a:spcPts val="0"/>
+              </a:spcBef>
+            </a:pPr>
+            <a:r>
+              <a:rPr lang="en-US" sz="1400" i="0" dirty="0" smtClean="0">
+                <a:latin typeface="Courier New" charset="0"/>
+                <a:ea typeface="Courier New" charset="0"/>
+                <a:cs typeface="Courier New" charset="0"/>
+              </a:rPr>
+              <a:t> </a:t>
+            </a:r>
+            <a:r>
+              <a:rPr lang="en-US" sz="1400" i="0" dirty="0" smtClean="0">
+                <a:latin typeface="Courier New" charset="0"/>
+                <a:ea typeface="Courier New" charset="0"/>
+                <a:cs typeface="Courier New" charset="0"/>
+              </a:rPr>
+              <a:t>   </a:t>
+            </a:r>
+            <a:r>
+              <a:rPr lang="en-US" sz="1400" i="0" dirty="0" smtClean="0">
+                <a:latin typeface="Courier New" charset="0"/>
+                <a:ea typeface="Courier New" charset="0"/>
+                <a:cs typeface="Courier New" charset="0"/>
+              </a:rPr>
+              <a:t>in </a:t>
+            </a:r>
+            <a:r>
+              <a:rPr lang="en-US" sz="1400" i="0" dirty="0">
+                <a:latin typeface="Courier New" charset="0"/>
+                <a:ea typeface="Courier New" charset="0"/>
+                <a:cs typeface="Courier New" charset="0"/>
+              </a:rPr>
+              <a:t>string answer);</a:t>
+            </a:r>
+          </a:p>
+          <a:p>
+            <a:pPr>
+              <a:spcBef>
+                <a:spcPts val="0"/>
+              </a:spcBef>
+            </a:pPr>
+            <a:r>
+              <a:rPr lang="en-US" sz="1400" i="0" dirty="0">
+                <a:latin typeface="Courier New" charset="0"/>
+                <a:ea typeface="Courier New" charset="0"/>
+                <a:cs typeface="Courier New" charset="0"/>
+              </a:rPr>
               <a:t>  void </a:t>
             </a:r>
             <a:r>
@@ -25878,7 +26049,46 @@
                 <a:ea typeface="Courier New" charset="0"/>
                 <a:cs typeface="Courier New" charset="0"/>
               </a:rPr>
-              <a:t> (in </a:t>
+              <a:t> </a:t>
+            </a:r>
+            <a:r>
+              <a:rPr lang="en-US" sz="1400" i="0" dirty="0" smtClean="0">
+                <a:latin typeface="Courier New" charset="0"/>
+                <a:ea typeface="Courier New" charset="0"/>
+                <a:cs typeface="Courier New" charset="0"/>
+              </a:rPr>
+              <a:t>(</a:t>
+            </a:r>
+          </a:p>
+          <a:p>
+            <a:pPr>
+              <a:spcBef>
+                <a:spcPts val="0"/>
+              </a:spcBef>
+            </a:pPr>
+            <a:r>
+              <a:rPr lang="en-US" sz="1400" i="0" dirty="0" smtClean="0">
+                <a:latin typeface="Courier New" charset="0"/>
+                <a:ea typeface="Courier New" charset="0"/>
+                <a:cs typeface="Courier New" charset="0"/>
+              </a:rPr>
+              <a:t> </a:t>
+            </a:r>
+            <a:r>
+              <a:rPr lang="en-US" sz="1400" i="0" dirty="0" smtClean="0">
+                <a:latin typeface="Courier New" charset="0"/>
+                <a:ea typeface="Courier New" charset="0"/>
+                <a:cs typeface="Courier New" charset="0"/>
+              </a:rPr>
+              <a:t>   </a:t>
+            </a:r>
+            <a:r>
+              <a:rPr lang="en-US" sz="1400" i="0" dirty="0" smtClean="0">
+                <a:latin typeface="Courier New" charset="0"/>
+                <a:ea typeface="Courier New" charset="0"/>
+                <a:cs typeface="Courier New" charset="0"/>
+              </a:rPr>
+              <a:t>in </a:t>
             </a:r>
             <a:r>
               <a:rPr lang="en-US" sz="1400" i="0" dirty="0" err="1">
@@ -25896,8 +26106,36 @@
               </a:rPr>
               <a:t> </a:t>
             </a:r>
-            <a:r>
-              <a:rPr lang="en-US" sz="1400" i="0" dirty="0" err="1">
+            <a:endParaRPr lang="en-US" sz="1400" i="0" dirty="0" smtClean="0">
+              <a:latin typeface="Courier New" charset="0"/>
+              <a:ea typeface="Courier New" charset="0"/>
+              <a:cs typeface="Courier New" charset="0"/>
+            </a:endParaRPr>
+          </a:p>
+          <a:p>
+            <a:pPr>
+              <a:spcBef>
+                <a:spcPts val="0"/>
+              </a:spcBef>
+            </a:pPr>
+            <a:r>
+              <a:rPr lang="en-US" sz="1400" i="0" dirty="0" smtClean="0">
+                <a:latin typeface="Courier New" charset="0"/>
+                <a:ea typeface="Courier New" charset="0"/>
+                <a:cs typeface="Courier New" charset="0"/>
+              </a:rPr>
+              <a:t> </a:t>
+            </a:r>
+            <a:r>
+              <a:rPr lang="en-US" sz="1400" i="0" dirty="0" smtClean="0">
+                <a:latin typeface="Courier New" charset="0"/>
+                <a:ea typeface="Courier New" charset="0"/>
+                <a:cs typeface="Courier New" charset="0"/>
+              </a:rPr>
+              <a:t>     </a:t>
+            </a:r>
+            <a:r>
+              <a:rPr lang="en-US" sz="1400" i="0" dirty="0" err="1" smtClean="0">
                 <a:latin typeface="Courier New" charset="0"/>
                 <a:ea typeface="Courier New" charset="0"/>
                 <a:cs typeface="Courier New" charset="0"/>
@@ -25920,50 +26158,12 @@
               </a:spcBef>
             </a:pPr>
             <a:r>
-              <a:rPr lang="en-US" sz="1400" i="0" dirty="0">
+              <a:rPr lang="en-US" sz="1400" i="0" dirty="0" smtClean="0">
                 <a:latin typeface="Courier New" charset="0"/>
                 <a:ea typeface="Courier New" charset="0"/>
                 <a:cs typeface="Courier New" charset="0"/>
               </a:rPr>
               <a:t>};</a:t>
-            </a:r>
-          </a:p>
-          <a:p>
-            <a:pPr>
-              <a:spcBef>
-                <a:spcPts val="0"/>
-              </a:spcBef>
-            </a:pPr>
-            <a:r>
-              <a:rPr lang="en-US" sz="1400" i="0" dirty="0">
-                <a:latin typeface="Courier New" charset="0"/>
-                <a:ea typeface="Courier New" charset="0"/>
-                <a:cs typeface="Courier New" charset="0"/>
-              </a:rPr>
-              <a:t/>
-            </a:r>
-            <a:br>
-              <a:rPr lang="en-US" sz="1400" i="0" dirty="0">
-                <a:latin typeface="Courier New" charset="0"/>
-                <a:ea typeface="Courier New" charset="0"/>
-                <a:cs typeface="Courier New" charset="0"/>
-              </a:rPr>
-            </a:br>
-            <a:r>
-              <a:rPr lang="en-US" sz="1400" i="0" dirty="0">
-                <a:latin typeface="Courier New" charset="0"/>
-                <a:ea typeface="Courier New" charset="0"/>
-                <a:cs typeface="Courier New" charset="0"/>
-              </a:rPr>
-              <a:t>interface </a:t>
-            </a:r>
-            <a:r>
-              <a:rPr lang="en-US" sz="1400" i="0" dirty="0" err="1">
-                <a:latin typeface="Courier New" charset="0"/>
-                <a:ea typeface="Courier New" charset="0"/>
-                <a:cs typeface="Courier New" charset="0"/>
-              </a:rPr>
-              <a:t>AMI_MyFoo</a:t>
             </a:r>
             <a:endParaRPr lang="en-US" sz="1400" i="0" dirty="0">
               <a:latin typeface="Courier New" charset="0"/>
@@ -25971,6 +26171,39 @@
               <a:cs typeface="Courier New" charset="0"/>
             </a:endParaRPr>
           </a:p>
+        </p:txBody>
+      </p:sp>
+      <p:sp>
+        <p:nvSpPr>
+          <p:cNvPr id="8" name="Rectangle 4"/>
+          <p:cNvSpPr>
+            <a:spLocks noChangeArrowheads="1"/>
+          </p:cNvSpPr>
+          <p:nvPr/>
+        </p:nvSpPr>
+        <p:spPr bwMode="auto">
+          <a:xfrm>
+            <a:off x="4718154" y="2723214"/>
+            <a:ext cx="4425846" cy="3381687"/>
+          </a:xfrm>
+          <a:prstGeom prst="rect">
+            <a:avLst/>
+          </a:prstGeom>
+          <a:noFill/>
+          <a:ln w="9525">
+            <a:noFill/>
+            <a:miter lim="800000"/>
+            <a:headEnd/>
+            <a:tailEnd/>
+          </a:ln>
+        </p:spPr>
+        <p:txBody>
+          <a:bodyPr>
+            <a:prstTxWarp prst="textNoShape">
+              <a:avLst/>
+            </a:prstTxWarp>
+          </a:bodyPr>
+          <a:lstStyle/>
           <a:p>
             <a:pPr>
               <a:spcBef>
@@ -25983,6 +26216,49 @@
                 <a:ea typeface="Courier New" charset="0"/>
                 <a:cs typeface="Courier New" charset="0"/>
               </a:rPr>
+              <a:t/>
+            </a:r>
+            <a:br>
+              <a:rPr lang="en-US" sz="1400" i="0" dirty="0">
+                <a:latin typeface="Courier New" charset="0"/>
+                <a:ea typeface="Courier New" charset="0"/>
+                <a:cs typeface="Courier New" charset="0"/>
+              </a:rPr>
+            </a:br>
+            <a:r>
+              <a:rPr lang="en-US" sz="1400" i="0" dirty="0">
+                <a:latin typeface="Courier New" charset="0"/>
+                <a:ea typeface="Courier New" charset="0"/>
+                <a:cs typeface="Courier New" charset="0"/>
+              </a:rPr>
+              <a:t>interface </a:t>
+            </a:r>
+            <a:r>
+              <a:rPr lang="en-US" sz="1400" i="0" dirty="0" err="1">
+                <a:latin typeface="Courier New" charset="0"/>
+                <a:ea typeface="Courier New" charset="0"/>
+                <a:cs typeface="Courier New" charset="0"/>
+              </a:rPr>
+              <a:t>AMI_MyFoo</a:t>
+            </a:r>
+            <a:endParaRPr lang="en-US" sz="1400" i="0" dirty="0">
+              <a:latin typeface="Courier New" charset="0"/>
+              <a:ea typeface="Courier New" charset="0"/>
+              <a:cs typeface="Courier New" charset="0"/>
+            </a:endParaRPr>
+          </a:p>
+          <a:p>
+            <a:pPr>
+              <a:spcBef>
+                <a:spcPts val="0"/>
+              </a:spcBef>
+            </a:pPr>
+            <a:r>
+              <a:rPr lang="en-US" sz="1400" i="0" dirty="0">
+                <a:latin typeface="Courier New" charset="0"/>
+                <a:ea typeface="Courier New" charset="0"/>
+                <a:cs typeface="Courier New" charset="0"/>
+              </a:rPr>
               <a:t>{</a:t>
             </a:r>
           </a:p>
@@ -26014,7 +26290,46 @@
                 <a:ea typeface="Courier New" charset="0"/>
                 <a:cs typeface="Courier New" charset="0"/>
               </a:rPr>
-              <a:t> (in </a:t>
+              <a:t> </a:t>
+            </a:r>
+            <a:r>
+              <a:rPr lang="en-US" sz="1400" i="0" dirty="0" smtClean="0">
+                <a:latin typeface="Courier New" charset="0"/>
+                <a:ea typeface="Courier New" charset="0"/>
+                <a:cs typeface="Courier New" charset="0"/>
+              </a:rPr>
+              <a:t>(</a:t>
+            </a:r>
+          </a:p>
+          <a:p>
+            <a:pPr>
+              <a:spcBef>
+                <a:spcPts val="0"/>
+              </a:spcBef>
+            </a:pPr>
+            <a:r>
+              <a:rPr lang="en-US" sz="1400" i="0" dirty="0" smtClean="0">
+                <a:latin typeface="Courier New" charset="0"/>
+                <a:ea typeface="Courier New" charset="0"/>
+                <a:cs typeface="Courier New" charset="0"/>
+              </a:rPr>
+              <a:t> </a:t>
+            </a:r>
+            <a:r>
+              <a:rPr lang="en-US" sz="1400" i="0" dirty="0" smtClean="0">
+                <a:latin typeface="Courier New" charset="0"/>
+                <a:ea typeface="Courier New" charset="0"/>
+                <a:cs typeface="Courier New" charset="0"/>
+              </a:rPr>
+              <a:t>   </a:t>
+            </a:r>
+            <a:r>
+              <a:rPr lang="en-US" sz="1400" i="0" dirty="0" smtClean="0">
+                <a:latin typeface="Courier New" charset="0"/>
+                <a:ea typeface="Courier New" charset="0"/>
+                <a:cs typeface="Courier New" charset="0"/>
+              </a:rPr>
+              <a:t>in </a:t>
             </a:r>
             <a:r>
               <a:rPr lang="en-US" sz="1400" i="0" dirty="0" err="1">
@@ -26041,12 +26356,51 @@
               <a:t>cb_handler</a:t>
             </a:r>
             <a:r>
+              <a:rPr lang="en-US" sz="1400" i="0" dirty="0" smtClean="0">
+                <a:latin typeface="Courier New" charset="0"/>
+                <a:ea typeface="Courier New" charset="0"/>
+                <a:cs typeface="Courier New" charset="0"/>
+              </a:rPr>
+              <a:t>,</a:t>
+            </a:r>
+          </a:p>
+          <a:p>
+            <a:pPr>
+              <a:spcBef>
+                <a:spcPts val="0"/>
+              </a:spcBef>
+            </a:pPr>
+            <a:r>
+              <a:rPr lang="en-US" sz="1400" i="0" dirty="0" smtClean="0">
+                <a:latin typeface="Courier New" charset="0"/>
+                <a:ea typeface="Courier New" charset="0"/>
+                <a:cs typeface="Courier New" charset="0"/>
+              </a:rPr>
+              <a:t> </a:t>
+            </a:r>
+            <a:r>
+              <a:rPr lang="en-US" sz="1400" i="0" dirty="0" smtClean="0">
+                <a:latin typeface="Courier New" charset="0"/>
+                <a:ea typeface="Courier New" charset="0"/>
+                <a:cs typeface="Courier New" charset="0"/>
+              </a:rPr>
+              <a:t>  </a:t>
+            </a:r>
+            <a:r>
+              <a:rPr lang="en-US" sz="1400" i="0" dirty="0" smtClean="0">
+                <a:latin typeface="Courier New" charset="0"/>
+                <a:ea typeface="Courier New" charset="0"/>
+                <a:cs typeface="Courier New" charset="0"/>
+              </a:rPr>
+              <a:t> </a:t>
+            </a:r>
+            <a:r>
               <a:rPr lang="en-US" sz="1400" i="0" dirty="0">
                 <a:latin typeface="Courier New" charset="0"/>
                 <a:ea typeface="Courier New" charset="0"/>
                 <a:cs typeface="Courier New" charset="0"/>
               </a:rPr>
-              <a:t>, in string </a:t>
+              <a:t>in string </a:t>
             </a:r>
             <a:r>
               <a:rPr lang="en-US" sz="1400" i="0" dirty="0" err="1">

--- a/modules/CIAO/docs/Connectors.pptx
+++ b/modules/CIAO/docs/Connectors.pptx
@@ -13568,60 +13568,337 @@
               <a:buChar char="•"/>
             </a:pPr>
             <a:r>
-              <a:rPr lang="nl-NL" altLang="zh-CN" sz="2000" i="0" dirty="0" err="1">
+              <a:rPr lang="en-US" altLang="zh-CN" sz="2000" i="0" dirty="0" smtClean="0">
                 <a:ea typeface="宋体" pitchFamily="-65" charset="-128"/>
                 <a:cs typeface="Times New Roman" charset="0"/>
               </a:rPr>
-              <a:t>Fixed</a:t>
-            </a:r>
-            <a:r>
-              <a:rPr lang="nl-NL" altLang="zh-CN" sz="2000" i="0" dirty="0">
+              <a:t>Fixed and parameterized connectors are possible</a:t>
+            </a:r>
+          </a:p>
+          <a:p>
+            <a:pPr marL="169863" indent="-169863">
+              <a:spcBef>
+                <a:spcPct val="40000"/>
+              </a:spcBef>
+              <a:buFontTx/>
+              <a:buChar char="•"/>
+            </a:pPr>
+            <a:r>
+              <a:rPr lang="en-US" altLang="zh-CN" sz="2000" i="0" dirty="0" smtClean="0">
                 <a:ea typeface="宋体" pitchFamily="-65" charset="-128"/>
                 <a:cs typeface="Times New Roman" charset="0"/>
               </a:rPr>
-              <a:t> and </a:t>
-            </a:r>
-            <a:r>
-              <a:rPr lang="nl-NL" altLang="zh-CN" sz="2000" i="0" dirty="0" err="1">
-                <a:ea typeface="宋体" pitchFamily="-65" charset="-128"/>
-                <a:cs typeface="Times New Roman" charset="0"/>
-              </a:rPr>
-              <a:t>parameterized</a:t>
-            </a:r>
-            <a:r>
-              <a:rPr lang="nl-NL" altLang="zh-CN" sz="2000" i="0" dirty="0">
-                <a:ea typeface="宋体" pitchFamily="-65" charset="-128"/>
-                <a:cs typeface="Times New Roman" charset="0"/>
-              </a:rPr>
-              <a:t> </a:t>
-            </a:r>
-            <a:r>
-              <a:rPr lang="nl-NL" altLang="zh-CN" sz="2000" i="0" dirty="0" err="1">
-                <a:ea typeface="宋体" pitchFamily="-65" charset="-128"/>
-                <a:cs typeface="Times New Roman" charset="0"/>
-              </a:rPr>
-              <a:t>connectors</a:t>
-            </a:r>
-            <a:r>
-              <a:rPr lang="nl-NL" altLang="zh-CN" sz="2000" i="0" dirty="0">
-                <a:ea typeface="宋体" pitchFamily="-65" charset="-128"/>
-                <a:cs typeface="Times New Roman" charset="0"/>
-              </a:rPr>
-              <a:t> are </a:t>
-            </a:r>
-            <a:r>
-              <a:rPr lang="nl-NL" altLang="zh-CN" sz="2000" i="0" dirty="0" err="1">
-                <a:ea typeface="宋体" pitchFamily="-65" charset="-128"/>
-                <a:cs typeface="Times New Roman" charset="0"/>
-              </a:rPr>
-              <a:t>possible</a:t>
-            </a:r>
-            <a:endParaRPr lang="nl-NL" altLang="zh-CN" sz="2000" i="0" dirty="0">
+              <a:t>Connectors support ports, attributes, and inheritance</a:t>
+            </a:r>
+          </a:p>
+          <a:p>
+            <a:pPr marL="169863" indent="-169863">
+              <a:spcBef>
+                <a:spcPct val="40000"/>
+              </a:spcBef>
+              <a:buFontTx/>
+              <a:buChar char="•"/>
+            </a:pPr>
+            <a:endParaRPr lang="en-US" altLang="zh-CN" sz="2000" i="0" dirty="0" smtClean="0">
               <a:ea typeface="宋体" pitchFamily="-65" charset="-128"/>
               <a:cs typeface="Times New Roman" charset="0"/>
             </a:endParaRPr>
           </a:p>
           <a:p>
+            <a:pPr marL="169863" indent="-169863"/>
+            <a:r>
+              <a:rPr lang="en-US" sz="1600" b="1" i="0" dirty="0" smtClean="0">
+                <a:latin typeface="Courier New" charset="0"/>
+                <a:ea typeface="Courier New" charset="0"/>
+                <a:cs typeface="Courier New" charset="0"/>
+              </a:rPr>
+              <a:t>connector</a:t>
+            </a:r>
+            <a:r>
+              <a:rPr lang="en-US" sz="1600" i="0" dirty="0" smtClean="0">
+                <a:latin typeface="Courier New" charset="0"/>
+                <a:ea typeface="Courier New" charset="0"/>
+                <a:cs typeface="Courier New" charset="0"/>
+              </a:rPr>
+              <a:t> </a:t>
+            </a:r>
+            <a:r>
+              <a:rPr lang="en-US" sz="1600" i="0" dirty="0" err="1" smtClean="0">
+                <a:latin typeface="Courier New" charset="0"/>
+                <a:ea typeface="Courier New" charset="0"/>
+                <a:cs typeface="Courier New" charset="0"/>
+              </a:rPr>
+              <a:t>Cnx</a:t>
+            </a:r>
+            <a:r>
+              <a:rPr lang="en-US" sz="1600" i="0" dirty="0" smtClean="0">
+                <a:latin typeface="Courier New" charset="0"/>
+                <a:ea typeface="Courier New" charset="0"/>
+                <a:cs typeface="Courier New" charset="0"/>
+              </a:rPr>
+              <a:t> {</a:t>
+            </a:r>
+          </a:p>
+          <a:p>
+            <a:pPr marL="169863" indent="-169863"/>
+            <a:r>
+              <a:rPr lang="en-US" sz="1600" i="0" dirty="0" smtClean="0">
+                <a:latin typeface="Courier New" charset="0"/>
+                <a:ea typeface="Courier New" charset="0"/>
+                <a:cs typeface="Courier New" charset="0"/>
+              </a:rPr>
+              <a:t>  </a:t>
+            </a:r>
+            <a:r>
+              <a:rPr lang="en-US" sz="1600" b="1" i="0" dirty="0" err="1" smtClean="0">
+                <a:latin typeface="Courier New" charset="0"/>
+                <a:ea typeface="Courier New" charset="0"/>
+                <a:cs typeface="Courier New" charset="0"/>
+              </a:rPr>
+              <a:t>mirrorport</a:t>
+            </a:r>
+            <a:r>
+              <a:rPr lang="en-US" sz="1600" i="0" dirty="0" smtClean="0">
+                <a:latin typeface="Courier New" charset="0"/>
+                <a:ea typeface="Courier New" charset="0"/>
+                <a:cs typeface="Courier New" charset="0"/>
+              </a:rPr>
+              <a:t> </a:t>
+            </a:r>
+            <a:r>
+              <a:rPr lang="en-US" sz="1600" i="0" dirty="0" err="1" smtClean="0">
+                <a:latin typeface="Courier New" charset="0"/>
+                <a:ea typeface="Courier New" charset="0"/>
+                <a:cs typeface="Courier New" charset="0"/>
+              </a:rPr>
+              <a:t>Data_ControlledConsumer</a:t>
+            </a:r>
+            <a:r>
+              <a:rPr lang="en-US" sz="1600" i="0" dirty="0" smtClean="0">
+                <a:latin typeface="Courier New" charset="0"/>
+                <a:ea typeface="Courier New" charset="0"/>
+                <a:cs typeface="Courier New" charset="0"/>
+              </a:rPr>
+              <a:t> cc;</a:t>
+            </a:r>
+          </a:p>
+          <a:p>
+            <a:pPr marL="169863" indent="-169863"/>
+            <a:r>
+              <a:rPr lang="en-US" sz="1600" i="0" dirty="0" smtClean="0">
+                <a:latin typeface="Courier New" charset="0"/>
+                <a:ea typeface="Courier New" charset="0"/>
+                <a:cs typeface="Courier New" charset="0"/>
+              </a:rPr>
+              <a:t>  provides </a:t>
+            </a:r>
+            <a:r>
+              <a:rPr lang="en-US" sz="1600" i="0" dirty="0" err="1" smtClean="0">
+                <a:latin typeface="Courier New" charset="0"/>
+                <a:ea typeface="Courier New" charset="0"/>
+                <a:cs typeface="Courier New" charset="0"/>
+              </a:rPr>
+              <a:t>Data_Pusher</a:t>
+            </a:r>
+            <a:r>
+              <a:rPr lang="en-US" sz="1600" i="0" dirty="0" smtClean="0">
+                <a:latin typeface="Courier New" charset="0"/>
+                <a:ea typeface="Courier New" charset="0"/>
+                <a:cs typeface="Courier New" charset="0"/>
+              </a:rPr>
+              <a:t> p;</a:t>
+            </a:r>
+          </a:p>
+          <a:p>
+            <a:pPr marL="169863" indent="-169863"/>
+            <a:r>
+              <a:rPr lang="en-US" sz="1600" i="0" dirty="0" smtClean="0">
+                <a:latin typeface="Courier New" charset="0"/>
+                <a:ea typeface="Courier New" charset="0"/>
+                <a:cs typeface="Courier New" charset="0"/>
+              </a:rPr>
+              <a:t>  attribute string configuration;</a:t>
+            </a:r>
+          </a:p>
+          <a:p>
+            <a:pPr marL="169863" indent="-169863"/>
+            <a:r>
+              <a:rPr lang="en-US" sz="1600" i="0" dirty="0" smtClean="0">
+                <a:latin typeface="Courier New" charset="0"/>
+                <a:ea typeface="Courier New" charset="0"/>
+                <a:cs typeface="Courier New" charset="0"/>
+              </a:rPr>
+              <a:t>};</a:t>
+            </a:r>
+          </a:p>
+          <a:p>
+            <a:pPr marL="169863" indent="-169863"/>
+            <a:r>
+              <a:rPr lang="en-US" sz="1600" b="1" i="0" dirty="0" smtClean="0">
+                <a:latin typeface="Courier New" charset="0"/>
+                <a:ea typeface="Courier New" charset="0"/>
+                <a:cs typeface="Courier New" charset="0"/>
+              </a:rPr>
+              <a:t>connector</a:t>
+            </a:r>
+            <a:r>
+              <a:rPr lang="en-US" sz="1600" i="0" dirty="0" smtClean="0">
+                <a:latin typeface="Courier New" charset="0"/>
+                <a:ea typeface="Courier New" charset="0"/>
+                <a:cs typeface="Courier New" charset="0"/>
+              </a:rPr>
+              <a:t> </a:t>
+            </a:r>
+            <a:r>
+              <a:rPr lang="en-US" sz="1600" i="0" dirty="0" err="1" smtClean="0">
+                <a:latin typeface="Courier New" charset="0"/>
+                <a:ea typeface="Courier New" charset="0"/>
+                <a:cs typeface="Courier New" charset="0"/>
+              </a:rPr>
+              <a:t>Cnx</a:t>
+            </a:r>
+            <a:r>
+              <a:rPr lang="en-US" sz="1600" i="0" dirty="0" smtClean="0">
+                <a:latin typeface="Courier New" charset="0"/>
+                <a:ea typeface="Courier New" charset="0"/>
+                <a:cs typeface="Courier New" charset="0"/>
+              </a:rPr>
+              <a:t> </a:t>
+            </a:r>
+            <a:r>
+              <a:rPr lang="en-US" sz="1600" b="1" i="0" dirty="0" smtClean="0">
+                <a:latin typeface="Courier New" charset="0"/>
+                <a:ea typeface="Courier New" charset="0"/>
+                <a:cs typeface="Courier New" charset="0"/>
+              </a:rPr>
+              <a:t>&lt;</a:t>
+            </a:r>
+            <a:r>
+              <a:rPr lang="en-US" sz="1600" b="1" i="0" dirty="0" err="1" smtClean="0">
+                <a:latin typeface="Courier New" charset="0"/>
+                <a:ea typeface="Courier New" charset="0"/>
+                <a:cs typeface="Courier New" charset="0"/>
+              </a:rPr>
+              <a:t>typename</a:t>
+            </a:r>
+            <a:r>
+              <a:rPr lang="en-US" sz="1600" b="1" i="0" dirty="0" smtClean="0">
+                <a:latin typeface="Courier New" charset="0"/>
+                <a:ea typeface="Courier New" charset="0"/>
+                <a:cs typeface="Courier New" charset="0"/>
+              </a:rPr>
+              <a:t> T&gt;</a:t>
+            </a:r>
+            <a:r>
+              <a:rPr lang="en-US" sz="1600" i="0" dirty="0" smtClean="0">
+                <a:latin typeface="Courier New" charset="0"/>
+                <a:ea typeface="Courier New" charset="0"/>
+                <a:cs typeface="Courier New" charset="0"/>
+              </a:rPr>
+              <a:t> {</a:t>
+            </a:r>
+          </a:p>
+          <a:p>
+            <a:pPr marL="169863" indent="-169863"/>
+            <a:r>
+              <a:rPr lang="en-US" sz="1600" i="0" dirty="0" smtClean="0">
+                <a:latin typeface="Courier New" charset="0"/>
+                <a:ea typeface="Courier New" charset="0"/>
+                <a:cs typeface="Courier New" charset="0"/>
+              </a:rPr>
+              <a:t>  port </a:t>
+            </a:r>
+            <a:r>
+              <a:rPr lang="en-US" sz="1600" i="0" dirty="0" err="1" smtClean="0">
+                <a:latin typeface="Courier New" charset="0"/>
+                <a:ea typeface="Courier New" charset="0"/>
+                <a:cs typeface="Courier New" charset="0"/>
+              </a:rPr>
+              <a:t>ControlledConsumer</a:t>
+            </a:r>
+            <a:r>
+              <a:rPr lang="en-US" sz="1600" b="1" i="0" dirty="0" smtClean="0">
+                <a:latin typeface="Courier New" charset="0"/>
+                <a:ea typeface="Courier New" charset="0"/>
+                <a:cs typeface="Courier New" charset="0"/>
+              </a:rPr>
+              <a:t>&lt;T&gt;</a:t>
+            </a:r>
+            <a:r>
+              <a:rPr lang="en-US" sz="1600" i="0" dirty="0" smtClean="0">
+                <a:latin typeface="Courier New" charset="0"/>
+                <a:ea typeface="Courier New" charset="0"/>
+                <a:cs typeface="Courier New" charset="0"/>
+              </a:rPr>
+              <a:t> cc;</a:t>
+            </a:r>
+          </a:p>
+          <a:p>
+            <a:pPr marL="169863" indent="-169863"/>
+            <a:r>
+              <a:rPr lang="en-US" sz="1600" i="0" dirty="0" smtClean="0">
+                <a:latin typeface="Courier New" charset="0"/>
+                <a:ea typeface="Courier New" charset="0"/>
+                <a:cs typeface="Courier New" charset="0"/>
+              </a:rPr>
+              <a:t>  </a:t>
+            </a:r>
+            <a:r>
+              <a:rPr lang="en-US" sz="1600" i="0" dirty="0" err="1" smtClean="0">
+                <a:latin typeface="Courier New" charset="0"/>
+                <a:ea typeface="Courier New" charset="0"/>
+                <a:cs typeface="Courier New" charset="0"/>
+              </a:rPr>
+              <a:t>mirrorport</a:t>
+            </a:r>
+            <a:r>
+              <a:rPr lang="en-US" sz="1600" i="0" dirty="0" smtClean="0">
+                <a:latin typeface="Courier New" charset="0"/>
+                <a:ea typeface="Courier New" charset="0"/>
+                <a:cs typeface="Courier New" charset="0"/>
+              </a:rPr>
+              <a:t> Pusher</a:t>
+            </a:r>
+            <a:r>
+              <a:rPr lang="en-US" sz="1600" b="1" i="0" dirty="0" smtClean="0">
+                <a:latin typeface="Courier New" charset="0"/>
+                <a:ea typeface="Courier New" charset="0"/>
+                <a:cs typeface="Courier New" charset="0"/>
+              </a:rPr>
+              <a:t>&lt;T&gt;</a:t>
+            </a:r>
+            <a:r>
+              <a:rPr lang="en-US" sz="1600" i="0" dirty="0" smtClean="0">
+                <a:latin typeface="Courier New" charset="0"/>
+                <a:ea typeface="Courier New" charset="0"/>
+                <a:cs typeface="Courier New" charset="0"/>
+              </a:rPr>
+              <a:t> p;</a:t>
+            </a:r>
+          </a:p>
+          <a:p>
+            <a:pPr marL="169863" indent="-169863"/>
+            <a:r>
+              <a:rPr lang="en-US" sz="1600" i="0" dirty="0" smtClean="0">
+                <a:latin typeface="Courier New" charset="0"/>
+                <a:ea typeface="Courier New" charset="0"/>
+                <a:cs typeface="Courier New" charset="0"/>
+              </a:rPr>
+              <a:t>  attribute string configuration;</a:t>
+            </a:r>
+          </a:p>
+          <a:p>
+            <a:pPr marL="169863" indent="-169863"/>
+            <a:r>
+              <a:rPr lang="en-US" sz="1600" i="0" dirty="0" smtClean="0">
+                <a:latin typeface="Courier New" charset="0"/>
+                <a:ea typeface="Courier New" charset="0"/>
+                <a:cs typeface="Courier New" charset="0"/>
+              </a:rPr>
+              <a:t>};</a:t>
+            </a:r>
+          </a:p>
+          <a:p>
             <a:pPr marL="169863" indent="-169863">
               <a:spcBef>
                 <a:spcPct val="40000"/>
@@ -13629,56 +13906,7 @@
               <a:buFontTx/>
               <a:buChar char="•"/>
             </a:pPr>
-            <a:r>
-              <a:rPr lang="nl-NL" altLang="zh-CN" sz="2000" i="0" dirty="0" err="1">
-                <a:ea typeface="宋体" pitchFamily="-65" charset="-128"/>
-                <a:cs typeface="Times New Roman" charset="0"/>
-              </a:rPr>
-              <a:t>Connectors</a:t>
-            </a:r>
-            <a:r>
-              <a:rPr lang="nl-NL" altLang="zh-CN" sz="2000" i="0" dirty="0">
-                <a:ea typeface="宋体" pitchFamily="-65" charset="-128"/>
-                <a:cs typeface="Times New Roman" charset="0"/>
-              </a:rPr>
-              <a:t> support </a:t>
-            </a:r>
-            <a:r>
-              <a:rPr lang="nl-NL" altLang="zh-CN" sz="2000" i="0" dirty="0" err="1">
-                <a:ea typeface="宋体" pitchFamily="-65" charset="-128"/>
-                <a:cs typeface="Times New Roman" charset="0"/>
-              </a:rPr>
-              <a:t>ports</a:t>
-            </a:r>
-            <a:r>
-              <a:rPr lang="nl-NL" altLang="zh-CN" sz="2000" i="0" dirty="0">
-                <a:ea typeface="宋体" pitchFamily="-65" charset="-128"/>
-                <a:cs typeface="Times New Roman" charset="0"/>
-              </a:rPr>
-              <a:t>, </a:t>
-            </a:r>
-            <a:r>
-              <a:rPr lang="nl-NL" altLang="zh-CN" sz="2000" i="0" dirty="0" err="1">
-                <a:ea typeface="宋体" pitchFamily="-65" charset="-128"/>
-                <a:cs typeface="Times New Roman" charset="0"/>
-              </a:rPr>
-              <a:t>attributes</a:t>
-            </a:r>
-            <a:r>
-              <a:rPr lang="nl-NL" altLang="zh-CN" sz="2000" i="0" dirty="0">
-                <a:ea typeface="宋体" pitchFamily="-65" charset="-128"/>
-                <a:cs typeface="Times New Roman" charset="0"/>
-              </a:rPr>
-              <a:t>, and </a:t>
-            </a:r>
-            <a:r>
-              <a:rPr lang="nl-NL" altLang="zh-CN" sz="2000" i="0" dirty="0" err="1">
-                <a:ea typeface="宋体" pitchFamily="-65" charset="-128"/>
-                <a:cs typeface="Times New Roman" charset="0"/>
-              </a:rPr>
-              <a:t>inheritance</a:t>
-            </a:r>
-            <a:endParaRPr lang="nl-NL" altLang="zh-CN" sz="2000" i="0" dirty="0">
+            <a:endParaRPr lang="en-US" altLang="zh-CN" sz="2000" i="0" dirty="0" smtClean="0">
               <a:ea typeface="宋体" pitchFamily="-65" charset="-128"/>
               <a:cs typeface="Times New Roman" charset="0"/>
             </a:endParaRPr>
@@ -13691,463 +13919,7 @@
               <a:buFontTx/>
               <a:buChar char="•"/>
             </a:pPr>
-            <a:endParaRPr lang="nl-NL" altLang="zh-CN" sz="2000" i="0" dirty="0">
-              <a:ea typeface="宋体" pitchFamily="-65" charset="-128"/>
-              <a:cs typeface="Times New Roman" charset="0"/>
-            </a:endParaRPr>
-          </a:p>
-          <a:p>
-            <a:pPr marL="169863" indent="-169863"/>
-            <a:r>
-              <a:rPr lang="nl-NL" sz="1600" b="1" i="0" dirty="0" err="1">
-                <a:latin typeface="Courier New" charset="0"/>
-                <a:ea typeface="Courier New" charset="0"/>
-                <a:cs typeface="Courier New" charset="0"/>
-              </a:rPr>
-              <a:t>connector</a:t>
-            </a:r>
-            <a:r>
-              <a:rPr lang="nl-NL" sz="1600" i="0" dirty="0">
-                <a:latin typeface="Courier New" charset="0"/>
-                <a:ea typeface="Courier New" charset="0"/>
-                <a:cs typeface="Courier New" charset="0"/>
-              </a:rPr>
-              <a:t> </a:t>
-            </a:r>
-            <a:r>
-              <a:rPr lang="nl-NL" sz="1600" i="0" dirty="0" err="1">
-                <a:latin typeface="Courier New" charset="0"/>
-                <a:ea typeface="Courier New" charset="0"/>
-                <a:cs typeface="Courier New" charset="0"/>
-              </a:rPr>
-              <a:t>Cnx</a:t>
-            </a:r>
-            <a:r>
-              <a:rPr lang="nl-NL" sz="1600" i="0" dirty="0">
-                <a:latin typeface="Courier New" charset="0"/>
-                <a:ea typeface="Courier New" charset="0"/>
-                <a:cs typeface="Courier New" charset="0"/>
-              </a:rPr>
-              <a:t> {</a:t>
-            </a:r>
-          </a:p>
-          <a:p>
-            <a:pPr marL="169863" indent="-169863"/>
-            <a:r>
-              <a:rPr lang="nl-NL" sz="1600" i="0" dirty="0">
-                <a:latin typeface="Courier New" charset="0"/>
-                <a:ea typeface="Courier New" charset="0"/>
-                <a:cs typeface="Courier New" charset="0"/>
-              </a:rPr>
-              <a:t>  </a:t>
-            </a:r>
-            <a:r>
-              <a:rPr lang="nl-NL" sz="1600" b="1" i="0" dirty="0" err="1">
-                <a:latin typeface="Courier New" charset="0"/>
-                <a:ea typeface="Courier New" charset="0"/>
-                <a:cs typeface="Courier New" charset="0"/>
-              </a:rPr>
-              <a:t>mirrorport</a:t>
-            </a:r>
-            <a:r>
-              <a:rPr lang="nl-NL" sz="1600" i="0" dirty="0">
-                <a:latin typeface="Courier New" charset="0"/>
-                <a:ea typeface="Courier New" charset="0"/>
-                <a:cs typeface="Courier New" charset="0"/>
-              </a:rPr>
-              <a:t> Data_</a:t>
-            </a:r>
-            <a:r>
-              <a:rPr lang="nl-NL" sz="1600" i="0" dirty="0" err="1">
-                <a:latin typeface="Courier New" charset="0"/>
-                <a:ea typeface="Courier New" charset="0"/>
-                <a:cs typeface="Courier New" charset="0"/>
-              </a:rPr>
-              <a:t>ControlledConsumer</a:t>
-            </a:r>
-            <a:r>
-              <a:rPr lang="nl-NL" sz="1600" i="0" dirty="0">
-                <a:latin typeface="Courier New" charset="0"/>
-                <a:ea typeface="Courier New" charset="0"/>
-                <a:cs typeface="Courier New" charset="0"/>
-              </a:rPr>
-              <a:t> cc;</a:t>
-            </a:r>
-          </a:p>
-          <a:p>
-            <a:pPr marL="169863" indent="-169863"/>
-            <a:r>
-              <a:rPr lang="nl-NL" sz="1600" i="0" dirty="0">
-                <a:latin typeface="Courier New" charset="0"/>
-                <a:ea typeface="Courier New" charset="0"/>
-                <a:cs typeface="Courier New" charset="0"/>
-              </a:rPr>
-              <a:t>  provides Data_</a:t>
-            </a:r>
-            <a:r>
-              <a:rPr lang="nl-NL" sz="1600" i="0" dirty="0" err="1">
-                <a:latin typeface="Courier New" charset="0"/>
-                <a:ea typeface="Courier New" charset="0"/>
-                <a:cs typeface="Courier New" charset="0"/>
-              </a:rPr>
-              <a:t>Pusher</a:t>
-            </a:r>
-            <a:r>
-              <a:rPr lang="nl-NL" sz="1600" i="0" dirty="0">
-                <a:latin typeface="Courier New" charset="0"/>
-                <a:ea typeface="Courier New" charset="0"/>
-                <a:cs typeface="Courier New" charset="0"/>
-              </a:rPr>
-              <a:t> </a:t>
-            </a:r>
-            <a:r>
-              <a:rPr lang="nl-NL" sz="1600" i="0" dirty="0" err="1">
-                <a:latin typeface="Courier New" charset="0"/>
-                <a:ea typeface="Courier New" charset="0"/>
-                <a:cs typeface="Courier New" charset="0"/>
-              </a:rPr>
-              <a:t>p</a:t>
-            </a:r>
-            <a:r>
-              <a:rPr lang="nl-NL" sz="1600" i="0" dirty="0" smtClean="0">
-                <a:latin typeface="Courier New" charset="0"/>
-                <a:ea typeface="Courier New" charset="0"/>
-                <a:cs typeface="Courier New" charset="0"/>
-              </a:rPr>
-              <a:t>;</a:t>
-            </a:r>
-          </a:p>
-          <a:p>
-            <a:pPr marL="169863" indent="-169863"/>
-            <a:r>
-              <a:rPr lang="nl-NL" sz="1600" i="0" dirty="0" smtClean="0">
-                <a:latin typeface="Courier New" charset="0"/>
-                <a:ea typeface="Courier New" charset="0"/>
-                <a:cs typeface="Courier New" charset="0"/>
-              </a:rPr>
-              <a:t>  </a:t>
-            </a:r>
-            <a:r>
-              <a:rPr lang="nl-NL" sz="1600" i="0" dirty="0" err="1" smtClean="0">
-                <a:latin typeface="Courier New" charset="0"/>
-                <a:ea typeface="Courier New" charset="0"/>
-                <a:cs typeface="Courier New" charset="0"/>
-              </a:rPr>
-              <a:t>attribute</a:t>
-            </a:r>
-            <a:r>
-              <a:rPr lang="nl-NL" sz="1600" i="0" dirty="0" smtClean="0">
-                <a:latin typeface="Courier New" charset="0"/>
-                <a:ea typeface="Courier New" charset="0"/>
-                <a:cs typeface="Courier New" charset="0"/>
-              </a:rPr>
-              <a:t> </a:t>
-            </a:r>
-            <a:r>
-              <a:rPr lang="nl-NL" sz="1600" i="0" dirty="0" err="1" smtClean="0">
-                <a:latin typeface="Courier New" charset="0"/>
-                <a:ea typeface="Courier New" charset="0"/>
-                <a:cs typeface="Courier New" charset="0"/>
-              </a:rPr>
-              <a:t>string</a:t>
-            </a:r>
-            <a:r>
-              <a:rPr lang="nl-NL" sz="1600" i="0" dirty="0" smtClean="0">
-                <a:latin typeface="Courier New" charset="0"/>
-                <a:ea typeface="Courier New" charset="0"/>
-                <a:cs typeface="Courier New" charset="0"/>
-              </a:rPr>
-              <a:t> </a:t>
-            </a:r>
-            <a:r>
-              <a:rPr lang="nl-NL" sz="1600" i="0" dirty="0" err="1" smtClean="0">
-                <a:latin typeface="Courier New" charset="0"/>
-                <a:ea typeface="Courier New" charset="0"/>
-                <a:cs typeface="Courier New" charset="0"/>
-              </a:rPr>
-              <a:t>configuration</a:t>
-            </a:r>
-            <a:r>
-              <a:rPr lang="nl-NL" sz="1600" i="0" dirty="0" smtClean="0">
-                <a:latin typeface="Courier New" charset="0"/>
-                <a:ea typeface="Courier New" charset="0"/>
-                <a:cs typeface="Courier New" charset="0"/>
-              </a:rPr>
-              <a:t>;</a:t>
-            </a:r>
-          </a:p>
-          <a:p>
-            <a:pPr marL="169863" indent="-169863"/>
-            <a:r>
-              <a:rPr lang="nl-NL" sz="1600" i="0" dirty="0">
-                <a:latin typeface="Courier New" charset="0"/>
-                <a:ea typeface="Courier New" charset="0"/>
-                <a:cs typeface="Courier New" charset="0"/>
-              </a:rPr>
-              <a:t>};</a:t>
-            </a:r>
-          </a:p>
-          <a:p>
-            <a:pPr marL="169863" indent="-169863"/>
-            <a:r>
-              <a:rPr lang="nl-NL" sz="1600" b="1" i="0" dirty="0" err="1">
-                <a:latin typeface="Courier New" charset="0"/>
-                <a:ea typeface="Courier New" charset="0"/>
-                <a:cs typeface="Courier New" charset="0"/>
-              </a:rPr>
-              <a:t>connector</a:t>
-            </a:r>
-            <a:r>
-              <a:rPr lang="nl-NL" sz="1600" i="0" dirty="0">
-                <a:latin typeface="Courier New" charset="0"/>
-                <a:ea typeface="Courier New" charset="0"/>
-                <a:cs typeface="Courier New" charset="0"/>
-              </a:rPr>
-              <a:t> </a:t>
-            </a:r>
-            <a:r>
-              <a:rPr lang="nl-NL" sz="1600" i="0" dirty="0" err="1">
-                <a:latin typeface="Courier New" charset="0"/>
-                <a:ea typeface="Courier New" charset="0"/>
-                <a:cs typeface="Courier New" charset="0"/>
-              </a:rPr>
-              <a:t>Cnx</a:t>
-            </a:r>
-            <a:r>
-              <a:rPr lang="nl-NL" sz="1600" i="0" dirty="0">
-                <a:latin typeface="Courier New" charset="0"/>
-                <a:ea typeface="Courier New" charset="0"/>
-                <a:cs typeface="Courier New" charset="0"/>
-              </a:rPr>
-              <a:t> </a:t>
-            </a:r>
-            <a:r>
-              <a:rPr lang="nl-NL" sz="1600" b="1" i="0" dirty="0">
-                <a:latin typeface="Courier New" charset="0"/>
-                <a:ea typeface="Courier New" charset="0"/>
-                <a:cs typeface="Courier New" charset="0"/>
-              </a:rPr>
-              <a:t>&lt;</a:t>
-            </a:r>
-            <a:r>
-              <a:rPr lang="nl-NL" sz="1600" b="1" i="0" dirty="0" err="1">
-                <a:latin typeface="Courier New" charset="0"/>
-                <a:ea typeface="Courier New" charset="0"/>
-                <a:cs typeface="Courier New" charset="0"/>
-              </a:rPr>
-              <a:t>typename</a:t>
-            </a:r>
-            <a:r>
-              <a:rPr lang="nl-NL" sz="1600" b="1" i="0" dirty="0">
-                <a:latin typeface="Courier New" charset="0"/>
-                <a:ea typeface="Courier New" charset="0"/>
-                <a:cs typeface="Courier New" charset="0"/>
-              </a:rPr>
-              <a:t> T&gt;</a:t>
-            </a:r>
-            <a:r>
-              <a:rPr lang="nl-NL" sz="1600" i="0" dirty="0">
-                <a:latin typeface="Courier New" charset="0"/>
-                <a:ea typeface="Courier New" charset="0"/>
-                <a:cs typeface="Courier New" charset="0"/>
-              </a:rPr>
-              <a:t> {</a:t>
-            </a:r>
-          </a:p>
-          <a:p>
-            <a:pPr marL="169863" indent="-169863"/>
-            <a:r>
-              <a:rPr lang="nl-NL" sz="1600" i="0" dirty="0">
-                <a:latin typeface="Courier New" charset="0"/>
-                <a:ea typeface="Courier New" charset="0"/>
-                <a:cs typeface="Courier New" charset="0"/>
-              </a:rPr>
-              <a:t>  port </a:t>
-            </a:r>
-            <a:r>
-              <a:rPr lang="nl-NL" sz="1600" i="0" dirty="0" err="1">
-                <a:latin typeface="Courier New" charset="0"/>
-                <a:ea typeface="Courier New" charset="0"/>
-                <a:cs typeface="Courier New" charset="0"/>
-              </a:rPr>
-              <a:t>ControlledConsumer</a:t>
-            </a:r>
-            <a:r>
-              <a:rPr lang="nl-NL" sz="1600" b="1" i="0" dirty="0">
-                <a:latin typeface="Courier New" charset="0"/>
-                <a:ea typeface="Courier New" charset="0"/>
-                <a:cs typeface="Courier New" charset="0"/>
-              </a:rPr>
-              <a:t>&lt;T&gt;</a:t>
-            </a:r>
-            <a:r>
-              <a:rPr lang="nl-NL" sz="1600" i="0" dirty="0">
-                <a:latin typeface="Courier New" charset="0"/>
-                <a:ea typeface="Courier New" charset="0"/>
-                <a:cs typeface="Courier New" charset="0"/>
-              </a:rPr>
-              <a:t> cc;</a:t>
-            </a:r>
-          </a:p>
-          <a:p>
-            <a:pPr marL="169863" indent="-169863"/>
-            <a:r>
-              <a:rPr lang="nl-NL" sz="1600" i="0" dirty="0">
-                <a:latin typeface="Courier New" charset="0"/>
-                <a:ea typeface="Courier New" charset="0"/>
-                <a:cs typeface="Courier New" charset="0"/>
-              </a:rPr>
-              <a:t>  </a:t>
-            </a:r>
-            <a:r>
-              <a:rPr lang="nl-NL" sz="1600" i="0" dirty="0" err="1">
-                <a:latin typeface="Courier New" charset="0"/>
-                <a:ea typeface="Courier New" charset="0"/>
-                <a:cs typeface="Courier New" charset="0"/>
-              </a:rPr>
-              <a:t>mirrorport</a:t>
-            </a:r>
-            <a:r>
-              <a:rPr lang="nl-NL" sz="1600" i="0" dirty="0">
-                <a:latin typeface="Courier New" charset="0"/>
-                <a:ea typeface="Courier New" charset="0"/>
-                <a:cs typeface="Courier New" charset="0"/>
-              </a:rPr>
-              <a:t> </a:t>
-            </a:r>
-            <a:r>
-              <a:rPr lang="nl-NL" sz="1600" i="0" dirty="0" err="1">
-                <a:latin typeface="Courier New" charset="0"/>
-                <a:ea typeface="Courier New" charset="0"/>
-                <a:cs typeface="Courier New" charset="0"/>
-              </a:rPr>
-              <a:t>Pusher</a:t>
-            </a:r>
-            <a:r>
-              <a:rPr lang="nl-NL" sz="1600" b="1" i="0" dirty="0">
-                <a:latin typeface="Courier New" charset="0"/>
-                <a:ea typeface="Courier New" charset="0"/>
-                <a:cs typeface="Courier New" charset="0"/>
-              </a:rPr>
-              <a:t>&lt;T&gt;</a:t>
-            </a:r>
-            <a:r>
-              <a:rPr lang="nl-NL" sz="1600" i="0" dirty="0">
-                <a:latin typeface="Courier New" charset="0"/>
-                <a:ea typeface="Courier New" charset="0"/>
-                <a:cs typeface="Courier New" charset="0"/>
-              </a:rPr>
-              <a:t> </a:t>
-            </a:r>
-            <a:r>
-              <a:rPr lang="nl-NL" sz="1600" i="0" dirty="0" err="1">
-                <a:latin typeface="Courier New" charset="0"/>
-                <a:ea typeface="Courier New" charset="0"/>
-                <a:cs typeface="Courier New" charset="0"/>
-              </a:rPr>
-              <a:t>p</a:t>
-            </a:r>
-            <a:r>
-              <a:rPr lang="nl-NL" sz="1600" i="0" dirty="0" smtClean="0">
-                <a:latin typeface="Courier New" charset="0"/>
-                <a:ea typeface="Courier New" charset="0"/>
-                <a:cs typeface="Courier New" charset="0"/>
-              </a:rPr>
-              <a:t>;</a:t>
-            </a:r>
-          </a:p>
-          <a:p>
-            <a:pPr marL="169863" indent="-169863"/>
-            <a:r>
-              <a:rPr lang="nl-NL" sz="1600" i="0" dirty="0" smtClean="0">
-                <a:latin typeface="Courier New" charset="0"/>
-                <a:ea typeface="Courier New" charset="0"/>
-                <a:cs typeface="Courier New" charset="0"/>
-              </a:rPr>
-              <a:t>  </a:t>
-            </a:r>
-            <a:r>
-              <a:rPr lang="nl-NL" sz="1600" i="0" dirty="0" err="1" smtClean="0">
-                <a:latin typeface="Courier New" charset="0"/>
-                <a:ea typeface="Courier New" charset="0"/>
-                <a:cs typeface="Courier New" charset="0"/>
-              </a:rPr>
-              <a:t>attribute</a:t>
-            </a:r>
-            <a:r>
-              <a:rPr lang="nl-NL" sz="1600" i="0" dirty="0" smtClean="0">
-                <a:latin typeface="Courier New" charset="0"/>
-                <a:ea typeface="Courier New" charset="0"/>
-                <a:cs typeface="Courier New" charset="0"/>
-              </a:rPr>
-              <a:t> </a:t>
-            </a:r>
-            <a:r>
-              <a:rPr lang="nl-NL" sz="1600" i="0" dirty="0" err="1" smtClean="0">
-                <a:latin typeface="Courier New" charset="0"/>
-                <a:ea typeface="Courier New" charset="0"/>
-                <a:cs typeface="Courier New" charset="0"/>
-              </a:rPr>
-              <a:t>string</a:t>
-            </a:r>
-            <a:r>
-              <a:rPr lang="nl-NL" sz="1600" i="0" dirty="0" smtClean="0">
-                <a:latin typeface="Courier New" charset="0"/>
-                <a:ea typeface="Courier New" charset="0"/>
-                <a:cs typeface="Courier New" charset="0"/>
-              </a:rPr>
-              <a:t> </a:t>
-            </a:r>
-            <a:r>
-              <a:rPr lang="nl-NL" sz="1600" i="0" dirty="0" err="1" smtClean="0">
-                <a:latin typeface="Courier New" charset="0"/>
-                <a:ea typeface="Courier New" charset="0"/>
-                <a:cs typeface="Courier New" charset="0"/>
-              </a:rPr>
-              <a:t>configuration</a:t>
-            </a:r>
-            <a:r>
-              <a:rPr lang="nl-NL" sz="1600" i="0" dirty="0" smtClean="0">
-                <a:latin typeface="Courier New" charset="0"/>
-                <a:ea typeface="Courier New" charset="0"/>
-                <a:cs typeface="Courier New" charset="0"/>
-              </a:rPr>
-              <a:t>;</a:t>
-            </a:r>
-          </a:p>
-          <a:p>
-            <a:pPr marL="169863" indent="-169863"/>
-            <a:r>
-              <a:rPr lang="nl-NL" sz="1600" i="0" dirty="0">
-                <a:latin typeface="Courier New" charset="0"/>
-                <a:ea typeface="Courier New" charset="0"/>
-                <a:cs typeface="Courier New" charset="0"/>
-              </a:rPr>
-              <a:t>};</a:t>
-            </a:r>
-          </a:p>
-          <a:p>
-            <a:pPr marL="169863" indent="-169863">
-              <a:spcBef>
-                <a:spcPct val="40000"/>
-              </a:spcBef>
-              <a:buFontTx/>
-              <a:buChar char="•"/>
-            </a:pPr>
-            <a:endParaRPr lang="nl-NL" altLang="zh-CN" sz="2000" i="0" dirty="0">
-              <a:ea typeface="宋体" pitchFamily="-65" charset="-128"/>
-              <a:cs typeface="Times New Roman" charset="0"/>
-            </a:endParaRPr>
-          </a:p>
-          <a:p>
-            <a:pPr marL="169863" indent="-169863">
-              <a:spcBef>
-                <a:spcPct val="40000"/>
-              </a:spcBef>
-              <a:buFontTx/>
-              <a:buChar char="•"/>
-            </a:pPr>
-            <a:endParaRPr lang="nl-NL" altLang="zh-CN" sz="2000" i="0" dirty="0">
+            <a:endParaRPr lang="en-US" altLang="zh-CN" sz="2000" i="0" dirty="0">
               <a:ea typeface="宋体" pitchFamily="-65" charset="-128"/>
               <a:cs typeface="Times New Roman" charset="0"/>
             </a:endParaRPr>
@@ -16355,7 +16127,14 @@
                 <a:latin typeface="Courier New"/>
                 <a:cs typeface="Courier New"/>
               </a:rPr>
-              <a:t>Porttype</a:t>
+              <a:t>p</a:t>
+            </a:r>
+            <a:r>
+              <a:rPr lang="en-US" sz="1400" i="0" dirty="0" err="1" smtClean="0">
+                <a:latin typeface="Courier New"/>
+                <a:cs typeface="Courier New"/>
+              </a:rPr>
+              <a:t>orttype</a:t>
             </a:r>
             <a:r>
               <a:rPr lang="en-US" sz="1400" i="0" dirty="0" smtClean="0">
@@ -16481,7 +16260,14 @@
                 <a:latin typeface="Courier New"/>
                 <a:cs typeface="Courier New"/>
               </a:rPr>
-              <a:t>Porttype</a:t>
+              <a:t>p</a:t>
+            </a:r>
+            <a:r>
+              <a:rPr lang="en-US" sz="1400" i="0" dirty="0" err="1" smtClean="0">
+                <a:latin typeface="Courier New"/>
+                <a:cs typeface="Courier New"/>
+              </a:rPr>
+              <a:t>orttype</a:t>
             </a:r>
             <a:r>
               <a:rPr lang="en-US" sz="1400" i="0" dirty="0" smtClean="0">
